--- a/help/data-sheets/assets/EliteSupportDatasheet.pptx
+++ b/help/data-sheets/assets/EliteSupportDatasheet.pptx
@@ -151,72 +151,9 @@
 <file path=ppt/revisionInfo.xml><?xml version="1.0" encoding="utf-8"?>
 <p1510:revInfo xmlns:a="http://schemas.openxmlformats.org/drawingml/2006/main" xmlns:r="http://schemas.openxmlformats.org/officeDocument/2006/relationships" xmlns:p1510="http://schemas.microsoft.com/office/powerpoint/2015/10/main">
   <p1510:revLst>
-    <p1510:client id="{306579C9-8574-E621-57BF-C5D6F4C605CC}" v="6" dt="2021-09-22T22:58:26.163"/>
     <p1510:client id="{86768B6F-E5DF-274A-B928-9320E1DF9962}" v="132" dt="2021-08-07T02:18:13.925"/>
-    <p1510:client id="{8C285145-5FF7-2B49-D44C-ABA3390CC068}" v="48" dt="2021-09-22T19:02:31.738"/>
   </p1510:revLst>
 </p1510:revInfo>
-</file>
-
-<file path=ppt/changesInfos/changesInfo1.xml><?xml version="1.0" encoding="utf-8"?>
-<pc:chgInfo xmlns:a="http://schemas.openxmlformats.org/drawingml/2006/main" xmlns:r="http://schemas.openxmlformats.org/officeDocument/2006/relationships" xmlns:ac="http://schemas.microsoft.com/office/drawing/2013/main/command" xmlns:pc="http://schemas.microsoft.com/office/powerpoint/2013/main/command">
-  <pc:docChgLst>
-    <pc:chgData name="Akilah Johnson" userId="S::akjohnso@adobe.com::2fa3aa60-0c9c-4d06-bae2-795983241227" providerId="AD" clId="Web-{306579C9-8574-E621-57BF-C5D6F4C605CC}"/>
-    <pc:docChg chg="modSld">
-      <pc:chgData name="Akilah Johnson" userId="S::akjohnso@adobe.com::2fa3aa60-0c9c-4d06-bae2-795983241227" providerId="AD" clId="Web-{306579C9-8574-E621-57BF-C5D6F4C605CC}" dt="2021-09-22T22:58:18.491" v="3"/>
-      <pc:docMkLst>
-        <pc:docMk/>
-      </pc:docMkLst>
-      <pc:sldChg chg="modSp">
-        <pc:chgData name="Akilah Johnson" userId="S::akjohnso@adobe.com::2fa3aa60-0c9c-4d06-bae2-795983241227" providerId="AD" clId="Web-{306579C9-8574-E621-57BF-C5D6F4C605CC}" dt="2021-09-22T22:58:18.491" v="3"/>
-        <pc:sldMkLst>
-          <pc:docMk/>
-          <pc:sldMk cId="1050037809" sldId="261"/>
-        </pc:sldMkLst>
-        <pc:graphicFrameChg chg="mod modGraphic">
-          <ac:chgData name="Akilah Johnson" userId="S::akjohnso@adobe.com::2fa3aa60-0c9c-4d06-bae2-795983241227" providerId="AD" clId="Web-{306579C9-8574-E621-57BF-C5D6F4C605CC}" dt="2021-09-22T22:58:18.491" v="3"/>
-          <ac:graphicFrameMkLst>
-            <pc:docMk/>
-            <pc:sldMk cId="1050037809" sldId="261"/>
-            <ac:graphicFrameMk id="25" creationId="{3A91F5B0-3974-A14D-A146-FB590F2AAD18}"/>
-          </ac:graphicFrameMkLst>
-        </pc:graphicFrameChg>
-      </pc:sldChg>
-    </pc:docChg>
-  </pc:docChgLst>
-  <pc:docChgLst>
-    <pc:chgData name="Akilah Johnson" userId="S::akjohnso@adobe.com::2fa3aa60-0c9c-4d06-bae2-795983241227" providerId="AD" clId="Web-{8C285145-5FF7-2B49-D44C-ABA3390CC068}"/>
-    <pc:docChg chg="modSld">
-      <pc:chgData name="Akilah Johnson" userId="S::akjohnso@adobe.com::2fa3aa60-0c9c-4d06-bae2-795983241227" providerId="AD" clId="Web-{8C285145-5FF7-2B49-D44C-ABA3390CC068}" dt="2021-09-22T19:02:31.738" v="36" actId="1076"/>
-      <pc:docMkLst>
-        <pc:docMk/>
-      </pc:docMkLst>
-      <pc:sldChg chg="modSp">
-        <pc:chgData name="Akilah Johnson" userId="S::akjohnso@adobe.com::2fa3aa60-0c9c-4d06-bae2-795983241227" providerId="AD" clId="Web-{8C285145-5FF7-2B49-D44C-ABA3390CC068}" dt="2021-09-22T19:02:31.738" v="36" actId="1076"/>
-        <pc:sldMkLst>
-          <pc:docMk/>
-          <pc:sldMk cId="1050037809" sldId="261"/>
-        </pc:sldMkLst>
-        <pc:spChg chg="mod">
-          <ac:chgData name="Akilah Johnson" userId="S::akjohnso@adobe.com::2fa3aa60-0c9c-4d06-bae2-795983241227" providerId="AD" clId="Web-{8C285145-5FF7-2B49-D44C-ABA3390CC068}" dt="2021-09-22T19:02:31.738" v="36" actId="1076"/>
-          <ac:spMkLst>
-            <pc:docMk/>
-            <pc:sldMk cId="1050037809" sldId="261"/>
-            <ac:spMk id="64" creationId="{41467BDC-3D83-D844-B922-CD07E94E5AAB}"/>
-          </ac:spMkLst>
-        </pc:spChg>
-        <pc:graphicFrameChg chg="mod modGraphic">
-          <ac:chgData name="Akilah Johnson" userId="S::akjohnso@adobe.com::2fa3aa60-0c9c-4d06-bae2-795983241227" providerId="AD" clId="Web-{8C285145-5FF7-2B49-D44C-ABA3390CC068}" dt="2021-09-22T18:59:49.504" v="34"/>
-          <ac:graphicFrameMkLst>
-            <pc:docMk/>
-            <pc:sldMk cId="1050037809" sldId="261"/>
-            <ac:graphicFrameMk id="25" creationId="{3A91F5B0-3974-A14D-A146-FB590F2AAD18}"/>
-          </ac:graphicFrameMkLst>
-        </pc:graphicFrameChg>
-      </pc:sldChg>
-    </pc:docChg>
-  </pc:docChgLst>
-</pc:chgInfo>
 </file>
 
 <file path=ppt/notesMasters/notesMaster1.xml><?xml version="1.0" encoding="utf-8"?>
@@ -301,7 +238,7 @@
           <a:p>
             <a:fld id="{C12E57D6-2086-AA47-A7A4-C0CDE7C14E44}" type="datetimeFigureOut">
               <a:rPr lang="en-US" smtClean="0"/>
-              <a:t>9/22/2021</a:t>
+              <a:t>10/11/21</a:t>
             </a:fld>
             <a:endParaRPr lang="en-US"/>
           </a:p>
@@ -875,7 +812,7 @@
           <a:p>
             <a:fld id="{1D8BD707-D9CF-40AE-B4C6-C98DA3205C09}" type="datetimeFigureOut">
               <a:rPr lang="en-US"/>
-              <a:t>9/22/2021</a:t>
+              <a:t>10/11/21</a:t>
             </a:fld>
             <a:endParaRPr lang="en-US"/>
           </a:p>
@@ -1120,7 +1057,7 @@
           <a:p>
             <a:fld id="{1D8BD707-D9CF-40AE-B4C6-C98DA3205C09}" type="datetimeFigureOut">
               <a:rPr lang="en-US"/>
-              <a:t>9/22/2021</a:t>
+              <a:t>10/11/21</a:t>
             </a:fld>
             <a:endParaRPr lang="en-US"/>
           </a:p>
@@ -1378,7 +1315,7 @@
           <a:p>
             <a:fld id="{1D8BD707-D9CF-40AE-B4C6-C98DA3205C09}" type="datetimeFigureOut">
               <a:rPr lang="en-US"/>
-              <a:t>9/22/2021</a:t>
+              <a:t>10/11/21</a:t>
             </a:fld>
             <a:endParaRPr lang="en-US"/>
           </a:p>
@@ -1570,7 +1507,7 @@
           <a:p>
             <a:fld id="{1D8BD707-D9CF-40AE-B4C6-C98DA3205C09}" type="datetimeFigureOut">
               <a:rPr lang="en-US"/>
-              <a:t>9/22/2021</a:t>
+              <a:t>10/11/21</a:t>
             </a:fld>
             <a:endParaRPr lang="en-US"/>
           </a:p>
@@ -1733,7 +1670,7 @@
           <a:p>
             <a:fld id="{1D8BD707-D9CF-40AE-B4C6-C98DA3205C09}" type="datetimeFigureOut">
               <a:rPr lang="en-US"/>
-              <a:t>9/22/2021</a:t>
+              <a:t>10/11/21</a:t>
             </a:fld>
             <a:endParaRPr lang="en-US"/>
           </a:p>
@@ -1996,7 +1933,7 @@
           <a:p>
             <a:fld id="{1D8BD707-D9CF-40AE-B4C6-C98DA3205C09}" type="datetimeFigureOut">
               <a:rPr lang="en-US"/>
-              <a:t>9/22/2021</a:t>
+              <a:t>10/11/21</a:t>
             </a:fld>
             <a:endParaRPr lang="en-US"/>
           </a:p>
@@ -2293,10 +2230,10 @@
               </a:spcBef>
             </a:pPr>
             <a:r>
-              <a:rPr sz="2300" dirty="0">
+              <a:rPr lang="de-de" sz="2300" dirty="0">
                 <a:latin typeface="Adobe Clean" panose="020B0503020404020204" pitchFamily="34" charset="0"/>
               </a:rPr>
-              <a:t>ADOBE SUPPORTOFFERINGS</a:t>
+              <a:t>Adobe 지원 서비스 제공 사항</a:t>
             </a:r>
           </a:p>
         </p:txBody>
@@ -2331,17 +2268,17 @@
               </a:spcBef>
             </a:pPr>
             <a:r>
-              <a:rPr sz="1100" spc="-5" dirty="0">
+              <a:rPr lang="de-de" sz="1100" spc="-5" dirty="0">
                 <a:solidFill>
                   <a:srgbClr val="FFFFFF"/>
                 </a:solidFill>
                 <a:latin typeface="AdobeClean-Light"/>
                 <a:cs typeface="AdobeClean-Light"/>
               </a:rPr>
-              <a:t>Online</a:t>
-            </a:r>
-            <a:r>
-              <a:rPr sz="1100" dirty="0">
+              <a:t>온라인</a:t>
+            </a:r>
+            <a:r>
+              <a:rPr lang="de-de" sz="1100" dirty="0">
                 <a:solidFill>
                   <a:srgbClr val="FFFFFF"/>
                 </a:solidFill>
@@ -2351,7 +2288,7 @@
               <a:t> |</a:t>
             </a:r>
             <a:r>
-              <a:rPr sz="1100" spc="5" dirty="0">
+              <a:rPr lang="de-de" sz="1100" spc="5" dirty="0">
                 <a:solidFill>
                   <a:srgbClr val="FFFFFF"/>
                 </a:solidFill>
@@ -2361,17 +2298,17 @@
               <a:t> </a:t>
             </a:r>
             <a:r>
-              <a:rPr sz="1100" spc="-5" dirty="0">
+              <a:rPr lang="de-de" sz="1100" spc="-5" dirty="0">
                 <a:solidFill>
                   <a:srgbClr val="FFFFFF"/>
                 </a:solidFill>
                 <a:latin typeface="AdobeClean-Light"/>
                 <a:cs typeface="AdobeClean-Light"/>
               </a:rPr>
-              <a:t>Business</a:t>
-            </a:r>
-            <a:r>
-              <a:rPr sz="1100" dirty="0">
+              <a:t>비즈니스</a:t>
+            </a:r>
+            <a:r>
+              <a:rPr lang="de-de" sz="1100" dirty="0">
                 <a:solidFill>
                   <a:srgbClr val="FFFFFF"/>
                 </a:solidFill>
@@ -2381,7 +2318,7 @@
               <a:t> |</a:t>
             </a:r>
             <a:r>
-              <a:rPr sz="1100" spc="10" dirty="0">
+              <a:rPr lang="de-de" sz="1100" spc="10" dirty="0">
                 <a:solidFill>
                   <a:srgbClr val="FFFFFF"/>
                 </a:solidFill>
@@ -2391,17 +2328,17 @@
               <a:t> </a:t>
             </a:r>
             <a:r>
-              <a:rPr sz="1100" spc="-5" dirty="0">
+              <a:rPr lang="de-de" sz="1100" spc="-5" dirty="0">
                 <a:solidFill>
                   <a:srgbClr val="FFFFFF"/>
                 </a:solidFill>
                 <a:latin typeface="AdobeClean-Light"/>
                 <a:cs typeface="AdobeClean-Light"/>
               </a:rPr>
-              <a:t>Enterprise</a:t>
-            </a:r>
-            <a:r>
-              <a:rPr sz="1100" spc="10" dirty="0">
+              <a:t>엔터프라이즈</a:t>
+            </a:r>
+            <a:r>
+              <a:rPr lang="de-de" sz="1100" spc="10" dirty="0">
                 <a:solidFill>
                   <a:srgbClr val="FFFFFF"/>
                 </a:solidFill>
@@ -2411,7 +2348,7 @@
               <a:t> </a:t>
             </a:r>
             <a:r>
-              <a:rPr sz="1100" dirty="0">
+              <a:rPr lang="de-de" sz="1100" dirty="0">
                 <a:solidFill>
                   <a:srgbClr val="FFFFFF"/>
                 </a:solidFill>
@@ -2421,7 +2358,7 @@
               <a:t>|</a:t>
             </a:r>
             <a:r>
-              <a:rPr sz="1100" spc="5" dirty="0">
+              <a:rPr lang="de-de" sz="1100" spc="5" dirty="0">
                 <a:solidFill>
                   <a:srgbClr val="FFFFFF"/>
                 </a:solidFill>
@@ -2431,14 +2368,14 @@
               <a:t> </a:t>
             </a:r>
             <a:r>
-              <a:rPr sz="1100" b="1" spc="-65" dirty="0">
+              <a:rPr lang="de-de" sz="1100" b="1" spc="-65" dirty="0">
                 <a:solidFill>
                   <a:srgbClr val="FFFFFF"/>
                 </a:solidFill>
                 <a:latin typeface="Arial"/>
                 <a:cs typeface="Arial"/>
               </a:rPr>
-              <a:t>Elite</a:t>
+              <a:t>엘리트</a:t>
             </a:r>
             <a:endParaRPr sz="1100" dirty="0">
               <a:latin typeface="Arial"/>
@@ -2452,13 +2389,13 @@
               </a:spcBef>
             </a:pPr>
             <a:r>
-              <a:rPr lang="en-US" sz="900" dirty="0">
+              <a:rPr lang="de-de" sz="900" dirty="0">
                 <a:solidFill>
                   <a:schemeClr val="bg1"/>
                 </a:solidFill>
                 <a:latin typeface="Adobe Clean SemiLight" panose="020B0403020404020204" pitchFamily="34" charset="0"/>
               </a:rPr>
-              <a:t>Adobe provides a comprehensive range of technical resources to help support your business included as part of your Experience Cloud license subscription and further enhanced in the ELITE support package. ELITE support includes access to personalized learning paths and monitored community forums via the Adobe Experience League. You can also take advantage of our detailed and in-depth technical product documentation and current release notes. ELITE customers will also have access to a Named Support Engineer as well as a Technical Account Manager who combine and work in partnership with you to provide best in class proactive and reactive support while acting as your designated technical contacts in the Adobe Support Team. With deep experience in your designated Experience Cloud solutions, your support team work to ensure that no matter how complex your support needs are, the Adobe Support team will be there side by side with you throughout, to ensure you maximize your investment in the Adobe Experience Cloud solutions and to help you avoid problems before they happen.</a:t>
+              <a:t>Adobe는 비즈니스를 지원하는 데 도움이 되는 포괄적인 기술 리소스를 제공합니다. Experience Cloud 라이선스 구독의 일부로 포함되며 엘리트 지원 패키지에서 더욱 향상되었습니다. 엘리트 지원에는 Adobe Experience League를 통한 개인 맞춤형 학습 경로 및 모니터링되는 커뮤니티 포럼 액세스가 포함됩니다. 또한 상세한 심층적 기술 제품 설명서 및 최신 릴리스 정보를 활용할 수도 있습니다. 엘리트 고객은 Adobe 지원 팀에서 지정 기술 담당자 역할을 하는 동시에 최고 수준의 사전 대응 및 사후 지원을 제공하기 위해 단합하고 고객과 협력하는 기술 계정 관리자 및 지정 지원 엔지니어의 서비스도 이용할 수 있습니다. 지정된 Experience Cloud 솔루션에 대한 풍부한 경험을 바탕으로, 지원 요구 사항이 아무리 복잡하더라도 Adobe 지원 팀은 처음부터 끝까지 고객과 함께하며 Adobe Experience Cloud 솔루션에 대한 투자를 극대화하고 문제가 발생하기 전에 예방하기 위해 노력합니다.</a:t>
             </a:r>
             <a:endParaRPr sz="900" dirty="0">
               <a:solidFill>
@@ -2478,8 +2415,8 @@
         </p:nvSpPr>
         <p:spPr>
           <a:xfrm>
-            <a:off x="168564" y="7024371"/>
-            <a:ext cx="2780665" cy="238760"/>
+            <a:off x="168564" y="7024370"/>
+            <a:ext cx="5394036" cy="228268"/>
           </a:xfrm>
           <a:prstGeom prst="rect">
             <a:avLst/>
@@ -2500,7 +2437,7 @@
               </a:spcBef>
             </a:pPr>
             <a:r>
-              <a:rPr sz="1400" b="1" u="heavy" spc="20" dirty="0">
+              <a:rPr lang="de-de" sz="1400" b="1" u="heavy" spc="20" dirty="0">
                 <a:solidFill>
                   <a:srgbClr val="020302"/>
                 </a:solidFill>
@@ -2512,10 +2449,10 @@
                 <a:latin typeface="Adobe Clean"/>
                 <a:cs typeface="Adobe Clean"/>
               </a:rPr>
-              <a:t>S</a:t>
-            </a:r>
-            <a:r>
-              <a:rPr sz="1400" b="1" u="heavy" dirty="0">
+              <a:t>서비스 </a:t>
+            </a:r>
+            <a:r>
+              <a:rPr lang="de-de" sz="1400" b="1" u="heavy" spc="-20" dirty="0">
                 <a:solidFill>
                   <a:srgbClr val="020302"/>
                 </a:solidFill>
@@ -2527,10 +2464,10 @@
                 <a:latin typeface="Adobe Clean"/>
                 <a:cs typeface="Adobe Clean"/>
               </a:rPr>
-              <a:t>er</a:t>
-            </a:r>
-            <a:r>
-              <a:rPr sz="1400" b="1" u="heavy" spc="10" dirty="0">
+              <a:t>수준</a:t>
+            </a:r>
+            <a:r>
+              <a:rPr lang="de-de" sz="1400" b="1" u="heavy" spc="-10" dirty="0">
                 <a:solidFill>
                   <a:srgbClr val="020302"/>
                 </a:solidFill>
@@ -2542,10 +2479,10 @@
                 <a:latin typeface="Adobe Clean"/>
                 <a:cs typeface="Adobe Clean"/>
               </a:rPr>
-              <a:t>vi</a:t>
-            </a:r>
-            <a:r>
-              <a:rPr sz="1400" b="1" u="heavy" dirty="0">
+              <a:t> </a:t>
+            </a:r>
+            <a:r>
+              <a:rPr lang="de-de" sz="1400" b="1" u="heavy" spc="-65" dirty="0">
                 <a:solidFill>
                   <a:srgbClr val="020302"/>
                 </a:solidFill>
@@ -2557,10 +2494,10 @@
                 <a:latin typeface="Adobe Clean"/>
                 <a:cs typeface="Adobe Clean"/>
               </a:rPr>
-              <a:t>ce</a:t>
-            </a:r>
-            <a:r>
-              <a:rPr sz="1400" b="1" u="heavy" spc="20" dirty="0">
+              <a:t>목표</a:t>
+            </a:r>
+            <a:r>
+              <a:rPr lang="de-de" sz="1400" b="1" u="heavy" dirty="0">
                 <a:solidFill>
                   <a:srgbClr val="020302"/>
                 </a:solidFill>
@@ -2572,10 +2509,10 @@
                 <a:latin typeface="Adobe Clean"/>
                 <a:cs typeface="Adobe Clean"/>
               </a:rPr>
-              <a:t> </a:t>
-            </a:r>
-            <a:r>
-              <a:rPr sz="1400" b="1" u="heavy" spc="-20" dirty="0">
+              <a:t>:</a:t>
+            </a:r>
+            <a:r>
+              <a:rPr lang="de-de" sz="1400" b="1" u="heavy" spc="-80" dirty="0">
                 <a:solidFill>
                   <a:srgbClr val="020302"/>
                 </a:solidFill>
@@ -2587,10 +2524,10 @@
                 <a:latin typeface="Adobe Clean"/>
                 <a:cs typeface="Adobe Clean"/>
               </a:rPr>
-              <a:t>Le</a:t>
-            </a:r>
-            <a:r>
-              <a:rPr sz="1400" b="1" u="heavy" spc="-10" dirty="0">
+              <a:t> </a:t>
+            </a:r>
+            <a:r>
+              <a:rPr lang="de-de" sz="1400" b="1" u="heavy" spc="-20" dirty="0">
                 <a:solidFill>
                   <a:srgbClr val="020302"/>
                 </a:solidFill>
@@ -2602,10 +2539,10 @@
                 <a:latin typeface="Adobe Clean"/>
                 <a:cs typeface="Adobe Clean"/>
               </a:rPr>
-              <a:t>v</a:t>
-            </a:r>
-            <a:r>
-              <a:rPr sz="1400" b="1" u="heavy" spc="-20" dirty="0">
+              <a:t>초기</a:t>
+            </a:r>
+            <a:r>
+              <a:rPr lang="de-de" sz="1400" b="1" u="heavy" spc="-140" dirty="0">
                 <a:solidFill>
                   <a:srgbClr val="020302"/>
                 </a:solidFill>
@@ -2617,10 +2554,10 @@
                 <a:latin typeface="Adobe Clean"/>
                 <a:cs typeface="Adobe Clean"/>
               </a:rPr>
-              <a:t>e</a:t>
-            </a:r>
-            <a:r>
-              <a:rPr sz="1400" b="1" u="heavy" dirty="0">
+              <a:t> </a:t>
+            </a:r>
+            <a:r>
+              <a:rPr lang="de-de" sz="1400" b="1" u="heavy" spc="-15" dirty="0">
                 <a:solidFill>
                   <a:srgbClr val="020302"/>
                 </a:solidFill>
@@ -2632,322 +2569,7 @@
                 <a:latin typeface="Adobe Clean"/>
                 <a:cs typeface="Adobe Clean"/>
               </a:rPr>
-              <a:t>l</a:t>
-            </a:r>
-            <a:r>
-              <a:rPr sz="1400" b="1" u="heavy" spc="-10" dirty="0">
-                <a:solidFill>
-                  <a:srgbClr val="020302"/>
-                </a:solidFill>
-                <a:uFill>
-                  <a:solidFill>
-                    <a:srgbClr val="020302"/>
-                  </a:solidFill>
-                </a:uFill>
-                <a:latin typeface="Adobe Clean"/>
-                <a:cs typeface="Adobe Clean"/>
-              </a:rPr>
-              <a:t> </a:t>
-            </a:r>
-            <a:r>
-              <a:rPr sz="1400" b="1" u="heavy" spc="-65" dirty="0">
-                <a:solidFill>
-                  <a:srgbClr val="020302"/>
-                </a:solidFill>
-                <a:uFill>
-                  <a:solidFill>
-                    <a:srgbClr val="020302"/>
-                  </a:solidFill>
-                </a:uFill>
-                <a:latin typeface="Adobe Clean"/>
-                <a:cs typeface="Adobe Clean"/>
-              </a:rPr>
-              <a:t>T</a:t>
-            </a:r>
-            <a:r>
-              <a:rPr sz="1400" b="1" u="heavy" spc="-35" dirty="0">
-                <a:solidFill>
-                  <a:srgbClr val="020302"/>
-                </a:solidFill>
-                <a:uFill>
-                  <a:solidFill>
-                    <a:srgbClr val="020302"/>
-                  </a:solidFill>
-                </a:uFill>
-                <a:latin typeface="Adobe Clean"/>
-                <a:cs typeface="Adobe Clean"/>
-              </a:rPr>
-              <a:t>a</a:t>
-            </a:r>
-            <a:r>
-              <a:rPr sz="1400" b="1" u="heavy" spc="-45" dirty="0">
-                <a:solidFill>
-                  <a:srgbClr val="020302"/>
-                </a:solidFill>
-                <a:uFill>
-                  <a:solidFill>
-                    <a:srgbClr val="020302"/>
-                  </a:solidFill>
-                </a:uFill>
-                <a:latin typeface="Adobe Clean"/>
-                <a:cs typeface="Adobe Clean"/>
-              </a:rPr>
-              <a:t>r</a:t>
-            </a:r>
-            <a:r>
-              <a:rPr sz="1400" b="1" u="heavy" spc="-35" dirty="0">
-                <a:solidFill>
-                  <a:srgbClr val="020302"/>
-                </a:solidFill>
-                <a:uFill>
-                  <a:solidFill>
-                    <a:srgbClr val="020302"/>
-                  </a:solidFill>
-                </a:uFill>
-                <a:latin typeface="Adobe Clean"/>
-                <a:cs typeface="Adobe Clean"/>
-              </a:rPr>
-              <a:t>g</a:t>
-            </a:r>
-            <a:r>
-              <a:rPr sz="1400" b="1" u="heavy" spc="-55" dirty="0">
-                <a:solidFill>
-                  <a:srgbClr val="020302"/>
-                </a:solidFill>
-                <a:uFill>
-                  <a:solidFill>
-                    <a:srgbClr val="020302"/>
-                  </a:solidFill>
-                </a:uFill>
-                <a:latin typeface="Adobe Clean"/>
-                <a:cs typeface="Adobe Clean"/>
-              </a:rPr>
-              <a:t>et</a:t>
-            </a:r>
-            <a:r>
-              <a:rPr sz="1400" b="1" u="heavy" spc="-45" dirty="0">
-                <a:solidFill>
-                  <a:srgbClr val="020302"/>
-                </a:solidFill>
-                <a:uFill>
-                  <a:solidFill>
-                    <a:srgbClr val="020302"/>
-                  </a:solidFill>
-                </a:uFill>
-                <a:latin typeface="Adobe Clean"/>
-                <a:cs typeface="Adobe Clean"/>
-              </a:rPr>
-              <a:t>s</a:t>
-            </a:r>
-            <a:r>
-              <a:rPr sz="1400" b="1" u="heavy" dirty="0">
-                <a:solidFill>
-                  <a:srgbClr val="020302"/>
-                </a:solidFill>
-                <a:uFill>
-                  <a:solidFill>
-                    <a:srgbClr val="020302"/>
-                  </a:solidFill>
-                </a:uFill>
-                <a:latin typeface="Adobe Clean"/>
-                <a:cs typeface="Adobe Clean"/>
-              </a:rPr>
-              <a:t>:</a:t>
-            </a:r>
-            <a:r>
-              <a:rPr sz="1400" b="1" u="heavy" spc="-80" dirty="0">
-                <a:solidFill>
-                  <a:srgbClr val="020302"/>
-                </a:solidFill>
-                <a:uFill>
-                  <a:solidFill>
-                    <a:srgbClr val="020302"/>
-                  </a:solidFill>
-                </a:uFill>
-                <a:latin typeface="Adobe Clean"/>
-                <a:cs typeface="Adobe Clean"/>
-              </a:rPr>
-              <a:t> </a:t>
-            </a:r>
-            <a:r>
-              <a:rPr sz="1400" b="1" u="heavy" spc="-20" dirty="0">
-                <a:solidFill>
-                  <a:srgbClr val="020302"/>
-                </a:solidFill>
-                <a:uFill>
-                  <a:solidFill>
-                    <a:srgbClr val="020302"/>
-                  </a:solidFill>
-                </a:uFill>
-                <a:latin typeface="Adobe Clean"/>
-                <a:cs typeface="Adobe Clean"/>
-              </a:rPr>
-              <a:t>I</a:t>
-            </a:r>
-            <a:r>
-              <a:rPr sz="1400" b="1" u="heavy" spc="-10" dirty="0">
-                <a:solidFill>
-                  <a:srgbClr val="020302"/>
-                </a:solidFill>
-                <a:uFill>
-                  <a:solidFill>
-                    <a:srgbClr val="020302"/>
-                  </a:solidFill>
-                </a:uFill>
-                <a:latin typeface="Adobe Clean"/>
-                <a:cs typeface="Adobe Clean"/>
-              </a:rPr>
-              <a:t>ni</a:t>
-            </a:r>
-            <a:r>
-              <a:rPr sz="1400" b="1" u="heavy" spc="-20" dirty="0">
-                <a:solidFill>
-                  <a:srgbClr val="020302"/>
-                </a:solidFill>
-                <a:uFill>
-                  <a:solidFill>
-                    <a:srgbClr val="020302"/>
-                  </a:solidFill>
-                </a:uFill>
-                <a:latin typeface="Adobe Clean"/>
-                <a:cs typeface="Adobe Clean"/>
-              </a:rPr>
-              <a:t>t</a:t>
-            </a:r>
-            <a:r>
-              <a:rPr sz="1400" b="1" u="heavy" spc="-10" dirty="0">
-                <a:solidFill>
-                  <a:srgbClr val="020302"/>
-                </a:solidFill>
-                <a:uFill>
-                  <a:solidFill>
-                    <a:srgbClr val="020302"/>
-                  </a:solidFill>
-                </a:uFill>
-                <a:latin typeface="Adobe Clean"/>
-                <a:cs typeface="Adobe Clean"/>
-              </a:rPr>
-              <a:t>i</a:t>
-            </a:r>
-            <a:r>
-              <a:rPr sz="1400" b="1" u="heavy" dirty="0">
-                <a:solidFill>
-                  <a:srgbClr val="020302"/>
-                </a:solidFill>
-                <a:uFill>
-                  <a:solidFill>
-                    <a:srgbClr val="020302"/>
-                  </a:solidFill>
-                </a:uFill>
-                <a:latin typeface="Adobe Clean"/>
-                <a:cs typeface="Adobe Clean"/>
-              </a:rPr>
-              <a:t>al</a:t>
-            </a:r>
-            <a:r>
-              <a:rPr sz="1400" b="1" u="heavy" spc="-140" dirty="0">
-                <a:solidFill>
-                  <a:srgbClr val="020302"/>
-                </a:solidFill>
-                <a:uFill>
-                  <a:solidFill>
-                    <a:srgbClr val="020302"/>
-                  </a:solidFill>
-                </a:uFill>
-                <a:latin typeface="Adobe Clean"/>
-                <a:cs typeface="Adobe Clean"/>
-              </a:rPr>
-              <a:t> </a:t>
-            </a:r>
-            <a:r>
-              <a:rPr sz="1400" b="1" u="heavy" spc="-15" dirty="0">
-                <a:solidFill>
-                  <a:srgbClr val="020302"/>
-                </a:solidFill>
-                <a:uFill>
-                  <a:solidFill>
-                    <a:srgbClr val="020302"/>
-                  </a:solidFill>
-                </a:uFill>
-                <a:latin typeface="Adobe Clean"/>
-                <a:cs typeface="Adobe Clean"/>
-              </a:rPr>
-              <a:t>R</a:t>
-            </a:r>
-            <a:r>
-              <a:rPr sz="1400" b="1" u="heavy" spc="-25" dirty="0">
-                <a:solidFill>
-                  <a:srgbClr val="020302"/>
-                </a:solidFill>
-                <a:uFill>
-                  <a:solidFill>
-                    <a:srgbClr val="020302"/>
-                  </a:solidFill>
-                </a:uFill>
-                <a:latin typeface="Adobe Clean"/>
-                <a:cs typeface="Adobe Clean"/>
-              </a:rPr>
-              <a:t>e</a:t>
-            </a:r>
-            <a:r>
-              <a:rPr sz="1400" b="1" u="heavy" spc="-15" dirty="0">
-                <a:solidFill>
-                  <a:srgbClr val="020302"/>
-                </a:solidFill>
-                <a:uFill>
-                  <a:solidFill>
-                    <a:srgbClr val="020302"/>
-                  </a:solidFill>
-                </a:uFill>
-                <a:latin typeface="Adobe Clean"/>
-                <a:cs typeface="Adobe Clean"/>
-              </a:rPr>
-              <a:t>s</a:t>
-            </a:r>
-            <a:r>
-              <a:rPr sz="1400" b="1" u="heavy" spc="-25" dirty="0">
-                <a:solidFill>
-                  <a:srgbClr val="020302"/>
-                </a:solidFill>
-                <a:uFill>
-                  <a:solidFill>
-                    <a:srgbClr val="020302"/>
-                  </a:solidFill>
-                </a:uFill>
-                <a:latin typeface="Adobe Clean"/>
-                <a:cs typeface="Adobe Clean"/>
-              </a:rPr>
-              <a:t>p</a:t>
-            </a:r>
-            <a:r>
-              <a:rPr sz="1400" b="1" u="heavy" spc="-15" dirty="0">
-                <a:solidFill>
-                  <a:srgbClr val="020302"/>
-                </a:solidFill>
-                <a:uFill>
-                  <a:solidFill>
-                    <a:srgbClr val="020302"/>
-                  </a:solidFill>
-                </a:uFill>
-                <a:latin typeface="Adobe Clean"/>
-                <a:cs typeface="Adobe Clean"/>
-              </a:rPr>
-              <a:t>ons</a:t>
-            </a:r>
-            <a:r>
-              <a:rPr sz="1400" b="1" u="heavy" dirty="0">
-                <a:solidFill>
-                  <a:srgbClr val="020302"/>
-                </a:solidFill>
-                <a:uFill>
-                  <a:solidFill>
-                    <a:srgbClr val="020302"/>
-                  </a:solidFill>
-                </a:uFill>
-                <a:latin typeface="Adobe Clean"/>
-                <a:cs typeface="Adobe Clean"/>
-              </a:rPr>
-              <a:t>e</a:t>
+              <a:t>대응</a:t>
             </a:r>
             <a:endParaRPr sz="1400" dirty="0">
               <a:latin typeface="Adobe Clean"/>
@@ -2965,14 +2587,14 @@
           <p:nvPr>
             <p:extLst>
               <p:ext uri="{D42A27DB-BD31-4B8C-83A1-F6EECF244321}">
-                <p14:modId xmlns:p14="http://schemas.microsoft.com/office/powerpoint/2010/main" val="101721845"/>
+                <p14:modId xmlns:p14="http://schemas.microsoft.com/office/powerpoint/2010/main" val="3820694258"/>
               </p:ext>
             </p:extLst>
           </p:nvPr>
         </p:nvGraphicFramePr>
         <p:xfrm>
           <a:off x="145668" y="7473158"/>
-          <a:ext cx="7409815" cy="2259721"/>
+          <a:ext cx="7409815" cy="2204716"/>
         </p:xfrm>
         <a:graphic>
           <a:graphicData uri="http://schemas.openxmlformats.org/drawingml/2006/table">
@@ -3018,14 +2640,14 @@
                         </a:spcBef>
                       </a:pPr>
                       <a:r>
-                        <a:rPr sz="900" spc="0" dirty="0">
+                        <a:rPr lang="de-de" sz="900" spc="0" dirty="0">
                           <a:solidFill>
                             <a:srgbClr val="020302"/>
                           </a:solidFill>
                           <a:latin typeface="Adobe Clean"/>
                           <a:cs typeface="Adobe Clean"/>
                         </a:rPr>
-                        <a:t>Priority</a:t>
+                        <a:t>우선 순위</a:t>
                       </a:r>
                       <a:endParaRPr sz="900" spc="0" dirty="0">
                         <a:latin typeface="Adobe Clean"/>
@@ -3077,34 +2699,14 @@
                         </a:spcBef>
                       </a:pPr>
                       <a:r>
-                        <a:rPr sz="900" spc="0" dirty="0">
+                        <a:rPr lang="de-de" sz="900" spc="0" dirty="0">
                           <a:solidFill>
                             <a:srgbClr val="020302"/>
                           </a:solidFill>
                           <a:latin typeface="Adobe Clean"/>
                           <a:cs typeface="Adobe Clean"/>
                         </a:rPr>
-                        <a:t>Online</a:t>
-                      </a:r>
-                      <a:r>
-                        <a:rPr lang="en-US" sz="900" spc="0" dirty="0">
-                          <a:solidFill>
-                            <a:srgbClr val="020302"/>
-                          </a:solidFill>
-                          <a:latin typeface="Adobe Clean"/>
-                          <a:cs typeface="Adobe Clean"/>
-                        </a:rPr>
-                        <a:t> </a:t>
-                      </a:r>
-                      <a:r>
-                        <a:rPr sz="900" spc="0" dirty="0">
-                          <a:solidFill>
-                            <a:srgbClr val="020302"/>
-                          </a:solidFill>
-                          <a:latin typeface="Adobe Clean"/>
-                          <a:cs typeface="Adobe Clean"/>
-                        </a:rPr>
-                        <a:t> Support</a:t>
+                        <a:t>온라인  지원</a:t>
                       </a:r>
                       <a:endParaRPr sz="900" spc="0" dirty="0">
                         <a:latin typeface="Adobe Clean"/>
@@ -3150,7 +2752,7 @@
                     <a:bodyPr/>
                     <a:lstStyle/>
                     <a:p>
-                      <a:pPr marL="263525" algn="l">
+                      <a:pPr marL="263525" algn="ctr">
                         <a:lnSpc>
                           <a:spcPct val="100000"/>
                         </a:lnSpc>
@@ -3159,34 +2761,14 @@
                         </a:spcBef>
                       </a:pPr>
                       <a:r>
-                        <a:rPr sz="900" spc="0" dirty="0">
+                        <a:rPr lang="de-de" sz="900" spc="0" dirty="0">
                           <a:solidFill>
                             <a:srgbClr val="FFFFFF"/>
                           </a:solidFill>
                           <a:latin typeface="Adobe Clean"/>
                           <a:cs typeface="Adobe Clean"/>
                         </a:rPr>
-                        <a:t>Elite </a:t>
-                      </a:r>
-                      <a:r>
-                        <a:rPr lang="en-US" sz="900" spc="0" dirty="0">
-                          <a:solidFill>
-                            <a:srgbClr val="FFFFFF"/>
-                          </a:solidFill>
-                          <a:latin typeface="Adobe Clean"/>
-                          <a:cs typeface="Adobe Clean"/>
-                        </a:rPr>
-                        <a:t> </a:t>
-                      </a:r>
-                      <a:r>
-                        <a:rPr sz="900" spc="0" dirty="0">
-                          <a:solidFill>
-                            <a:srgbClr val="FFFFFF"/>
-                          </a:solidFill>
-                          <a:latin typeface="Adobe Clean"/>
-                          <a:cs typeface="Adobe Clean"/>
-                        </a:rPr>
-                        <a:t>Support</a:t>
+                        <a:t>엘리트  지원</a:t>
                       </a:r>
                       <a:endParaRPr sz="900" spc="0" dirty="0">
                         <a:latin typeface="Adobe Clean"/>
@@ -3248,14 +2830,14 @@
                         </a:spcBef>
                       </a:pPr>
                       <a:r>
-                        <a:rPr sz="900" b="1" spc="0" dirty="0">
+                        <a:rPr lang="de-de" sz="900" b="1" spc="0" dirty="0">
                           <a:solidFill>
                             <a:srgbClr val="020302"/>
                           </a:solidFill>
                           <a:latin typeface="Adobe Clean"/>
                           <a:cs typeface="Adobe Clean"/>
                         </a:rPr>
-                        <a:t>PRIORITY 1</a:t>
+                        <a:t>우선 순위 1</a:t>
                       </a:r>
                       <a:endParaRPr sz="900" spc="0" dirty="0">
                         <a:latin typeface="Adobe Clean"/>
@@ -3272,14 +2854,14 @@
                         </a:spcBef>
                       </a:pPr>
                       <a:r>
-                        <a:rPr lang="en-US" sz="900" b="0" i="0" u="none" strike="noStrike" spc="0" dirty="0">
+                        <a:rPr lang="de-de" sz="900" b="0" i="0" u="none" strike="noStrike" spc="0" dirty="0">
                           <a:solidFill>
                             <a:srgbClr val="000000"/>
                           </a:solidFill>
                           <a:effectLst/>
                           <a:latin typeface="Adobe Clean Light" panose="020B0303020404020204" pitchFamily="34" charset="0"/>
                         </a:rPr>
-                        <a:t>Customer's production business functions are down or have significant data loss or service degradation and immediate attention is required to restore functionality and usability</a:t>
+                        <a:t>고객의 생산 비즈니스 기능이 다운되었거나 심각한 데이터 손실 또는 서비스 저하가 발생했으며 기능 및 사용성을 복원하기 위해 즉각적인 주의가 필요합니다.</a:t>
                       </a:r>
                       <a:endParaRPr sz="900" spc="0" dirty="0">
                         <a:latin typeface="AdobeClean-Light"/>
@@ -3322,80 +2904,20 @@
                     <a:bodyPr/>
                     <a:lstStyle/>
                     <a:p>
-                      <a:pPr marL="542925" marR="492125" algn="l">
+                      <a:pPr marL="542925" marR="492125" algn="ctr">
                         <a:lnSpc>
                           <a:spcPct val="102200"/>
                         </a:lnSpc>
                       </a:pPr>
                       <a:r>
-                        <a:rPr sz="900" spc="0" dirty="0">
+                        <a:rPr lang="de-de" sz="900" spc="0" dirty="0">
                           <a:solidFill>
                             <a:srgbClr val="020302"/>
                           </a:solidFill>
                           <a:latin typeface="AdobeClean-Light"/>
                           <a:cs typeface="AdobeClean-Light"/>
                         </a:rPr>
-                        <a:t>24x7</a:t>
-                      </a:r>
-                      <a:r>
-                        <a:rPr lang="en-US" sz="900" spc="0" dirty="0">
-                          <a:solidFill>
-                            <a:srgbClr val="020302"/>
-                          </a:solidFill>
-                          <a:latin typeface="AdobeClean-Light"/>
-                          <a:cs typeface="AdobeClean-Light"/>
-                        </a:rPr>
-                        <a:t> </a:t>
-                      </a:r>
-                      <a:r>
-                        <a:rPr sz="900" spc="0" dirty="0">
-                          <a:solidFill>
-                            <a:srgbClr val="020302"/>
-                          </a:solidFill>
-                          <a:latin typeface="AdobeClean-Light"/>
-                          <a:cs typeface="AdobeClean-Light"/>
-                        </a:rPr>
-                        <a:t>/</a:t>
-                      </a:r>
-                      <a:r>
-                        <a:rPr lang="en-US" sz="900" spc="0" dirty="0">
-                          <a:solidFill>
-                            <a:srgbClr val="020302"/>
-                          </a:solidFill>
-                          <a:latin typeface="AdobeClean-Light"/>
-                          <a:cs typeface="AdobeClean-Light"/>
-                        </a:rPr>
-                        <a:t>         </a:t>
-                      </a:r>
-                      <a:r>
-                        <a:rPr sz="900" spc="0" dirty="0">
-                          <a:solidFill>
-                            <a:srgbClr val="020302"/>
-                          </a:solidFill>
-                          <a:latin typeface="AdobeClean-Light"/>
-                          <a:cs typeface="AdobeClean-Light"/>
-                        </a:rPr>
-                        <a:t>  1</a:t>
-                      </a:r>
-                      <a:r>
-                        <a:rPr lang="en-US" sz="900" spc="0" dirty="0">
-                          <a:solidFill>
-                            <a:srgbClr val="020302"/>
-                          </a:solidFill>
-                          <a:latin typeface="AdobeClean-Light"/>
-                          <a:cs typeface="AdobeClean-Light"/>
-                        </a:rPr>
-                        <a:t> </a:t>
-                      </a:r>
-                      <a:r>
-                        <a:rPr sz="900" spc="0" dirty="0">
-                          <a:solidFill>
-                            <a:srgbClr val="020302"/>
-                          </a:solidFill>
-                          <a:latin typeface="AdobeClean-Light"/>
-                          <a:cs typeface="AdobeClean-Light"/>
-                        </a:rPr>
-                        <a:t>hour</a:t>
+                        <a:t>24x7 /           1시간</a:t>
                       </a:r>
                       <a:endParaRPr sz="900" spc="0" dirty="0">
                         <a:latin typeface="AdobeClean-Light"/>
@@ -3438,70 +2960,20 @@
                     <a:bodyPr/>
                     <a:lstStyle/>
                     <a:p>
-                      <a:pPr marL="405130" marR="459740" indent="92710" algn="l">
+                      <a:pPr marL="405130" marR="459740" indent="92710" algn="ctr">
                         <a:lnSpc>
                           <a:spcPct val="100000"/>
                         </a:lnSpc>
                       </a:pPr>
                       <a:r>
-                        <a:rPr lang="en-US" sz="900" spc="0" dirty="0">
+                        <a:rPr lang="de-de" sz="900" spc="0" dirty="0">
                           <a:solidFill>
                             <a:srgbClr val="020302"/>
                           </a:solidFill>
                           <a:latin typeface="AdobeClean-Light"/>
                           <a:cs typeface="AdobeClean-Light"/>
                         </a:rPr>
-                        <a:t>2</a:t>
-                      </a:r>
-                      <a:r>
-                        <a:rPr sz="900" spc="0" dirty="0">
-                          <a:solidFill>
-                            <a:srgbClr val="020302"/>
-                          </a:solidFill>
-                          <a:latin typeface="AdobeClean-Light"/>
-                          <a:cs typeface="AdobeClean-Light"/>
-                        </a:rPr>
-                        <a:t>4x7 / </a:t>
-                      </a:r>
-                      <a:r>
-                        <a:rPr lang="en-US" sz="900" spc="0" dirty="0">
-                          <a:solidFill>
-                            <a:srgbClr val="020302"/>
-                          </a:solidFill>
-                          <a:latin typeface="AdobeClean-Light"/>
-                          <a:cs typeface="AdobeClean-Light"/>
-                        </a:rPr>
-                        <a:t> </a:t>
-                      </a:r>
-                      <a:r>
-                        <a:rPr sz="900" spc="0" dirty="0">
-                          <a:solidFill>
-                            <a:srgbClr val="020302"/>
-                          </a:solidFill>
-                          <a:latin typeface="AdobeClean-Light"/>
-                          <a:cs typeface="AdobeClean-Light"/>
-                        </a:rPr>
-                        <a:t> 15</a:t>
-                      </a:r>
-                      <a:r>
-                        <a:rPr lang="en-US" sz="900" spc="0" dirty="0">
-                          <a:solidFill>
-                            <a:srgbClr val="020302"/>
-                          </a:solidFill>
-                          <a:latin typeface="AdobeClean-Light"/>
-                          <a:cs typeface="AdobeClean-Light"/>
-                        </a:rPr>
-                        <a:t> </a:t>
-                      </a:r>
-                      <a:r>
-                        <a:rPr sz="900" spc="0" dirty="0">
-                          <a:solidFill>
-                            <a:srgbClr val="020302"/>
-                          </a:solidFill>
-                          <a:latin typeface="AdobeClean-Light"/>
-                          <a:cs typeface="AdobeClean-Light"/>
-                        </a:rPr>
-                        <a:t>minutes</a:t>
+                        <a:t>24x7 /   15분</a:t>
                       </a:r>
                       <a:endParaRPr sz="900" spc="0" dirty="0">
                         <a:latin typeface="AdobeClean-Light"/>
@@ -3568,14 +3040,14 @@
                         </a:spcBef>
                       </a:pPr>
                       <a:r>
-                        <a:rPr sz="900" b="1" spc="0" dirty="0">
+                        <a:rPr lang="de-de" sz="900" b="1" spc="0" dirty="0">
                           <a:solidFill>
                             <a:srgbClr val="020302"/>
                           </a:solidFill>
                           <a:latin typeface="Adobe Clean"/>
                           <a:cs typeface="Adobe Clean"/>
                         </a:rPr>
-                        <a:t>PRIORITY 2</a:t>
+                        <a:t>우선 순위 2</a:t>
                       </a:r>
                       <a:endParaRPr sz="900" spc="0" dirty="0">
                         <a:latin typeface="Adobe Clean"/>
@@ -3592,14 +3064,14 @@
                         </a:spcBef>
                       </a:pPr>
                       <a:r>
-                        <a:rPr lang="en-US" sz="900" b="0" i="0" u="none" strike="noStrike" spc="0" dirty="0">
+                        <a:rPr lang="de-de" sz="900" b="0" i="0" u="none" strike="noStrike" spc="0" dirty="0">
                           <a:solidFill>
                             <a:srgbClr val="000000"/>
                           </a:solidFill>
                           <a:effectLst/>
                           <a:latin typeface="Adobe Clean Light" panose="020B0303020404020204" pitchFamily="34" charset="0"/>
                         </a:rPr>
-                        <a:t>Customer's business functions have major service degradation or potential data loss, or a major feature is impacted</a:t>
+                        <a:t>고객의 비즈니스 기능에 심각한 서비스 저하 또는 잠재적인 데이터 손실이 있거나 주요 기능이 영향을 받습니다.</a:t>
                       </a:r>
                       <a:endParaRPr sz="900" spc="0" dirty="0">
                         <a:latin typeface="AdobeClean-Light"/>
@@ -3642,60 +3114,20 @@
                     <a:bodyPr/>
                     <a:lstStyle/>
                     <a:p>
-                      <a:pPr marL="473709" marR="343535" indent="-175895" algn="l">
+                      <a:pPr marL="473709" marR="343535" indent="-175895" algn="ctr">
                         <a:lnSpc>
                           <a:spcPct val="102200"/>
                         </a:lnSpc>
                       </a:pPr>
                       <a:r>
-                        <a:rPr sz="900" spc="0" dirty="0">
+                        <a:rPr lang="de-de" sz="900" spc="0" dirty="0">
                           <a:solidFill>
                             <a:srgbClr val="020302"/>
                           </a:solidFill>
                           <a:latin typeface="AdobeClean-Light"/>
                           <a:cs typeface="AdobeClean-Light"/>
                         </a:rPr>
-                        <a:t>Business hours</a:t>
-                      </a:r>
-                      <a:r>
-                        <a:rPr lang="en-US" sz="900" spc="0" dirty="0">
-                          <a:solidFill>
-                            <a:srgbClr val="020302"/>
-                          </a:solidFill>
-                          <a:latin typeface="AdobeClean-Light"/>
-                          <a:cs typeface="AdobeClean-Light"/>
-                        </a:rPr>
-                        <a:t> </a:t>
-                      </a:r>
-                      <a:r>
-                        <a:rPr sz="900" spc="0" dirty="0">
-                          <a:solidFill>
-                            <a:srgbClr val="020302"/>
-                          </a:solidFill>
-                          <a:latin typeface="AdobeClean-Light"/>
-                          <a:cs typeface="AdobeClean-Light"/>
-                        </a:rPr>
-                        <a:t>/  </a:t>
-                      </a:r>
-                      <a:r>
-                        <a:rPr lang="en-US" sz="900" spc="0" dirty="0">
-                          <a:solidFill>
-                            <a:srgbClr val="020302"/>
-                          </a:solidFill>
-                          <a:latin typeface="AdobeClean-Light"/>
-                          <a:cs typeface="AdobeClean-Light"/>
-                        </a:rPr>
-                        <a:t>     </a:t>
-                      </a:r>
-                      <a:r>
-                        <a:rPr sz="900" spc="0" dirty="0">
-                          <a:solidFill>
-                            <a:srgbClr val="020302"/>
-                          </a:solidFill>
-                          <a:latin typeface="AdobeClean-Light"/>
-                          <a:cs typeface="AdobeClean-Light"/>
-                        </a:rPr>
-                        <a:t>4 hours</a:t>
+                        <a:t>업무 시간 /       4시간</a:t>
                       </a:r>
                       <a:endParaRPr sz="900" spc="0" dirty="0">
                         <a:latin typeface="AdobeClean-Light"/>
@@ -3735,40 +3167,20 @@
                     <a:bodyPr/>
                     <a:lstStyle/>
                     <a:p>
-                      <a:pPr marL="351790" marR="481330" indent="144145" algn="l">
+                      <a:pPr marL="351790" marR="481330" indent="144145" algn="ctr">
                         <a:lnSpc>
                           <a:spcPct val="102299"/>
                         </a:lnSpc>
                       </a:pPr>
                       <a:r>
-                        <a:rPr sz="900" spc="0" dirty="0">
+                        <a:rPr lang="de-de" sz="900" spc="0" dirty="0">
                           <a:solidFill>
                             <a:srgbClr val="020302"/>
                           </a:solidFill>
                           <a:latin typeface="AdobeClean-Light"/>
                           <a:cs typeface="AdobeClean-Light"/>
                         </a:rPr>
-                        <a:t>24x5 /  30</a:t>
-                      </a:r>
-                      <a:r>
-                        <a:rPr lang="en-US" sz="900" spc="0" dirty="0">
-                          <a:solidFill>
-                            <a:srgbClr val="020302"/>
-                          </a:solidFill>
-                          <a:latin typeface="AdobeClean-Light"/>
-                          <a:cs typeface="AdobeClean-Light"/>
-                        </a:rPr>
-                        <a:t> m</a:t>
-                      </a:r>
-                      <a:r>
-                        <a:rPr sz="900" spc="0" dirty="0">
-                          <a:solidFill>
-                            <a:srgbClr val="020302"/>
-                          </a:solidFill>
-                          <a:latin typeface="AdobeClean-Light"/>
-                          <a:cs typeface="AdobeClean-Light"/>
-                        </a:rPr>
-                        <a:t>inutes</a:t>
+                        <a:t>24x5 /  30분</a:t>
                       </a:r>
                       <a:endParaRPr sz="900" spc="0" dirty="0">
                         <a:latin typeface="AdobeClean-Light"/>
@@ -3832,14 +3244,14 @@
                         </a:spcBef>
                       </a:pPr>
                       <a:r>
-                        <a:rPr sz="900" b="1" spc="0" dirty="0">
+                        <a:rPr lang="de-de" sz="900" b="1" spc="0" dirty="0">
                           <a:solidFill>
                             <a:srgbClr val="020302"/>
                           </a:solidFill>
                           <a:latin typeface="Adobe Clean"/>
                           <a:cs typeface="Adobe Clean"/>
                         </a:rPr>
-                        <a:t>PRIORITY 3</a:t>
+                        <a:t>우선 순위 3</a:t>
                       </a:r>
                       <a:endParaRPr sz="900" spc="0" dirty="0">
                         <a:latin typeface="Adobe Clean"/>
@@ -3856,14 +3268,14 @@
                         </a:spcBef>
                       </a:pPr>
                       <a:r>
-                        <a:rPr lang="en-US" sz="900" b="0" i="0" u="none" strike="noStrike" spc="0" dirty="0">
+                        <a:rPr lang="de-de" sz="900" b="0" i="0" u="none" strike="noStrike" spc="0" dirty="0">
                           <a:solidFill>
                             <a:srgbClr val="000000"/>
                           </a:solidFill>
                           <a:effectLst/>
                           <a:latin typeface="Adobe Clean Light" panose="020B0303020404020204" pitchFamily="34" charset="0"/>
                         </a:rPr>
-                        <a:t>Customer’s business functions has minor to no service degradation but there exists a solution/workaround allowing business functions to continue normally</a:t>
+                        <a:t>고객의 비즈니스 기능에 서비스 저하가 경미하거나 전혀 없지만 비즈니스 기능을 정상적으로 계속할 수 있게 하는 솔루션/해결 방법이 있습니다.</a:t>
                       </a:r>
                       <a:endParaRPr sz="900" spc="0" dirty="0">
                         <a:latin typeface="AdobeClean-Light"/>
@@ -3906,20 +3318,20 @@
                     <a:bodyPr/>
                     <a:lstStyle/>
                     <a:p>
-                      <a:pPr marL="473709" marR="343535" indent="-175895" algn="l">
+                      <a:pPr marL="473709" marR="343535" indent="-175895" algn="ctr">
                         <a:lnSpc>
                           <a:spcPct val="102200"/>
                         </a:lnSpc>
                       </a:pPr>
                       <a:r>
-                        <a:rPr lang="en-US" sz="900" spc="0" dirty="0">
+                        <a:rPr lang="de-de" sz="900" spc="0" dirty="0">
                           <a:solidFill>
                             <a:srgbClr val="020302"/>
                           </a:solidFill>
                           <a:latin typeface="AdobeClean-Light"/>
                           <a:cs typeface="AdobeClean-Light"/>
                         </a:rPr>
-                        <a:t>Business hours /       6 hours</a:t>
+                        <a:t>업무 시간 /       6시간</a:t>
                       </a:r>
                       <a:endParaRPr lang="en-US" sz="900" spc="0" dirty="0">
                         <a:latin typeface="AdobeClean-Light"/>
@@ -3959,13 +3371,13 @@
                     <a:bodyPr/>
                     <a:lstStyle/>
                     <a:p>
-                      <a:pPr marL="508000" marR="531495" indent="1270" algn="l">
+                      <a:pPr marL="508000" marR="531495" indent="1270" algn="ctr">
                         <a:lnSpc>
                           <a:spcPct val="102200"/>
                         </a:lnSpc>
                       </a:pPr>
                       <a:r>
-                        <a:rPr lang="en-US" sz="900" spc="0" dirty="0">
+                        <a:rPr lang="de-de" sz="900" spc="0" dirty="0">
                           <a:solidFill>
                             <a:srgbClr val="020302"/>
                           </a:solidFill>
@@ -3976,7 +3388,7 @@
                         <a:t>2</a:t>
                       </a:r>
                       <a:r>
-                        <a:rPr sz="900" spc="0" dirty="0">
+                        <a:rPr lang="de-de" sz="900" spc="0" dirty="0">
                           <a:solidFill>
                             <a:srgbClr val="020302"/>
                           </a:solidFill>
@@ -3984,29 +3396,7 @@
                           <a:ea typeface="+mn-ea"/>
                           <a:cs typeface="AdobeClean-Light"/>
                         </a:rPr>
-                        <a:t>4x5/  </a:t>
-                      </a:r>
-                      <a:r>
-                        <a:rPr lang="en-US" sz="900" spc="0" dirty="0">
-                          <a:solidFill>
-                            <a:srgbClr val="020302"/>
-                          </a:solidFill>
-                          <a:latin typeface="AdobeClean-Light"/>
-                          <a:ea typeface="+mn-ea"/>
-                          <a:cs typeface="AdobeClean-Light"/>
-                        </a:rPr>
-                        <a:t> </a:t>
-                      </a:r>
-                      <a:r>
-                        <a:rPr sz="900" spc="0" dirty="0">
-                          <a:solidFill>
-                            <a:srgbClr val="020302"/>
-                          </a:solidFill>
-                          <a:latin typeface="AdobeClean-Light"/>
-                          <a:ea typeface="+mn-ea"/>
-                          <a:cs typeface="AdobeClean-Light"/>
-                        </a:rPr>
-                        <a:t>1 hour</a:t>
+                        <a:t>4x5/   1시간</a:t>
                       </a:r>
                     </a:p>
                   </a:txBody>
@@ -4066,14 +3456,14 @@
                         </a:spcBef>
                       </a:pPr>
                       <a:r>
-                        <a:rPr sz="900" b="1" spc="0" dirty="0">
+                        <a:rPr lang="de-de" sz="900" b="1" spc="0" dirty="0">
                           <a:solidFill>
                             <a:srgbClr val="020302"/>
                           </a:solidFill>
                           <a:latin typeface="Adobe Clean"/>
                           <a:cs typeface="Adobe Clean"/>
                         </a:rPr>
-                        <a:t>PRIORITY 4</a:t>
+                        <a:t>우선 순위 4</a:t>
                       </a:r>
                       <a:endParaRPr sz="900" spc="0" dirty="0">
                         <a:latin typeface="Adobe Clean"/>
@@ -4090,14 +3480,14 @@
                         </a:spcBef>
                       </a:pPr>
                       <a:r>
-                        <a:rPr lang="en-US" sz="900" b="0" i="0" u="none" strike="noStrike" spc="0" dirty="0">
+                        <a:rPr lang="de-de" sz="900" b="0" i="0" u="none" strike="noStrike" spc="0" dirty="0">
                           <a:solidFill>
                             <a:srgbClr val="000000"/>
                           </a:solidFill>
                           <a:effectLst/>
                           <a:latin typeface="Adobe Clean Light" panose="020B0303020404020204" pitchFamily="34" charset="0"/>
                         </a:rPr>
-                        <a:t>General question regarding current product functionality or an enhancement request</a:t>
+                        <a:t>현재 제품 기능에 관한 일반적인 질문 또는 개선 요청입니다.</a:t>
                       </a:r>
                       <a:endParaRPr sz="900" spc="0" dirty="0">
                         <a:latin typeface="AdobeClean-Light"/>
@@ -4140,20 +3530,20 @@
                     <a:bodyPr/>
                     <a:lstStyle/>
                     <a:p>
-                      <a:pPr marL="473709" marR="343535" indent="-175895" algn="l">
+                      <a:pPr marL="473709" marR="343535" indent="-175895" algn="ctr">
                         <a:lnSpc>
                           <a:spcPct val="102200"/>
                         </a:lnSpc>
                       </a:pPr>
                       <a:r>
-                        <a:rPr lang="en-US" sz="900" spc="0" dirty="0">
+                        <a:rPr lang="de-de" sz="900" spc="0" dirty="0">
                           <a:solidFill>
                             <a:srgbClr val="020302"/>
                           </a:solidFill>
                           <a:latin typeface="AdobeClean-Light"/>
                           <a:cs typeface="AdobeClean-Light"/>
                         </a:rPr>
-                        <a:t>Business days /       3 days</a:t>
+                        <a:t>업무일 /       3일</a:t>
                       </a:r>
                       <a:endParaRPr lang="en-US" sz="900" spc="0" dirty="0">
                         <a:latin typeface="AdobeClean-Light"/>
@@ -4193,20 +3583,20 @@
                     <a:bodyPr/>
                     <a:lstStyle/>
                     <a:p>
-                      <a:pPr marL="473709" marR="343535" indent="-175895" algn="l">
+                      <a:pPr marL="473709" marR="343535" indent="-175895" algn="ctr">
                         <a:lnSpc>
                           <a:spcPct val="102200"/>
                         </a:lnSpc>
                       </a:pPr>
                       <a:r>
-                        <a:rPr lang="en-US" sz="900" spc="0" dirty="0">
+                        <a:rPr lang="de-de" sz="900" spc="0" dirty="0">
                           <a:solidFill>
                             <a:srgbClr val="020302"/>
                           </a:solidFill>
                           <a:latin typeface="AdobeClean-Light"/>
                           <a:cs typeface="AdobeClean-Light"/>
                         </a:rPr>
-                        <a:t>Business days /       1 day</a:t>
+                        <a:t>업무일 /       1일</a:t>
                       </a:r>
                       <a:endParaRPr lang="en-US" sz="900" spc="0" dirty="0">
                         <a:latin typeface="AdobeClean-Light"/>
@@ -4311,7 +3701,7 @@
               </a:spcBef>
             </a:pPr>
             <a:r>
-              <a:rPr sz="800" spc="-15" dirty="0">
+              <a:rPr lang="de-de" sz="800" spc="-15" dirty="0">
                 <a:solidFill>
                   <a:srgbClr val="6D6D6D"/>
                 </a:solidFill>
@@ -4321,7 +3711,7 @@
               <a:t>©2021 </a:t>
             </a:r>
             <a:r>
-              <a:rPr sz="800" spc="-5" dirty="0">
+              <a:rPr lang="de-de" sz="800" spc="-5" dirty="0">
                 <a:solidFill>
                   <a:srgbClr val="6D6D6D"/>
                 </a:solidFill>
@@ -4331,7 +3721,7 @@
               <a:t>Adobe. All</a:t>
             </a:r>
             <a:r>
-              <a:rPr sz="800" spc="-15" dirty="0">
+              <a:rPr lang="de-de" sz="800" spc="-15" dirty="0">
                 <a:solidFill>
                   <a:srgbClr val="6D6D6D"/>
                 </a:solidFill>
@@ -4341,7 +3731,7 @@
               <a:t> Rights</a:t>
             </a:r>
             <a:r>
-              <a:rPr sz="800" spc="-5" dirty="0">
+              <a:rPr lang="de-de" sz="800" spc="-5" dirty="0">
                 <a:solidFill>
                   <a:srgbClr val="6D6D6D"/>
                 </a:solidFill>
@@ -4351,7 +3741,7 @@
               <a:t> </a:t>
             </a:r>
             <a:r>
-              <a:rPr sz="800" spc="-15" dirty="0">
+              <a:rPr lang="de-de" sz="800" spc="-15" dirty="0">
                 <a:solidFill>
                   <a:srgbClr val="6D6D6D"/>
                 </a:solidFill>
@@ -4361,7 +3751,7 @@
               <a:t>Reserved.</a:t>
             </a:r>
             <a:r>
-              <a:rPr sz="800" spc="-10" dirty="0">
+              <a:rPr lang="de-de" sz="800" spc="-10" dirty="0">
                 <a:solidFill>
                   <a:srgbClr val="6D6D6D"/>
                 </a:solidFill>
@@ -4371,7 +3761,7 @@
               <a:t> </a:t>
             </a:r>
             <a:r>
-              <a:rPr sz="800" spc="-5" dirty="0">
+              <a:rPr lang="de-de" sz="800" spc="-5" dirty="0">
                 <a:solidFill>
                   <a:srgbClr val="6D6D6D"/>
                 </a:solidFill>
@@ -4381,7 +3771,7 @@
               <a:t>Adobe</a:t>
             </a:r>
             <a:r>
-              <a:rPr sz="800" spc="65" dirty="0">
+              <a:rPr lang="de-de" sz="800" spc="65" dirty="0">
                 <a:solidFill>
                   <a:srgbClr val="6D6D6D"/>
                 </a:solidFill>
@@ -4391,14 +3781,14 @@
               <a:t> </a:t>
             </a:r>
             <a:r>
-              <a:rPr sz="800" spc="-15" dirty="0">
+              <a:rPr lang="de-de" sz="800" spc="-15" dirty="0">
                 <a:solidFill>
                   <a:srgbClr val="6D6D6D"/>
                 </a:solidFill>
                 <a:latin typeface="Adobe Clean"/>
                 <a:cs typeface="Adobe Clean"/>
               </a:rPr>
-              <a:t>Confidential.</a:t>
+              <a:t>기밀.</a:t>
             </a:r>
             <a:endParaRPr sz="800">
               <a:latin typeface="Adobe Clean"/>
@@ -4436,7 +3826,7 @@
           <a:lstStyle/>
           <a:p>
             <a:r>
-              <a:rPr lang="en-US" sz="700" i="1" dirty="0">
+              <a:rPr lang="de-de" sz="700" i="1" dirty="0">
                 <a:solidFill>
                   <a:schemeClr val="bg1"/>
                 </a:solidFill>
@@ -4550,17 +3940,17 @@
                         <a:defRPr/>
                       </a:pPr>
                       <a:r>
-                        <a:rPr lang="en-US" sz="900" spc="-20" dirty="0">
+                        <a:rPr lang="de-de" sz="900" spc="-20" dirty="0">
                           <a:solidFill>
                             <a:srgbClr val="404040"/>
                           </a:solidFill>
                           <a:latin typeface="Adobe Clean"/>
                           <a:cs typeface="Adobe Clean"/>
                         </a:rPr>
-                        <a:t>Online </a:t>
+                        <a:t>온라인 </a:t>
                       </a:r>
                       <a:r>
-                        <a:rPr lang="en-US" sz="900" spc="-135" dirty="0">
+                        <a:rPr lang="de-de" sz="900" spc="-135" dirty="0">
                           <a:solidFill>
                             <a:srgbClr val="404040"/>
                           </a:solidFill>
@@ -4570,14 +3960,14 @@
                         <a:t> </a:t>
                       </a:r>
                       <a:r>
-                        <a:rPr lang="en-US" sz="900" spc="-20" dirty="0">
+                        <a:rPr lang="de-de" sz="900" spc="-20" dirty="0">
                           <a:solidFill>
                             <a:srgbClr val="404040"/>
                           </a:solidFill>
                           <a:latin typeface="Adobe Clean"/>
                           <a:cs typeface="Adobe Clean"/>
                         </a:rPr>
-                        <a:t>Support</a:t>
+                        <a:t>지원</a:t>
                       </a:r>
                       <a:endParaRPr lang="en-US" sz="900" dirty="0">
                         <a:latin typeface="Adobe Clean"/>
@@ -4623,24 +4013,14 @@
                         </a:spcBef>
                       </a:pPr>
                       <a:r>
-                        <a:rPr lang="en-US" sz="900" spc="-20" dirty="0">
+                        <a:rPr lang="de-de" sz="900" spc="-20" dirty="0">
                           <a:solidFill>
                             <a:srgbClr val="FFFFFF"/>
                           </a:solidFill>
                           <a:latin typeface="Adobe Clean"/>
                           <a:cs typeface="Adobe Clean"/>
                         </a:rPr>
-                        <a:t>Elite </a:t>
-                      </a:r>
-                      <a:r>
-                        <a:rPr sz="900" spc="-20" dirty="0">
-                          <a:solidFill>
-                            <a:srgbClr val="FFFFFF"/>
-                          </a:solidFill>
-                          <a:latin typeface="Adobe Clean"/>
-                          <a:cs typeface="Adobe Clean"/>
-                        </a:rPr>
-                        <a:t>Support</a:t>
+                        <a:t>엘리트 지원</a:t>
                       </a:r>
                       <a:endParaRPr sz="900" dirty="0">
                         <a:latin typeface="Adobe Clean"/>
@@ -4791,13 +4171,13 @@
                         <a:defRPr/>
                       </a:pPr>
                       <a:r>
-                        <a:rPr lang="en-US" sz="800" i="1" dirty="0">
+                        <a:rPr lang="de-de" sz="800" i="1" dirty="0">
                           <a:solidFill>
                             <a:schemeClr val="bg1"/>
                           </a:solidFill>
                           <a:latin typeface="Adobe Clean Light" panose="020B0303020404020204" pitchFamily="34" charset="0"/>
                         </a:rPr>
-                        <a:t>Paid Support ($)</a:t>
+                        <a:t>유료 지원($)</a:t>
                       </a:r>
                     </a:p>
                   </a:txBody>
@@ -4861,14 +4241,14 @@
                         </a:spcBef>
                       </a:pPr>
                       <a:r>
-                        <a:rPr lang="en-US" sz="1000" b="1" i="0" spc="0" dirty="0">
+                        <a:rPr lang="de-de" sz="1000" b="1" i="0" spc="0" dirty="0">
                           <a:solidFill>
                             <a:schemeClr val="bg1"/>
                           </a:solidFill>
                           <a:latin typeface="Adobe Clean" panose="020B0503020404020204" pitchFamily="34" charset="0"/>
                           <a:cs typeface="AdobeClean-Light"/>
                         </a:rPr>
-                        <a:t>Assigned Experts</a:t>
+                        <a:t>할당된 전문가</a:t>
                       </a:r>
                       <a:endParaRPr sz="1000" b="1" i="0" spc="0" dirty="0">
                         <a:solidFill>
@@ -4923,14 +4303,14 @@
                         </a:spcBef>
                       </a:pPr>
                       <a:r>
-                        <a:rPr sz="900" spc="0" dirty="0">
+                        <a:rPr lang="de-de" sz="900" spc="0" dirty="0">
                           <a:solidFill>
                             <a:srgbClr val="020302"/>
                           </a:solidFill>
                           <a:latin typeface="AdobeClean-Light"/>
                           <a:cs typeface="AdobeClean-Light"/>
                         </a:rPr>
-                        <a:t>Account Support Lead</a:t>
+                        <a:t>계정 지원 리드</a:t>
                       </a:r>
                       <a:endParaRPr sz="900" spc="0" dirty="0">
                         <a:latin typeface="AdobeClean-Light"/>
@@ -5100,14 +4480,14 @@
                         </a:spcBef>
                       </a:pPr>
                       <a:r>
-                        <a:rPr sz="900" spc="0" dirty="0">
+                        <a:rPr lang="de-de" sz="900" spc="0" dirty="0">
                           <a:solidFill>
                             <a:srgbClr val="020302"/>
                           </a:solidFill>
                           <a:latin typeface="AdobeClean-Light"/>
                           <a:cs typeface="AdobeClean-Light"/>
                         </a:rPr>
-                        <a:t>Named Support Engineer</a:t>
+                        <a:t>지정 지원 엔지니어</a:t>
                       </a:r>
                       <a:endParaRPr sz="900" spc="0" dirty="0">
                         <a:latin typeface="AdobeClean-Light"/>
@@ -5182,7 +4562,7 @@
                         <a:defRPr/>
                       </a:pPr>
                       <a:r>
-                        <a:rPr lang="en-US" sz="900" dirty="0">
+                        <a:rPr lang="de-de" sz="900" dirty="0">
                           <a:solidFill>
                             <a:srgbClr val="020302"/>
                           </a:solidFill>
@@ -5275,14 +4655,14 @@
                         </a:spcBef>
                       </a:pPr>
                       <a:r>
-                        <a:rPr sz="900" spc="0" dirty="0">
+                        <a:rPr lang="de-de" sz="900" spc="0" dirty="0">
                           <a:solidFill>
                             <a:srgbClr val="020302"/>
                           </a:solidFill>
                           <a:latin typeface="AdobeClean-Light"/>
                           <a:cs typeface="AdobeClean-Light"/>
                         </a:rPr>
-                        <a:t>Technical Account Manager</a:t>
+                        <a:t>기술 계정 관리자</a:t>
                       </a:r>
                       <a:endParaRPr sz="900" spc="0" dirty="0">
                         <a:latin typeface="AdobeClean-Light"/>
@@ -5372,7 +4752,7 @@
                         <a:defRPr/>
                       </a:pPr>
                       <a:r>
-                        <a:rPr lang="en-US" sz="900" dirty="0">
+                        <a:rPr lang="de-de" sz="900" dirty="0">
                           <a:solidFill>
                             <a:srgbClr val="020302"/>
                           </a:solidFill>
@@ -5425,14 +4805,14 @@
                         </a:spcBef>
                       </a:pPr>
                       <a:r>
-                        <a:rPr lang="en-US" sz="1000" b="1" i="0" spc="0" dirty="0">
+                        <a:rPr lang="de-de" sz="1000" b="1" i="0" spc="0" dirty="0">
                           <a:solidFill>
                             <a:schemeClr val="bg1"/>
                           </a:solidFill>
                           <a:latin typeface="Adobe Clean" panose="020B0503020404020204" pitchFamily="34" charset="0"/>
                           <a:cs typeface="AdobeClean-Light"/>
                         </a:rPr>
-                        <a:t>Support Services</a:t>
+                        <a:t>지원 서비스</a:t>
                       </a:r>
                       <a:endParaRPr sz="1000" b="1" i="0" spc="0" dirty="0">
                         <a:solidFill>
@@ -5496,24 +4876,14 @@
                         </a:spcBef>
                       </a:pPr>
                       <a:r>
-                        <a:rPr lang="en-US" sz="900" spc="0" dirty="0">
+                        <a:rPr lang="de-de" sz="900" spc="0" dirty="0">
                           <a:solidFill>
                             <a:srgbClr val="020302"/>
                           </a:solidFill>
                           <a:latin typeface="AdobeClean-Light"/>
                           <a:cs typeface="AdobeClean-Light"/>
                         </a:rPr>
-                        <a:t>Online</a:t>
-                      </a:r>
-                      <a:r>
-                        <a:rPr sz="900" spc="0" dirty="0">
-                          <a:solidFill>
-                            <a:srgbClr val="020302"/>
-                          </a:solidFill>
-                          <a:latin typeface="AdobeClean-Light"/>
-                          <a:cs typeface="AdobeClean-Light"/>
-                        </a:rPr>
-                        <a:t> Support</a:t>
+                        <a:t>온라인 지원</a:t>
                       </a:r>
                       <a:endParaRPr sz="900" spc="0" dirty="0">
                         <a:latin typeface="AdobeClean-Light"/>
@@ -5556,17 +4926,17 @@
                         </a:spcBef>
                       </a:pPr>
                       <a:r>
-                        <a:rPr sz="900" spc="-25" dirty="0">
+                        <a:rPr lang="de-de" sz="900" spc="-25" dirty="0">
                           <a:solidFill>
                             <a:srgbClr val="020302"/>
                           </a:solidFill>
                           <a:latin typeface="AdobeClean-Light"/>
                           <a:cs typeface="AdobeClean-Light"/>
                         </a:rPr>
-                        <a:t>Business</a:t>
+                        <a:t>업무</a:t>
                       </a:r>
                       <a:r>
-                        <a:rPr sz="900" spc="-15" dirty="0">
+                        <a:rPr lang="de-de" sz="900" spc="-15" dirty="0">
                           <a:solidFill>
                             <a:srgbClr val="020302"/>
                           </a:solidFill>
@@ -5576,14 +4946,14 @@
                         <a:t> </a:t>
                       </a:r>
                       <a:r>
-                        <a:rPr sz="900" spc="-30" dirty="0">
+                        <a:rPr lang="de-de" sz="900" spc="-30" dirty="0">
                           <a:solidFill>
                             <a:srgbClr val="020302"/>
                           </a:solidFill>
                           <a:latin typeface="AdobeClean-Light"/>
                           <a:cs typeface="AdobeClean-Light"/>
                         </a:rPr>
-                        <a:t>hours</a:t>
+                        <a:t>시간</a:t>
                       </a:r>
                       <a:endParaRPr sz="900" dirty="0">
                         <a:latin typeface="AdobeClean-Light"/>
@@ -5627,7 +4997,7 @@
                         </a:spcBef>
                       </a:pPr>
                       <a:r>
-                        <a:rPr lang="en-US" sz="900" spc="-25" dirty="0">
+                        <a:rPr lang="de-de" sz="900" spc="-25" dirty="0">
                           <a:solidFill>
                             <a:srgbClr val="020302"/>
                           </a:solidFill>
@@ -5720,34 +5090,14 @@
                         </a:spcBef>
                       </a:pPr>
                       <a:r>
-                        <a:rPr sz="900" spc="0" dirty="0">
+                        <a:rPr lang="de-de" sz="900" spc="0" dirty="0">
                           <a:solidFill>
                             <a:srgbClr val="020302"/>
                           </a:solidFill>
                           <a:latin typeface="AdobeClean-Light"/>
                           <a:cs typeface="AdobeClean-Light"/>
                         </a:rPr>
-                        <a:t>24x7</a:t>
-                      </a:r>
-                      <a:r>
-                        <a:rPr lang="en-US" sz="900" spc="0" dirty="0">
-                          <a:solidFill>
-                            <a:srgbClr val="020302"/>
-                          </a:solidFill>
-                          <a:latin typeface="AdobeClean-Light"/>
-                          <a:cs typeface="AdobeClean-Light"/>
-                        </a:rPr>
-                        <a:t>x365</a:t>
-                      </a:r>
-                      <a:r>
-                        <a:rPr sz="900" spc="0" dirty="0">
-                          <a:solidFill>
-                            <a:srgbClr val="020302"/>
-                          </a:solidFill>
-                          <a:latin typeface="AdobeClean-Light"/>
-                          <a:cs typeface="AdobeClean-Light"/>
-                        </a:rPr>
-                        <a:t> P1 Issue Support</a:t>
+                        <a:t>24x7x365 P1 문제 지원</a:t>
                       </a:r>
                       <a:endParaRPr sz="900" spc="0" dirty="0">
                         <a:latin typeface="AdobeClean-Light"/>
@@ -5784,7 +5134,7 @@
                         </a:spcBef>
                       </a:pPr>
                       <a:r>
-                        <a:rPr sz="900" dirty="0">
+                        <a:rPr lang="de-de" sz="900" dirty="0">
                           <a:solidFill>
                             <a:srgbClr val="020302"/>
                           </a:solidFill>
@@ -5826,7 +5176,7 @@
                         </a:spcBef>
                       </a:pPr>
                       <a:r>
-                        <a:rPr sz="900" dirty="0">
+                        <a:rPr lang="de-de" sz="900" dirty="0">
                           <a:solidFill>
                             <a:srgbClr val="020302"/>
                           </a:solidFill>
@@ -5919,14 +5269,14 @@
                         </a:spcBef>
                       </a:pPr>
                       <a:r>
-                        <a:rPr lang="en-US" sz="900" spc="0" dirty="0">
+                        <a:rPr lang="de-de" sz="900" spc="0" dirty="0">
                           <a:solidFill>
                             <a:srgbClr val="020302"/>
                           </a:solidFill>
                           <a:latin typeface="AdobeClean-Light"/>
                           <a:cs typeface="AdobeClean-Light"/>
                         </a:rPr>
-                        <a:t>Named Support Contacts (per product)</a:t>
+                        <a:t>지정된 지원 담당자(제품당)</a:t>
                       </a:r>
                       <a:endParaRPr sz="900" spc="0" dirty="0">
                         <a:latin typeface="AdobeClean-Light"/>
@@ -5969,7 +5319,7 @@
                         </a:spcBef>
                       </a:pPr>
                       <a:r>
-                        <a:rPr sz="900" dirty="0">
+                        <a:rPr lang="de-de" sz="900" dirty="0">
                           <a:solidFill>
                             <a:srgbClr val="020302"/>
                           </a:solidFill>
@@ -6011,7 +5361,7 @@
                         </a:spcBef>
                       </a:pPr>
                       <a:r>
-                        <a:rPr lang="en-US" sz="900" dirty="0">
+                        <a:rPr lang="de-de" sz="900" dirty="0">
                           <a:solidFill>
                             <a:srgbClr val="020302"/>
                           </a:solidFill>
@@ -6095,14 +5445,14 @@
                         </a:spcBef>
                       </a:pPr>
                       <a:r>
-                        <a:rPr lang="en-US" sz="900" spc="0" dirty="0">
+                        <a:rPr lang="de-de" sz="900" spc="0" dirty="0">
                           <a:solidFill>
                             <a:srgbClr val="020302"/>
                           </a:solidFill>
                           <a:latin typeface="AdobeClean-Light"/>
                           <a:cs typeface="AdobeClean-Light"/>
                         </a:rPr>
-                        <a:t>Live Telephone Support</a:t>
+                        <a:t>실시간 전화 지원</a:t>
                       </a:r>
                       <a:endParaRPr sz="900" spc="0" dirty="0">
                         <a:latin typeface="AdobeClean-Light"/>
@@ -6171,7 +5521,7 @@
                         </a:spcBef>
                       </a:pPr>
                       <a:r>
-                        <a:rPr sz="900" dirty="0">
+                        <a:rPr lang="de-de" sz="900" dirty="0">
                           <a:solidFill>
                             <a:srgbClr val="020302"/>
                           </a:solidFill>
@@ -6255,14 +5605,14 @@
                         </a:spcBef>
                       </a:pPr>
                       <a:r>
-                        <a:rPr sz="900" spc="0" dirty="0">
+                        <a:rPr lang="de-de" sz="900" spc="0" dirty="0">
                           <a:solidFill>
                             <a:srgbClr val="020302"/>
                           </a:solidFill>
                           <a:latin typeface="AdobeClean-Light"/>
                           <a:cs typeface="AdobeClean-Light"/>
                         </a:rPr>
-                        <a:t>Escalation Management</a:t>
+                        <a:t>에스컬레이션 관리</a:t>
                       </a:r>
                       <a:endParaRPr sz="900" spc="0" dirty="0">
                         <a:latin typeface="AdobeClean-Light"/>
@@ -6331,7 +5681,7 @@
                         </a:spcBef>
                       </a:pPr>
                       <a:r>
-                        <a:rPr sz="900" dirty="0">
+                        <a:rPr lang="de-de" sz="900" dirty="0">
                           <a:solidFill>
                             <a:srgbClr val="020302"/>
                           </a:solidFill>
@@ -6415,24 +5765,14 @@
                         </a:spcBef>
                       </a:pPr>
                       <a:r>
-                        <a:rPr sz="900" spc="0" dirty="0">
+                        <a:rPr lang="de-de" sz="900" spc="0" dirty="0">
                           <a:solidFill>
                             <a:srgbClr val="020302"/>
                           </a:solidFill>
                           <a:latin typeface="AdobeClean-Light"/>
                           <a:cs typeface="AdobeClean-Light"/>
                         </a:rPr>
-                        <a:t>Service Reviews </a:t>
-                      </a:r>
-                      <a:r>
-                        <a:rPr lang="en-US" sz="900" spc="0" dirty="0">
-                          <a:solidFill>
-                            <a:srgbClr val="020302"/>
-                          </a:solidFill>
-                          <a:latin typeface="AdobeClean-Light"/>
-                          <a:cs typeface="AdobeClean-Light"/>
-                        </a:rPr>
-                        <a:t>per Year</a:t>
+                        <a:t>연간 서비스 리뷰</a:t>
                       </a:r>
                       <a:endParaRPr sz="900" spc="0" dirty="0">
                         <a:latin typeface="AdobeClean-Light"/>
@@ -6495,7 +5835,7 @@
                         </a:lnSpc>
                       </a:pPr>
                       <a:r>
-                        <a:rPr lang="en-US" sz="900" dirty="0">
+                        <a:rPr lang="de-de" sz="900" dirty="0">
                           <a:latin typeface="Times New Roman"/>
                           <a:cs typeface="Times New Roman"/>
                         </a:rPr>
@@ -6546,11 +5886,11 @@
                         </a:spcBef>
                       </a:pPr>
                       <a:r>
-                        <a:rPr lang="en-US" sz="900" spc="0" dirty="0">
+                        <a:rPr lang="de-de" sz="900" spc="0" dirty="0">
                           <a:latin typeface="AdobeClean-Light"/>
                           <a:cs typeface="AdobeClean-Light"/>
                         </a:rPr>
-                        <a:t>Expert Sessions per Year</a:t>
+                        <a:t>연간 전문가 세션</a:t>
                       </a:r>
                       <a:endParaRPr sz="900" spc="0" dirty="0">
                         <a:latin typeface="AdobeClean-Light"/>
@@ -6619,7 +5959,7 @@
                         </a:lnSpc>
                       </a:pPr>
                       <a:r>
-                        <a:rPr lang="en-US" sz="900" dirty="0">
+                        <a:rPr lang="de-de" sz="900" dirty="0">
                           <a:latin typeface="Times New Roman"/>
                           <a:cs typeface="Times New Roman"/>
                         </a:rPr>
@@ -6670,11 +6010,11 @@
                         </a:spcBef>
                       </a:pPr>
                       <a:r>
-                        <a:rPr lang="en-US" sz="900" spc="0" dirty="0">
+                        <a:rPr lang="de-de" sz="900" spc="0" dirty="0">
                           <a:latin typeface="AdobeClean-Light"/>
                           <a:cs typeface="AdobeClean-Light"/>
                         </a:rPr>
-                        <a:t>Case Reviews</a:t>
+                        <a:t>사례 검토</a:t>
                       </a:r>
                       <a:endParaRPr sz="900" spc="0" dirty="0">
                         <a:latin typeface="AdobeClean-Light"/>
@@ -6755,7 +6095,7 @@
                         <a:defRPr/>
                       </a:pPr>
                       <a:r>
-                        <a:rPr lang="en-US" sz="900" dirty="0">
+                        <a:rPr lang="de-de" sz="900" dirty="0">
                           <a:solidFill>
                             <a:srgbClr val="020302"/>
                           </a:solidFill>
@@ -6848,24 +6188,14 @@
                         </a:spcBef>
                       </a:pPr>
                       <a:r>
-                        <a:rPr sz="900" spc="0" dirty="0">
+                        <a:rPr lang="de-de" sz="900" spc="0" dirty="0">
                           <a:solidFill>
                             <a:srgbClr val="020302"/>
                           </a:solidFill>
                           <a:latin typeface="AdobeClean-Light"/>
                           <a:cs typeface="AdobeClean-Light"/>
                         </a:rPr>
-                        <a:t>Event </a:t>
-                      </a:r>
-                      <a:r>
-                        <a:rPr lang="en-US" sz="900" spc="0" dirty="0">
-                          <a:solidFill>
-                            <a:srgbClr val="020302"/>
-                          </a:solidFill>
-                          <a:latin typeface="AdobeClean-Light"/>
-                          <a:cs typeface="AdobeClean-Light"/>
-                        </a:rPr>
-                        <a:t>Management</a:t>
+                        <a:t>이벤트 관리</a:t>
                       </a:r>
                       <a:endParaRPr sz="900" spc="0" dirty="0">
                         <a:latin typeface="AdobeClean-Light"/>
@@ -6946,7 +6276,7 @@
                         <a:defRPr/>
                       </a:pPr>
                       <a:r>
-                        <a:rPr lang="en-US" sz="900" dirty="0">
+                        <a:rPr lang="de-de" sz="900" dirty="0">
                           <a:solidFill>
                             <a:srgbClr val="020302"/>
                           </a:solidFill>
@@ -7030,34 +6360,14 @@
                         </a:spcBef>
                       </a:pPr>
                       <a:r>
-                        <a:rPr sz="900" spc="0" dirty="0">
+                        <a:rPr lang="de-de" sz="900" spc="0" dirty="0">
                           <a:solidFill>
                             <a:srgbClr val="020302"/>
                           </a:solidFill>
                           <a:latin typeface="AdobeClean-Light"/>
                           <a:cs typeface="AdobeClean-Light"/>
                         </a:rPr>
-                        <a:t>Environment</a:t>
-                      </a:r>
-                      <a:r>
-                        <a:rPr lang="en-US" sz="900" spc="0" dirty="0">
-                          <a:solidFill>
-                            <a:srgbClr val="020302"/>
-                          </a:solidFill>
-                          <a:latin typeface="AdobeClean-Light"/>
-                          <a:cs typeface="AdobeClean-Light"/>
-                        </a:rPr>
-                        <a:t> </a:t>
-                      </a:r>
-                      <a:r>
-                        <a:rPr sz="900" spc="0" dirty="0">
-                          <a:solidFill>
-                            <a:srgbClr val="020302"/>
-                          </a:solidFill>
-                          <a:latin typeface="AdobeClean-Light"/>
-                          <a:cs typeface="AdobeClean-Light"/>
-                        </a:rPr>
-                        <a:t>Review, Maintenance &amp; Monitoring</a:t>
+                        <a:t>환경 검토, 유지 관리 및 모니터링</a:t>
                       </a:r>
                       <a:endParaRPr sz="900" spc="0" dirty="0">
                         <a:latin typeface="AdobeClean-Light"/>
@@ -7132,7 +6442,7 @@
                         <a:defRPr/>
                       </a:pPr>
                       <a:r>
-                        <a:rPr lang="en-US" sz="900" dirty="0">
+                        <a:rPr lang="de-de" sz="900" dirty="0">
                           <a:solidFill>
                             <a:srgbClr val="020302"/>
                           </a:solidFill>
@@ -7216,14 +6526,14 @@
                         </a:spcBef>
                       </a:pPr>
                       <a:r>
-                        <a:rPr sz="900" spc="0" dirty="0">
+                        <a:rPr lang="de-de" sz="900" spc="0" dirty="0">
                           <a:solidFill>
                             <a:srgbClr val="020302"/>
                           </a:solidFill>
                           <a:latin typeface="AdobeClean-Light"/>
                           <a:cs typeface="AdobeClean-Light"/>
                         </a:rPr>
-                        <a:t>Release, Migration, Upgrade &amp; Product Roadmap Review</a:t>
+                        <a:t>릴리스, 마이그레이션, 업그레이드 및 제품 로드맵 검토</a:t>
                       </a:r>
                       <a:endParaRPr sz="900" spc="0" dirty="0">
                         <a:latin typeface="AdobeClean-Light"/>
@@ -7298,7 +6608,7 @@
                         <a:defRPr/>
                       </a:pPr>
                       <a:r>
-                        <a:rPr lang="en-US" sz="900" dirty="0">
+                        <a:rPr lang="de-de" sz="900" dirty="0">
                           <a:solidFill>
                             <a:srgbClr val="020302"/>
                           </a:solidFill>
@@ -7391,11 +6701,11 @@
                         </a:spcBef>
                       </a:pPr>
                       <a:r>
-                        <a:rPr sz="900" spc="0" dirty="0">
+                        <a:rPr lang="de-de" sz="900" spc="0" dirty="0">
                           <a:latin typeface="AdobeClean-Light"/>
                           <a:cs typeface="AdobeClean-Light"/>
                         </a:rPr>
-                        <a:t>Cloud Support Activities – Experience Manager as Cloud</a:t>
+                        <a:t>클라우드 지원 활동 – Experience Manager as Cloud</a:t>
                       </a:r>
                     </a:p>
                   </a:txBody>
@@ -7481,7 +6791,7 @@
                         <a:defRPr/>
                       </a:pPr>
                       <a:r>
-                        <a:rPr lang="en-US" sz="900" dirty="0">
+                        <a:rPr lang="de-de" sz="900" dirty="0">
                           <a:solidFill>
                             <a:srgbClr val="020302"/>
                           </a:solidFill>
@@ -7534,14 +6844,14 @@
                         </a:spcBef>
                       </a:pPr>
                       <a:r>
-                        <a:rPr lang="en-US" sz="1000" b="1" i="0" spc="0" dirty="0">
+                        <a:rPr lang="de-de" sz="1000" b="1" i="0" spc="0" dirty="0">
                           <a:solidFill>
                             <a:schemeClr val="bg1"/>
                           </a:solidFill>
                           <a:latin typeface="Adobe Clean" panose="020B0503020404020204" pitchFamily="34" charset="0"/>
                           <a:cs typeface="AdobeClean-Light"/>
                         </a:rPr>
-                        <a:t>Field Services</a:t>
+                        <a:t>현장 서비스</a:t>
                       </a:r>
                       <a:endParaRPr sz="1000" b="1" i="0" spc="0" dirty="0">
                         <a:solidFill>
@@ -7602,14 +6912,14 @@
                         </a:spcBef>
                       </a:pPr>
                       <a:r>
-                        <a:rPr sz="900" spc="0" dirty="0">
+                        <a:rPr lang="de-de" sz="900" spc="0" dirty="0">
                           <a:solidFill>
                             <a:srgbClr val="020302"/>
                           </a:solidFill>
                           <a:latin typeface="AdobeClean-Light"/>
                           <a:cs typeface="AdobeClean-Light"/>
                         </a:rPr>
-                        <a:t>Launch Advisory Services – First Year of new solution</a:t>
+                        <a:t>출시 자문 서비스 – 새로운 솔루션의 첫 해</a:t>
                       </a:r>
                     </a:p>
                   </a:txBody>
@@ -7721,7 +7031,7 @@
                         <a:defRPr/>
                       </a:pPr>
                       <a:r>
-                        <a:rPr lang="en-US" sz="900" dirty="0">
+                        <a:rPr lang="de-de" sz="900" dirty="0">
                           <a:solidFill>
                             <a:srgbClr val="020302"/>
                           </a:solidFill>
@@ -7812,11 +7122,11 @@
                         <a:defRPr/>
                       </a:pPr>
                       <a:r>
-                        <a:rPr lang="en-US" sz="900" spc="0" dirty="0">
+                        <a:rPr lang="de-de" sz="900" spc="0" dirty="0">
                           <a:latin typeface="AdobeClean-Light"/>
                           <a:cs typeface="AdobeClean-Light"/>
                         </a:rPr>
-                        <a:t>Field Service Activities </a:t>
+                        <a:t>현장 서비스 활동 </a:t>
                       </a:r>
                     </a:p>
                   </a:txBody>
@@ -7899,7 +7209,7 @@
                     <a:p>
                       <a:pPr algn="ctr"/>
                       <a:r>
-                        <a:rPr lang="en-US" sz="900" dirty="0">
+                        <a:rPr lang="de-de" sz="900" dirty="0">
                           <a:latin typeface="Times New Roman"/>
                           <a:cs typeface="Times New Roman"/>
                         </a:rPr>
@@ -8039,7 +7349,7 @@
         <p:spPr>
           <a:xfrm>
             <a:off x="357339" y="608961"/>
-            <a:ext cx="1647825" cy="238760"/>
+            <a:ext cx="4214661" cy="229239"/>
           </a:xfrm>
           <a:prstGeom prst="rect">
             <a:avLst/>
@@ -8060,17 +7370,17 @@
               </a:spcBef>
             </a:pPr>
             <a:r>
-              <a:rPr sz="1400" b="1" spc="-10" dirty="0">
+              <a:rPr lang="de-de" sz="1400" b="1" spc="-10" dirty="0">
                 <a:solidFill>
                   <a:srgbClr val="020302"/>
                 </a:solidFill>
                 <a:latin typeface="Adobe Clean"/>
                 <a:cs typeface="Adobe Clean"/>
               </a:rPr>
-              <a:t>Elite</a:t>
-            </a:r>
-            <a:r>
-              <a:rPr sz="1400" b="1" spc="-50" dirty="0">
+              <a:t>엘리트</a:t>
+            </a:r>
+            <a:r>
+              <a:rPr lang="de-de" sz="1400" b="1" spc="-50" dirty="0">
                 <a:solidFill>
                   <a:srgbClr val="020302"/>
                 </a:solidFill>
@@ -8080,17 +7390,17 @@
               <a:t> </a:t>
             </a:r>
             <a:r>
-              <a:rPr sz="1400" b="1" spc="-10" dirty="0">
+              <a:rPr lang="de-de" sz="1400" b="1" spc="-10" dirty="0">
                 <a:solidFill>
                   <a:srgbClr val="020302"/>
                 </a:solidFill>
                 <a:latin typeface="Adobe Clean"/>
                 <a:cs typeface="Adobe Clean"/>
               </a:rPr>
-              <a:t>Support</a:t>
-            </a:r>
-            <a:r>
-              <a:rPr sz="1400" b="1" spc="-45" dirty="0">
+              <a:t>지원</a:t>
+            </a:r>
+            <a:r>
+              <a:rPr lang="de-de" sz="1400" b="1" spc="-45" dirty="0">
                 <a:solidFill>
                   <a:srgbClr val="020302"/>
                 </a:solidFill>
@@ -8100,14 +7410,14 @@
               <a:t> </a:t>
             </a:r>
             <a:r>
-              <a:rPr sz="1400" b="1" spc="-15" dirty="0">
+              <a:rPr lang="de-de" sz="1400" b="1" spc="-15" dirty="0">
                 <a:solidFill>
                   <a:srgbClr val="020302"/>
                 </a:solidFill>
                 <a:latin typeface="Adobe Clean"/>
                 <a:cs typeface="Adobe Clean"/>
               </a:rPr>
-              <a:t>Features</a:t>
+              <a:t>기능</a:t>
             </a:r>
             <a:endParaRPr sz="1400" dirty="0">
               <a:latin typeface="Adobe Clean"/>
@@ -8146,14 +7456,14 @@
               </a:spcBef>
             </a:pPr>
             <a:r>
-              <a:rPr sz="1000" dirty="0">
+              <a:rPr lang="de-de" sz="1000" dirty="0">
                 <a:solidFill>
                   <a:srgbClr val="4B4B4B"/>
                 </a:solidFill>
                 <a:latin typeface="AdobeClean-Light"/>
                 <a:cs typeface="AdobeClean-Light"/>
               </a:rPr>
-              <a:t>A designated support engineer who  becomes familiar with your solution  environment and business goals. The NSE  is an experienced support engineer that  helps coordinate your Enterprise Support  experience..</a:t>
+              <a:t>고객의 솔루션 환경과 비즈니스 목표에 정통하게 될 지정 지원 엔지니어입니다. 엔터프라이즈 지원 경험을 조정할 수 있게 숙련된 지원 엔지니어입니다.</a:t>
             </a:r>
             <a:endParaRPr sz="1000" dirty="0">
               <a:latin typeface="AdobeClean-Light"/>
@@ -8240,14 +7550,14 @@
               </a:spcBef>
             </a:pPr>
             <a:r>
-              <a:rPr sz="1000" dirty="0">
+              <a:rPr lang="de-de" sz="1000" dirty="0">
                 <a:solidFill>
                   <a:srgbClr val="4B4B4B"/>
                 </a:solidFill>
                 <a:latin typeface="AdobeClean-Light"/>
                 <a:cs typeface="AdobeClean-Light"/>
               </a:rPr>
-              <a:t>Regular scheduled review of open  support requests, ensuring customer  alignment on case description, business  impact, status, priority and agreement on  next steps required to ensure an  expedient resolution.</a:t>
+              <a:t>진행 중인 지원 요청을 정기적으로 검토하여 사례 설명, 비즈니스 영향, 상태, 우선 순위, 필요한 다음 단계에 대한 고객의 동의에 맞춰 조정함으로써 신속한 해결을 보장합니다.</a:t>
             </a:r>
             <a:endParaRPr sz="1000" dirty="0">
               <a:latin typeface="AdobeClean-Light"/>
@@ -8310,24 +7620,14 @@
               </a:spcBef>
             </a:pPr>
             <a:r>
-              <a:rPr sz="1000" dirty="0">
+              <a:rPr lang="de-de" sz="1000" dirty="0">
                 <a:solidFill>
                   <a:srgbClr val="020302"/>
                 </a:solidFill>
                 <a:latin typeface="AdobeClean-Light"/>
                 <a:cs typeface="AdobeClean-Light"/>
               </a:rPr>
-              <a:t>A designated Technical Account Manager to  oversee your Elite experience, coordinate  the support and field services  engagements, and provide proactive services  to maximize your business valu</a:t>
-            </a:r>
-            <a:r>
-              <a:rPr lang="en-US" sz="1000" dirty="0">
-                <a:solidFill>
-                  <a:srgbClr val="020302"/>
-                </a:solidFill>
-                <a:latin typeface="AdobeClean-Light"/>
-                <a:cs typeface="AdobeClean-Light"/>
-              </a:rPr>
-              <a:t>e.</a:t>
+              <a:t>귀사의 엘리트 경험을 감독하고, 지원 및 현장 서비스 계약을 조정하고, 사전 예방적 서비스를 제공하여 귀사의 비즈니스 가치를 극대화하는 지정된 기술 계정 관리자입니다.</a:t>
             </a:r>
           </a:p>
         </p:txBody>
@@ -8362,14 +7662,14 @@
               </a:spcBef>
             </a:pPr>
             <a:r>
-              <a:rPr sz="1100" b="1" dirty="0">
+              <a:rPr lang="de-de" sz="1100" b="1" dirty="0">
                 <a:solidFill>
                   <a:srgbClr val="020302"/>
                 </a:solidFill>
                 <a:latin typeface="Adobe Clean" panose="020B0503020404020204" pitchFamily="34" charset="0"/>
                 <a:cs typeface="Arial"/>
               </a:rPr>
-              <a:t>Technical Account Manager</a:t>
+              <a:t>기술 계정 관리자</a:t>
             </a:r>
             <a:endParaRPr sz="1100" dirty="0">
               <a:latin typeface="Adobe Clean" panose="020B0503020404020204" pitchFamily="34" charset="0"/>
@@ -8456,44 +7756,14 @@
               </a:spcBef>
             </a:pPr>
             <a:r>
-              <a:rPr sz="1000" dirty="0">
+              <a:rPr lang="de-de" sz="1000" dirty="0">
                 <a:solidFill>
                   <a:srgbClr val="020302"/>
                 </a:solidFill>
                 <a:latin typeface="AdobeClean-Light"/>
                 <a:cs typeface="AdobeClean-Light"/>
               </a:rPr>
-              <a:t>Ongoing knowledge transfer from Adobe  </a:t>
-            </a:r>
-            <a:r>
-              <a:rPr lang="en-US" sz="1000" dirty="0">
-                <a:solidFill>
-                  <a:srgbClr val="020302"/>
-                </a:solidFill>
-                <a:latin typeface="AdobeClean-Light"/>
-                <a:cs typeface="AdobeClean-Light"/>
-              </a:rPr>
-              <a:t>Support team</a:t>
-            </a:r>
-            <a:r>
-              <a:rPr sz="1000" dirty="0">
-                <a:solidFill>
-                  <a:srgbClr val="020302"/>
-                </a:solidFill>
-                <a:latin typeface="AdobeClean-Light"/>
-                <a:cs typeface="AdobeClean-Light"/>
-              </a:rPr>
-              <a:t> to provide </a:t>
-            </a:r>
-            <a:r>
-              <a:rPr lang="en-US" sz="1000" dirty="0">
-                <a:solidFill>
-                  <a:srgbClr val="020302"/>
-                </a:solidFill>
-                <a:latin typeface="AdobeClean-Light"/>
-                <a:cs typeface="AdobeClean-Light"/>
-              </a:rPr>
-              <a:t>best practices around solution usage.</a:t>
+              <a:t>솔루션 사용에 대한 모범 사례를 제공하기 위한 Adobe 지원 팀의 지속적인 지식 이전입니다.</a:t>
             </a:r>
             <a:endParaRPr sz="1000" dirty="0">
               <a:latin typeface="AdobeClean-Light"/>
@@ -8532,14 +7802,14 @@
               </a:spcBef>
             </a:pPr>
             <a:r>
-              <a:rPr sz="1000" dirty="0">
+              <a:rPr lang="de-de" sz="1000" dirty="0">
                 <a:solidFill>
                   <a:srgbClr val="020302"/>
                 </a:solidFill>
                 <a:latin typeface="AdobeClean-Light"/>
                 <a:cs typeface="AdobeClean-Light"/>
               </a:rPr>
-              <a:t>Manage key events to ensure you have the  right level of support, coverage, and  mitigation plan in place during those key  business and project milestones.</a:t>
+              <a:t>해당 주요 비즈니스 및 프로젝트 주요 시점 동안에 적절한 수준의 지원, 적용 범위 및 완화 계획을 수립할 수 있도록 주요 이벤트를 관리합니다.</a:t>
             </a:r>
             <a:endParaRPr sz="1000" dirty="0">
               <a:latin typeface="AdobeClean-Light"/>
@@ -8578,14 +7848,14 @@
               </a:spcBef>
             </a:pPr>
             <a:r>
-              <a:rPr sz="1000" dirty="0">
+              <a:rPr lang="de-de" sz="1000" dirty="0">
                 <a:solidFill>
                   <a:srgbClr val="020302"/>
                 </a:solidFill>
                 <a:latin typeface="AdobeClean-Light"/>
                 <a:cs typeface="AdobeClean-Light"/>
               </a:rPr>
-              <a:t>Receive personalized guidance on new  product features to take advantage of  latest innovations, and have Adobe  experts review release and upgrade plan.</a:t>
+              <a:t>최신 혁신 기술을 활용하고 Adobe 전문가가 릴리스 및 업그레이드 계획을 검토할 수 있도록 새로운 제품 기능에 대한 맞춤형 지침을 받습니다.</a:t>
             </a:r>
             <a:endParaRPr sz="1000" dirty="0">
               <a:latin typeface="AdobeClean-Light"/>
@@ -8602,8 +7872,8 @@
         </p:nvSpPr>
         <p:spPr>
           <a:xfrm>
-            <a:off x="97787" y="9888626"/>
-            <a:ext cx="2202180" cy="149860"/>
+            <a:off x="97786" y="9888626"/>
+            <a:ext cx="4474213" cy="133370"/>
           </a:xfrm>
           <a:prstGeom prst="rect">
             <a:avLst/>
@@ -8624,7 +7894,7 @@
               </a:spcBef>
             </a:pPr>
             <a:r>
-              <a:rPr sz="800" spc="-15" dirty="0">
+              <a:rPr lang="de-de" sz="800" spc="-15" dirty="0">
                 <a:solidFill>
                   <a:srgbClr val="6D6D6D"/>
                 </a:solidFill>
@@ -8634,7 +7904,7 @@
               <a:t>©2021 </a:t>
             </a:r>
             <a:r>
-              <a:rPr sz="800" spc="-5" dirty="0">
+              <a:rPr lang="de-de" sz="800" spc="-5" dirty="0">
                 <a:solidFill>
                   <a:srgbClr val="6D6D6D"/>
                 </a:solidFill>
@@ -8644,7 +7914,7 @@
               <a:t>Adobe. All</a:t>
             </a:r>
             <a:r>
-              <a:rPr sz="800" spc="-15" dirty="0">
+              <a:rPr lang="de-de" sz="800" spc="-15" dirty="0">
                 <a:solidFill>
                   <a:srgbClr val="6D6D6D"/>
                 </a:solidFill>
@@ -8654,7 +7924,7 @@
               <a:t> Rights</a:t>
             </a:r>
             <a:r>
-              <a:rPr sz="800" spc="-5" dirty="0">
+              <a:rPr lang="de-de" sz="800" spc="-5" dirty="0">
                 <a:solidFill>
                   <a:srgbClr val="6D6D6D"/>
                 </a:solidFill>
@@ -8664,7 +7934,7 @@
               <a:t> </a:t>
             </a:r>
             <a:r>
-              <a:rPr sz="800" spc="-15" dirty="0">
+              <a:rPr lang="de-de" sz="800" spc="-15" dirty="0">
                 <a:solidFill>
                   <a:srgbClr val="6D6D6D"/>
                 </a:solidFill>
@@ -8674,7 +7944,7 @@
               <a:t>Reserved.</a:t>
             </a:r>
             <a:r>
-              <a:rPr sz="800" spc="-10" dirty="0">
+              <a:rPr lang="de-de" sz="800" spc="-10" dirty="0">
                 <a:solidFill>
                   <a:srgbClr val="6D6D6D"/>
                 </a:solidFill>
@@ -8684,7 +7954,7 @@
               <a:t> </a:t>
             </a:r>
             <a:r>
-              <a:rPr sz="800" spc="-5" dirty="0">
+              <a:rPr lang="de-de" sz="800" spc="-5" dirty="0">
                 <a:solidFill>
                   <a:srgbClr val="6D6D6D"/>
                 </a:solidFill>
@@ -8694,7 +7964,7 @@
               <a:t>Adobe</a:t>
             </a:r>
             <a:r>
-              <a:rPr sz="800" spc="65" dirty="0">
+              <a:rPr lang="de-de" sz="800" spc="65" dirty="0">
                 <a:solidFill>
                   <a:srgbClr val="6D6D6D"/>
                 </a:solidFill>
@@ -8704,16 +7974,16 @@
               <a:t> </a:t>
             </a:r>
             <a:r>
-              <a:rPr sz="800" spc="-15" dirty="0">
+              <a:rPr lang="de-de" sz="800" spc="-15" dirty="0">
                 <a:solidFill>
                   <a:srgbClr val="6D6D6D"/>
                 </a:solidFill>
                 <a:latin typeface="Adobe Clean"/>
                 <a:cs typeface="Adobe Clean"/>
               </a:rPr>
-              <a:t>Confidential.</a:t>
-            </a:r>
-            <a:endParaRPr sz="800">
+              <a:t>기밀.</a:t>
+            </a:r>
+            <a:endParaRPr sz="800" dirty="0">
               <a:latin typeface="Adobe Clean"/>
               <a:cs typeface="Adobe Clean"/>
             </a:endParaRPr>
@@ -8722,7 +7992,7 @@
       </p:sp>
       <p:pic>
         <p:nvPicPr>
-          <p:cNvPr id="43" name="Graphic 42" descr="Playbook outline">
+          <p:cNvPr id="43" name="Graphic 42" descr="플레이북 개요">
             <a:extLst>
               <a:ext uri="{FF2B5EF4-FFF2-40B4-BE49-F238E27FC236}">
                 <a16:creationId xmlns:a16="http://schemas.microsoft.com/office/drawing/2014/main" id="{C99690B9-BFB7-6F4A-BF19-81D32249562E}"/>
@@ -8773,7 +8043,7 @@
         </p:nvSpPr>
         <p:spPr>
           <a:xfrm>
-            <a:off x="2791726" y="9060487"/>
+            <a:off x="2791726" y="8915400"/>
             <a:ext cx="2194560" cy="487313"/>
           </a:xfrm>
           <a:prstGeom prst="rect">
@@ -8798,77 +8068,77 @@
               </a:tabLst>
             </a:pPr>
             <a:r>
-              <a:rPr sz="1000" spc="-20" dirty="0">
+              <a:rPr lang="de-de" sz="1000" spc="-20" dirty="0">
                 <a:solidFill>
                   <a:srgbClr val="020302"/>
                 </a:solidFill>
                 <a:latin typeface="AdobeClean-Light"/>
                 <a:cs typeface="AdobeClean-Light"/>
               </a:rPr>
-              <a:t>Start </a:t>
-            </a:r>
-            <a:r>
-              <a:rPr sz="1000" dirty="0">
+              <a:t>답변을 </a:t>
+            </a:r>
+            <a:r>
+              <a:rPr lang="de-de" sz="1000" dirty="0">
                 <a:solidFill>
                   <a:srgbClr val="020302"/>
                 </a:solidFill>
                 <a:latin typeface="AdobeClean-Light"/>
                 <a:cs typeface="AdobeClean-Light"/>
               </a:rPr>
-              <a:t>a </a:t>
-            </a:r>
-            <a:r>
-              <a:rPr sz="1000" spc="-15" dirty="0">
+              <a:t>얻고 </a:t>
+            </a:r>
+            <a:r>
+              <a:rPr lang="de-de" sz="1000" spc="-15" dirty="0">
                 <a:solidFill>
                   <a:srgbClr val="020302"/>
                 </a:solidFill>
                 <a:latin typeface="AdobeClean-Light"/>
                 <a:cs typeface="AdobeClean-Light"/>
               </a:rPr>
-              <a:t>chat </a:t>
-            </a:r>
-            <a:r>
-              <a:rPr sz="1000" spc="-10" dirty="0">
+              <a:t>사례 </a:t>
+            </a:r>
+            <a:r>
+              <a:rPr lang="de-de" sz="1000" spc="-10" dirty="0">
                 <a:solidFill>
                   <a:srgbClr val="020302"/>
                 </a:solidFill>
                 <a:latin typeface="AdobeClean-Light"/>
                 <a:cs typeface="AdobeClean-Light"/>
               </a:rPr>
-              <a:t>session </a:t>
-            </a:r>
-            <a:r>
-              <a:rPr sz="1000" spc="-5" dirty="0">
+              <a:t>제출 </a:t>
+            </a:r>
+            <a:r>
+              <a:rPr lang="de-de" sz="1000" spc="-5" dirty="0">
                 <a:solidFill>
                   <a:srgbClr val="020302"/>
                 </a:solidFill>
                 <a:latin typeface="AdobeClean-Light"/>
                 <a:cs typeface="AdobeClean-Light"/>
               </a:rPr>
-              <a:t>to </a:t>
-            </a:r>
-            <a:r>
-              <a:rPr sz="1000" spc="-10" dirty="0">
+              <a:t>관련 </a:t>
+            </a:r>
+            <a:r>
+              <a:rPr lang="de-de" sz="1000" spc="-10" dirty="0">
                 <a:solidFill>
                   <a:srgbClr val="020302"/>
                 </a:solidFill>
                 <a:latin typeface="AdobeClean-Light"/>
                 <a:cs typeface="AdobeClean-Light"/>
               </a:rPr>
-              <a:t>get </a:t>
-            </a:r>
-            <a:r>
-              <a:rPr sz="1000" spc="-20" dirty="0">
+              <a:t>도움을 </a:t>
+            </a:r>
+            <a:r>
+              <a:rPr lang="de-de" sz="1000" spc="-20" dirty="0">
                 <a:solidFill>
                   <a:srgbClr val="020302"/>
                 </a:solidFill>
                 <a:latin typeface="AdobeClean-Light"/>
                 <a:cs typeface="AdobeClean-Light"/>
               </a:rPr>
-              <a:t>answers</a:t>
-            </a:r>
-            <a:r>
-              <a:rPr lang="en-US" sz="1000" spc="-45" dirty="0">
+              <a:t>받을</a:t>
+            </a:r>
+            <a:r>
+              <a:rPr lang="de-de" sz="1000" spc="-45" dirty="0">
                 <a:solidFill>
                   <a:srgbClr val="020302"/>
                 </a:solidFill>
@@ -8878,37 +8148,37 @@
               <a:t> </a:t>
             </a:r>
             <a:r>
-              <a:rPr lang="en-US" sz="1000" dirty="0">
+              <a:rPr lang="de-de" sz="1000" dirty="0">
                 <a:solidFill>
                   <a:srgbClr val="020302"/>
                 </a:solidFill>
                 <a:latin typeface="AdobeClean-Light"/>
                 <a:cs typeface="AdobeClean-Light"/>
               </a:rPr>
-              <a:t>&amp; </a:t>
-            </a:r>
-            <a:r>
-              <a:rPr sz="1000" spc="-15" dirty="0">
+              <a:t>수 </a:t>
+            </a:r>
+            <a:r>
+              <a:rPr lang="de-de" sz="1000" spc="-15" dirty="0">
                 <a:solidFill>
                   <a:srgbClr val="020302"/>
                 </a:solidFill>
                 <a:latin typeface="AdobeClean-Light"/>
                 <a:cs typeface="AdobeClean-Light"/>
               </a:rPr>
-              <a:t>help </a:t>
-            </a:r>
-            <a:r>
-              <a:rPr sz="1000" spc="-10" dirty="0">
+              <a:t>있는 </a:t>
+            </a:r>
+            <a:r>
+              <a:rPr lang="de-de" sz="1000" spc="-10" dirty="0">
                 <a:solidFill>
                   <a:srgbClr val="020302"/>
                 </a:solidFill>
                 <a:latin typeface="AdobeClean-Light"/>
                 <a:cs typeface="AdobeClean-Light"/>
               </a:rPr>
-              <a:t>with</a:t>
-            </a:r>
-            <a:r>
-              <a:rPr sz="1000" spc="85" dirty="0">
+              <a:t>채팅</a:t>
+            </a:r>
+            <a:r>
+              <a:rPr lang="de-de" sz="1000" spc="85" dirty="0">
                 <a:solidFill>
                   <a:srgbClr val="020302"/>
                 </a:solidFill>
@@ -8918,24 +8188,24 @@
               <a:t> </a:t>
             </a:r>
             <a:r>
-              <a:rPr sz="1000" spc="-10" dirty="0">
+              <a:rPr lang="de-de" sz="1000" spc="-10" dirty="0">
                 <a:solidFill>
                   <a:srgbClr val="020302"/>
                 </a:solidFill>
                 <a:latin typeface="AdobeClean-Light"/>
                 <a:cs typeface="AdobeClean-Light"/>
               </a:rPr>
-              <a:t>case </a:t>
-            </a:r>
-            <a:r>
-              <a:rPr sz="1000" spc="-20" dirty="0">
+              <a:t>세션을 </a:t>
+            </a:r>
+            <a:r>
+              <a:rPr lang="de-de" sz="1000" spc="-20" dirty="0">
                 <a:solidFill>
                   <a:srgbClr val="020302"/>
                 </a:solidFill>
                 <a:latin typeface="AdobeClean-Light"/>
                 <a:cs typeface="AdobeClean-Light"/>
               </a:rPr>
-              <a:t>submission</a:t>
+              <a:t>시작합니다</a:t>
             </a:r>
             <a:endParaRPr lang="en-US" sz="1000" spc="-20" dirty="0">
               <a:solidFill>
@@ -8958,27 +8228,27 @@
               </a:tabLst>
             </a:pPr>
             <a:r>
-              <a:rPr sz="1000" i="1" spc="-10" dirty="0">
+              <a:rPr lang="de-de" sz="1000" i="1" spc="-10" dirty="0">
                 <a:solidFill>
                   <a:srgbClr val="7A7A7A"/>
                 </a:solidFill>
                 <a:latin typeface="AdobeClean-LightIt"/>
                 <a:cs typeface="AdobeClean-LightIt"/>
               </a:rPr>
-              <a:t>*Not all </a:t>
-            </a:r>
-            <a:r>
-              <a:rPr sz="1000" i="1" spc="-20" dirty="0">
+              <a:t>*모든 </a:t>
+            </a:r>
+            <a:r>
+              <a:rPr lang="de-de" sz="1000" i="1" spc="-20" dirty="0">
                 <a:solidFill>
                   <a:srgbClr val="7A7A7A"/>
                 </a:solidFill>
                 <a:latin typeface="AdobeClean-LightIt"/>
                 <a:cs typeface="AdobeClean-LightIt"/>
               </a:rPr>
-              <a:t>products have live chat support</a:t>
-            </a:r>
-            <a:r>
-              <a:rPr sz="900" i="1" spc="-20" dirty="0">
+              <a:t>제품에 라이브 채팅이 지원되는 것은 아닙니다</a:t>
+            </a:r>
+            <a:r>
+              <a:rPr lang="de-de" sz="900" i="1" spc="-20" dirty="0">
                 <a:solidFill>
                   <a:srgbClr val="7A7A7A"/>
                 </a:solidFill>
@@ -9037,12 +8307,12 @@
               <a:defRPr/>
             </a:pPr>
             <a:r>
-              <a:rPr lang="en-US" sz="1200" dirty="0">
+              <a:rPr lang="de-de" sz="1200" dirty="0">
                 <a:solidFill>
                   <a:srgbClr val="000000"/>
                 </a:solidFill>
               </a:rPr>
-              <a:t>Community Forums</a:t>
+              <a:t>커뮤니티 포럼</a:t>
             </a:r>
           </a:p>
         </p:txBody>
@@ -9085,12 +8355,12 @@
               </a:spcAft>
             </a:pPr>
             <a:r>
-              <a:rPr lang="en-US" sz="1200" b="1" dirty="0">
+              <a:rPr lang="de-de" sz="1200" b="1" dirty="0">
                 <a:latin typeface="+mj-lt"/>
                 <a:ea typeface="Open Sans" pitchFamily="34" charset="0"/>
                 <a:cs typeface="Open Sans" pitchFamily="34" charset="0"/>
               </a:rPr>
-              <a:t>Online Forums</a:t>
+              <a:t>온라인 포럼</a:t>
             </a:r>
           </a:p>
         </p:txBody>
@@ -9123,13 +8393,13 @@
           <a:lstStyle/>
           <a:p>
             <a:r>
-              <a:rPr lang="en-US" sz="1000" dirty="0">
+              <a:rPr lang="de-de" sz="1000" dirty="0">
                 <a:solidFill>
                   <a:srgbClr val="4B4B4B"/>
                 </a:solidFill>
                 <a:latin typeface="Adobe Clean Light" panose="020B0303020404020204" pitchFamily="34" charset="0"/>
               </a:rPr>
-              <a:t>Continuous online access to a growing database of technical solutions, product documentation, FAQs and more. Connect with practitioners and other customers on Adobe Community to share best practices and lessons learned</a:t>
+              <a:t>기술 솔루션, 제품 문서, FAQ 등 증가하는 데이터베이스에 대한 지속적인 온라인 액세스. Adobe 커뮤니티에서 실무자 및 다른 고객과 소통하여 모범 사례 및 진행 중 얻은 개선 사항을 공유합니다.</a:t>
             </a:r>
           </a:p>
         </p:txBody>
@@ -9177,7 +8447,7 @@
               <a:defRPr/>
             </a:pPr>
             <a:r>
-              <a:rPr lang="en-US" sz="1200" dirty="0">
+              <a:rPr lang="de-de" sz="1200" dirty="0">
                 <a:solidFill>
                   <a:srgbClr val="000000"/>
                 </a:solidFill>
@@ -9225,12 +8495,12 @@
               </a:spcAft>
             </a:pPr>
             <a:r>
-              <a:rPr lang="en-US" sz="1200" b="1" dirty="0">
+              <a:rPr lang="de-de" sz="1200" b="1" dirty="0">
                 <a:latin typeface="+mj-lt"/>
                 <a:ea typeface="Open Sans" pitchFamily="34" charset="0"/>
                 <a:cs typeface="Open Sans" pitchFamily="34" charset="0"/>
               </a:rPr>
-              <a:t>Self-guided Journeys</a:t>
+              <a:t>셀프 가이드 여정</a:t>
             </a:r>
           </a:p>
         </p:txBody>
@@ -9263,13 +8533,13 @@
           <a:lstStyle/>
           <a:p>
             <a:r>
-              <a:rPr lang="en-US" sz="1000" dirty="0">
+              <a:rPr lang="de-de" sz="1000" dirty="0">
                 <a:solidFill>
                   <a:srgbClr val="4B4B4B"/>
                 </a:solidFill>
                 <a:latin typeface="Adobe Clean Light" panose="020B0303020404020204" pitchFamily="34" charset="0"/>
               </a:rPr>
-              <a:t>Experience Makers are made with Experience League. Customers can kickstart their Customer Experience Management abilities with personalized learning to develop skills, engage with a global community of peers, and earn career advancing recognition</a:t>
+              <a:t>Experience 업체는 Experience League로 만들어집니다. 고객은 개인 맞춤형 학습을 통해 고객 경험 관리 능력에 시동을 걸어 기술을 개발하고 글로벌 동료 커뮤니티와 교류하며 경력 발전에 도움이 되는 인정을 얻을 수 있습니다.</a:t>
             </a:r>
           </a:p>
         </p:txBody>
@@ -9290,7 +8560,7 @@
         </p:nvSpPr>
         <p:spPr>
           <a:xfrm>
-            <a:off x="3201544" y="8560230"/>
+            <a:off x="3201544" y="8458200"/>
             <a:ext cx="1543003" cy="184666"/>
           </a:xfrm>
           <a:prstGeom prst="rect">
@@ -9317,12 +8587,12 @@
               <a:defRPr/>
             </a:pPr>
             <a:r>
-              <a:rPr lang="en-US" sz="1200" dirty="0">
+              <a:rPr lang="de-de" sz="1200" dirty="0">
                 <a:solidFill>
                   <a:srgbClr val="000000"/>
                 </a:solidFill>
               </a:rPr>
-              <a:t>Live Chat  Support*</a:t>
+              <a:t>라이브 채팅 지원*</a:t>
             </a:r>
           </a:p>
         </p:txBody>
@@ -9343,7 +8613,7 @@
         </p:nvSpPr>
         <p:spPr>
           <a:xfrm>
-            <a:off x="3201544" y="8741449"/>
+            <a:off x="3201544" y="8610600"/>
             <a:ext cx="840166" cy="184666"/>
           </a:xfrm>
           <a:prstGeom prst="rect">
@@ -9365,12 +8635,12 @@
               </a:spcAft>
             </a:pPr>
             <a:r>
-              <a:rPr lang="en-US" sz="1200" b="1" dirty="0">
+              <a:rPr lang="de-de" sz="1200" b="1" dirty="0">
                 <a:latin typeface="+mj-lt"/>
                 <a:ea typeface="Open Sans" pitchFamily="34" charset="0"/>
                 <a:cs typeface="Open Sans" pitchFamily="34" charset="0"/>
               </a:rPr>
-              <a:t>Chat Support</a:t>
+              <a:t>채팅 지원</a:t>
             </a:r>
           </a:p>
         </p:txBody>
@@ -9418,7 +8688,7 @@
               <a:defRPr/>
             </a:pPr>
             <a:r>
-              <a:rPr lang="en-US" sz="1200" dirty="0">
+              <a:rPr lang="de-de" sz="1200" dirty="0">
                 <a:solidFill>
                   <a:srgbClr val="000000"/>
                 </a:solidFill>
@@ -9466,12 +8736,12 @@
               </a:spcAft>
             </a:pPr>
             <a:r>
-              <a:rPr lang="en-US" sz="1200" b="1" dirty="0">
+              <a:rPr lang="de-de" sz="1200" b="1" dirty="0">
                 <a:latin typeface="+mj-lt"/>
                 <a:ea typeface="Open Sans" pitchFamily="34" charset="0"/>
                 <a:cs typeface="Open Sans" pitchFamily="34" charset="0"/>
               </a:rPr>
-              <a:t>Phone  Support</a:t>
+              <a:t>전화 지원</a:t>
             </a:r>
           </a:p>
         </p:txBody>
@@ -9504,28 +8774,28 @@
           <a:lstStyle/>
           <a:p>
             <a:r>
-              <a:rPr lang="en-US" sz="1000" dirty="0">
+              <a:rPr lang="de-de" sz="1000" dirty="0">
                 <a:solidFill>
                   <a:srgbClr val="020302"/>
                 </a:solidFill>
                 <a:latin typeface="AdobeClean-Light"/>
               </a:rPr>
-              <a:t>Authorized users or </a:t>
-            </a:r>
-            <a:r>
-              <a:rPr lang="en-US" sz="1000" b="1" dirty="0">
+              <a:t>승인된 사용자 또는 </a:t>
+            </a:r>
+            <a:r>
+              <a:rPr lang="de-de" sz="1000" b="1" dirty="0">
                 <a:solidFill>
                   <a:srgbClr val="020302"/>
                 </a:solidFill>
                 <a:latin typeface="AdobeClean-Light"/>
               </a:rPr>
-              <a:t>Named Support Contacts </a:t>
-            </a:r>
-            <a:r>
-              <a:rPr lang="en-US" sz="1000" dirty="0">
+              <a:t>지정 지원 담당자</a:t>
+            </a:r>
+            <a:r>
+              <a:rPr lang="de-de" sz="1000" dirty="0">
                 <a:latin typeface="Adobe Clean Light" panose="020B0303020404020204" pitchFamily="34" charset="0"/>
               </a:rPr>
-              <a:t>can submit issues through all available  channels (including phone for P1) and interact with our technical support team on behalf of your company. </a:t>
+              <a:t>는 사용 가능한 모든 채널(P1용 전화 포함)을 통해 문제를 제출하고 귀사를 대신하여 기술 지원 팀과 상호 작용할 수 있습니다. </a:t>
             </a:r>
             <a:endParaRPr lang="en-US" sz="1000" dirty="0">
               <a:solidFill>
@@ -9600,7 +8870,7 @@
         </p:nvSpPr>
         <p:spPr>
           <a:xfrm>
-            <a:off x="689237" y="8560230"/>
+            <a:off x="689237" y="8458200"/>
             <a:ext cx="991521" cy="184666"/>
           </a:xfrm>
           <a:prstGeom prst="rect">
@@ -9627,12 +8897,12 @@
               <a:defRPr/>
             </a:pPr>
             <a:r>
-              <a:rPr lang="en-US" sz="1200" dirty="0">
+              <a:rPr lang="de-de" sz="1200" dirty="0">
                 <a:solidFill>
                   <a:srgbClr val="000000"/>
                 </a:solidFill>
               </a:rPr>
-              <a:t>Office Hours</a:t>
+              <a:t>오피스 아워</a:t>
             </a:r>
           </a:p>
         </p:txBody>
@@ -9653,7 +8923,7 @@
         </p:nvSpPr>
         <p:spPr>
           <a:xfrm>
-            <a:off x="689237" y="8741449"/>
+            <a:off x="689237" y="8610600"/>
             <a:ext cx="604974" cy="184666"/>
           </a:xfrm>
           <a:prstGeom prst="rect">
@@ -9675,12 +8945,12 @@
               </a:spcAft>
             </a:pPr>
             <a:r>
-              <a:rPr lang="en-US" sz="1200" b="1" dirty="0">
+              <a:rPr lang="de-de" sz="1200" b="1" dirty="0">
                 <a:latin typeface="+mj-lt"/>
                 <a:ea typeface="Open Sans" pitchFamily="34" charset="0"/>
                 <a:cs typeface="Open Sans" pitchFamily="34" charset="0"/>
               </a:rPr>
-              <a:t>Webinars</a:t>
+              <a:t>웨비나</a:t>
             </a:r>
           </a:p>
         </p:txBody>
@@ -9699,8 +8969,8 @@
         </p:nvSpPr>
         <p:spPr>
           <a:xfrm>
-            <a:off x="355868" y="9026059"/>
-            <a:ext cx="2194560" cy="805349"/>
+            <a:off x="355868" y="8915400"/>
+            <a:ext cx="2194560" cy="959237"/>
           </a:xfrm>
           <a:prstGeom prst="rect">
             <a:avLst/>
@@ -9713,13 +8983,13 @@
           <a:lstStyle/>
           <a:p>
             <a:r>
-              <a:rPr lang="en-US" sz="1000" dirty="0">
+              <a:rPr lang="de-de" sz="1000" dirty="0">
                 <a:solidFill>
                   <a:srgbClr val="4B4B4B"/>
                 </a:solidFill>
                 <a:latin typeface="Adobe Clean Light" panose="020B0303020404020204" pitchFamily="34" charset="0"/>
               </a:rPr>
-              <a:t>Office Hours led by the Adobe Customer Support team includes sessions designed to inform as well as help participants troubleshoot problems and provide tips and tricks for success with Adobe solutions. </a:t>
+              <a:t>Adobe 고객 지원 팀에서 진행하는 오피스 아워(Office Hours)에는 참가자가 문제를 해결하도록 관련 정보를 제공하여 도움을 주고 Adobe 솔루션을 성공적으로 사용할 수 있는 팁과 요령을 제공하기 위해 설계된 세션들이 포함됩니다. </a:t>
             </a:r>
           </a:p>
         </p:txBody>
@@ -9740,7 +9010,7 @@
         </p:nvSpPr>
         <p:spPr>
           <a:xfrm>
-            <a:off x="5723508" y="8560230"/>
+            <a:off x="5723508" y="8458200"/>
             <a:ext cx="1303746" cy="184666"/>
           </a:xfrm>
           <a:prstGeom prst="rect">
@@ -9767,12 +9037,12 @@
               <a:defRPr/>
             </a:pPr>
             <a:r>
-              <a:rPr lang="en-US" sz="1200" dirty="0">
+              <a:rPr lang="de-de" sz="1200" dirty="0">
                 <a:solidFill>
                   <a:srgbClr val="000000"/>
                 </a:solidFill>
               </a:rPr>
-              <a:t>Self-help Portals</a:t>
+              <a:t>자가 진단 포털</a:t>
             </a:r>
           </a:p>
         </p:txBody>
@@ -9793,7 +9063,7 @@
         </p:nvSpPr>
         <p:spPr>
           <a:xfrm>
-            <a:off x="5723508" y="8741449"/>
+            <a:off x="5723508" y="8610600"/>
             <a:ext cx="1267206" cy="184666"/>
           </a:xfrm>
           <a:prstGeom prst="rect">
@@ -9815,12 +9085,12 @@
               </a:spcAft>
             </a:pPr>
             <a:r>
-              <a:rPr lang="en-US" sz="1200" b="1" dirty="0">
+              <a:rPr lang="de-de" sz="1200" b="1" dirty="0">
                 <a:latin typeface="+mj-lt"/>
                 <a:ea typeface="Open Sans" pitchFamily="34" charset="0"/>
                 <a:cs typeface="Open Sans" pitchFamily="34" charset="0"/>
               </a:rPr>
-              <a:t>24/7 Support Portal</a:t>
+              <a:t>24/7 지원 포털</a:t>
             </a:r>
           </a:p>
         </p:txBody>
@@ -9839,7 +9109,7 @@
         </p:nvSpPr>
         <p:spPr>
           <a:xfrm>
-            <a:off x="5265661" y="8987081"/>
+            <a:off x="5265661" y="8839200"/>
             <a:ext cx="2194560" cy="805349"/>
           </a:xfrm>
           <a:prstGeom prst="rect">
@@ -9853,37 +9123,32 @@
           <a:lstStyle/>
           <a:p>
             <a:r>
-              <a:rPr lang="en-US" sz="1000" dirty="0">
+              <a:rPr lang="de-de" sz="1000" dirty="0">
                 <a:solidFill>
                   <a:srgbClr val="4B4B4B"/>
                 </a:solidFill>
                 <a:latin typeface="Adobe Clean Light" panose="020B0303020404020204" pitchFamily="34" charset="0"/>
               </a:rPr>
-              <a:t>On-demand access to the online </a:t>
+              <a:t>지원 요청을 제출하고 사례 상태를 검토하고 기술 자료, 뉴스 및 알림, 추천 팁 등과 같은 기타 리소스를 검색할 수 있는 온라인 </a:t>
             </a:r>
             <a:br>
-              <a:rPr lang="en-US" sz="1000" dirty="0">
+              <a:rPr dirty="0"/>
+            </a:br>
+            <a:r>
+              <a:rPr lang="de-de" sz="1000" dirty="0">
                 <a:solidFill>
                   <a:srgbClr val="4B4B4B"/>
                 </a:solidFill>
                 <a:latin typeface="Adobe Clean Light" panose="020B0303020404020204" pitchFamily="34" charset="0"/>
               </a:rPr>
-            </a:br>
-            <a:r>
-              <a:rPr lang="en-US" sz="1000" dirty="0">
-                <a:solidFill>
-                  <a:srgbClr val="4B4B4B"/>
-                </a:solidFill>
-                <a:latin typeface="Adobe Clean Light" panose="020B0303020404020204" pitchFamily="34" charset="0"/>
-              </a:rPr>
-              <a:t>Self-help Support Portal to submit support requests, review case status, and browse other resources, like our knowledgebase, news and alerts, featured tips, and more.</a:t>
+              <a:t>자가 진단 지원 포털에 대한 온디맨드 액세스입니다.</a:t>
             </a:r>
           </a:p>
         </p:txBody>
       </p:sp>
       <p:pic>
         <p:nvPicPr>
-          <p:cNvPr id="74" name="Graphic 73" descr="Speaker phone outline">
+          <p:cNvPr id="74" name="Graphic 73" descr="스피커폰 개요">
             <a:extLst>
               <a:ext uri="{FF2B5EF4-FFF2-40B4-BE49-F238E27FC236}">
                 <a16:creationId xmlns:a16="http://schemas.microsoft.com/office/drawing/2014/main" id="{A1370005-6890-424C-884D-9064E283C1A4}"/>
@@ -9922,7 +9187,7 @@
       </p:pic>
       <p:pic>
         <p:nvPicPr>
-          <p:cNvPr id="75" name="Graphic 74" descr="Remote learning language outline">
+          <p:cNvPr id="75" name="Graphic 74" descr="원격 학습 언어 개요">
             <a:extLst>
               <a:ext uri="{FF2B5EF4-FFF2-40B4-BE49-F238E27FC236}">
                 <a16:creationId xmlns:a16="http://schemas.microsoft.com/office/drawing/2014/main" id="{FA70E684-2FB6-544A-9B16-BEB9080AC85B}"/>
@@ -9951,7 +9216,7 @@
         </p:blipFill>
         <p:spPr>
           <a:xfrm>
-            <a:off x="228600" y="8560230"/>
+            <a:off x="228600" y="8458200"/>
             <a:ext cx="411480" cy="411480"/>
           </a:xfrm>
           <a:prstGeom prst="rect">
@@ -9961,7 +9226,7 @@
       </p:pic>
       <p:pic>
         <p:nvPicPr>
-          <p:cNvPr id="76" name="Graphic 75" descr="Customer review outline">
+          <p:cNvPr id="76" name="Graphic 75" descr="고객 리뷰 개요">
             <a:extLst>
               <a:ext uri="{FF2B5EF4-FFF2-40B4-BE49-F238E27FC236}">
                 <a16:creationId xmlns:a16="http://schemas.microsoft.com/office/drawing/2014/main" id="{1B0E4E00-41D9-6440-83E3-60369886CE3A}"/>
@@ -10000,7 +9265,7 @@
       </p:pic>
       <p:pic>
         <p:nvPicPr>
-          <p:cNvPr id="77" name="Graphic 76" descr="Signpost outline">
+          <p:cNvPr id="77" name="Graphic 76" descr="길잡이 개요">
             <a:extLst>
               <a:ext uri="{FF2B5EF4-FFF2-40B4-BE49-F238E27FC236}">
                 <a16:creationId xmlns:a16="http://schemas.microsoft.com/office/drawing/2014/main" id="{001A9B31-4F82-A14D-B2BC-39DC337108A9}"/>
@@ -10039,7 +9304,7 @@
       </p:pic>
       <p:pic>
         <p:nvPicPr>
-          <p:cNvPr id="78" name="Graphic 77" descr="Internet outline">
+          <p:cNvPr id="78" name="Graphic 77" descr="인터넷 개요">
             <a:extLst>
               <a:ext uri="{FF2B5EF4-FFF2-40B4-BE49-F238E27FC236}">
                 <a16:creationId xmlns:a16="http://schemas.microsoft.com/office/drawing/2014/main" id="{20978656-E5F5-434D-BA66-491F99EF63FD}"/>
@@ -10068,7 +9333,7 @@
         </p:blipFill>
         <p:spPr>
           <a:xfrm>
-            <a:off x="5257800" y="8560230"/>
+            <a:off x="5257800" y="8458200"/>
             <a:ext cx="411480" cy="411480"/>
           </a:xfrm>
           <a:prstGeom prst="rect">
@@ -10078,7 +9343,7 @@
       </p:pic>
       <p:pic>
         <p:nvPicPr>
-          <p:cNvPr id="79" name="Graphic 78" descr="Chat bubble outline">
+          <p:cNvPr id="79" name="Graphic 78" descr="말풍선 개요">
             <a:extLst>
               <a:ext uri="{FF2B5EF4-FFF2-40B4-BE49-F238E27FC236}">
                 <a16:creationId xmlns:a16="http://schemas.microsoft.com/office/drawing/2014/main" id="{0C77255B-D338-2543-98E5-4434DF47D195}"/>
@@ -10107,7 +9372,7 @@
         </p:blipFill>
         <p:spPr>
           <a:xfrm>
-            <a:off x="2776853" y="8560230"/>
+            <a:off x="2776853" y="8458200"/>
             <a:ext cx="411480" cy="411480"/>
           </a:xfrm>
           <a:prstGeom prst="rect">
@@ -10129,7 +9394,7 @@
         </p:nvSpPr>
         <p:spPr>
           <a:xfrm rot="5400000" flipH="1">
-            <a:off x="3863341" y="5600443"/>
+            <a:off x="3863341" y="5463540"/>
             <a:ext cx="45719" cy="5577840"/>
           </a:xfrm>
           <a:custGeom>
@@ -10206,14 +9471,14 @@
               </a:spcBef>
             </a:pPr>
             <a:r>
-              <a:rPr lang="en-US" sz="1400" b="1" dirty="0">
+              <a:rPr lang="de-de" sz="1400" b="1" dirty="0">
                 <a:solidFill>
                   <a:srgbClr val="020302"/>
                 </a:solidFill>
                 <a:latin typeface="Adobe Clean"/>
                 <a:cs typeface="Adobe Clean"/>
               </a:rPr>
-              <a:t>Online Support Features</a:t>
+              <a:t>온라인 지원 기능</a:t>
             </a:r>
             <a:endParaRPr lang="en-US" sz="1400" dirty="0">
               <a:latin typeface="Adobe Clean"/>
@@ -10440,14 +9705,14 @@
               </a:spcBef>
             </a:pPr>
             <a:r>
-              <a:rPr lang="en-US" sz="1000" dirty="0">
+              <a:rPr lang="de-de" sz="1000" dirty="0">
                 <a:solidFill>
                   <a:srgbClr val="020302"/>
                 </a:solidFill>
                 <a:latin typeface="AdobeClean-Light"/>
                 <a:cs typeface="AdobeClean-Light"/>
               </a:rPr>
-              <a:t>Proactive review of your solution  deployment, configuration, and overall  architecture, including integrations.</a:t>
+              <a:t>솔루션 배포, 구성 및 전체 아키텍처(통합 포함)에 대한 사전 예방적 검토입니다.</a:t>
             </a:r>
             <a:endParaRPr lang="en-US" sz="1000" dirty="0">
               <a:solidFill>
@@ -10495,14 +9760,14 @@
               </a:spcBef>
             </a:pPr>
             <a:r>
-              <a:rPr lang="en-US" sz="1000" dirty="0">
+              <a:rPr lang="de-de" sz="1000" dirty="0">
                 <a:solidFill>
                   <a:srgbClr val="020302"/>
                 </a:solidFill>
                 <a:latin typeface="AdobeClean-Light"/>
                 <a:cs typeface="AdobeClean-Light"/>
               </a:rPr>
-              <a:t>Receive maintenance best practices and latest  fixes (SPs, MR, patches, FPs) to remain up-to-  date on all maintenance checks</a:t>
+              <a:t>유지 관리 모범 사례 및 최신 수정 사항(SP, MR, 패치, FP)을 수신하여 모든 유지 관리 검사에서 최신 상태를 유지합니다.</a:t>
             </a:r>
             <a:endParaRPr lang="en-US" sz="1000" dirty="0">
               <a:solidFill>
@@ -10547,14 +9812,14 @@
               </a:spcBef>
             </a:pPr>
             <a:r>
-              <a:rPr lang="en-US" sz="1000" dirty="0">
+              <a:rPr lang="de-de" sz="1000" dirty="0">
                 <a:solidFill>
                   <a:srgbClr val="4B4B4B"/>
                 </a:solidFill>
                 <a:latin typeface="AdobeClean-Light"/>
                 <a:cs typeface="AdobeClean-Light"/>
               </a:rPr>
-              <a:t>A regular review of Elite program services, support metrics, and deliverables, including a forward-looking plan</a:t>
+              <a:t>미래 지향적인 계획이 포함된, 엘리트 프로그램 서비스, 지원 지표 및 결과물에 대한 정기적 리뷰 입니다.</a:t>
             </a:r>
             <a:endParaRPr lang="en-US" sz="1000" dirty="0">
               <a:solidFill>
@@ -10599,14 +9864,14 @@
               </a:spcBef>
             </a:pPr>
             <a:r>
-              <a:rPr lang="en-US" sz="1000" dirty="0">
+              <a:rPr lang="de-de" sz="1000" dirty="0">
                 <a:solidFill>
                   <a:srgbClr val="4B4B4B"/>
                 </a:solidFill>
                 <a:latin typeface="AdobeClean-Light"/>
                 <a:cs typeface="AdobeClean-Light"/>
               </a:rPr>
-              <a:t>A 60-minute session focusing on a  specific product feature and how it can  be utilized to solve common business  problems.</a:t>
+              <a:t>특정 제품 기능과 일반적인 비즈니스 문제를 해결하는 데 사용할 수 있는 방법에 중점을 둔 60분 세션입니다.</a:t>
             </a:r>
             <a:endParaRPr lang="en-US" sz="1000" dirty="0">
               <a:solidFill>
@@ -10651,14 +9916,14 @@
               </a:spcBef>
             </a:pPr>
             <a:r>
-              <a:rPr lang="en-US" sz="1000" dirty="0">
+              <a:rPr lang="de-de" sz="1000" dirty="0">
                 <a:solidFill>
                   <a:srgbClr val="4B4B4B"/>
                 </a:solidFill>
                 <a:latin typeface="AdobeClean-Light"/>
                 <a:cs typeface="AdobeClean-Light"/>
               </a:rPr>
-              <a:t>A designated point of contact within Adobe  who can provide escalation assistance,  regular updates and ensure priority is given  to your most critical open support requests.</a:t>
+              <a:t>에스컬레이션 지원 및 정기 업데이트를 제공하고 진행 중인 지원 요청에서 가장 중요한 것에 우선 순위를 부여할 수 있는 Adobe 내의 지정된 담당자입니다.</a:t>
             </a:r>
             <a:endParaRPr lang="en-US" dirty="0"/>
           </a:p>
@@ -10697,14 +9962,14 @@
               </a:spcBef>
             </a:pPr>
             <a:r>
-              <a:rPr lang="en-US" sz="1100" b="1" dirty="0">
+              <a:rPr lang="de-de" sz="1100" b="1" dirty="0">
                 <a:solidFill>
                   <a:srgbClr val="020302"/>
                 </a:solidFill>
                 <a:latin typeface="Adobe Clean" panose="020B0503020404020204" pitchFamily="34" charset="0"/>
                 <a:cs typeface="Arial"/>
               </a:rPr>
-              <a:t>Named Support Engineer</a:t>
+              <a:t>지정 지원 엔지니어</a:t>
             </a:r>
             <a:endParaRPr lang="en-US" sz="1100" dirty="0">
               <a:solidFill>
@@ -10749,14 +10014,14 @@
               </a:spcBef>
             </a:pPr>
             <a:r>
-              <a:rPr lang="en-US" sz="1100" b="1" dirty="0">
+              <a:rPr lang="de-de" sz="1100" b="1" dirty="0">
                 <a:solidFill>
                   <a:srgbClr val="020302"/>
                 </a:solidFill>
                 <a:latin typeface="Adobe Clean" panose="020B0503020404020204" pitchFamily="34" charset="0"/>
                 <a:cs typeface="Arial"/>
               </a:rPr>
-              <a:t>Case Reviews</a:t>
+              <a:t>사례 검토</a:t>
             </a:r>
             <a:endParaRPr lang="en-US" sz="1100" dirty="0">
               <a:solidFill>
@@ -10801,14 +10066,14 @@
               </a:spcBef>
             </a:pPr>
             <a:r>
-              <a:rPr lang="en-US" sz="1100" b="1" dirty="0">
+              <a:rPr lang="de-de" sz="1100" b="1" dirty="0">
                 <a:solidFill>
                   <a:srgbClr val="020302"/>
                 </a:solidFill>
                 <a:latin typeface="Adobe Clean" panose="020B0503020404020204" pitchFamily="34" charset="0"/>
                 <a:cs typeface="Adobe Clean"/>
               </a:rPr>
-              <a:t>Maintenance &amp; Monitoring</a:t>
+              <a:t>유지 관리 및 모니터링</a:t>
             </a:r>
             <a:endParaRPr lang="en-US" sz="1100" dirty="0">
               <a:solidFill>
@@ -10853,14 +10118,14 @@
               </a:spcBef>
             </a:pPr>
             <a:r>
-              <a:rPr lang="en-US" sz="1100" b="1" dirty="0">
+              <a:rPr lang="de-de" sz="1100" b="1" dirty="0">
                 <a:solidFill>
                   <a:srgbClr val="020302"/>
                 </a:solidFill>
                 <a:latin typeface="Adobe Clean" panose="020B0503020404020204" pitchFamily="34" charset="0"/>
                 <a:cs typeface="Adobe Clean"/>
               </a:rPr>
-              <a:t>Solution Roadmap Review</a:t>
+              <a:t>솔루션 로드맵 검토</a:t>
             </a:r>
             <a:endParaRPr lang="en-US" sz="1100" dirty="0">
               <a:solidFill>
@@ -10905,14 +10170,14 @@
               </a:spcBef>
             </a:pPr>
             <a:r>
-              <a:rPr lang="en-US" sz="1100" b="1" dirty="0">
+              <a:rPr lang="de-de" sz="1100" b="1" dirty="0">
                 <a:solidFill>
                   <a:srgbClr val="020302"/>
                 </a:solidFill>
                 <a:latin typeface="Adobe Clean" panose="020B0503020404020204" pitchFamily="34" charset="0"/>
                 <a:cs typeface="Adobe Clean"/>
               </a:rPr>
-              <a:t>Environment Review</a:t>
+              <a:t>환경 검토</a:t>
             </a:r>
             <a:endParaRPr lang="en-US" sz="1100" dirty="0">
               <a:solidFill>
@@ -10957,14 +10222,14 @@
               </a:spcBef>
             </a:pPr>
             <a:r>
-              <a:rPr lang="en-US" sz="1100" b="1" dirty="0">
+              <a:rPr lang="de-de" sz="1100" b="1" dirty="0">
                 <a:solidFill>
                   <a:srgbClr val="020302"/>
                 </a:solidFill>
                 <a:latin typeface="Adobe Clean" panose="020B0503020404020204" pitchFamily="34" charset="0"/>
                 <a:cs typeface="Adobe Clean"/>
               </a:rPr>
-              <a:t>Escalation Management</a:t>
+              <a:t>에스컬레이션 관리</a:t>
             </a:r>
             <a:endParaRPr lang="en-US" sz="1100" dirty="0">
               <a:solidFill>
@@ -11009,14 +10274,14 @@
               </a:spcBef>
             </a:pPr>
             <a:r>
-              <a:rPr lang="en-US" sz="1100" b="1" dirty="0">
+              <a:rPr lang="de-de" sz="1100" b="1" dirty="0">
                 <a:solidFill>
                   <a:srgbClr val="020302"/>
                 </a:solidFill>
                 <a:latin typeface="Adobe Clean" panose="020B0503020404020204" pitchFamily="34" charset="0"/>
                 <a:cs typeface="Adobe Clean"/>
               </a:rPr>
-              <a:t>Service Reviews</a:t>
+              <a:t>서비스 리뷰</a:t>
             </a:r>
             <a:endParaRPr lang="en-US" sz="1100" dirty="0">
               <a:solidFill>
@@ -11061,14 +10326,14 @@
               </a:spcBef>
             </a:pPr>
             <a:r>
-              <a:rPr lang="en-US" sz="1100" b="1" dirty="0">
+              <a:rPr lang="de-de" sz="1100" b="1" dirty="0">
                 <a:solidFill>
                   <a:srgbClr val="020302"/>
                 </a:solidFill>
                 <a:latin typeface="Adobe Clean" panose="020B0503020404020204" pitchFamily="34" charset="0"/>
                 <a:cs typeface="Adobe Clean"/>
               </a:rPr>
-              <a:t>Expert Sessions</a:t>
+              <a:t>전문가 세션</a:t>
             </a:r>
             <a:endParaRPr lang="en-US" sz="1100" dirty="0">
               <a:solidFill>
@@ -11113,14 +10378,14 @@
               </a:spcBef>
             </a:pPr>
             <a:r>
-              <a:rPr lang="en-US" sz="1100" b="1" dirty="0">
+              <a:rPr lang="de-de" sz="1100" b="1" dirty="0">
                 <a:solidFill>
                   <a:srgbClr val="020302"/>
                 </a:solidFill>
                 <a:latin typeface="Adobe Clean" panose="020B0503020404020204" pitchFamily="34" charset="0"/>
                 <a:cs typeface="Adobe Clean"/>
               </a:rPr>
-              <a:t>Release Preparation &amp; Review</a:t>
+              <a:t>릴리스 준비 및 검토</a:t>
             </a:r>
             <a:endParaRPr lang="en-US" sz="1100" dirty="0">
               <a:solidFill>
@@ -11168,14 +10433,14 @@
               </a:spcBef>
             </a:pPr>
             <a:r>
-              <a:rPr lang="en-US" sz="1100" b="1" dirty="0">
+              <a:rPr lang="de-de" sz="1100" b="1" dirty="0">
                 <a:solidFill>
                   <a:srgbClr val="020302"/>
                 </a:solidFill>
                 <a:latin typeface="Adobe Clean" panose="020B0503020404020204" pitchFamily="34" charset="0"/>
                 <a:cs typeface="Adobe Clean"/>
               </a:rPr>
-              <a:t>Knowledge Transfer</a:t>
+              <a:t>지식 이전</a:t>
             </a:r>
             <a:endParaRPr lang="en-US" sz="1100" dirty="0">
               <a:latin typeface="Adobe Clean" panose="020B0503020404020204" pitchFamily="34" charset="0"/>
@@ -11220,14 +10485,14 @@
               </a:spcBef>
             </a:pPr>
             <a:r>
-              <a:rPr lang="en-US" sz="1100" b="1" dirty="0">
+              <a:rPr lang="de-de" sz="1100" b="1" dirty="0">
                 <a:solidFill>
                   <a:srgbClr val="020302"/>
                 </a:solidFill>
                 <a:latin typeface="Adobe Clean" panose="020B0503020404020204" pitchFamily="34" charset="0"/>
                 <a:cs typeface="Adobe Clean"/>
               </a:rPr>
-              <a:t>Event Management</a:t>
+              <a:t>이벤트 관리</a:t>
             </a:r>
             <a:endParaRPr lang="en-US" sz="1100" dirty="0">
               <a:latin typeface="Adobe Clean" panose="020B0503020404020204" pitchFamily="34" charset="0"/>
@@ -11348,7 +10613,7 @@
       </p:sp>
       <p:pic>
         <p:nvPicPr>
-          <p:cNvPr id="25" name="Graphic 24" descr="Continuous Improvement outline">
+          <p:cNvPr id="25" name="Graphic 24" descr="지속적인 개선 개요">
             <a:extLst>
               <a:ext uri="{FF2B5EF4-FFF2-40B4-BE49-F238E27FC236}">
                 <a16:creationId xmlns:a16="http://schemas.microsoft.com/office/drawing/2014/main" id="{A2F6F854-90CC-FC48-9379-F18D8FBF395B}"/>
@@ -11507,7 +10772,7 @@
       </p:pic>
       <p:pic>
         <p:nvPicPr>
-          <p:cNvPr id="29" name="Graphic 28" descr="Storytelling outline">
+          <p:cNvPr id="29" name="Graphic 28" descr="스토리텔링 개요">
             <a:extLst>
               <a:ext uri="{FF2B5EF4-FFF2-40B4-BE49-F238E27FC236}">
                 <a16:creationId xmlns:a16="http://schemas.microsoft.com/office/drawing/2014/main" id="{AD9F15BE-1A73-9C4D-B0AF-F35EF2ED6649}"/>
@@ -11580,14 +10845,14 @@
               </a:spcBef>
             </a:pPr>
             <a:r>
-              <a:rPr lang="en-US" sz="1000" dirty="0">
+              <a:rPr lang="de-de" sz="1000" dirty="0">
                 <a:solidFill>
                   <a:srgbClr val="020302"/>
                 </a:solidFill>
                 <a:latin typeface="AdobeClean-Light"/>
                 <a:cs typeface="AdobeClean-Light"/>
               </a:rPr>
-              <a:t>Compare and align Adobe solution  roadmap with your project roadmap to  mitigate risk and prepare for the future.</a:t>
+              <a:t>Adobe 솔루션 로드맵을 프로젝트 로드맵과 비교하고 조정하여 위험을 완화하고 미래에 대비합니다.</a:t>
             </a:r>
             <a:endParaRPr lang="en-US" sz="1000" dirty="0">
               <a:latin typeface="AdobeClean-Light"/>
@@ -11604,7 +10869,7 @@
               </a:spcBef>
             </a:pPr>
             <a:r>
-              <a:rPr lang="en-US" sz="1000" dirty="0">
+              <a:rPr lang="de-de" sz="1000" dirty="0">
                 <a:solidFill>
                   <a:srgbClr val="020302"/>
                 </a:solidFill>
@@ -11949,7 +11214,7 @@
         <p:spPr>
           <a:xfrm>
             <a:off x="4843269" y="2329688"/>
-            <a:ext cx="1656080" cy="238760"/>
+            <a:ext cx="1656080" cy="228268"/>
           </a:xfrm>
           <a:prstGeom prst="rect">
             <a:avLst/>
@@ -11961,7 +11226,7 @@
           </a:bodyPr>
           <a:lstStyle/>
           <a:p>
-            <a:pPr marL="12700">
+            <a:pPr marL="12700" algn="ctr">
               <a:lnSpc>
                 <a:spcPct val="100000"/>
               </a:lnSpc>
@@ -11970,176 +11235,56 @@
               </a:spcBef>
             </a:pPr>
             <a:r>
-              <a:rPr sz="1400" b="1" spc="-25" dirty="0">
+              <a:rPr lang="de-de" sz="1400" b="1" spc="-25" dirty="0">
                 <a:solidFill>
                   <a:srgbClr val="020302"/>
                 </a:solidFill>
                 <a:latin typeface="Adobe Clean"/>
                 <a:cs typeface="Adobe Clean"/>
               </a:rPr>
-              <a:t>Fi</a:t>
-            </a:r>
-            <a:r>
-              <a:rPr sz="1400" b="1" spc="-35" dirty="0">
+              <a:t>현장</a:t>
+            </a:r>
+            <a:r>
+              <a:rPr lang="de-de" sz="1400" b="1" spc="-40" dirty="0">
                 <a:solidFill>
                   <a:srgbClr val="020302"/>
                 </a:solidFill>
                 <a:latin typeface="Adobe Clean"/>
                 <a:cs typeface="Adobe Clean"/>
               </a:rPr>
-              <a:t>e</a:t>
-            </a:r>
-            <a:r>
-              <a:rPr sz="1400" b="1" spc="-25" dirty="0">
+              <a:t> </a:t>
+            </a:r>
+            <a:r>
+              <a:rPr lang="de-de" sz="1400" b="1" spc="25" dirty="0">
                 <a:solidFill>
                   <a:srgbClr val="020302"/>
                 </a:solidFill>
                 <a:latin typeface="Adobe Clean"/>
                 <a:cs typeface="Adobe Clean"/>
               </a:rPr>
-              <a:t>l</a:t>
-            </a:r>
-            <a:r>
-              <a:rPr sz="1400" b="1" dirty="0">
+              <a:t>서비스</a:t>
+            </a:r>
+            <a:r>
+              <a:rPr lang="de-de" sz="1400" b="1" spc="-190" dirty="0">
                 <a:solidFill>
                   <a:srgbClr val="020302"/>
                 </a:solidFill>
                 <a:latin typeface="Adobe Clean"/>
                 <a:cs typeface="Adobe Clean"/>
               </a:rPr>
-              <a:t>d</a:t>
-            </a:r>
-            <a:r>
-              <a:rPr sz="1400" b="1" spc="-40" dirty="0">
+              <a:t> </a:t>
+            </a:r>
+            <a:r>
+              <a:rPr lang="de-de" sz="1400" b="1" spc="5" dirty="0">
                 <a:solidFill>
                   <a:srgbClr val="020302"/>
                 </a:solidFill>
                 <a:latin typeface="Adobe Clean"/>
                 <a:cs typeface="Adobe Clean"/>
               </a:rPr>
-              <a:t> </a:t>
-            </a:r>
-            <a:r>
-              <a:rPr sz="1400" b="1" spc="25" dirty="0">
-                <a:solidFill>
-                  <a:srgbClr val="020302"/>
-                </a:solidFill>
-                <a:latin typeface="Adobe Clean"/>
-                <a:cs typeface="Adobe Clean"/>
-              </a:rPr>
-              <a:t>S</a:t>
-            </a:r>
-            <a:r>
-              <a:rPr sz="1400" b="1" spc="5" dirty="0">
-                <a:solidFill>
-                  <a:srgbClr val="020302"/>
-                </a:solidFill>
-                <a:latin typeface="Adobe Clean"/>
-                <a:cs typeface="Adobe Clean"/>
-              </a:rPr>
-              <a:t>e</a:t>
-            </a:r>
-            <a:r>
-              <a:rPr sz="1400" b="1" spc="15" dirty="0">
-                <a:solidFill>
-                  <a:srgbClr val="020302"/>
-                </a:solidFill>
-                <a:latin typeface="Adobe Clean"/>
-                <a:cs typeface="Adobe Clean"/>
-              </a:rPr>
-              <a:t>rvi</a:t>
-            </a:r>
-            <a:r>
-              <a:rPr sz="1400" b="1" spc="5" dirty="0">
-                <a:solidFill>
-                  <a:srgbClr val="020302"/>
-                </a:solidFill>
-                <a:latin typeface="Adobe Clean"/>
-                <a:cs typeface="Adobe Clean"/>
-              </a:rPr>
-              <a:t>c</a:t>
-            </a:r>
-            <a:r>
-              <a:rPr sz="1400" b="1" dirty="0">
-                <a:solidFill>
-                  <a:srgbClr val="020302"/>
-                </a:solidFill>
-                <a:latin typeface="Adobe Clean"/>
-                <a:cs typeface="Adobe Clean"/>
-              </a:rPr>
-              <a:t>e</a:t>
-            </a:r>
-            <a:r>
-              <a:rPr sz="1400" b="1" spc="-190" dirty="0">
-                <a:solidFill>
-                  <a:srgbClr val="020302"/>
-                </a:solidFill>
-                <a:latin typeface="Adobe Clean"/>
-                <a:cs typeface="Adobe Clean"/>
-              </a:rPr>
-              <a:t> </a:t>
-            </a:r>
-            <a:r>
-              <a:rPr sz="1400" b="1" spc="5" dirty="0">
-                <a:solidFill>
-                  <a:srgbClr val="020302"/>
-                </a:solidFill>
-                <a:latin typeface="Adobe Clean"/>
-                <a:cs typeface="Adobe Clean"/>
-              </a:rPr>
-              <a:t>A</a:t>
-            </a:r>
-            <a:r>
-              <a:rPr sz="1400" b="1" spc="-5" dirty="0">
-                <a:solidFill>
-                  <a:srgbClr val="020302"/>
-                </a:solidFill>
-                <a:latin typeface="Adobe Clean"/>
-                <a:cs typeface="Adobe Clean"/>
-              </a:rPr>
-              <a:t>ct</a:t>
-            </a:r>
-            <a:r>
-              <a:rPr sz="1400" b="1" spc="5" dirty="0">
-                <a:solidFill>
-                  <a:srgbClr val="020302"/>
-                </a:solidFill>
-                <a:latin typeface="Adobe Clean"/>
-                <a:cs typeface="Adobe Clean"/>
-              </a:rPr>
-              <a:t>ivi</a:t>
-            </a:r>
-            <a:r>
-              <a:rPr sz="1400" b="1" spc="-5" dirty="0">
-                <a:solidFill>
-                  <a:srgbClr val="020302"/>
-                </a:solidFill>
-                <a:latin typeface="Adobe Clean"/>
-                <a:cs typeface="Adobe Clean"/>
-              </a:rPr>
-              <a:t>t</a:t>
-            </a:r>
-            <a:r>
-              <a:rPr sz="1400" b="1" spc="5" dirty="0">
-                <a:solidFill>
-                  <a:srgbClr val="020302"/>
-                </a:solidFill>
-                <a:latin typeface="Adobe Clean"/>
-                <a:cs typeface="Adobe Clean"/>
-              </a:rPr>
-              <a:t>i</a:t>
-            </a:r>
-            <a:r>
-              <a:rPr sz="1400" b="1" spc="-5" dirty="0">
-                <a:solidFill>
-                  <a:srgbClr val="020302"/>
-                </a:solidFill>
-                <a:latin typeface="Adobe Clean"/>
-                <a:cs typeface="Adobe Clean"/>
-              </a:rPr>
-              <a:t>es</a:t>
-            </a:r>
-            <a:endParaRPr sz="1400">
+              <a:t>활동</a:t>
+            </a:r>
+            <a:endParaRPr sz="1400" dirty="0">
               <a:latin typeface="Adobe Clean"/>
               <a:cs typeface="Adobe Clean"/>
             </a:endParaRPr>
@@ -12155,7 +11300,7 @@
         <p:spPr>
           <a:xfrm>
             <a:off x="914422" y="2342312"/>
-            <a:ext cx="1242060" cy="238760"/>
+            <a:ext cx="1242060" cy="228268"/>
           </a:xfrm>
           <a:prstGeom prst="rect">
             <a:avLst/>
@@ -12167,7 +11312,7 @@
           </a:bodyPr>
           <a:lstStyle/>
           <a:p>
-            <a:pPr marL="12700">
+            <a:pPr marL="12700" algn="ctr">
               <a:lnSpc>
                 <a:spcPct val="100000"/>
               </a:lnSpc>
@@ -12176,96 +11321,26 @@
               </a:spcBef>
             </a:pPr>
             <a:r>
-              <a:rPr sz="1400" b="1" spc="-25" dirty="0">
+              <a:rPr lang="de-de" sz="1400" b="1" spc="-25" dirty="0">
                 <a:solidFill>
                   <a:srgbClr val="020302"/>
                 </a:solidFill>
                 <a:latin typeface="Adobe Clean"/>
                 <a:cs typeface="Adobe Clean"/>
               </a:rPr>
-              <a:t>L</a:t>
-            </a:r>
-            <a:r>
-              <a:rPr sz="1400" b="1" spc="-5" dirty="0">
+              <a:t>출시 </a:t>
+            </a:r>
+            <a:r>
+              <a:rPr lang="de-de" sz="1400" b="1" spc="-10" dirty="0">
                 <a:solidFill>
                   <a:srgbClr val="020302"/>
                 </a:solidFill>
                 <a:latin typeface="Adobe Clean"/>
                 <a:cs typeface="Adobe Clean"/>
               </a:rPr>
-              <a:t>a</a:t>
-            </a:r>
-            <a:r>
-              <a:rPr sz="1400" b="1" spc="-20" dirty="0">
-                <a:solidFill>
-                  <a:srgbClr val="020302"/>
-                </a:solidFill>
-                <a:latin typeface="Adobe Clean"/>
-                <a:cs typeface="Adobe Clean"/>
-              </a:rPr>
-              <a:t>u</a:t>
-            </a:r>
-            <a:r>
-              <a:rPr sz="1400" b="1" spc="-15" dirty="0">
-                <a:solidFill>
-                  <a:srgbClr val="020302"/>
-                </a:solidFill>
-                <a:latin typeface="Adobe Clean"/>
-                <a:cs typeface="Adobe Clean"/>
-              </a:rPr>
-              <a:t>n</a:t>
-            </a:r>
-            <a:r>
-              <a:rPr sz="1400" b="1" spc="-25" dirty="0">
-                <a:solidFill>
-                  <a:srgbClr val="020302"/>
-                </a:solidFill>
-                <a:latin typeface="Adobe Clean"/>
-                <a:cs typeface="Adobe Clean"/>
-              </a:rPr>
-              <a:t>c</a:t>
-            </a:r>
-            <a:r>
-              <a:rPr sz="1400" b="1" dirty="0">
-                <a:solidFill>
-                  <a:srgbClr val="020302"/>
-                </a:solidFill>
-                <a:latin typeface="Adobe Clean"/>
-                <a:cs typeface="Adobe Clean"/>
-              </a:rPr>
-              <a:t>h</a:t>
-            </a:r>
-            <a:r>
-              <a:rPr sz="1400" b="1" spc="-25" dirty="0">
-                <a:solidFill>
-                  <a:srgbClr val="020302"/>
-                </a:solidFill>
-                <a:latin typeface="Adobe Clean"/>
-                <a:cs typeface="Adobe Clean"/>
-              </a:rPr>
-              <a:t> </a:t>
-            </a:r>
-            <a:r>
-              <a:rPr sz="1400" b="1" spc="-10" dirty="0">
-                <a:solidFill>
-                  <a:srgbClr val="020302"/>
-                </a:solidFill>
-                <a:latin typeface="Adobe Clean"/>
-                <a:cs typeface="Adobe Clean"/>
-              </a:rPr>
-              <a:t>Advisor</a:t>
-            </a:r>
-            <a:r>
-              <a:rPr sz="1400" b="1" dirty="0">
-                <a:solidFill>
-                  <a:srgbClr val="020302"/>
-                </a:solidFill>
-                <a:latin typeface="Adobe Clean"/>
-                <a:cs typeface="Adobe Clean"/>
-              </a:rPr>
-              <a:t>y</a:t>
-            </a:r>
-            <a:endParaRPr sz="1400">
+              <a:t>자문</a:t>
+            </a:r>
+            <a:endParaRPr sz="1400" dirty="0">
               <a:latin typeface="Adobe Clean"/>
               <a:cs typeface="Adobe Clean"/>
             </a:endParaRPr>
@@ -12302,45 +11377,28 @@
               </a:spcBef>
             </a:pPr>
             <a:r>
-              <a:rPr sz="1000" dirty="0">
+              <a:rPr lang="de-de" sz="1000" b="1" dirty="0">
                 <a:solidFill>
                   <a:srgbClr val="1F1F1F"/>
                 </a:solidFill>
+                <a:latin typeface="Adobe Clean"/>
+                <a:cs typeface="Adobe Clean"/>
+              </a:rPr>
+              <a:t>새로운 Adobe Experience Cloud 솔루션을 구현하는 고객을 위한 </a:t>
+            </a:r>
+            <a:r>
+              <a:rPr lang="de-de" sz="1000" dirty="0">
                 <a:latin typeface="AdobeClean-Light"/>
                 <a:cs typeface="AdobeClean-Light"/>
               </a:rPr>
-              <a:t>For customers implementing a </a:t>
-            </a:r>
-            <a:r>
-              <a:rPr sz="1000" b="1" dirty="0">
-                <a:solidFill>
-                  <a:srgbClr val="1F1F1F"/>
-                </a:solidFill>
-                <a:latin typeface="Adobe Clean"/>
-                <a:cs typeface="Adobe Clean"/>
-              </a:rPr>
-              <a:t>new Adobe Experience Cloud  solution, </a:t>
-            </a:r>
-            <a:r>
-              <a:rPr sz="1000" dirty="0">
-                <a:latin typeface="AdobeClean-Light"/>
-                <a:cs typeface="AdobeClean-Light"/>
-              </a:rPr>
-              <a:t>Launch Advisory </a:t>
-            </a:r>
-            <a:r>
-              <a:rPr sz="1000" dirty="0">
+              <a:t>출시 자문은</a:t>
+            </a:r>
+            <a:r>
+              <a:rPr lang="de-de" sz="950" dirty="0">
                 <a:latin typeface="AdobeClean-SemiLight"/>
                 <a:cs typeface="AdobeClean-SemiLight"/>
               </a:rPr>
-              <a:t>is a </a:t>
-            </a:r>
-            <a:r>
-              <a:rPr sz="950" dirty="0">
-                <a:latin typeface="AdobeClean-SemiLight"/>
-                <a:cs typeface="AdobeClean-SemiLight"/>
-              </a:rPr>
-              <a:t>core set of advisory</a:t>
+              <a:t>핵심 자문</a:t>
             </a:r>
             <a:endParaRPr sz="950">
               <a:latin typeface="AdobeClean-SemiLight"/>
@@ -12354,42 +11412,28 @@
               </a:lnSpc>
             </a:pPr>
             <a:r>
-              <a:rPr sz="950" dirty="0">
+              <a:rPr lang="de-de" sz="950" dirty="0">
                 <a:latin typeface="AdobeClean-SemiLight"/>
                 <a:cs typeface="AdobeClean-SemiLight"/>
               </a:rPr>
-              <a:t>services </a:t>
-            </a:r>
-            <a:r>
-              <a:rPr sz="1000" dirty="0">
+              <a:t>서비스이자 </a:t>
+            </a:r>
+            <a:r>
+              <a:rPr lang="de-de" sz="1000" dirty="0">
                 <a:latin typeface="AdobeClean-Light"/>
                 <a:cs typeface="AdobeClean-Light"/>
               </a:rPr>
-              <a:t>and recommendations that are proven to </a:t>
-            </a:r>
-            <a:r>
-              <a:rPr sz="950" dirty="0">
+              <a:t>권장 사항으로, </a:t>
+            </a:r>
+            <a:r>
+              <a:rPr lang="de-de" sz="950" dirty="0">
                 <a:latin typeface="AdobeClean-Light"/>
                 <a:cs typeface="AdobeClean-Light"/>
               </a:rPr>
-              <a:t>support  successful deployments </a:t>
-            </a:r>
-            <a:r>
-              <a:rPr sz="1000" dirty="0">
-                <a:latin typeface="AdobeClean-Light"/>
-                <a:cs typeface="AdobeClean-Light"/>
-              </a:rPr>
-              <a:t>and </a:t>
-            </a:r>
-            <a:r>
-              <a:rPr sz="950" dirty="0">
-                <a:latin typeface="AdobeClean-Light"/>
-                <a:cs typeface="AdobeClean-Light"/>
-              </a:rPr>
-              <a:t>accelerate time-to-value</a:t>
-            </a:r>
-            <a:r>
-              <a:rPr sz="1000" dirty="0">
+              <a:t>성공적인 배포를 지원하고 가치 실현 시간</a:t>
+            </a:r>
+            <a:r>
+              <a:rPr lang="de-de" sz="1000" dirty="0">
                 <a:latin typeface="AdobeClean-Light"/>
                 <a:cs typeface="AdobeClean-Light"/>
               </a:rPr>
@@ -12399,6 +11443,18 @@
               <a:latin typeface="AdobeClean-Light"/>
               <a:cs typeface="AdobeClean-Light"/>
             </a:endParaRPr>
+          </a:p>
+          <a:p>
+            <a:r>
+              <a:rPr lang="de-de" sz="1000" dirty="0">
+                <a:solidFill>
+                  <a:srgbClr val="1F1F1F"/>
+                </a:solidFill>
+                <a:latin typeface="AdobeClean-Light"/>
+                <a:cs typeface="AdobeClean-Light"/>
+              </a:rPr>
+              <a:t>을 단축하는 것으로 입증되었습니다.</a:t>
+            </a:r>
           </a:p>
         </p:txBody>
       </p:sp>
@@ -12511,74 +11567,74 @@
               </a:spcBef>
             </a:pPr>
             <a:r>
-              <a:rPr sz="1000" dirty="0">
+              <a:rPr lang="de-de" sz="1000" dirty="0">
                 <a:solidFill>
                   <a:srgbClr val="4B4B4B"/>
                 </a:solidFill>
                 <a:latin typeface="AdobeClean-Light"/>
                 <a:cs typeface="AdobeClean-Light"/>
               </a:rPr>
-              <a:t>Field Services are used for </a:t>
-            </a:r>
-            <a:r>
-              <a:rPr sz="1000" b="1" dirty="0">
+              <a:t>현장 서비스는 </a:t>
+            </a:r>
+            <a:r>
+              <a:rPr lang="de-de" sz="1000" b="1" dirty="0">
                 <a:solidFill>
                   <a:srgbClr val="4B4B4B"/>
                 </a:solidFill>
                 <a:latin typeface="Adobe Clean"/>
                 <a:cs typeface="Adobe Clean"/>
               </a:rPr>
-              <a:t>quick resolution</a:t>
-            </a:r>
-            <a:r>
-              <a:rPr sz="1000" dirty="0">
+              <a:t>신속한 해결</a:t>
+            </a:r>
+            <a:r>
+              <a:rPr lang="de-de" sz="1000" dirty="0">
                 <a:solidFill>
                   <a:srgbClr val="4B4B4B"/>
                 </a:solidFill>
                 <a:latin typeface="AdobeClean-Light"/>
                 <a:cs typeface="AdobeClean-Light"/>
               </a:rPr>
-              <a:t>, focused customer success  and accelerated </a:t>
-            </a:r>
-            <a:r>
-              <a:rPr sz="1000" b="1" dirty="0">
+              <a:t>, 집중적인 고객 성공, </a:t>
+            </a:r>
+            <a:r>
+              <a:rPr lang="de-de" sz="1000" b="1" dirty="0">
                 <a:solidFill>
                   <a:srgbClr val="4B4B4B"/>
                 </a:solidFill>
                 <a:latin typeface="Adobe Clean"/>
                 <a:cs typeface="Adobe Clean"/>
               </a:rPr>
-              <a:t>time-to-value</a:t>
-            </a:r>
-            <a:r>
-              <a:rPr sz="1000" dirty="0">
+              <a:t>가치 실현 시간</a:t>
+            </a:r>
+            <a:r>
+              <a:rPr lang="de-de" sz="1000" dirty="0">
                 <a:solidFill>
                   <a:srgbClr val="4B4B4B"/>
                 </a:solidFill>
                 <a:latin typeface="AdobeClean-Light"/>
                 <a:cs typeface="AdobeClean-Light"/>
               </a:rPr>
-              <a:t>. If Launch advisory is active there will be  </a:t>
-            </a:r>
-            <a:r>
-              <a:rPr sz="1000" b="1" dirty="0">
+              <a:t> 단축을 위해 사용됩니다. 출시 자문이 활성화된 경우 지원 계약이 적용되는 솔루션 제품에 대해 </a:t>
+            </a:r>
+            <a:r>
+              <a:rPr lang="de-de" sz="1000" b="1" dirty="0">
                 <a:solidFill>
                   <a:srgbClr val="4B4B4B"/>
                 </a:solidFill>
                 <a:latin typeface="Adobe Clean"/>
                 <a:cs typeface="Adobe Clean"/>
               </a:rPr>
-              <a:t>no Field Services in year 1 </a:t>
-            </a:r>
-            <a:r>
-              <a:rPr sz="1000" dirty="0">
+              <a:t>1년차에는 현장 서비스가 제공되지 않습니다</a:t>
+            </a:r>
+            <a:r>
+              <a:rPr lang="de-de" sz="1000" dirty="0">
                 <a:solidFill>
                   <a:srgbClr val="4B4B4B"/>
                 </a:solidFill>
                 <a:latin typeface="AdobeClean-Light"/>
                 <a:cs typeface="AdobeClean-Light"/>
               </a:rPr>
-              <a:t>for any solution product covered by a  Support contract.</a:t>
+              <a:t>.</a:t>
             </a:r>
             <a:endParaRPr sz="1000" dirty="0">
               <a:latin typeface="AdobeClean-Light"/>
@@ -12701,11 +11757,11 @@
               </a:spcBef>
             </a:pPr>
             <a:r>
-              <a:rPr sz="1000" dirty="0">
+              <a:rPr lang="de-de" sz="1000" dirty="0">
                 <a:latin typeface="AdobeClean-Light"/>
                 <a:cs typeface="AdobeClean-Light"/>
               </a:rPr>
-              <a:t>Launch Advisory will align with your project schedule through  common milestones (Kickoff, Define, Design, Go-live and Post  Launch) to guide, validate, assess and make recommendations.</a:t>
+              <a:t>출시 자문은 일반적인 중요 시점(개시, 정의, 설계, 실행 및 출시 후) 전반에서 프로젝트 일정에 맞춰 안내하고 검증하고 평가하며 권장 사항을 제시합니다. </a:t>
             </a:r>
           </a:p>
         </p:txBody>
@@ -12740,11 +11796,11 @@
               </a:spcBef>
             </a:pPr>
             <a:r>
-              <a:rPr sz="1000" dirty="0">
+              <a:rPr lang="de-de" sz="1000" dirty="0">
                 <a:latin typeface="AdobeClean-Light"/>
                 <a:cs typeface="AdobeClean-Light"/>
               </a:rPr>
-              <a:t>Key Deliverables include:</a:t>
+              <a:t>주요 결과물에는 다음이 포함됩니다.</a:t>
             </a:r>
             <a:endParaRPr sz="1000">
               <a:latin typeface="AdobeClean-Light"/>
@@ -12782,12 +11838,12 @@
               <a:buChar char="•"/>
             </a:pPr>
             <a:r>
-              <a:rPr lang="en-US" sz="1000" dirty="0">
+              <a:rPr lang="de-de" sz="1000" dirty="0">
                 <a:solidFill>
                   <a:prstClr val="black"/>
                 </a:solidFill>
               </a:rPr>
-              <a:t>Kickoff (including project collaboration plan) deck</a:t>
+              <a:t>개시(프로젝트 공동 작업 계획 포함) 데크</a:t>
             </a:r>
           </a:p>
           <a:p>
@@ -12799,12 +11855,12 @@
               <a:buChar char="•"/>
             </a:pPr>
             <a:r>
-              <a:rPr lang="en-US" sz="1000" dirty="0">
+              <a:rPr lang="de-de" sz="1000" dirty="0">
                 <a:solidFill>
                   <a:prstClr val="black"/>
                 </a:solidFill>
               </a:rPr>
-              <a:t>Assessment &amp; recommendations document(s)</a:t>
+              <a:t>평가 및 권장 사항 문서</a:t>
             </a:r>
           </a:p>
           <a:p>
@@ -12816,12 +11872,12 @@
               <a:buChar char="•"/>
             </a:pPr>
             <a:r>
-              <a:rPr lang="en-US" sz="1000" dirty="0">
+              <a:rPr lang="de-de" sz="1000" dirty="0">
                 <a:solidFill>
                   <a:prstClr val="black"/>
                 </a:solidFill>
               </a:rPr>
-              <a:t>Engagement summary</a:t>
+              <a:t>참여 요약</a:t>
             </a:r>
           </a:p>
         </p:txBody>
@@ -12856,14 +11912,14 @@
               </a:spcBef>
             </a:pPr>
             <a:r>
-              <a:rPr sz="1600" dirty="0">
+              <a:rPr lang="de-de" sz="1600" dirty="0">
                 <a:solidFill>
                   <a:srgbClr val="FFFFFF"/>
                 </a:solidFill>
                 <a:latin typeface="Arial"/>
                 <a:cs typeface="Arial"/>
               </a:rPr>
-              <a:t>Implementation</a:t>
+              <a:t>구현</a:t>
             </a:r>
             <a:endParaRPr sz="1600" dirty="0">
               <a:latin typeface="Arial"/>
@@ -12880,32 +11936,25 @@
               </a:spcBef>
             </a:pPr>
             <a:r>
-              <a:rPr sz="1000" dirty="0">
+              <a:rPr lang="de-de" sz="1000" dirty="0">
                 <a:latin typeface="AdobeClean-Light"/>
                 <a:cs typeface="AdobeClean-Light"/>
               </a:rPr>
-              <a:t>Adobe solution experts help validate requirements, architecture,  development process, and launch readiness reviews </a:t>
-            </a:r>
-            <a:r>
-              <a:rPr sz="1000" dirty="0">
+              <a:t>Adobe 솔루션 전문가는 고객과 구현 파트너에 대한 </a:t>
+            </a:r>
+            <a:r>
+              <a:rPr lang="de-de" sz="950" dirty="0">
                 <a:latin typeface="AdobeClean-SemiLight"/>
                 <a:cs typeface="AdobeClean-SemiLight"/>
               </a:rPr>
-              <a:t>with </a:t>
-            </a:r>
-            <a:r>
-              <a:rPr sz="950" dirty="0">
+              <a:t>모범 사례 기반 지침을 통해 </a:t>
+            </a:r>
+            <a:r>
+              <a:rPr lang="de-de" sz="1000" dirty="0">
                 <a:latin typeface="AdobeClean-SemiLight"/>
                 <a:cs typeface="AdobeClean-SemiLight"/>
               </a:rPr>
-              <a:t>best  practice-based guidance </a:t>
-            </a:r>
-            <a:r>
-              <a:rPr sz="1000" dirty="0">
-                <a:latin typeface="AdobeClean-SemiLight"/>
-                <a:cs typeface="AdobeClean-SemiLight"/>
-              </a:rPr>
-              <a:t>to customers and implementation  partners.</a:t>
+              <a:t>요구 사항, 아키텍처, 개발 프로세스 및 출시 준비 상태 검토를 검증하는 데 도움을 줍니다.</a:t>
             </a:r>
           </a:p>
         </p:txBody>
@@ -12962,18 +12011,18 @@
               </a:spcBef>
             </a:pPr>
             <a:r>
-              <a:rPr sz="1000" b="1" dirty="0">
+              <a:rPr lang="de-de" sz="1000" b="1" dirty="0">
                 <a:latin typeface="Arial"/>
                 <a:cs typeface="Arial"/>
               </a:rPr>
-              <a:t>Technical Track Activities </a:t>
-            </a:r>
-            <a:r>
-              <a:rPr sz="1000" dirty="0">
+              <a:t>기술 트랙 활동</a:t>
+            </a:r>
+            <a:r>
+              <a:rPr lang="de-de" sz="1000" dirty="0">
                 <a:latin typeface="AdobeClean-Light"/>
                 <a:cs typeface="AdobeClean-Light"/>
               </a:rPr>
-              <a:t>ensure customers are technically sound  and maximizing their tool adoption. Specifically, these types of  activities include support and recommendations related to platform  configurations, integrations and troubleshooting</a:t>
+              <a:t>은 고객이 기술적으로 건전하도록 보장하고 도구 채택을 극대화할 수 있도록 합니다. 특히 이러한 유형의 활동에는 플랫폼 구성, 통합 및 문제 해결과 관련된 지원 및 권장 사항이 포함됩니다.</a:t>
             </a:r>
           </a:p>
         </p:txBody>
@@ -13008,11 +12057,11 @@
               </a:spcBef>
             </a:pPr>
             <a:r>
-              <a:rPr sz="1000" dirty="0">
+              <a:rPr lang="de-de" sz="1000" dirty="0">
                 <a:latin typeface="AdobeClean-Light"/>
                 <a:cs typeface="AdobeClean-Light"/>
               </a:rPr>
-              <a:t>Types of technical activities available::</a:t>
+              <a:t>사용 가능한 기술 활동 유형:</a:t>
             </a:r>
           </a:p>
           <a:p>
@@ -13027,12 +12076,12 @@
               <a:buChar char="ü"/>
             </a:pPr>
             <a:r>
-              <a:rPr lang="en-US" sz="1000" dirty="0">
+              <a:rPr lang="de-de" sz="1000" dirty="0">
                 <a:solidFill>
                   <a:prstClr val="black"/>
                 </a:solidFill>
               </a:rPr>
-              <a:t>Health audit</a:t>
+              <a:t>상태 감사</a:t>
             </a:r>
           </a:p>
           <a:p>
@@ -13047,12 +12096,12 @@
               <a:buChar char="ü"/>
             </a:pPr>
             <a:r>
-              <a:rPr lang="en-US" sz="1000" dirty="0">
+              <a:rPr lang="de-de" sz="1000" dirty="0">
                 <a:solidFill>
                   <a:prstClr val="black"/>
                 </a:solidFill>
               </a:rPr>
-              <a:t>Platform audit</a:t>
+              <a:t>플랫폼 감사</a:t>
             </a:r>
           </a:p>
           <a:p>
@@ -13067,12 +12116,12 @@
               <a:buChar char="ü"/>
             </a:pPr>
             <a:r>
-              <a:rPr lang="en-US" sz="1000" dirty="0">
+              <a:rPr lang="de-de" sz="1000" dirty="0">
                 <a:solidFill>
                   <a:prstClr val="black"/>
                 </a:solidFill>
               </a:rPr>
-              <a:t>Feature set enablement</a:t>
+              <a:t>기능 세트 활성화</a:t>
             </a:r>
           </a:p>
           <a:p>
@@ -13087,12 +12136,12 @@
               <a:buChar char="ü"/>
             </a:pPr>
             <a:r>
-              <a:rPr lang="en-US" sz="1000" dirty="0">
+              <a:rPr lang="de-de" sz="1000" dirty="0">
                 <a:solidFill>
                   <a:prstClr val="black"/>
                 </a:solidFill>
               </a:rPr>
-              <a:t>Basic integrations and configurations</a:t>
+              <a:t>기본적 통합 및 구성</a:t>
             </a:r>
           </a:p>
           <a:p>
@@ -13107,12 +12156,12 @@
               <a:buChar char="ü"/>
             </a:pPr>
             <a:r>
-              <a:rPr lang="en-US" sz="1000" dirty="0">
+              <a:rPr lang="de-de" sz="1000" dirty="0">
                 <a:solidFill>
                   <a:prstClr val="black"/>
                 </a:solidFill>
               </a:rPr>
-              <a:t>Customer solution troubleshooting</a:t>
+              <a:t>고객 솔루션 문제 해결</a:t>
             </a:r>
           </a:p>
           <a:p>
@@ -13127,12 +12176,12 @@
               <a:buChar char="ü"/>
             </a:pPr>
             <a:r>
-              <a:rPr lang="en-US" sz="1000" dirty="0">
+              <a:rPr lang="de-de" sz="1000" dirty="0">
                 <a:solidFill>
                   <a:prstClr val="black"/>
                 </a:solidFill>
               </a:rPr>
-              <a:t>Cloud service support</a:t>
+              <a:t>클라우드 서비스 지원</a:t>
             </a:r>
           </a:p>
         </p:txBody>
@@ -13167,18 +12216,18 @@
               </a:spcBef>
             </a:pPr>
             <a:r>
-              <a:rPr sz="1000" b="1" dirty="0">
+              <a:rPr lang="de-de" sz="1000" b="1" dirty="0">
                 <a:latin typeface="Arial"/>
                 <a:cs typeface="Arial"/>
               </a:rPr>
-              <a:t>Strategic Track Activities </a:t>
-            </a:r>
-            <a:r>
-              <a:rPr sz="1000" dirty="0">
+              <a:t>전략 트랙 활동</a:t>
+            </a:r>
+            <a:r>
+              <a:rPr lang="de-de" sz="1000" dirty="0">
                 <a:latin typeface="AdobeClean-Light"/>
                 <a:cs typeface="AdobeClean-Light"/>
               </a:rPr>
-              <a:t>locate opportunities to ensure value is  being realized from a customer’s Adobe solutions. They include  support recommendations related to strategy, measurement and  maturity to drive value realization across one or more Adobe  solutions.</a:t>
+              <a:t>은 고객의 Adobe 솔루션에서 가치를 실현할 수 있는 기회를 찾습니다. 여기에는 하나 이상의 Adobe 솔루션에서 가치 실현을 위한 전략, 측정 및 완성도와 관련된 지원 권장 사항이 포함됩니다.</a:t>
             </a:r>
           </a:p>
           <a:p>
@@ -13202,11 +12251,11 @@
               </a:lnSpc>
             </a:pPr>
             <a:r>
-              <a:rPr sz="1000" dirty="0">
+              <a:rPr lang="de-de" sz="1000" dirty="0">
                 <a:latin typeface="AdobeClean-Light"/>
                 <a:cs typeface="AdobeClean-Light"/>
               </a:rPr>
-              <a:t>Types of strategic activities available::</a:t>
+              <a:t>사용 가능한 전략 활동 유형:</a:t>
             </a:r>
           </a:p>
           <a:p>
@@ -13221,12 +12270,12 @@
               <a:buChar char="ü"/>
             </a:pPr>
             <a:r>
-              <a:rPr lang="en-US" sz="1000" dirty="0">
+              <a:rPr lang="de-de" sz="1000" dirty="0">
                 <a:solidFill>
                   <a:prstClr val="black"/>
                 </a:solidFill>
               </a:rPr>
-              <a:t>Maturity Roadmap</a:t>
+              <a:t>완성 로드맵</a:t>
             </a:r>
           </a:p>
           <a:p>
@@ -13241,12 +12290,12 @@
               <a:buChar char="ü"/>
             </a:pPr>
             <a:r>
-              <a:rPr lang="en-US" sz="1000" dirty="0">
+              <a:rPr lang="de-de" sz="1000" dirty="0">
                 <a:solidFill>
                   <a:prstClr val="black"/>
                 </a:solidFill>
               </a:rPr>
-              <a:t>Use case development/measurement</a:t>
+              <a:t>사용 사례 개발/측정</a:t>
             </a:r>
           </a:p>
           <a:p>
@@ -13261,12 +12310,12 @@
               <a:buChar char="ü"/>
             </a:pPr>
             <a:r>
-              <a:rPr lang="en-US" sz="1000" dirty="0">
+              <a:rPr lang="de-de" sz="1000" dirty="0">
                 <a:solidFill>
                   <a:prstClr val="black"/>
                 </a:solidFill>
               </a:rPr>
-              <a:t>Reporting &amp; analysis</a:t>
+              <a:t>보고 및 분석</a:t>
             </a:r>
           </a:p>
           <a:p>
@@ -13281,12 +12330,12 @@
               <a:buChar char="ü"/>
             </a:pPr>
             <a:r>
-              <a:rPr lang="en-US" sz="1000" dirty="0">
+              <a:rPr lang="de-de" sz="1000" dirty="0">
                 <a:solidFill>
                   <a:prstClr val="black"/>
                 </a:solidFill>
               </a:rPr>
-              <a:t>Best practices enablement</a:t>
+              <a:t>모범 사례 지원</a:t>
             </a:r>
           </a:p>
         </p:txBody>
@@ -13321,14 +12370,14 @@
               </a:spcBef>
             </a:pPr>
             <a:r>
-              <a:rPr sz="1600" dirty="0">
+              <a:rPr lang="de-de" sz="1600" dirty="0">
                 <a:solidFill>
                   <a:srgbClr val="FFFFFF"/>
                 </a:solidFill>
                 <a:latin typeface="Arial"/>
                 <a:cs typeface="Arial"/>
               </a:rPr>
-              <a:t>Run &amp; Operate</a:t>
+              <a:t>실행 및 운영</a:t>
             </a:r>
             <a:endParaRPr sz="1600" dirty="0">
               <a:latin typeface="Arial"/>
@@ -13345,37 +12394,17 @@
               </a:spcBef>
             </a:pPr>
             <a:r>
-              <a:rPr sz="1000" dirty="0">
+              <a:rPr lang="de-de" sz="1000" dirty="0">
                 <a:solidFill>
                   <a:srgbClr val="1F1F1F"/>
                 </a:solidFill>
                 <a:latin typeface="Adobe Clean"/>
                 <a:cs typeface="Adobe Clean"/>
               </a:rPr>
-              <a:t>As an </a:t>
-            </a:r>
-            <a:r>
-              <a:rPr lang="en-US" sz="1000" dirty="0">
-                <a:solidFill>
-                  <a:srgbClr val="1F1F1F"/>
-                </a:solidFill>
-                <a:latin typeface="Adobe Clean"/>
-                <a:cs typeface="Adobe Clean"/>
-              </a:rPr>
-              <a:t>Elite</a:t>
-            </a:r>
-            <a:r>
-              <a:rPr sz="1000" dirty="0">
-                <a:solidFill>
-                  <a:srgbClr val="1F1F1F"/>
-                </a:solidFill>
-                <a:latin typeface="Adobe Clean"/>
-                <a:cs typeface="Adobe Clean"/>
-              </a:rPr>
-              <a:t> customer, you are  eligible for</a:t>
-            </a:r>
-            <a:r>
-              <a:rPr lang="en-US" sz="1200" dirty="0">
+              <a:t>엘리트 고객은</a:t>
+            </a:r>
+            <a:r>
+              <a:rPr lang="de-de" sz="1200" dirty="0">
                 <a:solidFill>
                   <a:srgbClr val="1F1F1F"/>
                 </a:solidFill>
@@ -13390,22 +12419,7 @@
               <a:t> </a:t>
             </a:r>
             <a:r>
-              <a:rPr lang="en-US" sz="1200" u="sng" dirty="0">
-                <a:solidFill>
-                  <a:srgbClr val="1F1F1F"/>
-                </a:solidFill>
-                <a:uFill>
-                  <a:solidFill>
-                    <a:srgbClr val="1F1F1F"/>
-                  </a:solidFill>
-                </a:uFill>
-                <a:latin typeface="Times New Roman"/>
-                <a:cs typeface="Times New Roman"/>
-              </a:rPr>
-              <a:t>4</a:t>
-            </a:r>
-            <a:r>
-              <a:rPr sz="1200" b="1" dirty="0">
+              <a:rPr lang="de-de" sz="1200" b="1" dirty="0">
                 <a:solidFill>
                   <a:srgbClr val="1F1F1F"/>
                 </a:solidFill>
@@ -13415,14 +12429,14 @@
               <a:t> </a:t>
             </a:r>
             <a:r>
-              <a:rPr sz="1000" b="1" dirty="0">
+              <a:rPr lang="de-de" sz="1000" b="1" dirty="0">
                 <a:solidFill>
                   <a:srgbClr val="1F1F1F"/>
                 </a:solidFill>
                 <a:latin typeface="Arial"/>
                 <a:cs typeface="Arial"/>
               </a:rPr>
-              <a:t>activities per year</a:t>
+              <a:t>기술</a:t>
             </a:r>
             <a:endParaRPr sz="1000" dirty="0">
               <a:latin typeface="Arial"/>
@@ -13439,54 +12453,54 @@
               </a:spcBef>
             </a:pPr>
             <a:r>
-              <a:rPr sz="1000" dirty="0">
+              <a:rPr lang="de-de" sz="1000" dirty="0">
                 <a:solidFill>
                   <a:srgbClr val="1F1F1F"/>
                 </a:solidFill>
                 <a:latin typeface="Adobe Clean"/>
                 <a:cs typeface="Adobe Clean"/>
               </a:rPr>
-              <a:t>from the following two tracks: </a:t>
-            </a:r>
-            <a:r>
-              <a:rPr sz="1000" b="1" dirty="0">
+              <a:t>및/또는 </a:t>
+            </a:r>
+            <a:r>
+              <a:rPr lang="de-de" sz="1000" b="1" dirty="0">
                 <a:solidFill>
                   <a:srgbClr val="1F1F1F"/>
                 </a:solidFill>
                 <a:latin typeface="Arial"/>
                 <a:cs typeface="Arial"/>
               </a:rPr>
-              <a:t>Technical </a:t>
-            </a:r>
-            <a:r>
-              <a:rPr sz="1000" dirty="0">
+              <a:t>전략 </a:t>
+            </a:r>
+            <a:r>
+              <a:rPr lang="de-de" sz="1000" dirty="0">
                 <a:solidFill>
                   <a:srgbClr val="1F1F1F"/>
                 </a:solidFill>
                 <a:latin typeface="Adobe Clean"/>
                 <a:cs typeface="Adobe Clean"/>
               </a:rPr>
-              <a:t>and/or </a:t>
-            </a:r>
-            <a:r>
-              <a:rPr sz="1000" b="1" dirty="0">
+              <a:t>의 두 트랙에서 </a:t>
+            </a:r>
+            <a:r>
+              <a:rPr lang="de-de" sz="1000" b="1" dirty="0">
                 <a:solidFill>
                   <a:srgbClr val="1F1F1F"/>
                 </a:solidFill>
                 <a:latin typeface="Arial"/>
                 <a:cs typeface="Arial"/>
               </a:rPr>
-              <a:t>Strategic</a:t>
-            </a:r>
-            <a:r>
-              <a:rPr sz="1000" dirty="0">
+              <a:t>연간 4개의 활동</a:t>
+            </a:r>
+            <a:r>
+              <a:rPr lang="de-de" sz="1000" dirty="0">
                 <a:solidFill>
                   <a:srgbClr val="1F1F1F"/>
                 </a:solidFill>
                 <a:latin typeface="AdobeClean-Light"/>
                 <a:cs typeface="AdobeClean-Light"/>
               </a:rPr>
-              <a:t>.</a:t>
+              <a:t>을 제공받을 수 있습니다.</a:t>
             </a:r>
             <a:endParaRPr sz="1000" dirty="0">
               <a:latin typeface="AdobeClean-Light"/>
@@ -13525,17 +12539,17 @@
               </a:spcBef>
             </a:pPr>
             <a:r>
-              <a:rPr sz="1400" b="1" spc="-15" dirty="0">
+              <a:rPr lang="de-de" sz="1400" b="1" spc="-15" dirty="0">
                 <a:solidFill>
                   <a:srgbClr val="020302"/>
                 </a:solidFill>
                 <a:latin typeface="Adobe Clean"/>
                 <a:cs typeface="Adobe Clean"/>
               </a:rPr>
-              <a:t>Cloud</a:t>
-            </a:r>
-            <a:r>
-              <a:rPr sz="1400" b="1" spc="-45" dirty="0">
+              <a:t>클라우드</a:t>
+            </a:r>
+            <a:r>
+              <a:rPr lang="de-de" sz="1400" b="1" spc="-45" dirty="0">
                 <a:solidFill>
                   <a:srgbClr val="020302"/>
                 </a:solidFill>
@@ -13545,17 +12559,17 @@
               <a:t> </a:t>
             </a:r>
             <a:r>
-              <a:rPr sz="1400" b="1" spc="-15" dirty="0">
+              <a:rPr lang="de-de" sz="1400" b="1" spc="-15" dirty="0">
                 <a:solidFill>
                   <a:srgbClr val="020302"/>
                 </a:solidFill>
                 <a:latin typeface="Adobe Clean"/>
                 <a:cs typeface="Adobe Clean"/>
               </a:rPr>
-              <a:t>Support</a:t>
-            </a:r>
-            <a:r>
-              <a:rPr sz="1400" b="1" spc="-50" dirty="0">
+              <a:t>지원</a:t>
+            </a:r>
+            <a:r>
+              <a:rPr lang="de-de" sz="1400" b="1" spc="-50" dirty="0">
                 <a:solidFill>
                   <a:srgbClr val="020302"/>
                 </a:solidFill>
@@ -13565,24 +12579,14 @@
               <a:t> </a:t>
             </a:r>
             <a:r>
-              <a:rPr sz="1400" b="1" spc="-15" dirty="0">
+              <a:rPr lang="de-de" sz="1400" b="1" spc="-15" dirty="0">
                 <a:solidFill>
                   <a:srgbClr val="020302"/>
                 </a:solidFill>
                 <a:latin typeface="Adobe Clean"/>
                 <a:cs typeface="Adobe Clean"/>
               </a:rPr>
-              <a:t>Activities</a:t>
-            </a:r>
-            <a:r>
-              <a:rPr lang="en-US" sz="1400" b="1" spc="-15" dirty="0">
-                <a:solidFill>
-                  <a:srgbClr val="020302"/>
-                </a:solidFill>
-                <a:latin typeface="Adobe Clean"/>
-                <a:cs typeface="Adobe Clean"/>
-              </a:rPr>
-              <a:t> - AEM</a:t>
+              <a:t>활동 - AEM</a:t>
             </a:r>
             <a:endParaRPr sz="1400" dirty="0">
               <a:latin typeface="Adobe Clean"/>
@@ -13722,36 +12726,36 @@
               </a:spcBef>
             </a:pPr>
             <a:r>
-              <a:rPr spc="-5" dirty="0"/>
-              <a:t>©2021 Adobe. All</a:t>
-            </a:r>
-            <a:r>
-              <a:rPr spc="-15" dirty="0"/>
+              <a:rPr lang="de-de" spc="-5" dirty="0"/>
+              <a:t>© 2021 Adobe.  All</a:t>
+            </a:r>
+            <a:r>
+              <a:rPr lang="de-de" spc="-15" dirty="0"/>
               <a:t> Rights</a:t>
             </a:r>
             <a:r>
-              <a:rPr spc="-10" dirty="0"/>
+              <a:rPr lang="de-de" spc="-10" dirty="0"/>
               <a:t> </a:t>
             </a:r>
             <a:r>
-              <a:rPr spc="-15" dirty="0"/>
+              <a:rPr lang="de-de" spc="-15" dirty="0"/>
               <a:t>Reserved.</a:t>
             </a:r>
             <a:r>
-              <a:rPr spc="-10" dirty="0"/>
+              <a:rPr lang="de-de" spc="-10" dirty="0"/>
               <a:t> </a:t>
             </a:r>
             <a:r>
-              <a:rPr spc="-5" dirty="0"/>
+              <a:rPr lang="de-de" spc="-5" dirty="0"/>
               <a:t>Adobe</a:t>
             </a:r>
             <a:r>
-              <a:rPr spc="60" dirty="0"/>
+              <a:rPr lang="de-de" spc="60" dirty="0"/>
               <a:t> </a:t>
             </a:r>
             <a:r>
-              <a:rPr spc="-15" dirty="0"/>
-              <a:t>Confidential.</a:t>
+              <a:rPr lang="de-de" spc="-15" dirty="0"/>
+              <a:t>기밀.</a:t>
             </a:r>
           </a:p>
         </p:txBody>
@@ -13807,8 +12811,8 @@
           <a:p>
             <a:pPr algn="ctr"/>
             <a:r>
-              <a:rPr lang="en-US" sz="1600" dirty="0"/>
-              <a:t>Run &amp; Operate</a:t>
+              <a:rPr lang="de-de" sz="1600" dirty="0"/>
+              <a:t>실행 및 운영</a:t>
             </a:r>
           </a:p>
         </p:txBody>
@@ -13864,8 +12868,8 @@
           <a:p>
             <a:pPr algn="ctr"/>
             <a:r>
-              <a:rPr lang="en-US" sz="1600" dirty="0"/>
-              <a:t>Implementation</a:t>
+              <a:rPr lang="de-de" sz="1600" dirty="0"/>
+              <a:t>구현</a:t>
             </a:r>
           </a:p>
         </p:txBody>
@@ -13900,8 +12904,8 @@
           <a:p>
             <a:pPr algn="ctr"/>
             <a:r>
-              <a:rPr lang="en-US" sz="1100" dirty="0"/>
-              <a:t>Post Launch</a:t>
+              <a:rPr lang="de-de" sz="1100" dirty="0"/>
+              <a:t>출시 후</a:t>
             </a:r>
           </a:p>
         </p:txBody>
@@ -13936,8 +12940,8 @@
           <a:p>
             <a:pPr algn="ctr"/>
             <a:r>
-              <a:rPr lang="en-US" sz="1100" dirty="0"/>
-              <a:t>Go-Live</a:t>
+              <a:rPr lang="de-de" sz="1100" dirty="0"/>
+              <a:t>실행</a:t>
             </a:r>
           </a:p>
         </p:txBody>
@@ -13972,8 +12976,8 @@
           <a:p>
             <a:pPr algn="ctr"/>
             <a:r>
-              <a:rPr lang="en-US" sz="1100" dirty="0"/>
-              <a:t>Define</a:t>
+              <a:rPr lang="de-de" sz="1100" dirty="0"/>
+              <a:t>정의</a:t>
             </a:r>
           </a:p>
         </p:txBody>
@@ -14008,8 +13012,8 @@
           <a:p>
             <a:pPr algn="ctr"/>
             <a:r>
-              <a:rPr lang="en-US" sz="1100" dirty="0"/>
-              <a:t>Kickoff</a:t>
+              <a:rPr lang="de-de" sz="1100" dirty="0"/>
+              <a:t>개시</a:t>
             </a:r>
           </a:p>
         </p:txBody>
@@ -14044,8 +13048,8 @@
           <a:p>
             <a:pPr algn="ctr"/>
             <a:r>
-              <a:rPr lang="en-US" sz="1100" dirty="0"/>
-              <a:t>Design</a:t>
+              <a:rPr lang="de-de" sz="1100" dirty="0"/>
+              <a:t>디자인</a:t>
             </a:r>
           </a:p>
         </p:txBody>
@@ -14102,14 +13106,14 @@
           <a:p>
             <a:pPr algn="ctr"/>
             <a:r>
-              <a:rPr lang="en-US" sz="1400" dirty="0">
+              <a:rPr lang="de-de" sz="1400" dirty="0">
                 <a:solidFill>
                   <a:schemeClr val="accent1">
                     <a:lumMod val="50000"/>
                   </a:schemeClr>
                 </a:solidFill>
               </a:rPr>
-              <a:t>4 Activities per Year</a:t>
+              <a:t>연간 4개 활동</a:t>
             </a:r>
           </a:p>
         </p:txBody>
@@ -14150,13 +13154,13 @@
               </a:spcBef>
             </a:pPr>
             <a:r>
-              <a:rPr lang="en-US" sz="1000" dirty="0">
+              <a:rPr lang="de-de" sz="1000" dirty="0">
                 <a:solidFill>
                   <a:srgbClr val="4B4B4B"/>
                 </a:solidFill>
                 <a:latin typeface="Adobe Clean Light" panose="020B0303020404020204" pitchFamily="34" charset="0"/>
               </a:rPr>
-              <a:t>Drive adoption of customization best practices and core components in AEM as a Cloud Service</a:t>
+              <a:t>AEM as a Cloud Service의 사용자 지정 모범 사례 및 핵심 구성 요소의 채택을 촉진합니다.</a:t>
             </a:r>
             <a:endParaRPr sz="1000" dirty="0">
               <a:solidFill>
@@ -14203,13 +13207,13 @@
               </a:spcBef>
             </a:pPr>
             <a:r>
-              <a:rPr lang="en-US" sz="1000" dirty="0">
+              <a:rPr lang="de-de" sz="1000" dirty="0">
                 <a:solidFill>
                   <a:srgbClr val="4B4B4B"/>
                 </a:solidFill>
                 <a:latin typeface="Adobe Clean Light" panose="020B0303020404020204" pitchFamily="34" charset="0"/>
               </a:rPr>
-              <a:t>Identify, review and provide recommendations on customized solution adoption areas that have opportunities for optimization</a:t>
+              <a:t>최적화할 수 있는 기회가 있는 맞춤형 솔루션 채택 영역을 식별하고 검토하고 권장합니다.</a:t>
             </a:r>
             <a:endParaRPr sz="1000" dirty="0">
               <a:solidFill>
@@ -14256,13 +13260,13 @@
               </a:spcBef>
             </a:pPr>
             <a:r>
-              <a:rPr lang="en-US" sz="1000" dirty="0">
+              <a:rPr lang="de-de" sz="1000" dirty="0">
                 <a:solidFill>
                   <a:srgbClr val="4B4B4B"/>
                 </a:solidFill>
                 <a:latin typeface="Adobe Clean Light" panose="020B0303020404020204" pitchFamily="34" charset="0"/>
               </a:rPr>
-              <a:t>Technical &amp; operational governance to assist AEM as a Cloud Service Customers in adhering to industry standards and best practices for AEM as a Cloud Service</a:t>
+              <a:t>AEM as a Cloud Service 고객이 AEM as a Cloud Service에 대한 업계 표준 및 모범 사례를 준수하도록 지원하는 기술 및 운영 거버넌스입니다.</a:t>
             </a:r>
             <a:endParaRPr sz="1000" dirty="0">
               <a:solidFill>
@@ -14288,7 +13292,7 @@
         <p:spPr>
           <a:xfrm>
             <a:off x="5181600" y="936612"/>
-            <a:ext cx="1972258" cy="461665"/>
+            <a:ext cx="2209800" cy="461665"/>
           </a:xfrm>
           <a:prstGeom prst="rect">
             <a:avLst/>
@@ -14309,484 +13313,114 @@
               </a:spcBef>
             </a:pPr>
             <a:r>
-              <a:rPr lang="en-US" sz="1200" b="1" spc="-15" dirty="0">
+              <a:rPr lang="de-de" sz="1200" b="1" spc="-15" dirty="0">
                 <a:solidFill>
                   <a:srgbClr val="020302"/>
                 </a:solidFill>
                 <a:latin typeface="Adobe Clean"/>
                 <a:cs typeface="Adobe Clean"/>
               </a:rPr>
-              <a:t>C</a:t>
-            </a:r>
-            <a:r>
-              <a:rPr lang="en-US" sz="1200" b="1" spc="-20" dirty="0">
+              <a:t>AEM</a:t>
+            </a:r>
+            <a:r>
+              <a:rPr lang="de-de" sz="1200" b="1" spc="-50" dirty="0">
                 <a:solidFill>
                   <a:srgbClr val="020302"/>
                 </a:solidFill>
                 <a:latin typeface="Adobe Clean"/>
                 <a:cs typeface="Adobe Clean"/>
               </a:rPr>
-              <a:t>u</a:t>
-            </a:r>
-            <a:r>
-              <a:rPr lang="en-US" sz="1200" b="1" spc="-25" dirty="0">
+              <a:t> </a:t>
+            </a:r>
+            <a:r>
+              <a:rPr lang="de-de" sz="1200" b="1" spc="-20" dirty="0">
                 <a:solidFill>
                   <a:srgbClr val="020302"/>
                 </a:solidFill>
                 <a:latin typeface="Adobe Clean"/>
                 <a:cs typeface="Adobe Clean"/>
               </a:rPr>
-              <a:t>st</a:t>
-            </a:r>
-            <a:r>
-              <a:rPr lang="en-US" sz="1200" b="1" spc="-15" dirty="0">
+              <a:t>as a Cloud Service를 위한</a:t>
+            </a:r>
+            <a:r>
+              <a:rPr lang="de-de" sz="1200" b="1" spc="-50" dirty="0">
                 <a:solidFill>
                   <a:srgbClr val="020302"/>
                 </a:solidFill>
                 <a:latin typeface="Adobe Clean"/>
                 <a:cs typeface="Adobe Clean"/>
               </a:rPr>
-              <a:t>o</a:t>
-            </a:r>
-            <a:r>
-              <a:rPr lang="en-US" sz="1200" b="1" spc="-20" dirty="0">
+              <a:t> </a:t>
+            </a:r>
+            <a:r>
+              <a:rPr lang="de-de" sz="1200" b="1" spc="-45" dirty="0">
                 <a:solidFill>
                   <a:srgbClr val="020302"/>
                 </a:solidFill>
                 <a:latin typeface="Adobe Clean"/>
                 <a:cs typeface="Adobe Clean"/>
               </a:rPr>
-              <a:t>miza</a:t>
-            </a:r>
-            <a:r>
-              <a:rPr lang="en-US" sz="1200" b="1" spc="-25" dirty="0">
+              <a:t> </a:t>
+            </a:r>
+            <a:r>
+              <a:rPr lang="de-de" sz="1200" b="1" spc="-25" dirty="0">
                 <a:solidFill>
                   <a:srgbClr val="020302"/>
                 </a:solidFill>
                 <a:latin typeface="Adobe Clean"/>
                 <a:cs typeface="Adobe Clean"/>
               </a:rPr>
-              <a:t>t</a:t>
-            </a:r>
-            <a:r>
-              <a:rPr lang="en-US" sz="1200" b="1" spc="-20" dirty="0">
+              <a:t>사용자 지정</a:t>
+            </a:r>
+            <a:r>
+              <a:rPr lang="de-de" sz="1200" b="1" spc="-45" dirty="0">
                 <a:solidFill>
                   <a:srgbClr val="020302"/>
                 </a:solidFill>
                 <a:latin typeface="Adobe Clean"/>
                 <a:cs typeface="Adobe Clean"/>
               </a:rPr>
-              <a:t>i</a:t>
-            </a:r>
-            <a:r>
-              <a:rPr lang="en-US" sz="1200" b="1" spc="-15" dirty="0">
+              <a:t> </a:t>
+            </a:r>
+            <a:r>
+              <a:rPr lang="de-de" sz="1200" b="1" spc="-55" dirty="0">
                 <a:solidFill>
                   <a:srgbClr val="020302"/>
                 </a:solidFill>
                 <a:latin typeface="Adobe Clean"/>
                 <a:cs typeface="Adobe Clean"/>
               </a:rPr>
-              <a:t>o</a:t>
-            </a:r>
-            <a:r>
-              <a:rPr lang="en-US" sz="1200" b="1" dirty="0">
+              <a:t> </a:t>
+            </a:r>
+            <a:r>
+              <a:rPr lang="de-de" sz="1200" b="1" spc="-20" dirty="0">
                 <a:solidFill>
                   <a:srgbClr val="020302"/>
                 </a:solidFill>
                 <a:latin typeface="Adobe Clean"/>
                 <a:cs typeface="Adobe Clean"/>
               </a:rPr>
-              <a:t>n</a:t>
-            </a:r>
-            <a:r>
-              <a:rPr lang="en-US" sz="1200" b="1" spc="-50" dirty="0">
+              <a:t>모범 사례</a:t>
+            </a:r>
+            <a:r>
+              <a:rPr lang="de-de" sz="1200" b="1" spc="-45" dirty="0">
                 <a:solidFill>
                   <a:srgbClr val="020302"/>
                 </a:solidFill>
                 <a:latin typeface="Adobe Clean"/>
                 <a:cs typeface="Adobe Clean"/>
               </a:rPr>
-              <a:t> </a:t>
-            </a:r>
-            <a:r>
-              <a:rPr lang="en-US" sz="1200" b="1" spc="-20" dirty="0">
+              <a:t>  </a:t>
+            </a:r>
+            <a:r>
+              <a:rPr lang="de-de" sz="1200" b="1" spc="-50" dirty="0">
                 <a:solidFill>
                   <a:srgbClr val="020302"/>
                 </a:solidFill>
                 <a:latin typeface="Adobe Clean"/>
                 <a:cs typeface="Adobe Clean"/>
               </a:rPr>
-              <a:t>B</a:t>
-            </a:r>
-            <a:r>
-              <a:rPr lang="en-US" sz="1200" b="1" spc="-25" dirty="0">
-                <a:solidFill>
-                  <a:srgbClr val="020302"/>
-                </a:solidFill>
-                <a:latin typeface="Adobe Clean"/>
-                <a:cs typeface="Adobe Clean"/>
-              </a:rPr>
-              <a:t>es</a:t>
-            </a:r>
-            <a:r>
-              <a:rPr lang="en-US" sz="1200" b="1" dirty="0">
-                <a:solidFill>
-                  <a:srgbClr val="020302"/>
-                </a:solidFill>
-                <a:latin typeface="Adobe Clean"/>
-                <a:cs typeface="Adobe Clean"/>
-              </a:rPr>
-              <a:t>t</a:t>
-            </a:r>
-            <a:r>
-              <a:rPr lang="en-US" sz="1200" b="1" spc="-50" dirty="0">
-                <a:solidFill>
-                  <a:srgbClr val="020302"/>
-                </a:solidFill>
-                <a:latin typeface="Adobe Clean"/>
-                <a:cs typeface="Adobe Clean"/>
-              </a:rPr>
               <a:t> </a:t>
-            </a:r>
-            <a:r>
-              <a:rPr lang="en-US" sz="1200" b="1" spc="-25" dirty="0">
-                <a:solidFill>
-                  <a:srgbClr val="020302"/>
-                </a:solidFill>
-                <a:latin typeface="Adobe Clean"/>
-                <a:cs typeface="Adobe Clean"/>
-              </a:rPr>
-              <a:t>P</a:t>
-            </a:r>
-            <a:r>
-              <a:rPr lang="en-US" sz="1200" b="1" spc="-20" dirty="0">
-                <a:solidFill>
-                  <a:srgbClr val="020302"/>
-                </a:solidFill>
-                <a:latin typeface="Adobe Clean"/>
-                <a:cs typeface="Adobe Clean"/>
-              </a:rPr>
-              <a:t>ra</a:t>
-            </a:r>
-            <a:r>
-              <a:rPr lang="en-US" sz="1200" b="1" spc="-30" dirty="0">
-                <a:solidFill>
-                  <a:srgbClr val="020302"/>
-                </a:solidFill>
-                <a:latin typeface="Adobe Clean"/>
-                <a:cs typeface="Adobe Clean"/>
-              </a:rPr>
-              <a:t>c</a:t>
-            </a:r>
-            <a:r>
-              <a:rPr lang="en-US" sz="1200" b="1" spc="-25" dirty="0">
-                <a:solidFill>
-                  <a:srgbClr val="020302"/>
-                </a:solidFill>
-                <a:latin typeface="Adobe Clean"/>
-                <a:cs typeface="Adobe Clean"/>
-              </a:rPr>
-              <a:t>t</a:t>
-            </a:r>
-            <a:r>
-              <a:rPr lang="en-US" sz="1200" b="1" spc="-20" dirty="0">
-                <a:solidFill>
-                  <a:srgbClr val="020302"/>
-                </a:solidFill>
-                <a:latin typeface="Adobe Clean"/>
-                <a:cs typeface="Adobe Clean"/>
-              </a:rPr>
-              <a:t>i</a:t>
-            </a:r>
-            <a:r>
-              <a:rPr lang="en-US" sz="1200" b="1" spc="-30" dirty="0">
-                <a:solidFill>
-                  <a:srgbClr val="020302"/>
-                </a:solidFill>
-                <a:latin typeface="Adobe Clean"/>
-                <a:cs typeface="Adobe Clean"/>
-              </a:rPr>
-              <a:t>c</a:t>
-            </a:r>
-            <a:r>
-              <a:rPr lang="en-US" sz="1200" b="1" spc="-25" dirty="0">
-                <a:solidFill>
-                  <a:srgbClr val="020302"/>
-                </a:solidFill>
-                <a:latin typeface="Adobe Clean"/>
-                <a:cs typeface="Adobe Clean"/>
-              </a:rPr>
-              <a:t>e</a:t>
-            </a:r>
-            <a:r>
-              <a:rPr lang="en-US" sz="1200" b="1" dirty="0">
-                <a:solidFill>
-                  <a:srgbClr val="020302"/>
-                </a:solidFill>
-                <a:latin typeface="Adobe Clean"/>
-                <a:cs typeface="Adobe Clean"/>
-              </a:rPr>
-              <a:t>s</a:t>
-            </a:r>
-            <a:r>
-              <a:rPr lang="en-US" sz="1200" b="1" spc="-45" dirty="0">
-                <a:solidFill>
-                  <a:srgbClr val="020302"/>
-                </a:solidFill>
-                <a:latin typeface="Adobe Clean"/>
-                <a:cs typeface="Adobe Clean"/>
-              </a:rPr>
-              <a:t> </a:t>
-            </a:r>
-            <a:r>
-              <a:rPr lang="en-US" sz="1200" b="1" spc="-25" dirty="0">
-                <a:solidFill>
-                  <a:srgbClr val="020302"/>
-                </a:solidFill>
-                <a:latin typeface="Adobe Clean"/>
-                <a:cs typeface="Adobe Clean"/>
-              </a:rPr>
-              <a:t>f</a:t>
-            </a:r>
-            <a:r>
-              <a:rPr lang="en-US" sz="1200" b="1" spc="-15" dirty="0">
-                <a:solidFill>
-                  <a:srgbClr val="020302"/>
-                </a:solidFill>
-                <a:latin typeface="Adobe Clean"/>
-                <a:cs typeface="Adobe Clean"/>
-              </a:rPr>
-              <a:t>o</a:t>
-            </a:r>
-            <a:r>
-              <a:rPr lang="en-US" sz="1200" b="1" dirty="0">
-                <a:solidFill>
-                  <a:srgbClr val="020302"/>
-                </a:solidFill>
-                <a:latin typeface="Adobe Clean"/>
-                <a:cs typeface="Adobe Clean"/>
-              </a:rPr>
-              <a:t>r</a:t>
-            </a:r>
-            <a:r>
-              <a:rPr lang="en-US" sz="1200" b="1" spc="-45" dirty="0">
-                <a:solidFill>
-                  <a:srgbClr val="020302"/>
-                </a:solidFill>
-                <a:latin typeface="Adobe Clean"/>
-                <a:cs typeface="Adobe Clean"/>
-              </a:rPr>
-              <a:t> </a:t>
-            </a:r>
-            <a:r>
-              <a:rPr lang="en-US" sz="1200" b="1" spc="-30" dirty="0">
-                <a:solidFill>
-                  <a:srgbClr val="020302"/>
-                </a:solidFill>
-                <a:latin typeface="Adobe Clean"/>
-                <a:cs typeface="Adobe Clean"/>
-              </a:rPr>
-              <a:t>AE</a:t>
-            </a:r>
-            <a:r>
-              <a:rPr lang="en-US" sz="1200" b="1" dirty="0">
-                <a:solidFill>
-                  <a:srgbClr val="020302"/>
-                </a:solidFill>
-                <a:latin typeface="Adobe Clean"/>
-                <a:cs typeface="Adobe Clean"/>
-              </a:rPr>
-              <a:t>M</a:t>
-            </a:r>
-            <a:r>
-              <a:rPr lang="en-US" sz="1200" b="1" spc="-55" dirty="0">
-                <a:solidFill>
-                  <a:srgbClr val="020302"/>
-                </a:solidFill>
-                <a:latin typeface="Adobe Clean"/>
-                <a:cs typeface="Adobe Clean"/>
-              </a:rPr>
-              <a:t> </a:t>
-            </a:r>
-            <a:r>
-              <a:rPr lang="en-US" sz="1200" b="1" spc="-20" dirty="0">
-                <a:solidFill>
-                  <a:srgbClr val="020302"/>
-                </a:solidFill>
-                <a:latin typeface="Adobe Clean"/>
-                <a:cs typeface="Adobe Clean"/>
-              </a:rPr>
-              <a:t>a</a:t>
-            </a:r>
-            <a:r>
-              <a:rPr lang="en-US" sz="1200" b="1" dirty="0">
-                <a:solidFill>
-                  <a:srgbClr val="020302"/>
-                </a:solidFill>
-                <a:latin typeface="Adobe Clean"/>
-                <a:cs typeface="Adobe Clean"/>
-              </a:rPr>
-              <a:t>s</a:t>
-            </a:r>
-            <a:r>
-              <a:rPr lang="en-US" sz="1200" b="1" spc="-45" dirty="0">
-                <a:solidFill>
-                  <a:srgbClr val="020302"/>
-                </a:solidFill>
-                <a:latin typeface="Adobe Clean"/>
-                <a:cs typeface="Adobe Clean"/>
-              </a:rPr>
-              <a:t> </a:t>
-            </a:r>
-            <a:r>
-              <a:rPr lang="en-US" sz="1200" b="1" dirty="0">
-                <a:solidFill>
-                  <a:srgbClr val="020302"/>
-                </a:solidFill>
-                <a:latin typeface="Adobe Clean"/>
-                <a:cs typeface="Adobe Clean"/>
-              </a:rPr>
-              <a:t>a</a:t>
-            </a:r>
-            <a:r>
-              <a:rPr lang="en-US" sz="1200" b="1" spc="-45" dirty="0">
-                <a:solidFill>
-                  <a:srgbClr val="020302"/>
-                </a:solidFill>
-                <a:latin typeface="Adobe Clean"/>
-                <a:cs typeface="Adobe Clean"/>
-              </a:rPr>
-              <a:t> </a:t>
-            </a:r>
-            <a:r>
-              <a:rPr lang="en-US" sz="1200" b="1" spc="-15" dirty="0">
-                <a:solidFill>
-                  <a:srgbClr val="020302"/>
-                </a:solidFill>
-                <a:latin typeface="Adobe Clean"/>
-                <a:cs typeface="Adobe Clean"/>
-              </a:rPr>
-              <a:t>C</a:t>
-            </a:r>
-            <a:r>
-              <a:rPr lang="en-US" sz="1200" b="1" spc="-25" dirty="0">
-                <a:solidFill>
-                  <a:srgbClr val="020302"/>
-                </a:solidFill>
-                <a:latin typeface="Adobe Clean"/>
-                <a:cs typeface="Adobe Clean"/>
-              </a:rPr>
-              <a:t>l</a:t>
-            </a:r>
-            <a:r>
-              <a:rPr lang="en-US" sz="1200" b="1" spc="-15" dirty="0">
-                <a:solidFill>
-                  <a:srgbClr val="020302"/>
-                </a:solidFill>
-                <a:latin typeface="Adobe Clean"/>
-                <a:cs typeface="Adobe Clean"/>
-              </a:rPr>
-              <a:t>o</a:t>
-            </a:r>
-            <a:r>
-              <a:rPr lang="en-US" sz="1200" b="1" spc="-20" dirty="0">
-                <a:solidFill>
-                  <a:srgbClr val="020302"/>
-                </a:solidFill>
-                <a:latin typeface="Adobe Clean"/>
-                <a:cs typeface="Adobe Clean"/>
-              </a:rPr>
-              <a:t>u</a:t>
-            </a:r>
-            <a:r>
-              <a:rPr lang="en-US" sz="1200" b="1" dirty="0">
-                <a:solidFill>
-                  <a:srgbClr val="020302"/>
-                </a:solidFill>
-                <a:latin typeface="Adobe Clean"/>
-                <a:cs typeface="Adobe Clean"/>
-              </a:rPr>
-              <a:t>d</a:t>
-            </a:r>
-            <a:r>
-              <a:rPr lang="en-US" sz="1200" b="1" spc="-50" dirty="0">
-                <a:solidFill>
-                  <a:srgbClr val="020302"/>
-                </a:solidFill>
-                <a:latin typeface="Adobe Clean"/>
-                <a:cs typeface="Adobe Clean"/>
-              </a:rPr>
-              <a:t> </a:t>
-            </a:r>
-            <a:r>
-              <a:rPr lang="en-US" sz="1200" b="1" spc="-20" dirty="0">
-                <a:solidFill>
-                  <a:srgbClr val="020302"/>
-                </a:solidFill>
-                <a:latin typeface="Adobe Clean"/>
-                <a:cs typeface="Adobe Clean"/>
-              </a:rPr>
-              <a:t>S</a:t>
-            </a:r>
-            <a:r>
-              <a:rPr lang="en-US" sz="1200" b="1" spc="-25" dirty="0">
-                <a:solidFill>
-                  <a:srgbClr val="020302"/>
-                </a:solidFill>
-                <a:latin typeface="Adobe Clean"/>
-                <a:cs typeface="Adobe Clean"/>
-              </a:rPr>
-              <a:t>e</a:t>
-            </a:r>
-            <a:r>
-              <a:rPr lang="en-US" sz="1200" b="1" spc="-20" dirty="0">
-                <a:solidFill>
-                  <a:srgbClr val="020302"/>
-                </a:solidFill>
-                <a:latin typeface="Adobe Clean"/>
-                <a:cs typeface="Adobe Clean"/>
-              </a:rPr>
-              <a:t>r</a:t>
-            </a:r>
-            <a:r>
-              <a:rPr lang="en-US" sz="1200" b="1" spc="-30" dirty="0">
-                <a:solidFill>
-                  <a:srgbClr val="020302"/>
-                </a:solidFill>
-                <a:latin typeface="Adobe Clean"/>
-                <a:cs typeface="Adobe Clean"/>
-              </a:rPr>
-              <a:t>v</a:t>
-            </a:r>
-            <a:r>
-              <a:rPr lang="en-US" sz="1200" b="1" spc="-20" dirty="0">
-                <a:solidFill>
-                  <a:srgbClr val="020302"/>
-                </a:solidFill>
-                <a:latin typeface="Adobe Clean"/>
-                <a:cs typeface="Adobe Clean"/>
-              </a:rPr>
-              <a:t>i</a:t>
-            </a:r>
-            <a:r>
-              <a:rPr lang="en-US" sz="1200" b="1" spc="-30" dirty="0">
-                <a:solidFill>
-                  <a:srgbClr val="020302"/>
-                </a:solidFill>
-                <a:latin typeface="Adobe Clean"/>
-                <a:cs typeface="Adobe Clean"/>
-              </a:rPr>
-              <a:t>c</a:t>
-            </a:r>
-            <a:r>
-              <a:rPr lang="en-US" sz="1200" b="1" dirty="0">
-                <a:solidFill>
-                  <a:srgbClr val="020302"/>
-                </a:solidFill>
-                <a:latin typeface="Adobe Clean"/>
-                <a:cs typeface="Adobe Clean"/>
-              </a:rPr>
-              <a:t>e</a:t>
             </a:r>
             <a:endParaRPr lang="en-US" sz="1200" dirty="0">
               <a:latin typeface="Adobe Clean"/>
@@ -14810,7 +13444,7 @@
         <p:spPr>
           <a:xfrm>
             <a:off x="2752588" y="908302"/>
-            <a:ext cx="1708650" cy="461665"/>
+            <a:ext cx="1895612" cy="461665"/>
           </a:xfrm>
           <a:prstGeom prst="rect">
             <a:avLst/>
@@ -14831,14 +13465,14 @@
               </a:spcBef>
             </a:pPr>
             <a:r>
-              <a:rPr lang="en-US" sz="1200" b="1" spc="-25" dirty="0">
+              <a:rPr lang="de-de" sz="1200" b="1" spc="-25" dirty="0">
                 <a:solidFill>
                   <a:srgbClr val="020302"/>
                 </a:solidFill>
                 <a:latin typeface="Adobe Clean"/>
                 <a:cs typeface="Adobe Clean"/>
               </a:rPr>
-              <a:t>Value-added Services for AEM as a Cloud Service</a:t>
+              <a:t>AEM as a Cloud Service를 위한 부가 가치 서비스</a:t>
             </a:r>
             <a:endParaRPr lang="en-US" sz="1200" dirty="0">
               <a:latin typeface="Adobe Clean"/>
@@ -14883,354 +13517,64 @@
               </a:spcBef>
             </a:pPr>
             <a:r>
-              <a:rPr lang="en-US" sz="1200" b="1" spc="-20" dirty="0">
+              <a:rPr lang="de-de" sz="1200" b="1" spc="-20" dirty="0">
                 <a:solidFill>
                   <a:srgbClr val="020302"/>
                 </a:solidFill>
                 <a:latin typeface="Adobe Clean"/>
                 <a:cs typeface="Adobe Clean"/>
               </a:rPr>
-              <a:t>G</a:t>
-            </a:r>
-            <a:r>
-              <a:rPr lang="en-US" sz="1200" b="1" spc="-15" dirty="0">
+              <a:t>AEM</a:t>
+            </a:r>
+            <a:r>
+              <a:rPr lang="de-de" sz="1200" b="1" spc="-50" dirty="0">
                 <a:solidFill>
                   <a:srgbClr val="020302"/>
                 </a:solidFill>
                 <a:latin typeface="Adobe Clean"/>
                 <a:cs typeface="Adobe Clean"/>
               </a:rPr>
-              <a:t>o</a:t>
-            </a:r>
-            <a:r>
-              <a:rPr lang="en-US" sz="1200" b="1" spc="-25" dirty="0">
+              <a:t>  </a:t>
+            </a:r>
+            <a:r>
+              <a:rPr lang="de-de" sz="1200" b="1" spc="-20" dirty="0">
                 <a:solidFill>
                   <a:srgbClr val="020302"/>
                 </a:solidFill>
                 <a:latin typeface="Adobe Clean"/>
                 <a:cs typeface="Adobe Clean"/>
               </a:rPr>
-              <a:t>ve</a:t>
-            </a:r>
-            <a:r>
-              <a:rPr lang="en-US" sz="1200" b="1" spc="-20" dirty="0">
+              <a:t>as a Cloud Service를 위한</a:t>
+            </a:r>
+            <a:r>
+              <a:rPr lang="de-de" sz="1200" b="1" spc="-45" dirty="0">
                 <a:solidFill>
                   <a:srgbClr val="020302"/>
                 </a:solidFill>
                 <a:latin typeface="Adobe Clean"/>
                 <a:cs typeface="Adobe Clean"/>
               </a:rPr>
-              <a:t>r</a:t>
-            </a:r>
-            <a:r>
-              <a:rPr lang="en-US" sz="1200" b="1" spc="-25" dirty="0">
+              <a:t> </a:t>
+            </a:r>
+            <a:r>
+              <a:rPr lang="de-de" sz="1200" b="1" spc="-15" dirty="0">
                 <a:solidFill>
                   <a:srgbClr val="020302"/>
                 </a:solidFill>
                 <a:latin typeface="Adobe Clean"/>
                 <a:cs typeface="Adobe Clean"/>
               </a:rPr>
-              <a:t>n</a:t>
-            </a:r>
-            <a:r>
-              <a:rPr lang="en-US" sz="1200" b="1" spc="-20" dirty="0">
+              <a:t>거버넌스</a:t>
+            </a:r>
+            <a:r>
+              <a:rPr lang="de-de" sz="1200" b="1" spc="-50" dirty="0">
                 <a:solidFill>
                   <a:srgbClr val="020302"/>
                 </a:solidFill>
                 <a:latin typeface="Adobe Clean"/>
                 <a:cs typeface="Adobe Clean"/>
               </a:rPr>
-              <a:t>a</a:t>
-            </a:r>
-            <a:r>
-              <a:rPr lang="en-US" sz="1200" b="1" spc="-25" dirty="0">
-                <a:solidFill>
-                  <a:srgbClr val="020302"/>
-                </a:solidFill>
-                <a:latin typeface="Adobe Clean"/>
-                <a:cs typeface="Adobe Clean"/>
-              </a:rPr>
-              <a:t>n</a:t>
-            </a:r>
-            <a:r>
-              <a:rPr lang="en-US" sz="1200" b="1" spc="-30" dirty="0">
-                <a:solidFill>
-                  <a:srgbClr val="020302"/>
-                </a:solidFill>
-                <a:latin typeface="Adobe Clean"/>
-                <a:cs typeface="Adobe Clean"/>
-              </a:rPr>
-              <a:t>c</a:t>
-            </a:r>
-            <a:r>
-              <a:rPr lang="en-US" sz="1200" b="1" dirty="0">
-                <a:solidFill>
-                  <a:srgbClr val="020302"/>
-                </a:solidFill>
-                <a:latin typeface="Adobe Clean"/>
-                <a:cs typeface="Adobe Clean"/>
-              </a:rPr>
-              <a:t>e</a:t>
-            </a:r>
-            <a:r>
-              <a:rPr lang="en-US" sz="1200" b="1" spc="-50" dirty="0">
-                <a:solidFill>
-                  <a:srgbClr val="020302"/>
-                </a:solidFill>
-                <a:latin typeface="Adobe Clean"/>
-                <a:cs typeface="Adobe Clean"/>
-              </a:rPr>
               <a:t> </a:t>
-            </a:r>
-            <a:r>
-              <a:rPr lang="en-US" sz="1200" b="1" spc="-25" dirty="0">
-                <a:solidFill>
-                  <a:srgbClr val="020302"/>
-                </a:solidFill>
-                <a:latin typeface="Adobe Clean"/>
-                <a:cs typeface="Adobe Clean"/>
-              </a:rPr>
-              <a:t>f</a:t>
-            </a:r>
-            <a:r>
-              <a:rPr lang="en-US" sz="1200" b="1" spc="-15" dirty="0">
-                <a:solidFill>
-                  <a:srgbClr val="020302"/>
-                </a:solidFill>
-                <a:latin typeface="Adobe Clean"/>
-                <a:cs typeface="Adobe Clean"/>
-              </a:rPr>
-              <a:t>o</a:t>
-            </a:r>
-            <a:r>
-              <a:rPr lang="en-US" sz="1200" b="1" dirty="0">
-                <a:solidFill>
-                  <a:srgbClr val="020302"/>
-                </a:solidFill>
-                <a:latin typeface="Adobe Clean"/>
-                <a:cs typeface="Adobe Clean"/>
-              </a:rPr>
-              <a:t>r</a:t>
-            </a:r>
-            <a:r>
-              <a:rPr lang="en-US" sz="1200" b="1" spc="-45" dirty="0">
-                <a:solidFill>
-                  <a:srgbClr val="020302"/>
-                </a:solidFill>
-                <a:latin typeface="Adobe Clean"/>
-                <a:cs typeface="Adobe Clean"/>
-              </a:rPr>
-              <a:t> </a:t>
-            </a:r>
-            <a:r>
-              <a:rPr lang="en-US" sz="1200" b="1" spc="-30" dirty="0">
-                <a:solidFill>
-                  <a:srgbClr val="020302"/>
-                </a:solidFill>
-                <a:latin typeface="Adobe Clean"/>
-                <a:cs typeface="Adobe Clean"/>
-              </a:rPr>
-              <a:t>A</a:t>
-            </a:r>
-            <a:r>
-              <a:rPr lang="en-US" sz="1200" b="1" spc="-25" dirty="0">
-                <a:solidFill>
-                  <a:srgbClr val="020302"/>
-                </a:solidFill>
-                <a:latin typeface="Adobe Clean"/>
-                <a:cs typeface="Adobe Clean"/>
-              </a:rPr>
-              <a:t>E</a:t>
-            </a:r>
-            <a:r>
-              <a:rPr lang="en-US" sz="1200" b="1" dirty="0">
-                <a:solidFill>
-                  <a:srgbClr val="020302"/>
-                </a:solidFill>
-                <a:latin typeface="Adobe Clean"/>
-                <a:cs typeface="Adobe Clean"/>
-              </a:rPr>
-              <a:t>M</a:t>
-            </a:r>
-            <a:r>
-              <a:rPr lang="en-US" sz="1200" b="1" spc="-50" dirty="0">
-                <a:solidFill>
-                  <a:srgbClr val="020302"/>
-                </a:solidFill>
-                <a:latin typeface="Adobe Clean"/>
-                <a:cs typeface="Adobe Clean"/>
-              </a:rPr>
-              <a:t> </a:t>
-            </a:r>
-            <a:r>
-              <a:rPr lang="en-US" sz="1200" b="1" spc="-20" dirty="0">
-                <a:solidFill>
-                  <a:srgbClr val="020302"/>
-                </a:solidFill>
-                <a:latin typeface="Adobe Clean"/>
-                <a:cs typeface="Adobe Clean"/>
-              </a:rPr>
-              <a:t>a</a:t>
-            </a:r>
-            <a:r>
-              <a:rPr lang="en-US" sz="1200" b="1" dirty="0">
-                <a:solidFill>
-                  <a:srgbClr val="020302"/>
-                </a:solidFill>
-                <a:latin typeface="Adobe Clean"/>
-                <a:cs typeface="Adobe Clean"/>
-              </a:rPr>
-              <a:t>s</a:t>
-            </a:r>
-            <a:r>
-              <a:rPr lang="en-US" sz="1200" b="1" spc="-45" dirty="0">
-                <a:solidFill>
-                  <a:srgbClr val="020302"/>
-                </a:solidFill>
-                <a:latin typeface="Adobe Clean"/>
-                <a:cs typeface="Adobe Clean"/>
-              </a:rPr>
-              <a:t> </a:t>
-            </a:r>
-            <a:r>
-              <a:rPr lang="en-US" sz="1200" b="1" dirty="0">
-                <a:solidFill>
-                  <a:srgbClr val="020302"/>
-                </a:solidFill>
-                <a:latin typeface="Adobe Clean"/>
-                <a:cs typeface="Adobe Clean"/>
-              </a:rPr>
-              <a:t>a</a:t>
-            </a:r>
-            <a:r>
-              <a:rPr lang="en-US" sz="1200" b="1" spc="-40" dirty="0">
-                <a:solidFill>
-                  <a:srgbClr val="020302"/>
-                </a:solidFill>
-                <a:latin typeface="Adobe Clean"/>
-                <a:cs typeface="Adobe Clean"/>
-              </a:rPr>
-              <a:t> </a:t>
-            </a:r>
-            <a:r>
-              <a:rPr lang="en-US" sz="1200" b="1" spc="-15" dirty="0">
-                <a:solidFill>
-                  <a:srgbClr val="020302"/>
-                </a:solidFill>
-                <a:latin typeface="Adobe Clean"/>
-                <a:cs typeface="Adobe Clean"/>
-              </a:rPr>
-              <a:t>C</a:t>
-            </a:r>
-            <a:r>
-              <a:rPr lang="en-US" sz="1200" b="1" spc="-25" dirty="0">
-                <a:solidFill>
-                  <a:srgbClr val="020302"/>
-                </a:solidFill>
-                <a:latin typeface="Adobe Clean"/>
-                <a:cs typeface="Adobe Clean"/>
-              </a:rPr>
-              <a:t>l</a:t>
-            </a:r>
-            <a:r>
-              <a:rPr lang="en-US" sz="1200" b="1" spc="-15" dirty="0">
-                <a:solidFill>
-                  <a:srgbClr val="020302"/>
-                </a:solidFill>
-                <a:latin typeface="Adobe Clean"/>
-                <a:cs typeface="Adobe Clean"/>
-              </a:rPr>
-              <a:t>ou</a:t>
-            </a:r>
-            <a:r>
-              <a:rPr lang="en-US" sz="1200" b="1" dirty="0">
-                <a:solidFill>
-                  <a:srgbClr val="020302"/>
-                </a:solidFill>
-                <a:latin typeface="Adobe Clean"/>
-                <a:cs typeface="Adobe Clean"/>
-              </a:rPr>
-              <a:t>d</a:t>
-            </a:r>
-            <a:r>
-              <a:rPr lang="en-US" sz="1200" b="1" spc="-50" dirty="0">
-                <a:solidFill>
-                  <a:srgbClr val="020302"/>
-                </a:solidFill>
-                <a:latin typeface="Adobe Clean"/>
-                <a:cs typeface="Adobe Clean"/>
-              </a:rPr>
-              <a:t> </a:t>
-            </a:r>
-            <a:r>
-              <a:rPr lang="en-US" sz="1200" b="1" spc="-20" dirty="0">
-                <a:solidFill>
-                  <a:srgbClr val="020302"/>
-                </a:solidFill>
-                <a:latin typeface="Adobe Clean"/>
-                <a:cs typeface="Adobe Clean"/>
-              </a:rPr>
-              <a:t>S</a:t>
-            </a:r>
-            <a:r>
-              <a:rPr lang="en-US" sz="1200" b="1" spc="-25" dirty="0">
-                <a:solidFill>
-                  <a:srgbClr val="020302"/>
-                </a:solidFill>
-                <a:latin typeface="Adobe Clean"/>
-                <a:cs typeface="Adobe Clean"/>
-              </a:rPr>
-              <a:t>e</a:t>
-            </a:r>
-            <a:r>
-              <a:rPr lang="en-US" sz="1200" b="1" spc="-20" dirty="0">
-                <a:solidFill>
-                  <a:srgbClr val="020302"/>
-                </a:solidFill>
-                <a:latin typeface="Adobe Clean"/>
-                <a:cs typeface="Adobe Clean"/>
-              </a:rPr>
-              <a:t>r</a:t>
-            </a:r>
-            <a:r>
-              <a:rPr lang="en-US" sz="1200" b="1" spc="-25" dirty="0">
-                <a:solidFill>
-                  <a:srgbClr val="020302"/>
-                </a:solidFill>
-                <a:latin typeface="Adobe Clean"/>
-                <a:cs typeface="Adobe Clean"/>
-              </a:rPr>
-              <a:t>v</a:t>
-            </a:r>
-            <a:r>
-              <a:rPr lang="en-US" sz="1200" b="1" spc="-20" dirty="0">
-                <a:solidFill>
-                  <a:srgbClr val="020302"/>
-                </a:solidFill>
-                <a:latin typeface="Adobe Clean"/>
-                <a:cs typeface="Adobe Clean"/>
-              </a:rPr>
-              <a:t>i</a:t>
-            </a:r>
-            <a:r>
-              <a:rPr lang="en-US" sz="1200" b="1" spc="-30" dirty="0">
-                <a:solidFill>
-                  <a:srgbClr val="020302"/>
-                </a:solidFill>
-                <a:latin typeface="Adobe Clean"/>
-                <a:cs typeface="Adobe Clean"/>
-              </a:rPr>
-              <a:t>c</a:t>
-            </a:r>
-            <a:r>
-              <a:rPr lang="en-US" sz="1200" b="1" dirty="0">
-                <a:solidFill>
-                  <a:srgbClr val="020302"/>
-                </a:solidFill>
-                <a:latin typeface="Adobe Clean"/>
-                <a:cs typeface="Adobe Clean"/>
-              </a:rPr>
-              <a:t>e</a:t>
             </a:r>
             <a:endParaRPr lang="en-US" sz="1200" dirty="0">
               <a:latin typeface="Adobe Clean"/>
@@ -15239,6 +13583,720 @@
           </a:p>
         </p:txBody>
       </p:sp>
+      <p:graphicFrame>
+        <p:nvGraphicFramePr>
+          <p:cNvPr id="2" name="Table 1">
+            <a:extLst>
+              <a:ext uri="{FF2B5EF4-FFF2-40B4-BE49-F238E27FC236}">
+                <a16:creationId xmlns:a16="http://schemas.microsoft.com/office/drawing/2014/main" id="{CED3F2A6-B5D8-A54C-9E6C-1FE4D54768E0}"/>
+              </a:ext>
+            </a:extLst>
+          </p:cNvPr>
+          <p:cNvGraphicFramePr>
+            <a:graphicFrameLocks noGrp="1"/>
+          </p:cNvGraphicFramePr>
+          <p:nvPr>
+            <p:extLst>
+              <p:ext uri="{D42A27DB-BD31-4B8C-83A1-F6EECF244321}">
+                <p14:modId xmlns:p14="http://schemas.microsoft.com/office/powerpoint/2010/main" val="3115527674"/>
+              </p:ext>
+            </p:extLst>
+          </p:nvPr>
+        </p:nvGraphicFramePr>
+        <p:xfrm>
+          <a:off x="1524000" y="8153400"/>
+          <a:ext cx="609600" cy="457200"/>
+        </p:xfrm>
+        <a:graphic>
+          <a:graphicData uri="http://schemas.openxmlformats.org/drawingml/2006/table">
+            <a:tbl>
+              <a:tblPr>
+                <a:tableStyleId>{5C22544A-7EE6-4342-B048-85BDC9FD1C3A}</a:tableStyleId>
+              </a:tblPr>
+              <a:tblGrid>
+                <a:gridCol w="609600">
+                  <a:extLst>
+                    <a:ext uri="{9D8B030D-6E8A-4147-A177-3AD203B41FA5}">
+                      <a16:colId xmlns:a16="http://schemas.microsoft.com/office/drawing/2014/main" val="1835503658"/>
+                    </a:ext>
+                  </a:extLst>
+                </a:gridCol>
+              </a:tblGrid>
+              <a:tr h="457200">
+                <a:tc>
+                  <a:txBody>
+                    <a:bodyPr/>
+                    <a:lstStyle/>
+                    <a:p>
+                      <a:pPr algn="ctr" fontAlgn="b"/>
+                      <a:r>
+                        <a:rPr lang="ko-KR" altLang="en-US" sz="1100" u="none" strike="noStrike" dirty="0">
+                          <a:effectLst/>
+                        </a:rPr>
+                        <a:t>권장 사항 실행</a:t>
+                      </a:r>
+                      <a:endParaRPr lang="ko-KR" altLang="en-US" sz="1100" b="0" i="0" u="none" strike="noStrike" dirty="0">
+                        <a:solidFill>
+                          <a:srgbClr val="000000"/>
+                        </a:solidFill>
+                        <a:effectLst/>
+                        <a:latin typeface="Calibri" panose="020F0502020204030204" pitchFamily="34" charset="0"/>
+                      </a:endParaRPr>
+                    </a:p>
+                  </a:txBody>
+                  <a:tcPr marL="9525" marR="9525" marT="9525" marB="0">
+                    <a:solidFill>
+                      <a:schemeClr val="bg1"/>
+                    </a:solidFill>
+                  </a:tcPr>
+                </a:tc>
+                <a:extLst>
+                  <a:ext uri="{0D108BD9-81ED-4DB2-BD59-A6C34878D82A}">
+                    <a16:rowId xmlns:a16="http://schemas.microsoft.com/office/drawing/2014/main" val="2771767287"/>
+                  </a:ext>
+                </a:extLst>
+              </a:tr>
+            </a:tbl>
+          </a:graphicData>
+        </a:graphic>
+      </p:graphicFrame>
+      <p:graphicFrame>
+        <p:nvGraphicFramePr>
+          <p:cNvPr id="57" name="Table 56">
+            <a:extLst>
+              <a:ext uri="{FF2B5EF4-FFF2-40B4-BE49-F238E27FC236}">
+                <a16:creationId xmlns:a16="http://schemas.microsoft.com/office/drawing/2014/main" id="{5FC81947-5734-1847-9B58-C7D00D9B2111}"/>
+              </a:ext>
+            </a:extLst>
+          </p:cNvPr>
+          <p:cNvGraphicFramePr>
+            <a:graphicFrameLocks noGrp="1"/>
+          </p:cNvGraphicFramePr>
+          <p:nvPr>
+            <p:extLst>
+              <p:ext uri="{D42A27DB-BD31-4B8C-83A1-F6EECF244321}">
+                <p14:modId xmlns:p14="http://schemas.microsoft.com/office/powerpoint/2010/main" val="3013111724"/>
+              </p:ext>
+            </p:extLst>
+          </p:nvPr>
+        </p:nvGraphicFramePr>
+        <p:xfrm>
+          <a:off x="1524000" y="6934200"/>
+          <a:ext cx="609600" cy="457200"/>
+        </p:xfrm>
+        <a:graphic>
+          <a:graphicData uri="http://schemas.openxmlformats.org/drawingml/2006/table">
+            <a:tbl>
+              <a:tblPr>
+                <a:tableStyleId>{5C22544A-7EE6-4342-B048-85BDC9FD1C3A}</a:tableStyleId>
+              </a:tblPr>
+              <a:tblGrid>
+                <a:gridCol w="609600">
+                  <a:extLst>
+                    <a:ext uri="{9D8B030D-6E8A-4147-A177-3AD203B41FA5}">
+                      <a16:colId xmlns:a16="http://schemas.microsoft.com/office/drawing/2014/main" val="1835503658"/>
+                    </a:ext>
+                  </a:extLst>
+                </a:gridCol>
+              </a:tblGrid>
+              <a:tr h="457200">
+                <a:tc>
+                  <a:txBody>
+                    <a:bodyPr/>
+                    <a:lstStyle/>
+                    <a:p>
+                      <a:pPr algn="ctr" fontAlgn="b"/>
+                      <a:r>
+                        <a:rPr lang="ko-KR" altLang="en-US" sz="800" u="none" strike="noStrike" dirty="0">
+                          <a:effectLst/>
+                          <a:latin typeface="Adobe Clean" panose="020B0503020404020204" pitchFamily="34" charset="0"/>
+                        </a:rPr>
+                        <a:t>선임 </a:t>
+                      </a:r>
+                      <a:r>
+                        <a:rPr lang="en-US" altLang="ko-KR" sz="800" u="none" strike="noStrike" dirty="0">
+                          <a:effectLst/>
+                          <a:latin typeface="Adobe Clean" panose="020B0503020404020204" pitchFamily="34" charset="0"/>
+                        </a:rPr>
+                        <a:t>Adobe </a:t>
+                      </a:r>
+                      <a:r>
+                        <a:rPr lang="ko-KR" altLang="en-US" sz="800" u="none" strike="noStrike" dirty="0">
+                          <a:effectLst/>
+                          <a:latin typeface="Adobe Clean" panose="020B0503020404020204" pitchFamily="34" charset="0"/>
+                        </a:rPr>
+                        <a:t>전문가</a:t>
+                      </a:r>
+                      <a:endParaRPr lang="ko-KR" altLang="en-US" sz="800" b="0" i="0" u="none" strike="noStrike" dirty="0">
+                        <a:solidFill>
+                          <a:srgbClr val="000000"/>
+                        </a:solidFill>
+                        <a:effectLst/>
+                        <a:latin typeface="Adobe Clean" panose="020B0503020404020204" pitchFamily="34" charset="0"/>
+                      </a:endParaRPr>
+                    </a:p>
+                  </a:txBody>
+                  <a:tcPr marL="9525" marR="9525" marT="9525" marB="0">
+                    <a:solidFill>
+                      <a:schemeClr val="bg1"/>
+                    </a:solidFill>
+                  </a:tcPr>
+                </a:tc>
+                <a:extLst>
+                  <a:ext uri="{0D108BD9-81ED-4DB2-BD59-A6C34878D82A}">
+                    <a16:rowId xmlns:a16="http://schemas.microsoft.com/office/drawing/2014/main" val="2771767287"/>
+                  </a:ext>
+                </a:extLst>
+              </a:tr>
+            </a:tbl>
+          </a:graphicData>
+        </a:graphic>
+      </p:graphicFrame>
+      <p:graphicFrame>
+        <p:nvGraphicFramePr>
+          <p:cNvPr id="58" name="Table 57">
+            <a:extLst>
+              <a:ext uri="{FF2B5EF4-FFF2-40B4-BE49-F238E27FC236}">
+                <a16:creationId xmlns:a16="http://schemas.microsoft.com/office/drawing/2014/main" id="{5C3EF744-0ECF-0840-BB8C-30D33F82AD23}"/>
+              </a:ext>
+            </a:extLst>
+          </p:cNvPr>
+          <p:cNvGraphicFramePr>
+            <a:graphicFrameLocks noGrp="1"/>
+          </p:cNvGraphicFramePr>
+          <p:nvPr>
+            <p:extLst>
+              <p:ext uri="{D42A27DB-BD31-4B8C-83A1-F6EECF244321}">
+                <p14:modId xmlns:p14="http://schemas.microsoft.com/office/powerpoint/2010/main" val="3482834869"/>
+              </p:ext>
+            </p:extLst>
+          </p:nvPr>
+        </p:nvGraphicFramePr>
+        <p:xfrm>
+          <a:off x="2514600" y="7239000"/>
+          <a:ext cx="609600" cy="497205"/>
+        </p:xfrm>
+        <a:graphic>
+          <a:graphicData uri="http://schemas.openxmlformats.org/drawingml/2006/table">
+            <a:tbl>
+              <a:tblPr>
+                <a:tableStyleId>{5C22544A-7EE6-4342-B048-85BDC9FD1C3A}</a:tableStyleId>
+              </a:tblPr>
+              <a:tblGrid>
+                <a:gridCol w="609600">
+                  <a:extLst>
+                    <a:ext uri="{9D8B030D-6E8A-4147-A177-3AD203B41FA5}">
+                      <a16:colId xmlns:a16="http://schemas.microsoft.com/office/drawing/2014/main" val="1835503658"/>
+                    </a:ext>
+                  </a:extLst>
+                </a:gridCol>
+              </a:tblGrid>
+              <a:tr h="457200">
+                <a:tc>
+                  <a:txBody>
+                    <a:bodyPr/>
+                    <a:lstStyle/>
+                    <a:p>
+                      <a:pPr algn="ctr" fontAlgn="b"/>
+                      <a:r>
+                        <a:rPr lang="en-US" altLang="ko-KR" sz="800" u="none" strike="noStrike" dirty="0">
+                          <a:effectLst/>
+                          <a:latin typeface="Adobe Clean" panose="020B0503020404020204" pitchFamily="34" charset="0"/>
+                        </a:rPr>
+                        <a:t>Adobe </a:t>
+                      </a:r>
+                      <a:r>
+                        <a:rPr lang="ko-KR" altLang="en-US" sz="800" u="none" strike="noStrike" dirty="0">
+                          <a:effectLst/>
+                          <a:latin typeface="Adobe Clean" panose="020B0503020404020204" pitchFamily="34" charset="0"/>
+                        </a:rPr>
+                        <a:t>엔지니어링으로의 직접 링크</a:t>
+                      </a:r>
+                      <a:endParaRPr lang="ko-KR" altLang="en-US" sz="800" b="0" i="0" u="none" strike="noStrike" dirty="0">
+                        <a:solidFill>
+                          <a:srgbClr val="000000"/>
+                        </a:solidFill>
+                        <a:effectLst/>
+                        <a:latin typeface="Adobe Clean" panose="020B0503020404020204" pitchFamily="34" charset="0"/>
+                      </a:endParaRPr>
+                    </a:p>
+                  </a:txBody>
+                  <a:tcPr marL="9525" marR="9525" marT="9525" marB="0">
+                    <a:solidFill>
+                      <a:schemeClr val="bg1"/>
+                    </a:solidFill>
+                  </a:tcPr>
+                </a:tc>
+                <a:extLst>
+                  <a:ext uri="{0D108BD9-81ED-4DB2-BD59-A6C34878D82A}">
+                    <a16:rowId xmlns:a16="http://schemas.microsoft.com/office/drawing/2014/main" val="2771767287"/>
+                  </a:ext>
+                </a:extLst>
+              </a:tr>
+            </a:tbl>
+          </a:graphicData>
+        </a:graphic>
+      </p:graphicFrame>
+      <p:graphicFrame>
+        <p:nvGraphicFramePr>
+          <p:cNvPr id="59" name="Table 58">
+            <a:extLst>
+              <a:ext uri="{FF2B5EF4-FFF2-40B4-BE49-F238E27FC236}">
+                <a16:creationId xmlns:a16="http://schemas.microsoft.com/office/drawing/2014/main" id="{50430D1B-F3F6-AA46-8703-3A9C68EB58F0}"/>
+              </a:ext>
+            </a:extLst>
+          </p:cNvPr>
+          <p:cNvGraphicFramePr>
+            <a:graphicFrameLocks noGrp="1"/>
+          </p:cNvGraphicFramePr>
+          <p:nvPr>
+            <p:extLst>
+              <p:ext uri="{D42A27DB-BD31-4B8C-83A1-F6EECF244321}">
+                <p14:modId xmlns:p14="http://schemas.microsoft.com/office/powerpoint/2010/main" val="1518929836"/>
+              </p:ext>
+            </p:extLst>
+          </p:nvPr>
+        </p:nvGraphicFramePr>
+        <p:xfrm>
+          <a:off x="2819400" y="8382000"/>
+          <a:ext cx="609600" cy="497205"/>
+        </p:xfrm>
+        <a:graphic>
+          <a:graphicData uri="http://schemas.openxmlformats.org/drawingml/2006/table">
+            <a:tbl>
+              <a:tblPr>
+                <a:tableStyleId>{5C22544A-7EE6-4342-B048-85BDC9FD1C3A}</a:tableStyleId>
+              </a:tblPr>
+              <a:tblGrid>
+                <a:gridCol w="609600">
+                  <a:extLst>
+                    <a:ext uri="{9D8B030D-6E8A-4147-A177-3AD203B41FA5}">
+                      <a16:colId xmlns:a16="http://schemas.microsoft.com/office/drawing/2014/main" val="1835503658"/>
+                    </a:ext>
+                  </a:extLst>
+                </a:gridCol>
+              </a:tblGrid>
+              <a:tr h="457200">
+                <a:tc>
+                  <a:txBody>
+                    <a:bodyPr/>
+                    <a:lstStyle/>
+                    <a:p>
+                      <a:pPr algn="ctr" fontAlgn="b"/>
+                      <a:r>
+                        <a:rPr lang="ko-KR" altLang="en-US" sz="800" u="none" strike="noStrike" dirty="0">
+                          <a:effectLst/>
+                          <a:latin typeface="Adobe Clean" panose="020B0503020404020204" pitchFamily="34" charset="0"/>
+                        </a:rPr>
+                        <a:t>실행 후 요약과 권장되는 다음 단계</a:t>
+                      </a:r>
+                      <a:endParaRPr lang="ko-KR" altLang="en-US" sz="800" b="0" i="0" u="none" strike="noStrike" dirty="0">
+                        <a:solidFill>
+                          <a:srgbClr val="000000"/>
+                        </a:solidFill>
+                        <a:effectLst/>
+                        <a:latin typeface="Adobe Clean" panose="020B0503020404020204" pitchFamily="34" charset="0"/>
+                      </a:endParaRPr>
+                    </a:p>
+                  </a:txBody>
+                  <a:tcPr marL="9525" marR="9525" marT="9525" marB="0">
+                    <a:solidFill>
+                      <a:schemeClr val="bg1"/>
+                    </a:solidFill>
+                  </a:tcPr>
+                </a:tc>
+                <a:extLst>
+                  <a:ext uri="{0D108BD9-81ED-4DB2-BD59-A6C34878D82A}">
+                    <a16:rowId xmlns:a16="http://schemas.microsoft.com/office/drawing/2014/main" val="2771767287"/>
+                  </a:ext>
+                </a:extLst>
+              </a:tr>
+            </a:tbl>
+          </a:graphicData>
+        </a:graphic>
+      </p:graphicFrame>
+      <p:graphicFrame>
+        <p:nvGraphicFramePr>
+          <p:cNvPr id="60" name="Table 59">
+            <a:extLst>
+              <a:ext uri="{FF2B5EF4-FFF2-40B4-BE49-F238E27FC236}">
+                <a16:creationId xmlns:a16="http://schemas.microsoft.com/office/drawing/2014/main" id="{BC821DB5-15FE-F747-ACA8-DA12BC5726D9}"/>
+              </a:ext>
+            </a:extLst>
+          </p:cNvPr>
+          <p:cNvGraphicFramePr>
+            <a:graphicFrameLocks noGrp="1"/>
+          </p:cNvGraphicFramePr>
+          <p:nvPr>
+            <p:extLst>
+              <p:ext uri="{D42A27DB-BD31-4B8C-83A1-F6EECF244321}">
+                <p14:modId xmlns:p14="http://schemas.microsoft.com/office/powerpoint/2010/main" val="2544329521"/>
+              </p:ext>
+            </p:extLst>
+          </p:nvPr>
+        </p:nvGraphicFramePr>
+        <p:xfrm>
+          <a:off x="2057400" y="9296400"/>
+          <a:ext cx="609600" cy="457200"/>
+        </p:xfrm>
+        <a:graphic>
+          <a:graphicData uri="http://schemas.openxmlformats.org/drawingml/2006/table">
+            <a:tbl>
+              <a:tblPr>
+                <a:tableStyleId>{5C22544A-7EE6-4342-B048-85BDC9FD1C3A}</a:tableStyleId>
+              </a:tblPr>
+              <a:tblGrid>
+                <a:gridCol w="609600">
+                  <a:extLst>
+                    <a:ext uri="{9D8B030D-6E8A-4147-A177-3AD203B41FA5}">
+                      <a16:colId xmlns:a16="http://schemas.microsoft.com/office/drawing/2014/main" val="1835503658"/>
+                    </a:ext>
+                  </a:extLst>
+                </a:gridCol>
+              </a:tblGrid>
+              <a:tr h="457200">
+                <a:tc>
+                  <a:txBody>
+                    <a:bodyPr/>
+                    <a:lstStyle/>
+                    <a:p>
+                      <a:pPr algn="ctr" fontAlgn="b"/>
+                      <a:r>
+                        <a:rPr lang="ko-KR" altLang="en-US" sz="800" u="none" strike="noStrike" dirty="0">
+                          <a:effectLst/>
+                          <a:latin typeface="Adobe Clean" panose="020B0503020404020204" pitchFamily="34" charset="0"/>
+                        </a:rPr>
+                        <a:t>실제 운영 준비 </a:t>
+                      </a:r>
+                      <a:r>
+                        <a:rPr lang="en-US" altLang="ko-KR" sz="800" u="none" strike="noStrike" dirty="0">
+                          <a:effectLst/>
+                          <a:latin typeface="Adobe Clean" panose="020B0503020404020204" pitchFamily="34" charset="0"/>
+                        </a:rPr>
+                        <a:t>+ </a:t>
+                      </a:r>
+                      <a:r>
+                        <a:rPr lang="ko-KR" altLang="en-US" sz="800" u="none" strike="noStrike" dirty="0">
+                          <a:effectLst/>
+                          <a:latin typeface="Adobe Clean" panose="020B0503020404020204" pitchFamily="34" charset="0"/>
+                        </a:rPr>
+                        <a:t>성능 최적화</a:t>
+                      </a:r>
+                      <a:endParaRPr lang="ko-KR" altLang="en-US" sz="800" b="0" i="0" u="none" strike="noStrike" dirty="0">
+                        <a:solidFill>
+                          <a:srgbClr val="000000"/>
+                        </a:solidFill>
+                        <a:effectLst/>
+                        <a:latin typeface="Adobe Clean" panose="020B0503020404020204" pitchFamily="34" charset="0"/>
+                      </a:endParaRPr>
+                    </a:p>
+                  </a:txBody>
+                  <a:tcPr marL="9525" marR="9525" marT="9525" marB="0">
+                    <a:solidFill>
+                      <a:schemeClr val="bg1"/>
+                    </a:solidFill>
+                  </a:tcPr>
+                </a:tc>
+                <a:extLst>
+                  <a:ext uri="{0D108BD9-81ED-4DB2-BD59-A6C34878D82A}">
+                    <a16:rowId xmlns:a16="http://schemas.microsoft.com/office/drawing/2014/main" val="2771767287"/>
+                  </a:ext>
+                </a:extLst>
+              </a:tr>
+            </a:tbl>
+          </a:graphicData>
+        </a:graphic>
+      </p:graphicFrame>
+      <p:graphicFrame>
+        <p:nvGraphicFramePr>
+          <p:cNvPr id="61" name="Table 60">
+            <a:extLst>
+              <a:ext uri="{FF2B5EF4-FFF2-40B4-BE49-F238E27FC236}">
+                <a16:creationId xmlns:a16="http://schemas.microsoft.com/office/drawing/2014/main" id="{DAB123D1-F3CE-6740-A875-8F89D28FD36B}"/>
+              </a:ext>
+            </a:extLst>
+          </p:cNvPr>
+          <p:cNvGraphicFramePr>
+            <a:graphicFrameLocks noGrp="1"/>
+          </p:cNvGraphicFramePr>
+          <p:nvPr>
+            <p:extLst>
+              <p:ext uri="{D42A27DB-BD31-4B8C-83A1-F6EECF244321}">
+                <p14:modId xmlns:p14="http://schemas.microsoft.com/office/powerpoint/2010/main" val="3235221357"/>
+              </p:ext>
+            </p:extLst>
+          </p:nvPr>
+        </p:nvGraphicFramePr>
+        <p:xfrm>
+          <a:off x="990600" y="9296400"/>
+          <a:ext cx="609600" cy="457200"/>
+        </p:xfrm>
+        <a:graphic>
+          <a:graphicData uri="http://schemas.openxmlformats.org/drawingml/2006/table">
+            <a:tbl>
+              <a:tblPr>
+                <a:tableStyleId>{5C22544A-7EE6-4342-B048-85BDC9FD1C3A}</a:tableStyleId>
+              </a:tblPr>
+              <a:tblGrid>
+                <a:gridCol w="609600">
+                  <a:extLst>
+                    <a:ext uri="{9D8B030D-6E8A-4147-A177-3AD203B41FA5}">
+                      <a16:colId xmlns:a16="http://schemas.microsoft.com/office/drawing/2014/main" val="1835503658"/>
+                    </a:ext>
+                  </a:extLst>
+                </a:gridCol>
+              </a:tblGrid>
+              <a:tr h="457200">
+                <a:tc>
+                  <a:txBody>
+                    <a:bodyPr/>
+                    <a:lstStyle/>
+                    <a:p>
+                      <a:pPr algn="ctr" fontAlgn="b"/>
+                      <a:r>
+                        <a:rPr lang="ko-KR" altLang="en-US" sz="800" u="none" strike="noStrike" dirty="0">
+                          <a:effectLst/>
+                          <a:latin typeface="Adobe Clean" panose="020B0503020404020204" pitchFamily="34" charset="0"/>
+                        </a:rPr>
+                        <a:t>아키텍처 검토 </a:t>
+                      </a:r>
+                      <a:r>
+                        <a:rPr lang="en-US" altLang="ko-KR" sz="800" u="none" strike="noStrike" dirty="0">
+                          <a:effectLst/>
+                          <a:latin typeface="Adobe Clean" panose="020B0503020404020204" pitchFamily="34" charset="0"/>
+                        </a:rPr>
+                        <a:t>+ </a:t>
+                      </a:r>
+                      <a:r>
+                        <a:rPr lang="ko-KR" altLang="en-US" sz="800" u="none" strike="noStrike" dirty="0">
+                          <a:effectLst/>
+                          <a:latin typeface="Adobe Clean" panose="020B0503020404020204" pitchFamily="34" charset="0"/>
+                        </a:rPr>
+                        <a:t>가이드</a:t>
+                      </a:r>
+                      <a:endParaRPr lang="ko-KR" altLang="en-US" sz="800" b="0" i="0" u="none" strike="noStrike" dirty="0">
+                        <a:solidFill>
+                          <a:srgbClr val="000000"/>
+                        </a:solidFill>
+                        <a:effectLst/>
+                        <a:latin typeface="Adobe Clean" panose="020B0503020404020204" pitchFamily="34" charset="0"/>
+                      </a:endParaRPr>
+                    </a:p>
+                  </a:txBody>
+                  <a:tcPr marL="9525" marR="9525" marT="9525" marB="0">
+                    <a:solidFill>
+                      <a:schemeClr val="bg1"/>
+                    </a:solidFill>
+                  </a:tcPr>
+                </a:tc>
+                <a:extLst>
+                  <a:ext uri="{0D108BD9-81ED-4DB2-BD59-A6C34878D82A}">
+                    <a16:rowId xmlns:a16="http://schemas.microsoft.com/office/drawing/2014/main" val="2771767287"/>
+                  </a:ext>
+                </a:extLst>
+              </a:tr>
+            </a:tbl>
+          </a:graphicData>
+        </a:graphic>
+      </p:graphicFrame>
+      <p:graphicFrame>
+        <p:nvGraphicFramePr>
+          <p:cNvPr id="62" name="Table 61">
+            <a:extLst>
+              <a:ext uri="{FF2B5EF4-FFF2-40B4-BE49-F238E27FC236}">
+                <a16:creationId xmlns:a16="http://schemas.microsoft.com/office/drawing/2014/main" id="{008AB672-85A3-BA4C-84B5-23804D5F4380}"/>
+              </a:ext>
+            </a:extLst>
+          </p:cNvPr>
+          <p:cNvGraphicFramePr>
+            <a:graphicFrameLocks noGrp="1"/>
+          </p:cNvGraphicFramePr>
+          <p:nvPr>
+            <p:extLst>
+              <p:ext uri="{D42A27DB-BD31-4B8C-83A1-F6EECF244321}">
+                <p14:modId xmlns:p14="http://schemas.microsoft.com/office/powerpoint/2010/main" val="1948434926"/>
+              </p:ext>
+            </p:extLst>
+          </p:nvPr>
+        </p:nvGraphicFramePr>
+        <p:xfrm>
+          <a:off x="304800" y="8382000"/>
+          <a:ext cx="609600" cy="457200"/>
+        </p:xfrm>
+        <a:graphic>
+          <a:graphicData uri="http://schemas.openxmlformats.org/drawingml/2006/table">
+            <a:tbl>
+              <a:tblPr>
+                <a:tableStyleId>{5C22544A-7EE6-4342-B048-85BDC9FD1C3A}</a:tableStyleId>
+              </a:tblPr>
+              <a:tblGrid>
+                <a:gridCol w="609600">
+                  <a:extLst>
+                    <a:ext uri="{9D8B030D-6E8A-4147-A177-3AD203B41FA5}">
+                      <a16:colId xmlns:a16="http://schemas.microsoft.com/office/drawing/2014/main" val="1835503658"/>
+                    </a:ext>
+                  </a:extLst>
+                </a:gridCol>
+              </a:tblGrid>
+              <a:tr h="457200">
+                <a:tc>
+                  <a:txBody>
+                    <a:bodyPr/>
+                    <a:lstStyle/>
+                    <a:p>
+                      <a:pPr algn="ctr" fontAlgn="b"/>
+                      <a:r>
+                        <a:rPr lang="ko-KR" altLang="en-US" sz="800" u="none" strike="noStrike" dirty="0">
+                          <a:effectLst/>
+                          <a:latin typeface="Adobe Clean" panose="020B0503020404020204" pitchFamily="34" charset="0"/>
+                        </a:rPr>
+                        <a:t>프로젝트 </a:t>
+                      </a:r>
+                      <a:r>
+                        <a:rPr lang="ko-KR" altLang="en-US" sz="800" u="none" strike="noStrike" dirty="0" err="1">
+                          <a:effectLst/>
+                          <a:latin typeface="Adobe Clean" panose="020B0503020404020204" pitchFamily="34" charset="0"/>
+                        </a:rPr>
+                        <a:t>로드맵</a:t>
+                      </a:r>
+                      <a:r>
+                        <a:rPr lang="ko-KR" altLang="en-US" sz="800" u="none" strike="noStrike" dirty="0">
+                          <a:effectLst/>
+                          <a:latin typeface="Adobe Clean" panose="020B0503020404020204" pitchFamily="34" charset="0"/>
+                        </a:rPr>
+                        <a:t> </a:t>
+                      </a:r>
+                      <a:r>
+                        <a:rPr lang="en-US" altLang="ko-KR" sz="800" u="none" strike="noStrike" dirty="0">
+                          <a:effectLst/>
+                          <a:latin typeface="Adobe Clean" panose="020B0503020404020204" pitchFamily="34" charset="0"/>
+                        </a:rPr>
+                        <a:t>+ </a:t>
+                      </a:r>
+                      <a:r>
+                        <a:rPr lang="ko-KR" altLang="en-US" sz="800" u="none" strike="noStrike" dirty="0">
+                          <a:effectLst/>
+                          <a:latin typeface="Adobe Clean" panose="020B0503020404020204" pitchFamily="34" charset="0"/>
+                        </a:rPr>
+                        <a:t>계획 수립</a:t>
+                      </a:r>
+                      <a:endParaRPr lang="ko-KR" altLang="en-US" sz="800" b="0" i="0" u="none" strike="noStrike" dirty="0">
+                        <a:solidFill>
+                          <a:srgbClr val="000000"/>
+                        </a:solidFill>
+                        <a:effectLst/>
+                        <a:latin typeface="Adobe Clean" panose="020B0503020404020204" pitchFamily="34" charset="0"/>
+                      </a:endParaRPr>
+                    </a:p>
+                  </a:txBody>
+                  <a:tcPr marL="9525" marR="9525" marT="9525" marB="0">
+                    <a:solidFill>
+                      <a:schemeClr val="bg1"/>
+                    </a:solidFill>
+                  </a:tcPr>
+                </a:tc>
+                <a:extLst>
+                  <a:ext uri="{0D108BD9-81ED-4DB2-BD59-A6C34878D82A}">
+                    <a16:rowId xmlns:a16="http://schemas.microsoft.com/office/drawing/2014/main" val="2771767287"/>
+                  </a:ext>
+                </a:extLst>
+              </a:tr>
+            </a:tbl>
+          </a:graphicData>
+        </a:graphic>
+      </p:graphicFrame>
+      <p:graphicFrame>
+        <p:nvGraphicFramePr>
+          <p:cNvPr id="69" name="Table 68">
+            <a:extLst>
+              <a:ext uri="{FF2B5EF4-FFF2-40B4-BE49-F238E27FC236}">
+                <a16:creationId xmlns:a16="http://schemas.microsoft.com/office/drawing/2014/main" id="{6870FE33-279D-CC49-BD44-B255BAC35152}"/>
+              </a:ext>
+            </a:extLst>
+          </p:cNvPr>
+          <p:cNvGraphicFramePr>
+            <a:graphicFrameLocks noGrp="1"/>
+          </p:cNvGraphicFramePr>
+          <p:nvPr>
+            <p:extLst>
+              <p:ext uri="{D42A27DB-BD31-4B8C-83A1-F6EECF244321}">
+                <p14:modId xmlns:p14="http://schemas.microsoft.com/office/powerpoint/2010/main" val="2416758960"/>
+              </p:ext>
+            </p:extLst>
+          </p:nvPr>
+        </p:nvGraphicFramePr>
+        <p:xfrm>
+          <a:off x="609600" y="7239000"/>
+          <a:ext cx="609600" cy="457200"/>
+        </p:xfrm>
+        <a:graphic>
+          <a:graphicData uri="http://schemas.openxmlformats.org/drawingml/2006/table">
+            <a:tbl>
+              <a:tblPr>
+                <a:tableStyleId>{5C22544A-7EE6-4342-B048-85BDC9FD1C3A}</a:tableStyleId>
+              </a:tblPr>
+              <a:tblGrid>
+                <a:gridCol w="609600">
+                  <a:extLst>
+                    <a:ext uri="{9D8B030D-6E8A-4147-A177-3AD203B41FA5}">
+                      <a16:colId xmlns:a16="http://schemas.microsoft.com/office/drawing/2014/main" val="1835503658"/>
+                    </a:ext>
+                  </a:extLst>
+                </a:gridCol>
+              </a:tblGrid>
+              <a:tr h="457200">
+                <a:tc>
+                  <a:txBody>
+                    <a:bodyPr/>
+                    <a:lstStyle/>
+                    <a:p>
+                      <a:pPr algn="ctr" fontAlgn="b"/>
+                      <a:r>
+                        <a:rPr lang="ko-KR" altLang="en-US" sz="800" u="none" strike="noStrike" dirty="0">
+                          <a:effectLst/>
+                          <a:latin typeface="Adobe Clean" panose="020B0503020404020204" pitchFamily="34" charset="0"/>
+                        </a:rPr>
+                        <a:t>수천 번의 배포를 통한 경험 </a:t>
+                      </a:r>
+                      <a:r>
+                        <a:rPr lang="en-US" altLang="ko-KR" sz="800" u="none" strike="noStrike" dirty="0">
+                          <a:effectLst/>
+                          <a:latin typeface="Adobe Clean" panose="020B0503020404020204" pitchFamily="34" charset="0"/>
+                        </a:rPr>
+                        <a:t>+ </a:t>
+                      </a:r>
+                      <a:r>
+                        <a:rPr lang="ko-KR" altLang="en-US" sz="800" u="none" strike="noStrike" dirty="0">
+                          <a:effectLst/>
+                          <a:latin typeface="Adobe Clean" panose="020B0503020404020204" pitchFamily="34" charset="0"/>
+                        </a:rPr>
+                        <a:t>통합</a:t>
+                      </a:r>
+                      <a:endParaRPr lang="ko-KR" altLang="en-US" sz="800" b="0" i="0" u="none" strike="noStrike" dirty="0">
+                        <a:solidFill>
+                          <a:srgbClr val="000000"/>
+                        </a:solidFill>
+                        <a:effectLst/>
+                        <a:latin typeface="Adobe Clean" panose="020B0503020404020204" pitchFamily="34" charset="0"/>
+                      </a:endParaRPr>
+                    </a:p>
+                  </a:txBody>
+                  <a:tcPr marL="9525" marR="9525" marT="9525" marB="0">
+                    <a:solidFill>
+                      <a:schemeClr val="bg1"/>
+                    </a:solidFill>
+                  </a:tcPr>
+                </a:tc>
+                <a:extLst>
+                  <a:ext uri="{0D108BD9-81ED-4DB2-BD59-A6C34878D82A}">
+                    <a16:rowId xmlns:a16="http://schemas.microsoft.com/office/drawing/2014/main" val="2771767287"/>
+                  </a:ext>
+                </a:extLst>
+              </a:tr>
+            </a:tbl>
+          </a:graphicData>
+        </a:graphic>
+      </p:graphicFrame>
     </p:spTree>
     <p:extLst>
       <p:ext uri="{BB962C8B-B14F-4D97-AF65-F5344CB8AC3E}">
@@ -15296,17 +14354,17 @@
               </a:lnSpc>
             </a:pPr>
             <a:r>
-              <a:rPr sz="500" spc="-5" dirty="0">
+              <a:rPr lang="de-de" sz="500" spc="-5" dirty="0">
                 <a:solidFill>
                   <a:srgbClr val="6C6C6C"/>
                 </a:solidFill>
                 <a:latin typeface="Adobe Clean"/>
                 <a:cs typeface="Adobe Clean"/>
               </a:rPr>
-              <a:t>©2020 Adobe. All Rights Reserved. </a:t>
-            </a:r>
-            <a:r>
-              <a:rPr sz="500" dirty="0">
+              <a:t>© 2020 Adobe.  All Rights Reserved. </a:t>
+            </a:r>
+            <a:r>
+              <a:rPr lang="de-de" sz="500" dirty="0">
                 <a:solidFill>
                   <a:srgbClr val="6C6C6C"/>
                 </a:solidFill>
@@ -15316,7 +14374,7 @@
               <a:t>Adobe</a:t>
             </a:r>
             <a:r>
-              <a:rPr sz="500" spc="5" dirty="0">
+              <a:rPr lang="de-de" sz="500" spc="5" dirty="0">
                 <a:solidFill>
                   <a:srgbClr val="6C6C6C"/>
                 </a:solidFill>
@@ -15326,14 +14384,14 @@
               <a:t> </a:t>
             </a:r>
             <a:r>
-              <a:rPr sz="500" spc="-5" dirty="0">
+              <a:rPr lang="de-de" sz="500" spc="-5" dirty="0">
                 <a:solidFill>
                   <a:srgbClr val="6C6C6C"/>
                 </a:solidFill>
                 <a:latin typeface="Adobe Clean"/>
                 <a:cs typeface="Adobe Clean"/>
               </a:rPr>
-              <a:t>Confidential.</a:t>
+              <a:t>기밀.</a:t>
             </a:r>
             <a:endParaRPr sz="500">
               <a:latin typeface="Adobe Clean"/>
@@ -15364,17 +14422,17 @@
               </a:spcBef>
             </a:pPr>
             <a:r>
-              <a:rPr sz="800" spc="-5" dirty="0">
+              <a:rPr lang="de-de" sz="800" spc="-5" dirty="0">
                 <a:solidFill>
                   <a:srgbClr val="6D6D6D"/>
                 </a:solidFill>
                 <a:latin typeface="Adobe Clean"/>
                 <a:cs typeface="Adobe Clean"/>
               </a:rPr>
-              <a:t>©2020 Adobe. All Rights Reserved. Adobe</a:t>
-            </a:r>
-            <a:r>
-              <a:rPr sz="800" spc="75" dirty="0">
+              <a:t>© 2020 Adobe.  All Rights Reserved. Adobe</a:t>
+            </a:r>
+            <a:r>
+              <a:rPr lang="de-de" sz="800" spc="75" dirty="0">
                 <a:solidFill>
                   <a:srgbClr val="6D6D6D"/>
                 </a:solidFill>
@@ -15384,14 +14442,14 @@
               <a:t> </a:t>
             </a:r>
             <a:r>
-              <a:rPr sz="800" spc="-5" dirty="0">
+              <a:rPr lang="de-de" sz="800" spc="-5" dirty="0">
                 <a:solidFill>
                   <a:srgbClr val="6D6D6D"/>
                 </a:solidFill>
                 <a:latin typeface="Adobe Clean"/>
                 <a:cs typeface="Adobe Clean"/>
               </a:rPr>
-              <a:t>Confidential.</a:t>
+              <a:t>기밀.</a:t>
             </a:r>
             <a:endParaRPr sz="800">
               <a:latin typeface="Adobe Clean"/>
@@ -15480,14 +14538,14 @@
               </a:spcBef>
             </a:pPr>
             <a:r>
-              <a:rPr lang="en-US" sz="1400" b="1" spc="-15" dirty="0">
+              <a:rPr lang="de-de" sz="1400" b="1" spc="-15" dirty="0">
                 <a:solidFill>
                   <a:srgbClr val="020302"/>
                 </a:solidFill>
                 <a:latin typeface="Adobe Clean"/>
                 <a:cs typeface="Adobe Clean"/>
               </a:rPr>
-              <a:t>Resources</a:t>
+              <a:t>리소스</a:t>
             </a:r>
             <a:endParaRPr sz="1400" dirty="0">
               <a:latin typeface="Adobe Clean"/>
@@ -15526,7 +14584,7 @@
               </a:spcBef>
             </a:pPr>
             <a:r>
-              <a:rPr sz="800" spc="-15" dirty="0">
+              <a:rPr lang="de-de" sz="800" spc="-15" dirty="0">
                 <a:solidFill>
                   <a:srgbClr val="777879"/>
                 </a:solidFill>
@@ -15547,7 +14605,7 @@
               </a:lnSpc>
             </a:pPr>
             <a:r>
-              <a:rPr sz="800" spc="-15" dirty="0">
+              <a:rPr lang="de-de" sz="800" spc="-15" dirty="0">
                 <a:solidFill>
                   <a:srgbClr val="777879"/>
                 </a:solidFill>
@@ -15557,7 +14615,7 @@
               <a:t>345 Park</a:t>
             </a:r>
             <a:r>
-              <a:rPr sz="800" spc="-100" dirty="0">
+              <a:rPr lang="de-de" sz="800" spc="-100" dirty="0">
                 <a:solidFill>
                   <a:srgbClr val="777879"/>
                 </a:solidFill>
@@ -15567,7 +14625,7 @@
               <a:t> </a:t>
             </a:r>
             <a:r>
-              <a:rPr sz="800" spc="-15" dirty="0">
+              <a:rPr lang="de-de" sz="800" spc="-15" dirty="0">
                 <a:solidFill>
                   <a:srgbClr val="777879"/>
                 </a:solidFill>
@@ -15588,7 +14646,7 @@
               </a:lnSpc>
             </a:pPr>
             <a:r>
-              <a:rPr sz="800" spc="-10" dirty="0">
+              <a:rPr lang="de-de" sz="800" spc="-10" dirty="0">
                 <a:solidFill>
                   <a:srgbClr val="777879"/>
                 </a:solidFill>
@@ -15598,7 +14656,7 @@
               <a:t>San </a:t>
             </a:r>
             <a:r>
-              <a:rPr sz="800" spc="-15" dirty="0">
+              <a:rPr lang="de-de" sz="800" spc="-15" dirty="0">
                 <a:solidFill>
                   <a:srgbClr val="777879"/>
                 </a:solidFill>
@@ -15608,7 +14666,7 @@
               <a:t>Jose,</a:t>
             </a:r>
             <a:r>
-              <a:rPr sz="800" spc="-140" dirty="0">
+              <a:rPr lang="de-de" sz="800" spc="-140" dirty="0">
                 <a:solidFill>
                   <a:srgbClr val="777879"/>
                 </a:solidFill>
@@ -15618,7 +14676,7 @@
               <a:t> </a:t>
             </a:r>
             <a:r>
-              <a:rPr sz="800" spc="-20" dirty="0">
+              <a:rPr lang="de-de" sz="800" spc="-20" dirty="0">
                 <a:solidFill>
                   <a:srgbClr val="777879"/>
                 </a:solidFill>
@@ -15642,7 +14700,7 @@
               </a:spcBef>
             </a:pPr>
             <a:r>
-              <a:rPr sz="800" spc="-10" dirty="0">
+              <a:rPr lang="de-de" sz="800" spc="-10" dirty="0">
                 <a:solidFill>
                   <a:srgbClr val="777879"/>
                 </a:solidFill>
@@ -15666,7 +14724,7 @@
               </a:spcBef>
             </a:pPr>
             <a:r>
-              <a:rPr sz="800" u="sng" spc="-25" dirty="0">
+              <a:rPr lang="de-de" sz="800" u="sng" spc="-25" dirty="0">
                 <a:solidFill>
                   <a:srgbClr val="5F5F5F"/>
                 </a:solidFill>
@@ -15679,7 +14737,7 @@
                 <a:cs typeface="Adobe Clean"/>
                 <a:hlinkClick r:id="rId3"/>
               </a:rPr>
-              <a:t>www.adobe.com</a:t>
+              <a:t>www.adobe.com/kr/</a:t>
             </a:r>
             <a:endParaRPr sz="800">
               <a:latin typeface="Adobe Clean"/>
@@ -15859,17 +14917,17 @@
               </a:spcBef>
             </a:pPr>
             <a:r>
-              <a:rPr sz="1100" i="1" spc="-10" dirty="0">
+              <a:rPr lang="de-de" sz="1100" i="1" spc="-10" dirty="0">
                 <a:solidFill>
                   <a:srgbClr val="777879"/>
                 </a:solidFill>
                 <a:latin typeface="AdobeClean-LightIt"/>
                 <a:cs typeface="AdobeClean-LightIt"/>
               </a:rPr>
-              <a:t>To</a:t>
-            </a:r>
-            <a:r>
-              <a:rPr sz="1100" i="1" spc="-50" dirty="0">
+              <a:t>Adobe</a:t>
+            </a:r>
+            <a:r>
+              <a:rPr lang="de-de" sz="1100" i="1" spc="-50" dirty="0">
                 <a:solidFill>
                   <a:srgbClr val="777879"/>
                 </a:solidFill>
@@ -15879,17 +14937,17 @@
               <a:t> </a:t>
             </a:r>
             <a:r>
-              <a:rPr sz="1100" i="1" spc="-15" dirty="0">
+              <a:rPr lang="de-de" sz="1100" i="1" spc="-15" dirty="0">
                 <a:solidFill>
                   <a:srgbClr val="777879"/>
                 </a:solidFill>
                 <a:latin typeface="AdobeClean-LightIt"/>
                 <a:cs typeface="AdobeClean-LightIt"/>
               </a:rPr>
-              <a:t>learn</a:t>
-            </a:r>
-            <a:r>
-              <a:rPr sz="1100" i="1" spc="-40" dirty="0">
+              <a:t>지원</a:t>
+            </a:r>
+            <a:r>
+              <a:rPr lang="de-de" sz="1100" i="1" spc="-40" dirty="0">
                 <a:solidFill>
                   <a:srgbClr val="777879"/>
                 </a:solidFill>
@@ -15899,17 +14957,17 @@
               <a:t> </a:t>
             </a:r>
             <a:r>
-              <a:rPr sz="1100" i="1" spc="-15" dirty="0">
+              <a:rPr lang="de-de" sz="1100" i="1" spc="-15" dirty="0">
                 <a:solidFill>
                   <a:srgbClr val="777879"/>
                 </a:solidFill>
                 <a:latin typeface="AdobeClean-LightIt"/>
                 <a:cs typeface="AdobeClean-LightIt"/>
               </a:rPr>
-              <a:t>more</a:t>
-            </a:r>
-            <a:r>
-              <a:rPr sz="1100" i="1" spc="-45" dirty="0">
+              <a:t>서비스</a:t>
+            </a:r>
+            <a:r>
+              <a:rPr lang="de-de" sz="1100" i="1" spc="-45" dirty="0">
                 <a:solidFill>
                   <a:srgbClr val="777879"/>
                 </a:solidFill>
@@ -15919,17 +14977,17 @@
               <a:t> </a:t>
             </a:r>
             <a:r>
-              <a:rPr sz="1100" i="1" spc="-15" dirty="0">
+              <a:rPr lang="de-de" sz="1100" i="1" spc="-15" dirty="0">
                 <a:solidFill>
                   <a:srgbClr val="777879"/>
                 </a:solidFill>
                 <a:latin typeface="AdobeClean-LightIt"/>
                 <a:cs typeface="AdobeClean-LightIt"/>
               </a:rPr>
-              <a:t>about</a:t>
-            </a:r>
-            <a:r>
-              <a:rPr sz="1100" i="1" spc="-45" dirty="0">
+              <a:t>제공</a:t>
+            </a:r>
+            <a:r>
+              <a:rPr lang="de-de" sz="1100" i="1" spc="-45" dirty="0">
                 <a:solidFill>
                   <a:srgbClr val="777879"/>
                 </a:solidFill>
@@ -15939,17 +14997,17 @@
               <a:t> </a:t>
             </a:r>
             <a:r>
-              <a:rPr sz="1100" i="1" spc="-15" dirty="0">
+              <a:rPr lang="de-de" sz="1100" i="1" spc="-15" dirty="0">
                 <a:solidFill>
                   <a:srgbClr val="777879"/>
                 </a:solidFill>
                 <a:latin typeface="AdobeClean-LightIt"/>
                 <a:cs typeface="AdobeClean-LightIt"/>
               </a:rPr>
-              <a:t>Adobe</a:t>
-            </a:r>
-            <a:r>
-              <a:rPr sz="1100" i="1" spc="-60" dirty="0">
+              <a:t>사항</a:t>
+            </a:r>
+            <a:r>
+              <a:rPr lang="de-de" sz="1100" i="1" spc="-60" dirty="0">
                 <a:solidFill>
                   <a:srgbClr val="777879"/>
                 </a:solidFill>
@@ -15959,27 +15017,27 @@
               <a:t> </a:t>
             </a:r>
             <a:r>
-              <a:rPr sz="1100" i="1" spc="-15" dirty="0">
+              <a:rPr lang="de-de" sz="1100" i="1" spc="-15" dirty="0">
                 <a:solidFill>
                   <a:srgbClr val="777879"/>
                 </a:solidFill>
                 <a:latin typeface="AdobeClean-LightIt"/>
                 <a:cs typeface="AdobeClean-LightIt"/>
               </a:rPr>
-              <a:t>Support</a:t>
-            </a:r>
-            <a:r>
-              <a:rPr lang="en-US" sz="1100" i="1" spc="-15" dirty="0">
+              <a:t>및 </a:t>
+            </a:r>
+            <a:r>
+              <a:rPr lang="de-de" sz="1100" i="1" spc="-75" dirty="0">
                 <a:solidFill>
                   <a:srgbClr val="777879"/>
                 </a:solidFill>
                 <a:latin typeface="AdobeClean-LightIt"/>
                 <a:cs typeface="AdobeClean-LightIt"/>
               </a:rPr>
-              <a:t> Offerings</a:t>
-            </a:r>
-            <a:r>
-              <a:rPr sz="1100" i="1" spc="-75" dirty="0">
+              <a:t>적합한</a:t>
+            </a:r>
+            <a:r>
+              <a:rPr lang="de-de" sz="1100" i="1" spc="-15" dirty="0">
                 <a:solidFill>
                   <a:srgbClr val="777879"/>
                 </a:solidFill>
@@ -15989,17 +15047,17 @@
               <a:t> </a:t>
             </a:r>
             <a:r>
-              <a:rPr sz="1100" i="1" spc="-15" dirty="0">
+              <a:rPr lang="de-de" sz="1100" i="1" spc="-50" dirty="0">
                 <a:solidFill>
                   <a:srgbClr val="777879"/>
                 </a:solidFill>
                 <a:latin typeface="AdobeClean-LightIt"/>
                 <a:cs typeface="AdobeClean-LightIt"/>
               </a:rPr>
-              <a:t>and</a:t>
-            </a:r>
-            <a:r>
-              <a:rPr sz="1100" i="1" spc="-50" dirty="0">
+              <a:t>지원</a:t>
+            </a:r>
+            <a:r>
+              <a:rPr lang="de-de" sz="1100" i="1" spc="-15" dirty="0">
                 <a:solidFill>
                   <a:srgbClr val="777879"/>
                 </a:solidFill>
@@ -16009,17 +15067,17 @@
               <a:t> </a:t>
             </a:r>
             <a:r>
-              <a:rPr sz="1100" i="1" spc="-15" dirty="0">
+              <a:rPr lang="de-de" sz="1100" i="1" spc="-55" dirty="0">
                 <a:solidFill>
                   <a:srgbClr val="777879"/>
                 </a:solidFill>
                 <a:latin typeface="AdobeClean-LightIt"/>
                 <a:cs typeface="AdobeClean-LightIt"/>
               </a:rPr>
-              <a:t>the</a:t>
-            </a:r>
-            <a:r>
-              <a:rPr sz="1100" i="1" spc="-55" dirty="0">
+              <a:t>수준에</a:t>
+            </a:r>
+            <a:r>
+              <a:rPr lang="de-de" sz="1100" i="1" spc="-15" dirty="0">
                 <a:solidFill>
                   <a:srgbClr val="777879"/>
                 </a:solidFill>
@@ -16029,17 +15087,17 @@
               <a:t> </a:t>
             </a:r>
             <a:r>
-              <a:rPr sz="1100" i="1" spc="-15" dirty="0">
+              <a:rPr lang="de-de" sz="1100" i="1" spc="-95" dirty="0">
                 <a:solidFill>
                   <a:srgbClr val="777879"/>
                 </a:solidFill>
                 <a:latin typeface="AdobeClean-LightIt"/>
                 <a:cs typeface="AdobeClean-LightIt"/>
               </a:rPr>
-              <a:t>right</a:t>
-            </a:r>
-            <a:r>
-              <a:rPr sz="1100" i="1" spc="-95" dirty="0">
+              <a:t>대해</a:t>
+            </a:r>
+            <a:r>
+              <a:rPr lang="de-de" sz="1100" i="1" spc="-15" dirty="0">
                 <a:solidFill>
                   <a:srgbClr val="777879"/>
                 </a:solidFill>
@@ -16049,17 +15107,17 @@
               <a:t> </a:t>
             </a:r>
             <a:r>
-              <a:rPr sz="1100" i="1" spc="-15" dirty="0">
+              <a:rPr lang="de-de" sz="1100" i="1" spc="-55" dirty="0">
                 <a:solidFill>
                   <a:srgbClr val="777879"/>
                 </a:solidFill>
                 <a:latin typeface="AdobeClean-LightIt"/>
                 <a:cs typeface="AdobeClean-LightIt"/>
               </a:rPr>
-              <a:t>level</a:t>
-            </a:r>
-            <a:r>
-              <a:rPr sz="1100" i="1" spc="-55" dirty="0">
+              <a:t>자세히</a:t>
+            </a:r>
+            <a:r>
+              <a:rPr lang="de-de" sz="1100" i="1" spc="-15" dirty="0">
                 <a:solidFill>
                   <a:srgbClr val="777879"/>
                 </a:solidFill>
@@ -16069,17 +15127,17 @@
               <a:t> </a:t>
             </a:r>
             <a:r>
-              <a:rPr sz="1100" i="1" spc="-15" dirty="0">
+              <a:rPr lang="de-de" sz="1100" i="1" spc="-85" dirty="0">
                 <a:solidFill>
                   <a:srgbClr val="777879"/>
                 </a:solidFill>
                 <a:latin typeface="AdobeClean-LightIt"/>
                 <a:cs typeface="AdobeClean-LightIt"/>
               </a:rPr>
-              <a:t>for</a:t>
-            </a:r>
-            <a:r>
-              <a:rPr sz="1100" i="1" spc="-85" dirty="0">
+              <a:t>알아보려면</a:t>
+            </a:r>
+            <a:r>
+              <a:rPr lang="de-de" sz="1100" i="1" spc="-15" dirty="0">
                 <a:solidFill>
                   <a:srgbClr val="777879"/>
                 </a:solidFill>
@@ -16089,17 +15147,17 @@
               <a:t> </a:t>
             </a:r>
             <a:r>
-              <a:rPr sz="1100" i="1" spc="-15" dirty="0">
+              <a:rPr lang="de-de" sz="1100" i="1" spc="-65" dirty="0">
                 <a:solidFill>
                   <a:srgbClr val="777879"/>
                 </a:solidFill>
                 <a:latin typeface="AdobeClean-LightIt"/>
                 <a:cs typeface="AdobeClean-LightIt"/>
               </a:rPr>
-              <a:t>you,</a:t>
-            </a:r>
-            <a:r>
-              <a:rPr sz="1100" i="1" spc="-65" dirty="0">
+              <a:t>지정</a:t>
+            </a:r>
+            <a:r>
+              <a:rPr lang="de-de" sz="1100" i="1" spc="-15" dirty="0">
                 <a:solidFill>
                   <a:srgbClr val="777879"/>
                 </a:solidFill>
@@ -16109,17 +15167,17 @@
               <a:t> </a:t>
             </a:r>
             <a:r>
-              <a:rPr sz="1100" i="1" spc="-15" dirty="0">
+              <a:rPr lang="de-de" sz="1100" i="1" spc="-85" dirty="0">
                 <a:solidFill>
                   <a:srgbClr val="777879"/>
                 </a:solidFill>
                 <a:latin typeface="AdobeClean-LightIt"/>
                 <a:cs typeface="AdobeClean-LightIt"/>
               </a:rPr>
-              <a:t>contact</a:t>
-            </a:r>
-            <a:r>
-              <a:rPr sz="1100" i="1" spc="-85" dirty="0">
+              <a:t>계정</a:t>
+            </a:r>
+            <a:r>
+              <a:rPr lang="de-de" sz="1100" i="1" spc="-15" dirty="0">
                 <a:solidFill>
                   <a:srgbClr val="777879"/>
                 </a:solidFill>
@@ -16129,17 +15187,17 @@
               <a:t> </a:t>
             </a:r>
             <a:r>
-              <a:rPr sz="1100" i="1" spc="-15" dirty="0">
+              <a:rPr lang="de-de" sz="1100" i="1" spc="-70" dirty="0">
                 <a:solidFill>
                   <a:srgbClr val="777879"/>
                 </a:solidFill>
                 <a:latin typeface="AdobeClean-LightIt"/>
                 <a:cs typeface="AdobeClean-LightIt"/>
               </a:rPr>
-              <a:t>your</a:t>
-            </a:r>
-            <a:r>
-              <a:rPr sz="1100" i="1" spc="-70" dirty="0">
+              <a:t>관리자(NAM)</a:t>
+            </a:r>
+            <a:r>
+              <a:rPr lang="de-de" sz="1100" i="1" spc="-15" dirty="0">
                 <a:solidFill>
                   <a:srgbClr val="777879"/>
                 </a:solidFill>
@@ -16149,17 +15207,17 @@
               <a:t> </a:t>
             </a:r>
             <a:r>
-              <a:rPr sz="1100" i="1" spc="-15" dirty="0">
+              <a:rPr lang="de-de" sz="1100" i="1" spc="-55" dirty="0">
                 <a:solidFill>
                   <a:srgbClr val="777879"/>
                 </a:solidFill>
                 <a:latin typeface="AdobeClean-LightIt"/>
                 <a:cs typeface="AdobeClean-LightIt"/>
               </a:rPr>
-              <a:t>Named</a:t>
-            </a:r>
-            <a:r>
-              <a:rPr sz="1100" i="1" spc="-55" dirty="0">
+              <a:t>또는</a:t>
+            </a:r>
+            <a:r>
+              <a:rPr lang="de-de" sz="1100" i="1" spc="-25" dirty="0">
                 <a:solidFill>
                   <a:srgbClr val="777879"/>
                 </a:solidFill>
@@ -16169,17 +15227,17 @@
               <a:t> </a:t>
             </a:r>
             <a:r>
-              <a:rPr sz="1100" i="1" spc="-25" dirty="0">
+              <a:rPr lang="de-de" sz="1100" i="1" spc="-120" dirty="0">
                 <a:solidFill>
                   <a:srgbClr val="777879"/>
                 </a:solidFill>
                 <a:latin typeface="AdobeClean-LightIt"/>
                 <a:cs typeface="AdobeClean-LightIt"/>
               </a:rPr>
-              <a:t>Account</a:t>
-            </a:r>
-            <a:r>
-              <a:rPr sz="1100" i="1" spc="-120" dirty="0">
+              <a:t>고객</a:t>
+            </a:r>
+            <a:r>
+              <a:rPr lang="de-de" sz="1100" i="1" spc="-20" dirty="0">
                 <a:solidFill>
                   <a:srgbClr val="777879"/>
                 </a:solidFill>
@@ -16189,74 +15247,54 @@
               <a:t> </a:t>
             </a:r>
             <a:r>
-              <a:rPr sz="1100" i="1" spc="-20" dirty="0">
+              <a:rPr lang="de-de" sz="1100" i="1" spc="-15" dirty="0">
                 <a:solidFill>
                   <a:srgbClr val="777879"/>
                 </a:solidFill>
                 <a:latin typeface="AdobeClean-LightIt"/>
                 <a:cs typeface="AdobeClean-LightIt"/>
               </a:rPr>
-              <a:t>Manager  </a:t>
-            </a:r>
-            <a:r>
-              <a:rPr sz="1100" i="1" spc="-15" dirty="0">
+              <a:t>성공</a:t>
+            </a:r>
+            <a:r>
+              <a:rPr lang="de-de" sz="1100" i="1" spc="-10" dirty="0">
                 <a:solidFill>
                   <a:srgbClr val="777879"/>
                 </a:solidFill>
                 <a:latin typeface="AdobeClean-LightIt"/>
                 <a:cs typeface="AdobeClean-LightIt"/>
               </a:rPr>
-              <a:t>(NAM) </a:t>
-            </a:r>
-            <a:r>
-              <a:rPr sz="1100" i="1" spc="-10" dirty="0">
+              <a:t> </a:t>
+            </a:r>
+            <a:r>
+              <a:rPr lang="de-de" sz="1100" i="1" spc="-15" dirty="0">
                 <a:solidFill>
                   <a:srgbClr val="777879"/>
                 </a:solidFill>
                 <a:latin typeface="AdobeClean-LightIt"/>
                 <a:cs typeface="AdobeClean-LightIt"/>
               </a:rPr>
-              <a:t>or </a:t>
-            </a:r>
-            <a:r>
-              <a:rPr sz="1100" i="1" spc="-15" dirty="0">
+              <a:t>관리자(CSM)에게</a:t>
+            </a:r>
+            <a:r>
+              <a:rPr lang="de-de" sz="1100" i="1" spc="-20" dirty="0">
                 <a:solidFill>
                   <a:srgbClr val="777879"/>
                 </a:solidFill>
                 <a:latin typeface="AdobeClean-LightIt"/>
                 <a:cs typeface="AdobeClean-LightIt"/>
               </a:rPr>
-              <a:t>Customer </a:t>
-            </a:r>
-            <a:r>
-              <a:rPr sz="1100" i="1" spc="-20" dirty="0">
+              <a:t> </a:t>
+            </a:r>
+            <a:r>
+              <a:rPr lang="de-de" sz="1100" i="1" spc="-180" dirty="0">
                 <a:solidFill>
                   <a:srgbClr val="777879"/>
                 </a:solidFill>
                 <a:latin typeface="AdobeClean-LightIt"/>
                 <a:cs typeface="AdobeClean-LightIt"/>
               </a:rPr>
-              <a:t>Success</a:t>
-            </a:r>
-            <a:r>
-              <a:rPr sz="1100" i="1" spc="-180" dirty="0">
-                <a:solidFill>
-                  <a:srgbClr val="777879"/>
-                </a:solidFill>
-                <a:latin typeface="AdobeClean-LightIt"/>
-                <a:cs typeface="AdobeClean-LightIt"/>
-              </a:rPr>
-              <a:t> </a:t>
-            </a:r>
-            <a:r>
-              <a:rPr sz="1100" i="1" spc="-15" dirty="0">
-                <a:solidFill>
-                  <a:srgbClr val="777879"/>
-                </a:solidFill>
-                <a:latin typeface="AdobeClean-LightIt"/>
-                <a:cs typeface="AdobeClean-LightIt"/>
-              </a:rPr>
-              <a:t>Manager(CSM)</a:t>
+              <a:t>문의하십시오.</a:t>
             </a:r>
             <a:endParaRPr sz="1100" dirty="0">
               <a:latin typeface="AdobeClean-LightIt"/>
@@ -16273,54 +15311,34 @@
               </a:spcBef>
             </a:pPr>
             <a:r>
-              <a:rPr sz="800" spc="-5" dirty="0">
+              <a:rPr lang="de-de" sz="800" spc="-5" dirty="0">
                 <a:solidFill>
                   <a:srgbClr val="6D6D6D"/>
                 </a:solidFill>
                 <a:latin typeface="Adobe Clean"/>
                 <a:cs typeface="Adobe Clean"/>
               </a:rPr>
-              <a:t>©202</a:t>
-            </a:r>
-            <a:r>
-              <a:rPr lang="en-US" sz="800" spc="-5" dirty="0">
+              <a:t>©2021 Adobe. All Rights Reserved. Adobe</a:t>
+            </a:r>
+            <a:r>
+              <a:rPr lang="de-de" sz="800" spc="75" dirty="0">
                 <a:solidFill>
                   <a:srgbClr val="6D6D6D"/>
                 </a:solidFill>
                 <a:latin typeface="Adobe Clean"/>
                 <a:cs typeface="Adobe Clean"/>
               </a:rPr>
-              <a:t>1</a:t>
-            </a:r>
-            <a:r>
-              <a:rPr sz="800" spc="-5" dirty="0">
+              <a:t> </a:t>
+            </a:r>
+            <a:r>
+              <a:rPr lang="de-de" sz="800" spc="-5" dirty="0">
                 <a:solidFill>
                   <a:srgbClr val="6D6D6D"/>
                 </a:solidFill>
                 <a:latin typeface="Adobe Clean"/>
                 <a:cs typeface="Adobe Clean"/>
               </a:rPr>
-              <a:t> Adobe. All Rights Reserved. Adobe</a:t>
-            </a:r>
-            <a:r>
-              <a:rPr sz="800" spc="75" dirty="0">
-                <a:solidFill>
-                  <a:srgbClr val="6D6D6D"/>
-                </a:solidFill>
-                <a:latin typeface="Adobe Clean"/>
-                <a:cs typeface="Adobe Clean"/>
-              </a:rPr>
-              <a:t> </a:t>
-            </a:r>
-            <a:r>
-              <a:rPr sz="800" spc="-5" dirty="0">
-                <a:solidFill>
-                  <a:srgbClr val="6D6D6D"/>
-                </a:solidFill>
-                <a:latin typeface="Adobe Clean"/>
-                <a:cs typeface="Adobe Clean"/>
-              </a:rPr>
-              <a:t>Confidential.</a:t>
+              <a:t>기밀.</a:t>
             </a:r>
             <a:endParaRPr sz="800" dirty="0">
               <a:latin typeface="Adobe Clean"/>
@@ -16343,55 +15361,163 @@
         </p:nvSpPr>
         <p:spPr>
           <a:xfrm>
-            <a:off x="184181" y="4900727"/>
-            <a:ext cx="7396804" cy="769030"/>
+            <a:off x="171129" y="5057379"/>
+            <a:ext cx="6476646" cy="755976"/>
           </a:xfrm>
           <a:prstGeom prst="rect">
             <a:avLst/>
           </a:prstGeom>
         </p:spPr>
         <p:txBody>
-          <a:bodyPr vert="horz" wrap="square" lIns="0" tIns="116205" rIns="0" bIns="0" rtlCol="0" anchor="t">
+          <a:bodyPr vert="horz" wrap="square" lIns="0" tIns="116205" rIns="0" bIns="0" rtlCol="0">
             <a:spAutoFit/>
           </a:bodyPr>
           <a:lstStyle/>
           <a:p>
-            <a:pPr>
+            <a:pPr lvl="0">
               <a:spcBef>
                 <a:spcPts val="915"/>
               </a:spcBef>
             </a:pPr>
             <a:r>
-              <a:rPr lang="en-US" sz="1400" b="1" spc="-15" dirty="0">
+              <a:rPr lang="en-US" altLang="ko-KR" sz="1400" b="1" spc="-15" dirty="0">
                 <a:solidFill>
                   <a:srgbClr val="020302"/>
                 </a:solidFill>
                 <a:latin typeface="Adobe Clean"/>
                 <a:cs typeface="Adobe Clean"/>
               </a:rPr>
-              <a:t>Regional scope of Adobe Support, Local Hours Of Operation And Language Support</a:t>
-            </a:r>
-            <a:endParaRPr lang="en-US" sz="1400" spc="-15" dirty="0">
-              <a:ea typeface="+mn-lt"/>
-              <a:cs typeface="+mn-lt"/>
+              <a:t>Adobe </a:t>
+            </a:r>
+            <a:r>
+              <a:rPr lang="ko-KR" altLang="en-US" sz="1400" b="1" spc="-15" dirty="0">
+                <a:solidFill>
+                  <a:srgbClr val="020302"/>
+                </a:solidFill>
+                <a:latin typeface="Adobe Clean"/>
+                <a:cs typeface="Adobe Clean"/>
+              </a:rPr>
+              <a:t>지원의 지역적 범위</a:t>
+            </a:r>
+            <a:r>
+              <a:rPr lang="en-US" altLang="ko-KR" sz="1400" b="1" spc="-15" dirty="0">
+                <a:solidFill>
+                  <a:srgbClr val="020302"/>
+                </a:solidFill>
+                <a:latin typeface="Adobe Clean"/>
+                <a:cs typeface="Adobe Clean"/>
+              </a:rPr>
+              <a:t>, </a:t>
+            </a:r>
+            <a:r>
+              <a:rPr lang="ko-KR" altLang="en-US" sz="1400" b="1" spc="-15" dirty="0">
+                <a:solidFill>
+                  <a:srgbClr val="020302"/>
+                </a:solidFill>
+                <a:latin typeface="Adobe Clean"/>
+                <a:cs typeface="Adobe Clean"/>
+              </a:rPr>
+              <a:t>로컬 운영 시간 및 언어 지원</a:t>
+            </a:r>
+            <a:endParaRPr lang="pl-PL" altLang="ko-KR" sz="1400" b="1" spc="-15" dirty="0">
+              <a:solidFill>
+                <a:srgbClr val="020302"/>
+              </a:solidFill>
+              <a:latin typeface="Adobe Clean"/>
+              <a:cs typeface="Adobe Clean"/>
             </a:endParaRPr>
           </a:p>
           <a:p>
-            <a:pPr>
+            <a:pPr lvl="0">
               <a:spcBef>
                 <a:spcPts val="915"/>
               </a:spcBef>
             </a:pPr>
             <a:r>
-              <a:rPr lang="en-US" sz="1000" spc="-15" dirty="0">
+              <a:rPr lang="en-US" altLang="ko-KR" sz="1000" spc="-15" dirty="0">
                 <a:solidFill>
                   <a:srgbClr val="1F1F1F"/>
                 </a:solidFill>
                 <a:latin typeface="AdobeClean-Light"/>
               </a:rPr>
-              <a:t>The regional scope of Adobe Support is established by aligning the customer's billing address (via the Sales Order or other Adobe Support purchasing document) to one of the following regions:</a:t>
-            </a:r>
-            <a:endParaRPr lang="en-US" sz="1000" dirty="0">
+              <a:t>Adobe </a:t>
+            </a:r>
+            <a:r>
+              <a:rPr lang="ko-KR" altLang="en-US" sz="1000" spc="-15" dirty="0">
+                <a:solidFill>
+                  <a:srgbClr val="1F1F1F"/>
+                </a:solidFill>
+                <a:latin typeface="AdobeClean-Light"/>
+              </a:rPr>
+              <a:t>지원의 지역적 범위는 </a:t>
+            </a:r>
+            <a:r>
+              <a:rPr lang="en-US" altLang="ko-KR" sz="1000" spc="-15" dirty="0">
+                <a:solidFill>
+                  <a:srgbClr val="1F1F1F"/>
+                </a:solidFill>
+                <a:latin typeface="AdobeClean-Light"/>
+              </a:rPr>
+              <a:t>(</a:t>
+            </a:r>
+            <a:r>
+              <a:rPr lang="ko-KR" altLang="en-US" sz="1000" spc="-15" dirty="0">
+                <a:solidFill>
+                  <a:srgbClr val="1F1F1F"/>
+                </a:solidFill>
+                <a:latin typeface="AdobeClean-Light"/>
+              </a:rPr>
+              <a:t>판매 주문서 또는 기타 </a:t>
+            </a:r>
+            <a:r>
+              <a:rPr lang="en-US" altLang="ko-KR" sz="1000" spc="-15" dirty="0">
+                <a:solidFill>
+                  <a:srgbClr val="1F1F1F"/>
+                </a:solidFill>
+                <a:latin typeface="AdobeClean-Light"/>
+              </a:rPr>
+              <a:t>Adobe </a:t>
+            </a:r>
+            <a:r>
+              <a:rPr lang="ko-KR" altLang="en-US" sz="1000" spc="-15" dirty="0">
+                <a:solidFill>
+                  <a:srgbClr val="1F1F1F"/>
+                </a:solidFill>
+                <a:latin typeface="AdobeClean-Light"/>
+              </a:rPr>
+              <a:t>지원 구매 문서를 통해</a:t>
+            </a:r>
+            <a:r>
+              <a:rPr lang="en-US" altLang="ko-KR" sz="1000" spc="-15" dirty="0">
+                <a:solidFill>
+                  <a:srgbClr val="1F1F1F"/>
+                </a:solidFill>
+                <a:latin typeface="AdobeClean-Light"/>
+              </a:rPr>
+              <a:t>) </a:t>
+            </a:r>
+            <a:r>
+              <a:rPr lang="ko-KR" altLang="en-US" sz="1000" spc="-15" dirty="0">
+                <a:solidFill>
+                  <a:srgbClr val="1F1F1F"/>
+                </a:solidFill>
+                <a:latin typeface="AdobeClean-Light"/>
+              </a:rPr>
+              <a:t>고객의 청구 주소를 다음 지역 중 하나에 맞춤으로써 설정됩니다</a:t>
+            </a:r>
+            <a:r>
+              <a:rPr lang="en-US" altLang="ko-KR" sz="1000" spc="-15" dirty="0">
+                <a:solidFill>
+                  <a:srgbClr val="1F1F1F"/>
+                </a:solidFill>
+                <a:latin typeface="AdobeClean-Light"/>
+              </a:rPr>
+              <a:t>.</a:t>
+            </a:r>
+            <a:endParaRPr lang="de-de" sz="1000" spc="-15" dirty="0">
+              <a:solidFill>
+                <a:srgbClr val="1F1F1F"/>
+              </a:solidFill>
               <a:latin typeface="AdobeClean-Light"/>
             </a:endParaRPr>
           </a:p>
@@ -16412,14 +15538,14 @@
           <p:nvPr>
             <p:extLst>
               <p:ext uri="{D42A27DB-BD31-4B8C-83A1-F6EECF244321}">
-                <p14:modId xmlns:p14="http://schemas.microsoft.com/office/powerpoint/2010/main" val="3975465108"/>
+                <p14:modId xmlns:p14="http://schemas.microsoft.com/office/powerpoint/2010/main" val="131420723"/>
               </p:ext>
             </p:extLst>
           </p:nvPr>
         </p:nvGraphicFramePr>
         <p:xfrm>
           <a:off x="171128" y="5907213"/>
-          <a:ext cx="7391400" cy="1336040"/>
+          <a:ext cx="7391400" cy="1280160"/>
         </p:xfrm>
         <a:graphic>
           <a:graphicData uri="http://schemas.openxmlformats.org/drawingml/2006/table">
@@ -16465,13 +15591,13 @@
                     <a:p>
                       <a:pPr algn="ctr"/>
                       <a:r>
-                        <a:rPr lang="en-US" sz="1100" dirty="0">
+                        <a:rPr lang="de-de" sz="1100" dirty="0">
                           <a:solidFill>
                             <a:schemeClr val="tx1"/>
                           </a:solidFill>
                           <a:latin typeface="Adobe Clean" panose="020B0503020404020204" pitchFamily="34" charset="0"/>
                         </a:rPr>
-                        <a:t>Americas</a:t>
+                        <a:t>미주</a:t>
                       </a:r>
                     </a:p>
                   </a:txBody>
@@ -16530,13 +15656,13 @@
                     <a:p>
                       <a:pPr algn="ctr"/>
                       <a:r>
-                        <a:rPr lang="en-US" sz="1100" dirty="0">
+                        <a:rPr lang="de-de" sz="1100" dirty="0">
                           <a:solidFill>
                             <a:schemeClr val="tx1"/>
                           </a:solidFill>
                           <a:latin typeface="Adobe Clean" panose="020B0503020404020204" pitchFamily="34" charset="0"/>
                         </a:rPr>
-                        <a:t>Europe, Middle East &amp; Africa</a:t>
+                        <a:t>유럽, 중동 및 아프리카</a:t>
                       </a:r>
                     </a:p>
                   </a:txBody>
@@ -16595,13 +15721,13 @@
                     <a:p>
                       <a:pPr algn="ctr"/>
                       <a:r>
-                        <a:rPr lang="en-US" sz="1100" dirty="0">
+                        <a:rPr lang="de-de" sz="1100" dirty="0">
                           <a:solidFill>
                             <a:schemeClr val="tx1"/>
                           </a:solidFill>
                           <a:latin typeface="Adobe Clean" panose="020B0503020404020204" pitchFamily="34" charset="0"/>
                         </a:rPr>
-                        <a:t>Asia Pacific</a:t>
+                        <a:t>아시아 태평양</a:t>
                       </a:r>
                     </a:p>
                   </a:txBody>
@@ -16660,16 +15786,16 @@
                     <a:p>
                       <a:pPr algn="ctr"/>
                       <a:r>
-                        <a:rPr lang="en-US" sz="1100" dirty="0">
+                        <a:rPr lang="de-de" sz="1100" dirty="0">
                           <a:solidFill>
                             <a:schemeClr val="tx1"/>
                           </a:solidFill>
                           <a:latin typeface="Adobe Clean" panose="020B0503020404020204" pitchFamily="34" charset="0"/>
                         </a:rPr>
-                        <a:t>Japan </a:t>
+                        <a:t>일본 </a:t>
                       </a:r>
                       <a:r>
-                        <a:rPr lang="en-US" sz="1100" baseline="30000" dirty="0">
+                        <a:rPr lang="de-de" sz="1100" baseline="30000" dirty="0">
                           <a:solidFill>
                             <a:schemeClr val="tx1"/>
                           </a:solidFill>
@@ -16747,13 +15873,13 @@
                     <a:p>
                       <a:pPr algn="ctr"/>
                       <a:r>
-                        <a:rPr lang="en-US" sz="1100" dirty="0">
+                        <a:rPr lang="de-de" sz="1100" dirty="0">
                           <a:solidFill>
                             <a:schemeClr val="tx1"/>
                           </a:solidFill>
                           <a:latin typeface="Adobe Clean" panose="020B0503020404020204" pitchFamily="34" charset="0"/>
                         </a:rPr>
-                        <a:t>6 am – 5:30 pm</a:t>
+                        <a:t>오전 6시~오후 5시 30분</a:t>
                       </a:r>
                     </a:p>
                   </a:txBody>
@@ -16812,13 +15938,13 @@
                     <a:p>
                       <a:pPr algn="ctr"/>
                       <a:r>
-                        <a:rPr lang="en-US" sz="1100" dirty="0">
+                        <a:rPr lang="de-de" sz="1100" dirty="0">
                           <a:solidFill>
                             <a:schemeClr val="tx1"/>
                           </a:solidFill>
                           <a:latin typeface="Adobe Clean" panose="020B0503020404020204" pitchFamily="34" charset="0"/>
                         </a:rPr>
-                        <a:t>9 am – 5 pm</a:t>
+                        <a:t>오전 9시~오후 5시</a:t>
                       </a:r>
                     </a:p>
                   </a:txBody>
@@ -16877,13 +16003,13 @@
                     <a:p>
                       <a:pPr algn="ctr"/>
                       <a:r>
-                        <a:rPr lang="en-US" sz="1100" dirty="0">
+                        <a:rPr lang="de-de" sz="1100" dirty="0">
                           <a:solidFill>
                             <a:schemeClr val="tx1"/>
                           </a:solidFill>
                           <a:latin typeface="Adobe Clean" panose="020B0503020404020204" pitchFamily="34" charset="0"/>
                         </a:rPr>
-                        <a:t>9 am – 5 pm</a:t>
+                        <a:t>오전 9시~오후 5시</a:t>
                       </a:r>
                     </a:p>
                   </a:txBody>
@@ -16942,13 +16068,13 @@
                     <a:p>
                       <a:pPr algn="ctr"/>
                       <a:r>
-                        <a:rPr lang="en-US" sz="1100" dirty="0">
+                        <a:rPr lang="de-de" sz="1100" dirty="0">
                           <a:solidFill>
                             <a:schemeClr val="tx1"/>
                           </a:solidFill>
                           <a:latin typeface="Adobe Clean" panose="020B0503020404020204" pitchFamily="34" charset="0"/>
                         </a:rPr>
-                        <a:t>9 am – 5:30 pm</a:t>
+                        <a:t>오전 9시~오후 5시 30분</a:t>
                       </a:r>
                     </a:p>
                   </a:txBody>
@@ -17012,7 +16138,7 @@
                     <a:bodyPr/>
                     <a:lstStyle/>
                     <a:p>
-                      <a:pPr marL="0" marR="0" lvl="0" indent="0" algn="ctr" eaLnBrk="1" fontAlgn="auto" latinLnBrk="0" hangingPunct="1">
+                      <a:pPr marL="0" marR="0" lvl="0" indent="0" algn="ctr" defTabSz="914400" eaLnBrk="1" fontAlgn="auto" latinLnBrk="0" hangingPunct="1">
                         <a:lnSpc>
                           <a:spcPct val="100000"/>
                         </a:lnSpc>
@@ -17026,22 +16152,18 @@
                         <a:buSzTx/>
                         <a:buFontTx/>
                         <a:buNone/>
+                        <a:tabLst/>
+                        <a:defRPr/>
                       </a:pPr>
                       <a:r>
-                        <a:rPr lang="en-US" sz="1100" dirty="0">
+                        <a:rPr lang="de-de" sz="1100" dirty="0">
                           <a:solidFill>
                             <a:schemeClr val="tx1"/>
                           </a:solidFill>
-                          <a:latin typeface="Adobe Clean"/>
+                          <a:latin typeface="Adobe Clean" panose="020B0503020404020204" pitchFamily="34" charset="0"/>
                         </a:rPr>
-                        <a:t>Language support is only available in English and Japanese. </a:t>
+                        <a:t>언어 지원은 영어와 일본어로만 제공됩니다. </a:t>
                       </a:r>
-                      <a:endParaRPr lang="en-US" sz="1100" dirty="0">
-                        <a:solidFill>
-                          <a:schemeClr val="tx1"/>
-                        </a:solidFill>
-                        <a:latin typeface="Adobe Clean" panose="020B0503020404020204" pitchFamily="34" charset="0"/>
-                      </a:endParaRPr>
                     </a:p>
                     <a:p>
                       <a:pPr marL="0" marR="0" lvl="0" indent="0" algn="ctr" defTabSz="914400" eaLnBrk="1" fontAlgn="auto" latinLnBrk="0" hangingPunct="1">
@@ -17079,38 +16201,68 @@
                     <a:p>
                       <a:pPr algn="ctr"/>
                       <a:r>
-                        <a:rPr lang="en-US" sz="1100" i="0" dirty="0">
+                        <a:rPr lang="de-de" sz="1100" i="0" dirty="0">
                           <a:solidFill>
                             <a:schemeClr val="tx1"/>
                           </a:solidFill>
-                          <a:latin typeface="Adobe Clean"/>
+                          <a:latin typeface="Adobe Clean" panose="020B0503020404020204" pitchFamily="34" charset="0"/>
                         </a:rPr>
-                        <a:t> </a:t>
+                        <a:t> </a:t>
                       </a:r>
                       <a:r>
-                        <a:rPr lang="en-US" sz="1100" i="0" baseline="30000" dirty="0">
+                        <a:rPr lang="de-de" sz="1100" i="0" baseline="30000" dirty="0">
                           <a:solidFill>
                             <a:schemeClr val="tx1"/>
                           </a:solidFill>
-                          <a:latin typeface="Adobe Clean"/>
+                          <a:latin typeface="Adobe Clean" panose="020B0503020404020204" pitchFamily="34" charset="0"/>
                         </a:rPr>
-                        <a:t>1 </a:t>
+                        <a:t>1</a:t>
                       </a:r>
                       <a:r>
-                        <a:rPr lang="en-US" sz="1100" i="0" dirty="0">
+                        <a:rPr lang="ko-KR" altLang="en-US" sz="1100" i="0" baseline="30000" dirty="0">
                           <a:solidFill>
                             <a:schemeClr val="tx1"/>
                           </a:solidFill>
-                          <a:latin typeface="Adobe Clean"/>
+                          <a:latin typeface="Adobe Clean" panose="020B0503020404020204" pitchFamily="34" charset="0"/>
                         </a:rPr>
-                        <a:t>P2, P3, P4 cases are limited to business hours only in Japan.</a:t>
+                        <a:t>일본에서 </a:t>
                       </a:r>
-                      <a:endParaRPr lang="en-US" sz="1100" b="1" i="0" dirty="0">
-                        <a:solidFill>
-                          <a:schemeClr val="tx1"/>
-                        </a:solidFill>
-                        <a:latin typeface="Adobe Clean"/>
-                      </a:endParaRPr>
+                      <a:r>
+                        <a:rPr lang="en-US" altLang="ko-KR" sz="1100" i="0" baseline="30000" dirty="0">
+                          <a:solidFill>
+                            <a:schemeClr val="tx1"/>
+                          </a:solidFill>
+                          <a:latin typeface="Adobe Clean" panose="020B0503020404020204" pitchFamily="34" charset="0"/>
+                        </a:rPr>
+                        <a:t>P2, P3, P4 </a:t>
+                      </a:r>
+                      <a:r>
+                        <a:rPr lang="ko-KR" altLang="en-US" sz="1100" i="0" baseline="30000" dirty="0">
+                          <a:solidFill>
+                            <a:schemeClr val="tx1"/>
+                          </a:solidFill>
+                          <a:latin typeface="Adobe Clean" panose="020B0503020404020204" pitchFamily="34" charset="0"/>
+                        </a:rPr>
+                        <a:t>사례는 업무 시간으로만 제한됩니다</a:t>
+                      </a:r>
+                      <a:r>
+                        <a:rPr lang="en-US" altLang="ko-KR" sz="1100" i="0" baseline="30000" dirty="0">
+                          <a:solidFill>
+                            <a:schemeClr val="tx1"/>
+                          </a:solidFill>
+                          <a:latin typeface="Adobe Clean" panose="020B0503020404020204" pitchFamily="34" charset="0"/>
+                        </a:rPr>
+                        <a:t>.</a:t>
+                      </a:r>
+                      <a:r>
+                        <a:rPr lang="de-de" sz="1100" dirty="0">
+                          <a:solidFill>
+                            <a:schemeClr val="tx1"/>
+                          </a:solidFill>
+                          <a:latin typeface="Adobe Clean" panose="020B0503020404020204" pitchFamily="34" charset="0"/>
+                        </a:rPr>
+                        <a:t>.</a:t>
+                      </a:r>
                     </a:p>
                   </a:txBody>
                   <a:tcPr anchor="ctr">
@@ -17474,124 +16626,34 @@
               </a:spcBef>
             </a:pPr>
             <a:r>
-              <a:rPr sz="1200" b="1" spc="-15" dirty="0">
+              <a:rPr lang="de-de" sz="1200" b="1" spc="-15" dirty="0">
                 <a:solidFill>
                   <a:srgbClr val="FFFFFF"/>
                 </a:solidFill>
                 <a:latin typeface="Adobe Clean"/>
                 <a:cs typeface="Adobe Clean"/>
               </a:rPr>
-              <a:t>U</a:t>
-            </a:r>
-            <a:r>
-              <a:rPr sz="1200" b="1" spc="-20" dirty="0">
+              <a:t>탁월한</a:t>
+            </a:r>
+            <a:r>
+              <a:rPr lang="de-de" sz="1200" b="1" dirty="0">
                 <a:solidFill>
                   <a:srgbClr val="FFFFFF"/>
                 </a:solidFill>
                 <a:latin typeface="Adobe Clean"/>
                 <a:cs typeface="Adobe Clean"/>
               </a:rPr>
-              <a:t>n</a:t>
-            </a:r>
-            <a:r>
-              <a:rPr sz="1200" b="1" spc="-25" dirty="0">
+              <a:t> </a:t>
+            </a:r>
+            <a:r>
+              <a:rPr lang="de-de" sz="1200" b="1" spc="-25" dirty="0">
                 <a:solidFill>
                   <a:srgbClr val="FFFFFF"/>
                 </a:solidFill>
                 <a:latin typeface="Adobe Clean"/>
                 <a:cs typeface="Adobe Clean"/>
               </a:rPr>
-              <a:t>p</a:t>
-            </a:r>
-            <a:r>
-              <a:rPr sz="1200" b="1" spc="-15" dirty="0">
-                <a:solidFill>
-                  <a:srgbClr val="FFFFFF"/>
-                </a:solidFill>
-                <a:latin typeface="Adobe Clean"/>
-                <a:cs typeface="Adobe Clean"/>
-              </a:rPr>
-              <a:t>a</a:t>
-            </a:r>
-            <a:r>
-              <a:rPr sz="1200" b="1" spc="-25" dirty="0">
-                <a:solidFill>
-                  <a:srgbClr val="FFFFFF"/>
-                </a:solidFill>
-                <a:latin typeface="Adobe Clean"/>
-                <a:cs typeface="Adobe Clean"/>
-              </a:rPr>
-              <a:t>r</a:t>
-            </a:r>
-            <a:r>
-              <a:rPr sz="1200" b="1" spc="-15" dirty="0">
-                <a:solidFill>
-                  <a:srgbClr val="FFFFFF"/>
-                </a:solidFill>
-                <a:latin typeface="Adobe Clean"/>
-                <a:cs typeface="Adobe Clean"/>
-              </a:rPr>
-              <a:t>a</a:t>
-            </a:r>
-            <a:r>
-              <a:rPr sz="1200" b="1" spc="-30" dirty="0">
-                <a:solidFill>
-                  <a:srgbClr val="FFFFFF"/>
-                </a:solidFill>
-                <a:latin typeface="Adobe Clean"/>
-                <a:cs typeface="Adobe Clean"/>
-              </a:rPr>
-              <a:t>ll</a:t>
-            </a:r>
-            <a:r>
-              <a:rPr sz="1200" b="1" spc="-25" dirty="0">
-                <a:solidFill>
-                  <a:srgbClr val="FFFFFF"/>
-                </a:solidFill>
-                <a:latin typeface="Adobe Clean"/>
-                <a:cs typeface="Adobe Clean"/>
-              </a:rPr>
-              <a:t>e</a:t>
-            </a:r>
-            <a:r>
-              <a:rPr sz="1200" b="1" spc="-30" dirty="0">
-                <a:solidFill>
-                  <a:srgbClr val="FFFFFF"/>
-                </a:solidFill>
-                <a:latin typeface="Adobe Clean"/>
-                <a:cs typeface="Adobe Clean"/>
-              </a:rPr>
-              <a:t>l</a:t>
-            </a:r>
-            <a:r>
-              <a:rPr sz="1200" b="1" spc="-25" dirty="0">
-                <a:solidFill>
-                  <a:srgbClr val="FFFFFF"/>
-                </a:solidFill>
-                <a:latin typeface="Adobe Clean"/>
-                <a:cs typeface="Adobe Clean"/>
-              </a:rPr>
-              <a:t>e</a:t>
-            </a:r>
-            <a:r>
-              <a:rPr sz="1200" b="1" dirty="0">
-                <a:solidFill>
-                  <a:srgbClr val="FFFFFF"/>
-                </a:solidFill>
-                <a:latin typeface="Adobe Clean"/>
-                <a:cs typeface="Adobe Clean"/>
-              </a:rPr>
-              <a:t>d  </a:t>
-            </a:r>
-            <a:r>
-              <a:rPr sz="1200" b="1" spc="-25" dirty="0">
-                <a:solidFill>
-                  <a:srgbClr val="FFFFFF"/>
-                </a:solidFill>
-                <a:latin typeface="Adobe Clean"/>
-                <a:cs typeface="Adobe Clean"/>
-              </a:rPr>
-              <a:t>Expertise</a:t>
+              <a:t>전문성</a:t>
             </a:r>
             <a:endParaRPr sz="1200" dirty="0">
               <a:latin typeface="Adobe Clean"/>
@@ -17636,14 +16698,14 @@
               </a:spcBef>
             </a:pPr>
             <a:r>
-              <a:rPr lang="en-US" sz="1200" b="1" spc="-15" dirty="0">
+              <a:rPr lang="de-de" sz="1200" b="1" spc="-15" dirty="0">
                 <a:solidFill>
                   <a:srgbClr val="FFFFFF"/>
                 </a:solidFill>
                 <a:latin typeface="Adobe Clean"/>
                 <a:cs typeface="Adobe Clean"/>
               </a:rPr>
-              <a:t>Accelerated Support</a:t>
+              <a:t>신속한 지원</a:t>
             </a:r>
             <a:endParaRPr sz="1200" dirty="0">
               <a:latin typeface="Adobe Clean"/>
@@ -17688,104 +16750,34 @@
               </a:spcBef>
             </a:pPr>
             <a:r>
-              <a:rPr sz="1200" b="1" spc="-50" dirty="0">
+              <a:rPr lang="de-de" sz="1200" b="1" spc="-50" dirty="0">
                 <a:solidFill>
                   <a:srgbClr val="FFFFFF"/>
                 </a:solidFill>
                 <a:latin typeface="Adobe Clean"/>
                 <a:cs typeface="Adobe Clean"/>
               </a:rPr>
-              <a:t>S</a:t>
-            </a:r>
-            <a:r>
-              <a:rPr sz="1200" b="1" spc="-20" dirty="0">
+              <a:t>전략적</a:t>
+            </a:r>
+            <a:r>
+              <a:rPr lang="de-de" sz="1200" b="1" dirty="0">
                 <a:solidFill>
                   <a:srgbClr val="FFFFFF"/>
                 </a:solidFill>
                 <a:latin typeface="Adobe Clean"/>
                 <a:cs typeface="Adobe Clean"/>
               </a:rPr>
-              <a:t>t</a:t>
-            </a:r>
-            <a:r>
-              <a:rPr sz="1200" b="1" spc="-75" dirty="0">
+              <a:t> </a:t>
+            </a:r>
+            <a:r>
+              <a:rPr lang="de-de" sz="1200" b="1" spc="-45" dirty="0">
                 <a:solidFill>
                   <a:srgbClr val="FFFFFF"/>
                 </a:solidFill>
                 <a:latin typeface="Adobe Clean"/>
                 <a:cs typeface="Adobe Clean"/>
               </a:rPr>
-              <a:t>r</a:t>
-            </a:r>
-            <a:r>
-              <a:rPr sz="1200" b="1" spc="-90" dirty="0">
-                <a:solidFill>
-                  <a:srgbClr val="FFFFFF"/>
-                </a:solidFill>
-                <a:latin typeface="Adobe Clean"/>
-                <a:cs typeface="Adobe Clean"/>
-              </a:rPr>
-              <a:t>a</a:t>
-            </a:r>
-            <a:r>
-              <a:rPr sz="1200" b="1" spc="-55" dirty="0">
-                <a:solidFill>
-                  <a:srgbClr val="FFFFFF"/>
-                </a:solidFill>
-                <a:latin typeface="Adobe Clean"/>
-                <a:cs typeface="Adobe Clean"/>
-              </a:rPr>
-              <a:t>t</a:t>
-            </a:r>
-            <a:r>
-              <a:rPr sz="1200" b="1" spc="-100" dirty="0">
-                <a:solidFill>
-                  <a:srgbClr val="FFFFFF"/>
-                </a:solidFill>
-                <a:latin typeface="Adobe Clean"/>
-                <a:cs typeface="Adobe Clean"/>
-              </a:rPr>
-              <a:t>e</a:t>
-            </a:r>
-            <a:r>
-              <a:rPr sz="1200" b="1" spc="-80" dirty="0">
-                <a:solidFill>
-                  <a:srgbClr val="FFFFFF"/>
-                </a:solidFill>
-                <a:latin typeface="Adobe Clean"/>
-                <a:cs typeface="Adobe Clean"/>
-              </a:rPr>
-              <a:t>g</a:t>
-            </a:r>
-            <a:r>
-              <a:rPr sz="1200" b="1" spc="-35" dirty="0">
-                <a:solidFill>
-                  <a:srgbClr val="FFFFFF"/>
-                </a:solidFill>
-                <a:latin typeface="Adobe Clean"/>
-                <a:cs typeface="Adobe Clean"/>
-              </a:rPr>
-              <a:t>i</a:t>
-            </a:r>
-            <a:r>
-              <a:rPr sz="1200" b="1" dirty="0">
-                <a:solidFill>
-                  <a:srgbClr val="FFFFFF"/>
-                </a:solidFill>
-                <a:latin typeface="Adobe Clean"/>
-                <a:cs typeface="Adobe Clean"/>
-              </a:rPr>
-              <a:t>c  </a:t>
-            </a:r>
-            <a:r>
-              <a:rPr sz="1200" b="1" spc="-45" dirty="0">
-                <a:solidFill>
-                  <a:srgbClr val="FFFFFF"/>
-                </a:solidFill>
-                <a:latin typeface="Adobe Clean"/>
-                <a:cs typeface="Adobe Clean"/>
-              </a:rPr>
-              <a:t>Advice</a:t>
+              <a:t>조언</a:t>
             </a:r>
             <a:endParaRPr sz="1200" dirty="0">
               <a:latin typeface="Adobe Clean"/>
@@ -17816,7 +16808,7 @@
         </p:nvGraphicFramePr>
         <p:xfrm>
           <a:off x="194236" y="1059345"/>
-          <a:ext cx="7368291" cy="3235960"/>
+          <a:ext cx="7368291" cy="2931160"/>
         </p:xfrm>
         <a:graphic>
           <a:graphicData uri="http://schemas.openxmlformats.org/drawingml/2006/table">
@@ -17847,7 +16839,7 @@
                     <a:lstStyle/>
                     <a:p>
                       <a:r>
-                        <a:rPr lang="en-US" sz="1100" b="0" dirty="0">
+                        <a:rPr lang="de-de" sz="1100" b="0" dirty="0">
                           <a:solidFill>
                             <a:schemeClr val="tx1"/>
                           </a:solidFill>
@@ -17939,7 +16931,7 @@
                         <a:defRPr/>
                       </a:pPr>
                       <a:r>
-                        <a:rPr lang="en-US" sz="1000" b="0" kern="1200" dirty="0">
+                        <a:rPr lang="de-de" sz="1000" b="0" kern="1200" dirty="0">
                           <a:solidFill>
                             <a:srgbClr val="000000"/>
                           </a:solidFill>
@@ -17947,7 +16939,7 @@
                           <a:ea typeface="+mn-ea"/>
                           <a:cs typeface="+mn-cs"/>
                         </a:rPr>
-                        <a:t>Experience League is how Adobe helps businesses achieve the value they expect from their Adobe investment. It’s the unified place where customers can learn, connect, and grow along a personalized path to success that includes self-help tutorials, product documentation, instructor-led training, community and technical support. </a:t>
+                        <a:t>Experience League를 통해 Adobe는 기업이 Adobe 투자에서 기대하는 가치를 달성하도록 지원합니다. 고객이 자기 주도 튜토리얼, 제품 설명서, 강의식 교육, 커뮤니티 및 기술 지원을 포함하는 개인 맞춤형 성공 경로를 따라가며 배우고, 교류하고, 성장할 수 있는 통합된 공간입니다. </a:t>
                       </a:r>
                     </a:p>
                   </a:txBody>
@@ -18029,7 +17021,7 @@
                         <a:defRPr/>
                       </a:pPr>
                       <a:r>
-                        <a:rPr lang="en-US" sz="1100" dirty="0">
+                        <a:rPr lang="de-de" sz="1100" dirty="0">
                           <a:solidFill>
                             <a:schemeClr val="dk1"/>
                           </a:solidFill>
@@ -18039,10 +17031,10 @@
                           <a:cs typeface="+mn-cs"/>
                           <a:hlinkClick r:id="rId8"/>
                         </a:rPr>
-                        <a:t>Training</a:t>
+                        <a:t>교육</a:t>
                       </a:r>
                       <a:r>
-                        <a:rPr lang="en-US" sz="1100" dirty="0">
+                        <a:rPr lang="de-de" sz="1100" dirty="0">
                           <a:solidFill>
                             <a:schemeClr val="dk1"/>
                           </a:solidFill>
@@ -18135,7 +17127,7 @@
                         <a:defRPr/>
                       </a:pPr>
                       <a:r>
-                        <a:rPr lang="en-US" sz="1000" kern="1200" dirty="0">
+                        <a:rPr lang="de-de" sz="1000" kern="1200" dirty="0">
                           <a:solidFill>
                             <a:srgbClr val="000000"/>
                           </a:solidFill>
@@ -18143,7 +17135,7 @@
                           <a:ea typeface="+mn-ea"/>
                           <a:cs typeface="+mn-cs"/>
                         </a:rPr>
-                        <a:t>Adobe Digital Learning Services courses are accessible from Experience League. Learning courses integrate both on-demand and instructor-led lessons.  Here you can accrue skills that have recognized market value and position them to drive success in your organizations.</a:t>
+                        <a:t>Adobe 디지털 학습 서비스 과정은 Experience League에서 액세스할 수 있습니다. 학습 과정은 주문형 수업과 강의식 수업을 모두 통합합니다. 여기에서 시장 가치를 인정받은 기술을 습득하고 조직에 포지셔닝하여 성공으로 이끌 수 있습니다.</a:t>
                       </a:r>
                     </a:p>
                   </a:txBody>
@@ -18225,7 +17217,7 @@
                         <a:defRPr/>
                       </a:pPr>
                       <a:r>
-                        <a:rPr lang="en-US" sz="1100" dirty="0">
+                        <a:rPr lang="de-de" sz="1100" dirty="0">
                           <a:solidFill>
                             <a:schemeClr val="tx1"/>
                           </a:solidFill>
@@ -18235,7 +17227,7 @@
                           <a:cs typeface="+mn-cs"/>
                           <a:hlinkClick r:id="rId9"/>
                         </a:rPr>
-                        <a:t>Production Issues &amp; System Outages</a:t>
+                        <a:t>생산 문제 및 시스템 중단</a:t>
                       </a:r>
                       <a:endParaRPr lang="en-US" sz="1100" dirty="0">
                         <a:solidFill>
@@ -18319,7 +17311,7 @@
                         <a:defRPr/>
                       </a:pPr>
                       <a:r>
-                        <a:rPr lang="en-US" sz="1000" kern="1200" dirty="0">
+                        <a:rPr lang="de-de" sz="1000" kern="1200" dirty="0">
                           <a:solidFill>
                             <a:srgbClr val="000000"/>
                           </a:solidFill>
@@ -18327,7 +17319,7 @@
                           <a:ea typeface="+mn-ea"/>
                           <a:cs typeface="+mn-cs"/>
                         </a:rPr>
-                        <a:t>Status.adobe.com conveys the health information of all Adobe products and services that are deployed in multi-tenant environments. Customers can choose their subscription preferences to get email notifications whenever Adobe creates, updates or resolves a product event. This can include scheduled maintenance or service issues of varying levels of severity. </a:t>
+                        <a:t>Status.adobe.com은 다중 테넌트 환경에 배포된 모든 Adobe 제품 및 서비스의 상태 정보를 전달합니다. 고객은 구독 기본 설정을 선택하여 Adobe가 제품 이벤트를 생성 업데이트 또는 해결할 때마다 이메일 알림을 받을 수 있습니다. 여기에는 예정된 유지 관리 또는 다양한 심각도 수준의 서비스 문제가 포함될 수 있습니다. </a:t>
                       </a:r>
                     </a:p>
                   </a:txBody>
@@ -18409,7 +17401,7 @@
                         <a:defRPr/>
                       </a:pPr>
                       <a:r>
-                        <a:rPr lang="en-US" sz="1100" dirty="0">
+                        <a:rPr lang="de-de" sz="1100" dirty="0">
                           <a:solidFill>
                             <a:schemeClr val="tx1"/>
                           </a:solidFill>
@@ -18419,7 +17411,7 @@
                           <a:cs typeface="+mn-cs"/>
                           <a:hlinkClick r:id="rId10"/>
                         </a:rPr>
-                        <a:t>Terms and Conditions</a:t>
+                        <a:t>약관</a:t>
                       </a:r>
                       <a:endParaRPr lang="en-US" sz="1100" dirty="0">
                         <a:solidFill>
@@ -18486,7 +17478,7 @@
                     <a:lstStyle/>
                     <a:p>
                       <a:r>
-                        <a:rPr lang="en-US" sz="1000" kern="1200" dirty="0">
+                        <a:rPr lang="de-de" sz="1000" kern="1200" dirty="0">
                           <a:solidFill>
                             <a:srgbClr val="000000"/>
                           </a:solidFill>
@@ -18494,7 +17486,7 @@
                           <a:ea typeface="+mn-ea"/>
                           <a:cs typeface="+mn-cs"/>
                         </a:rPr>
-                        <a:t>Terms and conditions detailing Support Services offerings</a:t>
+                        <a:t>지원 서비스 제공 사항을 자세히 설명하는 약관입니다.</a:t>
                       </a:r>
                     </a:p>
                   </a:txBody>
@@ -18558,7 +17550,7 @@
       </p:graphicFrame>
       <p:pic>
         <p:nvPicPr>
-          <p:cNvPr id="8" name="Graphic 7" descr="Target outline">
+          <p:cNvPr id="8" name="Graphic 7" descr="타겟 개요">
             <a:extLst>
               <a:ext uri="{FF2B5EF4-FFF2-40B4-BE49-F238E27FC236}">
                 <a16:creationId xmlns:a16="http://schemas.microsoft.com/office/drawing/2014/main" id="{1EAA263E-04A7-0D46-952E-EA3033B45116}"/>
@@ -18597,7 +17589,7 @@
       </p:pic>
       <p:pic>
         <p:nvPicPr>
-          <p:cNvPr id="10" name="Graphic 9" descr="Rocket outline">
+          <p:cNvPr id="10" name="Graphic 9" descr="로켓 개요">
             <a:extLst>
               <a:ext uri="{FF2B5EF4-FFF2-40B4-BE49-F238E27FC236}">
                 <a16:creationId xmlns:a16="http://schemas.microsoft.com/office/drawing/2014/main" id="{A068EBC3-B418-4E4A-A520-101CA4B39F23}"/>
@@ -18636,7 +17628,7 @@
       </p:pic>
       <p:pic>
         <p:nvPicPr>
-          <p:cNvPr id="12" name="Graphic 11" descr="Medal outline">
+          <p:cNvPr id="12" name="Graphic 11" descr="메달 개요">
             <a:extLst>
               <a:ext uri="{FF2B5EF4-FFF2-40B4-BE49-F238E27FC236}">
                 <a16:creationId xmlns:a16="http://schemas.microsoft.com/office/drawing/2014/main" id="{C7BEFC2D-0CA6-0448-B9FA-6E1581CA6D36}"/>

--- a/help/data-sheets/assets/EliteSupportDatasheet.pptx
+++ b/help/data-sheets/assets/EliteSupportDatasheet.pptx
@@ -151,9 +151,38 @@
 <file path=ppt/revisionInfo.xml><?xml version="1.0" encoding="utf-8"?>
 <p1510:revInfo xmlns:a="http://schemas.openxmlformats.org/drawingml/2006/main" xmlns:r="http://schemas.openxmlformats.org/officeDocument/2006/relationships" xmlns:p1510="http://schemas.microsoft.com/office/powerpoint/2015/10/main">
   <p1510:revLst>
-    <p1510:client id="{86768B6F-E5DF-274A-B928-9320E1DF9962}" v="132" dt="2021-08-07T02:18:13.925"/>
+    <p1510:client id="{0BC4D7A0-4BBD-1B49-BE14-170949F0EA37}" v="4" dt="2021-10-13T19:10:14.670"/>
   </p1510:revLst>
 </p1510:revInfo>
+</file>
+
+<file path=ppt/changesInfos/changesInfo1.xml><?xml version="1.0" encoding="utf-8"?>
+<pc:chgInfo xmlns:a="http://schemas.openxmlformats.org/drawingml/2006/main" xmlns:r="http://schemas.openxmlformats.org/officeDocument/2006/relationships" xmlns:ac="http://schemas.microsoft.com/office/drawing/2013/main/command" xmlns:pc="http://schemas.microsoft.com/office/powerpoint/2013/main/command">
+  <pc:docChgLst>
+    <pc:chgData name="Lauren Schutte" userId="6e08b2d3-447a-4d66-86be-444d50df187f" providerId="ADAL" clId="{0BC4D7A0-4BBD-1B49-BE14-170949F0EA37}"/>
+    <pc:docChg chg="modSld">
+      <pc:chgData name="Lauren Schutte" userId="6e08b2d3-447a-4d66-86be-444d50df187f" providerId="ADAL" clId="{0BC4D7A0-4BBD-1B49-BE14-170949F0EA37}" dt="2021-10-13T19:10:14.671" v="3" actId="1035"/>
+      <pc:docMkLst>
+        <pc:docMk/>
+      </pc:docMkLst>
+      <pc:sldChg chg="modSp mod">
+        <pc:chgData name="Lauren Schutte" userId="6e08b2d3-447a-4d66-86be-444d50df187f" providerId="ADAL" clId="{0BC4D7A0-4BBD-1B49-BE14-170949F0EA37}" dt="2021-10-13T19:10:14.671" v="3" actId="1035"/>
+        <pc:sldMkLst>
+          <pc:docMk/>
+          <pc:sldMk cId="0" sldId="256"/>
+        </pc:sldMkLst>
+        <pc:spChg chg="mod">
+          <ac:chgData name="Lauren Schutte" userId="6e08b2d3-447a-4d66-86be-444d50df187f" providerId="ADAL" clId="{0BC4D7A0-4BBD-1B49-BE14-170949F0EA37}" dt="2021-10-13T19:10:14.671" v="3" actId="1035"/>
+          <ac:spMkLst>
+            <pc:docMk/>
+            <pc:sldMk cId="0" sldId="256"/>
+            <ac:spMk id="4" creationId="{00000000-0000-0000-0000-000000000000}"/>
+          </ac:spMkLst>
+        </pc:spChg>
+      </pc:sldChg>
+    </pc:docChg>
+  </pc:docChgLst>
+</pc:chgInfo>
 </file>
 
 <file path=ppt/notesMasters/notesMaster1.xml><?xml version="1.0" encoding="utf-8"?>
@@ -238,7 +267,7 @@
           <a:p>
             <a:fld id="{C12E57D6-2086-AA47-A7A4-C0CDE7C14E44}" type="datetimeFigureOut">
               <a:rPr lang="en-US" smtClean="0"/>
-              <a:t>10/11/21</a:t>
+              <a:t>10/13/2021</a:t>
             </a:fld>
             <a:endParaRPr lang="en-US"/>
           </a:p>
@@ -549,7 +578,7 @@
           <a:bodyPr/>
           <a:lstStyle/>
           <a:p>
-            <a:endParaRPr lang="en-US" dirty="0"/>
+            <a:endParaRPr lang="en-US"/>
           </a:p>
         </p:txBody>
       </p:sp>
@@ -633,7 +662,7 @@
           <a:bodyPr/>
           <a:lstStyle/>
           <a:p>
-            <a:endParaRPr lang="en-US" dirty="0"/>
+            <a:endParaRPr lang="en-US"/>
           </a:p>
         </p:txBody>
       </p:sp>
@@ -812,7 +841,7 @@
           <a:p>
             <a:fld id="{1D8BD707-D9CF-40AE-B4C6-C98DA3205C09}" type="datetimeFigureOut">
               <a:rPr lang="en-US"/>
-              <a:t>10/11/21</a:t>
+              <a:t>10/13/2021</a:t>
             </a:fld>
             <a:endParaRPr lang="en-US"/>
           </a:p>
@@ -852,7 +881,7 @@
               </a:spcBef>
             </a:pPr>
             <a:r>
-              <a:rPr spc="-5" dirty="0"/>
+              <a:rPr spc="-5"/>
               <a:t>©</a:t>
             </a:r>
             <a:fld id="{81D60167-4931-47E6-BA6A-407CBD079E47}" type="slidenum">
@@ -860,35 +889,35 @@
               <a:t>‹#›</a:t>
             </a:fld>
             <a:r>
-              <a:rPr spc="-5" dirty="0"/>
+              <a:rPr spc="-5"/>
               <a:t> Adobe. All</a:t>
             </a:r>
             <a:r>
-              <a:rPr spc="-15" dirty="0"/>
+              <a:rPr spc="-15"/>
               <a:t> Rights</a:t>
             </a:r>
             <a:r>
-              <a:rPr spc="-10" dirty="0"/>
+              <a:rPr spc="-10"/>
               <a:t> </a:t>
             </a:r>
             <a:r>
-              <a:rPr spc="-15" dirty="0"/>
+              <a:rPr spc="-15"/>
               <a:t>Reserved.</a:t>
             </a:r>
             <a:r>
-              <a:rPr spc="-10" dirty="0"/>
+              <a:rPr spc="-10"/>
               <a:t> </a:t>
             </a:r>
             <a:r>
-              <a:rPr spc="-5" dirty="0"/>
+              <a:rPr spc="-5"/>
               <a:t>Adobe</a:t>
             </a:r>
             <a:r>
-              <a:rPr spc="60" dirty="0"/>
+              <a:rPr spc="60"/>
               <a:t> </a:t>
             </a:r>
             <a:r>
-              <a:rPr spc="-15" dirty="0"/>
+              <a:rPr spc="-15"/>
               <a:t>Confidential.</a:t>
             </a:r>
           </a:p>
@@ -1057,7 +1086,7 @@
           <a:p>
             <a:fld id="{1D8BD707-D9CF-40AE-B4C6-C98DA3205C09}" type="datetimeFigureOut">
               <a:rPr lang="en-US"/>
-              <a:t>10/11/21</a:t>
+              <a:t>10/13/2021</a:t>
             </a:fld>
             <a:endParaRPr lang="en-US"/>
           </a:p>
@@ -1097,7 +1126,7 @@
               </a:spcBef>
             </a:pPr>
             <a:r>
-              <a:rPr spc="-5" dirty="0"/>
+              <a:rPr spc="-5"/>
               <a:t>©</a:t>
             </a:r>
             <a:fld id="{81D60167-4931-47E6-BA6A-407CBD079E47}" type="slidenum">
@@ -1105,35 +1134,35 @@
               <a:t>‹#›</a:t>
             </a:fld>
             <a:r>
-              <a:rPr spc="-5" dirty="0"/>
+              <a:rPr spc="-5"/>
               <a:t> Adobe. All</a:t>
             </a:r>
             <a:r>
-              <a:rPr spc="-15" dirty="0"/>
+              <a:rPr spc="-15"/>
               <a:t> Rights</a:t>
             </a:r>
             <a:r>
-              <a:rPr spc="-10" dirty="0"/>
+              <a:rPr spc="-10"/>
               <a:t> </a:t>
             </a:r>
             <a:r>
-              <a:rPr spc="-15" dirty="0"/>
+              <a:rPr spc="-15"/>
               <a:t>Reserved.</a:t>
             </a:r>
             <a:r>
-              <a:rPr spc="-10" dirty="0"/>
+              <a:rPr spc="-10"/>
               <a:t> </a:t>
             </a:r>
             <a:r>
-              <a:rPr spc="-5" dirty="0"/>
+              <a:rPr spc="-5"/>
               <a:t>Adobe</a:t>
             </a:r>
             <a:r>
-              <a:rPr spc="60" dirty="0"/>
+              <a:rPr spc="60"/>
               <a:t> </a:t>
             </a:r>
             <a:r>
-              <a:rPr spc="-15" dirty="0"/>
+              <a:rPr spc="-15"/>
               <a:t>Confidential.</a:t>
             </a:r>
           </a:p>
@@ -1315,7 +1344,7 @@
           <a:p>
             <a:fld id="{1D8BD707-D9CF-40AE-B4C6-C98DA3205C09}" type="datetimeFigureOut">
               <a:rPr lang="en-US"/>
-              <a:t>10/11/21</a:t>
+              <a:t>10/13/2021</a:t>
             </a:fld>
             <a:endParaRPr lang="en-US"/>
           </a:p>
@@ -1355,7 +1384,7 @@
               </a:spcBef>
             </a:pPr>
             <a:r>
-              <a:rPr spc="-5" dirty="0"/>
+              <a:rPr spc="-5"/>
               <a:t>©</a:t>
             </a:r>
             <a:fld id="{81D60167-4931-47E6-BA6A-407CBD079E47}" type="slidenum">
@@ -1363,35 +1392,35 @@
               <a:t>‹#›</a:t>
             </a:fld>
             <a:r>
-              <a:rPr spc="-5" dirty="0"/>
+              <a:rPr spc="-5"/>
               <a:t> Adobe. All</a:t>
             </a:r>
             <a:r>
-              <a:rPr spc="-15" dirty="0"/>
+              <a:rPr spc="-15"/>
               <a:t> Rights</a:t>
             </a:r>
             <a:r>
-              <a:rPr spc="-10" dirty="0"/>
+              <a:rPr spc="-10"/>
               <a:t> </a:t>
             </a:r>
             <a:r>
-              <a:rPr spc="-15" dirty="0"/>
+              <a:rPr spc="-15"/>
               <a:t>Reserved.</a:t>
             </a:r>
             <a:r>
-              <a:rPr spc="-10" dirty="0"/>
+              <a:rPr spc="-10"/>
               <a:t> </a:t>
             </a:r>
             <a:r>
-              <a:rPr spc="-5" dirty="0"/>
+              <a:rPr spc="-5"/>
               <a:t>Adobe</a:t>
             </a:r>
             <a:r>
-              <a:rPr spc="60" dirty="0"/>
+              <a:rPr spc="60"/>
               <a:t> </a:t>
             </a:r>
             <a:r>
-              <a:rPr spc="-15" dirty="0"/>
+              <a:rPr spc="-15"/>
               <a:t>Confidential.</a:t>
             </a:r>
           </a:p>
@@ -1507,7 +1536,7 @@
           <a:p>
             <a:fld id="{1D8BD707-D9CF-40AE-B4C6-C98DA3205C09}" type="datetimeFigureOut">
               <a:rPr lang="en-US"/>
-              <a:t>10/11/21</a:t>
+              <a:t>10/13/2021</a:t>
             </a:fld>
             <a:endParaRPr lang="en-US"/>
           </a:p>
@@ -1547,7 +1576,7 @@
               </a:spcBef>
             </a:pPr>
             <a:r>
-              <a:rPr spc="-5" dirty="0"/>
+              <a:rPr spc="-5"/>
               <a:t>©</a:t>
             </a:r>
             <a:fld id="{81D60167-4931-47E6-BA6A-407CBD079E47}" type="slidenum">
@@ -1555,35 +1584,35 @@
               <a:t>‹#›</a:t>
             </a:fld>
             <a:r>
-              <a:rPr spc="-5" dirty="0"/>
+              <a:rPr spc="-5"/>
               <a:t> Adobe. All</a:t>
             </a:r>
             <a:r>
-              <a:rPr spc="-15" dirty="0"/>
+              <a:rPr spc="-15"/>
               <a:t> Rights</a:t>
             </a:r>
             <a:r>
-              <a:rPr spc="-10" dirty="0"/>
+              <a:rPr spc="-10"/>
               <a:t> </a:t>
             </a:r>
             <a:r>
-              <a:rPr spc="-15" dirty="0"/>
+              <a:rPr spc="-15"/>
               <a:t>Reserved.</a:t>
             </a:r>
             <a:r>
-              <a:rPr spc="-10" dirty="0"/>
+              <a:rPr spc="-10"/>
               <a:t> </a:t>
             </a:r>
             <a:r>
-              <a:rPr spc="-5" dirty="0"/>
+              <a:rPr spc="-5"/>
               <a:t>Adobe</a:t>
             </a:r>
             <a:r>
-              <a:rPr spc="60" dirty="0"/>
+              <a:rPr spc="60"/>
               <a:t> </a:t>
             </a:r>
             <a:r>
-              <a:rPr spc="-15" dirty="0"/>
+              <a:rPr spc="-15"/>
               <a:t>Confidential.</a:t>
             </a:r>
           </a:p>
@@ -1670,7 +1699,7 @@
           <a:p>
             <a:fld id="{1D8BD707-D9CF-40AE-B4C6-C98DA3205C09}" type="datetimeFigureOut">
               <a:rPr lang="en-US"/>
-              <a:t>10/11/21</a:t>
+              <a:t>10/13/2021</a:t>
             </a:fld>
             <a:endParaRPr lang="en-US"/>
           </a:p>
@@ -1710,7 +1739,7 @@
               </a:spcBef>
             </a:pPr>
             <a:r>
-              <a:rPr spc="-5" dirty="0"/>
+              <a:rPr spc="-5"/>
               <a:t>©</a:t>
             </a:r>
             <a:fld id="{81D60167-4931-47E6-BA6A-407CBD079E47}" type="slidenum">
@@ -1718,35 +1747,35 @@
               <a:t>‹#›</a:t>
             </a:fld>
             <a:r>
-              <a:rPr spc="-5" dirty="0"/>
+              <a:rPr spc="-5"/>
               <a:t> Adobe. All</a:t>
             </a:r>
             <a:r>
-              <a:rPr spc="-15" dirty="0"/>
+              <a:rPr spc="-15"/>
               <a:t> Rights</a:t>
             </a:r>
             <a:r>
-              <a:rPr spc="-10" dirty="0"/>
+              <a:rPr spc="-10"/>
               <a:t> </a:t>
             </a:r>
             <a:r>
-              <a:rPr spc="-15" dirty="0"/>
+              <a:rPr spc="-15"/>
               <a:t>Reserved.</a:t>
             </a:r>
             <a:r>
-              <a:rPr spc="-10" dirty="0"/>
+              <a:rPr spc="-10"/>
               <a:t> </a:t>
             </a:r>
             <a:r>
-              <a:rPr spc="-5" dirty="0"/>
+              <a:rPr spc="-5"/>
               <a:t>Adobe</a:t>
             </a:r>
             <a:r>
-              <a:rPr spc="60" dirty="0"/>
+              <a:rPr spc="60"/>
               <a:t> </a:t>
             </a:r>
             <a:r>
-              <a:rPr spc="-15" dirty="0"/>
+              <a:rPr spc="-15"/>
               <a:t>Confidential.</a:t>
             </a:r>
           </a:p>
@@ -1933,7 +1962,7 @@
           <a:p>
             <a:fld id="{1D8BD707-D9CF-40AE-B4C6-C98DA3205C09}" type="datetimeFigureOut">
               <a:rPr lang="en-US"/>
-              <a:t>10/11/21</a:t>
+              <a:t>10/13/2021</a:t>
             </a:fld>
             <a:endParaRPr lang="en-US"/>
           </a:p>
@@ -1983,7 +2012,7 @@
               </a:spcBef>
             </a:pPr>
             <a:r>
-              <a:rPr spc="-5" dirty="0"/>
+              <a:rPr spc="-5"/>
               <a:t>©</a:t>
             </a:r>
             <a:fld id="{81D60167-4931-47E6-BA6A-407CBD079E47}" type="slidenum">
@@ -1991,35 +2020,35 @@
               <a:t>‹#›</a:t>
             </a:fld>
             <a:r>
-              <a:rPr spc="-5" dirty="0"/>
+              <a:rPr spc="-5"/>
               <a:t> Adobe. All</a:t>
             </a:r>
             <a:r>
-              <a:rPr spc="-15" dirty="0"/>
+              <a:rPr spc="-15"/>
               <a:t> Rights</a:t>
             </a:r>
             <a:r>
-              <a:rPr spc="-10" dirty="0"/>
+              <a:rPr spc="-10"/>
               <a:t> </a:t>
             </a:r>
             <a:r>
-              <a:rPr spc="-15" dirty="0"/>
+              <a:rPr spc="-15"/>
               <a:t>Reserved.</a:t>
             </a:r>
             <a:r>
-              <a:rPr spc="-10" dirty="0"/>
+              <a:rPr spc="-10"/>
               <a:t> </a:t>
             </a:r>
             <a:r>
-              <a:rPr spc="-5" dirty="0"/>
+              <a:rPr spc="-5"/>
               <a:t>Adobe</a:t>
             </a:r>
             <a:r>
-              <a:rPr spc="60" dirty="0"/>
+              <a:rPr spc="60"/>
               <a:t> </a:t>
             </a:r>
             <a:r>
-              <a:rPr spc="-15" dirty="0"/>
+              <a:rPr spc="-15"/>
               <a:t>Confidential.</a:t>
             </a:r>
           </a:p>
@@ -2216,25 +2245,27 @@
           </a:prstGeom>
         </p:spPr>
         <p:txBody>
-          <a:bodyPr vert="horz" wrap="square" lIns="0" tIns="12700" rIns="0" bIns="0" rtlCol="0">
+          <a:bodyPr vert="horz" wrap="square" lIns="0" tIns="12700" rIns="0" bIns="0" rtlCol="0" anchor="t">
             <a:spAutoFit/>
           </a:bodyPr>
           <a:lstStyle/>
           <a:p>
             <a:pPr marL="12700">
-              <a:lnSpc>
-                <a:spcPct val="100000"/>
-              </a:lnSpc>
               <a:spcBef>
                 <a:spcPts val="100"/>
               </a:spcBef>
             </a:pPr>
             <a:r>
-              <a:rPr lang="de-de" sz="2300" dirty="0">
-                <a:latin typeface="Adobe Clean" panose="020B0503020404020204" pitchFamily="34" charset="0"/>
-              </a:rPr>
-              <a:t>Adobe 지원 서비스 제공 사항</a:t>
-            </a:r>
+              <a:rPr sz="2300"/>
+              <a:t>ADOBE </a:t>
+            </a:r>
+            <a:r>
+              <a:rPr lang="en-US" sz="2300"/>
+              <a:t>SUPPORT PLANS</a:t>
+            </a:r>
+            <a:endParaRPr sz="2300">
+              <a:latin typeface="Adobe Clean" panose="020B0503020404020204" pitchFamily="34" charset="0"/>
+            </a:endParaRPr>
           </a:p>
         </p:txBody>
       </p:sp>
@@ -2268,17 +2299,17 @@
               </a:spcBef>
             </a:pPr>
             <a:r>
-              <a:rPr lang="de-de" sz="1100" spc="-5" dirty="0">
+              <a:rPr sz="1100" spc="-5">
                 <a:solidFill>
                   <a:srgbClr val="FFFFFF"/>
                 </a:solidFill>
                 <a:latin typeface="AdobeClean-Light"/>
                 <a:cs typeface="AdobeClean-Light"/>
               </a:rPr>
-              <a:t>온라인</a:t>
-            </a:r>
-            <a:r>
-              <a:rPr lang="de-de" sz="1100" dirty="0">
+              <a:t>Online</a:t>
+            </a:r>
+            <a:r>
+              <a:rPr sz="1100">
                 <a:solidFill>
                   <a:srgbClr val="FFFFFF"/>
                 </a:solidFill>
@@ -2288,7 +2319,7 @@
               <a:t> |</a:t>
             </a:r>
             <a:r>
-              <a:rPr lang="de-de" sz="1100" spc="5" dirty="0">
+              <a:rPr sz="1100" spc="5">
                 <a:solidFill>
                   <a:srgbClr val="FFFFFF"/>
                 </a:solidFill>
@@ -2298,17 +2329,17 @@
               <a:t> </a:t>
             </a:r>
             <a:r>
-              <a:rPr lang="de-de" sz="1100" spc="-5" dirty="0">
+              <a:rPr sz="1100" spc="-5">
                 <a:solidFill>
                   <a:srgbClr val="FFFFFF"/>
                 </a:solidFill>
                 <a:latin typeface="AdobeClean-Light"/>
                 <a:cs typeface="AdobeClean-Light"/>
               </a:rPr>
-              <a:t>비즈니스</a:t>
-            </a:r>
-            <a:r>
-              <a:rPr lang="de-de" sz="1100" dirty="0">
+              <a:t>Business</a:t>
+            </a:r>
+            <a:r>
+              <a:rPr sz="1100">
                 <a:solidFill>
                   <a:srgbClr val="FFFFFF"/>
                 </a:solidFill>
@@ -2318,7 +2349,7 @@
               <a:t> |</a:t>
             </a:r>
             <a:r>
-              <a:rPr lang="de-de" sz="1100" spc="10" dirty="0">
+              <a:rPr sz="1100" spc="10">
                 <a:solidFill>
                   <a:srgbClr val="FFFFFF"/>
                 </a:solidFill>
@@ -2328,17 +2359,17 @@
               <a:t> </a:t>
             </a:r>
             <a:r>
-              <a:rPr lang="de-de" sz="1100" spc="-5" dirty="0">
+              <a:rPr sz="1100" spc="-5">
                 <a:solidFill>
                   <a:srgbClr val="FFFFFF"/>
                 </a:solidFill>
                 <a:latin typeface="AdobeClean-Light"/>
                 <a:cs typeface="AdobeClean-Light"/>
               </a:rPr>
-              <a:t>엔터프라이즈</a:t>
-            </a:r>
-            <a:r>
-              <a:rPr lang="de-de" sz="1100" spc="10" dirty="0">
+              <a:t>Enterprise</a:t>
+            </a:r>
+            <a:r>
+              <a:rPr sz="1100" spc="10">
                 <a:solidFill>
                   <a:srgbClr val="FFFFFF"/>
                 </a:solidFill>
@@ -2348,7 +2379,7 @@
               <a:t> </a:t>
             </a:r>
             <a:r>
-              <a:rPr lang="de-de" sz="1100" dirty="0">
+              <a:rPr sz="1100">
                 <a:solidFill>
                   <a:srgbClr val="FFFFFF"/>
                 </a:solidFill>
@@ -2358,7 +2389,7 @@
               <a:t>|</a:t>
             </a:r>
             <a:r>
-              <a:rPr lang="de-de" sz="1100" spc="5" dirty="0">
+              <a:rPr sz="1100" spc="5">
                 <a:solidFill>
                   <a:srgbClr val="FFFFFF"/>
                 </a:solidFill>
@@ -2368,16 +2399,16 @@
               <a:t> </a:t>
             </a:r>
             <a:r>
-              <a:rPr lang="de-de" sz="1100" b="1" spc="-65" dirty="0">
+              <a:rPr sz="1100" b="1" spc="-65">
                 <a:solidFill>
                   <a:srgbClr val="FFFFFF"/>
                 </a:solidFill>
                 <a:latin typeface="Arial"/>
                 <a:cs typeface="Arial"/>
               </a:rPr>
-              <a:t>엘리트</a:t>
-            </a:r>
-            <a:endParaRPr sz="1100" dirty="0">
+              <a:t>Elite</a:t>
+            </a:r>
+            <a:endParaRPr sz="1100">
               <a:latin typeface="Arial"/>
               <a:cs typeface="Arial"/>
             </a:endParaRPr>
@@ -2389,15 +2420,15 @@
               </a:spcBef>
             </a:pPr>
             <a:r>
-              <a:rPr lang="de-de" sz="900" dirty="0">
+              <a:rPr lang="en-US" sz="900">
                 <a:solidFill>
                   <a:schemeClr val="bg1"/>
                 </a:solidFill>
                 <a:latin typeface="Adobe Clean SemiLight" panose="020B0403020404020204" pitchFamily="34" charset="0"/>
               </a:rPr>
-              <a:t>Adobe는 비즈니스를 지원하는 데 도움이 되는 포괄적인 기술 리소스를 제공합니다. Experience Cloud 라이선스 구독의 일부로 포함되며 엘리트 지원 패키지에서 더욱 향상되었습니다. 엘리트 지원에는 Adobe Experience League를 통한 개인 맞춤형 학습 경로 및 모니터링되는 커뮤니티 포럼 액세스가 포함됩니다. 또한 상세한 심층적 기술 제품 설명서 및 최신 릴리스 정보를 활용할 수도 있습니다. 엘리트 고객은 Adobe 지원 팀에서 지정 기술 담당자 역할을 하는 동시에 최고 수준의 사전 대응 및 사후 지원을 제공하기 위해 단합하고 고객과 협력하는 기술 계정 관리자 및 지정 지원 엔지니어의 서비스도 이용할 수 있습니다. 지정된 Experience Cloud 솔루션에 대한 풍부한 경험을 바탕으로, 지원 요구 사항이 아무리 복잡하더라도 Adobe 지원 팀은 처음부터 끝까지 고객과 함께하며 Adobe Experience Cloud 솔루션에 대한 투자를 극대화하고 문제가 발생하기 전에 예방하기 위해 노력합니다.</a:t>
-            </a:r>
-            <a:endParaRPr sz="900" dirty="0">
+              <a:t>Adobe provides a comprehensive range of technical resources to help support your business included as part of your Experience Cloud license subscription and further enhanced in the ELITE support package. ELITE support includes access to personalized learning paths and monitored community forums via the Adobe Experience League. You can also take advantage of our detailed and in-depth technical product documentation and current release notes. ELITE customers will also have access to a Named Support Engineer as well as a Technical Account Manager who combine and work in partnership with you to provide best in class proactive and reactive support while acting as your designated technical contacts in the Adobe Support Team. With deep experience in your designated Experience Cloud solutions, your support team work to ensure that no matter how complex your support needs are, the Adobe Support team will be there side by side with you throughout, to ensure you maximize your investment in the Adobe Experience Cloud solutions and to help you avoid problems before they happen.</a:t>
+            </a:r>
+            <a:endParaRPr sz="900">
               <a:solidFill>
                 <a:schemeClr val="bg1"/>
               </a:solidFill>
@@ -2415,8 +2446,8 @@
         </p:nvSpPr>
         <p:spPr>
           <a:xfrm>
-            <a:off x="168564" y="7024370"/>
-            <a:ext cx="5394036" cy="228268"/>
+            <a:off x="168564" y="7162800"/>
+            <a:ext cx="2780665" cy="238760"/>
           </a:xfrm>
           <a:prstGeom prst="rect">
             <a:avLst/>
@@ -2437,7 +2468,7 @@
               </a:spcBef>
             </a:pPr>
             <a:r>
-              <a:rPr lang="de-de" sz="1400" b="1" u="heavy" spc="20" dirty="0">
+              <a:rPr sz="1400" b="1" u="heavy" spc="20">
                 <a:solidFill>
                   <a:srgbClr val="020302"/>
                 </a:solidFill>
@@ -2449,10 +2480,10 @@
                 <a:latin typeface="Adobe Clean"/>
                 <a:cs typeface="Adobe Clean"/>
               </a:rPr>
-              <a:t>서비스 </a:t>
-            </a:r>
-            <a:r>
-              <a:rPr lang="de-de" sz="1400" b="1" u="heavy" spc="-20" dirty="0">
+              <a:t>S</a:t>
+            </a:r>
+            <a:r>
+              <a:rPr sz="1400" b="1" u="heavy">
                 <a:solidFill>
                   <a:srgbClr val="020302"/>
                 </a:solidFill>
@@ -2464,10 +2495,10 @@
                 <a:latin typeface="Adobe Clean"/>
                 <a:cs typeface="Adobe Clean"/>
               </a:rPr>
-              <a:t>수준</a:t>
-            </a:r>
-            <a:r>
-              <a:rPr lang="de-de" sz="1400" b="1" u="heavy" spc="-10" dirty="0">
+              <a:t>er</a:t>
+            </a:r>
+            <a:r>
+              <a:rPr sz="1400" b="1" u="heavy" spc="10">
                 <a:solidFill>
                   <a:srgbClr val="020302"/>
                 </a:solidFill>
@@ -2479,10 +2510,10 @@
                 <a:latin typeface="Adobe Clean"/>
                 <a:cs typeface="Adobe Clean"/>
               </a:rPr>
-              <a:t> </a:t>
-            </a:r>
-            <a:r>
-              <a:rPr lang="de-de" sz="1400" b="1" u="heavy" spc="-65" dirty="0">
+              <a:t>vi</a:t>
+            </a:r>
+            <a:r>
+              <a:rPr sz="1400" b="1" u="heavy">
                 <a:solidFill>
                   <a:srgbClr val="020302"/>
                 </a:solidFill>
@@ -2494,10 +2525,10 @@
                 <a:latin typeface="Adobe Clean"/>
                 <a:cs typeface="Adobe Clean"/>
               </a:rPr>
-              <a:t>목표</a:t>
-            </a:r>
-            <a:r>
-              <a:rPr lang="de-de" sz="1400" b="1" u="heavy" dirty="0">
+              <a:t>ce</a:t>
+            </a:r>
+            <a:r>
+              <a:rPr sz="1400" b="1" u="heavy" spc="20">
                 <a:solidFill>
                   <a:srgbClr val="020302"/>
                 </a:solidFill>
@@ -2509,10 +2540,10 @@
                 <a:latin typeface="Adobe Clean"/>
                 <a:cs typeface="Adobe Clean"/>
               </a:rPr>
-              <a:t>:</a:t>
-            </a:r>
-            <a:r>
-              <a:rPr lang="de-de" sz="1400" b="1" u="heavy" spc="-80" dirty="0">
+              <a:t> </a:t>
+            </a:r>
+            <a:r>
+              <a:rPr sz="1400" b="1" u="heavy" spc="-20">
                 <a:solidFill>
                   <a:srgbClr val="020302"/>
                 </a:solidFill>
@@ -2524,10 +2555,10 @@
                 <a:latin typeface="Adobe Clean"/>
                 <a:cs typeface="Adobe Clean"/>
               </a:rPr>
-              <a:t> </a:t>
-            </a:r>
-            <a:r>
-              <a:rPr lang="de-de" sz="1400" b="1" u="heavy" spc="-20" dirty="0">
+              <a:t>Le</a:t>
+            </a:r>
+            <a:r>
+              <a:rPr sz="1400" b="1" u="heavy" spc="-10">
                 <a:solidFill>
                   <a:srgbClr val="020302"/>
                 </a:solidFill>
@@ -2539,10 +2570,10 @@
                 <a:latin typeface="Adobe Clean"/>
                 <a:cs typeface="Adobe Clean"/>
               </a:rPr>
-              <a:t>초기</a:t>
-            </a:r>
-            <a:r>
-              <a:rPr lang="de-de" sz="1400" b="1" u="heavy" spc="-140" dirty="0">
+              <a:t>v</a:t>
+            </a:r>
+            <a:r>
+              <a:rPr sz="1400" b="1" u="heavy" spc="-20">
                 <a:solidFill>
                   <a:srgbClr val="020302"/>
                 </a:solidFill>
@@ -2554,10 +2585,10 @@
                 <a:latin typeface="Adobe Clean"/>
                 <a:cs typeface="Adobe Clean"/>
               </a:rPr>
-              <a:t> </a:t>
-            </a:r>
-            <a:r>
-              <a:rPr lang="de-de" sz="1400" b="1" u="heavy" spc="-15" dirty="0">
+              <a:t>e</a:t>
+            </a:r>
+            <a:r>
+              <a:rPr sz="1400" b="1" u="heavy">
                 <a:solidFill>
                   <a:srgbClr val="020302"/>
                 </a:solidFill>
@@ -2569,9 +2600,324 @@
                 <a:latin typeface="Adobe Clean"/>
                 <a:cs typeface="Adobe Clean"/>
               </a:rPr>
-              <a:t>대응</a:t>
-            </a:r>
-            <a:endParaRPr sz="1400" dirty="0">
+              <a:t>l</a:t>
+            </a:r>
+            <a:r>
+              <a:rPr sz="1400" b="1" u="heavy" spc="-10">
+                <a:solidFill>
+                  <a:srgbClr val="020302"/>
+                </a:solidFill>
+                <a:uFill>
+                  <a:solidFill>
+                    <a:srgbClr val="020302"/>
+                  </a:solidFill>
+                </a:uFill>
+                <a:latin typeface="Adobe Clean"/>
+                <a:cs typeface="Adobe Clean"/>
+              </a:rPr>
+              <a:t> </a:t>
+            </a:r>
+            <a:r>
+              <a:rPr sz="1400" b="1" u="heavy" spc="-65">
+                <a:solidFill>
+                  <a:srgbClr val="020302"/>
+                </a:solidFill>
+                <a:uFill>
+                  <a:solidFill>
+                    <a:srgbClr val="020302"/>
+                  </a:solidFill>
+                </a:uFill>
+                <a:latin typeface="Adobe Clean"/>
+                <a:cs typeface="Adobe Clean"/>
+              </a:rPr>
+              <a:t>T</a:t>
+            </a:r>
+            <a:r>
+              <a:rPr sz="1400" b="1" u="heavy" spc="-35">
+                <a:solidFill>
+                  <a:srgbClr val="020302"/>
+                </a:solidFill>
+                <a:uFill>
+                  <a:solidFill>
+                    <a:srgbClr val="020302"/>
+                  </a:solidFill>
+                </a:uFill>
+                <a:latin typeface="Adobe Clean"/>
+                <a:cs typeface="Adobe Clean"/>
+              </a:rPr>
+              <a:t>a</a:t>
+            </a:r>
+            <a:r>
+              <a:rPr sz="1400" b="1" u="heavy" spc="-45">
+                <a:solidFill>
+                  <a:srgbClr val="020302"/>
+                </a:solidFill>
+                <a:uFill>
+                  <a:solidFill>
+                    <a:srgbClr val="020302"/>
+                  </a:solidFill>
+                </a:uFill>
+                <a:latin typeface="Adobe Clean"/>
+                <a:cs typeface="Adobe Clean"/>
+              </a:rPr>
+              <a:t>r</a:t>
+            </a:r>
+            <a:r>
+              <a:rPr sz="1400" b="1" u="heavy" spc="-35">
+                <a:solidFill>
+                  <a:srgbClr val="020302"/>
+                </a:solidFill>
+                <a:uFill>
+                  <a:solidFill>
+                    <a:srgbClr val="020302"/>
+                  </a:solidFill>
+                </a:uFill>
+                <a:latin typeface="Adobe Clean"/>
+                <a:cs typeface="Adobe Clean"/>
+              </a:rPr>
+              <a:t>g</a:t>
+            </a:r>
+            <a:r>
+              <a:rPr sz="1400" b="1" u="heavy" spc="-55">
+                <a:solidFill>
+                  <a:srgbClr val="020302"/>
+                </a:solidFill>
+                <a:uFill>
+                  <a:solidFill>
+                    <a:srgbClr val="020302"/>
+                  </a:solidFill>
+                </a:uFill>
+                <a:latin typeface="Adobe Clean"/>
+                <a:cs typeface="Adobe Clean"/>
+              </a:rPr>
+              <a:t>et</a:t>
+            </a:r>
+            <a:r>
+              <a:rPr sz="1400" b="1" u="heavy" spc="-45">
+                <a:solidFill>
+                  <a:srgbClr val="020302"/>
+                </a:solidFill>
+                <a:uFill>
+                  <a:solidFill>
+                    <a:srgbClr val="020302"/>
+                  </a:solidFill>
+                </a:uFill>
+                <a:latin typeface="Adobe Clean"/>
+                <a:cs typeface="Adobe Clean"/>
+              </a:rPr>
+              <a:t>s</a:t>
+            </a:r>
+            <a:r>
+              <a:rPr sz="1400" b="1" u="heavy">
+                <a:solidFill>
+                  <a:srgbClr val="020302"/>
+                </a:solidFill>
+                <a:uFill>
+                  <a:solidFill>
+                    <a:srgbClr val="020302"/>
+                  </a:solidFill>
+                </a:uFill>
+                <a:latin typeface="Adobe Clean"/>
+                <a:cs typeface="Adobe Clean"/>
+              </a:rPr>
+              <a:t>:</a:t>
+            </a:r>
+            <a:r>
+              <a:rPr sz="1400" b="1" u="heavy" spc="-80">
+                <a:solidFill>
+                  <a:srgbClr val="020302"/>
+                </a:solidFill>
+                <a:uFill>
+                  <a:solidFill>
+                    <a:srgbClr val="020302"/>
+                  </a:solidFill>
+                </a:uFill>
+                <a:latin typeface="Adobe Clean"/>
+                <a:cs typeface="Adobe Clean"/>
+              </a:rPr>
+              <a:t> </a:t>
+            </a:r>
+            <a:r>
+              <a:rPr sz="1400" b="1" u="heavy" spc="-20">
+                <a:solidFill>
+                  <a:srgbClr val="020302"/>
+                </a:solidFill>
+                <a:uFill>
+                  <a:solidFill>
+                    <a:srgbClr val="020302"/>
+                  </a:solidFill>
+                </a:uFill>
+                <a:latin typeface="Adobe Clean"/>
+                <a:cs typeface="Adobe Clean"/>
+              </a:rPr>
+              <a:t>I</a:t>
+            </a:r>
+            <a:r>
+              <a:rPr sz="1400" b="1" u="heavy" spc="-10">
+                <a:solidFill>
+                  <a:srgbClr val="020302"/>
+                </a:solidFill>
+                <a:uFill>
+                  <a:solidFill>
+                    <a:srgbClr val="020302"/>
+                  </a:solidFill>
+                </a:uFill>
+                <a:latin typeface="Adobe Clean"/>
+                <a:cs typeface="Adobe Clean"/>
+              </a:rPr>
+              <a:t>ni</a:t>
+            </a:r>
+            <a:r>
+              <a:rPr sz="1400" b="1" u="heavy" spc="-20">
+                <a:solidFill>
+                  <a:srgbClr val="020302"/>
+                </a:solidFill>
+                <a:uFill>
+                  <a:solidFill>
+                    <a:srgbClr val="020302"/>
+                  </a:solidFill>
+                </a:uFill>
+                <a:latin typeface="Adobe Clean"/>
+                <a:cs typeface="Adobe Clean"/>
+              </a:rPr>
+              <a:t>t</a:t>
+            </a:r>
+            <a:r>
+              <a:rPr sz="1400" b="1" u="heavy" spc="-10">
+                <a:solidFill>
+                  <a:srgbClr val="020302"/>
+                </a:solidFill>
+                <a:uFill>
+                  <a:solidFill>
+                    <a:srgbClr val="020302"/>
+                  </a:solidFill>
+                </a:uFill>
+                <a:latin typeface="Adobe Clean"/>
+                <a:cs typeface="Adobe Clean"/>
+              </a:rPr>
+              <a:t>i</a:t>
+            </a:r>
+            <a:r>
+              <a:rPr sz="1400" b="1" u="heavy">
+                <a:solidFill>
+                  <a:srgbClr val="020302"/>
+                </a:solidFill>
+                <a:uFill>
+                  <a:solidFill>
+                    <a:srgbClr val="020302"/>
+                  </a:solidFill>
+                </a:uFill>
+                <a:latin typeface="Adobe Clean"/>
+                <a:cs typeface="Adobe Clean"/>
+              </a:rPr>
+              <a:t>al</a:t>
+            </a:r>
+            <a:r>
+              <a:rPr sz="1400" b="1" u="heavy" spc="-140">
+                <a:solidFill>
+                  <a:srgbClr val="020302"/>
+                </a:solidFill>
+                <a:uFill>
+                  <a:solidFill>
+                    <a:srgbClr val="020302"/>
+                  </a:solidFill>
+                </a:uFill>
+                <a:latin typeface="Adobe Clean"/>
+                <a:cs typeface="Adobe Clean"/>
+              </a:rPr>
+              <a:t> </a:t>
+            </a:r>
+            <a:r>
+              <a:rPr sz="1400" b="1" u="heavy" spc="-15">
+                <a:solidFill>
+                  <a:srgbClr val="020302"/>
+                </a:solidFill>
+                <a:uFill>
+                  <a:solidFill>
+                    <a:srgbClr val="020302"/>
+                  </a:solidFill>
+                </a:uFill>
+                <a:latin typeface="Adobe Clean"/>
+                <a:cs typeface="Adobe Clean"/>
+              </a:rPr>
+              <a:t>R</a:t>
+            </a:r>
+            <a:r>
+              <a:rPr sz="1400" b="1" u="heavy" spc="-25">
+                <a:solidFill>
+                  <a:srgbClr val="020302"/>
+                </a:solidFill>
+                <a:uFill>
+                  <a:solidFill>
+                    <a:srgbClr val="020302"/>
+                  </a:solidFill>
+                </a:uFill>
+                <a:latin typeface="Adobe Clean"/>
+                <a:cs typeface="Adobe Clean"/>
+              </a:rPr>
+              <a:t>e</a:t>
+            </a:r>
+            <a:r>
+              <a:rPr sz="1400" b="1" u="heavy" spc="-15">
+                <a:solidFill>
+                  <a:srgbClr val="020302"/>
+                </a:solidFill>
+                <a:uFill>
+                  <a:solidFill>
+                    <a:srgbClr val="020302"/>
+                  </a:solidFill>
+                </a:uFill>
+                <a:latin typeface="Adobe Clean"/>
+                <a:cs typeface="Adobe Clean"/>
+              </a:rPr>
+              <a:t>s</a:t>
+            </a:r>
+            <a:r>
+              <a:rPr sz="1400" b="1" u="heavy" spc="-25">
+                <a:solidFill>
+                  <a:srgbClr val="020302"/>
+                </a:solidFill>
+                <a:uFill>
+                  <a:solidFill>
+                    <a:srgbClr val="020302"/>
+                  </a:solidFill>
+                </a:uFill>
+                <a:latin typeface="Adobe Clean"/>
+                <a:cs typeface="Adobe Clean"/>
+              </a:rPr>
+              <a:t>p</a:t>
+            </a:r>
+            <a:r>
+              <a:rPr sz="1400" b="1" u="heavy" spc="-15">
+                <a:solidFill>
+                  <a:srgbClr val="020302"/>
+                </a:solidFill>
+                <a:uFill>
+                  <a:solidFill>
+                    <a:srgbClr val="020302"/>
+                  </a:solidFill>
+                </a:uFill>
+                <a:latin typeface="Adobe Clean"/>
+                <a:cs typeface="Adobe Clean"/>
+              </a:rPr>
+              <a:t>ons</a:t>
+            </a:r>
+            <a:r>
+              <a:rPr sz="1400" b="1" u="heavy">
+                <a:solidFill>
+                  <a:srgbClr val="020302"/>
+                </a:solidFill>
+                <a:uFill>
+                  <a:solidFill>
+                    <a:srgbClr val="020302"/>
+                  </a:solidFill>
+                </a:uFill>
+                <a:latin typeface="Adobe Clean"/>
+                <a:cs typeface="Adobe Clean"/>
+              </a:rPr>
+              <a:t>e</a:t>
+            </a:r>
+            <a:endParaRPr sz="1400">
               <a:latin typeface="Adobe Clean"/>
               <a:cs typeface="Adobe Clean"/>
             </a:endParaRPr>
@@ -2587,14 +2933,14 @@
           <p:nvPr>
             <p:extLst>
               <p:ext uri="{D42A27DB-BD31-4B8C-83A1-F6EECF244321}">
-                <p14:modId xmlns:p14="http://schemas.microsoft.com/office/powerpoint/2010/main" val="3820694258"/>
+                <p14:modId xmlns:p14="http://schemas.microsoft.com/office/powerpoint/2010/main" val="101721845"/>
               </p:ext>
             </p:extLst>
           </p:nvPr>
         </p:nvGraphicFramePr>
         <p:xfrm>
           <a:off x="145668" y="7473158"/>
-          <a:ext cx="7409815" cy="2204716"/>
+          <a:ext cx="7409815" cy="2259721"/>
         </p:xfrm>
         <a:graphic>
           <a:graphicData uri="http://schemas.openxmlformats.org/drawingml/2006/table">
@@ -2640,16 +2986,16 @@
                         </a:spcBef>
                       </a:pPr>
                       <a:r>
-                        <a:rPr lang="de-de" sz="900" spc="0" dirty="0">
+                        <a:rPr sz="900" spc="0">
                           <a:solidFill>
                             <a:srgbClr val="020302"/>
                           </a:solidFill>
                           <a:latin typeface="Adobe Clean"/>
                           <a:cs typeface="Adobe Clean"/>
                         </a:rPr>
-                        <a:t>우선 순위</a:t>
+                        <a:t>Priority</a:t>
                       </a:r>
-                      <a:endParaRPr sz="900" spc="0" dirty="0">
+                      <a:endParaRPr sz="900" spc="0">
                         <a:latin typeface="Adobe Clean"/>
                         <a:cs typeface="Adobe Clean"/>
                       </a:endParaRPr>
@@ -2699,16 +3045,36 @@
                         </a:spcBef>
                       </a:pPr>
                       <a:r>
-                        <a:rPr lang="de-de" sz="900" spc="0" dirty="0">
+                        <a:rPr sz="900" spc="0">
                           <a:solidFill>
                             <a:srgbClr val="020302"/>
                           </a:solidFill>
                           <a:latin typeface="Adobe Clean"/>
                           <a:cs typeface="Adobe Clean"/>
                         </a:rPr>
-                        <a:t>온라인  지원</a:t>
+                        <a:t>Online</a:t>
                       </a:r>
-                      <a:endParaRPr sz="900" spc="0" dirty="0">
+                      <a:r>
+                        <a:rPr lang="en-US" sz="900" spc="0">
+                          <a:solidFill>
+                            <a:srgbClr val="020302"/>
+                          </a:solidFill>
+                          <a:latin typeface="Adobe Clean"/>
+                          <a:cs typeface="Adobe Clean"/>
+                        </a:rPr>
+                        <a:t> </a:t>
+                      </a:r>
+                      <a:r>
+                        <a:rPr sz="900" spc="0">
+                          <a:solidFill>
+                            <a:srgbClr val="020302"/>
+                          </a:solidFill>
+                          <a:latin typeface="Adobe Clean"/>
+                          <a:cs typeface="Adobe Clean"/>
+                        </a:rPr>
+                        <a:t> Support</a:t>
+                      </a:r>
+                      <a:endParaRPr sz="900" spc="0">
                         <a:latin typeface="Adobe Clean"/>
                         <a:cs typeface="Adobe Clean"/>
                       </a:endParaRPr>
@@ -2752,7 +3118,7 @@
                     <a:bodyPr/>
                     <a:lstStyle/>
                     <a:p>
-                      <a:pPr marL="263525" algn="ctr">
+                      <a:pPr marL="263525" algn="l">
                         <a:lnSpc>
                           <a:spcPct val="100000"/>
                         </a:lnSpc>
@@ -2761,16 +3127,36 @@
                         </a:spcBef>
                       </a:pPr>
                       <a:r>
-                        <a:rPr lang="de-de" sz="900" spc="0" dirty="0">
+                        <a:rPr sz="900" spc="0">
                           <a:solidFill>
                             <a:srgbClr val="FFFFFF"/>
                           </a:solidFill>
                           <a:latin typeface="Adobe Clean"/>
                           <a:cs typeface="Adobe Clean"/>
                         </a:rPr>
-                        <a:t>엘리트  지원</a:t>
+                        <a:t>Elite </a:t>
                       </a:r>
-                      <a:endParaRPr sz="900" spc="0" dirty="0">
+                      <a:r>
+                        <a:rPr lang="en-US" sz="900" spc="0">
+                          <a:solidFill>
+                            <a:srgbClr val="FFFFFF"/>
+                          </a:solidFill>
+                          <a:latin typeface="Adobe Clean"/>
+                          <a:cs typeface="Adobe Clean"/>
+                        </a:rPr>
+                        <a:t> </a:t>
+                      </a:r>
+                      <a:r>
+                        <a:rPr sz="900" spc="0">
+                          <a:solidFill>
+                            <a:srgbClr val="FFFFFF"/>
+                          </a:solidFill>
+                          <a:latin typeface="Adobe Clean"/>
+                          <a:cs typeface="Adobe Clean"/>
+                        </a:rPr>
+                        <a:t>Support</a:t>
+                      </a:r>
+                      <a:endParaRPr sz="900" spc="0">
                         <a:latin typeface="Adobe Clean"/>
                         <a:cs typeface="Adobe Clean"/>
                       </a:endParaRPr>
@@ -2830,16 +3216,16 @@
                         </a:spcBef>
                       </a:pPr>
                       <a:r>
-                        <a:rPr lang="de-de" sz="900" b="1" spc="0" dirty="0">
+                        <a:rPr sz="900" b="1" spc="0">
                           <a:solidFill>
                             <a:srgbClr val="020302"/>
                           </a:solidFill>
                           <a:latin typeface="Adobe Clean"/>
                           <a:cs typeface="Adobe Clean"/>
                         </a:rPr>
-                        <a:t>우선 순위 1</a:t>
+                        <a:t>PRIORITY 1</a:t>
                       </a:r>
-                      <a:endParaRPr sz="900" spc="0" dirty="0">
+                      <a:endParaRPr sz="900" spc="0">
                         <a:latin typeface="Adobe Clean"/>
                         <a:cs typeface="Adobe Clean"/>
                       </a:endParaRPr>
@@ -2854,16 +3240,16 @@
                         </a:spcBef>
                       </a:pPr>
                       <a:r>
-                        <a:rPr lang="de-de" sz="900" b="0" i="0" u="none" strike="noStrike" spc="0" dirty="0">
+                        <a:rPr lang="en-US" sz="900" b="0" i="0" u="none" strike="noStrike" spc="0">
                           <a:solidFill>
                             <a:srgbClr val="000000"/>
                           </a:solidFill>
                           <a:effectLst/>
                           <a:latin typeface="Adobe Clean Light" panose="020B0303020404020204" pitchFamily="34" charset="0"/>
                         </a:rPr>
-                        <a:t>고객의 생산 비즈니스 기능이 다운되었거나 심각한 데이터 손실 또는 서비스 저하가 발생했으며 기능 및 사용성을 복원하기 위해 즉각적인 주의가 필요합니다.</a:t>
+                        <a:t>Customer's production business functions are down or have significant data loss or service degradation and immediate attention is required to restore functionality and usability</a:t>
                       </a:r>
-                      <a:endParaRPr sz="900" spc="0" dirty="0">
+                      <a:endParaRPr sz="900" spc="0">
                         <a:latin typeface="AdobeClean-Light"/>
                         <a:cs typeface="AdobeClean-Light"/>
                       </a:endParaRPr>
@@ -2904,22 +3290,82 @@
                     <a:bodyPr/>
                     <a:lstStyle/>
                     <a:p>
-                      <a:pPr marL="542925" marR="492125" algn="ctr">
+                      <a:pPr marL="542925" marR="492125" algn="l">
                         <a:lnSpc>
                           <a:spcPct val="102200"/>
                         </a:lnSpc>
                       </a:pPr>
                       <a:r>
-                        <a:rPr lang="de-de" sz="900" spc="0" dirty="0">
+                        <a:rPr sz="900" spc="0">
                           <a:solidFill>
                             <a:srgbClr val="020302"/>
                           </a:solidFill>
                           <a:latin typeface="AdobeClean-Light"/>
                           <a:cs typeface="AdobeClean-Light"/>
                         </a:rPr>
-                        <a:t>24x7 /           1시간</a:t>
+                        <a:t>24x7</a:t>
                       </a:r>
-                      <a:endParaRPr sz="900" spc="0" dirty="0">
+                      <a:r>
+                        <a:rPr lang="en-US" sz="900" spc="0">
+                          <a:solidFill>
+                            <a:srgbClr val="020302"/>
+                          </a:solidFill>
+                          <a:latin typeface="AdobeClean-Light"/>
+                          <a:cs typeface="AdobeClean-Light"/>
+                        </a:rPr>
+                        <a:t> </a:t>
+                      </a:r>
+                      <a:r>
+                        <a:rPr sz="900" spc="0">
+                          <a:solidFill>
+                            <a:srgbClr val="020302"/>
+                          </a:solidFill>
+                          <a:latin typeface="AdobeClean-Light"/>
+                          <a:cs typeface="AdobeClean-Light"/>
+                        </a:rPr>
+                        <a:t>/</a:t>
+                      </a:r>
+                      <a:r>
+                        <a:rPr lang="en-US" sz="900" spc="0">
+                          <a:solidFill>
+                            <a:srgbClr val="020302"/>
+                          </a:solidFill>
+                          <a:latin typeface="AdobeClean-Light"/>
+                          <a:cs typeface="AdobeClean-Light"/>
+                        </a:rPr>
+                        <a:t>         </a:t>
+                      </a:r>
+                      <a:r>
+                        <a:rPr sz="900" spc="0">
+                          <a:solidFill>
+                            <a:srgbClr val="020302"/>
+                          </a:solidFill>
+                          <a:latin typeface="AdobeClean-Light"/>
+                          <a:cs typeface="AdobeClean-Light"/>
+                        </a:rPr>
+                        <a:t>  1</a:t>
+                      </a:r>
+                      <a:r>
+                        <a:rPr lang="en-US" sz="900" spc="0">
+                          <a:solidFill>
+                            <a:srgbClr val="020302"/>
+                          </a:solidFill>
+                          <a:latin typeface="AdobeClean-Light"/>
+                          <a:cs typeface="AdobeClean-Light"/>
+                        </a:rPr>
+                        <a:t> </a:t>
+                      </a:r>
+                      <a:r>
+                        <a:rPr sz="900" spc="0">
+                          <a:solidFill>
+                            <a:srgbClr val="020302"/>
+                          </a:solidFill>
+                          <a:latin typeface="AdobeClean-Light"/>
+                          <a:cs typeface="AdobeClean-Light"/>
+                        </a:rPr>
+                        <a:t>hour</a:t>
+                      </a:r>
+                      <a:endParaRPr sz="900" spc="0">
                         <a:latin typeface="AdobeClean-Light"/>
                         <a:cs typeface="AdobeClean-Light"/>
                       </a:endParaRPr>
@@ -2960,22 +3406,72 @@
                     <a:bodyPr/>
                     <a:lstStyle/>
                     <a:p>
-                      <a:pPr marL="405130" marR="459740" indent="92710" algn="ctr">
+                      <a:pPr marL="405130" marR="459740" indent="92710" algn="l">
                         <a:lnSpc>
                           <a:spcPct val="100000"/>
                         </a:lnSpc>
                       </a:pPr>
                       <a:r>
-                        <a:rPr lang="de-de" sz="900" spc="0" dirty="0">
+                        <a:rPr lang="en-US" sz="900" spc="0">
                           <a:solidFill>
                             <a:srgbClr val="020302"/>
                           </a:solidFill>
                           <a:latin typeface="AdobeClean-Light"/>
                           <a:cs typeface="AdobeClean-Light"/>
                         </a:rPr>
-                        <a:t>24x7 /   15분</a:t>
+                        <a:t>2</a:t>
                       </a:r>
-                      <a:endParaRPr sz="900" spc="0" dirty="0">
+                      <a:r>
+                        <a:rPr sz="900" spc="0">
+                          <a:solidFill>
+                            <a:srgbClr val="020302"/>
+                          </a:solidFill>
+                          <a:latin typeface="AdobeClean-Light"/>
+                          <a:cs typeface="AdobeClean-Light"/>
+                        </a:rPr>
+                        <a:t>4x7 / </a:t>
+                      </a:r>
+                      <a:r>
+                        <a:rPr lang="en-US" sz="900" spc="0">
+                          <a:solidFill>
+                            <a:srgbClr val="020302"/>
+                          </a:solidFill>
+                          <a:latin typeface="AdobeClean-Light"/>
+                          <a:cs typeface="AdobeClean-Light"/>
+                        </a:rPr>
+                        <a:t> </a:t>
+                      </a:r>
+                      <a:r>
+                        <a:rPr sz="900" spc="0">
+                          <a:solidFill>
+                            <a:srgbClr val="020302"/>
+                          </a:solidFill>
+                          <a:latin typeface="AdobeClean-Light"/>
+                          <a:cs typeface="AdobeClean-Light"/>
+                        </a:rPr>
+                        <a:t> 15</a:t>
+                      </a:r>
+                      <a:r>
+                        <a:rPr lang="en-US" sz="900" spc="0">
+                          <a:solidFill>
+                            <a:srgbClr val="020302"/>
+                          </a:solidFill>
+                          <a:latin typeface="AdobeClean-Light"/>
+                          <a:cs typeface="AdobeClean-Light"/>
+                        </a:rPr>
+                        <a:t> </a:t>
+                      </a:r>
+                      <a:r>
+                        <a:rPr sz="900" spc="0">
+                          <a:solidFill>
+                            <a:srgbClr val="020302"/>
+                          </a:solidFill>
+                          <a:latin typeface="AdobeClean-Light"/>
+                          <a:cs typeface="AdobeClean-Light"/>
+                        </a:rPr>
+                        <a:t>minutes</a:t>
+                      </a:r>
+                      <a:endParaRPr sz="900" spc="0">
                         <a:latin typeface="AdobeClean-Light"/>
                         <a:cs typeface="AdobeClean-Light"/>
                       </a:endParaRPr>
@@ -3040,16 +3536,16 @@
                         </a:spcBef>
                       </a:pPr>
                       <a:r>
-                        <a:rPr lang="de-de" sz="900" b="1" spc="0" dirty="0">
+                        <a:rPr sz="900" b="1" spc="0">
                           <a:solidFill>
                             <a:srgbClr val="020302"/>
                           </a:solidFill>
                           <a:latin typeface="Adobe Clean"/>
                           <a:cs typeface="Adobe Clean"/>
                         </a:rPr>
-                        <a:t>우선 순위 2</a:t>
+                        <a:t>PRIORITY 2</a:t>
                       </a:r>
-                      <a:endParaRPr sz="900" spc="0" dirty="0">
+                      <a:endParaRPr sz="900" spc="0">
                         <a:latin typeface="Adobe Clean"/>
                         <a:cs typeface="Adobe Clean"/>
                       </a:endParaRPr>
@@ -3064,16 +3560,16 @@
                         </a:spcBef>
                       </a:pPr>
                       <a:r>
-                        <a:rPr lang="de-de" sz="900" b="0" i="0" u="none" strike="noStrike" spc="0" dirty="0">
+                        <a:rPr lang="en-US" sz="900" b="0" i="0" u="none" strike="noStrike" spc="0">
                           <a:solidFill>
                             <a:srgbClr val="000000"/>
                           </a:solidFill>
                           <a:effectLst/>
                           <a:latin typeface="Adobe Clean Light" panose="020B0303020404020204" pitchFamily="34" charset="0"/>
                         </a:rPr>
-                        <a:t>고객의 비즈니스 기능에 심각한 서비스 저하 또는 잠재적인 데이터 손실이 있거나 주요 기능이 영향을 받습니다.</a:t>
+                        <a:t>Customer's business functions have major service degradation or potential data loss, or a major feature is impacted</a:t>
                       </a:r>
-                      <a:endParaRPr sz="900" spc="0" dirty="0">
+                      <a:endParaRPr sz="900" spc="0">
                         <a:latin typeface="AdobeClean-Light"/>
                         <a:cs typeface="AdobeClean-Light"/>
                       </a:endParaRPr>
@@ -3114,22 +3610,62 @@
                     <a:bodyPr/>
                     <a:lstStyle/>
                     <a:p>
-                      <a:pPr marL="473709" marR="343535" indent="-175895" algn="ctr">
+                      <a:pPr marL="473709" marR="343535" indent="-175895" algn="l">
                         <a:lnSpc>
                           <a:spcPct val="102200"/>
                         </a:lnSpc>
                       </a:pPr>
                       <a:r>
-                        <a:rPr lang="de-de" sz="900" spc="0" dirty="0">
+                        <a:rPr sz="900" spc="0">
                           <a:solidFill>
                             <a:srgbClr val="020302"/>
                           </a:solidFill>
                           <a:latin typeface="AdobeClean-Light"/>
                           <a:cs typeface="AdobeClean-Light"/>
                         </a:rPr>
-                        <a:t>업무 시간 /       4시간</a:t>
+                        <a:t>Business hours</a:t>
                       </a:r>
-                      <a:endParaRPr sz="900" spc="0" dirty="0">
+                      <a:r>
+                        <a:rPr lang="en-US" sz="900" spc="0">
+                          <a:solidFill>
+                            <a:srgbClr val="020302"/>
+                          </a:solidFill>
+                          <a:latin typeface="AdobeClean-Light"/>
+                          <a:cs typeface="AdobeClean-Light"/>
+                        </a:rPr>
+                        <a:t> </a:t>
+                      </a:r>
+                      <a:r>
+                        <a:rPr sz="900" spc="0">
+                          <a:solidFill>
+                            <a:srgbClr val="020302"/>
+                          </a:solidFill>
+                          <a:latin typeface="AdobeClean-Light"/>
+                          <a:cs typeface="AdobeClean-Light"/>
+                        </a:rPr>
+                        <a:t>/  </a:t>
+                      </a:r>
+                      <a:r>
+                        <a:rPr lang="en-US" sz="900" spc="0">
+                          <a:solidFill>
+                            <a:srgbClr val="020302"/>
+                          </a:solidFill>
+                          <a:latin typeface="AdobeClean-Light"/>
+                          <a:cs typeface="AdobeClean-Light"/>
+                        </a:rPr>
+                        <a:t>     </a:t>
+                      </a:r>
+                      <a:r>
+                        <a:rPr sz="900" spc="0">
+                          <a:solidFill>
+                            <a:srgbClr val="020302"/>
+                          </a:solidFill>
+                          <a:latin typeface="AdobeClean-Light"/>
+                          <a:cs typeface="AdobeClean-Light"/>
+                        </a:rPr>
+                        <a:t>4 hours</a:t>
+                      </a:r>
+                      <a:endParaRPr sz="900" spc="0">
                         <a:latin typeface="AdobeClean-Light"/>
                         <a:cs typeface="AdobeClean-Light"/>
                       </a:endParaRPr>
@@ -3167,22 +3703,42 @@
                     <a:bodyPr/>
                     <a:lstStyle/>
                     <a:p>
-                      <a:pPr marL="351790" marR="481330" indent="144145" algn="ctr">
+                      <a:pPr marL="351790" marR="481330" indent="144145" algn="l">
                         <a:lnSpc>
                           <a:spcPct val="102299"/>
                         </a:lnSpc>
                       </a:pPr>
                       <a:r>
-                        <a:rPr lang="de-de" sz="900" spc="0" dirty="0">
+                        <a:rPr sz="900" spc="0">
                           <a:solidFill>
                             <a:srgbClr val="020302"/>
                           </a:solidFill>
                           <a:latin typeface="AdobeClean-Light"/>
                           <a:cs typeface="AdobeClean-Light"/>
                         </a:rPr>
-                        <a:t>24x5 /  30분</a:t>
+                        <a:t>24x5 /  30</a:t>
                       </a:r>
-                      <a:endParaRPr sz="900" spc="0" dirty="0">
+                      <a:r>
+                        <a:rPr lang="en-US" sz="900" spc="0">
+                          <a:solidFill>
+                            <a:srgbClr val="020302"/>
+                          </a:solidFill>
+                          <a:latin typeface="AdobeClean-Light"/>
+                          <a:cs typeface="AdobeClean-Light"/>
+                        </a:rPr>
+                        <a:t> m</a:t>
+                      </a:r>
+                      <a:r>
+                        <a:rPr sz="900" spc="0">
+                          <a:solidFill>
+                            <a:srgbClr val="020302"/>
+                          </a:solidFill>
+                          <a:latin typeface="AdobeClean-Light"/>
+                          <a:cs typeface="AdobeClean-Light"/>
+                        </a:rPr>
+                        <a:t>inutes</a:t>
+                      </a:r>
+                      <a:endParaRPr sz="900" spc="0">
                         <a:latin typeface="AdobeClean-Light"/>
                         <a:cs typeface="AdobeClean-Light"/>
                       </a:endParaRPr>
@@ -3244,16 +3800,16 @@
                         </a:spcBef>
                       </a:pPr>
                       <a:r>
-                        <a:rPr lang="de-de" sz="900" b="1" spc="0" dirty="0">
+                        <a:rPr sz="900" b="1" spc="0">
                           <a:solidFill>
                             <a:srgbClr val="020302"/>
                           </a:solidFill>
                           <a:latin typeface="Adobe Clean"/>
                           <a:cs typeface="Adobe Clean"/>
                         </a:rPr>
-                        <a:t>우선 순위 3</a:t>
+                        <a:t>PRIORITY 3</a:t>
                       </a:r>
-                      <a:endParaRPr sz="900" spc="0" dirty="0">
+                      <a:endParaRPr sz="900" spc="0">
                         <a:latin typeface="Adobe Clean"/>
                         <a:cs typeface="Adobe Clean"/>
                       </a:endParaRPr>
@@ -3268,16 +3824,16 @@
                         </a:spcBef>
                       </a:pPr>
                       <a:r>
-                        <a:rPr lang="de-de" sz="900" b="0" i="0" u="none" strike="noStrike" spc="0" dirty="0">
+                        <a:rPr lang="en-US" sz="900" b="0" i="0" u="none" strike="noStrike" spc="0">
                           <a:solidFill>
                             <a:srgbClr val="000000"/>
                           </a:solidFill>
                           <a:effectLst/>
                           <a:latin typeface="Adobe Clean Light" panose="020B0303020404020204" pitchFamily="34" charset="0"/>
                         </a:rPr>
-                        <a:t>고객의 비즈니스 기능에 서비스 저하가 경미하거나 전혀 없지만 비즈니스 기능을 정상적으로 계속할 수 있게 하는 솔루션/해결 방법이 있습니다.</a:t>
+                        <a:t>Customer’s business functions has minor to no service degradation but there exists a solution/workaround allowing business functions to continue normally</a:t>
                       </a:r>
-                      <a:endParaRPr sz="900" spc="0" dirty="0">
+                      <a:endParaRPr sz="900" spc="0">
                         <a:latin typeface="AdobeClean-Light"/>
                         <a:cs typeface="AdobeClean-Light"/>
                       </a:endParaRPr>
@@ -3318,22 +3874,22 @@
                     <a:bodyPr/>
                     <a:lstStyle/>
                     <a:p>
-                      <a:pPr marL="473709" marR="343535" indent="-175895" algn="ctr">
+                      <a:pPr marL="473709" marR="343535" indent="-175895" algn="l">
                         <a:lnSpc>
                           <a:spcPct val="102200"/>
                         </a:lnSpc>
                       </a:pPr>
                       <a:r>
-                        <a:rPr lang="de-de" sz="900" spc="0" dirty="0">
+                        <a:rPr lang="en-US" sz="900" spc="0">
                           <a:solidFill>
                             <a:srgbClr val="020302"/>
                           </a:solidFill>
                           <a:latin typeface="AdobeClean-Light"/>
                           <a:cs typeface="AdobeClean-Light"/>
                         </a:rPr>
-                        <a:t>업무 시간 /       6시간</a:t>
+                        <a:t>Business hours /       6 hours</a:t>
                       </a:r>
-                      <a:endParaRPr lang="en-US" sz="900" spc="0" dirty="0">
+                      <a:endParaRPr lang="en-US" sz="900" spc="0">
                         <a:latin typeface="AdobeClean-Light"/>
                         <a:cs typeface="AdobeClean-Light"/>
                       </a:endParaRPr>
@@ -3371,13 +3927,13 @@
                     <a:bodyPr/>
                     <a:lstStyle/>
                     <a:p>
-                      <a:pPr marL="508000" marR="531495" indent="1270" algn="ctr">
+                      <a:pPr marL="508000" marR="531495" indent="1270" algn="l">
                         <a:lnSpc>
                           <a:spcPct val="102200"/>
                         </a:lnSpc>
                       </a:pPr>
                       <a:r>
-                        <a:rPr lang="de-de" sz="900" spc="0" dirty="0">
+                        <a:rPr lang="en-US" sz="900" spc="0">
                           <a:solidFill>
                             <a:srgbClr val="020302"/>
                           </a:solidFill>
@@ -3388,7 +3944,7 @@
                         <a:t>2</a:t>
                       </a:r>
                       <a:r>
-                        <a:rPr lang="de-de" sz="900" spc="0" dirty="0">
+                        <a:rPr sz="900" spc="0">
                           <a:solidFill>
                             <a:srgbClr val="020302"/>
                           </a:solidFill>
@@ -3396,7 +3952,29 @@
                           <a:ea typeface="+mn-ea"/>
                           <a:cs typeface="AdobeClean-Light"/>
                         </a:rPr>
-                        <a:t>4x5/   1시간</a:t>
+                        <a:t>4x5/  </a:t>
+                      </a:r>
+                      <a:r>
+                        <a:rPr lang="en-US" sz="900" spc="0">
+                          <a:solidFill>
+                            <a:srgbClr val="020302"/>
+                          </a:solidFill>
+                          <a:latin typeface="AdobeClean-Light"/>
+                          <a:ea typeface="+mn-ea"/>
+                          <a:cs typeface="AdobeClean-Light"/>
+                        </a:rPr>
+                        <a:t> </a:t>
+                      </a:r>
+                      <a:r>
+                        <a:rPr sz="900" spc="0">
+                          <a:solidFill>
+                            <a:srgbClr val="020302"/>
+                          </a:solidFill>
+                          <a:latin typeface="AdobeClean-Light"/>
+                          <a:ea typeface="+mn-ea"/>
+                          <a:cs typeface="AdobeClean-Light"/>
+                        </a:rPr>
+                        <a:t>1 hour</a:t>
                       </a:r>
                     </a:p>
                   </a:txBody>
@@ -3456,16 +4034,16 @@
                         </a:spcBef>
                       </a:pPr>
                       <a:r>
-                        <a:rPr lang="de-de" sz="900" b="1" spc="0" dirty="0">
+                        <a:rPr sz="900" b="1" spc="0">
                           <a:solidFill>
                             <a:srgbClr val="020302"/>
                           </a:solidFill>
                           <a:latin typeface="Adobe Clean"/>
                           <a:cs typeface="Adobe Clean"/>
                         </a:rPr>
-                        <a:t>우선 순위 4</a:t>
+                        <a:t>PRIORITY 4</a:t>
                       </a:r>
-                      <a:endParaRPr sz="900" spc="0" dirty="0">
+                      <a:endParaRPr sz="900" spc="0">
                         <a:latin typeface="Adobe Clean"/>
                         <a:cs typeface="Adobe Clean"/>
                       </a:endParaRPr>
@@ -3480,16 +4058,16 @@
                         </a:spcBef>
                       </a:pPr>
                       <a:r>
-                        <a:rPr lang="de-de" sz="900" b="0" i="0" u="none" strike="noStrike" spc="0" dirty="0">
+                        <a:rPr lang="en-US" sz="900" b="0" i="0" u="none" strike="noStrike" spc="0">
                           <a:solidFill>
                             <a:srgbClr val="000000"/>
                           </a:solidFill>
                           <a:effectLst/>
                           <a:latin typeface="Adobe Clean Light" panose="020B0303020404020204" pitchFamily="34" charset="0"/>
                         </a:rPr>
-                        <a:t>현재 제품 기능에 관한 일반적인 질문 또는 개선 요청입니다.</a:t>
+                        <a:t>General question regarding current product functionality or an enhancement request</a:t>
                       </a:r>
-                      <a:endParaRPr sz="900" spc="0" dirty="0">
+                      <a:endParaRPr sz="900" spc="0">
                         <a:latin typeface="AdobeClean-Light"/>
                         <a:cs typeface="AdobeClean-Light"/>
                       </a:endParaRPr>
@@ -3530,22 +4108,22 @@
                     <a:bodyPr/>
                     <a:lstStyle/>
                     <a:p>
-                      <a:pPr marL="473709" marR="343535" indent="-175895" algn="ctr">
+                      <a:pPr marL="473709" marR="343535" indent="-175895" algn="l">
                         <a:lnSpc>
                           <a:spcPct val="102200"/>
                         </a:lnSpc>
                       </a:pPr>
                       <a:r>
-                        <a:rPr lang="de-de" sz="900" spc="0" dirty="0">
+                        <a:rPr lang="en-US" sz="900" spc="0">
                           <a:solidFill>
                             <a:srgbClr val="020302"/>
                           </a:solidFill>
                           <a:latin typeface="AdobeClean-Light"/>
                           <a:cs typeface="AdobeClean-Light"/>
                         </a:rPr>
-                        <a:t>업무일 /       3일</a:t>
+                        <a:t>Business days /       3 days</a:t>
                       </a:r>
-                      <a:endParaRPr lang="en-US" sz="900" spc="0" dirty="0">
+                      <a:endParaRPr lang="en-US" sz="900" spc="0">
                         <a:latin typeface="AdobeClean-Light"/>
                         <a:cs typeface="AdobeClean-Light"/>
                       </a:endParaRPr>
@@ -3583,22 +4161,22 @@
                     <a:bodyPr/>
                     <a:lstStyle/>
                     <a:p>
-                      <a:pPr marL="473709" marR="343535" indent="-175895" algn="ctr">
+                      <a:pPr marL="473709" marR="343535" indent="-175895" algn="l">
                         <a:lnSpc>
                           <a:spcPct val="102200"/>
                         </a:lnSpc>
                       </a:pPr>
                       <a:r>
-                        <a:rPr lang="de-de" sz="900" spc="0" dirty="0">
+                        <a:rPr lang="en-US" sz="900" spc="0">
                           <a:solidFill>
                             <a:srgbClr val="020302"/>
                           </a:solidFill>
                           <a:latin typeface="AdobeClean-Light"/>
                           <a:cs typeface="AdobeClean-Light"/>
                         </a:rPr>
-                        <a:t>업무일 /       1일</a:t>
+                        <a:t>Business days /       1 day</a:t>
                       </a:r>
-                      <a:endParaRPr lang="en-US" sz="900" spc="0" dirty="0">
+                      <a:endParaRPr lang="en-US" sz="900" spc="0">
                         <a:latin typeface="AdobeClean-Light"/>
                         <a:cs typeface="AdobeClean-Light"/>
                       </a:endParaRPr>
@@ -3701,7 +4279,7 @@
               </a:spcBef>
             </a:pPr>
             <a:r>
-              <a:rPr lang="de-de" sz="800" spc="-15" dirty="0">
+              <a:rPr sz="800" spc="-15">
                 <a:solidFill>
                   <a:srgbClr val="6D6D6D"/>
                 </a:solidFill>
@@ -3711,7 +4289,7 @@
               <a:t>©2021 </a:t>
             </a:r>
             <a:r>
-              <a:rPr lang="de-de" sz="800" spc="-5" dirty="0">
+              <a:rPr sz="800" spc="-5">
                 <a:solidFill>
                   <a:srgbClr val="6D6D6D"/>
                 </a:solidFill>
@@ -3721,7 +4299,7 @@
               <a:t>Adobe. All</a:t>
             </a:r>
             <a:r>
-              <a:rPr lang="de-de" sz="800" spc="-15" dirty="0">
+              <a:rPr sz="800" spc="-15">
                 <a:solidFill>
                   <a:srgbClr val="6D6D6D"/>
                 </a:solidFill>
@@ -3731,7 +4309,7 @@
               <a:t> Rights</a:t>
             </a:r>
             <a:r>
-              <a:rPr lang="de-de" sz="800" spc="-5" dirty="0">
+              <a:rPr sz="800" spc="-5">
                 <a:solidFill>
                   <a:srgbClr val="6D6D6D"/>
                 </a:solidFill>
@@ -3741,7 +4319,7 @@
               <a:t> </a:t>
             </a:r>
             <a:r>
-              <a:rPr lang="de-de" sz="800" spc="-15" dirty="0">
+              <a:rPr sz="800" spc="-15">
                 <a:solidFill>
                   <a:srgbClr val="6D6D6D"/>
                 </a:solidFill>
@@ -3751,7 +4329,7 @@
               <a:t>Reserved.</a:t>
             </a:r>
             <a:r>
-              <a:rPr lang="de-de" sz="800" spc="-10" dirty="0">
+              <a:rPr sz="800" spc="-10">
                 <a:solidFill>
                   <a:srgbClr val="6D6D6D"/>
                 </a:solidFill>
@@ -3761,7 +4339,7 @@
               <a:t> </a:t>
             </a:r>
             <a:r>
-              <a:rPr lang="de-de" sz="800" spc="-5" dirty="0">
+              <a:rPr sz="800" spc="-5">
                 <a:solidFill>
                   <a:srgbClr val="6D6D6D"/>
                 </a:solidFill>
@@ -3771,7 +4349,7 @@
               <a:t>Adobe</a:t>
             </a:r>
             <a:r>
-              <a:rPr lang="de-de" sz="800" spc="65" dirty="0">
+              <a:rPr sz="800" spc="65">
                 <a:solidFill>
                   <a:srgbClr val="6D6D6D"/>
                 </a:solidFill>
@@ -3781,14 +4359,14 @@
               <a:t> </a:t>
             </a:r>
             <a:r>
-              <a:rPr lang="de-de" sz="800" spc="-15" dirty="0">
+              <a:rPr sz="800" spc="-15">
                 <a:solidFill>
                   <a:srgbClr val="6D6D6D"/>
                 </a:solidFill>
                 <a:latin typeface="Adobe Clean"/>
                 <a:cs typeface="Adobe Clean"/>
               </a:rPr>
-              <a:t>기밀.</a:t>
+              <a:t>Confidential.</a:t>
             </a:r>
             <a:endParaRPr sz="800">
               <a:latin typeface="Adobe Clean"/>
@@ -3826,7 +4404,7 @@
           <a:lstStyle/>
           <a:p>
             <a:r>
-              <a:rPr lang="de-de" sz="700" i="1" dirty="0">
+              <a:rPr lang="en-US" sz="700" i="1">
                 <a:solidFill>
                   <a:schemeClr val="bg1"/>
                 </a:solidFill>
@@ -3902,7 +4480,7 @@
                     <a:bodyPr/>
                     <a:lstStyle/>
                     <a:p>
-                      <a:endParaRPr lang="en-US" dirty="0"/>
+                      <a:endParaRPr lang="en-US"/>
                     </a:p>
                   </a:txBody>
                   <a:tcPr/>
@@ -3940,17 +4518,17 @@
                         <a:defRPr/>
                       </a:pPr>
                       <a:r>
-                        <a:rPr lang="de-de" sz="900" spc="-20" dirty="0">
+                        <a:rPr lang="en-US" sz="900" spc="-20">
                           <a:solidFill>
                             <a:srgbClr val="404040"/>
                           </a:solidFill>
                           <a:latin typeface="Adobe Clean"/>
                           <a:cs typeface="Adobe Clean"/>
                         </a:rPr>
-                        <a:t>온라인 </a:t>
+                        <a:t>Online </a:t>
                       </a:r>
                       <a:r>
-                        <a:rPr lang="de-de" sz="900" spc="-135" dirty="0">
+                        <a:rPr lang="en-US" sz="900" spc="-135">
                           <a:solidFill>
                             <a:srgbClr val="404040"/>
                           </a:solidFill>
@@ -3960,16 +4538,16 @@
                         <a:t> </a:t>
                       </a:r>
                       <a:r>
-                        <a:rPr lang="de-de" sz="900" spc="-20" dirty="0">
+                        <a:rPr lang="en-US" sz="900" spc="-20">
                           <a:solidFill>
                             <a:srgbClr val="404040"/>
                           </a:solidFill>
                           <a:latin typeface="Adobe Clean"/>
                           <a:cs typeface="Adobe Clean"/>
                         </a:rPr>
-                        <a:t>지원</a:t>
+                        <a:t>Support</a:t>
                       </a:r>
-                      <a:endParaRPr lang="en-US" sz="900" dirty="0">
+                      <a:endParaRPr lang="en-US" sz="900">
                         <a:latin typeface="Adobe Clean"/>
                         <a:cs typeface="Adobe Clean"/>
                       </a:endParaRPr>
@@ -4013,16 +4591,26 @@
                         </a:spcBef>
                       </a:pPr>
                       <a:r>
-                        <a:rPr lang="de-de" sz="900" spc="-20" dirty="0">
+                        <a:rPr lang="en-US" sz="900" spc="-20">
                           <a:solidFill>
                             <a:srgbClr val="FFFFFF"/>
                           </a:solidFill>
                           <a:latin typeface="Adobe Clean"/>
                           <a:cs typeface="Adobe Clean"/>
                         </a:rPr>
-                        <a:t>엘리트 지원</a:t>
+                        <a:t>Elite </a:t>
                       </a:r>
-                      <a:endParaRPr sz="900" dirty="0">
+                      <a:r>
+                        <a:rPr sz="900" spc="-20">
+                          <a:solidFill>
+                            <a:srgbClr val="FFFFFF"/>
+                          </a:solidFill>
+                          <a:latin typeface="Adobe Clean"/>
+                          <a:cs typeface="Adobe Clean"/>
+                        </a:rPr>
+                        <a:t>Support</a:t>
+                      </a:r>
+                      <a:endParaRPr sz="900">
                         <a:latin typeface="Adobe Clean"/>
                         <a:cs typeface="Adobe Clean"/>
                       </a:endParaRPr>
@@ -4070,7 +4658,7 @@
                     <a:bodyPr/>
                     <a:lstStyle/>
                     <a:p>
-                      <a:endParaRPr lang="en-US" dirty="0"/>
+                      <a:endParaRPr lang="en-US"/>
                     </a:p>
                   </a:txBody>
                   <a:tcPr/>
@@ -4107,7 +4695,7 @@
                         <a:tabLst/>
                         <a:defRPr/>
                       </a:pPr>
-                      <a:endParaRPr lang="en-US" sz="800" i="1" dirty="0">
+                      <a:endParaRPr lang="en-US" sz="800" i="1">
                         <a:solidFill>
                           <a:sysClr val="windowText" lastClr="000000"/>
                         </a:solidFill>
@@ -4171,13 +4759,13 @@
                         <a:defRPr/>
                       </a:pPr>
                       <a:r>
-                        <a:rPr lang="de-de" sz="800" i="1" dirty="0">
+                        <a:rPr lang="en-US" sz="800" i="1">
                           <a:solidFill>
                             <a:schemeClr val="bg1"/>
                           </a:solidFill>
                           <a:latin typeface="Adobe Clean Light" panose="020B0303020404020204" pitchFamily="34" charset="0"/>
                         </a:rPr>
-                        <a:t>유료 지원($)</a:t>
+                        <a:t>Paid Support ($)</a:t>
                       </a:r>
                     </a:p>
                   </a:txBody>
@@ -4241,16 +4829,16 @@
                         </a:spcBef>
                       </a:pPr>
                       <a:r>
-                        <a:rPr lang="de-de" sz="1000" b="1" i="0" spc="0" dirty="0">
+                        <a:rPr lang="en-US" sz="1000" b="1" i="0" spc="0">
                           <a:solidFill>
                             <a:schemeClr val="bg1"/>
                           </a:solidFill>
                           <a:latin typeface="Adobe Clean" panose="020B0503020404020204" pitchFamily="34" charset="0"/>
                           <a:cs typeface="AdobeClean-Light"/>
                         </a:rPr>
-                        <a:t>할당된 전문가</a:t>
+                        <a:t>Assigned Experts</a:t>
                       </a:r>
-                      <a:endParaRPr sz="1000" b="1" i="0" spc="0" dirty="0">
+                      <a:endParaRPr sz="1000" b="1" i="0" spc="0">
                         <a:solidFill>
                           <a:schemeClr val="bg1"/>
                         </a:solidFill>
@@ -4303,16 +4891,16 @@
                         </a:spcBef>
                       </a:pPr>
                       <a:r>
-                        <a:rPr lang="de-de" sz="900" spc="0" dirty="0">
+                        <a:rPr sz="900" spc="0">
                           <a:solidFill>
                             <a:srgbClr val="020302"/>
                           </a:solidFill>
                           <a:latin typeface="AdobeClean-Light"/>
                           <a:cs typeface="AdobeClean-Light"/>
                         </a:rPr>
-                        <a:t>계정 지원 리드</a:t>
+                        <a:t>Account Support Lead</a:t>
                       </a:r>
-                      <a:endParaRPr sz="900" spc="0" dirty="0">
+                      <a:endParaRPr sz="900" spc="0">
                         <a:latin typeface="AdobeClean-Light"/>
                         <a:cs typeface="AdobeClean-Light"/>
                       </a:endParaRPr>
@@ -4358,7 +4946,7 @@
                           <a:spcPts val="470"/>
                         </a:spcBef>
                       </a:pPr>
-                      <a:endParaRPr sz="900" dirty="0">
+                      <a:endParaRPr sz="900">
                         <a:latin typeface="Wingdings"/>
                         <a:cs typeface="Wingdings"/>
                       </a:endParaRPr>
@@ -4399,7 +4987,7 @@
                           <a:spcPts val="470"/>
                         </a:spcBef>
                       </a:pPr>
-                      <a:endParaRPr sz="900" dirty="0">
+                      <a:endParaRPr sz="900">
                         <a:latin typeface="Wingdings"/>
                         <a:cs typeface="Wingdings"/>
                       </a:endParaRPr>
@@ -4442,7 +5030,7 @@
                           <a:spcPts val="459"/>
                         </a:spcBef>
                       </a:pPr>
-                      <a:endParaRPr sz="900" dirty="0">
+                      <a:endParaRPr sz="900">
                         <a:latin typeface="AdobeClean-Light"/>
                         <a:cs typeface="AdobeClean-Light"/>
                       </a:endParaRPr>
@@ -4480,16 +5068,16 @@
                         </a:spcBef>
                       </a:pPr>
                       <a:r>
-                        <a:rPr lang="de-de" sz="900" spc="0" dirty="0">
+                        <a:rPr sz="900" spc="0">
                           <a:solidFill>
                             <a:srgbClr val="020302"/>
                           </a:solidFill>
                           <a:latin typeface="AdobeClean-Light"/>
                           <a:cs typeface="AdobeClean-Light"/>
                         </a:rPr>
-                        <a:t>지정 지원 엔지니어</a:t>
+                        <a:t>Named Support Engineer</a:t>
                       </a:r>
-                      <a:endParaRPr sz="900" spc="0" dirty="0">
+                      <a:endParaRPr sz="900" spc="0">
                         <a:latin typeface="AdobeClean-Light"/>
                         <a:cs typeface="AdobeClean-Light"/>
                       </a:endParaRPr>
@@ -4520,7 +5108,7 @@
                           <a:spcPct val="100000"/>
                         </a:lnSpc>
                       </a:pPr>
-                      <a:endParaRPr sz="900" dirty="0">
+                      <a:endParaRPr sz="900">
                         <a:latin typeface="Times New Roman"/>
                         <a:cs typeface="Times New Roman"/>
                       </a:endParaRPr>
@@ -4562,7 +5150,7 @@
                         <a:defRPr/>
                       </a:pPr>
                       <a:r>
-                        <a:rPr lang="de-de" sz="900" dirty="0">
+                        <a:rPr lang="en-US" sz="900">
                           <a:solidFill>
                             <a:srgbClr val="020302"/>
                           </a:solidFill>
@@ -4571,7 +5159,7 @@
                         </a:rPr>
                         <a:t></a:t>
                       </a:r>
-                      <a:endParaRPr lang="en-US" sz="900" dirty="0">
+                      <a:endParaRPr lang="en-US" sz="900">
                         <a:latin typeface="Wingdings"/>
                         <a:cs typeface="Wingdings"/>
                       </a:endParaRPr>
@@ -4605,7 +5193,7 @@
                           <a:spcPts val="500"/>
                         </a:spcBef>
                       </a:pPr>
-                      <a:endParaRPr sz="900" dirty="0">
+                      <a:endParaRPr sz="900">
                         <a:latin typeface="AdobeClean-Light"/>
                         <a:cs typeface="AdobeClean-Light"/>
                       </a:endParaRPr>
@@ -4655,16 +5243,16 @@
                         </a:spcBef>
                       </a:pPr>
                       <a:r>
-                        <a:rPr lang="de-de" sz="900" spc="0" dirty="0">
+                        <a:rPr sz="900" spc="0">
                           <a:solidFill>
                             <a:srgbClr val="020302"/>
                           </a:solidFill>
                           <a:latin typeface="AdobeClean-Light"/>
                           <a:cs typeface="AdobeClean-Light"/>
                         </a:rPr>
-                        <a:t>기술 계정 관리자</a:t>
+                        <a:t>Technical Account Manager</a:t>
                       </a:r>
-                      <a:endParaRPr sz="900" spc="0" dirty="0">
+                      <a:endParaRPr sz="900" spc="0">
                         <a:latin typeface="AdobeClean-Light"/>
                         <a:cs typeface="AdobeClean-Light"/>
                       </a:endParaRPr>
@@ -4701,7 +5289,7 @@
                           <a:spcPct val="100000"/>
                         </a:lnSpc>
                       </a:pPr>
-                      <a:endParaRPr sz="900" dirty="0">
+                      <a:endParaRPr sz="900">
                         <a:latin typeface="Times New Roman"/>
                         <a:cs typeface="Times New Roman"/>
                       </a:endParaRPr>
@@ -4752,7 +5340,7 @@
                         <a:defRPr/>
                       </a:pPr>
                       <a:r>
-                        <a:rPr lang="de-de" sz="900" dirty="0">
+                        <a:rPr lang="en-US" sz="900">
                           <a:solidFill>
                             <a:srgbClr val="020302"/>
                           </a:solidFill>
@@ -4761,7 +5349,7 @@
                         </a:rPr>
                         <a:t></a:t>
                       </a:r>
-                      <a:endParaRPr lang="en-US" sz="900" dirty="0">
+                      <a:endParaRPr lang="en-US" sz="900">
                         <a:latin typeface="Wingdings"/>
                         <a:cs typeface="Wingdings"/>
                       </a:endParaRPr>
@@ -4805,16 +5393,16 @@
                         </a:spcBef>
                       </a:pPr>
                       <a:r>
-                        <a:rPr lang="de-de" sz="1000" b="1" i="0" spc="0" dirty="0">
+                        <a:rPr lang="en-US" sz="1000" b="1" i="0" spc="0">
                           <a:solidFill>
                             <a:schemeClr val="bg1"/>
                           </a:solidFill>
                           <a:latin typeface="Adobe Clean" panose="020B0503020404020204" pitchFamily="34" charset="0"/>
                           <a:cs typeface="AdobeClean-Light"/>
                         </a:rPr>
-                        <a:t>지원 서비스</a:t>
+                        <a:t>Support Services</a:t>
                       </a:r>
-                      <a:endParaRPr sz="1000" b="1" i="0" spc="0" dirty="0">
+                      <a:endParaRPr sz="1000" b="1" i="0" spc="0">
                         <a:solidFill>
                           <a:schemeClr val="bg1"/>
                         </a:solidFill>
@@ -4876,16 +5464,26 @@
                         </a:spcBef>
                       </a:pPr>
                       <a:r>
-                        <a:rPr lang="de-de" sz="900" spc="0" dirty="0">
+                        <a:rPr lang="en-US" sz="900" spc="0">
                           <a:solidFill>
                             <a:srgbClr val="020302"/>
                           </a:solidFill>
                           <a:latin typeface="AdobeClean-Light"/>
                           <a:cs typeface="AdobeClean-Light"/>
                         </a:rPr>
-                        <a:t>온라인 지원</a:t>
+                        <a:t>Online</a:t>
                       </a:r>
-                      <a:endParaRPr sz="900" spc="0" dirty="0">
+                      <a:r>
+                        <a:rPr sz="900" spc="0">
+                          <a:solidFill>
+                            <a:srgbClr val="020302"/>
+                          </a:solidFill>
+                          <a:latin typeface="AdobeClean-Light"/>
+                          <a:cs typeface="AdobeClean-Light"/>
+                        </a:rPr>
+                        <a:t> Support</a:t>
+                      </a:r>
+                      <a:endParaRPr sz="900" spc="0">
                         <a:latin typeface="AdobeClean-Light"/>
                         <a:cs typeface="AdobeClean-Light"/>
                       </a:endParaRPr>
@@ -4926,17 +5524,17 @@
                         </a:spcBef>
                       </a:pPr>
                       <a:r>
-                        <a:rPr lang="de-de" sz="900" spc="-25" dirty="0">
+                        <a:rPr sz="900" spc="-25">
                           <a:solidFill>
                             <a:srgbClr val="020302"/>
                           </a:solidFill>
                           <a:latin typeface="AdobeClean-Light"/>
                           <a:cs typeface="AdobeClean-Light"/>
                         </a:rPr>
-                        <a:t>업무</a:t>
+                        <a:t>Business</a:t>
                       </a:r>
                       <a:r>
-                        <a:rPr lang="de-de" sz="900" spc="-15" dirty="0">
+                        <a:rPr sz="900" spc="-15">
                           <a:solidFill>
                             <a:srgbClr val="020302"/>
                           </a:solidFill>
@@ -4946,16 +5544,16 @@
                         <a:t> </a:t>
                       </a:r>
                       <a:r>
-                        <a:rPr lang="de-de" sz="900" spc="-30" dirty="0">
+                        <a:rPr sz="900" spc="-30">
                           <a:solidFill>
                             <a:srgbClr val="020302"/>
                           </a:solidFill>
                           <a:latin typeface="AdobeClean-Light"/>
                           <a:cs typeface="AdobeClean-Light"/>
                         </a:rPr>
-                        <a:t>시간</a:t>
+                        <a:t>hours</a:t>
                       </a:r>
-                      <a:endParaRPr sz="900" dirty="0">
+                      <a:endParaRPr sz="900">
                         <a:latin typeface="AdobeClean-Light"/>
                         <a:cs typeface="AdobeClean-Light"/>
                       </a:endParaRPr>
@@ -4997,7 +5595,7 @@
                         </a:spcBef>
                       </a:pPr>
                       <a:r>
-                        <a:rPr lang="de-de" sz="900" spc="-25" dirty="0">
+                        <a:rPr lang="en-US" sz="900" spc="-25">
                           <a:solidFill>
                             <a:srgbClr val="020302"/>
                           </a:solidFill>
@@ -5006,7 +5604,7 @@
                         </a:rPr>
                         <a:t>24x5</a:t>
                       </a:r>
-                      <a:endParaRPr sz="900" dirty="0">
+                      <a:endParaRPr sz="900">
                         <a:latin typeface="AdobeClean-Light"/>
                         <a:cs typeface="AdobeClean-Light"/>
                       </a:endParaRPr>
@@ -5049,7 +5647,7 @@
                           <a:spcPts val="455"/>
                         </a:spcBef>
                       </a:pPr>
-                      <a:endParaRPr sz="900" dirty="0">
+                      <a:endParaRPr sz="900">
                         <a:latin typeface="AdobeClean-Light"/>
                         <a:cs typeface="AdobeClean-Light"/>
                       </a:endParaRPr>
@@ -5090,16 +5688,36 @@
                         </a:spcBef>
                       </a:pPr>
                       <a:r>
-                        <a:rPr lang="de-de" sz="900" spc="0" dirty="0">
+                        <a:rPr sz="900" spc="0">
                           <a:solidFill>
                             <a:srgbClr val="020302"/>
                           </a:solidFill>
                           <a:latin typeface="AdobeClean-Light"/>
                           <a:cs typeface="AdobeClean-Light"/>
                         </a:rPr>
-                        <a:t>24x7x365 P1 문제 지원</a:t>
+                        <a:t>24x7</a:t>
                       </a:r>
-                      <a:endParaRPr sz="900" spc="0" dirty="0">
+                      <a:r>
+                        <a:rPr lang="en-US" sz="900" spc="0">
+                          <a:solidFill>
+                            <a:srgbClr val="020302"/>
+                          </a:solidFill>
+                          <a:latin typeface="AdobeClean-Light"/>
+                          <a:cs typeface="AdobeClean-Light"/>
+                        </a:rPr>
+                        <a:t>x365</a:t>
+                      </a:r>
+                      <a:r>
+                        <a:rPr sz="900" spc="0">
+                          <a:solidFill>
+                            <a:srgbClr val="020302"/>
+                          </a:solidFill>
+                          <a:latin typeface="AdobeClean-Light"/>
+                          <a:cs typeface="AdobeClean-Light"/>
+                        </a:rPr>
+                        <a:t> P1 Issue Support</a:t>
+                      </a:r>
+                      <a:endParaRPr sz="900" spc="0">
                         <a:latin typeface="AdobeClean-Light"/>
                         <a:cs typeface="AdobeClean-Light"/>
                       </a:endParaRPr>
@@ -5134,7 +5752,7 @@
                         </a:spcBef>
                       </a:pPr>
                       <a:r>
-                        <a:rPr lang="de-de" sz="900" dirty="0">
+                        <a:rPr sz="900">
                           <a:solidFill>
                             <a:srgbClr val="020302"/>
                           </a:solidFill>
@@ -5143,7 +5761,7 @@
                         </a:rPr>
                         <a:t></a:t>
                       </a:r>
-                      <a:endParaRPr sz="900" dirty="0">
+                      <a:endParaRPr sz="900">
                         <a:latin typeface="Wingdings"/>
                         <a:cs typeface="Wingdings"/>
                       </a:endParaRPr>
@@ -5176,7 +5794,7 @@
                         </a:spcBef>
                       </a:pPr>
                       <a:r>
-                        <a:rPr lang="de-de" sz="900" dirty="0">
+                        <a:rPr sz="900">
                           <a:solidFill>
                             <a:srgbClr val="020302"/>
                           </a:solidFill>
@@ -5185,7 +5803,7 @@
                         </a:rPr>
                         <a:t></a:t>
                       </a:r>
-                      <a:endParaRPr sz="900" dirty="0">
+                      <a:endParaRPr sz="900">
                         <a:latin typeface="Wingdings"/>
                         <a:cs typeface="Wingdings"/>
                       </a:endParaRPr>
@@ -5219,7 +5837,7 @@
                           <a:spcPts val="455"/>
                         </a:spcBef>
                       </a:pPr>
-                      <a:endParaRPr sz="900" dirty="0">
+                      <a:endParaRPr sz="900">
                         <a:latin typeface="AdobeClean-Light"/>
                         <a:cs typeface="AdobeClean-Light"/>
                       </a:endParaRPr>
@@ -5269,16 +5887,16 @@
                         </a:spcBef>
                       </a:pPr>
                       <a:r>
-                        <a:rPr lang="de-de" sz="900" spc="0" dirty="0">
+                        <a:rPr lang="en-US" sz="900" spc="0">
                           <a:solidFill>
                             <a:srgbClr val="020302"/>
                           </a:solidFill>
                           <a:latin typeface="AdobeClean-Light"/>
                           <a:cs typeface="AdobeClean-Light"/>
                         </a:rPr>
-                        <a:t>지정된 지원 담당자(제품당)</a:t>
+                        <a:t>Named Support Contacts (per product)</a:t>
                       </a:r>
-                      <a:endParaRPr sz="900" spc="0" dirty="0">
+                      <a:endParaRPr sz="900" spc="0">
                         <a:latin typeface="AdobeClean-Light"/>
                         <a:cs typeface="AdobeClean-Light"/>
                       </a:endParaRPr>
@@ -5319,7 +5937,7 @@
                         </a:spcBef>
                       </a:pPr>
                       <a:r>
-                        <a:rPr lang="de-de" sz="900" dirty="0">
+                        <a:rPr sz="900">
                           <a:solidFill>
                             <a:srgbClr val="020302"/>
                           </a:solidFill>
@@ -5328,7 +5946,7 @@
                         </a:rPr>
                         <a:t>4</a:t>
                       </a:r>
-                      <a:endParaRPr sz="900" dirty="0">
+                      <a:endParaRPr sz="900">
                         <a:latin typeface="AdobeClean-Light"/>
                         <a:cs typeface="AdobeClean-Light"/>
                       </a:endParaRPr>
@@ -5361,7 +5979,7 @@
                         </a:spcBef>
                       </a:pPr>
                       <a:r>
-                        <a:rPr lang="de-de" sz="900" dirty="0">
+                        <a:rPr lang="en-US" sz="900">
                           <a:solidFill>
                             <a:srgbClr val="020302"/>
                           </a:solidFill>
@@ -5370,7 +5988,7 @@
                         </a:rPr>
                         <a:t>15</a:t>
                       </a:r>
-                      <a:endParaRPr sz="900" dirty="0">
+                      <a:endParaRPr sz="900">
                         <a:latin typeface="AdobeClean-Light"/>
                         <a:cs typeface="AdobeClean-Light"/>
                       </a:endParaRPr>
@@ -5404,7 +6022,7 @@
                           <a:spcPts val="455"/>
                         </a:spcBef>
                       </a:pPr>
-                      <a:endParaRPr sz="900" dirty="0">
+                      <a:endParaRPr sz="900">
                         <a:latin typeface="AdobeClean-Light"/>
                         <a:cs typeface="AdobeClean-Light"/>
                       </a:endParaRPr>
@@ -5445,16 +6063,16 @@
                         </a:spcBef>
                       </a:pPr>
                       <a:r>
-                        <a:rPr lang="de-de" sz="900" spc="0" dirty="0">
+                        <a:rPr lang="en-US" sz="900" spc="0">
                           <a:solidFill>
                             <a:srgbClr val="020302"/>
                           </a:solidFill>
                           <a:latin typeface="AdobeClean-Light"/>
                           <a:cs typeface="AdobeClean-Light"/>
                         </a:rPr>
-                        <a:t>실시간 전화 지원</a:t>
+                        <a:t>Live Telephone Support</a:t>
                       </a:r>
-                      <a:endParaRPr sz="900" spc="0" dirty="0">
+                      <a:endParaRPr sz="900" spc="0">
                         <a:latin typeface="AdobeClean-Light"/>
                         <a:cs typeface="AdobeClean-Light"/>
                       </a:endParaRPr>
@@ -5488,7 +6106,7 @@
                           <a:spcPts val="464"/>
                         </a:spcBef>
                       </a:pPr>
-                      <a:endParaRPr sz="900" dirty="0">
+                      <a:endParaRPr sz="900">
                         <a:latin typeface="Wingdings"/>
                         <a:cs typeface="Wingdings"/>
                       </a:endParaRPr>
@@ -5521,7 +6139,7 @@
                         </a:spcBef>
                       </a:pPr>
                       <a:r>
-                        <a:rPr lang="de-de" sz="900" dirty="0">
+                        <a:rPr sz="900">
                           <a:solidFill>
                             <a:srgbClr val="020302"/>
                           </a:solidFill>
@@ -5530,7 +6148,7 @@
                         </a:rPr>
                         <a:t></a:t>
                       </a:r>
-                      <a:endParaRPr sz="900" dirty="0">
+                      <a:endParaRPr sz="900">
                         <a:latin typeface="Wingdings"/>
                         <a:cs typeface="Wingdings"/>
                       </a:endParaRPr>
@@ -5564,7 +6182,7 @@
                           <a:spcPts val="459"/>
                         </a:spcBef>
                       </a:pPr>
-                      <a:endParaRPr sz="900" dirty="0">
+                      <a:endParaRPr sz="900">
                         <a:latin typeface="AdobeClean-Light"/>
                         <a:cs typeface="AdobeClean-Light"/>
                       </a:endParaRPr>
@@ -5605,16 +6223,16 @@
                         </a:spcBef>
                       </a:pPr>
                       <a:r>
-                        <a:rPr lang="de-de" sz="900" spc="0" dirty="0">
+                        <a:rPr sz="900" spc="0">
                           <a:solidFill>
                             <a:srgbClr val="020302"/>
                           </a:solidFill>
                           <a:latin typeface="AdobeClean-Light"/>
                           <a:cs typeface="AdobeClean-Light"/>
                         </a:rPr>
-                        <a:t>에스컬레이션 관리</a:t>
+                        <a:t>Escalation Management</a:t>
                       </a:r>
-                      <a:endParaRPr sz="900" spc="0" dirty="0">
+                      <a:endParaRPr sz="900" spc="0">
                         <a:latin typeface="AdobeClean-Light"/>
                         <a:cs typeface="AdobeClean-Light"/>
                       </a:endParaRPr>
@@ -5648,7 +6266,7 @@
                           <a:spcPts val="470"/>
                         </a:spcBef>
                       </a:pPr>
-                      <a:endParaRPr sz="900" dirty="0">
+                      <a:endParaRPr sz="900">
                         <a:latin typeface="Wingdings"/>
                         <a:cs typeface="Wingdings"/>
                       </a:endParaRPr>
@@ -5681,7 +6299,7 @@
                         </a:spcBef>
                       </a:pPr>
                       <a:r>
-                        <a:rPr lang="de-de" sz="900" dirty="0">
+                        <a:rPr sz="900">
                           <a:solidFill>
                             <a:srgbClr val="020302"/>
                           </a:solidFill>
@@ -5690,7 +6308,7 @@
                         </a:rPr>
                         <a:t></a:t>
                       </a:r>
-                      <a:endParaRPr sz="900" dirty="0">
+                      <a:endParaRPr sz="900">
                         <a:latin typeface="Wingdings"/>
                         <a:cs typeface="Wingdings"/>
                       </a:endParaRPr>
@@ -5724,7 +6342,7 @@
                           <a:spcPts val="450"/>
                         </a:spcBef>
                       </a:pPr>
-                      <a:endParaRPr sz="900" dirty="0">
+                      <a:endParaRPr sz="900">
                         <a:latin typeface="AdobeClean-Light"/>
                         <a:cs typeface="AdobeClean-Light"/>
                       </a:endParaRPr>
@@ -5765,16 +6383,26 @@
                         </a:spcBef>
                       </a:pPr>
                       <a:r>
-                        <a:rPr lang="de-de" sz="900" spc="0" dirty="0">
+                        <a:rPr sz="900" spc="0">
                           <a:solidFill>
                             <a:srgbClr val="020302"/>
                           </a:solidFill>
                           <a:latin typeface="AdobeClean-Light"/>
                           <a:cs typeface="AdobeClean-Light"/>
                         </a:rPr>
-                        <a:t>연간 서비스 리뷰</a:t>
+                        <a:t>Service Reviews </a:t>
                       </a:r>
-                      <a:endParaRPr sz="900" spc="0" dirty="0">
+                      <a:r>
+                        <a:rPr lang="en-US" sz="900" spc="0">
+                          <a:solidFill>
+                            <a:srgbClr val="020302"/>
+                          </a:solidFill>
+                          <a:latin typeface="AdobeClean-Light"/>
+                          <a:cs typeface="AdobeClean-Light"/>
+                        </a:rPr>
+                        <a:t>per Year</a:t>
+                      </a:r>
+                      <a:endParaRPr sz="900" spc="0">
                         <a:latin typeface="AdobeClean-Light"/>
                         <a:cs typeface="AdobeClean-Light"/>
                       </a:endParaRPr>
@@ -5805,7 +6433,7 @@
                           <a:spcPct val="100000"/>
                         </a:lnSpc>
                       </a:pPr>
-                      <a:endParaRPr sz="900" dirty="0">
+                      <a:endParaRPr sz="900">
                         <a:latin typeface="Times New Roman"/>
                         <a:cs typeface="Times New Roman"/>
                       </a:endParaRPr>
@@ -5835,13 +6463,13 @@
                         </a:lnSpc>
                       </a:pPr>
                       <a:r>
-                        <a:rPr lang="de-de" sz="900" dirty="0">
+                        <a:rPr lang="en-US" sz="900">
                           <a:latin typeface="Times New Roman"/>
                           <a:cs typeface="Times New Roman"/>
                         </a:rPr>
                         <a:t>4</a:t>
                       </a:r>
-                      <a:endParaRPr sz="900" dirty="0">
+                      <a:endParaRPr sz="900">
                         <a:latin typeface="Times New Roman"/>
                         <a:cs typeface="Times New Roman"/>
                       </a:endParaRPr>
@@ -5886,13 +6514,13 @@
                         </a:spcBef>
                       </a:pPr>
                       <a:r>
-                        <a:rPr lang="de-de" sz="900" spc="0" dirty="0">
+                        <a:rPr lang="en-US" sz="900" spc="0">
                           <a:latin typeface="AdobeClean-Light"/>
                           <a:cs typeface="AdobeClean-Light"/>
                         </a:rPr>
-                        <a:t>연간 전문가 세션</a:t>
+                        <a:t>Expert Sessions per Year</a:t>
                       </a:r>
-                      <a:endParaRPr sz="900" spc="0" dirty="0">
+                      <a:endParaRPr sz="900" spc="0">
                         <a:latin typeface="AdobeClean-Light"/>
                         <a:cs typeface="AdobeClean-Light"/>
                       </a:endParaRPr>
@@ -5929,7 +6557,7 @@
                           <a:spcPct val="100000"/>
                         </a:lnSpc>
                       </a:pPr>
-                      <a:endParaRPr sz="900" dirty="0">
+                      <a:endParaRPr sz="900">
                         <a:latin typeface="Times New Roman"/>
                         <a:cs typeface="Times New Roman"/>
                       </a:endParaRPr>
@@ -5959,13 +6587,13 @@
                         </a:lnSpc>
                       </a:pPr>
                       <a:r>
-                        <a:rPr lang="de-de" sz="900" dirty="0">
+                        <a:rPr lang="en-US" sz="900">
                           <a:latin typeface="Times New Roman"/>
                           <a:cs typeface="Times New Roman"/>
                         </a:rPr>
                         <a:t>4</a:t>
                       </a:r>
-                      <a:endParaRPr sz="900" dirty="0">
+                      <a:endParaRPr sz="900">
                         <a:latin typeface="Times New Roman"/>
                         <a:cs typeface="Times New Roman"/>
                       </a:endParaRPr>
@@ -6010,13 +6638,13 @@
                         </a:spcBef>
                       </a:pPr>
                       <a:r>
-                        <a:rPr lang="de-de" sz="900" spc="0" dirty="0">
+                        <a:rPr lang="en-US" sz="900" spc="0">
                           <a:latin typeface="AdobeClean-Light"/>
                           <a:cs typeface="AdobeClean-Light"/>
                         </a:rPr>
-                        <a:t>사례 검토</a:t>
+                        <a:t>Case Reviews</a:t>
                       </a:r>
-                      <a:endParaRPr sz="900" spc="0" dirty="0">
+                      <a:endParaRPr sz="900" spc="0">
                         <a:latin typeface="AdobeClean-Light"/>
                         <a:cs typeface="AdobeClean-Light"/>
                       </a:endParaRPr>
@@ -6053,7 +6681,7 @@
                           <a:spcPct val="100000"/>
                         </a:lnSpc>
                       </a:pPr>
-                      <a:endParaRPr sz="900" dirty="0">
+                      <a:endParaRPr sz="900">
                         <a:latin typeface="Times New Roman"/>
                         <a:cs typeface="Times New Roman"/>
                       </a:endParaRPr>
@@ -6095,7 +6723,7 @@
                         <a:defRPr/>
                       </a:pPr>
                       <a:r>
-                        <a:rPr lang="de-de" sz="900" dirty="0">
+                        <a:rPr lang="en-US" sz="900">
                           <a:solidFill>
                             <a:srgbClr val="020302"/>
                           </a:solidFill>
@@ -6104,7 +6732,7 @@
                         </a:rPr>
                         <a:t></a:t>
                       </a:r>
-                      <a:endParaRPr lang="en-US" sz="900" dirty="0">
+                      <a:endParaRPr lang="en-US" sz="900">
                         <a:latin typeface="Wingdings"/>
                         <a:cs typeface="Wingdings"/>
                       </a:endParaRPr>
@@ -6138,7 +6766,7 @@
                           <a:spcPts val="459"/>
                         </a:spcBef>
                       </a:pPr>
-                      <a:endParaRPr sz="900" dirty="0">
+                      <a:endParaRPr sz="900">
                         <a:latin typeface="AdobeClean-Light"/>
                         <a:cs typeface="AdobeClean-Light"/>
                       </a:endParaRPr>
@@ -6188,16 +6816,26 @@
                         </a:spcBef>
                       </a:pPr>
                       <a:r>
-                        <a:rPr lang="de-de" sz="900" spc="0" dirty="0">
+                        <a:rPr sz="900" spc="0">
                           <a:solidFill>
                             <a:srgbClr val="020302"/>
                           </a:solidFill>
                           <a:latin typeface="AdobeClean-Light"/>
                           <a:cs typeface="AdobeClean-Light"/>
                         </a:rPr>
-                        <a:t>이벤트 관리</a:t>
+                        <a:t>Event </a:t>
                       </a:r>
-                      <a:endParaRPr sz="900" spc="0" dirty="0">
+                      <a:r>
+                        <a:rPr lang="en-US" sz="900" spc="0">
+                          <a:solidFill>
+                            <a:srgbClr val="020302"/>
+                          </a:solidFill>
+                          <a:latin typeface="AdobeClean-Light"/>
+                          <a:cs typeface="AdobeClean-Light"/>
+                        </a:rPr>
+                        <a:t>Management</a:t>
+                      </a:r>
+                      <a:endParaRPr sz="900" spc="0">
                         <a:latin typeface="AdobeClean-Light"/>
                         <a:cs typeface="AdobeClean-Light"/>
                       </a:endParaRPr>
@@ -6234,7 +6872,7 @@
                           <a:spcPct val="100000"/>
                         </a:lnSpc>
                       </a:pPr>
-                      <a:endParaRPr sz="900" dirty="0">
+                      <a:endParaRPr sz="900">
                         <a:latin typeface="Times New Roman"/>
                         <a:cs typeface="Times New Roman"/>
                       </a:endParaRPr>
@@ -6276,7 +6914,7 @@
                         <a:defRPr/>
                       </a:pPr>
                       <a:r>
-                        <a:rPr lang="de-de" sz="900" dirty="0">
+                        <a:rPr lang="en-US" sz="900">
                           <a:solidFill>
                             <a:srgbClr val="020302"/>
                           </a:solidFill>
@@ -6285,7 +6923,7 @@
                         </a:rPr>
                         <a:t></a:t>
                       </a:r>
-                      <a:endParaRPr lang="en-US" sz="900" dirty="0">
+                      <a:endParaRPr lang="en-US" sz="900">
                         <a:latin typeface="Wingdings"/>
                         <a:cs typeface="Wingdings"/>
                       </a:endParaRPr>
@@ -6319,7 +6957,7 @@
                           <a:spcPts val="465"/>
                         </a:spcBef>
                       </a:pPr>
-                      <a:endParaRPr sz="900" dirty="0">
+                      <a:endParaRPr sz="900">
                         <a:latin typeface="AdobeClean-Light"/>
                         <a:cs typeface="AdobeClean-Light"/>
                       </a:endParaRPr>
@@ -6360,16 +6998,36 @@
                         </a:spcBef>
                       </a:pPr>
                       <a:r>
-                        <a:rPr lang="de-de" sz="900" spc="0" dirty="0">
+                        <a:rPr sz="900" spc="0">
                           <a:solidFill>
                             <a:srgbClr val="020302"/>
                           </a:solidFill>
                           <a:latin typeface="AdobeClean-Light"/>
                           <a:cs typeface="AdobeClean-Light"/>
                         </a:rPr>
-                        <a:t>환경 검토, 유지 관리 및 모니터링</a:t>
+                        <a:t>Environment</a:t>
                       </a:r>
-                      <a:endParaRPr sz="900" spc="0" dirty="0">
+                      <a:r>
+                        <a:rPr lang="en-US" sz="900" spc="0">
+                          <a:solidFill>
+                            <a:srgbClr val="020302"/>
+                          </a:solidFill>
+                          <a:latin typeface="AdobeClean-Light"/>
+                          <a:cs typeface="AdobeClean-Light"/>
+                        </a:rPr>
+                        <a:t> </a:t>
+                      </a:r>
+                      <a:r>
+                        <a:rPr sz="900" spc="0">
+                          <a:solidFill>
+                            <a:srgbClr val="020302"/>
+                          </a:solidFill>
+                          <a:latin typeface="AdobeClean-Light"/>
+                          <a:cs typeface="AdobeClean-Light"/>
+                        </a:rPr>
+                        <a:t>Review, Maintenance &amp; Monitoring</a:t>
+                      </a:r>
+                      <a:endParaRPr sz="900" spc="0">
                         <a:latin typeface="AdobeClean-Light"/>
                         <a:cs typeface="AdobeClean-Light"/>
                       </a:endParaRPr>
@@ -6400,7 +7058,7 @@
                           <a:spcPct val="100000"/>
                         </a:lnSpc>
                       </a:pPr>
-                      <a:endParaRPr sz="900" dirty="0">
+                      <a:endParaRPr sz="900">
                         <a:latin typeface="Times New Roman"/>
                         <a:cs typeface="Times New Roman"/>
                       </a:endParaRPr>
@@ -6442,7 +7100,7 @@
                         <a:defRPr/>
                       </a:pPr>
                       <a:r>
-                        <a:rPr lang="de-de" sz="900" dirty="0">
+                        <a:rPr lang="en-US" sz="900">
                           <a:solidFill>
                             <a:srgbClr val="020302"/>
                           </a:solidFill>
@@ -6451,7 +7109,7 @@
                         </a:rPr>
                         <a:t></a:t>
                       </a:r>
-                      <a:endParaRPr lang="en-US" sz="900" dirty="0">
+                      <a:endParaRPr lang="en-US" sz="900">
                         <a:latin typeface="Wingdings"/>
                         <a:cs typeface="Wingdings"/>
                       </a:endParaRPr>
@@ -6485,7 +7143,7 @@
                           <a:spcPts val="500"/>
                         </a:spcBef>
                       </a:pPr>
-                      <a:endParaRPr sz="900" dirty="0">
+                      <a:endParaRPr sz="900">
                         <a:latin typeface="AdobeClean-Light"/>
                         <a:cs typeface="AdobeClean-Light"/>
                       </a:endParaRPr>
@@ -6526,16 +7184,16 @@
                         </a:spcBef>
                       </a:pPr>
                       <a:r>
-                        <a:rPr lang="de-de" sz="900" spc="0" dirty="0">
+                        <a:rPr sz="900" spc="0">
                           <a:solidFill>
                             <a:srgbClr val="020302"/>
                           </a:solidFill>
                           <a:latin typeface="AdobeClean-Light"/>
                           <a:cs typeface="AdobeClean-Light"/>
                         </a:rPr>
-                        <a:t>릴리스, 마이그레이션, 업그레이드 및 제품 로드맵 검토</a:t>
+                        <a:t>Release, Migration, Upgrade &amp; Product Roadmap Review</a:t>
                       </a:r>
-                      <a:endParaRPr sz="900" spc="0" dirty="0">
+                      <a:endParaRPr sz="900" spc="0">
                         <a:latin typeface="AdobeClean-Light"/>
                         <a:cs typeface="AdobeClean-Light"/>
                       </a:endParaRPr>
@@ -6566,7 +7224,7 @@
                           <a:spcPct val="100000"/>
                         </a:lnSpc>
                       </a:pPr>
-                      <a:endParaRPr sz="900" dirty="0">
+                      <a:endParaRPr sz="900">
                         <a:latin typeface="Times New Roman"/>
                         <a:cs typeface="Times New Roman"/>
                       </a:endParaRPr>
@@ -6608,7 +7266,7 @@
                         <a:defRPr/>
                       </a:pPr>
                       <a:r>
-                        <a:rPr lang="de-de" sz="900" dirty="0">
+                        <a:rPr lang="en-US" sz="900">
                           <a:solidFill>
                             <a:srgbClr val="020302"/>
                           </a:solidFill>
@@ -6617,7 +7275,7 @@
                         </a:rPr>
                         <a:t></a:t>
                       </a:r>
-                      <a:endParaRPr lang="en-US" sz="900" dirty="0">
+                      <a:endParaRPr lang="en-US" sz="900">
                         <a:latin typeface="Wingdings"/>
                         <a:cs typeface="Wingdings"/>
                       </a:endParaRPr>
@@ -6651,7 +7309,7 @@
                           <a:spcPts val="530"/>
                         </a:spcBef>
                       </a:pPr>
-                      <a:endParaRPr sz="900" dirty="0">
+                      <a:endParaRPr sz="900">
                         <a:latin typeface="AdobeClean-Light"/>
                         <a:cs typeface="AdobeClean-Light"/>
                       </a:endParaRPr>
@@ -6701,11 +7359,11 @@
                         </a:spcBef>
                       </a:pPr>
                       <a:r>
-                        <a:rPr lang="de-de" sz="900" spc="0" dirty="0">
+                        <a:rPr sz="900" spc="0">
                           <a:latin typeface="AdobeClean-Light"/>
                           <a:cs typeface="AdobeClean-Light"/>
                         </a:rPr>
-                        <a:t>클라우드 지원 활동 – Experience Manager as Cloud</a:t>
+                        <a:t>Cloud Support Activities – Experience Manager as Cloud</a:t>
                       </a:r>
                     </a:p>
                   </a:txBody>
@@ -6740,7 +7398,7 @@
                           <a:spcPct val="100000"/>
                         </a:lnSpc>
                       </a:pPr>
-                      <a:endParaRPr sz="900" dirty="0">
+                      <a:endParaRPr sz="900">
                         <a:latin typeface="Times New Roman"/>
                         <a:cs typeface="Times New Roman"/>
                       </a:endParaRPr>
@@ -6791,7 +7449,7 @@
                         <a:defRPr/>
                       </a:pPr>
                       <a:r>
-                        <a:rPr lang="de-de" sz="900" dirty="0">
+                        <a:rPr lang="en-US" sz="900">
                           <a:solidFill>
                             <a:srgbClr val="020302"/>
                           </a:solidFill>
@@ -6800,7 +7458,7 @@
                         </a:rPr>
                         <a:t></a:t>
                       </a:r>
-                      <a:endParaRPr lang="en-US" sz="900" dirty="0">
+                      <a:endParaRPr lang="en-US" sz="900">
                         <a:latin typeface="Wingdings"/>
                         <a:cs typeface="Wingdings"/>
                       </a:endParaRPr>
@@ -6844,16 +7502,16 @@
                         </a:spcBef>
                       </a:pPr>
                       <a:r>
-                        <a:rPr lang="de-de" sz="1000" b="1" i="0" spc="0" dirty="0">
+                        <a:rPr lang="en-US" sz="1000" b="1" i="0" spc="0">
                           <a:solidFill>
                             <a:schemeClr val="bg1"/>
                           </a:solidFill>
                           <a:latin typeface="Adobe Clean" panose="020B0503020404020204" pitchFamily="34" charset="0"/>
                           <a:cs typeface="AdobeClean-Light"/>
                         </a:rPr>
-                        <a:t>현장 서비스</a:t>
+                        <a:t>Field Services</a:t>
                       </a:r>
-                      <a:endParaRPr sz="1000" b="1" i="0" spc="0" dirty="0">
+                      <a:endParaRPr sz="1000" b="1" i="0" spc="0">
                         <a:solidFill>
                           <a:schemeClr val="bg1"/>
                         </a:solidFill>
@@ -6912,14 +7570,14 @@
                         </a:spcBef>
                       </a:pPr>
                       <a:r>
-                        <a:rPr lang="de-de" sz="900" spc="0" dirty="0">
+                        <a:rPr sz="900" spc="0">
                           <a:solidFill>
                             <a:srgbClr val="020302"/>
                           </a:solidFill>
                           <a:latin typeface="AdobeClean-Light"/>
                           <a:cs typeface="AdobeClean-Light"/>
                         </a:rPr>
-                        <a:t>출시 자문 서비스 – 새로운 솔루션의 첫 해</a:t>
+                        <a:t>Launch Advisory Services – First Year of new solution</a:t>
                       </a:r>
                     </a:p>
                   </a:txBody>
@@ -6964,7 +7622,7 @@
                           <a:spcPct val="100000"/>
                         </a:lnSpc>
                       </a:pPr>
-                      <a:endParaRPr sz="900" dirty="0">
+                      <a:endParaRPr sz="900">
                         <a:latin typeface="Times New Roman"/>
                         <a:cs typeface="Times New Roman"/>
                       </a:endParaRPr>
@@ -7031,7 +7689,7 @@
                         <a:defRPr/>
                       </a:pPr>
                       <a:r>
-                        <a:rPr lang="de-de" sz="900" dirty="0">
+                        <a:rPr lang="en-US" sz="900">
                           <a:solidFill>
                             <a:srgbClr val="020302"/>
                           </a:solidFill>
@@ -7040,7 +7698,7 @@
                         </a:rPr>
                         <a:t></a:t>
                       </a:r>
-                      <a:endParaRPr lang="en-US" sz="900" dirty="0">
+                      <a:endParaRPr lang="en-US" sz="900">
                         <a:latin typeface="Wingdings"/>
                         <a:cs typeface="Wingdings"/>
                       </a:endParaRPr>
@@ -7122,11 +7780,11 @@
                         <a:defRPr/>
                       </a:pPr>
                       <a:r>
-                        <a:rPr lang="de-de" sz="900" spc="0" dirty="0">
+                        <a:rPr lang="en-US" sz="900" spc="0">
                           <a:latin typeface="AdobeClean-Light"/>
                           <a:cs typeface="AdobeClean-Light"/>
                         </a:rPr>
-                        <a:t>현장 서비스 활동 </a:t>
+                        <a:t>Field Service Activities </a:t>
                       </a:r>
                     </a:p>
                   </a:txBody>
@@ -7161,7 +7819,7 @@
                     <a:lstStyle/>
                     <a:p>
                       <a:pPr algn="ctr"/>
-                      <a:endParaRPr lang="en-US" dirty="0"/>
+                      <a:endParaRPr lang="en-US"/>
                     </a:p>
                   </a:txBody>
                   <a:tcPr marL="0" marR="0" marT="0" marB="0">
@@ -7209,13 +7867,13 @@
                     <a:p>
                       <a:pPr algn="ctr"/>
                       <a:r>
-                        <a:rPr lang="de-de" sz="900" dirty="0">
+                        <a:rPr lang="en-US" sz="900">
                           <a:latin typeface="Times New Roman"/>
                           <a:cs typeface="Times New Roman"/>
                         </a:rPr>
                         <a:t>4</a:t>
                       </a:r>
-                      <a:endParaRPr lang="en-US" dirty="0"/>
+                      <a:endParaRPr lang="en-US"/>
                     </a:p>
                   </a:txBody>
                   <a:tcPr marL="0" marR="0" marT="0" marB="0" anchor="ctr">
@@ -7349,7 +8007,7 @@
         <p:spPr>
           <a:xfrm>
             <a:off x="357339" y="608961"/>
-            <a:ext cx="4214661" cy="229239"/>
+            <a:ext cx="1647825" cy="238760"/>
           </a:xfrm>
           <a:prstGeom prst="rect">
             <a:avLst/>
@@ -7370,17 +8028,17 @@
               </a:spcBef>
             </a:pPr>
             <a:r>
-              <a:rPr lang="de-de" sz="1400" b="1" spc="-10" dirty="0">
+              <a:rPr sz="1400" b="1" spc="-10">
                 <a:solidFill>
                   <a:srgbClr val="020302"/>
                 </a:solidFill>
                 <a:latin typeface="Adobe Clean"/>
                 <a:cs typeface="Adobe Clean"/>
               </a:rPr>
-              <a:t>엘리트</a:t>
-            </a:r>
-            <a:r>
-              <a:rPr lang="de-de" sz="1400" b="1" spc="-50" dirty="0">
+              <a:t>Elite</a:t>
+            </a:r>
+            <a:r>
+              <a:rPr sz="1400" b="1" spc="-50">
                 <a:solidFill>
                   <a:srgbClr val="020302"/>
                 </a:solidFill>
@@ -7390,17 +8048,17 @@
               <a:t> </a:t>
             </a:r>
             <a:r>
-              <a:rPr lang="de-de" sz="1400" b="1" spc="-10" dirty="0">
+              <a:rPr sz="1400" b="1" spc="-10">
                 <a:solidFill>
                   <a:srgbClr val="020302"/>
                 </a:solidFill>
                 <a:latin typeface="Adobe Clean"/>
                 <a:cs typeface="Adobe Clean"/>
               </a:rPr>
-              <a:t>지원</a:t>
-            </a:r>
-            <a:r>
-              <a:rPr lang="de-de" sz="1400" b="1" spc="-45" dirty="0">
+              <a:t>Support</a:t>
+            </a:r>
+            <a:r>
+              <a:rPr sz="1400" b="1" spc="-45">
                 <a:solidFill>
                   <a:srgbClr val="020302"/>
                 </a:solidFill>
@@ -7410,16 +8068,16 @@
               <a:t> </a:t>
             </a:r>
             <a:r>
-              <a:rPr lang="de-de" sz="1400" b="1" spc="-15" dirty="0">
+              <a:rPr sz="1400" b="1" spc="-15">
                 <a:solidFill>
                   <a:srgbClr val="020302"/>
                 </a:solidFill>
                 <a:latin typeface="Adobe Clean"/>
                 <a:cs typeface="Adobe Clean"/>
               </a:rPr>
-              <a:t>기능</a:t>
-            </a:r>
-            <a:endParaRPr sz="1400" dirty="0">
+              <a:t>Features</a:t>
+            </a:r>
+            <a:endParaRPr sz="1400">
               <a:latin typeface="Adobe Clean"/>
               <a:cs typeface="Adobe Clean"/>
             </a:endParaRPr>
@@ -7456,16 +8114,16 @@
               </a:spcBef>
             </a:pPr>
             <a:r>
-              <a:rPr lang="de-de" sz="1000" dirty="0">
+              <a:rPr sz="1000">
                 <a:solidFill>
                   <a:srgbClr val="4B4B4B"/>
                 </a:solidFill>
                 <a:latin typeface="AdobeClean-Light"/>
                 <a:cs typeface="AdobeClean-Light"/>
               </a:rPr>
-              <a:t>고객의 솔루션 환경과 비즈니스 목표에 정통하게 될 지정 지원 엔지니어입니다. 엔터프라이즈 지원 경험을 조정할 수 있게 숙련된 지원 엔지니어입니다.</a:t>
-            </a:r>
-            <a:endParaRPr sz="1000" dirty="0">
+              <a:t>A designated support engineer who  becomes familiar with your solution  environment and business goals. The NSE  is an experienced support engineer that  helps coordinate your Enterprise Support  experience.</a:t>
+            </a:r>
+            <a:endParaRPr sz="1000">
               <a:latin typeface="AdobeClean-Light"/>
               <a:cs typeface="AdobeClean-Light"/>
             </a:endParaRPr>
@@ -7550,16 +8208,16 @@
               </a:spcBef>
             </a:pPr>
             <a:r>
-              <a:rPr lang="de-de" sz="1000" dirty="0">
+              <a:rPr sz="1000">
                 <a:solidFill>
                   <a:srgbClr val="4B4B4B"/>
                 </a:solidFill>
                 <a:latin typeface="AdobeClean-Light"/>
                 <a:cs typeface="AdobeClean-Light"/>
               </a:rPr>
-              <a:t>진행 중인 지원 요청을 정기적으로 검토하여 사례 설명, 비즈니스 영향, 상태, 우선 순위, 필요한 다음 단계에 대한 고객의 동의에 맞춰 조정함으로써 신속한 해결을 보장합니다.</a:t>
-            </a:r>
-            <a:endParaRPr sz="1000" dirty="0">
+              <a:t>Regular scheduled review of open  support requests, ensuring customer  alignment on case description, business  impact, status, priority and agreement on  next steps required to ensure an  expedient resolution.</a:t>
+            </a:r>
+            <a:endParaRPr sz="1000">
               <a:latin typeface="AdobeClean-Light"/>
               <a:cs typeface="AdobeClean-Light"/>
             </a:endParaRPr>
@@ -7620,14 +8278,24 @@
               </a:spcBef>
             </a:pPr>
             <a:r>
-              <a:rPr lang="de-de" sz="1000" dirty="0">
+              <a:rPr sz="1000">
                 <a:solidFill>
                   <a:srgbClr val="020302"/>
                 </a:solidFill>
                 <a:latin typeface="AdobeClean-Light"/>
                 <a:cs typeface="AdobeClean-Light"/>
               </a:rPr>
-              <a:t>귀사의 엘리트 경험을 감독하고, 지원 및 현장 서비스 계약을 조정하고, 사전 예방적 서비스를 제공하여 귀사의 비즈니스 가치를 극대화하는 지정된 기술 계정 관리자입니다.</a:t>
+              <a:t>A designated Technical Account Manager to  oversee your Elite experience, coordinate  the support and field services  engagements, and provide proactive services  to maximize your business valu</a:t>
+            </a:r>
+            <a:r>
+              <a:rPr lang="en-US" sz="1000">
+                <a:solidFill>
+                  <a:srgbClr val="020302"/>
+                </a:solidFill>
+                <a:latin typeface="AdobeClean-Light"/>
+                <a:cs typeface="AdobeClean-Light"/>
+              </a:rPr>
+              <a:t>e.</a:t>
             </a:r>
           </a:p>
         </p:txBody>
@@ -7662,16 +8330,16 @@
               </a:spcBef>
             </a:pPr>
             <a:r>
-              <a:rPr lang="de-de" sz="1100" b="1" dirty="0">
+              <a:rPr sz="1100" b="1">
                 <a:solidFill>
                   <a:srgbClr val="020302"/>
                 </a:solidFill>
                 <a:latin typeface="Adobe Clean" panose="020B0503020404020204" pitchFamily="34" charset="0"/>
                 <a:cs typeface="Arial"/>
               </a:rPr>
-              <a:t>기술 계정 관리자</a:t>
-            </a:r>
-            <a:endParaRPr sz="1100" dirty="0">
+              <a:t>Technical Account Manager</a:t>
+            </a:r>
+            <a:endParaRPr sz="1100">
               <a:latin typeface="Adobe Clean" panose="020B0503020404020204" pitchFamily="34" charset="0"/>
               <a:cs typeface="Arial"/>
             </a:endParaRPr>
@@ -7756,16 +8424,46 @@
               </a:spcBef>
             </a:pPr>
             <a:r>
-              <a:rPr lang="de-de" sz="1000" dirty="0">
+              <a:rPr sz="1000">
                 <a:solidFill>
                   <a:srgbClr val="020302"/>
                 </a:solidFill>
                 <a:latin typeface="AdobeClean-Light"/>
                 <a:cs typeface="AdobeClean-Light"/>
               </a:rPr>
-              <a:t>솔루션 사용에 대한 모범 사례를 제공하기 위한 Adobe 지원 팀의 지속적인 지식 이전입니다.</a:t>
-            </a:r>
-            <a:endParaRPr sz="1000" dirty="0">
+              <a:t>Ongoing knowledge transfer from Adobe  </a:t>
+            </a:r>
+            <a:r>
+              <a:rPr lang="en-US" sz="1000">
+                <a:solidFill>
+                  <a:srgbClr val="020302"/>
+                </a:solidFill>
+                <a:latin typeface="AdobeClean-Light"/>
+                <a:cs typeface="AdobeClean-Light"/>
+              </a:rPr>
+              <a:t>Support team</a:t>
+            </a:r>
+            <a:r>
+              <a:rPr sz="1000">
+                <a:solidFill>
+                  <a:srgbClr val="020302"/>
+                </a:solidFill>
+                <a:latin typeface="AdobeClean-Light"/>
+                <a:cs typeface="AdobeClean-Light"/>
+              </a:rPr>
+              <a:t> to provide </a:t>
+            </a:r>
+            <a:r>
+              <a:rPr lang="en-US" sz="1000">
+                <a:solidFill>
+                  <a:srgbClr val="020302"/>
+                </a:solidFill>
+                <a:latin typeface="AdobeClean-Light"/>
+                <a:cs typeface="AdobeClean-Light"/>
+              </a:rPr>
+              <a:t>best practices around solution usage.</a:t>
+            </a:r>
+            <a:endParaRPr sz="1000">
               <a:latin typeface="AdobeClean-Light"/>
               <a:cs typeface="AdobeClean-Light"/>
             </a:endParaRPr>
@@ -7802,16 +8500,16 @@
               </a:spcBef>
             </a:pPr>
             <a:r>
-              <a:rPr lang="de-de" sz="1000" dirty="0">
+              <a:rPr sz="1000">
                 <a:solidFill>
                   <a:srgbClr val="020302"/>
                 </a:solidFill>
                 <a:latin typeface="AdobeClean-Light"/>
                 <a:cs typeface="AdobeClean-Light"/>
               </a:rPr>
-              <a:t>해당 주요 비즈니스 및 프로젝트 주요 시점 동안에 적절한 수준의 지원, 적용 범위 및 완화 계획을 수립할 수 있도록 주요 이벤트를 관리합니다.</a:t>
-            </a:r>
-            <a:endParaRPr sz="1000" dirty="0">
+              <a:t>Manage key events to ensure you have the  right level of support, coverage, and  mitigation plan in place during those key  business and project milestones.</a:t>
+            </a:r>
+            <a:endParaRPr sz="1000">
               <a:latin typeface="AdobeClean-Light"/>
               <a:cs typeface="AdobeClean-Light"/>
             </a:endParaRPr>
@@ -7848,16 +8546,16 @@
               </a:spcBef>
             </a:pPr>
             <a:r>
-              <a:rPr lang="de-de" sz="1000" dirty="0">
+              <a:rPr sz="1000">
                 <a:solidFill>
                   <a:srgbClr val="020302"/>
                 </a:solidFill>
                 <a:latin typeface="AdobeClean-Light"/>
                 <a:cs typeface="AdobeClean-Light"/>
               </a:rPr>
-              <a:t>최신 혁신 기술을 활용하고 Adobe 전문가가 릴리스 및 업그레이드 계획을 검토할 수 있도록 새로운 제품 기능에 대한 맞춤형 지침을 받습니다.</a:t>
-            </a:r>
-            <a:endParaRPr sz="1000" dirty="0">
+              <a:t>Receive personalized guidance on new  product features to take advantage of  latest innovations, and have Adobe  experts review release and upgrade plan.</a:t>
+            </a:r>
+            <a:endParaRPr sz="1000">
               <a:latin typeface="AdobeClean-Light"/>
               <a:cs typeface="AdobeClean-Light"/>
             </a:endParaRPr>
@@ -7872,8 +8570,8 @@
         </p:nvSpPr>
         <p:spPr>
           <a:xfrm>
-            <a:off x="97786" y="9888626"/>
-            <a:ext cx="4474213" cy="133370"/>
+            <a:off x="97787" y="9888626"/>
+            <a:ext cx="2202180" cy="149860"/>
           </a:xfrm>
           <a:prstGeom prst="rect">
             <a:avLst/>
@@ -7894,7 +8592,7 @@
               </a:spcBef>
             </a:pPr>
             <a:r>
-              <a:rPr lang="de-de" sz="800" spc="-15" dirty="0">
+              <a:rPr sz="800" spc="-15">
                 <a:solidFill>
                   <a:srgbClr val="6D6D6D"/>
                 </a:solidFill>
@@ -7904,7 +8602,7 @@
               <a:t>©2021 </a:t>
             </a:r>
             <a:r>
-              <a:rPr lang="de-de" sz="800" spc="-5" dirty="0">
+              <a:rPr sz="800" spc="-5">
                 <a:solidFill>
                   <a:srgbClr val="6D6D6D"/>
                 </a:solidFill>
@@ -7914,7 +8612,7 @@
               <a:t>Adobe. All</a:t>
             </a:r>
             <a:r>
-              <a:rPr lang="de-de" sz="800" spc="-15" dirty="0">
+              <a:rPr sz="800" spc="-15">
                 <a:solidFill>
                   <a:srgbClr val="6D6D6D"/>
                 </a:solidFill>
@@ -7924,7 +8622,7 @@
               <a:t> Rights</a:t>
             </a:r>
             <a:r>
-              <a:rPr lang="de-de" sz="800" spc="-5" dirty="0">
+              <a:rPr sz="800" spc="-5">
                 <a:solidFill>
                   <a:srgbClr val="6D6D6D"/>
                 </a:solidFill>
@@ -7934,7 +8632,7 @@
               <a:t> </a:t>
             </a:r>
             <a:r>
-              <a:rPr lang="de-de" sz="800" spc="-15" dirty="0">
+              <a:rPr sz="800" spc="-15">
                 <a:solidFill>
                   <a:srgbClr val="6D6D6D"/>
                 </a:solidFill>
@@ -7944,7 +8642,7 @@
               <a:t>Reserved.</a:t>
             </a:r>
             <a:r>
-              <a:rPr lang="de-de" sz="800" spc="-10" dirty="0">
+              <a:rPr sz="800" spc="-10">
                 <a:solidFill>
                   <a:srgbClr val="6D6D6D"/>
                 </a:solidFill>
@@ -7954,7 +8652,7 @@
               <a:t> </a:t>
             </a:r>
             <a:r>
-              <a:rPr lang="de-de" sz="800" spc="-5" dirty="0">
+              <a:rPr sz="800" spc="-5">
                 <a:solidFill>
                   <a:srgbClr val="6D6D6D"/>
                 </a:solidFill>
@@ -7964,7 +8662,7 @@
               <a:t>Adobe</a:t>
             </a:r>
             <a:r>
-              <a:rPr lang="de-de" sz="800" spc="65" dirty="0">
+              <a:rPr sz="800" spc="65">
                 <a:solidFill>
                   <a:srgbClr val="6D6D6D"/>
                 </a:solidFill>
@@ -7974,16 +8672,16 @@
               <a:t> </a:t>
             </a:r>
             <a:r>
-              <a:rPr lang="de-de" sz="800" spc="-15" dirty="0">
+              <a:rPr sz="800" spc="-15">
                 <a:solidFill>
                   <a:srgbClr val="6D6D6D"/>
                 </a:solidFill>
                 <a:latin typeface="Adobe Clean"/>
                 <a:cs typeface="Adobe Clean"/>
               </a:rPr>
-              <a:t>기밀.</a:t>
-            </a:r>
-            <a:endParaRPr sz="800" dirty="0">
+              <a:t>Confidential.</a:t>
+            </a:r>
+            <a:endParaRPr sz="800">
               <a:latin typeface="Adobe Clean"/>
               <a:cs typeface="Adobe Clean"/>
             </a:endParaRPr>
@@ -7992,7 +8690,7 @@
       </p:sp>
       <p:pic>
         <p:nvPicPr>
-          <p:cNvPr id="43" name="Graphic 42" descr="플레이북 개요">
+          <p:cNvPr id="43" name="Graphic 42" descr="Playbook outline">
             <a:extLst>
               <a:ext uri="{FF2B5EF4-FFF2-40B4-BE49-F238E27FC236}">
                 <a16:creationId xmlns:a16="http://schemas.microsoft.com/office/drawing/2014/main" id="{C99690B9-BFB7-6F4A-BF19-81D32249562E}"/>
@@ -8043,7 +8741,7 @@
         </p:nvSpPr>
         <p:spPr>
           <a:xfrm>
-            <a:off x="2791726" y="8915400"/>
+            <a:off x="2791726" y="9060487"/>
             <a:ext cx="2194560" cy="487313"/>
           </a:xfrm>
           <a:prstGeom prst="rect">
@@ -8068,77 +8766,77 @@
               </a:tabLst>
             </a:pPr>
             <a:r>
-              <a:rPr lang="de-de" sz="1000" spc="-20" dirty="0">
+              <a:rPr sz="1000" spc="-20">
                 <a:solidFill>
                   <a:srgbClr val="020302"/>
                 </a:solidFill>
                 <a:latin typeface="AdobeClean-Light"/>
                 <a:cs typeface="AdobeClean-Light"/>
               </a:rPr>
-              <a:t>답변을 </a:t>
-            </a:r>
-            <a:r>
-              <a:rPr lang="de-de" sz="1000" dirty="0">
+              <a:t>Start </a:t>
+            </a:r>
+            <a:r>
+              <a:rPr sz="1000">
                 <a:solidFill>
                   <a:srgbClr val="020302"/>
                 </a:solidFill>
                 <a:latin typeface="AdobeClean-Light"/>
                 <a:cs typeface="AdobeClean-Light"/>
               </a:rPr>
-              <a:t>얻고 </a:t>
-            </a:r>
-            <a:r>
-              <a:rPr lang="de-de" sz="1000" spc="-15" dirty="0">
+              <a:t>a </a:t>
+            </a:r>
+            <a:r>
+              <a:rPr sz="1000" spc="-15">
                 <a:solidFill>
                   <a:srgbClr val="020302"/>
                 </a:solidFill>
                 <a:latin typeface="AdobeClean-Light"/>
                 <a:cs typeface="AdobeClean-Light"/>
               </a:rPr>
-              <a:t>사례 </a:t>
-            </a:r>
-            <a:r>
-              <a:rPr lang="de-de" sz="1000" spc="-10" dirty="0">
+              <a:t>chat </a:t>
+            </a:r>
+            <a:r>
+              <a:rPr sz="1000" spc="-10">
                 <a:solidFill>
                   <a:srgbClr val="020302"/>
                 </a:solidFill>
                 <a:latin typeface="AdobeClean-Light"/>
                 <a:cs typeface="AdobeClean-Light"/>
               </a:rPr>
-              <a:t>제출 </a:t>
-            </a:r>
-            <a:r>
-              <a:rPr lang="de-de" sz="1000" spc="-5" dirty="0">
+              <a:t>session </a:t>
+            </a:r>
+            <a:r>
+              <a:rPr sz="1000" spc="-5">
                 <a:solidFill>
                   <a:srgbClr val="020302"/>
                 </a:solidFill>
                 <a:latin typeface="AdobeClean-Light"/>
                 <a:cs typeface="AdobeClean-Light"/>
               </a:rPr>
-              <a:t>관련 </a:t>
-            </a:r>
-            <a:r>
-              <a:rPr lang="de-de" sz="1000" spc="-10" dirty="0">
+              <a:t>to </a:t>
+            </a:r>
+            <a:r>
+              <a:rPr sz="1000" spc="-10">
                 <a:solidFill>
                   <a:srgbClr val="020302"/>
                 </a:solidFill>
                 <a:latin typeface="AdobeClean-Light"/>
                 <a:cs typeface="AdobeClean-Light"/>
               </a:rPr>
-              <a:t>도움을 </a:t>
-            </a:r>
-            <a:r>
-              <a:rPr lang="de-de" sz="1000" spc="-20" dirty="0">
+              <a:t>get </a:t>
+            </a:r>
+            <a:r>
+              <a:rPr sz="1000" spc="-20">
                 <a:solidFill>
                   <a:srgbClr val="020302"/>
                 </a:solidFill>
                 <a:latin typeface="AdobeClean-Light"/>
                 <a:cs typeface="AdobeClean-Light"/>
               </a:rPr>
-              <a:t>받을</a:t>
-            </a:r>
-            <a:r>
-              <a:rPr lang="de-de" sz="1000" spc="-45" dirty="0">
+              <a:t>answers</a:t>
+            </a:r>
+            <a:r>
+              <a:rPr lang="en-US" sz="1000" spc="-45">
                 <a:solidFill>
                   <a:srgbClr val="020302"/>
                 </a:solidFill>
@@ -8148,37 +8846,37 @@
               <a:t> </a:t>
             </a:r>
             <a:r>
-              <a:rPr lang="de-de" sz="1000" dirty="0">
+              <a:rPr lang="en-US" sz="1000">
                 <a:solidFill>
                   <a:srgbClr val="020302"/>
                 </a:solidFill>
                 <a:latin typeface="AdobeClean-Light"/>
                 <a:cs typeface="AdobeClean-Light"/>
               </a:rPr>
-              <a:t>수 </a:t>
-            </a:r>
-            <a:r>
-              <a:rPr lang="de-de" sz="1000" spc="-15" dirty="0">
+              <a:t>&amp; </a:t>
+            </a:r>
+            <a:r>
+              <a:rPr sz="1000" spc="-15">
                 <a:solidFill>
                   <a:srgbClr val="020302"/>
                 </a:solidFill>
                 <a:latin typeface="AdobeClean-Light"/>
                 <a:cs typeface="AdobeClean-Light"/>
               </a:rPr>
-              <a:t>있는 </a:t>
-            </a:r>
-            <a:r>
-              <a:rPr lang="de-de" sz="1000" spc="-10" dirty="0">
+              <a:t>help </a:t>
+            </a:r>
+            <a:r>
+              <a:rPr sz="1000" spc="-10">
                 <a:solidFill>
                   <a:srgbClr val="020302"/>
                 </a:solidFill>
                 <a:latin typeface="AdobeClean-Light"/>
                 <a:cs typeface="AdobeClean-Light"/>
               </a:rPr>
-              <a:t>채팅</a:t>
-            </a:r>
-            <a:r>
-              <a:rPr lang="de-de" sz="1000" spc="85" dirty="0">
+              <a:t>with</a:t>
+            </a:r>
+            <a:r>
+              <a:rPr sz="1000" spc="85">
                 <a:solidFill>
                   <a:srgbClr val="020302"/>
                 </a:solidFill>
@@ -8188,32 +8886,35 @@
               <a:t> </a:t>
             </a:r>
             <a:r>
-              <a:rPr lang="de-de" sz="1000" spc="-10" dirty="0">
+              <a:rPr sz="1000" spc="-10">
                 <a:solidFill>
                   <a:srgbClr val="020302"/>
                 </a:solidFill>
                 <a:latin typeface="AdobeClean-Light"/>
                 <a:cs typeface="AdobeClean-Light"/>
               </a:rPr>
-              <a:t>세션을 </a:t>
-            </a:r>
-            <a:r>
-              <a:rPr lang="de-de" sz="1000" spc="-20" dirty="0">
+              <a:t>case </a:t>
+            </a:r>
+            <a:r>
+              <a:rPr sz="1000" spc="-20">
                 <a:solidFill>
                   <a:srgbClr val="020302"/>
                 </a:solidFill>
                 <a:latin typeface="AdobeClean-Light"/>
                 <a:cs typeface="AdobeClean-Light"/>
               </a:rPr>
-              <a:t>시작합니다</a:t>
-            </a:r>
-            <a:endParaRPr lang="en-US" sz="1000" spc="-20" dirty="0">
-              <a:solidFill>
-                <a:srgbClr val="020302"/>
-              </a:solidFill>
-              <a:latin typeface="AdobeClean-Light"/>
-              <a:cs typeface="AdobeClean-Light"/>
-            </a:endParaRPr>
+              <a:t>submission</a:t>
+            </a:r>
+            <a:r>
+              <a:rPr lang="en-US" sz="1000" spc="-20">
+                <a:solidFill>
+                  <a:srgbClr val="020302"/>
+                </a:solidFill>
+                <a:latin typeface="AdobeClean-Light"/>
+                <a:cs typeface="AdobeClean-Light"/>
+              </a:rPr>
+              <a:t>.</a:t>
+            </a:r>
           </a:p>
           <a:p>
             <a:pPr marL="33020" marR="159385">
@@ -8228,27 +8929,27 @@
               </a:tabLst>
             </a:pPr>
             <a:r>
-              <a:rPr lang="de-de" sz="1000" i="1" spc="-10" dirty="0">
+              <a:rPr sz="1000" i="1" spc="-10">
                 <a:solidFill>
                   <a:srgbClr val="7A7A7A"/>
                 </a:solidFill>
                 <a:latin typeface="AdobeClean-LightIt"/>
                 <a:cs typeface="AdobeClean-LightIt"/>
               </a:rPr>
-              <a:t>*모든 </a:t>
-            </a:r>
-            <a:r>
-              <a:rPr lang="de-de" sz="1000" i="1" spc="-20" dirty="0">
+              <a:t>*Not all </a:t>
+            </a:r>
+            <a:r>
+              <a:rPr sz="1000" i="1" spc="-20">
                 <a:solidFill>
                   <a:srgbClr val="7A7A7A"/>
                 </a:solidFill>
                 <a:latin typeface="AdobeClean-LightIt"/>
                 <a:cs typeface="AdobeClean-LightIt"/>
               </a:rPr>
-              <a:t>제품에 라이브 채팅이 지원되는 것은 아닙니다</a:t>
-            </a:r>
-            <a:r>
-              <a:rPr lang="de-de" sz="900" i="1" spc="-20" dirty="0">
+              <a:t>products have live chat support</a:t>
+            </a:r>
+            <a:r>
+              <a:rPr sz="900" i="1" spc="-20">
                 <a:solidFill>
                   <a:srgbClr val="7A7A7A"/>
                 </a:solidFill>
@@ -8257,7 +8958,7 @@
               </a:rPr>
               <a:t>.  </a:t>
             </a:r>
-            <a:endParaRPr sz="900" dirty="0">
+            <a:endParaRPr sz="900">
               <a:latin typeface="AdobeClean-Light"/>
               <a:cs typeface="AdobeClean-Light"/>
             </a:endParaRPr>
@@ -8307,12 +9008,12 @@
               <a:defRPr/>
             </a:pPr>
             <a:r>
-              <a:rPr lang="de-de" sz="1200" dirty="0">
+              <a:rPr lang="en-US" sz="1200">
                 <a:solidFill>
                   <a:srgbClr val="000000"/>
                 </a:solidFill>
               </a:rPr>
-              <a:t>커뮤니티 포럼</a:t>
+              <a:t>Community Forums</a:t>
             </a:r>
           </a:p>
         </p:txBody>
@@ -8355,12 +9056,12 @@
               </a:spcAft>
             </a:pPr>
             <a:r>
-              <a:rPr lang="de-de" sz="1200" b="1" dirty="0">
+              <a:rPr lang="en-US" sz="1200" b="1">
                 <a:latin typeface="+mj-lt"/>
                 <a:ea typeface="Open Sans" pitchFamily="34" charset="0"/>
                 <a:cs typeface="Open Sans" pitchFamily="34" charset="0"/>
               </a:rPr>
-              <a:t>온라인 포럼</a:t>
+              <a:t>Online Forums</a:t>
             </a:r>
           </a:p>
         </p:txBody>
@@ -8393,13 +9094,13 @@
           <a:lstStyle/>
           <a:p>
             <a:r>
-              <a:rPr lang="de-de" sz="1000" dirty="0">
+              <a:rPr lang="en-US" sz="1000">
                 <a:solidFill>
                   <a:srgbClr val="4B4B4B"/>
                 </a:solidFill>
                 <a:latin typeface="Adobe Clean Light" panose="020B0303020404020204" pitchFamily="34" charset="0"/>
               </a:rPr>
-              <a:t>기술 솔루션, 제품 문서, FAQ 등 증가하는 데이터베이스에 대한 지속적인 온라인 액세스. Adobe 커뮤니티에서 실무자 및 다른 고객과 소통하여 모범 사례 및 진행 중 얻은 개선 사항을 공유합니다.</a:t>
+              <a:t>Continuous online access to a growing database of technical solutions, product documentation, FAQs and more. Connect with practitioners and other customers on Adobe Community to share best practices and lessons learned.</a:t>
             </a:r>
           </a:p>
         </p:txBody>
@@ -8447,7 +9148,7 @@
               <a:defRPr/>
             </a:pPr>
             <a:r>
-              <a:rPr lang="de-de" sz="1200" dirty="0">
+              <a:rPr lang="en-US" sz="1200">
                 <a:solidFill>
                   <a:srgbClr val="000000"/>
                 </a:solidFill>
@@ -8495,12 +9196,12 @@
               </a:spcAft>
             </a:pPr>
             <a:r>
-              <a:rPr lang="de-de" sz="1200" b="1" dirty="0">
+              <a:rPr lang="en-US" sz="1200" b="1">
                 <a:latin typeface="+mj-lt"/>
                 <a:ea typeface="Open Sans" pitchFamily="34" charset="0"/>
                 <a:cs typeface="Open Sans" pitchFamily="34" charset="0"/>
               </a:rPr>
-              <a:t>셀프 가이드 여정</a:t>
+              <a:t>Self-guided Journeys</a:t>
             </a:r>
           </a:p>
         </p:txBody>
@@ -8533,13 +9234,13 @@
           <a:lstStyle/>
           <a:p>
             <a:r>
-              <a:rPr lang="de-de" sz="1000" dirty="0">
+              <a:rPr lang="en-US" sz="1000">
                 <a:solidFill>
                   <a:srgbClr val="4B4B4B"/>
                 </a:solidFill>
                 <a:latin typeface="Adobe Clean Light" panose="020B0303020404020204" pitchFamily="34" charset="0"/>
               </a:rPr>
-              <a:t>Experience 업체는 Experience League로 만들어집니다. 고객은 개인 맞춤형 학습을 통해 고객 경험 관리 능력에 시동을 걸어 기술을 개발하고 글로벌 동료 커뮤니티와 교류하며 경력 발전에 도움이 되는 인정을 얻을 수 있습니다.</a:t>
+              <a:t>Experience Makers are made with Experience League. Customers can kickstart their Customer Experience Management abilities with personalized learning to develop skills, engage with a global community of peers, and earn career advancing recognition.</a:t>
             </a:r>
           </a:p>
         </p:txBody>
@@ -8560,7 +9261,7 @@
         </p:nvSpPr>
         <p:spPr>
           <a:xfrm>
-            <a:off x="3201544" y="8458200"/>
+            <a:off x="3201544" y="8560230"/>
             <a:ext cx="1543003" cy="184666"/>
           </a:xfrm>
           <a:prstGeom prst="rect">
@@ -8587,12 +9288,12 @@
               <a:defRPr/>
             </a:pPr>
             <a:r>
-              <a:rPr lang="de-de" sz="1200" dirty="0">
+              <a:rPr lang="en-US" sz="1200">
                 <a:solidFill>
                   <a:srgbClr val="000000"/>
                 </a:solidFill>
               </a:rPr>
-              <a:t>라이브 채팅 지원*</a:t>
+              <a:t>Live Chat  Support*</a:t>
             </a:r>
           </a:p>
         </p:txBody>
@@ -8613,7 +9314,7 @@
         </p:nvSpPr>
         <p:spPr>
           <a:xfrm>
-            <a:off x="3201544" y="8610600"/>
+            <a:off x="3201544" y="8741449"/>
             <a:ext cx="840166" cy="184666"/>
           </a:xfrm>
           <a:prstGeom prst="rect">
@@ -8635,12 +9336,12 @@
               </a:spcAft>
             </a:pPr>
             <a:r>
-              <a:rPr lang="de-de" sz="1200" b="1" dirty="0">
+              <a:rPr lang="en-US" sz="1200" b="1">
                 <a:latin typeface="+mj-lt"/>
                 <a:ea typeface="Open Sans" pitchFamily="34" charset="0"/>
                 <a:cs typeface="Open Sans" pitchFamily="34" charset="0"/>
               </a:rPr>
-              <a:t>채팅 지원</a:t>
+              <a:t>Chat Support</a:t>
             </a:r>
           </a:p>
         </p:txBody>
@@ -8688,7 +9389,7 @@
               <a:defRPr/>
             </a:pPr>
             <a:r>
-              <a:rPr lang="de-de" sz="1200" dirty="0">
+              <a:rPr lang="en-US" sz="1200">
                 <a:solidFill>
                   <a:srgbClr val="000000"/>
                 </a:solidFill>
@@ -8736,12 +9437,12 @@
               </a:spcAft>
             </a:pPr>
             <a:r>
-              <a:rPr lang="de-de" sz="1200" b="1" dirty="0">
+              <a:rPr lang="en-US" sz="1200" b="1">
                 <a:latin typeface="+mj-lt"/>
                 <a:ea typeface="Open Sans" pitchFamily="34" charset="0"/>
                 <a:cs typeface="Open Sans" pitchFamily="34" charset="0"/>
               </a:rPr>
-              <a:t>전화 지원</a:t>
+              <a:t>Phone  Support</a:t>
             </a:r>
           </a:p>
         </p:txBody>
@@ -8774,30 +9475,30 @@
           <a:lstStyle/>
           <a:p>
             <a:r>
-              <a:rPr lang="de-de" sz="1000" dirty="0">
+              <a:rPr lang="en-US" sz="1000">
                 <a:solidFill>
                   <a:srgbClr val="020302"/>
                 </a:solidFill>
                 <a:latin typeface="AdobeClean-Light"/>
               </a:rPr>
-              <a:t>승인된 사용자 또는 </a:t>
-            </a:r>
-            <a:r>
-              <a:rPr lang="de-de" sz="1000" b="1" dirty="0">
+              <a:t>Authorized users or </a:t>
+            </a:r>
+            <a:r>
+              <a:rPr lang="en-US" sz="1000" b="1">
                 <a:solidFill>
                   <a:srgbClr val="020302"/>
                 </a:solidFill>
                 <a:latin typeface="AdobeClean-Light"/>
               </a:rPr>
-              <a:t>지정 지원 담당자</a:t>
-            </a:r>
-            <a:r>
-              <a:rPr lang="de-de" sz="1000" dirty="0">
+              <a:t>Named Support Contacts </a:t>
+            </a:r>
+            <a:r>
+              <a:rPr lang="en-US" sz="1000">
                 <a:latin typeface="Adobe Clean Light" panose="020B0303020404020204" pitchFamily="34" charset="0"/>
               </a:rPr>
-              <a:t>는 사용 가능한 모든 채널(P1용 전화 포함)을 통해 문제를 제출하고 귀사를 대신하여 기술 지원 팀과 상호 작용할 수 있습니다. </a:t>
-            </a:r>
-            <a:endParaRPr lang="en-US" sz="1000" dirty="0">
+              <a:t>can submit issues through all available  channels (including phone for P1) and interact with our technical support team on behalf of your company. </a:t>
+            </a:r>
+            <a:endParaRPr lang="en-US" sz="1000">
               <a:solidFill>
                 <a:srgbClr val="000000"/>
               </a:solidFill>
@@ -8870,7 +9571,7 @@
         </p:nvSpPr>
         <p:spPr>
           <a:xfrm>
-            <a:off x="689237" y="8458200"/>
+            <a:off x="689237" y="8560230"/>
             <a:ext cx="991521" cy="184666"/>
           </a:xfrm>
           <a:prstGeom prst="rect">
@@ -8897,12 +9598,12 @@
               <a:defRPr/>
             </a:pPr>
             <a:r>
-              <a:rPr lang="de-de" sz="1200" dirty="0">
+              <a:rPr lang="en-US" sz="1200">
                 <a:solidFill>
                   <a:srgbClr val="000000"/>
                 </a:solidFill>
               </a:rPr>
-              <a:t>오피스 아워</a:t>
+              <a:t>Office Hours</a:t>
             </a:r>
           </a:p>
         </p:txBody>
@@ -8923,7 +9624,7 @@
         </p:nvSpPr>
         <p:spPr>
           <a:xfrm>
-            <a:off x="689237" y="8610600"/>
+            <a:off x="689237" y="8741449"/>
             <a:ext cx="604974" cy="184666"/>
           </a:xfrm>
           <a:prstGeom prst="rect">
@@ -8945,12 +9646,12 @@
               </a:spcAft>
             </a:pPr>
             <a:r>
-              <a:rPr lang="de-de" sz="1200" b="1" dirty="0">
+              <a:rPr lang="en-US" sz="1200" b="1">
                 <a:latin typeface="+mj-lt"/>
                 <a:ea typeface="Open Sans" pitchFamily="34" charset="0"/>
                 <a:cs typeface="Open Sans" pitchFamily="34" charset="0"/>
               </a:rPr>
-              <a:t>웨비나</a:t>
+              <a:t>Webinars</a:t>
             </a:r>
           </a:p>
         </p:txBody>
@@ -8969,8 +9670,8 @@
         </p:nvSpPr>
         <p:spPr>
           <a:xfrm>
-            <a:off x="355868" y="8915400"/>
-            <a:ext cx="2194560" cy="959237"/>
+            <a:off x="355868" y="9026059"/>
+            <a:ext cx="2194560" cy="805349"/>
           </a:xfrm>
           <a:prstGeom prst="rect">
             <a:avLst/>
@@ -8983,13 +9684,13 @@
           <a:lstStyle/>
           <a:p>
             <a:r>
-              <a:rPr lang="de-de" sz="1000" dirty="0">
+              <a:rPr lang="en-US" sz="1000">
                 <a:solidFill>
                   <a:srgbClr val="4B4B4B"/>
                 </a:solidFill>
                 <a:latin typeface="Adobe Clean Light" panose="020B0303020404020204" pitchFamily="34" charset="0"/>
               </a:rPr>
-              <a:t>Adobe 고객 지원 팀에서 진행하는 오피스 아워(Office Hours)에는 참가자가 문제를 해결하도록 관련 정보를 제공하여 도움을 주고 Adobe 솔루션을 성공적으로 사용할 수 있는 팁과 요령을 제공하기 위해 설계된 세션들이 포함됩니다. </a:t>
+              <a:t>Office Hours led by the Adobe Customer Support team includes sessions designed to inform as well as help participants troubleshoot problems and provide tips and tricks for success with Adobe solutions. </a:t>
             </a:r>
           </a:p>
         </p:txBody>
@@ -9010,7 +9711,7 @@
         </p:nvSpPr>
         <p:spPr>
           <a:xfrm>
-            <a:off x="5723508" y="8458200"/>
+            <a:off x="5723508" y="8560230"/>
             <a:ext cx="1303746" cy="184666"/>
           </a:xfrm>
           <a:prstGeom prst="rect">
@@ -9037,12 +9738,12 @@
               <a:defRPr/>
             </a:pPr>
             <a:r>
-              <a:rPr lang="de-de" sz="1200" dirty="0">
+              <a:rPr lang="en-US" sz="1200">
                 <a:solidFill>
                   <a:srgbClr val="000000"/>
                 </a:solidFill>
               </a:rPr>
-              <a:t>자가 진단 포털</a:t>
+              <a:t>Self-help Portals</a:t>
             </a:r>
           </a:p>
         </p:txBody>
@@ -9063,7 +9764,7 @@
         </p:nvSpPr>
         <p:spPr>
           <a:xfrm>
-            <a:off x="5723508" y="8610600"/>
+            <a:off x="5723508" y="8741449"/>
             <a:ext cx="1267206" cy="184666"/>
           </a:xfrm>
           <a:prstGeom prst="rect">
@@ -9085,12 +9786,12 @@
               </a:spcAft>
             </a:pPr>
             <a:r>
-              <a:rPr lang="de-de" sz="1200" b="1" dirty="0">
+              <a:rPr lang="en-US" sz="1200" b="1">
                 <a:latin typeface="+mj-lt"/>
                 <a:ea typeface="Open Sans" pitchFamily="34" charset="0"/>
                 <a:cs typeface="Open Sans" pitchFamily="34" charset="0"/>
               </a:rPr>
-              <a:t>24/7 지원 포털</a:t>
+              <a:t>24/7 Support Portal</a:t>
             </a:r>
           </a:p>
         </p:txBody>
@@ -9109,7 +9810,7 @@
         </p:nvSpPr>
         <p:spPr>
           <a:xfrm>
-            <a:off x="5265661" y="8839200"/>
+            <a:off x="5265661" y="8987081"/>
             <a:ext cx="2194560" cy="805349"/>
           </a:xfrm>
           <a:prstGeom prst="rect">
@@ -9123,32 +9824,37 @@
           <a:lstStyle/>
           <a:p>
             <a:r>
-              <a:rPr lang="de-de" sz="1000" dirty="0">
+              <a:rPr lang="en-US" sz="1000">
                 <a:solidFill>
                   <a:srgbClr val="4B4B4B"/>
                 </a:solidFill>
                 <a:latin typeface="Adobe Clean Light" panose="020B0303020404020204" pitchFamily="34" charset="0"/>
               </a:rPr>
-              <a:t>지원 요청을 제출하고 사례 상태를 검토하고 기술 자료, 뉴스 및 알림, 추천 팁 등과 같은 기타 리소스를 검색할 수 있는 온라인 </a:t>
+              <a:t>On-demand access to the online </a:t>
             </a:r>
             <a:br>
-              <a:rPr dirty="0"/>
+              <a:rPr lang="en-US" sz="1000">
+                <a:solidFill>
+                  <a:srgbClr val="4B4B4B"/>
+                </a:solidFill>
+                <a:latin typeface="Adobe Clean Light" panose="020B0303020404020204" pitchFamily="34" charset="0"/>
+              </a:rPr>
             </a:br>
             <a:r>
-              <a:rPr lang="de-de" sz="1000" dirty="0">
+              <a:rPr lang="en-US" sz="1000">
                 <a:solidFill>
                   <a:srgbClr val="4B4B4B"/>
                 </a:solidFill>
                 <a:latin typeface="Adobe Clean Light" panose="020B0303020404020204" pitchFamily="34" charset="0"/>
               </a:rPr>
-              <a:t>자가 진단 지원 포털에 대한 온디맨드 액세스입니다.</a:t>
+              <a:t>Self-help Support Portal to submit support requests, review case status, and browse other resources, like our knowledgebase, news and alerts, featured tips, and more.</a:t>
             </a:r>
           </a:p>
         </p:txBody>
       </p:sp>
       <p:pic>
         <p:nvPicPr>
-          <p:cNvPr id="74" name="Graphic 73" descr="스피커폰 개요">
+          <p:cNvPr id="74" name="Graphic 73" descr="Speaker phone outline">
             <a:extLst>
               <a:ext uri="{FF2B5EF4-FFF2-40B4-BE49-F238E27FC236}">
                 <a16:creationId xmlns:a16="http://schemas.microsoft.com/office/drawing/2014/main" id="{A1370005-6890-424C-884D-9064E283C1A4}"/>
@@ -9187,7 +9893,7 @@
       </p:pic>
       <p:pic>
         <p:nvPicPr>
-          <p:cNvPr id="75" name="Graphic 74" descr="원격 학습 언어 개요">
+          <p:cNvPr id="75" name="Graphic 74" descr="Remote learning language outline">
             <a:extLst>
               <a:ext uri="{FF2B5EF4-FFF2-40B4-BE49-F238E27FC236}">
                 <a16:creationId xmlns:a16="http://schemas.microsoft.com/office/drawing/2014/main" id="{FA70E684-2FB6-544A-9B16-BEB9080AC85B}"/>
@@ -9216,7 +9922,7 @@
         </p:blipFill>
         <p:spPr>
           <a:xfrm>
-            <a:off x="228600" y="8458200"/>
+            <a:off x="228600" y="8560230"/>
             <a:ext cx="411480" cy="411480"/>
           </a:xfrm>
           <a:prstGeom prst="rect">
@@ -9226,7 +9932,7 @@
       </p:pic>
       <p:pic>
         <p:nvPicPr>
-          <p:cNvPr id="76" name="Graphic 75" descr="고객 리뷰 개요">
+          <p:cNvPr id="76" name="Graphic 75" descr="Customer review outline">
             <a:extLst>
               <a:ext uri="{FF2B5EF4-FFF2-40B4-BE49-F238E27FC236}">
                 <a16:creationId xmlns:a16="http://schemas.microsoft.com/office/drawing/2014/main" id="{1B0E4E00-41D9-6440-83E3-60369886CE3A}"/>
@@ -9265,7 +9971,7 @@
       </p:pic>
       <p:pic>
         <p:nvPicPr>
-          <p:cNvPr id="77" name="Graphic 76" descr="길잡이 개요">
+          <p:cNvPr id="77" name="Graphic 76" descr="Signpost outline">
             <a:extLst>
               <a:ext uri="{FF2B5EF4-FFF2-40B4-BE49-F238E27FC236}">
                 <a16:creationId xmlns:a16="http://schemas.microsoft.com/office/drawing/2014/main" id="{001A9B31-4F82-A14D-B2BC-39DC337108A9}"/>
@@ -9304,7 +10010,7 @@
       </p:pic>
       <p:pic>
         <p:nvPicPr>
-          <p:cNvPr id="78" name="Graphic 77" descr="인터넷 개요">
+          <p:cNvPr id="78" name="Graphic 77" descr="Internet outline">
             <a:extLst>
               <a:ext uri="{FF2B5EF4-FFF2-40B4-BE49-F238E27FC236}">
                 <a16:creationId xmlns:a16="http://schemas.microsoft.com/office/drawing/2014/main" id="{20978656-E5F5-434D-BA66-491F99EF63FD}"/>
@@ -9333,7 +10039,7 @@
         </p:blipFill>
         <p:spPr>
           <a:xfrm>
-            <a:off x="5257800" y="8458200"/>
+            <a:off x="5257800" y="8560230"/>
             <a:ext cx="411480" cy="411480"/>
           </a:xfrm>
           <a:prstGeom prst="rect">
@@ -9343,7 +10049,7 @@
       </p:pic>
       <p:pic>
         <p:nvPicPr>
-          <p:cNvPr id="79" name="Graphic 78" descr="말풍선 개요">
+          <p:cNvPr id="79" name="Graphic 78" descr="Chat bubble outline">
             <a:extLst>
               <a:ext uri="{FF2B5EF4-FFF2-40B4-BE49-F238E27FC236}">
                 <a16:creationId xmlns:a16="http://schemas.microsoft.com/office/drawing/2014/main" id="{0C77255B-D338-2543-98E5-4434DF47D195}"/>
@@ -9372,7 +10078,7 @@
         </p:blipFill>
         <p:spPr>
           <a:xfrm>
-            <a:off x="2776853" y="8458200"/>
+            <a:off x="2776853" y="8560230"/>
             <a:ext cx="411480" cy="411480"/>
           </a:xfrm>
           <a:prstGeom prst="rect">
@@ -9394,7 +10100,7 @@
         </p:nvSpPr>
         <p:spPr>
           <a:xfrm rot="5400000" flipH="1">
-            <a:off x="3863341" y="5463540"/>
+            <a:off x="3863341" y="5600443"/>
             <a:ext cx="45719" cy="5577840"/>
           </a:xfrm>
           <a:custGeom>
@@ -9471,16 +10177,16 @@
               </a:spcBef>
             </a:pPr>
             <a:r>
-              <a:rPr lang="de-de" sz="1400" b="1" dirty="0">
+              <a:rPr lang="en-US" sz="1400" b="1">
                 <a:solidFill>
                   <a:srgbClr val="020302"/>
                 </a:solidFill>
                 <a:latin typeface="Adobe Clean"/>
                 <a:cs typeface="Adobe Clean"/>
               </a:rPr>
-              <a:t>온라인 지원 기능</a:t>
-            </a:r>
-            <a:endParaRPr lang="en-US" sz="1400" dirty="0">
+              <a:t>Online Support Features</a:t>
+            </a:r>
+            <a:endParaRPr lang="en-US" sz="1400">
               <a:latin typeface="Adobe Clean"/>
               <a:cs typeface="Adobe Clean"/>
             </a:endParaRPr>
@@ -9705,16 +10411,16 @@
               </a:spcBef>
             </a:pPr>
             <a:r>
-              <a:rPr lang="de-de" sz="1000" dirty="0">
+              <a:rPr lang="en-US" sz="1000">
                 <a:solidFill>
                   <a:srgbClr val="020302"/>
                 </a:solidFill>
                 <a:latin typeface="AdobeClean-Light"/>
                 <a:cs typeface="AdobeClean-Light"/>
               </a:rPr>
-              <a:t>솔루션 배포, 구성 및 전체 아키텍처(통합 포함)에 대한 사전 예방적 검토입니다.</a:t>
-            </a:r>
-            <a:endParaRPr lang="en-US" sz="1000" dirty="0">
+              <a:t>Proactive review of your solution  deployment, configuration, and overall  architecture, including integrations.</a:t>
+            </a:r>
+            <a:endParaRPr lang="en-US" sz="1000">
               <a:solidFill>
                 <a:prstClr val="black"/>
               </a:solidFill>
@@ -9760,16 +10466,16 @@
               </a:spcBef>
             </a:pPr>
             <a:r>
-              <a:rPr lang="de-de" sz="1000" dirty="0">
+              <a:rPr lang="en-US" sz="1000">
                 <a:solidFill>
                   <a:srgbClr val="020302"/>
                 </a:solidFill>
                 <a:latin typeface="AdobeClean-Light"/>
                 <a:cs typeface="AdobeClean-Light"/>
               </a:rPr>
-              <a:t>유지 관리 모범 사례 및 최신 수정 사항(SP, MR, 패치, FP)을 수신하여 모든 유지 관리 검사에서 최신 상태를 유지합니다.</a:t>
-            </a:r>
-            <a:endParaRPr lang="en-US" sz="1000" dirty="0">
+              <a:t>Receive maintenance best practices and latest  fixes (SPs, MR, patches, FPs) to remain up-to-  date on all maintenance checks.</a:t>
+            </a:r>
+            <a:endParaRPr lang="en-US" sz="1000">
               <a:solidFill>
                 <a:prstClr val="black"/>
               </a:solidFill>
@@ -9812,16 +10518,16 @@
               </a:spcBef>
             </a:pPr>
             <a:r>
-              <a:rPr lang="de-de" sz="1000" dirty="0">
+              <a:rPr lang="en-US" sz="1000">
                 <a:solidFill>
                   <a:srgbClr val="4B4B4B"/>
                 </a:solidFill>
                 <a:latin typeface="AdobeClean-Light"/>
                 <a:cs typeface="AdobeClean-Light"/>
               </a:rPr>
-              <a:t>미래 지향적인 계획이 포함된, 엘리트 프로그램 서비스, 지원 지표 및 결과물에 대한 정기적 리뷰 입니다.</a:t>
-            </a:r>
-            <a:endParaRPr lang="en-US" sz="1000" dirty="0">
+              <a:t>A regular review of Elite program services, support metrics, and deliverables, including a forward-looking plan</a:t>
+            </a:r>
+            <a:endParaRPr lang="en-US" sz="1000">
               <a:solidFill>
                 <a:prstClr val="black"/>
               </a:solidFill>
@@ -9864,16 +10570,16 @@
               </a:spcBef>
             </a:pPr>
             <a:r>
-              <a:rPr lang="de-de" sz="1000" dirty="0">
+              <a:rPr lang="en-US" sz="1000">
                 <a:solidFill>
                   <a:srgbClr val="4B4B4B"/>
                 </a:solidFill>
                 <a:latin typeface="AdobeClean-Light"/>
                 <a:cs typeface="AdobeClean-Light"/>
               </a:rPr>
-              <a:t>특정 제품 기능과 일반적인 비즈니스 문제를 해결하는 데 사용할 수 있는 방법에 중점을 둔 60분 세션입니다.</a:t>
-            </a:r>
-            <a:endParaRPr lang="en-US" sz="1000" dirty="0">
+              <a:t>A 60-minute session focusing on a  specific product feature and how it can  be utilized to solve common business  problems.</a:t>
+            </a:r>
+            <a:endParaRPr lang="en-US" sz="1000">
               <a:solidFill>
                 <a:prstClr val="black"/>
               </a:solidFill>
@@ -9916,16 +10622,16 @@
               </a:spcBef>
             </a:pPr>
             <a:r>
-              <a:rPr lang="de-de" sz="1000" dirty="0">
+              <a:rPr lang="en-US" sz="1000">
                 <a:solidFill>
                   <a:srgbClr val="4B4B4B"/>
                 </a:solidFill>
                 <a:latin typeface="AdobeClean-Light"/>
                 <a:cs typeface="AdobeClean-Light"/>
               </a:rPr>
-              <a:t>에스컬레이션 지원 및 정기 업데이트를 제공하고 진행 중인 지원 요청에서 가장 중요한 것에 우선 순위를 부여할 수 있는 Adobe 내의 지정된 담당자입니다.</a:t>
-            </a:r>
-            <a:endParaRPr lang="en-US" dirty="0"/>
+              <a:t>A designated point of contact within Adobe  who can provide escalation assistance,  regular updates and ensure priority is given  to your most critical open support requests.</a:t>
+            </a:r>
+            <a:endParaRPr lang="en-US"/>
           </a:p>
         </p:txBody>
       </p:sp>
@@ -9962,16 +10668,16 @@
               </a:spcBef>
             </a:pPr>
             <a:r>
-              <a:rPr lang="de-de" sz="1100" b="1" dirty="0">
+              <a:rPr lang="en-US" sz="1100" b="1">
                 <a:solidFill>
                   <a:srgbClr val="020302"/>
                 </a:solidFill>
                 <a:latin typeface="Adobe Clean" panose="020B0503020404020204" pitchFamily="34" charset="0"/>
                 <a:cs typeface="Arial"/>
               </a:rPr>
-              <a:t>지정 지원 엔지니어</a:t>
-            </a:r>
-            <a:endParaRPr lang="en-US" sz="1100" dirty="0">
+              <a:t>Named Support Engineer</a:t>
+            </a:r>
+            <a:endParaRPr lang="en-US" sz="1100">
               <a:solidFill>
                 <a:prstClr val="black"/>
               </a:solidFill>
@@ -10014,16 +10720,16 @@
               </a:spcBef>
             </a:pPr>
             <a:r>
-              <a:rPr lang="de-de" sz="1100" b="1" dirty="0">
+              <a:rPr lang="en-US" sz="1100" b="1">
                 <a:solidFill>
                   <a:srgbClr val="020302"/>
                 </a:solidFill>
                 <a:latin typeface="Adobe Clean" panose="020B0503020404020204" pitchFamily="34" charset="0"/>
                 <a:cs typeface="Arial"/>
               </a:rPr>
-              <a:t>사례 검토</a:t>
-            </a:r>
-            <a:endParaRPr lang="en-US" sz="1100" dirty="0">
+              <a:t>Case Reviews</a:t>
+            </a:r>
+            <a:endParaRPr lang="en-US" sz="1100">
               <a:solidFill>
                 <a:prstClr val="black"/>
               </a:solidFill>
@@ -10066,16 +10772,16 @@
               </a:spcBef>
             </a:pPr>
             <a:r>
-              <a:rPr lang="de-de" sz="1100" b="1" dirty="0">
+              <a:rPr lang="en-US" sz="1100" b="1">
                 <a:solidFill>
                   <a:srgbClr val="020302"/>
                 </a:solidFill>
                 <a:latin typeface="Adobe Clean" panose="020B0503020404020204" pitchFamily="34" charset="0"/>
                 <a:cs typeface="Adobe Clean"/>
               </a:rPr>
-              <a:t>유지 관리 및 모니터링</a:t>
-            </a:r>
-            <a:endParaRPr lang="en-US" sz="1100" dirty="0">
+              <a:t>Maintenance &amp; Monitoring</a:t>
+            </a:r>
+            <a:endParaRPr lang="en-US" sz="1100">
               <a:solidFill>
                 <a:prstClr val="black"/>
               </a:solidFill>
@@ -10118,16 +10824,16 @@
               </a:spcBef>
             </a:pPr>
             <a:r>
-              <a:rPr lang="de-de" sz="1100" b="1" dirty="0">
+              <a:rPr lang="en-US" sz="1100" b="1">
                 <a:solidFill>
                   <a:srgbClr val="020302"/>
                 </a:solidFill>
                 <a:latin typeface="Adobe Clean" panose="020B0503020404020204" pitchFamily="34" charset="0"/>
                 <a:cs typeface="Adobe Clean"/>
               </a:rPr>
-              <a:t>솔루션 로드맵 검토</a:t>
-            </a:r>
-            <a:endParaRPr lang="en-US" sz="1100" dirty="0">
+              <a:t>Solution Roadmap Review</a:t>
+            </a:r>
+            <a:endParaRPr lang="en-US" sz="1100">
               <a:solidFill>
                 <a:prstClr val="black"/>
               </a:solidFill>
@@ -10170,16 +10876,16 @@
               </a:spcBef>
             </a:pPr>
             <a:r>
-              <a:rPr lang="de-de" sz="1100" b="1" dirty="0">
+              <a:rPr lang="en-US" sz="1100" b="1">
                 <a:solidFill>
                   <a:srgbClr val="020302"/>
                 </a:solidFill>
                 <a:latin typeface="Adobe Clean" panose="020B0503020404020204" pitchFamily="34" charset="0"/>
                 <a:cs typeface="Adobe Clean"/>
               </a:rPr>
-              <a:t>환경 검토</a:t>
-            </a:r>
-            <a:endParaRPr lang="en-US" sz="1100" dirty="0">
+              <a:t>Environment Review</a:t>
+            </a:r>
+            <a:endParaRPr lang="en-US" sz="1100">
               <a:solidFill>
                 <a:prstClr val="black"/>
               </a:solidFill>
@@ -10222,16 +10928,16 @@
               </a:spcBef>
             </a:pPr>
             <a:r>
-              <a:rPr lang="de-de" sz="1100" b="1" dirty="0">
+              <a:rPr lang="en-US" sz="1100" b="1">
                 <a:solidFill>
                   <a:srgbClr val="020302"/>
                 </a:solidFill>
                 <a:latin typeface="Adobe Clean" panose="020B0503020404020204" pitchFamily="34" charset="0"/>
                 <a:cs typeface="Adobe Clean"/>
               </a:rPr>
-              <a:t>에스컬레이션 관리</a:t>
-            </a:r>
-            <a:endParaRPr lang="en-US" sz="1100" dirty="0">
+              <a:t>Escalation Management</a:t>
+            </a:r>
+            <a:endParaRPr lang="en-US" sz="1100">
               <a:solidFill>
                 <a:prstClr val="black"/>
               </a:solidFill>
@@ -10274,16 +10980,16 @@
               </a:spcBef>
             </a:pPr>
             <a:r>
-              <a:rPr lang="de-de" sz="1100" b="1" dirty="0">
+              <a:rPr lang="en-US" sz="1100" b="1">
                 <a:solidFill>
                   <a:srgbClr val="020302"/>
                 </a:solidFill>
                 <a:latin typeface="Adobe Clean" panose="020B0503020404020204" pitchFamily="34" charset="0"/>
                 <a:cs typeface="Adobe Clean"/>
               </a:rPr>
-              <a:t>서비스 리뷰</a:t>
-            </a:r>
-            <a:endParaRPr lang="en-US" sz="1100" dirty="0">
+              <a:t>Service Reviews</a:t>
+            </a:r>
+            <a:endParaRPr lang="en-US" sz="1100">
               <a:solidFill>
                 <a:prstClr val="black"/>
               </a:solidFill>
@@ -10326,16 +11032,16 @@
               </a:spcBef>
             </a:pPr>
             <a:r>
-              <a:rPr lang="de-de" sz="1100" b="1" dirty="0">
+              <a:rPr lang="en-US" sz="1100" b="1">
                 <a:solidFill>
                   <a:srgbClr val="020302"/>
                 </a:solidFill>
                 <a:latin typeface="Adobe Clean" panose="020B0503020404020204" pitchFamily="34" charset="0"/>
                 <a:cs typeface="Adobe Clean"/>
               </a:rPr>
-              <a:t>전문가 세션</a:t>
-            </a:r>
-            <a:endParaRPr lang="en-US" sz="1100" dirty="0">
+              <a:t>Expert Sessions</a:t>
+            </a:r>
+            <a:endParaRPr lang="en-US" sz="1100">
               <a:solidFill>
                 <a:prstClr val="black"/>
               </a:solidFill>
@@ -10378,16 +11084,16 @@
               </a:spcBef>
             </a:pPr>
             <a:r>
-              <a:rPr lang="de-de" sz="1100" b="1" dirty="0">
+              <a:rPr lang="en-US" sz="1100" b="1">
                 <a:solidFill>
                   <a:srgbClr val="020302"/>
                 </a:solidFill>
                 <a:latin typeface="Adobe Clean" panose="020B0503020404020204" pitchFamily="34" charset="0"/>
                 <a:cs typeface="Adobe Clean"/>
               </a:rPr>
-              <a:t>릴리스 준비 및 검토</a:t>
-            </a:r>
-            <a:endParaRPr lang="en-US" sz="1100" dirty="0">
+              <a:t>Release Preparation &amp; Review</a:t>
+            </a:r>
+            <a:endParaRPr lang="en-US" sz="1100">
               <a:solidFill>
                 <a:prstClr val="black"/>
               </a:solidFill>
@@ -10433,16 +11139,16 @@
               </a:spcBef>
             </a:pPr>
             <a:r>
-              <a:rPr lang="de-de" sz="1100" b="1" dirty="0">
+              <a:rPr lang="en-US" sz="1100" b="1">
                 <a:solidFill>
                   <a:srgbClr val="020302"/>
                 </a:solidFill>
                 <a:latin typeface="Adobe Clean" panose="020B0503020404020204" pitchFamily="34" charset="0"/>
                 <a:cs typeface="Adobe Clean"/>
               </a:rPr>
-              <a:t>지식 이전</a:t>
-            </a:r>
-            <a:endParaRPr lang="en-US" sz="1100" dirty="0">
+              <a:t>Knowledge Transfer</a:t>
+            </a:r>
+            <a:endParaRPr lang="en-US" sz="1100">
               <a:latin typeface="Adobe Clean" panose="020B0503020404020204" pitchFamily="34" charset="0"/>
               <a:cs typeface="Adobe Clean"/>
             </a:endParaRPr>
@@ -10485,16 +11191,16 @@
               </a:spcBef>
             </a:pPr>
             <a:r>
-              <a:rPr lang="de-de" sz="1100" b="1" dirty="0">
+              <a:rPr lang="en-US" sz="1100" b="1">
                 <a:solidFill>
                   <a:srgbClr val="020302"/>
                 </a:solidFill>
                 <a:latin typeface="Adobe Clean" panose="020B0503020404020204" pitchFamily="34" charset="0"/>
                 <a:cs typeface="Adobe Clean"/>
               </a:rPr>
-              <a:t>이벤트 관리</a:t>
-            </a:r>
-            <a:endParaRPr lang="en-US" sz="1100" dirty="0">
+              <a:t>Event Management</a:t>
+            </a:r>
+            <a:endParaRPr lang="en-US" sz="1100">
               <a:latin typeface="Adobe Clean" panose="020B0503020404020204" pitchFamily="34" charset="0"/>
               <a:cs typeface="Adobe Clean"/>
             </a:endParaRPr>
@@ -10613,7 +11319,7 @@
       </p:sp>
       <p:pic>
         <p:nvPicPr>
-          <p:cNvPr id="25" name="Graphic 24" descr="지속적인 개선 개요">
+          <p:cNvPr id="25" name="Graphic 24" descr="Continuous Improvement outline">
             <a:extLst>
               <a:ext uri="{FF2B5EF4-FFF2-40B4-BE49-F238E27FC236}">
                 <a16:creationId xmlns:a16="http://schemas.microsoft.com/office/drawing/2014/main" id="{A2F6F854-90CC-FC48-9379-F18D8FBF395B}"/>
@@ -10772,7 +11478,7 @@
       </p:pic>
       <p:pic>
         <p:nvPicPr>
-          <p:cNvPr id="29" name="Graphic 28" descr="스토리텔링 개요">
+          <p:cNvPr id="29" name="Graphic 28" descr="Storytelling outline">
             <a:extLst>
               <a:ext uri="{FF2B5EF4-FFF2-40B4-BE49-F238E27FC236}">
                 <a16:creationId xmlns:a16="http://schemas.microsoft.com/office/drawing/2014/main" id="{AD9F15BE-1A73-9C4D-B0AF-F35EF2ED6649}"/>
@@ -10845,16 +11551,16 @@
               </a:spcBef>
             </a:pPr>
             <a:r>
-              <a:rPr lang="de-de" sz="1000" dirty="0">
+              <a:rPr lang="en-US" sz="1000">
                 <a:solidFill>
                   <a:srgbClr val="020302"/>
                 </a:solidFill>
                 <a:latin typeface="AdobeClean-Light"/>
                 <a:cs typeface="AdobeClean-Light"/>
               </a:rPr>
-              <a:t>Adobe 솔루션 로드맵을 프로젝트 로드맵과 비교하고 조정하여 위험을 완화하고 미래에 대비합니다.</a:t>
-            </a:r>
-            <a:endParaRPr lang="en-US" sz="1000" dirty="0">
+              <a:t>Compare and align Adobe solution  roadmap with your project roadmap to  mitigate risk and prepare for the future.</a:t>
+            </a:r>
+            <a:endParaRPr lang="en-US" sz="1000">
               <a:latin typeface="AdobeClean-Light"/>
               <a:cs typeface="AdobeClean-Light"/>
             </a:endParaRPr>
@@ -10869,7 +11575,7 @@
               </a:spcBef>
             </a:pPr>
             <a:r>
-              <a:rPr lang="de-de" sz="1000" dirty="0">
+              <a:rPr lang="en-US" sz="1000">
                 <a:solidFill>
                   <a:srgbClr val="020302"/>
                 </a:solidFill>
@@ -10878,7 +11584,7 @@
               </a:rPr>
               <a:t>.</a:t>
             </a:r>
-            <a:endParaRPr lang="en-US" sz="1000" dirty="0">
+            <a:endParaRPr lang="en-US" sz="1000">
               <a:solidFill>
                 <a:prstClr val="black"/>
               </a:solidFill>
@@ -11214,7 +11920,7 @@
         <p:spPr>
           <a:xfrm>
             <a:off x="4843269" y="2329688"/>
-            <a:ext cx="1656080" cy="228268"/>
+            <a:ext cx="1656080" cy="238760"/>
           </a:xfrm>
           <a:prstGeom prst="rect">
             <a:avLst/>
@@ -11226,7 +11932,7 @@
           </a:bodyPr>
           <a:lstStyle/>
           <a:p>
-            <a:pPr marL="12700" algn="ctr">
+            <a:pPr marL="12700">
               <a:lnSpc>
                 <a:spcPct val="100000"/>
               </a:lnSpc>
@@ -11235,56 +11941,176 @@
               </a:spcBef>
             </a:pPr>
             <a:r>
-              <a:rPr lang="de-de" sz="1400" b="1" spc="-25" dirty="0">
+              <a:rPr sz="1400" b="1" spc="-25">
                 <a:solidFill>
                   <a:srgbClr val="020302"/>
                 </a:solidFill>
                 <a:latin typeface="Adobe Clean"/>
                 <a:cs typeface="Adobe Clean"/>
               </a:rPr>
-              <a:t>현장</a:t>
-            </a:r>
-            <a:r>
-              <a:rPr lang="de-de" sz="1400" b="1" spc="-40" dirty="0">
+              <a:t>Fi</a:t>
+            </a:r>
+            <a:r>
+              <a:rPr sz="1400" b="1" spc="-35">
                 <a:solidFill>
                   <a:srgbClr val="020302"/>
                 </a:solidFill>
                 <a:latin typeface="Adobe Clean"/>
                 <a:cs typeface="Adobe Clean"/>
               </a:rPr>
+              <a:t>e</a:t>
+            </a:r>
+            <a:r>
+              <a:rPr sz="1400" b="1" spc="-25">
+                <a:solidFill>
+                  <a:srgbClr val="020302"/>
+                </a:solidFill>
+                <a:latin typeface="Adobe Clean"/>
+                <a:cs typeface="Adobe Clean"/>
+              </a:rPr>
+              <a:t>l</a:t>
+            </a:r>
+            <a:r>
+              <a:rPr sz="1400" b="1">
+                <a:solidFill>
+                  <a:srgbClr val="020302"/>
+                </a:solidFill>
+                <a:latin typeface="Adobe Clean"/>
+                <a:cs typeface="Adobe Clean"/>
+              </a:rPr>
+              <a:t>d</a:t>
+            </a:r>
+            <a:r>
+              <a:rPr sz="1400" b="1" spc="-40">
+                <a:solidFill>
+                  <a:srgbClr val="020302"/>
+                </a:solidFill>
+                <a:latin typeface="Adobe Clean"/>
+                <a:cs typeface="Adobe Clean"/>
+              </a:rPr>
               <a:t> </a:t>
             </a:r>
             <a:r>
-              <a:rPr lang="de-de" sz="1400" b="1" spc="25" dirty="0">
+              <a:rPr sz="1400" b="1" spc="25">
                 <a:solidFill>
                   <a:srgbClr val="020302"/>
                 </a:solidFill>
                 <a:latin typeface="Adobe Clean"/>
                 <a:cs typeface="Adobe Clean"/>
               </a:rPr>
-              <a:t>서비스</a:t>
-            </a:r>
-            <a:r>
-              <a:rPr lang="de-de" sz="1400" b="1" spc="-190" dirty="0">
+              <a:t>S</a:t>
+            </a:r>
+            <a:r>
+              <a:rPr sz="1400" b="1" spc="5">
                 <a:solidFill>
                   <a:srgbClr val="020302"/>
                 </a:solidFill>
                 <a:latin typeface="Adobe Clean"/>
                 <a:cs typeface="Adobe Clean"/>
               </a:rPr>
+              <a:t>e</a:t>
+            </a:r>
+            <a:r>
+              <a:rPr sz="1400" b="1" spc="15">
+                <a:solidFill>
+                  <a:srgbClr val="020302"/>
+                </a:solidFill>
+                <a:latin typeface="Adobe Clean"/>
+                <a:cs typeface="Adobe Clean"/>
+              </a:rPr>
+              <a:t>rvi</a:t>
+            </a:r>
+            <a:r>
+              <a:rPr sz="1400" b="1" spc="5">
+                <a:solidFill>
+                  <a:srgbClr val="020302"/>
+                </a:solidFill>
+                <a:latin typeface="Adobe Clean"/>
+                <a:cs typeface="Adobe Clean"/>
+              </a:rPr>
+              <a:t>c</a:t>
+            </a:r>
+            <a:r>
+              <a:rPr sz="1400" b="1">
+                <a:solidFill>
+                  <a:srgbClr val="020302"/>
+                </a:solidFill>
+                <a:latin typeface="Adobe Clean"/>
+                <a:cs typeface="Adobe Clean"/>
+              </a:rPr>
+              <a:t>e</a:t>
+            </a:r>
+            <a:r>
+              <a:rPr sz="1400" b="1" spc="-190">
+                <a:solidFill>
+                  <a:srgbClr val="020302"/>
+                </a:solidFill>
+                <a:latin typeface="Adobe Clean"/>
+                <a:cs typeface="Adobe Clean"/>
+              </a:rPr>
               <a:t> </a:t>
             </a:r>
             <a:r>
-              <a:rPr lang="de-de" sz="1400" b="1" spc="5" dirty="0">
+              <a:rPr sz="1400" b="1" spc="5">
                 <a:solidFill>
                   <a:srgbClr val="020302"/>
                 </a:solidFill>
                 <a:latin typeface="Adobe Clean"/>
                 <a:cs typeface="Adobe Clean"/>
               </a:rPr>
-              <a:t>활동</a:t>
-            </a:r>
-            <a:endParaRPr sz="1400" dirty="0">
+              <a:t>A</a:t>
+            </a:r>
+            <a:r>
+              <a:rPr sz="1400" b="1" spc="-5">
+                <a:solidFill>
+                  <a:srgbClr val="020302"/>
+                </a:solidFill>
+                <a:latin typeface="Adobe Clean"/>
+                <a:cs typeface="Adobe Clean"/>
+              </a:rPr>
+              <a:t>ct</a:t>
+            </a:r>
+            <a:r>
+              <a:rPr sz="1400" b="1" spc="5">
+                <a:solidFill>
+                  <a:srgbClr val="020302"/>
+                </a:solidFill>
+                <a:latin typeface="Adobe Clean"/>
+                <a:cs typeface="Adobe Clean"/>
+              </a:rPr>
+              <a:t>ivi</a:t>
+            </a:r>
+            <a:r>
+              <a:rPr sz="1400" b="1" spc="-5">
+                <a:solidFill>
+                  <a:srgbClr val="020302"/>
+                </a:solidFill>
+                <a:latin typeface="Adobe Clean"/>
+                <a:cs typeface="Adobe Clean"/>
+              </a:rPr>
+              <a:t>t</a:t>
+            </a:r>
+            <a:r>
+              <a:rPr sz="1400" b="1" spc="5">
+                <a:solidFill>
+                  <a:srgbClr val="020302"/>
+                </a:solidFill>
+                <a:latin typeface="Adobe Clean"/>
+                <a:cs typeface="Adobe Clean"/>
+              </a:rPr>
+              <a:t>i</a:t>
+            </a:r>
+            <a:r>
+              <a:rPr sz="1400" b="1" spc="-5">
+                <a:solidFill>
+                  <a:srgbClr val="020302"/>
+                </a:solidFill>
+                <a:latin typeface="Adobe Clean"/>
+                <a:cs typeface="Adobe Clean"/>
+              </a:rPr>
+              <a:t>es</a:t>
+            </a:r>
+            <a:endParaRPr sz="1400">
               <a:latin typeface="Adobe Clean"/>
               <a:cs typeface="Adobe Clean"/>
             </a:endParaRPr>
@@ -11300,7 +12126,7 @@
         <p:spPr>
           <a:xfrm>
             <a:off x="914422" y="2342312"/>
-            <a:ext cx="1242060" cy="228268"/>
+            <a:ext cx="1242060" cy="238760"/>
           </a:xfrm>
           <a:prstGeom prst="rect">
             <a:avLst/>
@@ -11312,7 +12138,7 @@
           </a:bodyPr>
           <a:lstStyle/>
           <a:p>
-            <a:pPr marL="12700" algn="ctr">
+            <a:pPr marL="12700">
               <a:lnSpc>
                 <a:spcPct val="100000"/>
               </a:lnSpc>
@@ -11321,26 +12147,96 @@
               </a:spcBef>
             </a:pPr>
             <a:r>
-              <a:rPr lang="de-de" sz="1400" b="1" spc="-25" dirty="0">
+              <a:rPr sz="1400" b="1" spc="-25">
                 <a:solidFill>
                   <a:srgbClr val="020302"/>
                 </a:solidFill>
                 <a:latin typeface="Adobe Clean"/>
                 <a:cs typeface="Adobe Clean"/>
               </a:rPr>
-              <a:t>출시 </a:t>
-            </a:r>
-            <a:r>
-              <a:rPr lang="de-de" sz="1400" b="1" spc="-10" dirty="0">
+              <a:t>L</a:t>
+            </a:r>
+            <a:r>
+              <a:rPr sz="1400" b="1" spc="-5">
                 <a:solidFill>
                   <a:srgbClr val="020302"/>
                 </a:solidFill>
                 <a:latin typeface="Adobe Clean"/>
                 <a:cs typeface="Adobe Clean"/>
               </a:rPr>
-              <a:t>자문</a:t>
-            </a:r>
-            <a:endParaRPr sz="1400" dirty="0">
+              <a:t>a</a:t>
+            </a:r>
+            <a:r>
+              <a:rPr sz="1400" b="1" spc="-20">
+                <a:solidFill>
+                  <a:srgbClr val="020302"/>
+                </a:solidFill>
+                <a:latin typeface="Adobe Clean"/>
+                <a:cs typeface="Adobe Clean"/>
+              </a:rPr>
+              <a:t>u</a:t>
+            </a:r>
+            <a:r>
+              <a:rPr sz="1400" b="1" spc="-15">
+                <a:solidFill>
+                  <a:srgbClr val="020302"/>
+                </a:solidFill>
+                <a:latin typeface="Adobe Clean"/>
+                <a:cs typeface="Adobe Clean"/>
+              </a:rPr>
+              <a:t>n</a:t>
+            </a:r>
+            <a:r>
+              <a:rPr sz="1400" b="1" spc="-25">
+                <a:solidFill>
+                  <a:srgbClr val="020302"/>
+                </a:solidFill>
+                <a:latin typeface="Adobe Clean"/>
+                <a:cs typeface="Adobe Clean"/>
+              </a:rPr>
+              <a:t>c</a:t>
+            </a:r>
+            <a:r>
+              <a:rPr sz="1400" b="1">
+                <a:solidFill>
+                  <a:srgbClr val="020302"/>
+                </a:solidFill>
+                <a:latin typeface="Adobe Clean"/>
+                <a:cs typeface="Adobe Clean"/>
+              </a:rPr>
+              <a:t>h</a:t>
+            </a:r>
+            <a:r>
+              <a:rPr sz="1400" b="1" spc="-25">
+                <a:solidFill>
+                  <a:srgbClr val="020302"/>
+                </a:solidFill>
+                <a:latin typeface="Adobe Clean"/>
+                <a:cs typeface="Adobe Clean"/>
+              </a:rPr>
+              <a:t> </a:t>
+            </a:r>
+            <a:r>
+              <a:rPr sz="1400" b="1" spc="-10">
+                <a:solidFill>
+                  <a:srgbClr val="020302"/>
+                </a:solidFill>
+                <a:latin typeface="Adobe Clean"/>
+                <a:cs typeface="Adobe Clean"/>
+              </a:rPr>
+              <a:t>Advisor</a:t>
+            </a:r>
+            <a:r>
+              <a:rPr sz="1400" b="1">
+                <a:solidFill>
+                  <a:srgbClr val="020302"/>
+                </a:solidFill>
+                <a:latin typeface="Adobe Clean"/>
+                <a:cs typeface="Adobe Clean"/>
+              </a:rPr>
+              <a:t>y</a:t>
+            </a:r>
+            <a:endParaRPr sz="1400">
               <a:latin typeface="Adobe Clean"/>
               <a:cs typeface="Adobe Clean"/>
             </a:endParaRPr>
@@ -11377,33 +12273,46 @@
               </a:spcBef>
             </a:pPr>
             <a:r>
-              <a:rPr lang="de-de" sz="1000" b="1" dirty="0">
+              <a:rPr sz="1000">
                 <a:solidFill>
                   <a:srgbClr val="1F1F1F"/>
                 </a:solidFill>
-                <a:latin typeface="Adobe Clean"/>
-                <a:cs typeface="Adobe Clean"/>
-              </a:rPr>
-              <a:t>새로운 Adobe Experience Cloud 솔루션을 구현하는 고객을 위한 </a:t>
-            </a:r>
-            <a:r>
-              <a:rPr lang="de-de" sz="1000" dirty="0">
                 <a:latin typeface="AdobeClean-Light"/>
                 <a:cs typeface="AdobeClean-Light"/>
               </a:rPr>
-              <a:t>출시 자문은</a:t>
-            </a:r>
-            <a:r>
-              <a:rPr lang="de-de" sz="950" dirty="0">
+              <a:t>For customers implementing a </a:t>
+            </a:r>
+            <a:r>
+              <a:rPr sz="1000" b="1">
+                <a:solidFill>
+                  <a:srgbClr val="1F1F1F"/>
+                </a:solidFill>
+                <a:latin typeface="Adobe Clean"/>
+                <a:cs typeface="Adobe Clean"/>
+              </a:rPr>
+              <a:t>new Adobe Experience Cloud  solution, </a:t>
+            </a:r>
+            <a:r>
+              <a:rPr sz="1000">
+                <a:latin typeface="AdobeClean-Light"/>
+                <a:cs typeface="AdobeClean-Light"/>
+              </a:rPr>
+              <a:t>Launch Advisory </a:t>
+            </a:r>
+            <a:r>
+              <a:rPr sz="1000">
                 <a:latin typeface="AdobeClean-SemiLight"/>
                 <a:cs typeface="AdobeClean-SemiLight"/>
               </a:rPr>
-              <a:t>핵심 자문</a:t>
-            </a:r>
-            <a:endParaRPr sz="950">
-              <a:latin typeface="AdobeClean-SemiLight"/>
-              <a:cs typeface="AdobeClean-SemiLight"/>
-            </a:endParaRPr>
+              <a:t>is a </a:t>
+            </a:r>
+            <a:r>
+              <a:rPr sz="950">
+                <a:latin typeface="AdobeClean-SemiLight"/>
+                <a:cs typeface="AdobeClean-SemiLight"/>
+              </a:rPr>
+              <a:t>core set of advisory</a:t>
+            </a:r>
           </a:p>
           <a:p>
             <a:pPr marL="12700" marR="86995" indent="-635">
@@ -11412,48 +12321,46 @@
               </a:lnSpc>
             </a:pPr>
             <a:r>
-              <a:rPr lang="de-de" sz="950" dirty="0">
+              <a:rPr sz="950">
                 <a:latin typeface="AdobeClean-SemiLight"/>
                 <a:cs typeface="AdobeClean-SemiLight"/>
               </a:rPr>
-              <a:t>서비스이자 </a:t>
-            </a:r>
-            <a:r>
-              <a:rPr lang="de-de" sz="1000" dirty="0">
+              <a:t>services </a:t>
+            </a:r>
+            <a:r>
+              <a:rPr sz="1000">
                 <a:latin typeface="AdobeClean-Light"/>
                 <a:cs typeface="AdobeClean-Light"/>
               </a:rPr>
-              <a:t>권장 사항으로, </a:t>
-            </a:r>
-            <a:r>
-              <a:rPr lang="de-de" sz="950" dirty="0">
+              <a:t>and recommendations that are proven to </a:t>
+            </a:r>
+            <a:r>
+              <a:rPr sz="950">
                 <a:latin typeface="AdobeClean-Light"/>
                 <a:cs typeface="AdobeClean-Light"/>
               </a:rPr>
-              <a:t>성공적인 배포를 지원하고 가치 실현 시간</a:t>
-            </a:r>
-            <a:r>
-              <a:rPr lang="de-de" sz="1000" dirty="0">
+              <a:t>support  successful deployments </a:t>
+            </a:r>
+            <a:r>
+              <a:rPr sz="1000">
                 <a:latin typeface="AdobeClean-Light"/>
                 <a:cs typeface="AdobeClean-Light"/>
               </a:rPr>
-              <a:t>.</a:t>
-            </a:r>
-            <a:endParaRPr sz="1000">
-              <a:latin typeface="AdobeClean-Light"/>
-              <a:cs typeface="AdobeClean-Light"/>
-            </a:endParaRPr>
-          </a:p>
-          <a:p>
-            <a:r>
-              <a:rPr lang="de-de" sz="1000" dirty="0">
-                <a:solidFill>
-                  <a:srgbClr val="1F1F1F"/>
-                </a:solidFill>
+              <a:t>and </a:t>
+            </a:r>
+            <a:r>
+              <a:rPr sz="950">
                 <a:latin typeface="AdobeClean-Light"/>
                 <a:cs typeface="AdobeClean-Light"/>
               </a:rPr>
-              <a:t>을 단축하는 것으로 입증되었습니다.</a:t>
+              <a:t>accelerate time-to-value</a:t>
+            </a:r>
+            <a:r>
+              <a:rPr sz="1000">
+                <a:latin typeface="AdobeClean-Light"/>
+                <a:cs typeface="AdobeClean-Light"/>
+              </a:rPr>
+              <a:t>.</a:t>
             </a:r>
           </a:p>
         </p:txBody>
@@ -11567,76 +12474,76 @@
               </a:spcBef>
             </a:pPr>
             <a:r>
-              <a:rPr lang="de-de" sz="1000" dirty="0">
+              <a:rPr sz="1000">
                 <a:solidFill>
                   <a:srgbClr val="4B4B4B"/>
                 </a:solidFill>
                 <a:latin typeface="AdobeClean-Light"/>
                 <a:cs typeface="AdobeClean-Light"/>
               </a:rPr>
-              <a:t>현장 서비스는 </a:t>
-            </a:r>
-            <a:r>
-              <a:rPr lang="de-de" sz="1000" b="1" dirty="0">
+              <a:t>Field Services are used for </a:t>
+            </a:r>
+            <a:r>
+              <a:rPr sz="1000" b="1">
                 <a:solidFill>
                   <a:srgbClr val="4B4B4B"/>
                 </a:solidFill>
                 <a:latin typeface="Adobe Clean"/>
                 <a:cs typeface="Adobe Clean"/>
               </a:rPr>
-              <a:t>신속한 해결</a:t>
-            </a:r>
-            <a:r>
-              <a:rPr lang="de-de" sz="1000" dirty="0">
+              <a:t>quick resolution</a:t>
+            </a:r>
+            <a:r>
+              <a:rPr sz="1000">
                 <a:solidFill>
                   <a:srgbClr val="4B4B4B"/>
                 </a:solidFill>
                 <a:latin typeface="AdobeClean-Light"/>
                 <a:cs typeface="AdobeClean-Light"/>
               </a:rPr>
-              <a:t>, 집중적인 고객 성공, </a:t>
-            </a:r>
-            <a:r>
-              <a:rPr lang="de-de" sz="1000" b="1" dirty="0">
+              <a:t>, focused customer success  and accelerated </a:t>
+            </a:r>
+            <a:r>
+              <a:rPr sz="1000" b="1">
                 <a:solidFill>
                   <a:srgbClr val="4B4B4B"/>
                 </a:solidFill>
                 <a:latin typeface="Adobe Clean"/>
                 <a:cs typeface="Adobe Clean"/>
               </a:rPr>
-              <a:t>가치 실현 시간</a:t>
-            </a:r>
-            <a:r>
-              <a:rPr lang="de-de" sz="1000" dirty="0">
+              <a:t>time-to-value</a:t>
+            </a:r>
+            <a:r>
+              <a:rPr sz="1000">
                 <a:solidFill>
                   <a:srgbClr val="4B4B4B"/>
                 </a:solidFill>
                 <a:latin typeface="AdobeClean-Light"/>
                 <a:cs typeface="AdobeClean-Light"/>
               </a:rPr>
-              <a:t> 단축을 위해 사용됩니다. 출시 자문이 활성화된 경우 지원 계약이 적용되는 솔루션 제품에 대해 </a:t>
-            </a:r>
-            <a:r>
-              <a:rPr lang="de-de" sz="1000" b="1" dirty="0">
+              <a:t>. If Launch advisory is active there will be  </a:t>
+            </a:r>
+            <a:r>
+              <a:rPr sz="1000" b="1">
                 <a:solidFill>
                   <a:srgbClr val="4B4B4B"/>
                 </a:solidFill>
                 <a:latin typeface="Adobe Clean"/>
                 <a:cs typeface="Adobe Clean"/>
               </a:rPr>
-              <a:t>1년차에는 현장 서비스가 제공되지 않습니다</a:t>
-            </a:r>
-            <a:r>
-              <a:rPr lang="de-de" sz="1000" dirty="0">
+              <a:t>no Field Services in year 1 </a:t>
+            </a:r>
+            <a:r>
+              <a:rPr sz="1000">
                 <a:solidFill>
                   <a:srgbClr val="4B4B4B"/>
                 </a:solidFill>
                 <a:latin typeface="AdobeClean-Light"/>
                 <a:cs typeface="AdobeClean-Light"/>
               </a:rPr>
-              <a:t>.</a:t>
-            </a:r>
-            <a:endParaRPr sz="1000" dirty="0">
+              <a:t>for any solution product covered by a  Support contract.</a:t>
+            </a:r>
+            <a:endParaRPr sz="1000">
               <a:latin typeface="AdobeClean-Light"/>
               <a:cs typeface="AdobeClean-Light"/>
             </a:endParaRPr>
@@ -11757,11 +12664,11 @@
               </a:spcBef>
             </a:pPr>
             <a:r>
-              <a:rPr lang="de-de" sz="1000" dirty="0">
+              <a:rPr sz="1000">
                 <a:latin typeface="AdobeClean-Light"/>
                 <a:cs typeface="AdobeClean-Light"/>
               </a:rPr>
-              <a:t>출시 자문은 일반적인 중요 시점(개시, 정의, 설계, 실행 및 출시 후) 전반에서 프로젝트 일정에 맞춰 안내하고 검증하고 평가하며 권장 사항을 제시합니다. </a:t>
+              <a:t>Launch Advisory will align with your project schedule through  common milestones (Kickoff, Define, Design, Go-live and Post  Launch) to guide, validate, assess and make recommendations.</a:t>
             </a:r>
           </a:p>
         </p:txBody>
@@ -11796,16 +12703,12 @@
               </a:spcBef>
             </a:pPr>
             <a:r>
-              <a:rPr lang="de-de" sz="1000" dirty="0">
+              <a:rPr sz="1000">
                 <a:latin typeface="AdobeClean-Light"/>
                 <a:cs typeface="AdobeClean-Light"/>
               </a:rPr>
-              <a:t>주요 결과물에는 다음이 포함됩니다.</a:t>
-            </a:r>
-            <a:endParaRPr sz="1000">
-              <a:latin typeface="AdobeClean-Light"/>
-              <a:cs typeface="AdobeClean-Light"/>
-            </a:endParaRPr>
+              <a:t>Key Deliverables include:</a:t>
+            </a:r>
           </a:p>
         </p:txBody>
       </p:sp>
@@ -11838,12 +12741,12 @@
               <a:buChar char="•"/>
             </a:pPr>
             <a:r>
-              <a:rPr lang="de-de" sz="1000" dirty="0">
+              <a:rPr lang="en-US" sz="1000">
                 <a:solidFill>
                   <a:prstClr val="black"/>
                 </a:solidFill>
               </a:rPr>
-              <a:t>개시(프로젝트 공동 작업 계획 포함) 데크</a:t>
+              <a:t>Kickoff (including project collaboration plan) deck</a:t>
             </a:r>
           </a:p>
           <a:p>
@@ -11855,12 +12758,12 @@
               <a:buChar char="•"/>
             </a:pPr>
             <a:r>
-              <a:rPr lang="de-de" sz="1000" dirty="0">
+              <a:rPr lang="en-US" sz="1000">
                 <a:solidFill>
                   <a:prstClr val="black"/>
                 </a:solidFill>
               </a:rPr>
-              <a:t>평가 및 권장 사항 문서</a:t>
+              <a:t>Assessment &amp; recommendations document(s)</a:t>
             </a:r>
           </a:p>
           <a:p>
@@ -11872,12 +12775,12 @@
               <a:buChar char="•"/>
             </a:pPr>
             <a:r>
-              <a:rPr lang="de-de" sz="1000" dirty="0">
+              <a:rPr lang="en-US" sz="1000">
                 <a:solidFill>
                   <a:prstClr val="black"/>
                 </a:solidFill>
               </a:rPr>
-              <a:t>참여 요약</a:t>
+              <a:t>Engagement summary</a:t>
             </a:r>
           </a:p>
         </p:txBody>
@@ -11912,16 +12815,16 @@
               </a:spcBef>
             </a:pPr>
             <a:r>
-              <a:rPr lang="de-de" sz="1600" dirty="0">
+              <a:rPr sz="1600">
                 <a:solidFill>
                   <a:srgbClr val="FFFFFF"/>
                 </a:solidFill>
                 <a:latin typeface="Arial"/>
                 <a:cs typeface="Arial"/>
               </a:rPr>
-              <a:t>구현</a:t>
-            </a:r>
-            <a:endParaRPr sz="1600" dirty="0">
+              <a:t>Implementation</a:t>
+            </a:r>
+            <a:endParaRPr sz="1600">
               <a:latin typeface="Arial"/>
               <a:cs typeface="Arial"/>
             </a:endParaRPr>
@@ -11936,25 +12839,32 @@
               </a:spcBef>
             </a:pPr>
             <a:r>
-              <a:rPr lang="de-de" sz="1000" dirty="0">
+              <a:rPr sz="1000">
                 <a:latin typeface="AdobeClean-Light"/>
                 <a:cs typeface="AdobeClean-Light"/>
               </a:rPr>
-              <a:t>Adobe 솔루션 전문가는 고객과 구현 파트너에 대한 </a:t>
-            </a:r>
-            <a:r>
-              <a:rPr lang="de-de" sz="950" dirty="0">
+              <a:t>Adobe solution experts help validate requirements, architecture,  development process, and launch readiness reviews </a:t>
+            </a:r>
+            <a:r>
+              <a:rPr sz="1000">
                 <a:latin typeface="AdobeClean-SemiLight"/>
                 <a:cs typeface="AdobeClean-SemiLight"/>
               </a:rPr>
-              <a:t>모범 사례 기반 지침을 통해 </a:t>
-            </a:r>
-            <a:r>
-              <a:rPr lang="de-de" sz="1000" dirty="0">
+              <a:t>with </a:t>
+            </a:r>
+            <a:r>
+              <a:rPr sz="950">
                 <a:latin typeface="AdobeClean-SemiLight"/>
                 <a:cs typeface="AdobeClean-SemiLight"/>
               </a:rPr>
-              <a:t>요구 사항, 아키텍처, 개발 프로세스 및 출시 준비 상태 검토를 검증하는 데 도움을 줍니다.</a:t>
+              <a:t>best  practice-based guidance </a:t>
+            </a:r>
+            <a:r>
+              <a:rPr sz="1000">
+                <a:latin typeface="AdobeClean-SemiLight"/>
+                <a:cs typeface="AdobeClean-SemiLight"/>
+              </a:rPr>
+              <a:t>to customers and implementation  partners.</a:t>
             </a:r>
           </a:p>
         </p:txBody>
@@ -12011,19 +12921,30 @@
               </a:spcBef>
             </a:pPr>
             <a:r>
-              <a:rPr lang="de-de" sz="1000" b="1" dirty="0">
+              <a:rPr sz="1000" b="1">
                 <a:latin typeface="Arial"/>
                 <a:cs typeface="Arial"/>
               </a:rPr>
-              <a:t>기술 트랙 활동</a:t>
-            </a:r>
-            <a:r>
-              <a:rPr lang="de-de" sz="1000" dirty="0">
+              <a:t>Technical Track Activities </a:t>
+            </a:r>
+            <a:r>
+              <a:rPr sz="1000">
                 <a:latin typeface="AdobeClean-Light"/>
                 <a:cs typeface="AdobeClean-Light"/>
               </a:rPr>
-              <a:t>은 고객이 기술적으로 건전하도록 보장하고 도구 채택을 극대화할 수 있도록 합니다. 특히 이러한 유형의 활동에는 플랫폼 구성, 통합 및 문제 해결과 관련된 지원 및 권장 사항이 포함됩니다.</a:t>
-            </a:r>
+              <a:t>ensure customers are technically sound  and maximizing their tool adoption. Specifically, these types of  activities include support and recommendations related to platform  configurations, integrations and troubleshooting</a:t>
+            </a:r>
+            <a:r>
+              <a:rPr lang="en-US" sz="1000">
+                <a:latin typeface="AdobeClean-Light"/>
+                <a:cs typeface="AdobeClean-Light"/>
+              </a:rPr>
+              <a:t>.</a:t>
+            </a:r>
+            <a:endParaRPr sz="1000">
+              <a:latin typeface="AdobeClean-Light"/>
+              <a:cs typeface="AdobeClean-Light"/>
+            </a:endParaRPr>
           </a:p>
         </p:txBody>
       </p:sp>
@@ -12057,11 +12978,11 @@
               </a:spcBef>
             </a:pPr>
             <a:r>
-              <a:rPr lang="de-de" sz="1000" dirty="0">
+              <a:rPr sz="1000">
                 <a:latin typeface="AdobeClean-Light"/>
                 <a:cs typeface="AdobeClean-Light"/>
               </a:rPr>
-              <a:t>사용 가능한 기술 활동 유형:</a:t>
+              <a:t>Types of technical activities available::</a:t>
             </a:r>
           </a:p>
           <a:p>
@@ -12076,12 +12997,12 @@
               <a:buChar char="ü"/>
             </a:pPr>
             <a:r>
-              <a:rPr lang="de-de" sz="1000" dirty="0">
+              <a:rPr lang="en-US" sz="1000">
                 <a:solidFill>
                   <a:prstClr val="black"/>
                 </a:solidFill>
               </a:rPr>
-              <a:t>상태 감사</a:t>
+              <a:t>Health audit</a:t>
             </a:r>
           </a:p>
           <a:p>
@@ -12096,12 +13017,12 @@
               <a:buChar char="ü"/>
             </a:pPr>
             <a:r>
-              <a:rPr lang="de-de" sz="1000" dirty="0">
+              <a:rPr lang="en-US" sz="1000">
                 <a:solidFill>
                   <a:prstClr val="black"/>
                 </a:solidFill>
               </a:rPr>
-              <a:t>플랫폼 감사</a:t>
+              <a:t>Platform audit</a:t>
             </a:r>
           </a:p>
           <a:p>
@@ -12116,12 +13037,12 @@
               <a:buChar char="ü"/>
             </a:pPr>
             <a:r>
-              <a:rPr lang="de-de" sz="1000" dirty="0">
+              <a:rPr lang="en-US" sz="1000">
                 <a:solidFill>
                   <a:prstClr val="black"/>
                 </a:solidFill>
               </a:rPr>
-              <a:t>기능 세트 활성화</a:t>
+              <a:t>Feature set enablement</a:t>
             </a:r>
           </a:p>
           <a:p>
@@ -12136,12 +13057,12 @@
               <a:buChar char="ü"/>
             </a:pPr>
             <a:r>
-              <a:rPr lang="de-de" sz="1000" dirty="0">
+              <a:rPr lang="en-US" sz="1000">
                 <a:solidFill>
                   <a:prstClr val="black"/>
                 </a:solidFill>
               </a:rPr>
-              <a:t>기본적 통합 및 구성</a:t>
+              <a:t>Basic integrations and configurations</a:t>
             </a:r>
           </a:p>
           <a:p>
@@ -12156,12 +13077,12 @@
               <a:buChar char="ü"/>
             </a:pPr>
             <a:r>
-              <a:rPr lang="de-de" sz="1000" dirty="0">
+              <a:rPr lang="en-US" sz="1000">
                 <a:solidFill>
                   <a:prstClr val="black"/>
                 </a:solidFill>
               </a:rPr>
-              <a:t>고객 솔루션 문제 해결</a:t>
+              <a:t>Customer solution troubleshooting</a:t>
             </a:r>
           </a:p>
           <a:p>
@@ -12176,12 +13097,12 @@
               <a:buChar char="ü"/>
             </a:pPr>
             <a:r>
-              <a:rPr lang="de-de" sz="1000" dirty="0">
+              <a:rPr lang="en-US" sz="1000">
                 <a:solidFill>
                   <a:prstClr val="black"/>
                 </a:solidFill>
               </a:rPr>
-              <a:t>클라우드 서비스 지원</a:t>
+              <a:t>Cloud service support</a:t>
             </a:r>
           </a:p>
         </p:txBody>
@@ -12216,18 +13137,18 @@
               </a:spcBef>
             </a:pPr>
             <a:r>
-              <a:rPr lang="de-de" sz="1000" b="1" dirty="0">
+              <a:rPr sz="1000" b="1">
                 <a:latin typeface="Arial"/>
                 <a:cs typeface="Arial"/>
               </a:rPr>
-              <a:t>전략 트랙 활동</a:t>
-            </a:r>
-            <a:r>
-              <a:rPr lang="de-de" sz="1000" dirty="0">
+              <a:t>Strategic Track Activities </a:t>
+            </a:r>
+            <a:r>
+              <a:rPr sz="1000">
                 <a:latin typeface="AdobeClean-Light"/>
                 <a:cs typeface="AdobeClean-Light"/>
               </a:rPr>
-              <a:t>은 고객의 Adobe 솔루션에서 가치를 실현할 수 있는 기회를 찾습니다. 여기에는 하나 이상의 Adobe 솔루션에서 가치 실현을 위한 전략, 측정 및 완성도와 관련된 지원 권장 사항이 포함됩니다.</a:t>
+              <a:t>locate opportunities to ensure value is  being realized from a customer’s Adobe solutions. They include  support recommendations related to strategy, measurement and  maturity to drive value realization across one or more Adobe  solutions.</a:t>
             </a:r>
           </a:p>
           <a:p>
@@ -12239,7 +13160,7 @@
                 <a:spcPts val="40"/>
               </a:spcBef>
             </a:pPr>
-            <a:endParaRPr sz="1100" dirty="0">
+            <a:endParaRPr sz="1100">
               <a:latin typeface="AdobeClean-Light"/>
               <a:cs typeface="AdobeClean-Light"/>
             </a:endParaRPr>
@@ -12251,11 +13172,11 @@
               </a:lnSpc>
             </a:pPr>
             <a:r>
-              <a:rPr lang="de-de" sz="1000" dirty="0">
+              <a:rPr sz="1000">
                 <a:latin typeface="AdobeClean-Light"/>
                 <a:cs typeface="AdobeClean-Light"/>
               </a:rPr>
-              <a:t>사용 가능한 전략 활동 유형:</a:t>
+              <a:t>Types of strategic activities available::</a:t>
             </a:r>
           </a:p>
           <a:p>
@@ -12270,12 +13191,12 @@
               <a:buChar char="ü"/>
             </a:pPr>
             <a:r>
-              <a:rPr lang="de-de" sz="1000" dirty="0">
+              <a:rPr lang="en-US" sz="1000">
                 <a:solidFill>
                   <a:prstClr val="black"/>
                 </a:solidFill>
               </a:rPr>
-              <a:t>완성 로드맵</a:t>
+              <a:t>Maturity Roadmap</a:t>
             </a:r>
           </a:p>
           <a:p>
@@ -12290,12 +13211,12 @@
               <a:buChar char="ü"/>
             </a:pPr>
             <a:r>
-              <a:rPr lang="de-de" sz="1000" dirty="0">
+              <a:rPr lang="en-US" sz="1000">
                 <a:solidFill>
                   <a:prstClr val="black"/>
                 </a:solidFill>
               </a:rPr>
-              <a:t>사용 사례 개발/측정</a:t>
+              <a:t>Use case development/measurement</a:t>
             </a:r>
           </a:p>
           <a:p>
@@ -12310,12 +13231,12 @@
               <a:buChar char="ü"/>
             </a:pPr>
             <a:r>
-              <a:rPr lang="de-de" sz="1000" dirty="0">
+              <a:rPr lang="en-US" sz="1000">
                 <a:solidFill>
                   <a:prstClr val="black"/>
                 </a:solidFill>
               </a:rPr>
-              <a:t>보고 및 분석</a:t>
+              <a:t>Reporting &amp; analysis</a:t>
             </a:r>
           </a:p>
           <a:p>
@@ -12330,12 +13251,12 @@
               <a:buChar char="ü"/>
             </a:pPr>
             <a:r>
-              <a:rPr lang="de-de" sz="1000" dirty="0">
+              <a:rPr lang="en-US" sz="1000">
                 <a:solidFill>
                   <a:prstClr val="black"/>
                 </a:solidFill>
               </a:rPr>
-              <a:t>모범 사례 지원</a:t>
+              <a:t>Best practices enablement</a:t>
             </a:r>
           </a:p>
         </p:txBody>
@@ -12356,7 +13277,7 @@
           </a:prstGeom>
         </p:spPr>
         <p:txBody>
-          <a:bodyPr vert="horz" wrap="square" lIns="0" tIns="12700" rIns="0" bIns="0" rtlCol="0">
+          <a:bodyPr vert="horz" wrap="square" lIns="0" tIns="12700" rIns="0" bIns="0" rtlCol="0" anchor="t">
             <a:spAutoFit/>
           </a:bodyPr>
           <a:lstStyle/>
@@ -12370,41 +13291,78 @@
               </a:spcBef>
             </a:pPr>
             <a:r>
-              <a:rPr lang="de-de" sz="1600" dirty="0">
+              <a:rPr sz="1600">
                 <a:solidFill>
                   <a:srgbClr val="FFFFFF"/>
                 </a:solidFill>
                 <a:latin typeface="Arial"/>
                 <a:cs typeface="Arial"/>
               </a:rPr>
-              <a:t>실행 및 운영</a:t>
-            </a:r>
-            <a:endParaRPr sz="1600" dirty="0">
+              <a:t>Run &amp; Operate</a:t>
+            </a:r>
+            <a:endParaRPr sz="1600">
               <a:latin typeface="Arial"/>
               <a:cs typeface="Arial"/>
             </a:endParaRPr>
           </a:p>
           <a:p>
             <a:pPr marL="12700">
-              <a:lnSpc>
-                <a:spcPct val="100000"/>
-              </a:lnSpc>
               <a:spcBef>
                 <a:spcPts val="1595"/>
               </a:spcBef>
             </a:pPr>
             <a:r>
-              <a:rPr lang="de-de" sz="1000" dirty="0">
+              <a:rPr sz="1000">
                 <a:solidFill>
                   <a:srgbClr val="1F1F1F"/>
                 </a:solidFill>
                 <a:latin typeface="Adobe Clean"/>
                 <a:cs typeface="Adobe Clean"/>
               </a:rPr>
-              <a:t>엘리트 고객은</a:t>
-            </a:r>
-            <a:r>
-              <a:rPr lang="de-de" sz="1200" dirty="0">
+              <a:t>As an </a:t>
+            </a:r>
+            <a:r>
+              <a:rPr lang="en-US" sz="1000">
+                <a:solidFill>
+                  <a:srgbClr val="1F1F1F"/>
+                </a:solidFill>
+                <a:latin typeface="Adobe Clean"/>
+                <a:cs typeface="Adobe Clean"/>
+              </a:rPr>
+              <a:t>Elite</a:t>
+            </a:r>
+            <a:r>
+              <a:rPr sz="1000">
+                <a:solidFill>
+                  <a:srgbClr val="1F1F1F"/>
+                </a:solidFill>
+                <a:latin typeface="Adobe Clean"/>
+                <a:cs typeface="Adobe Clean"/>
+              </a:rPr>
+              <a:t> customer, you are</a:t>
+            </a:r>
+            <a:r>
+              <a:rPr lang="en-US" sz="1000">
+                <a:solidFill>
+                  <a:srgbClr val="1F1F1F"/>
+                </a:solidFill>
+                <a:latin typeface="Adobe Clean"/>
+                <a:cs typeface="Adobe Clean"/>
+              </a:rPr>
+              <a:t> </a:t>
+            </a:r>
+            <a:r>
+              <a:rPr sz="1000">
+                <a:solidFill>
+                  <a:srgbClr val="1F1F1F"/>
+                </a:solidFill>
+                <a:latin typeface="Adobe Clean"/>
+                <a:cs typeface="Adobe Clean"/>
+              </a:rPr>
+              <a:t> eligible for</a:t>
+            </a:r>
+            <a:r>
+              <a:rPr lang="en-US" sz="1200">
                 <a:solidFill>
                   <a:srgbClr val="1F1F1F"/>
                 </a:solidFill>
@@ -12419,7 +13377,22 @@
               <a:t> </a:t>
             </a:r>
             <a:r>
-              <a:rPr lang="de-de" sz="1200" b="1" dirty="0">
+              <a:rPr lang="en-US" sz="1200" u="sng">
+                <a:solidFill>
+                  <a:srgbClr val="1F1F1F"/>
+                </a:solidFill>
+                <a:uFill>
+                  <a:solidFill>
+                    <a:srgbClr val="1F1F1F"/>
+                  </a:solidFill>
+                </a:uFill>
+                <a:latin typeface="Times New Roman"/>
+                <a:cs typeface="Times New Roman"/>
+              </a:rPr>
+              <a:t>4</a:t>
+            </a:r>
+            <a:r>
+              <a:rPr sz="1200" b="1">
                 <a:solidFill>
                   <a:srgbClr val="1F1F1F"/>
                 </a:solidFill>
@@ -12429,80 +13402,86 @@
               <a:t> </a:t>
             </a:r>
             <a:r>
-              <a:rPr lang="de-de" sz="1000" b="1" dirty="0">
+              <a:rPr sz="1000" b="1">
                 <a:solidFill>
                   <a:srgbClr val="1F1F1F"/>
                 </a:solidFill>
                 <a:latin typeface="Arial"/>
                 <a:cs typeface="Arial"/>
               </a:rPr>
-              <a:t>기술</a:t>
-            </a:r>
-            <a:endParaRPr sz="1000" dirty="0">
-              <a:latin typeface="Arial"/>
-              <a:cs typeface="Arial"/>
-            </a:endParaRPr>
-          </a:p>
-          <a:p>
-            <a:pPr marL="12700">
-              <a:lnSpc>
-                <a:spcPct val="100000"/>
-              </a:lnSpc>
-              <a:spcBef>
-                <a:spcPts val="55"/>
-              </a:spcBef>
-            </a:pPr>
-            <a:r>
-              <a:rPr lang="de-de" sz="1000" dirty="0">
-                <a:solidFill>
-                  <a:srgbClr val="1F1F1F"/>
-                </a:solidFill>
-                <a:latin typeface="Adobe Clean"/>
-                <a:cs typeface="Adobe Clean"/>
-              </a:rPr>
-              <a:t>및/또는 </a:t>
-            </a:r>
-            <a:r>
-              <a:rPr lang="de-de" sz="1000" b="1" dirty="0">
+              <a:t>activities per </a:t>
+            </a:r>
+            <a:r>
+              <a:rPr lang="en-US" sz="1000" b="1">
                 <a:solidFill>
                   <a:srgbClr val="1F1F1F"/>
                 </a:solidFill>
                 <a:latin typeface="Arial"/>
                 <a:cs typeface="Arial"/>
               </a:rPr>
-              <a:t>전략 </a:t>
-            </a:r>
-            <a:r>
-              <a:rPr lang="de-de" sz="1000" dirty="0">
+              <a:t>year </a:t>
+            </a:r>
+            <a:r>
+              <a:rPr lang="en-US" sz="1000">
                 <a:solidFill>
                   <a:srgbClr val="1F1F1F"/>
                 </a:solidFill>
                 <a:latin typeface="Adobe Clean"/>
-                <a:cs typeface="Adobe Clean"/>
-              </a:rPr>
-              <a:t>의 두 트랙에서 </a:t>
-            </a:r>
-            <a:r>
-              <a:rPr lang="de-de" sz="1000" b="1" dirty="0">
+                <a:cs typeface="Arial"/>
+              </a:rPr>
+              <a:t>from</a:t>
+            </a:r>
+            <a:r>
+              <a:rPr sz="1000">
+                <a:solidFill>
+                  <a:srgbClr val="1F1F1F"/>
+                </a:solidFill>
+                <a:latin typeface="Adobe Clean"/>
+                <a:cs typeface="Adobe Clean"/>
+              </a:rPr>
+              <a:t> the following two tracks: </a:t>
+            </a:r>
+            <a:r>
+              <a:rPr sz="1000" b="1">
                 <a:solidFill>
                   <a:srgbClr val="1F1F1F"/>
                 </a:solidFill>
                 <a:latin typeface="Arial"/>
                 <a:cs typeface="Arial"/>
               </a:rPr>
-              <a:t>연간 4개의 활동</a:t>
-            </a:r>
-            <a:r>
-              <a:rPr lang="de-de" sz="1000" dirty="0">
+              <a:t>Technical </a:t>
+            </a:r>
+            <a:r>
+              <a:rPr sz="1000">
                 <a:solidFill>
                   <a:srgbClr val="1F1F1F"/>
                 </a:solidFill>
+                <a:latin typeface="Adobe Clean"/>
+                <a:cs typeface="Adobe Clean"/>
+              </a:rPr>
+              <a:t>and/or </a:t>
+            </a:r>
+            <a:r>
+              <a:rPr sz="1000" b="1">
+                <a:solidFill>
+                  <a:srgbClr val="1F1F1F"/>
+                </a:solidFill>
+                <a:latin typeface="Arial"/>
+                <a:cs typeface="Arial"/>
+              </a:rPr>
+              <a:t>Strategic</a:t>
+            </a:r>
+            <a:r>
+              <a:rPr lang="en-US" sz="1000" b="1">
+                <a:solidFill>
+                  <a:srgbClr val="1F1F1F"/>
+                </a:solidFill>
                 <a:latin typeface="AdobeClean-Light"/>
-                <a:cs typeface="AdobeClean-Light"/>
-              </a:rPr>
-              <a:t>을 제공받을 수 있습니다.</a:t>
-            </a:r>
-            <a:endParaRPr sz="1000" dirty="0">
+                <a:cs typeface="Arial"/>
+              </a:rPr>
+              <a:t>.</a:t>
+            </a:r>
+            <a:endParaRPr sz="1000">
               <a:latin typeface="AdobeClean-Light"/>
               <a:cs typeface="AdobeClean-Light"/>
             </a:endParaRPr>
@@ -12539,17 +13518,17 @@
               </a:spcBef>
             </a:pPr>
             <a:r>
-              <a:rPr lang="de-de" sz="1400" b="1" spc="-15" dirty="0">
+              <a:rPr sz="1400" b="1" spc="-15">
                 <a:solidFill>
                   <a:srgbClr val="020302"/>
                 </a:solidFill>
                 <a:latin typeface="Adobe Clean"/>
                 <a:cs typeface="Adobe Clean"/>
               </a:rPr>
-              <a:t>클라우드</a:t>
-            </a:r>
-            <a:r>
-              <a:rPr lang="de-de" sz="1400" b="1" spc="-45" dirty="0">
+              <a:t>Cloud</a:t>
+            </a:r>
+            <a:r>
+              <a:rPr sz="1400" b="1" spc="-45">
                 <a:solidFill>
                   <a:srgbClr val="020302"/>
                 </a:solidFill>
@@ -12559,17 +13538,17 @@
               <a:t> </a:t>
             </a:r>
             <a:r>
-              <a:rPr lang="de-de" sz="1400" b="1" spc="-15" dirty="0">
+              <a:rPr sz="1400" b="1" spc="-15">
                 <a:solidFill>
                   <a:srgbClr val="020302"/>
                 </a:solidFill>
                 <a:latin typeface="Adobe Clean"/>
                 <a:cs typeface="Adobe Clean"/>
               </a:rPr>
-              <a:t>지원</a:t>
-            </a:r>
-            <a:r>
-              <a:rPr lang="de-de" sz="1400" b="1" spc="-50" dirty="0">
+              <a:t>Support</a:t>
+            </a:r>
+            <a:r>
+              <a:rPr sz="1400" b="1" spc="-50">
                 <a:solidFill>
                   <a:srgbClr val="020302"/>
                 </a:solidFill>
@@ -12579,16 +13558,26 @@
               <a:t> </a:t>
             </a:r>
             <a:r>
-              <a:rPr lang="de-de" sz="1400" b="1" spc="-15" dirty="0">
+              <a:rPr sz="1400" b="1" spc="-15">
                 <a:solidFill>
                   <a:srgbClr val="020302"/>
                 </a:solidFill>
                 <a:latin typeface="Adobe Clean"/>
                 <a:cs typeface="Adobe Clean"/>
               </a:rPr>
-              <a:t>활동 - AEM</a:t>
-            </a:r>
-            <a:endParaRPr sz="1400" dirty="0">
+              <a:t>Activities</a:t>
+            </a:r>
+            <a:r>
+              <a:rPr lang="en-US" sz="1400" b="1" spc="-15">
+                <a:solidFill>
+                  <a:srgbClr val="020302"/>
+                </a:solidFill>
+                <a:latin typeface="Adobe Clean"/>
+                <a:cs typeface="Adobe Clean"/>
+              </a:rPr>
+              <a:t> - AEM</a:t>
+            </a:r>
+            <a:endParaRPr sz="1400">
               <a:latin typeface="Adobe Clean"/>
               <a:cs typeface="Adobe Clean"/>
             </a:endParaRPr>
@@ -12726,36 +13715,36 @@
               </a:spcBef>
             </a:pPr>
             <a:r>
-              <a:rPr lang="de-de" spc="-5" dirty="0"/>
-              <a:t>© 2021 Adobe.  All</a:t>
-            </a:r>
-            <a:r>
-              <a:rPr lang="de-de" spc="-15" dirty="0"/>
+              <a:rPr spc="-5"/>
+              <a:t>©2021 Adobe. All</a:t>
+            </a:r>
+            <a:r>
+              <a:rPr spc="-15"/>
               <a:t> Rights</a:t>
             </a:r>
             <a:r>
-              <a:rPr lang="de-de" spc="-10" dirty="0"/>
+              <a:rPr spc="-10"/>
               <a:t> </a:t>
             </a:r>
             <a:r>
-              <a:rPr lang="de-de" spc="-15" dirty="0"/>
+              <a:rPr spc="-15"/>
               <a:t>Reserved.</a:t>
             </a:r>
             <a:r>
-              <a:rPr lang="de-de" spc="-10" dirty="0"/>
+              <a:rPr spc="-10"/>
               <a:t> </a:t>
             </a:r>
             <a:r>
-              <a:rPr lang="de-de" spc="-5" dirty="0"/>
+              <a:rPr spc="-5"/>
               <a:t>Adobe</a:t>
             </a:r>
             <a:r>
-              <a:rPr lang="de-de" spc="60" dirty="0"/>
+              <a:rPr spc="60"/>
               <a:t> </a:t>
             </a:r>
             <a:r>
-              <a:rPr lang="de-de" spc="-15" dirty="0"/>
-              <a:t>기밀.</a:t>
+              <a:rPr spc="-15"/>
+              <a:t>Confidential.</a:t>
             </a:r>
           </a:p>
         </p:txBody>
@@ -12811,8 +13800,8 @@
           <a:p>
             <a:pPr algn="ctr"/>
             <a:r>
-              <a:rPr lang="de-de" sz="1600" dirty="0"/>
-              <a:t>실행 및 운영</a:t>
+              <a:rPr lang="en-US" sz="1600"/>
+              <a:t>Run &amp; Operate</a:t>
             </a:r>
           </a:p>
         </p:txBody>
@@ -12868,8 +13857,8 @@
           <a:p>
             <a:pPr algn="ctr"/>
             <a:r>
-              <a:rPr lang="de-de" sz="1600" dirty="0"/>
-              <a:t>구현</a:t>
+              <a:rPr lang="en-US" sz="1600"/>
+              <a:t>Implementation</a:t>
             </a:r>
           </a:p>
         </p:txBody>
@@ -12904,8 +13893,8 @@
           <a:p>
             <a:pPr algn="ctr"/>
             <a:r>
-              <a:rPr lang="de-de" sz="1100" dirty="0"/>
-              <a:t>출시 후</a:t>
+              <a:rPr lang="en-US" sz="1100"/>
+              <a:t>Post Launch</a:t>
             </a:r>
           </a:p>
         </p:txBody>
@@ -12940,8 +13929,8 @@
           <a:p>
             <a:pPr algn="ctr"/>
             <a:r>
-              <a:rPr lang="de-de" sz="1100" dirty="0"/>
-              <a:t>실행</a:t>
+              <a:rPr lang="en-US" sz="1100"/>
+              <a:t>Go-Live</a:t>
             </a:r>
           </a:p>
         </p:txBody>
@@ -12976,8 +13965,8 @@
           <a:p>
             <a:pPr algn="ctr"/>
             <a:r>
-              <a:rPr lang="de-de" sz="1100" dirty="0"/>
-              <a:t>정의</a:t>
+              <a:rPr lang="en-US" sz="1100"/>
+              <a:t>Define</a:t>
             </a:r>
           </a:p>
         </p:txBody>
@@ -13012,8 +14001,8 @@
           <a:p>
             <a:pPr algn="ctr"/>
             <a:r>
-              <a:rPr lang="de-de" sz="1100" dirty="0"/>
-              <a:t>개시</a:t>
+              <a:rPr lang="en-US" sz="1100"/>
+              <a:t>Kickoff</a:t>
             </a:r>
           </a:p>
         </p:txBody>
@@ -13048,8 +14037,8 @@
           <a:p>
             <a:pPr algn="ctr"/>
             <a:r>
-              <a:rPr lang="de-de" sz="1100" dirty="0"/>
-              <a:t>디자인</a:t>
+              <a:rPr lang="en-US" sz="1100"/>
+              <a:t>Design</a:t>
             </a:r>
           </a:p>
         </p:txBody>
@@ -13106,14 +14095,14 @@
           <a:p>
             <a:pPr algn="ctr"/>
             <a:r>
-              <a:rPr lang="de-de" sz="1400" dirty="0">
+              <a:rPr lang="en-US" sz="1400">
                 <a:solidFill>
                   <a:schemeClr val="accent1">
                     <a:lumMod val="50000"/>
                   </a:schemeClr>
                 </a:solidFill>
               </a:rPr>
-              <a:t>연간 4개 활동</a:t>
+              <a:t>4 Activities per Year</a:t>
             </a:r>
           </a:p>
         </p:txBody>
@@ -13154,15 +14143,15 @@
               </a:spcBef>
             </a:pPr>
             <a:r>
-              <a:rPr lang="de-de" sz="1000" dirty="0">
+              <a:rPr lang="en-US" sz="1000">
                 <a:solidFill>
                   <a:srgbClr val="4B4B4B"/>
                 </a:solidFill>
                 <a:latin typeface="Adobe Clean Light" panose="020B0303020404020204" pitchFamily="34" charset="0"/>
               </a:rPr>
-              <a:t>AEM as a Cloud Service의 사용자 지정 모범 사례 및 핵심 구성 요소의 채택을 촉진합니다.</a:t>
-            </a:r>
-            <a:endParaRPr sz="1000" dirty="0">
+              <a:t>Drive adoption of customization best practices and core components in AEM as a Cloud Service.</a:t>
+            </a:r>
+            <a:endParaRPr sz="1000">
               <a:solidFill>
                 <a:srgbClr val="4B4B4B"/>
               </a:solidFill>
@@ -13207,15 +14196,15 @@
               </a:spcBef>
             </a:pPr>
             <a:r>
-              <a:rPr lang="de-de" sz="1000" dirty="0">
+              <a:rPr lang="en-US" sz="1000">
                 <a:solidFill>
                   <a:srgbClr val="4B4B4B"/>
                 </a:solidFill>
                 <a:latin typeface="Adobe Clean Light" panose="020B0303020404020204" pitchFamily="34" charset="0"/>
               </a:rPr>
-              <a:t>최적화할 수 있는 기회가 있는 맞춤형 솔루션 채택 영역을 식별하고 검토하고 권장합니다.</a:t>
-            </a:r>
-            <a:endParaRPr sz="1000" dirty="0">
+              <a:t>Identify, review and provide recommendations on customized solution adoption areas that have opportunities for optimization.</a:t>
+            </a:r>
+            <a:endParaRPr sz="1000">
               <a:solidFill>
                 <a:srgbClr val="4B4B4B"/>
               </a:solidFill>
@@ -13260,15 +14249,15 @@
               </a:spcBef>
             </a:pPr>
             <a:r>
-              <a:rPr lang="de-de" sz="1000" dirty="0">
+              <a:rPr lang="en-US" sz="1000">
                 <a:solidFill>
                   <a:srgbClr val="4B4B4B"/>
                 </a:solidFill>
                 <a:latin typeface="Adobe Clean Light" panose="020B0303020404020204" pitchFamily="34" charset="0"/>
               </a:rPr>
-              <a:t>AEM as a Cloud Service 고객이 AEM as a Cloud Service에 대한 업계 표준 및 모범 사례를 준수하도록 지원하는 기술 및 운영 거버넌스입니다.</a:t>
-            </a:r>
-            <a:endParaRPr sz="1000" dirty="0">
+              <a:t>Technical &amp; operational governance to assist AEM as a Cloud Service Customers in adhering to industry standards and best practices for AEM as a Cloud Service.</a:t>
+            </a:r>
+            <a:endParaRPr sz="1000">
               <a:solidFill>
                 <a:srgbClr val="4B4B4B"/>
               </a:solidFill>
@@ -13292,7 +14281,7 @@
         <p:spPr>
           <a:xfrm>
             <a:off x="5181600" y="936612"/>
-            <a:ext cx="2209800" cy="461665"/>
+            <a:ext cx="1972258" cy="461665"/>
           </a:xfrm>
           <a:prstGeom prst="rect">
             <a:avLst/>
@@ -13313,107 +14302,327 @@
               </a:spcBef>
             </a:pPr>
             <a:r>
-              <a:rPr lang="de-de" sz="1200" b="1" spc="-15" dirty="0">
+              <a:rPr lang="en-US" sz="1200" b="1" spc="-15">
                 <a:solidFill>
                   <a:srgbClr val="020302"/>
                 </a:solidFill>
                 <a:latin typeface="Adobe Clean"/>
                 <a:cs typeface="Adobe Clean"/>
               </a:rPr>
-              <a:t>AEM</a:t>
-            </a:r>
-            <a:r>
-              <a:rPr lang="de-de" sz="1200" b="1" spc="-50" dirty="0">
+              <a:t>C</a:t>
+            </a:r>
+            <a:r>
+              <a:rPr lang="en-US" sz="1200" b="1" spc="-20">
                 <a:solidFill>
                   <a:srgbClr val="020302"/>
                 </a:solidFill>
                 <a:latin typeface="Adobe Clean"/>
                 <a:cs typeface="Adobe Clean"/>
               </a:rPr>
+              <a:t>u</a:t>
+            </a:r>
+            <a:r>
+              <a:rPr lang="en-US" sz="1200" b="1" spc="-25">
+                <a:solidFill>
+                  <a:srgbClr val="020302"/>
+                </a:solidFill>
+                <a:latin typeface="Adobe Clean"/>
+                <a:cs typeface="Adobe Clean"/>
+              </a:rPr>
+              <a:t>st</a:t>
+            </a:r>
+            <a:r>
+              <a:rPr lang="en-US" sz="1200" b="1" spc="-15">
+                <a:solidFill>
+                  <a:srgbClr val="020302"/>
+                </a:solidFill>
+                <a:latin typeface="Adobe Clean"/>
+                <a:cs typeface="Adobe Clean"/>
+              </a:rPr>
+              <a:t>o</a:t>
+            </a:r>
+            <a:r>
+              <a:rPr lang="en-US" sz="1200" b="1" spc="-20">
+                <a:solidFill>
+                  <a:srgbClr val="020302"/>
+                </a:solidFill>
+                <a:latin typeface="Adobe Clean"/>
+                <a:cs typeface="Adobe Clean"/>
+              </a:rPr>
+              <a:t>miza</a:t>
+            </a:r>
+            <a:r>
+              <a:rPr lang="en-US" sz="1200" b="1" spc="-25">
+                <a:solidFill>
+                  <a:srgbClr val="020302"/>
+                </a:solidFill>
+                <a:latin typeface="Adobe Clean"/>
+                <a:cs typeface="Adobe Clean"/>
+              </a:rPr>
+              <a:t>t</a:t>
+            </a:r>
+            <a:r>
+              <a:rPr lang="en-US" sz="1200" b="1" spc="-20">
+                <a:solidFill>
+                  <a:srgbClr val="020302"/>
+                </a:solidFill>
+                <a:latin typeface="Adobe Clean"/>
+                <a:cs typeface="Adobe Clean"/>
+              </a:rPr>
+              <a:t>i</a:t>
+            </a:r>
+            <a:r>
+              <a:rPr lang="en-US" sz="1200" b="1" spc="-15">
+                <a:solidFill>
+                  <a:srgbClr val="020302"/>
+                </a:solidFill>
+                <a:latin typeface="Adobe Clean"/>
+                <a:cs typeface="Adobe Clean"/>
+              </a:rPr>
+              <a:t>o</a:t>
+            </a:r>
+            <a:r>
+              <a:rPr lang="en-US" sz="1200" b="1">
+                <a:solidFill>
+                  <a:srgbClr val="020302"/>
+                </a:solidFill>
+                <a:latin typeface="Adobe Clean"/>
+                <a:cs typeface="Adobe Clean"/>
+              </a:rPr>
+              <a:t>n</a:t>
+            </a:r>
+            <a:r>
+              <a:rPr lang="en-US" sz="1200" b="1" spc="-50">
+                <a:solidFill>
+                  <a:srgbClr val="020302"/>
+                </a:solidFill>
+                <a:latin typeface="Adobe Clean"/>
+                <a:cs typeface="Adobe Clean"/>
+              </a:rPr>
               <a:t> </a:t>
             </a:r>
             <a:r>
-              <a:rPr lang="de-de" sz="1200" b="1" spc="-20" dirty="0">
+              <a:rPr lang="en-US" sz="1200" b="1" spc="-20">
                 <a:solidFill>
                   <a:srgbClr val="020302"/>
                 </a:solidFill>
                 <a:latin typeface="Adobe Clean"/>
                 <a:cs typeface="Adobe Clean"/>
               </a:rPr>
-              <a:t>as a Cloud Service를 위한</a:t>
-            </a:r>
-            <a:r>
-              <a:rPr lang="de-de" sz="1200" b="1" spc="-50" dirty="0">
+              <a:t>B</a:t>
+            </a:r>
+            <a:r>
+              <a:rPr lang="en-US" sz="1200" b="1" spc="-25">
                 <a:solidFill>
                   <a:srgbClr val="020302"/>
                 </a:solidFill>
                 <a:latin typeface="Adobe Clean"/>
                 <a:cs typeface="Adobe Clean"/>
               </a:rPr>
+              <a:t>es</a:t>
+            </a:r>
+            <a:r>
+              <a:rPr lang="en-US" sz="1200" b="1">
+                <a:solidFill>
+                  <a:srgbClr val="020302"/>
+                </a:solidFill>
+                <a:latin typeface="Adobe Clean"/>
+                <a:cs typeface="Adobe Clean"/>
+              </a:rPr>
+              <a:t>t</a:t>
+            </a:r>
+            <a:r>
+              <a:rPr lang="en-US" sz="1200" b="1" spc="-50">
+                <a:solidFill>
+                  <a:srgbClr val="020302"/>
+                </a:solidFill>
+                <a:latin typeface="Adobe Clean"/>
+                <a:cs typeface="Adobe Clean"/>
+              </a:rPr>
               <a:t> </a:t>
             </a:r>
             <a:r>
-              <a:rPr lang="de-de" sz="1200" b="1" spc="-45" dirty="0">
+              <a:rPr lang="en-US" sz="1200" b="1" spc="-25">
                 <a:solidFill>
                   <a:srgbClr val="020302"/>
                 </a:solidFill>
                 <a:latin typeface="Adobe Clean"/>
                 <a:cs typeface="Adobe Clean"/>
               </a:rPr>
+              <a:t>P</a:t>
+            </a:r>
+            <a:r>
+              <a:rPr lang="en-US" sz="1200" b="1" spc="-20">
+                <a:solidFill>
+                  <a:srgbClr val="020302"/>
+                </a:solidFill>
+                <a:latin typeface="Adobe Clean"/>
+                <a:cs typeface="Adobe Clean"/>
+              </a:rPr>
+              <a:t>ra</a:t>
+            </a:r>
+            <a:r>
+              <a:rPr lang="en-US" sz="1200" b="1" spc="-30">
+                <a:solidFill>
+                  <a:srgbClr val="020302"/>
+                </a:solidFill>
+                <a:latin typeface="Adobe Clean"/>
+                <a:cs typeface="Adobe Clean"/>
+              </a:rPr>
+              <a:t>c</a:t>
+            </a:r>
+            <a:r>
+              <a:rPr lang="en-US" sz="1200" b="1" spc="-25">
+                <a:solidFill>
+                  <a:srgbClr val="020302"/>
+                </a:solidFill>
+                <a:latin typeface="Adobe Clean"/>
+                <a:cs typeface="Adobe Clean"/>
+              </a:rPr>
+              <a:t>t</a:t>
+            </a:r>
+            <a:r>
+              <a:rPr lang="en-US" sz="1200" b="1" spc="-20">
+                <a:solidFill>
+                  <a:srgbClr val="020302"/>
+                </a:solidFill>
+                <a:latin typeface="Adobe Clean"/>
+                <a:cs typeface="Adobe Clean"/>
+              </a:rPr>
+              <a:t>i</a:t>
+            </a:r>
+            <a:r>
+              <a:rPr lang="en-US" sz="1200" b="1" spc="-30">
+                <a:solidFill>
+                  <a:srgbClr val="020302"/>
+                </a:solidFill>
+                <a:latin typeface="Adobe Clean"/>
+                <a:cs typeface="Adobe Clean"/>
+              </a:rPr>
+              <a:t>c</a:t>
+            </a:r>
+            <a:r>
+              <a:rPr lang="en-US" sz="1200" b="1" spc="-25">
+                <a:solidFill>
+                  <a:srgbClr val="020302"/>
+                </a:solidFill>
+                <a:latin typeface="Adobe Clean"/>
+                <a:cs typeface="Adobe Clean"/>
+              </a:rPr>
+              <a:t>e</a:t>
+            </a:r>
+            <a:r>
+              <a:rPr lang="en-US" sz="1200" b="1">
+                <a:solidFill>
+                  <a:srgbClr val="020302"/>
+                </a:solidFill>
+                <a:latin typeface="Adobe Clean"/>
+                <a:cs typeface="Adobe Clean"/>
+              </a:rPr>
+              <a:t>s</a:t>
+            </a:r>
+            <a:r>
+              <a:rPr lang="en-US" sz="1200" b="1" spc="-45">
+                <a:solidFill>
+                  <a:srgbClr val="020302"/>
+                </a:solidFill>
+                <a:latin typeface="Adobe Clean"/>
+                <a:cs typeface="Adobe Clean"/>
+              </a:rPr>
               <a:t> </a:t>
             </a:r>
             <a:r>
-              <a:rPr lang="de-de" sz="1200" b="1" spc="-25" dirty="0">
+              <a:rPr lang="en-US" sz="1200" b="1" spc="-25">
                 <a:solidFill>
                   <a:srgbClr val="020302"/>
                 </a:solidFill>
                 <a:latin typeface="Adobe Clean"/>
                 <a:cs typeface="Adobe Clean"/>
               </a:rPr>
-              <a:t>사용자 지정</a:t>
-            </a:r>
-            <a:r>
-              <a:rPr lang="de-de" sz="1200" b="1" spc="-45" dirty="0">
+              <a:t>f</a:t>
+            </a:r>
+            <a:r>
+              <a:rPr lang="en-US" sz="1200" b="1" spc="-15">
                 <a:solidFill>
                   <a:srgbClr val="020302"/>
                 </a:solidFill>
                 <a:latin typeface="Adobe Clean"/>
                 <a:cs typeface="Adobe Clean"/>
               </a:rPr>
+              <a:t>o</a:t>
+            </a:r>
+            <a:r>
+              <a:rPr lang="en-US" sz="1200" b="1">
+                <a:solidFill>
+                  <a:srgbClr val="020302"/>
+                </a:solidFill>
+                <a:latin typeface="Adobe Clean"/>
+                <a:cs typeface="Adobe Clean"/>
+              </a:rPr>
+              <a:t>r</a:t>
+            </a:r>
+            <a:r>
+              <a:rPr lang="en-US" sz="1200" b="1" spc="-45">
+                <a:solidFill>
+                  <a:srgbClr val="020302"/>
+                </a:solidFill>
+                <a:latin typeface="Adobe Clean"/>
+                <a:cs typeface="Adobe Clean"/>
+              </a:rPr>
               <a:t> </a:t>
             </a:r>
             <a:r>
-              <a:rPr lang="de-de" sz="1200" b="1" spc="-55" dirty="0">
+              <a:rPr lang="en-US" sz="1200" b="1" spc="-30">
                 <a:solidFill>
                   <a:srgbClr val="020302"/>
                 </a:solidFill>
                 <a:latin typeface="Adobe Clean"/>
                 <a:cs typeface="Adobe Clean"/>
               </a:rPr>
+              <a:t>AE</a:t>
+            </a:r>
+            <a:r>
+              <a:rPr lang="en-US" sz="1200" b="1">
+                <a:solidFill>
+                  <a:srgbClr val="020302"/>
+                </a:solidFill>
+                <a:latin typeface="Adobe Clean"/>
+                <a:cs typeface="Adobe Clean"/>
+              </a:rPr>
+              <a:t>M</a:t>
+            </a:r>
+            <a:r>
+              <a:rPr lang="en-US" sz="1200" b="1" spc="-55">
+                <a:solidFill>
+                  <a:srgbClr val="020302"/>
+                </a:solidFill>
+                <a:latin typeface="Adobe Clean"/>
+                <a:cs typeface="Adobe Clean"/>
+              </a:rPr>
               <a:t> </a:t>
             </a:r>
             <a:r>
-              <a:rPr lang="de-de" sz="1200" b="1" spc="-20" dirty="0">
+              <a:rPr lang="en-US" sz="1200" b="1" spc="-20">
                 <a:solidFill>
                   <a:srgbClr val="020302"/>
                 </a:solidFill>
                 <a:latin typeface="Adobe Clean"/>
                 <a:cs typeface="Adobe Clean"/>
               </a:rPr>
-              <a:t>모범 사례</a:t>
-            </a:r>
-            <a:r>
-              <a:rPr lang="de-de" sz="1200" b="1" spc="-45" dirty="0">
+              <a:t>a</a:t>
+            </a:r>
+            <a:r>
+              <a:rPr lang="en-US" sz="1200" b="1">
                 <a:solidFill>
                   <a:srgbClr val="020302"/>
                 </a:solidFill>
                 <a:latin typeface="Adobe Clean"/>
                 <a:cs typeface="Adobe Clean"/>
               </a:rPr>
-              <a:t>  </a:t>
-            </a:r>
-            <a:r>
-              <a:rPr lang="de-de" sz="1200" b="1" spc="-50" dirty="0">
+              <a:t>s</a:t>
+            </a:r>
+            <a:r>
+              <a:rPr lang="en-US" sz="1200" b="1" spc="-45">
                 <a:solidFill>
                   <a:srgbClr val="020302"/>
                 </a:solidFill>
@@ -13422,7 +14631,157 @@
               </a:rPr>
               <a:t> </a:t>
             </a:r>
-            <a:endParaRPr lang="en-US" sz="1200" dirty="0">
+            <a:r>
+              <a:rPr lang="en-US" sz="1200" b="1">
+                <a:solidFill>
+                  <a:srgbClr val="020302"/>
+                </a:solidFill>
+                <a:latin typeface="Adobe Clean"/>
+                <a:cs typeface="Adobe Clean"/>
+              </a:rPr>
+              <a:t>a</a:t>
+            </a:r>
+            <a:r>
+              <a:rPr lang="en-US" sz="1200" b="1" spc="-45">
+                <a:solidFill>
+                  <a:srgbClr val="020302"/>
+                </a:solidFill>
+                <a:latin typeface="Adobe Clean"/>
+                <a:cs typeface="Adobe Clean"/>
+              </a:rPr>
+              <a:t> </a:t>
+            </a:r>
+            <a:r>
+              <a:rPr lang="en-US" sz="1200" b="1" spc="-15">
+                <a:solidFill>
+                  <a:srgbClr val="020302"/>
+                </a:solidFill>
+                <a:latin typeface="Adobe Clean"/>
+                <a:cs typeface="Adobe Clean"/>
+              </a:rPr>
+              <a:t>C</a:t>
+            </a:r>
+            <a:r>
+              <a:rPr lang="en-US" sz="1200" b="1" spc="-25">
+                <a:solidFill>
+                  <a:srgbClr val="020302"/>
+                </a:solidFill>
+                <a:latin typeface="Adobe Clean"/>
+                <a:cs typeface="Adobe Clean"/>
+              </a:rPr>
+              <a:t>l</a:t>
+            </a:r>
+            <a:r>
+              <a:rPr lang="en-US" sz="1200" b="1" spc="-15">
+                <a:solidFill>
+                  <a:srgbClr val="020302"/>
+                </a:solidFill>
+                <a:latin typeface="Adobe Clean"/>
+                <a:cs typeface="Adobe Clean"/>
+              </a:rPr>
+              <a:t>o</a:t>
+            </a:r>
+            <a:r>
+              <a:rPr lang="en-US" sz="1200" b="1" spc="-20">
+                <a:solidFill>
+                  <a:srgbClr val="020302"/>
+                </a:solidFill>
+                <a:latin typeface="Adobe Clean"/>
+                <a:cs typeface="Adobe Clean"/>
+              </a:rPr>
+              <a:t>u</a:t>
+            </a:r>
+            <a:r>
+              <a:rPr lang="en-US" sz="1200" b="1">
+                <a:solidFill>
+                  <a:srgbClr val="020302"/>
+                </a:solidFill>
+                <a:latin typeface="Adobe Clean"/>
+                <a:cs typeface="Adobe Clean"/>
+              </a:rPr>
+              <a:t>d</a:t>
+            </a:r>
+            <a:r>
+              <a:rPr lang="en-US" sz="1200" b="1" spc="-50">
+                <a:solidFill>
+                  <a:srgbClr val="020302"/>
+                </a:solidFill>
+                <a:latin typeface="Adobe Clean"/>
+                <a:cs typeface="Adobe Clean"/>
+              </a:rPr>
+              <a:t> </a:t>
+            </a:r>
+            <a:r>
+              <a:rPr lang="en-US" sz="1200" b="1" spc="-20">
+                <a:solidFill>
+                  <a:srgbClr val="020302"/>
+                </a:solidFill>
+                <a:latin typeface="Adobe Clean"/>
+                <a:cs typeface="Adobe Clean"/>
+              </a:rPr>
+              <a:t>S</a:t>
+            </a:r>
+            <a:r>
+              <a:rPr lang="en-US" sz="1200" b="1" spc="-25">
+                <a:solidFill>
+                  <a:srgbClr val="020302"/>
+                </a:solidFill>
+                <a:latin typeface="Adobe Clean"/>
+                <a:cs typeface="Adobe Clean"/>
+              </a:rPr>
+              <a:t>e</a:t>
+            </a:r>
+            <a:r>
+              <a:rPr lang="en-US" sz="1200" b="1" spc="-20">
+                <a:solidFill>
+                  <a:srgbClr val="020302"/>
+                </a:solidFill>
+                <a:latin typeface="Adobe Clean"/>
+                <a:cs typeface="Adobe Clean"/>
+              </a:rPr>
+              <a:t>r</a:t>
+            </a:r>
+            <a:r>
+              <a:rPr lang="en-US" sz="1200" b="1" spc="-30">
+                <a:solidFill>
+                  <a:srgbClr val="020302"/>
+                </a:solidFill>
+                <a:latin typeface="Adobe Clean"/>
+                <a:cs typeface="Adobe Clean"/>
+              </a:rPr>
+              <a:t>v</a:t>
+            </a:r>
+            <a:r>
+              <a:rPr lang="en-US" sz="1200" b="1" spc="-20">
+                <a:solidFill>
+                  <a:srgbClr val="020302"/>
+                </a:solidFill>
+                <a:latin typeface="Adobe Clean"/>
+                <a:cs typeface="Adobe Clean"/>
+              </a:rPr>
+              <a:t>i</a:t>
+            </a:r>
+            <a:r>
+              <a:rPr lang="en-US" sz="1200" b="1" spc="-30">
+                <a:solidFill>
+                  <a:srgbClr val="020302"/>
+                </a:solidFill>
+                <a:latin typeface="Adobe Clean"/>
+                <a:cs typeface="Adobe Clean"/>
+              </a:rPr>
+              <a:t>c</a:t>
+            </a:r>
+            <a:r>
+              <a:rPr lang="en-US" sz="1200" b="1">
+                <a:solidFill>
+                  <a:srgbClr val="020302"/>
+                </a:solidFill>
+                <a:latin typeface="Adobe Clean"/>
+                <a:cs typeface="Adobe Clean"/>
+              </a:rPr>
+              <a:t>e</a:t>
+            </a:r>
+            <a:endParaRPr lang="en-US" sz="1200">
               <a:latin typeface="Adobe Clean"/>
               <a:cs typeface="Adobe Clean"/>
             </a:endParaRPr>
@@ -13444,7 +14803,7 @@
         <p:spPr>
           <a:xfrm>
             <a:off x="2752588" y="908302"/>
-            <a:ext cx="1895612" cy="461665"/>
+            <a:ext cx="1708650" cy="461665"/>
           </a:xfrm>
           <a:prstGeom prst="rect">
             <a:avLst/>
@@ -13465,16 +14824,16 @@
               </a:spcBef>
             </a:pPr>
             <a:r>
-              <a:rPr lang="de-de" sz="1200" b="1" spc="-25" dirty="0">
+              <a:rPr lang="en-US" sz="1200" b="1" spc="-25">
                 <a:solidFill>
                   <a:srgbClr val="020302"/>
                 </a:solidFill>
                 <a:latin typeface="Adobe Clean"/>
                 <a:cs typeface="Adobe Clean"/>
               </a:rPr>
-              <a:t>AEM as a Cloud Service를 위한 부가 가치 서비스</a:t>
-            </a:r>
-            <a:endParaRPr lang="en-US" sz="1200" dirty="0">
+              <a:t>Value-added Services for AEM as a Cloud Service</a:t>
+            </a:r>
+            <a:endParaRPr lang="en-US" sz="1200">
               <a:latin typeface="Adobe Clean"/>
               <a:cs typeface="Adobe Clean"/>
             </a:endParaRPr>
@@ -13517,786 +14876,362 @@
               </a:spcBef>
             </a:pPr>
             <a:r>
-              <a:rPr lang="de-de" sz="1200" b="1" spc="-20" dirty="0">
+              <a:rPr lang="en-US" sz="1200" b="1" spc="-20">
                 <a:solidFill>
                   <a:srgbClr val="020302"/>
                 </a:solidFill>
                 <a:latin typeface="Adobe Clean"/>
                 <a:cs typeface="Adobe Clean"/>
               </a:rPr>
-              <a:t>AEM</a:t>
-            </a:r>
-            <a:r>
-              <a:rPr lang="de-de" sz="1200" b="1" spc="-50" dirty="0">
+              <a:t>G</a:t>
+            </a:r>
+            <a:r>
+              <a:rPr lang="en-US" sz="1200" b="1" spc="-15">
                 <a:solidFill>
                   <a:srgbClr val="020302"/>
                 </a:solidFill>
                 <a:latin typeface="Adobe Clean"/>
                 <a:cs typeface="Adobe Clean"/>
               </a:rPr>
-              <a:t>  </a:t>
-            </a:r>
-            <a:r>
-              <a:rPr lang="de-de" sz="1200" b="1" spc="-20" dirty="0">
+              <a:t>o</a:t>
+            </a:r>
+            <a:r>
+              <a:rPr lang="en-US" sz="1200" b="1" spc="-25">
                 <a:solidFill>
                   <a:srgbClr val="020302"/>
                 </a:solidFill>
                 <a:latin typeface="Adobe Clean"/>
                 <a:cs typeface="Adobe Clean"/>
               </a:rPr>
-              <a:t>as a Cloud Service를 위한</a:t>
-            </a:r>
-            <a:r>
-              <a:rPr lang="de-de" sz="1200" b="1" spc="-45" dirty="0">
+              <a:t>ve</a:t>
+            </a:r>
+            <a:r>
+              <a:rPr lang="en-US" sz="1200" b="1" spc="-20">
                 <a:solidFill>
                   <a:srgbClr val="020302"/>
                 </a:solidFill>
                 <a:latin typeface="Adobe Clean"/>
                 <a:cs typeface="Adobe Clean"/>
               </a:rPr>
+              <a:t>r</a:t>
+            </a:r>
+            <a:r>
+              <a:rPr lang="en-US" sz="1200" b="1" spc="-25">
+                <a:solidFill>
+                  <a:srgbClr val="020302"/>
+                </a:solidFill>
+                <a:latin typeface="Adobe Clean"/>
+                <a:cs typeface="Adobe Clean"/>
+              </a:rPr>
+              <a:t>n</a:t>
+            </a:r>
+            <a:r>
+              <a:rPr lang="en-US" sz="1200" b="1" spc="-20">
+                <a:solidFill>
+                  <a:srgbClr val="020302"/>
+                </a:solidFill>
+                <a:latin typeface="Adobe Clean"/>
+                <a:cs typeface="Adobe Clean"/>
+              </a:rPr>
+              <a:t>a</a:t>
+            </a:r>
+            <a:r>
+              <a:rPr lang="en-US" sz="1200" b="1" spc="-25">
+                <a:solidFill>
+                  <a:srgbClr val="020302"/>
+                </a:solidFill>
+                <a:latin typeface="Adobe Clean"/>
+                <a:cs typeface="Adobe Clean"/>
+              </a:rPr>
+              <a:t>n</a:t>
+            </a:r>
+            <a:r>
+              <a:rPr lang="en-US" sz="1200" b="1" spc="-30">
+                <a:solidFill>
+                  <a:srgbClr val="020302"/>
+                </a:solidFill>
+                <a:latin typeface="Adobe Clean"/>
+                <a:cs typeface="Adobe Clean"/>
+              </a:rPr>
+              <a:t>c</a:t>
+            </a:r>
+            <a:r>
+              <a:rPr lang="en-US" sz="1200" b="1">
+                <a:solidFill>
+                  <a:srgbClr val="020302"/>
+                </a:solidFill>
+                <a:latin typeface="Adobe Clean"/>
+                <a:cs typeface="Adobe Clean"/>
+              </a:rPr>
+              <a:t>e</a:t>
+            </a:r>
+            <a:r>
+              <a:rPr lang="en-US" sz="1200" b="1" spc="-50">
+                <a:solidFill>
+                  <a:srgbClr val="020302"/>
+                </a:solidFill>
+                <a:latin typeface="Adobe Clean"/>
+                <a:cs typeface="Adobe Clean"/>
+              </a:rPr>
               <a:t> </a:t>
             </a:r>
             <a:r>
-              <a:rPr lang="de-de" sz="1200" b="1" spc="-15" dirty="0">
+              <a:rPr lang="en-US" sz="1200" b="1" spc="-25">
                 <a:solidFill>
                   <a:srgbClr val="020302"/>
                 </a:solidFill>
                 <a:latin typeface="Adobe Clean"/>
                 <a:cs typeface="Adobe Clean"/>
               </a:rPr>
-              <a:t>거버넌스</a:t>
-            </a:r>
-            <a:r>
-              <a:rPr lang="de-de" sz="1200" b="1" spc="-50" dirty="0">
+              <a:t>f</a:t>
+            </a:r>
+            <a:r>
+              <a:rPr lang="en-US" sz="1200" b="1" spc="-15">
                 <a:solidFill>
                   <a:srgbClr val="020302"/>
                 </a:solidFill>
                 <a:latin typeface="Adobe Clean"/>
                 <a:cs typeface="Adobe Clean"/>
               </a:rPr>
+              <a:t>o</a:t>
+            </a:r>
+            <a:r>
+              <a:rPr lang="en-US" sz="1200" b="1">
+                <a:solidFill>
+                  <a:srgbClr val="020302"/>
+                </a:solidFill>
+                <a:latin typeface="Adobe Clean"/>
+                <a:cs typeface="Adobe Clean"/>
+              </a:rPr>
+              <a:t>r</a:t>
+            </a:r>
+            <a:r>
+              <a:rPr lang="en-US" sz="1200" b="1" spc="-45">
+                <a:solidFill>
+                  <a:srgbClr val="020302"/>
+                </a:solidFill>
+                <a:latin typeface="Adobe Clean"/>
+                <a:cs typeface="Adobe Clean"/>
+              </a:rPr>
               <a:t> </a:t>
             </a:r>
-            <a:endParaRPr lang="en-US" sz="1200" dirty="0">
+            <a:r>
+              <a:rPr lang="en-US" sz="1200" b="1" spc="-30">
+                <a:solidFill>
+                  <a:srgbClr val="020302"/>
+                </a:solidFill>
+                <a:latin typeface="Adobe Clean"/>
+                <a:cs typeface="Adobe Clean"/>
+              </a:rPr>
+              <a:t>A</a:t>
+            </a:r>
+            <a:r>
+              <a:rPr lang="en-US" sz="1200" b="1" spc="-25">
+                <a:solidFill>
+                  <a:srgbClr val="020302"/>
+                </a:solidFill>
+                <a:latin typeface="Adobe Clean"/>
+                <a:cs typeface="Adobe Clean"/>
+              </a:rPr>
+              <a:t>E</a:t>
+            </a:r>
+            <a:r>
+              <a:rPr lang="en-US" sz="1200" b="1">
+                <a:solidFill>
+                  <a:srgbClr val="020302"/>
+                </a:solidFill>
+                <a:latin typeface="Adobe Clean"/>
+                <a:cs typeface="Adobe Clean"/>
+              </a:rPr>
+              <a:t>M</a:t>
+            </a:r>
+            <a:r>
+              <a:rPr lang="en-US" sz="1200" b="1" spc="-50">
+                <a:solidFill>
+                  <a:srgbClr val="020302"/>
+                </a:solidFill>
+                <a:latin typeface="Adobe Clean"/>
+                <a:cs typeface="Adobe Clean"/>
+              </a:rPr>
+              <a:t> </a:t>
+            </a:r>
+            <a:r>
+              <a:rPr lang="en-US" sz="1200" b="1" spc="-20">
+                <a:solidFill>
+                  <a:srgbClr val="020302"/>
+                </a:solidFill>
+                <a:latin typeface="Adobe Clean"/>
+                <a:cs typeface="Adobe Clean"/>
+              </a:rPr>
+              <a:t>a</a:t>
+            </a:r>
+            <a:r>
+              <a:rPr lang="en-US" sz="1200" b="1">
+                <a:solidFill>
+                  <a:srgbClr val="020302"/>
+                </a:solidFill>
+                <a:latin typeface="Adobe Clean"/>
+                <a:cs typeface="Adobe Clean"/>
+              </a:rPr>
+              <a:t>s</a:t>
+            </a:r>
+            <a:r>
+              <a:rPr lang="en-US" sz="1200" b="1" spc="-45">
+                <a:solidFill>
+                  <a:srgbClr val="020302"/>
+                </a:solidFill>
+                <a:latin typeface="Adobe Clean"/>
+                <a:cs typeface="Adobe Clean"/>
+              </a:rPr>
+              <a:t> </a:t>
+            </a:r>
+            <a:r>
+              <a:rPr lang="en-US" sz="1200" b="1">
+                <a:solidFill>
+                  <a:srgbClr val="020302"/>
+                </a:solidFill>
+                <a:latin typeface="Adobe Clean"/>
+                <a:cs typeface="Adobe Clean"/>
+              </a:rPr>
+              <a:t>a</a:t>
+            </a:r>
+            <a:r>
+              <a:rPr lang="en-US" sz="1200" b="1" spc="-40">
+                <a:solidFill>
+                  <a:srgbClr val="020302"/>
+                </a:solidFill>
+                <a:latin typeface="Adobe Clean"/>
+                <a:cs typeface="Adobe Clean"/>
+              </a:rPr>
+              <a:t> </a:t>
+            </a:r>
+            <a:r>
+              <a:rPr lang="en-US" sz="1200" b="1" spc="-15">
+                <a:solidFill>
+                  <a:srgbClr val="020302"/>
+                </a:solidFill>
+                <a:latin typeface="Adobe Clean"/>
+                <a:cs typeface="Adobe Clean"/>
+              </a:rPr>
+              <a:t>C</a:t>
+            </a:r>
+            <a:r>
+              <a:rPr lang="en-US" sz="1200" b="1" spc="-25">
+                <a:solidFill>
+                  <a:srgbClr val="020302"/>
+                </a:solidFill>
+                <a:latin typeface="Adobe Clean"/>
+                <a:cs typeface="Adobe Clean"/>
+              </a:rPr>
+              <a:t>l</a:t>
+            </a:r>
+            <a:r>
+              <a:rPr lang="en-US" sz="1200" b="1" spc="-15">
+                <a:solidFill>
+                  <a:srgbClr val="020302"/>
+                </a:solidFill>
+                <a:latin typeface="Adobe Clean"/>
+                <a:cs typeface="Adobe Clean"/>
+              </a:rPr>
+              <a:t>ou</a:t>
+            </a:r>
+            <a:r>
+              <a:rPr lang="en-US" sz="1200" b="1">
+                <a:solidFill>
+                  <a:srgbClr val="020302"/>
+                </a:solidFill>
+                <a:latin typeface="Adobe Clean"/>
+                <a:cs typeface="Adobe Clean"/>
+              </a:rPr>
+              <a:t>d</a:t>
+            </a:r>
+            <a:r>
+              <a:rPr lang="en-US" sz="1200" b="1" spc="-50">
+                <a:solidFill>
+                  <a:srgbClr val="020302"/>
+                </a:solidFill>
+                <a:latin typeface="Adobe Clean"/>
+                <a:cs typeface="Adobe Clean"/>
+              </a:rPr>
+              <a:t> </a:t>
+            </a:r>
+            <a:r>
+              <a:rPr lang="en-US" sz="1200" b="1" spc="-20">
+                <a:solidFill>
+                  <a:srgbClr val="020302"/>
+                </a:solidFill>
+                <a:latin typeface="Adobe Clean"/>
+                <a:cs typeface="Adobe Clean"/>
+              </a:rPr>
+              <a:t>S</a:t>
+            </a:r>
+            <a:r>
+              <a:rPr lang="en-US" sz="1200" b="1" spc="-25">
+                <a:solidFill>
+                  <a:srgbClr val="020302"/>
+                </a:solidFill>
+                <a:latin typeface="Adobe Clean"/>
+                <a:cs typeface="Adobe Clean"/>
+              </a:rPr>
+              <a:t>e</a:t>
+            </a:r>
+            <a:r>
+              <a:rPr lang="en-US" sz="1200" b="1" spc="-20">
+                <a:solidFill>
+                  <a:srgbClr val="020302"/>
+                </a:solidFill>
+                <a:latin typeface="Adobe Clean"/>
+                <a:cs typeface="Adobe Clean"/>
+              </a:rPr>
+              <a:t>r</a:t>
+            </a:r>
+            <a:r>
+              <a:rPr lang="en-US" sz="1200" b="1" spc="-25">
+                <a:solidFill>
+                  <a:srgbClr val="020302"/>
+                </a:solidFill>
+                <a:latin typeface="Adobe Clean"/>
+                <a:cs typeface="Adobe Clean"/>
+              </a:rPr>
+              <a:t>v</a:t>
+            </a:r>
+            <a:r>
+              <a:rPr lang="en-US" sz="1200" b="1" spc="-20">
+                <a:solidFill>
+                  <a:srgbClr val="020302"/>
+                </a:solidFill>
+                <a:latin typeface="Adobe Clean"/>
+                <a:cs typeface="Adobe Clean"/>
+              </a:rPr>
+              <a:t>i</a:t>
+            </a:r>
+            <a:r>
+              <a:rPr lang="en-US" sz="1200" b="1" spc="-30">
+                <a:solidFill>
+                  <a:srgbClr val="020302"/>
+                </a:solidFill>
+                <a:latin typeface="Adobe Clean"/>
+                <a:cs typeface="Adobe Clean"/>
+              </a:rPr>
+              <a:t>c</a:t>
+            </a:r>
+            <a:r>
+              <a:rPr lang="en-US" sz="1200" b="1">
+                <a:solidFill>
+                  <a:srgbClr val="020302"/>
+                </a:solidFill>
+                <a:latin typeface="Adobe Clean"/>
+                <a:cs typeface="Adobe Clean"/>
+              </a:rPr>
+              <a:t>e</a:t>
+            </a:r>
+            <a:endParaRPr lang="en-US" sz="1200">
               <a:latin typeface="Adobe Clean"/>
               <a:cs typeface="Adobe Clean"/>
             </a:endParaRPr>
           </a:p>
         </p:txBody>
       </p:sp>
-      <p:graphicFrame>
-        <p:nvGraphicFramePr>
-          <p:cNvPr id="2" name="Table 1">
-            <a:extLst>
-              <a:ext uri="{FF2B5EF4-FFF2-40B4-BE49-F238E27FC236}">
-                <a16:creationId xmlns:a16="http://schemas.microsoft.com/office/drawing/2014/main" id="{CED3F2A6-B5D8-A54C-9E6C-1FE4D54768E0}"/>
-              </a:ext>
-            </a:extLst>
-          </p:cNvPr>
-          <p:cNvGraphicFramePr>
-            <a:graphicFrameLocks noGrp="1"/>
-          </p:cNvGraphicFramePr>
-          <p:nvPr>
-            <p:extLst>
-              <p:ext uri="{D42A27DB-BD31-4B8C-83A1-F6EECF244321}">
-                <p14:modId xmlns:p14="http://schemas.microsoft.com/office/powerpoint/2010/main" val="3115527674"/>
-              </p:ext>
-            </p:extLst>
-          </p:nvPr>
-        </p:nvGraphicFramePr>
-        <p:xfrm>
-          <a:off x="1524000" y="8153400"/>
-          <a:ext cx="609600" cy="457200"/>
-        </p:xfrm>
-        <a:graphic>
-          <a:graphicData uri="http://schemas.openxmlformats.org/drawingml/2006/table">
-            <a:tbl>
-              <a:tblPr>
-                <a:tableStyleId>{5C22544A-7EE6-4342-B048-85BDC9FD1C3A}</a:tableStyleId>
-              </a:tblPr>
-              <a:tblGrid>
-                <a:gridCol w="609600">
-                  <a:extLst>
-                    <a:ext uri="{9D8B030D-6E8A-4147-A177-3AD203B41FA5}">
-                      <a16:colId xmlns:a16="http://schemas.microsoft.com/office/drawing/2014/main" val="1835503658"/>
-                    </a:ext>
-                  </a:extLst>
-                </a:gridCol>
-              </a:tblGrid>
-              <a:tr h="457200">
-                <a:tc>
-                  <a:txBody>
-                    <a:bodyPr/>
-                    <a:lstStyle/>
-                    <a:p>
-                      <a:pPr algn="ctr" fontAlgn="b"/>
-                      <a:r>
-                        <a:rPr lang="ko-KR" altLang="en-US" sz="1100" u="none" strike="noStrike" dirty="0">
-                          <a:effectLst/>
-                        </a:rPr>
-                        <a:t>권장 사항 실행</a:t>
-                      </a:r>
-                      <a:endParaRPr lang="ko-KR" altLang="en-US" sz="1100" b="0" i="0" u="none" strike="noStrike" dirty="0">
-                        <a:solidFill>
-                          <a:srgbClr val="000000"/>
-                        </a:solidFill>
-                        <a:effectLst/>
-                        <a:latin typeface="Calibri" panose="020F0502020204030204" pitchFamily="34" charset="0"/>
-                      </a:endParaRPr>
-                    </a:p>
-                  </a:txBody>
-                  <a:tcPr marL="9525" marR="9525" marT="9525" marB="0">
-                    <a:solidFill>
-                      <a:schemeClr val="bg1"/>
-                    </a:solidFill>
-                  </a:tcPr>
-                </a:tc>
-                <a:extLst>
-                  <a:ext uri="{0D108BD9-81ED-4DB2-BD59-A6C34878D82A}">
-                    <a16:rowId xmlns:a16="http://schemas.microsoft.com/office/drawing/2014/main" val="2771767287"/>
-                  </a:ext>
-                </a:extLst>
-              </a:tr>
-            </a:tbl>
-          </a:graphicData>
-        </a:graphic>
-      </p:graphicFrame>
-      <p:graphicFrame>
-        <p:nvGraphicFramePr>
-          <p:cNvPr id="57" name="Table 56">
-            <a:extLst>
-              <a:ext uri="{FF2B5EF4-FFF2-40B4-BE49-F238E27FC236}">
-                <a16:creationId xmlns:a16="http://schemas.microsoft.com/office/drawing/2014/main" id="{5FC81947-5734-1847-9B58-C7D00D9B2111}"/>
-              </a:ext>
-            </a:extLst>
-          </p:cNvPr>
-          <p:cNvGraphicFramePr>
-            <a:graphicFrameLocks noGrp="1"/>
-          </p:cNvGraphicFramePr>
-          <p:nvPr>
-            <p:extLst>
-              <p:ext uri="{D42A27DB-BD31-4B8C-83A1-F6EECF244321}">
-                <p14:modId xmlns:p14="http://schemas.microsoft.com/office/powerpoint/2010/main" val="3013111724"/>
-              </p:ext>
-            </p:extLst>
-          </p:nvPr>
-        </p:nvGraphicFramePr>
-        <p:xfrm>
-          <a:off x="1524000" y="6934200"/>
-          <a:ext cx="609600" cy="457200"/>
-        </p:xfrm>
-        <a:graphic>
-          <a:graphicData uri="http://schemas.openxmlformats.org/drawingml/2006/table">
-            <a:tbl>
-              <a:tblPr>
-                <a:tableStyleId>{5C22544A-7EE6-4342-B048-85BDC9FD1C3A}</a:tableStyleId>
-              </a:tblPr>
-              <a:tblGrid>
-                <a:gridCol w="609600">
-                  <a:extLst>
-                    <a:ext uri="{9D8B030D-6E8A-4147-A177-3AD203B41FA5}">
-                      <a16:colId xmlns:a16="http://schemas.microsoft.com/office/drawing/2014/main" val="1835503658"/>
-                    </a:ext>
-                  </a:extLst>
-                </a:gridCol>
-              </a:tblGrid>
-              <a:tr h="457200">
-                <a:tc>
-                  <a:txBody>
-                    <a:bodyPr/>
-                    <a:lstStyle/>
-                    <a:p>
-                      <a:pPr algn="ctr" fontAlgn="b"/>
-                      <a:r>
-                        <a:rPr lang="ko-KR" altLang="en-US" sz="800" u="none" strike="noStrike" dirty="0">
-                          <a:effectLst/>
-                          <a:latin typeface="Adobe Clean" panose="020B0503020404020204" pitchFamily="34" charset="0"/>
-                        </a:rPr>
-                        <a:t>선임 </a:t>
-                      </a:r>
-                      <a:r>
-                        <a:rPr lang="en-US" altLang="ko-KR" sz="800" u="none" strike="noStrike" dirty="0">
-                          <a:effectLst/>
-                          <a:latin typeface="Adobe Clean" panose="020B0503020404020204" pitchFamily="34" charset="0"/>
-                        </a:rPr>
-                        <a:t>Adobe </a:t>
-                      </a:r>
-                      <a:r>
-                        <a:rPr lang="ko-KR" altLang="en-US" sz="800" u="none" strike="noStrike" dirty="0">
-                          <a:effectLst/>
-                          <a:latin typeface="Adobe Clean" panose="020B0503020404020204" pitchFamily="34" charset="0"/>
-                        </a:rPr>
-                        <a:t>전문가</a:t>
-                      </a:r>
-                      <a:endParaRPr lang="ko-KR" altLang="en-US" sz="800" b="0" i="0" u="none" strike="noStrike" dirty="0">
-                        <a:solidFill>
-                          <a:srgbClr val="000000"/>
-                        </a:solidFill>
-                        <a:effectLst/>
-                        <a:latin typeface="Adobe Clean" panose="020B0503020404020204" pitchFamily="34" charset="0"/>
-                      </a:endParaRPr>
-                    </a:p>
-                  </a:txBody>
-                  <a:tcPr marL="9525" marR="9525" marT="9525" marB="0">
-                    <a:solidFill>
-                      <a:schemeClr val="bg1"/>
-                    </a:solidFill>
-                  </a:tcPr>
-                </a:tc>
-                <a:extLst>
-                  <a:ext uri="{0D108BD9-81ED-4DB2-BD59-A6C34878D82A}">
-                    <a16:rowId xmlns:a16="http://schemas.microsoft.com/office/drawing/2014/main" val="2771767287"/>
-                  </a:ext>
-                </a:extLst>
-              </a:tr>
-            </a:tbl>
-          </a:graphicData>
-        </a:graphic>
-      </p:graphicFrame>
-      <p:graphicFrame>
-        <p:nvGraphicFramePr>
-          <p:cNvPr id="58" name="Table 57">
-            <a:extLst>
-              <a:ext uri="{FF2B5EF4-FFF2-40B4-BE49-F238E27FC236}">
-                <a16:creationId xmlns:a16="http://schemas.microsoft.com/office/drawing/2014/main" id="{5C3EF744-0ECF-0840-BB8C-30D33F82AD23}"/>
-              </a:ext>
-            </a:extLst>
-          </p:cNvPr>
-          <p:cNvGraphicFramePr>
-            <a:graphicFrameLocks noGrp="1"/>
-          </p:cNvGraphicFramePr>
-          <p:nvPr>
-            <p:extLst>
-              <p:ext uri="{D42A27DB-BD31-4B8C-83A1-F6EECF244321}">
-                <p14:modId xmlns:p14="http://schemas.microsoft.com/office/powerpoint/2010/main" val="3482834869"/>
-              </p:ext>
-            </p:extLst>
-          </p:nvPr>
-        </p:nvGraphicFramePr>
-        <p:xfrm>
-          <a:off x="2514600" y="7239000"/>
-          <a:ext cx="609600" cy="497205"/>
-        </p:xfrm>
-        <a:graphic>
-          <a:graphicData uri="http://schemas.openxmlformats.org/drawingml/2006/table">
-            <a:tbl>
-              <a:tblPr>
-                <a:tableStyleId>{5C22544A-7EE6-4342-B048-85BDC9FD1C3A}</a:tableStyleId>
-              </a:tblPr>
-              <a:tblGrid>
-                <a:gridCol w="609600">
-                  <a:extLst>
-                    <a:ext uri="{9D8B030D-6E8A-4147-A177-3AD203B41FA5}">
-                      <a16:colId xmlns:a16="http://schemas.microsoft.com/office/drawing/2014/main" val="1835503658"/>
-                    </a:ext>
-                  </a:extLst>
-                </a:gridCol>
-              </a:tblGrid>
-              <a:tr h="457200">
-                <a:tc>
-                  <a:txBody>
-                    <a:bodyPr/>
-                    <a:lstStyle/>
-                    <a:p>
-                      <a:pPr algn="ctr" fontAlgn="b"/>
-                      <a:r>
-                        <a:rPr lang="en-US" altLang="ko-KR" sz="800" u="none" strike="noStrike" dirty="0">
-                          <a:effectLst/>
-                          <a:latin typeface="Adobe Clean" panose="020B0503020404020204" pitchFamily="34" charset="0"/>
-                        </a:rPr>
-                        <a:t>Adobe </a:t>
-                      </a:r>
-                      <a:r>
-                        <a:rPr lang="ko-KR" altLang="en-US" sz="800" u="none" strike="noStrike" dirty="0">
-                          <a:effectLst/>
-                          <a:latin typeface="Adobe Clean" panose="020B0503020404020204" pitchFamily="34" charset="0"/>
-                        </a:rPr>
-                        <a:t>엔지니어링으로의 직접 링크</a:t>
-                      </a:r>
-                      <a:endParaRPr lang="ko-KR" altLang="en-US" sz="800" b="0" i="0" u="none" strike="noStrike" dirty="0">
-                        <a:solidFill>
-                          <a:srgbClr val="000000"/>
-                        </a:solidFill>
-                        <a:effectLst/>
-                        <a:latin typeface="Adobe Clean" panose="020B0503020404020204" pitchFamily="34" charset="0"/>
-                      </a:endParaRPr>
-                    </a:p>
-                  </a:txBody>
-                  <a:tcPr marL="9525" marR="9525" marT="9525" marB="0">
-                    <a:solidFill>
-                      <a:schemeClr val="bg1"/>
-                    </a:solidFill>
-                  </a:tcPr>
-                </a:tc>
-                <a:extLst>
-                  <a:ext uri="{0D108BD9-81ED-4DB2-BD59-A6C34878D82A}">
-                    <a16:rowId xmlns:a16="http://schemas.microsoft.com/office/drawing/2014/main" val="2771767287"/>
-                  </a:ext>
-                </a:extLst>
-              </a:tr>
-            </a:tbl>
-          </a:graphicData>
-        </a:graphic>
-      </p:graphicFrame>
-      <p:graphicFrame>
-        <p:nvGraphicFramePr>
-          <p:cNvPr id="59" name="Table 58">
-            <a:extLst>
-              <a:ext uri="{FF2B5EF4-FFF2-40B4-BE49-F238E27FC236}">
-                <a16:creationId xmlns:a16="http://schemas.microsoft.com/office/drawing/2014/main" id="{50430D1B-F3F6-AA46-8703-3A9C68EB58F0}"/>
-              </a:ext>
-            </a:extLst>
-          </p:cNvPr>
-          <p:cNvGraphicFramePr>
-            <a:graphicFrameLocks noGrp="1"/>
-          </p:cNvGraphicFramePr>
-          <p:nvPr>
-            <p:extLst>
-              <p:ext uri="{D42A27DB-BD31-4B8C-83A1-F6EECF244321}">
-                <p14:modId xmlns:p14="http://schemas.microsoft.com/office/powerpoint/2010/main" val="1518929836"/>
-              </p:ext>
-            </p:extLst>
-          </p:nvPr>
-        </p:nvGraphicFramePr>
-        <p:xfrm>
-          <a:off x="2819400" y="8382000"/>
-          <a:ext cx="609600" cy="497205"/>
-        </p:xfrm>
-        <a:graphic>
-          <a:graphicData uri="http://schemas.openxmlformats.org/drawingml/2006/table">
-            <a:tbl>
-              <a:tblPr>
-                <a:tableStyleId>{5C22544A-7EE6-4342-B048-85BDC9FD1C3A}</a:tableStyleId>
-              </a:tblPr>
-              <a:tblGrid>
-                <a:gridCol w="609600">
-                  <a:extLst>
-                    <a:ext uri="{9D8B030D-6E8A-4147-A177-3AD203B41FA5}">
-                      <a16:colId xmlns:a16="http://schemas.microsoft.com/office/drawing/2014/main" val="1835503658"/>
-                    </a:ext>
-                  </a:extLst>
-                </a:gridCol>
-              </a:tblGrid>
-              <a:tr h="457200">
-                <a:tc>
-                  <a:txBody>
-                    <a:bodyPr/>
-                    <a:lstStyle/>
-                    <a:p>
-                      <a:pPr algn="ctr" fontAlgn="b"/>
-                      <a:r>
-                        <a:rPr lang="ko-KR" altLang="en-US" sz="800" u="none" strike="noStrike" dirty="0">
-                          <a:effectLst/>
-                          <a:latin typeface="Adobe Clean" panose="020B0503020404020204" pitchFamily="34" charset="0"/>
-                        </a:rPr>
-                        <a:t>실행 후 요약과 권장되는 다음 단계</a:t>
-                      </a:r>
-                      <a:endParaRPr lang="ko-KR" altLang="en-US" sz="800" b="0" i="0" u="none" strike="noStrike" dirty="0">
-                        <a:solidFill>
-                          <a:srgbClr val="000000"/>
-                        </a:solidFill>
-                        <a:effectLst/>
-                        <a:latin typeface="Adobe Clean" panose="020B0503020404020204" pitchFamily="34" charset="0"/>
-                      </a:endParaRPr>
-                    </a:p>
-                  </a:txBody>
-                  <a:tcPr marL="9525" marR="9525" marT="9525" marB="0">
-                    <a:solidFill>
-                      <a:schemeClr val="bg1"/>
-                    </a:solidFill>
-                  </a:tcPr>
-                </a:tc>
-                <a:extLst>
-                  <a:ext uri="{0D108BD9-81ED-4DB2-BD59-A6C34878D82A}">
-                    <a16:rowId xmlns:a16="http://schemas.microsoft.com/office/drawing/2014/main" val="2771767287"/>
-                  </a:ext>
-                </a:extLst>
-              </a:tr>
-            </a:tbl>
-          </a:graphicData>
-        </a:graphic>
-      </p:graphicFrame>
-      <p:graphicFrame>
-        <p:nvGraphicFramePr>
-          <p:cNvPr id="60" name="Table 59">
-            <a:extLst>
-              <a:ext uri="{FF2B5EF4-FFF2-40B4-BE49-F238E27FC236}">
-                <a16:creationId xmlns:a16="http://schemas.microsoft.com/office/drawing/2014/main" id="{BC821DB5-15FE-F747-ACA8-DA12BC5726D9}"/>
-              </a:ext>
-            </a:extLst>
-          </p:cNvPr>
-          <p:cNvGraphicFramePr>
-            <a:graphicFrameLocks noGrp="1"/>
-          </p:cNvGraphicFramePr>
-          <p:nvPr>
-            <p:extLst>
-              <p:ext uri="{D42A27DB-BD31-4B8C-83A1-F6EECF244321}">
-                <p14:modId xmlns:p14="http://schemas.microsoft.com/office/powerpoint/2010/main" val="2544329521"/>
-              </p:ext>
-            </p:extLst>
-          </p:nvPr>
-        </p:nvGraphicFramePr>
-        <p:xfrm>
-          <a:off x="2057400" y="9296400"/>
-          <a:ext cx="609600" cy="457200"/>
-        </p:xfrm>
-        <a:graphic>
-          <a:graphicData uri="http://schemas.openxmlformats.org/drawingml/2006/table">
-            <a:tbl>
-              <a:tblPr>
-                <a:tableStyleId>{5C22544A-7EE6-4342-B048-85BDC9FD1C3A}</a:tableStyleId>
-              </a:tblPr>
-              <a:tblGrid>
-                <a:gridCol w="609600">
-                  <a:extLst>
-                    <a:ext uri="{9D8B030D-6E8A-4147-A177-3AD203B41FA5}">
-                      <a16:colId xmlns:a16="http://schemas.microsoft.com/office/drawing/2014/main" val="1835503658"/>
-                    </a:ext>
-                  </a:extLst>
-                </a:gridCol>
-              </a:tblGrid>
-              <a:tr h="457200">
-                <a:tc>
-                  <a:txBody>
-                    <a:bodyPr/>
-                    <a:lstStyle/>
-                    <a:p>
-                      <a:pPr algn="ctr" fontAlgn="b"/>
-                      <a:r>
-                        <a:rPr lang="ko-KR" altLang="en-US" sz="800" u="none" strike="noStrike" dirty="0">
-                          <a:effectLst/>
-                          <a:latin typeface="Adobe Clean" panose="020B0503020404020204" pitchFamily="34" charset="0"/>
-                        </a:rPr>
-                        <a:t>실제 운영 준비 </a:t>
-                      </a:r>
-                      <a:r>
-                        <a:rPr lang="en-US" altLang="ko-KR" sz="800" u="none" strike="noStrike" dirty="0">
-                          <a:effectLst/>
-                          <a:latin typeface="Adobe Clean" panose="020B0503020404020204" pitchFamily="34" charset="0"/>
-                        </a:rPr>
-                        <a:t>+ </a:t>
-                      </a:r>
-                      <a:r>
-                        <a:rPr lang="ko-KR" altLang="en-US" sz="800" u="none" strike="noStrike" dirty="0">
-                          <a:effectLst/>
-                          <a:latin typeface="Adobe Clean" panose="020B0503020404020204" pitchFamily="34" charset="0"/>
-                        </a:rPr>
-                        <a:t>성능 최적화</a:t>
-                      </a:r>
-                      <a:endParaRPr lang="ko-KR" altLang="en-US" sz="800" b="0" i="0" u="none" strike="noStrike" dirty="0">
-                        <a:solidFill>
-                          <a:srgbClr val="000000"/>
-                        </a:solidFill>
-                        <a:effectLst/>
-                        <a:latin typeface="Adobe Clean" panose="020B0503020404020204" pitchFamily="34" charset="0"/>
-                      </a:endParaRPr>
-                    </a:p>
-                  </a:txBody>
-                  <a:tcPr marL="9525" marR="9525" marT="9525" marB="0">
-                    <a:solidFill>
-                      <a:schemeClr val="bg1"/>
-                    </a:solidFill>
-                  </a:tcPr>
-                </a:tc>
-                <a:extLst>
-                  <a:ext uri="{0D108BD9-81ED-4DB2-BD59-A6C34878D82A}">
-                    <a16:rowId xmlns:a16="http://schemas.microsoft.com/office/drawing/2014/main" val="2771767287"/>
-                  </a:ext>
-                </a:extLst>
-              </a:tr>
-            </a:tbl>
-          </a:graphicData>
-        </a:graphic>
-      </p:graphicFrame>
-      <p:graphicFrame>
-        <p:nvGraphicFramePr>
-          <p:cNvPr id="61" name="Table 60">
-            <a:extLst>
-              <a:ext uri="{FF2B5EF4-FFF2-40B4-BE49-F238E27FC236}">
-                <a16:creationId xmlns:a16="http://schemas.microsoft.com/office/drawing/2014/main" id="{DAB123D1-F3CE-6740-A875-8F89D28FD36B}"/>
-              </a:ext>
-            </a:extLst>
-          </p:cNvPr>
-          <p:cNvGraphicFramePr>
-            <a:graphicFrameLocks noGrp="1"/>
-          </p:cNvGraphicFramePr>
-          <p:nvPr>
-            <p:extLst>
-              <p:ext uri="{D42A27DB-BD31-4B8C-83A1-F6EECF244321}">
-                <p14:modId xmlns:p14="http://schemas.microsoft.com/office/powerpoint/2010/main" val="3235221357"/>
-              </p:ext>
-            </p:extLst>
-          </p:nvPr>
-        </p:nvGraphicFramePr>
-        <p:xfrm>
-          <a:off x="990600" y="9296400"/>
-          <a:ext cx="609600" cy="457200"/>
-        </p:xfrm>
-        <a:graphic>
-          <a:graphicData uri="http://schemas.openxmlformats.org/drawingml/2006/table">
-            <a:tbl>
-              <a:tblPr>
-                <a:tableStyleId>{5C22544A-7EE6-4342-B048-85BDC9FD1C3A}</a:tableStyleId>
-              </a:tblPr>
-              <a:tblGrid>
-                <a:gridCol w="609600">
-                  <a:extLst>
-                    <a:ext uri="{9D8B030D-6E8A-4147-A177-3AD203B41FA5}">
-                      <a16:colId xmlns:a16="http://schemas.microsoft.com/office/drawing/2014/main" val="1835503658"/>
-                    </a:ext>
-                  </a:extLst>
-                </a:gridCol>
-              </a:tblGrid>
-              <a:tr h="457200">
-                <a:tc>
-                  <a:txBody>
-                    <a:bodyPr/>
-                    <a:lstStyle/>
-                    <a:p>
-                      <a:pPr algn="ctr" fontAlgn="b"/>
-                      <a:r>
-                        <a:rPr lang="ko-KR" altLang="en-US" sz="800" u="none" strike="noStrike" dirty="0">
-                          <a:effectLst/>
-                          <a:latin typeface="Adobe Clean" panose="020B0503020404020204" pitchFamily="34" charset="0"/>
-                        </a:rPr>
-                        <a:t>아키텍처 검토 </a:t>
-                      </a:r>
-                      <a:r>
-                        <a:rPr lang="en-US" altLang="ko-KR" sz="800" u="none" strike="noStrike" dirty="0">
-                          <a:effectLst/>
-                          <a:latin typeface="Adobe Clean" panose="020B0503020404020204" pitchFamily="34" charset="0"/>
-                        </a:rPr>
-                        <a:t>+ </a:t>
-                      </a:r>
-                      <a:r>
-                        <a:rPr lang="ko-KR" altLang="en-US" sz="800" u="none" strike="noStrike" dirty="0">
-                          <a:effectLst/>
-                          <a:latin typeface="Adobe Clean" panose="020B0503020404020204" pitchFamily="34" charset="0"/>
-                        </a:rPr>
-                        <a:t>가이드</a:t>
-                      </a:r>
-                      <a:endParaRPr lang="ko-KR" altLang="en-US" sz="800" b="0" i="0" u="none" strike="noStrike" dirty="0">
-                        <a:solidFill>
-                          <a:srgbClr val="000000"/>
-                        </a:solidFill>
-                        <a:effectLst/>
-                        <a:latin typeface="Adobe Clean" panose="020B0503020404020204" pitchFamily="34" charset="0"/>
-                      </a:endParaRPr>
-                    </a:p>
-                  </a:txBody>
-                  <a:tcPr marL="9525" marR="9525" marT="9525" marB="0">
-                    <a:solidFill>
-                      <a:schemeClr val="bg1"/>
-                    </a:solidFill>
-                  </a:tcPr>
-                </a:tc>
-                <a:extLst>
-                  <a:ext uri="{0D108BD9-81ED-4DB2-BD59-A6C34878D82A}">
-                    <a16:rowId xmlns:a16="http://schemas.microsoft.com/office/drawing/2014/main" val="2771767287"/>
-                  </a:ext>
-                </a:extLst>
-              </a:tr>
-            </a:tbl>
-          </a:graphicData>
-        </a:graphic>
-      </p:graphicFrame>
-      <p:graphicFrame>
-        <p:nvGraphicFramePr>
-          <p:cNvPr id="62" name="Table 61">
-            <a:extLst>
-              <a:ext uri="{FF2B5EF4-FFF2-40B4-BE49-F238E27FC236}">
-                <a16:creationId xmlns:a16="http://schemas.microsoft.com/office/drawing/2014/main" id="{008AB672-85A3-BA4C-84B5-23804D5F4380}"/>
-              </a:ext>
-            </a:extLst>
-          </p:cNvPr>
-          <p:cNvGraphicFramePr>
-            <a:graphicFrameLocks noGrp="1"/>
-          </p:cNvGraphicFramePr>
-          <p:nvPr>
-            <p:extLst>
-              <p:ext uri="{D42A27DB-BD31-4B8C-83A1-F6EECF244321}">
-                <p14:modId xmlns:p14="http://schemas.microsoft.com/office/powerpoint/2010/main" val="1948434926"/>
-              </p:ext>
-            </p:extLst>
-          </p:nvPr>
-        </p:nvGraphicFramePr>
-        <p:xfrm>
-          <a:off x="304800" y="8382000"/>
-          <a:ext cx="609600" cy="457200"/>
-        </p:xfrm>
-        <a:graphic>
-          <a:graphicData uri="http://schemas.openxmlformats.org/drawingml/2006/table">
-            <a:tbl>
-              <a:tblPr>
-                <a:tableStyleId>{5C22544A-7EE6-4342-B048-85BDC9FD1C3A}</a:tableStyleId>
-              </a:tblPr>
-              <a:tblGrid>
-                <a:gridCol w="609600">
-                  <a:extLst>
-                    <a:ext uri="{9D8B030D-6E8A-4147-A177-3AD203B41FA5}">
-                      <a16:colId xmlns:a16="http://schemas.microsoft.com/office/drawing/2014/main" val="1835503658"/>
-                    </a:ext>
-                  </a:extLst>
-                </a:gridCol>
-              </a:tblGrid>
-              <a:tr h="457200">
-                <a:tc>
-                  <a:txBody>
-                    <a:bodyPr/>
-                    <a:lstStyle/>
-                    <a:p>
-                      <a:pPr algn="ctr" fontAlgn="b"/>
-                      <a:r>
-                        <a:rPr lang="ko-KR" altLang="en-US" sz="800" u="none" strike="noStrike" dirty="0">
-                          <a:effectLst/>
-                          <a:latin typeface="Adobe Clean" panose="020B0503020404020204" pitchFamily="34" charset="0"/>
-                        </a:rPr>
-                        <a:t>프로젝트 </a:t>
-                      </a:r>
-                      <a:r>
-                        <a:rPr lang="ko-KR" altLang="en-US" sz="800" u="none" strike="noStrike" dirty="0" err="1">
-                          <a:effectLst/>
-                          <a:latin typeface="Adobe Clean" panose="020B0503020404020204" pitchFamily="34" charset="0"/>
-                        </a:rPr>
-                        <a:t>로드맵</a:t>
-                      </a:r>
-                      <a:r>
-                        <a:rPr lang="ko-KR" altLang="en-US" sz="800" u="none" strike="noStrike" dirty="0">
-                          <a:effectLst/>
-                          <a:latin typeface="Adobe Clean" panose="020B0503020404020204" pitchFamily="34" charset="0"/>
-                        </a:rPr>
-                        <a:t> </a:t>
-                      </a:r>
-                      <a:r>
-                        <a:rPr lang="en-US" altLang="ko-KR" sz="800" u="none" strike="noStrike" dirty="0">
-                          <a:effectLst/>
-                          <a:latin typeface="Adobe Clean" panose="020B0503020404020204" pitchFamily="34" charset="0"/>
-                        </a:rPr>
-                        <a:t>+ </a:t>
-                      </a:r>
-                      <a:r>
-                        <a:rPr lang="ko-KR" altLang="en-US" sz="800" u="none" strike="noStrike" dirty="0">
-                          <a:effectLst/>
-                          <a:latin typeface="Adobe Clean" panose="020B0503020404020204" pitchFamily="34" charset="0"/>
-                        </a:rPr>
-                        <a:t>계획 수립</a:t>
-                      </a:r>
-                      <a:endParaRPr lang="ko-KR" altLang="en-US" sz="800" b="0" i="0" u="none" strike="noStrike" dirty="0">
-                        <a:solidFill>
-                          <a:srgbClr val="000000"/>
-                        </a:solidFill>
-                        <a:effectLst/>
-                        <a:latin typeface="Adobe Clean" panose="020B0503020404020204" pitchFamily="34" charset="0"/>
-                      </a:endParaRPr>
-                    </a:p>
-                  </a:txBody>
-                  <a:tcPr marL="9525" marR="9525" marT="9525" marB="0">
-                    <a:solidFill>
-                      <a:schemeClr val="bg1"/>
-                    </a:solidFill>
-                  </a:tcPr>
-                </a:tc>
-                <a:extLst>
-                  <a:ext uri="{0D108BD9-81ED-4DB2-BD59-A6C34878D82A}">
-                    <a16:rowId xmlns:a16="http://schemas.microsoft.com/office/drawing/2014/main" val="2771767287"/>
-                  </a:ext>
-                </a:extLst>
-              </a:tr>
-            </a:tbl>
-          </a:graphicData>
-        </a:graphic>
-      </p:graphicFrame>
-      <p:graphicFrame>
-        <p:nvGraphicFramePr>
-          <p:cNvPr id="69" name="Table 68">
-            <a:extLst>
-              <a:ext uri="{FF2B5EF4-FFF2-40B4-BE49-F238E27FC236}">
-                <a16:creationId xmlns:a16="http://schemas.microsoft.com/office/drawing/2014/main" id="{6870FE33-279D-CC49-BD44-B255BAC35152}"/>
-              </a:ext>
-            </a:extLst>
-          </p:cNvPr>
-          <p:cNvGraphicFramePr>
-            <a:graphicFrameLocks noGrp="1"/>
-          </p:cNvGraphicFramePr>
-          <p:nvPr>
-            <p:extLst>
-              <p:ext uri="{D42A27DB-BD31-4B8C-83A1-F6EECF244321}">
-                <p14:modId xmlns:p14="http://schemas.microsoft.com/office/powerpoint/2010/main" val="2416758960"/>
-              </p:ext>
-            </p:extLst>
-          </p:nvPr>
-        </p:nvGraphicFramePr>
-        <p:xfrm>
-          <a:off x="609600" y="7239000"/>
-          <a:ext cx="609600" cy="457200"/>
-        </p:xfrm>
-        <a:graphic>
-          <a:graphicData uri="http://schemas.openxmlformats.org/drawingml/2006/table">
-            <a:tbl>
-              <a:tblPr>
-                <a:tableStyleId>{5C22544A-7EE6-4342-B048-85BDC9FD1C3A}</a:tableStyleId>
-              </a:tblPr>
-              <a:tblGrid>
-                <a:gridCol w="609600">
-                  <a:extLst>
-                    <a:ext uri="{9D8B030D-6E8A-4147-A177-3AD203B41FA5}">
-                      <a16:colId xmlns:a16="http://schemas.microsoft.com/office/drawing/2014/main" val="1835503658"/>
-                    </a:ext>
-                  </a:extLst>
-                </a:gridCol>
-              </a:tblGrid>
-              <a:tr h="457200">
-                <a:tc>
-                  <a:txBody>
-                    <a:bodyPr/>
-                    <a:lstStyle/>
-                    <a:p>
-                      <a:pPr algn="ctr" fontAlgn="b"/>
-                      <a:r>
-                        <a:rPr lang="ko-KR" altLang="en-US" sz="800" u="none" strike="noStrike" dirty="0">
-                          <a:effectLst/>
-                          <a:latin typeface="Adobe Clean" panose="020B0503020404020204" pitchFamily="34" charset="0"/>
-                        </a:rPr>
-                        <a:t>수천 번의 배포를 통한 경험 </a:t>
-                      </a:r>
-                      <a:r>
-                        <a:rPr lang="en-US" altLang="ko-KR" sz="800" u="none" strike="noStrike" dirty="0">
-                          <a:effectLst/>
-                          <a:latin typeface="Adobe Clean" panose="020B0503020404020204" pitchFamily="34" charset="0"/>
-                        </a:rPr>
-                        <a:t>+ </a:t>
-                      </a:r>
-                      <a:r>
-                        <a:rPr lang="ko-KR" altLang="en-US" sz="800" u="none" strike="noStrike" dirty="0">
-                          <a:effectLst/>
-                          <a:latin typeface="Adobe Clean" panose="020B0503020404020204" pitchFamily="34" charset="0"/>
-                        </a:rPr>
-                        <a:t>통합</a:t>
-                      </a:r>
-                      <a:endParaRPr lang="ko-KR" altLang="en-US" sz="800" b="0" i="0" u="none" strike="noStrike" dirty="0">
-                        <a:solidFill>
-                          <a:srgbClr val="000000"/>
-                        </a:solidFill>
-                        <a:effectLst/>
-                        <a:latin typeface="Adobe Clean" panose="020B0503020404020204" pitchFamily="34" charset="0"/>
-                      </a:endParaRPr>
-                    </a:p>
-                  </a:txBody>
-                  <a:tcPr marL="9525" marR="9525" marT="9525" marB="0">
-                    <a:solidFill>
-                      <a:schemeClr val="bg1"/>
-                    </a:solidFill>
-                  </a:tcPr>
-                </a:tc>
-                <a:extLst>
-                  <a:ext uri="{0D108BD9-81ED-4DB2-BD59-A6C34878D82A}">
-                    <a16:rowId xmlns:a16="http://schemas.microsoft.com/office/drawing/2014/main" val="2771767287"/>
-                  </a:ext>
-                </a:extLst>
-              </a:tr>
-            </a:tbl>
-          </a:graphicData>
-        </a:graphic>
-      </p:graphicFrame>
     </p:spTree>
     <p:extLst>
       <p:ext uri="{BB962C8B-B14F-4D97-AF65-F5344CB8AC3E}">
@@ -14354,17 +15289,17 @@
               </a:lnSpc>
             </a:pPr>
             <a:r>
-              <a:rPr lang="de-de" sz="500" spc="-5" dirty="0">
+              <a:rPr sz="500" spc="-5">
                 <a:solidFill>
                   <a:srgbClr val="6C6C6C"/>
                 </a:solidFill>
                 <a:latin typeface="Adobe Clean"/>
                 <a:cs typeface="Adobe Clean"/>
               </a:rPr>
-              <a:t>© 2020 Adobe.  All Rights Reserved. </a:t>
-            </a:r>
-            <a:r>
-              <a:rPr lang="de-de" sz="500" dirty="0">
+              <a:t>©2020 Adobe. All Rights Reserved. </a:t>
+            </a:r>
+            <a:r>
+              <a:rPr sz="500">
                 <a:solidFill>
                   <a:srgbClr val="6C6C6C"/>
                 </a:solidFill>
@@ -14374,7 +15309,7 @@
               <a:t>Adobe</a:t>
             </a:r>
             <a:r>
-              <a:rPr lang="de-de" sz="500" spc="5" dirty="0">
+              <a:rPr sz="500" spc="5">
                 <a:solidFill>
                   <a:srgbClr val="6C6C6C"/>
                 </a:solidFill>
@@ -14384,14 +15319,14 @@
               <a:t> </a:t>
             </a:r>
             <a:r>
-              <a:rPr lang="de-de" sz="500" spc="-5" dirty="0">
+              <a:rPr sz="500" spc="-5">
                 <a:solidFill>
                   <a:srgbClr val="6C6C6C"/>
                 </a:solidFill>
                 <a:latin typeface="Adobe Clean"/>
                 <a:cs typeface="Adobe Clean"/>
               </a:rPr>
-              <a:t>기밀.</a:t>
+              <a:t>Confidential.</a:t>
             </a:r>
             <a:endParaRPr sz="500">
               <a:latin typeface="Adobe Clean"/>
@@ -14422,17 +15357,17 @@
               </a:spcBef>
             </a:pPr>
             <a:r>
-              <a:rPr lang="de-de" sz="800" spc="-5" dirty="0">
+              <a:rPr sz="800" spc="-5">
                 <a:solidFill>
                   <a:srgbClr val="6D6D6D"/>
                 </a:solidFill>
                 <a:latin typeface="Adobe Clean"/>
                 <a:cs typeface="Adobe Clean"/>
               </a:rPr>
-              <a:t>© 2020 Adobe.  All Rights Reserved. Adobe</a:t>
-            </a:r>
-            <a:r>
-              <a:rPr lang="de-de" sz="800" spc="75" dirty="0">
+              <a:t>©2020 Adobe. All Rights Reserved. Adobe</a:t>
+            </a:r>
+            <a:r>
+              <a:rPr sz="800" spc="75">
                 <a:solidFill>
                   <a:srgbClr val="6D6D6D"/>
                 </a:solidFill>
@@ -14442,14 +15377,14 @@
               <a:t> </a:t>
             </a:r>
             <a:r>
-              <a:rPr lang="de-de" sz="800" spc="-5" dirty="0">
+              <a:rPr sz="800" spc="-5">
                 <a:solidFill>
                   <a:srgbClr val="6D6D6D"/>
                 </a:solidFill>
                 <a:latin typeface="Adobe Clean"/>
                 <a:cs typeface="Adobe Clean"/>
               </a:rPr>
-              <a:t>기밀.</a:t>
+              <a:t>Confidential.</a:t>
             </a:r>
             <a:endParaRPr sz="800">
               <a:latin typeface="Adobe Clean"/>
@@ -14538,16 +15473,16 @@
               </a:spcBef>
             </a:pPr>
             <a:r>
-              <a:rPr lang="de-de" sz="1400" b="1" spc="-15" dirty="0">
+              <a:rPr lang="en-US" sz="1400" b="1" spc="-15">
                 <a:solidFill>
                   <a:srgbClr val="020302"/>
                 </a:solidFill>
                 <a:latin typeface="Adobe Clean"/>
                 <a:cs typeface="Adobe Clean"/>
               </a:rPr>
-              <a:t>리소스</a:t>
-            </a:r>
-            <a:endParaRPr sz="1400" dirty="0">
+              <a:t>Resources</a:t>
+            </a:r>
+            <a:endParaRPr sz="1400">
               <a:latin typeface="Adobe Clean"/>
               <a:cs typeface="Adobe Clean"/>
             </a:endParaRPr>
@@ -14584,7 +15519,7 @@
               </a:spcBef>
             </a:pPr>
             <a:r>
-              <a:rPr lang="de-de" sz="800" spc="-15" dirty="0">
+              <a:rPr sz="800" spc="-15">
                 <a:solidFill>
                   <a:srgbClr val="777879"/>
                 </a:solidFill>
@@ -14605,7 +15540,7 @@
               </a:lnSpc>
             </a:pPr>
             <a:r>
-              <a:rPr lang="de-de" sz="800" spc="-15" dirty="0">
+              <a:rPr sz="800" spc="-15">
                 <a:solidFill>
                   <a:srgbClr val="777879"/>
                 </a:solidFill>
@@ -14615,7 +15550,7 @@
               <a:t>345 Park</a:t>
             </a:r>
             <a:r>
-              <a:rPr lang="de-de" sz="800" spc="-100" dirty="0">
+              <a:rPr sz="800" spc="-100">
                 <a:solidFill>
                   <a:srgbClr val="777879"/>
                 </a:solidFill>
@@ -14625,7 +15560,7 @@
               <a:t> </a:t>
             </a:r>
             <a:r>
-              <a:rPr lang="de-de" sz="800" spc="-15" dirty="0">
+              <a:rPr sz="800" spc="-15">
                 <a:solidFill>
                   <a:srgbClr val="777879"/>
                 </a:solidFill>
@@ -14646,7 +15581,7 @@
               </a:lnSpc>
             </a:pPr>
             <a:r>
-              <a:rPr lang="de-de" sz="800" spc="-10" dirty="0">
+              <a:rPr sz="800" spc="-10">
                 <a:solidFill>
                   <a:srgbClr val="777879"/>
                 </a:solidFill>
@@ -14656,7 +15591,7 @@
               <a:t>San </a:t>
             </a:r>
             <a:r>
-              <a:rPr lang="de-de" sz="800" spc="-15" dirty="0">
+              <a:rPr sz="800" spc="-15">
                 <a:solidFill>
                   <a:srgbClr val="777879"/>
                 </a:solidFill>
@@ -14666,7 +15601,7 @@
               <a:t>Jose,</a:t>
             </a:r>
             <a:r>
-              <a:rPr lang="de-de" sz="800" spc="-140" dirty="0">
+              <a:rPr sz="800" spc="-140">
                 <a:solidFill>
                   <a:srgbClr val="777879"/>
                 </a:solidFill>
@@ -14676,7 +15611,7 @@
               <a:t> </a:t>
             </a:r>
             <a:r>
-              <a:rPr lang="de-de" sz="800" spc="-20" dirty="0">
+              <a:rPr sz="800" spc="-20">
                 <a:solidFill>
                   <a:srgbClr val="777879"/>
                 </a:solidFill>
@@ -14700,7 +15635,7 @@
               </a:spcBef>
             </a:pPr>
             <a:r>
-              <a:rPr lang="de-de" sz="800" spc="-10" dirty="0">
+              <a:rPr sz="800" spc="-10">
                 <a:solidFill>
                   <a:srgbClr val="777879"/>
                 </a:solidFill>
@@ -14724,7 +15659,7 @@
               </a:spcBef>
             </a:pPr>
             <a:r>
-              <a:rPr lang="de-de" sz="800" u="sng" spc="-25" dirty="0">
+              <a:rPr sz="800" u="sng" spc="-25">
                 <a:solidFill>
                   <a:srgbClr val="5F5F5F"/>
                 </a:solidFill>
@@ -14737,7 +15672,7 @@
                 <a:cs typeface="Adobe Clean"/>
                 <a:hlinkClick r:id="rId3"/>
               </a:rPr>
-              <a:t>www.adobe.com/kr/</a:t>
+              <a:t>www.adobe.com</a:t>
             </a:r>
             <a:endParaRPr sz="800">
               <a:latin typeface="Adobe Clean"/>
@@ -14917,17 +15852,17 @@
               </a:spcBef>
             </a:pPr>
             <a:r>
-              <a:rPr lang="de-de" sz="1100" i="1" spc="-10" dirty="0">
+              <a:rPr sz="1100" i="1" spc="-10">
                 <a:solidFill>
                   <a:srgbClr val="777879"/>
                 </a:solidFill>
                 <a:latin typeface="AdobeClean-LightIt"/>
                 <a:cs typeface="AdobeClean-LightIt"/>
               </a:rPr>
-              <a:t>Adobe</a:t>
-            </a:r>
-            <a:r>
-              <a:rPr lang="de-de" sz="1100" i="1" spc="-50" dirty="0">
+              <a:t>To</a:t>
+            </a:r>
+            <a:r>
+              <a:rPr sz="1100" i="1" spc="-50">
                 <a:solidFill>
                   <a:srgbClr val="777879"/>
                 </a:solidFill>
@@ -14937,17 +15872,17 @@
               <a:t> </a:t>
             </a:r>
             <a:r>
-              <a:rPr lang="de-de" sz="1100" i="1" spc="-15" dirty="0">
+              <a:rPr sz="1100" i="1" spc="-15">
                 <a:solidFill>
                   <a:srgbClr val="777879"/>
                 </a:solidFill>
                 <a:latin typeface="AdobeClean-LightIt"/>
                 <a:cs typeface="AdobeClean-LightIt"/>
               </a:rPr>
-              <a:t>지원</a:t>
-            </a:r>
-            <a:r>
-              <a:rPr lang="de-de" sz="1100" i="1" spc="-40" dirty="0">
+              <a:t>learn</a:t>
+            </a:r>
+            <a:r>
+              <a:rPr sz="1100" i="1" spc="-40">
                 <a:solidFill>
                   <a:srgbClr val="777879"/>
                 </a:solidFill>
@@ -14957,17 +15892,17 @@
               <a:t> </a:t>
             </a:r>
             <a:r>
-              <a:rPr lang="de-de" sz="1100" i="1" spc="-15" dirty="0">
+              <a:rPr sz="1100" i="1" spc="-15">
                 <a:solidFill>
                   <a:srgbClr val="777879"/>
                 </a:solidFill>
                 <a:latin typeface="AdobeClean-LightIt"/>
                 <a:cs typeface="AdobeClean-LightIt"/>
               </a:rPr>
-              <a:t>서비스</a:t>
-            </a:r>
-            <a:r>
-              <a:rPr lang="de-de" sz="1100" i="1" spc="-45" dirty="0">
+              <a:t>more</a:t>
+            </a:r>
+            <a:r>
+              <a:rPr sz="1100" i="1" spc="-45">
                 <a:solidFill>
                   <a:srgbClr val="777879"/>
                 </a:solidFill>
@@ -14977,17 +15912,17 @@
               <a:t> </a:t>
             </a:r>
             <a:r>
-              <a:rPr lang="de-de" sz="1100" i="1" spc="-15" dirty="0">
+              <a:rPr sz="1100" i="1" spc="-15">
                 <a:solidFill>
                   <a:srgbClr val="777879"/>
                 </a:solidFill>
                 <a:latin typeface="AdobeClean-LightIt"/>
                 <a:cs typeface="AdobeClean-LightIt"/>
               </a:rPr>
-              <a:t>제공</a:t>
-            </a:r>
-            <a:r>
-              <a:rPr lang="de-de" sz="1100" i="1" spc="-45" dirty="0">
+              <a:t>about</a:t>
+            </a:r>
+            <a:r>
+              <a:rPr sz="1100" i="1" spc="-45">
                 <a:solidFill>
                   <a:srgbClr val="777879"/>
                 </a:solidFill>
@@ -14997,17 +15932,17 @@
               <a:t> </a:t>
             </a:r>
             <a:r>
-              <a:rPr lang="de-de" sz="1100" i="1" spc="-15" dirty="0">
+              <a:rPr sz="1100" i="1" spc="-15">
                 <a:solidFill>
                   <a:srgbClr val="777879"/>
                 </a:solidFill>
                 <a:latin typeface="AdobeClean-LightIt"/>
                 <a:cs typeface="AdobeClean-LightIt"/>
               </a:rPr>
-              <a:t>사항</a:t>
-            </a:r>
-            <a:r>
-              <a:rPr lang="de-de" sz="1100" i="1" spc="-60" dirty="0">
+              <a:t>Adobe</a:t>
+            </a:r>
+            <a:r>
+              <a:rPr sz="1100" i="1" spc="-60">
                 <a:solidFill>
                   <a:srgbClr val="777879"/>
                 </a:solidFill>
@@ -15017,27 +15952,27 @@
               <a:t> </a:t>
             </a:r>
             <a:r>
-              <a:rPr lang="de-de" sz="1100" i="1" spc="-15" dirty="0">
+              <a:rPr sz="1100" i="1" spc="-15">
                 <a:solidFill>
                   <a:srgbClr val="777879"/>
                 </a:solidFill>
                 <a:latin typeface="AdobeClean-LightIt"/>
                 <a:cs typeface="AdobeClean-LightIt"/>
               </a:rPr>
-              <a:t>및 </a:t>
-            </a:r>
-            <a:r>
-              <a:rPr lang="de-de" sz="1100" i="1" spc="-75" dirty="0">
+              <a:t>Support</a:t>
+            </a:r>
+            <a:r>
+              <a:rPr lang="en-US" sz="1100" i="1" spc="-15">
                 <a:solidFill>
                   <a:srgbClr val="777879"/>
                 </a:solidFill>
                 <a:latin typeface="AdobeClean-LightIt"/>
                 <a:cs typeface="AdobeClean-LightIt"/>
               </a:rPr>
-              <a:t>적합한</a:t>
-            </a:r>
-            <a:r>
-              <a:rPr lang="de-de" sz="1100" i="1" spc="-15" dirty="0">
+              <a:t> Offerings</a:t>
+            </a:r>
+            <a:r>
+              <a:rPr sz="1100" i="1" spc="-75">
                 <a:solidFill>
                   <a:srgbClr val="777879"/>
                 </a:solidFill>
@@ -15047,17 +15982,17 @@
               <a:t> </a:t>
             </a:r>
             <a:r>
-              <a:rPr lang="de-de" sz="1100" i="1" spc="-50" dirty="0">
+              <a:rPr sz="1100" i="1" spc="-15">
                 <a:solidFill>
                   <a:srgbClr val="777879"/>
                 </a:solidFill>
                 <a:latin typeface="AdobeClean-LightIt"/>
                 <a:cs typeface="AdobeClean-LightIt"/>
               </a:rPr>
-              <a:t>지원</a:t>
-            </a:r>
-            <a:r>
-              <a:rPr lang="de-de" sz="1100" i="1" spc="-15" dirty="0">
+              <a:t>and</a:t>
+            </a:r>
+            <a:r>
+              <a:rPr sz="1100" i="1" spc="-50">
                 <a:solidFill>
                   <a:srgbClr val="777879"/>
                 </a:solidFill>
@@ -15067,17 +16002,17 @@
               <a:t> </a:t>
             </a:r>
             <a:r>
-              <a:rPr lang="de-de" sz="1100" i="1" spc="-55" dirty="0">
+              <a:rPr sz="1100" i="1" spc="-15">
                 <a:solidFill>
                   <a:srgbClr val="777879"/>
                 </a:solidFill>
                 <a:latin typeface="AdobeClean-LightIt"/>
                 <a:cs typeface="AdobeClean-LightIt"/>
               </a:rPr>
-              <a:t>수준에</a:t>
-            </a:r>
-            <a:r>
-              <a:rPr lang="de-de" sz="1100" i="1" spc="-15" dirty="0">
+              <a:t>the</a:t>
+            </a:r>
+            <a:r>
+              <a:rPr sz="1100" i="1" spc="-55">
                 <a:solidFill>
                   <a:srgbClr val="777879"/>
                 </a:solidFill>
@@ -15087,17 +16022,17 @@
               <a:t> </a:t>
             </a:r>
             <a:r>
-              <a:rPr lang="de-de" sz="1100" i="1" spc="-95" dirty="0">
+              <a:rPr sz="1100" i="1" spc="-15">
                 <a:solidFill>
                   <a:srgbClr val="777879"/>
                 </a:solidFill>
                 <a:latin typeface="AdobeClean-LightIt"/>
                 <a:cs typeface="AdobeClean-LightIt"/>
               </a:rPr>
-              <a:t>대해</a:t>
-            </a:r>
-            <a:r>
-              <a:rPr lang="de-de" sz="1100" i="1" spc="-15" dirty="0">
+              <a:t>right</a:t>
+            </a:r>
+            <a:r>
+              <a:rPr sz="1100" i="1" spc="-95">
                 <a:solidFill>
                   <a:srgbClr val="777879"/>
                 </a:solidFill>
@@ -15107,17 +16042,17 @@
               <a:t> </a:t>
             </a:r>
             <a:r>
-              <a:rPr lang="de-de" sz="1100" i="1" spc="-55" dirty="0">
+              <a:rPr sz="1100" i="1" spc="-15">
                 <a:solidFill>
                   <a:srgbClr val="777879"/>
                 </a:solidFill>
                 <a:latin typeface="AdobeClean-LightIt"/>
                 <a:cs typeface="AdobeClean-LightIt"/>
               </a:rPr>
-              <a:t>자세히</a:t>
-            </a:r>
-            <a:r>
-              <a:rPr lang="de-de" sz="1100" i="1" spc="-15" dirty="0">
+              <a:t>level</a:t>
+            </a:r>
+            <a:r>
+              <a:rPr sz="1100" i="1" spc="-55">
                 <a:solidFill>
                   <a:srgbClr val="777879"/>
                 </a:solidFill>
@@ -15127,17 +16062,17 @@
               <a:t> </a:t>
             </a:r>
             <a:r>
-              <a:rPr lang="de-de" sz="1100" i="1" spc="-85" dirty="0">
+              <a:rPr sz="1100" i="1" spc="-15">
                 <a:solidFill>
                   <a:srgbClr val="777879"/>
                 </a:solidFill>
                 <a:latin typeface="AdobeClean-LightIt"/>
                 <a:cs typeface="AdobeClean-LightIt"/>
               </a:rPr>
-              <a:t>알아보려면</a:t>
-            </a:r>
-            <a:r>
-              <a:rPr lang="de-de" sz="1100" i="1" spc="-15" dirty="0">
+              <a:t>for</a:t>
+            </a:r>
+            <a:r>
+              <a:rPr sz="1100" i="1" spc="-85">
                 <a:solidFill>
                   <a:srgbClr val="777879"/>
                 </a:solidFill>
@@ -15147,17 +16082,17 @@
               <a:t> </a:t>
             </a:r>
             <a:r>
-              <a:rPr lang="de-de" sz="1100" i="1" spc="-65" dirty="0">
+              <a:rPr sz="1100" i="1" spc="-15">
                 <a:solidFill>
                   <a:srgbClr val="777879"/>
                 </a:solidFill>
                 <a:latin typeface="AdobeClean-LightIt"/>
                 <a:cs typeface="AdobeClean-LightIt"/>
               </a:rPr>
-              <a:t>지정</a:t>
-            </a:r>
-            <a:r>
-              <a:rPr lang="de-de" sz="1100" i="1" spc="-15" dirty="0">
+              <a:t>you,</a:t>
+            </a:r>
+            <a:r>
+              <a:rPr sz="1100" i="1" spc="-65">
                 <a:solidFill>
                   <a:srgbClr val="777879"/>
                 </a:solidFill>
@@ -15167,17 +16102,17 @@
               <a:t> </a:t>
             </a:r>
             <a:r>
-              <a:rPr lang="de-de" sz="1100" i="1" spc="-85" dirty="0">
+              <a:rPr sz="1100" i="1" spc="-15">
                 <a:solidFill>
                   <a:srgbClr val="777879"/>
                 </a:solidFill>
                 <a:latin typeface="AdobeClean-LightIt"/>
                 <a:cs typeface="AdobeClean-LightIt"/>
               </a:rPr>
-              <a:t>계정</a:t>
-            </a:r>
-            <a:r>
-              <a:rPr lang="de-de" sz="1100" i="1" spc="-15" dirty="0">
+              <a:t>contact</a:t>
+            </a:r>
+            <a:r>
+              <a:rPr sz="1100" i="1" spc="-85">
                 <a:solidFill>
                   <a:srgbClr val="777879"/>
                 </a:solidFill>
@@ -15187,17 +16122,17 @@
               <a:t> </a:t>
             </a:r>
             <a:r>
-              <a:rPr lang="de-de" sz="1100" i="1" spc="-70" dirty="0">
+              <a:rPr sz="1100" i="1" spc="-15">
                 <a:solidFill>
                   <a:srgbClr val="777879"/>
                 </a:solidFill>
                 <a:latin typeface="AdobeClean-LightIt"/>
                 <a:cs typeface="AdobeClean-LightIt"/>
               </a:rPr>
-              <a:t>관리자(NAM)</a:t>
-            </a:r>
-            <a:r>
-              <a:rPr lang="de-de" sz="1100" i="1" spc="-15" dirty="0">
+              <a:t>your</a:t>
+            </a:r>
+            <a:r>
+              <a:rPr sz="1100" i="1" spc="-70">
                 <a:solidFill>
                   <a:srgbClr val="777879"/>
                 </a:solidFill>
@@ -15207,17 +16142,17 @@
               <a:t> </a:t>
             </a:r>
             <a:r>
-              <a:rPr lang="de-de" sz="1100" i="1" spc="-55" dirty="0">
+              <a:rPr sz="1100" i="1" spc="-15">
                 <a:solidFill>
                   <a:srgbClr val="777879"/>
                 </a:solidFill>
                 <a:latin typeface="AdobeClean-LightIt"/>
                 <a:cs typeface="AdobeClean-LightIt"/>
               </a:rPr>
-              <a:t>또는</a:t>
-            </a:r>
-            <a:r>
-              <a:rPr lang="de-de" sz="1100" i="1" spc="-25" dirty="0">
+              <a:t>Named</a:t>
+            </a:r>
+            <a:r>
+              <a:rPr sz="1100" i="1" spc="-55">
                 <a:solidFill>
                   <a:srgbClr val="777879"/>
                 </a:solidFill>
@@ -15227,17 +16162,17 @@
               <a:t> </a:t>
             </a:r>
             <a:r>
-              <a:rPr lang="de-de" sz="1100" i="1" spc="-120" dirty="0">
+              <a:rPr sz="1100" i="1" spc="-25">
                 <a:solidFill>
                   <a:srgbClr val="777879"/>
                 </a:solidFill>
                 <a:latin typeface="AdobeClean-LightIt"/>
                 <a:cs typeface="AdobeClean-LightIt"/>
               </a:rPr>
-              <a:t>고객</a:t>
-            </a:r>
-            <a:r>
-              <a:rPr lang="de-de" sz="1100" i="1" spc="-20" dirty="0">
+              <a:t>Account</a:t>
+            </a:r>
+            <a:r>
+              <a:rPr sz="1100" i="1" spc="-120">
                 <a:solidFill>
                   <a:srgbClr val="777879"/>
                 </a:solidFill>
@@ -15247,56 +16182,96 @@
               <a:t> </a:t>
             </a:r>
             <a:r>
-              <a:rPr lang="de-de" sz="1100" i="1" spc="-15" dirty="0">
+              <a:rPr sz="1100" i="1" spc="-20">
                 <a:solidFill>
                   <a:srgbClr val="777879"/>
                 </a:solidFill>
                 <a:latin typeface="AdobeClean-LightIt"/>
                 <a:cs typeface="AdobeClean-LightIt"/>
               </a:rPr>
-              <a:t>성공</a:t>
-            </a:r>
-            <a:r>
-              <a:rPr lang="de-de" sz="1100" i="1" spc="-10" dirty="0">
+              <a:t>Manager  </a:t>
+            </a:r>
+            <a:r>
+              <a:rPr sz="1100" i="1" spc="-15">
                 <a:solidFill>
                   <a:srgbClr val="777879"/>
                 </a:solidFill>
                 <a:latin typeface="AdobeClean-LightIt"/>
                 <a:cs typeface="AdobeClean-LightIt"/>
               </a:rPr>
-              <a:t> </a:t>
-            </a:r>
-            <a:r>
-              <a:rPr lang="de-de" sz="1100" i="1" spc="-15" dirty="0">
+              <a:t>(NAM) </a:t>
+            </a:r>
+            <a:r>
+              <a:rPr sz="1100" i="1" spc="-10">
                 <a:solidFill>
                   <a:srgbClr val="777879"/>
                 </a:solidFill>
                 <a:latin typeface="AdobeClean-LightIt"/>
                 <a:cs typeface="AdobeClean-LightIt"/>
               </a:rPr>
-              <a:t>관리자(CSM)에게</a:t>
-            </a:r>
-            <a:r>
-              <a:rPr lang="de-de" sz="1100" i="1" spc="-20" dirty="0">
+              <a:t>or </a:t>
+            </a:r>
+            <a:r>
+              <a:rPr sz="1100" i="1" spc="-15">
                 <a:solidFill>
                   <a:srgbClr val="777879"/>
                 </a:solidFill>
                 <a:latin typeface="AdobeClean-LightIt"/>
                 <a:cs typeface="AdobeClean-LightIt"/>
               </a:rPr>
-              <a:t> </a:t>
-            </a:r>
-            <a:r>
-              <a:rPr lang="de-de" sz="1100" i="1" spc="-180" dirty="0">
+              <a:t>Customer </a:t>
+            </a:r>
+            <a:r>
+              <a:rPr sz="1100" i="1" spc="-20">
                 <a:solidFill>
                   <a:srgbClr val="777879"/>
                 </a:solidFill>
                 <a:latin typeface="AdobeClean-LightIt"/>
                 <a:cs typeface="AdobeClean-LightIt"/>
               </a:rPr>
-              <a:t>문의하십시오.</a:t>
-            </a:r>
-            <a:endParaRPr sz="1100" dirty="0">
+              <a:t>Success</a:t>
+            </a:r>
+            <a:r>
+              <a:rPr sz="1100" i="1" spc="-180">
+                <a:solidFill>
+                  <a:srgbClr val="777879"/>
+                </a:solidFill>
+                <a:latin typeface="AdobeClean-LightIt"/>
+                <a:cs typeface="AdobeClean-LightIt"/>
+              </a:rPr>
+              <a:t> </a:t>
+            </a:r>
+            <a:r>
+              <a:rPr sz="1100" i="1" spc="-15">
+                <a:solidFill>
+                  <a:srgbClr val="777879"/>
+                </a:solidFill>
+                <a:latin typeface="AdobeClean-LightIt"/>
+                <a:cs typeface="AdobeClean-LightIt"/>
+              </a:rPr>
+              <a:t>Manager</a:t>
+            </a:r>
+            <a:r>
+              <a:rPr lang="en-US" sz="1100" i="1" spc="-15">
+                <a:solidFill>
+                  <a:srgbClr val="777879"/>
+                </a:solidFill>
+                <a:latin typeface="AdobeClean-LightIt"/>
+                <a:cs typeface="AdobeClean-LightIt"/>
+              </a:rPr>
+              <a:t> </a:t>
+            </a:r>
+            <a:r>
+              <a:rPr sz="1100" i="1" spc="-15">
+                <a:solidFill>
+                  <a:srgbClr val="777879"/>
+                </a:solidFill>
+                <a:latin typeface="AdobeClean-LightIt"/>
+                <a:cs typeface="AdobeClean-LightIt"/>
+              </a:rPr>
+              <a:t>(CSM)</a:t>
+            </a:r>
+            <a:endParaRPr sz="1100">
               <a:latin typeface="AdobeClean-LightIt"/>
               <a:cs typeface="AdobeClean-LightIt"/>
             </a:endParaRPr>
@@ -15311,36 +16286,56 @@
               </a:spcBef>
             </a:pPr>
             <a:r>
-              <a:rPr lang="de-de" sz="800" spc="-5" dirty="0">
+              <a:rPr sz="800" spc="-5">
                 <a:solidFill>
                   <a:srgbClr val="6D6D6D"/>
                 </a:solidFill>
                 <a:latin typeface="Adobe Clean"/>
                 <a:cs typeface="Adobe Clean"/>
               </a:rPr>
-              <a:t>©2021 Adobe. All Rights Reserved. Adobe</a:t>
-            </a:r>
-            <a:r>
-              <a:rPr lang="de-de" sz="800" spc="75" dirty="0">
+              <a:t>©202</a:t>
+            </a:r>
+            <a:r>
+              <a:rPr lang="en-US" sz="800" spc="-5">
                 <a:solidFill>
                   <a:srgbClr val="6D6D6D"/>
                 </a:solidFill>
                 <a:latin typeface="Adobe Clean"/>
                 <a:cs typeface="Adobe Clean"/>
               </a:rPr>
+              <a:t>1</a:t>
+            </a:r>
+            <a:r>
+              <a:rPr sz="800" spc="-5">
+                <a:solidFill>
+                  <a:srgbClr val="6D6D6D"/>
+                </a:solidFill>
+                <a:latin typeface="Adobe Clean"/>
+                <a:cs typeface="Adobe Clean"/>
+              </a:rPr>
+              <a:t> Adobe. All Rights Reserved. Adobe</a:t>
+            </a:r>
+            <a:r>
+              <a:rPr sz="800" spc="75">
+                <a:solidFill>
+                  <a:srgbClr val="6D6D6D"/>
+                </a:solidFill>
+                <a:latin typeface="Adobe Clean"/>
+                <a:cs typeface="Adobe Clean"/>
+              </a:rPr>
               <a:t> </a:t>
             </a:r>
             <a:r>
-              <a:rPr lang="de-de" sz="800" spc="-5" dirty="0">
+              <a:rPr sz="800" spc="-5">
                 <a:solidFill>
                   <a:srgbClr val="6D6D6D"/>
                 </a:solidFill>
                 <a:latin typeface="Adobe Clean"/>
                 <a:cs typeface="Adobe Clean"/>
               </a:rPr>
-              <a:t>기밀.</a:t>
-            </a:r>
-            <a:endParaRPr sz="800" dirty="0">
+              <a:t>Confidential.</a:t>
+            </a:r>
+            <a:endParaRPr sz="800">
               <a:latin typeface="Adobe Clean"/>
               <a:cs typeface="Adobe Clean"/>
             </a:endParaRPr>
@@ -15361,163 +16356,55 @@
         </p:nvSpPr>
         <p:spPr>
           <a:xfrm>
-            <a:off x="171129" y="5057379"/>
-            <a:ext cx="6476646" cy="755976"/>
+            <a:off x="184181" y="4900727"/>
+            <a:ext cx="7396804" cy="769030"/>
           </a:xfrm>
           <a:prstGeom prst="rect">
             <a:avLst/>
           </a:prstGeom>
         </p:spPr>
         <p:txBody>
-          <a:bodyPr vert="horz" wrap="square" lIns="0" tIns="116205" rIns="0" bIns="0" rtlCol="0">
+          <a:bodyPr vert="horz" wrap="square" lIns="0" tIns="116205" rIns="0" bIns="0" rtlCol="0" anchor="t">
             <a:spAutoFit/>
           </a:bodyPr>
           <a:lstStyle/>
           <a:p>
-            <a:pPr lvl="0">
+            <a:pPr>
               <a:spcBef>
                 <a:spcPts val="915"/>
               </a:spcBef>
             </a:pPr>
             <a:r>
-              <a:rPr lang="en-US" altLang="ko-KR" sz="1400" b="1" spc="-15" dirty="0">
+              <a:rPr lang="en-US" sz="1400" b="1" spc="-15">
                 <a:solidFill>
                   <a:srgbClr val="020302"/>
                 </a:solidFill>
                 <a:latin typeface="Adobe Clean"/>
                 <a:cs typeface="Adobe Clean"/>
               </a:rPr>
-              <a:t>Adobe </a:t>
-            </a:r>
-            <a:r>
-              <a:rPr lang="ko-KR" altLang="en-US" sz="1400" b="1" spc="-15" dirty="0">
-                <a:solidFill>
-                  <a:srgbClr val="020302"/>
-                </a:solidFill>
-                <a:latin typeface="Adobe Clean"/>
-                <a:cs typeface="Adobe Clean"/>
-              </a:rPr>
-              <a:t>지원의 지역적 범위</a:t>
-            </a:r>
-            <a:r>
-              <a:rPr lang="en-US" altLang="ko-KR" sz="1400" b="1" spc="-15" dirty="0">
-                <a:solidFill>
-                  <a:srgbClr val="020302"/>
-                </a:solidFill>
-                <a:latin typeface="Adobe Clean"/>
-                <a:cs typeface="Adobe Clean"/>
-              </a:rPr>
-              <a:t>, </a:t>
-            </a:r>
-            <a:r>
-              <a:rPr lang="ko-KR" altLang="en-US" sz="1400" b="1" spc="-15" dirty="0">
-                <a:solidFill>
-                  <a:srgbClr val="020302"/>
-                </a:solidFill>
-                <a:latin typeface="Adobe Clean"/>
-                <a:cs typeface="Adobe Clean"/>
-              </a:rPr>
-              <a:t>로컬 운영 시간 및 언어 지원</a:t>
-            </a:r>
-            <a:endParaRPr lang="pl-PL" altLang="ko-KR" sz="1400" b="1" spc="-15" dirty="0">
-              <a:solidFill>
-                <a:srgbClr val="020302"/>
-              </a:solidFill>
-              <a:latin typeface="Adobe Clean"/>
-              <a:cs typeface="Adobe Clean"/>
+              <a:t>Regional scope of Adobe Support, Local Hours Of Operation And Language Support</a:t>
+            </a:r>
+            <a:endParaRPr lang="en-US" sz="1400" spc="-15">
+              <a:ea typeface="+mn-lt"/>
+              <a:cs typeface="+mn-lt"/>
             </a:endParaRPr>
           </a:p>
           <a:p>
-            <a:pPr lvl="0">
+            <a:pPr>
               <a:spcBef>
                 <a:spcPts val="915"/>
               </a:spcBef>
             </a:pPr>
             <a:r>
-              <a:rPr lang="en-US" altLang="ko-KR" sz="1000" spc="-15" dirty="0">
+              <a:rPr lang="en-US" sz="1000" spc="-15">
                 <a:solidFill>
                   <a:srgbClr val="1F1F1F"/>
                 </a:solidFill>
                 <a:latin typeface="AdobeClean-Light"/>
               </a:rPr>
-              <a:t>Adobe </a:t>
-            </a:r>
-            <a:r>
-              <a:rPr lang="ko-KR" altLang="en-US" sz="1000" spc="-15" dirty="0">
-                <a:solidFill>
-                  <a:srgbClr val="1F1F1F"/>
-                </a:solidFill>
-                <a:latin typeface="AdobeClean-Light"/>
-              </a:rPr>
-              <a:t>지원의 지역적 범위는 </a:t>
-            </a:r>
-            <a:r>
-              <a:rPr lang="en-US" altLang="ko-KR" sz="1000" spc="-15" dirty="0">
-                <a:solidFill>
-                  <a:srgbClr val="1F1F1F"/>
-                </a:solidFill>
-                <a:latin typeface="AdobeClean-Light"/>
-              </a:rPr>
-              <a:t>(</a:t>
-            </a:r>
-            <a:r>
-              <a:rPr lang="ko-KR" altLang="en-US" sz="1000" spc="-15" dirty="0">
-                <a:solidFill>
-                  <a:srgbClr val="1F1F1F"/>
-                </a:solidFill>
-                <a:latin typeface="AdobeClean-Light"/>
-              </a:rPr>
-              <a:t>판매 주문서 또는 기타 </a:t>
-            </a:r>
-            <a:r>
-              <a:rPr lang="en-US" altLang="ko-KR" sz="1000" spc="-15" dirty="0">
-                <a:solidFill>
-                  <a:srgbClr val="1F1F1F"/>
-                </a:solidFill>
-                <a:latin typeface="AdobeClean-Light"/>
-              </a:rPr>
-              <a:t>Adobe </a:t>
-            </a:r>
-            <a:r>
-              <a:rPr lang="ko-KR" altLang="en-US" sz="1000" spc="-15" dirty="0">
-                <a:solidFill>
-                  <a:srgbClr val="1F1F1F"/>
-                </a:solidFill>
-                <a:latin typeface="AdobeClean-Light"/>
-              </a:rPr>
-              <a:t>지원 구매 문서를 통해</a:t>
-            </a:r>
-            <a:r>
-              <a:rPr lang="en-US" altLang="ko-KR" sz="1000" spc="-15" dirty="0">
-                <a:solidFill>
-                  <a:srgbClr val="1F1F1F"/>
-                </a:solidFill>
-                <a:latin typeface="AdobeClean-Light"/>
-              </a:rPr>
-              <a:t>) </a:t>
-            </a:r>
-            <a:r>
-              <a:rPr lang="ko-KR" altLang="en-US" sz="1000" spc="-15" dirty="0">
-                <a:solidFill>
-                  <a:srgbClr val="1F1F1F"/>
-                </a:solidFill>
-                <a:latin typeface="AdobeClean-Light"/>
-              </a:rPr>
-              <a:t>고객의 청구 주소를 다음 지역 중 하나에 맞춤으로써 설정됩니다</a:t>
-            </a:r>
-            <a:r>
-              <a:rPr lang="en-US" altLang="ko-KR" sz="1000" spc="-15" dirty="0">
-                <a:solidFill>
-                  <a:srgbClr val="1F1F1F"/>
-                </a:solidFill>
-                <a:latin typeface="AdobeClean-Light"/>
-              </a:rPr>
-              <a:t>.</a:t>
-            </a:r>
-            <a:endParaRPr lang="de-de" sz="1000" spc="-15" dirty="0">
-              <a:solidFill>
-                <a:srgbClr val="1F1F1F"/>
-              </a:solidFill>
+              <a:t>The regional scope of Adobe Support is established by aligning the customer's billing address (via the Sales Order or other Adobe Support purchasing document) to one of the following regions:</a:t>
+            </a:r>
+            <a:endParaRPr lang="en-US" sz="1000">
               <a:latin typeface="AdobeClean-Light"/>
             </a:endParaRPr>
           </a:p>
@@ -15538,14 +16425,14 @@
           <p:nvPr>
             <p:extLst>
               <p:ext uri="{D42A27DB-BD31-4B8C-83A1-F6EECF244321}">
-                <p14:modId xmlns:p14="http://schemas.microsoft.com/office/powerpoint/2010/main" val="131420723"/>
+                <p14:modId xmlns:p14="http://schemas.microsoft.com/office/powerpoint/2010/main" val="3975465108"/>
               </p:ext>
             </p:extLst>
           </p:nvPr>
         </p:nvGraphicFramePr>
         <p:xfrm>
           <a:off x="171128" y="5907213"/>
-          <a:ext cx="7391400" cy="1280160"/>
+          <a:ext cx="7391400" cy="1336040"/>
         </p:xfrm>
         <a:graphic>
           <a:graphicData uri="http://schemas.openxmlformats.org/drawingml/2006/table">
@@ -15591,13 +16478,13 @@
                     <a:p>
                       <a:pPr algn="ctr"/>
                       <a:r>
-                        <a:rPr lang="de-de" sz="1100" dirty="0">
+                        <a:rPr lang="en-US" sz="1100">
                           <a:solidFill>
                             <a:schemeClr val="tx1"/>
                           </a:solidFill>
                           <a:latin typeface="Adobe Clean" panose="020B0503020404020204" pitchFamily="34" charset="0"/>
                         </a:rPr>
-                        <a:t>미주</a:t>
+                        <a:t>Americas</a:t>
                       </a:r>
                     </a:p>
                   </a:txBody>
@@ -15656,13 +16543,13 @@
                     <a:p>
                       <a:pPr algn="ctr"/>
                       <a:r>
-                        <a:rPr lang="de-de" sz="1100" dirty="0">
+                        <a:rPr lang="en-US" sz="1100">
                           <a:solidFill>
                             <a:schemeClr val="tx1"/>
                           </a:solidFill>
                           <a:latin typeface="Adobe Clean" panose="020B0503020404020204" pitchFamily="34" charset="0"/>
                         </a:rPr>
-                        <a:t>유럽, 중동 및 아프리카</a:t>
+                        <a:t>Europe, Middle East &amp; Africa</a:t>
                       </a:r>
                     </a:p>
                   </a:txBody>
@@ -15721,13 +16608,13 @@
                     <a:p>
                       <a:pPr algn="ctr"/>
                       <a:r>
-                        <a:rPr lang="de-de" sz="1100" dirty="0">
+                        <a:rPr lang="en-US" sz="1100">
                           <a:solidFill>
                             <a:schemeClr val="tx1"/>
                           </a:solidFill>
                           <a:latin typeface="Adobe Clean" panose="020B0503020404020204" pitchFamily="34" charset="0"/>
                         </a:rPr>
-                        <a:t>아시아 태평양</a:t>
+                        <a:t>Asia Pacific</a:t>
                       </a:r>
                     </a:p>
                   </a:txBody>
@@ -15786,16 +16673,16 @@
                     <a:p>
                       <a:pPr algn="ctr"/>
                       <a:r>
-                        <a:rPr lang="de-de" sz="1100" dirty="0">
+                        <a:rPr lang="en-US" sz="1100">
                           <a:solidFill>
                             <a:schemeClr val="tx1"/>
                           </a:solidFill>
                           <a:latin typeface="Adobe Clean" panose="020B0503020404020204" pitchFamily="34" charset="0"/>
                         </a:rPr>
-                        <a:t>일본 </a:t>
+                        <a:t>Japan </a:t>
                       </a:r>
                       <a:r>
-                        <a:rPr lang="de-de" sz="1100" baseline="30000" dirty="0">
+                        <a:rPr lang="en-US" sz="1100" baseline="30000">
                           <a:solidFill>
                             <a:schemeClr val="tx1"/>
                           </a:solidFill>
@@ -15803,7 +16690,7 @@
                         </a:rPr>
                         <a:t>1 </a:t>
                       </a:r>
-                      <a:endParaRPr lang="en-US" sz="1100" dirty="0">
+                      <a:endParaRPr lang="en-US" sz="1100">
                         <a:solidFill>
                           <a:schemeClr val="tx1"/>
                         </a:solidFill>
@@ -15873,13 +16760,13 @@
                     <a:p>
                       <a:pPr algn="ctr"/>
                       <a:r>
-                        <a:rPr lang="de-de" sz="1100" dirty="0">
+                        <a:rPr lang="en-US" sz="1100">
                           <a:solidFill>
                             <a:schemeClr val="tx1"/>
                           </a:solidFill>
                           <a:latin typeface="Adobe Clean" panose="020B0503020404020204" pitchFamily="34" charset="0"/>
                         </a:rPr>
-                        <a:t>오전 6시~오후 5시 30분</a:t>
+                        <a:t>6 am – 5:30 pm</a:t>
                       </a:r>
                     </a:p>
                   </a:txBody>
@@ -15938,13 +16825,13 @@
                     <a:p>
                       <a:pPr algn="ctr"/>
                       <a:r>
-                        <a:rPr lang="de-de" sz="1100" dirty="0">
+                        <a:rPr lang="en-US" sz="1100">
                           <a:solidFill>
                             <a:schemeClr val="tx1"/>
                           </a:solidFill>
                           <a:latin typeface="Adobe Clean" panose="020B0503020404020204" pitchFamily="34" charset="0"/>
                         </a:rPr>
-                        <a:t>오전 9시~오후 5시</a:t>
+                        <a:t>9 am – 5 pm</a:t>
                       </a:r>
                     </a:p>
                   </a:txBody>
@@ -16003,13 +16890,13 @@
                     <a:p>
                       <a:pPr algn="ctr"/>
                       <a:r>
-                        <a:rPr lang="de-de" sz="1100" dirty="0">
+                        <a:rPr lang="en-US" sz="1100">
                           <a:solidFill>
                             <a:schemeClr val="tx1"/>
                           </a:solidFill>
                           <a:latin typeface="Adobe Clean" panose="020B0503020404020204" pitchFamily="34" charset="0"/>
                         </a:rPr>
-                        <a:t>오전 9시~오후 5시</a:t>
+                        <a:t>9 am – 5 pm</a:t>
                       </a:r>
                     </a:p>
                   </a:txBody>
@@ -16068,13 +16955,13 @@
                     <a:p>
                       <a:pPr algn="ctr"/>
                       <a:r>
-                        <a:rPr lang="de-de" sz="1100" dirty="0">
+                        <a:rPr lang="en-US" sz="1100">
                           <a:solidFill>
                             <a:schemeClr val="tx1"/>
                           </a:solidFill>
                           <a:latin typeface="Adobe Clean" panose="020B0503020404020204" pitchFamily="34" charset="0"/>
                         </a:rPr>
-                        <a:t>오전 9시~오후 5시 30분</a:t>
+                        <a:t>9 am – 5:30 pm</a:t>
                       </a:r>
                     </a:p>
                   </a:txBody>
@@ -16138,7 +17025,7 @@
                     <a:bodyPr/>
                     <a:lstStyle/>
                     <a:p>
-                      <a:pPr marL="0" marR="0" lvl="0" indent="0" algn="ctr" defTabSz="914400" eaLnBrk="1" fontAlgn="auto" latinLnBrk="0" hangingPunct="1">
+                      <a:pPr marL="0" marR="0" lvl="0" indent="0" algn="ctr" eaLnBrk="1" fontAlgn="auto" latinLnBrk="0" hangingPunct="1">
                         <a:lnSpc>
                           <a:spcPct val="100000"/>
                         </a:lnSpc>
@@ -16152,18 +17039,22 @@
                         <a:buSzTx/>
                         <a:buFontTx/>
                         <a:buNone/>
-                        <a:tabLst/>
-                        <a:defRPr/>
                       </a:pPr>
                       <a:r>
-                        <a:rPr lang="de-de" sz="1100" dirty="0">
+                        <a:rPr lang="en-US" sz="1100">
                           <a:solidFill>
                             <a:schemeClr val="tx1"/>
                           </a:solidFill>
-                          <a:latin typeface="Adobe Clean" panose="020B0503020404020204" pitchFamily="34" charset="0"/>
+                          <a:latin typeface="Adobe Clean"/>
                         </a:rPr>
-                        <a:t>언어 지원은 영어와 일본어로만 제공됩니다. </a:t>
+                        <a:t>Language support is only available in English and Japanese. </a:t>
                       </a:r>
+                      <a:endParaRPr lang="en-US" sz="1100">
+                        <a:solidFill>
+                          <a:schemeClr val="tx1"/>
+                        </a:solidFill>
+                        <a:latin typeface="Adobe Clean" panose="020B0503020404020204" pitchFamily="34" charset="0"/>
+                      </a:endParaRPr>
                     </a:p>
                     <a:p>
                       <a:pPr marL="0" marR="0" lvl="0" indent="0" algn="ctr" defTabSz="914400" eaLnBrk="1" fontAlgn="auto" latinLnBrk="0" hangingPunct="1">
@@ -16183,7 +17074,7 @@
                         <a:tabLst/>
                         <a:defRPr/>
                       </a:pPr>
-                      <a:endParaRPr kumimoji="0" lang="en-US" sz="1100" b="1" i="0" u="none" strike="noStrike" kern="0" cap="none" spc="0" normalizeH="0" baseline="30000" noProof="0" dirty="0">
+                      <a:endParaRPr kumimoji="0" lang="en-US" sz="1100" b="1" i="0" u="none" strike="noStrike" kern="0" cap="none" spc="0" normalizeH="0" baseline="30000" noProof="0">
                         <a:ln>
                           <a:noFill/>
                         </a:ln>
@@ -16201,68 +17092,38 @@
                     <a:p>
                       <a:pPr algn="ctr"/>
                       <a:r>
-                        <a:rPr lang="de-de" sz="1100" i="0" dirty="0">
+                        <a:rPr lang="en-US" sz="1100" i="0">
                           <a:solidFill>
                             <a:schemeClr val="tx1"/>
                           </a:solidFill>
-                          <a:latin typeface="Adobe Clean" panose="020B0503020404020204" pitchFamily="34" charset="0"/>
+                          <a:latin typeface="Adobe Clean"/>
                         </a:rPr>
-                        <a:t> </a:t>
+                        <a:t> </a:t>
                       </a:r>
                       <a:r>
-                        <a:rPr lang="de-de" sz="1100" i="0" baseline="30000" dirty="0">
+                        <a:rPr lang="en-US" sz="1100" i="0" baseline="30000">
                           <a:solidFill>
                             <a:schemeClr val="tx1"/>
                           </a:solidFill>
-                          <a:latin typeface="Adobe Clean" panose="020B0503020404020204" pitchFamily="34" charset="0"/>
+                          <a:latin typeface="Adobe Clean"/>
                         </a:rPr>
-                        <a:t>1</a:t>
+                        <a:t>1 </a:t>
                       </a:r>
                       <a:r>
-                        <a:rPr lang="ko-KR" altLang="en-US" sz="1100" i="0" baseline="30000" dirty="0">
+                        <a:rPr lang="en-US" sz="1100" i="0">
                           <a:solidFill>
                             <a:schemeClr val="tx1"/>
                           </a:solidFill>
-                          <a:latin typeface="Adobe Clean" panose="020B0503020404020204" pitchFamily="34" charset="0"/>
+                          <a:latin typeface="Adobe Clean"/>
                         </a:rPr>
-                        <a:t>일본에서 </a:t>
+                        <a:t>P2, P3, P4 cases are limited to business hours only in Japan.</a:t>
                       </a:r>
-                      <a:r>
-                        <a:rPr lang="en-US" altLang="ko-KR" sz="1100" i="0" baseline="30000" dirty="0">
-                          <a:solidFill>
-                            <a:schemeClr val="tx1"/>
-                          </a:solidFill>
-                          <a:latin typeface="Adobe Clean" panose="020B0503020404020204" pitchFamily="34" charset="0"/>
-                        </a:rPr>
-                        <a:t>P2, P3, P4 </a:t>
-                      </a:r>
-                      <a:r>
-                        <a:rPr lang="ko-KR" altLang="en-US" sz="1100" i="0" baseline="30000" dirty="0">
-                          <a:solidFill>
-                            <a:schemeClr val="tx1"/>
-                          </a:solidFill>
-                          <a:latin typeface="Adobe Clean" panose="020B0503020404020204" pitchFamily="34" charset="0"/>
-                        </a:rPr>
-                        <a:t>사례는 업무 시간으로만 제한됩니다</a:t>
-                      </a:r>
-                      <a:r>
-                        <a:rPr lang="en-US" altLang="ko-KR" sz="1100" i="0" baseline="30000" dirty="0">
-                          <a:solidFill>
-                            <a:schemeClr val="tx1"/>
-                          </a:solidFill>
-                          <a:latin typeface="Adobe Clean" panose="020B0503020404020204" pitchFamily="34" charset="0"/>
-                        </a:rPr>
-                        <a:t>.</a:t>
-                      </a:r>
-                      <a:r>
-                        <a:rPr lang="de-de" sz="1100" dirty="0">
-                          <a:solidFill>
-                            <a:schemeClr val="tx1"/>
-                          </a:solidFill>
-                          <a:latin typeface="Adobe Clean" panose="020B0503020404020204" pitchFamily="34" charset="0"/>
-                        </a:rPr>
-                        <a:t>.</a:t>
-                      </a:r>
+                      <a:endParaRPr lang="en-US" sz="1100" b="1" i="0">
+                        <a:solidFill>
+                          <a:schemeClr val="tx1"/>
+                        </a:solidFill>
+                        <a:latin typeface="Adobe Clean"/>
+                      </a:endParaRPr>
                     </a:p>
                   </a:txBody>
                   <a:tcPr anchor="ctr">
@@ -16318,7 +17179,7 @@
                     <a:bodyPr/>
                     <a:lstStyle/>
                     <a:p>
-                      <a:endParaRPr lang="en-US" sz="1100" dirty="0">
+                      <a:endParaRPr lang="en-US" sz="1100">
                         <a:solidFill>
                           <a:schemeClr val="tx1"/>
                         </a:solidFill>
@@ -16379,7 +17240,7 @@
                     <a:bodyPr/>
                     <a:lstStyle/>
                     <a:p>
-                      <a:endParaRPr lang="en-US" sz="1100" dirty="0">
+                      <a:endParaRPr lang="en-US" sz="1100">
                         <a:solidFill>
                           <a:schemeClr val="tx1"/>
                         </a:solidFill>
@@ -16440,7 +17301,7 @@
                     <a:bodyPr/>
                     <a:lstStyle/>
                     <a:p>
-                      <a:endParaRPr lang="en-US" sz="1100" dirty="0">
+                      <a:endParaRPr lang="en-US" sz="1100">
                         <a:solidFill>
                           <a:schemeClr val="tx1"/>
                         </a:solidFill>
@@ -16626,36 +17487,126 @@
               </a:spcBef>
             </a:pPr>
             <a:r>
-              <a:rPr lang="de-de" sz="1200" b="1" spc="-15" dirty="0">
+              <a:rPr sz="1200" b="1" spc="-15">
                 <a:solidFill>
                   <a:srgbClr val="FFFFFF"/>
                 </a:solidFill>
                 <a:latin typeface="Adobe Clean"/>
                 <a:cs typeface="Adobe Clean"/>
               </a:rPr>
-              <a:t>탁월한</a:t>
-            </a:r>
-            <a:r>
-              <a:rPr lang="de-de" sz="1200" b="1" dirty="0">
+              <a:t>U</a:t>
+            </a:r>
+            <a:r>
+              <a:rPr sz="1200" b="1" spc="-20">
                 <a:solidFill>
                   <a:srgbClr val="FFFFFF"/>
                 </a:solidFill>
                 <a:latin typeface="Adobe Clean"/>
                 <a:cs typeface="Adobe Clean"/>
               </a:rPr>
-              <a:t> </a:t>
-            </a:r>
-            <a:r>
-              <a:rPr lang="de-de" sz="1200" b="1" spc="-25" dirty="0">
+              <a:t>n</a:t>
+            </a:r>
+            <a:r>
+              <a:rPr sz="1200" b="1" spc="-25">
                 <a:solidFill>
                   <a:srgbClr val="FFFFFF"/>
                 </a:solidFill>
                 <a:latin typeface="Adobe Clean"/>
                 <a:cs typeface="Adobe Clean"/>
               </a:rPr>
-              <a:t>전문성</a:t>
-            </a:r>
-            <a:endParaRPr sz="1200" dirty="0">
+              <a:t>p</a:t>
+            </a:r>
+            <a:r>
+              <a:rPr sz="1200" b="1" spc="-15">
+                <a:solidFill>
+                  <a:srgbClr val="FFFFFF"/>
+                </a:solidFill>
+                <a:latin typeface="Adobe Clean"/>
+                <a:cs typeface="Adobe Clean"/>
+              </a:rPr>
+              <a:t>a</a:t>
+            </a:r>
+            <a:r>
+              <a:rPr sz="1200" b="1" spc="-25">
+                <a:solidFill>
+                  <a:srgbClr val="FFFFFF"/>
+                </a:solidFill>
+                <a:latin typeface="Adobe Clean"/>
+                <a:cs typeface="Adobe Clean"/>
+              </a:rPr>
+              <a:t>r</a:t>
+            </a:r>
+            <a:r>
+              <a:rPr sz="1200" b="1" spc="-15">
+                <a:solidFill>
+                  <a:srgbClr val="FFFFFF"/>
+                </a:solidFill>
+                <a:latin typeface="Adobe Clean"/>
+                <a:cs typeface="Adobe Clean"/>
+              </a:rPr>
+              <a:t>a</a:t>
+            </a:r>
+            <a:r>
+              <a:rPr sz="1200" b="1" spc="-30">
+                <a:solidFill>
+                  <a:srgbClr val="FFFFFF"/>
+                </a:solidFill>
+                <a:latin typeface="Adobe Clean"/>
+                <a:cs typeface="Adobe Clean"/>
+              </a:rPr>
+              <a:t>ll</a:t>
+            </a:r>
+            <a:r>
+              <a:rPr sz="1200" b="1" spc="-25">
+                <a:solidFill>
+                  <a:srgbClr val="FFFFFF"/>
+                </a:solidFill>
+                <a:latin typeface="Adobe Clean"/>
+                <a:cs typeface="Adobe Clean"/>
+              </a:rPr>
+              <a:t>e</a:t>
+            </a:r>
+            <a:r>
+              <a:rPr sz="1200" b="1" spc="-30">
+                <a:solidFill>
+                  <a:srgbClr val="FFFFFF"/>
+                </a:solidFill>
+                <a:latin typeface="Adobe Clean"/>
+                <a:cs typeface="Adobe Clean"/>
+              </a:rPr>
+              <a:t>l</a:t>
+            </a:r>
+            <a:r>
+              <a:rPr sz="1200" b="1" spc="-25">
+                <a:solidFill>
+                  <a:srgbClr val="FFFFFF"/>
+                </a:solidFill>
+                <a:latin typeface="Adobe Clean"/>
+                <a:cs typeface="Adobe Clean"/>
+              </a:rPr>
+              <a:t>e</a:t>
+            </a:r>
+            <a:r>
+              <a:rPr sz="1200" b="1">
+                <a:solidFill>
+                  <a:srgbClr val="FFFFFF"/>
+                </a:solidFill>
+                <a:latin typeface="Adobe Clean"/>
+                <a:cs typeface="Adobe Clean"/>
+              </a:rPr>
+              <a:t>d  </a:t>
+            </a:r>
+            <a:r>
+              <a:rPr sz="1200" b="1" spc="-25">
+                <a:solidFill>
+                  <a:srgbClr val="FFFFFF"/>
+                </a:solidFill>
+                <a:latin typeface="Adobe Clean"/>
+                <a:cs typeface="Adobe Clean"/>
+              </a:rPr>
+              <a:t>Expertise</a:t>
+            </a:r>
+            <a:endParaRPr sz="1200">
               <a:latin typeface="Adobe Clean"/>
               <a:cs typeface="Adobe Clean"/>
             </a:endParaRPr>
@@ -16698,16 +17649,16 @@
               </a:spcBef>
             </a:pPr>
             <a:r>
-              <a:rPr lang="de-de" sz="1200" b="1" spc="-15" dirty="0">
+              <a:rPr lang="en-US" sz="1200" b="1" spc="-15">
                 <a:solidFill>
                   <a:srgbClr val="FFFFFF"/>
                 </a:solidFill>
                 <a:latin typeface="Adobe Clean"/>
                 <a:cs typeface="Adobe Clean"/>
               </a:rPr>
-              <a:t>신속한 지원</a:t>
-            </a:r>
-            <a:endParaRPr sz="1200" dirty="0">
+              <a:t>Accelerated Support</a:t>
+            </a:r>
+            <a:endParaRPr sz="1200">
               <a:latin typeface="Adobe Clean"/>
               <a:cs typeface="Adobe Clean"/>
             </a:endParaRPr>
@@ -16750,36 +17701,106 @@
               </a:spcBef>
             </a:pPr>
             <a:r>
-              <a:rPr lang="de-de" sz="1200" b="1" spc="-50" dirty="0">
+              <a:rPr sz="1200" b="1" spc="-50">
                 <a:solidFill>
                   <a:srgbClr val="FFFFFF"/>
                 </a:solidFill>
                 <a:latin typeface="Adobe Clean"/>
                 <a:cs typeface="Adobe Clean"/>
               </a:rPr>
-              <a:t>전략적</a:t>
-            </a:r>
-            <a:r>
-              <a:rPr lang="de-de" sz="1200" b="1" dirty="0">
+              <a:t>S</a:t>
+            </a:r>
+            <a:r>
+              <a:rPr sz="1200" b="1" spc="-20">
                 <a:solidFill>
                   <a:srgbClr val="FFFFFF"/>
                 </a:solidFill>
                 <a:latin typeface="Adobe Clean"/>
                 <a:cs typeface="Adobe Clean"/>
               </a:rPr>
-              <a:t> </a:t>
-            </a:r>
-            <a:r>
-              <a:rPr lang="de-de" sz="1200" b="1" spc="-45" dirty="0">
+              <a:t>t</a:t>
+            </a:r>
+            <a:r>
+              <a:rPr sz="1200" b="1" spc="-75">
                 <a:solidFill>
                   <a:srgbClr val="FFFFFF"/>
                 </a:solidFill>
                 <a:latin typeface="Adobe Clean"/>
                 <a:cs typeface="Adobe Clean"/>
               </a:rPr>
-              <a:t>조언</a:t>
-            </a:r>
-            <a:endParaRPr sz="1200" dirty="0">
+              <a:t>r</a:t>
+            </a:r>
+            <a:r>
+              <a:rPr sz="1200" b="1" spc="-90">
+                <a:solidFill>
+                  <a:srgbClr val="FFFFFF"/>
+                </a:solidFill>
+                <a:latin typeface="Adobe Clean"/>
+                <a:cs typeface="Adobe Clean"/>
+              </a:rPr>
+              <a:t>a</a:t>
+            </a:r>
+            <a:r>
+              <a:rPr sz="1200" b="1" spc="-55">
+                <a:solidFill>
+                  <a:srgbClr val="FFFFFF"/>
+                </a:solidFill>
+                <a:latin typeface="Adobe Clean"/>
+                <a:cs typeface="Adobe Clean"/>
+              </a:rPr>
+              <a:t>t</a:t>
+            </a:r>
+            <a:r>
+              <a:rPr sz="1200" b="1" spc="-100">
+                <a:solidFill>
+                  <a:srgbClr val="FFFFFF"/>
+                </a:solidFill>
+                <a:latin typeface="Adobe Clean"/>
+                <a:cs typeface="Adobe Clean"/>
+              </a:rPr>
+              <a:t>e</a:t>
+            </a:r>
+            <a:r>
+              <a:rPr sz="1200" b="1" spc="-80">
+                <a:solidFill>
+                  <a:srgbClr val="FFFFFF"/>
+                </a:solidFill>
+                <a:latin typeface="Adobe Clean"/>
+                <a:cs typeface="Adobe Clean"/>
+              </a:rPr>
+              <a:t>g</a:t>
+            </a:r>
+            <a:r>
+              <a:rPr sz="1200" b="1" spc="-35">
+                <a:solidFill>
+                  <a:srgbClr val="FFFFFF"/>
+                </a:solidFill>
+                <a:latin typeface="Adobe Clean"/>
+                <a:cs typeface="Adobe Clean"/>
+              </a:rPr>
+              <a:t>i</a:t>
+            </a:r>
+            <a:r>
+              <a:rPr sz="1200" b="1">
+                <a:solidFill>
+                  <a:srgbClr val="FFFFFF"/>
+                </a:solidFill>
+                <a:latin typeface="Adobe Clean"/>
+                <a:cs typeface="Adobe Clean"/>
+              </a:rPr>
+              <a:t>c  </a:t>
+            </a:r>
+            <a:r>
+              <a:rPr sz="1200" b="1" spc="-45">
+                <a:solidFill>
+                  <a:srgbClr val="FFFFFF"/>
+                </a:solidFill>
+                <a:latin typeface="Adobe Clean"/>
+                <a:cs typeface="Adobe Clean"/>
+              </a:rPr>
+              <a:t>Advice</a:t>
+            </a:r>
+            <a:endParaRPr sz="1200">
               <a:latin typeface="Adobe Clean"/>
               <a:cs typeface="Adobe Clean"/>
             </a:endParaRPr>
@@ -16839,7 +17860,7 @@
                     <a:lstStyle/>
                     <a:p>
                       <a:r>
-                        <a:rPr lang="de-de" sz="1100" b="0" dirty="0">
+                        <a:rPr lang="en-US" sz="1100" b="0">
                           <a:solidFill>
                             <a:schemeClr val="tx1"/>
                           </a:solidFill>
@@ -16850,7 +17871,7 @@
                         </a:rPr>
                         <a:t>Experience League</a:t>
                       </a:r>
-                      <a:endParaRPr lang="en-US" sz="1100" b="0" dirty="0">
+                      <a:endParaRPr lang="en-US" sz="1100" b="0">
                         <a:solidFill>
                           <a:schemeClr val="tx1"/>
                         </a:solidFill>
@@ -16931,7 +17952,7 @@
                         <a:defRPr/>
                       </a:pPr>
                       <a:r>
-                        <a:rPr lang="de-de" sz="1000" b="0" kern="1200" dirty="0">
+                        <a:rPr lang="en-US" sz="1000" b="0" kern="1200">
                           <a:solidFill>
                             <a:srgbClr val="000000"/>
                           </a:solidFill>
@@ -16939,7 +17960,7 @@
                           <a:ea typeface="+mn-ea"/>
                           <a:cs typeface="+mn-cs"/>
                         </a:rPr>
-                        <a:t>Experience League를 통해 Adobe는 기업이 Adobe 투자에서 기대하는 가치를 달성하도록 지원합니다. 고객이 자기 주도 튜토리얼, 제품 설명서, 강의식 교육, 커뮤니티 및 기술 지원을 포함하는 개인 맞춤형 성공 경로를 따라가며 배우고, 교류하고, 성장할 수 있는 통합된 공간입니다. </a:t>
+                        <a:t>Experience League is how Adobe helps businesses achieve the value they expect from their Adobe investment. It’s the unified place where customers can learn, connect, and grow along a personalized path to success that includes self-help tutorials, product documentation, instructor-led training, community and technical support. </a:t>
                       </a:r>
                     </a:p>
                   </a:txBody>
@@ -17021,7 +18042,7 @@
                         <a:defRPr/>
                       </a:pPr>
                       <a:r>
-                        <a:rPr lang="de-de" sz="1100" dirty="0">
+                        <a:rPr lang="en-US" sz="1100">
                           <a:solidFill>
                             <a:schemeClr val="dk1"/>
                           </a:solidFill>
@@ -17031,10 +18052,10 @@
                           <a:cs typeface="+mn-cs"/>
                           <a:hlinkClick r:id="rId8"/>
                         </a:rPr>
-                        <a:t>교육</a:t>
+                        <a:t>Training</a:t>
                       </a:r>
                       <a:r>
-                        <a:rPr lang="de-de" sz="1100" dirty="0">
+                        <a:rPr lang="en-US" sz="1100">
                           <a:solidFill>
                             <a:schemeClr val="dk1"/>
                           </a:solidFill>
@@ -17045,7 +18066,7 @@
                         </a:rPr>
                         <a:t> </a:t>
                       </a:r>
-                      <a:endParaRPr lang="en-US" sz="1100" dirty="0">
+                      <a:endParaRPr lang="en-US" sz="1100">
                         <a:solidFill>
                           <a:schemeClr val="tx1"/>
                         </a:solidFill>
@@ -17127,7 +18148,7 @@
                         <a:defRPr/>
                       </a:pPr>
                       <a:r>
-                        <a:rPr lang="de-de" sz="1000" kern="1200" dirty="0">
+                        <a:rPr lang="en-US" sz="1000" kern="1200">
                           <a:solidFill>
                             <a:srgbClr val="000000"/>
                           </a:solidFill>
@@ -17135,7 +18156,7 @@
                           <a:ea typeface="+mn-ea"/>
                           <a:cs typeface="+mn-cs"/>
                         </a:rPr>
-                        <a:t>Adobe 디지털 학습 서비스 과정은 Experience League에서 액세스할 수 있습니다. 학습 과정은 주문형 수업과 강의식 수업을 모두 통합합니다. 여기에서 시장 가치를 인정받은 기술을 습득하고 조직에 포지셔닝하여 성공으로 이끌 수 있습니다.</a:t>
+                        <a:t>Adobe Digital Learning Services courses are accessible from Experience League. Learning courses integrate both on-demand and instructor-led lessons.  Here you can accrue skills that have recognized market value and position them to drive success in your organizations.</a:t>
                       </a:r>
                     </a:p>
                   </a:txBody>
@@ -17217,7 +18238,7 @@
                         <a:defRPr/>
                       </a:pPr>
                       <a:r>
-                        <a:rPr lang="de-de" sz="1100" dirty="0">
+                        <a:rPr lang="en-US" sz="1100">
                           <a:solidFill>
                             <a:schemeClr val="tx1"/>
                           </a:solidFill>
@@ -17227,9 +18248,9 @@
                           <a:cs typeface="+mn-cs"/>
                           <a:hlinkClick r:id="rId9"/>
                         </a:rPr>
-                        <a:t>생산 문제 및 시스템 중단</a:t>
+                        <a:t>Production Issues &amp; System Outages</a:t>
                       </a:r>
-                      <a:endParaRPr lang="en-US" sz="1100" dirty="0">
+                      <a:endParaRPr lang="en-US" sz="1100">
                         <a:solidFill>
                           <a:schemeClr val="tx1"/>
                         </a:solidFill>
@@ -17311,7 +18332,7 @@
                         <a:defRPr/>
                       </a:pPr>
                       <a:r>
-                        <a:rPr lang="de-de" sz="1000" kern="1200" dirty="0">
+                        <a:rPr lang="en-US" sz="1000" kern="1200">
                           <a:solidFill>
                             <a:srgbClr val="000000"/>
                           </a:solidFill>
@@ -17319,7 +18340,7 @@
                           <a:ea typeface="+mn-ea"/>
                           <a:cs typeface="+mn-cs"/>
                         </a:rPr>
-                        <a:t>Status.adobe.com은 다중 테넌트 환경에 배포된 모든 Adobe 제품 및 서비스의 상태 정보를 전달합니다. 고객은 구독 기본 설정을 선택하여 Adobe가 제품 이벤트를 생성 업데이트 또는 해결할 때마다 이메일 알림을 받을 수 있습니다. 여기에는 예정된 유지 관리 또는 다양한 심각도 수준의 서비스 문제가 포함될 수 있습니다. </a:t>
+                        <a:t>Status.adobe.com conveys the health information of all Adobe products and services that are deployed in multi-tenant environments. Customers can choose their subscription preferences to get email notifications whenever Adobe creates, updates or resolves a product event. This can include scheduled maintenance or service issues of varying levels of severity. </a:t>
                       </a:r>
                     </a:p>
                   </a:txBody>
@@ -17401,7 +18422,7 @@
                         <a:defRPr/>
                       </a:pPr>
                       <a:r>
-                        <a:rPr lang="de-de" sz="1100" dirty="0">
+                        <a:rPr lang="en-US" sz="1100">
                           <a:solidFill>
                             <a:schemeClr val="tx1"/>
                           </a:solidFill>
@@ -17411,9 +18432,9 @@
                           <a:cs typeface="+mn-cs"/>
                           <a:hlinkClick r:id="rId10"/>
                         </a:rPr>
-                        <a:t>약관</a:t>
+                        <a:t>Terms and Conditions</a:t>
                       </a:r>
-                      <a:endParaRPr lang="en-US" sz="1100" dirty="0">
+                      <a:endParaRPr lang="en-US" sz="1100">
                         <a:solidFill>
                           <a:schemeClr val="tx1"/>
                         </a:solidFill>
@@ -17478,7 +18499,7 @@
                     <a:lstStyle/>
                     <a:p>
                       <a:r>
-                        <a:rPr lang="de-de" sz="1000" kern="1200" dirty="0">
+                        <a:rPr lang="en-US" sz="1000" kern="1200">
                           <a:solidFill>
                             <a:srgbClr val="000000"/>
                           </a:solidFill>
@@ -17486,7 +18507,7 @@
                           <a:ea typeface="+mn-ea"/>
                           <a:cs typeface="+mn-cs"/>
                         </a:rPr>
-                        <a:t>지원 서비스 제공 사항을 자세히 설명하는 약관입니다.</a:t>
+                        <a:t>Terms and conditions detailing Support Services offerings</a:t>
                       </a:r>
                     </a:p>
                   </a:txBody>
@@ -17550,7 +18571,7 @@
       </p:graphicFrame>
       <p:pic>
         <p:nvPicPr>
-          <p:cNvPr id="8" name="Graphic 7" descr="타겟 개요">
+          <p:cNvPr id="8" name="Graphic 7" descr="Target outline">
             <a:extLst>
               <a:ext uri="{FF2B5EF4-FFF2-40B4-BE49-F238E27FC236}">
                 <a16:creationId xmlns:a16="http://schemas.microsoft.com/office/drawing/2014/main" id="{1EAA263E-04A7-0D46-952E-EA3033B45116}"/>
@@ -17589,7 +18610,7 @@
       </p:pic>
       <p:pic>
         <p:nvPicPr>
-          <p:cNvPr id="10" name="Graphic 9" descr="로켓 개요">
+          <p:cNvPr id="10" name="Graphic 9" descr="Rocket outline">
             <a:extLst>
               <a:ext uri="{FF2B5EF4-FFF2-40B4-BE49-F238E27FC236}">
                 <a16:creationId xmlns:a16="http://schemas.microsoft.com/office/drawing/2014/main" id="{A068EBC3-B418-4E4A-A520-101CA4B39F23}"/>
@@ -17628,7 +18649,7 @@
       </p:pic>
       <p:pic>
         <p:nvPicPr>
-          <p:cNvPr id="12" name="Graphic 11" descr="메달 개요">
+          <p:cNvPr id="12" name="Graphic 11" descr="Medal outline">
             <a:extLst>
               <a:ext uri="{FF2B5EF4-FFF2-40B4-BE49-F238E27FC236}">
                 <a16:creationId xmlns:a16="http://schemas.microsoft.com/office/drawing/2014/main" id="{C7BEFC2D-0CA6-0448-B9FA-6E1581CA6D36}"/>
@@ -18257,6 +19278,12 @@
 </file>
 
 <file path=customXml/item1.xml><?xml version="1.0" encoding="utf-8"?>
+<p:properties xmlns:p="http://schemas.microsoft.com/office/2006/metadata/properties" xmlns:xsi="http://www.w3.org/2001/XMLSchema-instance" xmlns:pc="http://schemas.microsoft.com/office/infopath/2007/PartnerControls">
+  <documentManagement/>
+</p:properties>
+</file>
+
+<file path=customXml/item2.xml><?xml version="1.0" encoding="utf-8"?>
 <ct:contentTypeSchema xmlns:ct="http://schemas.microsoft.com/office/2006/metadata/contentType" xmlns:ma="http://schemas.microsoft.com/office/2006/metadata/properties/metaAttributes" ct:_="" ma:_="" ma:contentTypeName="Document" ma:contentTypeID="0x010100E783BF6876BCC646A459363AF21A7736" ma:contentTypeVersion="10" ma:contentTypeDescription="Create a new document." ma:contentTypeScope="" ma:versionID="c4ffda7f4f415767600769e454c2ea87">
   <xsd:schema xmlns:xsd="http://www.w3.org/2001/XMLSchema" xmlns:xs="http://www.w3.org/2001/XMLSchema" xmlns:p="http://schemas.microsoft.com/office/2006/metadata/properties" xmlns:ns2="8a053bff-88be-49e4-9a87-e748e18b8b62" xmlns:ns3="6c8368ec-3776-49b5-a5bb-90648cf9530f" targetNamespace="http://schemas.microsoft.com/office/2006/metadata/properties" ma:root="true" ma:fieldsID="df3ec33bccc23e23bce7bc897fad43d1" ns2:_="" ns3:_="">
     <xsd:import namespace="8a053bff-88be-49e4-9a87-e748e18b8b62"/>
@@ -18461,7 +19488,7 @@
 </ct:contentTypeSchema>
 </file>
 
-<file path=customXml/item2.xml><?xml version="1.0" encoding="utf-8"?>
+<file path=customXml/item3.xml><?xml version="1.0" encoding="utf-8"?>
 <?mso-contentType ?>
 <FormTemplates xmlns="http://schemas.microsoft.com/sharepoint/v3/contenttype/forms">
   <Display>DocumentLibraryForm</Display>
@@ -18470,44 +19497,38 @@
 </FormTemplates>
 </file>
 
-<file path=customXml/item3.xml><?xml version="1.0" encoding="utf-8"?>
-<p:properties xmlns:p="http://schemas.microsoft.com/office/2006/metadata/properties" xmlns:xsi="http://www.w3.org/2001/XMLSchema-instance" xmlns:pc="http://schemas.microsoft.com/office/infopath/2007/PartnerControls">
-  <documentManagement/>
-</p:properties>
-</file>
-
 <file path=customXml/itemProps1.xml><?xml version="1.0" encoding="utf-8"?>
-<ds:datastoreItem xmlns:ds="http://schemas.openxmlformats.org/officeDocument/2006/customXml" ds:itemID="{75C1A8FD-3884-41A0-BE37-D15776C885D1}">
-  <ds:schemaRefs>
-    <ds:schemaRef ds:uri="http://schemas.microsoft.com/office/2006/metadata/contentType"/>
-    <ds:schemaRef ds:uri="http://schemas.microsoft.com/office/2006/metadata/properties/metaAttributes"/>
-    <ds:schemaRef ds:uri="http://www.w3.org/2001/XMLSchema"/>
-    <ds:schemaRef ds:uri="http://schemas.microsoft.com/office/2006/metadata/properties"/>
-    <ds:schemaRef ds:uri="8a053bff-88be-49e4-9a87-e748e18b8b62"/>
-    <ds:schemaRef ds:uri="6c8368ec-3776-49b5-a5bb-90648cf9530f"/>
-    <ds:schemaRef ds:uri="http://schemas.microsoft.com/office/2006/documentManagement/types"/>
-    <ds:schemaRef ds:uri="http://schemas.microsoft.com/office/infopath/2007/PartnerControls"/>
-    <ds:schemaRef ds:uri="http://schemas.openxmlformats.org/package/2006/metadata/core-properties"/>
-    <ds:schemaRef ds:uri="http://purl.org/dc/elements/1.1/"/>
-    <ds:schemaRef ds:uri="http://purl.org/dc/terms/"/>
-    <ds:schemaRef ds:uri="http://schemas.microsoft.com/internal/obd"/>
-  </ds:schemaRefs>
-</ds:datastoreItem>
-</file>
-
-<file path=customXml/itemProps2.xml><?xml version="1.0" encoding="utf-8"?>
-<ds:datastoreItem xmlns:ds="http://schemas.openxmlformats.org/officeDocument/2006/customXml" ds:itemID="{669D9D3B-3229-44EE-9964-24A06AE66887}">
-  <ds:schemaRefs>
-    <ds:schemaRef ds:uri="http://schemas.microsoft.com/sharepoint/v3/contenttype/forms"/>
-  </ds:schemaRefs>
-</ds:datastoreItem>
-</file>
-
-<file path=customXml/itemProps3.xml><?xml version="1.0" encoding="utf-8"?>
 <ds:datastoreItem xmlns:ds="http://schemas.openxmlformats.org/officeDocument/2006/customXml" ds:itemID="{CED41536-010B-47B1-9229-B72BE4090090}">
   <ds:schemaRefs>
     <ds:schemaRef ds:uri="http://schemas.microsoft.com/office/2006/metadata/properties"/>
     <ds:schemaRef ds:uri="http://schemas.microsoft.com/office/infopath/2007/PartnerControls"/>
   </ds:schemaRefs>
 </ds:datastoreItem>
+</file>
+
+<file path=customXml/itemProps2.xml><?xml version="1.0" encoding="utf-8"?>
+<ds:datastoreItem xmlns:ds="http://schemas.openxmlformats.org/officeDocument/2006/customXml" ds:itemID="{75C1A8FD-3884-41A0-BE37-D15776C885D1}">
+  <ds:schemaRefs>
+    <ds:schemaRef ds:uri="6c8368ec-3776-49b5-a5bb-90648cf9530f"/>
+    <ds:schemaRef ds:uri="8a053bff-88be-49e4-9a87-e748e18b8b62"/>
+    <ds:schemaRef ds:uri="http://purl.org/dc/elements/1.1/"/>
+    <ds:schemaRef ds:uri="http://purl.org/dc/terms/"/>
+    <ds:schemaRef ds:uri="http://schemas.microsoft.com/internal/obd"/>
+    <ds:schemaRef ds:uri="http://schemas.microsoft.com/office/2006/documentManagement/types"/>
+    <ds:schemaRef ds:uri="http://schemas.microsoft.com/office/2006/metadata/contentType"/>
+    <ds:schemaRef ds:uri="http://schemas.microsoft.com/office/2006/metadata/properties"/>
+    <ds:schemaRef ds:uri="http://schemas.microsoft.com/office/2006/metadata/properties/metaAttributes"/>
+    <ds:schemaRef ds:uri="http://schemas.microsoft.com/office/infopath/2007/PartnerControls"/>
+    <ds:schemaRef ds:uri="http://schemas.openxmlformats.org/package/2006/metadata/core-properties"/>
+    <ds:schemaRef ds:uri="http://www.w3.org/2001/XMLSchema"/>
+  </ds:schemaRefs>
+</ds:datastoreItem>
+</file>
+
+<file path=customXml/itemProps3.xml><?xml version="1.0" encoding="utf-8"?>
+<ds:datastoreItem xmlns:ds="http://schemas.openxmlformats.org/officeDocument/2006/customXml" ds:itemID="{669D9D3B-3229-44EE-9964-24A06AE66887}">
+  <ds:schemaRefs>
+    <ds:schemaRef ds:uri="http://schemas.microsoft.com/sharepoint/v3/contenttype/forms"/>
+  </ds:schemaRefs>
+</ds:datastoreItem>
 </file>
--- a/help/data-sheets/assets/EliteSupportDatasheet.pptx
+++ b/help/data-sheets/assets/EliteSupportDatasheet.pptx
@@ -151,38 +151,9 @@
 <file path=ppt/revisionInfo.xml><?xml version="1.0" encoding="utf-8"?>
 <p1510:revInfo xmlns:a="http://schemas.openxmlformats.org/drawingml/2006/main" xmlns:r="http://schemas.openxmlformats.org/officeDocument/2006/relationships" xmlns:p1510="http://schemas.microsoft.com/office/powerpoint/2015/10/main">
   <p1510:revLst>
-    <p1510:client id="{0BC4D7A0-4BBD-1B49-BE14-170949F0EA37}" v="4" dt="2021-10-13T19:10:14.670"/>
+    <p1510:client id="{86768B6F-E5DF-274A-B928-9320E1DF9962}" v="132" dt="2021-08-07T02:18:13.925"/>
   </p1510:revLst>
 </p1510:revInfo>
-</file>
-
-<file path=ppt/changesInfos/changesInfo1.xml><?xml version="1.0" encoding="utf-8"?>
-<pc:chgInfo xmlns:a="http://schemas.openxmlformats.org/drawingml/2006/main" xmlns:r="http://schemas.openxmlformats.org/officeDocument/2006/relationships" xmlns:ac="http://schemas.microsoft.com/office/drawing/2013/main/command" xmlns:pc="http://schemas.microsoft.com/office/powerpoint/2013/main/command">
-  <pc:docChgLst>
-    <pc:chgData name="Lauren Schutte" userId="6e08b2d3-447a-4d66-86be-444d50df187f" providerId="ADAL" clId="{0BC4D7A0-4BBD-1B49-BE14-170949F0EA37}"/>
-    <pc:docChg chg="modSld">
-      <pc:chgData name="Lauren Schutte" userId="6e08b2d3-447a-4d66-86be-444d50df187f" providerId="ADAL" clId="{0BC4D7A0-4BBD-1B49-BE14-170949F0EA37}" dt="2021-10-13T19:10:14.671" v="3" actId="1035"/>
-      <pc:docMkLst>
-        <pc:docMk/>
-      </pc:docMkLst>
-      <pc:sldChg chg="modSp mod">
-        <pc:chgData name="Lauren Schutte" userId="6e08b2d3-447a-4d66-86be-444d50df187f" providerId="ADAL" clId="{0BC4D7A0-4BBD-1B49-BE14-170949F0EA37}" dt="2021-10-13T19:10:14.671" v="3" actId="1035"/>
-        <pc:sldMkLst>
-          <pc:docMk/>
-          <pc:sldMk cId="0" sldId="256"/>
-        </pc:sldMkLst>
-        <pc:spChg chg="mod">
-          <ac:chgData name="Lauren Schutte" userId="6e08b2d3-447a-4d66-86be-444d50df187f" providerId="ADAL" clId="{0BC4D7A0-4BBD-1B49-BE14-170949F0EA37}" dt="2021-10-13T19:10:14.671" v="3" actId="1035"/>
-          <ac:spMkLst>
-            <pc:docMk/>
-            <pc:sldMk cId="0" sldId="256"/>
-            <ac:spMk id="4" creationId="{00000000-0000-0000-0000-000000000000}"/>
-          </ac:spMkLst>
-        </pc:spChg>
-      </pc:sldChg>
-    </pc:docChg>
-  </pc:docChgLst>
-</pc:chgInfo>
 </file>
 
 <file path=ppt/notesMasters/notesMaster1.xml><?xml version="1.0" encoding="utf-8"?>
@@ -267,7 +238,7 @@
           <a:p>
             <a:fld id="{C12E57D6-2086-AA47-A7A4-C0CDE7C14E44}" type="datetimeFigureOut">
               <a:rPr lang="en-US" smtClean="0"/>
-              <a:t>10/13/2021</a:t>
+              <a:t>10/11/21</a:t>
             </a:fld>
             <a:endParaRPr lang="en-US"/>
           </a:p>
@@ -578,7 +549,7 @@
           <a:bodyPr/>
           <a:lstStyle/>
           <a:p>
-            <a:endParaRPr lang="en-US"/>
+            <a:endParaRPr lang="en-US" dirty="0"/>
           </a:p>
         </p:txBody>
       </p:sp>
@@ -662,7 +633,7 @@
           <a:bodyPr/>
           <a:lstStyle/>
           <a:p>
-            <a:endParaRPr lang="en-US"/>
+            <a:endParaRPr lang="en-US" dirty="0"/>
           </a:p>
         </p:txBody>
       </p:sp>
@@ -841,7 +812,7 @@
           <a:p>
             <a:fld id="{1D8BD707-D9CF-40AE-B4C6-C98DA3205C09}" type="datetimeFigureOut">
               <a:rPr lang="en-US"/>
-              <a:t>10/13/2021</a:t>
+              <a:t>10/11/21</a:t>
             </a:fld>
             <a:endParaRPr lang="en-US"/>
           </a:p>
@@ -881,7 +852,7 @@
               </a:spcBef>
             </a:pPr>
             <a:r>
-              <a:rPr spc="-5"/>
+              <a:rPr spc="-5" dirty="0"/>
               <a:t>©</a:t>
             </a:r>
             <a:fld id="{81D60167-4931-47E6-BA6A-407CBD079E47}" type="slidenum">
@@ -889,35 +860,35 @@
               <a:t>‹#›</a:t>
             </a:fld>
             <a:r>
-              <a:rPr spc="-5"/>
+              <a:rPr spc="-5" dirty="0"/>
               <a:t> Adobe. All</a:t>
             </a:r>
             <a:r>
-              <a:rPr spc="-15"/>
+              <a:rPr spc="-15" dirty="0"/>
               <a:t> Rights</a:t>
             </a:r>
             <a:r>
-              <a:rPr spc="-10"/>
+              <a:rPr spc="-10" dirty="0"/>
               <a:t> </a:t>
             </a:r>
             <a:r>
-              <a:rPr spc="-15"/>
+              <a:rPr spc="-15" dirty="0"/>
               <a:t>Reserved.</a:t>
             </a:r>
             <a:r>
-              <a:rPr spc="-10"/>
+              <a:rPr spc="-10" dirty="0"/>
               <a:t> </a:t>
             </a:r>
             <a:r>
-              <a:rPr spc="-5"/>
+              <a:rPr spc="-5" dirty="0"/>
               <a:t>Adobe</a:t>
             </a:r>
             <a:r>
-              <a:rPr spc="60"/>
+              <a:rPr spc="60" dirty="0"/>
               <a:t> </a:t>
             </a:r>
             <a:r>
-              <a:rPr spc="-15"/>
+              <a:rPr spc="-15" dirty="0"/>
               <a:t>Confidential.</a:t>
             </a:r>
           </a:p>
@@ -1086,7 +1057,7 @@
           <a:p>
             <a:fld id="{1D8BD707-D9CF-40AE-B4C6-C98DA3205C09}" type="datetimeFigureOut">
               <a:rPr lang="en-US"/>
-              <a:t>10/13/2021</a:t>
+              <a:t>10/11/21</a:t>
             </a:fld>
             <a:endParaRPr lang="en-US"/>
           </a:p>
@@ -1126,7 +1097,7 @@
               </a:spcBef>
             </a:pPr>
             <a:r>
-              <a:rPr spc="-5"/>
+              <a:rPr spc="-5" dirty="0"/>
               <a:t>©</a:t>
             </a:r>
             <a:fld id="{81D60167-4931-47E6-BA6A-407CBD079E47}" type="slidenum">
@@ -1134,35 +1105,35 @@
               <a:t>‹#›</a:t>
             </a:fld>
             <a:r>
-              <a:rPr spc="-5"/>
+              <a:rPr spc="-5" dirty="0"/>
               <a:t> Adobe. All</a:t>
             </a:r>
             <a:r>
-              <a:rPr spc="-15"/>
+              <a:rPr spc="-15" dirty="0"/>
               <a:t> Rights</a:t>
             </a:r>
             <a:r>
-              <a:rPr spc="-10"/>
+              <a:rPr spc="-10" dirty="0"/>
               <a:t> </a:t>
             </a:r>
             <a:r>
-              <a:rPr spc="-15"/>
+              <a:rPr spc="-15" dirty="0"/>
               <a:t>Reserved.</a:t>
             </a:r>
             <a:r>
-              <a:rPr spc="-10"/>
+              <a:rPr spc="-10" dirty="0"/>
               <a:t> </a:t>
             </a:r>
             <a:r>
-              <a:rPr spc="-5"/>
+              <a:rPr spc="-5" dirty="0"/>
               <a:t>Adobe</a:t>
             </a:r>
             <a:r>
-              <a:rPr spc="60"/>
+              <a:rPr spc="60" dirty="0"/>
               <a:t> </a:t>
             </a:r>
             <a:r>
-              <a:rPr spc="-15"/>
+              <a:rPr spc="-15" dirty="0"/>
               <a:t>Confidential.</a:t>
             </a:r>
           </a:p>
@@ -1344,7 +1315,7 @@
           <a:p>
             <a:fld id="{1D8BD707-D9CF-40AE-B4C6-C98DA3205C09}" type="datetimeFigureOut">
               <a:rPr lang="en-US"/>
-              <a:t>10/13/2021</a:t>
+              <a:t>10/11/21</a:t>
             </a:fld>
             <a:endParaRPr lang="en-US"/>
           </a:p>
@@ -1384,7 +1355,7 @@
               </a:spcBef>
             </a:pPr>
             <a:r>
-              <a:rPr spc="-5"/>
+              <a:rPr spc="-5" dirty="0"/>
               <a:t>©</a:t>
             </a:r>
             <a:fld id="{81D60167-4931-47E6-BA6A-407CBD079E47}" type="slidenum">
@@ -1392,35 +1363,35 @@
               <a:t>‹#›</a:t>
             </a:fld>
             <a:r>
-              <a:rPr spc="-5"/>
+              <a:rPr spc="-5" dirty="0"/>
               <a:t> Adobe. All</a:t>
             </a:r>
             <a:r>
-              <a:rPr spc="-15"/>
+              <a:rPr spc="-15" dirty="0"/>
               <a:t> Rights</a:t>
             </a:r>
             <a:r>
-              <a:rPr spc="-10"/>
+              <a:rPr spc="-10" dirty="0"/>
               <a:t> </a:t>
             </a:r>
             <a:r>
-              <a:rPr spc="-15"/>
+              <a:rPr spc="-15" dirty="0"/>
               <a:t>Reserved.</a:t>
             </a:r>
             <a:r>
-              <a:rPr spc="-10"/>
+              <a:rPr spc="-10" dirty="0"/>
               <a:t> </a:t>
             </a:r>
             <a:r>
-              <a:rPr spc="-5"/>
+              <a:rPr spc="-5" dirty="0"/>
               <a:t>Adobe</a:t>
             </a:r>
             <a:r>
-              <a:rPr spc="60"/>
+              <a:rPr spc="60" dirty="0"/>
               <a:t> </a:t>
             </a:r>
             <a:r>
-              <a:rPr spc="-15"/>
+              <a:rPr spc="-15" dirty="0"/>
               <a:t>Confidential.</a:t>
             </a:r>
           </a:p>
@@ -1536,7 +1507,7 @@
           <a:p>
             <a:fld id="{1D8BD707-D9CF-40AE-B4C6-C98DA3205C09}" type="datetimeFigureOut">
               <a:rPr lang="en-US"/>
-              <a:t>10/13/2021</a:t>
+              <a:t>10/11/21</a:t>
             </a:fld>
             <a:endParaRPr lang="en-US"/>
           </a:p>
@@ -1576,7 +1547,7 @@
               </a:spcBef>
             </a:pPr>
             <a:r>
-              <a:rPr spc="-5"/>
+              <a:rPr spc="-5" dirty="0"/>
               <a:t>©</a:t>
             </a:r>
             <a:fld id="{81D60167-4931-47E6-BA6A-407CBD079E47}" type="slidenum">
@@ -1584,35 +1555,35 @@
               <a:t>‹#›</a:t>
             </a:fld>
             <a:r>
-              <a:rPr spc="-5"/>
+              <a:rPr spc="-5" dirty="0"/>
               <a:t> Adobe. All</a:t>
             </a:r>
             <a:r>
-              <a:rPr spc="-15"/>
+              <a:rPr spc="-15" dirty="0"/>
               <a:t> Rights</a:t>
             </a:r>
             <a:r>
-              <a:rPr spc="-10"/>
+              <a:rPr spc="-10" dirty="0"/>
               <a:t> </a:t>
             </a:r>
             <a:r>
-              <a:rPr spc="-15"/>
+              <a:rPr spc="-15" dirty="0"/>
               <a:t>Reserved.</a:t>
             </a:r>
             <a:r>
-              <a:rPr spc="-10"/>
+              <a:rPr spc="-10" dirty="0"/>
               <a:t> </a:t>
             </a:r>
             <a:r>
-              <a:rPr spc="-5"/>
+              <a:rPr spc="-5" dirty="0"/>
               <a:t>Adobe</a:t>
             </a:r>
             <a:r>
-              <a:rPr spc="60"/>
+              <a:rPr spc="60" dirty="0"/>
               <a:t> </a:t>
             </a:r>
             <a:r>
-              <a:rPr spc="-15"/>
+              <a:rPr spc="-15" dirty="0"/>
               <a:t>Confidential.</a:t>
             </a:r>
           </a:p>
@@ -1699,7 +1670,7 @@
           <a:p>
             <a:fld id="{1D8BD707-D9CF-40AE-B4C6-C98DA3205C09}" type="datetimeFigureOut">
               <a:rPr lang="en-US"/>
-              <a:t>10/13/2021</a:t>
+              <a:t>10/11/21</a:t>
             </a:fld>
             <a:endParaRPr lang="en-US"/>
           </a:p>
@@ -1739,7 +1710,7 @@
               </a:spcBef>
             </a:pPr>
             <a:r>
-              <a:rPr spc="-5"/>
+              <a:rPr spc="-5" dirty="0"/>
               <a:t>©</a:t>
             </a:r>
             <a:fld id="{81D60167-4931-47E6-BA6A-407CBD079E47}" type="slidenum">
@@ -1747,35 +1718,35 @@
               <a:t>‹#›</a:t>
             </a:fld>
             <a:r>
-              <a:rPr spc="-5"/>
+              <a:rPr spc="-5" dirty="0"/>
               <a:t> Adobe. All</a:t>
             </a:r>
             <a:r>
-              <a:rPr spc="-15"/>
+              <a:rPr spc="-15" dirty="0"/>
               <a:t> Rights</a:t>
             </a:r>
             <a:r>
-              <a:rPr spc="-10"/>
+              <a:rPr spc="-10" dirty="0"/>
               <a:t> </a:t>
             </a:r>
             <a:r>
-              <a:rPr spc="-15"/>
+              <a:rPr spc="-15" dirty="0"/>
               <a:t>Reserved.</a:t>
             </a:r>
             <a:r>
-              <a:rPr spc="-10"/>
+              <a:rPr spc="-10" dirty="0"/>
               <a:t> </a:t>
             </a:r>
             <a:r>
-              <a:rPr spc="-5"/>
+              <a:rPr spc="-5" dirty="0"/>
               <a:t>Adobe</a:t>
             </a:r>
             <a:r>
-              <a:rPr spc="60"/>
+              <a:rPr spc="60" dirty="0"/>
               <a:t> </a:t>
             </a:r>
             <a:r>
-              <a:rPr spc="-15"/>
+              <a:rPr spc="-15" dirty="0"/>
               <a:t>Confidential.</a:t>
             </a:r>
           </a:p>
@@ -1962,7 +1933,7 @@
           <a:p>
             <a:fld id="{1D8BD707-D9CF-40AE-B4C6-C98DA3205C09}" type="datetimeFigureOut">
               <a:rPr lang="en-US"/>
-              <a:t>10/13/2021</a:t>
+              <a:t>10/11/21</a:t>
             </a:fld>
             <a:endParaRPr lang="en-US"/>
           </a:p>
@@ -2012,7 +1983,7 @@
               </a:spcBef>
             </a:pPr>
             <a:r>
-              <a:rPr spc="-5"/>
+              <a:rPr spc="-5" dirty="0"/>
               <a:t>©</a:t>
             </a:r>
             <a:fld id="{81D60167-4931-47E6-BA6A-407CBD079E47}" type="slidenum">
@@ -2020,35 +1991,35 @@
               <a:t>‹#›</a:t>
             </a:fld>
             <a:r>
-              <a:rPr spc="-5"/>
+              <a:rPr spc="-5" dirty="0"/>
               <a:t> Adobe. All</a:t>
             </a:r>
             <a:r>
-              <a:rPr spc="-15"/>
+              <a:rPr spc="-15" dirty="0"/>
               <a:t> Rights</a:t>
             </a:r>
             <a:r>
-              <a:rPr spc="-10"/>
+              <a:rPr spc="-10" dirty="0"/>
               <a:t> </a:t>
             </a:r>
             <a:r>
-              <a:rPr spc="-15"/>
+              <a:rPr spc="-15" dirty="0"/>
               <a:t>Reserved.</a:t>
             </a:r>
             <a:r>
-              <a:rPr spc="-10"/>
+              <a:rPr spc="-10" dirty="0"/>
               <a:t> </a:t>
             </a:r>
             <a:r>
-              <a:rPr spc="-5"/>
+              <a:rPr spc="-5" dirty="0"/>
               <a:t>Adobe</a:t>
             </a:r>
             <a:r>
-              <a:rPr spc="60"/>
+              <a:rPr spc="60" dirty="0"/>
               <a:t> </a:t>
             </a:r>
             <a:r>
-              <a:rPr spc="-15"/>
+              <a:rPr spc="-15" dirty="0"/>
               <a:t>Confidential.</a:t>
             </a:r>
           </a:p>
@@ -2245,27 +2216,25 @@
           </a:prstGeom>
         </p:spPr>
         <p:txBody>
-          <a:bodyPr vert="horz" wrap="square" lIns="0" tIns="12700" rIns="0" bIns="0" rtlCol="0" anchor="t">
+          <a:bodyPr vert="horz" wrap="square" lIns="0" tIns="12700" rIns="0" bIns="0" rtlCol="0">
             <a:spAutoFit/>
           </a:bodyPr>
           <a:lstStyle/>
           <a:p>
             <a:pPr marL="12700">
+              <a:lnSpc>
+                <a:spcPct val="100000"/>
+              </a:lnSpc>
               <a:spcBef>
                 <a:spcPts val="100"/>
               </a:spcBef>
             </a:pPr>
             <a:r>
-              <a:rPr sz="2300"/>
-              <a:t>ADOBE </a:t>
-            </a:r>
-            <a:r>
-              <a:rPr lang="en-US" sz="2300"/>
-              <a:t>SUPPORT PLANS</a:t>
-            </a:r>
-            <a:endParaRPr sz="2300">
-              <a:latin typeface="Adobe Clean" panose="020B0503020404020204" pitchFamily="34" charset="0"/>
-            </a:endParaRPr>
+              <a:rPr lang="de-de" sz="2300" dirty="0">
+                <a:latin typeface="Adobe Clean" panose="020B0503020404020204" pitchFamily="34" charset="0"/>
+              </a:rPr>
+              <a:t>Adobe 지원 서비스 제공 사항</a:t>
+            </a:r>
           </a:p>
         </p:txBody>
       </p:sp>
@@ -2299,17 +2268,17 @@
               </a:spcBef>
             </a:pPr>
             <a:r>
-              <a:rPr sz="1100" spc="-5">
+              <a:rPr lang="de-de" sz="1100" spc="-5" dirty="0">
                 <a:solidFill>
                   <a:srgbClr val="FFFFFF"/>
                 </a:solidFill>
                 <a:latin typeface="AdobeClean-Light"/>
                 <a:cs typeface="AdobeClean-Light"/>
               </a:rPr>
-              <a:t>Online</a:t>
-            </a:r>
-            <a:r>
-              <a:rPr sz="1100">
+              <a:t>온라인</a:t>
+            </a:r>
+            <a:r>
+              <a:rPr lang="de-de" sz="1100" dirty="0">
                 <a:solidFill>
                   <a:srgbClr val="FFFFFF"/>
                 </a:solidFill>
@@ -2319,7 +2288,7 @@
               <a:t> |</a:t>
             </a:r>
             <a:r>
-              <a:rPr sz="1100" spc="5">
+              <a:rPr lang="de-de" sz="1100" spc="5" dirty="0">
                 <a:solidFill>
                   <a:srgbClr val="FFFFFF"/>
                 </a:solidFill>
@@ -2329,17 +2298,17 @@
               <a:t> </a:t>
             </a:r>
             <a:r>
-              <a:rPr sz="1100" spc="-5">
+              <a:rPr lang="de-de" sz="1100" spc="-5" dirty="0">
                 <a:solidFill>
                   <a:srgbClr val="FFFFFF"/>
                 </a:solidFill>
                 <a:latin typeface="AdobeClean-Light"/>
                 <a:cs typeface="AdobeClean-Light"/>
               </a:rPr>
-              <a:t>Business</a:t>
-            </a:r>
-            <a:r>
-              <a:rPr sz="1100">
+              <a:t>비즈니스</a:t>
+            </a:r>
+            <a:r>
+              <a:rPr lang="de-de" sz="1100" dirty="0">
                 <a:solidFill>
                   <a:srgbClr val="FFFFFF"/>
                 </a:solidFill>
@@ -2349,7 +2318,7 @@
               <a:t> |</a:t>
             </a:r>
             <a:r>
-              <a:rPr sz="1100" spc="10">
+              <a:rPr lang="de-de" sz="1100" spc="10" dirty="0">
                 <a:solidFill>
                   <a:srgbClr val="FFFFFF"/>
                 </a:solidFill>
@@ -2359,17 +2328,17 @@
               <a:t> </a:t>
             </a:r>
             <a:r>
-              <a:rPr sz="1100" spc="-5">
+              <a:rPr lang="de-de" sz="1100" spc="-5" dirty="0">
                 <a:solidFill>
                   <a:srgbClr val="FFFFFF"/>
                 </a:solidFill>
                 <a:latin typeface="AdobeClean-Light"/>
                 <a:cs typeface="AdobeClean-Light"/>
               </a:rPr>
-              <a:t>Enterprise</a:t>
-            </a:r>
-            <a:r>
-              <a:rPr sz="1100" spc="10">
+              <a:t>엔터프라이즈</a:t>
+            </a:r>
+            <a:r>
+              <a:rPr lang="de-de" sz="1100" spc="10" dirty="0">
                 <a:solidFill>
                   <a:srgbClr val="FFFFFF"/>
                 </a:solidFill>
@@ -2379,7 +2348,7 @@
               <a:t> </a:t>
             </a:r>
             <a:r>
-              <a:rPr sz="1100">
+              <a:rPr lang="de-de" sz="1100" dirty="0">
                 <a:solidFill>
                   <a:srgbClr val="FFFFFF"/>
                 </a:solidFill>
@@ -2389,7 +2358,7 @@
               <a:t>|</a:t>
             </a:r>
             <a:r>
-              <a:rPr sz="1100" spc="5">
+              <a:rPr lang="de-de" sz="1100" spc="5" dirty="0">
                 <a:solidFill>
                   <a:srgbClr val="FFFFFF"/>
                 </a:solidFill>
@@ -2399,16 +2368,16 @@
               <a:t> </a:t>
             </a:r>
             <a:r>
-              <a:rPr sz="1100" b="1" spc="-65">
+              <a:rPr lang="de-de" sz="1100" b="1" spc="-65" dirty="0">
                 <a:solidFill>
                   <a:srgbClr val="FFFFFF"/>
                 </a:solidFill>
                 <a:latin typeface="Arial"/>
                 <a:cs typeface="Arial"/>
               </a:rPr>
-              <a:t>Elite</a:t>
-            </a:r>
-            <a:endParaRPr sz="1100">
+              <a:t>엘리트</a:t>
+            </a:r>
+            <a:endParaRPr sz="1100" dirty="0">
               <a:latin typeface="Arial"/>
               <a:cs typeface="Arial"/>
             </a:endParaRPr>
@@ -2420,15 +2389,15 @@
               </a:spcBef>
             </a:pPr>
             <a:r>
-              <a:rPr lang="en-US" sz="900">
+              <a:rPr lang="de-de" sz="900" dirty="0">
                 <a:solidFill>
                   <a:schemeClr val="bg1"/>
                 </a:solidFill>
                 <a:latin typeface="Adobe Clean SemiLight" panose="020B0403020404020204" pitchFamily="34" charset="0"/>
               </a:rPr>
-              <a:t>Adobe provides a comprehensive range of technical resources to help support your business included as part of your Experience Cloud license subscription and further enhanced in the ELITE support package. ELITE support includes access to personalized learning paths and monitored community forums via the Adobe Experience League. You can also take advantage of our detailed and in-depth technical product documentation and current release notes. ELITE customers will also have access to a Named Support Engineer as well as a Technical Account Manager who combine and work in partnership with you to provide best in class proactive and reactive support while acting as your designated technical contacts in the Adobe Support Team. With deep experience in your designated Experience Cloud solutions, your support team work to ensure that no matter how complex your support needs are, the Adobe Support team will be there side by side with you throughout, to ensure you maximize your investment in the Adobe Experience Cloud solutions and to help you avoid problems before they happen.</a:t>
-            </a:r>
-            <a:endParaRPr sz="900">
+              <a:t>Adobe는 비즈니스를 지원하는 데 도움이 되는 포괄적인 기술 리소스를 제공합니다. Experience Cloud 라이선스 구독의 일부로 포함되며 엘리트 지원 패키지에서 더욱 향상되었습니다. 엘리트 지원에는 Adobe Experience League를 통한 개인 맞춤형 학습 경로 및 모니터링되는 커뮤니티 포럼 액세스가 포함됩니다. 또한 상세한 심층적 기술 제품 설명서 및 최신 릴리스 정보를 활용할 수도 있습니다. 엘리트 고객은 Adobe 지원 팀에서 지정 기술 담당자 역할을 하는 동시에 최고 수준의 사전 대응 및 사후 지원을 제공하기 위해 단합하고 고객과 협력하는 기술 계정 관리자 및 지정 지원 엔지니어의 서비스도 이용할 수 있습니다. 지정된 Experience Cloud 솔루션에 대한 풍부한 경험을 바탕으로, 지원 요구 사항이 아무리 복잡하더라도 Adobe 지원 팀은 처음부터 끝까지 고객과 함께하며 Adobe Experience Cloud 솔루션에 대한 투자를 극대화하고 문제가 발생하기 전에 예방하기 위해 노력합니다.</a:t>
+            </a:r>
+            <a:endParaRPr sz="900" dirty="0">
               <a:solidFill>
                 <a:schemeClr val="bg1"/>
               </a:solidFill>
@@ -2446,8 +2415,8 @@
         </p:nvSpPr>
         <p:spPr>
           <a:xfrm>
-            <a:off x="168564" y="7162800"/>
-            <a:ext cx="2780665" cy="238760"/>
+            <a:off x="168564" y="7024370"/>
+            <a:ext cx="5394036" cy="228268"/>
           </a:xfrm>
           <a:prstGeom prst="rect">
             <a:avLst/>
@@ -2468,7 +2437,7 @@
               </a:spcBef>
             </a:pPr>
             <a:r>
-              <a:rPr sz="1400" b="1" u="heavy" spc="20">
+              <a:rPr lang="de-de" sz="1400" b="1" u="heavy" spc="20" dirty="0">
                 <a:solidFill>
                   <a:srgbClr val="020302"/>
                 </a:solidFill>
@@ -2480,10 +2449,10 @@
                 <a:latin typeface="Adobe Clean"/>
                 <a:cs typeface="Adobe Clean"/>
               </a:rPr>
-              <a:t>S</a:t>
-            </a:r>
-            <a:r>
-              <a:rPr sz="1400" b="1" u="heavy">
+              <a:t>서비스 </a:t>
+            </a:r>
+            <a:r>
+              <a:rPr lang="de-de" sz="1400" b="1" u="heavy" spc="-20" dirty="0">
                 <a:solidFill>
                   <a:srgbClr val="020302"/>
                 </a:solidFill>
@@ -2495,10 +2464,10 @@
                 <a:latin typeface="Adobe Clean"/>
                 <a:cs typeface="Adobe Clean"/>
               </a:rPr>
-              <a:t>er</a:t>
-            </a:r>
-            <a:r>
-              <a:rPr sz="1400" b="1" u="heavy" spc="10">
+              <a:t>수준</a:t>
+            </a:r>
+            <a:r>
+              <a:rPr lang="de-de" sz="1400" b="1" u="heavy" spc="-10" dirty="0">
                 <a:solidFill>
                   <a:srgbClr val="020302"/>
                 </a:solidFill>
@@ -2510,10 +2479,10 @@
                 <a:latin typeface="Adobe Clean"/>
                 <a:cs typeface="Adobe Clean"/>
               </a:rPr>
-              <a:t>vi</a:t>
-            </a:r>
-            <a:r>
-              <a:rPr sz="1400" b="1" u="heavy">
+              <a:t> </a:t>
+            </a:r>
+            <a:r>
+              <a:rPr lang="de-de" sz="1400" b="1" u="heavy" spc="-65" dirty="0">
                 <a:solidFill>
                   <a:srgbClr val="020302"/>
                 </a:solidFill>
@@ -2525,10 +2494,10 @@
                 <a:latin typeface="Adobe Clean"/>
                 <a:cs typeface="Adobe Clean"/>
               </a:rPr>
-              <a:t>ce</a:t>
-            </a:r>
-            <a:r>
-              <a:rPr sz="1400" b="1" u="heavy" spc="20">
+              <a:t>목표</a:t>
+            </a:r>
+            <a:r>
+              <a:rPr lang="de-de" sz="1400" b="1" u="heavy" dirty="0">
                 <a:solidFill>
                   <a:srgbClr val="020302"/>
                 </a:solidFill>
@@ -2540,10 +2509,10 @@
                 <a:latin typeface="Adobe Clean"/>
                 <a:cs typeface="Adobe Clean"/>
               </a:rPr>
-              <a:t> </a:t>
-            </a:r>
-            <a:r>
-              <a:rPr sz="1400" b="1" u="heavy" spc="-20">
+              <a:t>:</a:t>
+            </a:r>
+            <a:r>
+              <a:rPr lang="de-de" sz="1400" b="1" u="heavy" spc="-80" dirty="0">
                 <a:solidFill>
                   <a:srgbClr val="020302"/>
                 </a:solidFill>
@@ -2555,10 +2524,10 @@
                 <a:latin typeface="Adobe Clean"/>
                 <a:cs typeface="Adobe Clean"/>
               </a:rPr>
-              <a:t>Le</a:t>
-            </a:r>
-            <a:r>
-              <a:rPr sz="1400" b="1" u="heavy" spc="-10">
+              <a:t> </a:t>
+            </a:r>
+            <a:r>
+              <a:rPr lang="de-de" sz="1400" b="1" u="heavy" spc="-20" dirty="0">
                 <a:solidFill>
                   <a:srgbClr val="020302"/>
                 </a:solidFill>
@@ -2570,10 +2539,10 @@
                 <a:latin typeface="Adobe Clean"/>
                 <a:cs typeface="Adobe Clean"/>
               </a:rPr>
-              <a:t>v</a:t>
-            </a:r>
-            <a:r>
-              <a:rPr sz="1400" b="1" u="heavy" spc="-20">
+              <a:t>초기</a:t>
+            </a:r>
+            <a:r>
+              <a:rPr lang="de-de" sz="1400" b="1" u="heavy" spc="-140" dirty="0">
                 <a:solidFill>
                   <a:srgbClr val="020302"/>
                 </a:solidFill>
@@ -2585,10 +2554,10 @@
                 <a:latin typeface="Adobe Clean"/>
                 <a:cs typeface="Adobe Clean"/>
               </a:rPr>
-              <a:t>e</a:t>
-            </a:r>
-            <a:r>
-              <a:rPr sz="1400" b="1" u="heavy">
+              <a:t> </a:t>
+            </a:r>
+            <a:r>
+              <a:rPr lang="de-de" sz="1400" b="1" u="heavy" spc="-15" dirty="0">
                 <a:solidFill>
                   <a:srgbClr val="020302"/>
                 </a:solidFill>
@@ -2600,324 +2569,9 @@
                 <a:latin typeface="Adobe Clean"/>
                 <a:cs typeface="Adobe Clean"/>
               </a:rPr>
-              <a:t>l</a:t>
-            </a:r>
-            <a:r>
-              <a:rPr sz="1400" b="1" u="heavy" spc="-10">
-                <a:solidFill>
-                  <a:srgbClr val="020302"/>
-                </a:solidFill>
-                <a:uFill>
-                  <a:solidFill>
-                    <a:srgbClr val="020302"/>
-                  </a:solidFill>
-                </a:uFill>
-                <a:latin typeface="Adobe Clean"/>
-                <a:cs typeface="Adobe Clean"/>
-              </a:rPr>
-              <a:t> </a:t>
-            </a:r>
-            <a:r>
-              <a:rPr sz="1400" b="1" u="heavy" spc="-65">
-                <a:solidFill>
-                  <a:srgbClr val="020302"/>
-                </a:solidFill>
-                <a:uFill>
-                  <a:solidFill>
-                    <a:srgbClr val="020302"/>
-                  </a:solidFill>
-                </a:uFill>
-                <a:latin typeface="Adobe Clean"/>
-                <a:cs typeface="Adobe Clean"/>
-              </a:rPr>
-              <a:t>T</a:t>
-            </a:r>
-            <a:r>
-              <a:rPr sz="1400" b="1" u="heavy" spc="-35">
-                <a:solidFill>
-                  <a:srgbClr val="020302"/>
-                </a:solidFill>
-                <a:uFill>
-                  <a:solidFill>
-                    <a:srgbClr val="020302"/>
-                  </a:solidFill>
-                </a:uFill>
-                <a:latin typeface="Adobe Clean"/>
-                <a:cs typeface="Adobe Clean"/>
-              </a:rPr>
-              <a:t>a</a:t>
-            </a:r>
-            <a:r>
-              <a:rPr sz="1400" b="1" u="heavy" spc="-45">
-                <a:solidFill>
-                  <a:srgbClr val="020302"/>
-                </a:solidFill>
-                <a:uFill>
-                  <a:solidFill>
-                    <a:srgbClr val="020302"/>
-                  </a:solidFill>
-                </a:uFill>
-                <a:latin typeface="Adobe Clean"/>
-                <a:cs typeface="Adobe Clean"/>
-              </a:rPr>
-              <a:t>r</a:t>
-            </a:r>
-            <a:r>
-              <a:rPr sz="1400" b="1" u="heavy" spc="-35">
-                <a:solidFill>
-                  <a:srgbClr val="020302"/>
-                </a:solidFill>
-                <a:uFill>
-                  <a:solidFill>
-                    <a:srgbClr val="020302"/>
-                  </a:solidFill>
-                </a:uFill>
-                <a:latin typeface="Adobe Clean"/>
-                <a:cs typeface="Adobe Clean"/>
-              </a:rPr>
-              <a:t>g</a:t>
-            </a:r>
-            <a:r>
-              <a:rPr sz="1400" b="1" u="heavy" spc="-55">
-                <a:solidFill>
-                  <a:srgbClr val="020302"/>
-                </a:solidFill>
-                <a:uFill>
-                  <a:solidFill>
-                    <a:srgbClr val="020302"/>
-                  </a:solidFill>
-                </a:uFill>
-                <a:latin typeface="Adobe Clean"/>
-                <a:cs typeface="Adobe Clean"/>
-              </a:rPr>
-              <a:t>et</a:t>
-            </a:r>
-            <a:r>
-              <a:rPr sz="1400" b="1" u="heavy" spc="-45">
-                <a:solidFill>
-                  <a:srgbClr val="020302"/>
-                </a:solidFill>
-                <a:uFill>
-                  <a:solidFill>
-                    <a:srgbClr val="020302"/>
-                  </a:solidFill>
-                </a:uFill>
-                <a:latin typeface="Adobe Clean"/>
-                <a:cs typeface="Adobe Clean"/>
-              </a:rPr>
-              <a:t>s</a:t>
-            </a:r>
-            <a:r>
-              <a:rPr sz="1400" b="1" u="heavy">
-                <a:solidFill>
-                  <a:srgbClr val="020302"/>
-                </a:solidFill>
-                <a:uFill>
-                  <a:solidFill>
-                    <a:srgbClr val="020302"/>
-                  </a:solidFill>
-                </a:uFill>
-                <a:latin typeface="Adobe Clean"/>
-                <a:cs typeface="Adobe Clean"/>
-              </a:rPr>
-              <a:t>:</a:t>
-            </a:r>
-            <a:r>
-              <a:rPr sz="1400" b="1" u="heavy" spc="-80">
-                <a:solidFill>
-                  <a:srgbClr val="020302"/>
-                </a:solidFill>
-                <a:uFill>
-                  <a:solidFill>
-                    <a:srgbClr val="020302"/>
-                  </a:solidFill>
-                </a:uFill>
-                <a:latin typeface="Adobe Clean"/>
-                <a:cs typeface="Adobe Clean"/>
-              </a:rPr>
-              <a:t> </a:t>
-            </a:r>
-            <a:r>
-              <a:rPr sz="1400" b="1" u="heavy" spc="-20">
-                <a:solidFill>
-                  <a:srgbClr val="020302"/>
-                </a:solidFill>
-                <a:uFill>
-                  <a:solidFill>
-                    <a:srgbClr val="020302"/>
-                  </a:solidFill>
-                </a:uFill>
-                <a:latin typeface="Adobe Clean"/>
-                <a:cs typeface="Adobe Clean"/>
-              </a:rPr>
-              <a:t>I</a:t>
-            </a:r>
-            <a:r>
-              <a:rPr sz="1400" b="1" u="heavy" spc="-10">
-                <a:solidFill>
-                  <a:srgbClr val="020302"/>
-                </a:solidFill>
-                <a:uFill>
-                  <a:solidFill>
-                    <a:srgbClr val="020302"/>
-                  </a:solidFill>
-                </a:uFill>
-                <a:latin typeface="Adobe Clean"/>
-                <a:cs typeface="Adobe Clean"/>
-              </a:rPr>
-              <a:t>ni</a:t>
-            </a:r>
-            <a:r>
-              <a:rPr sz="1400" b="1" u="heavy" spc="-20">
-                <a:solidFill>
-                  <a:srgbClr val="020302"/>
-                </a:solidFill>
-                <a:uFill>
-                  <a:solidFill>
-                    <a:srgbClr val="020302"/>
-                  </a:solidFill>
-                </a:uFill>
-                <a:latin typeface="Adobe Clean"/>
-                <a:cs typeface="Adobe Clean"/>
-              </a:rPr>
-              <a:t>t</a:t>
-            </a:r>
-            <a:r>
-              <a:rPr sz="1400" b="1" u="heavy" spc="-10">
-                <a:solidFill>
-                  <a:srgbClr val="020302"/>
-                </a:solidFill>
-                <a:uFill>
-                  <a:solidFill>
-                    <a:srgbClr val="020302"/>
-                  </a:solidFill>
-                </a:uFill>
-                <a:latin typeface="Adobe Clean"/>
-                <a:cs typeface="Adobe Clean"/>
-              </a:rPr>
-              <a:t>i</a:t>
-            </a:r>
-            <a:r>
-              <a:rPr sz="1400" b="1" u="heavy">
-                <a:solidFill>
-                  <a:srgbClr val="020302"/>
-                </a:solidFill>
-                <a:uFill>
-                  <a:solidFill>
-                    <a:srgbClr val="020302"/>
-                  </a:solidFill>
-                </a:uFill>
-                <a:latin typeface="Adobe Clean"/>
-                <a:cs typeface="Adobe Clean"/>
-              </a:rPr>
-              <a:t>al</a:t>
-            </a:r>
-            <a:r>
-              <a:rPr sz="1400" b="1" u="heavy" spc="-140">
-                <a:solidFill>
-                  <a:srgbClr val="020302"/>
-                </a:solidFill>
-                <a:uFill>
-                  <a:solidFill>
-                    <a:srgbClr val="020302"/>
-                  </a:solidFill>
-                </a:uFill>
-                <a:latin typeface="Adobe Clean"/>
-                <a:cs typeface="Adobe Clean"/>
-              </a:rPr>
-              <a:t> </a:t>
-            </a:r>
-            <a:r>
-              <a:rPr sz="1400" b="1" u="heavy" spc="-15">
-                <a:solidFill>
-                  <a:srgbClr val="020302"/>
-                </a:solidFill>
-                <a:uFill>
-                  <a:solidFill>
-                    <a:srgbClr val="020302"/>
-                  </a:solidFill>
-                </a:uFill>
-                <a:latin typeface="Adobe Clean"/>
-                <a:cs typeface="Adobe Clean"/>
-              </a:rPr>
-              <a:t>R</a:t>
-            </a:r>
-            <a:r>
-              <a:rPr sz="1400" b="1" u="heavy" spc="-25">
-                <a:solidFill>
-                  <a:srgbClr val="020302"/>
-                </a:solidFill>
-                <a:uFill>
-                  <a:solidFill>
-                    <a:srgbClr val="020302"/>
-                  </a:solidFill>
-                </a:uFill>
-                <a:latin typeface="Adobe Clean"/>
-                <a:cs typeface="Adobe Clean"/>
-              </a:rPr>
-              <a:t>e</a:t>
-            </a:r>
-            <a:r>
-              <a:rPr sz="1400" b="1" u="heavy" spc="-15">
-                <a:solidFill>
-                  <a:srgbClr val="020302"/>
-                </a:solidFill>
-                <a:uFill>
-                  <a:solidFill>
-                    <a:srgbClr val="020302"/>
-                  </a:solidFill>
-                </a:uFill>
-                <a:latin typeface="Adobe Clean"/>
-                <a:cs typeface="Adobe Clean"/>
-              </a:rPr>
-              <a:t>s</a:t>
-            </a:r>
-            <a:r>
-              <a:rPr sz="1400" b="1" u="heavy" spc="-25">
-                <a:solidFill>
-                  <a:srgbClr val="020302"/>
-                </a:solidFill>
-                <a:uFill>
-                  <a:solidFill>
-                    <a:srgbClr val="020302"/>
-                  </a:solidFill>
-                </a:uFill>
-                <a:latin typeface="Adobe Clean"/>
-                <a:cs typeface="Adobe Clean"/>
-              </a:rPr>
-              <a:t>p</a:t>
-            </a:r>
-            <a:r>
-              <a:rPr sz="1400" b="1" u="heavy" spc="-15">
-                <a:solidFill>
-                  <a:srgbClr val="020302"/>
-                </a:solidFill>
-                <a:uFill>
-                  <a:solidFill>
-                    <a:srgbClr val="020302"/>
-                  </a:solidFill>
-                </a:uFill>
-                <a:latin typeface="Adobe Clean"/>
-                <a:cs typeface="Adobe Clean"/>
-              </a:rPr>
-              <a:t>ons</a:t>
-            </a:r>
-            <a:r>
-              <a:rPr sz="1400" b="1" u="heavy">
-                <a:solidFill>
-                  <a:srgbClr val="020302"/>
-                </a:solidFill>
-                <a:uFill>
-                  <a:solidFill>
-                    <a:srgbClr val="020302"/>
-                  </a:solidFill>
-                </a:uFill>
-                <a:latin typeface="Adobe Clean"/>
-                <a:cs typeface="Adobe Clean"/>
-              </a:rPr>
-              <a:t>e</a:t>
-            </a:r>
-            <a:endParaRPr sz="1400">
+              <a:t>대응</a:t>
+            </a:r>
+            <a:endParaRPr sz="1400" dirty="0">
               <a:latin typeface="Adobe Clean"/>
               <a:cs typeface="Adobe Clean"/>
             </a:endParaRPr>
@@ -2933,14 +2587,14 @@
           <p:nvPr>
             <p:extLst>
               <p:ext uri="{D42A27DB-BD31-4B8C-83A1-F6EECF244321}">
-                <p14:modId xmlns:p14="http://schemas.microsoft.com/office/powerpoint/2010/main" val="101721845"/>
+                <p14:modId xmlns:p14="http://schemas.microsoft.com/office/powerpoint/2010/main" val="3820694258"/>
               </p:ext>
             </p:extLst>
           </p:nvPr>
         </p:nvGraphicFramePr>
         <p:xfrm>
           <a:off x="145668" y="7473158"/>
-          <a:ext cx="7409815" cy="2259721"/>
+          <a:ext cx="7409815" cy="2204716"/>
         </p:xfrm>
         <a:graphic>
           <a:graphicData uri="http://schemas.openxmlformats.org/drawingml/2006/table">
@@ -2986,16 +2640,16 @@
                         </a:spcBef>
                       </a:pPr>
                       <a:r>
-                        <a:rPr sz="900" spc="0">
+                        <a:rPr lang="de-de" sz="900" spc="0" dirty="0">
                           <a:solidFill>
                             <a:srgbClr val="020302"/>
                           </a:solidFill>
                           <a:latin typeface="Adobe Clean"/>
                           <a:cs typeface="Adobe Clean"/>
                         </a:rPr>
-                        <a:t>Priority</a:t>
+                        <a:t>우선 순위</a:t>
                       </a:r>
-                      <a:endParaRPr sz="900" spc="0">
+                      <a:endParaRPr sz="900" spc="0" dirty="0">
                         <a:latin typeface="Adobe Clean"/>
                         <a:cs typeface="Adobe Clean"/>
                       </a:endParaRPr>
@@ -3045,36 +2699,16 @@
                         </a:spcBef>
                       </a:pPr>
                       <a:r>
-                        <a:rPr sz="900" spc="0">
+                        <a:rPr lang="de-de" sz="900" spc="0" dirty="0">
                           <a:solidFill>
                             <a:srgbClr val="020302"/>
                           </a:solidFill>
                           <a:latin typeface="Adobe Clean"/>
                           <a:cs typeface="Adobe Clean"/>
                         </a:rPr>
-                        <a:t>Online</a:t>
+                        <a:t>온라인  지원</a:t>
                       </a:r>
-                      <a:r>
-                        <a:rPr lang="en-US" sz="900" spc="0">
-                          <a:solidFill>
-                            <a:srgbClr val="020302"/>
-                          </a:solidFill>
-                          <a:latin typeface="Adobe Clean"/>
-                          <a:cs typeface="Adobe Clean"/>
-                        </a:rPr>
-                        <a:t> </a:t>
-                      </a:r>
-                      <a:r>
-                        <a:rPr sz="900" spc="0">
-                          <a:solidFill>
-                            <a:srgbClr val="020302"/>
-                          </a:solidFill>
-                          <a:latin typeface="Adobe Clean"/>
-                          <a:cs typeface="Adobe Clean"/>
-                        </a:rPr>
-                        <a:t> Support</a:t>
-                      </a:r>
-                      <a:endParaRPr sz="900" spc="0">
+                      <a:endParaRPr sz="900" spc="0" dirty="0">
                         <a:latin typeface="Adobe Clean"/>
                         <a:cs typeface="Adobe Clean"/>
                       </a:endParaRPr>
@@ -3118,7 +2752,7 @@
                     <a:bodyPr/>
                     <a:lstStyle/>
                     <a:p>
-                      <a:pPr marL="263525" algn="l">
+                      <a:pPr marL="263525" algn="ctr">
                         <a:lnSpc>
                           <a:spcPct val="100000"/>
                         </a:lnSpc>
@@ -3127,36 +2761,16 @@
                         </a:spcBef>
                       </a:pPr>
                       <a:r>
-                        <a:rPr sz="900" spc="0">
+                        <a:rPr lang="de-de" sz="900" spc="0" dirty="0">
                           <a:solidFill>
                             <a:srgbClr val="FFFFFF"/>
                           </a:solidFill>
                           <a:latin typeface="Adobe Clean"/>
                           <a:cs typeface="Adobe Clean"/>
                         </a:rPr>
-                        <a:t>Elite </a:t>
+                        <a:t>엘리트  지원</a:t>
                       </a:r>
-                      <a:r>
-                        <a:rPr lang="en-US" sz="900" spc="0">
-                          <a:solidFill>
-                            <a:srgbClr val="FFFFFF"/>
-                          </a:solidFill>
-                          <a:latin typeface="Adobe Clean"/>
-                          <a:cs typeface="Adobe Clean"/>
-                        </a:rPr>
-                        <a:t> </a:t>
-                      </a:r>
-                      <a:r>
-                        <a:rPr sz="900" spc="0">
-                          <a:solidFill>
-                            <a:srgbClr val="FFFFFF"/>
-                          </a:solidFill>
-                          <a:latin typeface="Adobe Clean"/>
-                          <a:cs typeface="Adobe Clean"/>
-                        </a:rPr>
-                        <a:t>Support</a:t>
-                      </a:r>
-                      <a:endParaRPr sz="900" spc="0">
+                      <a:endParaRPr sz="900" spc="0" dirty="0">
                         <a:latin typeface="Adobe Clean"/>
                         <a:cs typeface="Adobe Clean"/>
                       </a:endParaRPr>
@@ -3216,16 +2830,16 @@
                         </a:spcBef>
                       </a:pPr>
                       <a:r>
-                        <a:rPr sz="900" b="1" spc="0">
+                        <a:rPr lang="de-de" sz="900" b="1" spc="0" dirty="0">
                           <a:solidFill>
                             <a:srgbClr val="020302"/>
                           </a:solidFill>
                           <a:latin typeface="Adobe Clean"/>
                           <a:cs typeface="Adobe Clean"/>
                         </a:rPr>
-                        <a:t>PRIORITY 1</a:t>
+                        <a:t>우선 순위 1</a:t>
                       </a:r>
-                      <a:endParaRPr sz="900" spc="0">
+                      <a:endParaRPr sz="900" spc="0" dirty="0">
                         <a:latin typeface="Adobe Clean"/>
                         <a:cs typeface="Adobe Clean"/>
                       </a:endParaRPr>
@@ -3240,16 +2854,16 @@
                         </a:spcBef>
                       </a:pPr>
                       <a:r>
-                        <a:rPr lang="en-US" sz="900" b="0" i="0" u="none" strike="noStrike" spc="0">
+                        <a:rPr lang="de-de" sz="900" b="0" i="0" u="none" strike="noStrike" spc="0" dirty="0">
                           <a:solidFill>
                             <a:srgbClr val="000000"/>
                           </a:solidFill>
                           <a:effectLst/>
                           <a:latin typeface="Adobe Clean Light" panose="020B0303020404020204" pitchFamily="34" charset="0"/>
                         </a:rPr>
-                        <a:t>Customer's production business functions are down or have significant data loss or service degradation and immediate attention is required to restore functionality and usability</a:t>
+                        <a:t>고객의 생산 비즈니스 기능이 다운되었거나 심각한 데이터 손실 또는 서비스 저하가 발생했으며 기능 및 사용성을 복원하기 위해 즉각적인 주의가 필요합니다.</a:t>
                       </a:r>
-                      <a:endParaRPr sz="900" spc="0">
+                      <a:endParaRPr sz="900" spc="0" dirty="0">
                         <a:latin typeface="AdobeClean-Light"/>
                         <a:cs typeface="AdobeClean-Light"/>
                       </a:endParaRPr>
@@ -3290,82 +2904,22 @@
                     <a:bodyPr/>
                     <a:lstStyle/>
                     <a:p>
-                      <a:pPr marL="542925" marR="492125" algn="l">
+                      <a:pPr marL="542925" marR="492125" algn="ctr">
                         <a:lnSpc>
                           <a:spcPct val="102200"/>
                         </a:lnSpc>
                       </a:pPr>
                       <a:r>
-                        <a:rPr sz="900" spc="0">
+                        <a:rPr lang="de-de" sz="900" spc="0" dirty="0">
                           <a:solidFill>
                             <a:srgbClr val="020302"/>
                           </a:solidFill>
                           <a:latin typeface="AdobeClean-Light"/>
                           <a:cs typeface="AdobeClean-Light"/>
                         </a:rPr>
-                        <a:t>24x7</a:t>
+                        <a:t>24x7 /           1시간</a:t>
                       </a:r>
-                      <a:r>
-                        <a:rPr lang="en-US" sz="900" spc="0">
-                          <a:solidFill>
-                            <a:srgbClr val="020302"/>
-                          </a:solidFill>
-                          <a:latin typeface="AdobeClean-Light"/>
-                          <a:cs typeface="AdobeClean-Light"/>
-                        </a:rPr>
-                        <a:t> </a:t>
-                      </a:r>
-                      <a:r>
-                        <a:rPr sz="900" spc="0">
-                          <a:solidFill>
-                            <a:srgbClr val="020302"/>
-                          </a:solidFill>
-                          <a:latin typeface="AdobeClean-Light"/>
-                          <a:cs typeface="AdobeClean-Light"/>
-                        </a:rPr>
-                        <a:t>/</a:t>
-                      </a:r>
-                      <a:r>
-                        <a:rPr lang="en-US" sz="900" spc="0">
-                          <a:solidFill>
-                            <a:srgbClr val="020302"/>
-                          </a:solidFill>
-                          <a:latin typeface="AdobeClean-Light"/>
-                          <a:cs typeface="AdobeClean-Light"/>
-                        </a:rPr>
-                        <a:t>         </a:t>
-                      </a:r>
-                      <a:r>
-                        <a:rPr sz="900" spc="0">
-                          <a:solidFill>
-                            <a:srgbClr val="020302"/>
-                          </a:solidFill>
-                          <a:latin typeface="AdobeClean-Light"/>
-                          <a:cs typeface="AdobeClean-Light"/>
-                        </a:rPr>
-                        <a:t>  1</a:t>
-                      </a:r>
-                      <a:r>
-                        <a:rPr lang="en-US" sz="900" spc="0">
-                          <a:solidFill>
-                            <a:srgbClr val="020302"/>
-                          </a:solidFill>
-                          <a:latin typeface="AdobeClean-Light"/>
-                          <a:cs typeface="AdobeClean-Light"/>
-                        </a:rPr>
-                        <a:t> </a:t>
-                      </a:r>
-                      <a:r>
-                        <a:rPr sz="900" spc="0">
-                          <a:solidFill>
-                            <a:srgbClr val="020302"/>
-                          </a:solidFill>
-                          <a:latin typeface="AdobeClean-Light"/>
-                          <a:cs typeface="AdobeClean-Light"/>
-                        </a:rPr>
-                        <a:t>hour</a:t>
-                      </a:r>
-                      <a:endParaRPr sz="900" spc="0">
+                      <a:endParaRPr sz="900" spc="0" dirty="0">
                         <a:latin typeface="AdobeClean-Light"/>
                         <a:cs typeface="AdobeClean-Light"/>
                       </a:endParaRPr>
@@ -3406,72 +2960,22 @@
                     <a:bodyPr/>
                     <a:lstStyle/>
                     <a:p>
-                      <a:pPr marL="405130" marR="459740" indent="92710" algn="l">
+                      <a:pPr marL="405130" marR="459740" indent="92710" algn="ctr">
                         <a:lnSpc>
                           <a:spcPct val="100000"/>
                         </a:lnSpc>
                       </a:pPr>
                       <a:r>
-                        <a:rPr lang="en-US" sz="900" spc="0">
+                        <a:rPr lang="de-de" sz="900" spc="0" dirty="0">
                           <a:solidFill>
                             <a:srgbClr val="020302"/>
                           </a:solidFill>
                           <a:latin typeface="AdobeClean-Light"/>
                           <a:cs typeface="AdobeClean-Light"/>
                         </a:rPr>
-                        <a:t>2</a:t>
+                        <a:t>24x7 /   15분</a:t>
                       </a:r>
-                      <a:r>
-                        <a:rPr sz="900" spc="0">
-                          <a:solidFill>
-                            <a:srgbClr val="020302"/>
-                          </a:solidFill>
-                          <a:latin typeface="AdobeClean-Light"/>
-                          <a:cs typeface="AdobeClean-Light"/>
-                        </a:rPr>
-                        <a:t>4x7 / </a:t>
-                      </a:r>
-                      <a:r>
-                        <a:rPr lang="en-US" sz="900" spc="0">
-                          <a:solidFill>
-                            <a:srgbClr val="020302"/>
-                          </a:solidFill>
-                          <a:latin typeface="AdobeClean-Light"/>
-                          <a:cs typeface="AdobeClean-Light"/>
-                        </a:rPr>
-                        <a:t> </a:t>
-                      </a:r>
-                      <a:r>
-                        <a:rPr sz="900" spc="0">
-                          <a:solidFill>
-                            <a:srgbClr val="020302"/>
-                          </a:solidFill>
-                          <a:latin typeface="AdobeClean-Light"/>
-                          <a:cs typeface="AdobeClean-Light"/>
-                        </a:rPr>
-                        <a:t> 15</a:t>
-                      </a:r>
-                      <a:r>
-                        <a:rPr lang="en-US" sz="900" spc="0">
-                          <a:solidFill>
-                            <a:srgbClr val="020302"/>
-                          </a:solidFill>
-                          <a:latin typeface="AdobeClean-Light"/>
-                          <a:cs typeface="AdobeClean-Light"/>
-                        </a:rPr>
-                        <a:t> </a:t>
-                      </a:r>
-                      <a:r>
-                        <a:rPr sz="900" spc="0">
-                          <a:solidFill>
-                            <a:srgbClr val="020302"/>
-                          </a:solidFill>
-                          <a:latin typeface="AdobeClean-Light"/>
-                          <a:cs typeface="AdobeClean-Light"/>
-                        </a:rPr>
-                        <a:t>minutes</a:t>
-                      </a:r>
-                      <a:endParaRPr sz="900" spc="0">
+                      <a:endParaRPr sz="900" spc="0" dirty="0">
                         <a:latin typeface="AdobeClean-Light"/>
                         <a:cs typeface="AdobeClean-Light"/>
                       </a:endParaRPr>
@@ -3536,16 +3040,16 @@
                         </a:spcBef>
                       </a:pPr>
                       <a:r>
-                        <a:rPr sz="900" b="1" spc="0">
+                        <a:rPr lang="de-de" sz="900" b="1" spc="0" dirty="0">
                           <a:solidFill>
                             <a:srgbClr val="020302"/>
                           </a:solidFill>
                           <a:latin typeface="Adobe Clean"/>
                           <a:cs typeface="Adobe Clean"/>
                         </a:rPr>
-                        <a:t>PRIORITY 2</a:t>
+                        <a:t>우선 순위 2</a:t>
                       </a:r>
-                      <a:endParaRPr sz="900" spc="0">
+                      <a:endParaRPr sz="900" spc="0" dirty="0">
                         <a:latin typeface="Adobe Clean"/>
                         <a:cs typeface="Adobe Clean"/>
                       </a:endParaRPr>
@@ -3560,16 +3064,16 @@
                         </a:spcBef>
                       </a:pPr>
                       <a:r>
-                        <a:rPr lang="en-US" sz="900" b="0" i="0" u="none" strike="noStrike" spc="0">
+                        <a:rPr lang="de-de" sz="900" b="0" i="0" u="none" strike="noStrike" spc="0" dirty="0">
                           <a:solidFill>
                             <a:srgbClr val="000000"/>
                           </a:solidFill>
                           <a:effectLst/>
                           <a:latin typeface="Adobe Clean Light" panose="020B0303020404020204" pitchFamily="34" charset="0"/>
                         </a:rPr>
-                        <a:t>Customer's business functions have major service degradation or potential data loss, or a major feature is impacted</a:t>
+                        <a:t>고객의 비즈니스 기능에 심각한 서비스 저하 또는 잠재적인 데이터 손실이 있거나 주요 기능이 영향을 받습니다.</a:t>
                       </a:r>
-                      <a:endParaRPr sz="900" spc="0">
+                      <a:endParaRPr sz="900" spc="0" dirty="0">
                         <a:latin typeface="AdobeClean-Light"/>
                         <a:cs typeface="AdobeClean-Light"/>
                       </a:endParaRPr>
@@ -3610,62 +3114,22 @@
                     <a:bodyPr/>
                     <a:lstStyle/>
                     <a:p>
-                      <a:pPr marL="473709" marR="343535" indent="-175895" algn="l">
+                      <a:pPr marL="473709" marR="343535" indent="-175895" algn="ctr">
                         <a:lnSpc>
                           <a:spcPct val="102200"/>
                         </a:lnSpc>
                       </a:pPr>
                       <a:r>
-                        <a:rPr sz="900" spc="0">
+                        <a:rPr lang="de-de" sz="900" spc="0" dirty="0">
                           <a:solidFill>
                             <a:srgbClr val="020302"/>
                           </a:solidFill>
                           <a:latin typeface="AdobeClean-Light"/>
                           <a:cs typeface="AdobeClean-Light"/>
                         </a:rPr>
-                        <a:t>Business hours</a:t>
+                        <a:t>업무 시간 /       4시간</a:t>
                       </a:r>
-                      <a:r>
-                        <a:rPr lang="en-US" sz="900" spc="0">
-                          <a:solidFill>
-                            <a:srgbClr val="020302"/>
-                          </a:solidFill>
-                          <a:latin typeface="AdobeClean-Light"/>
-                          <a:cs typeface="AdobeClean-Light"/>
-                        </a:rPr>
-                        <a:t> </a:t>
-                      </a:r>
-                      <a:r>
-                        <a:rPr sz="900" spc="0">
-                          <a:solidFill>
-                            <a:srgbClr val="020302"/>
-                          </a:solidFill>
-                          <a:latin typeface="AdobeClean-Light"/>
-                          <a:cs typeface="AdobeClean-Light"/>
-                        </a:rPr>
-                        <a:t>/  </a:t>
-                      </a:r>
-                      <a:r>
-                        <a:rPr lang="en-US" sz="900" spc="0">
-                          <a:solidFill>
-                            <a:srgbClr val="020302"/>
-                          </a:solidFill>
-                          <a:latin typeface="AdobeClean-Light"/>
-                          <a:cs typeface="AdobeClean-Light"/>
-                        </a:rPr>
-                        <a:t>     </a:t>
-                      </a:r>
-                      <a:r>
-                        <a:rPr sz="900" spc="0">
-                          <a:solidFill>
-                            <a:srgbClr val="020302"/>
-                          </a:solidFill>
-                          <a:latin typeface="AdobeClean-Light"/>
-                          <a:cs typeface="AdobeClean-Light"/>
-                        </a:rPr>
-                        <a:t>4 hours</a:t>
-                      </a:r>
-                      <a:endParaRPr sz="900" spc="0">
+                      <a:endParaRPr sz="900" spc="0" dirty="0">
                         <a:latin typeface="AdobeClean-Light"/>
                         <a:cs typeface="AdobeClean-Light"/>
                       </a:endParaRPr>
@@ -3703,42 +3167,22 @@
                     <a:bodyPr/>
                     <a:lstStyle/>
                     <a:p>
-                      <a:pPr marL="351790" marR="481330" indent="144145" algn="l">
+                      <a:pPr marL="351790" marR="481330" indent="144145" algn="ctr">
                         <a:lnSpc>
                           <a:spcPct val="102299"/>
                         </a:lnSpc>
                       </a:pPr>
                       <a:r>
-                        <a:rPr sz="900" spc="0">
+                        <a:rPr lang="de-de" sz="900" spc="0" dirty="0">
                           <a:solidFill>
                             <a:srgbClr val="020302"/>
                           </a:solidFill>
                           <a:latin typeface="AdobeClean-Light"/>
                           <a:cs typeface="AdobeClean-Light"/>
                         </a:rPr>
-                        <a:t>24x5 /  30</a:t>
+                        <a:t>24x5 /  30분</a:t>
                       </a:r>
-                      <a:r>
-                        <a:rPr lang="en-US" sz="900" spc="0">
-                          <a:solidFill>
-                            <a:srgbClr val="020302"/>
-                          </a:solidFill>
-                          <a:latin typeface="AdobeClean-Light"/>
-                          <a:cs typeface="AdobeClean-Light"/>
-                        </a:rPr>
-                        <a:t> m</a:t>
-                      </a:r>
-                      <a:r>
-                        <a:rPr sz="900" spc="0">
-                          <a:solidFill>
-                            <a:srgbClr val="020302"/>
-                          </a:solidFill>
-                          <a:latin typeface="AdobeClean-Light"/>
-                          <a:cs typeface="AdobeClean-Light"/>
-                        </a:rPr>
-                        <a:t>inutes</a:t>
-                      </a:r>
-                      <a:endParaRPr sz="900" spc="0">
+                      <a:endParaRPr sz="900" spc="0" dirty="0">
                         <a:latin typeface="AdobeClean-Light"/>
                         <a:cs typeface="AdobeClean-Light"/>
                       </a:endParaRPr>
@@ -3800,16 +3244,16 @@
                         </a:spcBef>
                       </a:pPr>
                       <a:r>
-                        <a:rPr sz="900" b="1" spc="0">
+                        <a:rPr lang="de-de" sz="900" b="1" spc="0" dirty="0">
                           <a:solidFill>
                             <a:srgbClr val="020302"/>
                           </a:solidFill>
                           <a:latin typeface="Adobe Clean"/>
                           <a:cs typeface="Adobe Clean"/>
                         </a:rPr>
-                        <a:t>PRIORITY 3</a:t>
+                        <a:t>우선 순위 3</a:t>
                       </a:r>
-                      <a:endParaRPr sz="900" spc="0">
+                      <a:endParaRPr sz="900" spc="0" dirty="0">
                         <a:latin typeface="Adobe Clean"/>
                         <a:cs typeface="Adobe Clean"/>
                       </a:endParaRPr>
@@ -3824,16 +3268,16 @@
                         </a:spcBef>
                       </a:pPr>
                       <a:r>
-                        <a:rPr lang="en-US" sz="900" b="0" i="0" u="none" strike="noStrike" spc="0">
+                        <a:rPr lang="de-de" sz="900" b="0" i="0" u="none" strike="noStrike" spc="0" dirty="0">
                           <a:solidFill>
                             <a:srgbClr val="000000"/>
                           </a:solidFill>
                           <a:effectLst/>
                           <a:latin typeface="Adobe Clean Light" panose="020B0303020404020204" pitchFamily="34" charset="0"/>
                         </a:rPr>
-                        <a:t>Customer’s business functions has minor to no service degradation but there exists a solution/workaround allowing business functions to continue normally</a:t>
+                        <a:t>고객의 비즈니스 기능에 서비스 저하가 경미하거나 전혀 없지만 비즈니스 기능을 정상적으로 계속할 수 있게 하는 솔루션/해결 방법이 있습니다.</a:t>
                       </a:r>
-                      <a:endParaRPr sz="900" spc="0">
+                      <a:endParaRPr sz="900" spc="0" dirty="0">
                         <a:latin typeface="AdobeClean-Light"/>
                         <a:cs typeface="AdobeClean-Light"/>
                       </a:endParaRPr>
@@ -3874,22 +3318,22 @@
                     <a:bodyPr/>
                     <a:lstStyle/>
                     <a:p>
-                      <a:pPr marL="473709" marR="343535" indent="-175895" algn="l">
+                      <a:pPr marL="473709" marR="343535" indent="-175895" algn="ctr">
                         <a:lnSpc>
                           <a:spcPct val="102200"/>
                         </a:lnSpc>
                       </a:pPr>
                       <a:r>
-                        <a:rPr lang="en-US" sz="900" spc="0">
+                        <a:rPr lang="de-de" sz="900" spc="0" dirty="0">
                           <a:solidFill>
                             <a:srgbClr val="020302"/>
                           </a:solidFill>
                           <a:latin typeface="AdobeClean-Light"/>
                           <a:cs typeface="AdobeClean-Light"/>
                         </a:rPr>
-                        <a:t>Business hours /       6 hours</a:t>
+                        <a:t>업무 시간 /       6시간</a:t>
                       </a:r>
-                      <a:endParaRPr lang="en-US" sz="900" spc="0">
+                      <a:endParaRPr lang="en-US" sz="900" spc="0" dirty="0">
                         <a:latin typeface="AdobeClean-Light"/>
                         <a:cs typeface="AdobeClean-Light"/>
                       </a:endParaRPr>
@@ -3927,13 +3371,13 @@
                     <a:bodyPr/>
                     <a:lstStyle/>
                     <a:p>
-                      <a:pPr marL="508000" marR="531495" indent="1270" algn="l">
+                      <a:pPr marL="508000" marR="531495" indent="1270" algn="ctr">
                         <a:lnSpc>
                           <a:spcPct val="102200"/>
                         </a:lnSpc>
                       </a:pPr>
                       <a:r>
-                        <a:rPr lang="en-US" sz="900" spc="0">
+                        <a:rPr lang="de-de" sz="900" spc="0" dirty="0">
                           <a:solidFill>
                             <a:srgbClr val="020302"/>
                           </a:solidFill>
@@ -3944,7 +3388,7 @@
                         <a:t>2</a:t>
                       </a:r>
                       <a:r>
-                        <a:rPr sz="900" spc="0">
+                        <a:rPr lang="de-de" sz="900" spc="0" dirty="0">
                           <a:solidFill>
                             <a:srgbClr val="020302"/>
                           </a:solidFill>
@@ -3952,29 +3396,7 @@
                           <a:ea typeface="+mn-ea"/>
                           <a:cs typeface="AdobeClean-Light"/>
                         </a:rPr>
-                        <a:t>4x5/  </a:t>
-                      </a:r>
-                      <a:r>
-                        <a:rPr lang="en-US" sz="900" spc="0">
-                          <a:solidFill>
-                            <a:srgbClr val="020302"/>
-                          </a:solidFill>
-                          <a:latin typeface="AdobeClean-Light"/>
-                          <a:ea typeface="+mn-ea"/>
-                          <a:cs typeface="AdobeClean-Light"/>
-                        </a:rPr>
-                        <a:t> </a:t>
-                      </a:r>
-                      <a:r>
-                        <a:rPr sz="900" spc="0">
-                          <a:solidFill>
-                            <a:srgbClr val="020302"/>
-                          </a:solidFill>
-                          <a:latin typeface="AdobeClean-Light"/>
-                          <a:ea typeface="+mn-ea"/>
-                          <a:cs typeface="AdobeClean-Light"/>
-                        </a:rPr>
-                        <a:t>1 hour</a:t>
+                        <a:t>4x5/   1시간</a:t>
                       </a:r>
                     </a:p>
                   </a:txBody>
@@ -4034,16 +3456,16 @@
                         </a:spcBef>
                       </a:pPr>
                       <a:r>
-                        <a:rPr sz="900" b="1" spc="0">
+                        <a:rPr lang="de-de" sz="900" b="1" spc="0" dirty="0">
                           <a:solidFill>
                             <a:srgbClr val="020302"/>
                           </a:solidFill>
                           <a:latin typeface="Adobe Clean"/>
                           <a:cs typeface="Adobe Clean"/>
                         </a:rPr>
-                        <a:t>PRIORITY 4</a:t>
+                        <a:t>우선 순위 4</a:t>
                       </a:r>
-                      <a:endParaRPr sz="900" spc="0">
+                      <a:endParaRPr sz="900" spc="0" dirty="0">
                         <a:latin typeface="Adobe Clean"/>
                         <a:cs typeface="Adobe Clean"/>
                       </a:endParaRPr>
@@ -4058,16 +3480,16 @@
                         </a:spcBef>
                       </a:pPr>
                       <a:r>
-                        <a:rPr lang="en-US" sz="900" b="0" i="0" u="none" strike="noStrike" spc="0">
+                        <a:rPr lang="de-de" sz="900" b="0" i="0" u="none" strike="noStrike" spc="0" dirty="0">
                           <a:solidFill>
                             <a:srgbClr val="000000"/>
                           </a:solidFill>
                           <a:effectLst/>
                           <a:latin typeface="Adobe Clean Light" panose="020B0303020404020204" pitchFamily="34" charset="0"/>
                         </a:rPr>
-                        <a:t>General question regarding current product functionality or an enhancement request</a:t>
+                        <a:t>현재 제품 기능에 관한 일반적인 질문 또는 개선 요청입니다.</a:t>
                       </a:r>
-                      <a:endParaRPr sz="900" spc="0">
+                      <a:endParaRPr sz="900" spc="0" dirty="0">
                         <a:latin typeface="AdobeClean-Light"/>
                         <a:cs typeface="AdobeClean-Light"/>
                       </a:endParaRPr>
@@ -4108,22 +3530,22 @@
                     <a:bodyPr/>
                     <a:lstStyle/>
                     <a:p>
-                      <a:pPr marL="473709" marR="343535" indent="-175895" algn="l">
+                      <a:pPr marL="473709" marR="343535" indent="-175895" algn="ctr">
                         <a:lnSpc>
                           <a:spcPct val="102200"/>
                         </a:lnSpc>
                       </a:pPr>
                       <a:r>
-                        <a:rPr lang="en-US" sz="900" spc="0">
+                        <a:rPr lang="de-de" sz="900" spc="0" dirty="0">
                           <a:solidFill>
                             <a:srgbClr val="020302"/>
                           </a:solidFill>
                           <a:latin typeface="AdobeClean-Light"/>
                           <a:cs typeface="AdobeClean-Light"/>
                         </a:rPr>
-                        <a:t>Business days /       3 days</a:t>
+                        <a:t>업무일 /       3일</a:t>
                       </a:r>
-                      <a:endParaRPr lang="en-US" sz="900" spc="0">
+                      <a:endParaRPr lang="en-US" sz="900" spc="0" dirty="0">
                         <a:latin typeface="AdobeClean-Light"/>
                         <a:cs typeface="AdobeClean-Light"/>
                       </a:endParaRPr>
@@ -4161,22 +3583,22 @@
                     <a:bodyPr/>
                     <a:lstStyle/>
                     <a:p>
-                      <a:pPr marL="473709" marR="343535" indent="-175895" algn="l">
+                      <a:pPr marL="473709" marR="343535" indent="-175895" algn="ctr">
                         <a:lnSpc>
                           <a:spcPct val="102200"/>
                         </a:lnSpc>
                       </a:pPr>
                       <a:r>
-                        <a:rPr lang="en-US" sz="900" spc="0">
+                        <a:rPr lang="de-de" sz="900" spc="0" dirty="0">
                           <a:solidFill>
                             <a:srgbClr val="020302"/>
                           </a:solidFill>
                           <a:latin typeface="AdobeClean-Light"/>
                           <a:cs typeface="AdobeClean-Light"/>
                         </a:rPr>
-                        <a:t>Business days /       1 day</a:t>
+                        <a:t>업무일 /       1일</a:t>
                       </a:r>
-                      <a:endParaRPr lang="en-US" sz="900" spc="0">
+                      <a:endParaRPr lang="en-US" sz="900" spc="0" dirty="0">
                         <a:latin typeface="AdobeClean-Light"/>
                         <a:cs typeface="AdobeClean-Light"/>
                       </a:endParaRPr>
@@ -4279,7 +3701,7 @@
               </a:spcBef>
             </a:pPr>
             <a:r>
-              <a:rPr sz="800" spc="-15">
+              <a:rPr lang="de-de" sz="800" spc="-15" dirty="0">
                 <a:solidFill>
                   <a:srgbClr val="6D6D6D"/>
                 </a:solidFill>
@@ -4289,7 +3711,7 @@
               <a:t>©2021 </a:t>
             </a:r>
             <a:r>
-              <a:rPr sz="800" spc="-5">
+              <a:rPr lang="de-de" sz="800" spc="-5" dirty="0">
                 <a:solidFill>
                   <a:srgbClr val="6D6D6D"/>
                 </a:solidFill>
@@ -4299,7 +3721,7 @@
               <a:t>Adobe. All</a:t>
             </a:r>
             <a:r>
-              <a:rPr sz="800" spc="-15">
+              <a:rPr lang="de-de" sz="800" spc="-15" dirty="0">
                 <a:solidFill>
                   <a:srgbClr val="6D6D6D"/>
                 </a:solidFill>
@@ -4309,7 +3731,7 @@
               <a:t> Rights</a:t>
             </a:r>
             <a:r>
-              <a:rPr sz="800" spc="-5">
+              <a:rPr lang="de-de" sz="800" spc="-5" dirty="0">
                 <a:solidFill>
                   <a:srgbClr val="6D6D6D"/>
                 </a:solidFill>
@@ -4319,7 +3741,7 @@
               <a:t> </a:t>
             </a:r>
             <a:r>
-              <a:rPr sz="800" spc="-15">
+              <a:rPr lang="de-de" sz="800" spc="-15" dirty="0">
                 <a:solidFill>
                   <a:srgbClr val="6D6D6D"/>
                 </a:solidFill>
@@ -4329,7 +3751,7 @@
               <a:t>Reserved.</a:t>
             </a:r>
             <a:r>
-              <a:rPr sz="800" spc="-10">
+              <a:rPr lang="de-de" sz="800" spc="-10" dirty="0">
                 <a:solidFill>
                   <a:srgbClr val="6D6D6D"/>
                 </a:solidFill>
@@ -4339,7 +3761,7 @@
               <a:t> </a:t>
             </a:r>
             <a:r>
-              <a:rPr sz="800" spc="-5">
+              <a:rPr lang="de-de" sz="800" spc="-5" dirty="0">
                 <a:solidFill>
                   <a:srgbClr val="6D6D6D"/>
                 </a:solidFill>
@@ -4349,7 +3771,7 @@
               <a:t>Adobe</a:t>
             </a:r>
             <a:r>
-              <a:rPr sz="800" spc="65">
+              <a:rPr lang="de-de" sz="800" spc="65" dirty="0">
                 <a:solidFill>
                   <a:srgbClr val="6D6D6D"/>
                 </a:solidFill>
@@ -4359,14 +3781,14 @@
               <a:t> </a:t>
             </a:r>
             <a:r>
-              <a:rPr sz="800" spc="-15">
+              <a:rPr lang="de-de" sz="800" spc="-15" dirty="0">
                 <a:solidFill>
                   <a:srgbClr val="6D6D6D"/>
                 </a:solidFill>
                 <a:latin typeface="Adobe Clean"/>
                 <a:cs typeface="Adobe Clean"/>
               </a:rPr>
-              <a:t>Confidential.</a:t>
+              <a:t>기밀.</a:t>
             </a:r>
             <a:endParaRPr sz="800">
               <a:latin typeface="Adobe Clean"/>
@@ -4404,7 +3826,7 @@
           <a:lstStyle/>
           <a:p>
             <a:r>
-              <a:rPr lang="en-US" sz="700" i="1">
+              <a:rPr lang="de-de" sz="700" i="1" dirty="0">
                 <a:solidFill>
                   <a:schemeClr val="bg1"/>
                 </a:solidFill>
@@ -4480,7 +3902,7 @@
                     <a:bodyPr/>
                     <a:lstStyle/>
                     <a:p>
-                      <a:endParaRPr lang="en-US"/>
+                      <a:endParaRPr lang="en-US" dirty="0"/>
                     </a:p>
                   </a:txBody>
                   <a:tcPr/>
@@ -4518,17 +3940,17 @@
                         <a:defRPr/>
                       </a:pPr>
                       <a:r>
-                        <a:rPr lang="en-US" sz="900" spc="-20">
+                        <a:rPr lang="de-de" sz="900" spc="-20" dirty="0">
                           <a:solidFill>
                             <a:srgbClr val="404040"/>
                           </a:solidFill>
                           <a:latin typeface="Adobe Clean"/>
                           <a:cs typeface="Adobe Clean"/>
                         </a:rPr>
-                        <a:t>Online </a:t>
+                        <a:t>온라인 </a:t>
                       </a:r>
                       <a:r>
-                        <a:rPr lang="en-US" sz="900" spc="-135">
+                        <a:rPr lang="de-de" sz="900" spc="-135" dirty="0">
                           <a:solidFill>
                             <a:srgbClr val="404040"/>
                           </a:solidFill>
@@ -4538,16 +3960,16 @@
                         <a:t> </a:t>
                       </a:r>
                       <a:r>
-                        <a:rPr lang="en-US" sz="900" spc="-20">
+                        <a:rPr lang="de-de" sz="900" spc="-20" dirty="0">
                           <a:solidFill>
                             <a:srgbClr val="404040"/>
                           </a:solidFill>
                           <a:latin typeface="Adobe Clean"/>
                           <a:cs typeface="Adobe Clean"/>
                         </a:rPr>
-                        <a:t>Support</a:t>
+                        <a:t>지원</a:t>
                       </a:r>
-                      <a:endParaRPr lang="en-US" sz="900">
+                      <a:endParaRPr lang="en-US" sz="900" dirty="0">
                         <a:latin typeface="Adobe Clean"/>
                         <a:cs typeface="Adobe Clean"/>
                       </a:endParaRPr>
@@ -4591,26 +4013,16 @@
                         </a:spcBef>
                       </a:pPr>
                       <a:r>
-                        <a:rPr lang="en-US" sz="900" spc="-20">
+                        <a:rPr lang="de-de" sz="900" spc="-20" dirty="0">
                           <a:solidFill>
                             <a:srgbClr val="FFFFFF"/>
                           </a:solidFill>
                           <a:latin typeface="Adobe Clean"/>
                           <a:cs typeface="Adobe Clean"/>
                         </a:rPr>
-                        <a:t>Elite </a:t>
+                        <a:t>엘리트 지원</a:t>
                       </a:r>
-                      <a:r>
-                        <a:rPr sz="900" spc="-20">
-                          <a:solidFill>
-                            <a:srgbClr val="FFFFFF"/>
-                          </a:solidFill>
-                          <a:latin typeface="Adobe Clean"/>
-                          <a:cs typeface="Adobe Clean"/>
-                        </a:rPr>
-                        <a:t>Support</a:t>
-                      </a:r>
-                      <a:endParaRPr sz="900">
+                      <a:endParaRPr sz="900" dirty="0">
                         <a:latin typeface="Adobe Clean"/>
                         <a:cs typeface="Adobe Clean"/>
                       </a:endParaRPr>
@@ -4658,7 +4070,7 @@
                     <a:bodyPr/>
                     <a:lstStyle/>
                     <a:p>
-                      <a:endParaRPr lang="en-US"/>
+                      <a:endParaRPr lang="en-US" dirty="0"/>
                     </a:p>
                   </a:txBody>
                   <a:tcPr/>
@@ -4695,7 +4107,7 @@
                         <a:tabLst/>
                         <a:defRPr/>
                       </a:pPr>
-                      <a:endParaRPr lang="en-US" sz="800" i="1">
+                      <a:endParaRPr lang="en-US" sz="800" i="1" dirty="0">
                         <a:solidFill>
                           <a:sysClr val="windowText" lastClr="000000"/>
                         </a:solidFill>
@@ -4759,13 +4171,13 @@
                         <a:defRPr/>
                       </a:pPr>
                       <a:r>
-                        <a:rPr lang="en-US" sz="800" i="1">
+                        <a:rPr lang="de-de" sz="800" i="1" dirty="0">
                           <a:solidFill>
                             <a:schemeClr val="bg1"/>
                           </a:solidFill>
                           <a:latin typeface="Adobe Clean Light" panose="020B0303020404020204" pitchFamily="34" charset="0"/>
                         </a:rPr>
-                        <a:t>Paid Support ($)</a:t>
+                        <a:t>유료 지원($)</a:t>
                       </a:r>
                     </a:p>
                   </a:txBody>
@@ -4829,16 +4241,16 @@
                         </a:spcBef>
                       </a:pPr>
                       <a:r>
-                        <a:rPr lang="en-US" sz="1000" b="1" i="0" spc="0">
+                        <a:rPr lang="de-de" sz="1000" b="1" i="0" spc="0" dirty="0">
                           <a:solidFill>
                             <a:schemeClr val="bg1"/>
                           </a:solidFill>
                           <a:latin typeface="Adobe Clean" panose="020B0503020404020204" pitchFamily="34" charset="0"/>
                           <a:cs typeface="AdobeClean-Light"/>
                         </a:rPr>
-                        <a:t>Assigned Experts</a:t>
+                        <a:t>할당된 전문가</a:t>
                       </a:r>
-                      <a:endParaRPr sz="1000" b="1" i="0" spc="0">
+                      <a:endParaRPr sz="1000" b="1" i="0" spc="0" dirty="0">
                         <a:solidFill>
                           <a:schemeClr val="bg1"/>
                         </a:solidFill>
@@ -4891,16 +4303,16 @@
                         </a:spcBef>
                       </a:pPr>
                       <a:r>
-                        <a:rPr sz="900" spc="0">
+                        <a:rPr lang="de-de" sz="900" spc="0" dirty="0">
                           <a:solidFill>
                             <a:srgbClr val="020302"/>
                           </a:solidFill>
                           <a:latin typeface="AdobeClean-Light"/>
                           <a:cs typeface="AdobeClean-Light"/>
                         </a:rPr>
-                        <a:t>Account Support Lead</a:t>
+                        <a:t>계정 지원 리드</a:t>
                       </a:r>
-                      <a:endParaRPr sz="900" spc="0">
+                      <a:endParaRPr sz="900" spc="0" dirty="0">
                         <a:latin typeface="AdobeClean-Light"/>
                         <a:cs typeface="AdobeClean-Light"/>
                       </a:endParaRPr>
@@ -4946,7 +4358,7 @@
                           <a:spcPts val="470"/>
                         </a:spcBef>
                       </a:pPr>
-                      <a:endParaRPr sz="900">
+                      <a:endParaRPr sz="900" dirty="0">
                         <a:latin typeface="Wingdings"/>
                         <a:cs typeface="Wingdings"/>
                       </a:endParaRPr>
@@ -4987,7 +4399,7 @@
                           <a:spcPts val="470"/>
                         </a:spcBef>
                       </a:pPr>
-                      <a:endParaRPr sz="900">
+                      <a:endParaRPr sz="900" dirty="0">
                         <a:latin typeface="Wingdings"/>
                         <a:cs typeface="Wingdings"/>
                       </a:endParaRPr>
@@ -5030,7 +4442,7 @@
                           <a:spcPts val="459"/>
                         </a:spcBef>
                       </a:pPr>
-                      <a:endParaRPr sz="900">
+                      <a:endParaRPr sz="900" dirty="0">
                         <a:latin typeface="AdobeClean-Light"/>
                         <a:cs typeface="AdobeClean-Light"/>
                       </a:endParaRPr>
@@ -5068,16 +4480,16 @@
                         </a:spcBef>
                       </a:pPr>
                       <a:r>
-                        <a:rPr sz="900" spc="0">
+                        <a:rPr lang="de-de" sz="900" spc="0" dirty="0">
                           <a:solidFill>
                             <a:srgbClr val="020302"/>
                           </a:solidFill>
                           <a:latin typeface="AdobeClean-Light"/>
                           <a:cs typeface="AdobeClean-Light"/>
                         </a:rPr>
-                        <a:t>Named Support Engineer</a:t>
+                        <a:t>지정 지원 엔지니어</a:t>
                       </a:r>
-                      <a:endParaRPr sz="900" spc="0">
+                      <a:endParaRPr sz="900" spc="0" dirty="0">
                         <a:latin typeface="AdobeClean-Light"/>
                         <a:cs typeface="AdobeClean-Light"/>
                       </a:endParaRPr>
@@ -5108,7 +4520,7 @@
                           <a:spcPct val="100000"/>
                         </a:lnSpc>
                       </a:pPr>
-                      <a:endParaRPr sz="900">
+                      <a:endParaRPr sz="900" dirty="0">
                         <a:latin typeface="Times New Roman"/>
                         <a:cs typeface="Times New Roman"/>
                       </a:endParaRPr>
@@ -5150,7 +4562,7 @@
                         <a:defRPr/>
                       </a:pPr>
                       <a:r>
-                        <a:rPr lang="en-US" sz="900">
+                        <a:rPr lang="de-de" sz="900" dirty="0">
                           <a:solidFill>
                             <a:srgbClr val="020302"/>
                           </a:solidFill>
@@ -5159,7 +4571,7 @@
                         </a:rPr>
                         <a:t></a:t>
                       </a:r>
-                      <a:endParaRPr lang="en-US" sz="900">
+                      <a:endParaRPr lang="en-US" sz="900" dirty="0">
                         <a:latin typeface="Wingdings"/>
                         <a:cs typeface="Wingdings"/>
                       </a:endParaRPr>
@@ -5193,7 +4605,7 @@
                           <a:spcPts val="500"/>
                         </a:spcBef>
                       </a:pPr>
-                      <a:endParaRPr sz="900">
+                      <a:endParaRPr sz="900" dirty="0">
                         <a:latin typeface="AdobeClean-Light"/>
                         <a:cs typeface="AdobeClean-Light"/>
                       </a:endParaRPr>
@@ -5243,16 +4655,16 @@
                         </a:spcBef>
                       </a:pPr>
                       <a:r>
-                        <a:rPr sz="900" spc="0">
+                        <a:rPr lang="de-de" sz="900" spc="0" dirty="0">
                           <a:solidFill>
                             <a:srgbClr val="020302"/>
                           </a:solidFill>
                           <a:latin typeface="AdobeClean-Light"/>
                           <a:cs typeface="AdobeClean-Light"/>
                         </a:rPr>
-                        <a:t>Technical Account Manager</a:t>
+                        <a:t>기술 계정 관리자</a:t>
                       </a:r>
-                      <a:endParaRPr sz="900" spc="0">
+                      <a:endParaRPr sz="900" spc="0" dirty="0">
                         <a:latin typeface="AdobeClean-Light"/>
                         <a:cs typeface="AdobeClean-Light"/>
                       </a:endParaRPr>
@@ -5289,7 +4701,7 @@
                           <a:spcPct val="100000"/>
                         </a:lnSpc>
                       </a:pPr>
-                      <a:endParaRPr sz="900">
+                      <a:endParaRPr sz="900" dirty="0">
                         <a:latin typeface="Times New Roman"/>
                         <a:cs typeface="Times New Roman"/>
                       </a:endParaRPr>
@@ -5340,7 +4752,7 @@
                         <a:defRPr/>
                       </a:pPr>
                       <a:r>
-                        <a:rPr lang="en-US" sz="900">
+                        <a:rPr lang="de-de" sz="900" dirty="0">
                           <a:solidFill>
                             <a:srgbClr val="020302"/>
                           </a:solidFill>
@@ -5349,7 +4761,7 @@
                         </a:rPr>
                         <a:t></a:t>
                       </a:r>
-                      <a:endParaRPr lang="en-US" sz="900">
+                      <a:endParaRPr lang="en-US" sz="900" dirty="0">
                         <a:latin typeface="Wingdings"/>
                         <a:cs typeface="Wingdings"/>
                       </a:endParaRPr>
@@ -5393,16 +4805,16 @@
                         </a:spcBef>
                       </a:pPr>
                       <a:r>
-                        <a:rPr lang="en-US" sz="1000" b="1" i="0" spc="0">
+                        <a:rPr lang="de-de" sz="1000" b="1" i="0" spc="0" dirty="0">
                           <a:solidFill>
                             <a:schemeClr val="bg1"/>
                           </a:solidFill>
                           <a:latin typeface="Adobe Clean" panose="020B0503020404020204" pitchFamily="34" charset="0"/>
                           <a:cs typeface="AdobeClean-Light"/>
                         </a:rPr>
-                        <a:t>Support Services</a:t>
+                        <a:t>지원 서비스</a:t>
                       </a:r>
-                      <a:endParaRPr sz="1000" b="1" i="0" spc="0">
+                      <a:endParaRPr sz="1000" b="1" i="0" spc="0" dirty="0">
                         <a:solidFill>
                           <a:schemeClr val="bg1"/>
                         </a:solidFill>
@@ -5464,26 +4876,16 @@
                         </a:spcBef>
                       </a:pPr>
                       <a:r>
-                        <a:rPr lang="en-US" sz="900" spc="0">
+                        <a:rPr lang="de-de" sz="900" spc="0" dirty="0">
                           <a:solidFill>
                             <a:srgbClr val="020302"/>
                           </a:solidFill>
                           <a:latin typeface="AdobeClean-Light"/>
                           <a:cs typeface="AdobeClean-Light"/>
                         </a:rPr>
-                        <a:t>Online</a:t>
+                        <a:t>온라인 지원</a:t>
                       </a:r>
-                      <a:r>
-                        <a:rPr sz="900" spc="0">
-                          <a:solidFill>
-                            <a:srgbClr val="020302"/>
-                          </a:solidFill>
-                          <a:latin typeface="AdobeClean-Light"/>
-                          <a:cs typeface="AdobeClean-Light"/>
-                        </a:rPr>
-                        <a:t> Support</a:t>
-                      </a:r>
-                      <a:endParaRPr sz="900" spc="0">
+                      <a:endParaRPr sz="900" spc="0" dirty="0">
                         <a:latin typeface="AdobeClean-Light"/>
                         <a:cs typeface="AdobeClean-Light"/>
                       </a:endParaRPr>
@@ -5524,17 +4926,17 @@
                         </a:spcBef>
                       </a:pPr>
                       <a:r>
-                        <a:rPr sz="900" spc="-25">
+                        <a:rPr lang="de-de" sz="900" spc="-25" dirty="0">
                           <a:solidFill>
                             <a:srgbClr val="020302"/>
                           </a:solidFill>
                           <a:latin typeface="AdobeClean-Light"/>
                           <a:cs typeface="AdobeClean-Light"/>
                         </a:rPr>
-                        <a:t>Business</a:t>
+                        <a:t>업무</a:t>
                       </a:r>
                       <a:r>
-                        <a:rPr sz="900" spc="-15">
+                        <a:rPr lang="de-de" sz="900" spc="-15" dirty="0">
                           <a:solidFill>
                             <a:srgbClr val="020302"/>
                           </a:solidFill>
@@ -5544,16 +4946,16 @@
                         <a:t> </a:t>
                       </a:r>
                       <a:r>
-                        <a:rPr sz="900" spc="-30">
+                        <a:rPr lang="de-de" sz="900" spc="-30" dirty="0">
                           <a:solidFill>
                             <a:srgbClr val="020302"/>
                           </a:solidFill>
                           <a:latin typeface="AdobeClean-Light"/>
                           <a:cs typeface="AdobeClean-Light"/>
                         </a:rPr>
-                        <a:t>hours</a:t>
+                        <a:t>시간</a:t>
                       </a:r>
-                      <a:endParaRPr sz="900">
+                      <a:endParaRPr sz="900" dirty="0">
                         <a:latin typeface="AdobeClean-Light"/>
                         <a:cs typeface="AdobeClean-Light"/>
                       </a:endParaRPr>
@@ -5595,7 +4997,7 @@
                         </a:spcBef>
                       </a:pPr>
                       <a:r>
-                        <a:rPr lang="en-US" sz="900" spc="-25">
+                        <a:rPr lang="de-de" sz="900" spc="-25" dirty="0">
                           <a:solidFill>
                             <a:srgbClr val="020302"/>
                           </a:solidFill>
@@ -5604,7 +5006,7 @@
                         </a:rPr>
                         <a:t>24x5</a:t>
                       </a:r>
-                      <a:endParaRPr sz="900">
+                      <a:endParaRPr sz="900" dirty="0">
                         <a:latin typeface="AdobeClean-Light"/>
                         <a:cs typeface="AdobeClean-Light"/>
                       </a:endParaRPr>
@@ -5647,7 +5049,7 @@
                           <a:spcPts val="455"/>
                         </a:spcBef>
                       </a:pPr>
-                      <a:endParaRPr sz="900">
+                      <a:endParaRPr sz="900" dirty="0">
                         <a:latin typeface="AdobeClean-Light"/>
                         <a:cs typeface="AdobeClean-Light"/>
                       </a:endParaRPr>
@@ -5688,36 +5090,16 @@
                         </a:spcBef>
                       </a:pPr>
                       <a:r>
-                        <a:rPr sz="900" spc="0">
+                        <a:rPr lang="de-de" sz="900" spc="0" dirty="0">
                           <a:solidFill>
                             <a:srgbClr val="020302"/>
                           </a:solidFill>
                           <a:latin typeface="AdobeClean-Light"/>
                           <a:cs typeface="AdobeClean-Light"/>
                         </a:rPr>
-                        <a:t>24x7</a:t>
+                        <a:t>24x7x365 P1 문제 지원</a:t>
                       </a:r>
-                      <a:r>
-                        <a:rPr lang="en-US" sz="900" spc="0">
-                          <a:solidFill>
-                            <a:srgbClr val="020302"/>
-                          </a:solidFill>
-                          <a:latin typeface="AdobeClean-Light"/>
-                          <a:cs typeface="AdobeClean-Light"/>
-                        </a:rPr>
-                        <a:t>x365</a:t>
-                      </a:r>
-                      <a:r>
-                        <a:rPr sz="900" spc="0">
-                          <a:solidFill>
-                            <a:srgbClr val="020302"/>
-                          </a:solidFill>
-                          <a:latin typeface="AdobeClean-Light"/>
-                          <a:cs typeface="AdobeClean-Light"/>
-                        </a:rPr>
-                        <a:t> P1 Issue Support</a:t>
-                      </a:r>
-                      <a:endParaRPr sz="900" spc="0">
+                      <a:endParaRPr sz="900" spc="0" dirty="0">
                         <a:latin typeface="AdobeClean-Light"/>
                         <a:cs typeface="AdobeClean-Light"/>
                       </a:endParaRPr>
@@ -5752,7 +5134,7 @@
                         </a:spcBef>
                       </a:pPr>
                       <a:r>
-                        <a:rPr sz="900">
+                        <a:rPr lang="de-de" sz="900" dirty="0">
                           <a:solidFill>
                             <a:srgbClr val="020302"/>
                           </a:solidFill>
@@ -5761,7 +5143,7 @@
                         </a:rPr>
                         <a:t></a:t>
                       </a:r>
-                      <a:endParaRPr sz="900">
+                      <a:endParaRPr sz="900" dirty="0">
                         <a:latin typeface="Wingdings"/>
                         <a:cs typeface="Wingdings"/>
                       </a:endParaRPr>
@@ -5794,7 +5176,7 @@
                         </a:spcBef>
                       </a:pPr>
                       <a:r>
-                        <a:rPr sz="900">
+                        <a:rPr lang="de-de" sz="900" dirty="0">
                           <a:solidFill>
                             <a:srgbClr val="020302"/>
                           </a:solidFill>
@@ -5803,7 +5185,7 @@
                         </a:rPr>
                         <a:t></a:t>
                       </a:r>
-                      <a:endParaRPr sz="900">
+                      <a:endParaRPr sz="900" dirty="0">
                         <a:latin typeface="Wingdings"/>
                         <a:cs typeface="Wingdings"/>
                       </a:endParaRPr>
@@ -5837,7 +5219,7 @@
                           <a:spcPts val="455"/>
                         </a:spcBef>
                       </a:pPr>
-                      <a:endParaRPr sz="900">
+                      <a:endParaRPr sz="900" dirty="0">
                         <a:latin typeface="AdobeClean-Light"/>
                         <a:cs typeface="AdobeClean-Light"/>
                       </a:endParaRPr>
@@ -5887,16 +5269,16 @@
                         </a:spcBef>
                       </a:pPr>
                       <a:r>
-                        <a:rPr lang="en-US" sz="900" spc="0">
+                        <a:rPr lang="de-de" sz="900" spc="0" dirty="0">
                           <a:solidFill>
                             <a:srgbClr val="020302"/>
                           </a:solidFill>
                           <a:latin typeface="AdobeClean-Light"/>
                           <a:cs typeface="AdobeClean-Light"/>
                         </a:rPr>
-                        <a:t>Named Support Contacts (per product)</a:t>
+                        <a:t>지정된 지원 담당자(제품당)</a:t>
                       </a:r>
-                      <a:endParaRPr sz="900" spc="0">
+                      <a:endParaRPr sz="900" spc="0" dirty="0">
                         <a:latin typeface="AdobeClean-Light"/>
                         <a:cs typeface="AdobeClean-Light"/>
                       </a:endParaRPr>
@@ -5937,7 +5319,7 @@
                         </a:spcBef>
                       </a:pPr>
                       <a:r>
-                        <a:rPr sz="900">
+                        <a:rPr lang="de-de" sz="900" dirty="0">
                           <a:solidFill>
                             <a:srgbClr val="020302"/>
                           </a:solidFill>
@@ -5946,7 +5328,7 @@
                         </a:rPr>
                         <a:t>4</a:t>
                       </a:r>
-                      <a:endParaRPr sz="900">
+                      <a:endParaRPr sz="900" dirty="0">
                         <a:latin typeface="AdobeClean-Light"/>
                         <a:cs typeface="AdobeClean-Light"/>
                       </a:endParaRPr>
@@ -5979,7 +5361,7 @@
                         </a:spcBef>
                       </a:pPr>
                       <a:r>
-                        <a:rPr lang="en-US" sz="900">
+                        <a:rPr lang="de-de" sz="900" dirty="0">
                           <a:solidFill>
                             <a:srgbClr val="020302"/>
                           </a:solidFill>
@@ -5988,7 +5370,7 @@
                         </a:rPr>
                         <a:t>15</a:t>
                       </a:r>
-                      <a:endParaRPr sz="900">
+                      <a:endParaRPr sz="900" dirty="0">
                         <a:latin typeface="AdobeClean-Light"/>
                         <a:cs typeface="AdobeClean-Light"/>
                       </a:endParaRPr>
@@ -6022,7 +5404,7 @@
                           <a:spcPts val="455"/>
                         </a:spcBef>
                       </a:pPr>
-                      <a:endParaRPr sz="900">
+                      <a:endParaRPr sz="900" dirty="0">
                         <a:latin typeface="AdobeClean-Light"/>
                         <a:cs typeface="AdobeClean-Light"/>
                       </a:endParaRPr>
@@ -6063,16 +5445,16 @@
                         </a:spcBef>
                       </a:pPr>
                       <a:r>
-                        <a:rPr lang="en-US" sz="900" spc="0">
+                        <a:rPr lang="de-de" sz="900" spc="0" dirty="0">
                           <a:solidFill>
                             <a:srgbClr val="020302"/>
                           </a:solidFill>
                           <a:latin typeface="AdobeClean-Light"/>
                           <a:cs typeface="AdobeClean-Light"/>
                         </a:rPr>
-                        <a:t>Live Telephone Support</a:t>
+                        <a:t>실시간 전화 지원</a:t>
                       </a:r>
-                      <a:endParaRPr sz="900" spc="0">
+                      <a:endParaRPr sz="900" spc="0" dirty="0">
                         <a:latin typeface="AdobeClean-Light"/>
                         <a:cs typeface="AdobeClean-Light"/>
                       </a:endParaRPr>
@@ -6106,7 +5488,7 @@
                           <a:spcPts val="464"/>
                         </a:spcBef>
                       </a:pPr>
-                      <a:endParaRPr sz="900">
+                      <a:endParaRPr sz="900" dirty="0">
                         <a:latin typeface="Wingdings"/>
                         <a:cs typeface="Wingdings"/>
                       </a:endParaRPr>
@@ -6139,7 +5521,7 @@
                         </a:spcBef>
                       </a:pPr>
                       <a:r>
-                        <a:rPr sz="900">
+                        <a:rPr lang="de-de" sz="900" dirty="0">
                           <a:solidFill>
                             <a:srgbClr val="020302"/>
                           </a:solidFill>
@@ -6148,7 +5530,7 @@
                         </a:rPr>
                         <a:t></a:t>
                       </a:r>
-                      <a:endParaRPr sz="900">
+                      <a:endParaRPr sz="900" dirty="0">
                         <a:latin typeface="Wingdings"/>
                         <a:cs typeface="Wingdings"/>
                       </a:endParaRPr>
@@ -6182,7 +5564,7 @@
                           <a:spcPts val="459"/>
                         </a:spcBef>
                       </a:pPr>
-                      <a:endParaRPr sz="900">
+                      <a:endParaRPr sz="900" dirty="0">
                         <a:latin typeface="AdobeClean-Light"/>
                         <a:cs typeface="AdobeClean-Light"/>
                       </a:endParaRPr>
@@ -6223,16 +5605,16 @@
                         </a:spcBef>
                       </a:pPr>
                       <a:r>
-                        <a:rPr sz="900" spc="0">
+                        <a:rPr lang="de-de" sz="900" spc="0" dirty="0">
                           <a:solidFill>
                             <a:srgbClr val="020302"/>
                           </a:solidFill>
                           <a:latin typeface="AdobeClean-Light"/>
                           <a:cs typeface="AdobeClean-Light"/>
                         </a:rPr>
-                        <a:t>Escalation Management</a:t>
+                        <a:t>에스컬레이션 관리</a:t>
                       </a:r>
-                      <a:endParaRPr sz="900" spc="0">
+                      <a:endParaRPr sz="900" spc="0" dirty="0">
                         <a:latin typeface="AdobeClean-Light"/>
                         <a:cs typeface="AdobeClean-Light"/>
                       </a:endParaRPr>
@@ -6266,7 +5648,7 @@
                           <a:spcPts val="470"/>
                         </a:spcBef>
                       </a:pPr>
-                      <a:endParaRPr sz="900">
+                      <a:endParaRPr sz="900" dirty="0">
                         <a:latin typeface="Wingdings"/>
                         <a:cs typeface="Wingdings"/>
                       </a:endParaRPr>
@@ -6299,7 +5681,7 @@
                         </a:spcBef>
                       </a:pPr>
                       <a:r>
-                        <a:rPr sz="900">
+                        <a:rPr lang="de-de" sz="900" dirty="0">
                           <a:solidFill>
                             <a:srgbClr val="020302"/>
                           </a:solidFill>
@@ -6308,7 +5690,7 @@
                         </a:rPr>
                         <a:t></a:t>
                       </a:r>
-                      <a:endParaRPr sz="900">
+                      <a:endParaRPr sz="900" dirty="0">
                         <a:latin typeface="Wingdings"/>
                         <a:cs typeface="Wingdings"/>
                       </a:endParaRPr>
@@ -6342,7 +5724,7 @@
                           <a:spcPts val="450"/>
                         </a:spcBef>
                       </a:pPr>
-                      <a:endParaRPr sz="900">
+                      <a:endParaRPr sz="900" dirty="0">
                         <a:latin typeface="AdobeClean-Light"/>
                         <a:cs typeface="AdobeClean-Light"/>
                       </a:endParaRPr>
@@ -6383,26 +5765,16 @@
                         </a:spcBef>
                       </a:pPr>
                       <a:r>
-                        <a:rPr sz="900" spc="0">
+                        <a:rPr lang="de-de" sz="900" spc="0" dirty="0">
                           <a:solidFill>
                             <a:srgbClr val="020302"/>
                           </a:solidFill>
                           <a:latin typeface="AdobeClean-Light"/>
                           <a:cs typeface="AdobeClean-Light"/>
                         </a:rPr>
-                        <a:t>Service Reviews </a:t>
+                        <a:t>연간 서비스 리뷰</a:t>
                       </a:r>
-                      <a:r>
-                        <a:rPr lang="en-US" sz="900" spc="0">
-                          <a:solidFill>
-                            <a:srgbClr val="020302"/>
-                          </a:solidFill>
-                          <a:latin typeface="AdobeClean-Light"/>
-                          <a:cs typeface="AdobeClean-Light"/>
-                        </a:rPr>
-                        <a:t>per Year</a:t>
-                      </a:r>
-                      <a:endParaRPr sz="900" spc="0">
+                      <a:endParaRPr sz="900" spc="0" dirty="0">
                         <a:latin typeface="AdobeClean-Light"/>
                         <a:cs typeface="AdobeClean-Light"/>
                       </a:endParaRPr>
@@ -6433,7 +5805,7 @@
                           <a:spcPct val="100000"/>
                         </a:lnSpc>
                       </a:pPr>
-                      <a:endParaRPr sz="900">
+                      <a:endParaRPr sz="900" dirty="0">
                         <a:latin typeface="Times New Roman"/>
                         <a:cs typeface="Times New Roman"/>
                       </a:endParaRPr>
@@ -6463,13 +5835,13 @@
                         </a:lnSpc>
                       </a:pPr>
                       <a:r>
-                        <a:rPr lang="en-US" sz="900">
+                        <a:rPr lang="de-de" sz="900" dirty="0">
                           <a:latin typeface="Times New Roman"/>
                           <a:cs typeface="Times New Roman"/>
                         </a:rPr>
                         <a:t>4</a:t>
                       </a:r>
-                      <a:endParaRPr sz="900">
+                      <a:endParaRPr sz="900" dirty="0">
                         <a:latin typeface="Times New Roman"/>
                         <a:cs typeface="Times New Roman"/>
                       </a:endParaRPr>
@@ -6514,13 +5886,13 @@
                         </a:spcBef>
                       </a:pPr>
                       <a:r>
-                        <a:rPr lang="en-US" sz="900" spc="0">
+                        <a:rPr lang="de-de" sz="900" spc="0" dirty="0">
                           <a:latin typeface="AdobeClean-Light"/>
                           <a:cs typeface="AdobeClean-Light"/>
                         </a:rPr>
-                        <a:t>Expert Sessions per Year</a:t>
+                        <a:t>연간 전문가 세션</a:t>
                       </a:r>
-                      <a:endParaRPr sz="900" spc="0">
+                      <a:endParaRPr sz="900" spc="0" dirty="0">
                         <a:latin typeface="AdobeClean-Light"/>
                         <a:cs typeface="AdobeClean-Light"/>
                       </a:endParaRPr>
@@ -6557,7 +5929,7 @@
                           <a:spcPct val="100000"/>
                         </a:lnSpc>
                       </a:pPr>
-                      <a:endParaRPr sz="900">
+                      <a:endParaRPr sz="900" dirty="0">
                         <a:latin typeface="Times New Roman"/>
                         <a:cs typeface="Times New Roman"/>
                       </a:endParaRPr>
@@ -6587,13 +5959,13 @@
                         </a:lnSpc>
                       </a:pPr>
                       <a:r>
-                        <a:rPr lang="en-US" sz="900">
+                        <a:rPr lang="de-de" sz="900" dirty="0">
                           <a:latin typeface="Times New Roman"/>
                           <a:cs typeface="Times New Roman"/>
                         </a:rPr>
                         <a:t>4</a:t>
                       </a:r>
-                      <a:endParaRPr sz="900">
+                      <a:endParaRPr sz="900" dirty="0">
                         <a:latin typeface="Times New Roman"/>
                         <a:cs typeface="Times New Roman"/>
                       </a:endParaRPr>
@@ -6638,13 +6010,13 @@
                         </a:spcBef>
                       </a:pPr>
                       <a:r>
-                        <a:rPr lang="en-US" sz="900" spc="0">
+                        <a:rPr lang="de-de" sz="900" spc="0" dirty="0">
                           <a:latin typeface="AdobeClean-Light"/>
                           <a:cs typeface="AdobeClean-Light"/>
                         </a:rPr>
-                        <a:t>Case Reviews</a:t>
+                        <a:t>사례 검토</a:t>
                       </a:r>
-                      <a:endParaRPr sz="900" spc="0">
+                      <a:endParaRPr sz="900" spc="0" dirty="0">
                         <a:latin typeface="AdobeClean-Light"/>
                         <a:cs typeface="AdobeClean-Light"/>
                       </a:endParaRPr>
@@ -6681,7 +6053,7 @@
                           <a:spcPct val="100000"/>
                         </a:lnSpc>
                       </a:pPr>
-                      <a:endParaRPr sz="900">
+                      <a:endParaRPr sz="900" dirty="0">
                         <a:latin typeface="Times New Roman"/>
                         <a:cs typeface="Times New Roman"/>
                       </a:endParaRPr>
@@ -6723,7 +6095,7 @@
                         <a:defRPr/>
                       </a:pPr>
                       <a:r>
-                        <a:rPr lang="en-US" sz="900">
+                        <a:rPr lang="de-de" sz="900" dirty="0">
                           <a:solidFill>
                             <a:srgbClr val="020302"/>
                           </a:solidFill>
@@ -6732,7 +6104,7 @@
                         </a:rPr>
                         <a:t></a:t>
                       </a:r>
-                      <a:endParaRPr lang="en-US" sz="900">
+                      <a:endParaRPr lang="en-US" sz="900" dirty="0">
                         <a:latin typeface="Wingdings"/>
                         <a:cs typeface="Wingdings"/>
                       </a:endParaRPr>
@@ -6766,7 +6138,7 @@
                           <a:spcPts val="459"/>
                         </a:spcBef>
                       </a:pPr>
-                      <a:endParaRPr sz="900">
+                      <a:endParaRPr sz="900" dirty="0">
                         <a:latin typeface="AdobeClean-Light"/>
                         <a:cs typeface="AdobeClean-Light"/>
                       </a:endParaRPr>
@@ -6816,26 +6188,16 @@
                         </a:spcBef>
                       </a:pPr>
                       <a:r>
-                        <a:rPr sz="900" spc="0">
+                        <a:rPr lang="de-de" sz="900" spc="0" dirty="0">
                           <a:solidFill>
                             <a:srgbClr val="020302"/>
                           </a:solidFill>
                           <a:latin typeface="AdobeClean-Light"/>
                           <a:cs typeface="AdobeClean-Light"/>
                         </a:rPr>
-                        <a:t>Event </a:t>
+                        <a:t>이벤트 관리</a:t>
                       </a:r>
-                      <a:r>
-                        <a:rPr lang="en-US" sz="900" spc="0">
-                          <a:solidFill>
-                            <a:srgbClr val="020302"/>
-                          </a:solidFill>
-                          <a:latin typeface="AdobeClean-Light"/>
-                          <a:cs typeface="AdobeClean-Light"/>
-                        </a:rPr>
-                        <a:t>Management</a:t>
-                      </a:r>
-                      <a:endParaRPr sz="900" spc="0">
+                      <a:endParaRPr sz="900" spc="0" dirty="0">
                         <a:latin typeface="AdobeClean-Light"/>
                         <a:cs typeface="AdobeClean-Light"/>
                       </a:endParaRPr>
@@ -6872,7 +6234,7 @@
                           <a:spcPct val="100000"/>
                         </a:lnSpc>
                       </a:pPr>
-                      <a:endParaRPr sz="900">
+                      <a:endParaRPr sz="900" dirty="0">
                         <a:latin typeface="Times New Roman"/>
                         <a:cs typeface="Times New Roman"/>
                       </a:endParaRPr>
@@ -6914,7 +6276,7 @@
                         <a:defRPr/>
                       </a:pPr>
                       <a:r>
-                        <a:rPr lang="en-US" sz="900">
+                        <a:rPr lang="de-de" sz="900" dirty="0">
                           <a:solidFill>
                             <a:srgbClr val="020302"/>
                           </a:solidFill>
@@ -6923,7 +6285,7 @@
                         </a:rPr>
                         <a:t></a:t>
                       </a:r>
-                      <a:endParaRPr lang="en-US" sz="900">
+                      <a:endParaRPr lang="en-US" sz="900" dirty="0">
                         <a:latin typeface="Wingdings"/>
                         <a:cs typeface="Wingdings"/>
                       </a:endParaRPr>
@@ -6957,7 +6319,7 @@
                           <a:spcPts val="465"/>
                         </a:spcBef>
                       </a:pPr>
-                      <a:endParaRPr sz="900">
+                      <a:endParaRPr sz="900" dirty="0">
                         <a:latin typeface="AdobeClean-Light"/>
                         <a:cs typeface="AdobeClean-Light"/>
                       </a:endParaRPr>
@@ -6998,36 +6360,16 @@
                         </a:spcBef>
                       </a:pPr>
                       <a:r>
-                        <a:rPr sz="900" spc="0">
+                        <a:rPr lang="de-de" sz="900" spc="0" dirty="0">
                           <a:solidFill>
                             <a:srgbClr val="020302"/>
                           </a:solidFill>
                           <a:latin typeface="AdobeClean-Light"/>
                           <a:cs typeface="AdobeClean-Light"/>
                         </a:rPr>
-                        <a:t>Environment</a:t>
+                        <a:t>환경 검토, 유지 관리 및 모니터링</a:t>
                       </a:r>
-                      <a:r>
-                        <a:rPr lang="en-US" sz="900" spc="0">
-                          <a:solidFill>
-                            <a:srgbClr val="020302"/>
-                          </a:solidFill>
-                          <a:latin typeface="AdobeClean-Light"/>
-                          <a:cs typeface="AdobeClean-Light"/>
-                        </a:rPr>
-                        <a:t> </a:t>
-                      </a:r>
-                      <a:r>
-                        <a:rPr sz="900" spc="0">
-                          <a:solidFill>
-                            <a:srgbClr val="020302"/>
-                          </a:solidFill>
-                          <a:latin typeface="AdobeClean-Light"/>
-                          <a:cs typeface="AdobeClean-Light"/>
-                        </a:rPr>
-                        <a:t>Review, Maintenance &amp; Monitoring</a:t>
-                      </a:r>
-                      <a:endParaRPr sz="900" spc="0">
+                      <a:endParaRPr sz="900" spc="0" dirty="0">
                         <a:latin typeface="AdobeClean-Light"/>
                         <a:cs typeface="AdobeClean-Light"/>
                       </a:endParaRPr>
@@ -7058,7 +6400,7 @@
                           <a:spcPct val="100000"/>
                         </a:lnSpc>
                       </a:pPr>
-                      <a:endParaRPr sz="900">
+                      <a:endParaRPr sz="900" dirty="0">
                         <a:latin typeface="Times New Roman"/>
                         <a:cs typeface="Times New Roman"/>
                       </a:endParaRPr>
@@ -7100,7 +6442,7 @@
                         <a:defRPr/>
                       </a:pPr>
                       <a:r>
-                        <a:rPr lang="en-US" sz="900">
+                        <a:rPr lang="de-de" sz="900" dirty="0">
                           <a:solidFill>
                             <a:srgbClr val="020302"/>
                           </a:solidFill>
@@ -7109,7 +6451,7 @@
                         </a:rPr>
                         <a:t></a:t>
                       </a:r>
-                      <a:endParaRPr lang="en-US" sz="900">
+                      <a:endParaRPr lang="en-US" sz="900" dirty="0">
                         <a:latin typeface="Wingdings"/>
                         <a:cs typeface="Wingdings"/>
                       </a:endParaRPr>
@@ -7143,7 +6485,7 @@
                           <a:spcPts val="500"/>
                         </a:spcBef>
                       </a:pPr>
-                      <a:endParaRPr sz="900">
+                      <a:endParaRPr sz="900" dirty="0">
                         <a:latin typeface="AdobeClean-Light"/>
                         <a:cs typeface="AdobeClean-Light"/>
                       </a:endParaRPr>
@@ -7184,16 +6526,16 @@
                         </a:spcBef>
                       </a:pPr>
                       <a:r>
-                        <a:rPr sz="900" spc="0">
+                        <a:rPr lang="de-de" sz="900" spc="0" dirty="0">
                           <a:solidFill>
                             <a:srgbClr val="020302"/>
                           </a:solidFill>
                           <a:latin typeface="AdobeClean-Light"/>
                           <a:cs typeface="AdobeClean-Light"/>
                         </a:rPr>
-                        <a:t>Release, Migration, Upgrade &amp; Product Roadmap Review</a:t>
+                        <a:t>릴리스, 마이그레이션, 업그레이드 및 제품 로드맵 검토</a:t>
                       </a:r>
-                      <a:endParaRPr sz="900" spc="0">
+                      <a:endParaRPr sz="900" spc="0" dirty="0">
                         <a:latin typeface="AdobeClean-Light"/>
                         <a:cs typeface="AdobeClean-Light"/>
                       </a:endParaRPr>
@@ -7224,7 +6566,7 @@
                           <a:spcPct val="100000"/>
                         </a:lnSpc>
                       </a:pPr>
-                      <a:endParaRPr sz="900">
+                      <a:endParaRPr sz="900" dirty="0">
                         <a:latin typeface="Times New Roman"/>
                         <a:cs typeface="Times New Roman"/>
                       </a:endParaRPr>
@@ -7266,7 +6608,7 @@
                         <a:defRPr/>
                       </a:pPr>
                       <a:r>
-                        <a:rPr lang="en-US" sz="900">
+                        <a:rPr lang="de-de" sz="900" dirty="0">
                           <a:solidFill>
                             <a:srgbClr val="020302"/>
                           </a:solidFill>
@@ -7275,7 +6617,7 @@
                         </a:rPr>
                         <a:t></a:t>
                       </a:r>
-                      <a:endParaRPr lang="en-US" sz="900">
+                      <a:endParaRPr lang="en-US" sz="900" dirty="0">
                         <a:latin typeface="Wingdings"/>
                         <a:cs typeface="Wingdings"/>
                       </a:endParaRPr>
@@ -7309,7 +6651,7 @@
                           <a:spcPts val="530"/>
                         </a:spcBef>
                       </a:pPr>
-                      <a:endParaRPr sz="900">
+                      <a:endParaRPr sz="900" dirty="0">
                         <a:latin typeface="AdobeClean-Light"/>
                         <a:cs typeface="AdobeClean-Light"/>
                       </a:endParaRPr>
@@ -7359,11 +6701,11 @@
                         </a:spcBef>
                       </a:pPr>
                       <a:r>
-                        <a:rPr sz="900" spc="0">
+                        <a:rPr lang="de-de" sz="900" spc="0" dirty="0">
                           <a:latin typeface="AdobeClean-Light"/>
                           <a:cs typeface="AdobeClean-Light"/>
                         </a:rPr>
-                        <a:t>Cloud Support Activities – Experience Manager as Cloud</a:t>
+                        <a:t>클라우드 지원 활동 – Experience Manager as Cloud</a:t>
                       </a:r>
                     </a:p>
                   </a:txBody>
@@ -7398,7 +6740,7 @@
                           <a:spcPct val="100000"/>
                         </a:lnSpc>
                       </a:pPr>
-                      <a:endParaRPr sz="900">
+                      <a:endParaRPr sz="900" dirty="0">
                         <a:latin typeface="Times New Roman"/>
                         <a:cs typeface="Times New Roman"/>
                       </a:endParaRPr>
@@ -7449,7 +6791,7 @@
                         <a:defRPr/>
                       </a:pPr>
                       <a:r>
-                        <a:rPr lang="en-US" sz="900">
+                        <a:rPr lang="de-de" sz="900" dirty="0">
                           <a:solidFill>
                             <a:srgbClr val="020302"/>
                           </a:solidFill>
@@ -7458,7 +6800,7 @@
                         </a:rPr>
                         <a:t></a:t>
                       </a:r>
-                      <a:endParaRPr lang="en-US" sz="900">
+                      <a:endParaRPr lang="en-US" sz="900" dirty="0">
                         <a:latin typeface="Wingdings"/>
                         <a:cs typeface="Wingdings"/>
                       </a:endParaRPr>
@@ -7502,16 +6844,16 @@
                         </a:spcBef>
                       </a:pPr>
                       <a:r>
-                        <a:rPr lang="en-US" sz="1000" b="1" i="0" spc="0">
+                        <a:rPr lang="de-de" sz="1000" b="1" i="0" spc="0" dirty="0">
                           <a:solidFill>
                             <a:schemeClr val="bg1"/>
                           </a:solidFill>
                           <a:latin typeface="Adobe Clean" panose="020B0503020404020204" pitchFamily="34" charset="0"/>
                           <a:cs typeface="AdobeClean-Light"/>
                         </a:rPr>
-                        <a:t>Field Services</a:t>
+                        <a:t>현장 서비스</a:t>
                       </a:r>
-                      <a:endParaRPr sz="1000" b="1" i="0" spc="0">
+                      <a:endParaRPr sz="1000" b="1" i="0" spc="0" dirty="0">
                         <a:solidFill>
                           <a:schemeClr val="bg1"/>
                         </a:solidFill>
@@ -7570,14 +6912,14 @@
                         </a:spcBef>
                       </a:pPr>
                       <a:r>
-                        <a:rPr sz="900" spc="0">
+                        <a:rPr lang="de-de" sz="900" spc="0" dirty="0">
                           <a:solidFill>
                             <a:srgbClr val="020302"/>
                           </a:solidFill>
                           <a:latin typeface="AdobeClean-Light"/>
                           <a:cs typeface="AdobeClean-Light"/>
                         </a:rPr>
-                        <a:t>Launch Advisory Services – First Year of new solution</a:t>
+                        <a:t>출시 자문 서비스 – 새로운 솔루션의 첫 해</a:t>
                       </a:r>
                     </a:p>
                   </a:txBody>
@@ -7622,7 +6964,7 @@
                           <a:spcPct val="100000"/>
                         </a:lnSpc>
                       </a:pPr>
-                      <a:endParaRPr sz="900">
+                      <a:endParaRPr sz="900" dirty="0">
                         <a:latin typeface="Times New Roman"/>
                         <a:cs typeface="Times New Roman"/>
                       </a:endParaRPr>
@@ -7689,7 +7031,7 @@
                         <a:defRPr/>
                       </a:pPr>
                       <a:r>
-                        <a:rPr lang="en-US" sz="900">
+                        <a:rPr lang="de-de" sz="900" dirty="0">
                           <a:solidFill>
                             <a:srgbClr val="020302"/>
                           </a:solidFill>
@@ -7698,7 +7040,7 @@
                         </a:rPr>
                         <a:t></a:t>
                       </a:r>
-                      <a:endParaRPr lang="en-US" sz="900">
+                      <a:endParaRPr lang="en-US" sz="900" dirty="0">
                         <a:latin typeface="Wingdings"/>
                         <a:cs typeface="Wingdings"/>
                       </a:endParaRPr>
@@ -7780,11 +7122,11 @@
                         <a:defRPr/>
                       </a:pPr>
                       <a:r>
-                        <a:rPr lang="en-US" sz="900" spc="0">
+                        <a:rPr lang="de-de" sz="900" spc="0" dirty="0">
                           <a:latin typeface="AdobeClean-Light"/>
                           <a:cs typeface="AdobeClean-Light"/>
                         </a:rPr>
-                        <a:t>Field Service Activities </a:t>
+                        <a:t>현장 서비스 활동 </a:t>
                       </a:r>
                     </a:p>
                   </a:txBody>
@@ -7819,7 +7161,7 @@
                     <a:lstStyle/>
                     <a:p>
                       <a:pPr algn="ctr"/>
-                      <a:endParaRPr lang="en-US"/>
+                      <a:endParaRPr lang="en-US" dirty="0"/>
                     </a:p>
                   </a:txBody>
                   <a:tcPr marL="0" marR="0" marT="0" marB="0">
@@ -7867,13 +7209,13 @@
                     <a:p>
                       <a:pPr algn="ctr"/>
                       <a:r>
-                        <a:rPr lang="en-US" sz="900">
+                        <a:rPr lang="de-de" sz="900" dirty="0">
                           <a:latin typeface="Times New Roman"/>
                           <a:cs typeface="Times New Roman"/>
                         </a:rPr>
                         <a:t>4</a:t>
                       </a:r>
-                      <a:endParaRPr lang="en-US"/>
+                      <a:endParaRPr lang="en-US" dirty="0"/>
                     </a:p>
                   </a:txBody>
                   <a:tcPr marL="0" marR="0" marT="0" marB="0" anchor="ctr">
@@ -8007,7 +7349,7 @@
         <p:spPr>
           <a:xfrm>
             <a:off x="357339" y="608961"/>
-            <a:ext cx="1647825" cy="238760"/>
+            <a:ext cx="4214661" cy="229239"/>
           </a:xfrm>
           <a:prstGeom prst="rect">
             <a:avLst/>
@@ -8028,17 +7370,17 @@
               </a:spcBef>
             </a:pPr>
             <a:r>
-              <a:rPr sz="1400" b="1" spc="-10">
+              <a:rPr lang="de-de" sz="1400" b="1" spc="-10" dirty="0">
                 <a:solidFill>
                   <a:srgbClr val="020302"/>
                 </a:solidFill>
                 <a:latin typeface="Adobe Clean"/>
                 <a:cs typeface="Adobe Clean"/>
               </a:rPr>
-              <a:t>Elite</a:t>
-            </a:r>
-            <a:r>
-              <a:rPr sz="1400" b="1" spc="-50">
+              <a:t>엘리트</a:t>
+            </a:r>
+            <a:r>
+              <a:rPr lang="de-de" sz="1400" b="1" spc="-50" dirty="0">
                 <a:solidFill>
                   <a:srgbClr val="020302"/>
                 </a:solidFill>
@@ -8048,17 +7390,17 @@
               <a:t> </a:t>
             </a:r>
             <a:r>
-              <a:rPr sz="1400" b="1" spc="-10">
+              <a:rPr lang="de-de" sz="1400" b="1" spc="-10" dirty="0">
                 <a:solidFill>
                   <a:srgbClr val="020302"/>
                 </a:solidFill>
                 <a:latin typeface="Adobe Clean"/>
                 <a:cs typeface="Adobe Clean"/>
               </a:rPr>
-              <a:t>Support</a:t>
-            </a:r>
-            <a:r>
-              <a:rPr sz="1400" b="1" spc="-45">
+              <a:t>지원</a:t>
+            </a:r>
+            <a:r>
+              <a:rPr lang="de-de" sz="1400" b="1" spc="-45" dirty="0">
                 <a:solidFill>
                   <a:srgbClr val="020302"/>
                 </a:solidFill>
@@ -8068,16 +7410,16 @@
               <a:t> </a:t>
             </a:r>
             <a:r>
-              <a:rPr sz="1400" b="1" spc="-15">
+              <a:rPr lang="de-de" sz="1400" b="1" spc="-15" dirty="0">
                 <a:solidFill>
                   <a:srgbClr val="020302"/>
                 </a:solidFill>
                 <a:latin typeface="Adobe Clean"/>
                 <a:cs typeface="Adobe Clean"/>
               </a:rPr>
-              <a:t>Features</a:t>
-            </a:r>
-            <a:endParaRPr sz="1400">
+              <a:t>기능</a:t>
+            </a:r>
+            <a:endParaRPr sz="1400" dirty="0">
               <a:latin typeface="Adobe Clean"/>
               <a:cs typeface="Adobe Clean"/>
             </a:endParaRPr>
@@ -8114,16 +7456,16 @@
               </a:spcBef>
             </a:pPr>
             <a:r>
-              <a:rPr sz="1000">
+              <a:rPr lang="de-de" sz="1000" dirty="0">
                 <a:solidFill>
                   <a:srgbClr val="4B4B4B"/>
                 </a:solidFill>
                 <a:latin typeface="AdobeClean-Light"/>
                 <a:cs typeface="AdobeClean-Light"/>
               </a:rPr>
-              <a:t>A designated support engineer who  becomes familiar with your solution  environment and business goals. The NSE  is an experienced support engineer that  helps coordinate your Enterprise Support  experience.</a:t>
-            </a:r>
-            <a:endParaRPr sz="1000">
+              <a:t>고객의 솔루션 환경과 비즈니스 목표에 정통하게 될 지정 지원 엔지니어입니다. 엔터프라이즈 지원 경험을 조정할 수 있게 숙련된 지원 엔지니어입니다.</a:t>
+            </a:r>
+            <a:endParaRPr sz="1000" dirty="0">
               <a:latin typeface="AdobeClean-Light"/>
               <a:cs typeface="AdobeClean-Light"/>
             </a:endParaRPr>
@@ -8208,16 +7550,16 @@
               </a:spcBef>
             </a:pPr>
             <a:r>
-              <a:rPr sz="1000">
+              <a:rPr lang="de-de" sz="1000" dirty="0">
                 <a:solidFill>
                   <a:srgbClr val="4B4B4B"/>
                 </a:solidFill>
                 <a:latin typeface="AdobeClean-Light"/>
                 <a:cs typeface="AdobeClean-Light"/>
               </a:rPr>
-              <a:t>Regular scheduled review of open  support requests, ensuring customer  alignment on case description, business  impact, status, priority and agreement on  next steps required to ensure an  expedient resolution.</a:t>
-            </a:r>
-            <a:endParaRPr sz="1000">
+              <a:t>진행 중인 지원 요청을 정기적으로 검토하여 사례 설명, 비즈니스 영향, 상태, 우선 순위, 필요한 다음 단계에 대한 고객의 동의에 맞춰 조정함으로써 신속한 해결을 보장합니다.</a:t>
+            </a:r>
+            <a:endParaRPr sz="1000" dirty="0">
               <a:latin typeface="AdobeClean-Light"/>
               <a:cs typeface="AdobeClean-Light"/>
             </a:endParaRPr>
@@ -8278,24 +7620,14 @@
               </a:spcBef>
             </a:pPr>
             <a:r>
-              <a:rPr sz="1000">
+              <a:rPr lang="de-de" sz="1000" dirty="0">
                 <a:solidFill>
                   <a:srgbClr val="020302"/>
                 </a:solidFill>
                 <a:latin typeface="AdobeClean-Light"/>
                 <a:cs typeface="AdobeClean-Light"/>
               </a:rPr>
-              <a:t>A designated Technical Account Manager to  oversee your Elite experience, coordinate  the support and field services  engagements, and provide proactive services  to maximize your business valu</a:t>
-            </a:r>
-            <a:r>
-              <a:rPr lang="en-US" sz="1000">
-                <a:solidFill>
-                  <a:srgbClr val="020302"/>
-                </a:solidFill>
-                <a:latin typeface="AdobeClean-Light"/>
-                <a:cs typeface="AdobeClean-Light"/>
-              </a:rPr>
-              <a:t>e.</a:t>
+              <a:t>귀사의 엘리트 경험을 감독하고, 지원 및 현장 서비스 계약을 조정하고, 사전 예방적 서비스를 제공하여 귀사의 비즈니스 가치를 극대화하는 지정된 기술 계정 관리자입니다.</a:t>
             </a:r>
           </a:p>
         </p:txBody>
@@ -8330,16 +7662,16 @@
               </a:spcBef>
             </a:pPr>
             <a:r>
-              <a:rPr sz="1100" b="1">
+              <a:rPr lang="de-de" sz="1100" b="1" dirty="0">
                 <a:solidFill>
                   <a:srgbClr val="020302"/>
                 </a:solidFill>
                 <a:latin typeface="Adobe Clean" panose="020B0503020404020204" pitchFamily="34" charset="0"/>
                 <a:cs typeface="Arial"/>
               </a:rPr>
-              <a:t>Technical Account Manager</a:t>
-            </a:r>
-            <a:endParaRPr sz="1100">
+              <a:t>기술 계정 관리자</a:t>
+            </a:r>
+            <a:endParaRPr sz="1100" dirty="0">
               <a:latin typeface="Adobe Clean" panose="020B0503020404020204" pitchFamily="34" charset="0"/>
               <a:cs typeface="Arial"/>
             </a:endParaRPr>
@@ -8424,46 +7756,16 @@
               </a:spcBef>
             </a:pPr>
             <a:r>
-              <a:rPr sz="1000">
+              <a:rPr lang="de-de" sz="1000" dirty="0">
                 <a:solidFill>
                   <a:srgbClr val="020302"/>
                 </a:solidFill>
                 <a:latin typeface="AdobeClean-Light"/>
                 <a:cs typeface="AdobeClean-Light"/>
               </a:rPr>
-              <a:t>Ongoing knowledge transfer from Adobe  </a:t>
-            </a:r>
-            <a:r>
-              <a:rPr lang="en-US" sz="1000">
-                <a:solidFill>
-                  <a:srgbClr val="020302"/>
-                </a:solidFill>
-                <a:latin typeface="AdobeClean-Light"/>
-                <a:cs typeface="AdobeClean-Light"/>
-              </a:rPr>
-              <a:t>Support team</a:t>
-            </a:r>
-            <a:r>
-              <a:rPr sz="1000">
-                <a:solidFill>
-                  <a:srgbClr val="020302"/>
-                </a:solidFill>
-                <a:latin typeface="AdobeClean-Light"/>
-                <a:cs typeface="AdobeClean-Light"/>
-              </a:rPr>
-              <a:t> to provide </a:t>
-            </a:r>
-            <a:r>
-              <a:rPr lang="en-US" sz="1000">
-                <a:solidFill>
-                  <a:srgbClr val="020302"/>
-                </a:solidFill>
-                <a:latin typeface="AdobeClean-Light"/>
-                <a:cs typeface="AdobeClean-Light"/>
-              </a:rPr>
-              <a:t>best practices around solution usage.</a:t>
-            </a:r>
-            <a:endParaRPr sz="1000">
+              <a:t>솔루션 사용에 대한 모범 사례를 제공하기 위한 Adobe 지원 팀의 지속적인 지식 이전입니다.</a:t>
+            </a:r>
+            <a:endParaRPr sz="1000" dirty="0">
               <a:latin typeface="AdobeClean-Light"/>
               <a:cs typeface="AdobeClean-Light"/>
             </a:endParaRPr>
@@ -8500,16 +7802,16 @@
               </a:spcBef>
             </a:pPr>
             <a:r>
-              <a:rPr sz="1000">
+              <a:rPr lang="de-de" sz="1000" dirty="0">
                 <a:solidFill>
                   <a:srgbClr val="020302"/>
                 </a:solidFill>
                 <a:latin typeface="AdobeClean-Light"/>
                 <a:cs typeface="AdobeClean-Light"/>
               </a:rPr>
-              <a:t>Manage key events to ensure you have the  right level of support, coverage, and  mitigation plan in place during those key  business and project milestones.</a:t>
-            </a:r>
-            <a:endParaRPr sz="1000">
+              <a:t>해당 주요 비즈니스 및 프로젝트 주요 시점 동안에 적절한 수준의 지원, 적용 범위 및 완화 계획을 수립할 수 있도록 주요 이벤트를 관리합니다.</a:t>
+            </a:r>
+            <a:endParaRPr sz="1000" dirty="0">
               <a:latin typeface="AdobeClean-Light"/>
               <a:cs typeface="AdobeClean-Light"/>
             </a:endParaRPr>
@@ -8546,16 +7848,16 @@
               </a:spcBef>
             </a:pPr>
             <a:r>
-              <a:rPr sz="1000">
+              <a:rPr lang="de-de" sz="1000" dirty="0">
                 <a:solidFill>
                   <a:srgbClr val="020302"/>
                 </a:solidFill>
                 <a:latin typeface="AdobeClean-Light"/>
                 <a:cs typeface="AdobeClean-Light"/>
               </a:rPr>
-              <a:t>Receive personalized guidance on new  product features to take advantage of  latest innovations, and have Adobe  experts review release and upgrade plan.</a:t>
-            </a:r>
-            <a:endParaRPr sz="1000">
+              <a:t>최신 혁신 기술을 활용하고 Adobe 전문가가 릴리스 및 업그레이드 계획을 검토할 수 있도록 새로운 제품 기능에 대한 맞춤형 지침을 받습니다.</a:t>
+            </a:r>
+            <a:endParaRPr sz="1000" dirty="0">
               <a:latin typeface="AdobeClean-Light"/>
               <a:cs typeface="AdobeClean-Light"/>
             </a:endParaRPr>
@@ -8570,8 +7872,8 @@
         </p:nvSpPr>
         <p:spPr>
           <a:xfrm>
-            <a:off x="97787" y="9888626"/>
-            <a:ext cx="2202180" cy="149860"/>
+            <a:off x="97786" y="9888626"/>
+            <a:ext cx="4474213" cy="133370"/>
           </a:xfrm>
           <a:prstGeom prst="rect">
             <a:avLst/>
@@ -8592,7 +7894,7 @@
               </a:spcBef>
             </a:pPr>
             <a:r>
-              <a:rPr sz="800" spc="-15">
+              <a:rPr lang="de-de" sz="800" spc="-15" dirty="0">
                 <a:solidFill>
                   <a:srgbClr val="6D6D6D"/>
                 </a:solidFill>
@@ -8602,7 +7904,7 @@
               <a:t>©2021 </a:t>
             </a:r>
             <a:r>
-              <a:rPr sz="800" spc="-5">
+              <a:rPr lang="de-de" sz="800" spc="-5" dirty="0">
                 <a:solidFill>
                   <a:srgbClr val="6D6D6D"/>
                 </a:solidFill>
@@ -8612,7 +7914,7 @@
               <a:t>Adobe. All</a:t>
             </a:r>
             <a:r>
-              <a:rPr sz="800" spc="-15">
+              <a:rPr lang="de-de" sz="800" spc="-15" dirty="0">
                 <a:solidFill>
                   <a:srgbClr val="6D6D6D"/>
                 </a:solidFill>
@@ -8622,7 +7924,7 @@
               <a:t> Rights</a:t>
             </a:r>
             <a:r>
-              <a:rPr sz="800" spc="-5">
+              <a:rPr lang="de-de" sz="800" spc="-5" dirty="0">
                 <a:solidFill>
                   <a:srgbClr val="6D6D6D"/>
                 </a:solidFill>
@@ -8632,7 +7934,7 @@
               <a:t> </a:t>
             </a:r>
             <a:r>
-              <a:rPr sz="800" spc="-15">
+              <a:rPr lang="de-de" sz="800" spc="-15" dirty="0">
                 <a:solidFill>
                   <a:srgbClr val="6D6D6D"/>
                 </a:solidFill>
@@ -8642,7 +7944,7 @@
               <a:t>Reserved.</a:t>
             </a:r>
             <a:r>
-              <a:rPr sz="800" spc="-10">
+              <a:rPr lang="de-de" sz="800" spc="-10" dirty="0">
                 <a:solidFill>
                   <a:srgbClr val="6D6D6D"/>
                 </a:solidFill>
@@ -8652,7 +7954,7 @@
               <a:t> </a:t>
             </a:r>
             <a:r>
-              <a:rPr sz="800" spc="-5">
+              <a:rPr lang="de-de" sz="800" spc="-5" dirty="0">
                 <a:solidFill>
                   <a:srgbClr val="6D6D6D"/>
                 </a:solidFill>
@@ -8662,7 +7964,7 @@
               <a:t>Adobe</a:t>
             </a:r>
             <a:r>
-              <a:rPr sz="800" spc="65">
+              <a:rPr lang="de-de" sz="800" spc="65" dirty="0">
                 <a:solidFill>
                   <a:srgbClr val="6D6D6D"/>
                 </a:solidFill>
@@ -8672,16 +7974,16 @@
               <a:t> </a:t>
             </a:r>
             <a:r>
-              <a:rPr sz="800" spc="-15">
+              <a:rPr lang="de-de" sz="800" spc="-15" dirty="0">
                 <a:solidFill>
                   <a:srgbClr val="6D6D6D"/>
                 </a:solidFill>
                 <a:latin typeface="Adobe Clean"/>
                 <a:cs typeface="Adobe Clean"/>
               </a:rPr>
-              <a:t>Confidential.</a:t>
-            </a:r>
-            <a:endParaRPr sz="800">
+              <a:t>기밀.</a:t>
+            </a:r>
+            <a:endParaRPr sz="800" dirty="0">
               <a:latin typeface="Adobe Clean"/>
               <a:cs typeface="Adobe Clean"/>
             </a:endParaRPr>
@@ -8690,7 +7992,7 @@
       </p:sp>
       <p:pic>
         <p:nvPicPr>
-          <p:cNvPr id="43" name="Graphic 42" descr="Playbook outline">
+          <p:cNvPr id="43" name="Graphic 42" descr="플레이북 개요">
             <a:extLst>
               <a:ext uri="{FF2B5EF4-FFF2-40B4-BE49-F238E27FC236}">
                 <a16:creationId xmlns:a16="http://schemas.microsoft.com/office/drawing/2014/main" id="{C99690B9-BFB7-6F4A-BF19-81D32249562E}"/>
@@ -8741,7 +8043,7 @@
         </p:nvSpPr>
         <p:spPr>
           <a:xfrm>
-            <a:off x="2791726" y="9060487"/>
+            <a:off x="2791726" y="8915400"/>
             <a:ext cx="2194560" cy="487313"/>
           </a:xfrm>
           <a:prstGeom prst="rect">
@@ -8766,77 +8068,77 @@
               </a:tabLst>
             </a:pPr>
             <a:r>
-              <a:rPr sz="1000" spc="-20">
+              <a:rPr lang="de-de" sz="1000" spc="-20" dirty="0">
                 <a:solidFill>
                   <a:srgbClr val="020302"/>
                 </a:solidFill>
                 <a:latin typeface="AdobeClean-Light"/>
                 <a:cs typeface="AdobeClean-Light"/>
               </a:rPr>
-              <a:t>Start </a:t>
-            </a:r>
-            <a:r>
-              <a:rPr sz="1000">
+              <a:t>답변을 </a:t>
+            </a:r>
+            <a:r>
+              <a:rPr lang="de-de" sz="1000" dirty="0">
                 <a:solidFill>
                   <a:srgbClr val="020302"/>
                 </a:solidFill>
                 <a:latin typeface="AdobeClean-Light"/>
                 <a:cs typeface="AdobeClean-Light"/>
               </a:rPr>
-              <a:t>a </a:t>
-            </a:r>
-            <a:r>
-              <a:rPr sz="1000" spc="-15">
+              <a:t>얻고 </a:t>
+            </a:r>
+            <a:r>
+              <a:rPr lang="de-de" sz="1000" spc="-15" dirty="0">
                 <a:solidFill>
                   <a:srgbClr val="020302"/>
                 </a:solidFill>
                 <a:latin typeface="AdobeClean-Light"/>
                 <a:cs typeface="AdobeClean-Light"/>
               </a:rPr>
-              <a:t>chat </a:t>
-            </a:r>
-            <a:r>
-              <a:rPr sz="1000" spc="-10">
+              <a:t>사례 </a:t>
+            </a:r>
+            <a:r>
+              <a:rPr lang="de-de" sz="1000" spc="-10" dirty="0">
                 <a:solidFill>
                   <a:srgbClr val="020302"/>
                 </a:solidFill>
                 <a:latin typeface="AdobeClean-Light"/>
                 <a:cs typeface="AdobeClean-Light"/>
               </a:rPr>
-              <a:t>session </a:t>
-            </a:r>
-            <a:r>
-              <a:rPr sz="1000" spc="-5">
+              <a:t>제출 </a:t>
+            </a:r>
+            <a:r>
+              <a:rPr lang="de-de" sz="1000" spc="-5" dirty="0">
                 <a:solidFill>
                   <a:srgbClr val="020302"/>
                 </a:solidFill>
                 <a:latin typeface="AdobeClean-Light"/>
                 <a:cs typeface="AdobeClean-Light"/>
               </a:rPr>
-              <a:t>to </a:t>
-            </a:r>
-            <a:r>
-              <a:rPr sz="1000" spc="-10">
+              <a:t>관련 </a:t>
+            </a:r>
+            <a:r>
+              <a:rPr lang="de-de" sz="1000" spc="-10" dirty="0">
                 <a:solidFill>
                   <a:srgbClr val="020302"/>
                 </a:solidFill>
                 <a:latin typeface="AdobeClean-Light"/>
                 <a:cs typeface="AdobeClean-Light"/>
               </a:rPr>
-              <a:t>get </a:t>
-            </a:r>
-            <a:r>
-              <a:rPr sz="1000" spc="-20">
+              <a:t>도움을 </a:t>
+            </a:r>
+            <a:r>
+              <a:rPr lang="de-de" sz="1000" spc="-20" dirty="0">
                 <a:solidFill>
                   <a:srgbClr val="020302"/>
                 </a:solidFill>
                 <a:latin typeface="AdobeClean-Light"/>
                 <a:cs typeface="AdobeClean-Light"/>
               </a:rPr>
-              <a:t>answers</a:t>
-            </a:r>
-            <a:r>
-              <a:rPr lang="en-US" sz="1000" spc="-45">
+              <a:t>받을</a:t>
+            </a:r>
+            <a:r>
+              <a:rPr lang="de-de" sz="1000" spc="-45" dirty="0">
                 <a:solidFill>
                   <a:srgbClr val="020302"/>
                 </a:solidFill>
@@ -8846,37 +8148,37 @@
               <a:t> </a:t>
             </a:r>
             <a:r>
-              <a:rPr lang="en-US" sz="1000">
+              <a:rPr lang="de-de" sz="1000" dirty="0">
                 <a:solidFill>
                   <a:srgbClr val="020302"/>
                 </a:solidFill>
                 <a:latin typeface="AdobeClean-Light"/>
                 <a:cs typeface="AdobeClean-Light"/>
               </a:rPr>
-              <a:t>&amp; </a:t>
-            </a:r>
-            <a:r>
-              <a:rPr sz="1000" spc="-15">
+              <a:t>수 </a:t>
+            </a:r>
+            <a:r>
+              <a:rPr lang="de-de" sz="1000" spc="-15" dirty="0">
                 <a:solidFill>
                   <a:srgbClr val="020302"/>
                 </a:solidFill>
                 <a:latin typeface="AdobeClean-Light"/>
                 <a:cs typeface="AdobeClean-Light"/>
               </a:rPr>
-              <a:t>help </a:t>
-            </a:r>
-            <a:r>
-              <a:rPr sz="1000" spc="-10">
+              <a:t>있는 </a:t>
+            </a:r>
+            <a:r>
+              <a:rPr lang="de-de" sz="1000" spc="-10" dirty="0">
                 <a:solidFill>
                   <a:srgbClr val="020302"/>
                 </a:solidFill>
                 <a:latin typeface="AdobeClean-Light"/>
                 <a:cs typeface="AdobeClean-Light"/>
               </a:rPr>
-              <a:t>with</a:t>
-            </a:r>
-            <a:r>
-              <a:rPr sz="1000" spc="85">
+              <a:t>채팅</a:t>
+            </a:r>
+            <a:r>
+              <a:rPr lang="de-de" sz="1000" spc="85" dirty="0">
                 <a:solidFill>
                   <a:srgbClr val="020302"/>
                 </a:solidFill>
@@ -8886,35 +8188,32 @@
               <a:t> </a:t>
             </a:r>
             <a:r>
-              <a:rPr sz="1000" spc="-10">
+              <a:rPr lang="de-de" sz="1000" spc="-10" dirty="0">
                 <a:solidFill>
                   <a:srgbClr val="020302"/>
                 </a:solidFill>
                 <a:latin typeface="AdobeClean-Light"/>
                 <a:cs typeface="AdobeClean-Light"/>
               </a:rPr>
-              <a:t>case </a:t>
-            </a:r>
-            <a:r>
-              <a:rPr sz="1000" spc="-20">
+              <a:t>세션을 </a:t>
+            </a:r>
+            <a:r>
+              <a:rPr lang="de-de" sz="1000" spc="-20" dirty="0">
                 <a:solidFill>
                   <a:srgbClr val="020302"/>
                 </a:solidFill>
                 <a:latin typeface="AdobeClean-Light"/>
                 <a:cs typeface="AdobeClean-Light"/>
               </a:rPr>
-              <a:t>submission</a:t>
-            </a:r>
-            <a:r>
-              <a:rPr lang="en-US" sz="1000" spc="-20">
-                <a:solidFill>
-                  <a:srgbClr val="020302"/>
-                </a:solidFill>
-                <a:latin typeface="AdobeClean-Light"/>
-                <a:cs typeface="AdobeClean-Light"/>
-              </a:rPr>
-              <a:t>.</a:t>
-            </a:r>
+              <a:t>시작합니다</a:t>
+            </a:r>
+            <a:endParaRPr lang="en-US" sz="1000" spc="-20" dirty="0">
+              <a:solidFill>
+                <a:srgbClr val="020302"/>
+              </a:solidFill>
+              <a:latin typeface="AdobeClean-Light"/>
+              <a:cs typeface="AdobeClean-Light"/>
+            </a:endParaRPr>
           </a:p>
           <a:p>
             <a:pPr marL="33020" marR="159385">
@@ -8929,27 +8228,27 @@
               </a:tabLst>
             </a:pPr>
             <a:r>
-              <a:rPr sz="1000" i="1" spc="-10">
+              <a:rPr lang="de-de" sz="1000" i="1" spc="-10" dirty="0">
                 <a:solidFill>
                   <a:srgbClr val="7A7A7A"/>
                 </a:solidFill>
                 <a:latin typeface="AdobeClean-LightIt"/>
                 <a:cs typeface="AdobeClean-LightIt"/>
               </a:rPr>
-              <a:t>*Not all </a:t>
-            </a:r>
-            <a:r>
-              <a:rPr sz="1000" i="1" spc="-20">
+              <a:t>*모든 </a:t>
+            </a:r>
+            <a:r>
+              <a:rPr lang="de-de" sz="1000" i="1" spc="-20" dirty="0">
                 <a:solidFill>
                   <a:srgbClr val="7A7A7A"/>
                 </a:solidFill>
                 <a:latin typeface="AdobeClean-LightIt"/>
                 <a:cs typeface="AdobeClean-LightIt"/>
               </a:rPr>
-              <a:t>products have live chat support</a:t>
-            </a:r>
-            <a:r>
-              <a:rPr sz="900" i="1" spc="-20">
+              <a:t>제품에 라이브 채팅이 지원되는 것은 아닙니다</a:t>
+            </a:r>
+            <a:r>
+              <a:rPr lang="de-de" sz="900" i="1" spc="-20" dirty="0">
                 <a:solidFill>
                   <a:srgbClr val="7A7A7A"/>
                 </a:solidFill>
@@ -8958,7 +8257,7 @@
               </a:rPr>
               <a:t>.  </a:t>
             </a:r>
-            <a:endParaRPr sz="900">
+            <a:endParaRPr sz="900" dirty="0">
               <a:latin typeface="AdobeClean-Light"/>
               <a:cs typeface="AdobeClean-Light"/>
             </a:endParaRPr>
@@ -9008,12 +8307,12 @@
               <a:defRPr/>
             </a:pPr>
             <a:r>
-              <a:rPr lang="en-US" sz="1200">
+              <a:rPr lang="de-de" sz="1200" dirty="0">
                 <a:solidFill>
                   <a:srgbClr val="000000"/>
                 </a:solidFill>
               </a:rPr>
-              <a:t>Community Forums</a:t>
+              <a:t>커뮤니티 포럼</a:t>
             </a:r>
           </a:p>
         </p:txBody>
@@ -9056,12 +8355,12 @@
               </a:spcAft>
             </a:pPr>
             <a:r>
-              <a:rPr lang="en-US" sz="1200" b="1">
+              <a:rPr lang="de-de" sz="1200" b="1" dirty="0">
                 <a:latin typeface="+mj-lt"/>
                 <a:ea typeface="Open Sans" pitchFamily="34" charset="0"/>
                 <a:cs typeface="Open Sans" pitchFamily="34" charset="0"/>
               </a:rPr>
-              <a:t>Online Forums</a:t>
+              <a:t>온라인 포럼</a:t>
             </a:r>
           </a:p>
         </p:txBody>
@@ -9094,13 +8393,13 @@
           <a:lstStyle/>
           <a:p>
             <a:r>
-              <a:rPr lang="en-US" sz="1000">
+              <a:rPr lang="de-de" sz="1000" dirty="0">
                 <a:solidFill>
                   <a:srgbClr val="4B4B4B"/>
                 </a:solidFill>
                 <a:latin typeface="Adobe Clean Light" panose="020B0303020404020204" pitchFamily="34" charset="0"/>
               </a:rPr>
-              <a:t>Continuous online access to a growing database of technical solutions, product documentation, FAQs and more. Connect with practitioners and other customers on Adobe Community to share best practices and lessons learned.</a:t>
+              <a:t>기술 솔루션, 제품 문서, FAQ 등 증가하는 데이터베이스에 대한 지속적인 온라인 액세스. Adobe 커뮤니티에서 실무자 및 다른 고객과 소통하여 모범 사례 및 진행 중 얻은 개선 사항을 공유합니다.</a:t>
             </a:r>
           </a:p>
         </p:txBody>
@@ -9148,7 +8447,7 @@
               <a:defRPr/>
             </a:pPr>
             <a:r>
-              <a:rPr lang="en-US" sz="1200">
+              <a:rPr lang="de-de" sz="1200" dirty="0">
                 <a:solidFill>
                   <a:srgbClr val="000000"/>
                 </a:solidFill>
@@ -9196,12 +8495,12 @@
               </a:spcAft>
             </a:pPr>
             <a:r>
-              <a:rPr lang="en-US" sz="1200" b="1">
+              <a:rPr lang="de-de" sz="1200" b="1" dirty="0">
                 <a:latin typeface="+mj-lt"/>
                 <a:ea typeface="Open Sans" pitchFamily="34" charset="0"/>
                 <a:cs typeface="Open Sans" pitchFamily="34" charset="0"/>
               </a:rPr>
-              <a:t>Self-guided Journeys</a:t>
+              <a:t>셀프 가이드 여정</a:t>
             </a:r>
           </a:p>
         </p:txBody>
@@ -9234,13 +8533,13 @@
           <a:lstStyle/>
           <a:p>
             <a:r>
-              <a:rPr lang="en-US" sz="1000">
+              <a:rPr lang="de-de" sz="1000" dirty="0">
                 <a:solidFill>
                   <a:srgbClr val="4B4B4B"/>
                 </a:solidFill>
                 <a:latin typeface="Adobe Clean Light" panose="020B0303020404020204" pitchFamily="34" charset="0"/>
               </a:rPr>
-              <a:t>Experience Makers are made with Experience League. Customers can kickstart their Customer Experience Management abilities with personalized learning to develop skills, engage with a global community of peers, and earn career advancing recognition.</a:t>
+              <a:t>Experience 업체는 Experience League로 만들어집니다. 고객은 개인 맞춤형 학습을 통해 고객 경험 관리 능력에 시동을 걸어 기술을 개발하고 글로벌 동료 커뮤니티와 교류하며 경력 발전에 도움이 되는 인정을 얻을 수 있습니다.</a:t>
             </a:r>
           </a:p>
         </p:txBody>
@@ -9261,7 +8560,7 @@
         </p:nvSpPr>
         <p:spPr>
           <a:xfrm>
-            <a:off x="3201544" y="8560230"/>
+            <a:off x="3201544" y="8458200"/>
             <a:ext cx="1543003" cy="184666"/>
           </a:xfrm>
           <a:prstGeom prst="rect">
@@ -9288,12 +8587,12 @@
               <a:defRPr/>
             </a:pPr>
             <a:r>
-              <a:rPr lang="en-US" sz="1200">
+              <a:rPr lang="de-de" sz="1200" dirty="0">
                 <a:solidFill>
                   <a:srgbClr val="000000"/>
                 </a:solidFill>
               </a:rPr>
-              <a:t>Live Chat  Support*</a:t>
+              <a:t>라이브 채팅 지원*</a:t>
             </a:r>
           </a:p>
         </p:txBody>
@@ -9314,7 +8613,7 @@
         </p:nvSpPr>
         <p:spPr>
           <a:xfrm>
-            <a:off x="3201544" y="8741449"/>
+            <a:off x="3201544" y="8610600"/>
             <a:ext cx="840166" cy="184666"/>
           </a:xfrm>
           <a:prstGeom prst="rect">
@@ -9336,12 +8635,12 @@
               </a:spcAft>
             </a:pPr>
             <a:r>
-              <a:rPr lang="en-US" sz="1200" b="1">
+              <a:rPr lang="de-de" sz="1200" b="1" dirty="0">
                 <a:latin typeface="+mj-lt"/>
                 <a:ea typeface="Open Sans" pitchFamily="34" charset="0"/>
                 <a:cs typeface="Open Sans" pitchFamily="34" charset="0"/>
               </a:rPr>
-              <a:t>Chat Support</a:t>
+              <a:t>채팅 지원</a:t>
             </a:r>
           </a:p>
         </p:txBody>
@@ -9389,7 +8688,7 @@
               <a:defRPr/>
             </a:pPr>
             <a:r>
-              <a:rPr lang="en-US" sz="1200">
+              <a:rPr lang="de-de" sz="1200" dirty="0">
                 <a:solidFill>
                   <a:srgbClr val="000000"/>
                 </a:solidFill>
@@ -9437,12 +8736,12 @@
               </a:spcAft>
             </a:pPr>
             <a:r>
-              <a:rPr lang="en-US" sz="1200" b="1">
+              <a:rPr lang="de-de" sz="1200" b="1" dirty="0">
                 <a:latin typeface="+mj-lt"/>
                 <a:ea typeface="Open Sans" pitchFamily="34" charset="0"/>
                 <a:cs typeface="Open Sans" pitchFamily="34" charset="0"/>
               </a:rPr>
-              <a:t>Phone  Support</a:t>
+              <a:t>전화 지원</a:t>
             </a:r>
           </a:p>
         </p:txBody>
@@ -9475,30 +8774,30 @@
           <a:lstStyle/>
           <a:p>
             <a:r>
-              <a:rPr lang="en-US" sz="1000">
+              <a:rPr lang="de-de" sz="1000" dirty="0">
                 <a:solidFill>
                   <a:srgbClr val="020302"/>
                 </a:solidFill>
                 <a:latin typeface="AdobeClean-Light"/>
               </a:rPr>
-              <a:t>Authorized users or </a:t>
-            </a:r>
-            <a:r>
-              <a:rPr lang="en-US" sz="1000" b="1">
+              <a:t>승인된 사용자 또는 </a:t>
+            </a:r>
+            <a:r>
+              <a:rPr lang="de-de" sz="1000" b="1" dirty="0">
                 <a:solidFill>
                   <a:srgbClr val="020302"/>
                 </a:solidFill>
                 <a:latin typeface="AdobeClean-Light"/>
               </a:rPr>
-              <a:t>Named Support Contacts </a:t>
-            </a:r>
-            <a:r>
-              <a:rPr lang="en-US" sz="1000">
+              <a:t>지정 지원 담당자</a:t>
+            </a:r>
+            <a:r>
+              <a:rPr lang="de-de" sz="1000" dirty="0">
                 <a:latin typeface="Adobe Clean Light" panose="020B0303020404020204" pitchFamily="34" charset="0"/>
               </a:rPr>
-              <a:t>can submit issues through all available  channels (including phone for P1) and interact with our technical support team on behalf of your company. </a:t>
-            </a:r>
-            <a:endParaRPr lang="en-US" sz="1000">
+              <a:t>는 사용 가능한 모든 채널(P1용 전화 포함)을 통해 문제를 제출하고 귀사를 대신하여 기술 지원 팀과 상호 작용할 수 있습니다. </a:t>
+            </a:r>
+            <a:endParaRPr lang="en-US" sz="1000" dirty="0">
               <a:solidFill>
                 <a:srgbClr val="000000"/>
               </a:solidFill>
@@ -9571,7 +8870,7 @@
         </p:nvSpPr>
         <p:spPr>
           <a:xfrm>
-            <a:off x="689237" y="8560230"/>
+            <a:off x="689237" y="8458200"/>
             <a:ext cx="991521" cy="184666"/>
           </a:xfrm>
           <a:prstGeom prst="rect">
@@ -9598,12 +8897,12 @@
               <a:defRPr/>
             </a:pPr>
             <a:r>
-              <a:rPr lang="en-US" sz="1200">
+              <a:rPr lang="de-de" sz="1200" dirty="0">
                 <a:solidFill>
                   <a:srgbClr val="000000"/>
                 </a:solidFill>
               </a:rPr>
-              <a:t>Office Hours</a:t>
+              <a:t>오피스 아워</a:t>
             </a:r>
           </a:p>
         </p:txBody>
@@ -9624,7 +8923,7 @@
         </p:nvSpPr>
         <p:spPr>
           <a:xfrm>
-            <a:off x="689237" y="8741449"/>
+            <a:off x="689237" y="8610600"/>
             <a:ext cx="604974" cy="184666"/>
           </a:xfrm>
           <a:prstGeom prst="rect">
@@ -9646,12 +8945,12 @@
               </a:spcAft>
             </a:pPr>
             <a:r>
-              <a:rPr lang="en-US" sz="1200" b="1">
+              <a:rPr lang="de-de" sz="1200" b="1" dirty="0">
                 <a:latin typeface="+mj-lt"/>
                 <a:ea typeface="Open Sans" pitchFamily="34" charset="0"/>
                 <a:cs typeface="Open Sans" pitchFamily="34" charset="0"/>
               </a:rPr>
-              <a:t>Webinars</a:t>
+              <a:t>웨비나</a:t>
             </a:r>
           </a:p>
         </p:txBody>
@@ -9670,8 +8969,8 @@
         </p:nvSpPr>
         <p:spPr>
           <a:xfrm>
-            <a:off x="355868" y="9026059"/>
-            <a:ext cx="2194560" cy="805349"/>
+            <a:off x="355868" y="8915400"/>
+            <a:ext cx="2194560" cy="959237"/>
           </a:xfrm>
           <a:prstGeom prst="rect">
             <a:avLst/>
@@ -9684,13 +8983,13 @@
           <a:lstStyle/>
           <a:p>
             <a:r>
-              <a:rPr lang="en-US" sz="1000">
+              <a:rPr lang="de-de" sz="1000" dirty="0">
                 <a:solidFill>
                   <a:srgbClr val="4B4B4B"/>
                 </a:solidFill>
                 <a:latin typeface="Adobe Clean Light" panose="020B0303020404020204" pitchFamily="34" charset="0"/>
               </a:rPr>
-              <a:t>Office Hours led by the Adobe Customer Support team includes sessions designed to inform as well as help participants troubleshoot problems and provide tips and tricks for success with Adobe solutions. </a:t>
+              <a:t>Adobe 고객 지원 팀에서 진행하는 오피스 아워(Office Hours)에는 참가자가 문제를 해결하도록 관련 정보를 제공하여 도움을 주고 Adobe 솔루션을 성공적으로 사용할 수 있는 팁과 요령을 제공하기 위해 설계된 세션들이 포함됩니다. </a:t>
             </a:r>
           </a:p>
         </p:txBody>
@@ -9711,7 +9010,7 @@
         </p:nvSpPr>
         <p:spPr>
           <a:xfrm>
-            <a:off x="5723508" y="8560230"/>
+            <a:off x="5723508" y="8458200"/>
             <a:ext cx="1303746" cy="184666"/>
           </a:xfrm>
           <a:prstGeom prst="rect">
@@ -9738,12 +9037,12 @@
               <a:defRPr/>
             </a:pPr>
             <a:r>
-              <a:rPr lang="en-US" sz="1200">
+              <a:rPr lang="de-de" sz="1200" dirty="0">
                 <a:solidFill>
                   <a:srgbClr val="000000"/>
                 </a:solidFill>
               </a:rPr>
-              <a:t>Self-help Portals</a:t>
+              <a:t>자가 진단 포털</a:t>
             </a:r>
           </a:p>
         </p:txBody>
@@ -9764,7 +9063,7 @@
         </p:nvSpPr>
         <p:spPr>
           <a:xfrm>
-            <a:off x="5723508" y="8741449"/>
+            <a:off x="5723508" y="8610600"/>
             <a:ext cx="1267206" cy="184666"/>
           </a:xfrm>
           <a:prstGeom prst="rect">
@@ -9786,12 +9085,12 @@
               </a:spcAft>
             </a:pPr>
             <a:r>
-              <a:rPr lang="en-US" sz="1200" b="1">
+              <a:rPr lang="de-de" sz="1200" b="1" dirty="0">
                 <a:latin typeface="+mj-lt"/>
                 <a:ea typeface="Open Sans" pitchFamily="34" charset="0"/>
                 <a:cs typeface="Open Sans" pitchFamily="34" charset="0"/>
               </a:rPr>
-              <a:t>24/7 Support Portal</a:t>
+              <a:t>24/7 지원 포털</a:t>
             </a:r>
           </a:p>
         </p:txBody>
@@ -9810,7 +9109,7 @@
         </p:nvSpPr>
         <p:spPr>
           <a:xfrm>
-            <a:off x="5265661" y="8987081"/>
+            <a:off x="5265661" y="8839200"/>
             <a:ext cx="2194560" cy="805349"/>
           </a:xfrm>
           <a:prstGeom prst="rect">
@@ -9824,37 +9123,32 @@
           <a:lstStyle/>
           <a:p>
             <a:r>
-              <a:rPr lang="en-US" sz="1000">
+              <a:rPr lang="de-de" sz="1000" dirty="0">
                 <a:solidFill>
                   <a:srgbClr val="4B4B4B"/>
                 </a:solidFill>
                 <a:latin typeface="Adobe Clean Light" panose="020B0303020404020204" pitchFamily="34" charset="0"/>
               </a:rPr>
-              <a:t>On-demand access to the online </a:t>
+              <a:t>지원 요청을 제출하고 사례 상태를 검토하고 기술 자료, 뉴스 및 알림, 추천 팁 등과 같은 기타 리소스를 검색할 수 있는 온라인 </a:t>
             </a:r>
             <a:br>
-              <a:rPr lang="en-US" sz="1000">
+              <a:rPr dirty="0"/>
+            </a:br>
+            <a:r>
+              <a:rPr lang="de-de" sz="1000" dirty="0">
                 <a:solidFill>
                   <a:srgbClr val="4B4B4B"/>
                 </a:solidFill>
                 <a:latin typeface="Adobe Clean Light" panose="020B0303020404020204" pitchFamily="34" charset="0"/>
               </a:rPr>
-            </a:br>
-            <a:r>
-              <a:rPr lang="en-US" sz="1000">
-                <a:solidFill>
-                  <a:srgbClr val="4B4B4B"/>
-                </a:solidFill>
-                <a:latin typeface="Adobe Clean Light" panose="020B0303020404020204" pitchFamily="34" charset="0"/>
-              </a:rPr>
-              <a:t>Self-help Support Portal to submit support requests, review case status, and browse other resources, like our knowledgebase, news and alerts, featured tips, and more.</a:t>
+              <a:t>자가 진단 지원 포털에 대한 온디맨드 액세스입니다.</a:t>
             </a:r>
           </a:p>
         </p:txBody>
       </p:sp>
       <p:pic>
         <p:nvPicPr>
-          <p:cNvPr id="74" name="Graphic 73" descr="Speaker phone outline">
+          <p:cNvPr id="74" name="Graphic 73" descr="스피커폰 개요">
             <a:extLst>
               <a:ext uri="{FF2B5EF4-FFF2-40B4-BE49-F238E27FC236}">
                 <a16:creationId xmlns:a16="http://schemas.microsoft.com/office/drawing/2014/main" id="{A1370005-6890-424C-884D-9064E283C1A4}"/>
@@ -9893,7 +9187,7 @@
       </p:pic>
       <p:pic>
         <p:nvPicPr>
-          <p:cNvPr id="75" name="Graphic 74" descr="Remote learning language outline">
+          <p:cNvPr id="75" name="Graphic 74" descr="원격 학습 언어 개요">
             <a:extLst>
               <a:ext uri="{FF2B5EF4-FFF2-40B4-BE49-F238E27FC236}">
                 <a16:creationId xmlns:a16="http://schemas.microsoft.com/office/drawing/2014/main" id="{FA70E684-2FB6-544A-9B16-BEB9080AC85B}"/>
@@ -9922,7 +9216,7 @@
         </p:blipFill>
         <p:spPr>
           <a:xfrm>
-            <a:off x="228600" y="8560230"/>
+            <a:off x="228600" y="8458200"/>
             <a:ext cx="411480" cy="411480"/>
           </a:xfrm>
           <a:prstGeom prst="rect">
@@ -9932,7 +9226,7 @@
       </p:pic>
       <p:pic>
         <p:nvPicPr>
-          <p:cNvPr id="76" name="Graphic 75" descr="Customer review outline">
+          <p:cNvPr id="76" name="Graphic 75" descr="고객 리뷰 개요">
             <a:extLst>
               <a:ext uri="{FF2B5EF4-FFF2-40B4-BE49-F238E27FC236}">
                 <a16:creationId xmlns:a16="http://schemas.microsoft.com/office/drawing/2014/main" id="{1B0E4E00-41D9-6440-83E3-60369886CE3A}"/>
@@ -9971,7 +9265,7 @@
       </p:pic>
       <p:pic>
         <p:nvPicPr>
-          <p:cNvPr id="77" name="Graphic 76" descr="Signpost outline">
+          <p:cNvPr id="77" name="Graphic 76" descr="길잡이 개요">
             <a:extLst>
               <a:ext uri="{FF2B5EF4-FFF2-40B4-BE49-F238E27FC236}">
                 <a16:creationId xmlns:a16="http://schemas.microsoft.com/office/drawing/2014/main" id="{001A9B31-4F82-A14D-B2BC-39DC337108A9}"/>
@@ -10010,7 +9304,7 @@
       </p:pic>
       <p:pic>
         <p:nvPicPr>
-          <p:cNvPr id="78" name="Graphic 77" descr="Internet outline">
+          <p:cNvPr id="78" name="Graphic 77" descr="인터넷 개요">
             <a:extLst>
               <a:ext uri="{FF2B5EF4-FFF2-40B4-BE49-F238E27FC236}">
                 <a16:creationId xmlns:a16="http://schemas.microsoft.com/office/drawing/2014/main" id="{20978656-E5F5-434D-BA66-491F99EF63FD}"/>
@@ -10039,7 +9333,7 @@
         </p:blipFill>
         <p:spPr>
           <a:xfrm>
-            <a:off x="5257800" y="8560230"/>
+            <a:off x="5257800" y="8458200"/>
             <a:ext cx="411480" cy="411480"/>
           </a:xfrm>
           <a:prstGeom prst="rect">
@@ -10049,7 +9343,7 @@
       </p:pic>
       <p:pic>
         <p:nvPicPr>
-          <p:cNvPr id="79" name="Graphic 78" descr="Chat bubble outline">
+          <p:cNvPr id="79" name="Graphic 78" descr="말풍선 개요">
             <a:extLst>
               <a:ext uri="{FF2B5EF4-FFF2-40B4-BE49-F238E27FC236}">
                 <a16:creationId xmlns:a16="http://schemas.microsoft.com/office/drawing/2014/main" id="{0C77255B-D338-2543-98E5-4434DF47D195}"/>
@@ -10078,7 +9372,7 @@
         </p:blipFill>
         <p:spPr>
           <a:xfrm>
-            <a:off x="2776853" y="8560230"/>
+            <a:off x="2776853" y="8458200"/>
             <a:ext cx="411480" cy="411480"/>
           </a:xfrm>
           <a:prstGeom prst="rect">
@@ -10100,7 +9394,7 @@
         </p:nvSpPr>
         <p:spPr>
           <a:xfrm rot="5400000" flipH="1">
-            <a:off x="3863341" y="5600443"/>
+            <a:off x="3863341" y="5463540"/>
             <a:ext cx="45719" cy="5577840"/>
           </a:xfrm>
           <a:custGeom>
@@ -10177,16 +9471,16 @@
               </a:spcBef>
             </a:pPr>
             <a:r>
-              <a:rPr lang="en-US" sz="1400" b="1">
+              <a:rPr lang="de-de" sz="1400" b="1" dirty="0">
                 <a:solidFill>
                   <a:srgbClr val="020302"/>
                 </a:solidFill>
                 <a:latin typeface="Adobe Clean"/>
                 <a:cs typeface="Adobe Clean"/>
               </a:rPr>
-              <a:t>Online Support Features</a:t>
-            </a:r>
-            <a:endParaRPr lang="en-US" sz="1400">
+              <a:t>온라인 지원 기능</a:t>
+            </a:r>
+            <a:endParaRPr lang="en-US" sz="1400" dirty="0">
               <a:latin typeface="Adobe Clean"/>
               <a:cs typeface="Adobe Clean"/>
             </a:endParaRPr>
@@ -10411,16 +9705,16 @@
               </a:spcBef>
             </a:pPr>
             <a:r>
-              <a:rPr lang="en-US" sz="1000">
+              <a:rPr lang="de-de" sz="1000" dirty="0">
                 <a:solidFill>
                   <a:srgbClr val="020302"/>
                 </a:solidFill>
                 <a:latin typeface="AdobeClean-Light"/>
                 <a:cs typeface="AdobeClean-Light"/>
               </a:rPr>
-              <a:t>Proactive review of your solution  deployment, configuration, and overall  architecture, including integrations.</a:t>
-            </a:r>
-            <a:endParaRPr lang="en-US" sz="1000">
+              <a:t>솔루션 배포, 구성 및 전체 아키텍처(통합 포함)에 대한 사전 예방적 검토입니다.</a:t>
+            </a:r>
+            <a:endParaRPr lang="en-US" sz="1000" dirty="0">
               <a:solidFill>
                 <a:prstClr val="black"/>
               </a:solidFill>
@@ -10466,16 +9760,16 @@
               </a:spcBef>
             </a:pPr>
             <a:r>
-              <a:rPr lang="en-US" sz="1000">
+              <a:rPr lang="de-de" sz="1000" dirty="0">
                 <a:solidFill>
                   <a:srgbClr val="020302"/>
                 </a:solidFill>
                 <a:latin typeface="AdobeClean-Light"/>
                 <a:cs typeface="AdobeClean-Light"/>
               </a:rPr>
-              <a:t>Receive maintenance best practices and latest  fixes (SPs, MR, patches, FPs) to remain up-to-  date on all maintenance checks.</a:t>
-            </a:r>
-            <a:endParaRPr lang="en-US" sz="1000">
+              <a:t>유지 관리 모범 사례 및 최신 수정 사항(SP, MR, 패치, FP)을 수신하여 모든 유지 관리 검사에서 최신 상태를 유지합니다.</a:t>
+            </a:r>
+            <a:endParaRPr lang="en-US" sz="1000" dirty="0">
               <a:solidFill>
                 <a:prstClr val="black"/>
               </a:solidFill>
@@ -10518,16 +9812,16 @@
               </a:spcBef>
             </a:pPr>
             <a:r>
-              <a:rPr lang="en-US" sz="1000">
+              <a:rPr lang="de-de" sz="1000" dirty="0">
                 <a:solidFill>
                   <a:srgbClr val="4B4B4B"/>
                 </a:solidFill>
                 <a:latin typeface="AdobeClean-Light"/>
                 <a:cs typeface="AdobeClean-Light"/>
               </a:rPr>
-              <a:t>A regular review of Elite program services, support metrics, and deliverables, including a forward-looking plan</a:t>
-            </a:r>
-            <a:endParaRPr lang="en-US" sz="1000">
+              <a:t>미래 지향적인 계획이 포함된, 엘리트 프로그램 서비스, 지원 지표 및 결과물에 대한 정기적 리뷰 입니다.</a:t>
+            </a:r>
+            <a:endParaRPr lang="en-US" sz="1000" dirty="0">
               <a:solidFill>
                 <a:prstClr val="black"/>
               </a:solidFill>
@@ -10570,16 +9864,16 @@
               </a:spcBef>
             </a:pPr>
             <a:r>
-              <a:rPr lang="en-US" sz="1000">
+              <a:rPr lang="de-de" sz="1000" dirty="0">
                 <a:solidFill>
                   <a:srgbClr val="4B4B4B"/>
                 </a:solidFill>
                 <a:latin typeface="AdobeClean-Light"/>
                 <a:cs typeface="AdobeClean-Light"/>
               </a:rPr>
-              <a:t>A 60-minute session focusing on a  specific product feature and how it can  be utilized to solve common business  problems.</a:t>
-            </a:r>
-            <a:endParaRPr lang="en-US" sz="1000">
+              <a:t>특정 제품 기능과 일반적인 비즈니스 문제를 해결하는 데 사용할 수 있는 방법에 중점을 둔 60분 세션입니다.</a:t>
+            </a:r>
+            <a:endParaRPr lang="en-US" sz="1000" dirty="0">
               <a:solidFill>
                 <a:prstClr val="black"/>
               </a:solidFill>
@@ -10622,16 +9916,16 @@
               </a:spcBef>
             </a:pPr>
             <a:r>
-              <a:rPr lang="en-US" sz="1000">
+              <a:rPr lang="de-de" sz="1000" dirty="0">
                 <a:solidFill>
                   <a:srgbClr val="4B4B4B"/>
                 </a:solidFill>
                 <a:latin typeface="AdobeClean-Light"/>
                 <a:cs typeface="AdobeClean-Light"/>
               </a:rPr>
-              <a:t>A designated point of contact within Adobe  who can provide escalation assistance,  regular updates and ensure priority is given  to your most critical open support requests.</a:t>
-            </a:r>
-            <a:endParaRPr lang="en-US"/>
+              <a:t>에스컬레이션 지원 및 정기 업데이트를 제공하고 진행 중인 지원 요청에서 가장 중요한 것에 우선 순위를 부여할 수 있는 Adobe 내의 지정된 담당자입니다.</a:t>
+            </a:r>
+            <a:endParaRPr lang="en-US" dirty="0"/>
           </a:p>
         </p:txBody>
       </p:sp>
@@ -10668,16 +9962,16 @@
               </a:spcBef>
             </a:pPr>
             <a:r>
-              <a:rPr lang="en-US" sz="1100" b="1">
+              <a:rPr lang="de-de" sz="1100" b="1" dirty="0">
                 <a:solidFill>
                   <a:srgbClr val="020302"/>
                 </a:solidFill>
                 <a:latin typeface="Adobe Clean" panose="020B0503020404020204" pitchFamily="34" charset="0"/>
                 <a:cs typeface="Arial"/>
               </a:rPr>
-              <a:t>Named Support Engineer</a:t>
-            </a:r>
-            <a:endParaRPr lang="en-US" sz="1100">
+              <a:t>지정 지원 엔지니어</a:t>
+            </a:r>
+            <a:endParaRPr lang="en-US" sz="1100" dirty="0">
               <a:solidFill>
                 <a:prstClr val="black"/>
               </a:solidFill>
@@ -10720,16 +10014,16 @@
               </a:spcBef>
             </a:pPr>
             <a:r>
-              <a:rPr lang="en-US" sz="1100" b="1">
+              <a:rPr lang="de-de" sz="1100" b="1" dirty="0">
                 <a:solidFill>
                   <a:srgbClr val="020302"/>
                 </a:solidFill>
                 <a:latin typeface="Adobe Clean" panose="020B0503020404020204" pitchFamily="34" charset="0"/>
                 <a:cs typeface="Arial"/>
               </a:rPr>
-              <a:t>Case Reviews</a:t>
-            </a:r>
-            <a:endParaRPr lang="en-US" sz="1100">
+              <a:t>사례 검토</a:t>
+            </a:r>
+            <a:endParaRPr lang="en-US" sz="1100" dirty="0">
               <a:solidFill>
                 <a:prstClr val="black"/>
               </a:solidFill>
@@ -10772,16 +10066,16 @@
               </a:spcBef>
             </a:pPr>
             <a:r>
-              <a:rPr lang="en-US" sz="1100" b="1">
+              <a:rPr lang="de-de" sz="1100" b="1" dirty="0">
                 <a:solidFill>
                   <a:srgbClr val="020302"/>
                 </a:solidFill>
                 <a:latin typeface="Adobe Clean" panose="020B0503020404020204" pitchFamily="34" charset="0"/>
                 <a:cs typeface="Adobe Clean"/>
               </a:rPr>
-              <a:t>Maintenance &amp; Monitoring</a:t>
-            </a:r>
-            <a:endParaRPr lang="en-US" sz="1100">
+              <a:t>유지 관리 및 모니터링</a:t>
+            </a:r>
+            <a:endParaRPr lang="en-US" sz="1100" dirty="0">
               <a:solidFill>
                 <a:prstClr val="black"/>
               </a:solidFill>
@@ -10824,16 +10118,16 @@
               </a:spcBef>
             </a:pPr>
             <a:r>
-              <a:rPr lang="en-US" sz="1100" b="1">
+              <a:rPr lang="de-de" sz="1100" b="1" dirty="0">
                 <a:solidFill>
                   <a:srgbClr val="020302"/>
                 </a:solidFill>
                 <a:latin typeface="Adobe Clean" panose="020B0503020404020204" pitchFamily="34" charset="0"/>
                 <a:cs typeface="Adobe Clean"/>
               </a:rPr>
-              <a:t>Solution Roadmap Review</a:t>
-            </a:r>
-            <a:endParaRPr lang="en-US" sz="1100">
+              <a:t>솔루션 로드맵 검토</a:t>
+            </a:r>
+            <a:endParaRPr lang="en-US" sz="1100" dirty="0">
               <a:solidFill>
                 <a:prstClr val="black"/>
               </a:solidFill>
@@ -10876,16 +10170,16 @@
               </a:spcBef>
             </a:pPr>
             <a:r>
-              <a:rPr lang="en-US" sz="1100" b="1">
+              <a:rPr lang="de-de" sz="1100" b="1" dirty="0">
                 <a:solidFill>
                   <a:srgbClr val="020302"/>
                 </a:solidFill>
                 <a:latin typeface="Adobe Clean" panose="020B0503020404020204" pitchFamily="34" charset="0"/>
                 <a:cs typeface="Adobe Clean"/>
               </a:rPr>
-              <a:t>Environment Review</a:t>
-            </a:r>
-            <a:endParaRPr lang="en-US" sz="1100">
+              <a:t>환경 검토</a:t>
+            </a:r>
+            <a:endParaRPr lang="en-US" sz="1100" dirty="0">
               <a:solidFill>
                 <a:prstClr val="black"/>
               </a:solidFill>
@@ -10928,16 +10222,16 @@
               </a:spcBef>
             </a:pPr>
             <a:r>
-              <a:rPr lang="en-US" sz="1100" b="1">
+              <a:rPr lang="de-de" sz="1100" b="1" dirty="0">
                 <a:solidFill>
                   <a:srgbClr val="020302"/>
                 </a:solidFill>
                 <a:latin typeface="Adobe Clean" panose="020B0503020404020204" pitchFamily="34" charset="0"/>
                 <a:cs typeface="Adobe Clean"/>
               </a:rPr>
-              <a:t>Escalation Management</a:t>
-            </a:r>
-            <a:endParaRPr lang="en-US" sz="1100">
+              <a:t>에스컬레이션 관리</a:t>
+            </a:r>
+            <a:endParaRPr lang="en-US" sz="1100" dirty="0">
               <a:solidFill>
                 <a:prstClr val="black"/>
               </a:solidFill>
@@ -10980,16 +10274,16 @@
               </a:spcBef>
             </a:pPr>
             <a:r>
-              <a:rPr lang="en-US" sz="1100" b="1">
+              <a:rPr lang="de-de" sz="1100" b="1" dirty="0">
                 <a:solidFill>
                   <a:srgbClr val="020302"/>
                 </a:solidFill>
                 <a:latin typeface="Adobe Clean" panose="020B0503020404020204" pitchFamily="34" charset="0"/>
                 <a:cs typeface="Adobe Clean"/>
               </a:rPr>
-              <a:t>Service Reviews</a:t>
-            </a:r>
-            <a:endParaRPr lang="en-US" sz="1100">
+              <a:t>서비스 리뷰</a:t>
+            </a:r>
+            <a:endParaRPr lang="en-US" sz="1100" dirty="0">
               <a:solidFill>
                 <a:prstClr val="black"/>
               </a:solidFill>
@@ -11032,16 +10326,16 @@
               </a:spcBef>
             </a:pPr>
             <a:r>
-              <a:rPr lang="en-US" sz="1100" b="1">
+              <a:rPr lang="de-de" sz="1100" b="1" dirty="0">
                 <a:solidFill>
                   <a:srgbClr val="020302"/>
                 </a:solidFill>
                 <a:latin typeface="Adobe Clean" panose="020B0503020404020204" pitchFamily="34" charset="0"/>
                 <a:cs typeface="Adobe Clean"/>
               </a:rPr>
-              <a:t>Expert Sessions</a:t>
-            </a:r>
-            <a:endParaRPr lang="en-US" sz="1100">
+              <a:t>전문가 세션</a:t>
+            </a:r>
+            <a:endParaRPr lang="en-US" sz="1100" dirty="0">
               <a:solidFill>
                 <a:prstClr val="black"/>
               </a:solidFill>
@@ -11084,16 +10378,16 @@
               </a:spcBef>
             </a:pPr>
             <a:r>
-              <a:rPr lang="en-US" sz="1100" b="1">
+              <a:rPr lang="de-de" sz="1100" b="1" dirty="0">
                 <a:solidFill>
                   <a:srgbClr val="020302"/>
                 </a:solidFill>
                 <a:latin typeface="Adobe Clean" panose="020B0503020404020204" pitchFamily="34" charset="0"/>
                 <a:cs typeface="Adobe Clean"/>
               </a:rPr>
-              <a:t>Release Preparation &amp; Review</a:t>
-            </a:r>
-            <a:endParaRPr lang="en-US" sz="1100">
+              <a:t>릴리스 준비 및 검토</a:t>
+            </a:r>
+            <a:endParaRPr lang="en-US" sz="1100" dirty="0">
               <a:solidFill>
                 <a:prstClr val="black"/>
               </a:solidFill>
@@ -11139,16 +10433,16 @@
               </a:spcBef>
             </a:pPr>
             <a:r>
-              <a:rPr lang="en-US" sz="1100" b="1">
+              <a:rPr lang="de-de" sz="1100" b="1" dirty="0">
                 <a:solidFill>
                   <a:srgbClr val="020302"/>
                 </a:solidFill>
                 <a:latin typeface="Adobe Clean" panose="020B0503020404020204" pitchFamily="34" charset="0"/>
                 <a:cs typeface="Adobe Clean"/>
               </a:rPr>
-              <a:t>Knowledge Transfer</a:t>
-            </a:r>
-            <a:endParaRPr lang="en-US" sz="1100">
+              <a:t>지식 이전</a:t>
+            </a:r>
+            <a:endParaRPr lang="en-US" sz="1100" dirty="0">
               <a:latin typeface="Adobe Clean" panose="020B0503020404020204" pitchFamily="34" charset="0"/>
               <a:cs typeface="Adobe Clean"/>
             </a:endParaRPr>
@@ -11191,16 +10485,16 @@
               </a:spcBef>
             </a:pPr>
             <a:r>
-              <a:rPr lang="en-US" sz="1100" b="1">
+              <a:rPr lang="de-de" sz="1100" b="1" dirty="0">
                 <a:solidFill>
                   <a:srgbClr val="020302"/>
                 </a:solidFill>
                 <a:latin typeface="Adobe Clean" panose="020B0503020404020204" pitchFamily="34" charset="0"/>
                 <a:cs typeface="Adobe Clean"/>
               </a:rPr>
-              <a:t>Event Management</a:t>
-            </a:r>
-            <a:endParaRPr lang="en-US" sz="1100">
+              <a:t>이벤트 관리</a:t>
+            </a:r>
+            <a:endParaRPr lang="en-US" sz="1100" dirty="0">
               <a:latin typeface="Adobe Clean" panose="020B0503020404020204" pitchFamily="34" charset="0"/>
               <a:cs typeface="Adobe Clean"/>
             </a:endParaRPr>
@@ -11319,7 +10613,7 @@
       </p:sp>
       <p:pic>
         <p:nvPicPr>
-          <p:cNvPr id="25" name="Graphic 24" descr="Continuous Improvement outline">
+          <p:cNvPr id="25" name="Graphic 24" descr="지속적인 개선 개요">
             <a:extLst>
               <a:ext uri="{FF2B5EF4-FFF2-40B4-BE49-F238E27FC236}">
                 <a16:creationId xmlns:a16="http://schemas.microsoft.com/office/drawing/2014/main" id="{A2F6F854-90CC-FC48-9379-F18D8FBF395B}"/>
@@ -11478,7 +10772,7 @@
       </p:pic>
       <p:pic>
         <p:nvPicPr>
-          <p:cNvPr id="29" name="Graphic 28" descr="Storytelling outline">
+          <p:cNvPr id="29" name="Graphic 28" descr="스토리텔링 개요">
             <a:extLst>
               <a:ext uri="{FF2B5EF4-FFF2-40B4-BE49-F238E27FC236}">
                 <a16:creationId xmlns:a16="http://schemas.microsoft.com/office/drawing/2014/main" id="{AD9F15BE-1A73-9C4D-B0AF-F35EF2ED6649}"/>
@@ -11551,16 +10845,16 @@
               </a:spcBef>
             </a:pPr>
             <a:r>
-              <a:rPr lang="en-US" sz="1000">
+              <a:rPr lang="de-de" sz="1000" dirty="0">
                 <a:solidFill>
                   <a:srgbClr val="020302"/>
                 </a:solidFill>
                 <a:latin typeface="AdobeClean-Light"/>
                 <a:cs typeface="AdobeClean-Light"/>
               </a:rPr>
-              <a:t>Compare and align Adobe solution  roadmap with your project roadmap to  mitigate risk and prepare for the future.</a:t>
-            </a:r>
-            <a:endParaRPr lang="en-US" sz="1000">
+              <a:t>Adobe 솔루션 로드맵을 프로젝트 로드맵과 비교하고 조정하여 위험을 완화하고 미래에 대비합니다.</a:t>
+            </a:r>
+            <a:endParaRPr lang="en-US" sz="1000" dirty="0">
               <a:latin typeface="AdobeClean-Light"/>
               <a:cs typeface="AdobeClean-Light"/>
             </a:endParaRPr>
@@ -11575,7 +10869,7 @@
               </a:spcBef>
             </a:pPr>
             <a:r>
-              <a:rPr lang="en-US" sz="1000">
+              <a:rPr lang="de-de" sz="1000" dirty="0">
                 <a:solidFill>
                   <a:srgbClr val="020302"/>
                 </a:solidFill>
@@ -11584,7 +10878,7 @@
               </a:rPr>
               <a:t>.</a:t>
             </a:r>
-            <a:endParaRPr lang="en-US" sz="1000">
+            <a:endParaRPr lang="en-US" sz="1000" dirty="0">
               <a:solidFill>
                 <a:prstClr val="black"/>
               </a:solidFill>
@@ -11920,7 +11214,7 @@
         <p:spPr>
           <a:xfrm>
             <a:off x="4843269" y="2329688"/>
-            <a:ext cx="1656080" cy="238760"/>
+            <a:ext cx="1656080" cy="228268"/>
           </a:xfrm>
           <a:prstGeom prst="rect">
             <a:avLst/>
@@ -11932,7 +11226,7 @@
           </a:bodyPr>
           <a:lstStyle/>
           <a:p>
-            <a:pPr marL="12700">
+            <a:pPr marL="12700" algn="ctr">
               <a:lnSpc>
                 <a:spcPct val="100000"/>
               </a:lnSpc>
@@ -11941,176 +11235,56 @@
               </a:spcBef>
             </a:pPr>
             <a:r>
-              <a:rPr sz="1400" b="1" spc="-25">
+              <a:rPr lang="de-de" sz="1400" b="1" spc="-25" dirty="0">
                 <a:solidFill>
                   <a:srgbClr val="020302"/>
                 </a:solidFill>
                 <a:latin typeface="Adobe Clean"/>
                 <a:cs typeface="Adobe Clean"/>
               </a:rPr>
-              <a:t>Fi</a:t>
-            </a:r>
-            <a:r>
-              <a:rPr sz="1400" b="1" spc="-35">
+              <a:t>현장</a:t>
+            </a:r>
+            <a:r>
+              <a:rPr lang="de-de" sz="1400" b="1" spc="-40" dirty="0">
                 <a:solidFill>
                   <a:srgbClr val="020302"/>
                 </a:solidFill>
                 <a:latin typeface="Adobe Clean"/>
                 <a:cs typeface="Adobe Clean"/>
               </a:rPr>
-              <a:t>e</a:t>
-            </a:r>
-            <a:r>
-              <a:rPr sz="1400" b="1" spc="-25">
+              <a:t> </a:t>
+            </a:r>
+            <a:r>
+              <a:rPr lang="de-de" sz="1400" b="1" spc="25" dirty="0">
                 <a:solidFill>
                   <a:srgbClr val="020302"/>
                 </a:solidFill>
                 <a:latin typeface="Adobe Clean"/>
                 <a:cs typeface="Adobe Clean"/>
               </a:rPr>
-              <a:t>l</a:t>
-            </a:r>
-            <a:r>
-              <a:rPr sz="1400" b="1">
+              <a:t>서비스</a:t>
+            </a:r>
+            <a:r>
+              <a:rPr lang="de-de" sz="1400" b="1" spc="-190" dirty="0">
                 <a:solidFill>
                   <a:srgbClr val="020302"/>
                 </a:solidFill>
                 <a:latin typeface="Adobe Clean"/>
                 <a:cs typeface="Adobe Clean"/>
               </a:rPr>
-              <a:t>d</a:t>
-            </a:r>
-            <a:r>
-              <a:rPr sz="1400" b="1" spc="-40">
+              <a:t> </a:t>
+            </a:r>
+            <a:r>
+              <a:rPr lang="de-de" sz="1400" b="1" spc="5" dirty="0">
                 <a:solidFill>
                   <a:srgbClr val="020302"/>
                 </a:solidFill>
                 <a:latin typeface="Adobe Clean"/>
                 <a:cs typeface="Adobe Clean"/>
               </a:rPr>
-              <a:t> </a:t>
-            </a:r>
-            <a:r>
-              <a:rPr sz="1400" b="1" spc="25">
-                <a:solidFill>
-                  <a:srgbClr val="020302"/>
-                </a:solidFill>
-                <a:latin typeface="Adobe Clean"/>
-                <a:cs typeface="Adobe Clean"/>
-              </a:rPr>
-              <a:t>S</a:t>
-            </a:r>
-            <a:r>
-              <a:rPr sz="1400" b="1" spc="5">
-                <a:solidFill>
-                  <a:srgbClr val="020302"/>
-                </a:solidFill>
-                <a:latin typeface="Adobe Clean"/>
-                <a:cs typeface="Adobe Clean"/>
-              </a:rPr>
-              <a:t>e</a:t>
-            </a:r>
-            <a:r>
-              <a:rPr sz="1400" b="1" spc="15">
-                <a:solidFill>
-                  <a:srgbClr val="020302"/>
-                </a:solidFill>
-                <a:latin typeface="Adobe Clean"/>
-                <a:cs typeface="Adobe Clean"/>
-              </a:rPr>
-              <a:t>rvi</a:t>
-            </a:r>
-            <a:r>
-              <a:rPr sz="1400" b="1" spc="5">
-                <a:solidFill>
-                  <a:srgbClr val="020302"/>
-                </a:solidFill>
-                <a:latin typeface="Adobe Clean"/>
-                <a:cs typeface="Adobe Clean"/>
-              </a:rPr>
-              <a:t>c</a:t>
-            </a:r>
-            <a:r>
-              <a:rPr sz="1400" b="1">
-                <a:solidFill>
-                  <a:srgbClr val="020302"/>
-                </a:solidFill>
-                <a:latin typeface="Adobe Clean"/>
-                <a:cs typeface="Adobe Clean"/>
-              </a:rPr>
-              <a:t>e</a:t>
-            </a:r>
-            <a:r>
-              <a:rPr sz="1400" b="1" spc="-190">
-                <a:solidFill>
-                  <a:srgbClr val="020302"/>
-                </a:solidFill>
-                <a:latin typeface="Adobe Clean"/>
-                <a:cs typeface="Adobe Clean"/>
-              </a:rPr>
-              <a:t> </a:t>
-            </a:r>
-            <a:r>
-              <a:rPr sz="1400" b="1" spc="5">
-                <a:solidFill>
-                  <a:srgbClr val="020302"/>
-                </a:solidFill>
-                <a:latin typeface="Adobe Clean"/>
-                <a:cs typeface="Adobe Clean"/>
-              </a:rPr>
-              <a:t>A</a:t>
-            </a:r>
-            <a:r>
-              <a:rPr sz="1400" b="1" spc="-5">
-                <a:solidFill>
-                  <a:srgbClr val="020302"/>
-                </a:solidFill>
-                <a:latin typeface="Adobe Clean"/>
-                <a:cs typeface="Adobe Clean"/>
-              </a:rPr>
-              <a:t>ct</a:t>
-            </a:r>
-            <a:r>
-              <a:rPr sz="1400" b="1" spc="5">
-                <a:solidFill>
-                  <a:srgbClr val="020302"/>
-                </a:solidFill>
-                <a:latin typeface="Adobe Clean"/>
-                <a:cs typeface="Adobe Clean"/>
-              </a:rPr>
-              <a:t>ivi</a:t>
-            </a:r>
-            <a:r>
-              <a:rPr sz="1400" b="1" spc="-5">
-                <a:solidFill>
-                  <a:srgbClr val="020302"/>
-                </a:solidFill>
-                <a:latin typeface="Adobe Clean"/>
-                <a:cs typeface="Adobe Clean"/>
-              </a:rPr>
-              <a:t>t</a:t>
-            </a:r>
-            <a:r>
-              <a:rPr sz="1400" b="1" spc="5">
-                <a:solidFill>
-                  <a:srgbClr val="020302"/>
-                </a:solidFill>
-                <a:latin typeface="Adobe Clean"/>
-                <a:cs typeface="Adobe Clean"/>
-              </a:rPr>
-              <a:t>i</a:t>
-            </a:r>
-            <a:r>
-              <a:rPr sz="1400" b="1" spc="-5">
-                <a:solidFill>
-                  <a:srgbClr val="020302"/>
-                </a:solidFill>
-                <a:latin typeface="Adobe Clean"/>
-                <a:cs typeface="Adobe Clean"/>
-              </a:rPr>
-              <a:t>es</a:t>
-            </a:r>
-            <a:endParaRPr sz="1400">
+              <a:t>활동</a:t>
+            </a:r>
+            <a:endParaRPr sz="1400" dirty="0">
               <a:latin typeface="Adobe Clean"/>
               <a:cs typeface="Adobe Clean"/>
             </a:endParaRPr>
@@ -12126,7 +11300,7 @@
         <p:spPr>
           <a:xfrm>
             <a:off x="914422" y="2342312"/>
-            <a:ext cx="1242060" cy="238760"/>
+            <a:ext cx="1242060" cy="228268"/>
           </a:xfrm>
           <a:prstGeom prst="rect">
             <a:avLst/>
@@ -12138,7 +11312,7 @@
           </a:bodyPr>
           <a:lstStyle/>
           <a:p>
-            <a:pPr marL="12700">
+            <a:pPr marL="12700" algn="ctr">
               <a:lnSpc>
                 <a:spcPct val="100000"/>
               </a:lnSpc>
@@ -12147,96 +11321,26 @@
               </a:spcBef>
             </a:pPr>
             <a:r>
-              <a:rPr sz="1400" b="1" spc="-25">
+              <a:rPr lang="de-de" sz="1400" b="1" spc="-25" dirty="0">
                 <a:solidFill>
                   <a:srgbClr val="020302"/>
                 </a:solidFill>
                 <a:latin typeface="Adobe Clean"/>
                 <a:cs typeface="Adobe Clean"/>
               </a:rPr>
-              <a:t>L</a:t>
-            </a:r>
-            <a:r>
-              <a:rPr sz="1400" b="1" spc="-5">
+              <a:t>출시 </a:t>
+            </a:r>
+            <a:r>
+              <a:rPr lang="de-de" sz="1400" b="1" spc="-10" dirty="0">
                 <a:solidFill>
                   <a:srgbClr val="020302"/>
                 </a:solidFill>
                 <a:latin typeface="Adobe Clean"/>
                 <a:cs typeface="Adobe Clean"/>
               </a:rPr>
-              <a:t>a</a:t>
-            </a:r>
-            <a:r>
-              <a:rPr sz="1400" b="1" spc="-20">
-                <a:solidFill>
-                  <a:srgbClr val="020302"/>
-                </a:solidFill>
-                <a:latin typeface="Adobe Clean"/>
-                <a:cs typeface="Adobe Clean"/>
-              </a:rPr>
-              <a:t>u</a:t>
-            </a:r>
-            <a:r>
-              <a:rPr sz="1400" b="1" spc="-15">
-                <a:solidFill>
-                  <a:srgbClr val="020302"/>
-                </a:solidFill>
-                <a:latin typeface="Adobe Clean"/>
-                <a:cs typeface="Adobe Clean"/>
-              </a:rPr>
-              <a:t>n</a:t>
-            </a:r>
-            <a:r>
-              <a:rPr sz="1400" b="1" spc="-25">
-                <a:solidFill>
-                  <a:srgbClr val="020302"/>
-                </a:solidFill>
-                <a:latin typeface="Adobe Clean"/>
-                <a:cs typeface="Adobe Clean"/>
-              </a:rPr>
-              <a:t>c</a:t>
-            </a:r>
-            <a:r>
-              <a:rPr sz="1400" b="1">
-                <a:solidFill>
-                  <a:srgbClr val="020302"/>
-                </a:solidFill>
-                <a:latin typeface="Adobe Clean"/>
-                <a:cs typeface="Adobe Clean"/>
-              </a:rPr>
-              <a:t>h</a:t>
-            </a:r>
-            <a:r>
-              <a:rPr sz="1400" b="1" spc="-25">
-                <a:solidFill>
-                  <a:srgbClr val="020302"/>
-                </a:solidFill>
-                <a:latin typeface="Adobe Clean"/>
-                <a:cs typeface="Adobe Clean"/>
-              </a:rPr>
-              <a:t> </a:t>
-            </a:r>
-            <a:r>
-              <a:rPr sz="1400" b="1" spc="-10">
-                <a:solidFill>
-                  <a:srgbClr val="020302"/>
-                </a:solidFill>
-                <a:latin typeface="Adobe Clean"/>
-                <a:cs typeface="Adobe Clean"/>
-              </a:rPr>
-              <a:t>Advisor</a:t>
-            </a:r>
-            <a:r>
-              <a:rPr sz="1400" b="1">
-                <a:solidFill>
-                  <a:srgbClr val="020302"/>
-                </a:solidFill>
-                <a:latin typeface="Adobe Clean"/>
-                <a:cs typeface="Adobe Clean"/>
-              </a:rPr>
-              <a:t>y</a:t>
-            </a:r>
-            <a:endParaRPr sz="1400">
+              <a:t>자문</a:t>
+            </a:r>
+            <a:endParaRPr sz="1400" dirty="0">
               <a:latin typeface="Adobe Clean"/>
               <a:cs typeface="Adobe Clean"/>
             </a:endParaRPr>
@@ -12273,46 +11377,33 @@
               </a:spcBef>
             </a:pPr>
             <a:r>
-              <a:rPr sz="1000">
+              <a:rPr lang="de-de" sz="1000" b="1" dirty="0">
                 <a:solidFill>
                   <a:srgbClr val="1F1F1F"/>
                 </a:solidFill>
+                <a:latin typeface="Adobe Clean"/>
+                <a:cs typeface="Adobe Clean"/>
+              </a:rPr>
+              <a:t>새로운 Adobe Experience Cloud 솔루션을 구현하는 고객을 위한 </a:t>
+            </a:r>
+            <a:r>
+              <a:rPr lang="de-de" sz="1000" dirty="0">
                 <a:latin typeface="AdobeClean-Light"/>
                 <a:cs typeface="AdobeClean-Light"/>
               </a:rPr>
-              <a:t>For customers implementing a </a:t>
-            </a:r>
-            <a:r>
-              <a:rPr sz="1000" b="1">
-                <a:solidFill>
-                  <a:srgbClr val="1F1F1F"/>
-                </a:solidFill>
-                <a:latin typeface="Adobe Clean"/>
-                <a:cs typeface="Adobe Clean"/>
-              </a:rPr>
-              <a:t>new Adobe Experience Cloud  solution, </a:t>
-            </a:r>
-            <a:r>
-              <a:rPr sz="1000">
-                <a:latin typeface="AdobeClean-Light"/>
-                <a:cs typeface="AdobeClean-Light"/>
-              </a:rPr>
-              <a:t>Launch Advisory </a:t>
-            </a:r>
-            <a:r>
-              <a:rPr sz="1000">
+              <a:t>출시 자문은</a:t>
+            </a:r>
+            <a:r>
+              <a:rPr lang="de-de" sz="950" dirty="0">
                 <a:latin typeface="AdobeClean-SemiLight"/>
                 <a:cs typeface="AdobeClean-SemiLight"/>
               </a:rPr>
-              <a:t>is a </a:t>
-            </a:r>
-            <a:r>
-              <a:rPr sz="950">
-                <a:latin typeface="AdobeClean-SemiLight"/>
-                <a:cs typeface="AdobeClean-SemiLight"/>
-              </a:rPr>
-              <a:t>core set of advisory</a:t>
-            </a:r>
+              <a:t>핵심 자문</a:t>
+            </a:r>
+            <a:endParaRPr sz="950">
+              <a:latin typeface="AdobeClean-SemiLight"/>
+              <a:cs typeface="AdobeClean-SemiLight"/>
+            </a:endParaRPr>
           </a:p>
           <a:p>
             <a:pPr marL="12700" marR="86995" indent="-635">
@@ -12321,46 +11412,48 @@
               </a:lnSpc>
             </a:pPr>
             <a:r>
-              <a:rPr sz="950">
+              <a:rPr lang="de-de" sz="950" dirty="0">
                 <a:latin typeface="AdobeClean-SemiLight"/>
                 <a:cs typeface="AdobeClean-SemiLight"/>
               </a:rPr>
-              <a:t>services </a:t>
-            </a:r>
-            <a:r>
-              <a:rPr sz="1000">
+              <a:t>서비스이자 </a:t>
+            </a:r>
+            <a:r>
+              <a:rPr lang="de-de" sz="1000" dirty="0">
                 <a:latin typeface="AdobeClean-Light"/>
                 <a:cs typeface="AdobeClean-Light"/>
               </a:rPr>
-              <a:t>and recommendations that are proven to </a:t>
-            </a:r>
-            <a:r>
-              <a:rPr sz="950">
+              <a:t>권장 사항으로, </a:t>
+            </a:r>
+            <a:r>
+              <a:rPr lang="de-de" sz="950" dirty="0">
                 <a:latin typeface="AdobeClean-Light"/>
                 <a:cs typeface="AdobeClean-Light"/>
               </a:rPr>
-              <a:t>support  successful deployments </a:t>
-            </a:r>
-            <a:r>
-              <a:rPr sz="1000">
+              <a:t>성공적인 배포를 지원하고 가치 실현 시간</a:t>
+            </a:r>
+            <a:r>
+              <a:rPr lang="de-de" sz="1000" dirty="0">
                 <a:latin typeface="AdobeClean-Light"/>
                 <a:cs typeface="AdobeClean-Light"/>
               </a:rPr>
-              <a:t>and </a:t>
-            </a:r>
-            <a:r>
-              <a:rPr sz="950">
+              <a:t>.</a:t>
+            </a:r>
+            <a:endParaRPr sz="1000">
+              <a:latin typeface="AdobeClean-Light"/>
+              <a:cs typeface="AdobeClean-Light"/>
+            </a:endParaRPr>
+          </a:p>
+          <a:p>
+            <a:r>
+              <a:rPr lang="de-de" sz="1000" dirty="0">
+                <a:solidFill>
+                  <a:srgbClr val="1F1F1F"/>
+                </a:solidFill>
                 <a:latin typeface="AdobeClean-Light"/>
                 <a:cs typeface="AdobeClean-Light"/>
               </a:rPr>
-              <a:t>accelerate time-to-value</a:t>
-            </a:r>
-            <a:r>
-              <a:rPr sz="1000">
-                <a:latin typeface="AdobeClean-Light"/>
-                <a:cs typeface="AdobeClean-Light"/>
-              </a:rPr>
-              <a:t>.</a:t>
+              <a:t>을 단축하는 것으로 입증되었습니다.</a:t>
             </a:r>
           </a:p>
         </p:txBody>
@@ -12474,76 +11567,76 @@
               </a:spcBef>
             </a:pPr>
             <a:r>
-              <a:rPr sz="1000">
+              <a:rPr lang="de-de" sz="1000" dirty="0">
                 <a:solidFill>
                   <a:srgbClr val="4B4B4B"/>
                 </a:solidFill>
                 <a:latin typeface="AdobeClean-Light"/>
                 <a:cs typeface="AdobeClean-Light"/>
               </a:rPr>
-              <a:t>Field Services are used for </a:t>
-            </a:r>
-            <a:r>
-              <a:rPr sz="1000" b="1">
+              <a:t>현장 서비스는 </a:t>
+            </a:r>
+            <a:r>
+              <a:rPr lang="de-de" sz="1000" b="1" dirty="0">
                 <a:solidFill>
                   <a:srgbClr val="4B4B4B"/>
                 </a:solidFill>
                 <a:latin typeface="Adobe Clean"/>
                 <a:cs typeface="Adobe Clean"/>
               </a:rPr>
-              <a:t>quick resolution</a:t>
-            </a:r>
-            <a:r>
-              <a:rPr sz="1000">
+              <a:t>신속한 해결</a:t>
+            </a:r>
+            <a:r>
+              <a:rPr lang="de-de" sz="1000" dirty="0">
                 <a:solidFill>
                   <a:srgbClr val="4B4B4B"/>
                 </a:solidFill>
                 <a:latin typeface="AdobeClean-Light"/>
                 <a:cs typeface="AdobeClean-Light"/>
               </a:rPr>
-              <a:t>, focused customer success  and accelerated </a:t>
-            </a:r>
-            <a:r>
-              <a:rPr sz="1000" b="1">
+              <a:t>, 집중적인 고객 성공, </a:t>
+            </a:r>
+            <a:r>
+              <a:rPr lang="de-de" sz="1000" b="1" dirty="0">
                 <a:solidFill>
                   <a:srgbClr val="4B4B4B"/>
                 </a:solidFill>
                 <a:latin typeface="Adobe Clean"/>
                 <a:cs typeface="Adobe Clean"/>
               </a:rPr>
-              <a:t>time-to-value</a:t>
-            </a:r>
-            <a:r>
-              <a:rPr sz="1000">
+              <a:t>가치 실현 시간</a:t>
+            </a:r>
+            <a:r>
+              <a:rPr lang="de-de" sz="1000" dirty="0">
                 <a:solidFill>
                   <a:srgbClr val="4B4B4B"/>
                 </a:solidFill>
                 <a:latin typeface="AdobeClean-Light"/>
                 <a:cs typeface="AdobeClean-Light"/>
               </a:rPr>
-              <a:t>. If Launch advisory is active there will be  </a:t>
-            </a:r>
-            <a:r>
-              <a:rPr sz="1000" b="1">
+              <a:t> 단축을 위해 사용됩니다. 출시 자문이 활성화된 경우 지원 계약이 적용되는 솔루션 제품에 대해 </a:t>
+            </a:r>
+            <a:r>
+              <a:rPr lang="de-de" sz="1000" b="1" dirty="0">
                 <a:solidFill>
                   <a:srgbClr val="4B4B4B"/>
                 </a:solidFill>
                 <a:latin typeface="Adobe Clean"/>
                 <a:cs typeface="Adobe Clean"/>
               </a:rPr>
-              <a:t>no Field Services in year 1 </a:t>
-            </a:r>
-            <a:r>
-              <a:rPr sz="1000">
+              <a:t>1년차에는 현장 서비스가 제공되지 않습니다</a:t>
+            </a:r>
+            <a:r>
+              <a:rPr lang="de-de" sz="1000" dirty="0">
                 <a:solidFill>
                   <a:srgbClr val="4B4B4B"/>
                 </a:solidFill>
                 <a:latin typeface="AdobeClean-Light"/>
                 <a:cs typeface="AdobeClean-Light"/>
               </a:rPr>
-              <a:t>for any solution product covered by a  Support contract.</a:t>
-            </a:r>
-            <a:endParaRPr sz="1000">
+              <a:t>.</a:t>
+            </a:r>
+            <a:endParaRPr sz="1000" dirty="0">
               <a:latin typeface="AdobeClean-Light"/>
               <a:cs typeface="AdobeClean-Light"/>
             </a:endParaRPr>
@@ -12664,11 +11757,11 @@
               </a:spcBef>
             </a:pPr>
             <a:r>
-              <a:rPr sz="1000">
+              <a:rPr lang="de-de" sz="1000" dirty="0">
                 <a:latin typeface="AdobeClean-Light"/>
                 <a:cs typeface="AdobeClean-Light"/>
               </a:rPr>
-              <a:t>Launch Advisory will align with your project schedule through  common milestones (Kickoff, Define, Design, Go-live and Post  Launch) to guide, validate, assess and make recommendations.</a:t>
+              <a:t>출시 자문은 일반적인 중요 시점(개시, 정의, 설계, 실행 및 출시 후) 전반에서 프로젝트 일정에 맞춰 안내하고 검증하고 평가하며 권장 사항을 제시합니다. </a:t>
             </a:r>
           </a:p>
         </p:txBody>
@@ -12703,12 +11796,16 @@
               </a:spcBef>
             </a:pPr>
             <a:r>
-              <a:rPr sz="1000">
+              <a:rPr lang="de-de" sz="1000" dirty="0">
                 <a:latin typeface="AdobeClean-Light"/>
                 <a:cs typeface="AdobeClean-Light"/>
               </a:rPr>
-              <a:t>Key Deliverables include:</a:t>
-            </a:r>
+              <a:t>주요 결과물에는 다음이 포함됩니다.</a:t>
+            </a:r>
+            <a:endParaRPr sz="1000">
+              <a:latin typeface="AdobeClean-Light"/>
+              <a:cs typeface="AdobeClean-Light"/>
+            </a:endParaRPr>
           </a:p>
         </p:txBody>
       </p:sp>
@@ -12741,12 +11838,12 @@
               <a:buChar char="•"/>
             </a:pPr>
             <a:r>
-              <a:rPr lang="en-US" sz="1000">
+              <a:rPr lang="de-de" sz="1000" dirty="0">
                 <a:solidFill>
                   <a:prstClr val="black"/>
                 </a:solidFill>
               </a:rPr>
-              <a:t>Kickoff (including project collaboration plan) deck</a:t>
+              <a:t>개시(프로젝트 공동 작업 계획 포함) 데크</a:t>
             </a:r>
           </a:p>
           <a:p>
@@ -12758,12 +11855,12 @@
               <a:buChar char="•"/>
             </a:pPr>
             <a:r>
-              <a:rPr lang="en-US" sz="1000">
+              <a:rPr lang="de-de" sz="1000" dirty="0">
                 <a:solidFill>
                   <a:prstClr val="black"/>
                 </a:solidFill>
               </a:rPr>
-              <a:t>Assessment &amp; recommendations document(s)</a:t>
+              <a:t>평가 및 권장 사항 문서</a:t>
             </a:r>
           </a:p>
           <a:p>
@@ -12775,12 +11872,12 @@
               <a:buChar char="•"/>
             </a:pPr>
             <a:r>
-              <a:rPr lang="en-US" sz="1000">
+              <a:rPr lang="de-de" sz="1000" dirty="0">
                 <a:solidFill>
                   <a:prstClr val="black"/>
                 </a:solidFill>
               </a:rPr>
-              <a:t>Engagement summary</a:t>
+              <a:t>참여 요약</a:t>
             </a:r>
           </a:p>
         </p:txBody>
@@ -12815,16 +11912,16 @@
               </a:spcBef>
             </a:pPr>
             <a:r>
-              <a:rPr sz="1600">
+              <a:rPr lang="de-de" sz="1600" dirty="0">
                 <a:solidFill>
                   <a:srgbClr val="FFFFFF"/>
                 </a:solidFill>
                 <a:latin typeface="Arial"/>
                 <a:cs typeface="Arial"/>
               </a:rPr>
-              <a:t>Implementation</a:t>
-            </a:r>
-            <a:endParaRPr sz="1600">
+              <a:t>구현</a:t>
+            </a:r>
+            <a:endParaRPr sz="1600" dirty="0">
               <a:latin typeface="Arial"/>
               <a:cs typeface="Arial"/>
             </a:endParaRPr>
@@ -12839,32 +11936,25 @@
               </a:spcBef>
             </a:pPr>
             <a:r>
-              <a:rPr sz="1000">
+              <a:rPr lang="de-de" sz="1000" dirty="0">
                 <a:latin typeface="AdobeClean-Light"/>
                 <a:cs typeface="AdobeClean-Light"/>
               </a:rPr>
-              <a:t>Adobe solution experts help validate requirements, architecture,  development process, and launch readiness reviews </a:t>
-            </a:r>
-            <a:r>
-              <a:rPr sz="1000">
+              <a:t>Adobe 솔루션 전문가는 고객과 구현 파트너에 대한 </a:t>
+            </a:r>
+            <a:r>
+              <a:rPr lang="de-de" sz="950" dirty="0">
                 <a:latin typeface="AdobeClean-SemiLight"/>
                 <a:cs typeface="AdobeClean-SemiLight"/>
               </a:rPr>
-              <a:t>with </a:t>
-            </a:r>
-            <a:r>
-              <a:rPr sz="950">
+              <a:t>모범 사례 기반 지침을 통해 </a:t>
+            </a:r>
+            <a:r>
+              <a:rPr lang="de-de" sz="1000" dirty="0">
                 <a:latin typeface="AdobeClean-SemiLight"/>
                 <a:cs typeface="AdobeClean-SemiLight"/>
               </a:rPr>
-              <a:t>best  practice-based guidance </a:t>
-            </a:r>
-            <a:r>
-              <a:rPr sz="1000">
-                <a:latin typeface="AdobeClean-SemiLight"/>
-                <a:cs typeface="AdobeClean-SemiLight"/>
-              </a:rPr>
-              <a:t>to customers and implementation  partners.</a:t>
+              <a:t>요구 사항, 아키텍처, 개발 프로세스 및 출시 준비 상태 검토를 검증하는 데 도움을 줍니다.</a:t>
             </a:r>
           </a:p>
         </p:txBody>
@@ -12921,30 +12011,19 @@
               </a:spcBef>
             </a:pPr>
             <a:r>
-              <a:rPr sz="1000" b="1">
+              <a:rPr lang="de-de" sz="1000" b="1" dirty="0">
                 <a:latin typeface="Arial"/>
                 <a:cs typeface="Arial"/>
               </a:rPr>
-              <a:t>Technical Track Activities </a:t>
-            </a:r>
-            <a:r>
-              <a:rPr sz="1000">
+              <a:t>기술 트랙 활동</a:t>
+            </a:r>
+            <a:r>
+              <a:rPr lang="de-de" sz="1000" dirty="0">
                 <a:latin typeface="AdobeClean-Light"/>
                 <a:cs typeface="AdobeClean-Light"/>
               </a:rPr>
-              <a:t>ensure customers are technically sound  and maximizing their tool adoption. Specifically, these types of  activities include support and recommendations related to platform  configurations, integrations and troubleshooting</a:t>
-            </a:r>
-            <a:r>
-              <a:rPr lang="en-US" sz="1000">
-                <a:latin typeface="AdobeClean-Light"/>
-                <a:cs typeface="AdobeClean-Light"/>
-              </a:rPr>
-              <a:t>.</a:t>
-            </a:r>
-            <a:endParaRPr sz="1000">
-              <a:latin typeface="AdobeClean-Light"/>
-              <a:cs typeface="AdobeClean-Light"/>
-            </a:endParaRPr>
+              <a:t>은 고객이 기술적으로 건전하도록 보장하고 도구 채택을 극대화할 수 있도록 합니다. 특히 이러한 유형의 활동에는 플랫폼 구성, 통합 및 문제 해결과 관련된 지원 및 권장 사항이 포함됩니다.</a:t>
+            </a:r>
           </a:p>
         </p:txBody>
       </p:sp>
@@ -12978,11 +12057,11 @@
               </a:spcBef>
             </a:pPr>
             <a:r>
-              <a:rPr sz="1000">
+              <a:rPr lang="de-de" sz="1000" dirty="0">
                 <a:latin typeface="AdobeClean-Light"/>
                 <a:cs typeface="AdobeClean-Light"/>
               </a:rPr>
-              <a:t>Types of technical activities available::</a:t>
+              <a:t>사용 가능한 기술 활동 유형:</a:t>
             </a:r>
           </a:p>
           <a:p>
@@ -12997,12 +12076,12 @@
               <a:buChar char="ü"/>
             </a:pPr>
             <a:r>
-              <a:rPr lang="en-US" sz="1000">
+              <a:rPr lang="de-de" sz="1000" dirty="0">
                 <a:solidFill>
                   <a:prstClr val="black"/>
                 </a:solidFill>
               </a:rPr>
-              <a:t>Health audit</a:t>
+              <a:t>상태 감사</a:t>
             </a:r>
           </a:p>
           <a:p>
@@ -13017,12 +12096,12 @@
               <a:buChar char="ü"/>
             </a:pPr>
             <a:r>
-              <a:rPr lang="en-US" sz="1000">
+              <a:rPr lang="de-de" sz="1000" dirty="0">
                 <a:solidFill>
                   <a:prstClr val="black"/>
                 </a:solidFill>
               </a:rPr>
-              <a:t>Platform audit</a:t>
+              <a:t>플랫폼 감사</a:t>
             </a:r>
           </a:p>
           <a:p>
@@ -13037,12 +12116,12 @@
               <a:buChar char="ü"/>
             </a:pPr>
             <a:r>
-              <a:rPr lang="en-US" sz="1000">
+              <a:rPr lang="de-de" sz="1000" dirty="0">
                 <a:solidFill>
                   <a:prstClr val="black"/>
                 </a:solidFill>
               </a:rPr>
-              <a:t>Feature set enablement</a:t>
+              <a:t>기능 세트 활성화</a:t>
             </a:r>
           </a:p>
           <a:p>
@@ -13057,12 +12136,12 @@
               <a:buChar char="ü"/>
             </a:pPr>
             <a:r>
-              <a:rPr lang="en-US" sz="1000">
+              <a:rPr lang="de-de" sz="1000" dirty="0">
                 <a:solidFill>
                   <a:prstClr val="black"/>
                 </a:solidFill>
               </a:rPr>
-              <a:t>Basic integrations and configurations</a:t>
+              <a:t>기본적 통합 및 구성</a:t>
             </a:r>
           </a:p>
           <a:p>
@@ -13077,12 +12156,12 @@
               <a:buChar char="ü"/>
             </a:pPr>
             <a:r>
-              <a:rPr lang="en-US" sz="1000">
+              <a:rPr lang="de-de" sz="1000" dirty="0">
                 <a:solidFill>
                   <a:prstClr val="black"/>
                 </a:solidFill>
               </a:rPr>
-              <a:t>Customer solution troubleshooting</a:t>
+              <a:t>고객 솔루션 문제 해결</a:t>
             </a:r>
           </a:p>
           <a:p>
@@ -13097,12 +12176,12 @@
               <a:buChar char="ü"/>
             </a:pPr>
             <a:r>
-              <a:rPr lang="en-US" sz="1000">
+              <a:rPr lang="de-de" sz="1000" dirty="0">
                 <a:solidFill>
                   <a:prstClr val="black"/>
                 </a:solidFill>
               </a:rPr>
-              <a:t>Cloud service support</a:t>
+              <a:t>클라우드 서비스 지원</a:t>
             </a:r>
           </a:p>
         </p:txBody>
@@ -13137,18 +12216,18 @@
               </a:spcBef>
             </a:pPr>
             <a:r>
-              <a:rPr sz="1000" b="1">
+              <a:rPr lang="de-de" sz="1000" b="1" dirty="0">
                 <a:latin typeface="Arial"/>
                 <a:cs typeface="Arial"/>
               </a:rPr>
-              <a:t>Strategic Track Activities </a:t>
-            </a:r>
-            <a:r>
-              <a:rPr sz="1000">
+              <a:t>전략 트랙 활동</a:t>
+            </a:r>
+            <a:r>
+              <a:rPr lang="de-de" sz="1000" dirty="0">
                 <a:latin typeface="AdobeClean-Light"/>
                 <a:cs typeface="AdobeClean-Light"/>
               </a:rPr>
-              <a:t>locate opportunities to ensure value is  being realized from a customer’s Adobe solutions. They include  support recommendations related to strategy, measurement and  maturity to drive value realization across one or more Adobe  solutions.</a:t>
+              <a:t>은 고객의 Adobe 솔루션에서 가치를 실현할 수 있는 기회를 찾습니다. 여기에는 하나 이상의 Adobe 솔루션에서 가치 실현을 위한 전략, 측정 및 완성도와 관련된 지원 권장 사항이 포함됩니다.</a:t>
             </a:r>
           </a:p>
           <a:p>
@@ -13160,7 +12239,7 @@
                 <a:spcPts val="40"/>
               </a:spcBef>
             </a:pPr>
-            <a:endParaRPr sz="1100">
+            <a:endParaRPr sz="1100" dirty="0">
               <a:latin typeface="AdobeClean-Light"/>
               <a:cs typeface="AdobeClean-Light"/>
             </a:endParaRPr>
@@ -13172,11 +12251,11 @@
               </a:lnSpc>
             </a:pPr>
             <a:r>
-              <a:rPr sz="1000">
+              <a:rPr lang="de-de" sz="1000" dirty="0">
                 <a:latin typeface="AdobeClean-Light"/>
                 <a:cs typeface="AdobeClean-Light"/>
               </a:rPr>
-              <a:t>Types of strategic activities available::</a:t>
+              <a:t>사용 가능한 전략 활동 유형:</a:t>
             </a:r>
           </a:p>
           <a:p>
@@ -13191,12 +12270,12 @@
               <a:buChar char="ü"/>
             </a:pPr>
             <a:r>
-              <a:rPr lang="en-US" sz="1000">
+              <a:rPr lang="de-de" sz="1000" dirty="0">
                 <a:solidFill>
                   <a:prstClr val="black"/>
                 </a:solidFill>
               </a:rPr>
-              <a:t>Maturity Roadmap</a:t>
+              <a:t>완성 로드맵</a:t>
             </a:r>
           </a:p>
           <a:p>
@@ -13211,12 +12290,12 @@
               <a:buChar char="ü"/>
             </a:pPr>
             <a:r>
-              <a:rPr lang="en-US" sz="1000">
+              <a:rPr lang="de-de" sz="1000" dirty="0">
                 <a:solidFill>
                   <a:prstClr val="black"/>
                 </a:solidFill>
               </a:rPr>
-              <a:t>Use case development/measurement</a:t>
+              <a:t>사용 사례 개발/측정</a:t>
             </a:r>
           </a:p>
           <a:p>
@@ -13231,12 +12310,12 @@
               <a:buChar char="ü"/>
             </a:pPr>
             <a:r>
-              <a:rPr lang="en-US" sz="1000">
+              <a:rPr lang="de-de" sz="1000" dirty="0">
                 <a:solidFill>
                   <a:prstClr val="black"/>
                 </a:solidFill>
               </a:rPr>
-              <a:t>Reporting &amp; analysis</a:t>
+              <a:t>보고 및 분석</a:t>
             </a:r>
           </a:p>
           <a:p>
@@ -13251,12 +12330,12 @@
               <a:buChar char="ü"/>
             </a:pPr>
             <a:r>
-              <a:rPr lang="en-US" sz="1000">
+              <a:rPr lang="de-de" sz="1000" dirty="0">
                 <a:solidFill>
                   <a:prstClr val="black"/>
                 </a:solidFill>
               </a:rPr>
-              <a:t>Best practices enablement</a:t>
+              <a:t>모범 사례 지원</a:t>
             </a:r>
           </a:p>
         </p:txBody>
@@ -13277,7 +12356,7 @@
           </a:prstGeom>
         </p:spPr>
         <p:txBody>
-          <a:bodyPr vert="horz" wrap="square" lIns="0" tIns="12700" rIns="0" bIns="0" rtlCol="0" anchor="t">
+          <a:bodyPr vert="horz" wrap="square" lIns="0" tIns="12700" rIns="0" bIns="0" rtlCol="0">
             <a:spAutoFit/>
           </a:bodyPr>
           <a:lstStyle/>
@@ -13291,78 +12370,41 @@
               </a:spcBef>
             </a:pPr>
             <a:r>
-              <a:rPr sz="1600">
+              <a:rPr lang="de-de" sz="1600" dirty="0">
                 <a:solidFill>
                   <a:srgbClr val="FFFFFF"/>
                 </a:solidFill>
                 <a:latin typeface="Arial"/>
                 <a:cs typeface="Arial"/>
               </a:rPr>
-              <a:t>Run &amp; Operate</a:t>
-            </a:r>
-            <a:endParaRPr sz="1600">
+              <a:t>실행 및 운영</a:t>
+            </a:r>
+            <a:endParaRPr sz="1600" dirty="0">
               <a:latin typeface="Arial"/>
               <a:cs typeface="Arial"/>
             </a:endParaRPr>
           </a:p>
           <a:p>
             <a:pPr marL="12700">
+              <a:lnSpc>
+                <a:spcPct val="100000"/>
+              </a:lnSpc>
               <a:spcBef>
                 <a:spcPts val="1595"/>
               </a:spcBef>
             </a:pPr>
             <a:r>
-              <a:rPr sz="1000">
+              <a:rPr lang="de-de" sz="1000" dirty="0">
                 <a:solidFill>
                   <a:srgbClr val="1F1F1F"/>
                 </a:solidFill>
                 <a:latin typeface="Adobe Clean"/>
                 <a:cs typeface="Adobe Clean"/>
               </a:rPr>
-              <a:t>As an </a:t>
-            </a:r>
-            <a:r>
-              <a:rPr lang="en-US" sz="1000">
-                <a:solidFill>
-                  <a:srgbClr val="1F1F1F"/>
-                </a:solidFill>
-                <a:latin typeface="Adobe Clean"/>
-                <a:cs typeface="Adobe Clean"/>
-              </a:rPr>
-              <a:t>Elite</a:t>
-            </a:r>
-            <a:r>
-              <a:rPr sz="1000">
-                <a:solidFill>
-                  <a:srgbClr val="1F1F1F"/>
-                </a:solidFill>
-                <a:latin typeface="Adobe Clean"/>
-                <a:cs typeface="Adobe Clean"/>
-              </a:rPr>
-              <a:t> customer, you are</a:t>
-            </a:r>
-            <a:r>
-              <a:rPr lang="en-US" sz="1000">
-                <a:solidFill>
-                  <a:srgbClr val="1F1F1F"/>
-                </a:solidFill>
-                <a:latin typeface="Adobe Clean"/>
-                <a:cs typeface="Adobe Clean"/>
-              </a:rPr>
-              <a:t> </a:t>
-            </a:r>
-            <a:r>
-              <a:rPr sz="1000">
-                <a:solidFill>
-                  <a:srgbClr val="1F1F1F"/>
-                </a:solidFill>
-                <a:latin typeface="Adobe Clean"/>
-                <a:cs typeface="Adobe Clean"/>
-              </a:rPr>
-              <a:t> eligible for</a:t>
-            </a:r>
-            <a:r>
-              <a:rPr lang="en-US" sz="1200">
+              <a:t>엘리트 고객은</a:t>
+            </a:r>
+            <a:r>
+              <a:rPr lang="de-de" sz="1200" dirty="0">
                 <a:solidFill>
                   <a:srgbClr val="1F1F1F"/>
                 </a:solidFill>
@@ -13377,22 +12419,7 @@
               <a:t> </a:t>
             </a:r>
             <a:r>
-              <a:rPr lang="en-US" sz="1200" u="sng">
-                <a:solidFill>
-                  <a:srgbClr val="1F1F1F"/>
-                </a:solidFill>
-                <a:uFill>
-                  <a:solidFill>
-                    <a:srgbClr val="1F1F1F"/>
-                  </a:solidFill>
-                </a:uFill>
-                <a:latin typeface="Times New Roman"/>
-                <a:cs typeface="Times New Roman"/>
-              </a:rPr>
-              <a:t>4</a:t>
-            </a:r>
-            <a:r>
-              <a:rPr sz="1200" b="1">
+              <a:rPr lang="de-de" sz="1200" b="1" dirty="0">
                 <a:solidFill>
                   <a:srgbClr val="1F1F1F"/>
                 </a:solidFill>
@@ -13402,86 +12429,80 @@
               <a:t> </a:t>
             </a:r>
             <a:r>
-              <a:rPr sz="1000" b="1">
+              <a:rPr lang="de-de" sz="1000" b="1" dirty="0">
                 <a:solidFill>
                   <a:srgbClr val="1F1F1F"/>
                 </a:solidFill>
                 <a:latin typeface="Arial"/>
                 <a:cs typeface="Arial"/>
               </a:rPr>
-              <a:t>activities per </a:t>
-            </a:r>
-            <a:r>
-              <a:rPr lang="en-US" sz="1000" b="1">
+              <a:t>기술</a:t>
+            </a:r>
+            <a:endParaRPr sz="1000" dirty="0">
+              <a:latin typeface="Arial"/>
+              <a:cs typeface="Arial"/>
+            </a:endParaRPr>
+          </a:p>
+          <a:p>
+            <a:pPr marL="12700">
+              <a:lnSpc>
+                <a:spcPct val="100000"/>
+              </a:lnSpc>
+              <a:spcBef>
+                <a:spcPts val="55"/>
+              </a:spcBef>
+            </a:pPr>
+            <a:r>
+              <a:rPr lang="de-de" sz="1000" dirty="0">
+                <a:solidFill>
+                  <a:srgbClr val="1F1F1F"/>
+                </a:solidFill>
+                <a:latin typeface="Adobe Clean"/>
+                <a:cs typeface="Adobe Clean"/>
+              </a:rPr>
+              <a:t>및/또는 </a:t>
+            </a:r>
+            <a:r>
+              <a:rPr lang="de-de" sz="1000" b="1" dirty="0">
                 <a:solidFill>
                   <a:srgbClr val="1F1F1F"/>
                 </a:solidFill>
                 <a:latin typeface="Arial"/>
                 <a:cs typeface="Arial"/>
               </a:rPr>
-              <a:t>year </a:t>
-            </a:r>
-            <a:r>
-              <a:rPr lang="en-US" sz="1000">
-                <a:solidFill>
-                  <a:srgbClr val="1F1F1F"/>
-                </a:solidFill>
-                <a:latin typeface="Adobe Clean"/>
-                <a:cs typeface="Arial"/>
-              </a:rPr>
-              <a:t>from</a:t>
-            </a:r>
-            <a:r>
-              <a:rPr sz="1000">
+              <a:t>전략 </a:t>
+            </a:r>
+            <a:r>
+              <a:rPr lang="de-de" sz="1000" dirty="0">
                 <a:solidFill>
                   <a:srgbClr val="1F1F1F"/>
                 </a:solidFill>
                 <a:latin typeface="Adobe Clean"/>
                 <a:cs typeface="Adobe Clean"/>
               </a:rPr>
-              <a:t> the following two tracks: </a:t>
-            </a:r>
-            <a:r>
-              <a:rPr sz="1000" b="1">
+              <a:t>의 두 트랙에서 </a:t>
+            </a:r>
+            <a:r>
+              <a:rPr lang="de-de" sz="1000" b="1" dirty="0">
                 <a:solidFill>
                   <a:srgbClr val="1F1F1F"/>
                 </a:solidFill>
                 <a:latin typeface="Arial"/>
                 <a:cs typeface="Arial"/>
               </a:rPr>
-              <a:t>Technical </a:t>
-            </a:r>
-            <a:r>
-              <a:rPr sz="1000">
+              <a:t>연간 4개의 활동</a:t>
+            </a:r>
+            <a:r>
+              <a:rPr lang="de-de" sz="1000" dirty="0">
                 <a:solidFill>
                   <a:srgbClr val="1F1F1F"/>
                 </a:solidFill>
-                <a:latin typeface="Adobe Clean"/>
-                <a:cs typeface="Adobe Clean"/>
-              </a:rPr>
-              <a:t>and/or </a:t>
-            </a:r>
-            <a:r>
-              <a:rPr sz="1000" b="1">
-                <a:solidFill>
-                  <a:srgbClr val="1F1F1F"/>
-                </a:solidFill>
-                <a:latin typeface="Arial"/>
-                <a:cs typeface="Arial"/>
-              </a:rPr>
-              <a:t>Strategic</a:t>
-            </a:r>
-            <a:r>
-              <a:rPr lang="en-US" sz="1000" b="1">
-                <a:solidFill>
-                  <a:srgbClr val="1F1F1F"/>
-                </a:solidFill>
                 <a:latin typeface="AdobeClean-Light"/>
-                <a:cs typeface="Arial"/>
-              </a:rPr>
-              <a:t>.</a:t>
-            </a:r>
-            <a:endParaRPr sz="1000">
+                <a:cs typeface="AdobeClean-Light"/>
+              </a:rPr>
+              <a:t>을 제공받을 수 있습니다.</a:t>
+            </a:r>
+            <a:endParaRPr sz="1000" dirty="0">
               <a:latin typeface="AdobeClean-Light"/>
               <a:cs typeface="AdobeClean-Light"/>
             </a:endParaRPr>
@@ -13518,17 +12539,17 @@
               </a:spcBef>
             </a:pPr>
             <a:r>
-              <a:rPr sz="1400" b="1" spc="-15">
+              <a:rPr lang="de-de" sz="1400" b="1" spc="-15" dirty="0">
                 <a:solidFill>
                   <a:srgbClr val="020302"/>
                 </a:solidFill>
                 <a:latin typeface="Adobe Clean"/>
                 <a:cs typeface="Adobe Clean"/>
               </a:rPr>
-              <a:t>Cloud</a:t>
-            </a:r>
-            <a:r>
-              <a:rPr sz="1400" b="1" spc="-45">
+              <a:t>클라우드</a:t>
+            </a:r>
+            <a:r>
+              <a:rPr lang="de-de" sz="1400" b="1" spc="-45" dirty="0">
                 <a:solidFill>
                   <a:srgbClr val="020302"/>
                 </a:solidFill>
@@ -13538,17 +12559,17 @@
               <a:t> </a:t>
             </a:r>
             <a:r>
-              <a:rPr sz="1400" b="1" spc="-15">
+              <a:rPr lang="de-de" sz="1400" b="1" spc="-15" dirty="0">
                 <a:solidFill>
                   <a:srgbClr val="020302"/>
                 </a:solidFill>
                 <a:latin typeface="Adobe Clean"/>
                 <a:cs typeface="Adobe Clean"/>
               </a:rPr>
-              <a:t>Support</a:t>
-            </a:r>
-            <a:r>
-              <a:rPr sz="1400" b="1" spc="-50">
+              <a:t>지원</a:t>
+            </a:r>
+            <a:r>
+              <a:rPr lang="de-de" sz="1400" b="1" spc="-50" dirty="0">
                 <a:solidFill>
                   <a:srgbClr val="020302"/>
                 </a:solidFill>
@@ -13558,26 +12579,16 @@
               <a:t> </a:t>
             </a:r>
             <a:r>
-              <a:rPr sz="1400" b="1" spc="-15">
+              <a:rPr lang="de-de" sz="1400" b="1" spc="-15" dirty="0">
                 <a:solidFill>
                   <a:srgbClr val="020302"/>
                 </a:solidFill>
                 <a:latin typeface="Adobe Clean"/>
                 <a:cs typeface="Adobe Clean"/>
               </a:rPr>
-              <a:t>Activities</a:t>
-            </a:r>
-            <a:r>
-              <a:rPr lang="en-US" sz="1400" b="1" spc="-15">
-                <a:solidFill>
-                  <a:srgbClr val="020302"/>
-                </a:solidFill>
-                <a:latin typeface="Adobe Clean"/>
-                <a:cs typeface="Adobe Clean"/>
-              </a:rPr>
-              <a:t> - AEM</a:t>
-            </a:r>
-            <a:endParaRPr sz="1400">
+              <a:t>활동 - AEM</a:t>
+            </a:r>
+            <a:endParaRPr sz="1400" dirty="0">
               <a:latin typeface="Adobe Clean"/>
               <a:cs typeface="Adobe Clean"/>
             </a:endParaRPr>
@@ -13715,36 +12726,36 @@
               </a:spcBef>
             </a:pPr>
             <a:r>
-              <a:rPr spc="-5"/>
-              <a:t>©2021 Adobe. All</a:t>
-            </a:r>
-            <a:r>
-              <a:rPr spc="-15"/>
+              <a:rPr lang="de-de" spc="-5" dirty="0"/>
+              <a:t>© 2021 Adobe.  All</a:t>
+            </a:r>
+            <a:r>
+              <a:rPr lang="de-de" spc="-15" dirty="0"/>
               <a:t> Rights</a:t>
             </a:r>
             <a:r>
-              <a:rPr spc="-10"/>
+              <a:rPr lang="de-de" spc="-10" dirty="0"/>
               <a:t> </a:t>
             </a:r>
             <a:r>
-              <a:rPr spc="-15"/>
+              <a:rPr lang="de-de" spc="-15" dirty="0"/>
               <a:t>Reserved.</a:t>
             </a:r>
             <a:r>
-              <a:rPr spc="-10"/>
+              <a:rPr lang="de-de" spc="-10" dirty="0"/>
               <a:t> </a:t>
             </a:r>
             <a:r>
-              <a:rPr spc="-5"/>
+              <a:rPr lang="de-de" spc="-5" dirty="0"/>
               <a:t>Adobe</a:t>
             </a:r>
             <a:r>
-              <a:rPr spc="60"/>
+              <a:rPr lang="de-de" spc="60" dirty="0"/>
               <a:t> </a:t>
             </a:r>
             <a:r>
-              <a:rPr spc="-15"/>
-              <a:t>Confidential.</a:t>
+              <a:rPr lang="de-de" spc="-15" dirty="0"/>
+              <a:t>기밀.</a:t>
             </a:r>
           </a:p>
         </p:txBody>
@@ -13800,8 +12811,8 @@
           <a:p>
             <a:pPr algn="ctr"/>
             <a:r>
-              <a:rPr lang="en-US" sz="1600"/>
-              <a:t>Run &amp; Operate</a:t>
+              <a:rPr lang="de-de" sz="1600" dirty="0"/>
+              <a:t>실행 및 운영</a:t>
             </a:r>
           </a:p>
         </p:txBody>
@@ -13857,8 +12868,8 @@
           <a:p>
             <a:pPr algn="ctr"/>
             <a:r>
-              <a:rPr lang="en-US" sz="1600"/>
-              <a:t>Implementation</a:t>
+              <a:rPr lang="de-de" sz="1600" dirty="0"/>
+              <a:t>구현</a:t>
             </a:r>
           </a:p>
         </p:txBody>
@@ -13893,8 +12904,8 @@
           <a:p>
             <a:pPr algn="ctr"/>
             <a:r>
-              <a:rPr lang="en-US" sz="1100"/>
-              <a:t>Post Launch</a:t>
+              <a:rPr lang="de-de" sz="1100" dirty="0"/>
+              <a:t>출시 후</a:t>
             </a:r>
           </a:p>
         </p:txBody>
@@ -13929,8 +12940,8 @@
           <a:p>
             <a:pPr algn="ctr"/>
             <a:r>
-              <a:rPr lang="en-US" sz="1100"/>
-              <a:t>Go-Live</a:t>
+              <a:rPr lang="de-de" sz="1100" dirty="0"/>
+              <a:t>실행</a:t>
             </a:r>
           </a:p>
         </p:txBody>
@@ -13965,8 +12976,8 @@
           <a:p>
             <a:pPr algn="ctr"/>
             <a:r>
-              <a:rPr lang="en-US" sz="1100"/>
-              <a:t>Define</a:t>
+              <a:rPr lang="de-de" sz="1100" dirty="0"/>
+              <a:t>정의</a:t>
             </a:r>
           </a:p>
         </p:txBody>
@@ -14001,8 +13012,8 @@
           <a:p>
             <a:pPr algn="ctr"/>
             <a:r>
-              <a:rPr lang="en-US" sz="1100"/>
-              <a:t>Kickoff</a:t>
+              <a:rPr lang="de-de" sz="1100" dirty="0"/>
+              <a:t>개시</a:t>
             </a:r>
           </a:p>
         </p:txBody>
@@ -14037,8 +13048,8 @@
           <a:p>
             <a:pPr algn="ctr"/>
             <a:r>
-              <a:rPr lang="en-US" sz="1100"/>
-              <a:t>Design</a:t>
+              <a:rPr lang="de-de" sz="1100" dirty="0"/>
+              <a:t>디자인</a:t>
             </a:r>
           </a:p>
         </p:txBody>
@@ -14095,14 +13106,14 @@
           <a:p>
             <a:pPr algn="ctr"/>
             <a:r>
-              <a:rPr lang="en-US" sz="1400">
+              <a:rPr lang="de-de" sz="1400" dirty="0">
                 <a:solidFill>
                   <a:schemeClr val="accent1">
                     <a:lumMod val="50000"/>
                   </a:schemeClr>
                 </a:solidFill>
               </a:rPr>
-              <a:t>4 Activities per Year</a:t>
+              <a:t>연간 4개 활동</a:t>
             </a:r>
           </a:p>
         </p:txBody>
@@ -14143,15 +13154,15 @@
               </a:spcBef>
             </a:pPr>
             <a:r>
-              <a:rPr lang="en-US" sz="1000">
+              <a:rPr lang="de-de" sz="1000" dirty="0">
                 <a:solidFill>
                   <a:srgbClr val="4B4B4B"/>
                 </a:solidFill>
                 <a:latin typeface="Adobe Clean Light" panose="020B0303020404020204" pitchFamily="34" charset="0"/>
               </a:rPr>
-              <a:t>Drive adoption of customization best practices and core components in AEM as a Cloud Service.</a:t>
-            </a:r>
-            <a:endParaRPr sz="1000">
+              <a:t>AEM as a Cloud Service의 사용자 지정 모범 사례 및 핵심 구성 요소의 채택을 촉진합니다.</a:t>
+            </a:r>
+            <a:endParaRPr sz="1000" dirty="0">
               <a:solidFill>
                 <a:srgbClr val="4B4B4B"/>
               </a:solidFill>
@@ -14196,15 +13207,15 @@
               </a:spcBef>
             </a:pPr>
             <a:r>
-              <a:rPr lang="en-US" sz="1000">
+              <a:rPr lang="de-de" sz="1000" dirty="0">
                 <a:solidFill>
                   <a:srgbClr val="4B4B4B"/>
                 </a:solidFill>
                 <a:latin typeface="Adobe Clean Light" panose="020B0303020404020204" pitchFamily="34" charset="0"/>
               </a:rPr>
-              <a:t>Identify, review and provide recommendations on customized solution adoption areas that have opportunities for optimization.</a:t>
-            </a:r>
-            <a:endParaRPr sz="1000">
+              <a:t>최적화할 수 있는 기회가 있는 맞춤형 솔루션 채택 영역을 식별하고 검토하고 권장합니다.</a:t>
+            </a:r>
+            <a:endParaRPr sz="1000" dirty="0">
               <a:solidFill>
                 <a:srgbClr val="4B4B4B"/>
               </a:solidFill>
@@ -14249,15 +13260,15 @@
               </a:spcBef>
             </a:pPr>
             <a:r>
-              <a:rPr lang="en-US" sz="1000">
+              <a:rPr lang="de-de" sz="1000" dirty="0">
                 <a:solidFill>
                   <a:srgbClr val="4B4B4B"/>
                 </a:solidFill>
                 <a:latin typeface="Adobe Clean Light" panose="020B0303020404020204" pitchFamily="34" charset="0"/>
               </a:rPr>
-              <a:t>Technical &amp; operational governance to assist AEM as a Cloud Service Customers in adhering to industry standards and best practices for AEM as a Cloud Service.</a:t>
-            </a:r>
-            <a:endParaRPr sz="1000">
+              <a:t>AEM as a Cloud Service 고객이 AEM as a Cloud Service에 대한 업계 표준 및 모범 사례를 준수하도록 지원하는 기술 및 운영 거버넌스입니다.</a:t>
+            </a:r>
+            <a:endParaRPr sz="1000" dirty="0">
               <a:solidFill>
                 <a:srgbClr val="4B4B4B"/>
               </a:solidFill>
@@ -14281,7 +13292,7 @@
         <p:spPr>
           <a:xfrm>
             <a:off x="5181600" y="936612"/>
-            <a:ext cx="1972258" cy="461665"/>
+            <a:ext cx="2209800" cy="461665"/>
           </a:xfrm>
           <a:prstGeom prst="rect">
             <a:avLst/>
@@ -14302,486 +13313,116 @@
               </a:spcBef>
             </a:pPr>
             <a:r>
-              <a:rPr lang="en-US" sz="1200" b="1" spc="-15">
+              <a:rPr lang="de-de" sz="1200" b="1" spc="-15" dirty="0">
                 <a:solidFill>
                   <a:srgbClr val="020302"/>
                 </a:solidFill>
                 <a:latin typeface="Adobe Clean"/>
                 <a:cs typeface="Adobe Clean"/>
               </a:rPr>
-              <a:t>C</a:t>
-            </a:r>
-            <a:r>
-              <a:rPr lang="en-US" sz="1200" b="1" spc="-20">
+              <a:t>AEM</a:t>
+            </a:r>
+            <a:r>
+              <a:rPr lang="de-de" sz="1200" b="1" spc="-50" dirty="0">
                 <a:solidFill>
                   <a:srgbClr val="020302"/>
                 </a:solidFill>
                 <a:latin typeface="Adobe Clean"/>
                 <a:cs typeface="Adobe Clean"/>
               </a:rPr>
-              <a:t>u</a:t>
-            </a:r>
-            <a:r>
-              <a:rPr lang="en-US" sz="1200" b="1" spc="-25">
+              <a:t> </a:t>
+            </a:r>
+            <a:r>
+              <a:rPr lang="de-de" sz="1200" b="1" spc="-20" dirty="0">
                 <a:solidFill>
                   <a:srgbClr val="020302"/>
                 </a:solidFill>
                 <a:latin typeface="Adobe Clean"/>
                 <a:cs typeface="Adobe Clean"/>
               </a:rPr>
-              <a:t>st</a:t>
-            </a:r>
-            <a:r>
-              <a:rPr lang="en-US" sz="1200" b="1" spc="-15">
+              <a:t>as a Cloud Service를 위한</a:t>
+            </a:r>
+            <a:r>
+              <a:rPr lang="de-de" sz="1200" b="1" spc="-50" dirty="0">
                 <a:solidFill>
                   <a:srgbClr val="020302"/>
                 </a:solidFill>
                 <a:latin typeface="Adobe Clean"/>
                 <a:cs typeface="Adobe Clean"/>
               </a:rPr>
-              <a:t>o</a:t>
-            </a:r>
-            <a:r>
-              <a:rPr lang="en-US" sz="1200" b="1" spc="-20">
+              <a:t> </a:t>
+            </a:r>
+            <a:r>
+              <a:rPr lang="de-de" sz="1200" b="1" spc="-45" dirty="0">
                 <a:solidFill>
                   <a:srgbClr val="020302"/>
                 </a:solidFill>
                 <a:latin typeface="Adobe Clean"/>
                 <a:cs typeface="Adobe Clean"/>
               </a:rPr>
-              <a:t>miza</a:t>
-            </a:r>
-            <a:r>
-              <a:rPr lang="en-US" sz="1200" b="1" spc="-25">
+              <a:t> </a:t>
+            </a:r>
+            <a:r>
+              <a:rPr lang="de-de" sz="1200" b="1" spc="-25" dirty="0">
                 <a:solidFill>
                   <a:srgbClr val="020302"/>
                 </a:solidFill>
                 <a:latin typeface="Adobe Clean"/>
                 <a:cs typeface="Adobe Clean"/>
               </a:rPr>
-              <a:t>t</a:t>
-            </a:r>
-            <a:r>
-              <a:rPr lang="en-US" sz="1200" b="1" spc="-20">
+              <a:t>사용자 지정</a:t>
+            </a:r>
+            <a:r>
+              <a:rPr lang="de-de" sz="1200" b="1" spc="-45" dirty="0">
                 <a:solidFill>
                   <a:srgbClr val="020302"/>
                 </a:solidFill>
                 <a:latin typeface="Adobe Clean"/>
                 <a:cs typeface="Adobe Clean"/>
               </a:rPr>
-              <a:t>i</a:t>
-            </a:r>
-            <a:r>
-              <a:rPr lang="en-US" sz="1200" b="1" spc="-15">
+              <a:t> </a:t>
+            </a:r>
+            <a:r>
+              <a:rPr lang="de-de" sz="1200" b="1" spc="-55" dirty="0">
                 <a:solidFill>
                   <a:srgbClr val="020302"/>
                 </a:solidFill>
                 <a:latin typeface="Adobe Clean"/>
                 <a:cs typeface="Adobe Clean"/>
               </a:rPr>
-              <a:t>o</a:t>
-            </a:r>
-            <a:r>
-              <a:rPr lang="en-US" sz="1200" b="1">
+              <a:t> </a:t>
+            </a:r>
+            <a:r>
+              <a:rPr lang="de-de" sz="1200" b="1" spc="-20" dirty="0">
                 <a:solidFill>
                   <a:srgbClr val="020302"/>
                 </a:solidFill>
                 <a:latin typeface="Adobe Clean"/>
                 <a:cs typeface="Adobe Clean"/>
               </a:rPr>
-              <a:t>n</a:t>
-            </a:r>
-            <a:r>
-              <a:rPr lang="en-US" sz="1200" b="1" spc="-50">
+              <a:t>모범 사례</a:t>
+            </a:r>
+            <a:r>
+              <a:rPr lang="de-de" sz="1200" b="1" spc="-45" dirty="0">
                 <a:solidFill>
                   <a:srgbClr val="020302"/>
                 </a:solidFill>
                 <a:latin typeface="Adobe Clean"/>
                 <a:cs typeface="Adobe Clean"/>
               </a:rPr>
-              <a:t> </a:t>
-            </a:r>
-            <a:r>
-              <a:rPr lang="en-US" sz="1200" b="1" spc="-20">
+              <a:t>  </a:t>
+            </a:r>
+            <a:r>
+              <a:rPr lang="de-de" sz="1200" b="1" spc="-50" dirty="0">
                 <a:solidFill>
                   <a:srgbClr val="020302"/>
                 </a:solidFill>
                 <a:latin typeface="Adobe Clean"/>
                 <a:cs typeface="Adobe Clean"/>
               </a:rPr>
-              <a:t>B</a:t>
-            </a:r>
-            <a:r>
-              <a:rPr lang="en-US" sz="1200" b="1" spc="-25">
-                <a:solidFill>
-                  <a:srgbClr val="020302"/>
-                </a:solidFill>
-                <a:latin typeface="Adobe Clean"/>
-                <a:cs typeface="Adobe Clean"/>
-              </a:rPr>
-              <a:t>es</a:t>
-            </a:r>
-            <a:r>
-              <a:rPr lang="en-US" sz="1200" b="1">
-                <a:solidFill>
-                  <a:srgbClr val="020302"/>
-                </a:solidFill>
-                <a:latin typeface="Adobe Clean"/>
-                <a:cs typeface="Adobe Clean"/>
-              </a:rPr>
-              <a:t>t</a:t>
-            </a:r>
-            <a:r>
-              <a:rPr lang="en-US" sz="1200" b="1" spc="-50">
-                <a:solidFill>
-                  <a:srgbClr val="020302"/>
-                </a:solidFill>
-                <a:latin typeface="Adobe Clean"/>
-                <a:cs typeface="Adobe Clean"/>
-              </a:rPr>
               <a:t> </a:t>
             </a:r>
-            <a:r>
-              <a:rPr lang="en-US" sz="1200" b="1" spc="-25">
-                <a:solidFill>
-                  <a:srgbClr val="020302"/>
-                </a:solidFill>
-                <a:latin typeface="Adobe Clean"/>
-                <a:cs typeface="Adobe Clean"/>
-              </a:rPr>
-              <a:t>P</a:t>
-            </a:r>
-            <a:r>
-              <a:rPr lang="en-US" sz="1200" b="1" spc="-20">
-                <a:solidFill>
-                  <a:srgbClr val="020302"/>
-                </a:solidFill>
-                <a:latin typeface="Adobe Clean"/>
-                <a:cs typeface="Adobe Clean"/>
-              </a:rPr>
-              <a:t>ra</a:t>
-            </a:r>
-            <a:r>
-              <a:rPr lang="en-US" sz="1200" b="1" spc="-30">
-                <a:solidFill>
-                  <a:srgbClr val="020302"/>
-                </a:solidFill>
-                <a:latin typeface="Adobe Clean"/>
-                <a:cs typeface="Adobe Clean"/>
-              </a:rPr>
-              <a:t>c</a:t>
-            </a:r>
-            <a:r>
-              <a:rPr lang="en-US" sz="1200" b="1" spc="-25">
-                <a:solidFill>
-                  <a:srgbClr val="020302"/>
-                </a:solidFill>
-                <a:latin typeface="Adobe Clean"/>
-                <a:cs typeface="Adobe Clean"/>
-              </a:rPr>
-              <a:t>t</a:t>
-            </a:r>
-            <a:r>
-              <a:rPr lang="en-US" sz="1200" b="1" spc="-20">
-                <a:solidFill>
-                  <a:srgbClr val="020302"/>
-                </a:solidFill>
-                <a:latin typeface="Adobe Clean"/>
-                <a:cs typeface="Adobe Clean"/>
-              </a:rPr>
-              <a:t>i</a:t>
-            </a:r>
-            <a:r>
-              <a:rPr lang="en-US" sz="1200" b="1" spc="-30">
-                <a:solidFill>
-                  <a:srgbClr val="020302"/>
-                </a:solidFill>
-                <a:latin typeface="Adobe Clean"/>
-                <a:cs typeface="Adobe Clean"/>
-              </a:rPr>
-              <a:t>c</a:t>
-            </a:r>
-            <a:r>
-              <a:rPr lang="en-US" sz="1200" b="1" spc="-25">
-                <a:solidFill>
-                  <a:srgbClr val="020302"/>
-                </a:solidFill>
-                <a:latin typeface="Adobe Clean"/>
-                <a:cs typeface="Adobe Clean"/>
-              </a:rPr>
-              <a:t>e</a:t>
-            </a:r>
-            <a:r>
-              <a:rPr lang="en-US" sz="1200" b="1">
-                <a:solidFill>
-                  <a:srgbClr val="020302"/>
-                </a:solidFill>
-                <a:latin typeface="Adobe Clean"/>
-                <a:cs typeface="Adobe Clean"/>
-              </a:rPr>
-              <a:t>s</a:t>
-            </a:r>
-            <a:r>
-              <a:rPr lang="en-US" sz="1200" b="1" spc="-45">
-                <a:solidFill>
-                  <a:srgbClr val="020302"/>
-                </a:solidFill>
-                <a:latin typeface="Adobe Clean"/>
-                <a:cs typeface="Adobe Clean"/>
-              </a:rPr>
-              <a:t> </a:t>
-            </a:r>
-            <a:r>
-              <a:rPr lang="en-US" sz="1200" b="1" spc="-25">
-                <a:solidFill>
-                  <a:srgbClr val="020302"/>
-                </a:solidFill>
-                <a:latin typeface="Adobe Clean"/>
-                <a:cs typeface="Adobe Clean"/>
-              </a:rPr>
-              <a:t>f</a:t>
-            </a:r>
-            <a:r>
-              <a:rPr lang="en-US" sz="1200" b="1" spc="-15">
-                <a:solidFill>
-                  <a:srgbClr val="020302"/>
-                </a:solidFill>
-                <a:latin typeface="Adobe Clean"/>
-                <a:cs typeface="Adobe Clean"/>
-              </a:rPr>
-              <a:t>o</a:t>
-            </a:r>
-            <a:r>
-              <a:rPr lang="en-US" sz="1200" b="1">
-                <a:solidFill>
-                  <a:srgbClr val="020302"/>
-                </a:solidFill>
-                <a:latin typeface="Adobe Clean"/>
-                <a:cs typeface="Adobe Clean"/>
-              </a:rPr>
-              <a:t>r</a:t>
-            </a:r>
-            <a:r>
-              <a:rPr lang="en-US" sz="1200" b="1" spc="-45">
-                <a:solidFill>
-                  <a:srgbClr val="020302"/>
-                </a:solidFill>
-                <a:latin typeface="Adobe Clean"/>
-                <a:cs typeface="Adobe Clean"/>
-              </a:rPr>
-              <a:t> </a:t>
-            </a:r>
-            <a:r>
-              <a:rPr lang="en-US" sz="1200" b="1" spc="-30">
-                <a:solidFill>
-                  <a:srgbClr val="020302"/>
-                </a:solidFill>
-                <a:latin typeface="Adobe Clean"/>
-                <a:cs typeface="Adobe Clean"/>
-              </a:rPr>
-              <a:t>AE</a:t>
-            </a:r>
-            <a:r>
-              <a:rPr lang="en-US" sz="1200" b="1">
-                <a:solidFill>
-                  <a:srgbClr val="020302"/>
-                </a:solidFill>
-                <a:latin typeface="Adobe Clean"/>
-                <a:cs typeface="Adobe Clean"/>
-              </a:rPr>
-              <a:t>M</a:t>
-            </a:r>
-            <a:r>
-              <a:rPr lang="en-US" sz="1200" b="1" spc="-55">
-                <a:solidFill>
-                  <a:srgbClr val="020302"/>
-                </a:solidFill>
-                <a:latin typeface="Adobe Clean"/>
-                <a:cs typeface="Adobe Clean"/>
-              </a:rPr>
-              <a:t> </a:t>
-            </a:r>
-            <a:r>
-              <a:rPr lang="en-US" sz="1200" b="1" spc="-20">
-                <a:solidFill>
-                  <a:srgbClr val="020302"/>
-                </a:solidFill>
-                <a:latin typeface="Adobe Clean"/>
-                <a:cs typeface="Adobe Clean"/>
-              </a:rPr>
-              <a:t>a</a:t>
-            </a:r>
-            <a:r>
-              <a:rPr lang="en-US" sz="1200" b="1">
-                <a:solidFill>
-                  <a:srgbClr val="020302"/>
-                </a:solidFill>
-                <a:latin typeface="Adobe Clean"/>
-                <a:cs typeface="Adobe Clean"/>
-              </a:rPr>
-              <a:t>s</a:t>
-            </a:r>
-            <a:r>
-              <a:rPr lang="en-US" sz="1200" b="1" spc="-45">
-                <a:solidFill>
-                  <a:srgbClr val="020302"/>
-                </a:solidFill>
-                <a:latin typeface="Adobe Clean"/>
-                <a:cs typeface="Adobe Clean"/>
-              </a:rPr>
-              <a:t> </a:t>
-            </a:r>
-            <a:r>
-              <a:rPr lang="en-US" sz="1200" b="1">
-                <a:solidFill>
-                  <a:srgbClr val="020302"/>
-                </a:solidFill>
-                <a:latin typeface="Adobe Clean"/>
-                <a:cs typeface="Adobe Clean"/>
-              </a:rPr>
-              <a:t>a</a:t>
-            </a:r>
-            <a:r>
-              <a:rPr lang="en-US" sz="1200" b="1" spc="-45">
-                <a:solidFill>
-                  <a:srgbClr val="020302"/>
-                </a:solidFill>
-                <a:latin typeface="Adobe Clean"/>
-                <a:cs typeface="Adobe Clean"/>
-              </a:rPr>
-              <a:t> </a:t>
-            </a:r>
-            <a:r>
-              <a:rPr lang="en-US" sz="1200" b="1" spc="-15">
-                <a:solidFill>
-                  <a:srgbClr val="020302"/>
-                </a:solidFill>
-                <a:latin typeface="Adobe Clean"/>
-                <a:cs typeface="Adobe Clean"/>
-              </a:rPr>
-              <a:t>C</a:t>
-            </a:r>
-            <a:r>
-              <a:rPr lang="en-US" sz="1200" b="1" spc="-25">
-                <a:solidFill>
-                  <a:srgbClr val="020302"/>
-                </a:solidFill>
-                <a:latin typeface="Adobe Clean"/>
-                <a:cs typeface="Adobe Clean"/>
-              </a:rPr>
-              <a:t>l</a:t>
-            </a:r>
-            <a:r>
-              <a:rPr lang="en-US" sz="1200" b="1" spc="-15">
-                <a:solidFill>
-                  <a:srgbClr val="020302"/>
-                </a:solidFill>
-                <a:latin typeface="Adobe Clean"/>
-                <a:cs typeface="Adobe Clean"/>
-              </a:rPr>
-              <a:t>o</a:t>
-            </a:r>
-            <a:r>
-              <a:rPr lang="en-US" sz="1200" b="1" spc="-20">
-                <a:solidFill>
-                  <a:srgbClr val="020302"/>
-                </a:solidFill>
-                <a:latin typeface="Adobe Clean"/>
-                <a:cs typeface="Adobe Clean"/>
-              </a:rPr>
-              <a:t>u</a:t>
-            </a:r>
-            <a:r>
-              <a:rPr lang="en-US" sz="1200" b="1">
-                <a:solidFill>
-                  <a:srgbClr val="020302"/>
-                </a:solidFill>
-                <a:latin typeface="Adobe Clean"/>
-                <a:cs typeface="Adobe Clean"/>
-              </a:rPr>
-              <a:t>d</a:t>
-            </a:r>
-            <a:r>
-              <a:rPr lang="en-US" sz="1200" b="1" spc="-50">
-                <a:solidFill>
-                  <a:srgbClr val="020302"/>
-                </a:solidFill>
-                <a:latin typeface="Adobe Clean"/>
-                <a:cs typeface="Adobe Clean"/>
-              </a:rPr>
-              <a:t> </a:t>
-            </a:r>
-            <a:r>
-              <a:rPr lang="en-US" sz="1200" b="1" spc="-20">
-                <a:solidFill>
-                  <a:srgbClr val="020302"/>
-                </a:solidFill>
-                <a:latin typeface="Adobe Clean"/>
-                <a:cs typeface="Adobe Clean"/>
-              </a:rPr>
-              <a:t>S</a:t>
-            </a:r>
-            <a:r>
-              <a:rPr lang="en-US" sz="1200" b="1" spc="-25">
-                <a:solidFill>
-                  <a:srgbClr val="020302"/>
-                </a:solidFill>
-                <a:latin typeface="Adobe Clean"/>
-                <a:cs typeface="Adobe Clean"/>
-              </a:rPr>
-              <a:t>e</a:t>
-            </a:r>
-            <a:r>
-              <a:rPr lang="en-US" sz="1200" b="1" spc="-20">
-                <a:solidFill>
-                  <a:srgbClr val="020302"/>
-                </a:solidFill>
-                <a:latin typeface="Adobe Clean"/>
-                <a:cs typeface="Adobe Clean"/>
-              </a:rPr>
-              <a:t>r</a:t>
-            </a:r>
-            <a:r>
-              <a:rPr lang="en-US" sz="1200" b="1" spc="-30">
-                <a:solidFill>
-                  <a:srgbClr val="020302"/>
-                </a:solidFill>
-                <a:latin typeface="Adobe Clean"/>
-                <a:cs typeface="Adobe Clean"/>
-              </a:rPr>
-              <a:t>v</a:t>
-            </a:r>
-            <a:r>
-              <a:rPr lang="en-US" sz="1200" b="1" spc="-20">
-                <a:solidFill>
-                  <a:srgbClr val="020302"/>
-                </a:solidFill>
-                <a:latin typeface="Adobe Clean"/>
-                <a:cs typeface="Adobe Clean"/>
-              </a:rPr>
-              <a:t>i</a:t>
-            </a:r>
-            <a:r>
-              <a:rPr lang="en-US" sz="1200" b="1" spc="-30">
-                <a:solidFill>
-                  <a:srgbClr val="020302"/>
-                </a:solidFill>
-                <a:latin typeface="Adobe Clean"/>
-                <a:cs typeface="Adobe Clean"/>
-              </a:rPr>
-              <a:t>c</a:t>
-            </a:r>
-            <a:r>
-              <a:rPr lang="en-US" sz="1200" b="1">
-                <a:solidFill>
-                  <a:srgbClr val="020302"/>
-                </a:solidFill>
-                <a:latin typeface="Adobe Clean"/>
-                <a:cs typeface="Adobe Clean"/>
-              </a:rPr>
-              <a:t>e</a:t>
-            </a:r>
-            <a:endParaRPr lang="en-US" sz="1200">
+            <a:endParaRPr lang="en-US" sz="1200" dirty="0">
               <a:latin typeface="Adobe Clean"/>
               <a:cs typeface="Adobe Clean"/>
             </a:endParaRPr>
@@ -14803,7 +13444,7 @@
         <p:spPr>
           <a:xfrm>
             <a:off x="2752588" y="908302"/>
-            <a:ext cx="1708650" cy="461665"/>
+            <a:ext cx="1895612" cy="461665"/>
           </a:xfrm>
           <a:prstGeom prst="rect">
             <a:avLst/>
@@ -14824,16 +13465,16 @@
               </a:spcBef>
             </a:pPr>
             <a:r>
-              <a:rPr lang="en-US" sz="1200" b="1" spc="-25">
+              <a:rPr lang="de-de" sz="1200" b="1" spc="-25" dirty="0">
                 <a:solidFill>
                   <a:srgbClr val="020302"/>
                 </a:solidFill>
                 <a:latin typeface="Adobe Clean"/>
                 <a:cs typeface="Adobe Clean"/>
               </a:rPr>
-              <a:t>Value-added Services for AEM as a Cloud Service</a:t>
-            </a:r>
-            <a:endParaRPr lang="en-US" sz="1200">
+              <a:t>AEM as a Cloud Service를 위한 부가 가치 서비스</a:t>
+            </a:r>
+            <a:endParaRPr lang="en-US" sz="1200" dirty="0">
               <a:latin typeface="Adobe Clean"/>
               <a:cs typeface="Adobe Clean"/>
             </a:endParaRPr>
@@ -14876,362 +13517,786 @@
               </a:spcBef>
             </a:pPr>
             <a:r>
-              <a:rPr lang="en-US" sz="1200" b="1" spc="-20">
+              <a:rPr lang="de-de" sz="1200" b="1" spc="-20" dirty="0">
                 <a:solidFill>
                   <a:srgbClr val="020302"/>
                 </a:solidFill>
                 <a:latin typeface="Adobe Clean"/>
                 <a:cs typeface="Adobe Clean"/>
               </a:rPr>
-              <a:t>G</a:t>
-            </a:r>
-            <a:r>
-              <a:rPr lang="en-US" sz="1200" b="1" spc="-15">
+              <a:t>AEM</a:t>
+            </a:r>
+            <a:r>
+              <a:rPr lang="de-de" sz="1200" b="1" spc="-50" dirty="0">
                 <a:solidFill>
                   <a:srgbClr val="020302"/>
                 </a:solidFill>
                 <a:latin typeface="Adobe Clean"/>
                 <a:cs typeface="Adobe Clean"/>
               </a:rPr>
-              <a:t>o</a:t>
-            </a:r>
-            <a:r>
-              <a:rPr lang="en-US" sz="1200" b="1" spc="-25">
+              <a:t>  </a:t>
+            </a:r>
+            <a:r>
+              <a:rPr lang="de-de" sz="1200" b="1" spc="-20" dirty="0">
                 <a:solidFill>
                   <a:srgbClr val="020302"/>
                 </a:solidFill>
                 <a:latin typeface="Adobe Clean"/>
                 <a:cs typeface="Adobe Clean"/>
               </a:rPr>
-              <a:t>ve</a:t>
-            </a:r>
-            <a:r>
-              <a:rPr lang="en-US" sz="1200" b="1" spc="-20">
+              <a:t>as a Cloud Service를 위한</a:t>
+            </a:r>
+            <a:r>
+              <a:rPr lang="de-de" sz="1200" b="1" spc="-45" dirty="0">
                 <a:solidFill>
                   <a:srgbClr val="020302"/>
                 </a:solidFill>
                 <a:latin typeface="Adobe Clean"/>
                 <a:cs typeface="Adobe Clean"/>
               </a:rPr>
-              <a:t>r</a:t>
-            </a:r>
-            <a:r>
-              <a:rPr lang="en-US" sz="1200" b="1" spc="-25">
+              <a:t> </a:t>
+            </a:r>
+            <a:r>
+              <a:rPr lang="de-de" sz="1200" b="1" spc="-15" dirty="0">
                 <a:solidFill>
                   <a:srgbClr val="020302"/>
                 </a:solidFill>
                 <a:latin typeface="Adobe Clean"/>
                 <a:cs typeface="Adobe Clean"/>
               </a:rPr>
-              <a:t>n</a:t>
-            </a:r>
-            <a:r>
-              <a:rPr lang="en-US" sz="1200" b="1" spc="-20">
+              <a:t>거버넌스</a:t>
+            </a:r>
+            <a:r>
+              <a:rPr lang="de-de" sz="1200" b="1" spc="-50" dirty="0">
                 <a:solidFill>
                   <a:srgbClr val="020302"/>
                 </a:solidFill>
                 <a:latin typeface="Adobe Clean"/>
                 <a:cs typeface="Adobe Clean"/>
               </a:rPr>
-              <a:t>a</a:t>
-            </a:r>
-            <a:r>
-              <a:rPr lang="en-US" sz="1200" b="1" spc="-25">
-                <a:solidFill>
-                  <a:srgbClr val="020302"/>
-                </a:solidFill>
-                <a:latin typeface="Adobe Clean"/>
-                <a:cs typeface="Adobe Clean"/>
-              </a:rPr>
-              <a:t>n</a:t>
-            </a:r>
-            <a:r>
-              <a:rPr lang="en-US" sz="1200" b="1" spc="-30">
-                <a:solidFill>
-                  <a:srgbClr val="020302"/>
-                </a:solidFill>
-                <a:latin typeface="Adobe Clean"/>
-                <a:cs typeface="Adobe Clean"/>
-              </a:rPr>
-              <a:t>c</a:t>
-            </a:r>
-            <a:r>
-              <a:rPr lang="en-US" sz="1200" b="1">
-                <a:solidFill>
-                  <a:srgbClr val="020302"/>
-                </a:solidFill>
-                <a:latin typeface="Adobe Clean"/>
-                <a:cs typeface="Adobe Clean"/>
-              </a:rPr>
-              <a:t>e</a:t>
-            </a:r>
-            <a:r>
-              <a:rPr lang="en-US" sz="1200" b="1" spc="-50">
-                <a:solidFill>
-                  <a:srgbClr val="020302"/>
-                </a:solidFill>
-                <a:latin typeface="Adobe Clean"/>
-                <a:cs typeface="Adobe Clean"/>
-              </a:rPr>
               <a:t> </a:t>
             </a:r>
-            <a:r>
-              <a:rPr lang="en-US" sz="1200" b="1" spc="-25">
-                <a:solidFill>
-                  <a:srgbClr val="020302"/>
-                </a:solidFill>
-                <a:latin typeface="Adobe Clean"/>
-                <a:cs typeface="Adobe Clean"/>
-              </a:rPr>
-              <a:t>f</a:t>
-            </a:r>
-            <a:r>
-              <a:rPr lang="en-US" sz="1200" b="1" spc="-15">
-                <a:solidFill>
-                  <a:srgbClr val="020302"/>
-                </a:solidFill>
-                <a:latin typeface="Adobe Clean"/>
-                <a:cs typeface="Adobe Clean"/>
-              </a:rPr>
-              <a:t>o</a:t>
-            </a:r>
-            <a:r>
-              <a:rPr lang="en-US" sz="1200" b="1">
-                <a:solidFill>
-                  <a:srgbClr val="020302"/>
-                </a:solidFill>
-                <a:latin typeface="Adobe Clean"/>
-                <a:cs typeface="Adobe Clean"/>
-              </a:rPr>
-              <a:t>r</a:t>
-            </a:r>
-            <a:r>
-              <a:rPr lang="en-US" sz="1200" b="1" spc="-45">
-                <a:solidFill>
-                  <a:srgbClr val="020302"/>
-                </a:solidFill>
-                <a:latin typeface="Adobe Clean"/>
-                <a:cs typeface="Adobe Clean"/>
-              </a:rPr>
-              <a:t> </a:t>
-            </a:r>
-            <a:r>
-              <a:rPr lang="en-US" sz="1200" b="1" spc="-30">
-                <a:solidFill>
-                  <a:srgbClr val="020302"/>
-                </a:solidFill>
-                <a:latin typeface="Adobe Clean"/>
-                <a:cs typeface="Adobe Clean"/>
-              </a:rPr>
-              <a:t>A</a:t>
-            </a:r>
-            <a:r>
-              <a:rPr lang="en-US" sz="1200" b="1" spc="-25">
-                <a:solidFill>
-                  <a:srgbClr val="020302"/>
-                </a:solidFill>
-                <a:latin typeface="Adobe Clean"/>
-                <a:cs typeface="Adobe Clean"/>
-              </a:rPr>
-              <a:t>E</a:t>
-            </a:r>
-            <a:r>
-              <a:rPr lang="en-US" sz="1200" b="1">
-                <a:solidFill>
-                  <a:srgbClr val="020302"/>
-                </a:solidFill>
-                <a:latin typeface="Adobe Clean"/>
-                <a:cs typeface="Adobe Clean"/>
-              </a:rPr>
-              <a:t>M</a:t>
-            </a:r>
-            <a:r>
-              <a:rPr lang="en-US" sz="1200" b="1" spc="-50">
-                <a:solidFill>
-                  <a:srgbClr val="020302"/>
-                </a:solidFill>
-                <a:latin typeface="Adobe Clean"/>
-                <a:cs typeface="Adobe Clean"/>
-              </a:rPr>
-              <a:t> </a:t>
-            </a:r>
-            <a:r>
-              <a:rPr lang="en-US" sz="1200" b="1" spc="-20">
-                <a:solidFill>
-                  <a:srgbClr val="020302"/>
-                </a:solidFill>
-                <a:latin typeface="Adobe Clean"/>
-                <a:cs typeface="Adobe Clean"/>
-              </a:rPr>
-              <a:t>a</a:t>
-            </a:r>
-            <a:r>
-              <a:rPr lang="en-US" sz="1200" b="1">
-                <a:solidFill>
-                  <a:srgbClr val="020302"/>
-                </a:solidFill>
-                <a:latin typeface="Adobe Clean"/>
-                <a:cs typeface="Adobe Clean"/>
-              </a:rPr>
-              <a:t>s</a:t>
-            </a:r>
-            <a:r>
-              <a:rPr lang="en-US" sz="1200" b="1" spc="-45">
-                <a:solidFill>
-                  <a:srgbClr val="020302"/>
-                </a:solidFill>
-                <a:latin typeface="Adobe Clean"/>
-                <a:cs typeface="Adobe Clean"/>
-              </a:rPr>
-              <a:t> </a:t>
-            </a:r>
-            <a:r>
-              <a:rPr lang="en-US" sz="1200" b="1">
-                <a:solidFill>
-                  <a:srgbClr val="020302"/>
-                </a:solidFill>
-                <a:latin typeface="Adobe Clean"/>
-                <a:cs typeface="Adobe Clean"/>
-              </a:rPr>
-              <a:t>a</a:t>
-            </a:r>
-            <a:r>
-              <a:rPr lang="en-US" sz="1200" b="1" spc="-40">
-                <a:solidFill>
-                  <a:srgbClr val="020302"/>
-                </a:solidFill>
-                <a:latin typeface="Adobe Clean"/>
-                <a:cs typeface="Adobe Clean"/>
-              </a:rPr>
-              <a:t> </a:t>
-            </a:r>
-            <a:r>
-              <a:rPr lang="en-US" sz="1200" b="1" spc="-15">
-                <a:solidFill>
-                  <a:srgbClr val="020302"/>
-                </a:solidFill>
-                <a:latin typeface="Adobe Clean"/>
-                <a:cs typeface="Adobe Clean"/>
-              </a:rPr>
-              <a:t>C</a:t>
-            </a:r>
-            <a:r>
-              <a:rPr lang="en-US" sz="1200" b="1" spc="-25">
-                <a:solidFill>
-                  <a:srgbClr val="020302"/>
-                </a:solidFill>
-                <a:latin typeface="Adobe Clean"/>
-                <a:cs typeface="Adobe Clean"/>
-              </a:rPr>
-              <a:t>l</a:t>
-            </a:r>
-            <a:r>
-              <a:rPr lang="en-US" sz="1200" b="1" spc="-15">
-                <a:solidFill>
-                  <a:srgbClr val="020302"/>
-                </a:solidFill>
-                <a:latin typeface="Adobe Clean"/>
-                <a:cs typeface="Adobe Clean"/>
-              </a:rPr>
-              <a:t>ou</a:t>
-            </a:r>
-            <a:r>
-              <a:rPr lang="en-US" sz="1200" b="1">
-                <a:solidFill>
-                  <a:srgbClr val="020302"/>
-                </a:solidFill>
-                <a:latin typeface="Adobe Clean"/>
-                <a:cs typeface="Adobe Clean"/>
-              </a:rPr>
-              <a:t>d</a:t>
-            </a:r>
-            <a:r>
-              <a:rPr lang="en-US" sz="1200" b="1" spc="-50">
-                <a:solidFill>
-                  <a:srgbClr val="020302"/>
-                </a:solidFill>
-                <a:latin typeface="Adobe Clean"/>
-                <a:cs typeface="Adobe Clean"/>
-              </a:rPr>
-              <a:t> </a:t>
-            </a:r>
-            <a:r>
-              <a:rPr lang="en-US" sz="1200" b="1" spc="-20">
-                <a:solidFill>
-                  <a:srgbClr val="020302"/>
-                </a:solidFill>
-                <a:latin typeface="Adobe Clean"/>
-                <a:cs typeface="Adobe Clean"/>
-              </a:rPr>
-              <a:t>S</a:t>
-            </a:r>
-            <a:r>
-              <a:rPr lang="en-US" sz="1200" b="1" spc="-25">
-                <a:solidFill>
-                  <a:srgbClr val="020302"/>
-                </a:solidFill>
-                <a:latin typeface="Adobe Clean"/>
-                <a:cs typeface="Adobe Clean"/>
-              </a:rPr>
-              <a:t>e</a:t>
-            </a:r>
-            <a:r>
-              <a:rPr lang="en-US" sz="1200" b="1" spc="-20">
-                <a:solidFill>
-                  <a:srgbClr val="020302"/>
-                </a:solidFill>
-                <a:latin typeface="Adobe Clean"/>
-                <a:cs typeface="Adobe Clean"/>
-              </a:rPr>
-              <a:t>r</a:t>
-            </a:r>
-            <a:r>
-              <a:rPr lang="en-US" sz="1200" b="1" spc="-25">
-                <a:solidFill>
-                  <a:srgbClr val="020302"/>
-                </a:solidFill>
-                <a:latin typeface="Adobe Clean"/>
-                <a:cs typeface="Adobe Clean"/>
-              </a:rPr>
-              <a:t>v</a:t>
-            </a:r>
-            <a:r>
-              <a:rPr lang="en-US" sz="1200" b="1" spc="-20">
-                <a:solidFill>
-                  <a:srgbClr val="020302"/>
-                </a:solidFill>
-                <a:latin typeface="Adobe Clean"/>
-                <a:cs typeface="Adobe Clean"/>
-              </a:rPr>
-              <a:t>i</a:t>
-            </a:r>
-            <a:r>
-              <a:rPr lang="en-US" sz="1200" b="1" spc="-30">
-                <a:solidFill>
-                  <a:srgbClr val="020302"/>
-                </a:solidFill>
-                <a:latin typeface="Adobe Clean"/>
-                <a:cs typeface="Adobe Clean"/>
-              </a:rPr>
-              <a:t>c</a:t>
-            </a:r>
-            <a:r>
-              <a:rPr lang="en-US" sz="1200" b="1">
-                <a:solidFill>
-                  <a:srgbClr val="020302"/>
-                </a:solidFill>
-                <a:latin typeface="Adobe Clean"/>
-                <a:cs typeface="Adobe Clean"/>
-              </a:rPr>
-              <a:t>e</a:t>
-            </a:r>
-            <a:endParaRPr lang="en-US" sz="1200">
+            <a:endParaRPr lang="en-US" sz="1200" dirty="0">
               <a:latin typeface="Adobe Clean"/>
               <a:cs typeface="Adobe Clean"/>
             </a:endParaRPr>
           </a:p>
         </p:txBody>
       </p:sp>
+      <p:graphicFrame>
+        <p:nvGraphicFramePr>
+          <p:cNvPr id="2" name="Table 1">
+            <a:extLst>
+              <a:ext uri="{FF2B5EF4-FFF2-40B4-BE49-F238E27FC236}">
+                <a16:creationId xmlns:a16="http://schemas.microsoft.com/office/drawing/2014/main" id="{CED3F2A6-B5D8-A54C-9E6C-1FE4D54768E0}"/>
+              </a:ext>
+            </a:extLst>
+          </p:cNvPr>
+          <p:cNvGraphicFramePr>
+            <a:graphicFrameLocks noGrp="1"/>
+          </p:cNvGraphicFramePr>
+          <p:nvPr>
+            <p:extLst>
+              <p:ext uri="{D42A27DB-BD31-4B8C-83A1-F6EECF244321}">
+                <p14:modId xmlns:p14="http://schemas.microsoft.com/office/powerpoint/2010/main" val="3115527674"/>
+              </p:ext>
+            </p:extLst>
+          </p:nvPr>
+        </p:nvGraphicFramePr>
+        <p:xfrm>
+          <a:off x="1524000" y="8153400"/>
+          <a:ext cx="609600" cy="457200"/>
+        </p:xfrm>
+        <a:graphic>
+          <a:graphicData uri="http://schemas.openxmlformats.org/drawingml/2006/table">
+            <a:tbl>
+              <a:tblPr>
+                <a:tableStyleId>{5C22544A-7EE6-4342-B048-85BDC9FD1C3A}</a:tableStyleId>
+              </a:tblPr>
+              <a:tblGrid>
+                <a:gridCol w="609600">
+                  <a:extLst>
+                    <a:ext uri="{9D8B030D-6E8A-4147-A177-3AD203B41FA5}">
+                      <a16:colId xmlns:a16="http://schemas.microsoft.com/office/drawing/2014/main" val="1835503658"/>
+                    </a:ext>
+                  </a:extLst>
+                </a:gridCol>
+              </a:tblGrid>
+              <a:tr h="457200">
+                <a:tc>
+                  <a:txBody>
+                    <a:bodyPr/>
+                    <a:lstStyle/>
+                    <a:p>
+                      <a:pPr algn="ctr" fontAlgn="b"/>
+                      <a:r>
+                        <a:rPr lang="ko-KR" altLang="en-US" sz="1100" u="none" strike="noStrike" dirty="0">
+                          <a:effectLst/>
+                        </a:rPr>
+                        <a:t>권장 사항 실행</a:t>
+                      </a:r>
+                      <a:endParaRPr lang="ko-KR" altLang="en-US" sz="1100" b="0" i="0" u="none" strike="noStrike" dirty="0">
+                        <a:solidFill>
+                          <a:srgbClr val="000000"/>
+                        </a:solidFill>
+                        <a:effectLst/>
+                        <a:latin typeface="Calibri" panose="020F0502020204030204" pitchFamily="34" charset="0"/>
+                      </a:endParaRPr>
+                    </a:p>
+                  </a:txBody>
+                  <a:tcPr marL="9525" marR="9525" marT="9525" marB="0">
+                    <a:solidFill>
+                      <a:schemeClr val="bg1"/>
+                    </a:solidFill>
+                  </a:tcPr>
+                </a:tc>
+                <a:extLst>
+                  <a:ext uri="{0D108BD9-81ED-4DB2-BD59-A6C34878D82A}">
+                    <a16:rowId xmlns:a16="http://schemas.microsoft.com/office/drawing/2014/main" val="2771767287"/>
+                  </a:ext>
+                </a:extLst>
+              </a:tr>
+            </a:tbl>
+          </a:graphicData>
+        </a:graphic>
+      </p:graphicFrame>
+      <p:graphicFrame>
+        <p:nvGraphicFramePr>
+          <p:cNvPr id="57" name="Table 56">
+            <a:extLst>
+              <a:ext uri="{FF2B5EF4-FFF2-40B4-BE49-F238E27FC236}">
+                <a16:creationId xmlns:a16="http://schemas.microsoft.com/office/drawing/2014/main" id="{5FC81947-5734-1847-9B58-C7D00D9B2111}"/>
+              </a:ext>
+            </a:extLst>
+          </p:cNvPr>
+          <p:cNvGraphicFramePr>
+            <a:graphicFrameLocks noGrp="1"/>
+          </p:cNvGraphicFramePr>
+          <p:nvPr>
+            <p:extLst>
+              <p:ext uri="{D42A27DB-BD31-4B8C-83A1-F6EECF244321}">
+                <p14:modId xmlns:p14="http://schemas.microsoft.com/office/powerpoint/2010/main" val="3013111724"/>
+              </p:ext>
+            </p:extLst>
+          </p:nvPr>
+        </p:nvGraphicFramePr>
+        <p:xfrm>
+          <a:off x="1524000" y="6934200"/>
+          <a:ext cx="609600" cy="457200"/>
+        </p:xfrm>
+        <a:graphic>
+          <a:graphicData uri="http://schemas.openxmlformats.org/drawingml/2006/table">
+            <a:tbl>
+              <a:tblPr>
+                <a:tableStyleId>{5C22544A-7EE6-4342-B048-85BDC9FD1C3A}</a:tableStyleId>
+              </a:tblPr>
+              <a:tblGrid>
+                <a:gridCol w="609600">
+                  <a:extLst>
+                    <a:ext uri="{9D8B030D-6E8A-4147-A177-3AD203B41FA5}">
+                      <a16:colId xmlns:a16="http://schemas.microsoft.com/office/drawing/2014/main" val="1835503658"/>
+                    </a:ext>
+                  </a:extLst>
+                </a:gridCol>
+              </a:tblGrid>
+              <a:tr h="457200">
+                <a:tc>
+                  <a:txBody>
+                    <a:bodyPr/>
+                    <a:lstStyle/>
+                    <a:p>
+                      <a:pPr algn="ctr" fontAlgn="b"/>
+                      <a:r>
+                        <a:rPr lang="ko-KR" altLang="en-US" sz="800" u="none" strike="noStrike" dirty="0">
+                          <a:effectLst/>
+                          <a:latin typeface="Adobe Clean" panose="020B0503020404020204" pitchFamily="34" charset="0"/>
+                        </a:rPr>
+                        <a:t>선임 </a:t>
+                      </a:r>
+                      <a:r>
+                        <a:rPr lang="en-US" altLang="ko-KR" sz="800" u="none" strike="noStrike" dirty="0">
+                          <a:effectLst/>
+                          <a:latin typeface="Adobe Clean" panose="020B0503020404020204" pitchFamily="34" charset="0"/>
+                        </a:rPr>
+                        <a:t>Adobe </a:t>
+                      </a:r>
+                      <a:r>
+                        <a:rPr lang="ko-KR" altLang="en-US" sz="800" u="none" strike="noStrike" dirty="0">
+                          <a:effectLst/>
+                          <a:latin typeface="Adobe Clean" panose="020B0503020404020204" pitchFamily="34" charset="0"/>
+                        </a:rPr>
+                        <a:t>전문가</a:t>
+                      </a:r>
+                      <a:endParaRPr lang="ko-KR" altLang="en-US" sz="800" b="0" i="0" u="none" strike="noStrike" dirty="0">
+                        <a:solidFill>
+                          <a:srgbClr val="000000"/>
+                        </a:solidFill>
+                        <a:effectLst/>
+                        <a:latin typeface="Adobe Clean" panose="020B0503020404020204" pitchFamily="34" charset="0"/>
+                      </a:endParaRPr>
+                    </a:p>
+                  </a:txBody>
+                  <a:tcPr marL="9525" marR="9525" marT="9525" marB="0">
+                    <a:solidFill>
+                      <a:schemeClr val="bg1"/>
+                    </a:solidFill>
+                  </a:tcPr>
+                </a:tc>
+                <a:extLst>
+                  <a:ext uri="{0D108BD9-81ED-4DB2-BD59-A6C34878D82A}">
+                    <a16:rowId xmlns:a16="http://schemas.microsoft.com/office/drawing/2014/main" val="2771767287"/>
+                  </a:ext>
+                </a:extLst>
+              </a:tr>
+            </a:tbl>
+          </a:graphicData>
+        </a:graphic>
+      </p:graphicFrame>
+      <p:graphicFrame>
+        <p:nvGraphicFramePr>
+          <p:cNvPr id="58" name="Table 57">
+            <a:extLst>
+              <a:ext uri="{FF2B5EF4-FFF2-40B4-BE49-F238E27FC236}">
+                <a16:creationId xmlns:a16="http://schemas.microsoft.com/office/drawing/2014/main" id="{5C3EF744-0ECF-0840-BB8C-30D33F82AD23}"/>
+              </a:ext>
+            </a:extLst>
+          </p:cNvPr>
+          <p:cNvGraphicFramePr>
+            <a:graphicFrameLocks noGrp="1"/>
+          </p:cNvGraphicFramePr>
+          <p:nvPr>
+            <p:extLst>
+              <p:ext uri="{D42A27DB-BD31-4B8C-83A1-F6EECF244321}">
+                <p14:modId xmlns:p14="http://schemas.microsoft.com/office/powerpoint/2010/main" val="3482834869"/>
+              </p:ext>
+            </p:extLst>
+          </p:nvPr>
+        </p:nvGraphicFramePr>
+        <p:xfrm>
+          <a:off x="2514600" y="7239000"/>
+          <a:ext cx="609600" cy="497205"/>
+        </p:xfrm>
+        <a:graphic>
+          <a:graphicData uri="http://schemas.openxmlformats.org/drawingml/2006/table">
+            <a:tbl>
+              <a:tblPr>
+                <a:tableStyleId>{5C22544A-7EE6-4342-B048-85BDC9FD1C3A}</a:tableStyleId>
+              </a:tblPr>
+              <a:tblGrid>
+                <a:gridCol w="609600">
+                  <a:extLst>
+                    <a:ext uri="{9D8B030D-6E8A-4147-A177-3AD203B41FA5}">
+                      <a16:colId xmlns:a16="http://schemas.microsoft.com/office/drawing/2014/main" val="1835503658"/>
+                    </a:ext>
+                  </a:extLst>
+                </a:gridCol>
+              </a:tblGrid>
+              <a:tr h="457200">
+                <a:tc>
+                  <a:txBody>
+                    <a:bodyPr/>
+                    <a:lstStyle/>
+                    <a:p>
+                      <a:pPr algn="ctr" fontAlgn="b"/>
+                      <a:r>
+                        <a:rPr lang="en-US" altLang="ko-KR" sz="800" u="none" strike="noStrike" dirty="0">
+                          <a:effectLst/>
+                          <a:latin typeface="Adobe Clean" panose="020B0503020404020204" pitchFamily="34" charset="0"/>
+                        </a:rPr>
+                        <a:t>Adobe </a:t>
+                      </a:r>
+                      <a:r>
+                        <a:rPr lang="ko-KR" altLang="en-US" sz="800" u="none" strike="noStrike" dirty="0">
+                          <a:effectLst/>
+                          <a:latin typeface="Adobe Clean" panose="020B0503020404020204" pitchFamily="34" charset="0"/>
+                        </a:rPr>
+                        <a:t>엔지니어링으로의 직접 링크</a:t>
+                      </a:r>
+                      <a:endParaRPr lang="ko-KR" altLang="en-US" sz="800" b="0" i="0" u="none" strike="noStrike" dirty="0">
+                        <a:solidFill>
+                          <a:srgbClr val="000000"/>
+                        </a:solidFill>
+                        <a:effectLst/>
+                        <a:latin typeface="Adobe Clean" panose="020B0503020404020204" pitchFamily="34" charset="0"/>
+                      </a:endParaRPr>
+                    </a:p>
+                  </a:txBody>
+                  <a:tcPr marL="9525" marR="9525" marT="9525" marB="0">
+                    <a:solidFill>
+                      <a:schemeClr val="bg1"/>
+                    </a:solidFill>
+                  </a:tcPr>
+                </a:tc>
+                <a:extLst>
+                  <a:ext uri="{0D108BD9-81ED-4DB2-BD59-A6C34878D82A}">
+                    <a16:rowId xmlns:a16="http://schemas.microsoft.com/office/drawing/2014/main" val="2771767287"/>
+                  </a:ext>
+                </a:extLst>
+              </a:tr>
+            </a:tbl>
+          </a:graphicData>
+        </a:graphic>
+      </p:graphicFrame>
+      <p:graphicFrame>
+        <p:nvGraphicFramePr>
+          <p:cNvPr id="59" name="Table 58">
+            <a:extLst>
+              <a:ext uri="{FF2B5EF4-FFF2-40B4-BE49-F238E27FC236}">
+                <a16:creationId xmlns:a16="http://schemas.microsoft.com/office/drawing/2014/main" id="{50430D1B-F3F6-AA46-8703-3A9C68EB58F0}"/>
+              </a:ext>
+            </a:extLst>
+          </p:cNvPr>
+          <p:cNvGraphicFramePr>
+            <a:graphicFrameLocks noGrp="1"/>
+          </p:cNvGraphicFramePr>
+          <p:nvPr>
+            <p:extLst>
+              <p:ext uri="{D42A27DB-BD31-4B8C-83A1-F6EECF244321}">
+                <p14:modId xmlns:p14="http://schemas.microsoft.com/office/powerpoint/2010/main" val="1518929836"/>
+              </p:ext>
+            </p:extLst>
+          </p:nvPr>
+        </p:nvGraphicFramePr>
+        <p:xfrm>
+          <a:off x="2819400" y="8382000"/>
+          <a:ext cx="609600" cy="497205"/>
+        </p:xfrm>
+        <a:graphic>
+          <a:graphicData uri="http://schemas.openxmlformats.org/drawingml/2006/table">
+            <a:tbl>
+              <a:tblPr>
+                <a:tableStyleId>{5C22544A-7EE6-4342-B048-85BDC9FD1C3A}</a:tableStyleId>
+              </a:tblPr>
+              <a:tblGrid>
+                <a:gridCol w="609600">
+                  <a:extLst>
+                    <a:ext uri="{9D8B030D-6E8A-4147-A177-3AD203B41FA5}">
+                      <a16:colId xmlns:a16="http://schemas.microsoft.com/office/drawing/2014/main" val="1835503658"/>
+                    </a:ext>
+                  </a:extLst>
+                </a:gridCol>
+              </a:tblGrid>
+              <a:tr h="457200">
+                <a:tc>
+                  <a:txBody>
+                    <a:bodyPr/>
+                    <a:lstStyle/>
+                    <a:p>
+                      <a:pPr algn="ctr" fontAlgn="b"/>
+                      <a:r>
+                        <a:rPr lang="ko-KR" altLang="en-US" sz="800" u="none" strike="noStrike" dirty="0">
+                          <a:effectLst/>
+                          <a:latin typeface="Adobe Clean" panose="020B0503020404020204" pitchFamily="34" charset="0"/>
+                        </a:rPr>
+                        <a:t>실행 후 요약과 권장되는 다음 단계</a:t>
+                      </a:r>
+                      <a:endParaRPr lang="ko-KR" altLang="en-US" sz="800" b="0" i="0" u="none" strike="noStrike" dirty="0">
+                        <a:solidFill>
+                          <a:srgbClr val="000000"/>
+                        </a:solidFill>
+                        <a:effectLst/>
+                        <a:latin typeface="Adobe Clean" panose="020B0503020404020204" pitchFamily="34" charset="0"/>
+                      </a:endParaRPr>
+                    </a:p>
+                  </a:txBody>
+                  <a:tcPr marL="9525" marR="9525" marT="9525" marB="0">
+                    <a:solidFill>
+                      <a:schemeClr val="bg1"/>
+                    </a:solidFill>
+                  </a:tcPr>
+                </a:tc>
+                <a:extLst>
+                  <a:ext uri="{0D108BD9-81ED-4DB2-BD59-A6C34878D82A}">
+                    <a16:rowId xmlns:a16="http://schemas.microsoft.com/office/drawing/2014/main" val="2771767287"/>
+                  </a:ext>
+                </a:extLst>
+              </a:tr>
+            </a:tbl>
+          </a:graphicData>
+        </a:graphic>
+      </p:graphicFrame>
+      <p:graphicFrame>
+        <p:nvGraphicFramePr>
+          <p:cNvPr id="60" name="Table 59">
+            <a:extLst>
+              <a:ext uri="{FF2B5EF4-FFF2-40B4-BE49-F238E27FC236}">
+                <a16:creationId xmlns:a16="http://schemas.microsoft.com/office/drawing/2014/main" id="{BC821DB5-15FE-F747-ACA8-DA12BC5726D9}"/>
+              </a:ext>
+            </a:extLst>
+          </p:cNvPr>
+          <p:cNvGraphicFramePr>
+            <a:graphicFrameLocks noGrp="1"/>
+          </p:cNvGraphicFramePr>
+          <p:nvPr>
+            <p:extLst>
+              <p:ext uri="{D42A27DB-BD31-4B8C-83A1-F6EECF244321}">
+                <p14:modId xmlns:p14="http://schemas.microsoft.com/office/powerpoint/2010/main" val="2544329521"/>
+              </p:ext>
+            </p:extLst>
+          </p:nvPr>
+        </p:nvGraphicFramePr>
+        <p:xfrm>
+          <a:off x="2057400" y="9296400"/>
+          <a:ext cx="609600" cy="457200"/>
+        </p:xfrm>
+        <a:graphic>
+          <a:graphicData uri="http://schemas.openxmlformats.org/drawingml/2006/table">
+            <a:tbl>
+              <a:tblPr>
+                <a:tableStyleId>{5C22544A-7EE6-4342-B048-85BDC9FD1C3A}</a:tableStyleId>
+              </a:tblPr>
+              <a:tblGrid>
+                <a:gridCol w="609600">
+                  <a:extLst>
+                    <a:ext uri="{9D8B030D-6E8A-4147-A177-3AD203B41FA5}">
+                      <a16:colId xmlns:a16="http://schemas.microsoft.com/office/drawing/2014/main" val="1835503658"/>
+                    </a:ext>
+                  </a:extLst>
+                </a:gridCol>
+              </a:tblGrid>
+              <a:tr h="457200">
+                <a:tc>
+                  <a:txBody>
+                    <a:bodyPr/>
+                    <a:lstStyle/>
+                    <a:p>
+                      <a:pPr algn="ctr" fontAlgn="b"/>
+                      <a:r>
+                        <a:rPr lang="ko-KR" altLang="en-US" sz="800" u="none" strike="noStrike" dirty="0">
+                          <a:effectLst/>
+                          <a:latin typeface="Adobe Clean" panose="020B0503020404020204" pitchFamily="34" charset="0"/>
+                        </a:rPr>
+                        <a:t>실제 운영 준비 </a:t>
+                      </a:r>
+                      <a:r>
+                        <a:rPr lang="en-US" altLang="ko-KR" sz="800" u="none" strike="noStrike" dirty="0">
+                          <a:effectLst/>
+                          <a:latin typeface="Adobe Clean" panose="020B0503020404020204" pitchFamily="34" charset="0"/>
+                        </a:rPr>
+                        <a:t>+ </a:t>
+                      </a:r>
+                      <a:r>
+                        <a:rPr lang="ko-KR" altLang="en-US" sz="800" u="none" strike="noStrike" dirty="0">
+                          <a:effectLst/>
+                          <a:latin typeface="Adobe Clean" panose="020B0503020404020204" pitchFamily="34" charset="0"/>
+                        </a:rPr>
+                        <a:t>성능 최적화</a:t>
+                      </a:r>
+                      <a:endParaRPr lang="ko-KR" altLang="en-US" sz="800" b="0" i="0" u="none" strike="noStrike" dirty="0">
+                        <a:solidFill>
+                          <a:srgbClr val="000000"/>
+                        </a:solidFill>
+                        <a:effectLst/>
+                        <a:latin typeface="Adobe Clean" panose="020B0503020404020204" pitchFamily="34" charset="0"/>
+                      </a:endParaRPr>
+                    </a:p>
+                  </a:txBody>
+                  <a:tcPr marL="9525" marR="9525" marT="9525" marB="0">
+                    <a:solidFill>
+                      <a:schemeClr val="bg1"/>
+                    </a:solidFill>
+                  </a:tcPr>
+                </a:tc>
+                <a:extLst>
+                  <a:ext uri="{0D108BD9-81ED-4DB2-BD59-A6C34878D82A}">
+                    <a16:rowId xmlns:a16="http://schemas.microsoft.com/office/drawing/2014/main" val="2771767287"/>
+                  </a:ext>
+                </a:extLst>
+              </a:tr>
+            </a:tbl>
+          </a:graphicData>
+        </a:graphic>
+      </p:graphicFrame>
+      <p:graphicFrame>
+        <p:nvGraphicFramePr>
+          <p:cNvPr id="61" name="Table 60">
+            <a:extLst>
+              <a:ext uri="{FF2B5EF4-FFF2-40B4-BE49-F238E27FC236}">
+                <a16:creationId xmlns:a16="http://schemas.microsoft.com/office/drawing/2014/main" id="{DAB123D1-F3CE-6740-A875-8F89D28FD36B}"/>
+              </a:ext>
+            </a:extLst>
+          </p:cNvPr>
+          <p:cNvGraphicFramePr>
+            <a:graphicFrameLocks noGrp="1"/>
+          </p:cNvGraphicFramePr>
+          <p:nvPr>
+            <p:extLst>
+              <p:ext uri="{D42A27DB-BD31-4B8C-83A1-F6EECF244321}">
+                <p14:modId xmlns:p14="http://schemas.microsoft.com/office/powerpoint/2010/main" val="3235221357"/>
+              </p:ext>
+            </p:extLst>
+          </p:nvPr>
+        </p:nvGraphicFramePr>
+        <p:xfrm>
+          <a:off x="990600" y="9296400"/>
+          <a:ext cx="609600" cy="457200"/>
+        </p:xfrm>
+        <a:graphic>
+          <a:graphicData uri="http://schemas.openxmlformats.org/drawingml/2006/table">
+            <a:tbl>
+              <a:tblPr>
+                <a:tableStyleId>{5C22544A-7EE6-4342-B048-85BDC9FD1C3A}</a:tableStyleId>
+              </a:tblPr>
+              <a:tblGrid>
+                <a:gridCol w="609600">
+                  <a:extLst>
+                    <a:ext uri="{9D8B030D-6E8A-4147-A177-3AD203B41FA5}">
+                      <a16:colId xmlns:a16="http://schemas.microsoft.com/office/drawing/2014/main" val="1835503658"/>
+                    </a:ext>
+                  </a:extLst>
+                </a:gridCol>
+              </a:tblGrid>
+              <a:tr h="457200">
+                <a:tc>
+                  <a:txBody>
+                    <a:bodyPr/>
+                    <a:lstStyle/>
+                    <a:p>
+                      <a:pPr algn="ctr" fontAlgn="b"/>
+                      <a:r>
+                        <a:rPr lang="ko-KR" altLang="en-US" sz="800" u="none" strike="noStrike" dirty="0">
+                          <a:effectLst/>
+                          <a:latin typeface="Adobe Clean" panose="020B0503020404020204" pitchFamily="34" charset="0"/>
+                        </a:rPr>
+                        <a:t>아키텍처 검토 </a:t>
+                      </a:r>
+                      <a:r>
+                        <a:rPr lang="en-US" altLang="ko-KR" sz="800" u="none" strike="noStrike" dirty="0">
+                          <a:effectLst/>
+                          <a:latin typeface="Adobe Clean" panose="020B0503020404020204" pitchFamily="34" charset="0"/>
+                        </a:rPr>
+                        <a:t>+ </a:t>
+                      </a:r>
+                      <a:r>
+                        <a:rPr lang="ko-KR" altLang="en-US" sz="800" u="none" strike="noStrike" dirty="0">
+                          <a:effectLst/>
+                          <a:latin typeface="Adobe Clean" panose="020B0503020404020204" pitchFamily="34" charset="0"/>
+                        </a:rPr>
+                        <a:t>가이드</a:t>
+                      </a:r>
+                      <a:endParaRPr lang="ko-KR" altLang="en-US" sz="800" b="0" i="0" u="none" strike="noStrike" dirty="0">
+                        <a:solidFill>
+                          <a:srgbClr val="000000"/>
+                        </a:solidFill>
+                        <a:effectLst/>
+                        <a:latin typeface="Adobe Clean" panose="020B0503020404020204" pitchFamily="34" charset="0"/>
+                      </a:endParaRPr>
+                    </a:p>
+                  </a:txBody>
+                  <a:tcPr marL="9525" marR="9525" marT="9525" marB="0">
+                    <a:solidFill>
+                      <a:schemeClr val="bg1"/>
+                    </a:solidFill>
+                  </a:tcPr>
+                </a:tc>
+                <a:extLst>
+                  <a:ext uri="{0D108BD9-81ED-4DB2-BD59-A6C34878D82A}">
+                    <a16:rowId xmlns:a16="http://schemas.microsoft.com/office/drawing/2014/main" val="2771767287"/>
+                  </a:ext>
+                </a:extLst>
+              </a:tr>
+            </a:tbl>
+          </a:graphicData>
+        </a:graphic>
+      </p:graphicFrame>
+      <p:graphicFrame>
+        <p:nvGraphicFramePr>
+          <p:cNvPr id="62" name="Table 61">
+            <a:extLst>
+              <a:ext uri="{FF2B5EF4-FFF2-40B4-BE49-F238E27FC236}">
+                <a16:creationId xmlns:a16="http://schemas.microsoft.com/office/drawing/2014/main" id="{008AB672-85A3-BA4C-84B5-23804D5F4380}"/>
+              </a:ext>
+            </a:extLst>
+          </p:cNvPr>
+          <p:cNvGraphicFramePr>
+            <a:graphicFrameLocks noGrp="1"/>
+          </p:cNvGraphicFramePr>
+          <p:nvPr>
+            <p:extLst>
+              <p:ext uri="{D42A27DB-BD31-4B8C-83A1-F6EECF244321}">
+                <p14:modId xmlns:p14="http://schemas.microsoft.com/office/powerpoint/2010/main" val="1948434926"/>
+              </p:ext>
+            </p:extLst>
+          </p:nvPr>
+        </p:nvGraphicFramePr>
+        <p:xfrm>
+          <a:off x="304800" y="8382000"/>
+          <a:ext cx="609600" cy="457200"/>
+        </p:xfrm>
+        <a:graphic>
+          <a:graphicData uri="http://schemas.openxmlformats.org/drawingml/2006/table">
+            <a:tbl>
+              <a:tblPr>
+                <a:tableStyleId>{5C22544A-7EE6-4342-B048-85BDC9FD1C3A}</a:tableStyleId>
+              </a:tblPr>
+              <a:tblGrid>
+                <a:gridCol w="609600">
+                  <a:extLst>
+                    <a:ext uri="{9D8B030D-6E8A-4147-A177-3AD203B41FA5}">
+                      <a16:colId xmlns:a16="http://schemas.microsoft.com/office/drawing/2014/main" val="1835503658"/>
+                    </a:ext>
+                  </a:extLst>
+                </a:gridCol>
+              </a:tblGrid>
+              <a:tr h="457200">
+                <a:tc>
+                  <a:txBody>
+                    <a:bodyPr/>
+                    <a:lstStyle/>
+                    <a:p>
+                      <a:pPr algn="ctr" fontAlgn="b"/>
+                      <a:r>
+                        <a:rPr lang="ko-KR" altLang="en-US" sz="800" u="none" strike="noStrike" dirty="0">
+                          <a:effectLst/>
+                          <a:latin typeface="Adobe Clean" panose="020B0503020404020204" pitchFamily="34" charset="0"/>
+                        </a:rPr>
+                        <a:t>프로젝트 </a:t>
+                      </a:r>
+                      <a:r>
+                        <a:rPr lang="ko-KR" altLang="en-US" sz="800" u="none" strike="noStrike" dirty="0" err="1">
+                          <a:effectLst/>
+                          <a:latin typeface="Adobe Clean" panose="020B0503020404020204" pitchFamily="34" charset="0"/>
+                        </a:rPr>
+                        <a:t>로드맵</a:t>
+                      </a:r>
+                      <a:r>
+                        <a:rPr lang="ko-KR" altLang="en-US" sz="800" u="none" strike="noStrike" dirty="0">
+                          <a:effectLst/>
+                          <a:latin typeface="Adobe Clean" panose="020B0503020404020204" pitchFamily="34" charset="0"/>
+                        </a:rPr>
+                        <a:t> </a:t>
+                      </a:r>
+                      <a:r>
+                        <a:rPr lang="en-US" altLang="ko-KR" sz="800" u="none" strike="noStrike" dirty="0">
+                          <a:effectLst/>
+                          <a:latin typeface="Adobe Clean" panose="020B0503020404020204" pitchFamily="34" charset="0"/>
+                        </a:rPr>
+                        <a:t>+ </a:t>
+                      </a:r>
+                      <a:r>
+                        <a:rPr lang="ko-KR" altLang="en-US" sz="800" u="none" strike="noStrike" dirty="0">
+                          <a:effectLst/>
+                          <a:latin typeface="Adobe Clean" panose="020B0503020404020204" pitchFamily="34" charset="0"/>
+                        </a:rPr>
+                        <a:t>계획 수립</a:t>
+                      </a:r>
+                      <a:endParaRPr lang="ko-KR" altLang="en-US" sz="800" b="0" i="0" u="none" strike="noStrike" dirty="0">
+                        <a:solidFill>
+                          <a:srgbClr val="000000"/>
+                        </a:solidFill>
+                        <a:effectLst/>
+                        <a:latin typeface="Adobe Clean" panose="020B0503020404020204" pitchFamily="34" charset="0"/>
+                      </a:endParaRPr>
+                    </a:p>
+                  </a:txBody>
+                  <a:tcPr marL="9525" marR="9525" marT="9525" marB="0">
+                    <a:solidFill>
+                      <a:schemeClr val="bg1"/>
+                    </a:solidFill>
+                  </a:tcPr>
+                </a:tc>
+                <a:extLst>
+                  <a:ext uri="{0D108BD9-81ED-4DB2-BD59-A6C34878D82A}">
+                    <a16:rowId xmlns:a16="http://schemas.microsoft.com/office/drawing/2014/main" val="2771767287"/>
+                  </a:ext>
+                </a:extLst>
+              </a:tr>
+            </a:tbl>
+          </a:graphicData>
+        </a:graphic>
+      </p:graphicFrame>
+      <p:graphicFrame>
+        <p:nvGraphicFramePr>
+          <p:cNvPr id="69" name="Table 68">
+            <a:extLst>
+              <a:ext uri="{FF2B5EF4-FFF2-40B4-BE49-F238E27FC236}">
+                <a16:creationId xmlns:a16="http://schemas.microsoft.com/office/drawing/2014/main" id="{6870FE33-279D-CC49-BD44-B255BAC35152}"/>
+              </a:ext>
+            </a:extLst>
+          </p:cNvPr>
+          <p:cNvGraphicFramePr>
+            <a:graphicFrameLocks noGrp="1"/>
+          </p:cNvGraphicFramePr>
+          <p:nvPr>
+            <p:extLst>
+              <p:ext uri="{D42A27DB-BD31-4B8C-83A1-F6EECF244321}">
+                <p14:modId xmlns:p14="http://schemas.microsoft.com/office/powerpoint/2010/main" val="2416758960"/>
+              </p:ext>
+            </p:extLst>
+          </p:nvPr>
+        </p:nvGraphicFramePr>
+        <p:xfrm>
+          <a:off x="609600" y="7239000"/>
+          <a:ext cx="609600" cy="457200"/>
+        </p:xfrm>
+        <a:graphic>
+          <a:graphicData uri="http://schemas.openxmlformats.org/drawingml/2006/table">
+            <a:tbl>
+              <a:tblPr>
+                <a:tableStyleId>{5C22544A-7EE6-4342-B048-85BDC9FD1C3A}</a:tableStyleId>
+              </a:tblPr>
+              <a:tblGrid>
+                <a:gridCol w="609600">
+                  <a:extLst>
+                    <a:ext uri="{9D8B030D-6E8A-4147-A177-3AD203B41FA5}">
+                      <a16:colId xmlns:a16="http://schemas.microsoft.com/office/drawing/2014/main" val="1835503658"/>
+                    </a:ext>
+                  </a:extLst>
+                </a:gridCol>
+              </a:tblGrid>
+              <a:tr h="457200">
+                <a:tc>
+                  <a:txBody>
+                    <a:bodyPr/>
+                    <a:lstStyle/>
+                    <a:p>
+                      <a:pPr algn="ctr" fontAlgn="b"/>
+                      <a:r>
+                        <a:rPr lang="ko-KR" altLang="en-US" sz="800" u="none" strike="noStrike" dirty="0">
+                          <a:effectLst/>
+                          <a:latin typeface="Adobe Clean" panose="020B0503020404020204" pitchFamily="34" charset="0"/>
+                        </a:rPr>
+                        <a:t>수천 번의 배포를 통한 경험 </a:t>
+                      </a:r>
+                      <a:r>
+                        <a:rPr lang="en-US" altLang="ko-KR" sz="800" u="none" strike="noStrike" dirty="0">
+                          <a:effectLst/>
+                          <a:latin typeface="Adobe Clean" panose="020B0503020404020204" pitchFamily="34" charset="0"/>
+                        </a:rPr>
+                        <a:t>+ </a:t>
+                      </a:r>
+                      <a:r>
+                        <a:rPr lang="ko-KR" altLang="en-US" sz="800" u="none" strike="noStrike" dirty="0">
+                          <a:effectLst/>
+                          <a:latin typeface="Adobe Clean" panose="020B0503020404020204" pitchFamily="34" charset="0"/>
+                        </a:rPr>
+                        <a:t>통합</a:t>
+                      </a:r>
+                      <a:endParaRPr lang="ko-KR" altLang="en-US" sz="800" b="0" i="0" u="none" strike="noStrike" dirty="0">
+                        <a:solidFill>
+                          <a:srgbClr val="000000"/>
+                        </a:solidFill>
+                        <a:effectLst/>
+                        <a:latin typeface="Adobe Clean" panose="020B0503020404020204" pitchFamily="34" charset="0"/>
+                      </a:endParaRPr>
+                    </a:p>
+                  </a:txBody>
+                  <a:tcPr marL="9525" marR="9525" marT="9525" marB="0">
+                    <a:solidFill>
+                      <a:schemeClr val="bg1"/>
+                    </a:solidFill>
+                  </a:tcPr>
+                </a:tc>
+                <a:extLst>
+                  <a:ext uri="{0D108BD9-81ED-4DB2-BD59-A6C34878D82A}">
+                    <a16:rowId xmlns:a16="http://schemas.microsoft.com/office/drawing/2014/main" val="2771767287"/>
+                  </a:ext>
+                </a:extLst>
+              </a:tr>
+            </a:tbl>
+          </a:graphicData>
+        </a:graphic>
+      </p:graphicFrame>
     </p:spTree>
     <p:extLst>
       <p:ext uri="{BB962C8B-B14F-4D97-AF65-F5344CB8AC3E}">
@@ -15289,17 +14354,17 @@
               </a:lnSpc>
             </a:pPr>
             <a:r>
-              <a:rPr sz="500" spc="-5">
+              <a:rPr lang="de-de" sz="500" spc="-5" dirty="0">
                 <a:solidFill>
                   <a:srgbClr val="6C6C6C"/>
                 </a:solidFill>
                 <a:latin typeface="Adobe Clean"/>
                 <a:cs typeface="Adobe Clean"/>
               </a:rPr>
-              <a:t>©2020 Adobe. All Rights Reserved. </a:t>
-            </a:r>
-            <a:r>
-              <a:rPr sz="500">
+              <a:t>© 2020 Adobe.  All Rights Reserved. </a:t>
+            </a:r>
+            <a:r>
+              <a:rPr lang="de-de" sz="500" dirty="0">
                 <a:solidFill>
                   <a:srgbClr val="6C6C6C"/>
                 </a:solidFill>
@@ -15309,7 +14374,7 @@
               <a:t>Adobe</a:t>
             </a:r>
             <a:r>
-              <a:rPr sz="500" spc="5">
+              <a:rPr lang="de-de" sz="500" spc="5" dirty="0">
                 <a:solidFill>
                   <a:srgbClr val="6C6C6C"/>
                 </a:solidFill>
@@ -15319,14 +14384,14 @@
               <a:t> </a:t>
             </a:r>
             <a:r>
-              <a:rPr sz="500" spc="-5">
+              <a:rPr lang="de-de" sz="500" spc="-5" dirty="0">
                 <a:solidFill>
                   <a:srgbClr val="6C6C6C"/>
                 </a:solidFill>
                 <a:latin typeface="Adobe Clean"/>
                 <a:cs typeface="Adobe Clean"/>
               </a:rPr>
-              <a:t>Confidential.</a:t>
+              <a:t>기밀.</a:t>
             </a:r>
             <a:endParaRPr sz="500">
               <a:latin typeface="Adobe Clean"/>
@@ -15357,17 +14422,17 @@
               </a:spcBef>
             </a:pPr>
             <a:r>
-              <a:rPr sz="800" spc="-5">
+              <a:rPr lang="de-de" sz="800" spc="-5" dirty="0">
                 <a:solidFill>
                   <a:srgbClr val="6D6D6D"/>
                 </a:solidFill>
                 <a:latin typeface="Adobe Clean"/>
                 <a:cs typeface="Adobe Clean"/>
               </a:rPr>
-              <a:t>©2020 Adobe. All Rights Reserved. Adobe</a:t>
-            </a:r>
-            <a:r>
-              <a:rPr sz="800" spc="75">
+              <a:t>© 2020 Adobe.  All Rights Reserved. Adobe</a:t>
+            </a:r>
+            <a:r>
+              <a:rPr lang="de-de" sz="800" spc="75" dirty="0">
                 <a:solidFill>
                   <a:srgbClr val="6D6D6D"/>
                 </a:solidFill>
@@ -15377,14 +14442,14 @@
               <a:t> </a:t>
             </a:r>
             <a:r>
-              <a:rPr sz="800" spc="-5">
+              <a:rPr lang="de-de" sz="800" spc="-5" dirty="0">
                 <a:solidFill>
                   <a:srgbClr val="6D6D6D"/>
                 </a:solidFill>
                 <a:latin typeface="Adobe Clean"/>
                 <a:cs typeface="Adobe Clean"/>
               </a:rPr>
-              <a:t>Confidential.</a:t>
+              <a:t>기밀.</a:t>
             </a:r>
             <a:endParaRPr sz="800">
               <a:latin typeface="Adobe Clean"/>
@@ -15473,16 +14538,16 @@
               </a:spcBef>
             </a:pPr>
             <a:r>
-              <a:rPr lang="en-US" sz="1400" b="1" spc="-15">
+              <a:rPr lang="de-de" sz="1400" b="1" spc="-15" dirty="0">
                 <a:solidFill>
                   <a:srgbClr val="020302"/>
                 </a:solidFill>
                 <a:latin typeface="Adobe Clean"/>
                 <a:cs typeface="Adobe Clean"/>
               </a:rPr>
-              <a:t>Resources</a:t>
-            </a:r>
-            <a:endParaRPr sz="1400">
+              <a:t>리소스</a:t>
+            </a:r>
+            <a:endParaRPr sz="1400" dirty="0">
               <a:latin typeface="Adobe Clean"/>
               <a:cs typeface="Adobe Clean"/>
             </a:endParaRPr>
@@ -15519,7 +14584,7 @@
               </a:spcBef>
             </a:pPr>
             <a:r>
-              <a:rPr sz="800" spc="-15">
+              <a:rPr lang="de-de" sz="800" spc="-15" dirty="0">
                 <a:solidFill>
                   <a:srgbClr val="777879"/>
                 </a:solidFill>
@@ -15540,7 +14605,7 @@
               </a:lnSpc>
             </a:pPr>
             <a:r>
-              <a:rPr sz="800" spc="-15">
+              <a:rPr lang="de-de" sz="800" spc="-15" dirty="0">
                 <a:solidFill>
                   <a:srgbClr val="777879"/>
                 </a:solidFill>
@@ -15550,7 +14615,7 @@
               <a:t>345 Park</a:t>
             </a:r>
             <a:r>
-              <a:rPr sz="800" spc="-100">
+              <a:rPr lang="de-de" sz="800" spc="-100" dirty="0">
                 <a:solidFill>
                   <a:srgbClr val="777879"/>
                 </a:solidFill>
@@ -15560,7 +14625,7 @@
               <a:t> </a:t>
             </a:r>
             <a:r>
-              <a:rPr sz="800" spc="-15">
+              <a:rPr lang="de-de" sz="800" spc="-15" dirty="0">
                 <a:solidFill>
                   <a:srgbClr val="777879"/>
                 </a:solidFill>
@@ -15581,7 +14646,7 @@
               </a:lnSpc>
             </a:pPr>
             <a:r>
-              <a:rPr sz="800" spc="-10">
+              <a:rPr lang="de-de" sz="800" spc="-10" dirty="0">
                 <a:solidFill>
                   <a:srgbClr val="777879"/>
                 </a:solidFill>
@@ -15591,7 +14656,7 @@
               <a:t>San </a:t>
             </a:r>
             <a:r>
-              <a:rPr sz="800" spc="-15">
+              <a:rPr lang="de-de" sz="800" spc="-15" dirty="0">
                 <a:solidFill>
                   <a:srgbClr val="777879"/>
                 </a:solidFill>
@@ -15601,7 +14666,7 @@
               <a:t>Jose,</a:t>
             </a:r>
             <a:r>
-              <a:rPr sz="800" spc="-140">
+              <a:rPr lang="de-de" sz="800" spc="-140" dirty="0">
                 <a:solidFill>
                   <a:srgbClr val="777879"/>
                 </a:solidFill>
@@ -15611,7 +14676,7 @@
               <a:t> </a:t>
             </a:r>
             <a:r>
-              <a:rPr sz="800" spc="-20">
+              <a:rPr lang="de-de" sz="800" spc="-20" dirty="0">
                 <a:solidFill>
                   <a:srgbClr val="777879"/>
                 </a:solidFill>
@@ -15635,7 +14700,7 @@
               </a:spcBef>
             </a:pPr>
             <a:r>
-              <a:rPr sz="800" spc="-10">
+              <a:rPr lang="de-de" sz="800" spc="-10" dirty="0">
                 <a:solidFill>
                   <a:srgbClr val="777879"/>
                 </a:solidFill>
@@ -15659,7 +14724,7 @@
               </a:spcBef>
             </a:pPr>
             <a:r>
-              <a:rPr sz="800" u="sng" spc="-25">
+              <a:rPr lang="de-de" sz="800" u="sng" spc="-25" dirty="0">
                 <a:solidFill>
                   <a:srgbClr val="5F5F5F"/>
                 </a:solidFill>
@@ -15672,7 +14737,7 @@
                 <a:cs typeface="Adobe Clean"/>
                 <a:hlinkClick r:id="rId3"/>
               </a:rPr>
-              <a:t>www.adobe.com</a:t>
+              <a:t>www.adobe.com/kr/</a:t>
             </a:r>
             <a:endParaRPr sz="800">
               <a:latin typeface="Adobe Clean"/>
@@ -15852,17 +14917,17 @@
               </a:spcBef>
             </a:pPr>
             <a:r>
-              <a:rPr sz="1100" i="1" spc="-10">
+              <a:rPr lang="de-de" sz="1100" i="1" spc="-10" dirty="0">
                 <a:solidFill>
                   <a:srgbClr val="777879"/>
                 </a:solidFill>
                 <a:latin typeface="AdobeClean-LightIt"/>
                 <a:cs typeface="AdobeClean-LightIt"/>
               </a:rPr>
-              <a:t>To</a:t>
-            </a:r>
-            <a:r>
-              <a:rPr sz="1100" i="1" spc="-50">
+              <a:t>Adobe</a:t>
+            </a:r>
+            <a:r>
+              <a:rPr lang="de-de" sz="1100" i="1" spc="-50" dirty="0">
                 <a:solidFill>
                   <a:srgbClr val="777879"/>
                 </a:solidFill>
@@ -15872,17 +14937,17 @@
               <a:t> </a:t>
             </a:r>
             <a:r>
-              <a:rPr sz="1100" i="1" spc="-15">
+              <a:rPr lang="de-de" sz="1100" i="1" spc="-15" dirty="0">
                 <a:solidFill>
                   <a:srgbClr val="777879"/>
                 </a:solidFill>
                 <a:latin typeface="AdobeClean-LightIt"/>
                 <a:cs typeface="AdobeClean-LightIt"/>
               </a:rPr>
-              <a:t>learn</a:t>
-            </a:r>
-            <a:r>
-              <a:rPr sz="1100" i="1" spc="-40">
+              <a:t>지원</a:t>
+            </a:r>
+            <a:r>
+              <a:rPr lang="de-de" sz="1100" i="1" spc="-40" dirty="0">
                 <a:solidFill>
                   <a:srgbClr val="777879"/>
                 </a:solidFill>
@@ -15892,17 +14957,17 @@
               <a:t> </a:t>
             </a:r>
             <a:r>
-              <a:rPr sz="1100" i="1" spc="-15">
+              <a:rPr lang="de-de" sz="1100" i="1" spc="-15" dirty="0">
                 <a:solidFill>
                   <a:srgbClr val="777879"/>
                 </a:solidFill>
                 <a:latin typeface="AdobeClean-LightIt"/>
                 <a:cs typeface="AdobeClean-LightIt"/>
               </a:rPr>
-              <a:t>more</a:t>
-            </a:r>
-            <a:r>
-              <a:rPr sz="1100" i="1" spc="-45">
+              <a:t>서비스</a:t>
+            </a:r>
+            <a:r>
+              <a:rPr lang="de-de" sz="1100" i="1" spc="-45" dirty="0">
                 <a:solidFill>
                   <a:srgbClr val="777879"/>
                 </a:solidFill>
@@ -15912,17 +14977,17 @@
               <a:t> </a:t>
             </a:r>
             <a:r>
-              <a:rPr sz="1100" i="1" spc="-15">
+              <a:rPr lang="de-de" sz="1100" i="1" spc="-15" dirty="0">
                 <a:solidFill>
                   <a:srgbClr val="777879"/>
                 </a:solidFill>
                 <a:latin typeface="AdobeClean-LightIt"/>
                 <a:cs typeface="AdobeClean-LightIt"/>
               </a:rPr>
-              <a:t>about</a:t>
-            </a:r>
-            <a:r>
-              <a:rPr sz="1100" i="1" spc="-45">
+              <a:t>제공</a:t>
+            </a:r>
+            <a:r>
+              <a:rPr lang="de-de" sz="1100" i="1" spc="-45" dirty="0">
                 <a:solidFill>
                   <a:srgbClr val="777879"/>
                 </a:solidFill>
@@ -15932,17 +14997,17 @@
               <a:t> </a:t>
             </a:r>
             <a:r>
-              <a:rPr sz="1100" i="1" spc="-15">
+              <a:rPr lang="de-de" sz="1100" i="1" spc="-15" dirty="0">
                 <a:solidFill>
                   <a:srgbClr val="777879"/>
                 </a:solidFill>
                 <a:latin typeface="AdobeClean-LightIt"/>
                 <a:cs typeface="AdobeClean-LightIt"/>
               </a:rPr>
-              <a:t>Adobe</a:t>
-            </a:r>
-            <a:r>
-              <a:rPr sz="1100" i="1" spc="-60">
+              <a:t>사항</a:t>
+            </a:r>
+            <a:r>
+              <a:rPr lang="de-de" sz="1100" i="1" spc="-60" dirty="0">
                 <a:solidFill>
                   <a:srgbClr val="777879"/>
                 </a:solidFill>
@@ -15952,27 +15017,27 @@
               <a:t> </a:t>
             </a:r>
             <a:r>
-              <a:rPr sz="1100" i="1" spc="-15">
+              <a:rPr lang="de-de" sz="1100" i="1" spc="-15" dirty="0">
                 <a:solidFill>
                   <a:srgbClr val="777879"/>
                 </a:solidFill>
                 <a:latin typeface="AdobeClean-LightIt"/>
                 <a:cs typeface="AdobeClean-LightIt"/>
               </a:rPr>
-              <a:t>Support</a:t>
-            </a:r>
-            <a:r>
-              <a:rPr lang="en-US" sz="1100" i="1" spc="-15">
+              <a:t>및 </a:t>
+            </a:r>
+            <a:r>
+              <a:rPr lang="de-de" sz="1100" i="1" spc="-75" dirty="0">
                 <a:solidFill>
                   <a:srgbClr val="777879"/>
                 </a:solidFill>
                 <a:latin typeface="AdobeClean-LightIt"/>
                 <a:cs typeface="AdobeClean-LightIt"/>
               </a:rPr>
-              <a:t> Offerings</a:t>
-            </a:r>
-            <a:r>
-              <a:rPr sz="1100" i="1" spc="-75">
+              <a:t>적합한</a:t>
+            </a:r>
+            <a:r>
+              <a:rPr lang="de-de" sz="1100" i="1" spc="-15" dirty="0">
                 <a:solidFill>
                   <a:srgbClr val="777879"/>
                 </a:solidFill>
@@ -15982,17 +15047,17 @@
               <a:t> </a:t>
             </a:r>
             <a:r>
-              <a:rPr sz="1100" i="1" spc="-15">
+              <a:rPr lang="de-de" sz="1100" i="1" spc="-50" dirty="0">
                 <a:solidFill>
                   <a:srgbClr val="777879"/>
                 </a:solidFill>
                 <a:latin typeface="AdobeClean-LightIt"/>
                 <a:cs typeface="AdobeClean-LightIt"/>
               </a:rPr>
-              <a:t>and</a:t>
-            </a:r>
-            <a:r>
-              <a:rPr sz="1100" i="1" spc="-50">
+              <a:t>지원</a:t>
+            </a:r>
+            <a:r>
+              <a:rPr lang="de-de" sz="1100" i="1" spc="-15" dirty="0">
                 <a:solidFill>
                   <a:srgbClr val="777879"/>
                 </a:solidFill>
@@ -16002,17 +15067,17 @@
               <a:t> </a:t>
             </a:r>
             <a:r>
-              <a:rPr sz="1100" i="1" spc="-15">
+              <a:rPr lang="de-de" sz="1100" i="1" spc="-55" dirty="0">
                 <a:solidFill>
                   <a:srgbClr val="777879"/>
                 </a:solidFill>
                 <a:latin typeface="AdobeClean-LightIt"/>
                 <a:cs typeface="AdobeClean-LightIt"/>
               </a:rPr>
-              <a:t>the</a:t>
-            </a:r>
-            <a:r>
-              <a:rPr sz="1100" i="1" spc="-55">
+              <a:t>수준에</a:t>
+            </a:r>
+            <a:r>
+              <a:rPr lang="de-de" sz="1100" i="1" spc="-15" dirty="0">
                 <a:solidFill>
                   <a:srgbClr val="777879"/>
                 </a:solidFill>
@@ -16022,17 +15087,17 @@
               <a:t> </a:t>
             </a:r>
             <a:r>
-              <a:rPr sz="1100" i="1" spc="-15">
+              <a:rPr lang="de-de" sz="1100" i="1" spc="-95" dirty="0">
                 <a:solidFill>
                   <a:srgbClr val="777879"/>
                 </a:solidFill>
                 <a:latin typeface="AdobeClean-LightIt"/>
                 <a:cs typeface="AdobeClean-LightIt"/>
               </a:rPr>
-              <a:t>right</a:t>
-            </a:r>
-            <a:r>
-              <a:rPr sz="1100" i="1" spc="-95">
+              <a:t>대해</a:t>
+            </a:r>
+            <a:r>
+              <a:rPr lang="de-de" sz="1100" i="1" spc="-15" dirty="0">
                 <a:solidFill>
                   <a:srgbClr val="777879"/>
                 </a:solidFill>
@@ -16042,17 +15107,17 @@
               <a:t> </a:t>
             </a:r>
             <a:r>
-              <a:rPr sz="1100" i="1" spc="-15">
+              <a:rPr lang="de-de" sz="1100" i="1" spc="-55" dirty="0">
                 <a:solidFill>
                   <a:srgbClr val="777879"/>
                 </a:solidFill>
                 <a:latin typeface="AdobeClean-LightIt"/>
                 <a:cs typeface="AdobeClean-LightIt"/>
               </a:rPr>
-              <a:t>level</a:t>
-            </a:r>
-            <a:r>
-              <a:rPr sz="1100" i="1" spc="-55">
+              <a:t>자세히</a:t>
+            </a:r>
+            <a:r>
+              <a:rPr lang="de-de" sz="1100" i="1" spc="-15" dirty="0">
                 <a:solidFill>
                   <a:srgbClr val="777879"/>
                 </a:solidFill>
@@ -16062,17 +15127,17 @@
               <a:t> </a:t>
             </a:r>
             <a:r>
-              <a:rPr sz="1100" i="1" spc="-15">
+              <a:rPr lang="de-de" sz="1100" i="1" spc="-85" dirty="0">
                 <a:solidFill>
                   <a:srgbClr val="777879"/>
                 </a:solidFill>
                 <a:latin typeface="AdobeClean-LightIt"/>
                 <a:cs typeface="AdobeClean-LightIt"/>
               </a:rPr>
-              <a:t>for</a:t>
-            </a:r>
-            <a:r>
-              <a:rPr sz="1100" i="1" spc="-85">
+              <a:t>알아보려면</a:t>
+            </a:r>
+            <a:r>
+              <a:rPr lang="de-de" sz="1100" i="1" spc="-15" dirty="0">
                 <a:solidFill>
                   <a:srgbClr val="777879"/>
                 </a:solidFill>
@@ -16082,17 +15147,17 @@
               <a:t> </a:t>
             </a:r>
             <a:r>
-              <a:rPr sz="1100" i="1" spc="-15">
+              <a:rPr lang="de-de" sz="1100" i="1" spc="-65" dirty="0">
                 <a:solidFill>
                   <a:srgbClr val="777879"/>
                 </a:solidFill>
                 <a:latin typeface="AdobeClean-LightIt"/>
                 <a:cs typeface="AdobeClean-LightIt"/>
               </a:rPr>
-              <a:t>you,</a:t>
-            </a:r>
-            <a:r>
-              <a:rPr sz="1100" i="1" spc="-65">
+              <a:t>지정</a:t>
+            </a:r>
+            <a:r>
+              <a:rPr lang="de-de" sz="1100" i="1" spc="-15" dirty="0">
                 <a:solidFill>
                   <a:srgbClr val="777879"/>
                 </a:solidFill>
@@ -16102,17 +15167,17 @@
               <a:t> </a:t>
             </a:r>
             <a:r>
-              <a:rPr sz="1100" i="1" spc="-15">
+              <a:rPr lang="de-de" sz="1100" i="1" spc="-85" dirty="0">
                 <a:solidFill>
                   <a:srgbClr val="777879"/>
                 </a:solidFill>
                 <a:latin typeface="AdobeClean-LightIt"/>
                 <a:cs typeface="AdobeClean-LightIt"/>
               </a:rPr>
-              <a:t>contact</a:t>
-            </a:r>
-            <a:r>
-              <a:rPr sz="1100" i="1" spc="-85">
+              <a:t>계정</a:t>
+            </a:r>
+            <a:r>
+              <a:rPr lang="de-de" sz="1100" i="1" spc="-15" dirty="0">
                 <a:solidFill>
                   <a:srgbClr val="777879"/>
                 </a:solidFill>
@@ -16122,17 +15187,17 @@
               <a:t> </a:t>
             </a:r>
             <a:r>
-              <a:rPr sz="1100" i="1" spc="-15">
+              <a:rPr lang="de-de" sz="1100" i="1" spc="-70" dirty="0">
                 <a:solidFill>
                   <a:srgbClr val="777879"/>
                 </a:solidFill>
                 <a:latin typeface="AdobeClean-LightIt"/>
                 <a:cs typeface="AdobeClean-LightIt"/>
               </a:rPr>
-              <a:t>your</a:t>
-            </a:r>
-            <a:r>
-              <a:rPr sz="1100" i="1" spc="-70">
+              <a:t>관리자(NAM)</a:t>
+            </a:r>
+            <a:r>
+              <a:rPr lang="de-de" sz="1100" i="1" spc="-15" dirty="0">
                 <a:solidFill>
                   <a:srgbClr val="777879"/>
                 </a:solidFill>
@@ -16142,17 +15207,17 @@
               <a:t> </a:t>
             </a:r>
             <a:r>
-              <a:rPr sz="1100" i="1" spc="-15">
+              <a:rPr lang="de-de" sz="1100" i="1" spc="-55" dirty="0">
                 <a:solidFill>
                   <a:srgbClr val="777879"/>
                 </a:solidFill>
                 <a:latin typeface="AdobeClean-LightIt"/>
                 <a:cs typeface="AdobeClean-LightIt"/>
               </a:rPr>
-              <a:t>Named</a:t>
-            </a:r>
-            <a:r>
-              <a:rPr sz="1100" i="1" spc="-55">
+              <a:t>또는</a:t>
+            </a:r>
+            <a:r>
+              <a:rPr lang="de-de" sz="1100" i="1" spc="-25" dirty="0">
                 <a:solidFill>
                   <a:srgbClr val="777879"/>
                 </a:solidFill>
@@ -16162,17 +15227,17 @@
               <a:t> </a:t>
             </a:r>
             <a:r>
-              <a:rPr sz="1100" i="1" spc="-25">
+              <a:rPr lang="de-de" sz="1100" i="1" spc="-120" dirty="0">
                 <a:solidFill>
                   <a:srgbClr val="777879"/>
                 </a:solidFill>
                 <a:latin typeface="AdobeClean-LightIt"/>
                 <a:cs typeface="AdobeClean-LightIt"/>
               </a:rPr>
-              <a:t>Account</a:t>
-            </a:r>
-            <a:r>
-              <a:rPr sz="1100" i="1" spc="-120">
+              <a:t>고객</a:t>
+            </a:r>
+            <a:r>
+              <a:rPr lang="de-de" sz="1100" i="1" spc="-20" dirty="0">
                 <a:solidFill>
                   <a:srgbClr val="777879"/>
                 </a:solidFill>
@@ -16182,96 +15247,56 @@
               <a:t> </a:t>
             </a:r>
             <a:r>
-              <a:rPr sz="1100" i="1" spc="-20">
+              <a:rPr lang="de-de" sz="1100" i="1" spc="-15" dirty="0">
                 <a:solidFill>
                   <a:srgbClr val="777879"/>
                 </a:solidFill>
                 <a:latin typeface="AdobeClean-LightIt"/>
                 <a:cs typeface="AdobeClean-LightIt"/>
               </a:rPr>
-              <a:t>Manager  </a:t>
-            </a:r>
-            <a:r>
-              <a:rPr sz="1100" i="1" spc="-15">
+              <a:t>성공</a:t>
+            </a:r>
+            <a:r>
+              <a:rPr lang="de-de" sz="1100" i="1" spc="-10" dirty="0">
                 <a:solidFill>
                   <a:srgbClr val="777879"/>
                 </a:solidFill>
                 <a:latin typeface="AdobeClean-LightIt"/>
                 <a:cs typeface="AdobeClean-LightIt"/>
               </a:rPr>
-              <a:t>(NAM) </a:t>
-            </a:r>
-            <a:r>
-              <a:rPr sz="1100" i="1" spc="-10">
+              <a:t> </a:t>
+            </a:r>
+            <a:r>
+              <a:rPr lang="de-de" sz="1100" i="1" spc="-15" dirty="0">
                 <a:solidFill>
                   <a:srgbClr val="777879"/>
                 </a:solidFill>
                 <a:latin typeface="AdobeClean-LightIt"/>
                 <a:cs typeface="AdobeClean-LightIt"/>
               </a:rPr>
-              <a:t>or </a:t>
-            </a:r>
-            <a:r>
-              <a:rPr sz="1100" i="1" spc="-15">
+              <a:t>관리자(CSM)에게</a:t>
+            </a:r>
+            <a:r>
+              <a:rPr lang="de-de" sz="1100" i="1" spc="-20" dirty="0">
                 <a:solidFill>
                   <a:srgbClr val="777879"/>
                 </a:solidFill>
                 <a:latin typeface="AdobeClean-LightIt"/>
                 <a:cs typeface="AdobeClean-LightIt"/>
               </a:rPr>
-              <a:t>Customer </a:t>
-            </a:r>
-            <a:r>
-              <a:rPr sz="1100" i="1" spc="-20">
+              <a:t> </a:t>
+            </a:r>
+            <a:r>
+              <a:rPr lang="de-de" sz="1100" i="1" spc="-180" dirty="0">
                 <a:solidFill>
                   <a:srgbClr val="777879"/>
                 </a:solidFill>
                 <a:latin typeface="AdobeClean-LightIt"/>
                 <a:cs typeface="AdobeClean-LightIt"/>
               </a:rPr>
-              <a:t>Success</a:t>
-            </a:r>
-            <a:r>
-              <a:rPr sz="1100" i="1" spc="-180">
-                <a:solidFill>
-                  <a:srgbClr val="777879"/>
-                </a:solidFill>
-                <a:latin typeface="AdobeClean-LightIt"/>
-                <a:cs typeface="AdobeClean-LightIt"/>
-              </a:rPr>
-              <a:t> </a:t>
-            </a:r>
-            <a:r>
-              <a:rPr sz="1100" i="1" spc="-15">
-                <a:solidFill>
-                  <a:srgbClr val="777879"/>
-                </a:solidFill>
-                <a:latin typeface="AdobeClean-LightIt"/>
-                <a:cs typeface="AdobeClean-LightIt"/>
-              </a:rPr>
-              <a:t>Manager</a:t>
-            </a:r>
-            <a:r>
-              <a:rPr lang="en-US" sz="1100" i="1" spc="-15">
-                <a:solidFill>
-                  <a:srgbClr val="777879"/>
-                </a:solidFill>
-                <a:latin typeface="AdobeClean-LightIt"/>
-                <a:cs typeface="AdobeClean-LightIt"/>
-              </a:rPr>
-              <a:t> </a:t>
-            </a:r>
-            <a:r>
-              <a:rPr sz="1100" i="1" spc="-15">
-                <a:solidFill>
-                  <a:srgbClr val="777879"/>
-                </a:solidFill>
-                <a:latin typeface="AdobeClean-LightIt"/>
-                <a:cs typeface="AdobeClean-LightIt"/>
-              </a:rPr>
-              <a:t>(CSM)</a:t>
-            </a:r>
-            <a:endParaRPr sz="1100">
+              <a:t>문의하십시오.</a:t>
+            </a:r>
+            <a:endParaRPr sz="1100" dirty="0">
               <a:latin typeface="AdobeClean-LightIt"/>
               <a:cs typeface="AdobeClean-LightIt"/>
             </a:endParaRPr>
@@ -16286,56 +15311,36 @@
               </a:spcBef>
             </a:pPr>
             <a:r>
-              <a:rPr sz="800" spc="-5">
+              <a:rPr lang="de-de" sz="800" spc="-5" dirty="0">
                 <a:solidFill>
                   <a:srgbClr val="6D6D6D"/>
                 </a:solidFill>
                 <a:latin typeface="Adobe Clean"/>
                 <a:cs typeface="Adobe Clean"/>
               </a:rPr>
-              <a:t>©202</a:t>
-            </a:r>
-            <a:r>
-              <a:rPr lang="en-US" sz="800" spc="-5">
+              <a:t>©2021 Adobe. All Rights Reserved. Adobe</a:t>
+            </a:r>
+            <a:r>
+              <a:rPr lang="de-de" sz="800" spc="75" dirty="0">
                 <a:solidFill>
                   <a:srgbClr val="6D6D6D"/>
                 </a:solidFill>
                 <a:latin typeface="Adobe Clean"/>
                 <a:cs typeface="Adobe Clean"/>
               </a:rPr>
-              <a:t>1</a:t>
-            </a:r>
-            <a:r>
-              <a:rPr sz="800" spc="-5">
+              <a:t> </a:t>
+            </a:r>
+            <a:r>
+              <a:rPr lang="de-de" sz="800" spc="-5" dirty="0">
                 <a:solidFill>
                   <a:srgbClr val="6D6D6D"/>
                 </a:solidFill>
                 <a:latin typeface="Adobe Clean"/>
                 <a:cs typeface="Adobe Clean"/>
               </a:rPr>
-              <a:t> Adobe. All Rights Reserved. Adobe</a:t>
-            </a:r>
-            <a:r>
-              <a:rPr sz="800" spc="75">
-                <a:solidFill>
-                  <a:srgbClr val="6D6D6D"/>
-                </a:solidFill>
-                <a:latin typeface="Adobe Clean"/>
-                <a:cs typeface="Adobe Clean"/>
-              </a:rPr>
-              <a:t> </a:t>
-            </a:r>
-            <a:r>
-              <a:rPr sz="800" spc="-5">
-                <a:solidFill>
-                  <a:srgbClr val="6D6D6D"/>
-                </a:solidFill>
-                <a:latin typeface="Adobe Clean"/>
-                <a:cs typeface="Adobe Clean"/>
-              </a:rPr>
-              <a:t>Confidential.</a:t>
-            </a:r>
-            <a:endParaRPr sz="800">
+              <a:t>기밀.</a:t>
+            </a:r>
+            <a:endParaRPr sz="800" dirty="0">
               <a:latin typeface="Adobe Clean"/>
               <a:cs typeface="Adobe Clean"/>
             </a:endParaRPr>
@@ -16356,55 +15361,163 @@
         </p:nvSpPr>
         <p:spPr>
           <a:xfrm>
-            <a:off x="184181" y="4900727"/>
-            <a:ext cx="7396804" cy="769030"/>
+            <a:off x="171129" y="5057379"/>
+            <a:ext cx="6476646" cy="755976"/>
           </a:xfrm>
           <a:prstGeom prst="rect">
             <a:avLst/>
           </a:prstGeom>
         </p:spPr>
         <p:txBody>
-          <a:bodyPr vert="horz" wrap="square" lIns="0" tIns="116205" rIns="0" bIns="0" rtlCol="0" anchor="t">
+          <a:bodyPr vert="horz" wrap="square" lIns="0" tIns="116205" rIns="0" bIns="0" rtlCol="0">
             <a:spAutoFit/>
           </a:bodyPr>
           <a:lstStyle/>
           <a:p>
-            <a:pPr>
+            <a:pPr lvl="0">
               <a:spcBef>
                 <a:spcPts val="915"/>
               </a:spcBef>
             </a:pPr>
             <a:r>
-              <a:rPr lang="en-US" sz="1400" b="1" spc="-15">
+              <a:rPr lang="en-US" altLang="ko-KR" sz="1400" b="1" spc="-15" dirty="0">
                 <a:solidFill>
                   <a:srgbClr val="020302"/>
                 </a:solidFill>
                 <a:latin typeface="Adobe Clean"/>
                 <a:cs typeface="Adobe Clean"/>
               </a:rPr>
-              <a:t>Regional scope of Adobe Support, Local Hours Of Operation And Language Support</a:t>
-            </a:r>
-            <a:endParaRPr lang="en-US" sz="1400" spc="-15">
-              <a:ea typeface="+mn-lt"/>
-              <a:cs typeface="+mn-lt"/>
+              <a:t>Adobe </a:t>
+            </a:r>
+            <a:r>
+              <a:rPr lang="ko-KR" altLang="en-US" sz="1400" b="1" spc="-15" dirty="0">
+                <a:solidFill>
+                  <a:srgbClr val="020302"/>
+                </a:solidFill>
+                <a:latin typeface="Adobe Clean"/>
+                <a:cs typeface="Adobe Clean"/>
+              </a:rPr>
+              <a:t>지원의 지역적 범위</a:t>
+            </a:r>
+            <a:r>
+              <a:rPr lang="en-US" altLang="ko-KR" sz="1400" b="1" spc="-15" dirty="0">
+                <a:solidFill>
+                  <a:srgbClr val="020302"/>
+                </a:solidFill>
+                <a:latin typeface="Adobe Clean"/>
+                <a:cs typeface="Adobe Clean"/>
+              </a:rPr>
+              <a:t>, </a:t>
+            </a:r>
+            <a:r>
+              <a:rPr lang="ko-KR" altLang="en-US" sz="1400" b="1" spc="-15" dirty="0">
+                <a:solidFill>
+                  <a:srgbClr val="020302"/>
+                </a:solidFill>
+                <a:latin typeface="Adobe Clean"/>
+                <a:cs typeface="Adobe Clean"/>
+              </a:rPr>
+              <a:t>로컬 운영 시간 및 언어 지원</a:t>
+            </a:r>
+            <a:endParaRPr lang="pl-PL" altLang="ko-KR" sz="1400" b="1" spc="-15" dirty="0">
+              <a:solidFill>
+                <a:srgbClr val="020302"/>
+              </a:solidFill>
+              <a:latin typeface="Adobe Clean"/>
+              <a:cs typeface="Adobe Clean"/>
             </a:endParaRPr>
           </a:p>
           <a:p>
-            <a:pPr>
+            <a:pPr lvl="0">
               <a:spcBef>
                 <a:spcPts val="915"/>
               </a:spcBef>
             </a:pPr>
             <a:r>
-              <a:rPr lang="en-US" sz="1000" spc="-15">
+              <a:rPr lang="en-US" altLang="ko-KR" sz="1000" spc="-15" dirty="0">
                 <a:solidFill>
                   <a:srgbClr val="1F1F1F"/>
                 </a:solidFill>
                 <a:latin typeface="AdobeClean-Light"/>
               </a:rPr>
-              <a:t>The regional scope of Adobe Support is established by aligning the customer's billing address (via the Sales Order or other Adobe Support purchasing document) to one of the following regions:</a:t>
-            </a:r>
-            <a:endParaRPr lang="en-US" sz="1000">
+              <a:t>Adobe </a:t>
+            </a:r>
+            <a:r>
+              <a:rPr lang="ko-KR" altLang="en-US" sz="1000" spc="-15" dirty="0">
+                <a:solidFill>
+                  <a:srgbClr val="1F1F1F"/>
+                </a:solidFill>
+                <a:latin typeface="AdobeClean-Light"/>
+              </a:rPr>
+              <a:t>지원의 지역적 범위는 </a:t>
+            </a:r>
+            <a:r>
+              <a:rPr lang="en-US" altLang="ko-KR" sz="1000" spc="-15" dirty="0">
+                <a:solidFill>
+                  <a:srgbClr val="1F1F1F"/>
+                </a:solidFill>
+                <a:latin typeface="AdobeClean-Light"/>
+              </a:rPr>
+              <a:t>(</a:t>
+            </a:r>
+            <a:r>
+              <a:rPr lang="ko-KR" altLang="en-US" sz="1000" spc="-15" dirty="0">
+                <a:solidFill>
+                  <a:srgbClr val="1F1F1F"/>
+                </a:solidFill>
+                <a:latin typeface="AdobeClean-Light"/>
+              </a:rPr>
+              <a:t>판매 주문서 또는 기타 </a:t>
+            </a:r>
+            <a:r>
+              <a:rPr lang="en-US" altLang="ko-KR" sz="1000" spc="-15" dirty="0">
+                <a:solidFill>
+                  <a:srgbClr val="1F1F1F"/>
+                </a:solidFill>
+                <a:latin typeface="AdobeClean-Light"/>
+              </a:rPr>
+              <a:t>Adobe </a:t>
+            </a:r>
+            <a:r>
+              <a:rPr lang="ko-KR" altLang="en-US" sz="1000" spc="-15" dirty="0">
+                <a:solidFill>
+                  <a:srgbClr val="1F1F1F"/>
+                </a:solidFill>
+                <a:latin typeface="AdobeClean-Light"/>
+              </a:rPr>
+              <a:t>지원 구매 문서를 통해</a:t>
+            </a:r>
+            <a:r>
+              <a:rPr lang="en-US" altLang="ko-KR" sz="1000" spc="-15" dirty="0">
+                <a:solidFill>
+                  <a:srgbClr val="1F1F1F"/>
+                </a:solidFill>
+                <a:latin typeface="AdobeClean-Light"/>
+              </a:rPr>
+              <a:t>) </a:t>
+            </a:r>
+            <a:r>
+              <a:rPr lang="ko-KR" altLang="en-US" sz="1000" spc="-15" dirty="0">
+                <a:solidFill>
+                  <a:srgbClr val="1F1F1F"/>
+                </a:solidFill>
+                <a:latin typeface="AdobeClean-Light"/>
+              </a:rPr>
+              <a:t>고객의 청구 주소를 다음 지역 중 하나에 맞춤으로써 설정됩니다</a:t>
+            </a:r>
+            <a:r>
+              <a:rPr lang="en-US" altLang="ko-KR" sz="1000" spc="-15" dirty="0">
+                <a:solidFill>
+                  <a:srgbClr val="1F1F1F"/>
+                </a:solidFill>
+                <a:latin typeface="AdobeClean-Light"/>
+              </a:rPr>
+              <a:t>.</a:t>
+            </a:r>
+            <a:endParaRPr lang="de-de" sz="1000" spc="-15" dirty="0">
+              <a:solidFill>
+                <a:srgbClr val="1F1F1F"/>
+              </a:solidFill>
               <a:latin typeface="AdobeClean-Light"/>
             </a:endParaRPr>
           </a:p>
@@ -16425,14 +15538,14 @@
           <p:nvPr>
             <p:extLst>
               <p:ext uri="{D42A27DB-BD31-4B8C-83A1-F6EECF244321}">
-                <p14:modId xmlns:p14="http://schemas.microsoft.com/office/powerpoint/2010/main" val="3975465108"/>
+                <p14:modId xmlns:p14="http://schemas.microsoft.com/office/powerpoint/2010/main" val="131420723"/>
               </p:ext>
             </p:extLst>
           </p:nvPr>
         </p:nvGraphicFramePr>
         <p:xfrm>
           <a:off x="171128" y="5907213"/>
-          <a:ext cx="7391400" cy="1336040"/>
+          <a:ext cx="7391400" cy="1280160"/>
         </p:xfrm>
         <a:graphic>
           <a:graphicData uri="http://schemas.openxmlformats.org/drawingml/2006/table">
@@ -16478,13 +15591,13 @@
                     <a:p>
                       <a:pPr algn="ctr"/>
                       <a:r>
-                        <a:rPr lang="en-US" sz="1100">
+                        <a:rPr lang="de-de" sz="1100" dirty="0">
                           <a:solidFill>
                             <a:schemeClr val="tx1"/>
                           </a:solidFill>
                           <a:latin typeface="Adobe Clean" panose="020B0503020404020204" pitchFamily="34" charset="0"/>
                         </a:rPr>
-                        <a:t>Americas</a:t>
+                        <a:t>미주</a:t>
                       </a:r>
                     </a:p>
                   </a:txBody>
@@ -16543,13 +15656,13 @@
                     <a:p>
                       <a:pPr algn="ctr"/>
                       <a:r>
-                        <a:rPr lang="en-US" sz="1100">
+                        <a:rPr lang="de-de" sz="1100" dirty="0">
                           <a:solidFill>
                             <a:schemeClr val="tx1"/>
                           </a:solidFill>
                           <a:latin typeface="Adobe Clean" panose="020B0503020404020204" pitchFamily="34" charset="0"/>
                         </a:rPr>
-                        <a:t>Europe, Middle East &amp; Africa</a:t>
+                        <a:t>유럽, 중동 및 아프리카</a:t>
                       </a:r>
                     </a:p>
                   </a:txBody>
@@ -16608,13 +15721,13 @@
                     <a:p>
                       <a:pPr algn="ctr"/>
                       <a:r>
-                        <a:rPr lang="en-US" sz="1100">
+                        <a:rPr lang="de-de" sz="1100" dirty="0">
                           <a:solidFill>
                             <a:schemeClr val="tx1"/>
                           </a:solidFill>
                           <a:latin typeface="Adobe Clean" panose="020B0503020404020204" pitchFamily="34" charset="0"/>
                         </a:rPr>
-                        <a:t>Asia Pacific</a:t>
+                        <a:t>아시아 태평양</a:t>
                       </a:r>
                     </a:p>
                   </a:txBody>
@@ -16673,16 +15786,16 @@
                     <a:p>
                       <a:pPr algn="ctr"/>
                       <a:r>
-                        <a:rPr lang="en-US" sz="1100">
+                        <a:rPr lang="de-de" sz="1100" dirty="0">
                           <a:solidFill>
                             <a:schemeClr val="tx1"/>
                           </a:solidFill>
                           <a:latin typeface="Adobe Clean" panose="020B0503020404020204" pitchFamily="34" charset="0"/>
                         </a:rPr>
-                        <a:t>Japan </a:t>
+                        <a:t>일본 </a:t>
                       </a:r>
                       <a:r>
-                        <a:rPr lang="en-US" sz="1100" baseline="30000">
+                        <a:rPr lang="de-de" sz="1100" baseline="30000" dirty="0">
                           <a:solidFill>
                             <a:schemeClr val="tx1"/>
                           </a:solidFill>
@@ -16690,7 +15803,7 @@
                         </a:rPr>
                         <a:t>1 </a:t>
                       </a:r>
-                      <a:endParaRPr lang="en-US" sz="1100">
+                      <a:endParaRPr lang="en-US" sz="1100" dirty="0">
                         <a:solidFill>
                           <a:schemeClr val="tx1"/>
                         </a:solidFill>
@@ -16760,13 +15873,13 @@
                     <a:p>
                       <a:pPr algn="ctr"/>
                       <a:r>
-                        <a:rPr lang="en-US" sz="1100">
+                        <a:rPr lang="de-de" sz="1100" dirty="0">
                           <a:solidFill>
                             <a:schemeClr val="tx1"/>
                           </a:solidFill>
                           <a:latin typeface="Adobe Clean" panose="020B0503020404020204" pitchFamily="34" charset="0"/>
                         </a:rPr>
-                        <a:t>6 am – 5:30 pm</a:t>
+                        <a:t>오전 6시~오후 5시 30분</a:t>
                       </a:r>
                     </a:p>
                   </a:txBody>
@@ -16825,13 +15938,13 @@
                     <a:p>
                       <a:pPr algn="ctr"/>
                       <a:r>
-                        <a:rPr lang="en-US" sz="1100">
+                        <a:rPr lang="de-de" sz="1100" dirty="0">
                           <a:solidFill>
                             <a:schemeClr val="tx1"/>
                           </a:solidFill>
                           <a:latin typeface="Adobe Clean" panose="020B0503020404020204" pitchFamily="34" charset="0"/>
                         </a:rPr>
-                        <a:t>9 am – 5 pm</a:t>
+                        <a:t>오전 9시~오후 5시</a:t>
                       </a:r>
                     </a:p>
                   </a:txBody>
@@ -16890,13 +16003,13 @@
                     <a:p>
                       <a:pPr algn="ctr"/>
                       <a:r>
-                        <a:rPr lang="en-US" sz="1100">
+                        <a:rPr lang="de-de" sz="1100" dirty="0">
                           <a:solidFill>
                             <a:schemeClr val="tx1"/>
                           </a:solidFill>
                           <a:latin typeface="Adobe Clean" panose="020B0503020404020204" pitchFamily="34" charset="0"/>
                         </a:rPr>
-                        <a:t>9 am – 5 pm</a:t>
+                        <a:t>오전 9시~오후 5시</a:t>
                       </a:r>
                     </a:p>
                   </a:txBody>
@@ -16955,13 +16068,13 @@
                     <a:p>
                       <a:pPr algn="ctr"/>
                       <a:r>
-                        <a:rPr lang="en-US" sz="1100">
+                        <a:rPr lang="de-de" sz="1100" dirty="0">
                           <a:solidFill>
                             <a:schemeClr val="tx1"/>
                           </a:solidFill>
                           <a:latin typeface="Adobe Clean" panose="020B0503020404020204" pitchFamily="34" charset="0"/>
                         </a:rPr>
-                        <a:t>9 am – 5:30 pm</a:t>
+                        <a:t>오전 9시~오후 5시 30분</a:t>
                       </a:r>
                     </a:p>
                   </a:txBody>
@@ -17025,7 +16138,7 @@
                     <a:bodyPr/>
                     <a:lstStyle/>
                     <a:p>
-                      <a:pPr marL="0" marR="0" lvl="0" indent="0" algn="ctr" eaLnBrk="1" fontAlgn="auto" latinLnBrk="0" hangingPunct="1">
+                      <a:pPr marL="0" marR="0" lvl="0" indent="0" algn="ctr" defTabSz="914400" eaLnBrk="1" fontAlgn="auto" latinLnBrk="0" hangingPunct="1">
                         <a:lnSpc>
                           <a:spcPct val="100000"/>
                         </a:lnSpc>
@@ -17039,22 +16152,18 @@
                         <a:buSzTx/>
                         <a:buFontTx/>
                         <a:buNone/>
+                        <a:tabLst/>
+                        <a:defRPr/>
                       </a:pPr>
                       <a:r>
-                        <a:rPr lang="en-US" sz="1100">
+                        <a:rPr lang="de-de" sz="1100" dirty="0">
                           <a:solidFill>
                             <a:schemeClr val="tx1"/>
                           </a:solidFill>
-                          <a:latin typeface="Adobe Clean"/>
+                          <a:latin typeface="Adobe Clean" panose="020B0503020404020204" pitchFamily="34" charset="0"/>
                         </a:rPr>
-                        <a:t>Language support is only available in English and Japanese. </a:t>
+                        <a:t>언어 지원은 영어와 일본어로만 제공됩니다. </a:t>
                       </a:r>
-                      <a:endParaRPr lang="en-US" sz="1100">
-                        <a:solidFill>
-                          <a:schemeClr val="tx1"/>
-                        </a:solidFill>
-                        <a:latin typeface="Adobe Clean" panose="020B0503020404020204" pitchFamily="34" charset="0"/>
-                      </a:endParaRPr>
                     </a:p>
                     <a:p>
                       <a:pPr marL="0" marR="0" lvl="0" indent="0" algn="ctr" defTabSz="914400" eaLnBrk="1" fontAlgn="auto" latinLnBrk="0" hangingPunct="1">
@@ -17074,7 +16183,7 @@
                         <a:tabLst/>
                         <a:defRPr/>
                       </a:pPr>
-                      <a:endParaRPr kumimoji="0" lang="en-US" sz="1100" b="1" i="0" u="none" strike="noStrike" kern="0" cap="none" spc="0" normalizeH="0" baseline="30000" noProof="0">
+                      <a:endParaRPr kumimoji="0" lang="en-US" sz="1100" b="1" i="0" u="none" strike="noStrike" kern="0" cap="none" spc="0" normalizeH="0" baseline="30000" noProof="0" dirty="0">
                         <a:ln>
                           <a:noFill/>
                         </a:ln>
@@ -17092,38 +16201,68 @@
                     <a:p>
                       <a:pPr algn="ctr"/>
                       <a:r>
-                        <a:rPr lang="en-US" sz="1100" i="0">
+                        <a:rPr lang="de-de" sz="1100" i="0" dirty="0">
                           <a:solidFill>
                             <a:schemeClr val="tx1"/>
                           </a:solidFill>
-                          <a:latin typeface="Adobe Clean"/>
+                          <a:latin typeface="Adobe Clean" panose="020B0503020404020204" pitchFamily="34" charset="0"/>
                         </a:rPr>
-                        <a:t> </a:t>
+                        <a:t> </a:t>
                       </a:r>
                       <a:r>
-                        <a:rPr lang="en-US" sz="1100" i="0" baseline="30000">
+                        <a:rPr lang="de-de" sz="1100" i="0" baseline="30000" dirty="0">
                           <a:solidFill>
                             <a:schemeClr val="tx1"/>
                           </a:solidFill>
-                          <a:latin typeface="Adobe Clean"/>
+                          <a:latin typeface="Adobe Clean" panose="020B0503020404020204" pitchFamily="34" charset="0"/>
                         </a:rPr>
-                        <a:t>1 </a:t>
+                        <a:t>1</a:t>
                       </a:r>
                       <a:r>
-                        <a:rPr lang="en-US" sz="1100" i="0">
+                        <a:rPr lang="ko-KR" altLang="en-US" sz="1100" i="0" baseline="30000" dirty="0">
                           <a:solidFill>
                             <a:schemeClr val="tx1"/>
                           </a:solidFill>
-                          <a:latin typeface="Adobe Clean"/>
+                          <a:latin typeface="Adobe Clean" panose="020B0503020404020204" pitchFamily="34" charset="0"/>
                         </a:rPr>
-                        <a:t>P2, P3, P4 cases are limited to business hours only in Japan.</a:t>
+                        <a:t>일본에서 </a:t>
                       </a:r>
-                      <a:endParaRPr lang="en-US" sz="1100" b="1" i="0">
-                        <a:solidFill>
-                          <a:schemeClr val="tx1"/>
-                        </a:solidFill>
-                        <a:latin typeface="Adobe Clean"/>
-                      </a:endParaRPr>
+                      <a:r>
+                        <a:rPr lang="en-US" altLang="ko-KR" sz="1100" i="0" baseline="30000" dirty="0">
+                          <a:solidFill>
+                            <a:schemeClr val="tx1"/>
+                          </a:solidFill>
+                          <a:latin typeface="Adobe Clean" panose="020B0503020404020204" pitchFamily="34" charset="0"/>
+                        </a:rPr>
+                        <a:t>P2, P3, P4 </a:t>
+                      </a:r>
+                      <a:r>
+                        <a:rPr lang="ko-KR" altLang="en-US" sz="1100" i="0" baseline="30000" dirty="0">
+                          <a:solidFill>
+                            <a:schemeClr val="tx1"/>
+                          </a:solidFill>
+                          <a:latin typeface="Adobe Clean" panose="020B0503020404020204" pitchFamily="34" charset="0"/>
+                        </a:rPr>
+                        <a:t>사례는 업무 시간으로만 제한됩니다</a:t>
+                      </a:r>
+                      <a:r>
+                        <a:rPr lang="en-US" altLang="ko-KR" sz="1100" i="0" baseline="30000" dirty="0">
+                          <a:solidFill>
+                            <a:schemeClr val="tx1"/>
+                          </a:solidFill>
+                          <a:latin typeface="Adobe Clean" panose="020B0503020404020204" pitchFamily="34" charset="0"/>
+                        </a:rPr>
+                        <a:t>.</a:t>
+                      </a:r>
+                      <a:r>
+                        <a:rPr lang="de-de" sz="1100" dirty="0">
+                          <a:solidFill>
+                            <a:schemeClr val="tx1"/>
+                          </a:solidFill>
+                          <a:latin typeface="Adobe Clean" panose="020B0503020404020204" pitchFamily="34" charset="0"/>
+                        </a:rPr>
+                        <a:t>.</a:t>
+                      </a:r>
                     </a:p>
                   </a:txBody>
                   <a:tcPr anchor="ctr">
@@ -17179,7 +16318,7 @@
                     <a:bodyPr/>
                     <a:lstStyle/>
                     <a:p>
-                      <a:endParaRPr lang="en-US" sz="1100">
+                      <a:endParaRPr lang="en-US" sz="1100" dirty="0">
                         <a:solidFill>
                           <a:schemeClr val="tx1"/>
                         </a:solidFill>
@@ -17240,7 +16379,7 @@
                     <a:bodyPr/>
                     <a:lstStyle/>
                     <a:p>
-                      <a:endParaRPr lang="en-US" sz="1100">
+                      <a:endParaRPr lang="en-US" sz="1100" dirty="0">
                         <a:solidFill>
                           <a:schemeClr val="tx1"/>
                         </a:solidFill>
@@ -17301,7 +16440,7 @@
                     <a:bodyPr/>
                     <a:lstStyle/>
                     <a:p>
-                      <a:endParaRPr lang="en-US" sz="1100">
+                      <a:endParaRPr lang="en-US" sz="1100" dirty="0">
                         <a:solidFill>
                           <a:schemeClr val="tx1"/>
                         </a:solidFill>
@@ -17487,126 +16626,36 @@
               </a:spcBef>
             </a:pPr>
             <a:r>
-              <a:rPr sz="1200" b="1" spc="-15">
+              <a:rPr lang="de-de" sz="1200" b="1" spc="-15" dirty="0">
                 <a:solidFill>
                   <a:srgbClr val="FFFFFF"/>
                 </a:solidFill>
                 <a:latin typeface="Adobe Clean"/>
                 <a:cs typeface="Adobe Clean"/>
               </a:rPr>
-              <a:t>U</a:t>
-            </a:r>
-            <a:r>
-              <a:rPr sz="1200" b="1" spc="-20">
+              <a:t>탁월한</a:t>
+            </a:r>
+            <a:r>
+              <a:rPr lang="de-de" sz="1200" b="1" dirty="0">
                 <a:solidFill>
                   <a:srgbClr val="FFFFFF"/>
                 </a:solidFill>
                 <a:latin typeface="Adobe Clean"/>
                 <a:cs typeface="Adobe Clean"/>
               </a:rPr>
-              <a:t>n</a:t>
-            </a:r>
-            <a:r>
-              <a:rPr sz="1200" b="1" spc="-25">
+              <a:t> </a:t>
+            </a:r>
+            <a:r>
+              <a:rPr lang="de-de" sz="1200" b="1" spc="-25" dirty="0">
                 <a:solidFill>
                   <a:srgbClr val="FFFFFF"/>
                 </a:solidFill>
                 <a:latin typeface="Adobe Clean"/>
                 <a:cs typeface="Adobe Clean"/>
               </a:rPr>
-              <a:t>p</a:t>
-            </a:r>
-            <a:r>
-              <a:rPr sz="1200" b="1" spc="-15">
-                <a:solidFill>
-                  <a:srgbClr val="FFFFFF"/>
-                </a:solidFill>
-                <a:latin typeface="Adobe Clean"/>
-                <a:cs typeface="Adobe Clean"/>
-              </a:rPr>
-              <a:t>a</a:t>
-            </a:r>
-            <a:r>
-              <a:rPr sz="1200" b="1" spc="-25">
-                <a:solidFill>
-                  <a:srgbClr val="FFFFFF"/>
-                </a:solidFill>
-                <a:latin typeface="Adobe Clean"/>
-                <a:cs typeface="Adobe Clean"/>
-              </a:rPr>
-              <a:t>r</a:t>
-            </a:r>
-            <a:r>
-              <a:rPr sz="1200" b="1" spc="-15">
-                <a:solidFill>
-                  <a:srgbClr val="FFFFFF"/>
-                </a:solidFill>
-                <a:latin typeface="Adobe Clean"/>
-                <a:cs typeface="Adobe Clean"/>
-              </a:rPr>
-              <a:t>a</a:t>
-            </a:r>
-            <a:r>
-              <a:rPr sz="1200" b="1" spc="-30">
-                <a:solidFill>
-                  <a:srgbClr val="FFFFFF"/>
-                </a:solidFill>
-                <a:latin typeface="Adobe Clean"/>
-                <a:cs typeface="Adobe Clean"/>
-              </a:rPr>
-              <a:t>ll</a:t>
-            </a:r>
-            <a:r>
-              <a:rPr sz="1200" b="1" spc="-25">
-                <a:solidFill>
-                  <a:srgbClr val="FFFFFF"/>
-                </a:solidFill>
-                <a:latin typeface="Adobe Clean"/>
-                <a:cs typeface="Adobe Clean"/>
-              </a:rPr>
-              <a:t>e</a:t>
-            </a:r>
-            <a:r>
-              <a:rPr sz="1200" b="1" spc="-30">
-                <a:solidFill>
-                  <a:srgbClr val="FFFFFF"/>
-                </a:solidFill>
-                <a:latin typeface="Adobe Clean"/>
-                <a:cs typeface="Adobe Clean"/>
-              </a:rPr>
-              <a:t>l</a:t>
-            </a:r>
-            <a:r>
-              <a:rPr sz="1200" b="1" spc="-25">
-                <a:solidFill>
-                  <a:srgbClr val="FFFFFF"/>
-                </a:solidFill>
-                <a:latin typeface="Adobe Clean"/>
-                <a:cs typeface="Adobe Clean"/>
-              </a:rPr>
-              <a:t>e</a:t>
-            </a:r>
-            <a:r>
-              <a:rPr sz="1200" b="1">
-                <a:solidFill>
-                  <a:srgbClr val="FFFFFF"/>
-                </a:solidFill>
-                <a:latin typeface="Adobe Clean"/>
-                <a:cs typeface="Adobe Clean"/>
-              </a:rPr>
-              <a:t>d  </a:t>
-            </a:r>
-            <a:r>
-              <a:rPr sz="1200" b="1" spc="-25">
-                <a:solidFill>
-                  <a:srgbClr val="FFFFFF"/>
-                </a:solidFill>
-                <a:latin typeface="Adobe Clean"/>
-                <a:cs typeface="Adobe Clean"/>
-              </a:rPr>
-              <a:t>Expertise</a:t>
-            </a:r>
-            <a:endParaRPr sz="1200">
+              <a:t>전문성</a:t>
+            </a:r>
+            <a:endParaRPr sz="1200" dirty="0">
               <a:latin typeface="Adobe Clean"/>
               <a:cs typeface="Adobe Clean"/>
             </a:endParaRPr>
@@ -17649,16 +16698,16 @@
               </a:spcBef>
             </a:pPr>
             <a:r>
-              <a:rPr lang="en-US" sz="1200" b="1" spc="-15">
+              <a:rPr lang="de-de" sz="1200" b="1" spc="-15" dirty="0">
                 <a:solidFill>
                   <a:srgbClr val="FFFFFF"/>
                 </a:solidFill>
                 <a:latin typeface="Adobe Clean"/>
                 <a:cs typeface="Adobe Clean"/>
               </a:rPr>
-              <a:t>Accelerated Support</a:t>
-            </a:r>
-            <a:endParaRPr sz="1200">
+              <a:t>신속한 지원</a:t>
+            </a:r>
+            <a:endParaRPr sz="1200" dirty="0">
               <a:latin typeface="Adobe Clean"/>
               <a:cs typeface="Adobe Clean"/>
             </a:endParaRPr>
@@ -17701,106 +16750,36 @@
               </a:spcBef>
             </a:pPr>
             <a:r>
-              <a:rPr sz="1200" b="1" spc="-50">
+              <a:rPr lang="de-de" sz="1200" b="1" spc="-50" dirty="0">
                 <a:solidFill>
                   <a:srgbClr val="FFFFFF"/>
                 </a:solidFill>
                 <a:latin typeface="Adobe Clean"/>
                 <a:cs typeface="Adobe Clean"/>
               </a:rPr>
-              <a:t>S</a:t>
-            </a:r>
-            <a:r>
-              <a:rPr sz="1200" b="1" spc="-20">
+              <a:t>전략적</a:t>
+            </a:r>
+            <a:r>
+              <a:rPr lang="de-de" sz="1200" b="1" dirty="0">
                 <a:solidFill>
                   <a:srgbClr val="FFFFFF"/>
                 </a:solidFill>
                 <a:latin typeface="Adobe Clean"/>
                 <a:cs typeface="Adobe Clean"/>
               </a:rPr>
-              <a:t>t</a:t>
-            </a:r>
-            <a:r>
-              <a:rPr sz="1200" b="1" spc="-75">
+              <a:t> </a:t>
+            </a:r>
+            <a:r>
+              <a:rPr lang="de-de" sz="1200" b="1" spc="-45" dirty="0">
                 <a:solidFill>
                   <a:srgbClr val="FFFFFF"/>
                 </a:solidFill>
                 <a:latin typeface="Adobe Clean"/>
                 <a:cs typeface="Adobe Clean"/>
               </a:rPr>
-              <a:t>r</a:t>
-            </a:r>
-            <a:r>
-              <a:rPr sz="1200" b="1" spc="-90">
-                <a:solidFill>
-                  <a:srgbClr val="FFFFFF"/>
-                </a:solidFill>
-                <a:latin typeface="Adobe Clean"/>
-                <a:cs typeface="Adobe Clean"/>
-              </a:rPr>
-              <a:t>a</a:t>
-            </a:r>
-            <a:r>
-              <a:rPr sz="1200" b="1" spc="-55">
-                <a:solidFill>
-                  <a:srgbClr val="FFFFFF"/>
-                </a:solidFill>
-                <a:latin typeface="Adobe Clean"/>
-                <a:cs typeface="Adobe Clean"/>
-              </a:rPr>
-              <a:t>t</a:t>
-            </a:r>
-            <a:r>
-              <a:rPr sz="1200" b="1" spc="-100">
-                <a:solidFill>
-                  <a:srgbClr val="FFFFFF"/>
-                </a:solidFill>
-                <a:latin typeface="Adobe Clean"/>
-                <a:cs typeface="Adobe Clean"/>
-              </a:rPr>
-              <a:t>e</a:t>
-            </a:r>
-            <a:r>
-              <a:rPr sz="1200" b="1" spc="-80">
-                <a:solidFill>
-                  <a:srgbClr val="FFFFFF"/>
-                </a:solidFill>
-                <a:latin typeface="Adobe Clean"/>
-                <a:cs typeface="Adobe Clean"/>
-              </a:rPr>
-              <a:t>g</a:t>
-            </a:r>
-            <a:r>
-              <a:rPr sz="1200" b="1" spc="-35">
-                <a:solidFill>
-                  <a:srgbClr val="FFFFFF"/>
-                </a:solidFill>
-                <a:latin typeface="Adobe Clean"/>
-                <a:cs typeface="Adobe Clean"/>
-              </a:rPr>
-              <a:t>i</a:t>
-            </a:r>
-            <a:r>
-              <a:rPr sz="1200" b="1">
-                <a:solidFill>
-                  <a:srgbClr val="FFFFFF"/>
-                </a:solidFill>
-                <a:latin typeface="Adobe Clean"/>
-                <a:cs typeface="Adobe Clean"/>
-              </a:rPr>
-              <a:t>c  </a:t>
-            </a:r>
-            <a:r>
-              <a:rPr sz="1200" b="1" spc="-45">
-                <a:solidFill>
-                  <a:srgbClr val="FFFFFF"/>
-                </a:solidFill>
-                <a:latin typeface="Adobe Clean"/>
-                <a:cs typeface="Adobe Clean"/>
-              </a:rPr>
-              <a:t>Advice</a:t>
-            </a:r>
-            <a:endParaRPr sz="1200">
+              <a:t>조언</a:t>
+            </a:r>
+            <a:endParaRPr sz="1200" dirty="0">
               <a:latin typeface="Adobe Clean"/>
               <a:cs typeface="Adobe Clean"/>
             </a:endParaRPr>
@@ -17860,7 +16839,7 @@
                     <a:lstStyle/>
                     <a:p>
                       <a:r>
-                        <a:rPr lang="en-US" sz="1100" b="0">
+                        <a:rPr lang="de-de" sz="1100" b="0" dirty="0">
                           <a:solidFill>
                             <a:schemeClr val="tx1"/>
                           </a:solidFill>
@@ -17871,7 +16850,7 @@
                         </a:rPr>
                         <a:t>Experience League</a:t>
                       </a:r>
-                      <a:endParaRPr lang="en-US" sz="1100" b="0">
+                      <a:endParaRPr lang="en-US" sz="1100" b="0" dirty="0">
                         <a:solidFill>
                           <a:schemeClr val="tx1"/>
                         </a:solidFill>
@@ -17952,7 +16931,7 @@
                         <a:defRPr/>
                       </a:pPr>
                       <a:r>
-                        <a:rPr lang="en-US" sz="1000" b="0" kern="1200">
+                        <a:rPr lang="de-de" sz="1000" b="0" kern="1200" dirty="0">
                           <a:solidFill>
                             <a:srgbClr val="000000"/>
                           </a:solidFill>
@@ -17960,7 +16939,7 @@
                           <a:ea typeface="+mn-ea"/>
                           <a:cs typeface="+mn-cs"/>
                         </a:rPr>
-                        <a:t>Experience League is how Adobe helps businesses achieve the value they expect from their Adobe investment. It’s the unified place where customers can learn, connect, and grow along a personalized path to success that includes self-help tutorials, product documentation, instructor-led training, community and technical support. </a:t>
+                        <a:t>Experience League를 통해 Adobe는 기업이 Adobe 투자에서 기대하는 가치를 달성하도록 지원합니다. 고객이 자기 주도 튜토리얼, 제품 설명서, 강의식 교육, 커뮤니티 및 기술 지원을 포함하는 개인 맞춤형 성공 경로를 따라가며 배우고, 교류하고, 성장할 수 있는 통합된 공간입니다. </a:t>
                       </a:r>
                     </a:p>
                   </a:txBody>
@@ -18042,7 +17021,7 @@
                         <a:defRPr/>
                       </a:pPr>
                       <a:r>
-                        <a:rPr lang="en-US" sz="1100">
+                        <a:rPr lang="de-de" sz="1100" dirty="0">
                           <a:solidFill>
                             <a:schemeClr val="dk1"/>
                           </a:solidFill>
@@ -18052,10 +17031,10 @@
                           <a:cs typeface="+mn-cs"/>
                           <a:hlinkClick r:id="rId8"/>
                         </a:rPr>
-                        <a:t>Training</a:t>
+                        <a:t>교육</a:t>
                       </a:r>
                       <a:r>
-                        <a:rPr lang="en-US" sz="1100">
+                        <a:rPr lang="de-de" sz="1100" dirty="0">
                           <a:solidFill>
                             <a:schemeClr val="dk1"/>
                           </a:solidFill>
@@ -18066,7 +17045,7 @@
                         </a:rPr>
                         <a:t> </a:t>
                       </a:r>
-                      <a:endParaRPr lang="en-US" sz="1100">
+                      <a:endParaRPr lang="en-US" sz="1100" dirty="0">
                         <a:solidFill>
                           <a:schemeClr val="tx1"/>
                         </a:solidFill>
@@ -18148,7 +17127,7 @@
                         <a:defRPr/>
                       </a:pPr>
                       <a:r>
-                        <a:rPr lang="en-US" sz="1000" kern="1200">
+                        <a:rPr lang="de-de" sz="1000" kern="1200" dirty="0">
                           <a:solidFill>
                             <a:srgbClr val="000000"/>
                           </a:solidFill>
@@ -18156,7 +17135,7 @@
                           <a:ea typeface="+mn-ea"/>
                           <a:cs typeface="+mn-cs"/>
                         </a:rPr>
-                        <a:t>Adobe Digital Learning Services courses are accessible from Experience League. Learning courses integrate both on-demand and instructor-led lessons.  Here you can accrue skills that have recognized market value and position them to drive success in your organizations.</a:t>
+                        <a:t>Adobe 디지털 학습 서비스 과정은 Experience League에서 액세스할 수 있습니다. 학습 과정은 주문형 수업과 강의식 수업을 모두 통합합니다. 여기에서 시장 가치를 인정받은 기술을 습득하고 조직에 포지셔닝하여 성공으로 이끌 수 있습니다.</a:t>
                       </a:r>
                     </a:p>
                   </a:txBody>
@@ -18238,7 +17217,7 @@
                         <a:defRPr/>
                       </a:pPr>
                       <a:r>
-                        <a:rPr lang="en-US" sz="1100">
+                        <a:rPr lang="de-de" sz="1100" dirty="0">
                           <a:solidFill>
                             <a:schemeClr val="tx1"/>
                           </a:solidFill>
@@ -18248,9 +17227,9 @@
                           <a:cs typeface="+mn-cs"/>
                           <a:hlinkClick r:id="rId9"/>
                         </a:rPr>
-                        <a:t>Production Issues &amp; System Outages</a:t>
+                        <a:t>생산 문제 및 시스템 중단</a:t>
                       </a:r>
-                      <a:endParaRPr lang="en-US" sz="1100">
+                      <a:endParaRPr lang="en-US" sz="1100" dirty="0">
                         <a:solidFill>
                           <a:schemeClr val="tx1"/>
                         </a:solidFill>
@@ -18332,7 +17311,7 @@
                         <a:defRPr/>
                       </a:pPr>
                       <a:r>
-                        <a:rPr lang="en-US" sz="1000" kern="1200">
+                        <a:rPr lang="de-de" sz="1000" kern="1200" dirty="0">
                           <a:solidFill>
                             <a:srgbClr val="000000"/>
                           </a:solidFill>
@@ -18340,7 +17319,7 @@
                           <a:ea typeface="+mn-ea"/>
                           <a:cs typeface="+mn-cs"/>
                         </a:rPr>
-                        <a:t>Status.adobe.com conveys the health information of all Adobe products and services that are deployed in multi-tenant environments. Customers can choose their subscription preferences to get email notifications whenever Adobe creates, updates or resolves a product event. This can include scheduled maintenance or service issues of varying levels of severity. </a:t>
+                        <a:t>Status.adobe.com은 다중 테넌트 환경에 배포된 모든 Adobe 제품 및 서비스의 상태 정보를 전달합니다. 고객은 구독 기본 설정을 선택하여 Adobe가 제품 이벤트를 생성 업데이트 또는 해결할 때마다 이메일 알림을 받을 수 있습니다. 여기에는 예정된 유지 관리 또는 다양한 심각도 수준의 서비스 문제가 포함될 수 있습니다. </a:t>
                       </a:r>
                     </a:p>
                   </a:txBody>
@@ -18422,7 +17401,7 @@
                         <a:defRPr/>
                       </a:pPr>
                       <a:r>
-                        <a:rPr lang="en-US" sz="1100">
+                        <a:rPr lang="de-de" sz="1100" dirty="0">
                           <a:solidFill>
                             <a:schemeClr val="tx1"/>
                           </a:solidFill>
@@ -18432,9 +17411,9 @@
                           <a:cs typeface="+mn-cs"/>
                           <a:hlinkClick r:id="rId10"/>
                         </a:rPr>
-                        <a:t>Terms and Conditions</a:t>
+                        <a:t>약관</a:t>
                       </a:r>
-                      <a:endParaRPr lang="en-US" sz="1100">
+                      <a:endParaRPr lang="en-US" sz="1100" dirty="0">
                         <a:solidFill>
                           <a:schemeClr val="tx1"/>
                         </a:solidFill>
@@ -18499,7 +17478,7 @@
                     <a:lstStyle/>
                     <a:p>
                       <a:r>
-                        <a:rPr lang="en-US" sz="1000" kern="1200">
+                        <a:rPr lang="de-de" sz="1000" kern="1200" dirty="0">
                           <a:solidFill>
                             <a:srgbClr val="000000"/>
                           </a:solidFill>
@@ -18507,7 +17486,7 @@
                           <a:ea typeface="+mn-ea"/>
                           <a:cs typeface="+mn-cs"/>
                         </a:rPr>
-                        <a:t>Terms and conditions detailing Support Services offerings</a:t>
+                        <a:t>지원 서비스 제공 사항을 자세히 설명하는 약관입니다.</a:t>
                       </a:r>
                     </a:p>
                   </a:txBody>
@@ -18571,7 +17550,7 @@
       </p:graphicFrame>
       <p:pic>
         <p:nvPicPr>
-          <p:cNvPr id="8" name="Graphic 7" descr="Target outline">
+          <p:cNvPr id="8" name="Graphic 7" descr="타겟 개요">
             <a:extLst>
               <a:ext uri="{FF2B5EF4-FFF2-40B4-BE49-F238E27FC236}">
                 <a16:creationId xmlns:a16="http://schemas.microsoft.com/office/drawing/2014/main" id="{1EAA263E-04A7-0D46-952E-EA3033B45116}"/>
@@ -18610,7 +17589,7 @@
       </p:pic>
       <p:pic>
         <p:nvPicPr>
-          <p:cNvPr id="10" name="Graphic 9" descr="Rocket outline">
+          <p:cNvPr id="10" name="Graphic 9" descr="로켓 개요">
             <a:extLst>
               <a:ext uri="{FF2B5EF4-FFF2-40B4-BE49-F238E27FC236}">
                 <a16:creationId xmlns:a16="http://schemas.microsoft.com/office/drawing/2014/main" id="{A068EBC3-B418-4E4A-A520-101CA4B39F23}"/>
@@ -18649,7 +17628,7 @@
       </p:pic>
       <p:pic>
         <p:nvPicPr>
-          <p:cNvPr id="12" name="Graphic 11" descr="Medal outline">
+          <p:cNvPr id="12" name="Graphic 11" descr="메달 개요">
             <a:extLst>
               <a:ext uri="{FF2B5EF4-FFF2-40B4-BE49-F238E27FC236}">
                 <a16:creationId xmlns:a16="http://schemas.microsoft.com/office/drawing/2014/main" id="{C7BEFC2D-0CA6-0448-B9FA-6E1581CA6D36}"/>
@@ -19278,12 +18257,6 @@
 </file>
 
 <file path=customXml/item1.xml><?xml version="1.0" encoding="utf-8"?>
-<p:properties xmlns:p="http://schemas.microsoft.com/office/2006/metadata/properties" xmlns:xsi="http://www.w3.org/2001/XMLSchema-instance" xmlns:pc="http://schemas.microsoft.com/office/infopath/2007/PartnerControls">
-  <documentManagement/>
-</p:properties>
-</file>
-
-<file path=customXml/item2.xml><?xml version="1.0" encoding="utf-8"?>
 <ct:contentTypeSchema xmlns:ct="http://schemas.microsoft.com/office/2006/metadata/contentType" xmlns:ma="http://schemas.microsoft.com/office/2006/metadata/properties/metaAttributes" ct:_="" ma:_="" ma:contentTypeName="Document" ma:contentTypeID="0x010100E783BF6876BCC646A459363AF21A7736" ma:contentTypeVersion="10" ma:contentTypeDescription="Create a new document." ma:contentTypeScope="" ma:versionID="c4ffda7f4f415767600769e454c2ea87">
   <xsd:schema xmlns:xsd="http://www.w3.org/2001/XMLSchema" xmlns:xs="http://www.w3.org/2001/XMLSchema" xmlns:p="http://schemas.microsoft.com/office/2006/metadata/properties" xmlns:ns2="8a053bff-88be-49e4-9a87-e748e18b8b62" xmlns:ns3="6c8368ec-3776-49b5-a5bb-90648cf9530f" targetNamespace="http://schemas.microsoft.com/office/2006/metadata/properties" ma:root="true" ma:fieldsID="df3ec33bccc23e23bce7bc897fad43d1" ns2:_="" ns3:_="">
     <xsd:import namespace="8a053bff-88be-49e4-9a87-e748e18b8b62"/>
@@ -19488,7 +18461,7 @@
 </ct:contentTypeSchema>
 </file>
 
-<file path=customXml/item3.xml><?xml version="1.0" encoding="utf-8"?>
+<file path=customXml/item2.xml><?xml version="1.0" encoding="utf-8"?>
 <?mso-contentType ?>
 <FormTemplates xmlns="http://schemas.microsoft.com/sharepoint/v3/contenttype/forms">
   <Display>DocumentLibraryForm</Display>
@@ -19497,38 +18470,44 @@
 </FormTemplates>
 </file>
 
+<file path=customXml/item3.xml><?xml version="1.0" encoding="utf-8"?>
+<p:properties xmlns:p="http://schemas.microsoft.com/office/2006/metadata/properties" xmlns:xsi="http://www.w3.org/2001/XMLSchema-instance" xmlns:pc="http://schemas.microsoft.com/office/infopath/2007/PartnerControls">
+  <documentManagement/>
+</p:properties>
+</file>
+
 <file path=customXml/itemProps1.xml><?xml version="1.0" encoding="utf-8"?>
+<ds:datastoreItem xmlns:ds="http://schemas.openxmlformats.org/officeDocument/2006/customXml" ds:itemID="{75C1A8FD-3884-41A0-BE37-D15776C885D1}">
+  <ds:schemaRefs>
+    <ds:schemaRef ds:uri="http://schemas.microsoft.com/office/2006/metadata/contentType"/>
+    <ds:schemaRef ds:uri="http://schemas.microsoft.com/office/2006/metadata/properties/metaAttributes"/>
+    <ds:schemaRef ds:uri="http://www.w3.org/2001/XMLSchema"/>
+    <ds:schemaRef ds:uri="http://schemas.microsoft.com/office/2006/metadata/properties"/>
+    <ds:schemaRef ds:uri="8a053bff-88be-49e4-9a87-e748e18b8b62"/>
+    <ds:schemaRef ds:uri="6c8368ec-3776-49b5-a5bb-90648cf9530f"/>
+    <ds:schemaRef ds:uri="http://schemas.microsoft.com/office/2006/documentManagement/types"/>
+    <ds:schemaRef ds:uri="http://schemas.microsoft.com/office/infopath/2007/PartnerControls"/>
+    <ds:schemaRef ds:uri="http://schemas.openxmlformats.org/package/2006/metadata/core-properties"/>
+    <ds:schemaRef ds:uri="http://purl.org/dc/elements/1.1/"/>
+    <ds:schemaRef ds:uri="http://purl.org/dc/terms/"/>
+    <ds:schemaRef ds:uri="http://schemas.microsoft.com/internal/obd"/>
+  </ds:schemaRefs>
+</ds:datastoreItem>
+</file>
+
+<file path=customXml/itemProps2.xml><?xml version="1.0" encoding="utf-8"?>
+<ds:datastoreItem xmlns:ds="http://schemas.openxmlformats.org/officeDocument/2006/customXml" ds:itemID="{669D9D3B-3229-44EE-9964-24A06AE66887}">
+  <ds:schemaRefs>
+    <ds:schemaRef ds:uri="http://schemas.microsoft.com/sharepoint/v3/contenttype/forms"/>
+  </ds:schemaRefs>
+</ds:datastoreItem>
+</file>
+
+<file path=customXml/itemProps3.xml><?xml version="1.0" encoding="utf-8"?>
 <ds:datastoreItem xmlns:ds="http://schemas.openxmlformats.org/officeDocument/2006/customXml" ds:itemID="{CED41536-010B-47B1-9229-B72BE4090090}">
   <ds:schemaRefs>
     <ds:schemaRef ds:uri="http://schemas.microsoft.com/office/2006/metadata/properties"/>
     <ds:schemaRef ds:uri="http://schemas.microsoft.com/office/infopath/2007/PartnerControls"/>
   </ds:schemaRefs>
 </ds:datastoreItem>
-</file>
-
-<file path=customXml/itemProps2.xml><?xml version="1.0" encoding="utf-8"?>
-<ds:datastoreItem xmlns:ds="http://schemas.openxmlformats.org/officeDocument/2006/customXml" ds:itemID="{75C1A8FD-3884-41A0-BE37-D15776C885D1}">
-  <ds:schemaRefs>
-    <ds:schemaRef ds:uri="6c8368ec-3776-49b5-a5bb-90648cf9530f"/>
-    <ds:schemaRef ds:uri="8a053bff-88be-49e4-9a87-e748e18b8b62"/>
-    <ds:schemaRef ds:uri="http://purl.org/dc/elements/1.1/"/>
-    <ds:schemaRef ds:uri="http://purl.org/dc/terms/"/>
-    <ds:schemaRef ds:uri="http://schemas.microsoft.com/internal/obd"/>
-    <ds:schemaRef ds:uri="http://schemas.microsoft.com/office/2006/documentManagement/types"/>
-    <ds:schemaRef ds:uri="http://schemas.microsoft.com/office/2006/metadata/contentType"/>
-    <ds:schemaRef ds:uri="http://schemas.microsoft.com/office/2006/metadata/properties"/>
-    <ds:schemaRef ds:uri="http://schemas.microsoft.com/office/2006/metadata/properties/metaAttributes"/>
-    <ds:schemaRef ds:uri="http://schemas.microsoft.com/office/infopath/2007/PartnerControls"/>
-    <ds:schemaRef ds:uri="http://schemas.openxmlformats.org/package/2006/metadata/core-properties"/>
-    <ds:schemaRef ds:uri="http://www.w3.org/2001/XMLSchema"/>
-  </ds:schemaRefs>
-</ds:datastoreItem>
-</file>
-
-<file path=customXml/itemProps3.xml><?xml version="1.0" encoding="utf-8"?>
-<ds:datastoreItem xmlns:ds="http://schemas.openxmlformats.org/officeDocument/2006/customXml" ds:itemID="{669D9D3B-3229-44EE-9964-24A06AE66887}">
-  <ds:schemaRefs>
-    <ds:schemaRef ds:uri="http://schemas.microsoft.com/sharepoint/v3/contenttype/forms"/>
-  </ds:schemaRefs>
-</ds:datastoreItem>
 </file>
--- a/help/data-sheets/assets/EliteSupportDatasheet.pptx
+++ b/help/data-sheets/assets/EliteSupportDatasheet.pptx
@@ -238,7 +238,7 @@
           <a:p>
             <a:fld id="{C12E57D6-2086-AA47-A7A4-C0CDE7C14E44}" type="datetimeFigureOut">
               <a:rPr lang="en-US" smtClean="0"/>
-              <a:t>10/11/21</a:t>
+              <a:t>11/18/21</a:t>
             </a:fld>
             <a:endParaRPr lang="en-US"/>
           </a:p>
@@ -812,7 +812,7 @@
           <a:p>
             <a:fld id="{1D8BD707-D9CF-40AE-B4C6-C98DA3205C09}" type="datetimeFigureOut">
               <a:rPr lang="en-US"/>
-              <a:t>10/11/21</a:t>
+              <a:t>11/18/21</a:t>
             </a:fld>
             <a:endParaRPr lang="en-US"/>
           </a:p>
@@ -1057,7 +1057,7 @@
           <a:p>
             <a:fld id="{1D8BD707-D9CF-40AE-B4C6-C98DA3205C09}" type="datetimeFigureOut">
               <a:rPr lang="en-US"/>
-              <a:t>10/11/21</a:t>
+              <a:t>11/18/21</a:t>
             </a:fld>
             <a:endParaRPr lang="en-US"/>
           </a:p>
@@ -1315,7 +1315,7 @@
           <a:p>
             <a:fld id="{1D8BD707-D9CF-40AE-B4C6-C98DA3205C09}" type="datetimeFigureOut">
               <a:rPr lang="en-US"/>
-              <a:t>10/11/21</a:t>
+              <a:t>11/18/21</a:t>
             </a:fld>
             <a:endParaRPr lang="en-US"/>
           </a:p>
@@ -1507,7 +1507,7 @@
           <a:p>
             <a:fld id="{1D8BD707-D9CF-40AE-B4C6-C98DA3205C09}" type="datetimeFigureOut">
               <a:rPr lang="en-US"/>
-              <a:t>10/11/21</a:t>
+              <a:t>11/18/21</a:t>
             </a:fld>
             <a:endParaRPr lang="en-US"/>
           </a:p>
@@ -1670,7 +1670,7 @@
           <a:p>
             <a:fld id="{1D8BD707-D9CF-40AE-B4C6-C98DA3205C09}" type="datetimeFigureOut">
               <a:rPr lang="en-US"/>
-              <a:t>10/11/21</a:t>
+              <a:t>11/18/21</a:t>
             </a:fld>
             <a:endParaRPr lang="en-US"/>
           </a:p>
@@ -1933,7 +1933,7 @@
           <a:p>
             <a:fld id="{1D8BD707-D9CF-40AE-B4C6-C98DA3205C09}" type="datetimeFigureOut">
               <a:rPr lang="en-US"/>
-              <a:t>10/11/21</a:t>
+              <a:t>11/18/21</a:t>
             </a:fld>
             <a:endParaRPr lang="en-US"/>
           </a:p>
@@ -2230,11 +2230,20 @@
               </a:spcBef>
             </a:pPr>
             <a:r>
-              <a:rPr lang="de-de" sz="2300" dirty="0">
+              <a:rPr lang="de-de" sz="2300" spc="-229" dirty="0">
                 <a:latin typeface="Adobe Clean" panose="020B0503020404020204" pitchFamily="34" charset="0"/>
               </a:rPr>
-              <a:t>Adobe 지원 서비스 제공 사항</a:t>
-            </a:r>
+              <a:t>Adobe   </a:t>
+            </a:r>
+            <a:r>
+              <a:rPr lang="ko-KR" altLang="en-US" sz="2300" spc="-229" dirty="0">
+                <a:latin typeface="Adobe Clean" panose="020B0503020404020204" pitchFamily="34" charset="0"/>
+              </a:rPr>
+              <a:t>지원 플랜</a:t>
+            </a:r>
+            <a:endParaRPr lang="de-de" sz="2300" dirty="0">
+              <a:latin typeface="Adobe Clean" panose="020B0503020404020204" pitchFamily="34" charset="0"/>
+            </a:endParaRPr>
           </a:p>
         </p:txBody>
       </p:sp>
@@ -2587,14 +2596,14 @@
           <p:nvPr>
             <p:extLst>
               <p:ext uri="{D42A27DB-BD31-4B8C-83A1-F6EECF244321}">
-                <p14:modId xmlns:p14="http://schemas.microsoft.com/office/powerpoint/2010/main" val="3820694258"/>
+                <p14:modId xmlns:p14="http://schemas.microsoft.com/office/powerpoint/2010/main" val="2429834843"/>
               </p:ext>
             </p:extLst>
           </p:nvPr>
         </p:nvGraphicFramePr>
         <p:xfrm>
           <a:off x="145668" y="7473158"/>
-          <a:ext cx="7409815" cy="2204716"/>
+          <a:ext cx="7409815" cy="2391801"/>
         </p:xfrm>
         <a:graphic>
           <a:graphicData uri="http://schemas.openxmlformats.org/drawingml/2006/table">
@@ -2603,21 +2612,21 @@
                 <a:tableStyleId>{2D5ABB26-0587-4C30-8999-92F81FD0307C}</a:tableStyleId>
               </a:tblPr>
               <a:tblGrid>
-                <a:gridCol w="4654932">
+                <a:gridCol w="4045332">
                   <a:extLst>
                     <a:ext uri="{9D8B030D-6E8A-4147-A177-3AD203B41FA5}">
                       <a16:colId xmlns:a16="http://schemas.microsoft.com/office/drawing/2014/main" val="20000"/>
                     </a:ext>
                   </a:extLst>
                 </a:gridCol>
-                <a:gridCol w="1371600">
+                <a:gridCol w="1676400">
                   <a:extLst>
                     <a:ext uri="{9D8B030D-6E8A-4147-A177-3AD203B41FA5}">
                       <a16:colId xmlns:a16="http://schemas.microsoft.com/office/drawing/2014/main" val="20001"/>
                     </a:ext>
                   </a:extLst>
                 </a:gridCol>
-                <a:gridCol w="1383283">
+                <a:gridCol w="1688083">
                   <a:extLst>
                     <a:ext uri="{9D8B030D-6E8A-4147-A177-3AD203B41FA5}">
                       <a16:colId xmlns:a16="http://schemas.microsoft.com/office/drawing/2014/main" val="20002"/>
@@ -2655,7 +2664,7 @@
                       </a:endParaRPr>
                     </a:p>
                   </a:txBody>
-                  <a:tcPr marL="0" marR="0" marT="5715" marB="0" anchor="ctr">
+                  <a:tcPr marL="0" marR="0" marT="0" marB="0" anchor="ctr">
                     <a:lnL w="6350">
                       <a:solidFill>
                         <a:srgbClr val="B7B8B8"/>
@@ -2690,13 +2699,14 @@
                     <a:bodyPr/>
                     <a:lstStyle/>
                     <a:p>
-                      <a:pPr marL="382905" algn="l">
+                      <a:pPr marL="15875" indent="0" algn="ctr">
                         <a:lnSpc>
                           <a:spcPct val="100000"/>
                         </a:lnSpc>
                         <a:spcBef>
                           <a:spcPts val="45"/>
                         </a:spcBef>
+                        <a:tabLst/>
                       </a:pPr>
                       <a:r>
                         <a:rPr lang="de-de" sz="900" spc="0" dirty="0">
@@ -2714,7 +2724,7 @@
                       </a:endParaRPr>
                     </a:p>
                   </a:txBody>
-                  <a:tcPr marL="0" marR="0" marT="5715" marB="0" anchor="ctr">
+                  <a:tcPr marL="0" marR="0" marT="0" marB="0" anchor="ctr">
                     <a:lnL w="6350">
                       <a:solidFill>
                         <a:srgbClr val="B7B8B8"/>
@@ -2752,13 +2762,14 @@
                     <a:bodyPr/>
                     <a:lstStyle/>
                     <a:p>
-                      <a:pPr marL="263525" algn="ctr">
+                      <a:pPr marL="15875" indent="0" algn="ctr">
                         <a:lnSpc>
                           <a:spcPct val="100000"/>
                         </a:lnSpc>
                         <a:spcBef>
                           <a:spcPts val="65"/>
                         </a:spcBef>
+                        <a:tabLst/>
                       </a:pPr>
                       <a:r>
                         <a:rPr lang="de-de" sz="900" spc="0" dirty="0">
@@ -2776,7 +2787,7 @@
                       </a:endParaRPr>
                     </a:p>
                   </a:txBody>
-                  <a:tcPr marL="0" marR="0" marT="8255" marB="0" anchor="ctr">
+                  <a:tcPr marL="0" marR="0" marT="0" marB="0" anchor="ctr">
                     <a:lnL w="6350">
                       <a:solidFill>
                         <a:srgbClr val="B7B8B8"/>
@@ -2917,7 +2928,27 @@
                           <a:latin typeface="AdobeClean-Light"/>
                           <a:cs typeface="AdobeClean-Light"/>
                         </a:rPr>
-                        <a:t>24x7 /           1시간</a:t>
+                        <a:t>24x7 /</a:t>
+                      </a:r>
+                      <a:r>
+                        <a:rPr lang="de-DE" sz="900" spc="0" dirty="0">
+                          <a:solidFill>
+                            <a:srgbClr val="020302"/>
+                          </a:solidFill>
+                          <a:latin typeface="AdobeClean-Light"/>
+                          <a:cs typeface="AdobeClean-Light"/>
+                        </a:rPr>
+                        <a:t> </a:t>
+                      </a:r>
+                      <a:r>
+                        <a:rPr lang="de-de" sz="900" spc="0" dirty="0">
+                          <a:solidFill>
+                            <a:srgbClr val="020302"/>
+                          </a:solidFill>
+                          <a:latin typeface="AdobeClean-Light"/>
+                          <a:cs typeface="AdobeClean-Light"/>
+                        </a:rPr>
+                        <a:t>1시간</a:t>
                       </a:r>
                       <a:endParaRPr sz="900" spc="0" dirty="0">
                         <a:latin typeface="AdobeClean-Light"/>
@@ -2973,7 +3004,27 @@
                           <a:latin typeface="AdobeClean-Light"/>
                           <a:cs typeface="AdobeClean-Light"/>
                         </a:rPr>
-                        <a:t>24x7 /   15분</a:t>
+                        <a:t>24x7 /</a:t>
+                      </a:r>
+                      <a:r>
+                        <a:rPr lang="de-DE" sz="900" spc="0" dirty="0">
+                          <a:solidFill>
+                            <a:srgbClr val="020302"/>
+                          </a:solidFill>
+                          <a:latin typeface="AdobeClean-Light"/>
+                          <a:cs typeface="AdobeClean-Light"/>
+                        </a:rPr>
+                        <a:t> </a:t>
+                      </a:r>
+                      <a:r>
+                        <a:rPr lang="de-de" sz="900" spc="0" dirty="0">
+                          <a:solidFill>
+                            <a:srgbClr val="020302"/>
+                          </a:solidFill>
+                          <a:latin typeface="AdobeClean-Light"/>
+                          <a:cs typeface="AdobeClean-Light"/>
+                        </a:rPr>
+                        <a:t>15분</a:t>
                       </a:r>
                       <a:endParaRPr sz="900" spc="0" dirty="0">
                         <a:latin typeface="AdobeClean-Light"/>
@@ -2981,7 +3032,7 @@
                       </a:endParaRPr>
                     </a:p>
                   </a:txBody>
-                  <a:tcPr marL="0" marR="0" marT="2540" marB="0" anchor="ctr">
+                  <a:tcPr marL="0" marR="0" marT="0" marB="0" anchor="ctr">
                     <a:lnL w="6350" cap="flat" cmpd="sng" algn="ctr">
                       <a:solidFill>
                         <a:srgbClr val="B7B8B8"/>
@@ -3127,7 +3178,47 @@
                           <a:latin typeface="AdobeClean-Light"/>
                           <a:cs typeface="AdobeClean-Light"/>
                         </a:rPr>
-                        <a:t>업무 시간 /       4시간</a:t>
+                        <a:t>업무 </a:t>
+                      </a:r>
+                      <a:r>
+                        <a:rPr lang="de-de" sz="900" spc="0" dirty="0" err="1">
+                          <a:solidFill>
+                            <a:srgbClr val="020302"/>
+                          </a:solidFill>
+                          <a:latin typeface="AdobeClean-Light"/>
+                          <a:cs typeface="AdobeClean-Light"/>
+                        </a:rPr>
+                        <a:t>시간</a:t>
+                      </a:r>
+                      <a:r>
+                        <a:rPr lang="de-de" sz="900" spc="0" dirty="0">
+                          <a:solidFill>
+                            <a:srgbClr val="020302"/>
+                          </a:solidFill>
+                          <a:latin typeface="AdobeClean-Light"/>
+                          <a:cs typeface="AdobeClean-Light"/>
+                        </a:rPr>
+                        <a:t> /</a:t>
+                      </a:r>
+                      <a:r>
+                        <a:rPr lang="de-DE" sz="900" spc="0" dirty="0">
+                          <a:solidFill>
+                            <a:srgbClr val="020302"/>
+                          </a:solidFill>
+                          <a:latin typeface="AdobeClean-Light"/>
+                          <a:cs typeface="AdobeClean-Light"/>
+                        </a:rPr>
+                        <a:t> </a:t>
+                      </a:r>
+                      <a:r>
+                        <a:rPr lang="de-de" sz="900" spc="0" dirty="0">
+                          <a:solidFill>
+                            <a:srgbClr val="020302"/>
+                          </a:solidFill>
+                          <a:latin typeface="AdobeClean-Light"/>
+                          <a:cs typeface="AdobeClean-Light"/>
+                        </a:rPr>
+                        <a:t>4시간</a:t>
                       </a:r>
                       <a:endParaRPr sz="900" spc="0" dirty="0">
                         <a:latin typeface="AdobeClean-Light"/>
@@ -3180,7 +3271,27 @@
                           <a:latin typeface="AdobeClean-Light"/>
                           <a:cs typeface="AdobeClean-Light"/>
                         </a:rPr>
-                        <a:t>24x5 /  30분</a:t>
+                        <a:t>24x5 /</a:t>
+                      </a:r>
+                      <a:r>
+                        <a:rPr lang="de-DE" sz="900" spc="0" dirty="0">
+                          <a:solidFill>
+                            <a:srgbClr val="020302"/>
+                          </a:solidFill>
+                          <a:latin typeface="AdobeClean-Light"/>
+                          <a:cs typeface="AdobeClean-Light"/>
+                        </a:rPr>
+                        <a:t> </a:t>
+                      </a:r>
+                      <a:r>
+                        <a:rPr lang="de-de" sz="900" spc="0" dirty="0">
+                          <a:solidFill>
+                            <a:srgbClr val="020302"/>
+                          </a:solidFill>
+                          <a:latin typeface="AdobeClean-Light"/>
+                          <a:cs typeface="AdobeClean-Light"/>
+                        </a:rPr>
+                        <a:t>30분</a:t>
                       </a:r>
                       <a:endParaRPr sz="900" spc="0" dirty="0">
                         <a:latin typeface="AdobeClean-Light"/>
@@ -3188,7 +3299,7 @@
                       </a:endParaRPr>
                     </a:p>
                   </a:txBody>
-                  <a:tcPr marL="0" marR="0" marT="5080" marB="0" anchor="ctr">
+                  <a:tcPr marL="0" marR="0" marT="0" marB="0" anchor="ctr">
                     <a:lnL w="6350" cap="flat" cmpd="sng" algn="ctr">
                       <a:solidFill>
                         <a:srgbClr val="B7B8B8"/>
@@ -3331,7 +3442,47 @@
                           <a:latin typeface="AdobeClean-Light"/>
                           <a:cs typeface="AdobeClean-Light"/>
                         </a:rPr>
-                        <a:t>업무 시간 /       6시간</a:t>
+                        <a:t>업무 </a:t>
+                      </a:r>
+                      <a:r>
+                        <a:rPr lang="de-de" sz="900" spc="0" dirty="0" err="1">
+                          <a:solidFill>
+                            <a:srgbClr val="020302"/>
+                          </a:solidFill>
+                          <a:latin typeface="AdobeClean-Light"/>
+                          <a:cs typeface="AdobeClean-Light"/>
+                        </a:rPr>
+                        <a:t>시간</a:t>
+                      </a:r>
+                      <a:r>
+                        <a:rPr lang="de-de" sz="900" spc="0" dirty="0">
+                          <a:solidFill>
+                            <a:srgbClr val="020302"/>
+                          </a:solidFill>
+                          <a:latin typeface="AdobeClean-Light"/>
+                          <a:cs typeface="AdobeClean-Light"/>
+                        </a:rPr>
+                        <a:t> /</a:t>
+                      </a:r>
+                      <a:r>
+                        <a:rPr lang="de-DE" sz="900" spc="0" dirty="0">
+                          <a:solidFill>
+                            <a:srgbClr val="020302"/>
+                          </a:solidFill>
+                          <a:latin typeface="AdobeClean-Light"/>
+                          <a:cs typeface="AdobeClean-Light"/>
+                        </a:rPr>
+                        <a:t> </a:t>
+                      </a:r>
+                      <a:r>
+                        <a:rPr lang="de-de" sz="900" spc="0" dirty="0">
+                          <a:solidFill>
+                            <a:srgbClr val="020302"/>
+                          </a:solidFill>
+                          <a:latin typeface="AdobeClean-Light"/>
+                          <a:cs typeface="AdobeClean-Light"/>
+                        </a:rPr>
+                        <a:t>6시간</a:t>
                       </a:r>
                       <a:endParaRPr lang="en-US" sz="900" spc="0" dirty="0">
                         <a:latin typeface="AdobeClean-Light"/>
@@ -3396,11 +3547,33 @@
                           <a:ea typeface="+mn-ea"/>
                           <a:cs typeface="AdobeClean-Light"/>
                         </a:rPr>
-                        <a:t>4x5/   1시간</a:t>
+                        <a:t>4x5/</a:t>
+                      </a:r>
+                      <a:r>
+                        <a:rPr lang="de-DE" sz="900" spc="0" dirty="0">
+                          <a:solidFill>
+                            <a:srgbClr val="020302"/>
+                          </a:solidFill>
+                          <a:latin typeface="AdobeClean-Light"/>
+                          <a:ea typeface="+mn-ea"/>
+                          <a:cs typeface="AdobeClean-Light"/>
+                        </a:rPr>
+                        <a:t> </a:t>
+                      </a:r>
+                      <a:r>
+                        <a:rPr lang="de-de" sz="900" spc="0" dirty="0">
+                          <a:solidFill>
+                            <a:srgbClr val="020302"/>
+                          </a:solidFill>
+                          <a:latin typeface="AdobeClean-Light"/>
+                          <a:ea typeface="+mn-ea"/>
+                          <a:cs typeface="AdobeClean-Light"/>
+                        </a:rPr>
+                        <a:t>1시간</a:t>
                       </a:r>
                     </a:p>
                   </a:txBody>
-                  <a:tcPr marL="0" marR="0" marT="6985" marB="0" anchor="ctr">
+                  <a:tcPr marL="0" marR="0" marT="0" marB="0" anchor="ctr">
                     <a:lnL w="6350" cap="flat" cmpd="sng" algn="ctr">
                       <a:solidFill>
                         <a:srgbClr val="B7B8B8"/>
@@ -3536,6 +3709,16 @@
                         </a:lnSpc>
                       </a:pPr>
                       <a:r>
+                        <a:rPr lang="de-de" sz="900" spc="0" dirty="0" err="1">
+                          <a:solidFill>
+                            <a:srgbClr val="020302"/>
+                          </a:solidFill>
+                          <a:latin typeface="AdobeClean-Light"/>
+                          <a:cs typeface="AdobeClean-Light"/>
+                        </a:rPr>
+                        <a:t>업무일</a:t>
+                      </a:r>
+                      <a:r>
                         <a:rPr lang="de-de" sz="900" spc="0" dirty="0">
                           <a:solidFill>
                             <a:srgbClr val="020302"/>
@@ -3543,7 +3726,27 @@
                           <a:latin typeface="AdobeClean-Light"/>
                           <a:cs typeface="AdobeClean-Light"/>
                         </a:rPr>
-                        <a:t>업무일 /       3일</a:t>
+                        <a:t> /</a:t>
+                      </a:r>
+                      <a:r>
+                        <a:rPr lang="de-DE" sz="900" spc="0" dirty="0">
+                          <a:solidFill>
+                            <a:srgbClr val="020302"/>
+                          </a:solidFill>
+                          <a:latin typeface="AdobeClean-Light"/>
+                          <a:cs typeface="AdobeClean-Light"/>
+                        </a:rPr>
+                        <a:t> </a:t>
+                      </a:r>
+                      <a:r>
+                        <a:rPr lang="de-de" sz="900" spc="0" dirty="0">
+                          <a:solidFill>
+                            <a:srgbClr val="020302"/>
+                          </a:solidFill>
+                          <a:latin typeface="AdobeClean-Light"/>
+                          <a:cs typeface="AdobeClean-Light"/>
+                        </a:rPr>
+                        <a:t>3일</a:t>
                       </a:r>
                       <a:endParaRPr lang="en-US" sz="900" spc="0" dirty="0">
                         <a:latin typeface="AdobeClean-Light"/>
@@ -3589,6 +3792,16 @@
                         </a:lnSpc>
                       </a:pPr>
                       <a:r>
+                        <a:rPr lang="de-de" sz="900" spc="0" dirty="0" err="1">
+                          <a:solidFill>
+                            <a:srgbClr val="020302"/>
+                          </a:solidFill>
+                          <a:latin typeface="AdobeClean-Light"/>
+                          <a:cs typeface="AdobeClean-Light"/>
+                        </a:rPr>
+                        <a:t>업무일</a:t>
+                      </a:r>
+                      <a:r>
                         <a:rPr lang="de-de" sz="900" spc="0" dirty="0">
                           <a:solidFill>
                             <a:srgbClr val="020302"/>
@@ -3596,7 +3809,27 @@
                           <a:latin typeface="AdobeClean-Light"/>
                           <a:cs typeface="AdobeClean-Light"/>
                         </a:rPr>
-                        <a:t>업무일 /       1일</a:t>
+                        <a:t> /</a:t>
+                      </a:r>
+                      <a:r>
+                        <a:rPr lang="de-DE" sz="900" spc="0" dirty="0">
+                          <a:solidFill>
+                            <a:srgbClr val="020302"/>
+                          </a:solidFill>
+                          <a:latin typeface="AdobeClean-Light"/>
+                          <a:cs typeface="AdobeClean-Light"/>
+                        </a:rPr>
+                        <a:t> </a:t>
+                      </a:r>
+                      <a:r>
+                        <a:rPr lang="de-de" sz="900" spc="0" dirty="0">
+                          <a:solidFill>
+                            <a:srgbClr val="020302"/>
+                          </a:solidFill>
+                          <a:latin typeface="AdobeClean-Light"/>
+                          <a:cs typeface="AdobeClean-Light"/>
+                        </a:rPr>
+                        <a:t>1일</a:t>
                       </a:r>
                       <a:endParaRPr lang="en-US" sz="900" spc="0" dirty="0">
                         <a:latin typeface="AdobeClean-Light"/>
@@ -3604,7 +3837,7 @@
                       </a:endParaRPr>
                     </a:p>
                   </a:txBody>
-                  <a:tcPr marL="0" marR="0" marT="27940" marB="0" anchor="ctr">
+                  <a:tcPr marL="0" marR="0" marT="0" marB="0" anchor="ctr">
                     <a:lnL w="6350" cap="flat" cmpd="sng" algn="ctr">
                       <a:solidFill>
                         <a:srgbClr val="B7B8B8"/>

--- a/help/data-sheets/assets/EliteSupportDatasheet.pptx
+++ b/help/data-sheets/assets/EliteSupportDatasheet.pptx
@@ -151,9 +151,141 @@
 <file path=ppt/revisionInfo.xml><?xml version="1.0" encoding="utf-8"?>
 <p1510:revInfo xmlns:a="http://schemas.openxmlformats.org/drawingml/2006/main" xmlns:r="http://schemas.openxmlformats.org/officeDocument/2006/relationships" xmlns:p1510="http://schemas.microsoft.com/office/powerpoint/2015/10/main">
   <p1510:revLst>
-    <p1510:client id="{86768B6F-E5DF-274A-B928-9320E1DF9962}" v="132" dt="2021-08-07T02:18:13.925"/>
+    <p1510:client id="{1E4B2740-C02D-6848-8C88-402A980B28DC}" v="27" dt="2022-01-20T17:33:40.354"/>
   </p1510:revLst>
 </p1510:revInfo>
+</file>
+
+<file path=ppt/changesInfos/changesInfo1.xml><?xml version="1.0" encoding="utf-8"?>
+<pc:chgInfo xmlns:a="http://schemas.openxmlformats.org/drawingml/2006/main" xmlns:r="http://schemas.openxmlformats.org/officeDocument/2006/relationships" xmlns:ac="http://schemas.microsoft.com/office/drawing/2013/main/command" xmlns:pc="http://schemas.microsoft.com/office/powerpoint/2013/main/command">
+  <pc:docChgLst>
+    <pc:chgData name="Lauren Schutte" userId="6e08b2d3-447a-4d66-86be-444d50df187f" providerId="ADAL" clId="{0BC4D7A0-4BBD-1B49-BE14-170949F0EA37}"/>
+    <pc:docChg chg="modSld">
+      <pc:chgData name="Lauren Schutte" userId="6e08b2d3-447a-4d66-86be-444d50df187f" providerId="ADAL" clId="{0BC4D7A0-4BBD-1B49-BE14-170949F0EA37}" dt="2021-10-13T19:10:14.671" v="3" actId="1035"/>
+      <pc:docMkLst>
+        <pc:docMk/>
+      </pc:docMkLst>
+      <pc:sldChg chg="modSp mod">
+        <pc:chgData name="Lauren Schutte" userId="6e08b2d3-447a-4d66-86be-444d50df187f" providerId="ADAL" clId="{0BC4D7A0-4BBD-1B49-BE14-170949F0EA37}" dt="2021-10-13T19:10:14.671" v="3" actId="1035"/>
+        <pc:sldMkLst>
+          <pc:docMk/>
+          <pc:sldMk cId="0" sldId="256"/>
+        </pc:sldMkLst>
+        <pc:spChg chg="mod">
+          <ac:chgData name="Lauren Schutte" userId="6e08b2d3-447a-4d66-86be-444d50df187f" providerId="ADAL" clId="{0BC4D7A0-4BBD-1B49-BE14-170949F0EA37}" dt="2021-10-13T19:10:14.671" v="3" actId="1035"/>
+          <ac:spMkLst>
+            <pc:docMk/>
+            <pc:sldMk cId="0" sldId="256"/>
+            <ac:spMk id="4" creationId="{00000000-0000-0000-0000-000000000000}"/>
+          </ac:spMkLst>
+        </pc:spChg>
+      </pc:sldChg>
+    </pc:docChg>
+  </pc:docChgLst>
+  <pc:docChgLst>
+    <pc:chgData name="Akilah Johnson" userId="S::akjohnso@adobe.com::2fa3aa60-0c9c-4d06-bae2-795983241227" providerId="AD" clId="Web-{6321287A-37E3-E99F-4766-DFF993179103}"/>
+    <pc:docChg chg="modSld">
+      <pc:chgData name="Akilah Johnson" userId="S::akjohnso@adobe.com::2fa3aa60-0c9c-4d06-bae2-795983241227" providerId="AD" clId="Web-{6321287A-37E3-E99F-4766-DFF993179103}" dt="2021-11-24T00:05:14.840" v="5"/>
+      <pc:docMkLst>
+        <pc:docMk/>
+      </pc:docMkLst>
+      <pc:sldChg chg="modSp">
+        <pc:chgData name="Akilah Johnson" userId="S::akjohnso@adobe.com::2fa3aa60-0c9c-4d06-bae2-795983241227" providerId="AD" clId="Web-{6321287A-37E3-E99F-4766-DFF993179103}" dt="2021-11-24T00:05:14.840" v="5"/>
+        <pc:sldMkLst>
+          <pc:docMk/>
+          <pc:sldMk cId="0" sldId="256"/>
+        </pc:sldMkLst>
+        <pc:graphicFrameChg chg="mod modGraphic">
+          <ac:chgData name="Akilah Johnson" userId="S::akjohnso@adobe.com::2fa3aa60-0c9c-4d06-bae2-795983241227" providerId="AD" clId="Web-{6321287A-37E3-E99F-4766-DFF993179103}" dt="2021-11-24T00:05:14.840" v="5"/>
+          <ac:graphicFrameMkLst>
+            <pc:docMk/>
+            <pc:sldMk cId="0" sldId="256"/>
+            <ac:graphicFrameMk id="7" creationId="{00000000-0000-0000-0000-000000000000}"/>
+          </ac:graphicFrameMkLst>
+        </pc:graphicFrameChg>
+      </pc:sldChg>
+    </pc:docChg>
+  </pc:docChgLst>
+  <pc:docChgLst>
+    <pc:chgData name="Ankita Sood" userId="c93a62e3-2a47-429d-82c6-c2a8fd110ae7" providerId="ADAL" clId="{1E4B2740-C02D-6848-8C88-402A980B28DC}"/>
+    <pc:docChg chg="modSld">
+      <pc:chgData name="Ankita Sood" userId="c93a62e3-2a47-429d-82c6-c2a8fd110ae7" providerId="ADAL" clId="{1E4B2740-C02D-6848-8C88-402A980B28DC}" dt="2022-01-20T19:39:05.294" v="34" actId="20577"/>
+      <pc:docMkLst>
+        <pc:docMk/>
+      </pc:docMkLst>
+      <pc:sldChg chg="modSp mod">
+        <pc:chgData name="Ankita Sood" userId="c93a62e3-2a47-429d-82c6-c2a8fd110ae7" providerId="ADAL" clId="{1E4B2740-C02D-6848-8C88-402A980B28DC}" dt="2022-01-20T19:39:05.294" v="34" actId="20577"/>
+        <pc:sldMkLst>
+          <pc:docMk/>
+          <pc:sldMk cId="0" sldId="256"/>
+        </pc:sldMkLst>
+        <pc:spChg chg="mod">
+          <ac:chgData name="Ankita Sood" userId="c93a62e3-2a47-429d-82c6-c2a8fd110ae7" providerId="ADAL" clId="{1E4B2740-C02D-6848-8C88-402A980B28DC}" dt="2022-01-20T19:39:05.294" v="34" actId="20577"/>
+          <ac:spMkLst>
+            <pc:docMk/>
+            <pc:sldMk cId="0" sldId="256"/>
+            <ac:spMk id="3" creationId="{00000000-0000-0000-0000-000000000000}"/>
+          </ac:spMkLst>
+        </pc:spChg>
+        <pc:graphicFrameChg chg="modGraphic">
+          <ac:chgData name="Ankita Sood" userId="c93a62e3-2a47-429d-82c6-c2a8fd110ae7" providerId="ADAL" clId="{1E4B2740-C02D-6848-8C88-402A980B28DC}" dt="2022-01-20T17:33:31.472" v="18" actId="20577"/>
+          <ac:graphicFrameMkLst>
+            <pc:docMk/>
+            <pc:sldMk cId="0" sldId="256"/>
+            <ac:graphicFrameMk id="7" creationId="{00000000-0000-0000-0000-000000000000}"/>
+          </ac:graphicFrameMkLst>
+        </pc:graphicFrameChg>
+        <pc:graphicFrameChg chg="modGraphic">
+          <ac:chgData name="Ankita Sood" userId="c93a62e3-2a47-429d-82c6-c2a8fd110ae7" providerId="ADAL" clId="{1E4B2740-C02D-6848-8C88-402A980B28DC}" dt="2022-01-20T17:33:27.794" v="10" actId="20577"/>
+          <ac:graphicFrameMkLst>
+            <pc:docMk/>
+            <pc:sldMk cId="0" sldId="256"/>
+            <ac:graphicFrameMk id="13" creationId="{8FC06D05-42C7-D14C-86E4-0F01711669B9}"/>
+          </ac:graphicFrameMkLst>
+        </pc:graphicFrameChg>
+      </pc:sldChg>
+      <pc:sldChg chg="modSp mod">
+        <pc:chgData name="Ankita Sood" userId="c93a62e3-2a47-429d-82c6-c2a8fd110ae7" providerId="ADAL" clId="{1E4B2740-C02D-6848-8C88-402A980B28DC}" dt="2022-01-20T17:33:40.355" v="26" actId="20577"/>
+        <pc:sldMkLst>
+          <pc:docMk/>
+          <pc:sldMk cId="3982262141" sldId="262"/>
+        </pc:sldMkLst>
+        <pc:spChg chg="mod">
+          <ac:chgData name="Ankita Sood" userId="c93a62e3-2a47-429d-82c6-c2a8fd110ae7" providerId="ADAL" clId="{1E4B2740-C02D-6848-8C88-402A980B28DC}" dt="2022-01-20T17:33:40.355" v="26" actId="20577"/>
+          <ac:spMkLst>
+            <pc:docMk/>
+            <pc:sldMk cId="3982262141" sldId="262"/>
+            <ac:spMk id="81" creationId="{68CE4601-87A9-E645-841C-EE142932AEED}"/>
+          </ac:spMkLst>
+        </pc:spChg>
+      </pc:sldChg>
+    </pc:docChg>
+  </pc:docChgLst>
+  <pc:docChgLst>
+    <pc:chgData name="Akilah Johnson" userId="2fa3aa60-0c9c-4d06-bae2-795983241227" providerId="ADAL" clId="{4F9F8D59-37FF-0B43-9EF5-31D48C73FC8D}"/>
+    <pc:docChg chg="modSld">
+      <pc:chgData name="Akilah Johnson" userId="2fa3aa60-0c9c-4d06-bae2-795983241227" providerId="ADAL" clId="{4F9F8D59-37FF-0B43-9EF5-31D48C73FC8D}" dt="2021-11-24T00:07:01.857" v="8" actId="20577"/>
+      <pc:docMkLst>
+        <pc:docMk/>
+      </pc:docMkLst>
+      <pc:sldChg chg="modSp mod">
+        <pc:chgData name="Akilah Johnson" userId="2fa3aa60-0c9c-4d06-bae2-795983241227" providerId="ADAL" clId="{4F9F8D59-37FF-0B43-9EF5-31D48C73FC8D}" dt="2021-11-24T00:07:01.857" v="8" actId="20577"/>
+        <pc:sldMkLst>
+          <pc:docMk/>
+          <pc:sldMk cId="0" sldId="256"/>
+        </pc:sldMkLst>
+        <pc:graphicFrameChg chg="modGraphic">
+          <ac:chgData name="Akilah Johnson" userId="2fa3aa60-0c9c-4d06-bae2-795983241227" providerId="ADAL" clId="{4F9F8D59-37FF-0B43-9EF5-31D48C73FC8D}" dt="2021-11-24T00:07:01.857" v="8" actId="20577"/>
+          <ac:graphicFrameMkLst>
+            <pc:docMk/>
+            <pc:sldMk cId="0" sldId="256"/>
+            <ac:graphicFrameMk id="7" creationId="{00000000-0000-0000-0000-000000000000}"/>
+          </ac:graphicFrameMkLst>
+        </pc:graphicFrameChg>
+      </pc:sldChg>
+    </pc:docChg>
+  </pc:docChgLst>
+</pc:chgInfo>
 </file>
 
 <file path=ppt/notesMasters/notesMaster1.xml><?xml version="1.0" encoding="utf-8"?>
@@ -238,7 +370,7 @@
           <a:p>
             <a:fld id="{C12E57D6-2086-AA47-A7A4-C0CDE7C14E44}" type="datetimeFigureOut">
               <a:rPr lang="en-US" smtClean="0"/>
-              <a:t>11/18/21</a:t>
+              <a:t>1/20/22</a:t>
             </a:fld>
             <a:endParaRPr lang="en-US"/>
           </a:p>
@@ -549,7 +681,7 @@
           <a:bodyPr/>
           <a:lstStyle/>
           <a:p>
-            <a:endParaRPr lang="en-US" dirty="0"/>
+            <a:endParaRPr lang="en-US"/>
           </a:p>
         </p:txBody>
       </p:sp>
@@ -633,7 +765,7 @@
           <a:bodyPr/>
           <a:lstStyle/>
           <a:p>
-            <a:endParaRPr lang="en-US" dirty="0"/>
+            <a:endParaRPr lang="en-US"/>
           </a:p>
         </p:txBody>
       </p:sp>
@@ -812,7 +944,7 @@
           <a:p>
             <a:fld id="{1D8BD707-D9CF-40AE-B4C6-C98DA3205C09}" type="datetimeFigureOut">
               <a:rPr lang="en-US"/>
-              <a:t>11/18/21</a:t>
+              <a:t>1/20/22</a:t>
             </a:fld>
             <a:endParaRPr lang="en-US"/>
           </a:p>
@@ -852,7 +984,7 @@
               </a:spcBef>
             </a:pPr>
             <a:r>
-              <a:rPr spc="-5" dirty="0"/>
+              <a:rPr spc="-5"/>
               <a:t>©</a:t>
             </a:r>
             <a:fld id="{81D60167-4931-47E6-BA6A-407CBD079E47}" type="slidenum">
@@ -860,35 +992,35 @@
               <a:t>‹#›</a:t>
             </a:fld>
             <a:r>
-              <a:rPr spc="-5" dirty="0"/>
+              <a:rPr spc="-5"/>
               <a:t> Adobe. All</a:t>
             </a:r>
             <a:r>
-              <a:rPr spc="-15" dirty="0"/>
+              <a:rPr spc="-15"/>
               <a:t> Rights</a:t>
             </a:r>
             <a:r>
-              <a:rPr spc="-10" dirty="0"/>
+              <a:rPr spc="-10"/>
               <a:t> </a:t>
             </a:r>
             <a:r>
-              <a:rPr spc="-15" dirty="0"/>
+              <a:rPr spc="-15"/>
               <a:t>Reserved.</a:t>
             </a:r>
             <a:r>
-              <a:rPr spc="-10" dirty="0"/>
+              <a:rPr spc="-10"/>
               <a:t> </a:t>
             </a:r>
             <a:r>
-              <a:rPr spc="-5" dirty="0"/>
+              <a:rPr spc="-5"/>
               <a:t>Adobe</a:t>
             </a:r>
             <a:r>
-              <a:rPr spc="60" dirty="0"/>
+              <a:rPr spc="60"/>
               <a:t> </a:t>
             </a:r>
             <a:r>
-              <a:rPr spc="-15" dirty="0"/>
+              <a:rPr spc="-15"/>
               <a:t>Confidential.</a:t>
             </a:r>
           </a:p>
@@ -1057,7 +1189,7 @@
           <a:p>
             <a:fld id="{1D8BD707-D9CF-40AE-B4C6-C98DA3205C09}" type="datetimeFigureOut">
               <a:rPr lang="en-US"/>
-              <a:t>11/18/21</a:t>
+              <a:t>1/20/22</a:t>
             </a:fld>
             <a:endParaRPr lang="en-US"/>
           </a:p>
@@ -1097,7 +1229,7 @@
               </a:spcBef>
             </a:pPr>
             <a:r>
-              <a:rPr spc="-5" dirty="0"/>
+              <a:rPr spc="-5"/>
               <a:t>©</a:t>
             </a:r>
             <a:fld id="{81D60167-4931-47E6-BA6A-407CBD079E47}" type="slidenum">
@@ -1105,35 +1237,35 @@
               <a:t>‹#›</a:t>
             </a:fld>
             <a:r>
-              <a:rPr spc="-5" dirty="0"/>
+              <a:rPr spc="-5"/>
               <a:t> Adobe. All</a:t>
             </a:r>
             <a:r>
-              <a:rPr spc="-15" dirty="0"/>
+              <a:rPr spc="-15"/>
               <a:t> Rights</a:t>
             </a:r>
             <a:r>
-              <a:rPr spc="-10" dirty="0"/>
+              <a:rPr spc="-10"/>
               <a:t> </a:t>
             </a:r>
             <a:r>
-              <a:rPr spc="-15" dirty="0"/>
+              <a:rPr spc="-15"/>
               <a:t>Reserved.</a:t>
             </a:r>
             <a:r>
-              <a:rPr spc="-10" dirty="0"/>
+              <a:rPr spc="-10"/>
               <a:t> </a:t>
             </a:r>
             <a:r>
-              <a:rPr spc="-5" dirty="0"/>
+              <a:rPr spc="-5"/>
               <a:t>Adobe</a:t>
             </a:r>
             <a:r>
-              <a:rPr spc="60" dirty="0"/>
+              <a:rPr spc="60"/>
               <a:t> </a:t>
             </a:r>
             <a:r>
-              <a:rPr spc="-15" dirty="0"/>
+              <a:rPr spc="-15"/>
               <a:t>Confidential.</a:t>
             </a:r>
           </a:p>
@@ -1315,7 +1447,7 @@
           <a:p>
             <a:fld id="{1D8BD707-D9CF-40AE-B4C6-C98DA3205C09}" type="datetimeFigureOut">
               <a:rPr lang="en-US"/>
-              <a:t>11/18/21</a:t>
+              <a:t>1/20/22</a:t>
             </a:fld>
             <a:endParaRPr lang="en-US"/>
           </a:p>
@@ -1355,7 +1487,7 @@
               </a:spcBef>
             </a:pPr>
             <a:r>
-              <a:rPr spc="-5" dirty="0"/>
+              <a:rPr spc="-5"/>
               <a:t>©</a:t>
             </a:r>
             <a:fld id="{81D60167-4931-47E6-BA6A-407CBD079E47}" type="slidenum">
@@ -1363,35 +1495,35 @@
               <a:t>‹#›</a:t>
             </a:fld>
             <a:r>
-              <a:rPr spc="-5" dirty="0"/>
+              <a:rPr spc="-5"/>
               <a:t> Adobe. All</a:t>
             </a:r>
             <a:r>
-              <a:rPr spc="-15" dirty="0"/>
+              <a:rPr spc="-15"/>
               <a:t> Rights</a:t>
             </a:r>
             <a:r>
-              <a:rPr spc="-10" dirty="0"/>
+              <a:rPr spc="-10"/>
               <a:t> </a:t>
             </a:r>
             <a:r>
-              <a:rPr spc="-15" dirty="0"/>
+              <a:rPr spc="-15"/>
               <a:t>Reserved.</a:t>
             </a:r>
             <a:r>
-              <a:rPr spc="-10" dirty="0"/>
+              <a:rPr spc="-10"/>
               <a:t> </a:t>
             </a:r>
             <a:r>
-              <a:rPr spc="-5" dirty="0"/>
+              <a:rPr spc="-5"/>
               <a:t>Adobe</a:t>
             </a:r>
             <a:r>
-              <a:rPr spc="60" dirty="0"/>
+              <a:rPr spc="60"/>
               <a:t> </a:t>
             </a:r>
             <a:r>
-              <a:rPr spc="-15" dirty="0"/>
+              <a:rPr spc="-15"/>
               <a:t>Confidential.</a:t>
             </a:r>
           </a:p>
@@ -1507,7 +1639,7 @@
           <a:p>
             <a:fld id="{1D8BD707-D9CF-40AE-B4C6-C98DA3205C09}" type="datetimeFigureOut">
               <a:rPr lang="en-US"/>
-              <a:t>11/18/21</a:t>
+              <a:t>1/20/22</a:t>
             </a:fld>
             <a:endParaRPr lang="en-US"/>
           </a:p>
@@ -1547,7 +1679,7 @@
               </a:spcBef>
             </a:pPr>
             <a:r>
-              <a:rPr spc="-5" dirty="0"/>
+              <a:rPr spc="-5"/>
               <a:t>©</a:t>
             </a:r>
             <a:fld id="{81D60167-4931-47E6-BA6A-407CBD079E47}" type="slidenum">
@@ -1555,35 +1687,35 @@
               <a:t>‹#›</a:t>
             </a:fld>
             <a:r>
-              <a:rPr spc="-5" dirty="0"/>
+              <a:rPr spc="-5"/>
               <a:t> Adobe. All</a:t>
             </a:r>
             <a:r>
-              <a:rPr spc="-15" dirty="0"/>
+              <a:rPr spc="-15"/>
               <a:t> Rights</a:t>
             </a:r>
             <a:r>
-              <a:rPr spc="-10" dirty="0"/>
+              <a:rPr spc="-10"/>
               <a:t> </a:t>
             </a:r>
             <a:r>
-              <a:rPr spc="-15" dirty="0"/>
+              <a:rPr spc="-15"/>
               <a:t>Reserved.</a:t>
             </a:r>
             <a:r>
-              <a:rPr spc="-10" dirty="0"/>
+              <a:rPr spc="-10"/>
               <a:t> </a:t>
             </a:r>
             <a:r>
-              <a:rPr spc="-5" dirty="0"/>
+              <a:rPr spc="-5"/>
               <a:t>Adobe</a:t>
             </a:r>
             <a:r>
-              <a:rPr spc="60" dirty="0"/>
+              <a:rPr spc="60"/>
               <a:t> </a:t>
             </a:r>
             <a:r>
-              <a:rPr spc="-15" dirty="0"/>
+              <a:rPr spc="-15"/>
               <a:t>Confidential.</a:t>
             </a:r>
           </a:p>
@@ -1670,7 +1802,7 @@
           <a:p>
             <a:fld id="{1D8BD707-D9CF-40AE-B4C6-C98DA3205C09}" type="datetimeFigureOut">
               <a:rPr lang="en-US"/>
-              <a:t>11/18/21</a:t>
+              <a:t>1/20/22</a:t>
             </a:fld>
             <a:endParaRPr lang="en-US"/>
           </a:p>
@@ -1710,7 +1842,7 @@
               </a:spcBef>
             </a:pPr>
             <a:r>
-              <a:rPr spc="-5" dirty="0"/>
+              <a:rPr spc="-5"/>
               <a:t>©</a:t>
             </a:r>
             <a:fld id="{81D60167-4931-47E6-BA6A-407CBD079E47}" type="slidenum">
@@ -1718,35 +1850,35 @@
               <a:t>‹#›</a:t>
             </a:fld>
             <a:r>
-              <a:rPr spc="-5" dirty="0"/>
+              <a:rPr spc="-5"/>
               <a:t> Adobe. All</a:t>
             </a:r>
             <a:r>
-              <a:rPr spc="-15" dirty="0"/>
+              <a:rPr spc="-15"/>
               <a:t> Rights</a:t>
             </a:r>
             <a:r>
-              <a:rPr spc="-10" dirty="0"/>
+              <a:rPr spc="-10"/>
               <a:t> </a:t>
             </a:r>
             <a:r>
-              <a:rPr spc="-15" dirty="0"/>
+              <a:rPr spc="-15"/>
               <a:t>Reserved.</a:t>
             </a:r>
             <a:r>
-              <a:rPr spc="-10" dirty="0"/>
+              <a:rPr spc="-10"/>
               <a:t> </a:t>
             </a:r>
             <a:r>
-              <a:rPr spc="-5" dirty="0"/>
+              <a:rPr spc="-5"/>
               <a:t>Adobe</a:t>
             </a:r>
             <a:r>
-              <a:rPr spc="60" dirty="0"/>
+              <a:rPr spc="60"/>
               <a:t> </a:t>
             </a:r>
             <a:r>
-              <a:rPr spc="-15" dirty="0"/>
+              <a:rPr spc="-15"/>
               <a:t>Confidential.</a:t>
             </a:r>
           </a:p>
@@ -1933,7 +2065,7 @@
           <a:p>
             <a:fld id="{1D8BD707-D9CF-40AE-B4C6-C98DA3205C09}" type="datetimeFigureOut">
               <a:rPr lang="en-US"/>
-              <a:t>11/18/21</a:t>
+              <a:t>1/20/22</a:t>
             </a:fld>
             <a:endParaRPr lang="en-US"/>
           </a:p>
@@ -1983,7 +2115,7 @@
               </a:spcBef>
             </a:pPr>
             <a:r>
-              <a:rPr spc="-5" dirty="0"/>
+              <a:rPr spc="-5"/>
               <a:t>©</a:t>
             </a:r>
             <a:fld id="{81D60167-4931-47E6-BA6A-407CBD079E47}" type="slidenum">
@@ -1991,35 +2123,35 @@
               <a:t>‹#›</a:t>
             </a:fld>
             <a:r>
-              <a:rPr spc="-5" dirty="0"/>
+              <a:rPr spc="-5"/>
               <a:t> Adobe. All</a:t>
             </a:r>
             <a:r>
-              <a:rPr spc="-15" dirty="0"/>
+              <a:rPr spc="-15"/>
               <a:t> Rights</a:t>
             </a:r>
             <a:r>
-              <a:rPr spc="-10" dirty="0"/>
+              <a:rPr spc="-10"/>
               <a:t> </a:t>
             </a:r>
             <a:r>
-              <a:rPr spc="-15" dirty="0"/>
+              <a:rPr spc="-15"/>
               <a:t>Reserved.</a:t>
             </a:r>
             <a:r>
-              <a:rPr spc="-10" dirty="0"/>
+              <a:rPr spc="-10"/>
               <a:t> </a:t>
             </a:r>
             <a:r>
-              <a:rPr spc="-5" dirty="0"/>
+              <a:rPr spc="-5"/>
               <a:t>Adobe</a:t>
             </a:r>
             <a:r>
-              <a:rPr spc="60" dirty="0"/>
+              <a:rPr spc="60"/>
               <a:t> </a:t>
             </a:r>
             <a:r>
-              <a:rPr spc="-15" dirty="0"/>
+              <a:rPr spc="-15"/>
               <a:t>Confidential.</a:t>
             </a:r>
           </a:p>
@@ -2216,32 +2348,25 @@
           </a:prstGeom>
         </p:spPr>
         <p:txBody>
-          <a:bodyPr vert="horz" wrap="square" lIns="0" tIns="12700" rIns="0" bIns="0" rtlCol="0">
+          <a:bodyPr vert="horz" wrap="square" lIns="0" tIns="12700" rIns="0" bIns="0" rtlCol="0" anchor="t">
             <a:spAutoFit/>
           </a:bodyPr>
           <a:lstStyle/>
           <a:p>
             <a:pPr marL="12700">
-              <a:lnSpc>
-                <a:spcPct val="100000"/>
-              </a:lnSpc>
               <a:spcBef>
                 <a:spcPts val="100"/>
               </a:spcBef>
             </a:pPr>
             <a:r>
-              <a:rPr lang="de-de" sz="2300" spc="-229" dirty="0">
-                <a:latin typeface="Adobe Clean" panose="020B0503020404020204" pitchFamily="34" charset="0"/>
-              </a:rPr>
-              <a:t>Adobe   </a:t>
-            </a:r>
-            <a:r>
-              <a:rPr lang="ko-KR" altLang="en-US" sz="2300" spc="-229" dirty="0">
-                <a:latin typeface="Adobe Clean" panose="020B0503020404020204" pitchFamily="34" charset="0"/>
-              </a:rPr>
-              <a:t>지원 플랜</a:t>
-            </a:r>
-            <a:endParaRPr lang="de-de" sz="2300" dirty="0">
+              <a:rPr sz="2300"/>
+              <a:t>ADOBE </a:t>
+            </a:r>
+            <a:r>
+              <a:rPr lang="en-US" sz="2300"/>
+              <a:t>SUPPORT PLANS</a:t>
+            </a:r>
+            <a:endParaRPr sz="2300">
               <a:latin typeface="Adobe Clean" panose="020B0503020404020204" pitchFamily="34" charset="0"/>
             </a:endParaRPr>
           </a:p>
@@ -2277,17 +2402,17 @@
               </a:spcBef>
             </a:pPr>
             <a:r>
-              <a:rPr lang="de-de" sz="1100" spc="-5" dirty="0">
+              <a:rPr lang="en-US" sz="1100" spc="-5" dirty="0">
                 <a:solidFill>
                   <a:srgbClr val="FFFFFF"/>
                 </a:solidFill>
                 <a:latin typeface="AdobeClean-Light"/>
                 <a:cs typeface="AdobeClean-Light"/>
               </a:rPr>
-              <a:t>온라인</a:t>
-            </a:r>
-            <a:r>
-              <a:rPr lang="de-de" sz="1100" dirty="0">
+              <a:t>Standard</a:t>
+            </a:r>
+            <a:r>
+              <a:rPr sz="1100" dirty="0">
                 <a:solidFill>
                   <a:srgbClr val="FFFFFF"/>
                 </a:solidFill>
@@ -2297,7 +2422,7 @@
               <a:t> |</a:t>
             </a:r>
             <a:r>
-              <a:rPr lang="de-de" sz="1100" spc="5" dirty="0">
+              <a:rPr sz="1100" spc="10" dirty="0">
                 <a:solidFill>
                   <a:srgbClr val="FFFFFF"/>
                 </a:solidFill>
@@ -2307,84 +2432,54 @@
               <a:t> </a:t>
             </a:r>
             <a:r>
-              <a:rPr lang="de-de" sz="1100" spc="-5" dirty="0">
+              <a:rPr sz="1100" spc="-5" dirty="0">
                 <a:solidFill>
                   <a:srgbClr val="FFFFFF"/>
                 </a:solidFill>
                 <a:latin typeface="AdobeClean-Light"/>
                 <a:cs typeface="AdobeClean-Light"/>
               </a:rPr>
-              <a:t>비즈니스</a:t>
-            </a:r>
-            <a:r>
-              <a:rPr lang="de-de" sz="1100" dirty="0">
+              <a:t>Enterprise</a:t>
+            </a:r>
+            <a:r>
+              <a:rPr sz="1100" spc="10" dirty="0">
                 <a:solidFill>
                   <a:srgbClr val="FFFFFF"/>
                 </a:solidFill>
                 <a:latin typeface="AdobeClean-Light"/>
                 <a:cs typeface="AdobeClean-Light"/>
               </a:rPr>
-              <a:t> |</a:t>
-            </a:r>
-            <a:r>
-              <a:rPr lang="de-de" sz="1100" spc="10" dirty="0">
+              <a:t> </a:t>
+            </a:r>
+            <a:r>
+              <a:rPr sz="1100" dirty="0">
                 <a:solidFill>
                   <a:srgbClr val="FFFFFF"/>
                 </a:solidFill>
                 <a:latin typeface="AdobeClean-Light"/>
                 <a:cs typeface="AdobeClean-Light"/>
               </a:rPr>
-              <a:t> </a:t>
-            </a:r>
-            <a:r>
-              <a:rPr lang="de-de" sz="1100" spc="-5" dirty="0">
+              <a:t>|</a:t>
+            </a:r>
+            <a:r>
+              <a:rPr sz="1100" spc="5" dirty="0">
                 <a:solidFill>
                   <a:srgbClr val="FFFFFF"/>
                 </a:solidFill>
                 <a:latin typeface="AdobeClean-Light"/>
                 <a:cs typeface="AdobeClean-Light"/>
               </a:rPr>
-              <a:t>엔터프라이즈</a:t>
-            </a:r>
-            <a:r>
-              <a:rPr lang="de-de" sz="1100" spc="10" dirty="0">
-                <a:solidFill>
-                  <a:srgbClr val="FFFFFF"/>
-                </a:solidFill>
-                <a:latin typeface="AdobeClean-Light"/>
-                <a:cs typeface="AdobeClean-Light"/>
-              </a:rPr>
               <a:t> </a:t>
             </a:r>
             <a:r>
-              <a:rPr lang="de-de" sz="1100" dirty="0">
-                <a:solidFill>
-                  <a:srgbClr val="FFFFFF"/>
-                </a:solidFill>
-                <a:latin typeface="AdobeClean-Light"/>
-                <a:cs typeface="AdobeClean-Light"/>
-              </a:rPr>
-              <a:t>|</a:t>
-            </a:r>
-            <a:r>
-              <a:rPr lang="de-de" sz="1100" spc="5" dirty="0">
-                <a:solidFill>
-                  <a:srgbClr val="FFFFFF"/>
-                </a:solidFill>
-                <a:latin typeface="AdobeClean-Light"/>
-                <a:cs typeface="AdobeClean-Light"/>
-              </a:rPr>
-              <a:t> </a:t>
-            </a:r>
-            <a:r>
-              <a:rPr lang="de-de" sz="1100" b="1" spc="-65" dirty="0">
+              <a:rPr sz="1100" b="1" spc="-65" dirty="0">
                 <a:solidFill>
                   <a:srgbClr val="FFFFFF"/>
                 </a:solidFill>
                 <a:latin typeface="Arial"/>
                 <a:cs typeface="Arial"/>
               </a:rPr>
-              <a:t>엘리트</a:t>
+              <a:t>Elite</a:t>
             </a:r>
             <a:endParaRPr sz="1100" dirty="0">
               <a:latin typeface="Arial"/>
@@ -2398,13 +2493,13 @@
               </a:spcBef>
             </a:pPr>
             <a:r>
-              <a:rPr lang="de-de" sz="900" dirty="0">
+              <a:rPr lang="en-US" sz="900" dirty="0">
                 <a:solidFill>
                   <a:schemeClr val="bg1"/>
                 </a:solidFill>
                 <a:latin typeface="Adobe Clean SemiLight" panose="020B0403020404020204" pitchFamily="34" charset="0"/>
               </a:rPr>
-              <a:t>Adobe는 비즈니스를 지원하는 데 도움이 되는 포괄적인 기술 리소스를 제공합니다. Experience Cloud 라이선스 구독의 일부로 포함되며 엘리트 지원 패키지에서 더욱 향상되었습니다. 엘리트 지원에는 Adobe Experience League를 통한 개인 맞춤형 학습 경로 및 모니터링되는 커뮤니티 포럼 액세스가 포함됩니다. 또한 상세한 심층적 기술 제품 설명서 및 최신 릴리스 정보를 활용할 수도 있습니다. 엘리트 고객은 Adobe 지원 팀에서 지정 기술 담당자 역할을 하는 동시에 최고 수준의 사전 대응 및 사후 지원을 제공하기 위해 단합하고 고객과 협력하는 기술 계정 관리자 및 지정 지원 엔지니어의 서비스도 이용할 수 있습니다. 지정된 Experience Cloud 솔루션에 대한 풍부한 경험을 바탕으로, 지원 요구 사항이 아무리 복잡하더라도 Adobe 지원 팀은 처음부터 끝까지 고객과 함께하며 Adobe Experience Cloud 솔루션에 대한 투자를 극대화하고 문제가 발생하기 전에 예방하기 위해 노력합니다.</a:t>
+              <a:t>Adobe provides a comprehensive range of technical resources to help support your business included as part of your Experience Cloud license subscription and further enhanced in the ELITE support package. ELITE support includes access to personalized learning paths and monitored community forums via the Adobe Experience League. You can also take advantage of our detailed and in-depth technical product documentation and current release notes. ELITE customers will also have access to a Named Support Engineer as well as a Technical Account Manager who combine and work in partnership with you to provide best in class proactive and reactive support while acting as your designated technical contacts in the Adobe Support Team. With deep experience in your designated Experience Cloud solutions, your support team work to ensure that no matter how complex your support needs are, the Adobe Support team will be there side by side with you throughout, to ensure you maximize your investment in the Adobe Experience Cloud solutions and to help you avoid problems before they happen.</a:t>
             </a:r>
             <a:endParaRPr sz="900" dirty="0">
               <a:solidFill>
@@ -2424,8 +2519,8 @@
         </p:nvSpPr>
         <p:spPr>
           <a:xfrm>
-            <a:off x="168564" y="7024370"/>
-            <a:ext cx="5394036" cy="228268"/>
+            <a:off x="168564" y="7162800"/>
+            <a:ext cx="2780665" cy="238760"/>
           </a:xfrm>
           <a:prstGeom prst="rect">
             <a:avLst/>
@@ -2446,7 +2541,7 @@
               </a:spcBef>
             </a:pPr>
             <a:r>
-              <a:rPr lang="de-de" sz="1400" b="1" u="heavy" spc="20" dirty="0">
+              <a:rPr sz="1400" b="1" u="heavy" spc="20">
                 <a:solidFill>
                   <a:srgbClr val="020302"/>
                 </a:solidFill>
@@ -2458,10 +2553,10 @@
                 <a:latin typeface="Adobe Clean"/>
                 <a:cs typeface="Adobe Clean"/>
               </a:rPr>
-              <a:t>서비스 </a:t>
-            </a:r>
-            <a:r>
-              <a:rPr lang="de-de" sz="1400" b="1" u="heavy" spc="-20" dirty="0">
+              <a:t>S</a:t>
+            </a:r>
+            <a:r>
+              <a:rPr sz="1400" b="1" u="heavy">
                 <a:solidFill>
                   <a:srgbClr val="020302"/>
                 </a:solidFill>
@@ -2473,10 +2568,10 @@
                 <a:latin typeface="Adobe Clean"/>
                 <a:cs typeface="Adobe Clean"/>
               </a:rPr>
-              <a:t>수준</a:t>
-            </a:r>
-            <a:r>
-              <a:rPr lang="de-de" sz="1400" b="1" u="heavy" spc="-10" dirty="0">
+              <a:t>er</a:t>
+            </a:r>
+            <a:r>
+              <a:rPr sz="1400" b="1" u="heavy" spc="10">
                 <a:solidFill>
                   <a:srgbClr val="020302"/>
                 </a:solidFill>
@@ -2488,10 +2583,10 @@
                 <a:latin typeface="Adobe Clean"/>
                 <a:cs typeface="Adobe Clean"/>
               </a:rPr>
-              <a:t> </a:t>
-            </a:r>
-            <a:r>
-              <a:rPr lang="de-de" sz="1400" b="1" u="heavy" spc="-65" dirty="0">
+              <a:t>vi</a:t>
+            </a:r>
+            <a:r>
+              <a:rPr sz="1400" b="1" u="heavy">
                 <a:solidFill>
                   <a:srgbClr val="020302"/>
                 </a:solidFill>
@@ -2503,10 +2598,10 @@
                 <a:latin typeface="Adobe Clean"/>
                 <a:cs typeface="Adobe Clean"/>
               </a:rPr>
-              <a:t>목표</a:t>
-            </a:r>
-            <a:r>
-              <a:rPr lang="de-de" sz="1400" b="1" u="heavy" dirty="0">
+              <a:t>ce</a:t>
+            </a:r>
+            <a:r>
+              <a:rPr sz="1400" b="1" u="heavy" spc="20">
                 <a:solidFill>
                   <a:srgbClr val="020302"/>
                 </a:solidFill>
@@ -2518,10 +2613,10 @@
                 <a:latin typeface="Adobe Clean"/>
                 <a:cs typeface="Adobe Clean"/>
               </a:rPr>
-              <a:t>:</a:t>
-            </a:r>
-            <a:r>
-              <a:rPr lang="de-de" sz="1400" b="1" u="heavy" spc="-80" dirty="0">
+              <a:t> </a:t>
+            </a:r>
+            <a:r>
+              <a:rPr sz="1400" b="1" u="heavy" spc="-20">
                 <a:solidFill>
                   <a:srgbClr val="020302"/>
                 </a:solidFill>
@@ -2533,10 +2628,10 @@
                 <a:latin typeface="Adobe Clean"/>
                 <a:cs typeface="Adobe Clean"/>
               </a:rPr>
-              <a:t> </a:t>
-            </a:r>
-            <a:r>
-              <a:rPr lang="de-de" sz="1400" b="1" u="heavy" spc="-20" dirty="0">
+              <a:t>Le</a:t>
+            </a:r>
+            <a:r>
+              <a:rPr sz="1400" b="1" u="heavy" spc="-10">
                 <a:solidFill>
                   <a:srgbClr val="020302"/>
                 </a:solidFill>
@@ -2548,10 +2643,10 @@
                 <a:latin typeface="Adobe Clean"/>
                 <a:cs typeface="Adobe Clean"/>
               </a:rPr>
-              <a:t>초기</a:t>
-            </a:r>
-            <a:r>
-              <a:rPr lang="de-de" sz="1400" b="1" u="heavy" spc="-140" dirty="0">
+              <a:t>v</a:t>
+            </a:r>
+            <a:r>
+              <a:rPr sz="1400" b="1" u="heavy" spc="-20">
                 <a:solidFill>
                   <a:srgbClr val="020302"/>
                 </a:solidFill>
@@ -2563,10 +2658,10 @@
                 <a:latin typeface="Adobe Clean"/>
                 <a:cs typeface="Adobe Clean"/>
               </a:rPr>
-              <a:t> </a:t>
-            </a:r>
-            <a:r>
-              <a:rPr lang="de-de" sz="1400" b="1" u="heavy" spc="-15" dirty="0">
+              <a:t>e</a:t>
+            </a:r>
+            <a:r>
+              <a:rPr sz="1400" b="1" u="heavy">
                 <a:solidFill>
                   <a:srgbClr val="020302"/>
                 </a:solidFill>
@@ -2578,9 +2673,324 @@
                 <a:latin typeface="Adobe Clean"/>
                 <a:cs typeface="Adobe Clean"/>
               </a:rPr>
-              <a:t>대응</a:t>
-            </a:r>
-            <a:endParaRPr sz="1400" dirty="0">
+              <a:t>l</a:t>
+            </a:r>
+            <a:r>
+              <a:rPr sz="1400" b="1" u="heavy" spc="-10">
+                <a:solidFill>
+                  <a:srgbClr val="020302"/>
+                </a:solidFill>
+                <a:uFill>
+                  <a:solidFill>
+                    <a:srgbClr val="020302"/>
+                  </a:solidFill>
+                </a:uFill>
+                <a:latin typeface="Adobe Clean"/>
+                <a:cs typeface="Adobe Clean"/>
+              </a:rPr>
+              <a:t> </a:t>
+            </a:r>
+            <a:r>
+              <a:rPr sz="1400" b="1" u="heavy" spc="-65">
+                <a:solidFill>
+                  <a:srgbClr val="020302"/>
+                </a:solidFill>
+                <a:uFill>
+                  <a:solidFill>
+                    <a:srgbClr val="020302"/>
+                  </a:solidFill>
+                </a:uFill>
+                <a:latin typeface="Adobe Clean"/>
+                <a:cs typeface="Adobe Clean"/>
+              </a:rPr>
+              <a:t>T</a:t>
+            </a:r>
+            <a:r>
+              <a:rPr sz="1400" b="1" u="heavy" spc="-35">
+                <a:solidFill>
+                  <a:srgbClr val="020302"/>
+                </a:solidFill>
+                <a:uFill>
+                  <a:solidFill>
+                    <a:srgbClr val="020302"/>
+                  </a:solidFill>
+                </a:uFill>
+                <a:latin typeface="Adobe Clean"/>
+                <a:cs typeface="Adobe Clean"/>
+              </a:rPr>
+              <a:t>a</a:t>
+            </a:r>
+            <a:r>
+              <a:rPr sz="1400" b="1" u="heavy" spc="-45">
+                <a:solidFill>
+                  <a:srgbClr val="020302"/>
+                </a:solidFill>
+                <a:uFill>
+                  <a:solidFill>
+                    <a:srgbClr val="020302"/>
+                  </a:solidFill>
+                </a:uFill>
+                <a:latin typeface="Adobe Clean"/>
+                <a:cs typeface="Adobe Clean"/>
+              </a:rPr>
+              <a:t>r</a:t>
+            </a:r>
+            <a:r>
+              <a:rPr sz="1400" b="1" u="heavy" spc="-35">
+                <a:solidFill>
+                  <a:srgbClr val="020302"/>
+                </a:solidFill>
+                <a:uFill>
+                  <a:solidFill>
+                    <a:srgbClr val="020302"/>
+                  </a:solidFill>
+                </a:uFill>
+                <a:latin typeface="Adobe Clean"/>
+                <a:cs typeface="Adobe Clean"/>
+              </a:rPr>
+              <a:t>g</a:t>
+            </a:r>
+            <a:r>
+              <a:rPr sz="1400" b="1" u="heavy" spc="-55">
+                <a:solidFill>
+                  <a:srgbClr val="020302"/>
+                </a:solidFill>
+                <a:uFill>
+                  <a:solidFill>
+                    <a:srgbClr val="020302"/>
+                  </a:solidFill>
+                </a:uFill>
+                <a:latin typeface="Adobe Clean"/>
+                <a:cs typeface="Adobe Clean"/>
+              </a:rPr>
+              <a:t>et</a:t>
+            </a:r>
+            <a:r>
+              <a:rPr sz="1400" b="1" u="heavy" spc="-45">
+                <a:solidFill>
+                  <a:srgbClr val="020302"/>
+                </a:solidFill>
+                <a:uFill>
+                  <a:solidFill>
+                    <a:srgbClr val="020302"/>
+                  </a:solidFill>
+                </a:uFill>
+                <a:latin typeface="Adobe Clean"/>
+                <a:cs typeface="Adobe Clean"/>
+              </a:rPr>
+              <a:t>s</a:t>
+            </a:r>
+            <a:r>
+              <a:rPr sz="1400" b="1" u="heavy">
+                <a:solidFill>
+                  <a:srgbClr val="020302"/>
+                </a:solidFill>
+                <a:uFill>
+                  <a:solidFill>
+                    <a:srgbClr val="020302"/>
+                  </a:solidFill>
+                </a:uFill>
+                <a:latin typeface="Adobe Clean"/>
+                <a:cs typeface="Adobe Clean"/>
+              </a:rPr>
+              <a:t>:</a:t>
+            </a:r>
+            <a:r>
+              <a:rPr sz="1400" b="1" u="heavy" spc="-80">
+                <a:solidFill>
+                  <a:srgbClr val="020302"/>
+                </a:solidFill>
+                <a:uFill>
+                  <a:solidFill>
+                    <a:srgbClr val="020302"/>
+                  </a:solidFill>
+                </a:uFill>
+                <a:latin typeface="Adobe Clean"/>
+                <a:cs typeface="Adobe Clean"/>
+              </a:rPr>
+              <a:t> </a:t>
+            </a:r>
+            <a:r>
+              <a:rPr sz="1400" b="1" u="heavy" spc="-20">
+                <a:solidFill>
+                  <a:srgbClr val="020302"/>
+                </a:solidFill>
+                <a:uFill>
+                  <a:solidFill>
+                    <a:srgbClr val="020302"/>
+                  </a:solidFill>
+                </a:uFill>
+                <a:latin typeface="Adobe Clean"/>
+                <a:cs typeface="Adobe Clean"/>
+              </a:rPr>
+              <a:t>I</a:t>
+            </a:r>
+            <a:r>
+              <a:rPr sz="1400" b="1" u="heavy" spc="-10">
+                <a:solidFill>
+                  <a:srgbClr val="020302"/>
+                </a:solidFill>
+                <a:uFill>
+                  <a:solidFill>
+                    <a:srgbClr val="020302"/>
+                  </a:solidFill>
+                </a:uFill>
+                <a:latin typeface="Adobe Clean"/>
+                <a:cs typeface="Adobe Clean"/>
+              </a:rPr>
+              <a:t>ni</a:t>
+            </a:r>
+            <a:r>
+              <a:rPr sz="1400" b="1" u="heavy" spc="-20">
+                <a:solidFill>
+                  <a:srgbClr val="020302"/>
+                </a:solidFill>
+                <a:uFill>
+                  <a:solidFill>
+                    <a:srgbClr val="020302"/>
+                  </a:solidFill>
+                </a:uFill>
+                <a:latin typeface="Adobe Clean"/>
+                <a:cs typeface="Adobe Clean"/>
+              </a:rPr>
+              <a:t>t</a:t>
+            </a:r>
+            <a:r>
+              <a:rPr sz="1400" b="1" u="heavy" spc="-10">
+                <a:solidFill>
+                  <a:srgbClr val="020302"/>
+                </a:solidFill>
+                <a:uFill>
+                  <a:solidFill>
+                    <a:srgbClr val="020302"/>
+                  </a:solidFill>
+                </a:uFill>
+                <a:latin typeface="Adobe Clean"/>
+                <a:cs typeface="Adobe Clean"/>
+              </a:rPr>
+              <a:t>i</a:t>
+            </a:r>
+            <a:r>
+              <a:rPr sz="1400" b="1" u="heavy">
+                <a:solidFill>
+                  <a:srgbClr val="020302"/>
+                </a:solidFill>
+                <a:uFill>
+                  <a:solidFill>
+                    <a:srgbClr val="020302"/>
+                  </a:solidFill>
+                </a:uFill>
+                <a:latin typeface="Adobe Clean"/>
+                <a:cs typeface="Adobe Clean"/>
+              </a:rPr>
+              <a:t>al</a:t>
+            </a:r>
+            <a:r>
+              <a:rPr sz="1400" b="1" u="heavy" spc="-140">
+                <a:solidFill>
+                  <a:srgbClr val="020302"/>
+                </a:solidFill>
+                <a:uFill>
+                  <a:solidFill>
+                    <a:srgbClr val="020302"/>
+                  </a:solidFill>
+                </a:uFill>
+                <a:latin typeface="Adobe Clean"/>
+                <a:cs typeface="Adobe Clean"/>
+              </a:rPr>
+              <a:t> </a:t>
+            </a:r>
+            <a:r>
+              <a:rPr sz="1400" b="1" u="heavy" spc="-15">
+                <a:solidFill>
+                  <a:srgbClr val="020302"/>
+                </a:solidFill>
+                <a:uFill>
+                  <a:solidFill>
+                    <a:srgbClr val="020302"/>
+                  </a:solidFill>
+                </a:uFill>
+                <a:latin typeface="Adobe Clean"/>
+                <a:cs typeface="Adobe Clean"/>
+              </a:rPr>
+              <a:t>R</a:t>
+            </a:r>
+            <a:r>
+              <a:rPr sz="1400" b="1" u="heavy" spc="-25">
+                <a:solidFill>
+                  <a:srgbClr val="020302"/>
+                </a:solidFill>
+                <a:uFill>
+                  <a:solidFill>
+                    <a:srgbClr val="020302"/>
+                  </a:solidFill>
+                </a:uFill>
+                <a:latin typeface="Adobe Clean"/>
+                <a:cs typeface="Adobe Clean"/>
+              </a:rPr>
+              <a:t>e</a:t>
+            </a:r>
+            <a:r>
+              <a:rPr sz="1400" b="1" u="heavy" spc="-15">
+                <a:solidFill>
+                  <a:srgbClr val="020302"/>
+                </a:solidFill>
+                <a:uFill>
+                  <a:solidFill>
+                    <a:srgbClr val="020302"/>
+                  </a:solidFill>
+                </a:uFill>
+                <a:latin typeface="Adobe Clean"/>
+                <a:cs typeface="Adobe Clean"/>
+              </a:rPr>
+              <a:t>s</a:t>
+            </a:r>
+            <a:r>
+              <a:rPr sz="1400" b="1" u="heavy" spc="-25">
+                <a:solidFill>
+                  <a:srgbClr val="020302"/>
+                </a:solidFill>
+                <a:uFill>
+                  <a:solidFill>
+                    <a:srgbClr val="020302"/>
+                  </a:solidFill>
+                </a:uFill>
+                <a:latin typeface="Adobe Clean"/>
+                <a:cs typeface="Adobe Clean"/>
+              </a:rPr>
+              <a:t>p</a:t>
+            </a:r>
+            <a:r>
+              <a:rPr sz="1400" b="1" u="heavy" spc="-15">
+                <a:solidFill>
+                  <a:srgbClr val="020302"/>
+                </a:solidFill>
+                <a:uFill>
+                  <a:solidFill>
+                    <a:srgbClr val="020302"/>
+                  </a:solidFill>
+                </a:uFill>
+                <a:latin typeface="Adobe Clean"/>
+                <a:cs typeface="Adobe Clean"/>
+              </a:rPr>
+              <a:t>ons</a:t>
+            </a:r>
+            <a:r>
+              <a:rPr sz="1400" b="1" u="heavy">
+                <a:solidFill>
+                  <a:srgbClr val="020302"/>
+                </a:solidFill>
+                <a:uFill>
+                  <a:solidFill>
+                    <a:srgbClr val="020302"/>
+                  </a:solidFill>
+                </a:uFill>
+                <a:latin typeface="Adobe Clean"/>
+                <a:cs typeface="Adobe Clean"/>
+              </a:rPr>
+              <a:t>e</a:t>
+            </a:r>
+            <a:endParaRPr sz="1400">
               <a:latin typeface="Adobe Clean"/>
               <a:cs typeface="Adobe Clean"/>
             </a:endParaRPr>
@@ -2596,14 +3006,14 @@
           <p:nvPr>
             <p:extLst>
               <p:ext uri="{D42A27DB-BD31-4B8C-83A1-F6EECF244321}">
-                <p14:modId xmlns:p14="http://schemas.microsoft.com/office/powerpoint/2010/main" val="2429834843"/>
+                <p14:modId xmlns:p14="http://schemas.microsoft.com/office/powerpoint/2010/main" val="3940642931"/>
               </p:ext>
             </p:extLst>
           </p:nvPr>
         </p:nvGraphicFramePr>
         <p:xfrm>
           <a:off x="145668" y="7473158"/>
-          <a:ext cx="7409815" cy="2391801"/>
+          <a:ext cx="7409815" cy="2259721"/>
         </p:xfrm>
         <a:graphic>
           <a:graphicData uri="http://schemas.openxmlformats.org/drawingml/2006/table">
@@ -2612,21 +3022,21 @@
                 <a:tableStyleId>{2D5ABB26-0587-4C30-8999-92F81FD0307C}</a:tableStyleId>
               </a:tblPr>
               <a:tblGrid>
-                <a:gridCol w="4045332">
+                <a:gridCol w="4654932">
                   <a:extLst>
                     <a:ext uri="{9D8B030D-6E8A-4147-A177-3AD203B41FA5}">
                       <a16:colId xmlns:a16="http://schemas.microsoft.com/office/drawing/2014/main" val="20000"/>
                     </a:ext>
                   </a:extLst>
                 </a:gridCol>
-                <a:gridCol w="1676400">
+                <a:gridCol w="1371600">
                   <a:extLst>
                     <a:ext uri="{9D8B030D-6E8A-4147-A177-3AD203B41FA5}">
                       <a16:colId xmlns:a16="http://schemas.microsoft.com/office/drawing/2014/main" val="20001"/>
                     </a:ext>
                   </a:extLst>
                 </a:gridCol>
-                <a:gridCol w="1688083">
+                <a:gridCol w="1383283">
                   <a:extLst>
                     <a:ext uri="{9D8B030D-6E8A-4147-A177-3AD203B41FA5}">
                       <a16:colId xmlns:a16="http://schemas.microsoft.com/office/drawing/2014/main" val="20002"/>
@@ -2649,22 +3059,22 @@
                         </a:spcBef>
                       </a:pPr>
                       <a:r>
-                        <a:rPr lang="de-de" sz="900" spc="0" dirty="0">
+                        <a:rPr sz="900" spc="0">
                           <a:solidFill>
                             <a:srgbClr val="020302"/>
                           </a:solidFill>
                           <a:latin typeface="Adobe Clean"/>
                           <a:cs typeface="Adobe Clean"/>
                         </a:rPr>
-                        <a:t>우선 순위</a:t>
+                        <a:t>Priority</a:t>
                       </a:r>
-                      <a:endParaRPr sz="900" spc="0" dirty="0">
+                      <a:endParaRPr sz="900" spc="0">
                         <a:latin typeface="Adobe Clean"/>
                         <a:cs typeface="Adobe Clean"/>
                       </a:endParaRPr>
                     </a:p>
                   </a:txBody>
-                  <a:tcPr marL="0" marR="0" marT="0" marB="0" anchor="ctr">
+                  <a:tcPr marL="0" marR="0" marT="5715" marB="0" anchor="ctr">
                     <a:lnL w="6350">
                       <a:solidFill>
                         <a:srgbClr val="B7B8B8"/>
@@ -2699,24 +3109,33 @@
                     <a:bodyPr/>
                     <a:lstStyle/>
                     <a:p>
-                      <a:pPr marL="15875" indent="0" algn="ctr">
+                      <a:pPr marL="382905" algn="l">
                         <a:lnSpc>
                           <a:spcPct val="100000"/>
                         </a:lnSpc>
                         <a:spcBef>
                           <a:spcPts val="45"/>
                         </a:spcBef>
-                        <a:tabLst/>
                       </a:pPr>
                       <a:r>
-                        <a:rPr lang="de-de" sz="900" spc="0" dirty="0">
+                        <a:rPr lang="en-US" sz="900" spc="0" dirty="0">
                           <a:solidFill>
                             <a:srgbClr val="020302"/>
                           </a:solidFill>
                           <a:latin typeface="Adobe Clean"/>
                           <a:cs typeface="Adobe Clean"/>
                         </a:rPr>
-                        <a:t>온라인  지원</a:t>
+                        <a:t>Standard </a:t>
+                      </a:r>
+                      <a:r>
+                        <a:rPr sz="900" spc="0" dirty="0">
+                          <a:solidFill>
+                            <a:srgbClr val="020302"/>
+                          </a:solidFill>
+                          <a:latin typeface="Adobe Clean"/>
+                          <a:cs typeface="Adobe Clean"/>
+                        </a:rPr>
+                        <a:t> Support</a:t>
                       </a:r>
                       <a:endParaRPr sz="900" spc="0" dirty="0">
                         <a:latin typeface="Adobe Clean"/>
@@ -2724,7 +3143,7 @@
                       </a:endParaRPr>
                     </a:p>
                   </a:txBody>
-                  <a:tcPr marL="0" marR="0" marT="0" marB="0" anchor="ctr">
+                  <a:tcPr marL="0" marR="0" marT="5715" marB="0" anchor="ctr">
                     <a:lnL w="6350">
                       <a:solidFill>
                         <a:srgbClr val="B7B8B8"/>
@@ -2762,32 +3181,51 @@
                     <a:bodyPr/>
                     <a:lstStyle/>
                     <a:p>
-                      <a:pPr marL="15875" indent="0" algn="ctr">
+                      <a:pPr marL="263525" algn="l">
                         <a:lnSpc>
                           <a:spcPct val="100000"/>
                         </a:lnSpc>
                         <a:spcBef>
                           <a:spcPts val="65"/>
                         </a:spcBef>
-                        <a:tabLst/>
                       </a:pPr>
                       <a:r>
-                        <a:rPr lang="de-de" sz="900" spc="0" dirty="0">
+                        <a:rPr sz="900" spc="0">
                           <a:solidFill>
                             <a:srgbClr val="FFFFFF"/>
                           </a:solidFill>
                           <a:latin typeface="Adobe Clean"/>
                           <a:cs typeface="Adobe Clean"/>
                         </a:rPr>
-                        <a:t>엘리트  지원</a:t>
+                        <a:t>Elite</a:t>
                       </a:r>
-                      <a:endParaRPr sz="900" spc="0" dirty="0">
+                      <a:r>
+                        <a:rPr lang="en-US" sz="900" spc="0">
+                          <a:solidFill>
+                            <a:srgbClr val="FFFFFF"/>
+                          </a:solidFill>
+                          <a:latin typeface="Adobe Clean"/>
+                          <a:cs typeface="Adobe Clean"/>
+                        </a:rPr>
+                        <a:t>  </a:t>
+                      </a:r>
+                      <a:r>
+                        <a:rPr sz="900" spc="0">
+                          <a:solidFill>
+                            <a:srgbClr val="FFFFFF"/>
+                          </a:solidFill>
+                          <a:latin typeface="Adobe Clean"/>
+                          <a:cs typeface="Adobe Clean"/>
+                        </a:rPr>
+                        <a:t>Support</a:t>
+                      </a:r>
+                      <a:endParaRPr sz="900" spc="0">
                         <a:latin typeface="Adobe Clean"/>
                         <a:cs typeface="Adobe Clean"/>
                       </a:endParaRPr>
                     </a:p>
                   </a:txBody>
-                  <a:tcPr marL="0" marR="0" marT="0" marB="0" anchor="ctr">
+                  <a:tcPr marL="0" marR="0" marT="8255" marB="0" anchor="ctr">
                     <a:lnL w="6350">
                       <a:solidFill>
                         <a:srgbClr val="B7B8B8"/>
@@ -2841,22 +3279,22 @@
                         </a:spcBef>
                       </a:pPr>
                       <a:r>
-                        <a:rPr lang="de-de" sz="900" b="1" spc="0" dirty="0">
+                        <a:rPr sz="900" b="1" spc="0">
                           <a:solidFill>
                             <a:srgbClr val="020302"/>
                           </a:solidFill>
                           <a:latin typeface="Adobe Clean"/>
                           <a:cs typeface="Adobe Clean"/>
                         </a:rPr>
-                        <a:t>우선 순위 1</a:t>
+                        <a:t>PRIORITY 1</a:t>
                       </a:r>
-                      <a:endParaRPr sz="900" spc="0" dirty="0">
+                      <a:endParaRPr sz="900" spc="0">
                         <a:latin typeface="Adobe Clean"/>
                         <a:cs typeface="Adobe Clean"/>
                       </a:endParaRPr>
                     </a:p>
                     <a:p>
-                      <a:pPr marL="50165" marR="495934" algn="l">
+                      <a:pPr marL="50165" marR="495300" algn="l">
                         <a:lnSpc>
                           <a:spcPts val="1010"/>
                         </a:lnSpc>
@@ -2865,17 +3303,17 @@
                         </a:spcBef>
                       </a:pPr>
                       <a:r>
-                        <a:rPr lang="de-de" sz="900" b="0" i="0" u="none" strike="noStrike" spc="0" dirty="0">
+                        <a:rPr lang="en-US" sz="900" b="0" i="0" u="none" strike="noStrike" spc="0">
                           <a:solidFill>
                             <a:srgbClr val="000000"/>
                           </a:solidFill>
                           <a:effectLst/>
-                          <a:latin typeface="Adobe Clean Light" panose="020B0303020404020204" pitchFamily="34" charset="0"/>
+                          <a:latin typeface="Adobe Clean Light"/>
                         </a:rPr>
-                        <a:t>고객의 생산 비즈니스 기능이 다운되었거나 심각한 데이터 손실 또는 서비스 저하가 발생했으며 기능 및 사용성을 복원하기 위해 즉각적인 주의가 필요합니다.</a:t>
+                        <a:t>Customer's production business functions are down or have significant data loss or service degradation and immediate attention is required to restore functionality and usability</a:t>
                       </a:r>
-                      <a:endParaRPr sz="900" spc="0" dirty="0">
-                        <a:latin typeface="AdobeClean-Light"/>
+                      <a:endParaRPr sz="900" spc="0">
+                        <a:latin typeface="Adobe Clean Light"/>
                         <a:cs typeface="AdobeClean-Light"/>
                       </a:endParaRPr>
                     </a:p>
@@ -2921,17 +3359,37 @@
                         </a:lnSpc>
                       </a:pPr>
                       <a:r>
-                        <a:rPr lang="de-de" sz="900" spc="0" dirty="0">
+                        <a:rPr sz="900" spc="0">
                           <a:solidFill>
                             <a:srgbClr val="020302"/>
                           </a:solidFill>
                           <a:latin typeface="AdobeClean-Light"/>
                           <a:cs typeface="AdobeClean-Light"/>
                         </a:rPr>
-                        <a:t>24x7 /</a:t>
+                        <a:t>24x7/</a:t>
                       </a:r>
                       <a:r>
-                        <a:rPr lang="de-DE" sz="900" spc="0" dirty="0">
+                        <a:rPr lang="en-US" sz="900" spc="0">
+                          <a:solidFill>
+                            <a:srgbClr val="020302"/>
+                          </a:solidFill>
+                          <a:latin typeface="AdobeClean-Light"/>
+                          <a:cs typeface="AdobeClean-Light"/>
+                        </a:rPr>
+                        <a:t>          </a:t>
+                      </a:r>
+                      <a:r>
+                        <a:rPr sz="900" spc="0">
+                          <a:solidFill>
+                            <a:srgbClr val="020302"/>
+                          </a:solidFill>
+                          <a:latin typeface="AdobeClean-Light"/>
+                          <a:cs typeface="AdobeClean-Light"/>
+                        </a:rPr>
+                        <a:t> 1</a:t>
+                      </a:r>
+                      <a:r>
+                        <a:rPr lang="en-US" sz="900" spc="0">
                           <a:solidFill>
                             <a:srgbClr val="020302"/>
                           </a:solidFill>
@@ -2941,16 +3399,16 @@
                         <a:t> </a:t>
                       </a:r>
                       <a:r>
-                        <a:rPr lang="de-de" sz="900" spc="0" dirty="0">
+                        <a:rPr sz="900" spc="0">
                           <a:solidFill>
                             <a:srgbClr val="020302"/>
                           </a:solidFill>
                           <a:latin typeface="AdobeClean-Light"/>
                           <a:cs typeface="AdobeClean-Light"/>
                         </a:rPr>
-                        <a:t>1시간</a:t>
+                        <a:t>hour</a:t>
                       </a:r>
-                      <a:endParaRPr sz="900" spc="0" dirty="0">
+                      <a:endParaRPr sz="900" spc="0">
                         <a:latin typeface="AdobeClean-Light"/>
                         <a:cs typeface="AdobeClean-Light"/>
                       </a:endParaRPr>
@@ -2991,23 +3449,53 @@
                     <a:bodyPr/>
                     <a:lstStyle/>
                     <a:p>
-                      <a:pPr marL="405130" marR="459740" indent="92710" algn="ctr">
+                      <a:pPr marL="405130" marR="459740" indent="92710" algn="l">
                         <a:lnSpc>
                           <a:spcPct val="100000"/>
                         </a:lnSpc>
                       </a:pPr>
                       <a:r>
-                        <a:rPr lang="de-de" sz="900" spc="0" dirty="0">
+                        <a:rPr lang="en-US" sz="900" spc="0">
                           <a:solidFill>
                             <a:srgbClr val="020302"/>
                           </a:solidFill>
                           <a:latin typeface="AdobeClean-Light"/>
                           <a:cs typeface="AdobeClean-Light"/>
                         </a:rPr>
-                        <a:t>24x7 /</a:t>
+                        <a:t>2</a:t>
                       </a:r>
                       <a:r>
-                        <a:rPr lang="de-DE" sz="900" spc="0" dirty="0">
+                        <a:rPr sz="900" spc="0">
+                          <a:solidFill>
+                            <a:srgbClr val="020302"/>
+                          </a:solidFill>
+                          <a:latin typeface="AdobeClean-Light"/>
+                          <a:cs typeface="AdobeClean-Light"/>
+                        </a:rPr>
+                        <a:t>4x7 /</a:t>
+                      </a:r>
+                      <a:r>
+                        <a:rPr lang="en-US" sz="900" spc="0">
+                          <a:solidFill>
+                            <a:srgbClr val="020302"/>
+                          </a:solidFill>
+                          <a:latin typeface="AdobeClean-Light"/>
+                          <a:cs typeface="AdobeClean-Light"/>
+                        </a:rPr>
+                        <a:t>  </a:t>
+                      </a:r>
+                      <a:r>
+                        <a:rPr sz="900" spc="0">
+                          <a:solidFill>
+                            <a:srgbClr val="020302"/>
+                          </a:solidFill>
+                          <a:latin typeface="AdobeClean-Light"/>
+                          <a:cs typeface="AdobeClean-Light"/>
+                        </a:rPr>
+                        <a:t> 15</a:t>
+                      </a:r>
+                      <a:r>
+                        <a:rPr lang="en-US" sz="900" spc="0">
                           <a:solidFill>
                             <a:srgbClr val="020302"/>
                           </a:solidFill>
@@ -3017,22 +3505,22 @@
                         <a:t> </a:t>
                       </a:r>
                       <a:r>
-                        <a:rPr lang="de-de" sz="900" spc="0" dirty="0">
+                        <a:rPr sz="900" spc="0">
                           <a:solidFill>
                             <a:srgbClr val="020302"/>
                           </a:solidFill>
                           <a:latin typeface="AdobeClean-Light"/>
                           <a:cs typeface="AdobeClean-Light"/>
                         </a:rPr>
-                        <a:t>15분</a:t>
+                        <a:t>minutes</a:t>
                       </a:r>
-                      <a:endParaRPr sz="900" spc="0" dirty="0">
+                      <a:endParaRPr sz="900" spc="0">
                         <a:latin typeface="AdobeClean-Light"/>
                         <a:cs typeface="AdobeClean-Light"/>
                       </a:endParaRPr>
                     </a:p>
                   </a:txBody>
-                  <a:tcPr marL="0" marR="0" marT="0" marB="0" anchor="ctr">
+                  <a:tcPr marL="0" marR="0" marT="2540" marB="0" anchor="ctr">
                     <a:lnL w="6350" cap="flat" cmpd="sng" algn="ctr">
                       <a:solidFill>
                         <a:srgbClr val="B7B8B8"/>
@@ -3091,16 +3579,16 @@
                         </a:spcBef>
                       </a:pPr>
                       <a:r>
-                        <a:rPr lang="de-de" sz="900" b="1" spc="0" dirty="0">
+                        <a:rPr sz="900" b="1" spc="0">
                           <a:solidFill>
                             <a:srgbClr val="020302"/>
                           </a:solidFill>
                           <a:latin typeface="Adobe Clean"/>
                           <a:cs typeface="Adobe Clean"/>
                         </a:rPr>
-                        <a:t>우선 순위 2</a:t>
+                        <a:t>PRIORITY 2</a:t>
                       </a:r>
-                      <a:endParaRPr sz="900" spc="0" dirty="0">
+                      <a:endParaRPr sz="900" spc="0">
                         <a:latin typeface="Adobe Clean"/>
                         <a:cs typeface="Adobe Clean"/>
                       </a:endParaRPr>
@@ -3115,17 +3603,17 @@
                         </a:spcBef>
                       </a:pPr>
                       <a:r>
-                        <a:rPr lang="de-de" sz="900" b="0" i="0" u="none" strike="noStrike" spc="0" dirty="0">
+                        <a:rPr lang="en-US" sz="900" b="0" i="0" u="none" strike="noStrike" spc="0">
                           <a:solidFill>
                             <a:srgbClr val="000000"/>
                           </a:solidFill>
                           <a:effectLst/>
-                          <a:latin typeface="Adobe Clean Light" panose="020B0303020404020204" pitchFamily="34" charset="0"/>
+                          <a:latin typeface="Adobe Clean Light"/>
                         </a:rPr>
-                        <a:t>고객의 비즈니스 기능에 심각한 서비스 저하 또는 잠재적인 데이터 손실이 있거나 주요 기능이 영향을 받습니다.</a:t>
+                        <a:t>Customer's business functions have major service degradation or potential data loss, or a major feature is impacted</a:t>
                       </a:r>
-                      <a:endParaRPr sz="900" spc="0" dirty="0">
-                        <a:latin typeface="AdobeClean-Light"/>
+                      <a:endParaRPr sz="900" spc="0">
+                        <a:latin typeface="Adobe Clean Light"/>
                         <a:cs typeface="AdobeClean-Light"/>
                       </a:endParaRPr>
                     </a:p>
@@ -3165,43 +3653,23 @@
                     <a:bodyPr/>
                     <a:lstStyle/>
                     <a:p>
-                      <a:pPr marL="473709" marR="343535" indent="-175895" algn="ctr">
+                      <a:pPr marL="473075" marR="343535" indent="-175895" algn="l">
                         <a:lnSpc>
                           <a:spcPct val="102200"/>
                         </a:lnSpc>
                       </a:pPr>
                       <a:r>
-                        <a:rPr lang="de-de" sz="900" spc="0" dirty="0">
+                        <a:rPr sz="900" spc="0">
                           <a:solidFill>
                             <a:srgbClr val="020302"/>
                           </a:solidFill>
                           <a:latin typeface="AdobeClean-Light"/>
                           <a:cs typeface="AdobeClean-Light"/>
                         </a:rPr>
-                        <a:t>업무 </a:t>
+                        <a:t>Business hours</a:t>
                       </a:r>
                       <a:r>
-                        <a:rPr lang="de-de" sz="900" spc="0" dirty="0" err="1">
-                          <a:solidFill>
-                            <a:srgbClr val="020302"/>
-                          </a:solidFill>
-                          <a:latin typeface="AdobeClean-Light"/>
-                          <a:cs typeface="AdobeClean-Light"/>
-                        </a:rPr>
-                        <a:t>시간</a:t>
-                      </a:r>
-                      <a:r>
-                        <a:rPr lang="de-de" sz="900" spc="0" dirty="0">
-                          <a:solidFill>
-                            <a:srgbClr val="020302"/>
-                          </a:solidFill>
-                          <a:latin typeface="AdobeClean-Light"/>
-                          <a:cs typeface="AdobeClean-Light"/>
-                        </a:rPr>
-                        <a:t> /</a:t>
-                      </a:r>
-                      <a:r>
-                        <a:rPr lang="de-DE" sz="900" spc="0" dirty="0">
+                        <a:rPr lang="en-US" sz="900" spc="0">
                           <a:solidFill>
                             <a:srgbClr val="020302"/>
                           </a:solidFill>
@@ -3211,16 +3679,36 @@
                         <a:t> </a:t>
                       </a:r>
                       <a:r>
-                        <a:rPr lang="de-de" sz="900" spc="0" dirty="0">
+                        <a:rPr sz="900" spc="0">
                           <a:solidFill>
                             <a:srgbClr val="020302"/>
                           </a:solidFill>
                           <a:latin typeface="AdobeClean-Light"/>
                           <a:cs typeface="AdobeClean-Light"/>
                         </a:rPr>
-                        <a:t>4시간</a:t>
+                        <a:t>/</a:t>
                       </a:r>
-                      <a:endParaRPr sz="900" spc="0" dirty="0">
+                      <a:r>
+                        <a:rPr lang="en-US" sz="900" spc="0">
+                          <a:solidFill>
+                            <a:srgbClr val="020302"/>
+                          </a:solidFill>
+                          <a:latin typeface="AdobeClean-Light"/>
+                          <a:cs typeface="AdobeClean-Light"/>
+                        </a:rPr>
+                        <a:t>       </a:t>
+                      </a:r>
+                      <a:r>
+                        <a:rPr sz="900" spc="0">
+                          <a:solidFill>
+                            <a:srgbClr val="020302"/>
+                          </a:solidFill>
+                          <a:latin typeface="AdobeClean-Light"/>
+                          <a:cs typeface="AdobeClean-Light"/>
+                        </a:rPr>
+                        <a:t>4 hours</a:t>
+                      </a:r>
+                      <a:endParaRPr sz="900" spc="0">
                         <a:latin typeface="AdobeClean-Light"/>
                         <a:cs typeface="AdobeClean-Light"/>
                       </a:endParaRPr>
@@ -3258,13 +3746,13 @@
                     <a:bodyPr/>
                     <a:lstStyle/>
                     <a:p>
-                      <a:pPr marL="351790" marR="481330" indent="144145" algn="ctr">
+                      <a:pPr marL="351790" marR="481330" indent="144145" algn="l">
                         <a:lnSpc>
                           <a:spcPct val="102299"/>
                         </a:lnSpc>
                       </a:pPr>
                       <a:r>
-                        <a:rPr lang="de-de" sz="900" spc="0" dirty="0">
+                        <a:rPr sz="900" spc="0">
                           <a:solidFill>
                             <a:srgbClr val="020302"/>
                           </a:solidFill>
@@ -3274,32 +3762,52 @@
                         <a:t>24x5 /</a:t>
                       </a:r>
                       <a:r>
-                        <a:rPr lang="de-DE" sz="900" spc="0" dirty="0">
+                        <a:rPr lang="en-US" sz="900" spc="0">
                           <a:solidFill>
                             <a:srgbClr val="020302"/>
                           </a:solidFill>
                           <a:latin typeface="AdobeClean-Light"/>
                           <a:cs typeface="AdobeClean-Light"/>
                         </a:rPr>
-                        <a:t> </a:t>
+                        <a:t> </a:t>
                       </a:r>
                       <a:r>
-                        <a:rPr lang="de-de" sz="900" spc="0" dirty="0">
+                        <a:rPr sz="900" spc="0">
                           <a:solidFill>
                             <a:srgbClr val="020302"/>
                           </a:solidFill>
                           <a:latin typeface="AdobeClean-Light"/>
                           <a:cs typeface="AdobeClean-Light"/>
                         </a:rPr>
-                        <a:t>30분</a:t>
+                        <a:t> 30</a:t>
                       </a:r>
-                      <a:endParaRPr sz="900" spc="0" dirty="0">
+                      <a:r>
+                        <a:rPr lang="en-US" sz="900" spc="0">
+                          <a:solidFill>
+                            <a:srgbClr val="020302"/>
+                          </a:solidFill>
+                          <a:latin typeface="AdobeClean-Light"/>
+                          <a:cs typeface="AdobeClean-Light"/>
+                        </a:rPr>
+                        <a:t> m</a:t>
+                      </a:r>
+                      <a:r>
+                        <a:rPr sz="900" spc="0">
+                          <a:solidFill>
+                            <a:srgbClr val="020302"/>
+                          </a:solidFill>
+                          <a:latin typeface="AdobeClean-Light"/>
+                          <a:cs typeface="AdobeClean-Light"/>
+                        </a:rPr>
+                        <a:t>inutes</a:t>
+                      </a:r>
+                      <a:endParaRPr sz="900" spc="0">
                         <a:latin typeface="AdobeClean-Light"/>
                         <a:cs typeface="AdobeClean-Light"/>
                       </a:endParaRPr>
                     </a:p>
                   </a:txBody>
-                  <a:tcPr marL="0" marR="0" marT="0" marB="0" anchor="ctr">
+                  <a:tcPr marL="0" marR="0" marT="5080" marB="0" anchor="ctr">
                     <a:lnL w="6350" cap="flat" cmpd="sng" algn="ctr">
                       <a:solidFill>
                         <a:srgbClr val="B7B8B8"/>
@@ -3355,16 +3863,16 @@
                         </a:spcBef>
                       </a:pPr>
                       <a:r>
-                        <a:rPr lang="de-de" sz="900" b="1" spc="0" dirty="0">
+                        <a:rPr sz="900" b="1" spc="0">
                           <a:solidFill>
                             <a:srgbClr val="020302"/>
                           </a:solidFill>
                           <a:latin typeface="Adobe Clean"/>
                           <a:cs typeface="Adobe Clean"/>
                         </a:rPr>
-                        <a:t>우선 순위 3</a:t>
+                        <a:t>PRIORITY 3</a:t>
                       </a:r>
-                      <a:endParaRPr sz="900" spc="0" dirty="0">
+                      <a:endParaRPr sz="900" spc="0">
                         <a:latin typeface="Adobe Clean"/>
                         <a:cs typeface="Adobe Clean"/>
                       </a:endParaRPr>
@@ -3379,16 +3887,16 @@
                         </a:spcBef>
                       </a:pPr>
                       <a:r>
-                        <a:rPr lang="de-de" sz="900" b="0" i="0" u="none" strike="noStrike" spc="0" dirty="0">
+                        <a:rPr lang="en-US" sz="900" b="0" i="0" u="none" strike="noStrike" spc="0">
                           <a:solidFill>
                             <a:srgbClr val="000000"/>
                           </a:solidFill>
                           <a:effectLst/>
-                          <a:latin typeface="Adobe Clean Light" panose="020B0303020404020204" pitchFamily="34" charset="0"/>
+                          <a:latin typeface="Adobe Clean Light"/>
                         </a:rPr>
-                        <a:t>고객의 비즈니스 기능에 서비스 저하가 경미하거나 전혀 없지만 비즈니스 기능을 정상적으로 계속할 수 있게 하는 솔루션/해결 방법이 있습니다.</a:t>
+                        <a:t>Customer’s business functions have minor to no service degradation but there exists a solution/workaround allowing business functions to continue normally</a:t>
                       </a:r>
-                      <a:endParaRPr sz="900" spc="0" dirty="0">
+                      <a:endParaRPr sz="900" spc="0">
                         <a:latin typeface="AdobeClean-Light"/>
                         <a:cs typeface="AdobeClean-Light"/>
                       </a:endParaRPr>
@@ -3429,62 +3937,22 @@
                     <a:bodyPr/>
                     <a:lstStyle/>
                     <a:p>
-                      <a:pPr marL="473709" marR="343535" indent="-175895" algn="ctr">
+                      <a:pPr marL="473075" marR="343535" indent="-175895" algn="l">
                         <a:lnSpc>
                           <a:spcPct val="102200"/>
                         </a:lnSpc>
                       </a:pPr>
                       <a:r>
-                        <a:rPr lang="de-de" sz="900" spc="0" dirty="0">
+                        <a:rPr lang="en-US" sz="900" spc="0">
                           <a:solidFill>
                             <a:srgbClr val="020302"/>
                           </a:solidFill>
                           <a:latin typeface="AdobeClean-Light"/>
                           <a:cs typeface="AdobeClean-Light"/>
                         </a:rPr>
-                        <a:t>업무 </a:t>
+                        <a:t>Business hours /       6 hours</a:t>
                       </a:r>
-                      <a:r>
-                        <a:rPr lang="de-de" sz="900" spc="0" dirty="0" err="1">
-                          <a:solidFill>
-                            <a:srgbClr val="020302"/>
-                          </a:solidFill>
-                          <a:latin typeface="AdobeClean-Light"/>
-                          <a:cs typeface="AdobeClean-Light"/>
-                        </a:rPr>
-                        <a:t>시간</a:t>
-                      </a:r>
-                      <a:r>
-                        <a:rPr lang="de-de" sz="900" spc="0" dirty="0">
-                          <a:solidFill>
-                            <a:srgbClr val="020302"/>
-                          </a:solidFill>
-                          <a:latin typeface="AdobeClean-Light"/>
-                          <a:cs typeface="AdobeClean-Light"/>
-                        </a:rPr>
-                        <a:t> /</a:t>
-                      </a:r>
-                      <a:r>
-                        <a:rPr lang="de-DE" sz="900" spc="0" dirty="0">
-                          <a:solidFill>
-                            <a:srgbClr val="020302"/>
-                          </a:solidFill>
-                          <a:latin typeface="AdobeClean-Light"/>
-                          <a:cs typeface="AdobeClean-Light"/>
-                        </a:rPr>
-                        <a:t> </a:t>
-                      </a:r>
-                      <a:r>
-                        <a:rPr lang="de-de" sz="900" spc="0" dirty="0">
-                          <a:solidFill>
-                            <a:srgbClr val="020302"/>
-                          </a:solidFill>
-                          <a:latin typeface="AdobeClean-Light"/>
-                          <a:cs typeface="AdobeClean-Light"/>
-                        </a:rPr>
-                        <a:t>6시간</a:t>
-                      </a:r>
-                      <a:endParaRPr lang="en-US" sz="900" spc="0" dirty="0">
+                      <a:endParaRPr lang="en-US" sz="900" spc="0">
                         <a:latin typeface="AdobeClean-Light"/>
                         <a:cs typeface="AdobeClean-Light"/>
                       </a:endParaRPr>
@@ -3522,13 +3990,13 @@
                     <a:bodyPr/>
                     <a:lstStyle/>
                     <a:p>
-                      <a:pPr marL="508000" marR="531495" indent="1270" algn="ctr">
+                      <a:pPr marL="508000" marR="531495" indent="1270" algn="l">
                         <a:lnSpc>
                           <a:spcPct val="102200"/>
                         </a:lnSpc>
                       </a:pPr>
                       <a:r>
-                        <a:rPr lang="de-de" sz="900" spc="0" dirty="0">
+                        <a:rPr lang="en-US" sz="900" spc="0">
                           <a:solidFill>
                             <a:srgbClr val="020302"/>
                           </a:solidFill>
@@ -3539,7 +4007,7 @@
                         <a:t>2</a:t>
                       </a:r>
                       <a:r>
-                        <a:rPr lang="de-de" sz="900" spc="0" dirty="0">
+                        <a:rPr sz="900" spc="0">
                           <a:solidFill>
                             <a:srgbClr val="020302"/>
                           </a:solidFill>
@@ -3550,7 +4018,7 @@
                         <a:t>4x5/</a:t>
                       </a:r>
                       <a:r>
-                        <a:rPr lang="de-DE" sz="900" spc="0" dirty="0">
+                        <a:rPr lang="en-US" sz="900" spc="0">
                           <a:solidFill>
                             <a:srgbClr val="020302"/>
                           </a:solidFill>
@@ -3558,10 +4026,10 @@
                           <a:ea typeface="+mn-ea"/>
                           <a:cs typeface="AdobeClean-Light"/>
                         </a:rPr>
-                        <a:t> </a:t>
+                        <a:t>   </a:t>
                       </a:r>
                       <a:r>
-                        <a:rPr lang="de-de" sz="900" spc="0" dirty="0">
+                        <a:rPr sz="900" spc="0">
                           <a:solidFill>
                             <a:srgbClr val="020302"/>
                           </a:solidFill>
@@ -3569,11 +4037,11 @@
                           <a:ea typeface="+mn-ea"/>
                           <a:cs typeface="AdobeClean-Light"/>
                         </a:rPr>
-                        <a:t>1시간</a:t>
+                        <a:t>1 hour</a:t>
                       </a:r>
                     </a:p>
                   </a:txBody>
-                  <a:tcPr marL="0" marR="0" marT="0" marB="0" anchor="ctr">
+                  <a:tcPr marL="0" marR="0" marT="6985" marB="0" anchor="ctr">
                     <a:lnL w="6350" cap="flat" cmpd="sng" algn="ctr">
                       <a:solidFill>
                         <a:srgbClr val="B7B8B8"/>
@@ -3629,16 +4097,16 @@
                         </a:spcBef>
                       </a:pPr>
                       <a:r>
-                        <a:rPr lang="de-de" sz="900" b="1" spc="0" dirty="0">
+                        <a:rPr sz="900" b="1" spc="0">
                           <a:solidFill>
                             <a:srgbClr val="020302"/>
                           </a:solidFill>
                           <a:latin typeface="Adobe Clean"/>
                           <a:cs typeface="Adobe Clean"/>
                         </a:rPr>
-                        <a:t>우선 순위 4</a:t>
+                        <a:t>PRIORITY 4</a:t>
                       </a:r>
-                      <a:endParaRPr sz="900" spc="0" dirty="0">
+                      <a:endParaRPr sz="900" spc="0">
                         <a:latin typeface="Adobe Clean"/>
                         <a:cs typeface="Adobe Clean"/>
                       </a:endParaRPr>
@@ -3653,17 +4121,17 @@
                         </a:spcBef>
                       </a:pPr>
                       <a:r>
-                        <a:rPr lang="de-de" sz="900" b="0" i="0" u="none" strike="noStrike" spc="0" dirty="0">
+                        <a:rPr lang="en-US" sz="900" b="0" i="0" u="none" strike="noStrike" spc="0">
                           <a:solidFill>
                             <a:srgbClr val="000000"/>
                           </a:solidFill>
                           <a:effectLst/>
-                          <a:latin typeface="Adobe Clean Light" panose="020B0303020404020204" pitchFamily="34" charset="0"/>
+                          <a:latin typeface="Adobe Clean Light"/>
                         </a:rPr>
-                        <a:t>현재 제품 기능에 관한 일반적인 질문 또는 개선 요청입니다.</a:t>
+                        <a:t>General question regarding current product functionality or an enhancement request</a:t>
                       </a:r>
-                      <a:endParaRPr sz="900" spc="0" dirty="0">
-                        <a:latin typeface="AdobeClean-Light"/>
+                      <a:endParaRPr sz="900" spc="0">
+                        <a:latin typeface="Adobe Clean Light"/>
                         <a:cs typeface="AdobeClean-Light"/>
                       </a:endParaRPr>
                     </a:p>
@@ -3703,52 +4171,22 @@
                     <a:bodyPr/>
                     <a:lstStyle/>
                     <a:p>
-                      <a:pPr marL="473709" marR="343535" indent="-175895" algn="ctr">
+                      <a:pPr marL="473075" marR="343535" indent="-175895" algn="l">
                         <a:lnSpc>
                           <a:spcPct val="102200"/>
                         </a:lnSpc>
                       </a:pPr>
                       <a:r>
-                        <a:rPr lang="de-de" sz="900" spc="0" dirty="0" err="1">
+                        <a:rPr lang="en-US" sz="900" spc="0">
                           <a:solidFill>
                             <a:srgbClr val="020302"/>
                           </a:solidFill>
                           <a:latin typeface="AdobeClean-Light"/>
                           <a:cs typeface="AdobeClean-Light"/>
                         </a:rPr>
-                        <a:t>업무일</a:t>
+                        <a:t>Business days /       3 days</a:t>
                       </a:r>
-                      <a:r>
-                        <a:rPr lang="de-de" sz="900" spc="0" dirty="0">
-                          <a:solidFill>
-                            <a:srgbClr val="020302"/>
-                          </a:solidFill>
-                          <a:latin typeface="AdobeClean-Light"/>
-                          <a:cs typeface="AdobeClean-Light"/>
-                        </a:rPr>
-                        <a:t> /</a:t>
-                      </a:r>
-                      <a:r>
-                        <a:rPr lang="de-DE" sz="900" spc="0" dirty="0">
-                          <a:solidFill>
-                            <a:srgbClr val="020302"/>
-                          </a:solidFill>
-                          <a:latin typeface="AdobeClean-Light"/>
-                          <a:cs typeface="AdobeClean-Light"/>
-                        </a:rPr>
-                        <a:t> </a:t>
-                      </a:r>
-                      <a:r>
-                        <a:rPr lang="de-de" sz="900" spc="0" dirty="0">
-                          <a:solidFill>
-                            <a:srgbClr val="020302"/>
-                          </a:solidFill>
-                          <a:latin typeface="AdobeClean-Light"/>
-                          <a:cs typeface="AdobeClean-Light"/>
-                        </a:rPr>
-                        <a:t>3일</a:t>
-                      </a:r>
-                      <a:endParaRPr lang="en-US" sz="900" spc="0" dirty="0">
+                      <a:endParaRPr lang="en-US" sz="900" spc="0">
                         <a:latin typeface="AdobeClean-Light"/>
                         <a:cs typeface="AdobeClean-Light"/>
                       </a:endParaRPr>
@@ -3786,50 +4224,20 @@
                     <a:bodyPr/>
                     <a:lstStyle/>
                     <a:p>
-                      <a:pPr marL="473709" marR="343535" indent="-175895" algn="ctr">
+                      <a:pPr marL="473075" marR="343535" indent="-175895" algn="l">
                         <a:lnSpc>
                           <a:spcPct val="102200"/>
                         </a:lnSpc>
                       </a:pPr>
                       <a:r>
-                        <a:rPr lang="de-de" sz="900" spc="0" dirty="0" err="1">
+                        <a:rPr lang="en-US" sz="900" spc="0" dirty="0">
                           <a:solidFill>
                             <a:srgbClr val="020302"/>
                           </a:solidFill>
                           <a:latin typeface="AdobeClean-Light"/>
                           <a:cs typeface="AdobeClean-Light"/>
                         </a:rPr>
-                        <a:t>업무일</a:t>
-                      </a:r>
-                      <a:r>
-                        <a:rPr lang="de-de" sz="900" spc="0" dirty="0">
-                          <a:solidFill>
-                            <a:srgbClr val="020302"/>
-                          </a:solidFill>
-                          <a:latin typeface="AdobeClean-Light"/>
-                          <a:cs typeface="AdobeClean-Light"/>
-                        </a:rPr>
-                        <a:t> /</a:t>
-                      </a:r>
-                      <a:r>
-                        <a:rPr lang="de-DE" sz="900" spc="0" dirty="0">
-                          <a:solidFill>
-                            <a:srgbClr val="020302"/>
-                          </a:solidFill>
-                          <a:latin typeface="AdobeClean-Light"/>
-                          <a:cs typeface="AdobeClean-Light"/>
-                        </a:rPr>
-                        <a:t> </a:t>
-                      </a:r>
-                      <a:r>
-                        <a:rPr lang="de-de" sz="900" spc="0" dirty="0">
-                          <a:solidFill>
-                            <a:srgbClr val="020302"/>
-                          </a:solidFill>
-                          <a:latin typeface="AdobeClean-Light"/>
-                          <a:cs typeface="AdobeClean-Light"/>
-                        </a:rPr>
-                        <a:t>1일</a:t>
+                        <a:t>Business days /       1 day</a:t>
                       </a:r>
                       <a:endParaRPr lang="en-US" sz="900" spc="0" dirty="0">
                         <a:latin typeface="AdobeClean-Light"/>
@@ -3837,7 +4245,7 @@
                       </a:endParaRPr>
                     </a:p>
                   </a:txBody>
-                  <a:tcPr marL="0" marR="0" marT="0" marB="0" anchor="ctr">
+                  <a:tcPr marL="0" marR="0" marT="27940" marB="0" anchor="ctr">
                     <a:lnL w="6350" cap="flat" cmpd="sng" algn="ctr">
                       <a:solidFill>
                         <a:srgbClr val="B7B8B8"/>
@@ -3934,7 +4342,7 @@
               </a:spcBef>
             </a:pPr>
             <a:r>
-              <a:rPr lang="de-de" sz="800" spc="-15" dirty="0">
+              <a:rPr sz="800" spc="-15">
                 <a:solidFill>
                   <a:srgbClr val="6D6D6D"/>
                 </a:solidFill>
@@ -3944,7 +4352,7 @@
               <a:t>©2021 </a:t>
             </a:r>
             <a:r>
-              <a:rPr lang="de-de" sz="800" spc="-5" dirty="0">
+              <a:rPr sz="800" spc="-5">
                 <a:solidFill>
                   <a:srgbClr val="6D6D6D"/>
                 </a:solidFill>
@@ -3954,7 +4362,7 @@
               <a:t>Adobe. All</a:t>
             </a:r>
             <a:r>
-              <a:rPr lang="de-de" sz="800" spc="-15" dirty="0">
+              <a:rPr sz="800" spc="-15">
                 <a:solidFill>
                   <a:srgbClr val="6D6D6D"/>
                 </a:solidFill>
@@ -3964,7 +4372,7 @@
               <a:t> Rights</a:t>
             </a:r>
             <a:r>
-              <a:rPr lang="de-de" sz="800" spc="-5" dirty="0">
+              <a:rPr sz="800" spc="-5">
                 <a:solidFill>
                   <a:srgbClr val="6D6D6D"/>
                 </a:solidFill>
@@ -3974,7 +4382,7 @@
               <a:t> </a:t>
             </a:r>
             <a:r>
-              <a:rPr lang="de-de" sz="800" spc="-15" dirty="0">
+              <a:rPr sz="800" spc="-15">
                 <a:solidFill>
                   <a:srgbClr val="6D6D6D"/>
                 </a:solidFill>
@@ -3984,7 +4392,7 @@
               <a:t>Reserved.</a:t>
             </a:r>
             <a:r>
-              <a:rPr lang="de-de" sz="800" spc="-10" dirty="0">
+              <a:rPr sz="800" spc="-10">
                 <a:solidFill>
                   <a:srgbClr val="6D6D6D"/>
                 </a:solidFill>
@@ -3994,7 +4402,7 @@
               <a:t> </a:t>
             </a:r>
             <a:r>
-              <a:rPr lang="de-de" sz="800" spc="-5" dirty="0">
+              <a:rPr sz="800" spc="-5">
                 <a:solidFill>
                   <a:srgbClr val="6D6D6D"/>
                 </a:solidFill>
@@ -4004,7 +4412,7 @@
               <a:t>Adobe</a:t>
             </a:r>
             <a:r>
-              <a:rPr lang="de-de" sz="800" spc="65" dirty="0">
+              <a:rPr sz="800" spc="65">
                 <a:solidFill>
                   <a:srgbClr val="6D6D6D"/>
                 </a:solidFill>
@@ -4014,14 +4422,14 @@
               <a:t> </a:t>
             </a:r>
             <a:r>
-              <a:rPr lang="de-de" sz="800" spc="-15" dirty="0">
+              <a:rPr sz="800" spc="-15">
                 <a:solidFill>
                   <a:srgbClr val="6D6D6D"/>
                 </a:solidFill>
                 <a:latin typeface="Adobe Clean"/>
                 <a:cs typeface="Adobe Clean"/>
               </a:rPr>
-              <a:t>기밀.</a:t>
+              <a:t>Confidential.</a:t>
             </a:r>
             <a:endParaRPr sz="800">
               <a:latin typeface="Adobe Clean"/>
@@ -4059,7 +4467,7 @@
           <a:lstStyle/>
           <a:p>
             <a:r>
-              <a:rPr lang="de-de" sz="700" i="1" dirty="0">
+              <a:rPr lang="en-US" sz="700" i="1">
                 <a:solidFill>
                   <a:schemeClr val="bg1"/>
                 </a:solidFill>
@@ -4084,7 +4492,7 @@
           <p:nvPr>
             <p:extLst>
               <p:ext uri="{D42A27DB-BD31-4B8C-83A1-F6EECF244321}">
-                <p14:modId xmlns:p14="http://schemas.microsoft.com/office/powerpoint/2010/main" val="1734001763"/>
+                <p14:modId xmlns:p14="http://schemas.microsoft.com/office/powerpoint/2010/main" val="2453616751"/>
               </p:ext>
             </p:extLst>
           </p:nvPr>
@@ -4135,7 +4543,7 @@
                     <a:bodyPr/>
                     <a:lstStyle/>
                     <a:p>
-                      <a:endParaRPr lang="en-US" dirty="0"/>
+                      <a:endParaRPr lang="en-US"/>
                     </a:p>
                   </a:txBody>
                   <a:tcPr/>
@@ -4173,17 +4581,17 @@
                         <a:defRPr/>
                       </a:pPr>
                       <a:r>
-                        <a:rPr lang="de-de" sz="900" spc="-20" dirty="0">
+                        <a:rPr lang="en-US" sz="900" spc="-20" dirty="0">
                           <a:solidFill>
                             <a:srgbClr val="404040"/>
                           </a:solidFill>
                           <a:latin typeface="Adobe Clean"/>
                           <a:cs typeface="Adobe Clean"/>
                         </a:rPr>
-                        <a:t>온라인 </a:t>
+                        <a:t>Standard </a:t>
                       </a:r>
                       <a:r>
-                        <a:rPr lang="de-de" sz="900" spc="-135" dirty="0">
+                        <a:rPr lang="en-US" sz="900" spc="-135" dirty="0">
                           <a:solidFill>
                             <a:srgbClr val="404040"/>
                           </a:solidFill>
@@ -4193,14 +4601,14 @@
                         <a:t> </a:t>
                       </a:r>
                       <a:r>
-                        <a:rPr lang="de-de" sz="900" spc="-20" dirty="0">
+                        <a:rPr lang="en-US" sz="900" spc="-20" dirty="0">
                           <a:solidFill>
                             <a:srgbClr val="404040"/>
                           </a:solidFill>
                           <a:latin typeface="Adobe Clean"/>
                           <a:cs typeface="Adobe Clean"/>
                         </a:rPr>
-                        <a:t>지원</a:t>
+                        <a:t>Support</a:t>
                       </a:r>
                       <a:endParaRPr lang="en-US" sz="900" dirty="0">
                         <a:latin typeface="Adobe Clean"/>
@@ -4246,16 +4654,26 @@
                         </a:spcBef>
                       </a:pPr>
                       <a:r>
-                        <a:rPr lang="de-de" sz="900" spc="-20" dirty="0">
+                        <a:rPr lang="en-US" sz="900" spc="-20">
                           <a:solidFill>
                             <a:srgbClr val="FFFFFF"/>
                           </a:solidFill>
                           <a:latin typeface="Adobe Clean"/>
                           <a:cs typeface="Adobe Clean"/>
                         </a:rPr>
-                        <a:t>엘리트 지원</a:t>
+                        <a:t>Elite </a:t>
                       </a:r>
-                      <a:endParaRPr sz="900" dirty="0">
+                      <a:r>
+                        <a:rPr sz="900" spc="-20">
+                          <a:solidFill>
+                            <a:srgbClr val="FFFFFF"/>
+                          </a:solidFill>
+                          <a:latin typeface="Adobe Clean"/>
+                          <a:cs typeface="Adobe Clean"/>
+                        </a:rPr>
+                        <a:t>Support</a:t>
+                      </a:r>
+                      <a:endParaRPr sz="900">
                         <a:latin typeface="Adobe Clean"/>
                         <a:cs typeface="Adobe Clean"/>
                       </a:endParaRPr>
@@ -4303,7 +4721,7 @@
                     <a:bodyPr/>
                     <a:lstStyle/>
                     <a:p>
-                      <a:endParaRPr lang="en-US" dirty="0"/>
+                      <a:endParaRPr lang="en-US"/>
                     </a:p>
                   </a:txBody>
                   <a:tcPr/>
@@ -4340,7 +4758,7 @@
                         <a:tabLst/>
                         <a:defRPr/>
                       </a:pPr>
-                      <a:endParaRPr lang="en-US" sz="800" i="1" dirty="0">
+                      <a:endParaRPr lang="en-US" sz="800" i="1">
                         <a:solidFill>
                           <a:sysClr val="windowText" lastClr="000000"/>
                         </a:solidFill>
@@ -4404,13 +4822,13 @@
                         <a:defRPr/>
                       </a:pPr>
                       <a:r>
-                        <a:rPr lang="de-de" sz="800" i="1" dirty="0">
+                        <a:rPr lang="en-US" sz="800" i="1">
                           <a:solidFill>
                             <a:schemeClr val="bg1"/>
                           </a:solidFill>
                           <a:latin typeface="Adobe Clean Light" panose="020B0303020404020204" pitchFamily="34" charset="0"/>
                         </a:rPr>
-                        <a:t>유료 지원($)</a:t>
+                        <a:t>Paid Support ($)</a:t>
                       </a:r>
                     </a:p>
                   </a:txBody>
@@ -4474,16 +4892,16 @@
                         </a:spcBef>
                       </a:pPr>
                       <a:r>
-                        <a:rPr lang="de-de" sz="1000" b="1" i="0" spc="0" dirty="0">
+                        <a:rPr lang="en-US" sz="1000" b="1" i="0" spc="0">
                           <a:solidFill>
                             <a:schemeClr val="bg1"/>
                           </a:solidFill>
                           <a:latin typeface="Adobe Clean" panose="020B0503020404020204" pitchFamily="34" charset="0"/>
                           <a:cs typeface="AdobeClean-Light"/>
                         </a:rPr>
-                        <a:t>할당된 전문가</a:t>
+                        <a:t>Assigned Experts</a:t>
                       </a:r>
-                      <a:endParaRPr sz="1000" b="1" i="0" spc="0" dirty="0">
+                      <a:endParaRPr sz="1000" b="1" i="0" spc="0">
                         <a:solidFill>
                           <a:schemeClr val="bg1"/>
                         </a:solidFill>
@@ -4536,16 +4954,16 @@
                         </a:spcBef>
                       </a:pPr>
                       <a:r>
-                        <a:rPr lang="de-de" sz="900" spc="0" dirty="0">
+                        <a:rPr sz="900" spc="0">
                           <a:solidFill>
                             <a:srgbClr val="020302"/>
                           </a:solidFill>
                           <a:latin typeface="AdobeClean-Light"/>
                           <a:cs typeface="AdobeClean-Light"/>
                         </a:rPr>
-                        <a:t>계정 지원 리드</a:t>
+                        <a:t>Account Support Lead</a:t>
                       </a:r>
-                      <a:endParaRPr sz="900" spc="0" dirty="0">
+                      <a:endParaRPr sz="900" spc="0">
                         <a:latin typeface="AdobeClean-Light"/>
                         <a:cs typeface="AdobeClean-Light"/>
                       </a:endParaRPr>
@@ -4591,7 +5009,7 @@
                           <a:spcPts val="470"/>
                         </a:spcBef>
                       </a:pPr>
-                      <a:endParaRPr sz="900" dirty="0">
+                      <a:endParaRPr sz="900">
                         <a:latin typeface="Wingdings"/>
                         <a:cs typeface="Wingdings"/>
                       </a:endParaRPr>
@@ -4632,7 +5050,7 @@
                           <a:spcPts val="470"/>
                         </a:spcBef>
                       </a:pPr>
-                      <a:endParaRPr sz="900" dirty="0">
+                      <a:endParaRPr sz="900">
                         <a:latin typeface="Wingdings"/>
                         <a:cs typeface="Wingdings"/>
                       </a:endParaRPr>
@@ -4675,7 +5093,7 @@
                           <a:spcPts val="459"/>
                         </a:spcBef>
                       </a:pPr>
-                      <a:endParaRPr sz="900" dirty="0">
+                      <a:endParaRPr sz="900">
                         <a:latin typeface="AdobeClean-Light"/>
                         <a:cs typeface="AdobeClean-Light"/>
                       </a:endParaRPr>
@@ -4713,16 +5131,16 @@
                         </a:spcBef>
                       </a:pPr>
                       <a:r>
-                        <a:rPr lang="de-de" sz="900" spc="0" dirty="0">
+                        <a:rPr sz="900" spc="0">
                           <a:solidFill>
                             <a:srgbClr val="020302"/>
                           </a:solidFill>
                           <a:latin typeface="AdobeClean-Light"/>
                           <a:cs typeface="AdobeClean-Light"/>
                         </a:rPr>
-                        <a:t>지정 지원 엔지니어</a:t>
+                        <a:t>Named Support Engineer</a:t>
                       </a:r>
-                      <a:endParaRPr sz="900" spc="0" dirty="0">
+                      <a:endParaRPr sz="900" spc="0">
                         <a:latin typeface="AdobeClean-Light"/>
                         <a:cs typeface="AdobeClean-Light"/>
                       </a:endParaRPr>
@@ -4753,7 +5171,7 @@
                           <a:spcPct val="100000"/>
                         </a:lnSpc>
                       </a:pPr>
-                      <a:endParaRPr sz="900" dirty="0">
+                      <a:endParaRPr sz="900">
                         <a:latin typeface="Times New Roman"/>
                         <a:cs typeface="Times New Roman"/>
                       </a:endParaRPr>
@@ -4795,7 +5213,7 @@
                         <a:defRPr/>
                       </a:pPr>
                       <a:r>
-                        <a:rPr lang="de-de" sz="900" dirty="0">
+                        <a:rPr lang="en-US" sz="900">
                           <a:solidFill>
                             <a:srgbClr val="020302"/>
                           </a:solidFill>
@@ -4804,7 +5222,7 @@
                         </a:rPr>
                         <a:t></a:t>
                       </a:r>
-                      <a:endParaRPr lang="en-US" sz="900" dirty="0">
+                      <a:endParaRPr lang="en-US" sz="900">
                         <a:latin typeface="Wingdings"/>
                         <a:cs typeface="Wingdings"/>
                       </a:endParaRPr>
@@ -4838,7 +5256,7 @@
                           <a:spcPts val="500"/>
                         </a:spcBef>
                       </a:pPr>
-                      <a:endParaRPr sz="900" dirty="0">
+                      <a:endParaRPr sz="900">
                         <a:latin typeface="AdobeClean-Light"/>
                         <a:cs typeface="AdobeClean-Light"/>
                       </a:endParaRPr>
@@ -4888,16 +5306,16 @@
                         </a:spcBef>
                       </a:pPr>
                       <a:r>
-                        <a:rPr lang="de-de" sz="900" spc="0" dirty="0">
+                        <a:rPr sz="900" spc="0">
                           <a:solidFill>
                             <a:srgbClr val="020302"/>
                           </a:solidFill>
                           <a:latin typeface="AdobeClean-Light"/>
                           <a:cs typeface="AdobeClean-Light"/>
                         </a:rPr>
-                        <a:t>기술 계정 관리자</a:t>
+                        <a:t>Technical Account Manager</a:t>
                       </a:r>
-                      <a:endParaRPr sz="900" spc="0" dirty="0">
+                      <a:endParaRPr sz="900" spc="0">
                         <a:latin typeface="AdobeClean-Light"/>
                         <a:cs typeface="AdobeClean-Light"/>
                       </a:endParaRPr>
@@ -4934,7 +5352,7 @@
                           <a:spcPct val="100000"/>
                         </a:lnSpc>
                       </a:pPr>
-                      <a:endParaRPr sz="900" dirty="0">
+                      <a:endParaRPr sz="900">
                         <a:latin typeface="Times New Roman"/>
                         <a:cs typeface="Times New Roman"/>
                       </a:endParaRPr>
@@ -4985,7 +5403,7 @@
                         <a:defRPr/>
                       </a:pPr>
                       <a:r>
-                        <a:rPr lang="de-de" sz="900" dirty="0">
+                        <a:rPr lang="en-US" sz="900">
                           <a:solidFill>
                             <a:srgbClr val="020302"/>
                           </a:solidFill>
@@ -4994,7 +5412,7 @@
                         </a:rPr>
                         <a:t></a:t>
                       </a:r>
-                      <a:endParaRPr lang="en-US" sz="900" dirty="0">
+                      <a:endParaRPr lang="en-US" sz="900">
                         <a:latin typeface="Wingdings"/>
                         <a:cs typeface="Wingdings"/>
                       </a:endParaRPr>
@@ -5038,16 +5456,16 @@
                         </a:spcBef>
                       </a:pPr>
                       <a:r>
-                        <a:rPr lang="de-de" sz="1000" b="1" i="0" spc="0" dirty="0">
+                        <a:rPr lang="en-US" sz="1000" b="1" i="0" spc="0">
                           <a:solidFill>
                             <a:schemeClr val="bg1"/>
                           </a:solidFill>
                           <a:latin typeface="Adobe Clean" panose="020B0503020404020204" pitchFamily="34" charset="0"/>
                           <a:cs typeface="AdobeClean-Light"/>
                         </a:rPr>
-                        <a:t>지원 서비스</a:t>
+                        <a:t>Support Services</a:t>
                       </a:r>
-                      <a:endParaRPr sz="1000" b="1" i="0" spc="0" dirty="0">
+                      <a:endParaRPr sz="1000" b="1" i="0" spc="0">
                         <a:solidFill>
                           <a:schemeClr val="bg1"/>
                         </a:solidFill>
@@ -5109,16 +5527,26 @@
                         </a:spcBef>
                       </a:pPr>
                       <a:r>
-                        <a:rPr lang="de-de" sz="900" spc="0" dirty="0">
+                        <a:rPr lang="en-US" sz="900" spc="0">
                           <a:solidFill>
                             <a:srgbClr val="020302"/>
                           </a:solidFill>
                           <a:latin typeface="AdobeClean-Light"/>
                           <a:cs typeface="AdobeClean-Light"/>
                         </a:rPr>
-                        <a:t>온라인 지원</a:t>
+                        <a:t>Online</a:t>
                       </a:r>
-                      <a:endParaRPr sz="900" spc="0" dirty="0">
+                      <a:r>
+                        <a:rPr sz="900" spc="0">
+                          <a:solidFill>
+                            <a:srgbClr val="020302"/>
+                          </a:solidFill>
+                          <a:latin typeface="AdobeClean-Light"/>
+                          <a:cs typeface="AdobeClean-Light"/>
+                        </a:rPr>
+                        <a:t> Support</a:t>
+                      </a:r>
+                      <a:endParaRPr sz="900" spc="0">
                         <a:latin typeface="AdobeClean-Light"/>
                         <a:cs typeface="AdobeClean-Light"/>
                       </a:endParaRPr>
@@ -5159,17 +5587,17 @@
                         </a:spcBef>
                       </a:pPr>
                       <a:r>
-                        <a:rPr lang="de-de" sz="900" spc="-25" dirty="0">
+                        <a:rPr sz="900" spc="-25">
                           <a:solidFill>
                             <a:srgbClr val="020302"/>
                           </a:solidFill>
                           <a:latin typeface="AdobeClean-Light"/>
                           <a:cs typeface="AdobeClean-Light"/>
                         </a:rPr>
-                        <a:t>업무</a:t>
+                        <a:t>Business</a:t>
                       </a:r>
                       <a:r>
-                        <a:rPr lang="de-de" sz="900" spc="-15" dirty="0">
+                        <a:rPr sz="900" spc="-15">
                           <a:solidFill>
                             <a:srgbClr val="020302"/>
                           </a:solidFill>
@@ -5179,16 +5607,16 @@
                         <a:t> </a:t>
                       </a:r>
                       <a:r>
-                        <a:rPr lang="de-de" sz="900" spc="-30" dirty="0">
+                        <a:rPr sz="900" spc="-30">
                           <a:solidFill>
                             <a:srgbClr val="020302"/>
                           </a:solidFill>
                           <a:latin typeface="AdobeClean-Light"/>
                           <a:cs typeface="AdobeClean-Light"/>
                         </a:rPr>
-                        <a:t>시간</a:t>
+                        <a:t>hours</a:t>
                       </a:r>
-                      <a:endParaRPr sz="900" dirty="0">
+                      <a:endParaRPr sz="900">
                         <a:latin typeface="AdobeClean-Light"/>
                         <a:cs typeface="AdobeClean-Light"/>
                       </a:endParaRPr>
@@ -5230,7 +5658,7 @@
                         </a:spcBef>
                       </a:pPr>
                       <a:r>
-                        <a:rPr lang="de-de" sz="900" spc="-25" dirty="0">
+                        <a:rPr lang="en-US" sz="900" spc="-25">
                           <a:solidFill>
                             <a:srgbClr val="020302"/>
                           </a:solidFill>
@@ -5239,7 +5667,7 @@
                         </a:rPr>
                         <a:t>24x5</a:t>
                       </a:r>
-                      <a:endParaRPr sz="900" dirty="0">
+                      <a:endParaRPr sz="900">
                         <a:latin typeface="AdobeClean-Light"/>
                         <a:cs typeface="AdobeClean-Light"/>
                       </a:endParaRPr>
@@ -5282,7 +5710,7 @@
                           <a:spcPts val="455"/>
                         </a:spcBef>
                       </a:pPr>
-                      <a:endParaRPr sz="900" dirty="0">
+                      <a:endParaRPr sz="900">
                         <a:latin typeface="AdobeClean-Light"/>
                         <a:cs typeface="AdobeClean-Light"/>
                       </a:endParaRPr>
@@ -5323,16 +5751,36 @@
                         </a:spcBef>
                       </a:pPr>
                       <a:r>
-                        <a:rPr lang="de-de" sz="900" spc="0" dirty="0">
+                        <a:rPr sz="900" spc="0">
                           <a:solidFill>
                             <a:srgbClr val="020302"/>
                           </a:solidFill>
                           <a:latin typeface="AdobeClean-Light"/>
                           <a:cs typeface="AdobeClean-Light"/>
                         </a:rPr>
-                        <a:t>24x7x365 P1 문제 지원</a:t>
+                        <a:t>24x7</a:t>
                       </a:r>
-                      <a:endParaRPr sz="900" spc="0" dirty="0">
+                      <a:r>
+                        <a:rPr lang="en-US" sz="900" spc="0">
+                          <a:solidFill>
+                            <a:srgbClr val="020302"/>
+                          </a:solidFill>
+                          <a:latin typeface="AdobeClean-Light"/>
+                          <a:cs typeface="AdobeClean-Light"/>
+                        </a:rPr>
+                        <a:t>x365</a:t>
+                      </a:r>
+                      <a:r>
+                        <a:rPr sz="900" spc="0">
+                          <a:solidFill>
+                            <a:srgbClr val="020302"/>
+                          </a:solidFill>
+                          <a:latin typeface="AdobeClean-Light"/>
+                          <a:cs typeface="AdobeClean-Light"/>
+                        </a:rPr>
+                        <a:t> P1 Issue Support</a:t>
+                      </a:r>
+                      <a:endParaRPr sz="900" spc="0">
                         <a:latin typeface="AdobeClean-Light"/>
                         <a:cs typeface="AdobeClean-Light"/>
                       </a:endParaRPr>
@@ -5367,7 +5815,7 @@
                         </a:spcBef>
                       </a:pPr>
                       <a:r>
-                        <a:rPr lang="de-de" sz="900" dirty="0">
+                        <a:rPr sz="900">
                           <a:solidFill>
                             <a:srgbClr val="020302"/>
                           </a:solidFill>
@@ -5376,7 +5824,7 @@
                         </a:rPr>
                         <a:t></a:t>
                       </a:r>
-                      <a:endParaRPr sz="900" dirty="0">
+                      <a:endParaRPr sz="900">
                         <a:latin typeface="Wingdings"/>
                         <a:cs typeface="Wingdings"/>
                       </a:endParaRPr>
@@ -5409,7 +5857,7 @@
                         </a:spcBef>
                       </a:pPr>
                       <a:r>
-                        <a:rPr lang="de-de" sz="900" dirty="0">
+                        <a:rPr sz="900">
                           <a:solidFill>
                             <a:srgbClr val="020302"/>
                           </a:solidFill>
@@ -5418,7 +5866,7 @@
                         </a:rPr>
                         <a:t></a:t>
                       </a:r>
-                      <a:endParaRPr sz="900" dirty="0">
+                      <a:endParaRPr sz="900">
                         <a:latin typeface="Wingdings"/>
                         <a:cs typeface="Wingdings"/>
                       </a:endParaRPr>
@@ -5452,7 +5900,7 @@
                           <a:spcPts val="455"/>
                         </a:spcBef>
                       </a:pPr>
-                      <a:endParaRPr sz="900" dirty="0">
+                      <a:endParaRPr sz="900">
                         <a:latin typeface="AdobeClean-Light"/>
                         <a:cs typeface="AdobeClean-Light"/>
                       </a:endParaRPr>
@@ -5502,16 +5950,16 @@
                         </a:spcBef>
                       </a:pPr>
                       <a:r>
-                        <a:rPr lang="de-de" sz="900" spc="0" dirty="0">
+                        <a:rPr lang="en-US" sz="900" spc="0">
                           <a:solidFill>
                             <a:srgbClr val="020302"/>
                           </a:solidFill>
                           <a:latin typeface="AdobeClean-Light"/>
                           <a:cs typeface="AdobeClean-Light"/>
                         </a:rPr>
-                        <a:t>지정된 지원 담당자(제품당)</a:t>
+                        <a:t>Named Support Contacts (per product)</a:t>
                       </a:r>
-                      <a:endParaRPr sz="900" spc="0" dirty="0">
+                      <a:endParaRPr sz="900" spc="0">
                         <a:latin typeface="AdobeClean-Light"/>
                         <a:cs typeface="AdobeClean-Light"/>
                       </a:endParaRPr>
@@ -5552,7 +6000,7 @@
                         </a:spcBef>
                       </a:pPr>
                       <a:r>
-                        <a:rPr lang="de-de" sz="900" dirty="0">
+                        <a:rPr sz="900">
                           <a:solidFill>
                             <a:srgbClr val="020302"/>
                           </a:solidFill>
@@ -5561,7 +6009,7 @@
                         </a:rPr>
                         <a:t>4</a:t>
                       </a:r>
-                      <a:endParaRPr sz="900" dirty="0">
+                      <a:endParaRPr sz="900">
                         <a:latin typeface="AdobeClean-Light"/>
                         <a:cs typeface="AdobeClean-Light"/>
                       </a:endParaRPr>
@@ -5594,7 +6042,7 @@
                         </a:spcBef>
                       </a:pPr>
                       <a:r>
-                        <a:rPr lang="de-de" sz="900" dirty="0">
+                        <a:rPr lang="en-US" sz="900">
                           <a:solidFill>
                             <a:srgbClr val="020302"/>
                           </a:solidFill>
@@ -5603,7 +6051,7 @@
                         </a:rPr>
                         <a:t>15</a:t>
                       </a:r>
-                      <a:endParaRPr sz="900" dirty="0">
+                      <a:endParaRPr sz="900">
                         <a:latin typeface="AdobeClean-Light"/>
                         <a:cs typeface="AdobeClean-Light"/>
                       </a:endParaRPr>
@@ -5637,7 +6085,7 @@
                           <a:spcPts val="455"/>
                         </a:spcBef>
                       </a:pPr>
-                      <a:endParaRPr sz="900" dirty="0">
+                      <a:endParaRPr sz="900">
                         <a:latin typeface="AdobeClean-Light"/>
                         <a:cs typeface="AdobeClean-Light"/>
                       </a:endParaRPr>
@@ -5678,16 +6126,16 @@
                         </a:spcBef>
                       </a:pPr>
                       <a:r>
-                        <a:rPr lang="de-de" sz="900" spc="0" dirty="0">
+                        <a:rPr lang="en-US" sz="900" spc="0">
                           <a:solidFill>
                             <a:srgbClr val="020302"/>
                           </a:solidFill>
                           <a:latin typeface="AdobeClean-Light"/>
                           <a:cs typeface="AdobeClean-Light"/>
                         </a:rPr>
-                        <a:t>실시간 전화 지원</a:t>
+                        <a:t>Live Telephone Support</a:t>
                       </a:r>
-                      <a:endParaRPr sz="900" spc="0" dirty="0">
+                      <a:endParaRPr sz="900" spc="0">
                         <a:latin typeface="AdobeClean-Light"/>
                         <a:cs typeface="AdobeClean-Light"/>
                       </a:endParaRPr>
@@ -5721,7 +6169,7 @@
                           <a:spcPts val="464"/>
                         </a:spcBef>
                       </a:pPr>
-                      <a:endParaRPr sz="900" dirty="0">
+                      <a:endParaRPr sz="900">
                         <a:latin typeface="Wingdings"/>
                         <a:cs typeface="Wingdings"/>
                       </a:endParaRPr>
@@ -5754,7 +6202,7 @@
                         </a:spcBef>
                       </a:pPr>
                       <a:r>
-                        <a:rPr lang="de-de" sz="900" dirty="0">
+                        <a:rPr sz="900">
                           <a:solidFill>
                             <a:srgbClr val="020302"/>
                           </a:solidFill>
@@ -5763,7 +6211,7 @@
                         </a:rPr>
                         <a:t></a:t>
                       </a:r>
-                      <a:endParaRPr sz="900" dirty="0">
+                      <a:endParaRPr sz="900">
                         <a:latin typeface="Wingdings"/>
                         <a:cs typeface="Wingdings"/>
                       </a:endParaRPr>
@@ -5797,7 +6245,7 @@
                           <a:spcPts val="459"/>
                         </a:spcBef>
                       </a:pPr>
-                      <a:endParaRPr sz="900" dirty="0">
+                      <a:endParaRPr sz="900">
                         <a:latin typeface="AdobeClean-Light"/>
                         <a:cs typeface="AdobeClean-Light"/>
                       </a:endParaRPr>
@@ -5838,16 +6286,16 @@
                         </a:spcBef>
                       </a:pPr>
                       <a:r>
-                        <a:rPr lang="de-de" sz="900" spc="0" dirty="0">
+                        <a:rPr sz="900" spc="0">
                           <a:solidFill>
                             <a:srgbClr val="020302"/>
                           </a:solidFill>
                           <a:latin typeface="AdobeClean-Light"/>
                           <a:cs typeface="AdobeClean-Light"/>
                         </a:rPr>
-                        <a:t>에스컬레이션 관리</a:t>
+                        <a:t>Escalation Management</a:t>
                       </a:r>
-                      <a:endParaRPr sz="900" spc="0" dirty="0">
+                      <a:endParaRPr sz="900" spc="0">
                         <a:latin typeface="AdobeClean-Light"/>
                         <a:cs typeface="AdobeClean-Light"/>
                       </a:endParaRPr>
@@ -5881,7 +6329,7 @@
                           <a:spcPts val="470"/>
                         </a:spcBef>
                       </a:pPr>
-                      <a:endParaRPr sz="900" dirty="0">
+                      <a:endParaRPr sz="900">
                         <a:latin typeface="Wingdings"/>
                         <a:cs typeface="Wingdings"/>
                       </a:endParaRPr>
@@ -5914,7 +6362,7 @@
                         </a:spcBef>
                       </a:pPr>
                       <a:r>
-                        <a:rPr lang="de-de" sz="900" dirty="0">
+                        <a:rPr sz="900">
                           <a:solidFill>
                             <a:srgbClr val="020302"/>
                           </a:solidFill>
@@ -5923,7 +6371,7 @@
                         </a:rPr>
                         <a:t></a:t>
                       </a:r>
-                      <a:endParaRPr sz="900" dirty="0">
+                      <a:endParaRPr sz="900">
                         <a:latin typeface="Wingdings"/>
                         <a:cs typeface="Wingdings"/>
                       </a:endParaRPr>
@@ -5957,7 +6405,7 @@
                           <a:spcPts val="450"/>
                         </a:spcBef>
                       </a:pPr>
-                      <a:endParaRPr sz="900" dirty="0">
+                      <a:endParaRPr sz="900">
                         <a:latin typeface="AdobeClean-Light"/>
                         <a:cs typeface="AdobeClean-Light"/>
                       </a:endParaRPr>
@@ -5998,16 +6446,26 @@
                         </a:spcBef>
                       </a:pPr>
                       <a:r>
-                        <a:rPr lang="de-de" sz="900" spc="0" dirty="0">
+                        <a:rPr sz="900" spc="0">
                           <a:solidFill>
                             <a:srgbClr val="020302"/>
                           </a:solidFill>
                           <a:latin typeface="AdobeClean-Light"/>
                           <a:cs typeface="AdobeClean-Light"/>
                         </a:rPr>
-                        <a:t>연간 서비스 리뷰</a:t>
+                        <a:t>Service Reviews </a:t>
                       </a:r>
-                      <a:endParaRPr sz="900" spc="0" dirty="0">
+                      <a:r>
+                        <a:rPr lang="en-US" sz="900" spc="0">
+                          <a:solidFill>
+                            <a:srgbClr val="020302"/>
+                          </a:solidFill>
+                          <a:latin typeface="AdobeClean-Light"/>
+                          <a:cs typeface="AdobeClean-Light"/>
+                        </a:rPr>
+                        <a:t>per Year</a:t>
+                      </a:r>
+                      <a:endParaRPr sz="900" spc="0">
                         <a:latin typeface="AdobeClean-Light"/>
                         <a:cs typeface="AdobeClean-Light"/>
                       </a:endParaRPr>
@@ -6038,7 +6496,7 @@
                           <a:spcPct val="100000"/>
                         </a:lnSpc>
                       </a:pPr>
-                      <a:endParaRPr sz="900" dirty="0">
+                      <a:endParaRPr sz="900">
                         <a:latin typeface="Times New Roman"/>
                         <a:cs typeface="Times New Roman"/>
                       </a:endParaRPr>
@@ -6068,13 +6526,13 @@
                         </a:lnSpc>
                       </a:pPr>
                       <a:r>
-                        <a:rPr lang="de-de" sz="900" dirty="0">
+                        <a:rPr lang="en-US" sz="900">
                           <a:latin typeface="Times New Roman"/>
                           <a:cs typeface="Times New Roman"/>
                         </a:rPr>
                         <a:t>4</a:t>
                       </a:r>
-                      <a:endParaRPr sz="900" dirty="0">
+                      <a:endParaRPr sz="900">
                         <a:latin typeface="Times New Roman"/>
                         <a:cs typeface="Times New Roman"/>
                       </a:endParaRPr>
@@ -6119,13 +6577,13 @@
                         </a:spcBef>
                       </a:pPr>
                       <a:r>
-                        <a:rPr lang="de-de" sz="900" spc="0" dirty="0">
+                        <a:rPr lang="en-US" sz="900" spc="0">
                           <a:latin typeface="AdobeClean-Light"/>
                           <a:cs typeface="AdobeClean-Light"/>
                         </a:rPr>
-                        <a:t>연간 전문가 세션</a:t>
+                        <a:t>Expert Sessions per Year</a:t>
                       </a:r>
-                      <a:endParaRPr sz="900" spc="0" dirty="0">
+                      <a:endParaRPr sz="900" spc="0">
                         <a:latin typeface="AdobeClean-Light"/>
                         <a:cs typeface="AdobeClean-Light"/>
                       </a:endParaRPr>
@@ -6162,7 +6620,7 @@
                           <a:spcPct val="100000"/>
                         </a:lnSpc>
                       </a:pPr>
-                      <a:endParaRPr sz="900" dirty="0">
+                      <a:endParaRPr sz="900">
                         <a:latin typeface="Times New Roman"/>
                         <a:cs typeface="Times New Roman"/>
                       </a:endParaRPr>
@@ -6192,13 +6650,13 @@
                         </a:lnSpc>
                       </a:pPr>
                       <a:r>
-                        <a:rPr lang="de-de" sz="900" dirty="0">
+                        <a:rPr lang="en-US" sz="900">
                           <a:latin typeface="Times New Roman"/>
                           <a:cs typeface="Times New Roman"/>
                         </a:rPr>
                         <a:t>4</a:t>
                       </a:r>
-                      <a:endParaRPr sz="900" dirty="0">
+                      <a:endParaRPr sz="900">
                         <a:latin typeface="Times New Roman"/>
                         <a:cs typeface="Times New Roman"/>
                       </a:endParaRPr>
@@ -6243,13 +6701,13 @@
                         </a:spcBef>
                       </a:pPr>
                       <a:r>
-                        <a:rPr lang="de-de" sz="900" spc="0" dirty="0">
+                        <a:rPr lang="en-US" sz="900" spc="0">
                           <a:latin typeface="AdobeClean-Light"/>
                           <a:cs typeface="AdobeClean-Light"/>
                         </a:rPr>
-                        <a:t>사례 검토</a:t>
+                        <a:t>Case Reviews</a:t>
                       </a:r>
-                      <a:endParaRPr sz="900" spc="0" dirty="0">
+                      <a:endParaRPr sz="900" spc="0">
                         <a:latin typeface="AdobeClean-Light"/>
                         <a:cs typeface="AdobeClean-Light"/>
                       </a:endParaRPr>
@@ -6286,7 +6744,7 @@
                           <a:spcPct val="100000"/>
                         </a:lnSpc>
                       </a:pPr>
-                      <a:endParaRPr sz="900" dirty="0">
+                      <a:endParaRPr sz="900">
                         <a:latin typeface="Times New Roman"/>
                         <a:cs typeface="Times New Roman"/>
                       </a:endParaRPr>
@@ -6328,7 +6786,7 @@
                         <a:defRPr/>
                       </a:pPr>
                       <a:r>
-                        <a:rPr lang="de-de" sz="900" dirty="0">
+                        <a:rPr lang="en-US" sz="900">
                           <a:solidFill>
                             <a:srgbClr val="020302"/>
                           </a:solidFill>
@@ -6337,7 +6795,7 @@
                         </a:rPr>
                         <a:t></a:t>
                       </a:r>
-                      <a:endParaRPr lang="en-US" sz="900" dirty="0">
+                      <a:endParaRPr lang="en-US" sz="900">
                         <a:latin typeface="Wingdings"/>
                         <a:cs typeface="Wingdings"/>
                       </a:endParaRPr>
@@ -6371,7 +6829,7 @@
                           <a:spcPts val="459"/>
                         </a:spcBef>
                       </a:pPr>
-                      <a:endParaRPr sz="900" dirty="0">
+                      <a:endParaRPr sz="900">
                         <a:latin typeface="AdobeClean-Light"/>
                         <a:cs typeface="AdobeClean-Light"/>
                       </a:endParaRPr>
@@ -6421,16 +6879,26 @@
                         </a:spcBef>
                       </a:pPr>
                       <a:r>
-                        <a:rPr lang="de-de" sz="900" spc="0" dirty="0">
+                        <a:rPr sz="900" spc="0">
                           <a:solidFill>
                             <a:srgbClr val="020302"/>
                           </a:solidFill>
                           <a:latin typeface="AdobeClean-Light"/>
                           <a:cs typeface="AdobeClean-Light"/>
                         </a:rPr>
-                        <a:t>이벤트 관리</a:t>
+                        <a:t>Event </a:t>
                       </a:r>
-                      <a:endParaRPr sz="900" spc="0" dirty="0">
+                      <a:r>
+                        <a:rPr lang="en-US" sz="900" spc="0">
+                          <a:solidFill>
+                            <a:srgbClr val="020302"/>
+                          </a:solidFill>
+                          <a:latin typeface="AdobeClean-Light"/>
+                          <a:cs typeface="AdobeClean-Light"/>
+                        </a:rPr>
+                        <a:t>Management</a:t>
+                      </a:r>
+                      <a:endParaRPr sz="900" spc="0">
                         <a:latin typeface="AdobeClean-Light"/>
                         <a:cs typeface="AdobeClean-Light"/>
                       </a:endParaRPr>
@@ -6467,7 +6935,7 @@
                           <a:spcPct val="100000"/>
                         </a:lnSpc>
                       </a:pPr>
-                      <a:endParaRPr sz="900" dirty="0">
+                      <a:endParaRPr sz="900">
                         <a:latin typeface="Times New Roman"/>
                         <a:cs typeface="Times New Roman"/>
                       </a:endParaRPr>
@@ -6509,7 +6977,7 @@
                         <a:defRPr/>
                       </a:pPr>
                       <a:r>
-                        <a:rPr lang="de-de" sz="900" dirty="0">
+                        <a:rPr lang="en-US" sz="900">
                           <a:solidFill>
                             <a:srgbClr val="020302"/>
                           </a:solidFill>
@@ -6518,7 +6986,7 @@
                         </a:rPr>
                         <a:t></a:t>
                       </a:r>
-                      <a:endParaRPr lang="en-US" sz="900" dirty="0">
+                      <a:endParaRPr lang="en-US" sz="900">
                         <a:latin typeface="Wingdings"/>
                         <a:cs typeface="Wingdings"/>
                       </a:endParaRPr>
@@ -6552,7 +7020,7 @@
                           <a:spcPts val="465"/>
                         </a:spcBef>
                       </a:pPr>
-                      <a:endParaRPr sz="900" dirty="0">
+                      <a:endParaRPr sz="900">
                         <a:latin typeface="AdobeClean-Light"/>
                         <a:cs typeface="AdobeClean-Light"/>
                       </a:endParaRPr>
@@ -6593,16 +7061,36 @@
                         </a:spcBef>
                       </a:pPr>
                       <a:r>
-                        <a:rPr lang="de-de" sz="900" spc="0" dirty="0">
+                        <a:rPr sz="900" spc="0">
                           <a:solidFill>
                             <a:srgbClr val="020302"/>
                           </a:solidFill>
                           <a:latin typeface="AdobeClean-Light"/>
                           <a:cs typeface="AdobeClean-Light"/>
                         </a:rPr>
-                        <a:t>환경 검토, 유지 관리 및 모니터링</a:t>
+                        <a:t>Environment</a:t>
                       </a:r>
-                      <a:endParaRPr sz="900" spc="0" dirty="0">
+                      <a:r>
+                        <a:rPr lang="en-US" sz="900" spc="0">
+                          <a:solidFill>
+                            <a:srgbClr val="020302"/>
+                          </a:solidFill>
+                          <a:latin typeface="AdobeClean-Light"/>
+                          <a:cs typeface="AdobeClean-Light"/>
+                        </a:rPr>
+                        <a:t> </a:t>
+                      </a:r>
+                      <a:r>
+                        <a:rPr sz="900" spc="0">
+                          <a:solidFill>
+                            <a:srgbClr val="020302"/>
+                          </a:solidFill>
+                          <a:latin typeface="AdobeClean-Light"/>
+                          <a:cs typeface="AdobeClean-Light"/>
+                        </a:rPr>
+                        <a:t>Review, Maintenance &amp; Monitoring</a:t>
+                      </a:r>
+                      <a:endParaRPr sz="900" spc="0">
                         <a:latin typeface="AdobeClean-Light"/>
                         <a:cs typeface="AdobeClean-Light"/>
                       </a:endParaRPr>
@@ -6633,7 +7121,7 @@
                           <a:spcPct val="100000"/>
                         </a:lnSpc>
                       </a:pPr>
-                      <a:endParaRPr sz="900" dirty="0">
+                      <a:endParaRPr sz="900">
                         <a:latin typeface="Times New Roman"/>
                         <a:cs typeface="Times New Roman"/>
                       </a:endParaRPr>
@@ -6675,7 +7163,7 @@
                         <a:defRPr/>
                       </a:pPr>
                       <a:r>
-                        <a:rPr lang="de-de" sz="900" dirty="0">
+                        <a:rPr lang="en-US" sz="900">
                           <a:solidFill>
                             <a:srgbClr val="020302"/>
                           </a:solidFill>
@@ -6684,7 +7172,7 @@
                         </a:rPr>
                         <a:t></a:t>
                       </a:r>
-                      <a:endParaRPr lang="en-US" sz="900" dirty="0">
+                      <a:endParaRPr lang="en-US" sz="900">
                         <a:latin typeface="Wingdings"/>
                         <a:cs typeface="Wingdings"/>
                       </a:endParaRPr>
@@ -6718,7 +7206,7 @@
                           <a:spcPts val="500"/>
                         </a:spcBef>
                       </a:pPr>
-                      <a:endParaRPr sz="900" dirty="0">
+                      <a:endParaRPr sz="900">
                         <a:latin typeface="AdobeClean-Light"/>
                         <a:cs typeface="AdobeClean-Light"/>
                       </a:endParaRPr>
@@ -6759,16 +7247,16 @@
                         </a:spcBef>
                       </a:pPr>
                       <a:r>
-                        <a:rPr lang="de-de" sz="900" spc="0" dirty="0">
+                        <a:rPr sz="900" spc="0">
                           <a:solidFill>
                             <a:srgbClr val="020302"/>
                           </a:solidFill>
                           <a:latin typeface="AdobeClean-Light"/>
                           <a:cs typeface="AdobeClean-Light"/>
                         </a:rPr>
-                        <a:t>릴리스, 마이그레이션, 업그레이드 및 제품 로드맵 검토</a:t>
+                        <a:t>Release, Migration, Upgrade &amp; Product Roadmap Review</a:t>
                       </a:r>
-                      <a:endParaRPr sz="900" spc="0" dirty="0">
+                      <a:endParaRPr sz="900" spc="0">
                         <a:latin typeface="AdobeClean-Light"/>
                         <a:cs typeface="AdobeClean-Light"/>
                       </a:endParaRPr>
@@ -6799,7 +7287,7 @@
                           <a:spcPct val="100000"/>
                         </a:lnSpc>
                       </a:pPr>
-                      <a:endParaRPr sz="900" dirty="0">
+                      <a:endParaRPr sz="900">
                         <a:latin typeface="Times New Roman"/>
                         <a:cs typeface="Times New Roman"/>
                       </a:endParaRPr>
@@ -6841,7 +7329,7 @@
                         <a:defRPr/>
                       </a:pPr>
                       <a:r>
-                        <a:rPr lang="de-de" sz="900" dirty="0">
+                        <a:rPr lang="en-US" sz="900">
                           <a:solidFill>
                             <a:srgbClr val="020302"/>
                           </a:solidFill>
@@ -6850,7 +7338,7 @@
                         </a:rPr>
                         <a:t></a:t>
                       </a:r>
-                      <a:endParaRPr lang="en-US" sz="900" dirty="0">
+                      <a:endParaRPr lang="en-US" sz="900">
                         <a:latin typeface="Wingdings"/>
                         <a:cs typeface="Wingdings"/>
                       </a:endParaRPr>
@@ -6884,7 +7372,7 @@
                           <a:spcPts val="530"/>
                         </a:spcBef>
                       </a:pPr>
-                      <a:endParaRPr sz="900" dirty="0">
+                      <a:endParaRPr sz="900">
                         <a:latin typeface="AdobeClean-Light"/>
                         <a:cs typeface="AdobeClean-Light"/>
                       </a:endParaRPr>
@@ -6934,11 +7422,11 @@
                         </a:spcBef>
                       </a:pPr>
                       <a:r>
-                        <a:rPr lang="de-de" sz="900" spc="0" dirty="0">
+                        <a:rPr sz="900" spc="0">
                           <a:latin typeface="AdobeClean-Light"/>
                           <a:cs typeface="AdobeClean-Light"/>
                         </a:rPr>
-                        <a:t>클라우드 지원 활동 – Experience Manager as Cloud</a:t>
+                        <a:t>Cloud Support Activities – Experience Manager as Cloud</a:t>
                       </a:r>
                     </a:p>
                   </a:txBody>
@@ -6973,7 +7461,7 @@
                           <a:spcPct val="100000"/>
                         </a:lnSpc>
                       </a:pPr>
-                      <a:endParaRPr sz="900" dirty="0">
+                      <a:endParaRPr sz="900">
                         <a:latin typeface="Times New Roman"/>
                         <a:cs typeface="Times New Roman"/>
                       </a:endParaRPr>
@@ -7024,7 +7512,7 @@
                         <a:defRPr/>
                       </a:pPr>
                       <a:r>
-                        <a:rPr lang="de-de" sz="900" dirty="0">
+                        <a:rPr lang="en-US" sz="900">
                           <a:solidFill>
                             <a:srgbClr val="020302"/>
                           </a:solidFill>
@@ -7033,7 +7521,7 @@
                         </a:rPr>
                         <a:t></a:t>
                       </a:r>
-                      <a:endParaRPr lang="en-US" sz="900" dirty="0">
+                      <a:endParaRPr lang="en-US" sz="900">
                         <a:latin typeface="Wingdings"/>
                         <a:cs typeface="Wingdings"/>
                       </a:endParaRPr>
@@ -7077,16 +7565,16 @@
                         </a:spcBef>
                       </a:pPr>
                       <a:r>
-                        <a:rPr lang="de-de" sz="1000" b="1" i="0" spc="0" dirty="0">
+                        <a:rPr lang="en-US" sz="1000" b="1" i="0" spc="0">
                           <a:solidFill>
                             <a:schemeClr val="bg1"/>
                           </a:solidFill>
                           <a:latin typeface="Adobe Clean" panose="020B0503020404020204" pitchFamily="34" charset="0"/>
                           <a:cs typeface="AdobeClean-Light"/>
                         </a:rPr>
-                        <a:t>현장 서비스</a:t>
+                        <a:t>Field Services</a:t>
                       </a:r>
-                      <a:endParaRPr sz="1000" b="1" i="0" spc="0" dirty="0">
+                      <a:endParaRPr sz="1000" b="1" i="0" spc="0">
                         <a:solidFill>
                           <a:schemeClr val="bg1"/>
                         </a:solidFill>
@@ -7145,14 +7633,14 @@
                         </a:spcBef>
                       </a:pPr>
                       <a:r>
-                        <a:rPr lang="de-de" sz="900" spc="0" dirty="0">
+                        <a:rPr sz="900" spc="0">
                           <a:solidFill>
                             <a:srgbClr val="020302"/>
                           </a:solidFill>
                           <a:latin typeface="AdobeClean-Light"/>
                           <a:cs typeface="AdobeClean-Light"/>
                         </a:rPr>
-                        <a:t>출시 자문 서비스 – 새로운 솔루션의 첫 해</a:t>
+                        <a:t>Launch Advisory Services – First Year of new solution</a:t>
                       </a:r>
                     </a:p>
                   </a:txBody>
@@ -7197,7 +7685,7 @@
                           <a:spcPct val="100000"/>
                         </a:lnSpc>
                       </a:pPr>
-                      <a:endParaRPr sz="900" dirty="0">
+                      <a:endParaRPr sz="900">
                         <a:latin typeface="Times New Roman"/>
                         <a:cs typeface="Times New Roman"/>
                       </a:endParaRPr>
@@ -7264,7 +7752,7 @@
                         <a:defRPr/>
                       </a:pPr>
                       <a:r>
-                        <a:rPr lang="de-de" sz="900" dirty="0">
+                        <a:rPr lang="en-US" sz="900">
                           <a:solidFill>
                             <a:srgbClr val="020302"/>
                           </a:solidFill>
@@ -7273,7 +7761,7 @@
                         </a:rPr>
                         <a:t></a:t>
                       </a:r>
-                      <a:endParaRPr lang="en-US" sz="900" dirty="0">
+                      <a:endParaRPr lang="en-US" sz="900">
                         <a:latin typeface="Wingdings"/>
                         <a:cs typeface="Wingdings"/>
                       </a:endParaRPr>
@@ -7355,11 +7843,11 @@
                         <a:defRPr/>
                       </a:pPr>
                       <a:r>
-                        <a:rPr lang="de-de" sz="900" spc="0" dirty="0">
+                        <a:rPr lang="en-US" sz="900" spc="0">
                           <a:latin typeface="AdobeClean-Light"/>
                           <a:cs typeface="AdobeClean-Light"/>
                         </a:rPr>
-                        <a:t>현장 서비스 활동 </a:t>
+                        <a:t>Field Service Activities </a:t>
                       </a:r>
                     </a:p>
                   </a:txBody>
@@ -7394,7 +7882,7 @@
                     <a:lstStyle/>
                     <a:p>
                       <a:pPr algn="ctr"/>
-                      <a:endParaRPr lang="en-US" dirty="0"/>
+                      <a:endParaRPr lang="en-US"/>
                     </a:p>
                   </a:txBody>
                   <a:tcPr marL="0" marR="0" marT="0" marB="0">
@@ -7442,7 +7930,7 @@
                     <a:p>
                       <a:pPr algn="ctr"/>
                       <a:r>
-                        <a:rPr lang="de-de" sz="900" dirty="0">
+                        <a:rPr lang="en-US" sz="900" dirty="0">
                           <a:latin typeface="Times New Roman"/>
                           <a:cs typeface="Times New Roman"/>
                         </a:rPr>
@@ -7582,7 +8070,7 @@
         <p:spPr>
           <a:xfrm>
             <a:off x="357339" y="608961"/>
-            <a:ext cx="4214661" cy="229239"/>
+            <a:ext cx="1647825" cy="238760"/>
           </a:xfrm>
           <a:prstGeom prst="rect">
             <a:avLst/>
@@ -7603,17 +8091,17 @@
               </a:spcBef>
             </a:pPr>
             <a:r>
-              <a:rPr lang="de-de" sz="1400" b="1" spc="-10" dirty="0">
+              <a:rPr sz="1400" b="1" spc="-10">
                 <a:solidFill>
                   <a:srgbClr val="020302"/>
                 </a:solidFill>
                 <a:latin typeface="Adobe Clean"/>
                 <a:cs typeface="Adobe Clean"/>
               </a:rPr>
-              <a:t>엘리트</a:t>
-            </a:r>
-            <a:r>
-              <a:rPr lang="de-de" sz="1400" b="1" spc="-50" dirty="0">
+              <a:t>Elite</a:t>
+            </a:r>
+            <a:r>
+              <a:rPr sz="1400" b="1" spc="-50">
                 <a:solidFill>
                   <a:srgbClr val="020302"/>
                 </a:solidFill>
@@ -7623,17 +8111,17 @@
               <a:t> </a:t>
             </a:r>
             <a:r>
-              <a:rPr lang="de-de" sz="1400" b="1" spc="-10" dirty="0">
+              <a:rPr sz="1400" b="1" spc="-10">
                 <a:solidFill>
                   <a:srgbClr val="020302"/>
                 </a:solidFill>
                 <a:latin typeface="Adobe Clean"/>
                 <a:cs typeface="Adobe Clean"/>
               </a:rPr>
-              <a:t>지원</a:t>
-            </a:r>
-            <a:r>
-              <a:rPr lang="de-de" sz="1400" b="1" spc="-45" dirty="0">
+              <a:t>Support</a:t>
+            </a:r>
+            <a:r>
+              <a:rPr sz="1400" b="1" spc="-45">
                 <a:solidFill>
                   <a:srgbClr val="020302"/>
                 </a:solidFill>
@@ -7643,16 +8131,16 @@
               <a:t> </a:t>
             </a:r>
             <a:r>
-              <a:rPr lang="de-de" sz="1400" b="1" spc="-15" dirty="0">
+              <a:rPr sz="1400" b="1" spc="-15">
                 <a:solidFill>
                   <a:srgbClr val="020302"/>
                 </a:solidFill>
                 <a:latin typeface="Adobe Clean"/>
                 <a:cs typeface="Adobe Clean"/>
               </a:rPr>
-              <a:t>기능</a:t>
-            </a:r>
-            <a:endParaRPr sz="1400" dirty="0">
+              <a:t>Features</a:t>
+            </a:r>
+            <a:endParaRPr sz="1400">
               <a:latin typeface="Adobe Clean"/>
               <a:cs typeface="Adobe Clean"/>
             </a:endParaRPr>
@@ -7689,16 +8177,16 @@
               </a:spcBef>
             </a:pPr>
             <a:r>
-              <a:rPr lang="de-de" sz="1000" dirty="0">
+              <a:rPr sz="1000">
                 <a:solidFill>
                   <a:srgbClr val="4B4B4B"/>
                 </a:solidFill>
                 <a:latin typeface="AdobeClean-Light"/>
                 <a:cs typeface="AdobeClean-Light"/>
               </a:rPr>
-              <a:t>고객의 솔루션 환경과 비즈니스 목표에 정통하게 될 지정 지원 엔지니어입니다. 엔터프라이즈 지원 경험을 조정할 수 있게 숙련된 지원 엔지니어입니다.</a:t>
-            </a:r>
-            <a:endParaRPr sz="1000" dirty="0">
+              <a:t>A designated support engineer who  becomes familiar with your solution  environment and business goals. The NSE  is an experienced support engineer that  helps coordinate your Enterprise Support  experience.</a:t>
+            </a:r>
+            <a:endParaRPr sz="1000">
               <a:latin typeface="AdobeClean-Light"/>
               <a:cs typeface="AdobeClean-Light"/>
             </a:endParaRPr>
@@ -7783,16 +8271,16 @@
               </a:spcBef>
             </a:pPr>
             <a:r>
-              <a:rPr lang="de-de" sz="1000" dirty="0">
+              <a:rPr sz="1000">
                 <a:solidFill>
                   <a:srgbClr val="4B4B4B"/>
                 </a:solidFill>
                 <a:latin typeface="AdobeClean-Light"/>
                 <a:cs typeface="AdobeClean-Light"/>
               </a:rPr>
-              <a:t>진행 중인 지원 요청을 정기적으로 검토하여 사례 설명, 비즈니스 영향, 상태, 우선 순위, 필요한 다음 단계에 대한 고객의 동의에 맞춰 조정함으로써 신속한 해결을 보장합니다.</a:t>
-            </a:r>
-            <a:endParaRPr sz="1000" dirty="0">
+              <a:t>Regular scheduled review of open  support requests, ensuring customer  alignment on case description, business  impact, status, priority and agreement on  next steps required to ensure an  expedient resolution.</a:t>
+            </a:r>
+            <a:endParaRPr sz="1000">
               <a:latin typeface="AdobeClean-Light"/>
               <a:cs typeface="AdobeClean-Light"/>
             </a:endParaRPr>
@@ -7853,14 +8341,24 @@
               </a:spcBef>
             </a:pPr>
             <a:r>
-              <a:rPr lang="de-de" sz="1000" dirty="0">
+              <a:rPr sz="1000">
                 <a:solidFill>
                   <a:srgbClr val="020302"/>
                 </a:solidFill>
                 <a:latin typeface="AdobeClean-Light"/>
                 <a:cs typeface="AdobeClean-Light"/>
               </a:rPr>
-              <a:t>귀사의 엘리트 경험을 감독하고, 지원 및 현장 서비스 계약을 조정하고, 사전 예방적 서비스를 제공하여 귀사의 비즈니스 가치를 극대화하는 지정된 기술 계정 관리자입니다.</a:t>
+              <a:t>A designated Technical Account Manager to  oversee your Elite experience, coordinate  the support and field services  engagements, and provide proactive services  to maximize your business valu</a:t>
+            </a:r>
+            <a:r>
+              <a:rPr lang="en-US" sz="1000">
+                <a:solidFill>
+                  <a:srgbClr val="020302"/>
+                </a:solidFill>
+                <a:latin typeface="AdobeClean-Light"/>
+                <a:cs typeface="AdobeClean-Light"/>
+              </a:rPr>
+              <a:t>e.</a:t>
             </a:r>
           </a:p>
         </p:txBody>
@@ -7895,16 +8393,16 @@
               </a:spcBef>
             </a:pPr>
             <a:r>
-              <a:rPr lang="de-de" sz="1100" b="1" dirty="0">
+              <a:rPr sz="1100" b="1">
                 <a:solidFill>
                   <a:srgbClr val="020302"/>
                 </a:solidFill>
                 <a:latin typeface="Adobe Clean" panose="020B0503020404020204" pitchFamily="34" charset="0"/>
                 <a:cs typeface="Arial"/>
               </a:rPr>
-              <a:t>기술 계정 관리자</a:t>
-            </a:r>
-            <a:endParaRPr sz="1100" dirty="0">
+              <a:t>Technical Account Manager</a:t>
+            </a:r>
+            <a:endParaRPr sz="1100">
               <a:latin typeface="Adobe Clean" panose="020B0503020404020204" pitchFamily="34" charset="0"/>
               <a:cs typeface="Arial"/>
             </a:endParaRPr>
@@ -7989,16 +8487,46 @@
               </a:spcBef>
             </a:pPr>
             <a:r>
-              <a:rPr lang="de-de" sz="1000" dirty="0">
+              <a:rPr sz="1000">
                 <a:solidFill>
                   <a:srgbClr val="020302"/>
                 </a:solidFill>
                 <a:latin typeface="AdobeClean-Light"/>
                 <a:cs typeface="AdobeClean-Light"/>
               </a:rPr>
-              <a:t>솔루션 사용에 대한 모범 사례를 제공하기 위한 Adobe 지원 팀의 지속적인 지식 이전입니다.</a:t>
-            </a:r>
-            <a:endParaRPr sz="1000" dirty="0">
+              <a:t>Ongoing knowledge transfer from Adobe  </a:t>
+            </a:r>
+            <a:r>
+              <a:rPr lang="en-US" sz="1000">
+                <a:solidFill>
+                  <a:srgbClr val="020302"/>
+                </a:solidFill>
+                <a:latin typeface="AdobeClean-Light"/>
+                <a:cs typeface="AdobeClean-Light"/>
+              </a:rPr>
+              <a:t>Support team</a:t>
+            </a:r>
+            <a:r>
+              <a:rPr sz="1000">
+                <a:solidFill>
+                  <a:srgbClr val="020302"/>
+                </a:solidFill>
+                <a:latin typeface="AdobeClean-Light"/>
+                <a:cs typeface="AdobeClean-Light"/>
+              </a:rPr>
+              <a:t> to provide </a:t>
+            </a:r>
+            <a:r>
+              <a:rPr lang="en-US" sz="1000">
+                <a:solidFill>
+                  <a:srgbClr val="020302"/>
+                </a:solidFill>
+                <a:latin typeface="AdobeClean-Light"/>
+                <a:cs typeface="AdobeClean-Light"/>
+              </a:rPr>
+              <a:t>best practices around solution usage.</a:t>
+            </a:r>
+            <a:endParaRPr sz="1000">
               <a:latin typeface="AdobeClean-Light"/>
               <a:cs typeface="AdobeClean-Light"/>
             </a:endParaRPr>
@@ -8035,16 +8563,16 @@
               </a:spcBef>
             </a:pPr>
             <a:r>
-              <a:rPr lang="de-de" sz="1000" dirty="0">
+              <a:rPr sz="1000">
                 <a:solidFill>
                   <a:srgbClr val="020302"/>
                 </a:solidFill>
                 <a:latin typeface="AdobeClean-Light"/>
                 <a:cs typeface="AdobeClean-Light"/>
               </a:rPr>
-              <a:t>해당 주요 비즈니스 및 프로젝트 주요 시점 동안에 적절한 수준의 지원, 적용 범위 및 완화 계획을 수립할 수 있도록 주요 이벤트를 관리합니다.</a:t>
-            </a:r>
-            <a:endParaRPr sz="1000" dirty="0">
+              <a:t>Manage key events to ensure you have the  right level of support, coverage, and  mitigation plan in place during those key  business and project milestones.</a:t>
+            </a:r>
+            <a:endParaRPr sz="1000">
               <a:latin typeface="AdobeClean-Light"/>
               <a:cs typeface="AdobeClean-Light"/>
             </a:endParaRPr>
@@ -8081,16 +8609,16 @@
               </a:spcBef>
             </a:pPr>
             <a:r>
-              <a:rPr lang="de-de" sz="1000" dirty="0">
+              <a:rPr sz="1000">
                 <a:solidFill>
                   <a:srgbClr val="020302"/>
                 </a:solidFill>
                 <a:latin typeface="AdobeClean-Light"/>
                 <a:cs typeface="AdobeClean-Light"/>
               </a:rPr>
-              <a:t>최신 혁신 기술을 활용하고 Adobe 전문가가 릴리스 및 업그레이드 계획을 검토할 수 있도록 새로운 제품 기능에 대한 맞춤형 지침을 받습니다.</a:t>
-            </a:r>
-            <a:endParaRPr sz="1000" dirty="0">
+              <a:t>Receive personalized guidance on new  product features to take advantage of  latest innovations, and have Adobe  experts review release and upgrade plan.</a:t>
+            </a:r>
+            <a:endParaRPr sz="1000">
               <a:latin typeface="AdobeClean-Light"/>
               <a:cs typeface="AdobeClean-Light"/>
             </a:endParaRPr>
@@ -8105,8 +8633,8 @@
         </p:nvSpPr>
         <p:spPr>
           <a:xfrm>
-            <a:off x="97786" y="9888626"/>
-            <a:ext cx="4474213" cy="133370"/>
+            <a:off x="97787" y="9888626"/>
+            <a:ext cx="2202180" cy="149860"/>
           </a:xfrm>
           <a:prstGeom prst="rect">
             <a:avLst/>
@@ -8127,7 +8655,7 @@
               </a:spcBef>
             </a:pPr>
             <a:r>
-              <a:rPr lang="de-de" sz="800" spc="-15" dirty="0">
+              <a:rPr sz="800" spc="-15">
                 <a:solidFill>
                   <a:srgbClr val="6D6D6D"/>
                 </a:solidFill>
@@ -8137,7 +8665,7 @@
               <a:t>©2021 </a:t>
             </a:r>
             <a:r>
-              <a:rPr lang="de-de" sz="800" spc="-5" dirty="0">
+              <a:rPr sz="800" spc="-5">
                 <a:solidFill>
                   <a:srgbClr val="6D6D6D"/>
                 </a:solidFill>
@@ -8147,7 +8675,7 @@
               <a:t>Adobe. All</a:t>
             </a:r>
             <a:r>
-              <a:rPr lang="de-de" sz="800" spc="-15" dirty="0">
+              <a:rPr sz="800" spc="-15">
                 <a:solidFill>
                   <a:srgbClr val="6D6D6D"/>
                 </a:solidFill>
@@ -8157,7 +8685,7 @@
               <a:t> Rights</a:t>
             </a:r>
             <a:r>
-              <a:rPr lang="de-de" sz="800" spc="-5" dirty="0">
+              <a:rPr sz="800" spc="-5">
                 <a:solidFill>
                   <a:srgbClr val="6D6D6D"/>
                 </a:solidFill>
@@ -8167,7 +8695,7 @@
               <a:t> </a:t>
             </a:r>
             <a:r>
-              <a:rPr lang="de-de" sz="800" spc="-15" dirty="0">
+              <a:rPr sz="800" spc="-15">
                 <a:solidFill>
                   <a:srgbClr val="6D6D6D"/>
                 </a:solidFill>
@@ -8177,7 +8705,7 @@
               <a:t>Reserved.</a:t>
             </a:r>
             <a:r>
-              <a:rPr lang="de-de" sz="800" spc="-10" dirty="0">
+              <a:rPr sz="800" spc="-10">
                 <a:solidFill>
                   <a:srgbClr val="6D6D6D"/>
                 </a:solidFill>
@@ -8187,7 +8715,7 @@
               <a:t> </a:t>
             </a:r>
             <a:r>
-              <a:rPr lang="de-de" sz="800" spc="-5" dirty="0">
+              <a:rPr sz="800" spc="-5">
                 <a:solidFill>
                   <a:srgbClr val="6D6D6D"/>
                 </a:solidFill>
@@ -8197,7 +8725,7 @@
               <a:t>Adobe</a:t>
             </a:r>
             <a:r>
-              <a:rPr lang="de-de" sz="800" spc="65" dirty="0">
+              <a:rPr sz="800" spc="65">
                 <a:solidFill>
                   <a:srgbClr val="6D6D6D"/>
                 </a:solidFill>
@@ -8207,16 +8735,16 @@
               <a:t> </a:t>
             </a:r>
             <a:r>
-              <a:rPr lang="de-de" sz="800" spc="-15" dirty="0">
+              <a:rPr sz="800" spc="-15">
                 <a:solidFill>
                   <a:srgbClr val="6D6D6D"/>
                 </a:solidFill>
                 <a:latin typeface="Adobe Clean"/>
                 <a:cs typeface="Adobe Clean"/>
               </a:rPr>
-              <a:t>기밀.</a:t>
-            </a:r>
-            <a:endParaRPr sz="800" dirty="0">
+              <a:t>Confidential.</a:t>
+            </a:r>
+            <a:endParaRPr sz="800">
               <a:latin typeface="Adobe Clean"/>
               <a:cs typeface="Adobe Clean"/>
             </a:endParaRPr>
@@ -8225,7 +8753,7 @@
       </p:sp>
       <p:pic>
         <p:nvPicPr>
-          <p:cNvPr id="43" name="Graphic 42" descr="플레이북 개요">
+          <p:cNvPr id="43" name="Graphic 42" descr="Playbook outline">
             <a:extLst>
               <a:ext uri="{FF2B5EF4-FFF2-40B4-BE49-F238E27FC236}">
                 <a16:creationId xmlns:a16="http://schemas.microsoft.com/office/drawing/2014/main" id="{C99690B9-BFB7-6F4A-BF19-81D32249562E}"/>
@@ -8276,7 +8804,7 @@
         </p:nvSpPr>
         <p:spPr>
           <a:xfrm>
-            <a:off x="2791726" y="8915400"/>
+            <a:off x="2791726" y="9060487"/>
             <a:ext cx="2194560" cy="487313"/>
           </a:xfrm>
           <a:prstGeom prst="rect">
@@ -8301,77 +8829,77 @@
               </a:tabLst>
             </a:pPr>
             <a:r>
-              <a:rPr lang="de-de" sz="1000" spc="-20" dirty="0">
+              <a:rPr sz="1000" spc="-20">
                 <a:solidFill>
                   <a:srgbClr val="020302"/>
                 </a:solidFill>
                 <a:latin typeface="AdobeClean-Light"/>
                 <a:cs typeface="AdobeClean-Light"/>
               </a:rPr>
-              <a:t>답변을 </a:t>
-            </a:r>
-            <a:r>
-              <a:rPr lang="de-de" sz="1000" dirty="0">
+              <a:t>Start </a:t>
+            </a:r>
+            <a:r>
+              <a:rPr sz="1000">
                 <a:solidFill>
                   <a:srgbClr val="020302"/>
                 </a:solidFill>
                 <a:latin typeface="AdobeClean-Light"/>
                 <a:cs typeface="AdobeClean-Light"/>
               </a:rPr>
-              <a:t>얻고 </a:t>
-            </a:r>
-            <a:r>
-              <a:rPr lang="de-de" sz="1000" spc="-15" dirty="0">
+              <a:t>a </a:t>
+            </a:r>
+            <a:r>
+              <a:rPr sz="1000" spc="-15">
                 <a:solidFill>
                   <a:srgbClr val="020302"/>
                 </a:solidFill>
                 <a:latin typeface="AdobeClean-Light"/>
                 <a:cs typeface="AdobeClean-Light"/>
               </a:rPr>
-              <a:t>사례 </a:t>
-            </a:r>
-            <a:r>
-              <a:rPr lang="de-de" sz="1000" spc="-10" dirty="0">
+              <a:t>chat </a:t>
+            </a:r>
+            <a:r>
+              <a:rPr sz="1000" spc="-10">
                 <a:solidFill>
                   <a:srgbClr val="020302"/>
                 </a:solidFill>
                 <a:latin typeface="AdobeClean-Light"/>
                 <a:cs typeface="AdobeClean-Light"/>
               </a:rPr>
-              <a:t>제출 </a:t>
-            </a:r>
-            <a:r>
-              <a:rPr lang="de-de" sz="1000" spc="-5" dirty="0">
+              <a:t>session </a:t>
+            </a:r>
+            <a:r>
+              <a:rPr sz="1000" spc="-5">
                 <a:solidFill>
                   <a:srgbClr val="020302"/>
                 </a:solidFill>
                 <a:latin typeface="AdobeClean-Light"/>
                 <a:cs typeface="AdobeClean-Light"/>
               </a:rPr>
-              <a:t>관련 </a:t>
-            </a:r>
-            <a:r>
-              <a:rPr lang="de-de" sz="1000" spc="-10" dirty="0">
+              <a:t>to </a:t>
+            </a:r>
+            <a:r>
+              <a:rPr sz="1000" spc="-10">
                 <a:solidFill>
                   <a:srgbClr val="020302"/>
                 </a:solidFill>
                 <a:latin typeface="AdobeClean-Light"/>
                 <a:cs typeface="AdobeClean-Light"/>
               </a:rPr>
-              <a:t>도움을 </a:t>
-            </a:r>
-            <a:r>
-              <a:rPr lang="de-de" sz="1000" spc="-20" dirty="0">
+              <a:t>get </a:t>
+            </a:r>
+            <a:r>
+              <a:rPr sz="1000" spc="-20">
                 <a:solidFill>
                   <a:srgbClr val="020302"/>
                 </a:solidFill>
                 <a:latin typeface="AdobeClean-Light"/>
                 <a:cs typeface="AdobeClean-Light"/>
               </a:rPr>
-              <a:t>받을</a:t>
-            </a:r>
-            <a:r>
-              <a:rPr lang="de-de" sz="1000" spc="-45" dirty="0">
+              <a:t>answers</a:t>
+            </a:r>
+            <a:r>
+              <a:rPr lang="en-US" sz="1000" spc="-45">
                 <a:solidFill>
                   <a:srgbClr val="020302"/>
                 </a:solidFill>
@@ -8381,37 +8909,37 @@
               <a:t> </a:t>
             </a:r>
             <a:r>
-              <a:rPr lang="de-de" sz="1000" dirty="0">
+              <a:rPr lang="en-US" sz="1000">
                 <a:solidFill>
                   <a:srgbClr val="020302"/>
                 </a:solidFill>
                 <a:latin typeface="AdobeClean-Light"/>
                 <a:cs typeface="AdobeClean-Light"/>
               </a:rPr>
-              <a:t>수 </a:t>
-            </a:r>
-            <a:r>
-              <a:rPr lang="de-de" sz="1000" spc="-15" dirty="0">
+              <a:t>&amp; </a:t>
+            </a:r>
+            <a:r>
+              <a:rPr sz="1000" spc="-15">
                 <a:solidFill>
                   <a:srgbClr val="020302"/>
                 </a:solidFill>
                 <a:latin typeface="AdobeClean-Light"/>
                 <a:cs typeface="AdobeClean-Light"/>
               </a:rPr>
-              <a:t>있는 </a:t>
-            </a:r>
-            <a:r>
-              <a:rPr lang="de-de" sz="1000" spc="-10" dirty="0">
+              <a:t>help </a:t>
+            </a:r>
+            <a:r>
+              <a:rPr sz="1000" spc="-10">
                 <a:solidFill>
                   <a:srgbClr val="020302"/>
                 </a:solidFill>
                 <a:latin typeface="AdobeClean-Light"/>
                 <a:cs typeface="AdobeClean-Light"/>
               </a:rPr>
-              <a:t>채팅</a:t>
-            </a:r>
-            <a:r>
-              <a:rPr lang="de-de" sz="1000" spc="85" dirty="0">
+              <a:t>with</a:t>
+            </a:r>
+            <a:r>
+              <a:rPr sz="1000" spc="85">
                 <a:solidFill>
                   <a:srgbClr val="020302"/>
                 </a:solidFill>
@@ -8421,32 +8949,35 @@
               <a:t> </a:t>
             </a:r>
             <a:r>
-              <a:rPr lang="de-de" sz="1000" spc="-10" dirty="0">
+              <a:rPr sz="1000" spc="-10">
                 <a:solidFill>
                   <a:srgbClr val="020302"/>
                 </a:solidFill>
                 <a:latin typeface="AdobeClean-Light"/>
                 <a:cs typeface="AdobeClean-Light"/>
               </a:rPr>
-              <a:t>세션을 </a:t>
-            </a:r>
-            <a:r>
-              <a:rPr lang="de-de" sz="1000" spc="-20" dirty="0">
+              <a:t>case </a:t>
+            </a:r>
+            <a:r>
+              <a:rPr sz="1000" spc="-20">
                 <a:solidFill>
                   <a:srgbClr val="020302"/>
                 </a:solidFill>
                 <a:latin typeface="AdobeClean-Light"/>
                 <a:cs typeface="AdobeClean-Light"/>
               </a:rPr>
-              <a:t>시작합니다</a:t>
-            </a:r>
-            <a:endParaRPr lang="en-US" sz="1000" spc="-20" dirty="0">
-              <a:solidFill>
-                <a:srgbClr val="020302"/>
-              </a:solidFill>
-              <a:latin typeface="AdobeClean-Light"/>
-              <a:cs typeface="AdobeClean-Light"/>
-            </a:endParaRPr>
+              <a:t>submission</a:t>
+            </a:r>
+            <a:r>
+              <a:rPr lang="en-US" sz="1000" spc="-20">
+                <a:solidFill>
+                  <a:srgbClr val="020302"/>
+                </a:solidFill>
+                <a:latin typeface="AdobeClean-Light"/>
+                <a:cs typeface="AdobeClean-Light"/>
+              </a:rPr>
+              <a:t>.</a:t>
+            </a:r>
           </a:p>
           <a:p>
             <a:pPr marL="33020" marR="159385">
@@ -8461,27 +8992,27 @@
               </a:tabLst>
             </a:pPr>
             <a:r>
-              <a:rPr lang="de-de" sz="1000" i="1" spc="-10" dirty="0">
+              <a:rPr sz="1000" i="1" spc="-10">
                 <a:solidFill>
                   <a:srgbClr val="7A7A7A"/>
                 </a:solidFill>
                 <a:latin typeface="AdobeClean-LightIt"/>
                 <a:cs typeface="AdobeClean-LightIt"/>
               </a:rPr>
-              <a:t>*모든 </a:t>
-            </a:r>
-            <a:r>
-              <a:rPr lang="de-de" sz="1000" i="1" spc="-20" dirty="0">
+              <a:t>*Not all </a:t>
+            </a:r>
+            <a:r>
+              <a:rPr sz="1000" i="1" spc="-20">
                 <a:solidFill>
                   <a:srgbClr val="7A7A7A"/>
                 </a:solidFill>
                 <a:latin typeface="AdobeClean-LightIt"/>
                 <a:cs typeface="AdobeClean-LightIt"/>
               </a:rPr>
-              <a:t>제품에 라이브 채팅이 지원되는 것은 아닙니다</a:t>
-            </a:r>
-            <a:r>
-              <a:rPr lang="de-de" sz="900" i="1" spc="-20" dirty="0">
+              <a:t>products have live chat support</a:t>
+            </a:r>
+            <a:r>
+              <a:rPr sz="900" i="1" spc="-20">
                 <a:solidFill>
                   <a:srgbClr val="7A7A7A"/>
                 </a:solidFill>
@@ -8490,7 +9021,7 @@
               </a:rPr>
               <a:t>.  </a:t>
             </a:r>
-            <a:endParaRPr sz="900" dirty="0">
+            <a:endParaRPr sz="900">
               <a:latin typeface="AdobeClean-Light"/>
               <a:cs typeface="AdobeClean-Light"/>
             </a:endParaRPr>
@@ -8540,12 +9071,12 @@
               <a:defRPr/>
             </a:pPr>
             <a:r>
-              <a:rPr lang="de-de" sz="1200" dirty="0">
+              <a:rPr lang="en-US" sz="1200">
                 <a:solidFill>
                   <a:srgbClr val="000000"/>
                 </a:solidFill>
               </a:rPr>
-              <a:t>커뮤니티 포럼</a:t>
+              <a:t>Community Forums</a:t>
             </a:r>
           </a:p>
         </p:txBody>
@@ -8588,12 +9119,12 @@
               </a:spcAft>
             </a:pPr>
             <a:r>
-              <a:rPr lang="de-de" sz="1200" b="1" dirty="0">
+              <a:rPr lang="en-US" sz="1200" b="1">
                 <a:latin typeface="+mj-lt"/>
                 <a:ea typeface="Open Sans" pitchFamily="34" charset="0"/>
                 <a:cs typeface="Open Sans" pitchFamily="34" charset="0"/>
               </a:rPr>
-              <a:t>온라인 포럼</a:t>
+              <a:t>Online Forums</a:t>
             </a:r>
           </a:p>
         </p:txBody>
@@ -8626,13 +9157,13 @@
           <a:lstStyle/>
           <a:p>
             <a:r>
-              <a:rPr lang="de-de" sz="1000" dirty="0">
+              <a:rPr lang="en-US" sz="1000">
                 <a:solidFill>
                   <a:srgbClr val="4B4B4B"/>
                 </a:solidFill>
                 <a:latin typeface="Adobe Clean Light" panose="020B0303020404020204" pitchFamily="34" charset="0"/>
               </a:rPr>
-              <a:t>기술 솔루션, 제품 문서, FAQ 등 증가하는 데이터베이스에 대한 지속적인 온라인 액세스. Adobe 커뮤니티에서 실무자 및 다른 고객과 소통하여 모범 사례 및 진행 중 얻은 개선 사항을 공유합니다.</a:t>
+              <a:t>Continuous online access to a growing database of technical solutions, product documentation, FAQs and more. Connect with practitioners and other customers on Adobe Community to share best practices and lessons learned.</a:t>
             </a:r>
           </a:p>
         </p:txBody>
@@ -8680,7 +9211,7 @@
               <a:defRPr/>
             </a:pPr>
             <a:r>
-              <a:rPr lang="de-de" sz="1200" dirty="0">
+              <a:rPr lang="en-US" sz="1200">
                 <a:solidFill>
                   <a:srgbClr val="000000"/>
                 </a:solidFill>
@@ -8728,12 +9259,12 @@
               </a:spcAft>
             </a:pPr>
             <a:r>
-              <a:rPr lang="de-de" sz="1200" b="1" dirty="0">
+              <a:rPr lang="en-US" sz="1200" b="1">
                 <a:latin typeface="+mj-lt"/>
                 <a:ea typeface="Open Sans" pitchFamily="34" charset="0"/>
                 <a:cs typeface="Open Sans" pitchFamily="34" charset="0"/>
               </a:rPr>
-              <a:t>셀프 가이드 여정</a:t>
+              <a:t>Self-guided Journeys</a:t>
             </a:r>
           </a:p>
         </p:txBody>
@@ -8766,13 +9297,13 @@
           <a:lstStyle/>
           <a:p>
             <a:r>
-              <a:rPr lang="de-de" sz="1000" dirty="0">
+              <a:rPr lang="en-US" sz="1000">
                 <a:solidFill>
                   <a:srgbClr val="4B4B4B"/>
                 </a:solidFill>
                 <a:latin typeface="Adobe Clean Light" panose="020B0303020404020204" pitchFamily="34" charset="0"/>
               </a:rPr>
-              <a:t>Experience 업체는 Experience League로 만들어집니다. 고객은 개인 맞춤형 학습을 통해 고객 경험 관리 능력에 시동을 걸어 기술을 개발하고 글로벌 동료 커뮤니티와 교류하며 경력 발전에 도움이 되는 인정을 얻을 수 있습니다.</a:t>
+              <a:t>Experience Makers are made with Experience League. Customers can kickstart their Customer Experience Management abilities with personalized learning to develop skills, engage with a global community of peers, and earn career advancing recognition.</a:t>
             </a:r>
           </a:p>
         </p:txBody>
@@ -8793,7 +9324,7 @@
         </p:nvSpPr>
         <p:spPr>
           <a:xfrm>
-            <a:off x="3201544" y="8458200"/>
+            <a:off x="3201544" y="8560230"/>
             <a:ext cx="1543003" cy="184666"/>
           </a:xfrm>
           <a:prstGeom prst="rect">
@@ -8820,12 +9351,12 @@
               <a:defRPr/>
             </a:pPr>
             <a:r>
-              <a:rPr lang="de-de" sz="1200" dirty="0">
+              <a:rPr lang="en-US" sz="1200">
                 <a:solidFill>
                   <a:srgbClr val="000000"/>
                 </a:solidFill>
               </a:rPr>
-              <a:t>라이브 채팅 지원*</a:t>
+              <a:t>Live Chat  Support*</a:t>
             </a:r>
           </a:p>
         </p:txBody>
@@ -8846,7 +9377,7 @@
         </p:nvSpPr>
         <p:spPr>
           <a:xfrm>
-            <a:off x="3201544" y="8610600"/>
+            <a:off x="3201544" y="8741449"/>
             <a:ext cx="840166" cy="184666"/>
           </a:xfrm>
           <a:prstGeom prst="rect">
@@ -8868,12 +9399,12 @@
               </a:spcAft>
             </a:pPr>
             <a:r>
-              <a:rPr lang="de-de" sz="1200" b="1" dirty="0">
+              <a:rPr lang="en-US" sz="1200" b="1">
                 <a:latin typeface="+mj-lt"/>
                 <a:ea typeface="Open Sans" pitchFamily="34" charset="0"/>
                 <a:cs typeface="Open Sans" pitchFamily="34" charset="0"/>
               </a:rPr>
-              <a:t>채팅 지원</a:t>
+              <a:t>Chat Support</a:t>
             </a:r>
           </a:p>
         </p:txBody>
@@ -8921,7 +9452,7 @@
               <a:defRPr/>
             </a:pPr>
             <a:r>
-              <a:rPr lang="de-de" sz="1200" dirty="0">
+              <a:rPr lang="en-US" sz="1200">
                 <a:solidFill>
                   <a:srgbClr val="000000"/>
                 </a:solidFill>
@@ -8969,12 +9500,12 @@
               </a:spcAft>
             </a:pPr>
             <a:r>
-              <a:rPr lang="de-de" sz="1200" b="1" dirty="0">
+              <a:rPr lang="en-US" sz="1200" b="1">
                 <a:latin typeface="+mj-lt"/>
                 <a:ea typeface="Open Sans" pitchFamily="34" charset="0"/>
                 <a:cs typeface="Open Sans" pitchFamily="34" charset="0"/>
               </a:rPr>
-              <a:t>전화 지원</a:t>
+              <a:t>Phone  Support</a:t>
             </a:r>
           </a:p>
         </p:txBody>
@@ -9007,30 +9538,30 @@
           <a:lstStyle/>
           <a:p>
             <a:r>
-              <a:rPr lang="de-de" sz="1000" dirty="0">
+              <a:rPr lang="en-US" sz="1000">
                 <a:solidFill>
                   <a:srgbClr val="020302"/>
                 </a:solidFill>
                 <a:latin typeface="AdobeClean-Light"/>
               </a:rPr>
-              <a:t>승인된 사용자 또는 </a:t>
-            </a:r>
-            <a:r>
-              <a:rPr lang="de-de" sz="1000" b="1" dirty="0">
+              <a:t>Authorized users or </a:t>
+            </a:r>
+            <a:r>
+              <a:rPr lang="en-US" sz="1000" b="1">
                 <a:solidFill>
                   <a:srgbClr val="020302"/>
                 </a:solidFill>
                 <a:latin typeface="AdobeClean-Light"/>
               </a:rPr>
-              <a:t>지정 지원 담당자</a:t>
-            </a:r>
-            <a:r>
-              <a:rPr lang="de-de" sz="1000" dirty="0">
+              <a:t>Named Support Contacts </a:t>
+            </a:r>
+            <a:r>
+              <a:rPr lang="en-US" sz="1000">
                 <a:latin typeface="Adobe Clean Light" panose="020B0303020404020204" pitchFamily="34" charset="0"/>
               </a:rPr>
-              <a:t>는 사용 가능한 모든 채널(P1용 전화 포함)을 통해 문제를 제출하고 귀사를 대신하여 기술 지원 팀과 상호 작용할 수 있습니다. </a:t>
-            </a:r>
-            <a:endParaRPr lang="en-US" sz="1000" dirty="0">
+              <a:t>can submit issues through all available  channels (including phone for P1) and interact with our technical support team on behalf of your company. </a:t>
+            </a:r>
+            <a:endParaRPr lang="en-US" sz="1000">
               <a:solidFill>
                 <a:srgbClr val="000000"/>
               </a:solidFill>
@@ -9103,7 +9634,7 @@
         </p:nvSpPr>
         <p:spPr>
           <a:xfrm>
-            <a:off x="689237" y="8458200"/>
+            <a:off x="689237" y="8560230"/>
             <a:ext cx="991521" cy="184666"/>
           </a:xfrm>
           <a:prstGeom prst="rect">
@@ -9130,12 +9661,12 @@
               <a:defRPr/>
             </a:pPr>
             <a:r>
-              <a:rPr lang="de-de" sz="1200" dirty="0">
+              <a:rPr lang="en-US" sz="1200">
                 <a:solidFill>
                   <a:srgbClr val="000000"/>
                 </a:solidFill>
               </a:rPr>
-              <a:t>오피스 아워</a:t>
+              <a:t>Office Hours</a:t>
             </a:r>
           </a:p>
         </p:txBody>
@@ -9156,7 +9687,7 @@
         </p:nvSpPr>
         <p:spPr>
           <a:xfrm>
-            <a:off x="689237" y="8610600"/>
+            <a:off x="689237" y="8741449"/>
             <a:ext cx="604974" cy="184666"/>
           </a:xfrm>
           <a:prstGeom prst="rect">
@@ -9178,12 +9709,12 @@
               </a:spcAft>
             </a:pPr>
             <a:r>
-              <a:rPr lang="de-de" sz="1200" b="1" dirty="0">
+              <a:rPr lang="en-US" sz="1200" b="1">
                 <a:latin typeface="+mj-lt"/>
                 <a:ea typeface="Open Sans" pitchFamily="34" charset="0"/>
                 <a:cs typeface="Open Sans" pitchFamily="34" charset="0"/>
               </a:rPr>
-              <a:t>웨비나</a:t>
+              <a:t>Webinars</a:t>
             </a:r>
           </a:p>
         </p:txBody>
@@ -9202,8 +9733,8 @@
         </p:nvSpPr>
         <p:spPr>
           <a:xfrm>
-            <a:off x="355868" y="8915400"/>
-            <a:ext cx="2194560" cy="959237"/>
+            <a:off x="355868" y="9026059"/>
+            <a:ext cx="2194560" cy="805349"/>
           </a:xfrm>
           <a:prstGeom prst="rect">
             <a:avLst/>
@@ -9216,13 +9747,13 @@
           <a:lstStyle/>
           <a:p>
             <a:r>
-              <a:rPr lang="de-de" sz="1000" dirty="0">
+              <a:rPr lang="en-US" sz="1000">
                 <a:solidFill>
                   <a:srgbClr val="4B4B4B"/>
                 </a:solidFill>
                 <a:latin typeface="Adobe Clean Light" panose="020B0303020404020204" pitchFamily="34" charset="0"/>
               </a:rPr>
-              <a:t>Adobe 고객 지원 팀에서 진행하는 오피스 아워(Office Hours)에는 참가자가 문제를 해결하도록 관련 정보를 제공하여 도움을 주고 Adobe 솔루션을 성공적으로 사용할 수 있는 팁과 요령을 제공하기 위해 설계된 세션들이 포함됩니다. </a:t>
+              <a:t>Office Hours led by the Adobe Customer Support team includes sessions designed to inform as well as help participants troubleshoot problems and provide tips and tricks for success with Adobe solutions. </a:t>
             </a:r>
           </a:p>
         </p:txBody>
@@ -9243,7 +9774,7 @@
         </p:nvSpPr>
         <p:spPr>
           <a:xfrm>
-            <a:off x="5723508" y="8458200"/>
+            <a:off x="5723508" y="8560230"/>
             <a:ext cx="1303746" cy="184666"/>
           </a:xfrm>
           <a:prstGeom prst="rect">
@@ -9270,12 +9801,12 @@
               <a:defRPr/>
             </a:pPr>
             <a:r>
-              <a:rPr lang="de-de" sz="1200" dirty="0">
+              <a:rPr lang="en-US" sz="1200">
                 <a:solidFill>
                   <a:srgbClr val="000000"/>
                 </a:solidFill>
               </a:rPr>
-              <a:t>자가 진단 포털</a:t>
+              <a:t>Self-help Portals</a:t>
             </a:r>
           </a:p>
         </p:txBody>
@@ -9296,7 +9827,7 @@
         </p:nvSpPr>
         <p:spPr>
           <a:xfrm>
-            <a:off x="5723508" y="8610600"/>
+            <a:off x="5723508" y="8741449"/>
             <a:ext cx="1267206" cy="184666"/>
           </a:xfrm>
           <a:prstGeom prst="rect">
@@ -9318,12 +9849,12 @@
               </a:spcAft>
             </a:pPr>
             <a:r>
-              <a:rPr lang="de-de" sz="1200" b="1" dirty="0">
+              <a:rPr lang="en-US" sz="1200" b="1">
                 <a:latin typeface="+mj-lt"/>
                 <a:ea typeface="Open Sans" pitchFamily="34" charset="0"/>
                 <a:cs typeface="Open Sans" pitchFamily="34" charset="0"/>
               </a:rPr>
-              <a:t>24/7 지원 포털</a:t>
+              <a:t>24/7 Support Portal</a:t>
             </a:r>
           </a:p>
         </p:txBody>
@@ -9342,7 +9873,7 @@
         </p:nvSpPr>
         <p:spPr>
           <a:xfrm>
-            <a:off x="5265661" y="8839200"/>
+            <a:off x="5265661" y="8987081"/>
             <a:ext cx="2194560" cy="805349"/>
           </a:xfrm>
           <a:prstGeom prst="rect">
@@ -9356,32 +9887,37 @@
           <a:lstStyle/>
           <a:p>
             <a:r>
-              <a:rPr lang="de-de" sz="1000" dirty="0">
+              <a:rPr lang="en-US" sz="1000">
                 <a:solidFill>
                   <a:srgbClr val="4B4B4B"/>
                 </a:solidFill>
                 <a:latin typeface="Adobe Clean Light" panose="020B0303020404020204" pitchFamily="34" charset="0"/>
               </a:rPr>
-              <a:t>지원 요청을 제출하고 사례 상태를 검토하고 기술 자료, 뉴스 및 알림, 추천 팁 등과 같은 기타 리소스를 검색할 수 있는 온라인 </a:t>
+              <a:t>On-demand access to the online </a:t>
             </a:r>
             <a:br>
-              <a:rPr dirty="0"/>
+              <a:rPr lang="en-US" sz="1000">
+                <a:solidFill>
+                  <a:srgbClr val="4B4B4B"/>
+                </a:solidFill>
+                <a:latin typeface="Adobe Clean Light" panose="020B0303020404020204" pitchFamily="34" charset="0"/>
+              </a:rPr>
             </a:br>
             <a:r>
-              <a:rPr lang="de-de" sz="1000" dirty="0">
+              <a:rPr lang="en-US" sz="1000">
                 <a:solidFill>
                   <a:srgbClr val="4B4B4B"/>
                 </a:solidFill>
                 <a:latin typeface="Adobe Clean Light" panose="020B0303020404020204" pitchFamily="34" charset="0"/>
               </a:rPr>
-              <a:t>자가 진단 지원 포털에 대한 온디맨드 액세스입니다.</a:t>
+              <a:t>Self-help Support Portal to submit support requests, review case status, and browse other resources, like our knowledgebase, news and alerts, featured tips, and more.</a:t>
             </a:r>
           </a:p>
         </p:txBody>
       </p:sp>
       <p:pic>
         <p:nvPicPr>
-          <p:cNvPr id="74" name="Graphic 73" descr="스피커폰 개요">
+          <p:cNvPr id="74" name="Graphic 73" descr="Speaker phone outline">
             <a:extLst>
               <a:ext uri="{FF2B5EF4-FFF2-40B4-BE49-F238E27FC236}">
                 <a16:creationId xmlns:a16="http://schemas.microsoft.com/office/drawing/2014/main" id="{A1370005-6890-424C-884D-9064E283C1A4}"/>
@@ -9420,7 +9956,7 @@
       </p:pic>
       <p:pic>
         <p:nvPicPr>
-          <p:cNvPr id="75" name="Graphic 74" descr="원격 학습 언어 개요">
+          <p:cNvPr id="75" name="Graphic 74" descr="Remote learning language outline">
             <a:extLst>
               <a:ext uri="{FF2B5EF4-FFF2-40B4-BE49-F238E27FC236}">
                 <a16:creationId xmlns:a16="http://schemas.microsoft.com/office/drawing/2014/main" id="{FA70E684-2FB6-544A-9B16-BEB9080AC85B}"/>
@@ -9449,7 +9985,7 @@
         </p:blipFill>
         <p:spPr>
           <a:xfrm>
-            <a:off x="228600" y="8458200"/>
+            <a:off x="228600" y="8560230"/>
             <a:ext cx="411480" cy="411480"/>
           </a:xfrm>
           <a:prstGeom prst="rect">
@@ -9459,7 +9995,7 @@
       </p:pic>
       <p:pic>
         <p:nvPicPr>
-          <p:cNvPr id="76" name="Graphic 75" descr="고객 리뷰 개요">
+          <p:cNvPr id="76" name="Graphic 75" descr="Customer review outline">
             <a:extLst>
               <a:ext uri="{FF2B5EF4-FFF2-40B4-BE49-F238E27FC236}">
                 <a16:creationId xmlns:a16="http://schemas.microsoft.com/office/drawing/2014/main" id="{1B0E4E00-41D9-6440-83E3-60369886CE3A}"/>
@@ -9498,7 +10034,7 @@
       </p:pic>
       <p:pic>
         <p:nvPicPr>
-          <p:cNvPr id="77" name="Graphic 76" descr="길잡이 개요">
+          <p:cNvPr id="77" name="Graphic 76" descr="Signpost outline">
             <a:extLst>
               <a:ext uri="{FF2B5EF4-FFF2-40B4-BE49-F238E27FC236}">
                 <a16:creationId xmlns:a16="http://schemas.microsoft.com/office/drawing/2014/main" id="{001A9B31-4F82-A14D-B2BC-39DC337108A9}"/>
@@ -9537,7 +10073,7 @@
       </p:pic>
       <p:pic>
         <p:nvPicPr>
-          <p:cNvPr id="78" name="Graphic 77" descr="인터넷 개요">
+          <p:cNvPr id="78" name="Graphic 77" descr="Internet outline">
             <a:extLst>
               <a:ext uri="{FF2B5EF4-FFF2-40B4-BE49-F238E27FC236}">
                 <a16:creationId xmlns:a16="http://schemas.microsoft.com/office/drawing/2014/main" id="{20978656-E5F5-434D-BA66-491F99EF63FD}"/>
@@ -9566,7 +10102,7 @@
         </p:blipFill>
         <p:spPr>
           <a:xfrm>
-            <a:off x="5257800" y="8458200"/>
+            <a:off x="5257800" y="8560230"/>
             <a:ext cx="411480" cy="411480"/>
           </a:xfrm>
           <a:prstGeom prst="rect">
@@ -9576,7 +10112,7 @@
       </p:pic>
       <p:pic>
         <p:nvPicPr>
-          <p:cNvPr id="79" name="Graphic 78" descr="말풍선 개요">
+          <p:cNvPr id="79" name="Graphic 78" descr="Chat bubble outline">
             <a:extLst>
               <a:ext uri="{FF2B5EF4-FFF2-40B4-BE49-F238E27FC236}">
                 <a16:creationId xmlns:a16="http://schemas.microsoft.com/office/drawing/2014/main" id="{0C77255B-D338-2543-98E5-4434DF47D195}"/>
@@ -9605,7 +10141,7 @@
         </p:blipFill>
         <p:spPr>
           <a:xfrm>
-            <a:off x="2776853" y="8458200"/>
+            <a:off x="2776853" y="8560230"/>
             <a:ext cx="411480" cy="411480"/>
           </a:xfrm>
           <a:prstGeom prst="rect">
@@ -9627,7 +10163,7 @@
         </p:nvSpPr>
         <p:spPr>
           <a:xfrm rot="5400000" flipH="1">
-            <a:off x="3863341" y="5463540"/>
+            <a:off x="3863341" y="5600443"/>
             <a:ext cx="45719" cy="5577840"/>
           </a:xfrm>
           <a:custGeom>
@@ -9683,7 +10219,7 @@
         <p:spPr>
           <a:xfrm>
             <a:off x="214971" y="6124178"/>
-            <a:ext cx="1930978" cy="307777"/>
+            <a:ext cx="2107308" cy="307777"/>
           </a:xfrm>
           <a:prstGeom prst="rect">
             <a:avLst/>
@@ -9704,14 +10240,14 @@
               </a:spcBef>
             </a:pPr>
             <a:r>
-              <a:rPr lang="de-de" sz="1400" b="1" dirty="0">
+              <a:rPr lang="en-US" sz="1400" b="1" dirty="0">
                 <a:solidFill>
                   <a:srgbClr val="020302"/>
                 </a:solidFill>
                 <a:latin typeface="Adobe Clean"/>
                 <a:cs typeface="Adobe Clean"/>
               </a:rPr>
-              <a:t>온라인 지원 기능</a:t>
+              <a:t>Standard Support Features</a:t>
             </a:r>
             <a:endParaRPr lang="en-US" sz="1400" dirty="0">
               <a:latin typeface="Adobe Clean"/>
@@ -9938,16 +10474,16 @@
               </a:spcBef>
             </a:pPr>
             <a:r>
-              <a:rPr lang="de-de" sz="1000" dirty="0">
+              <a:rPr lang="en-US" sz="1000">
                 <a:solidFill>
                   <a:srgbClr val="020302"/>
                 </a:solidFill>
                 <a:latin typeface="AdobeClean-Light"/>
                 <a:cs typeface="AdobeClean-Light"/>
               </a:rPr>
-              <a:t>솔루션 배포, 구성 및 전체 아키텍처(통합 포함)에 대한 사전 예방적 검토입니다.</a:t>
-            </a:r>
-            <a:endParaRPr lang="en-US" sz="1000" dirty="0">
+              <a:t>Proactive review of your solution  deployment, configuration, and overall  architecture, including integrations.</a:t>
+            </a:r>
+            <a:endParaRPr lang="en-US" sz="1000">
               <a:solidFill>
                 <a:prstClr val="black"/>
               </a:solidFill>
@@ -9993,16 +10529,16 @@
               </a:spcBef>
             </a:pPr>
             <a:r>
-              <a:rPr lang="de-de" sz="1000" dirty="0">
+              <a:rPr lang="en-US" sz="1000">
                 <a:solidFill>
                   <a:srgbClr val="020302"/>
                 </a:solidFill>
                 <a:latin typeface="AdobeClean-Light"/>
                 <a:cs typeface="AdobeClean-Light"/>
               </a:rPr>
-              <a:t>유지 관리 모범 사례 및 최신 수정 사항(SP, MR, 패치, FP)을 수신하여 모든 유지 관리 검사에서 최신 상태를 유지합니다.</a:t>
-            </a:r>
-            <a:endParaRPr lang="en-US" sz="1000" dirty="0">
+              <a:t>Receive maintenance best practices and latest  fixes (SPs, MR, patches, FPs) to remain up-to-  date on all maintenance checks.</a:t>
+            </a:r>
+            <a:endParaRPr lang="en-US" sz="1000">
               <a:solidFill>
                 <a:prstClr val="black"/>
               </a:solidFill>
@@ -10045,16 +10581,16 @@
               </a:spcBef>
             </a:pPr>
             <a:r>
-              <a:rPr lang="de-de" sz="1000" dirty="0">
+              <a:rPr lang="en-US" sz="1000">
                 <a:solidFill>
                   <a:srgbClr val="4B4B4B"/>
                 </a:solidFill>
                 <a:latin typeface="AdobeClean-Light"/>
                 <a:cs typeface="AdobeClean-Light"/>
               </a:rPr>
-              <a:t>미래 지향적인 계획이 포함된, 엘리트 프로그램 서비스, 지원 지표 및 결과물에 대한 정기적 리뷰 입니다.</a:t>
-            </a:r>
-            <a:endParaRPr lang="en-US" sz="1000" dirty="0">
+              <a:t>A regular review of Elite program services, support metrics, and deliverables, including a forward-looking plan</a:t>
+            </a:r>
+            <a:endParaRPr lang="en-US" sz="1000">
               <a:solidFill>
                 <a:prstClr val="black"/>
               </a:solidFill>
@@ -10097,16 +10633,16 @@
               </a:spcBef>
             </a:pPr>
             <a:r>
-              <a:rPr lang="de-de" sz="1000" dirty="0">
+              <a:rPr lang="en-US" sz="1000">
                 <a:solidFill>
                   <a:srgbClr val="4B4B4B"/>
                 </a:solidFill>
                 <a:latin typeface="AdobeClean-Light"/>
                 <a:cs typeface="AdobeClean-Light"/>
               </a:rPr>
-              <a:t>특정 제품 기능과 일반적인 비즈니스 문제를 해결하는 데 사용할 수 있는 방법에 중점을 둔 60분 세션입니다.</a:t>
-            </a:r>
-            <a:endParaRPr lang="en-US" sz="1000" dirty="0">
+              <a:t>A 60-minute session focusing on a  specific product feature and how it can  be utilized to solve common business  problems.</a:t>
+            </a:r>
+            <a:endParaRPr lang="en-US" sz="1000">
               <a:solidFill>
                 <a:prstClr val="black"/>
               </a:solidFill>
@@ -10149,16 +10685,16 @@
               </a:spcBef>
             </a:pPr>
             <a:r>
-              <a:rPr lang="de-de" sz="1000" dirty="0">
+              <a:rPr lang="en-US" sz="1000">
                 <a:solidFill>
                   <a:srgbClr val="4B4B4B"/>
                 </a:solidFill>
                 <a:latin typeface="AdobeClean-Light"/>
                 <a:cs typeface="AdobeClean-Light"/>
               </a:rPr>
-              <a:t>에스컬레이션 지원 및 정기 업데이트를 제공하고 진행 중인 지원 요청에서 가장 중요한 것에 우선 순위를 부여할 수 있는 Adobe 내의 지정된 담당자입니다.</a:t>
-            </a:r>
-            <a:endParaRPr lang="en-US" dirty="0"/>
+              <a:t>A designated point of contact within Adobe  who can provide escalation assistance,  regular updates and ensure priority is given  to your most critical open support requests.</a:t>
+            </a:r>
+            <a:endParaRPr lang="en-US"/>
           </a:p>
         </p:txBody>
       </p:sp>
@@ -10195,16 +10731,16 @@
               </a:spcBef>
             </a:pPr>
             <a:r>
-              <a:rPr lang="de-de" sz="1100" b="1" dirty="0">
+              <a:rPr lang="en-US" sz="1100" b="1">
                 <a:solidFill>
                   <a:srgbClr val="020302"/>
                 </a:solidFill>
                 <a:latin typeface="Adobe Clean" panose="020B0503020404020204" pitchFamily="34" charset="0"/>
                 <a:cs typeface="Arial"/>
               </a:rPr>
-              <a:t>지정 지원 엔지니어</a:t>
-            </a:r>
-            <a:endParaRPr lang="en-US" sz="1100" dirty="0">
+              <a:t>Named Support Engineer</a:t>
+            </a:r>
+            <a:endParaRPr lang="en-US" sz="1100">
               <a:solidFill>
                 <a:prstClr val="black"/>
               </a:solidFill>
@@ -10247,16 +10783,16 @@
               </a:spcBef>
             </a:pPr>
             <a:r>
-              <a:rPr lang="de-de" sz="1100" b="1" dirty="0">
+              <a:rPr lang="en-US" sz="1100" b="1">
                 <a:solidFill>
                   <a:srgbClr val="020302"/>
                 </a:solidFill>
                 <a:latin typeface="Adobe Clean" panose="020B0503020404020204" pitchFamily="34" charset="0"/>
                 <a:cs typeface="Arial"/>
               </a:rPr>
-              <a:t>사례 검토</a:t>
-            </a:r>
-            <a:endParaRPr lang="en-US" sz="1100" dirty="0">
+              <a:t>Case Reviews</a:t>
+            </a:r>
+            <a:endParaRPr lang="en-US" sz="1100">
               <a:solidFill>
                 <a:prstClr val="black"/>
               </a:solidFill>
@@ -10299,16 +10835,16 @@
               </a:spcBef>
             </a:pPr>
             <a:r>
-              <a:rPr lang="de-de" sz="1100" b="1" dirty="0">
+              <a:rPr lang="en-US" sz="1100" b="1">
                 <a:solidFill>
                   <a:srgbClr val="020302"/>
                 </a:solidFill>
                 <a:latin typeface="Adobe Clean" panose="020B0503020404020204" pitchFamily="34" charset="0"/>
                 <a:cs typeface="Adobe Clean"/>
               </a:rPr>
-              <a:t>유지 관리 및 모니터링</a:t>
-            </a:r>
-            <a:endParaRPr lang="en-US" sz="1100" dirty="0">
+              <a:t>Maintenance &amp; Monitoring</a:t>
+            </a:r>
+            <a:endParaRPr lang="en-US" sz="1100">
               <a:solidFill>
                 <a:prstClr val="black"/>
               </a:solidFill>
@@ -10351,16 +10887,16 @@
               </a:spcBef>
             </a:pPr>
             <a:r>
-              <a:rPr lang="de-de" sz="1100" b="1" dirty="0">
+              <a:rPr lang="en-US" sz="1100" b="1">
                 <a:solidFill>
                   <a:srgbClr val="020302"/>
                 </a:solidFill>
                 <a:latin typeface="Adobe Clean" panose="020B0503020404020204" pitchFamily="34" charset="0"/>
                 <a:cs typeface="Adobe Clean"/>
               </a:rPr>
-              <a:t>솔루션 로드맵 검토</a:t>
-            </a:r>
-            <a:endParaRPr lang="en-US" sz="1100" dirty="0">
+              <a:t>Solution Roadmap Review</a:t>
+            </a:r>
+            <a:endParaRPr lang="en-US" sz="1100">
               <a:solidFill>
                 <a:prstClr val="black"/>
               </a:solidFill>
@@ -10403,16 +10939,16 @@
               </a:spcBef>
             </a:pPr>
             <a:r>
-              <a:rPr lang="de-de" sz="1100" b="1" dirty="0">
+              <a:rPr lang="en-US" sz="1100" b="1">
                 <a:solidFill>
                   <a:srgbClr val="020302"/>
                 </a:solidFill>
                 <a:latin typeface="Adobe Clean" panose="020B0503020404020204" pitchFamily="34" charset="0"/>
                 <a:cs typeface="Adobe Clean"/>
               </a:rPr>
-              <a:t>환경 검토</a:t>
-            </a:r>
-            <a:endParaRPr lang="en-US" sz="1100" dirty="0">
+              <a:t>Environment Review</a:t>
+            </a:r>
+            <a:endParaRPr lang="en-US" sz="1100">
               <a:solidFill>
                 <a:prstClr val="black"/>
               </a:solidFill>
@@ -10455,16 +10991,16 @@
               </a:spcBef>
             </a:pPr>
             <a:r>
-              <a:rPr lang="de-de" sz="1100" b="1" dirty="0">
+              <a:rPr lang="en-US" sz="1100" b="1">
                 <a:solidFill>
                   <a:srgbClr val="020302"/>
                 </a:solidFill>
                 <a:latin typeface="Adobe Clean" panose="020B0503020404020204" pitchFamily="34" charset="0"/>
                 <a:cs typeface="Adobe Clean"/>
               </a:rPr>
-              <a:t>에스컬레이션 관리</a:t>
-            </a:r>
-            <a:endParaRPr lang="en-US" sz="1100" dirty="0">
+              <a:t>Escalation Management</a:t>
+            </a:r>
+            <a:endParaRPr lang="en-US" sz="1100">
               <a:solidFill>
                 <a:prstClr val="black"/>
               </a:solidFill>
@@ -10507,16 +11043,16 @@
               </a:spcBef>
             </a:pPr>
             <a:r>
-              <a:rPr lang="de-de" sz="1100" b="1" dirty="0">
+              <a:rPr lang="en-US" sz="1100" b="1">
                 <a:solidFill>
                   <a:srgbClr val="020302"/>
                 </a:solidFill>
                 <a:latin typeface="Adobe Clean" panose="020B0503020404020204" pitchFamily="34" charset="0"/>
                 <a:cs typeface="Adobe Clean"/>
               </a:rPr>
-              <a:t>서비스 리뷰</a:t>
-            </a:r>
-            <a:endParaRPr lang="en-US" sz="1100" dirty="0">
+              <a:t>Service Reviews</a:t>
+            </a:r>
+            <a:endParaRPr lang="en-US" sz="1100">
               <a:solidFill>
                 <a:prstClr val="black"/>
               </a:solidFill>
@@ -10559,16 +11095,16 @@
               </a:spcBef>
             </a:pPr>
             <a:r>
-              <a:rPr lang="de-de" sz="1100" b="1" dirty="0">
+              <a:rPr lang="en-US" sz="1100" b="1">
                 <a:solidFill>
                   <a:srgbClr val="020302"/>
                 </a:solidFill>
                 <a:latin typeface="Adobe Clean" panose="020B0503020404020204" pitchFamily="34" charset="0"/>
                 <a:cs typeface="Adobe Clean"/>
               </a:rPr>
-              <a:t>전문가 세션</a:t>
-            </a:r>
-            <a:endParaRPr lang="en-US" sz="1100" dirty="0">
+              <a:t>Expert Sessions</a:t>
+            </a:r>
+            <a:endParaRPr lang="en-US" sz="1100">
               <a:solidFill>
                 <a:prstClr val="black"/>
               </a:solidFill>
@@ -10611,16 +11147,16 @@
               </a:spcBef>
             </a:pPr>
             <a:r>
-              <a:rPr lang="de-de" sz="1100" b="1" dirty="0">
+              <a:rPr lang="en-US" sz="1100" b="1">
                 <a:solidFill>
                   <a:srgbClr val="020302"/>
                 </a:solidFill>
                 <a:latin typeface="Adobe Clean" panose="020B0503020404020204" pitchFamily="34" charset="0"/>
                 <a:cs typeface="Adobe Clean"/>
               </a:rPr>
-              <a:t>릴리스 준비 및 검토</a:t>
-            </a:r>
-            <a:endParaRPr lang="en-US" sz="1100" dirty="0">
+              <a:t>Release Preparation &amp; Review</a:t>
+            </a:r>
+            <a:endParaRPr lang="en-US" sz="1100">
               <a:solidFill>
                 <a:prstClr val="black"/>
               </a:solidFill>
@@ -10666,16 +11202,16 @@
               </a:spcBef>
             </a:pPr>
             <a:r>
-              <a:rPr lang="de-de" sz="1100" b="1" dirty="0">
+              <a:rPr lang="en-US" sz="1100" b="1">
                 <a:solidFill>
                   <a:srgbClr val="020302"/>
                 </a:solidFill>
                 <a:latin typeface="Adobe Clean" panose="020B0503020404020204" pitchFamily="34" charset="0"/>
                 <a:cs typeface="Adobe Clean"/>
               </a:rPr>
-              <a:t>지식 이전</a:t>
-            </a:r>
-            <a:endParaRPr lang="en-US" sz="1100" dirty="0">
+              <a:t>Knowledge Transfer</a:t>
+            </a:r>
+            <a:endParaRPr lang="en-US" sz="1100">
               <a:latin typeface="Adobe Clean" panose="020B0503020404020204" pitchFamily="34" charset="0"/>
               <a:cs typeface="Adobe Clean"/>
             </a:endParaRPr>
@@ -10718,16 +11254,16 @@
               </a:spcBef>
             </a:pPr>
             <a:r>
-              <a:rPr lang="de-de" sz="1100" b="1" dirty="0">
+              <a:rPr lang="en-US" sz="1100" b="1">
                 <a:solidFill>
                   <a:srgbClr val="020302"/>
                 </a:solidFill>
                 <a:latin typeface="Adobe Clean" panose="020B0503020404020204" pitchFamily="34" charset="0"/>
                 <a:cs typeface="Adobe Clean"/>
               </a:rPr>
-              <a:t>이벤트 관리</a:t>
-            </a:r>
-            <a:endParaRPr lang="en-US" sz="1100" dirty="0">
+              <a:t>Event Management</a:t>
+            </a:r>
+            <a:endParaRPr lang="en-US" sz="1100">
               <a:latin typeface="Adobe Clean" panose="020B0503020404020204" pitchFamily="34" charset="0"/>
               <a:cs typeface="Adobe Clean"/>
             </a:endParaRPr>
@@ -10846,7 +11382,7 @@
       </p:sp>
       <p:pic>
         <p:nvPicPr>
-          <p:cNvPr id="25" name="Graphic 24" descr="지속적인 개선 개요">
+          <p:cNvPr id="25" name="Graphic 24" descr="Continuous Improvement outline">
             <a:extLst>
               <a:ext uri="{FF2B5EF4-FFF2-40B4-BE49-F238E27FC236}">
                 <a16:creationId xmlns:a16="http://schemas.microsoft.com/office/drawing/2014/main" id="{A2F6F854-90CC-FC48-9379-F18D8FBF395B}"/>
@@ -11005,7 +11541,7 @@
       </p:pic>
       <p:pic>
         <p:nvPicPr>
-          <p:cNvPr id="29" name="Graphic 28" descr="스토리텔링 개요">
+          <p:cNvPr id="29" name="Graphic 28" descr="Storytelling outline">
             <a:extLst>
               <a:ext uri="{FF2B5EF4-FFF2-40B4-BE49-F238E27FC236}">
                 <a16:creationId xmlns:a16="http://schemas.microsoft.com/office/drawing/2014/main" id="{AD9F15BE-1A73-9C4D-B0AF-F35EF2ED6649}"/>
@@ -11078,16 +11614,16 @@
               </a:spcBef>
             </a:pPr>
             <a:r>
-              <a:rPr lang="de-de" sz="1000" dirty="0">
+              <a:rPr lang="en-US" sz="1000">
                 <a:solidFill>
                   <a:srgbClr val="020302"/>
                 </a:solidFill>
                 <a:latin typeface="AdobeClean-Light"/>
                 <a:cs typeface="AdobeClean-Light"/>
               </a:rPr>
-              <a:t>Adobe 솔루션 로드맵을 프로젝트 로드맵과 비교하고 조정하여 위험을 완화하고 미래에 대비합니다.</a:t>
-            </a:r>
-            <a:endParaRPr lang="en-US" sz="1000" dirty="0">
+              <a:t>Compare and align Adobe solution  roadmap with your project roadmap to  mitigate risk and prepare for the future.</a:t>
+            </a:r>
+            <a:endParaRPr lang="en-US" sz="1000">
               <a:latin typeface="AdobeClean-Light"/>
               <a:cs typeface="AdobeClean-Light"/>
             </a:endParaRPr>
@@ -11102,7 +11638,7 @@
               </a:spcBef>
             </a:pPr>
             <a:r>
-              <a:rPr lang="de-de" sz="1000" dirty="0">
+              <a:rPr lang="en-US" sz="1000">
                 <a:solidFill>
                   <a:srgbClr val="020302"/>
                 </a:solidFill>
@@ -11111,7 +11647,7 @@
               </a:rPr>
               <a:t>.</a:t>
             </a:r>
-            <a:endParaRPr lang="en-US" sz="1000" dirty="0">
+            <a:endParaRPr lang="en-US" sz="1000">
               <a:solidFill>
                 <a:prstClr val="black"/>
               </a:solidFill>
@@ -11447,7 +11983,7 @@
         <p:spPr>
           <a:xfrm>
             <a:off x="4843269" y="2329688"/>
-            <a:ext cx="1656080" cy="228268"/>
+            <a:ext cx="1656080" cy="238760"/>
           </a:xfrm>
           <a:prstGeom prst="rect">
             <a:avLst/>
@@ -11459,7 +11995,7 @@
           </a:bodyPr>
           <a:lstStyle/>
           <a:p>
-            <a:pPr marL="12700" algn="ctr">
+            <a:pPr marL="12700">
               <a:lnSpc>
                 <a:spcPct val="100000"/>
               </a:lnSpc>
@@ -11468,56 +12004,176 @@
               </a:spcBef>
             </a:pPr>
             <a:r>
-              <a:rPr lang="de-de" sz="1400" b="1" spc="-25" dirty="0">
+              <a:rPr sz="1400" b="1" spc="-25">
                 <a:solidFill>
                   <a:srgbClr val="020302"/>
                 </a:solidFill>
                 <a:latin typeface="Adobe Clean"/>
                 <a:cs typeface="Adobe Clean"/>
               </a:rPr>
-              <a:t>현장</a:t>
-            </a:r>
-            <a:r>
-              <a:rPr lang="de-de" sz="1400" b="1" spc="-40" dirty="0">
+              <a:t>Fi</a:t>
+            </a:r>
+            <a:r>
+              <a:rPr sz="1400" b="1" spc="-35">
                 <a:solidFill>
                   <a:srgbClr val="020302"/>
                 </a:solidFill>
                 <a:latin typeface="Adobe Clean"/>
                 <a:cs typeface="Adobe Clean"/>
               </a:rPr>
+              <a:t>e</a:t>
+            </a:r>
+            <a:r>
+              <a:rPr sz="1400" b="1" spc="-25">
+                <a:solidFill>
+                  <a:srgbClr val="020302"/>
+                </a:solidFill>
+                <a:latin typeface="Adobe Clean"/>
+                <a:cs typeface="Adobe Clean"/>
+              </a:rPr>
+              <a:t>l</a:t>
+            </a:r>
+            <a:r>
+              <a:rPr sz="1400" b="1">
+                <a:solidFill>
+                  <a:srgbClr val="020302"/>
+                </a:solidFill>
+                <a:latin typeface="Adobe Clean"/>
+                <a:cs typeface="Adobe Clean"/>
+              </a:rPr>
+              <a:t>d</a:t>
+            </a:r>
+            <a:r>
+              <a:rPr sz="1400" b="1" spc="-40">
+                <a:solidFill>
+                  <a:srgbClr val="020302"/>
+                </a:solidFill>
+                <a:latin typeface="Adobe Clean"/>
+                <a:cs typeface="Adobe Clean"/>
+              </a:rPr>
               <a:t> </a:t>
             </a:r>
             <a:r>
-              <a:rPr lang="de-de" sz="1400" b="1" spc="25" dirty="0">
+              <a:rPr sz="1400" b="1" spc="25">
                 <a:solidFill>
                   <a:srgbClr val="020302"/>
                 </a:solidFill>
                 <a:latin typeface="Adobe Clean"/>
                 <a:cs typeface="Adobe Clean"/>
               </a:rPr>
-              <a:t>서비스</a:t>
-            </a:r>
-            <a:r>
-              <a:rPr lang="de-de" sz="1400" b="1" spc="-190" dirty="0">
+              <a:t>S</a:t>
+            </a:r>
+            <a:r>
+              <a:rPr sz="1400" b="1" spc="5">
                 <a:solidFill>
                   <a:srgbClr val="020302"/>
                 </a:solidFill>
                 <a:latin typeface="Adobe Clean"/>
                 <a:cs typeface="Adobe Clean"/>
               </a:rPr>
+              <a:t>e</a:t>
+            </a:r>
+            <a:r>
+              <a:rPr sz="1400" b="1" spc="15">
+                <a:solidFill>
+                  <a:srgbClr val="020302"/>
+                </a:solidFill>
+                <a:latin typeface="Adobe Clean"/>
+                <a:cs typeface="Adobe Clean"/>
+              </a:rPr>
+              <a:t>rvi</a:t>
+            </a:r>
+            <a:r>
+              <a:rPr sz="1400" b="1" spc="5">
+                <a:solidFill>
+                  <a:srgbClr val="020302"/>
+                </a:solidFill>
+                <a:latin typeface="Adobe Clean"/>
+                <a:cs typeface="Adobe Clean"/>
+              </a:rPr>
+              <a:t>c</a:t>
+            </a:r>
+            <a:r>
+              <a:rPr sz="1400" b="1">
+                <a:solidFill>
+                  <a:srgbClr val="020302"/>
+                </a:solidFill>
+                <a:latin typeface="Adobe Clean"/>
+                <a:cs typeface="Adobe Clean"/>
+              </a:rPr>
+              <a:t>e</a:t>
+            </a:r>
+            <a:r>
+              <a:rPr sz="1400" b="1" spc="-190">
+                <a:solidFill>
+                  <a:srgbClr val="020302"/>
+                </a:solidFill>
+                <a:latin typeface="Adobe Clean"/>
+                <a:cs typeface="Adobe Clean"/>
+              </a:rPr>
               <a:t> </a:t>
             </a:r>
             <a:r>
-              <a:rPr lang="de-de" sz="1400" b="1" spc="5" dirty="0">
+              <a:rPr sz="1400" b="1" spc="5">
                 <a:solidFill>
                   <a:srgbClr val="020302"/>
                 </a:solidFill>
                 <a:latin typeface="Adobe Clean"/>
                 <a:cs typeface="Adobe Clean"/>
               </a:rPr>
-              <a:t>활동</a:t>
-            </a:r>
-            <a:endParaRPr sz="1400" dirty="0">
+              <a:t>A</a:t>
+            </a:r>
+            <a:r>
+              <a:rPr sz="1400" b="1" spc="-5">
+                <a:solidFill>
+                  <a:srgbClr val="020302"/>
+                </a:solidFill>
+                <a:latin typeface="Adobe Clean"/>
+                <a:cs typeface="Adobe Clean"/>
+              </a:rPr>
+              <a:t>ct</a:t>
+            </a:r>
+            <a:r>
+              <a:rPr sz="1400" b="1" spc="5">
+                <a:solidFill>
+                  <a:srgbClr val="020302"/>
+                </a:solidFill>
+                <a:latin typeface="Adobe Clean"/>
+                <a:cs typeface="Adobe Clean"/>
+              </a:rPr>
+              <a:t>ivi</a:t>
+            </a:r>
+            <a:r>
+              <a:rPr sz="1400" b="1" spc="-5">
+                <a:solidFill>
+                  <a:srgbClr val="020302"/>
+                </a:solidFill>
+                <a:latin typeface="Adobe Clean"/>
+                <a:cs typeface="Adobe Clean"/>
+              </a:rPr>
+              <a:t>t</a:t>
+            </a:r>
+            <a:r>
+              <a:rPr sz="1400" b="1" spc="5">
+                <a:solidFill>
+                  <a:srgbClr val="020302"/>
+                </a:solidFill>
+                <a:latin typeface="Adobe Clean"/>
+                <a:cs typeface="Adobe Clean"/>
+              </a:rPr>
+              <a:t>i</a:t>
+            </a:r>
+            <a:r>
+              <a:rPr sz="1400" b="1" spc="-5">
+                <a:solidFill>
+                  <a:srgbClr val="020302"/>
+                </a:solidFill>
+                <a:latin typeface="Adobe Clean"/>
+                <a:cs typeface="Adobe Clean"/>
+              </a:rPr>
+              <a:t>es</a:t>
+            </a:r>
+            <a:endParaRPr sz="1400">
               <a:latin typeface="Adobe Clean"/>
               <a:cs typeface="Adobe Clean"/>
             </a:endParaRPr>
@@ -11533,7 +12189,7 @@
         <p:spPr>
           <a:xfrm>
             <a:off x="914422" y="2342312"/>
-            <a:ext cx="1242060" cy="228268"/>
+            <a:ext cx="1242060" cy="238760"/>
           </a:xfrm>
           <a:prstGeom prst="rect">
             <a:avLst/>
@@ -11545,7 +12201,7 @@
           </a:bodyPr>
           <a:lstStyle/>
           <a:p>
-            <a:pPr marL="12700" algn="ctr">
+            <a:pPr marL="12700">
               <a:lnSpc>
                 <a:spcPct val="100000"/>
               </a:lnSpc>
@@ -11554,26 +12210,96 @@
               </a:spcBef>
             </a:pPr>
             <a:r>
-              <a:rPr lang="de-de" sz="1400" b="1" spc="-25" dirty="0">
+              <a:rPr sz="1400" b="1" spc="-25">
                 <a:solidFill>
                   <a:srgbClr val="020302"/>
                 </a:solidFill>
                 <a:latin typeface="Adobe Clean"/>
                 <a:cs typeface="Adobe Clean"/>
               </a:rPr>
-              <a:t>출시 </a:t>
-            </a:r>
-            <a:r>
-              <a:rPr lang="de-de" sz="1400" b="1" spc="-10" dirty="0">
+              <a:t>L</a:t>
+            </a:r>
+            <a:r>
+              <a:rPr sz="1400" b="1" spc="-5">
                 <a:solidFill>
                   <a:srgbClr val="020302"/>
                 </a:solidFill>
                 <a:latin typeface="Adobe Clean"/>
                 <a:cs typeface="Adobe Clean"/>
               </a:rPr>
-              <a:t>자문</a:t>
-            </a:r>
-            <a:endParaRPr sz="1400" dirty="0">
+              <a:t>a</a:t>
+            </a:r>
+            <a:r>
+              <a:rPr sz="1400" b="1" spc="-20">
+                <a:solidFill>
+                  <a:srgbClr val="020302"/>
+                </a:solidFill>
+                <a:latin typeface="Adobe Clean"/>
+                <a:cs typeface="Adobe Clean"/>
+              </a:rPr>
+              <a:t>u</a:t>
+            </a:r>
+            <a:r>
+              <a:rPr sz="1400" b="1" spc="-15">
+                <a:solidFill>
+                  <a:srgbClr val="020302"/>
+                </a:solidFill>
+                <a:latin typeface="Adobe Clean"/>
+                <a:cs typeface="Adobe Clean"/>
+              </a:rPr>
+              <a:t>n</a:t>
+            </a:r>
+            <a:r>
+              <a:rPr sz="1400" b="1" spc="-25">
+                <a:solidFill>
+                  <a:srgbClr val="020302"/>
+                </a:solidFill>
+                <a:latin typeface="Adobe Clean"/>
+                <a:cs typeface="Adobe Clean"/>
+              </a:rPr>
+              <a:t>c</a:t>
+            </a:r>
+            <a:r>
+              <a:rPr sz="1400" b="1">
+                <a:solidFill>
+                  <a:srgbClr val="020302"/>
+                </a:solidFill>
+                <a:latin typeface="Adobe Clean"/>
+                <a:cs typeface="Adobe Clean"/>
+              </a:rPr>
+              <a:t>h</a:t>
+            </a:r>
+            <a:r>
+              <a:rPr sz="1400" b="1" spc="-25">
+                <a:solidFill>
+                  <a:srgbClr val="020302"/>
+                </a:solidFill>
+                <a:latin typeface="Adobe Clean"/>
+                <a:cs typeface="Adobe Clean"/>
+              </a:rPr>
+              <a:t> </a:t>
+            </a:r>
+            <a:r>
+              <a:rPr sz="1400" b="1" spc="-10">
+                <a:solidFill>
+                  <a:srgbClr val="020302"/>
+                </a:solidFill>
+                <a:latin typeface="Adobe Clean"/>
+                <a:cs typeface="Adobe Clean"/>
+              </a:rPr>
+              <a:t>Advisor</a:t>
+            </a:r>
+            <a:r>
+              <a:rPr sz="1400" b="1">
+                <a:solidFill>
+                  <a:srgbClr val="020302"/>
+                </a:solidFill>
+                <a:latin typeface="Adobe Clean"/>
+                <a:cs typeface="Adobe Clean"/>
+              </a:rPr>
+              <a:t>y</a:t>
+            </a:r>
+            <a:endParaRPr sz="1400">
               <a:latin typeface="Adobe Clean"/>
               <a:cs typeface="Adobe Clean"/>
             </a:endParaRPr>
@@ -11610,33 +12336,46 @@
               </a:spcBef>
             </a:pPr>
             <a:r>
-              <a:rPr lang="de-de" sz="1000" b="1" dirty="0">
+              <a:rPr sz="1000">
                 <a:solidFill>
                   <a:srgbClr val="1F1F1F"/>
                 </a:solidFill>
-                <a:latin typeface="Adobe Clean"/>
-                <a:cs typeface="Adobe Clean"/>
-              </a:rPr>
-              <a:t>새로운 Adobe Experience Cloud 솔루션을 구현하는 고객을 위한 </a:t>
-            </a:r>
-            <a:r>
-              <a:rPr lang="de-de" sz="1000" dirty="0">
                 <a:latin typeface="AdobeClean-Light"/>
                 <a:cs typeface="AdobeClean-Light"/>
               </a:rPr>
-              <a:t>출시 자문은</a:t>
-            </a:r>
-            <a:r>
-              <a:rPr lang="de-de" sz="950" dirty="0">
+              <a:t>For customers implementing a </a:t>
+            </a:r>
+            <a:r>
+              <a:rPr sz="1000" b="1">
+                <a:solidFill>
+                  <a:srgbClr val="1F1F1F"/>
+                </a:solidFill>
+                <a:latin typeface="Adobe Clean"/>
+                <a:cs typeface="Adobe Clean"/>
+              </a:rPr>
+              <a:t>new Adobe Experience Cloud  solution, </a:t>
+            </a:r>
+            <a:r>
+              <a:rPr sz="1000">
+                <a:latin typeface="AdobeClean-Light"/>
+                <a:cs typeface="AdobeClean-Light"/>
+              </a:rPr>
+              <a:t>Launch Advisory </a:t>
+            </a:r>
+            <a:r>
+              <a:rPr sz="1000">
                 <a:latin typeface="AdobeClean-SemiLight"/>
                 <a:cs typeface="AdobeClean-SemiLight"/>
               </a:rPr>
-              <a:t>핵심 자문</a:t>
-            </a:r>
-            <a:endParaRPr sz="950">
-              <a:latin typeface="AdobeClean-SemiLight"/>
-              <a:cs typeface="AdobeClean-SemiLight"/>
-            </a:endParaRPr>
+              <a:t>is a </a:t>
+            </a:r>
+            <a:r>
+              <a:rPr sz="950">
+                <a:latin typeface="AdobeClean-SemiLight"/>
+                <a:cs typeface="AdobeClean-SemiLight"/>
+              </a:rPr>
+              <a:t>core set of advisory</a:t>
+            </a:r>
           </a:p>
           <a:p>
             <a:pPr marL="12700" marR="86995" indent="-635">
@@ -11645,48 +12384,46 @@
               </a:lnSpc>
             </a:pPr>
             <a:r>
-              <a:rPr lang="de-de" sz="950" dirty="0">
+              <a:rPr sz="950">
                 <a:latin typeface="AdobeClean-SemiLight"/>
                 <a:cs typeface="AdobeClean-SemiLight"/>
               </a:rPr>
-              <a:t>서비스이자 </a:t>
-            </a:r>
-            <a:r>
-              <a:rPr lang="de-de" sz="1000" dirty="0">
+              <a:t>services </a:t>
+            </a:r>
+            <a:r>
+              <a:rPr sz="1000">
                 <a:latin typeface="AdobeClean-Light"/>
                 <a:cs typeface="AdobeClean-Light"/>
               </a:rPr>
-              <a:t>권장 사항으로, </a:t>
-            </a:r>
-            <a:r>
-              <a:rPr lang="de-de" sz="950" dirty="0">
+              <a:t>and recommendations that are proven to </a:t>
+            </a:r>
+            <a:r>
+              <a:rPr sz="950">
                 <a:latin typeface="AdobeClean-Light"/>
                 <a:cs typeface="AdobeClean-Light"/>
               </a:rPr>
-              <a:t>성공적인 배포를 지원하고 가치 실현 시간</a:t>
-            </a:r>
-            <a:r>
-              <a:rPr lang="de-de" sz="1000" dirty="0">
+              <a:t>support  successful deployments </a:t>
+            </a:r>
+            <a:r>
+              <a:rPr sz="1000">
                 <a:latin typeface="AdobeClean-Light"/>
                 <a:cs typeface="AdobeClean-Light"/>
               </a:rPr>
-              <a:t>.</a:t>
-            </a:r>
-            <a:endParaRPr sz="1000">
-              <a:latin typeface="AdobeClean-Light"/>
-              <a:cs typeface="AdobeClean-Light"/>
-            </a:endParaRPr>
-          </a:p>
-          <a:p>
-            <a:r>
-              <a:rPr lang="de-de" sz="1000" dirty="0">
-                <a:solidFill>
-                  <a:srgbClr val="1F1F1F"/>
-                </a:solidFill>
+              <a:t>and </a:t>
+            </a:r>
+            <a:r>
+              <a:rPr sz="950">
                 <a:latin typeface="AdobeClean-Light"/>
                 <a:cs typeface="AdobeClean-Light"/>
               </a:rPr>
-              <a:t>을 단축하는 것으로 입증되었습니다.</a:t>
+              <a:t>accelerate time-to-value</a:t>
+            </a:r>
+            <a:r>
+              <a:rPr sz="1000">
+                <a:latin typeface="AdobeClean-Light"/>
+                <a:cs typeface="AdobeClean-Light"/>
+              </a:rPr>
+              <a:t>.</a:t>
             </a:r>
           </a:p>
         </p:txBody>
@@ -11800,76 +12537,76 @@
               </a:spcBef>
             </a:pPr>
             <a:r>
-              <a:rPr lang="de-de" sz="1000" dirty="0">
+              <a:rPr sz="1000">
                 <a:solidFill>
                   <a:srgbClr val="4B4B4B"/>
                 </a:solidFill>
                 <a:latin typeface="AdobeClean-Light"/>
                 <a:cs typeface="AdobeClean-Light"/>
               </a:rPr>
-              <a:t>현장 서비스는 </a:t>
-            </a:r>
-            <a:r>
-              <a:rPr lang="de-de" sz="1000" b="1" dirty="0">
+              <a:t>Field Services are used for </a:t>
+            </a:r>
+            <a:r>
+              <a:rPr sz="1000" b="1">
                 <a:solidFill>
                   <a:srgbClr val="4B4B4B"/>
                 </a:solidFill>
                 <a:latin typeface="Adobe Clean"/>
                 <a:cs typeface="Adobe Clean"/>
               </a:rPr>
-              <a:t>신속한 해결</a:t>
-            </a:r>
-            <a:r>
-              <a:rPr lang="de-de" sz="1000" dirty="0">
+              <a:t>quick resolution</a:t>
+            </a:r>
+            <a:r>
+              <a:rPr sz="1000">
                 <a:solidFill>
                   <a:srgbClr val="4B4B4B"/>
                 </a:solidFill>
                 <a:latin typeface="AdobeClean-Light"/>
                 <a:cs typeface="AdobeClean-Light"/>
               </a:rPr>
-              <a:t>, 집중적인 고객 성공, </a:t>
-            </a:r>
-            <a:r>
-              <a:rPr lang="de-de" sz="1000" b="1" dirty="0">
+              <a:t>, focused customer success  and accelerated </a:t>
+            </a:r>
+            <a:r>
+              <a:rPr sz="1000" b="1">
                 <a:solidFill>
                   <a:srgbClr val="4B4B4B"/>
                 </a:solidFill>
                 <a:latin typeface="Adobe Clean"/>
                 <a:cs typeface="Adobe Clean"/>
               </a:rPr>
-              <a:t>가치 실현 시간</a:t>
-            </a:r>
-            <a:r>
-              <a:rPr lang="de-de" sz="1000" dirty="0">
+              <a:t>time-to-value</a:t>
+            </a:r>
+            <a:r>
+              <a:rPr sz="1000">
                 <a:solidFill>
                   <a:srgbClr val="4B4B4B"/>
                 </a:solidFill>
                 <a:latin typeface="AdobeClean-Light"/>
                 <a:cs typeface="AdobeClean-Light"/>
               </a:rPr>
-              <a:t> 단축을 위해 사용됩니다. 출시 자문이 활성화된 경우 지원 계약이 적용되는 솔루션 제품에 대해 </a:t>
-            </a:r>
-            <a:r>
-              <a:rPr lang="de-de" sz="1000" b="1" dirty="0">
+              <a:t>. If Launch advisory is active there will be  </a:t>
+            </a:r>
+            <a:r>
+              <a:rPr sz="1000" b="1">
                 <a:solidFill>
                   <a:srgbClr val="4B4B4B"/>
                 </a:solidFill>
                 <a:latin typeface="Adobe Clean"/>
                 <a:cs typeface="Adobe Clean"/>
               </a:rPr>
-              <a:t>1년차에는 현장 서비스가 제공되지 않습니다</a:t>
-            </a:r>
-            <a:r>
-              <a:rPr lang="de-de" sz="1000" dirty="0">
+              <a:t>no Field Services in year 1 </a:t>
+            </a:r>
+            <a:r>
+              <a:rPr sz="1000">
                 <a:solidFill>
                   <a:srgbClr val="4B4B4B"/>
                 </a:solidFill>
                 <a:latin typeface="AdobeClean-Light"/>
                 <a:cs typeface="AdobeClean-Light"/>
               </a:rPr>
-              <a:t>.</a:t>
-            </a:r>
-            <a:endParaRPr sz="1000" dirty="0">
+              <a:t>for any solution product covered by a  Support contract.</a:t>
+            </a:r>
+            <a:endParaRPr sz="1000">
               <a:latin typeface="AdobeClean-Light"/>
               <a:cs typeface="AdobeClean-Light"/>
             </a:endParaRPr>
@@ -11990,11 +12727,11 @@
               </a:spcBef>
             </a:pPr>
             <a:r>
-              <a:rPr lang="de-de" sz="1000" dirty="0">
+              <a:rPr sz="1000">
                 <a:latin typeface="AdobeClean-Light"/>
                 <a:cs typeface="AdobeClean-Light"/>
               </a:rPr>
-              <a:t>출시 자문은 일반적인 중요 시점(개시, 정의, 설계, 실행 및 출시 후) 전반에서 프로젝트 일정에 맞춰 안내하고 검증하고 평가하며 권장 사항을 제시합니다. </a:t>
+              <a:t>Launch Advisory will align with your project schedule through  common milestones (Kickoff, Define, Design, Go-live and Post  Launch) to guide, validate, assess and make recommendations.</a:t>
             </a:r>
           </a:p>
         </p:txBody>
@@ -12029,16 +12766,12 @@
               </a:spcBef>
             </a:pPr>
             <a:r>
-              <a:rPr lang="de-de" sz="1000" dirty="0">
+              <a:rPr sz="1000">
                 <a:latin typeface="AdobeClean-Light"/>
                 <a:cs typeface="AdobeClean-Light"/>
               </a:rPr>
-              <a:t>주요 결과물에는 다음이 포함됩니다.</a:t>
-            </a:r>
-            <a:endParaRPr sz="1000">
-              <a:latin typeface="AdobeClean-Light"/>
-              <a:cs typeface="AdobeClean-Light"/>
-            </a:endParaRPr>
+              <a:t>Key Deliverables include:</a:t>
+            </a:r>
           </a:p>
         </p:txBody>
       </p:sp>
@@ -12071,12 +12804,12 @@
               <a:buChar char="•"/>
             </a:pPr>
             <a:r>
-              <a:rPr lang="de-de" sz="1000" dirty="0">
+              <a:rPr lang="en-US" sz="1000">
                 <a:solidFill>
                   <a:prstClr val="black"/>
                 </a:solidFill>
               </a:rPr>
-              <a:t>개시(프로젝트 공동 작업 계획 포함) 데크</a:t>
+              <a:t>Kickoff (including project collaboration plan) deck</a:t>
             </a:r>
           </a:p>
           <a:p>
@@ -12088,12 +12821,12 @@
               <a:buChar char="•"/>
             </a:pPr>
             <a:r>
-              <a:rPr lang="de-de" sz="1000" dirty="0">
+              <a:rPr lang="en-US" sz="1000">
                 <a:solidFill>
                   <a:prstClr val="black"/>
                 </a:solidFill>
               </a:rPr>
-              <a:t>평가 및 권장 사항 문서</a:t>
+              <a:t>Assessment &amp; recommendations document(s)</a:t>
             </a:r>
           </a:p>
           <a:p>
@@ -12105,12 +12838,12 @@
               <a:buChar char="•"/>
             </a:pPr>
             <a:r>
-              <a:rPr lang="de-de" sz="1000" dirty="0">
+              <a:rPr lang="en-US" sz="1000">
                 <a:solidFill>
                   <a:prstClr val="black"/>
                 </a:solidFill>
               </a:rPr>
-              <a:t>참여 요약</a:t>
+              <a:t>Engagement summary</a:t>
             </a:r>
           </a:p>
         </p:txBody>
@@ -12145,16 +12878,16 @@
               </a:spcBef>
             </a:pPr>
             <a:r>
-              <a:rPr lang="de-de" sz="1600" dirty="0">
+              <a:rPr sz="1600">
                 <a:solidFill>
                   <a:srgbClr val="FFFFFF"/>
                 </a:solidFill>
                 <a:latin typeface="Arial"/>
                 <a:cs typeface="Arial"/>
               </a:rPr>
-              <a:t>구현</a:t>
-            </a:r>
-            <a:endParaRPr sz="1600" dirty="0">
+              <a:t>Implementation</a:t>
+            </a:r>
+            <a:endParaRPr sz="1600">
               <a:latin typeface="Arial"/>
               <a:cs typeface="Arial"/>
             </a:endParaRPr>
@@ -12169,25 +12902,32 @@
               </a:spcBef>
             </a:pPr>
             <a:r>
-              <a:rPr lang="de-de" sz="1000" dirty="0">
+              <a:rPr sz="1000">
                 <a:latin typeface="AdobeClean-Light"/>
                 <a:cs typeface="AdobeClean-Light"/>
               </a:rPr>
-              <a:t>Adobe 솔루션 전문가는 고객과 구현 파트너에 대한 </a:t>
-            </a:r>
-            <a:r>
-              <a:rPr lang="de-de" sz="950" dirty="0">
+              <a:t>Adobe solution experts help validate requirements, architecture,  development process, and launch readiness reviews </a:t>
+            </a:r>
+            <a:r>
+              <a:rPr sz="1000">
                 <a:latin typeface="AdobeClean-SemiLight"/>
                 <a:cs typeface="AdobeClean-SemiLight"/>
               </a:rPr>
-              <a:t>모범 사례 기반 지침을 통해 </a:t>
-            </a:r>
-            <a:r>
-              <a:rPr lang="de-de" sz="1000" dirty="0">
+              <a:t>with </a:t>
+            </a:r>
+            <a:r>
+              <a:rPr sz="950">
                 <a:latin typeface="AdobeClean-SemiLight"/>
                 <a:cs typeface="AdobeClean-SemiLight"/>
               </a:rPr>
-              <a:t>요구 사항, 아키텍처, 개발 프로세스 및 출시 준비 상태 검토를 검증하는 데 도움을 줍니다.</a:t>
+              <a:t>best  practice-based guidance </a:t>
+            </a:r>
+            <a:r>
+              <a:rPr sz="1000">
+                <a:latin typeface="AdobeClean-SemiLight"/>
+                <a:cs typeface="AdobeClean-SemiLight"/>
+              </a:rPr>
+              <a:t>to customers and implementation  partners.</a:t>
             </a:r>
           </a:p>
         </p:txBody>
@@ -12244,19 +12984,30 @@
               </a:spcBef>
             </a:pPr>
             <a:r>
-              <a:rPr lang="de-de" sz="1000" b="1" dirty="0">
+              <a:rPr sz="1000" b="1">
                 <a:latin typeface="Arial"/>
                 <a:cs typeface="Arial"/>
               </a:rPr>
-              <a:t>기술 트랙 활동</a:t>
-            </a:r>
-            <a:r>
-              <a:rPr lang="de-de" sz="1000" dirty="0">
+              <a:t>Technical Track Activities </a:t>
+            </a:r>
+            <a:r>
+              <a:rPr sz="1000">
                 <a:latin typeface="AdobeClean-Light"/>
                 <a:cs typeface="AdobeClean-Light"/>
               </a:rPr>
-              <a:t>은 고객이 기술적으로 건전하도록 보장하고 도구 채택을 극대화할 수 있도록 합니다. 특히 이러한 유형의 활동에는 플랫폼 구성, 통합 및 문제 해결과 관련된 지원 및 권장 사항이 포함됩니다.</a:t>
-            </a:r>
+              <a:t>ensure customers are technically sound  and maximizing their tool adoption. Specifically, these types of  activities include support and recommendations related to platform  configurations, integrations and troubleshooting</a:t>
+            </a:r>
+            <a:r>
+              <a:rPr lang="en-US" sz="1000">
+                <a:latin typeface="AdobeClean-Light"/>
+                <a:cs typeface="AdobeClean-Light"/>
+              </a:rPr>
+              <a:t>.</a:t>
+            </a:r>
+            <a:endParaRPr sz="1000">
+              <a:latin typeface="AdobeClean-Light"/>
+              <a:cs typeface="AdobeClean-Light"/>
+            </a:endParaRPr>
           </a:p>
         </p:txBody>
       </p:sp>
@@ -12290,11 +13041,11 @@
               </a:spcBef>
             </a:pPr>
             <a:r>
-              <a:rPr lang="de-de" sz="1000" dirty="0">
+              <a:rPr sz="1000">
                 <a:latin typeface="AdobeClean-Light"/>
                 <a:cs typeface="AdobeClean-Light"/>
               </a:rPr>
-              <a:t>사용 가능한 기술 활동 유형:</a:t>
+              <a:t>Types of technical activities available::</a:t>
             </a:r>
           </a:p>
           <a:p>
@@ -12309,12 +13060,12 @@
               <a:buChar char="ü"/>
             </a:pPr>
             <a:r>
-              <a:rPr lang="de-de" sz="1000" dirty="0">
+              <a:rPr lang="en-US" sz="1000">
                 <a:solidFill>
                   <a:prstClr val="black"/>
                 </a:solidFill>
               </a:rPr>
-              <a:t>상태 감사</a:t>
+              <a:t>Health audit</a:t>
             </a:r>
           </a:p>
           <a:p>
@@ -12329,12 +13080,12 @@
               <a:buChar char="ü"/>
             </a:pPr>
             <a:r>
-              <a:rPr lang="de-de" sz="1000" dirty="0">
+              <a:rPr lang="en-US" sz="1000">
                 <a:solidFill>
                   <a:prstClr val="black"/>
                 </a:solidFill>
               </a:rPr>
-              <a:t>플랫폼 감사</a:t>
+              <a:t>Platform audit</a:t>
             </a:r>
           </a:p>
           <a:p>
@@ -12349,12 +13100,12 @@
               <a:buChar char="ü"/>
             </a:pPr>
             <a:r>
-              <a:rPr lang="de-de" sz="1000" dirty="0">
+              <a:rPr lang="en-US" sz="1000">
                 <a:solidFill>
                   <a:prstClr val="black"/>
                 </a:solidFill>
               </a:rPr>
-              <a:t>기능 세트 활성화</a:t>
+              <a:t>Feature set enablement</a:t>
             </a:r>
           </a:p>
           <a:p>
@@ -12369,12 +13120,12 @@
               <a:buChar char="ü"/>
             </a:pPr>
             <a:r>
-              <a:rPr lang="de-de" sz="1000" dirty="0">
+              <a:rPr lang="en-US" sz="1000">
                 <a:solidFill>
                   <a:prstClr val="black"/>
                 </a:solidFill>
               </a:rPr>
-              <a:t>기본적 통합 및 구성</a:t>
+              <a:t>Basic integrations and configurations</a:t>
             </a:r>
           </a:p>
           <a:p>
@@ -12389,12 +13140,12 @@
               <a:buChar char="ü"/>
             </a:pPr>
             <a:r>
-              <a:rPr lang="de-de" sz="1000" dirty="0">
+              <a:rPr lang="en-US" sz="1000">
                 <a:solidFill>
                   <a:prstClr val="black"/>
                 </a:solidFill>
               </a:rPr>
-              <a:t>고객 솔루션 문제 해결</a:t>
+              <a:t>Customer solution troubleshooting</a:t>
             </a:r>
           </a:p>
           <a:p>
@@ -12409,12 +13160,12 @@
               <a:buChar char="ü"/>
             </a:pPr>
             <a:r>
-              <a:rPr lang="de-de" sz="1000" dirty="0">
+              <a:rPr lang="en-US" sz="1000">
                 <a:solidFill>
                   <a:prstClr val="black"/>
                 </a:solidFill>
               </a:rPr>
-              <a:t>클라우드 서비스 지원</a:t>
+              <a:t>Cloud service support</a:t>
             </a:r>
           </a:p>
         </p:txBody>
@@ -12449,18 +13200,18 @@
               </a:spcBef>
             </a:pPr>
             <a:r>
-              <a:rPr lang="de-de" sz="1000" b="1" dirty="0">
+              <a:rPr sz="1000" b="1">
                 <a:latin typeface="Arial"/>
                 <a:cs typeface="Arial"/>
               </a:rPr>
-              <a:t>전략 트랙 활동</a:t>
-            </a:r>
-            <a:r>
-              <a:rPr lang="de-de" sz="1000" dirty="0">
+              <a:t>Strategic Track Activities </a:t>
+            </a:r>
+            <a:r>
+              <a:rPr sz="1000">
                 <a:latin typeface="AdobeClean-Light"/>
                 <a:cs typeface="AdobeClean-Light"/>
               </a:rPr>
-              <a:t>은 고객의 Adobe 솔루션에서 가치를 실현할 수 있는 기회를 찾습니다. 여기에는 하나 이상의 Adobe 솔루션에서 가치 실현을 위한 전략, 측정 및 완성도와 관련된 지원 권장 사항이 포함됩니다.</a:t>
+              <a:t>locate opportunities to ensure value is  being realized from a customer’s Adobe solutions. They include  support recommendations related to strategy, measurement and  maturity to drive value realization across one or more Adobe  solutions.</a:t>
             </a:r>
           </a:p>
           <a:p>
@@ -12472,7 +13223,7 @@
                 <a:spcPts val="40"/>
               </a:spcBef>
             </a:pPr>
-            <a:endParaRPr sz="1100" dirty="0">
+            <a:endParaRPr sz="1100">
               <a:latin typeface="AdobeClean-Light"/>
               <a:cs typeface="AdobeClean-Light"/>
             </a:endParaRPr>
@@ -12484,11 +13235,11 @@
               </a:lnSpc>
             </a:pPr>
             <a:r>
-              <a:rPr lang="de-de" sz="1000" dirty="0">
+              <a:rPr sz="1000">
                 <a:latin typeface="AdobeClean-Light"/>
                 <a:cs typeface="AdobeClean-Light"/>
               </a:rPr>
-              <a:t>사용 가능한 전략 활동 유형:</a:t>
+              <a:t>Types of strategic activities available::</a:t>
             </a:r>
           </a:p>
           <a:p>
@@ -12503,12 +13254,12 @@
               <a:buChar char="ü"/>
             </a:pPr>
             <a:r>
-              <a:rPr lang="de-de" sz="1000" dirty="0">
+              <a:rPr lang="en-US" sz="1000">
                 <a:solidFill>
                   <a:prstClr val="black"/>
                 </a:solidFill>
               </a:rPr>
-              <a:t>완성 로드맵</a:t>
+              <a:t>Maturity Roadmap</a:t>
             </a:r>
           </a:p>
           <a:p>
@@ -12523,12 +13274,12 @@
               <a:buChar char="ü"/>
             </a:pPr>
             <a:r>
-              <a:rPr lang="de-de" sz="1000" dirty="0">
+              <a:rPr lang="en-US" sz="1000">
                 <a:solidFill>
                   <a:prstClr val="black"/>
                 </a:solidFill>
               </a:rPr>
-              <a:t>사용 사례 개발/측정</a:t>
+              <a:t>Use case development/measurement</a:t>
             </a:r>
           </a:p>
           <a:p>
@@ -12543,12 +13294,12 @@
               <a:buChar char="ü"/>
             </a:pPr>
             <a:r>
-              <a:rPr lang="de-de" sz="1000" dirty="0">
+              <a:rPr lang="en-US" sz="1000">
                 <a:solidFill>
                   <a:prstClr val="black"/>
                 </a:solidFill>
               </a:rPr>
-              <a:t>보고 및 분석</a:t>
+              <a:t>Reporting &amp; analysis</a:t>
             </a:r>
           </a:p>
           <a:p>
@@ -12563,12 +13314,12 @@
               <a:buChar char="ü"/>
             </a:pPr>
             <a:r>
-              <a:rPr lang="de-de" sz="1000" dirty="0">
+              <a:rPr lang="en-US" sz="1000">
                 <a:solidFill>
                   <a:prstClr val="black"/>
                 </a:solidFill>
               </a:rPr>
-              <a:t>모범 사례 지원</a:t>
+              <a:t>Best practices enablement</a:t>
             </a:r>
           </a:p>
         </p:txBody>
@@ -12589,7 +13340,7 @@
           </a:prstGeom>
         </p:spPr>
         <p:txBody>
-          <a:bodyPr vert="horz" wrap="square" lIns="0" tIns="12700" rIns="0" bIns="0" rtlCol="0">
+          <a:bodyPr vert="horz" wrap="square" lIns="0" tIns="12700" rIns="0" bIns="0" rtlCol="0" anchor="t">
             <a:spAutoFit/>
           </a:bodyPr>
           <a:lstStyle/>
@@ -12603,41 +13354,78 @@
               </a:spcBef>
             </a:pPr>
             <a:r>
-              <a:rPr lang="de-de" sz="1600" dirty="0">
+              <a:rPr sz="1600">
                 <a:solidFill>
                   <a:srgbClr val="FFFFFF"/>
                 </a:solidFill>
                 <a:latin typeface="Arial"/>
                 <a:cs typeface="Arial"/>
               </a:rPr>
-              <a:t>실행 및 운영</a:t>
-            </a:r>
-            <a:endParaRPr sz="1600" dirty="0">
+              <a:t>Run &amp; Operate</a:t>
+            </a:r>
+            <a:endParaRPr sz="1600">
               <a:latin typeface="Arial"/>
               <a:cs typeface="Arial"/>
             </a:endParaRPr>
           </a:p>
           <a:p>
             <a:pPr marL="12700">
-              <a:lnSpc>
-                <a:spcPct val="100000"/>
-              </a:lnSpc>
               <a:spcBef>
                 <a:spcPts val="1595"/>
               </a:spcBef>
             </a:pPr>
             <a:r>
-              <a:rPr lang="de-de" sz="1000" dirty="0">
+              <a:rPr sz="1000">
                 <a:solidFill>
                   <a:srgbClr val="1F1F1F"/>
                 </a:solidFill>
                 <a:latin typeface="Adobe Clean"/>
                 <a:cs typeface="Adobe Clean"/>
               </a:rPr>
-              <a:t>엘리트 고객은</a:t>
-            </a:r>
-            <a:r>
-              <a:rPr lang="de-de" sz="1200" dirty="0">
+              <a:t>As an </a:t>
+            </a:r>
+            <a:r>
+              <a:rPr lang="en-US" sz="1000">
+                <a:solidFill>
+                  <a:srgbClr val="1F1F1F"/>
+                </a:solidFill>
+                <a:latin typeface="Adobe Clean"/>
+                <a:cs typeface="Adobe Clean"/>
+              </a:rPr>
+              <a:t>Elite</a:t>
+            </a:r>
+            <a:r>
+              <a:rPr sz="1000">
+                <a:solidFill>
+                  <a:srgbClr val="1F1F1F"/>
+                </a:solidFill>
+                <a:latin typeface="Adobe Clean"/>
+                <a:cs typeface="Adobe Clean"/>
+              </a:rPr>
+              <a:t> customer, you are</a:t>
+            </a:r>
+            <a:r>
+              <a:rPr lang="en-US" sz="1000">
+                <a:solidFill>
+                  <a:srgbClr val="1F1F1F"/>
+                </a:solidFill>
+                <a:latin typeface="Adobe Clean"/>
+                <a:cs typeface="Adobe Clean"/>
+              </a:rPr>
+              <a:t> </a:t>
+            </a:r>
+            <a:r>
+              <a:rPr sz="1000">
+                <a:solidFill>
+                  <a:srgbClr val="1F1F1F"/>
+                </a:solidFill>
+                <a:latin typeface="Adobe Clean"/>
+                <a:cs typeface="Adobe Clean"/>
+              </a:rPr>
+              <a:t> eligible for</a:t>
+            </a:r>
+            <a:r>
+              <a:rPr lang="en-US" sz="1200">
                 <a:solidFill>
                   <a:srgbClr val="1F1F1F"/>
                 </a:solidFill>
@@ -12652,7 +13440,22 @@
               <a:t> </a:t>
             </a:r>
             <a:r>
-              <a:rPr lang="de-de" sz="1200" b="1" dirty="0">
+              <a:rPr lang="en-US" sz="1200" u="sng">
+                <a:solidFill>
+                  <a:srgbClr val="1F1F1F"/>
+                </a:solidFill>
+                <a:uFill>
+                  <a:solidFill>
+                    <a:srgbClr val="1F1F1F"/>
+                  </a:solidFill>
+                </a:uFill>
+                <a:latin typeface="Times New Roman"/>
+                <a:cs typeface="Times New Roman"/>
+              </a:rPr>
+              <a:t>4</a:t>
+            </a:r>
+            <a:r>
+              <a:rPr sz="1200" b="1">
                 <a:solidFill>
                   <a:srgbClr val="1F1F1F"/>
                 </a:solidFill>
@@ -12662,80 +13465,86 @@
               <a:t> </a:t>
             </a:r>
             <a:r>
-              <a:rPr lang="de-de" sz="1000" b="1" dirty="0">
+              <a:rPr sz="1000" b="1">
                 <a:solidFill>
                   <a:srgbClr val="1F1F1F"/>
                 </a:solidFill>
                 <a:latin typeface="Arial"/>
                 <a:cs typeface="Arial"/>
               </a:rPr>
-              <a:t>기술</a:t>
-            </a:r>
-            <a:endParaRPr sz="1000" dirty="0">
-              <a:latin typeface="Arial"/>
-              <a:cs typeface="Arial"/>
-            </a:endParaRPr>
-          </a:p>
-          <a:p>
-            <a:pPr marL="12700">
-              <a:lnSpc>
-                <a:spcPct val="100000"/>
-              </a:lnSpc>
-              <a:spcBef>
-                <a:spcPts val="55"/>
-              </a:spcBef>
-            </a:pPr>
-            <a:r>
-              <a:rPr lang="de-de" sz="1000" dirty="0">
-                <a:solidFill>
-                  <a:srgbClr val="1F1F1F"/>
-                </a:solidFill>
-                <a:latin typeface="Adobe Clean"/>
-                <a:cs typeface="Adobe Clean"/>
-              </a:rPr>
-              <a:t>및/또는 </a:t>
-            </a:r>
-            <a:r>
-              <a:rPr lang="de-de" sz="1000" b="1" dirty="0">
+              <a:t>activities per </a:t>
+            </a:r>
+            <a:r>
+              <a:rPr lang="en-US" sz="1000" b="1">
                 <a:solidFill>
                   <a:srgbClr val="1F1F1F"/>
                 </a:solidFill>
                 <a:latin typeface="Arial"/>
                 <a:cs typeface="Arial"/>
               </a:rPr>
-              <a:t>전략 </a:t>
-            </a:r>
-            <a:r>
-              <a:rPr lang="de-de" sz="1000" dirty="0">
+              <a:t>year </a:t>
+            </a:r>
+            <a:r>
+              <a:rPr lang="en-US" sz="1000">
                 <a:solidFill>
                   <a:srgbClr val="1F1F1F"/>
                 </a:solidFill>
                 <a:latin typeface="Adobe Clean"/>
-                <a:cs typeface="Adobe Clean"/>
-              </a:rPr>
-              <a:t>의 두 트랙에서 </a:t>
-            </a:r>
-            <a:r>
-              <a:rPr lang="de-de" sz="1000" b="1" dirty="0">
+                <a:cs typeface="Arial"/>
+              </a:rPr>
+              <a:t>from</a:t>
+            </a:r>
+            <a:r>
+              <a:rPr sz="1000">
+                <a:solidFill>
+                  <a:srgbClr val="1F1F1F"/>
+                </a:solidFill>
+                <a:latin typeface="Adobe Clean"/>
+                <a:cs typeface="Adobe Clean"/>
+              </a:rPr>
+              <a:t> the following two tracks: </a:t>
+            </a:r>
+            <a:r>
+              <a:rPr sz="1000" b="1">
                 <a:solidFill>
                   <a:srgbClr val="1F1F1F"/>
                 </a:solidFill>
                 <a:latin typeface="Arial"/>
                 <a:cs typeface="Arial"/>
               </a:rPr>
-              <a:t>연간 4개의 활동</a:t>
-            </a:r>
-            <a:r>
-              <a:rPr lang="de-de" sz="1000" dirty="0">
+              <a:t>Technical </a:t>
+            </a:r>
+            <a:r>
+              <a:rPr sz="1000">
                 <a:solidFill>
                   <a:srgbClr val="1F1F1F"/>
                 </a:solidFill>
+                <a:latin typeface="Adobe Clean"/>
+                <a:cs typeface="Adobe Clean"/>
+              </a:rPr>
+              <a:t>and/or </a:t>
+            </a:r>
+            <a:r>
+              <a:rPr sz="1000" b="1">
+                <a:solidFill>
+                  <a:srgbClr val="1F1F1F"/>
+                </a:solidFill>
+                <a:latin typeface="Arial"/>
+                <a:cs typeface="Arial"/>
+              </a:rPr>
+              <a:t>Strategic</a:t>
+            </a:r>
+            <a:r>
+              <a:rPr lang="en-US" sz="1000" b="1">
+                <a:solidFill>
+                  <a:srgbClr val="1F1F1F"/>
+                </a:solidFill>
                 <a:latin typeface="AdobeClean-Light"/>
-                <a:cs typeface="AdobeClean-Light"/>
-              </a:rPr>
-              <a:t>을 제공받을 수 있습니다.</a:t>
-            </a:r>
-            <a:endParaRPr sz="1000" dirty="0">
+                <a:cs typeface="Arial"/>
+              </a:rPr>
+              <a:t>.</a:t>
+            </a:r>
+            <a:endParaRPr sz="1000">
               <a:latin typeface="AdobeClean-Light"/>
               <a:cs typeface="AdobeClean-Light"/>
             </a:endParaRPr>
@@ -12772,17 +13581,17 @@
               </a:spcBef>
             </a:pPr>
             <a:r>
-              <a:rPr lang="de-de" sz="1400" b="1" spc="-15" dirty="0">
+              <a:rPr sz="1400" b="1" spc="-15">
                 <a:solidFill>
                   <a:srgbClr val="020302"/>
                 </a:solidFill>
                 <a:latin typeface="Adobe Clean"/>
                 <a:cs typeface="Adobe Clean"/>
               </a:rPr>
-              <a:t>클라우드</a:t>
-            </a:r>
-            <a:r>
-              <a:rPr lang="de-de" sz="1400" b="1" spc="-45" dirty="0">
+              <a:t>Cloud</a:t>
+            </a:r>
+            <a:r>
+              <a:rPr sz="1400" b="1" spc="-45">
                 <a:solidFill>
                   <a:srgbClr val="020302"/>
                 </a:solidFill>
@@ -12792,17 +13601,17 @@
               <a:t> </a:t>
             </a:r>
             <a:r>
-              <a:rPr lang="de-de" sz="1400" b="1" spc="-15" dirty="0">
+              <a:rPr sz="1400" b="1" spc="-15">
                 <a:solidFill>
                   <a:srgbClr val="020302"/>
                 </a:solidFill>
                 <a:latin typeface="Adobe Clean"/>
                 <a:cs typeface="Adobe Clean"/>
               </a:rPr>
-              <a:t>지원</a:t>
-            </a:r>
-            <a:r>
-              <a:rPr lang="de-de" sz="1400" b="1" spc="-50" dirty="0">
+              <a:t>Support</a:t>
+            </a:r>
+            <a:r>
+              <a:rPr sz="1400" b="1" spc="-50">
                 <a:solidFill>
                   <a:srgbClr val="020302"/>
                 </a:solidFill>
@@ -12812,16 +13621,26 @@
               <a:t> </a:t>
             </a:r>
             <a:r>
-              <a:rPr lang="de-de" sz="1400" b="1" spc="-15" dirty="0">
+              <a:rPr sz="1400" b="1" spc="-15">
                 <a:solidFill>
                   <a:srgbClr val="020302"/>
                 </a:solidFill>
                 <a:latin typeface="Adobe Clean"/>
                 <a:cs typeface="Adobe Clean"/>
               </a:rPr>
-              <a:t>활동 - AEM</a:t>
-            </a:r>
-            <a:endParaRPr sz="1400" dirty="0">
+              <a:t>Activities</a:t>
+            </a:r>
+            <a:r>
+              <a:rPr lang="en-US" sz="1400" b="1" spc="-15">
+                <a:solidFill>
+                  <a:srgbClr val="020302"/>
+                </a:solidFill>
+                <a:latin typeface="Adobe Clean"/>
+                <a:cs typeface="Adobe Clean"/>
+              </a:rPr>
+              <a:t> - AEM</a:t>
+            </a:r>
+            <a:endParaRPr sz="1400">
               <a:latin typeface="Adobe Clean"/>
               <a:cs typeface="Adobe Clean"/>
             </a:endParaRPr>
@@ -12959,36 +13778,36 @@
               </a:spcBef>
             </a:pPr>
             <a:r>
-              <a:rPr lang="de-de" spc="-5" dirty="0"/>
-              <a:t>© 2021 Adobe.  All</a:t>
-            </a:r>
-            <a:r>
-              <a:rPr lang="de-de" spc="-15" dirty="0"/>
+              <a:rPr spc="-5"/>
+              <a:t>©2021 Adobe. All</a:t>
+            </a:r>
+            <a:r>
+              <a:rPr spc="-15"/>
               <a:t> Rights</a:t>
             </a:r>
             <a:r>
-              <a:rPr lang="de-de" spc="-10" dirty="0"/>
+              <a:rPr spc="-10"/>
               <a:t> </a:t>
             </a:r>
             <a:r>
-              <a:rPr lang="de-de" spc="-15" dirty="0"/>
+              <a:rPr spc="-15"/>
               <a:t>Reserved.</a:t>
             </a:r>
             <a:r>
-              <a:rPr lang="de-de" spc="-10" dirty="0"/>
+              <a:rPr spc="-10"/>
               <a:t> </a:t>
             </a:r>
             <a:r>
-              <a:rPr lang="de-de" spc="-5" dirty="0"/>
+              <a:rPr spc="-5"/>
               <a:t>Adobe</a:t>
             </a:r>
             <a:r>
-              <a:rPr lang="de-de" spc="60" dirty="0"/>
+              <a:rPr spc="60"/>
               <a:t> </a:t>
             </a:r>
             <a:r>
-              <a:rPr lang="de-de" spc="-15" dirty="0"/>
-              <a:t>기밀.</a:t>
+              <a:rPr spc="-15"/>
+              <a:t>Confidential.</a:t>
             </a:r>
           </a:p>
         </p:txBody>
@@ -13044,8 +13863,8 @@
           <a:p>
             <a:pPr algn="ctr"/>
             <a:r>
-              <a:rPr lang="de-de" sz="1600" dirty="0"/>
-              <a:t>실행 및 운영</a:t>
+              <a:rPr lang="en-US" sz="1600"/>
+              <a:t>Run &amp; Operate</a:t>
             </a:r>
           </a:p>
         </p:txBody>
@@ -13101,8 +13920,8 @@
           <a:p>
             <a:pPr algn="ctr"/>
             <a:r>
-              <a:rPr lang="de-de" sz="1600" dirty="0"/>
-              <a:t>구현</a:t>
+              <a:rPr lang="en-US" sz="1600"/>
+              <a:t>Implementation</a:t>
             </a:r>
           </a:p>
         </p:txBody>
@@ -13137,8 +13956,8 @@
           <a:p>
             <a:pPr algn="ctr"/>
             <a:r>
-              <a:rPr lang="de-de" sz="1100" dirty="0"/>
-              <a:t>출시 후</a:t>
+              <a:rPr lang="en-US" sz="1100"/>
+              <a:t>Post Launch</a:t>
             </a:r>
           </a:p>
         </p:txBody>
@@ -13173,8 +13992,8 @@
           <a:p>
             <a:pPr algn="ctr"/>
             <a:r>
-              <a:rPr lang="de-de" sz="1100" dirty="0"/>
-              <a:t>실행</a:t>
+              <a:rPr lang="en-US" sz="1100"/>
+              <a:t>Go-Live</a:t>
             </a:r>
           </a:p>
         </p:txBody>
@@ -13209,8 +14028,8 @@
           <a:p>
             <a:pPr algn="ctr"/>
             <a:r>
-              <a:rPr lang="de-de" sz="1100" dirty="0"/>
-              <a:t>정의</a:t>
+              <a:rPr lang="en-US" sz="1100"/>
+              <a:t>Define</a:t>
             </a:r>
           </a:p>
         </p:txBody>
@@ -13245,8 +14064,8 @@
           <a:p>
             <a:pPr algn="ctr"/>
             <a:r>
-              <a:rPr lang="de-de" sz="1100" dirty="0"/>
-              <a:t>개시</a:t>
+              <a:rPr lang="en-US" sz="1100"/>
+              <a:t>Kickoff</a:t>
             </a:r>
           </a:p>
         </p:txBody>
@@ -13281,8 +14100,8 @@
           <a:p>
             <a:pPr algn="ctr"/>
             <a:r>
-              <a:rPr lang="de-de" sz="1100" dirty="0"/>
-              <a:t>디자인</a:t>
+              <a:rPr lang="en-US" sz="1100"/>
+              <a:t>Design</a:t>
             </a:r>
           </a:p>
         </p:txBody>
@@ -13339,14 +14158,14 @@
           <a:p>
             <a:pPr algn="ctr"/>
             <a:r>
-              <a:rPr lang="de-de" sz="1400" dirty="0">
+              <a:rPr lang="en-US" sz="1400">
                 <a:solidFill>
                   <a:schemeClr val="accent1">
                     <a:lumMod val="50000"/>
                   </a:schemeClr>
                 </a:solidFill>
               </a:rPr>
-              <a:t>연간 4개 활동</a:t>
+              <a:t>4 Activities per Year</a:t>
             </a:r>
           </a:p>
         </p:txBody>
@@ -13387,15 +14206,15 @@
               </a:spcBef>
             </a:pPr>
             <a:r>
-              <a:rPr lang="de-de" sz="1000" dirty="0">
+              <a:rPr lang="en-US" sz="1000">
                 <a:solidFill>
                   <a:srgbClr val="4B4B4B"/>
                 </a:solidFill>
                 <a:latin typeface="Adobe Clean Light" panose="020B0303020404020204" pitchFamily="34" charset="0"/>
               </a:rPr>
-              <a:t>AEM as a Cloud Service의 사용자 지정 모범 사례 및 핵심 구성 요소의 채택을 촉진합니다.</a:t>
-            </a:r>
-            <a:endParaRPr sz="1000" dirty="0">
+              <a:t>Drive adoption of customization best practices and core components in AEM as a Cloud Service.</a:t>
+            </a:r>
+            <a:endParaRPr sz="1000">
               <a:solidFill>
                 <a:srgbClr val="4B4B4B"/>
               </a:solidFill>
@@ -13440,15 +14259,15 @@
               </a:spcBef>
             </a:pPr>
             <a:r>
-              <a:rPr lang="de-de" sz="1000" dirty="0">
+              <a:rPr lang="en-US" sz="1000">
                 <a:solidFill>
                   <a:srgbClr val="4B4B4B"/>
                 </a:solidFill>
                 <a:latin typeface="Adobe Clean Light" panose="020B0303020404020204" pitchFamily="34" charset="0"/>
               </a:rPr>
-              <a:t>최적화할 수 있는 기회가 있는 맞춤형 솔루션 채택 영역을 식별하고 검토하고 권장합니다.</a:t>
-            </a:r>
-            <a:endParaRPr sz="1000" dirty="0">
+              <a:t>Identify, review and provide recommendations on customized solution adoption areas that have opportunities for optimization.</a:t>
+            </a:r>
+            <a:endParaRPr sz="1000">
               <a:solidFill>
                 <a:srgbClr val="4B4B4B"/>
               </a:solidFill>
@@ -13493,15 +14312,15 @@
               </a:spcBef>
             </a:pPr>
             <a:r>
-              <a:rPr lang="de-de" sz="1000" dirty="0">
+              <a:rPr lang="en-US" sz="1000">
                 <a:solidFill>
                   <a:srgbClr val="4B4B4B"/>
                 </a:solidFill>
                 <a:latin typeface="Adobe Clean Light" panose="020B0303020404020204" pitchFamily="34" charset="0"/>
               </a:rPr>
-              <a:t>AEM as a Cloud Service 고객이 AEM as a Cloud Service에 대한 업계 표준 및 모범 사례를 준수하도록 지원하는 기술 및 운영 거버넌스입니다.</a:t>
-            </a:r>
-            <a:endParaRPr sz="1000" dirty="0">
+              <a:t>Technical &amp; operational governance to assist AEM as a Cloud Service Customers in adhering to industry standards and best practices for AEM as a Cloud Service.</a:t>
+            </a:r>
+            <a:endParaRPr sz="1000">
               <a:solidFill>
                 <a:srgbClr val="4B4B4B"/>
               </a:solidFill>
@@ -13525,7 +14344,7 @@
         <p:spPr>
           <a:xfrm>
             <a:off x="5181600" y="936612"/>
-            <a:ext cx="2209800" cy="461665"/>
+            <a:ext cx="1972258" cy="461665"/>
           </a:xfrm>
           <a:prstGeom prst="rect">
             <a:avLst/>
@@ -13546,107 +14365,327 @@
               </a:spcBef>
             </a:pPr>
             <a:r>
-              <a:rPr lang="de-de" sz="1200" b="1" spc="-15" dirty="0">
+              <a:rPr lang="en-US" sz="1200" b="1" spc="-15">
                 <a:solidFill>
                   <a:srgbClr val="020302"/>
                 </a:solidFill>
                 <a:latin typeface="Adobe Clean"/>
                 <a:cs typeface="Adobe Clean"/>
               </a:rPr>
-              <a:t>AEM</a:t>
-            </a:r>
-            <a:r>
-              <a:rPr lang="de-de" sz="1200" b="1" spc="-50" dirty="0">
+              <a:t>C</a:t>
+            </a:r>
+            <a:r>
+              <a:rPr lang="en-US" sz="1200" b="1" spc="-20">
                 <a:solidFill>
                   <a:srgbClr val="020302"/>
                 </a:solidFill>
                 <a:latin typeface="Adobe Clean"/>
                 <a:cs typeface="Adobe Clean"/>
               </a:rPr>
+              <a:t>u</a:t>
+            </a:r>
+            <a:r>
+              <a:rPr lang="en-US" sz="1200" b="1" spc="-25">
+                <a:solidFill>
+                  <a:srgbClr val="020302"/>
+                </a:solidFill>
+                <a:latin typeface="Adobe Clean"/>
+                <a:cs typeface="Adobe Clean"/>
+              </a:rPr>
+              <a:t>st</a:t>
+            </a:r>
+            <a:r>
+              <a:rPr lang="en-US" sz="1200" b="1" spc="-15">
+                <a:solidFill>
+                  <a:srgbClr val="020302"/>
+                </a:solidFill>
+                <a:latin typeface="Adobe Clean"/>
+                <a:cs typeface="Adobe Clean"/>
+              </a:rPr>
+              <a:t>o</a:t>
+            </a:r>
+            <a:r>
+              <a:rPr lang="en-US" sz="1200" b="1" spc="-20">
+                <a:solidFill>
+                  <a:srgbClr val="020302"/>
+                </a:solidFill>
+                <a:latin typeface="Adobe Clean"/>
+                <a:cs typeface="Adobe Clean"/>
+              </a:rPr>
+              <a:t>miza</a:t>
+            </a:r>
+            <a:r>
+              <a:rPr lang="en-US" sz="1200" b="1" spc="-25">
+                <a:solidFill>
+                  <a:srgbClr val="020302"/>
+                </a:solidFill>
+                <a:latin typeface="Adobe Clean"/>
+                <a:cs typeface="Adobe Clean"/>
+              </a:rPr>
+              <a:t>t</a:t>
+            </a:r>
+            <a:r>
+              <a:rPr lang="en-US" sz="1200" b="1" spc="-20">
+                <a:solidFill>
+                  <a:srgbClr val="020302"/>
+                </a:solidFill>
+                <a:latin typeface="Adobe Clean"/>
+                <a:cs typeface="Adobe Clean"/>
+              </a:rPr>
+              <a:t>i</a:t>
+            </a:r>
+            <a:r>
+              <a:rPr lang="en-US" sz="1200" b="1" spc="-15">
+                <a:solidFill>
+                  <a:srgbClr val="020302"/>
+                </a:solidFill>
+                <a:latin typeface="Adobe Clean"/>
+                <a:cs typeface="Adobe Clean"/>
+              </a:rPr>
+              <a:t>o</a:t>
+            </a:r>
+            <a:r>
+              <a:rPr lang="en-US" sz="1200" b="1">
+                <a:solidFill>
+                  <a:srgbClr val="020302"/>
+                </a:solidFill>
+                <a:latin typeface="Adobe Clean"/>
+                <a:cs typeface="Adobe Clean"/>
+              </a:rPr>
+              <a:t>n</a:t>
+            </a:r>
+            <a:r>
+              <a:rPr lang="en-US" sz="1200" b="1" spc="-50">
+                <a:solidFill>
+                  <a:srgbClr val="020302"/>
+                </a:solidFill>
+                <a:latin typeface="Adobe Clean"/>
+                <a:cs typeface="Adobe Clean"/>
+              </a:rPr>
               <a:t> </a:t>
             </a:r>
             <a:r>
-              <a:rPr lang="de-de" sz="1200" b="1" spc="-20" dirty="0">
+              <a:rPr lang="en-US" sz="1200" b="1" spc="-20">
                 <a:solidFill>
                   <a:srgbClr val="020302"/>
                 </a:solidFill>
                 <a:latin typeface="Adobe Clean"/>
                 <a:cs typeface="Adobe Clean"/>
               </a:rPr>
-              <a:t>as a Cloud Service를 위한</a:t>
-            </a:r>
-            <a:r>
-              <a:rPr lang="de-de" sz="1200" b="1" spc="-50" dirty="0">
+              <a:t>B</a:t>
+            </a:r>
+            <a:r>
+              <a:rPr lang="en-US" sz="1200" b="1" spc="-25">
                 <a:solidFill>
                   <a:srgbClr val="020302"/>
                 </a:solidFill>
                 <a:latin typeface="Adobe Clean"/>
                 <a:cs typeface="Adobe Clean"/>
               </a:rPr>
+              <a:t>es</a:t>
+            </a:r>
+            <a:r>
+              <a:rPr lang="en-US" sz="1200" b="1">
+                <a:solidFill>
+                  <a:srgbClr val="020302"/>
+                </a:solidFill>
+                <a:latin typeface="Adobe Clean"/>
+                <a:cs typeface="Adobe Clean"/>
+              </a:rPr>
+              <a:t>t</a:t>
+            </a:r>
+            <a:r>
+              <a:rPr lang="en-US" sz="1200" b="1" spc="-50">
+                <a:solidFill>
+                  <a:srgbClr val="020302"/>
+                </a:solidFill>
+                <a:latin typeface="Adobe Clean"/>
+                <a:cs typeface="Adobe Clean"/>
+              </a:rPr>
               <a:t> </a:t>
             </a:r>
             <a:r>
-              <a:rPr lang="de-de" sz="1200" b="1" spc="-45" dirty="0">
+              <a:rPr lang="en-US" sz="1200" b="1" spc="-25">
                 <a:solidFill>
                   <a:srgbClr val="020302"/>
                 </a:solidFill>
                 <a:latin typeface="Adobe Clean"/>
                 <a:cs typeface="Adobe Clean"/>
               </a:rPr>
+              <a:t>P</a:t>
+            </a:r>
+            <a:r>
+              <a:rPr lang="en-US" sz="1200" b="1" spc="-20">
+                <a:solidFill>
+                  <a:srgbClr val="020302"/>
+                </a:solidFill>
+                <a:latin typeface="Adobe Clean"/>
+                <a:cs typeface="Adobe Clean"/>
+              </a:rPr>
+              <a:t>ra</a:t>
+            </a:r>
+            <a:r>
+              <a:rPr lang="en-US" sz="1200" b="1" spc="-30">
+                <a:solidFill>
+                  <a:srgbClr val="020302"/>
+                </a:solidFill>
+                <a:latin typeface="Adobe Clean"/>
+                <a:cs typeface="Adobe Clean"/>
+              </a:rPr>
+              <a:t>c</a:t>
+            </a:r>
+            <a:r>
+              <a:rPr lang="en-US" sz="1200" b="1" spc="-25">
+                <a:solidFill>
+                  <a:srgbClr val="020302"/>
+                </a:solidFill>
+                <a:latin typeface="Adobe Clean"/>
+                <a:cs typeface="Adobe Clean"/>
+              </a:rPr>
+              <a:t>t</a:t>
+            </a:r>
+            <a:r>
+              <a:rPr lang="en-US" sz="1200" b="1" spc="-20">
+                <a:solidFill>
+                  <a:srgbClr val="020302"/>
+                </a:solidFill>
+                <a:latin typeface="Adobe Clean"/>
+                <a:cs typeface="Adobe Clean"/>
+              </a:rPr>
+              <a:t>i</a:t>
+            </a:r>
+            <a:r>
+              <a:rPr lang="en-US" sz="1200" b="1" spc="-30">
+                <a:solidFill>
+                  <a:srgbClr val="020302"/>
+                </a:solidFill>
+                <a:latin typeface="Adobe Clean"/>
+                <a:cs typeface="Adobe Clean"/>
+              </a:rPr>
+              <a:t>c</a:t>
+            </a:r>
+            <a:r>
+              <a:rPr lang="en-US" sz="1200" b="1" spc="-25">
+                <a:solidFill>
+                  <a:srgbClr val="020302"/>
+                </a:solidFill>
+                <a:latin typeface="Adobe Clean"/>
+                <a:cs typeface="Adobe Clean"/>
+              </a:rPr>
+              <a:t>e</a:t>
+            </a:r>
+            <a:r>
+              <a:rPr lang="en-US" sz="1200" b="1">
+                <a:solidFill>
+                  <a:srgbClr val="020302"/>
+                </a:solidFill>
+                <a:latin typeface="Adobe Clean"/>
+                <a:cs typeface="Adobe Clean"/>
+              </a:rPr>
+              <a:t>s</a:t>
+            </a:r>
+            <a:r>
+              <a:rPr lang="en-US" sz="1200" b="1" spc="-45">
+                <a:solidFill>
+                  <a:srgbClr val="020302"/>
+                </a:solidFill>
+                <a:latin typeface="Adobe Clean"/>
+                <a:cs typeface="Adobe Clean"/>
+              </a:rPr>
               <a:t> </a:t>
             </a:r>
             <a:r>
-              <a:rPr lang="de-de" sz="1200" b="1" spc="-25" dirty="0">
+              <a:rPr lang="en-US" sz="1200" b="1" spc="-25">
                 <a:solidFill>
                   <a:srgbClr val="020302"/>
                 </a:solidFill>
                 <a:latin typeface="Adobe Clean"/>
                 <a:cs typeface="Adobe Clean"/>
               </a:rPr>
-              <a:t>사용자 지정</a:t>
-            </a:r>
-            <a:r>
-              <a:rPr lang="de-de" sz="1200" b="1" spc="-45" dirty="0">
+              <a:t>f</a:t>
+            </a:r>
+            <a:r>
+              <a:rPr lang="en-US" sz="1200" b="1" spc="-15">
                 <a:solidFill>
                   <a:srgbClr val="020302"/>
                 </a:solidFill>
                 <a:latin typeface="Adobe Clean"/>
                 <a:cs typeface="Adobe Clean"/>
               </a:rPr>
+              <a:t>o</a:t>
+            </a:r>
+            <a:r>
+              <a:rPr lang="en-US" sz="1200" b="1">
+                <a:solidFill>
+                  <a:srgbClr val="020302"/>
+                </a:solidFill>
+                <a:latin typeface="Adobe Clean"/>
+                <a:cs typeface="Adobe Clean"/>
+              </a:rPr>
+              <a:t>r</a:t>
+            </a:r>
+            <a:r>
+              <a:rPr lang="en-US" sz="1200" b="1" spc="-45">
+                <a:solidFill>
+                  <a:srgbClr val="020302"/>
+                </a:solidFill>
+                <a:latin typeface="Adobe Clean"/>
+                <a:cs typeface="Adobe Clean"/>
+              </a:rPr>
               <a:t> </a:t>
             </a:r>
             <a:r>
-              <a:rPr lang="de-de" sz="1200" b="1" spc="-55" dirty="0">
+              <a:rPr lang="en-US" sz="1200" b="1" spc="-30">
                 <a:solidFill>
                   <a:srgbClr val="020302"/>
                 </a:solidFill>
                 <a:latin typeface="Adobe Clean"/>
                 <a:cs typeface="Adobe Clean"/>
               </a:rPr>
+              <a:t>AE</a:t>
+            </a:r>
+            <a:r>
+              <a:rPr lang="en-US" sz="1200" b="1">
+                <a:solidFill>
+                  <a:srgbClr val="020302"/>
+                </a:solidFill>
+                <a:latin typeface="Adobe Clean"/>
+                <a:cs typeface="Adobe Clean"/>
+              </a:rPr>
+              <a:t>M</a:t>
+            </a:r>
+            <a:r>
+              <a:rPr lang="en-US" sz="1200" b="1" spc="-55">
+                <a:solidFill>
+                  <a:srgbClr val="020302"/>
+                </a:solidFill>
+                <a:latin typeface="Adobe Clean"/>
+                <a:cs typeface="Adobe Clean"/>
+              </a:rPr>
               <a:t> </a:t>
             </a:r>
             <a:r>
-              <a:rPr lang="de-de" sz="1200" b="1" spc="-20" dirty="0">
+              <a:rPr lang="en-US" sz="1200" b="1" spc="-20">
                 <a:solidFill>
                   <a:srgbClr val="020302"/>
                 </a:solidFill>
                 <a:latin typeface="Adobe Clean"/>
                 <a:cs typeface="Adobe Clean"/>
               </a:rPr>
-              <a:t>모범 사례</a:t>
-            </a:r>
-            <a:r>
-              <a:rPr lang="de-de" sz="1200" b="1" spc="-45" dirty="0">
+              <a:t>a</a:t>
+            </a:r>
+            <a:r>
+              <a:rPr lang="en-US" sz="1200" b="1">
                 <a:solidFill>
                   <a:srgbClr val="020302"/>
                 </a:solidFill>
                 <a:latin typeface="Adobe Clean"/>
                 <a:cs typeface="Adobe Clean"/>
               </a:rPr>
-              <a:t>  </a:t>
-            </a:r>
-            <a:r>
-              <a:rPr lang="de-de" sz="1200" b="1" spc="-50" dirty="0">
+              <a:t>s</a:t>
+            </a:r>
+            <a:r>
+              <a:rPr lang="en-US" sz="1200" b="1" spc="-45">
                 <a:solidFill>
                   <a:srgbClr val="020302"/>
                 </a:solidFill>
@@ -13655,7 +14694,157 @@
               </a:rPr>
               <a:t> </a:t>
             </a:r>
-            <a:endParaRPr lang="en-US" sz="1200" dirty="0">
+            <a:r>
+              <a:rPr lang="en-US" sz="1200" b="1">
+                <a:solidFill>
+                  <a:srgbClr val="020302"/>
+                </a:solidFill>
+                <a:latin typeface="Adobe Clean"/>
+                <a:cs typeface="Adobe Clean"/>
+              </a:rPr>
+              <a:t>a</a:t>
+            </a:r>
+            <a:r>
+              <a:rPr lang="en-US" sz="1200" b="1" spc="-45">
+                <a:solidFill>
+                  <a:srgbClr val="020302"/>
+                </a:solidFill>
+                <a:latin typeface="Adobe Clean"/>
+                <a:cs typeface="Adobe Clean"/>
+              </a:rPr>
+              <a:t> </a:t>
+            </a:r>
+            <a:r>
+              <a:rPr lang="en-US" sz="1200" b="1" spc="-15">
+                <a:solidFill>
+                  <a:srgbClr val="020302"/>
+                </a:solidFill>
+                <a:latin typeface="Adobe Clean"/>
+                <a:cs typeface="Adobe Clean"/>
+              </a:rPr>
+              <a:t>C</a:t>
+            </a:r>
+            <a:r>
+              <a:rPr lang="en-US" sz="1200" b="1" spc="-25">
+                <a:solidFill>
+                  <a:srgbClr val="020302"/>
+                </a:solidFill>
+                <a:latin typeface="Adobe Clean"/>
+                <a:cs typeface="Adobe Clean"/>
+              </a:rPr>
+              <a:t>l</a:t>
+            </a:r>
+            <a:r>
+              <a:rPr lang="en-US" sz="1200" b="1" spc="-15">
+                <a:solidFill>
+                  <a:srgbClr val="020302"/>
+                </a:solidFill>
+                <a:latin typeface="Adobe Clean"/>
+                <a:cs typeface="Adobe Clean"/>
+              </a:rPr>
+              <a:t>o</a:t>
+            </a:r>
+            <a:r>
+              <a:rPr lang="en-US" sz="1200" b="1" spc="-20">
+                <a:solidFill>
+                  <a:srgbClr val="020302"/>
+                </a:solidFill>
+                <a:latin typeface="Adobe Clean"/>
+                <a:cs typeface="Adobe Clean"/>
+              </a:rPr>
+              <a:t>u</a:t>
+            </a:r>
+            <a:r>
+              <a:rPr lang="en-US" sz="1200" b="1">
+                <a:solidFill>
+                  <a:srgbClr val="020302"/>
+                </a:solidFill>
+                <a:latin typeface="Adobe Clean"/>
+                <a:cs typeface="Adobe Clean"/>
+              </a:rPr>
+              <a:t>d</a:t>
+            </a:r>
+            <a:r>
+              <a:rPr lang="en-US" sz="1200" b="1" spc="-50">
+                <a:solidFill>
+                  <a:srgbClr val="020302"/>
+                </a:solidFill>
+                <a:latin typeface="Adobe Clean"/>
+                <a:cs typeface="Adobe Clean"/>
+              </a:rPr>
+              <a:t> </a:t>
+            </a:r>
+            <a:r>
+              <a:rPr lang="en-US" sz="1200" b="1" spc="-20">
+                <a:solidFill>
+                  <a:srgbClr val="020302"/>
+                </a:solidFill>
+                <a:latin typeface="Adobe Clean"/>
+                <a:cs typeface="Adobe Clean"/>
+              </a:rPr>
+              <a:t>S</a:t>
+            </a:r>
+            <a:r>
+              <a:rPr lang="en-US" sz="1200" b="1" spc="-25">
+                <a:solidFill>
+                  <a:srgbClr val="020302"/>
+                </a:solidFill>
+                <a:latin typeface="Adobe Clean"/>
+                <a:cs typeface="Adobe Clean"/>
+              </a:rPr>
+              <a:t>e</a:t>
+            </a:r>
+            <a:r>
+              <a:rPr lang="en-US" sz="1200" b="1" spc="-20">
+                <a:solidFill>
+                  <a:srgbClr val="020302"/>
+                </a:solidFill>
+                <a:latin typeface="Adobe Clean"/>
+                <a:cs typeface="Adobe Clean"/>
+              </a:rPr>
+              <a:t>r</a:t>
+            </a:r>
+            <a:r>
+              <a:rPr lang="en-US" sz="1200" b="1" spc="-30">
+                <a:solidFill>
+                  <a:srgbClr val="020302"/>
+                </a:solidFill>
+                <a:latin typeface="Adobe Clean"/>
+                <a:cs typeface="Adobe Clean"/>
+              </a:rPr>
+              <a:t>v</a:t>
+            </a:r>
+            <a:r>
+              <a:rPr lang="en-US" sz="1200" b="1" spc="-20">
+                <a:solidFill>
+                  <a:srgbClr val="020302"/>
+                </a:solidFill>
+                <a:latin typeface="Adobe Clean"/>
+                <a:cs typeface="Adobe Clean"/>
+              </a:rPr>
+              <a:t>i</a:t>
+            </a:r>
+            <a:r>
+              <a:rPr lang="en-US" sz="1200" b="1" spc="-30">
+                <a:solidFill>
+                  <a:srgbClr val="020302"/>
+                </a:solidFill>
+                <a:latin typeface="Adobe Clean"/>
+                <a:cs typeface="Adobe Clean"/>
+              </a:rPr>
+              <a:t>c</a:t>
+            </a:r>
+            <a:r>
+              <a:rPr lang="en-US" sz="1200" b="1">
+                <a:solidFill>
+                  <a:srgbClr val="020302"/>
+                </a:solidFill>
+                <a:latin typeface="Adobe Clean"/>
+                <a:cs typeface="Adobe Clean"/>
+              </a:rPr>
+              <a:t>e</a:t>
+            </a:r>
+            <a:endParaRPr lang="en-US" sz="1200">
               <a:latin typeface="Adobe Clean"/>
               <a:cs typeface="Adobe Clean"/>
             </a:endParaRPr>
@@ -13677,7 +14866,7 @@
         <p:spPr>
           <a:xfrm>
             <a:off x="2752588" y="908302"/>
-            <a:ext cx="1895612" cy="461665"/>
+            <a:ext cx="1708650" cy="461665"/>
           </a:xfrm>
           <a:prstGeom prst="rect">
             <a:avLst/>
@@ -13698,16 +14887,16 @@
               </a:spcBef>
             </a:pPr>
             <a:r>
-              <a:rPr lang="de-de" sz="1200" b="1" spc="-25" dirty="0">
+              <a:rPr lang="en-US" sz="1200" b="1" spc="-25">
                 <a:solidFill>
                   <a:srgbClr val="020302"/>
                 </a:solidFill>
                 <a:latin typeface="Adobe Clean"/>
                 <a:cs typeface="Adobe Clean"/>
               </a:rPr>
-              <a:t>AEM as a Cloud Service를 위한 부가 가치 서비스</a:t>
-            </a:r>
-            <a:endParaRPr lang="en-US" sz="1200" dirty="0">
+              <a:t>Value-added Services for AEM as a Cloud Service</a:t>
+            </a:r>
+            <a:endParaRPr lang="en-US" sz="1200">
               <a:latin typeface="Adobe Clean"/>
               <a:cs typeface="Adobe Clean"/>
             </a:endParaRPr>
@@ -13750,786 +14939,362 @@
               </a:spcBef>
             </a:pPr>
             <a:r>
-              <a:rPr lang="de-de" sz="1200" b="1" spc="-20" dirty="0">
+              <a:rPr lang="en-US" sz="1200" b="1" spc="-20">
                 <a:solidFill>
                   <a:srgbClr val="020302"/>
                 </a:solidFill>
                 <a:latin typeface="Adobe Clean"/>
                 <a:cs typeface="Adobe Clean"/>
               </a:rPr>
-              <a:t>AEM</a:t>
-            </a:r>
-            <a:r>
-              <a:rPr lang="de-de" sz="1200" b="1" spc="-50" dirty="0">
+              <a:t>G</a:t>
+            </a:r>
+            <a:r>
+              <a:rPr lang="en-US" sz="1200" b="1" spc="-15">
                 <a:solidFill>
                   <a:srgbClr val="020302"/>
                 </a:solidFill>
                 <a:latin typeface="Adobe Clean"/>
                 <a:cs typeface="Adobe Clean"/>
               </a:rPr>
-              <a:t>  </a:t>
-            </a:r>
-            <a:r>
-              <a:rPr lang="de-de" sz="1200" b="1" spc="-20" dirty="0">
+              <a:t>o</a:t>
+            </a:r>
+            <a:r>
+              <a:rPr lang="en-US" sz="1200" b="1" spc="-25">
                 <a:solidFill>
                   <a:srgbClr val="020302"/>
                 </a:solidFill>
                 <a:latin typeface="Adobe Clean"/>
                 <a:cs typeface="Adobe Clean"/>
               </a:rPr>
-              <a:t>as a Cloud Service를 위한</a:t>
-            </a:r>
-            <a:r>
-              <a:rPr lang="de-de" sz="1200" b="1" spc="-45" dirty="0">
+              <a:t>ve</a:t>
+            </a:r>
+            <a:r>
+              <a:rPr lang="en-US" sz="1200" b="1" spc="-20">
                 <a:solidFill>
                   <a:srgbClr val="020302"/>
                 </a:solidFill>
                 <a:latin typeface="Adobe Clean"/>
                 <a:cs typeface="Adobe Clean"/>
               </a:rPr>
+              <a:t>r</a:t>
+            </a:r>
+            <a:r>
+              <a:rPr lang="en-US" sz="1200" b="1" spc="-25">
+                <a:solidFill>
+                  <a:srgbClr val="020302"/>
+                </a:solidFill>
+                <a:latin typeface="Adobe Clean"/>
+                <a:cs typeface="Adobe Clean"/>
+              </a:rPr>
+              <a:t>n</a:t>
+            </a:r>
+            <a:r>
+              <a:rPr lang="en-US" sz="1200" b="1" spc="-20">
+                <a:solidFill>
+                  <a:srgbClr val="020302"/>
+                </a:solidFill>
+                <a:latin typeface="Adobe Clean"/>
+                <a:cs typeface="Adobe Clean"/>
+              </a:rPr>
+              <a:t>a</a:t>
+            </a:r>
+            <a:r>
+              <a:rPr lang="en-US" sz="1200" b="1" spc="-25">
+                <a:solidFill>
+                  <a:srgbClr val="020302"/>
+                </a:solidFill>
+                <a:latin typeface="Adobe Clean"/>
+                <a:cs typeface="Adobe Clean"/>
+              </a:rPr>
+              <a:t>n</a:t>
+            </a:r>
+            <a:r>
+              <a:rPr lang="en-US" sz="1200" b="1" spc="-30">
+                <a:solidFill>
+                  <a:srgbClr val="020302"/>
+                </a:solidFill>
+                <a:latin typeface="Adobe Clean"/>
+                <a:cs typeface="Adobe Clean"/>
+              </a:rPr>
+              <a:t>c</a:t>
+            </a:r>
+            <a:r>
+              <a:rPr lang="en-US" sz="1200" b="1">
+                <a:solidFill>
+                  <a:srgbClr val="020302"/>
+                </a:solidFill>
+                <a:latin typeface="Adobe Clean"/>
+                <a:cs typeface="Adobe Clean"/>
+              </a:rPr>
+              <a:t>e</a:t>
+            </a:r>
+            <a:r>
+              <a:rPr lang="en-US" sz="1200" b="1" spc="-50">
+                <a:solidFill>
+                  <a:srgbClr val="020302"/>
+                </a:solidFill>
+                <a:latin typeface="Adobe Clean"/>
+                <a:cs typeface="Adobe Clean"/>
+              </a:rPr>
               <a:t> </a:t>
             </a:r>
             <a:r>
-              <a:rPr lang="de-de" sz="1200" b="1" spc="-15" dirty="0">
+              <a:rPr lang="en-US" sz="1200" b="1" spc="-25">
                 <a:solidFill>
                   <a:srgbClr val="020302"/>
                 </a:solidFill>
                 <a:latin typeface="Adobe Clean"/>
                 <a:cs typeface="Adobe Clean"/>
               </a:rPr>
-              <a:t>거버넌스</a:t>
-            </a:r>
-            <a:r>
-              <a:rPr lang="de-de" sz="1200" b="1" spc="-50" dirty="0">
+              <a:t>f</a:t>
+            </a:r>
+            <a:r>
+              <a:rPr lang="en-US" sz="1200" b="1" spc="-15">
                 <a:solidFill>
                   <a:srgbClr val="020302"/>
                 </a:solidFill>
                 <a:latin typeface="Adobe Clean"/>
                 <a:cs typeface="Adobe Clean"/>
               </a:rPr>
+              <a:t>o</a:t>
+            </a:r>
+            <a:r>
+              <a:rPr lang="en-US" sz="1200" b="1">
+                <a:solidFill>
+                  <a:srgbClr val="020302"/>
+                </a:solidFill>
+                <a:latin typeface="Adobe Clean"/>
+                <a:cs typeface="Adobe Clean"/>
+              </a:rPr>
+              <a:t>r</a:t>
+            </a:r>
+            <a:r>
+              <a:rPr lang="en-US" sz="1200" b="1" spc="-45">
+                <a:solidFill>
+                  <a:srgbClr val="020302"/>
+                </a:solidFill>
+                <a:latin typeface="Adobe Clean"/>
+                <a:cs typeface="Adobe Clean"/>
+              </a:rPr>
               <a:t> </a:t>
             </a:r>
-            <a:endParaRPr lang="en-US" sz="1200" dirty="0">
+            <a:r>
+              <a:rPr lang="en-US" sz="1200" b="1" spc="-30">
+                <a:solidFill>
+                  <a:srgbClr val="020302"/>
+                </a:solidFill>
+                <a:latin typeface="Adobe Clean"/>
+                <a:cs typeface="Adobe Clean"/>
+              </a:rPr>
+              <a:t>A</a:t>
+            </a:r>
+            <a:r>
+              <a:rPr lang="en-US" sz="1200" b="1" spc="-25">
+                <a:solidFill>
+                  <a:srgbClr val="020302"/>
+                </a:solidFill>
+                <a:latin typeface="Adobe Clean"/>
+                <a:cs typeface="Adobe Clean"/>
+              </a:rPr>
+              <a:t>E</a:t>
+            </a:r>
+            <a:r>
+              <a:rPr lang="en-US" sz="1200" b="1">
+                <a:solidFill>
+                  <a:srgbClr val="020302"/>
+                </a:solidFill>
+                <a:latin typeface="Adobe Clean"/>
+                <a:cs typeface="Adobe Clean"/>
+              </a:rPr>
+              <a:t>M</a:t>
+            </a:r>
+            <a:r>
+              <a:rPr lang="en-US" sz="1200" b="1" spc="-50">
+                <a:solidFill>
+                  <a:srgbClr val="020302"/>
+                </a:solidFill>
+                <a:latin typeface="Adobe Clean"/>
+                <a:cs typeface="Adobe Clean"/>
+              </a:rPr>
+              <a:t> </a:t>
+            </a:r>
+            <a:r>
+              <a:rPr lang="en-US" sz="1200" b="1" spc="-20">
+                <a:solidFill>
+                  <a:srgbClr val="020302"/>
+                </a:solidFill>
+                <a:latin typeface="Adobe Clean"/>
+                <a:cs typeface="Adobe Clean"/>
+              </a:rPr>
+              <a:t>a</a:t>
+            </a:r>
+            <a:r>
+              <a:rPr lang="en-US" sz="1200" b="1">
+                <a:solidFill>
+                  <a:srgbClr val="020302"/>
+                </a:solidFill>
+                <a:latin typeface="Adobe Clean"/>
+                <a:cs typeface="Adobe Clean"/>
+              </a:rPr>
+              <a:t>s</a:t>
+            </a:r>
+            <a:r>
+              <a:rPr lang="en-US" sz="1200" b="1" spc="-45">
+                <a:solidFill>
+                  <a:srgbClr val="020302"/>
+                </a:solidFill>
+                <a:latin typeface="Adobe Clean"/>
+                <a:cs typeface="Adobe Clean"/>
+              </a:rPr>
+              <a:t> </a:t>
+            </a:r>
+            <a:r>
+              <a:rPr lang="en-US" sz="1200" b="1">
+                <a:solidFill>
+                  <a:srgbClr val="020302"/>
+                </a:solidFill>
+                <a:latin typeface="Adobe Clean"/>
+                <a:cs typeface="Adobe Clean"/>
+              </a:rPr>
+              <a:t>a</a:t>
+            </a:r>
+            <a:r>
+              <a:rPr lang="en-US" sz="1200" b="1" spc="-40">
+                <a:solidFill>
+                  <a:srgbClr val="020302"/>
+                </a:solidFill>
+                <a:latin typeface="Adobe Clean"/>
+                <a:cs typeface="Adobe Clean"/>
+              </a:rPr>
+              <a:t> </a:t>
+            </a:r>
+            <a:r>
+              <a:rPr lang="en-US" sz="1200" b="1" spc="-15">
+                <a:solidFill>
+                  <a:srgbClr val="020302"/>
+                </a:solidFill>
+                <a:latin typeface="Adobe Clean"/>
+                <a:cs typeface="Adobe Clean"/>
+              </a:rPr>
+              <a:t>C</a:t>
+            </a:r>
+            <a:r>
+              <a:rPr lang="en-US" sz="1200" b="1" spc="-25">
+                <a:solidFill>
+                  <a:srgbClr val="020302"/>
+                </a:solidFill>
+                <a:latin typeface="Adobe Clean"/>
+                <a:cs typeface="Adobe Clean"/>
+              </a:rPr>
+              <a:t>l</a:t>
+            </a:r>
+            <a:r>
+              <a:rPr lang="en-US" sz="1200" b="1" spc="-15">
+                <a:solidFill>
+                  <a:srgbClr val="020302"/>
+                </a:solidFill>
+                <a:latin typeface="Adobe Clean"/>
+                <a:cs typeface="Adobe Clean"/>
+              </a:rPr>
+              <a:t>ou</a:t>
+            </a:r>
+            <a:r>
+              <a:rPr lang="en-US" sz="1200" b="1">
+                <a:solidFill>
+                  <a:srgbClr val="020302"/>
+                </a:solidFill>
+                <a:latin typeface="Adobe Clean"/>
+                <a:cs typeface="Adobe Clean"/>
+              </a:rPr>
+              <a:t>d</a:t>
+            </a:r>
+            <a:r>
+              <a:rPr lang="en-US" sz="1200" b="1" spc="-50">
+                <a:solidFill>
+                  <a:srgbClr val="020302"/>
+                </a:solidFill>
+                <a:latin typeface="Adobe Clean"/>
+                <a:cs typeface="Adobe Clean"/>
+              </a:rPr>
+              <a:t> </a:t>
+            </a:r>
+            <a:r>
+              <a:rPr lang="en-US" sz="1200" b="1" spc="-20">
+                <a:solidFill>
+                  <a:srgbClr val="020302"/>
+                </a:solidFill>
+                <a:latin typeface="Adobe Clean"/>
+                <a:cs typeface="Adobe Clean"/>
+              </a:rPr>
+              <a:t>S</a:t>
+            </a:r>
+            <a:r>
+              <a:rPr lang="en-US" sz="1200" b="1" spc="-25">
+                <a:solidFill>
+                  <a:srgbClr val="020302"/>
+                </a:solidFill>
+                <a:latin typeface="Adobe Clean"/>
+                <a:cs typeface="Adobe Clean"/>
+              </a:rPr>
+              <a:t>e</a:t>
+            </a:r>
+            <a:r>
+              <a:rPr lang="en-US" sz="1200" b="1" spc="-20">
+                <a:solidFill>
+                  <a:srgbClr val="020302"/>
+                </a:solidFill>
+                <a:latin typeface="Adobe Clean"/>
+                <a:cs typeface="Adobe Clean"/>
+              </a:rPr>
+              <a:t>r</a:t>
+            </a:r>
+            <a:r>
+              <a:rPr lang="en-US" sz="1200" b="1" spc="-25">
+                <a:solidFill>
+                  <a:srgbClr val="020302"/>
+                </a:solidFill>
+                <a:latin typeface="Adobe Clean"/>
+                <a:cs typeface="Adobe Clean"/>
+              </a:rPr>
+              <a:t>v</a:t>
+            </a:r>
+            <a:r>
+              <a:rPr lang="en-US" sz="1200" b="1" spc="-20">
+                <a:solidFill>
+                  <a:srgbClr val="020302"/>
+                </a:solidFill>
+                <a:latin typeface="Adobe Clean"/>
+                <a:cs typeface="Adobe Clean"/>
+              </a:rPr>
+              <a:t>i</a:t>
+            </a:r>
+            <a:r>
+              <a:rPr lang="en-US" sz="1200" b="1" spc="-30">
+                <a:solidFill>
+                  <a:srgbClr val="020302"/>
+                </a:solidFill>
+                <a:latin typeface="Adobe Clean"/>
+                <a:cs typeface="Adobe Clean"/>
+              </a:rPr>
+              <a:t>c</a:t>
+            </a:r>
+            <a:r>
+              <a:rPr lang="en-US" sz="1200" b="1">
+                <a:solidFill>
+                  <a:srgbClr val="020302"/>
+                </a:solidFill>
+                <a:latin typeface="Adobe Clean"/>
+                <a:cs typeface="Adobe Clean"/>
+              </a:rPr>
+              <a:t>e</a:t>
+            </a:r>
+            <a:endParaRPr lang="en-US" sz="1200">
               <a:latin typeface="Adobe Clean"/>
               <a:cs typeface="Adobe Clean"/>
             </a:endParaRPr>
           </a:p>
         </p:txBody>
       </p:sp>
-      <p:graphicFrame>
-        <p:nvGraphicFramePr>
-          <p:cNvPr id="2" name="Table 1">
-            <a:extLst>
-              <a:ext uri="{FF2B5EF4-FFF2-40B4-BE49-F238E27FC236}">
-                <a16:creationId xmlns:a16="http://schemas.microsoft.com/office/drawing/2014/main" id="{CED3F2A6-B5D8-A54C-9E6C-1FE4D54768E0}"/>
-              </a:ext>
-            </a:extLst>
-          </p:cNvPr>
-          <p:cNvGraphicFramePr>
-            <a:graphicFrameLocks noGrp="1"/>
-          </p:cNvGraphicFramePr>
-          <p:nvPr>
-            <p:extLst>
-              <p:ext uri="{D42A27DB-BD31-4B8C-83A1-F6EECF244321}">
-                <p14:modId xmlns:p14="http://schemas.microsoft.com/office/powerpoint/2010/main" val="3115527674"/>
-              </p:ext>
-            </p:extLst>
-          </p:nvPr>
-        </p:nvGraphicFramePr>
-        <p:xfrm>
-          <a:off x="1524000" y="8153400"/>
-          <a:ext cx="609600" cy="457200"/>
-        </p:xfrm>
-        <a:graphic>
-          <a:graphicData uri="http://schemas.openxmlformats.org/drawingml/2006/table">
-            <a:tbl>
-              <a:tblPr>
-                <a:tableStyleId>{5C22544A-7EE6-4342-B048-85BDC9FD1C3A}</a:tableStyleId>
-              </a:tblPr>
-              <a:tblGrid>
-                <a:gridCol w="609600">
-                  <a:extLst>
-                    <a:ext uri="{9D8B030D-6E8A-4147-A177-3AD203B41FA5}">
-                      <a16:colId xmlns:a16="http://schemas.microsoft.com/office/drawing/2014/main" val="1835503658"/>
-                    </a:ext>
-                  </a:extLst>
-                </a:gridCol>
-              </a:tblGrid>
-              <a:tr h="457200">
-                <a:tc>
-                  <a:txBody>
-                    <a:bodyPr/>
-                    <a:lstStyle/>
-                    <a:p>
-                      <a:pPr algn="ctr" fontAlgn="b"/>
-                      <a:r>
-                        <a:rPr lang="ko-KR" altLang="en-US" sz="1100" u="none" strike="noStrike" dirty="0">
-                          <a:effectLst/>
-                        </a:rPr>
-                        <a:t>권장 사항 실행</a:t>
-                      </a:r>
-                      <a:endParaRPr lang="ko-KR" altLang="en-US" sz="1100" b="0" i="0" u="none" strike="noStrike" dirty="0">
-                        <a:solidFill>
-                          <a:srgbClr val="000000"/>
-                        </a:solidFill>
-                        <a:effectLst/>
-                        <a:latin typeface="Calibri" panose="020F0502020204030204" pitchFamily="34" charset="0"/>
-                      </a:endParaRPr>
-                    </a:p>
-                  </a:txBody>
-                  <a:tcPr marL="9525" marR="9525" marT="9525" marB="0">
-                    <a:solidFill>
-                      <a:schemeClr val="bg1"/>
-                    </a:solidFill>
-                  </a:tcPr>
-                </a:tc>
-                <a:extLst>
-                  <a:ext uri="{0D108BD9-81ED-4DB2-BD59-A6C34878D82A}">
-                    <a16:rowId xmlns:a16="http://schemas.microsoft.com/office/drawing/2014/main" val="2771767287"/>
-                  </a:ext>
-                </a:extLst>
-              </a:tr>
-            </a:tbl>
-          </a:graphicData>
-        </a:graphic>
-      </p:graphicFrame>
-      <p:graphicFrame>
-        <p:nvGraphicFramePr>
-          <p:cNvPr id="57" name="Table 56">
-            <a:extLst>
-              <a:ext uri="{FF2B5EF4-FFF2-40B4-BE49-F238E27FC236}">
-                <a16:creationId xmlns:a16="http://schemas.microsoft.com/office/drawing/2014/main" id="{5FC81947-5734-1847-9B58-C7D00D9B2111}"/>
-              </a:ext>
-            </a:extLst>
-          </p:cNvPr>
-          <p:cNvGraphicFramePr>
-            <a:graphicFrameLocks noGrp="1"/>
-          </p:cNvGraphicFramePr>
-          <p:nvPr>
-            <p:extLst>
-              <p:ext uri="{D42A27DB-BD31-4B8C-83A1-F6EECF244321}">
-                <p14:modId xmlns:p14="http://schemas.microsoft.com/office/powerpoint/2010/main" val="3013111724"/>
-              </p:ext>
-            </p:extLst>
-          </p:nvPr>
-        </p:nvGraphicFramePr>
-        <p:xfrm>
-          <a:off x="1524000" y="6934200"/>
-          <a:ext cx="609600" cy="457200"/>
-        </p:xfrm>
-        <a:graphic>
-          <a:graphicData uri="http://schemas.openxmlformats.org/drawingml/2006/table">
-            <a:tbl>
-              <a:tblPr>
-                <a:tableStyleId>{5C22544A-7EE6-4342-B048-85BDC9FD1C3A}</a:tableStyleId>
-              </a:tblPr>
-              <a:tblGrid>
-                <a:gridCol w="609600">
-                  <a:extLst>
-                    <a:ext uri="{9D8B030D-6E8A-4147-A177-3AD203B41FA5}">
-                      <a16:colId xmlns:a16="http://schemas.microsoft.com/office/drawing/2014/main" val="1835503658"/>
-                    </a:ext>
-                  </a:extLst>
-                </a:gridCol>
-              </a:tblGrid>
-              <a:tr h="457200">
-                <a:tc>
-                  <a:txBody>
-                    <a:bodyPr/>
-                    <a:lstStyle/>
-                    <a:p>
-                      <a:pPr algn="ctr" fontAlgn="b"/>
-                      <a:r>
-                        <a:rPr lang="ko-KR" altLang="en-US" sz="800" u="none" strike="noStrike" dirty="0">
-                          <a:effectLst/>
-                          <a:latin typeface="Adobe Clean" panose="020B0503020404020204" pitchFamily="34" charset="0"/>
-                        </a:rPr>
-                        <a:t>선임 </a:t>
-                      </a:r>
-                      <a:r>
-                        <a:rPr lang="en-US" altLang="ko-KR" sz="800" u="none" strike="noStrike" dirty="0">
-                          <a:effectLst/>
-                          <a:latin typeface="Adobe Clean" panose="020B0503020404020204" pitchFamily="34" charset="0"/>
-                        </a:rPr>
-                        <a:t>Adobe </a:t>
-                      </a:r>
-                      <a:r>
-                        <a:rPr lang="ko-KR" altLang="en-US" sz="800" u="none" strike="noStrike" dirty="0">
-                          <a:effectLst/>
-                          <a:latin typeface="Adobe Clean" panose="020B0503020404020204" pitchFamily="34" charset="0"/>
-                        </a:rPr>
-                        <a:t>전문가</a:t>
-                      </a:r>
-                      <a:endParaRPr lang="ko-KR" altLang="en-US" sz="800" b="0" i="0" u="none" strike="noStrike" dirty="0">
-                        <a:solidFill>
-                          <a:srgbClr val="000000"/>
-                        </a:solidFill>
-                        <a:effectLst/>
-                        <a:latin typeface="Adobe Clean" panose="020B0503020404020204" pitchFamily="34" charset="0"/>
-                      </a:endParaRPr>
-                    </a:p>
-                  </a:txBody>
-                  <a:tcPr marL="9525" marR="9525" marT="9525" marB="0">
-                    <a:solidFill>
-                      <a:schemeClr val="bg1"/>
-                    </a:solidFill>
-                  </a:tcPr>
-                </a:tc>
-                <a:extLst>
-                  <a:ext uri="{0D108BD9-81ED-4DB2-BD59-A6C34878D82A}">
-                    <a16:rowId xmlns:a16="http://schemas.microsoft.com/office/drawing/2014/main" val="2771767287"/>
-                  </a:ext>
-                </a:extLst>
-              </a:tr>
-            </a:tbl>
-          </a:graphicData>
-        </a:graphic>
-      </p:graphicFrame>
-      <p:graphicFrame>
-        <p:nvGraphicFramePr>
-          <p:cNvPr id="58" name="Table 57">
-            <a:extLst>
-              <a:ext uri="{FF2B5EF4-FFF2-40B4-BE49-F238E27FC236}">
-                <a16:creationId xmlns:a16="http://schemas.microsoft.com/office/drawing/2014/main" id="{5C3EF744-0ECF-0840-BB8C-30D33F82AD23}"/>
-              </a:ext>
-            </a:extLst>
-          </p:cNvPr>
-          <p:cNvGraphicFramePr>
-            <a:graphicFrameLocks noGrp="1"/>
-          </p:cNvGraphicFramePr>
-          <p:nvPr>
-            <p:extLst>
-              <p:ext uri="{D42A27DB-BD31-4B8C-83A1-F6EECF244321}">
-                <p14:modId xmlns:p14="http://schemas.microsoft.com/office/powerpoint/2010/main" val="3482834869"/>
-              </p:ext>
-            </p:extLst>
-          </p:nvPr>
-        </p:nvGraphicFramePr>
-        <p:xfrm>
-          <a:off x="2514600" y="7239000"/>
-          <a:ext cx="609600" cy="497205"/>
-        </p:xfrm>
-        <a:graphic>
-          <a:graphicData uri="http://schemas.openxmlformats.org/drawingml/2006/table">
-            <a:tbl>
-              <a:tblPr>
-                <a:tableStyleId>{5C22544A-7EE6-4342-B048-85BDC9FD1C3A}</a:tableStyleId>
-              </a:tblPr>
-              <a:tblGrid>
-                <a:gridCol w="609600">
-                  <a:extLst>
-                    <a:ext uri="{9D8B030D-6E8A-4147-A177-3AD203B41FA5}">
-                      <a16:colId xmlns:a16="http://schemas.microsoft.com/office/drawing/2014/main" val="1835503658"/>
-                    </a:ext>
-                  </a:extLst>
-                </a:gridCol>
-              </a:tblGrid>
-              <a:tr h="457200">
-                <a:tc>
-                  <a:txBody>
-                    <a:bodyPr/>
-                    <a:lstStyle/>
-                    <a:p>
-                      <a:pPr algn="ctr" fontAlgn="b"/>
-                      <a:r>
-                        <a:rPr lang="en-US" altLang="ko-KR" sz="800" u="none" strike="noStrike" dirty="0">
-                          <a:effectLst/>
-                          <a:latin typeface="Adobe Clean" panose="020B0503020404020204" pitchFamily="34" charset="0"/>
-                        </a:rPr>
-                        <a:t>Adobe </a:t>
-                      </a:r>
-                      <a:r>
-                        <a:rPr lang="ko-KR" altLang="en-US" sz="800" u="none" strike="noStrike" dirty="0">
-                          <a:effectLst/>
-                          <a:latin typeface="Adobe Clean" panose="020B0503020404020204" pitchFamily="34" charset="0"/>
-                        </a:rPr>
-                        <a:t>엔지니어링으로의 직접 링크</a:t>
-                      </a:r>
-                      <a:endParaRPr lang="ko-KR" altLang="en-US" sz="800" b="0" i="0" u="none" strike="noStrike" dirty="0">
-                        <a:solidFill>
-                          <a:srgbClr val="000000"/>
-                        </a:solidFill>
-                        <a:effectLst/>
-                        <a:latin typeface="Adobe Clean" panose="020B0503020404020204" pitchFamily="34" charset="0"/>
-                      </a:endParaRPr>
-                    </a:p>
-                  </a:txBody>
-                  <a:tcPr marL="9525" marR="9525" marT="9525" marB="0">
-                    <a:solidFill>
-                      <a:schemeClr val="bg1"/>
-                    </a:solidFill>
-                  </a:tcPr>
-                </a:tc>
-                <a:extLst>
-                  <a:ext uri="{0D108BD9-81ED-4DB2-BD59-A6C34878D82A}">
-                    <a16:rowId xmlns:a16="http://schemas.microsoft.com/office/drawing/2014/main" val="2771767287"/>
-                  </a:ext>
-                </a:extLst>
-              </a:tr>
-            </a:tbl>
-          </a:graphicData>
-        </a:graphic>
-      </p:graphicFrame>
-      <p:graphicFrame>
-        <p:nvGraphicFramePr>
-          <p:cNvPr id="59" name="Table 58">
-            <a:extLst>
-              <a:ext uri="{FF2B5EF4-FFF2-40B4-BE49-F238E27FC236}">
-                <a16:creationId xmlns:a16="http://schemas.microsoft.com/office/drawing/2014/main" id="{50430D1B-F3F6-AA46-8703-3A9C68EB58F0}"/>
-              </a:ext>
-            </a:extLst>
-          </p:cNvPr>
-          <p:cNvGraphicFramePr>
-            <a:graphicFrameLocks noGrp="1"/>
-          </p:cNvGraphicFramePr>
-          <p:nvPr>
-            <p:extLst>
-              <p:ext uri="{D42A27DB-BD31-4B8C-83A1-F6EECF244321}">
-                <p14:modId xmlns:p14="http://schemas.microsoft.com/office/powerpoint/2010/main" val="1518929836"/>
-              </p:ext>
-            </p:extLst>
-          </p:nvPr>
-        </p:nvGraphicFramePr>
-        <p:xfrm>
-          <a:off x="2819400" y="8382000"/>
-          <a:ext cx="609600" cy="497205"/>
-        </p:xfrm>
-        <a:graphic>
-          <a:graphicData uri="http://schemas.openxmlformats.org/drawingml/2006/table">
-            <a:tbl>
-              <a:tblPr>
-                <a:tableStyleId>{5C22544A-7EE6-4342-B048-85BDC9FD1C3A}</a:tableStyleId>
-              </a:tblPr>
-              <a:tblGrid>
-                <a:gridCol w="609600">
-                  <a:extLst>
-                    <a:ext uri="{9D8B030D-6E8A-4147-A177-3AD203B41FA5}">
-                      <a16:colId xmlns:a16="http://schemas.microsoft.com/office/drawing/2014/main" val="1835503658"/>
-                    </a:ext>
-                  </a:extLst>
-                </a:gridCol>
-              </a:tblGrid>
-              <a:tr h="457200">
-                <a:tc>
-                  <a:txBody>
-                    <a:bodyPr/>
-                    <a:lstStyle/>
-                    <a:p>
-                      <a:pPr algn="ctr" fontAlgn="b"/>
-                      <a:r>
-                        <a:rPr lang="ko-KR" altLang="en-US" sz="800" u="none" strike="noStrike" dirty="0">
-                          <a:effectLst/>
-                          <a:latin typeface="Adobe Clean" panose="020B0503020404020204" pitchFamily="34" charset="0"/>
-                        </a:rPr>
-                        <a:t>실행 후 요약과 권장되는 다음 단계</a:t>
-                      </a:r>
-                      <a:endParaRPr lang="ko-KR" altLang="en-US" sz="800" b="0" i="0" u="none" strike="noStrike" dirty="0">
-                        <a:solidFill>
-                          <a:srgbClr val="000000"/>
-                        </a:solidFill>
-                        <a:effectLst/>
-                        <a:latin typeface="Adobe Clean" panose="020B0503020404020204" pitchFamily="34" charset="0"/>
-                      </a:endParaRPr>
-                    </a:p>
-                  </a:txBody>
-                  <a:tcPr marL="9525" marR="9525" marT="9525" marB="0">
-                    <a:solidFill>
-                      <a:schemeClr val="bg1"/>
-                    </a:solidFill>
-                  </a:tcPr>
-                </a:tc>
-                <a:extLst>
-                  <a:ext uri="{0D108BD9-81ED-4DB2-BD59-A6C34878D82A}">
-                    <a16:rowId xmlns:a16="http://schemas.microsoft.com/office/drawing/2014/main" val="2771767287"/>
-                  </a:ext>
-                </a:extLst>
-              </a:tr>
-            </a:tbl>
-          </a:graphicData>
-        </a:graphic>
-      </p:graphicFrame>
-      <p:graphicFrame>
-        <p:nvGraphicFramePr>
-          <p:cNvPr id="60" name="Table 59">
-            <a:extLst>
-              <a:ext uri="{FF2B5EF4-FFF2-40B4-BE49-F238E27FC236}">
-                <a16:creationId xmlns:a16="http://schemas.microsoft.com/office/drawing/2014/main" id="{BC821DB5-15FE-F747-ACA8-DA12BC5726D9}"/>
-              </a:ext>
-            </a:extLst>
-          </p:cNvPr>
-          <p:cNvGraphicFramePr>
-            <a:graphicFrameLocks noGrp="1"/>
-          </p:cNvGraphicFramePr>
-          <p:nvPr>
-            <p:extLst>
-              <p:ext uri="{D42A27DB-BD31-4B8C-83A1-F6EECF244321}">
-                <p14:modId xmlns:p14="http://schemas.microsoft.com/office/powerpoint/2010/main" val="2544329521"/>
-              </p:ext>
-            </p:extLst>
-          </p:nvPr>
-        </p:nvGraphicFramePr>
-        <p:xfrm>
-          <a:off x="2057400" y="9296400"/>
-          <a:ext cx="609600" cy="457200"/>
-        </p:xfrm>
-        <a:graphic>
-          <a:graphicData uri="http://schemas.openxmlformats.org/drawingml/2006/table">
-            <a:tbl>
-              <a:tblPr>
-                <a:tableStyleId>{5C22544A-7EE6-4342-B048-85BDC9FD1C3A}</a:tableStyleId>
-              </a:tblPr>
-              <a:tblGrid>
-                <a:gridCol w="609600">
-                  <a:extLst>
-                    <a:ext uri="{9D8B030D-6E8A-4147-A177-3AD203B41FA5}">
-                      <a16:colId xmlns:a16="http://schemas.microsoft.com/office/drawing/2014/main" val="1835503658"/>
-                    </a:ext>
-                  </a:extLst>
-                </a:gridCol>
-              </a:tblGrid>
-              <a:tr h="457200">
-                <a:tc>
-                  <a:txBody>
-                    <a:bodyPr/>
-                    <a:lstStyle/>
-                    <a:p>
-                      <a:pPr algn="ctr" fontAlgn="b"/>
-                      <a:r>
-                        <a:rPr lang="ko-KR" altLang="en-US" sz="800" u="none" strike="noStrike" dirty="0">
-                          <a:effectLst/>
-                          <a:latin typeface="Adobe Clean" panose="020B0503020404020204" pitchFamily="34" charset="0"/>
-                        </a:rPr>
-                        <a:t>실제 운영 준비 </a:t>
-                      </a:r>
-                      <a:r>
-                        <a:rPr lang="en-US" altLang="ko-KR" sz="800" u="none" strike="noStrike" dirty="0">
-                          <a:effectLst/>
-                          <a:latin typeface="Adobe Clean" panose="020B0503020404020204" pitchFamily="34" charset="0"/>
-                        </a:rPr>
-                        <a:t>+ </a:t>
-                      </a:r>
-                      <a:r>
-                        <a:rPr lang="ko-KR" altLang="en-US" sz="800" u="none" strike="noStrike" dirty="0">
-                          <a:effectLst/>
-                          <a:latin typeface="Adobe Clean" panose="020B0503020404020204" pitchFamily="34" charset="0"/>
-                        </a:rPr>
-                        <a:t>성능 최적화</a:t>
-                      </a:r>
-                      <a:endParaRPr lang="ko-KR" altLang="en-US" sz="800" b="0" i="0" u="none" strike="noStrike" dirty="0">
-                        <a:solidFill>
-                          <a:srgbClr val="000000"/>
-                        </a:solidFill>
-                        <a:effectLst/>
-                        <a:latin typeface="Adobe Clean" panose="020B0503020404020204" pitchFamily="34" charset="0"/>
-                      </a:endParaRPr>
-                    </a:p>
-                  </a:txBody>
-                  <a:tcPr marL="9525" marR="9525" marT="9525" marB="0">
-                    <a:solidFill>
-                      <a:schemeClr val="bg1"/>
-                    </a:solidFill>
-                  </a:tcPr>
-                </a:tc>
-                <a:extLst>
-                  <a:ext uri="{0D108BD9-81ED-4DB2-BD59-A6C34878D82A}">
-                    <a16:rowId xmlns:a16="http://schemas.microsoft.com/office/drawing/2014/main" val="2771767287"/>
-                  </a:ext>
-                </a:extLst>
-              </a:tr>
-            </a:tbl>
-          </a:graphicData>
-        </a:graphic>
-      </p:graphicFrame>
-      <p:graphicFrame>
-        <p:nvGraphicFramePr>
-          <p:cNvPr id="61" name="Table 60">
-            <a:extLst>
-              <a:ext uri="{FF2B5EF4-FFF2-40B4-BE49-F238E27FC236}">
-                <a16:creationId xmlns:a16="http://schemas.microsoft.com/office/drawing/2014/main" id="{DAB123D1-F3CE-6740-A875-8F89D28FD36B}"/>
-              </a:ext>
-            </a:extLst>
-          </p:cNvPr>
-          <p:cNvGraphicFramePr>
-            <a:graphicFrameLocks noGrp="1"/>
-          </p:cNvGraphicFramePr>
-          <p:nvPr>
-            <p:extLst>
-              <p:ext uri="{D42A27DB-BD31-4B8C-83A1-F6EECF244321}">
-                <p14:modId xmlns:p14="http://schemas.microsoft.com/office/powerpoint/2010/main" val="3235221357"/>
-              </p:ext>
-            </p:extLst>
-          </p:nvPr>
-        </p:nvGraphicFramePr>
-        <p:xfrm>
-          <a:off x="990600" y="9296400"/>
-          <a:ext cx="609600" cy="457200"/>
-        </p:xfrm>
-        <a:graphic>
-          <a:graphicData uri="http://schemas.openxmlformats.org/drawingml/2006/table">
-            <a:tbl>
-              <a:tblPr>
-                <a:tableStyleId>{5C22544A-7EE6-4342-B048-85BDC9FD1C3A}</a:tableStyleId>
-              </a:tblPr>
-              <a:tblGrid>
-                <a:gridCol w="609600">
-                  <a:extLst>
-                    <a:ext uri="{9D8B030D-6E8A-4147-A177-3AD203B41FA5}">
-                      <a16:colId xmlns:a16="http://schemas.microsoft.com/office/drawing/2014/main" val="1835503658"/>
-                    </a:ext>
-                  </a:extLst>
-                </a:gridCol>
-              </a:tblGrid>
-              <a:tr h="457200">
-                <a:tc>
-                  <a:txBody>
-                    <a:bodyPr/>
-                    <a:lstStyle/>
-                    <a:p>
-                      <a:pPr algn="ctr" fontAlgn="b"/>
-                      <a:r>
-                        <a:rPr lang="ko-KR" altLang="en-US" sz="800" u="none" strike="noStrike" dirty="0">
-                          <a:effectLst/>
-                          <a:latin typeface="Adobe Clean" panose="020B0503020404020204" pitchFamily="34" charset="0"/>
-                        </a:rPr>
-                        <a:t>아키텍처 검토 </a:t>
-                      </a:r>
-                      <a:r>
-                        <a:rPr lang="en-US" altLang="ko-KR" sz="800" u="none" strike="noStrike" dirty="0">
-                          <a:effectLst/>
-                          <a:latin typeface="Adobe Clean" panose="020B0503020404020204" pitchFamily="34" charset="0"/>
-                        </a:rPr>
-                        <a:t>+ </a:t>
-                      </a:r>
-                      <a:r>
-                        <a:rPr lang="ko-KR" altLang="en-US" sz="800" u="none" strike="noStrike" dirty="0">
-                          <a:effectLst/>
-                          <a:latin typeface="Adobe Clean" panose="020B0503020404020204" pitchFamily="34" charset="0"/>
-                        </a:rPr>
-                        <a:t>가이드</a:t>
-                      </a:r>
-                      <a:endParaRPr lang="ko-KR" altLang="en-US" sz="800" b="0" i="0" u="none" strike="noStrike" dirty="0">
-                        <a:solidFill>
-                          <a:srgbClr val="000000"/>
-                        </a:solidFill>
-                        <a:effectLst/>
-                        <a:latin typeface="Adobe Clean" panose="020B0503020404020204" pitchFamily="34" charset="0"/>
-                      </a:endParaRPr>
-                    </a:p>
-                  </a:txBody>
-                  <a:tcPr marL="9525" marR="9525" marT="9525" marB="0">
-                    <a:solidFill>
-                      <a:schemeClr val="bg1"/>
-                    </a:solidFill>
-                  </a:tcPr>
-                </a:tc>
-                <a:extLst>
-                  <a:ext uri="{0D108BD9-81ED-4DB2-BD59-A6C34878D82A}">
-                    <a16:rowId xmlns:a16="http://schemas.microsoft.com/office/drawing/2014/main" val="2771767287"/>
-                  </a:ext>
-                </a:extLst>
-              </a:tr>
-            </a:tbl>
-          </a:graphicData>
-        </a:graphic>
-      </p:graphicFrame>
-      <p:graphicFrame>
-        <p:nvGraphicFramePr>
-          <p:cNvPr id="62" name="Table 61">
-            <a:extLst>
-              <a:ext uri="{FF2B5EF4-FFF2-40B4-BE49-F238E27FC236}">
-                <a16:creationId xmlns:a16="http://schemas.microsoft.com/office/drawing/2014/main" id="{008AB672-85A3-BA4C-84B5-23804D5F4380}"/>
-              </a:ext>
-            </a:extLst>
-          </p:cNvPr>
-          <p:cNvGraphicFramePr>
-            <a:graphicFrameLocks noGrp="1"/>
-          </p:cNvGraphicFramePr>
-          <p:nvPr>
-            <p:extLst>
-              <p:ext uri="{D42A27DB-BD31-4B8C-83A1-F6EECF244321}">
-                <p14:modId xmlns:p14="http://schemas.microsoft.com/office/powerpoint/2010/main" val="1948434926"/>
-              </p:ext>
-            </p:extLst>
-          </p:nvPr>
-        </p:nvGraphicFramePr>
-        <p:xfrm>
-          <a:off x="304800" y="8382000"/>
-          <a:ext cx="609600" cy="457200"/>
-        </p:xfrm>
-        <a:graphic>
-          <a:graphicData uri="http://schemas.openxmlformats.org/drawingml/2006/table">
-            <a:tbl>
-              <a:tblPr>
-                <a:tableStyleId>{5C22544A-7EE6-4342-B048-85BDC9FD1C3A}</a:tableStyleId>
-              </a:tblPr>
-              <a:tblGrid>
-                <a:gridCol w="609600">
-                  <a:extLst>
-                    <a:ext uri="{9D8B030D-6E8A-4147-A177-3AD203B41FA5}">
-                      <a16:colId xmlns:a16="http://schemas.microsoft.com/office/drawing/2014/main" val="1835503658"/>
-                    </a:ext>
-                  </a:extLst>
-                </a:gridCol>
-              </a:tblGrid>
-              <a:tr h="457200">
-                <a:tc>
-                  <a:txBody>
-                    <a:bodyPr/>
-                    <a:lstStyle/>
-                    <a:p>
-                      <a:pPr algn="ctr" fontAlgn="b"/>
-                      <a:r>
-                        <a:rPr lang="ko-KR" altLang="en-US" sz="800" u="none" strike="noStrike" dirty="0">
-                          <a:effectLst/>
-                          <a:latin typeface="Adobe Clean" panose="020B0503020404020204" pitchFamily="34" charset="0"/>
-                        </a:rPr>
-                        <a:t>프로젝트 </a:t>
-                      </a:r>
-                      <a:r>
-                        <a:rPr lang="ko-KR" altLang="en-US" sz="800" u="none" strike="noStrike" dirty="0" err="1">
-                          <a:effectLst/>
-                          <a:latin typeface="Adobe Clean" panose="020B0503020404020204" pitchFamily="34" charset="0"/>
-                        </a:rPr>
-                        <a:t>로드맵</a:t>
-                      </a:r>
-                      <a:r>
-                        <a:rPr lang="ko-KR" altLang="en-US" sz="800" u="none" strike="noStrike" dirty="0">
-                          <a:effectLst/>
-                          <a:latin typeface="Adobe Clean" panose="020B0503020404020204" pitchFamily="34" charset="0"/>
-                        </a:rPr>
-                        <a:t> </a:t>
-                      </a:r>
-                      <a:r>
-                        <a:rPr lang="en-US" altLang="ko-KR" sz="800" u="none" strike="noStrike" dirty="0">
-                          <a:effectLst/>
-                          <a:latin typeface="Adobe Clean" panose="020B0503020404020204" pitchFamily="34" charset="0"/>
-                        </a:rPr>
-                        <a:t>+ </a:t>
-                      </a:r>
-                      <a:r>
-                        <a:rPr lang="ko-KR" altLang="en-US" sz="800" u="none" strike="noStrike" dirty="0">
-                          <a:effectLst/>
-                          <a:latin typeface="Adobe Clean" panose="020B0503020404020204" pitchFamily="34" charset="0"/>
-                        </a:rPr>
-                        <a:t>계획 수립</a:t>
-                      </a:r>
-                      <a:endParaRPr lang="ko-KR" altLang="en-US" sz="800" b="0" i="0" u="none" strike="noStrike" dirty="0">
-                        <a:solidFill>
-                          <a:srgbClr val="000000"/>
-                        </a:solidFill>
-                        <a:effectLst/>
-                        <a:latin typeface="Adobe Clean" panose="020B0503020404020204" pitchFamily="34" charset="0"/>
-                      </a:endParaRPr>
-                    </a:p>
-                  </a:txBody>
-                  <a:tcPr marL="9525" marR="9525" marT="9525" marB="0">
-                    <a:solidFill>
-                      <a:schemeClr val="bg1"/>
-                    </a:solidFill>
-                  </a:tcPr>
-                </a:tc>
-                <a:extLst>
-                  <a:ext uri="{0D108BD9-81ED-4DB2-BD59-A6C34878D82A}">
-                    <a16:rowId xmlns:a16="http://schemas.microsoft.com/office/drawing/2014/main" val="2771767287"/>
-                  </a:ext>
-                </a:extLst>
-              </a:tr>
-            </a:tbl>
-          </a:graphicData>
-        </a:graphic>
-      </p:graphicFrame>
-      <p:graphicFrame>
-        <p:nvGraphicFramePr>
-          <p:cNvPr id="69" name="Table 68">
-            <a:extLst>
-              <a:ext uri="{FF2B5EF4-FFF2-40B4-BE49-F238E27FC236}">
-                <a16:creationId xmlns:a16="http://schemas.microsoft.com/office/drawing/2014/main" id="{6870FE33-279D-CC49-BD44-B255BAC35152}"/>
-              </a:ext>
-            </a:extLst>
-          </p:cNvPr>
-          <p:cNvGraphicFramePr>
-            <a:graphicFrameLocks noGrp="1"/>
-          </p:cNvGraphicFramePr>
-          <p:nvPr>
-            <p:extLst>
-              <p:ext uri="{D42A27DB-BD31-4B8C-83A1-F6EECF244321}">
-                <p14:modId xmlns:p14="http://schemas.microsoft.com/office/powerpoint/2010/main" val="2416758960"/>
-              </p:ext>
-            </p:extLst>
-          </p:nvPr>
-        </p:nvGraphicFramePr>
-        <p:xfrm>
-          <a:off x="609600" y="7239000"/>
-          <a:ext cx="609600" cy="457200"/>
-        </p:xfrm>
-        <a:graphic>
-          <a:graphicData uri="http://schemas.openxmlformats.org/drawingml/2006/table">
-            <a:tbl>
-              <a:tblPr>
-                <a:tableStyleId>{5C22544A-7EE6-4342-B048-85BDC9FD1C3A}</a:tableStyleId>
-              </a:tblPr>
-              <a:tblGrid>
-                <a:gridCol w="609600">
-                  <a:extLst>
-                    <a:ext uri="{9D8B030D-6E8A-4147-A177-3AD203B41FA5}">
-                      <a16:colId xmlns:a16="http://schemas.microsoft.com/office/drawing/2014/main" val="1835503658"/>
-                    </a:ext>
-                  </a:extLst>
-                </a:gridCol>
-              </a:tblGrid>
-              <a:tr h="457200">
-                <a:tc>
-                  <a:txBody>
-                    <a:bodyPr/>
-                    <a:lstStyle/>
-                    <a:p>
-                      <a:pPr algn="ctr" fontAlgn="b"/>
-                      <a:r>
-                        <a:rPr lang="ko-KR" altLang="en-US" sz="800" u="none" strike="noStrike" dirty="0">
-                          <a:effectLst/>
-                          <a:latin typeface="Adobe Clean" panose="020B0503020404020204" pitchFamily="34" charset="0"/>
-                        </a:rPr>
-                        <a:t>수천 번의 배포를 통한 경험 </a:t>
-                      </a:r>
-                      <a:r>
-                        <a:rPr lang="en-US" altLang="ko-KR" sz="800" u="none" strike="noStrike" dirty="0">
-                          <a:effectLst/>
-                          <a:latin typeface="Adobe Clean" panose="020B0503020404020204" pitchFamily="34" charset="0"/>
-                        </a:rPr>
-                        <a:t>+ </a:t>
-                      </a:r>
-                      <a:r>
-                        <a:rPr lang="ko-KR" altLang="en-US" sz="800" u="none" strike="noStrike" dirty="0">
-                          <a:effectLst/>
-                          <a:latin typeface="Adobe Clean" panose="020B0503020404020204" pitchFamily="34" charset="0"/>
-                        </a:rPr>
-                        <a:t>통합</a:t>
-                      </a:r>
-                      <a:endParaRPr lang="ko-KR" altLang="en-US" sz="800" b="0" i="0" u="none" strike="noStrike" dirty="0">
-                        <a:solidFill>
-                          <a:srgbClr val="000000"/>
-                        </a:solidFill>
-                        <a:effectLst/>
-                        <a:latin typeface="Adobe Clean" panose="020B0503020404020204" pitchFamily="34" charset="0"/>
-                      </a:endParaRPr>
-                    </a:p>
-                  </a:txBody>
-                  <a:tcPr marL="9525" marR="9525" marT="9525" marB="0">
-                    <a:solidFill>
-                      <a:schemeClr val="bg1"/>
-                    </a:solidFill>
-                  </a:tcPr>
-                </a:tc>
-                <a:extLst>
-                  <a:ext uri="{0D108BD9-81ED-4DB2-BD59-A6C34878D82A}">
-                    <a16:rowId xmlns:a16="http://schemas.microsoft.com/office/drawing/2014/main" val="2771767287"/>
-                  </a:ext>
-                </a:extLst>
-              </a:tr>
-            </a:tbl>
-          </a:graphicData>
-        </a:graphic>
-      </p:graphicFrame>
     </p:spTree>
     <p:extLst>
       <p:ext uri="{BB962C8B-B14F-4D97-AF65-F5344CB8AC3E}">
@@ -14587,17 +15352,17 @@
               </a:lnSpc>
             </a:pPr>
             <a:r>
-              <a:rPr lang="de-de" sz="500" spc="-5" dirty="0">
+              <a:rPr sz="500" spc="-5">
                 <a:solidFill>
                   <a:srgbClr val="6C6C6C"/>
                 </a:solidFill>
                 <a:latin typeface="Adobe Clean"/>
                 <a:cs typeface="Adobe Clean"/>
               </a:rPr>
-              <a:t>© 2020 Adobe.  All Rights Reserved. </a:t>
-            </a:r>
-            <a:r>
-              <a:rPr lang="de-de" sz="500" dirty="0">
+              <a:t>©2020 Adobe. All Rights Reserved. </a:t>
+            </a:r>
+            <a:r>
+              <a:rPr sz="500">
                 <a:solidFill>
                   <a:srgbClr val="6C6C6C"/>
                 </a:solidFill>
@@ -14607,7 +15372,7 @@
               <a:t>Adobe</a:t>
             </a:r>
             <a:r>
-              <a:rPr lang="de-de" sz="500" spc="5" dirty="0">
+              <a:rPr sz="500" spc="5">
                 <a:solidFill>
                   <a:srgbClr val="6C6C6C"/>
                 </a:solidFill>
@@ -14617,14 +15382,14 @@
               <a:t> </a:t>
             </a:r>
             <a:r>
-              <a:rPr lang="de-de" sz="500" spc="-5" dirty="0">
+              <a:rPr sz="500" spc="-5">
                 <a:solidFill>
                   <a:srgbClr val="6C6C6C"/>
                 </a:solidFill>
                 <a:latin typeface="Adobe Clean"/>
                 <a:cs typeface="Adobe Clean"/>
               </a:rPr>
-              <a:t>기밀.</a:t>
+              <a:t>Confidential.</a:t>
             </a:r>
             <a:endParaRPr sz="500">
               <a:latin typeface="Adobe Clean"/>
@@ -14655,17 +15420,17 @@
               </a:spcBef>
             </a:pPr>
             <a:r>
-              <a:rPr lang="de-de" sz="800" spc="-5" dirty="0">
+              <a:rPr sz="800" spc="-5">
                 <a:solidFill>
                   <a:srgbClr val="6D6D6D"/>
                 </a:solidFill>
                 <a:latin typeface="Adobe Clean"/>
                 <a:cs typeface="Adobe Clean"/>
               </a:rPr>
-              <a:t>© 2020 Adobe.  All Rights Reserved. Adobe</a:t>
-            </a:r>
-            <a:r>
-              <a:rPr lang="de-de" sz="800" spc="75" dirty="0">
+              <a:t>©2020 Adobe. All Rights Reserved. Adobe</a:t>
+            </a:r>
+            <a:r>
+              <a:rPr sz="800" spc="75">
                 <a:solidFill>
                   <a:srgbClr val="6D6D6D"/>
                 </a:solidFill>
@@ -14675,14 +15440,14 @@
               <a:t> </a:t>
             </a:r>
             <a:r>
-              <a:rPr lang="de-de" sz="800" spc="-5" dirty="0">
+              <a:rPr sz="800" spc="-5">
                 <a:solidFill>
                   <a:srgbClr val="6D6D6D"/>
                 </a:solidFill>
                 <a:latin typeface="Adobe Clean"/>
                 <a:cs typeface="Adobe Clean"/>
               </a:rPr>
-              <a:t>기밀.</a:t>
+              <a:t>Confidential.</a:t>
             </a:r>
             <a:endParaRPr sz="800">
               <a:latin typeface="Adobe Clean"/>
@@ -14771,16 +15536,16 @@
               </a:spcBef>
             </a:pPr>
             <a:r>
-              <a:rPr lang="de-de" sz="1400" b="1" spc="-15" dirty="0">
+              <a:rPr lang="en-US" sz="1400" b="1" spc="-15">
                 <a:solidFill>
                   <a:srgbClr val="020302"/>
                 </a:solidFill>
                 <a:latin typeface="Adobe Clean"/>
                 <a:cs typeface="Adobe Clean"/>
               </a:rPr>
-              <a:t>리소스</a:t>
-            </a:r>
-            <a:endParaRPr sz="1400" dirty="0">
+              <a:t>Resources</a:t>
+            </a:r>
+            <a:endParaRPr sz="1400">
               <a:latin typeface="Adobe Clean"/>
               <a:cs typeface="Adobe Clean"/>
             </a:endParaRPr>
@@ -14817,7 +15582,7 @@
               </a:spcBef>
             </a:pPr>
             <a:r>
-              <a:rPr lang="de-de" sz="800" spc="-15" dirty="0">
+              <a:rPr sz="800" spc="-15">
                 <a:solidFill>
                   <a:srgbClr val="777879"/>
                 </a:solidFill>
@@ -14838,7 +15603,7 @@
               </a:lnSpc>
             </a:pPr>
             <a:r>
-              <a:rPr lang="de-de" sz="800" spc="-15" dirty="0">
+              <a:rPr sz="800" spc="-15">
                 <a:solidFill>
                   <a:srgbClr val="777879"/>
                 </a:solidFill>
@@ -14848,7 +15613,7 @@
               <a:t>345 Park</a:t>
             </a:r>
             <a:r>
-              <a:rPr lang="de-de" sz="800" spc="-100" dirty="0">
+              <a:rPr sz="800" spc="-100">
                 <a:solidFill>
                   <a:srgbClr val="777879"/>
                 </a:solidFill>
@@ -14858,7 +15623,7 @@
               <a:t> </a:t>
             </a:r>
             <a:r>
-              <a:rPr lang="de-de" sz="800" spc="-15" dirty="0">
+              <a:rPr sz="800" spc="-15">
                 <a:solidFill>
                   <a:srgbClr val="777879"/>
                 </a:solidFill>
@@ -14879,7 +15644,7 @@
               </a:lnSpc>
             </a:pPr>
             <a:r>
-              <a:rPr lang="de-de" sz="800" spc="-10" dirty="0">
+              <a:rPr sz="800" spc="-10">
                 <a:solidFill>
                   <a:srgbClr val="777879"/>
                 </a:solidFill>
@@ -14889,7 +15654,7 @@
               <a:t>San </a:t>
             </a:r>
             <a:r>
-              <a:rPr lang="de-de" sz="800" spc="-15" dirty="0">
+              <a:rPr sz="800" spc="-15">
                 <a:solidFill>
                   <a:srgbClr val="777879"/>
                 </a:solidFill>
@@ -14899,7 +15664,7 @@
               <a:t>Jose,</a:t>
             </a:r>
             <a:r>
-              <a:rPr lang="de-de" sz="800" spc="-140" dirty="0">
+              <a:rPr sz="800" spc="-140">
                 <a:solidFill>
                   <a:srgbClr val="777879"/>
                 </a:solidFill>
@@ -14909,7 +15674,7 @@
               <a:t> </a:t>
             </a:r>
             <a:r>
-              <a:rPr lang="de-de" sz="800" spc="-20" dirty="0">
+              <a:rPr sz="800" spc="-20">
                 <a:solidFill>
                   <a:srgbClr val="777879"/>
                 </a:solidFill>
@@ -14933,7 +15698,7 @@
               </a:spcBef>
             </a:pPr>
             <a:r>
-              <a:rPr lang="de-de" sz="800" spc="-10" dirty="0">
+              <a:rPr sz="800" spc="-10">
                 <a:solidFill>
                   <a:srgbClr val="777879"/>
                 </a:solidFill>
@@ -14957,7 +15722,7 @@
               </a:spcBef>
             </a:pPr>
             <a:r>
-              <a:rPr lang="de-de" sz="800" u="sng" spc="-25" dirty="0">
+              <a:rPr sz="800" u="sng" spc="-25">
                 <a:solidFill>
                   <a:srgbClr val="5F5F5F"/>
                 </a:solidFill>
@@ -14970,7 +15735,7 @@
                 <a:cs typeface="Adobe Clean"/>
                 <a:hlinkClick r:id="rId3"/>
               </a:rPr>
-              <a:t>www.adobe.com/kr/</a:t>
+              <a:t>www.adobe.com</a:t>
             </a:r>
             <a:endParaRPr sz="800">
               <a:latin typeface="Adobe Clean"/>
@@ -15150,17 +15915,17 @@
               </a:spcBef>
             </a:pPr>
             <a:r>
-              <a:rPr lang="de-de" sz="1100" i="1" spc="-10" dirty="0">
+              <a:rPr sz="1100" i="1" spc="-10">
                 <a:solidFill>
                   <a:srgbClr val="777879"/>
                 </a:solidFill>
                 <a:latin typeface="AdobeClean-LightIt"/>
                 <a:cs typeface="AdobeClean-LightIt"/>
               </a:rPr>
-              <a:t>Adobe</a:t>
-            </a:r>
-            <a:r>
-              <a:rPr lang="de-de" sz="1100" i="1" spc="-50" dirty="0">
+              <a:t>To</a:t>
+            </a:r>
+            <a:r>
+              <a:rPr sz="1100" i="1" spc="-50">
                 <a:solidFill>
                   <a:srgbClr val="777879"/>
                 </a:solidFill>
@@ -15170,17 +15935,17 @@
               <a:t> </a:t>
             </a:r>
             <a:r>
-              <a:rPr lang="de-de" sz="1100" i="1" spc="-15" dirty="0">
+              <a:rPr sz="1100" i="1" spc="-15">
                 <a:solidFill>
                   <a:srgbClr val="777879"/>
                 </a:solidFill>
                 <a:latin typeface="AdobeClean-LightIt"/>
                 <a:cs typeface="AdobeClean-LightIt"/>
               </a:rPr>
-              <a:t>지원</a:t>
-            </a:r>
-            <a:r>
-              <a:rPr lang="de-de" sz="1100" i="1" spc="-40" dirty="0">
+              <a:t>learn</a:t>
+            </a:r>
+            <a:r>
+              <a:rPr sz="1100" i="1" spc="-40">
                 <a:solidFill>
                   <a:srgbClr val="777879"/>
                 </a:solidFill>
@@ -15190,17 +15955,17 @@
               <a:t> </a:t>
             </a:r>
             <a:r>
-              <a:rPr lang="de-de" sz="1100" i="1" spc="-15" dirty="0">
+              <a:rPr sz="1100" i="1" spc="-15">
                 <a:solidFill>
                   <a:srgbClr val="777879"/>
                 </a:solidFill>
                 <a:latin typeface="AdobeClean-LightIt"/>
                 <a:cs typeface="AdobeClean-LightIt"/>
               </a:rPr>
-              <a:t>서비스</a:t>
-            </a:r>
-            <a:r>
-              <a:rPr lang="de-de" sz="1100" i="1" spc="-45" dirty="0">
+              <a:t>more</a:t>
+            </a:r>
+            <a:r>
+              <a:rPr sz="1100" i="1" spc="-45">
                 <a:solidFill>
                   <a:srgbClr val="777879"/>
                 </a:solidFill>
@@ -15210,17 +15975,17 @@
               <a:t> </a:t>
             </a:r>
             <a:r>
-              <a:rPr lang="de-de" sz="1100" i="1" spc="-15" dirty="0">
+              <a:rPr sz="1100" i="1" spc="-15">
                 <a:solidFill>
                   <a:srgbClr val="777879"/>
                 </a:solidFill>
                 <a:latin typeface="AdobeClean-LightIt"/>
                 <a:cs typeface="AdobeClean-LightIt"/>
               </a:rPr>
-              <a:t>제공</a:t>
-            </a:r>
-            <a:r>
-              <a:rPr lang="de-de" sz="1100" i="1" spc="-45" dirty="0">
+              <a:t>about</a:t>
+            </a:r>
+            <a:r>
+              <a:rPr sz="1100" i="1" spc="-45">
                 <a:solidFill>
                   <a:srgbClr val="777879"/>
                 </a:solidFill>
@@ -15230,17 +15995,17 @@
               <a:t> </a:t>
             </a:r>
             <a:r>
-              <a:rPr lang="de-de" sz="1100" i="1" spc="-15" dirty="0">
+              <a:rPr sz="1100" i="1" spc="-15">
                 <a:solidFill>
                   <a:srgbClr val="777879"/>
                 </a:solidFill>
                 <a:latin typeface="AdobeClean-LightIt"/>
                 <a:cs typeface="AdobeClean-LightIt"/>
               </a:rPr>
-              <a:t>사항</a:t>
-            </a:r>
-            <a:r>
-              <a:rPr lang="de-de" sz="1100" i="1" spc="-60" dirty="0">
+              <a:t>Adobe</a:t>
+            </a:r>
+            <a:r>
+              <a:rPr sz="1100" i="1" spc="-60">
                 <a:solidFill>
                   <a:srgbClr val="777879"/>
                 </a:solidFill>
@@ -15250,27 +16015,27 @@
               <a:t> </a:t>
             </a:r>
             <a:r>
-              <a:rPr lang="de-de" sz="1100" i="1" spc="-15" dirty="0">
+              <a:rPr sz="1100" i="1" spc="-15">
                 <a:solidFill>
                   <a:srgbClr val="777879"/>
                 </a:solidFill>
                 <a:latin typeface="AdobeClean-LightIt"/>
                 <a:cs typeface="AdobeClean-LightIt"/>
               </a:rPr>
-              <a:t>및 </a:t>
-            </a:r>
-            <a:r>
-              <a:rPr lang="de-de" sz="1100" i="1" spc="-75" dirty="0">
+              <a:t>Support</a:t>
+            </a:r>
+            <a:r>
+              <a:rPr lang="en-US" sz="1100" i="1" spc="-15">
                 <a:solidFill>
                   <a:srgbClr val="777879"/>
                 </a:solidFill>
                 <a:latin typeface="AdobeClean-LightIt"/>
                 <a:cs typeface="AdobeClean-LightIt"/>
               </a:rPr>
-              <a:t>적합한</a:t>
-            </a:r>
-            <a:r>
-              <a:rPr lang="de-de" sz="1100" i="1" spc="-15" dirty="0">
+              <a:t> Offerings</a:t>
+            </a:r>
+            <a:r>
+              <a:rPr sz="1100" i="1" spc="-75">
                 <a:solidFill>
                   <a:srgbClr val="777879"/>
                 </a:solidFill>
@@ -15280,17 +16045,17 @@
               <a:t> </a:t>
             </a:r>
             <a:r>
-              <a:rPr lang="de-de" sz="1100" i="1" spc="-50" dirty="0">
+              <a:rPr sz="1100" i="1" spc="-15">
                 <a:solidFill>
                   <a:srgbClr val="777879"/>
                 </a:solidFill>
                 <a:latin typeface="AdobeClean-LightIt"/>
                 <a:cs typeface="AdobeClean-LightIt"/>
               </a:rPr>
-              <a:t>지원</a:t>
-            </a:r>
-            <a:r>
-              <a:rPr lang="de-de" sz="1100" i="1" spc="-15" dirty="0">
+              <a:t>and</a:t>
+            </a:r>
+            <a:r>
+              <a:rPr sz="1100" i="1" spc="-50">
                 <a:solidFill>
                   <a:srgbClr val="777879"/>
                 </a:solidFill>
@@ -15300,17 +16065,17 @@
               <a:t> </a:t>
             </a:r>
             <a:r>
-              <a:rPr lang="de-de" sz="1100" i="1" spc="-55" dirty="0">
+              <a:rPr sz="1100" i="1" spc="-15">
                 <a:solidFill>
                   <a:srgbClr val="777879"/>
                 </a:solidFill>
                 <a:latin typeface="AdobeClean-LightIt"/>
                 <a:cs typeface="AdobeClean-LightIt"/>
               </a:rPr>
-              <a:t>수준에</a:t>
-            </a:r>
-            <a:r>
-              <a:rPr lang="de-de" sz="1100" i="1" spc="-15" dirty="0">
+              <a:t>the</a:t>
+            </a:r>
+            <a:r>
+              <a:rPr sz="1100" i="1" spc="-55">
                 <a:solidFill>
                   <a:srgbClr val="777879"/>
                 </a:solidFill>
@@ -15320,17 +16085,17 @@
               <a:t> </a:t>
             </a:r>
             <a:r>
-              <a:rPr lang="de-de" sz="1100" i="1" spc="-95" dirty="0">
+              <a:rPr sz="1100" i="1" spc="-15">
                 <a:solidFill>
                   <a:srgbClr val="777879"/>
                 </a:solidFill>
                 <a:latin typeface="AdobeClean-LightIt"/>
                 <a:cs typeface="AdobeClean-LightIt"/>
               </a:rPr>
-              <a:t>대해</a:t>
-            </a:r>
-            <a:r>
-              <a:rPr lang="de-de" sz="1100" i="1" spc="-15" dirty="0">
+              <a:t>right</a:t>
+            </a:r>
+            <a:r>
+              <a:rPr sz="1100" i="1" spc="-95">
                 <a:solidFill>
                   <a:srgbClr val="777879"/>
                 </a:solidFill>
@@ -15340,17 +16105,17 @@
               <a:t> </a:t>
             </a:r>
             <a:r>
-              <a:rPr lang="de-de" sz="1100" i="1" spc="-55" dirty="0">
+              <a:rPr sz="1100" i="1" spc="-15">
                 <a:solidFill>
                   <a:srgbClr val="777879"/>
                 </a:solidFill>
                 <a:latin typeface="AdobeClean-LightIt"/>
                 <a:cs typeface="AdobeClean-LightIt"/>
               </a:rPr>
-              <a:t>자세히</a:t>
-            </a:r>
-            <a:r>
-              <a:rPr lang="de-de" sz="1100" i="1" spc="-15" dirty="0">
+              <a:t>level</a:t>
+            </a:r>
+            <a:r>
+              <a:rPr sz="1100" i="1" spc="-55">
                 <a:solidFill>
                   <a:srgbClr val="777879"/>
                 </a:solidFill>
@@ -15360,17 +16125,17 @@
               <a:t> </a:t>
             </a:r>
             <a:r>
-              <a:rPr lang="de-de" sz="1100" i="1" spc="-85" dirty="0">
+              <a:rPr sz="1100" i="1" spc="-15">
                 <a:solidFill>
                   <a:srgbClr val="777879"/>
                 </a:solidFill>
                 <a:latin typeface="AdobeClean-LightIt"/>
                 <a:cs typeface="AdobeClean-LightIt"/>
               </a:rPr>
-              <a:t>알아보려면</a:t>
-            </a:r>
-            <a:r>
-              <a:rPr lang="de-de" sz="1100" i="1" spc="-15" dirty="0">
+              <a:t>for</a:t>
+            </a:r>
+            <a:r>
+              <a:rPr sz="1100" i="1" spc="-85">
                 <a:solidFill>
                   <a:srgbClr val="777879"/>
                 </a:solidFill>
@@ -15380,17 +16145,17 @@
               <a:t> </a:t>
             </a:r>
             <a:r>
-              <a:rPr lang="de-de" sz="1100" i="1" spc="-65" dirty="0">
+              <a:rPr sz="1100" i="1" spc="-15">
                 <a:solidFill>
                   <a:srgbClr val="777879"/>
                 </a:solidFill>
                 <a:latin typeface="AdobeClean-LightIt"/>
                 <a:cs typeface="AdobeClean-LightIt"/>
               </a:rPr>
-              <a:t>지정</a:t>
-            </a:r>
-            <a:r>
-              <a:rPr lang="de-de" sz="1100" i="1" spc="-15" dirty="0">
+              <a:t>you,</a:t>
+            </a:r>
+            <a:r>
+              <a:rPr sz="1100" i="1" spc="-65">
                 <a:solidFill>
                   <a:srgbClr val="777879"/>
                 </a:solidFill>
@@ -15400,17 +16165,17 @@
               <a:t> </a:t>
             </a:r>
             <a:r>
-              <a:rPr lang="de-de" sz="1100" i="1" spc="-85" dirty="0">
+              <a:rPr sz="1100" i="1" spc="-15">
                 <a:solidFill>
                   <a:srgbClr val="777879"/>
                 </a:solidFill>
                 <a:latin typeface="AdobeClean-LightIt"/>
                 <a:cs typeface="AdobeClean-LightIt"/>
               </a:rPr>
-              <a:t>계정</a:t>
-            </a:r>
-            <a:r>
-              <a:rPr lang="de-de" sz="1100" i="1" spc="-15" dirty="0">
+              <a:t>contact</a:t>
+            </a:r>
+            <a:r>
+              <a:rPr sz="1100" i="1" spc="-85">
                 <a:solidFill>
                   <a:srgbClr val="777879"/>
                 </a:solidFill>
@@ -15420,17 +16185,17 @@
               <a:t> </a:t>
             </a:r>
             <a:r>
-              <a:rPr lang="de-de" sz="1100" i="1" spc="-70" dirty="0">
+              <a:rPr sz="1100" i="1" spc="-15">
                 <a:solidFill>
                   <a:srgbClr val="777879"/>
                 </a:solidFill>
                 <a:latin typeface="AdobeClean-LightIt"/>
                 <a:cs typeface="AdobeClean-LightIt"/>
               </a:rPr>
-              <a:t>관리자(NAM)</a:t>
-            </a:r>
-            <a:r>
-              <a:rPr lang="de-de" sz="1100" i="1" spc="-15" dirty="0">
+              <a:t>your</a:t>
+            </a:r>
+            <a:r>
+              <a:rPr sz="1100" i="1" spc="-70">
                 <a:solidFill>
                   <a:srgbClr val="777879"/>
                 </a:solidFill>
@@ -15440,17 +16205,17 @@
               <a:t> </a:t>
             </a:r>
             <a:r>
-              <a:rPr lang="de-de" sz="1100" i="1" spc="-55" dirty="0">
+              <a:rPr sz="1100" i="1" spc="-15">
                 <a:solidFill>
                   <a:srgbClr val="777879"/>
                 </a:solidFill>
                 <a:latin typeface="AdobeClean-LightIt"/>
                 <a:cs typeface="AdobeClean-LightIt"/>
               </a:rPr>
-              <a:t>또는</a:t>
-            </a:r>
-            <a:r>
-              <a:rPr lang="de-de" sz="1100" i="1" spc="-25" dirty="0">
+              <a:t>Named</a:t>
+            </a:r>
+            <a:r>
+              <a:rPr sz="1100" i="1" spc="-55">
                 <a:solidFill>
                   <a:srgbClr val="777879"/>
                 </a:solidFill>
@@ -15460,17 +16225,17 @@
               <a:t> </a:t>
             </a:r>
             <a:r>
-              <a:rPr lang="de-de" sz="1100" i="1" spc="-120" dirty="0">
+              <a:rPr sz="1100" i="1" spc="-25">
                 <a:solidFill>
                   <a:srgbClr val="777879"/>
                 </a:solidFill>
                 <a:latin typeface="AdobeClean-LightIt"/>
                 <a:cs typeface="AdobeClean-LightIt"/>
               </a:rPr>
-              <a:t>고객</a:t>
-            </a:r>
-            <a:r>
-              <a:rPr lang="de-de" sz="1100" i="1" spc="-20" dirty="0">
+              <a:t>Account</a:t>
+            </a:r>
+            <a:r>
+              <a:rPr sz="1100" i="1" spc="-120">
                 <a:solidFill>
                   <a:srgbClr val="777879"/>
                 </a:solidFill>
@@ -15480,56 +16245,96 @@
               <a:t> </a:t>
             </a:r>
             <a:r>
-              <a:rPr lang="de-de" sz="1100" i="1" spc="-15" dirty="0">
+              <a:rPr sz="1100" i="1" spc="-20">
                 <a:solidFill>
                   <a:srgbClr val="777879"/>
                 </a:solidFill>
                 <a:latin typeface="AdobeClean-LightIt"/>
                 <a:cs typeface="AdobeClean-LightIt"/>
               </a:rPr>
-              <a:t>성공</a:t>
-            </a:r>
-            <a:r>
-              <a:rPr lang="de-de" sz="1100" i="1" spc="-10" dirty="0">
+              <a:t>Manager  </a:t>
+            </a:r>
+            <a:r>
+              <a:rPr sz="1100" i="1" spc="-15">
                 <a:solidFill>
                   <a:srgbClr val="777879"/>
                 </a:solidFill>
                 <a:latin typeface="AdobeClean-LightIt"/>
                 <a:cs typeface="AdobeClean-LightIt"/>
               </a:rPr>
-              <a:t> </a:t>
-            </a:r>
-            <a:r>
-              <a:rPr lang="de-de" sz="1100" i="1" spc="-15" dirty="0">
+              <a:t>(NAM) </a:t>
+            </a:r>
+            <a:r>
+              <a:rPr sz="1100" i="1" spc="-10">
                 <a:solidFill>
                   <a:srgbClr val="777879"/>
                 </a:solidFill>
                 <a:latin typeface="AdobeClean-LightIt"/>
                 <a:cs typeface="AdobeClean-LightIt"/>
               </a:rPr>
-              <a:t>관리자(CSM)에게</a:t>
-            </a:r>
-            <a:r>
-              <a:rPr lang="de-de" sz="1100" i="1" spc="-20" dirty="0">
+              <a:t>or </a:t>
+            </a:r>
+            <a:r>
+              <a:rPr sz="1100" i="1" spc="-15">
                 <a:solidFill>
                   <a:srgbClr val="777879"/>
                 </a:solidFill>
                 <a:latin typeface="AdobeClean-LightIt"/>
                 <a:cs typeface="AdobeClean-LightIt"/>
               </a:rPr>
-              <a:t> </a:t>
-            </a:r>
-            <a:r>
-              <a:rPr lang="de-de" sz="1100" i="1" spc="-180" dirty="0">
+              <a:t>Customer </a:t>
+            </a:r>
+            <a:r>
+              <a:rPr sz="1100" i="1" spc="-20">
                 <a:solidFill>
                   <a:srgbClr val="777879"/>
                 </a:solidFill>
                 <a:latin typeface="AdobeClean-LightIt"/>
                 <a:cs typeface="AdobeClean-LightIt"/>
               </a:rPr>
-              <a:t>문의하십시오.</a:t>
-            </a:r>
-            <a:endParaRPr sz="1100" dirty="0">
+              <a:t>Success</a:t>
+            </a:r>
+            <a:r>
+              <a:rPr sz="1100" i="1" spc="-180">
+                <a:solidFill>
+                  <a:srgbClr val="777879"/>
+                </a:solidFill>
+                <a:latin typeface="AdobeClean-LightIt"/>
+                <a:cs typeface="AdobeClean-LightIt"/>
+              </a:rPr>
+              <a:t> </a:t>
+            </a:r>
+            <a:r>
+              <a:rPr sz="1100" i="1" spc="-15">
+                <a:solidFill>
+                  <a:srgbClr val="777879"/>
+                </a:solidFill>
+                <a:latin typeface="AdobeClean-LightIt"/>
+                <a:cs typeface="AdobeClean-LightIt"/>
+              </a:rPr>
+              <a:t>Manager</a:t>
+            </a:r>
+            <a:r>
+              <a:rPr lang="en-US" sz="1100" i="1" spc="-15">
+                <a:solidFill>
+                  <a:srgbClr val="777879"/>
+                </a:solidFill>
+                <a:latin typeface="AdobeClean-LightIt"/>
+                <a:cs typeface="AdobeClean-LightIt"/>
+              </a:rPr>
+              <a:t> </a:t>
+            </a:r>
+            <a:r>
+              <a:rPr sz="1100" i="1" spc="-15">
+                <a:solidFill>
+                  <a:srgbClr val="777879"/>
+                </a:solidFill>
+                <a:latin typeface="AdobeClean-LightIt"/>
+                <a:cs typeface="AdobeClean-LightIt"/>
+              </a:rPr>
+              <a:t>(CSM)</a:t>
+            </a:r>
+            <a:endParaRPr sz="1100">
               <a:latin typeface="AdobeClean-LightIt"/>
               <a:cs typeface="AdobeClean-LightIt"/>
             </a:endParaRPr>
@@ -15544,36 +16349,56 @@
               </a:spcBef>
             </a:pPr>
             <a:r>
-              <a:rPr lang="de-de" sz="800" spc="-5" dirty="0">
+              <a:rPr sz="800" spc="-5">
                 <a:solidFill>
                   <a:srgbClr val="6D6D6D"/>
                 </a:solidFill>
                 <a:latin typeface="Adobe Clean"/>
                 <a:cs typeface="Adobe Clean"/>
               </a:rPr>
-              <a:t>©2021 Adobe. All Rights Reserved. Adobe</a:t>
-            </a:r>
-            <a:r>
-              <a:rPr lang="de-de" sz="800" spc="75" dirty="0">
+              <a:t>©202</a:t>
+            </a:r>
+            <a:r>
+              <a:rPr lang="en-US" sz="800" spc="-5">
                 <a:solidFill>
                   <a:srgbClr val="6D6D6D"/>
                 </a:solidFill>
                 <a:latin typeface="Adobe Clean"/>
                 <a:cs typeface="Adobe Clean"/>
               </a:rPr>
+              <a:t>1</a:t>
+            </a:r>
+            <a:r>
+              <a:rPr sz="800" spc="-5">
+                <a:solidFill>
+                  <a:srgbClr val="6D6D6D"/>
+                </a:solidFill>
+                <a:latin typeface="Adobe Clean"/>
+                <a:cs typeface="Adobe Clean"/>
+              </a:rPr>
+              <a:t> Adobe. All Rights Reserved. Adobe</a:t>
+            </a:r>
+            <a:r>
+              <a:rPr sz="800" spc="75">
+                <a:solidFill>
+                  <a:srgbClr val="6D6D6D"/>
+                </a:solidFill>
+                <a:latin typeface="Adobe Clean"/>
+                <a:cs typeface="Adobe Clean"/>
+              </a:rPr>
               <a:t> </a:t>
             </a:r>
             <a:r>
-              <a:rPr lang="de-de" sz="800" spc="-5" dirty="0">
+              <a:rPr sz="800" spc="-5">
                 <a:solidFill>
                   <a:srgbClr val="6D6D6D"/>
                 </a:solidFill>
                 <a:latin typeface="Adobe Clean"/>
                 <a:cs typeface="Adobe Clean"/>
               </a:rPr>
-              <a:t>기밀.</a:t>
-            </a:r>
-            <a:endParaRPr sz="800" dirty="0">
+              <a:t>Confidential.</a:t>
+            </a:r>
+            <a:endParaRPr sz="800">
               <a:latin typeface="Adobe Clean"/>
               <a:cs typeface="Adobe Clean"/>
             </a:endParaRPr>
@@ -15594,163 +16419,55 @@
         </p:nvSpPr>
         <p:spPr>
           <a:xfrm>
-            <a:off x="171129" y="5057379"/>
-            <a:ext cx="6476646" cy="755976"/>
+            <a:off x="184181" y="4900727"/>
+            <a:ext cx="7396804" cy="769030"/>
           </a:xfrm>
           <a:prstGeom prst="rect">
             <a:avLst/>
           </a:prstGeom>
         </p:spPr>
         <p:txBody>
-          <a:bodyPr vert="horz" wrap="square" lIns="0" tIns="116205" rIns="0" bIns="0" rtlCol="0">
+          <a:bodyPr vert="horz" wrap="square" lIns="0" tIns="116205" rIns="0" bIns="0" rtlCol="0" anchor="t">
             <a:spAutoFit/>
           </a:bodyPr>
           <a:lstStyle/>
           <a:p>
-            <a:pPr lvl="0">
+            <a:pPr>
               <a:spcBef>
                 <a:spcPts val="915"/>
               </a:spcBef>
             </a:pPr>
             <a:r>
-              <a:rPr lang="en-US" altLang="ko-KR" sz="1400" b="1" spc="-15" dirty="0">
+              <a:rPr lang="en-US" sz="1400" b="1" spc="-15">
                 <a:solidFill>
                   <a:srgbClr val="020302"/>
                 </a:solidFill>
                 <a:latin typeface="Adobe Clean"/>
                 <a:cs typeface="Adobe Clean"/>
               </a:rPr>
-              <a:t>Adobe </a:t>
-            </a:r>
-            <a:r>
-              <a:rPr lang="ko-KR" altLang="en-US" sz="1400" b="1" spc="-15" dirty="0">
-                <a:solidFill>
-                  <a:srgbClr val="020302"/>
-                </a:solidFill>
-                <a:latin typeface="Adobe Clean"/>
-                <a:cs typeface="Adobe Clean"/>
-              </a:rPr>
-              <a:t>지원의 지역적 범위</a:t>
-            </a:r>
-            <a:r>
-              <a:rPr lang="en-US" altLang="ko-KR" sz="1400" b="1" spc="-15" dirty="0">
-                <a:solidFill>
-                  <a:srgbClr val="020302"/>
-                </a:solidFill>
-                <a:latin typeface="Adobe Clean"/>
-                <a:cs typeface="Adobe Clean"/>
-              </a:rPr>
-              <a:t>, </a:t>
-            </a:r>
-            <a:r>
-              <a:rPr lang="ko-KR" altLang="en-US" sz="1400" b="1" spc="-15" dirty="0">
-                <a:solidFill>
-                  <a:srgbClr val="020302"/>
-                </a:solidFill>
-                <a:latin typeface="Adobe Clean"/>
-                <a:cs typeface="Adobe Clean"/>
-              </a:rPr>
-              <a:t>로컬 운영 시간 및 언어 지원</a:t>
-            </a:r>
-            <a:endParaRPr lang="pl-PL" altLang="ko-KR" sz="1400" b="1" spc="-15" dirty="0">
-              <a:solidFill>
-                <a:srgbClr val="020302"/>
-              </a:solidFill>
-              <a:latin typeface="Adobe Clean"/>
-              <a:cs typeface="Adobe Clean"/>
+              <a:t>Regional scope of Adobe Support, Local Hours Of Operation And Language Support</a:t>
+            </a:r>
+            <a:endParaRPr lang="en-US" sz="1400" spc="-15">
+              <a:ea typeface="+mn-lt"/>
+              <a:cs typeface="+mn-lt"/>
             </a:endParaRPr>
           </a:p>
           <a:p>
-            <a:pPr lvl="0">
+            <a:pPr>
               <a:spcBef>
                 <a:spcPts val="915"/>
               </a:spcBef>
             </a:pPr>
             <a:r>
-              <a:rPr lang="en-US" altLang="ko-KR" sz="1000" spc="-15" dirty="0">
+              <a:rPr lang="en-US" sz="1000" spc="-15">
                 <a:solidFill>
                   <a:srgbClr val="1F1F1F"/>
                 </a:solidFill>
                 <a:latin typeface="AdobeClean-Light"/>
               </a:rPr>
-              <a:t>Adobe </a:t>
-            </a:r>
-            <a:r>
-              <a:rPr lang="ko-KR" altLang="en-US" sz="1000" spc="-15" dirty="0">
-                <a:solidFill>
-                  <a:srgbClr val="1F1F1F"/>
-                </a:solidFill>
-                <a:latin typeface="AdobeClean-Light"/>
-              </a:rPr>
-              <a:t>지원의 지역적 범위는 </a:t>
-            </a:r>
-            <a:r>
-              <a:rPr lang="en-US" altLang="ko-KR" sz="1000" spc="-15" dirty="0">
-                <a:solidFill>
-                  <a:srgbClr val="1F1F1F"/>
-                </a:solidFill>
-                <a:latin typeface="AdobeClean-Light"/>
-              </a:rPr>
-              <a:t>(</a:t>
-            </a:r>
-            <a:r>
-              <a:rPr lang="ko-KR" altLang="en-US" sz="1000" spc="-15" dirty="0">
-                <a:solidFill>
-                  <a:srgbClr val="1F1F1F"/>
-                </a:solidFill>
-                <a:latin typeface="AdobeClean-Light"/>
-              </a:rPr>
-              <a:t>판매 주문서 또는 기타 </a:t>
-            </a:r>
-            <a:r>
-              <a:rPr lang="en-US" altLang="ko-KR" sz="1000" spc="-15" dirty="0">
-                <a:solidFill>
-                  <a:srgbClr val="1F1F1F"/>
-                </a:solidFill>
-                <a:latin typeface="AdobeClean-Light"/>
-              </a:rPr>
-              <a:t>Adobe </a:t>
-            </a:r>
-            <a:r>
-              <a:rPr lang="ko-KR" altLang="en-US" sz="1000" spc="-15" dirty="0">
-                <a:solidFill>
-                  <a:srgbClr val="1F1F1F"/>
-                </a:solidFill>
-                <a:latin typeface="AdobeClean-Light"/>
-              </a:rPr>
-              <a:t>지원 구매 문서를 통해</a:t>
-            </a:r>
-            <a:r>
-              <a:rPr lang="en-US" altLang="ko-KR" sz="1000" spc="-15" dirty="0">
-                <a:solidFill>
-                  <a:srgbClr val="1F1F1F"/>
-                </a:solidFill>
-                <a:latin typeface="AdobeClean-Light"/>
-              </a:rPr>
-              <a:t>) </a:t>
-            </a:r>
-            <a:r>
-              <a:rPr lang="ko-KR" altLang="en-US" sz="1000" spc="-15" dirty="0">
-                <a:solidFill>
-                  <a:srgbClr val="1F1F1F"/>
-                </a:solidFill>
-                <a:latin typeface="AdobeClean-Light"/>
-              </a:rPr>
-              <a:t>고객의 청구 주소를 다음 지역 중 하나에 맞춤으로써 설정됩니다</a:t>
-            </a:r>
-            <a:r>
-              <a:rPr lang="en-US" altLang="ko-KR" sz="1000" spc="-15" dirty="0">
-                <a:solidFill>
-                  <a:srgbClr val="1F1F1F"/>
-                </a:solidFill>
-                <a:latin typeface="AdobeClean-Light"/>
-              </a:rPr>
-              <a:t>.</a:t>
-            </a:r>
-            <a:endParaRPr lang="de-de" sz="1000" spc="-15" dirty="0">
-              <a:solidFill>
-                <a:srgbClr val="1F1F1F"/>
-              </a:solidFill>
+              <a:t>The regional scope of Adobe Support is established by aligning the customer's billing address (via the Sales Order or other Adobe Support purchasing document) to one of the following regions:</a:t>
+            </a:r>
+            <a:endParaRPr lang="en-US" sz="1000">
               <a:latin typeface="AdobeClean-Light"/>
             </a:endParaRPr>
           </a:p>
@@ -15771,14 +16488,14 @@
           <p:nvPr>
             <p:extLst>
               <p:ext uri="{D42A27DB-BD31-4B8C-83A1-F6EECF244321}">
-                <p14:modId xmlns:p14="http://schemas.microsoft.com/office/powerpoint/2010/main" val="131420723"/>
+                <p14:modId xmlns:p14="http://schemas.microsoft.com/office/powerpoint/2010/main" val="3975465108"/>
               </p:ext>
             </p:extLst>
           </p:nvPr>
         </p:nvGraphicFramePr>
         <p:xfrm>
           <a:off x="171128" y="5907213"/>
-          <a:ext cx="7391400" cy="1280160"/>
+          <a:ext cx="7391400" cy="1336040"/>
         </p:xfrm>
         <a:graphic>
           <a:graphicData uri="http://schemas.openxmlformats.org/drawingml/2006/table">
@@ -15824,13 +16541,13 @@
                     <a:p>
                       <a:pPr algn="ctr"/>
                       <a:r>
-                        <a:rPr lang="de-de" sz="1100" dirty="0">
+                        <a:rPr lang="en-US" sz="1100">
                           <a:solidFill>
                             <a:schemeClr val="tx1"/>
                           </a:solidFill>
                           <a:latin typeface="Adobe Clean" panose="020B0503020404020204" pitchFamily="34" charset="0"/>
                         </a:rPr>
-                        <a:t>미주</a:t>
+                        <a:t>Americas</a:t>
                       </a:r>
                     </a:p>
                   </a:txBody>
@@ -15889,13 +16606,13 @@
                     <a:p>
                       <a:pPr algn="ctr"/>
                       <a:r>
-                        <a:rPr lang="de-de" sz="1100" dirty="0">
+                        <a:rPr lang="en-US" sz="1100">
                           <a:solidFill>
                             <a:schemeClr val="tx1"/>
                           </a:solidFill>
                           <a:latin typeface="Adobe Clean" panose="020B0503020404020204" pitchFamily="34" charset="0"/>
                         </a:rPr>
-                        <a:t>유럽, 중동 및 아프리카</a:t>
+                        <a:t>Europe, Middle East &amp; Africa</a:t>
                       </a:r>
                     </a:p>
                   </a:txBody>
@@ -15954,13 +16671,13 @@
                     <a:p>
                       <a:pPr algn="ctr"/>
                       <a:r>
-                        <a:rPr lang="de-de" sz="1100" dirty="0">
+                        <a:rPr lang="en-US" sz="1100">
                           <a:solidFill>
                             <a:schemeClr val="tx1"/>
                           </a:solidFill>
                           <a:latin typeface="Adobe Clean" panose="020B0503020404020204" pitchFamily="34" charset="0"/>
                         </a:rPr>
-                        <a:t>아시아 태평양</a:t>
+                        <a:t>Asia Pacific</a:t>
                       </a:r>
                     </a:p>
                   </a:txBody>
@@ -16019,16 +16736,16 @@
                     <a:p>
                       <a:pPr algn="ctr"/>
                       <a:r>
-                        <a:rPr lang="de-de" sz="1100" dirty="0">
+                        <a:rPr lang="en-US" sz="1100">
                           <a:solidFill>
                             <a:schemeClr val="tx1"/>
                           </a:solidFill>
                           <a:latin typeface="Adobe Clean" panose="020B0503020404020204" pitchFamily="34" charset="0"/>
                         </a:rPr>
-                        <a:t>일본 </a:t>
+                        <a:t>Japan </a:t>
                       </a:r>
                       <a:r>
-                        <a:rPr lang="de-de" sz="1100" baseline="30000" dirty="0">
+                        <a:rPr lang="en-US" sz="1100" baseline="30000">
                           <a:solidFill>
                             <a:schemeClr val="tx1"/>
                           </a:solidFill>
@@ -16036,7 +16753,7 @@
                         </a:rPr>
                         <a:t>1 </a:t>
                       </a:r>
-                      <a:endParaRPr lang="en-US" sz="1100" dirty="0">
+                      <a:endParaRPr lang="en-US" sz="1100">
                         <a:solidFill>
                           <a:schemeClr val="tx1"/>
                         </a:solidFill>
@@ -16106,13 +16823,13 @@
                     <a:p>
                       <a:pPr algn="ctr"/>
                       <a:r>
-                        <a:rPr lang="de-de" sz="1100" dirty="0">
+                        <a:rPr lang="en-US" sz="1100">
                           <a:solidFill>
                             <a:schemeClr val="tx1"/>
                           </a:solidFill>
                           <a:latin typeface="Adobe Clean" panose="020B0503020404020204" pitchFamily="34" charset="0"/>
                         </a:rPr>
-                        <a:t>오전 6시~오후 5시 30분</a:t>
+                        <a:t>6 am – 5:30 pm</a:t>
                       </a:r>
                     </a:p>
                   </a:txBody>
@@ -16171,13 +16888,13 @@
                     <a:p>
                       <a:pPr algn="ctr"/>
                       <a:r>
-                        <a:rPr lang="de-de" sz="1100" dirty="0">
+                        <a:rPr lang="en-US" sz="1100">
                           <a:solidFill>
                             <a:schemeClr val="tx1"/>
                           </a:solidFill>
                           <a:latin typeface="Adobe Clean" panose="020B0503020404020204" pitchFamily="34" charset="0"/>
                         </a:rPr>
-                        <a:t>오전 9시~오후 5시</a:t>
+                        <a:t>9 am – 5 pm</a:t>
                       </a:r>
                     </a:p>
                   </a:txBody>
@@ -16236,13 +16953,13 @@
                     <a:p>
                       <a:pPr algn="ctr"/>
                       <a:r>
-                        <a:rPr lang="de-de" sz="1100" dirty="0">
+                        <a:rPr lang="en-US" sz="1100">
                           <a:solidFill>
                             <a:schemeClr val="tx1"/>
                           </a:solidFill>
                           <a:latin typeface="Adobe Clean" panose="020B0503020404020204" pitchFamily="34" charset="0"/>
                         </a:rPr>
-                        <a:t>오전 9시~오후 5시</a:t>
+                        <a:t>9 am – 5 pm</a:t>
                       </a:r>
                     </a:p>
                   </a:txBody>
@@ -16301,13 +17018,13 @@
                     <a:p>
                       <a:pPr algn="ctr"/>
                       <a:r>
-                        <a:rPr lang="de-de" sz="1100" dirty="0">
+                        <a:rPr lang="en-US" sz="1100">
                           <a:solidFill>
                             <a:schemeClr val="tx1"/>
                           </a:solidFill>
                           <a:latin typeface="Adobe Clean" panose="020B0503020404020204" pitchFamily="34" charset="0"/>
                         </a:rPr>
-                        <a:t>오전 9시~오후 5시 30분</a:t>
+                        <a:t>9 am – 5:30 pm</a:t>
                       </a:r>
                     </a:p>
                   </a:txBody>
@@ -16371,7 +17088,7 @@
                     <a:bodyPr/>
                     <a:lstStyle/>
                     <a:p>
-                      <a:pPr marL="0" marR="0" lvl="0" indent="0" algn="ctr" defTabSz="914400" eaLnBrk="1" fontAlgn="auto" latinLnBrk="0" hangingPunct="1">
+                      <a:pPr marL="0" marR="0" lvl="0" indent="0" algn="ctr" eaLnBrk="1" fontAlgn="auto" latinLnBrk="0" hangingPunct="1">
                         <a:lnSpc>
                           <a:spcPct val="100000"/>
                         </a:lnSpc>
@@ -16385,18 +17102,22 @@
                         <a:buSzTx/>
                         <a:buFontTx/>
                         <a:buNone/>
-                        <a:tabLst/>
-                        <a:defRPr/>
                       </a:pPr>
                       <a:r>
-                        <a:rPr lang="de-de" sz="1100" dirty="0">
+                        <a:rPr lang="en-US" sz="1100">
                           <a:solidFill>
                             <a:schemeClr val="tx1"/>
                           </a:solidFill>
-                          <a:latin typeface="Adobe Clean" panose="020B0503020404020204" pitchFamily="34" charset="0"/>
+                          <a:latin typeface="Adobe Clean"/>
                         </a:rPr>
-                        <a:t>언어 지원은 영어와 일본어로만 제공됩니다. </a:t>
+                        <a:t>Language support is only available in English and Japanese. </a:t>
                       </a:r>
+                      <a:endParaRPr lang="en-US" sz="1100">
+                        <a:solidFill>
+                          <a:schemeClr val="tx1"/>
+                        </a:solidFill>
+                        <a:latin typeface="Adobe Clean" panose="020B0503020404020204" pitchFamily="34" charset="0"/>
+                      </a:endParaRPr>
                     </a:p>
                     <a:p>
                       <a:pPr marL="0" marR="0" lvl="0" indent="0" algn="ctr" defTabSz="914400" eaLnBrk="1" fontAlgn="auto" latinLnBrk="0" hangingPunct="1">
@@ -16416,7 +17137,7 @@
                         <a:tabLst/>
                         <a:defRPr/>
                       </a:pPr>
-                      <a:endParaRPr kumimoji="0" lang="en-US" sz="1100" b="1" i="0" u="none" strike="noStrike" kern="0" cap="none" spc="0" normalizeH="0" baseline="30000" noProof="0" dirty="0">
+                      <a:endParaRPr kumimoji="0" lang="en-US" sz="1100" b="1" i="0" u="none" strike="noStrike" kern="0" cap="none" spc="0" normalizeH="0" baseline="30000" noProof="0">
                         <a:ln>
                           <a:noFill/>
                         </a:ln>
@@ -16434,68 +17155,38 @@
                     <a:p>
                       <a:pPr algn="ctr"/>
                       <a:r>
-                        <a:rPr lang="de-de" sz="1100" i="0" dirty="0">
+                        <a:rPr lang="en-US" sz="1100" i="0">
                           <a:solidFill>
                             <a:schemeClr val="tx1"/>
                           </a:solidFill>
-                          <a:latin typeface="Adobe Clean" panose="020B0503020404020204" pitchFamily="34" charset="0"/>
+                          <a:latin typeface="Adobe Clean"/>
                         </a:rPr>
-                        <a:t> </a:t>
+                        <a:t> </a:t>
                       </a:r>
                       <a:r>
-                        <a:rPr lang="de-de" sz="1100" i="0" baseline="30000" dirty="0">
+                        <a:rPr lang="en-US" sz="1100" i="0" baseline="30000">
                           <a:solidFill>
                             <a:schemeClr val="tx1"/>
                           </a:solidFill>
-                          <a:latin typeface="Adobe Clean" panose="020B0503020404020204" pitchFamily="34" charset="0"/>
+                          <a:latin typeface="Adobe Clean"/>
                         </a:rPr>
-                        <a:t>1</a:t>
+                        <a:t>1 </a:t>
                       </a:r>
                       <a:r>
-                        <a:rPr lang="ko-KR" altLang="en-US" sz="1100" i="0" baseline="30000" dirty="0">
+                        <a:rPr lang="en-US" sz="1100" i="0">
                           <a:solidFill>
                             <a:schemeClr val="tx1"/>
                           </a:solidFill>
-                          <a:latin typeface="Adobe Clean" panose="020B0503020404020204" pitchFamily="34" charset="0"/>
+                          <a:latin typeface="Adobe Clean"/>
                         </a:rPr>
-                        <a:t>일본에서 </a:t>
+                        <a:t>P2, P3, P4 cases are limited to business hours only in Japan.</a:t>
                       </a:r>
-                      <a:r>
-                        <a:rPr lang="en-US" altLang="ko-KR" sz="1100" i="0" baseline="30000" dirty="0">
-                          <a:solidFill>
-                            <a:schemeClr val="tx1"/>
-                          </a:solidFill>
-                          <a:latin typeface="Adobe Clean" panose="020B0503020404020204" pitchFamily="34" charset="0"/>
-                        </a:rPr>
-                        <a:t>P2, P3, P4 </a:t>
-                      </a:r>
-                      <a:r>
-                        <a:rPr lang="ko-KR" altLang="en-US" sz="1100" i="0" baseline="30000" dirty="0">
-                          <a:solidFill>
-                            <a:schemeClr val="tx1"/>
-                          </a:solidFill>
-                          <a:latin typeface="Adobe Clean" panose="020B0503020404020204" pitchFamily="34" charset="0"/>
-                        </a:rPr>
-                        <a:t>사례는 업무 시간으로만 제한됩니다</a:t>
-                      </a:r>
-                      <a:r>
-                        <a:rPr lang="en-US" altLang="ko-KR" sz="1100" i="0" baseline="30000" dirty="0">
-                          <a:solidFill>
-                            <a:schemeClr val="tx1"/>
-                          </a:solidFill>
-                          <a:latin typeface="Adobe Clean" panose="020B0503020404020204" pitchFamily="34" charset="0"/>
-                        </a:rPr>
-                        <a:t>.</a:t>
-                      </a:r>
-                      <a:r>
-                        <a:rPr lang="de-de" sz="1100" dirty="0">
-                          <a:solidFill>
-                            <a:schemeClr val="tx1"/>
-                          </a:solidFill>
-                          <a:latin typeface="Adobe Clean" panose="020B0503020404020204" pitchFamily="34" charset="0"/>
-                        </a:rPr>
-                        <a:t>.</a:t>
-                      </a:r>
+                      <a:endParaRPr lang="en-US" sz="1100" b="1" i="0">
+                        <a:solidFill>
+                          <a:schemeClr val="tx1"/>
+                        </a:solidFill>
+                        <a:latin typeface="Adobe Clean"/>
+                      </a:endParaRPr>
                     </a:p>
                   </a:txBody>
                   <a:tcPr anchor="ctr">
@@ -16551,7 +17242,7 @@
                     <a:bodyPr/>
                     <a:lstStyle/>
                     <a:p>
-                      <a:endParaRPr lang="en-US" sz="1100" dirty="0">
+                      <a:endParaRPr lang="en-US" sz="1100">
                         <a:solidFill>
                           <a:schemeClr val="tx1"/>
                         </a:solidFill>
@@ -16612,7 +17303,7 @@
                     <a:bodyPr/>
                     <a:lstStyle/>
                     <a:p>
-                      <a:endParaRPr lang="en-US" sz="1100" dirty="0">
+                      <a:endParaRPr lang="en-US" sz="1100">
                         <a:solidFill>
                           <a:schemeClr val="tx1"/>
                         </a:solidFill>
@@ -16673,7 +17364,7 @@
                     <a:bodyPr/>
                     <a:lstStyle/>
                     <a:p>
-                      <a:endParaRPr lang="en-US" sz="1100" dirty="0">
+                      <a:endParaRPr lang="en-US" sz="1100">
                         <a:solidFill>
                           <a:schemeClr val="tx1"/>
                         </a:solidFill>
@@ -16859,36 +17550,126 @@
               </a:spcBef>
             </a:pPr>
             <a:r>
-              <a:rPr lang="de-de" sz="1200" b="1" spc="-15" dirty="0">
+              <a:rPr sz="1200" b="1" spc="-15">
                 <a:solidFill>
                   <a:srgbClr val="FFFFFF"/>
                 </a:solidFill>
                 <a:latin typeface="Adobe Clean"/>
                 <a:cs typeface="Adobe Clean"/>
               </a:rPr>
-              <a:t>탁월한</a:t>
-            </a:r>
-            <a:r>
-              <a:rPr lang="de-de" sz="1200" b="1" dirty="0">
+              <a:t>U</a:t>
+            </a:r>
+            <a:r>
+              <a:rPr sz="1200" b="1" spc="-20">
                 <a:solidFill>
                   <a:srgbClr val="FFFFFF"/>
                 </a:solidFill>
                 <a:latin typeface="Adobe Clean"/>
                 <a:cs typeface="Adobe Clean"/>
               </a:rPr>
-              <a:t> </a:t>
-            </a:r>
-            <a:r>
-              <a:rPr lang="de-de" sz="1200" b="1" spc="-25" dirty="0">
+              <a:t>n</a:t>
+            </a:r>
+            <a:r>
+              <a:rPr sz="1200" b="1" spc="-25">
                 <a:solidFill>
                   <a:srgbClr val="FFFFFF"/>
                 </a:solidFill>
                 <a:latin typeface="Adobe Clean"/>
                 <a:cs typeface="Adobe Clean"/>
               </a:rPr>
-              <a:t>전문성</a:t>
-            </a:r>
-            <a:endParaRPr sz="1200" dirty="0">
+              <a:t>p</a:t>
+            </a:r>
+            <a:r>
+              <a:rPr sz="1200" b="1" spc="-15">
+                <a:solidFill>
+                  <a:srgbClr val="FFFFFF"/>
+                </a:solidFill>
+                <a:latin typeface="Adobe Clean"/>
+                <a:cs typeface="Adobe Clean"/>
+              </a:rPr>
+              <a:t>a</a:t>
+            </a:r>
+            <a:r>
+              <a:rPr sz="1200" b="1" spc="-25">
+                <a:solidFill>
+                  <a:srgbClr val="FFFFFF"/>
+                </a:solidFill>
+                <a:latin typeface="Adobe Clean"/>
+                <a:cs typeface="Adobe Clean"/>
+              </a:rPr>
+              <a:t>r</a:t>
+            </a:r>
+            <a:r>
+              <a:rPr sz="1200" b="1" spc="-15">
+                <a:solidFill>
+                  <a:srgbClr val="FFFFFF"/>
+                </a:solidFill>
+                <a:latin typeface="Adobe Clean"/>
+                <a:cs typeface="Adobe Clean"/>
+              </a:rPr>
+              <a:t>a</a:t>
+            </a:r>
+            <a:r>
+              <a:rPr sz="1200" b="1" spc="-30">
+                <a:solidFill>
+                  <a:srgbClr val="FFFFFF"/>
+                </a:solidFill>
+                <a:latin typeface="Adobe Clean"/>
+                <a:cs typeface="Adobe Clean"/>
+              </a:rPr>
+              <a:t>ll</a:t>
+            </a:r>
+            <a:r>
+              <a:rPr sz="1200" b="1" spc="-25">
+                <a:solidFill>
+                  <a:srgbClr val="FFFFFF"/>
+                </a:solidFill>
+                <a:latin typeface="Adobe Clean"/>
+                <a:cs typeface="Adobe Clean"/>
+              </a:rPr>
+              <a:t>e</a:t>
+            </a:r>
+            <a:r>
+              <a:rPr sz="1200" b="1" spc="-30">
+                <a:solidFill>
+                  <a:srgbClr val="FFFFFF"/>
+                </a:solidFill>
+                <a:latin typeface="Adobe Clean"/>
+                <a:cs typeface="Adobe Clean"/>
+              </a:rPr>
+              <a:t>l</a:t>
+            </a:r>
+            <a:r>
+              <a:rPr sz="1200" b="1" spc="-25">
+                <a:solidFill>
+                  <a:srgbClr val="FFFFFF"/>
+                </a:solidFill>
+                <a:latin typeface="Adobe Clean"/>
+                <a:cs typeface="Adobe Clean"/>
+              </a:rPr>
+              <a:t>e</a:t>
+            </a:r>
+            <a:r>
+              <a:rPr sz="1200" b="1">
+                <a:solidFill>
+                  <a:srgbClr val="FFFFFF"/>
+                </a:solidFill>
+                <a:latin typeface="Adobe Clean"/>
+                <a:cs typeface="Adobe Clean"/>
+              </a:rPr>
+              <a:t>d  </a:t>
+            </a:r>
+            <a:r>
+              <a:rPr sz="1200" b="1" spc="-25">
+                <a:solidFill>
+                  <a:srgbClr val="FFFFFF"/>
+                </a:solidFill>
+                <a:latin typeface="Adobe Clean"/>
+                <a:cs typeface="Adobe Clean"/>
+              </a:rPr>
+              <a:t>Expertise</a:t>
+            </a:r>
+            <a:endParaRPr sz="1200">
               <a:latin typeface="Adobe Clean"/>
               <a:cs typeface="Adobe Clean"/>
             </a:endParaRPr>
@@ -16931,16 +17712,16 @@
               </a:spcBef>
             </a:pPr>
             <a:r>
-              <a:rPr lang="de-de" sz="1200" b="1" spc="-15" dirty="0">
+              <a:rPr lang="en-US" sz="1200" b="1" spc="-15">
                 <a:solidFill>
                   <a:srgbClr val="FFFFFF"/>
                 </a:solidFill>
                 <a:latin typeface="Adobe Clean"/>
                 <a:cs typeface="Adobe Clean"/>
               </a:rPr>
-              <a:t>신속한 지원</a:t>
-            </a:r>
-            <a:endParaRPr sz="1200" dirty="0">
+              <a:t>Accelerated Support</a:t>
+            </a:r>
+            <a:endParaRPr sz="1200">
               <a:latin typeface="Adobe Clean"/>
               <a:cs typeface="Adobe Clean"/>
             </a:endParaRPr>
@@ -16983,36 +17764,106 @@
               </a:spcBef>
             </a:pPr>
             <a:r>
-              <a:rPr lang="de-de" sz="1200" b="1" spc="-50" dirty="0">
+              <a:rPr sz="1200" b="1" spc="-50">
                 <a:solidFill>
                   <a:srgbClr val="FFFFFF"/>
                 </a:solidFill>
                 <a:latin typeface="Adobe Clean"/>
                 <a:cs typeface="Adobe Clean"/>
               </a:rPr>
-              <a:t>전략적</a:t>
-            </a:r>
-            <a:r>
-              <a:rPr lang="de-de" sz="1200" b="1" dirty="0">
+              <a:t>S</a:t>
+            </a:r>
+            <a:r>
+              <a:rPr sz="1200" b="1" spc="-20">
                 <a:solidFill>
                   <a:srgbClr val="FFFFFF"/>
                 </a:solidFill>
                 <a:latin typeface="Adobe Clean"/>
                 <a:cs typeface="Adobe Clean"/>
               </a:rPr>
-              <a:t> </a:t>
-            </a:r>
-            <a:r>
-              <a:rPr lang="de-de" sz="1200" b="1" spc="-45" dirty="0">
+              <a:t>t</a:t>
+            </a:r>
+            <a:r>
+              <a:rPr sz="1200" b="1" spc="-75">
                 <a:solidFill>
                   <a:srgbClr val="FFFFFF"/>
                 </a:solidFill>
                 <a:latin typeface="Adobe Clean"/>
                 <a:cs typeface="Adobe Clean"/>
               </a:rPr>
-              <a:t>조언</a:t>
-            </a:r>
-            <a:endParaRPr sz="1200" dirty="0">
+              <a:t>r</a:t>
+            </a:r>
+            <a:r>
+              <a:rPr sz="1200" b="1" spc="-90">
+                <a:solidFill>
+                  <a:srgbClr val="FFFFFF"/>
+                </a:solidFill>
+                <a:latin typeface="Adobe Clean"/>
+                <a:cs typeface="Adobe Clean"/>
+              </a:rPr>
+              <a:t>a</a:t>
+            </a:r>
+            <a:r>
+              <a:rPr sz="1200" b="1" spc="-55">
+                <a:solidFill>
+                  <a:srgbClr val="FFFFFF"/>
+                </a:solidFill>
+                <a:latin typeface="Adobe Clean"/>
+                <a:cs typeface="Adobe Clean"/>
+              </a:rPr>
+              <a:t>t</a:t>
+            </a:r>
+            <a:r>
+              <a:rPr sz="1200" b="1" spc="-100">
+                <a:solidFill>
+                  <a:srgbClr val="FFFFFF"/>
+                </a:solidFill>
+                <a:latin typeface="Adobe Clean"/>
+                <a:cs typeface="Adobe Clean"/>
+              </a:rPr>
+              <a:t>e</a:t>
+            </a:r>
+            <a:r>
+              <a:rPr sz="1200" b="1" spc="-80">
+                <a:solidFill>
+                  <a:srgbClr val="FFFFFF"/>
+                </a:solidFill>
+                <a:latin typeface="Adobe Clean"/>
+                <a:cs typeface="Adobe Clean"/>
+              </a:rPr>
+              <a:t>g</a:t>
+            </a:r>
+            <a:r>
+              <a:rPr sz="1200" b="1" spc="-35">
+                <a:solidFill>
+                  <a:srgbClr val="FFFFFF"/>
+                </a:solidFill>
+                <a:latin typeface="Adobe Clean"/>
+                <a:cs typeface="Adobe Clean"/>
+              </a:rPr>
+              <a:t>i</a:t>
+            </a:r>
+            <a:r>
+              <a:rPr sz="1200" b="1">
+                <a:solidFill>
+                  <a:srgbClr val="FFFFFF"/>
+                </a:solidFill>
+                <a:latin typeface="Adobe Clean"/>
+                <a:cs typeface="Adobe Clean"/>
+              </a:rPr>
+              <a:t>c  </a:t>
+            </a:r>
+            <a:r>
+              <a:rPr sz="1200" b="1" spc="-45">
+                <a:solidFill>
+                  <a:srgbClr val="FFFFFF"/>
+                </a:solidFill>
+                <a:latin typeface="Adobe Clean"/>
+                <a:cs typeface="Adobe Clean"/>
+              </a:rPr>
+              <a:t>Advice</a:t>
+            </a:r>
+            <a:endParaRPr sz="1200">
               <a:latin typeface="Adobe Clean"/>
               <a:cs typeface="Adobe Clean"/>
             </a:endParaRPr>
@@ -17072,7 +17923,7 @@
                     <a:lstStyle/>
                     <a:p>
                       <a:r>
-                        <a:rPr lang="de-de" sz="1100" b="0" dirty="0">
+                        <a:rPr lang="en-US" sz="1100" b="0">
                           <a:solidFill>
                             <a:schemeClr val="tx1"/>
                           </a:solidFill>
@@ -17083,7 +17934,7 @@
                         </a:rPr>
                         <a:t>Experience League</a:t>
                       </a:r>
-                      <a:endParaRPr lang="en-US" sz="1100" b="0" dirty="0">
+                      <a:endParaRPr lang="en-US" sz="1100" b="0">
                         <a:solidFill>
                           <a:schemeClr val="tx1"/>
                         </a:solidFill>
@@ -17164,7 +18015,7 @@
                         <a:defRPr/>
                       </a:pPr>
                       <a:r>
-                        <a:rPr lang="de-de" sz="1000" b="0" kern="1200" dirty="0">
+                        <a:rPr lang="en-US" sz="1000" b="0" kern="1200">
                           <a:solidFill>
                             <a:srgbClr val="000000"/>
                           </a:solidFill>
@@ -17172,7 +18023,7 @@
                           <a:ea typeface="+mn-ea"/>
                           <a:cs typeface="+mn-cs"/>
                         </a:rPr>
-                        <a:t>Experience League를 통해 Adobe는 기업이 Adobe 투자에서 기대하는 가치를 달성하도록 지원합니다. 고객이 자기 주도 튜토리얼, 제품 설명서, 강의식 교육, 커뮤니티 및 기술 지원을 포함하는 개인 맞춤형 성공 경로를 따라가며 배우고, 교류하고, 성장할 수 있는 통합된 공간입니다. </a:t>
+                        <a:t>Experience League is how Adobe helps businesses achieve the value they expect from their Adobe investment. It’s the unified place where customers can learn, connect, and grow along a personalized path to success that includes self-help tutorials, product documentation, instructor-led training, community and technical support. </a:t>
                       </a:r>
                     </a:p>
                   </a:txBody>
@@ -17254,7 +18105,7 @@
                         <a:defRPr/>
                       </a:pPr>
                       <a:r>
-                        <a:rPr lang="de-de" sz="1100" dirty="0">
+                        <a:rPr lang="en-US" sz="1100">
                           <a:solidFill>
                             <a:schemeClr val="dk1"/>
                           </a:solidFill>
@@ -17264,10 +18115,10 @@
                           <a:cs typeface="+mn-cs"/>
                           <a:hlinkClick r:id="rId8"/>
                         </a:rPr>
-                        <a:t>교육</a:t>
+                        <a:t>Training</a:t>
                       </a:r>
                       <a:r>
-                        <a:rPr lang="de-de" sz="1100" dirty="0">
+                        <a:rPr lang="en-US" sz="1100">
                           <a:solidFill>
                             <a:schemeClr val="dk1"/>
                           </a:solidFill>
@@ -17278,7 +18129,7 @@
                         </a:rPr>
                         <a:t> </a:t>
                       </a:r>
-                      <a:endParaRPr lang="en-US" sz="1100" dirty="0">
+                      <a:endParaRPr lang="en-US" sz="1100">
                         <a:solidFill>
                           <a:schemeClr val="tx1"/>
                         </a:solidFill>
@@ -17360,7 +18211,7 @@
                         <a:defRPr/>
                       </a:pPr>
                       <a:r>
-                        <a:rPr lang="de-de" sz="1000" kern="1200" dirty="0">
+                        <a:rPr lang="en-US" sz="1000" kern="1200">
                           <a:solidFill>
                             <a:srgbClr val="000000"/>
                           </a:solidFill>
@@ -17368,7 +18219,7 @@
                           <a:ea typeface="+mn-ea"/>
                           <a:cs typeface="+mn-cs"/>
                         </a:rPr>
-                        <a:t>Adobe 디지털 학습 서비스 과정은 Experience League에서 액세스할 수 있습니다. 학습 과정은 주문형 수업과 강의식 수업을 모두 통합합니다. 여기에서 시장 가치를 인정받은 기술을 습득하고 조직에 포지셔닝하여 성공으로 이끌 수 있습니다.</a:t>
+                        <a:t>Adobe Digital Learning Services courses are accessible from Experience League. Learning courses integrate both on-demand and instructor-led lessons.  Here you can accrue skills that have recognized market value and position them to drive success in your organizations.</a:t>
                       </a:r>
                     </a:p>
                   </a:txBody>
@@ -17450,7 +18301,7 @@
                         <a:defRPr/>
                       </a:pPr>
                       <a:r>
-                        <a:rPr lang="de-de" sz="1100" dirty="0">
+                        <a:rPr lang="en-US" sz="1100">
                           <a:solidFill>
                             <a:schemeClr val="tx1"/>
                           </a:solidFill>
@@ -17460,9 +18311,9 @@
                           <a:cs typeface="+mn-cs"/>
                           <a:hlinkClick r:id="rId9"/>
                         </a:rPr>
-                        <a:t>생산 문제 및 시스템 중단</a:t>
+                        <a:t>Production Issues &amp; System Outages</a:t>
                       </a:r>
-                      <a:endParaRPr lang="en-US" sz="1100" dirty="0">
+                      <a:endParaRPr lang="en-US" sz="1100">
                         <a:solidFill>
                           <a:schemeClr val="tx1"/>
                         </a:solidFill>
@@ -17544,7 +18395,7 @@
                         <a:defRPr/>
                       </a:pPr>
                       <a:r>
-                        <a:rPr lang="de-de" sz="1000" kern="1200" dirty="0">
+                        <a:rPr lang="en-US" sz="1000" kern="1200">
                           <a:solidFill>
                             <a:srgbClr val="000000"/>
                           </a:solidFill>
@@ -17552,7 +18403,7 @@
                           <a:ea typeface="+mn-ea"/>
                           <a:cs typeface="+mn-cs"/>
                         </a:rPr>
-                        <a:t>Status.adobe.com은 다중 테넌트 환경에 배포된 모든 Adobe 제품 및 서비스의 상태 정보를 전달합니다. 고객은 구독 기본 설정을 선택하여 Adobe가 제품 이벤트를 생성 업데이트 또는 해결할 때마다 이메일 알림을 받을 수 있습니다. 여기에는 예정된 유지 관리 또는 다양한 심각도 수준의 서비스 문제가 포함될 수 있습니다. </a:t>
+                        <a:t>Status.adobe.com conveys the health information of all Adobe products and services that are deployed in multi-tenant environments. Customers can choose their subscription preferences to get email notifications whenever Adobe creates, updates or resolves a product event. This can include scheduled maintenance or service issues of varying levels of severity. </a:t>
                       </a:r>
                     </a:p>
                   </a:txBody>
@@ -17634,7 +18485,7 @@
                         <a:defRPr/>
                       </a:pPr>
                       <a:r>
-                        <a:rPr lang="de-de" sz="1100" dirty="0">
+                        <a:rPr lang="en-US" sz="1100">
                           <a:solidFill>
                             <a:schemeClr val="tx1"/>
                           </a:solidFill>
@@ -17644,9 +18495,9 @@
                           <a:cs typeface="+mn-cs"/>
                           <a:hlinkClick r:id="rId10"/>
                         </a:rPr>
-                        <a:t>약관</a:t>
+                        <a:t>Terms and Conditions</a:t>
                       </a:r>
-                      <a:endParaRPr lang="en-US" sz="1100" dirty="0">
+                      <a:endParaRPr lang="en-US" sz="1100">
                         <a:solidFill>
                           <a:schemeClr val="tx1"/>
                         </a:solidFill>
@@ -17711,7 +18562,7 @@
                     <a:lstStyle/>
                     <a:p>
                       <a:r>
-                        <a:rPr lang="de-de" sz="1000" kern="1200" dirty="0">
+                        <a:rPr lang="en-US" sz="1000" kern="1200">
                           <a:solidFill>
                             <a:srgbClr val="000000"/>
                           </a:solidFill>
@@ -17719,7 +18570,7 @@
                           <a:ea typeface="+mn-ea"/>
                           <a:cs typeface="+mn-cs"/>
                         </a:rPr>
-                        <a:t>지원 서비스 제공 사항을 자세히 설명하는 약관입니다.</a:t>
+                        <a:t>Terms and conditions detailing Support Services offerings</a:t>
                       </a:r>
                     </a:p>
                   </a:txBody>
@@ -17783,7 +18634,7 @@
       </p:graphicFrame>
       <p:pic>
         <p:nvPicPr>
-          <p:cNvPr id="8" name="Graphic 7" descr="타겟 개요">
+          <p:cNvPr id="8" name="Graphic 7" descr="Target outline">
             <a:extLst>
               <a:ext uri="{FF2B5EF4-FFF2-40B4-BE49-F238E27FC236}">
                 <a16:creationId xmlns:a16="http://schemas.microsoft.com/office/drawing/2014/main" id="{1EAA263E-04A7-0D46-952E-EA3033B45116}"/>
@@ -17822,7 +18673,7 @@
       </p:pic>
       <p:pic>
         <p:nvPicPr>
-          <p:cNvPr id="10" name="Graphic 9" descr="로켓 개요">
+          <p:cNvPr id="10" name="Graphic 9" descr="Rocket outline">
             <a:extLst>
               <a:ext uri="{FF2B5EF4-FFF2-40B4-BE49-F238E27FC236}">
                 <a16:creationId xmlns:a16="http://schemas.microsoft.com/office/drawing/2014/main" id="{A068EBC3-B418-4E4A-A520-101CA4B39F23}"/>
@@ -17861,7 +18712,7 @@
       </p:pic>
       <p:pic>
         <p:nvPicPr>
-          <p:cNvPr id="12" name="Graphic 11" descr="메달 개요">
+          <p:cNvPr id="12" name="Graphic 11" descr="Medal outline">
             <a:extLst>
               <a:ext uri="{FF2B5EF4-FFF2-40B4-BE49-F238E27FC236}">
                 <a16:creationId xmlns:a16="http://schemas.microsoft.com/office/drawing/2014/main" id="{C7BEFC2D-0CA6-0448-B9FA-6E1581CA6D36}"/>
@@ -18490,6 +19341,15 @@
 </file>
 
 <file path=customXml/item1.xml><?xml version="1.0" encoding="utf-8"?>
+<?mso-contentType ?>
+<FormTemplates xmlns="http://schemas.microsoft.com/sharepoint/v3/contenttype/forms">
+  <Display>DocumentLibraryForm</Display>
+  <Edit>DocumentLibraryForm</Edit>
+  <New>DocumentLibraryForm</New>
+</FormTemplates>
+</file>
+
+<file path=customXml/item2.xml><?xml version="1.0" encoding="utf-8"?>
 <ct:contentTypeSchema xmlns:ct="http://schemas.microsoft.com/office/2006/metadata/contentType" xmlns:ma="http://schemas.microsoft.com/office/2006/metadata/properties/metaAttributes" ct:_="" ma:_="" ma:contentTypeName="Document" ma:contentTypeID="0x010100E783BF6876BCC646A459363AF21A7736" ma:contentTypeVersion="10" ma:contentTypeDescription="Create a new document." ma:contentTypeScope="" ma:versionID="c4ffda7f4f415767600769e454c2ea87">
   <xsd:schema xmlns:xsd="http://www.w3.org/2001/XMLSchema" xmlns:xs="http://www.w3.org/2001/XMLSchema" xmlns:p="http://schemas.microsoft.com/office/2006/metadata/properties" xmlns:ns2="8a053bff-88be-49e4-9a87-e748e18b8b62" xmlns:ns3="6c8368ec-3776-49b5-a5bb-90648cf9530f" targetNamespace="http://schemas.microsoft.com/office/2006/metadata/properties" ma:root="true" ma:fieldsID="df3ec33bccc23e23bce7bc897fad43d1" ns2:_="" ns3:_="">
     <xsd:import namespace="8a053bff-88be-49e4-9a87-e748e18b8b62"/>
@@ -18694,15 +19554,6 @@
 </ct:contentTypeSchema>
 </file>
 
-<file path=customXml/item2.xml><?xml version="1.0" encoding="utf-8"?>
-<?mso-contentType ?>
-<FormTemplates xmlns="http://schemas.microsoft.com/sharepoint/v3/contenttype/forms">
-  <Display>DocumentLibraryForm</Display>
-  <Edit>DocumentLibraryForm</Edit>
-  <New>DocumentLibraryForm</New>
-</FormTemplates>
-</file>
-
 <file path=customXml/item3.xml><?xml version="1.0" encoding="utf-8"?>
 <p:properties xmlns:p="http://schemas.microsoft.com/office/2006/metadata/properties" xmlns:xsi="http://www.w3.org/2001/XMLSchema-instance" xmlns:pc="http://schemas.microsoft.com/office/infopath/2007/PartnerControls">
   <documentManagement/>
@@ -18710,28 +19561,28 @@
 </file>
 
 <file path=customXml/itemProps1.xml><?xml version="1.0" encoding="utf-8"?>
-<ds:datastoreItem xmlns:ds="http://schemas.openxmlformats.org/officeDocument/2006/customXml" ds:itemID="{75C1A8FD-3884-41A0-BE37-D15776C885D1}">
+<ds:datastoreItem xmlns:ds="http://schemas.openxmlformats.org/officeDocument/2006/customXml" ds:itemID="{669D9D3B-3229-44EE-9964-24A06AE66887}">
   <ds:schemaRefs>
-    <ds:schemaRef ds:uri="http://schemas.microsoft.com/office/2006/metadata/contentType"/>
-    <ds:schemaRef ds:uri="http://schemas.microsoft.com/office/2006/metadata/properties/metaAttributes"/>
-    <ds:schemaRef ds:uri="http://www.w3.org/2001/XMLSchema"/>
-    <ds:schemaRef ds:uri="http://schemas.microsoft.com/office/2006/metadata/properties"/>
-    <ds:schemaRef ds:uri="8a053bff-88be-49e4-9a87-e748e18b8b62"/>
-    <ds:schemaRef ds:uri="6c8368ec-3776-49b5-a5bb-90648cf9530f"/>
-    <ds:schemaRef ds:uri="http://schemas.microsoft.com/office/2006/documentManagement/types"/>
-    <ds:schemaRef ds:uri="http://schemas.microsoft.com/office/infopath/2007/PartnerControls"/>
-    <ds:schemaRef ds:uri="http://schemas.openxmlformats.org/package/2006/metadata/core-properties"/>
-    <ds:schemaRef ds:uri="http://purl.org/dc/elements/1.1/"/>
-    <ds:schemaRef ds:uri="http://purl.org/dc/terms/"/>
-    <ds:schemaRef ds:uri="http://schemas.microsoft.com/internal/obd"/>
+    <ds:schemaRef ds:uri="http://schemas.microsoft.com/sharepoint/v3/contenttype/forms"/>
   </ds:schemaRefs>
 </ds:datastoreItem>
 </file>
 
 <file path=customXml/itemProps2.xml><?xml version="1.0" encoding="utf-8"?>
-<ds:datastoreItem xmlns:ds="http://schemas.openxmlformats.org/officeDocument/2006/customXml" ds:itemID="{669D9D3B-3229-44EE-9964-24A06AE66887}">
+<ds:datastoreItem xmlns:ds="http://schemas.openxmlformats.org/officeDocument/2006/customXml" ds:itemID="{75C1A8FD-3884-41A0-BE37-D15776C885D1}">
   <ds:schemaRefs>
-    <ds:schemaRef ds:uri="http://schemas.microsoft.com/sharepoint/v3/contenttype/forms"/>
+    <ds:schemaRef ds:uri="6c8368ec-3776-49b5-a5bb-90648cf9530f"/>
+    <ds:schemaRef ds:uri="8a053bff-88be-49e4-9a87-e748e18b8b62"/>
+    <ds:schemaRef ds:uri="http://purl.org/dc/elements/1.1/"/>
+    <ds:schemaRef ds:uri="http://purl.org/dc/terms/"/>
+    <ds:schemaRef ds:uri="http://schemas.microsoft.com/internal/obd"/>
+    <ds:schemaRef ds:uri="http://schemas.microsoft.com/office/2006/documentManagement/types"/>
+    <ds:schemaRef ds:uri="http://schemas.microsoft.com/office/2006/metadata/contentType"/>
+    <ds:schemaRef ds:uri="http://schemas.microsoft.com/office/2006/metadata/properties"/>
+    <ds:schemaRef ds:uri="http://schemas.microsoft.com/office/2006/metadata/properties/metaAttributes"/>
+    <ds:schemaRef ds:uri="http://schemas.microsoft.com/office/infopath/2007/PartnerControls"/>
+    <ds:schemaRef ds:uri="http://schemas.openxmlformats.org/package/2006/metadata/core-properties"/>
+    <ds:schemaRef ds:uri="http://www.w3.org/2001/XMLSchema"/>
   </ds:schemaRefs>
 </ds:datastoreItem>
 </file>

--- a/help/data-sheets/assets/EliteSupportDatasheet.pptx
+++ b/help/data-sheets/assets/EliteSupportDatasheet.pptx
@@ -151,141 +151,9 @@
 <file path=ppt/revisionInfo.xml><?xml version="1.0" encoding="utf-8"?>
 <p1510:revInfo xmlns:a="http://schemas.openxmlformats.org/drawingml/2006/main" xmlns:r="http://schemas.openxmlformats.org/officeDocument/2006/relationships" xmlns:p1510="http://schemas.microsoft.com/office/powerpoint/2015/10/main">
   <p1510:revLst>
-    <p1510:client id="{1E4B2740-C02D-6848-8C88-402A980B28DC}" v="27" dt="2022-01-20T17:33:40.354"/>
+    <p1510:client id="{86768B6F-E5DF-274A-B928-9320E1DF9962}" v="132" dt="2021-08-07T02:18:13.925"/>
   </p1510:revLst>
 </p1510:revInfo>
-</file>
-
-<file path=ppt/changesInfos/changesInfo1.xml><?xml version="1.0" encoding="utf-8"?>
-<pc:chgInfo xmlns:a="http://schemas.openxmlformats.org/drawingml/2006/main" xmlns:r="http://schemas.openxmlformats.org/officeDocument/2006/relationships" xmlns:ac="http://schemas.microsoft.com/office/drawing/2013/main/command" xmlns:pc="http://schemas.microsoft.com/office/powerpoint/2013/main/command">
-  <pc:docChgLst>
-    <pc:chgData name="Lauren Schutte" userId="6e08b2d3-447a-4d66-86be-444d50df187f" providerId="ADAL" clId="{0BC4D7A0-4BBD-1B49-BE14-170949F0EA37}"/>
-    <pc:docChg chg="modSld">
-      <pc:chgData name="Lauren Schutte" userId="6e08b2d3-447a-4d66-86be-444d50df187f" providerId="ADAL" clId="{0BC4D7A0-4BBD-1B49-BE14-170949F0EA37}" dt="2021-10-13T19:10:14.671" v="3" actId="1035"/>
-      <pc:docMkLst>
-        <pc:docMk/>
-      </pc:docMkLst>
-      <pc:sldChg chg="modSp mod">
-        <pc:chgData name="Lauren Schutte" userId="6e08b2d3-447a-4d66-86be-444d50df187f" providerId="ADAL" clId="{0BC4D7A0-4BBD-1B49-BE14-170949F0EA37}" dt="2021-10-13T19:10:14.671" v="3" actId="1035"/>
-        <pc:sldMkLst>
-          <pc:docMk/>
-          <pc:sldMk cId="0" sldId="256"/>
-        </pc:sldMkLst>
-        <pc:spChg chg="mod">
-          <ac:chgData name="Lauren Schutte" userId="6e08b2d3-447a-4d66-86be-444d50df187f" providerId="ADAL" clId="{0BC4D7A0-4BBD-1B49-BE14-170949F0EA37}" dt="2021-10-13T19:10:14.671" v="3" actId="1035"/>
-          <ac:spMkLst>
-            <pc:docMk/>
-            <pc:sldMk cId="0" sldId="256"/>
-            <ac:spMk id="4" creationId="{00000000-0000-0000-0000-000000000000}"/>
-          </ac:spMkLst>
-        </pc:spChg>
-      </pc:sldChg>
-    </pc:docChg>
-  </pc:docChgLst>
-  <pc:docChgLst>
-    <pc:chgData name="Akilah Johnson" userId="S::akjohnso@adobe.com::2fa3aa60-0c9c-4d06-bae2-795983241227" providerId="AD" clId="Web-{6321287A-37E3-E99F-4766-DFF993179103}"/>
-    <pc:docChg chg="modSld">
-      <pc:chgData name="Akilah Johnson" userId="S::akjohnso@adobe.com::2fa3aa60-0c9c-4d06-bae2-795983241227" providerId="AD" clId="Web-{6321287A-37E3-E99F-4766-DFF993179103}" dt="2021-11-24T00:05:14.840" v="5"/>
-      <pc:docMkLst>
-        <pc:docMk/>
-      </pc:docMkLst>
-      <pc:sldChg chg="modSp">
-        <pc:chgData name="Akilah Johnson" userId="S::akjohnso@adobe.com::2fa3aa60-0c9c-4d06-bae2-795983241227" providerId="AD" clId="Web-{6321287A-37E3-E99F-4766-DFF993179103}" dt="2021-11-24T00:05:14.840" v="5"/>
-        <pc:sldMkLst>
-          <pc:docMk/>
-          <pc:sldMk cId="0" sldId="256"/>
-        </pc:sldMkLst>
-        <pc:graphicFrameChg chg="mod modGraphic">
-          <ac:chgData name="Akilah Johnson" userId="S::akjohnso@adobe.com::2fa3aa60-0c9c-4d06-bae2-795983241227" providerId="AD" clId="Web-{6321287A-37E3-E99F-4766-DFF993179103}" dt="2021-11-24T00:05:14.840" v="5"/>
-          <ac:graphicFrameMkLst>
-            <pc:docMk/>
-            <pc:sldMk cId="0" sldId="256"/>
-            <ac:graphicFrameMk id="7" creationId="{00000000-0000-0000-0000-000000000000}"/>
-          </ac:graphicFrameMkLst>
-        </pc:graphicFrameChg>
-      </pc:sldChg>
-    </pc:docChg>
-  </pc:docChgLst>
-  <pc:docChgLst>
-    <pc:chgData name="Ankita Sood" userId="c93a62e3-2a47-429d-82c6-c2a8fd110ae7" providerId="ADAL" clId="{1E4B2740-C02D-6848-8C88-402A980B28DC}"/>
-    <pc:docChg chg="modSld">
-      <pc:chgData name="Ankita Sood" userId="c93a62e3-2a47-429d-82c6-c2a8fd110ae7" providerId="ADAL" clId="{1E4B2740-C02D-6848-8C88-402A980B28DC}" dt="2022-01-20T19:39:05.294" v="34" actId="20577"/>
-      <pc:docMkLst>
-        <pc:docMk/>
-      </pc:docMkLst>
-      <pc:sldChg chg="modSp mod">
-        <pc:chgData name="Ankita Sood" userId="c93a62e3-2a47-429d-82c6-c2a8fd110ae7" providerId="ADAL" clId="{1E4B2740-C02D-6848-8C88-402A980B28DC}" dt="2022-01-20T19:39:05.294" v="34" actId="20577"/>
-        <pc:sldMkLst>
-          <pc:docMk/>
-          <pc:sldMk cId="0" sldId="256"/>
-        </pc:sldMkLst>
-        <pc:spChg chg="mod">
-          <ac:chgData name="Ankita Sood" userId="c93a62e3-2a47-429d-82c6-c2a8fd110ae7" providerId="ADAL" clId="{1E4B2740-C02D-6848-8C88-402A980B28DC}" dt="2022-01-20T19:39:05.294" v="34" actId="20577"/>
-          <ac:spMkLst>
-            <pc:docMk/>
-            <pc:sldMk cId="0" sldId="256"/>
-            <ac:spMk id="3" creationId="{00000000-0000-0000-0000-000000000000}"/>
-          </ac:spMkLst>
-        </pc:spChg>
-        <pc:graphicFrameChg chg="modGraphic">
-          <ac:chgData name="Ankita Sood" userId="c93a62e3-2a47-429d-82c6-c2a8fd110ae7" providerId="ADAL" clId="{1E4B2740-C02D-6848-8C88-402A980B28DC}" dt="2022-01-20T17:33:31.472" v="18" actId="20577"/>
-          <ac:graphicFrameMkLst>
-            <pc:docMk/>
-            <pc:sldMk cId="0" sldId="256"/>
-            <ac:graphicFrameMk id="7" creationId="{00000000-0000-0000-0000-000000000000}"/>
-          </ac:graphicFrameMkLst>
-        </pc:graphicFrameChg>
-        <pc:graphicFrameChg chg="modGraphic">
-          <ac:chgData name="Ankita Sood" userId="c93a62e3-2a47-429d-82c6-c2a8fd110ae7" providerId="ADAL" clId="{1E4B2740-C02D-6848-8C88-402A980B28DC}" dt="2022-01-20T17:33:27.794" v="10" actId="20577"/>
-          <ac:graphicFrameMkLst>
-            <pc:docMk/>
-            <pc:sldMk cId="0" sldId="256"/>
-            <ac:graphicFrameMk id="13" creationId="{8FC06D05-42C7-D14C-86E4-0F01711669B9}"/>
-          </ac:graphicFrameMkLst>
-        </pc:graphicFrameChg>
-      </pc:sldChg>
-      <pc:sldChg chg="modSp mod">
-        <pc:chgData name="Ankita Sood" userId="c93a62e3-2a47-429d-82c6-c2a8fd110ae7" providerId="ADAL" clId="{1E4B2740-C02D-6848-8C88-402A980B28DC}" dt="2022-01-20T17:33:40.355" v="26" actId="20577"/>
-        <pc:sldMkLst>
-          <pc:docMk/>
-          <pc:sldMk cId="3982262141" sldId="262"/>
-        </pc:sldMkLst>
-        <pc:spChg chg="mod">
-          <ac:chgData name="Ankita Sood" userId="c93a62e3-2a47-429d-82c6-c2a8fd110ae7" providerId="ADAL" clId="{1E4B2740-C02D-6848-8C88-402A980B28DC}" dt="2022-01-20T17:33:40.355" v="26" actId="20577"/>
-          <ac:spMkLst>
-            <pc:docMk/>
-            <pc:sldMk cId="3982262141" sldId="262"/>
-            <ac:spMk id="81" creationId="{68CE4601-87A9-E645-841C-EE142932AEED}"/>
-          </ac:spMkLst>
-        </pc:spChg>
-      </pc:sldChg>
-    </pc:docChg>
-  </pc:docChgLst>
-  <pc:docChgLst>
-    <pc:chgData name="Akilah Johnson" userId="2fa3aa60-0c9c-4d06-bae2-795983241227" providerId="ADAL" clId="{4F9F8D59-37FF-0B43-9EF5-31D48C73FC8D}"/>
-    <pc:docChg chg="modSld">
-      <pc:chgData name="Akilah Johnson" userId="2fa3aa60-0c9c-4d06-bae2-795983241227" providerId="ADAL" clId="{4F9F8D59-37FF-0B43-9EF5-31D48C73FC8D}" dt="2021-11-24T00:07:01.857" v="8" actId="20577"/>
-      <pc:docMkLst>
-        <pc:docMk/>
-      </pc:docMkLst>
-      <pc:sldChg chg="modSp mod">
-        <pc:chgData name="Akilah Johnson" userId="2fa3aa60-0c9c-4d06-bae2-795983241227" providerId="ADAL" clId="{4F9F8D59-37FF-0B43-9EF5-31D48C73FC8D}" dt="2021-11-24T00:07:01.857" v="8" actId="20577"/>
-        <pc:sldMkLst>
-          <pc:docMk/>
-          <pc:sldMk cId="0" sldId="256"/>
-        </pc:sldMkLst>
-        <pc:graphicFrameChg chg="modGraphic">
-          <ac:chgData name="Akilah Johnson" userId="2fa3aa60-0c9c-4d06-bae2-795983241227" providerId="ADAL" clId="{4F9F8D59-37FF-0B43-9EF5-31D48C73FC8D}" dt="2021-11-24T00:07:01.857" v="8" actId="20577"/>
-          <ac:graphicFrameMkLst>
-            <pc:docMk/>
-            <pc:sldMk cId="0" sldId="256"/>
-            <ac:graphicFrameMk id="7" creationId="{00000000-0000-0000-0000-000000000000}"/>
-          </ac:graphicFrameMkLst>
-        </pc:graphicFrameChg>
-      </pc:sldChg>
-    </pc:docChg>
-  </pc:docChgLst>
-</pc:chgInfo>
 </file>
 
 <file path=ppt/notesMasters/notesMaster1.xml><?xml version="1.0" encoding="utf-8"?>
@@ -370,7 +238,7 @@
           <a:p>
             <a:fld id="{C12E57D6-2086-AA47-A7A4-C0CDE7C14E44}" type="datetimeFigureOut">
               <a:rPr lang="en-US" smtClean="0"/>
-              <a:t>1/20/22</a:t>
+              <a:t>02/03/2022</a:t>
             </a:fld>
             <a:endParaRPr lang="en-US"/>
           </a:p>
@@ -681,7 +549,7 @@
           <a:bodyPr/>
           <a:lstStyle/>
           <a:p>
-            <a:endParaRPr lang="en-US"/>
+            <a:endParaRPr lang="en-US" dirty="0"/>
           </a:p>
         </p:txBody>
       </p:sp>
@@ -765,7 +633,7 @@
           <a:bodyPr/>
           <a:lstStyle/>
           <a:p>
-            <a:endParaRPr lang="en-US"/>
+            <a:endParaRPr lang="en-US" dirty="0"/>
           </a:p>
         </p:txBody>
       </p:sp>
@@ -944,7 +812,7 @@
           <a:p>
             <a:fld id="{1D8BD707-D9CF-40AE-B4C6-C98DA3205C09}" type="datetimeFigureOut">
               <a:rPr lang="en-US"/>
-              <a:t>1/20/22</a:t>
+              <a:t>02/03/2022</a:t>
             </a:fld>
             <a:endParaRPr lang="en-US"/>
           </a:p>
@@ -984,7 +852,7 @@
               </a:spcBef>
             </a:pPr>
             <a:r>
-              <a:rPr spc="-5"/>
+              <a:rPr spc="-5" dirty="0"/>
               <a:t>©</a:t>
             </a:r>
             <a:fld id="{81D60167-4931-47E6-BA6A-407CBD079E47}" type="slidenum">
@@ -992,35 +860,35 @@
               <a:t>‹#›</a:t>
             </a:fld>
             <a:r>
-              <a:rPr spc="-5"/>
+              <a:rPr spc="-5" dirty="0"/>
               <a:t> Adobe. All</a:t>
             </a:r>
             <a:r>
-              <a:rPr spc="-15"/>
+              <a:rPr spc="-15" dirty="0"/>
               <a:t> Rights</a:t>
             </a:r>
             <a:r>
-              <a:rPr spc="-10"/>
+              <a:rPr spc="-10" dirty="0"/>
               <a:t> </a:t>
             </a:r>
             <a:r>
-              <a:rPr spc="-15"/>
+              <a:rPr spc="-15" dirty="0"/>
               <a:t>Reserved.</a:t>
             </a:r>
             <a:r>
-              <a:rPr spc="-10"/>
+              <a:rPr spc="-10" dirty="0"/>
               <a:t> </a:t>
             </a:r>
             <a:r>
-              <a:rPr spc="-5"/>
+              <a:rPr spc="-5" dirty="0"/>
               <a:t>Adobe</a:t>
             </a:r>
             <a:r>
-              <a:rPr spc="60"/>
+              <a:rPr spc="60" dirty="0"/>
               <a:t> </a:t>
             </a:r>
             <a:r>
-              <a:rPr spc="-15"/>
+              <a:rPr spc="-15" dirty="0"/>
               <a:t>Confidential.</a:t>
             </a:r>
           </a:p>
@@ -1189,7 +1057,7 @@
           <a:p>
             <a:fld id="{1D8BD707-D9CF-40AE-B4C6-C98DA3205C09}" type="datetimeFigureOut">
               <a:rPr lang="en-US"/>
-              <a:t>1/20/22</a:t>
+              <a:t>02/03/2022</a:t>
             </a:fld>
             <a:endParaRPr lang="en-US"/>
           </a:p>
@@ -1229,7 +1097,7 @@
               </a:spcBef>
             </a:pPr>
             <a:r>
-              <a:rPr spc="-5"/>
+              <a:rPr spc="-5" dirty="0"/>
               <a:t>©</a:t>
             </a:r>
             <a:fld id="{81D60167-4931-47E6-BA6A-407CBD079E47}" type="slidenum">
@@ -1237,35 +1105,35 @@
               <a:t>‹#›</a:t>
             </a:fld>
             <a:r>
-              <a:rPr spc="-5"/>
+              <a:rPr spc="-5" dirty="0"/>
               <a:t> Adobe. All</a:t>
             </a:r>
             <a:r>
-              <a:rPr spc="-15"/>
+              <a:rPr spc="-15" dirty="0"/>
               <a:t> Rights</a:t>
             </a:r>
             <a:r>
-              <a:rPr spc="-10"/>
+              <a:rPr spc="-10" dirty="0"/>
               <a:t> </a:t>
             </a:r>
             <a:r>
-              <a:rPr spc="-15"/>
+              <a:rPr spc="-15" dirty="0"/>
               <a:t>Reserved.</a:t>
             </a:r>
             <a:r>
-              <a:rPr spc="-10"/>
+              <a:rPr spc="-10" dirty="0"/>
               <a:t> </a:t>
             </a:r>
             <a:r>
-              <a:rPr spc="-5"/>
+              <a:rPr spc="-5" dirty="0"/>
               <a:t>Adobe</a:t>
             </a:r>
             <a:r>
-              <a:rPr spc="60"/>
+              <a:rPr spc="60" dirty="0"/>
               <a:t> </a:t>
             </a:r>
             <a:r>
-              <a:rPr spc="-15"/>
+              <a:rPr spc="-15" dirty="0"/>
               <a:t>Confidential.</a:t>
             </a:r>
           </a:p>
@@ -1447,7 +1315,7 @@
           <a:p>
             <a:fld id="{1D8BD707-D9CF-40AE-B4C6-C98DA3205C09}" type="datetimeFigureOut">
               <a:rPr lang="en-US"/>
-              <a:t>1/20/22</a:t>
+              <a:t>02/03/2022</a:t>
             </a:fld>
             <a:endParaRPr lang="en-US"/>
           </a:p>
@@ -1487,7 +1355,7 @@
               </a:spcBef>
             </a:pPr>
             <a:r>
-              <a:rPr spc="-5"/>
+              <a:rPr spc="-5" dirty="0"/>
               <a:t>©</a:t>
             </a:r>
             <a:fld id="{81D60167-4931-47E6-BA6A-407CBD079E47}" type="slidenum">
@@ -1495,35 +1363,35 @@
               <a:t>‹#›</a:t>
             </a:fld>
             <a:r>
-              <a:rPr spc="-5"/>
+              <a:rPr spc="-5" dirty="0"/>
               <a:t> Adobe. All</a:t>
             </a:r>
             <a:r>
-              <a:rPr spc="-15"/>
+              <a:rPr spc="-15" dirty="0"/>
               <a:t> Rights</a:t>
             </a:r>
             <a:r>
-              <a:rPr spc="-10"/>
+              <a:rPr spc="-10" dirty="0"/>
               <a:t> </a:t>
             </a:r>
             <a:r>
-              <a:rPr spc="-15"/>
+              <a:rPr spc="-15" dirty="0"/>
               <a:t>Reserved.</a:t>
             </a:r>
             <a:r>
-              <a:rPr spc="-10"/>
+              <a:rPr spc="-10" dirty="0"/>
               <a:t> </a:t>
             </a:r>
             <a:r>
-              <a:rPr spc="-5"/>
+              <a:rPr spc="-5" dirty="0"/>
               <a:t>Adobe</a:t>
             </a:r>
             <a:r>
-              <a:rPr spc="60"/>
+              <a:rPr spc="60" dirty="0"/>
               <a:t> </a:t>
             </a:r>
             <a:r>
-              <a:rPr spc="-15"/>
+              <a:rPr spc="-15" dirty="0"/>
               <a:t>Confidential.</a:t>
             </a:r>
           </a:p>
@@ -1639,7 +1507,7 @@
           <a:p>
             <a:fld id="{1D8BD707-D9CF-40AE-B4C6-C98DA3205C09}" type="datetimeFigureOut">
               <a:rPr lang="en-US"/>
-              <a:t>1/20/22</a:t>
+              <a:t>02/03/2022</a:t>
             </a:fld>
             <a:endParaRPr lang="en-US"/>
           </a:p>
@@ -1679,7 +1547,7 @@
               </a:spcBef>
             </a:pPr>
             <a:r>
-              <a:rPr spc="-5"/>
+              <a:rPr spc="-5" dirty="0"/>
               <a:t>©</a:t>
             </a:r>
             <a:fld id="{81D60167-4931-47E6-BA6A-407CBD079E47}" type="slidenum">
@@ -1687,35 +1555,35 @@
               <a:t>‹#›</a:t>
             </a:fld>
             <a:r>
-              <a:rPr spc="-5"/>
+              <a:rPr spc="-5" dirty="0"/>
               <a:t> Adobe. All</a:t>
             </a:r>
             <a:r>
-              <a:rPr spc="-15"/>
+              <a:rPr spc="-15" dirty="0"/>
               <a:t> Rights</a:t>
             </a:r>
             <a:r>
-              <a:rPr spc="-10"/>
+              <a:rPr spc="-10" dirty="0"/>
               <a:t> </a:t>
             </a:r>
             <a:r>
-              <a:rPr spc="-15"/>
+              <a:rPr spc="-15" dirty="0"/>
               <a:t>Reserved.</a:t>
             </a:r>
             <a:r>
-              <a:rPr spc="-10"/>
+              <a:rPr spc="-10" dirty="0"/>
               <a:t> </a:t>
             </a:r>
             <a:r>
-              <a:rPr spc="-5"/>
+              <a:rPr spc="-5" dirty="0"/>
               <a:t>Adobe</a:t>
             </a:r>
             <a:r>
-              <a:rPr spc="60"/>
+              <a:rPr spc="60" dirty="0"/>
               <a:t> </a:t>
             </a:r>
             <a:r>
-              <a:rPr spc="-15"/>
+              <a:rPr spc="-15" dirty="0"/>
               <a:t>Confidential.</a:t>
             </a:r>
           </a:p>
@@ -1802,7 +1670,7 @@
           <a:p>
             <a:fld id="{1D8BD707-D9CF-40AE-B4C6-C98DA3205C09}" type="datetimeFigureOut">
               <a:rPr lang="en-US"/>
-              <a:t>1/20/22</a:t>
+              <a:t>02/03/2022</a:t>
             </a:fld>
             <a:endParaRPr lang="en-US"/>
           </a:p>
@@ -1842,7 +1710,7 @@
               </a:spcBef>
             </a:pPr>
             <a:r>
-              <a:rPr spc="-5"/>
+              <a:rPr spc="-5" dirty="0"/>
               <a:t>©</a:t>
             </a:r>
             <a:fld id="{81D60167-4931-47E6-BA6A-407CBD079E47}" type="slidenum">
@@ -1850,35 +1718,35 @@
               <a:t>‹#›</a:t>
             </a:fld>
             <a:r>
-              <a:rPr spc="-5"/>
+              <a:rPr spc="-5" dirty="0"/>
               <a:t> Adobe. All</a:t>
             </a:r>
             <a:r>
-              <a:rPr spc="-15"/>
+              <a:rPr spc="-15" dirty="0"/>
               <a:t> Rights</a:t>
             </a:r>
             <a:r>
-              <a:rPr spc="-10"/>
+              <a:rPr spc="-10" dirty="0"/>
               <a:t> </a:t>
             </a:r>
             <a:r>
-              <a:rPr spc="-15"/>
+              <a:rPr spc="-15" dirty="0"/>
               <a:t>Reserved.</a:t>
             </a:r>
             <a:r>
-              <a:rPr spc="-10"/>
+              <a:rPr spc="-10" dirty="0"/>
               <a:t> </a:t>
             </a:r>
             <a:r>
-              <a:rPr spc="-5"/>
+              <a:rPr spc="-5" dirty="0"/>
               <a:t>Adobe</a:t>
             </a:r>
             <a:r>
-              <a:rPr spc="60"/>
+              <a:rPr spc="60" dirty="0"/>
               <a:t> </a:t>
             </a:r>
             <a:r>
-              <a:rPr spc="-15"/>
+              <a:rPr spc="-15" dirty="0"/>
               <a:t>Confidential.</a:t>
             </a:r>
           </a:p>
@@ -2065,7 +1933,7 @@
           <a:p>
             <a:fld id="{1D8BD707-D9CF-40AE-B4C6-C98DA3205C09}" type="datetimeFigureOut">
               <a:rPr lang="en-US"/>
-              <a:t>1/20/22</a:t>
+              <a:t>02/03/2022</a:t>
             </a:fld>
             <a:endParaRPr lang="en-US"/>
           </a:p>
@@ -2115,7 +1983,7 @@
               </a:spcBef>
             </a:pPr>
             <a:r>
-              <a:rPr spc="-5"/>
+              <a:rPr spc="-5" dirty="0"/>
               <a:t>©</a:t>
             </a:r>
             <a:fld id="{81D60167-4931-47E6-BA6A-407CBD079E47}" type="slidenum">
@@ -2123,35 +1991,35 @@
               <a:t>‹#›</a:t>
             </a:fld>
             <a:r>
-              <a:rPr spc="-5"/>
+              <a:rPr spc="-5" dirty="0"/>
               <a:t> Adobe. All</a:t>
             </a:r>
             <a:r>
-              <a:rPr spc="-15"/>
+              <a:rPr spc="-15" dirty="0"/>
               <a:t> Rights</a:t>
             </a:r>
             <a:r>
-              <a:rPr spc="-10"/>
+              <a:rPr spc="-10" dirty="0"/>
               <a:t> </a:t>
             </a:r>
             <a:r>
-              <a:rPr spc="-15"/>
+              <a:rPr spc="-15" dirty="0"/>
               <a:t>Reserved.</a:t>
             </a:r>
             <a:r>
-              <a:rPr spc="-10"/>
+              <a:rPr spc="-10" dirty="0"/>
               <a:t> </a:t>
             </a:r>
             <a:r>
-              <a:rPr spc="-5"/>
+              <a:rPr spc="-5" dirty="0"/>
               <a:t>Adobe</a:t>
             </a:r>
             <a:r>
-              <a:rPr spc="60"/>
+              <a:rPr spc="60" dirty="0"/>
               <a:t> </a:t>
             </a:r>
             <a:r>
-              <a:rPr spc="-15"/>
+              <a:rPr spc="-15" dirty="0"/>
               <a:t>Confidential.</a:t>
             </a:r>
           </a:p>
@@ -2348,25 +2216,32 @@
           </a:prstGeom>
         </p:spPr>
         <p:txBody>
-          <a:bodyPr vert="horz" wrap="square" lIns="0" tIns="12700" rIns="0" bIns="0" rtlCol="0" anchor="t">
+          <a:bodyPr vert="horz" wrap="square" lIns="0" tIns="12700" rIns="0" bIns="0" rtlCol="0">
             <a:spAutoFit/>
           </a:bodyPr>
           <a:lstStyle/>
           <a:p>
             <a:pPr marL="12700">
+              <a:lnSpc>
+                <a:spcPct val="100000"/>
+              </a:lnSpc>
               <a:spcBef>
                 <a:spcPts val="100"/>
               </a:spcBef>
             </a:pPr>
             <a:r>
-              <a:rPr sz="2300"/>
-              <a:t>ADOBE </a:t>
-            </a:r>
-            <a:r>
-              <a:rPr lang="en-US" sz="2300"/>
-              <a:t>SUPPORT PLANS</a:t>
-            </a:r>
-            <a:endParaRPr sz="2300">
+              <a:rPr lang="de-de" sz="2300" spc="-229" dirty="0">
+                <a:latin typeface="Adobe Clean" panose="020B0503020404020204" pitchFamily="34" charset="0"/>
+              </a:rPr>
+              <a:t>Adobe   </a:t>
+            </a:r>
+            <a:r>
+              <a:rPr lang="ko-KR" altLang="en-US" sz="2300" spc="-229" dirty="0">
+                <a:latin typeface="Adobe Clean" panose="020B0503020404020204" pitchFamily="34" charset="0"/>
+              </a:rPr>
+              <a:t>지원 플랜</a:t>
+            </a:r>
+            <a:endParaRPr lang="de-de" sz="2300" dirty="0">
               <a:latin typeface="Adobe Clean" panose="020B0503020404020204" pitchFamily="34" charset="0"/>
             </a:endParaRPr>
           </a:p>
@@ -2381,7 +2256,7 @@
         <p:spPr>
           <a:xfrm>
             <a:off x="159522" y="560755"/>
-            <a:ext cx="7003277" cy="1466427"/>
+            <a:ext cx="7003277" cy="1327928"/>
           </a:xfrm>
           <a:prstGeom prst="rect">
             <a:avLst/>
@@ -2402,17 +2277,17 @@
               </a:spcBef>
             </a:pPr>
             <a:r>
-              <a:rPr lang="en-US" sz="1100" spc="-5" dirty="0">
+              <a:rPr lang="ko-KR" altLang="en-US" sz="1100" spc="-5" dirty="0">
                 <a:solidFill>
                   <a:srgbClr val="FFFFFF"/>
                 </a:solidFill>
                 <a:latin typeface="AdobeClean-Light"/>
                 <a:cs typeface="AdobeClean-Light"/>
               </a:rPr>
-              <a:t>Standard</a:t>
-            </a:r>
-            <a:r>
-              <a:rPr sz="1100" dirty="0">
+              <a:t>표준</a:t>
+            </a:r>
+            <a:r>
+              <a:rPr lang="de-de" sz="1100" dirty="0">
                 <a:solidFill>
                   <a:srgbClr val="FFFFFF"/>
                 </a:solidFill>
@@ -2422,7 +2297,7 @@
               <a:t> |</a:t>
             </a:r>
             <a:r>
-              <a:rPr sz="1100" spc="10" dirty="0">
+              <a:rPr lang="de-de" sz="1100" spc="5" dirty="0">
                 <a:solidFill>
                   <a:srgbClr val="FFFFFF"/>
                 </a:solidFill>
@@ -2432,54 +2307,84 @@
               <a:t> </a:t>
             </a:r>
             <a:r>
-              <a:rPr sz="1100" spc="-5" dirty="0">
+              <a:rPr lang="de-de" sz="1100" spc="-5" dirty="0">
                 <a:solidFill>
                   <a:srgbClr val="FFFFFF"/>
                 </a:solidFill>
                 <a:latin typeface="AdobeClean-Light"/>
                 <a:cs typeface="AdobeClean-Light"/>
               </a:rPr>
-              <a:t>Enterprise</a:t>
-            </a:r>
-            <a:r>
-              <a:rPr sz="1100" spc="10" dirty="0">
+              <a:t>비즈니스</a:t>
+            </a:r>
+            <a:r>
+              <a:rPr lang="de-de" sz="1100" dirty="0">
                 <a:solidFill>
                   <a:srgbClr val="FFFFFF"/>
                 </a:solidFill>
                 <a:latin typeface="AdobeClean-Light"/>
                 <a:cs typeface="AdobeClean-Light"/>
               </a:rPr>
-              <a:t> </a:t>
-            </a:r>
-            <a:r>
-              <a:rPr sz="1100" dirty="0">
+              <a:t> |</a:t>
+            </a:r>
+            <a:r>
+              <a:rPr lang="de-de" sz="1100" spc="10" dirty="0">
                 <a:solidFill>
                   <a:srgbClr val="FFFFFF"/>
                 </a:solidFill>
                 <a:latin typeface="AdobeClean-Light"/>
                 <a:cs typeface="AdobeClean-Light"/>
               </a:rPr>
-              <a:t>|</a:t>
-            </a:r>
-            <a:r>
-              <a:rPr sz="1100" spc="5" dirty="0">
+              <a:t> </a:t>
+            </a:r>
+            <a:r>
+              <a:rPr lang="de-de" sz="1100" spc="-5" dirty="0">
                 <a:solidFill>
                   <a:srgbClr val="FFFFFF"/>
                 </a:solidFill>
                 <a:latin typeface="AdobeClean-Light"/>
                 <a:cs typeface="AdobeClean-Light"/>
               </a:rPr>
+              <a:t>엔터프라이즈</a:t>
+            </a:r>
+            <a:r>
+              <a:rPr lang="de-de" sz="1100" spc="10" dirty="0">
+                <a:solidFill>
+                  <a:srgbClr val="FFFFFF"/>
+                </a:solidFill>
+                <a:latin typeface="AdobeClean-Light"/>
+                <a:cs typeface="AdobeClean-Light"/>
+              </a:rPr>
               <a:t> </a:t>
             </a:r>
             <a:r>
-              <a:rPr sz="1100" b="1" spc="-65" dirty="0">
+              <a:rPr lang="de-de" sz="1100" dirty="0">
+                <a:solidFill>
+                  <a:srgbClr val="FFFFFF"/>
+                </a:solidFill>
+                <a:latin typeface="AdobeClean-Light"/>
+                <a:cs typeface="AdobeClean-Light"/>
+              </a:rPr>
+              <a:t>|</a:t>
+            </a:r>
+            <a:r>
+              <a:rPr lang="de-de" sz="1100" spc="5" dirty="0">
+                <a:solidFill>
+                  <a:srgbClr val="FFFFFF"/>
+                </a:solidFill>
+                <a:latin typeface="AdobeClean-Light"/>
+                <a:cs typeface="AdobeClean-Light"/>
+              </a:rPr>
+              <a:t> </a:t>
+            </a:r>
+            <a:r>
+              <a:rPr lang="de-de" sz="1100" b="1" spc="-65" dirty="0">
                 <a:solidFill>
                   <a:srgbClr val="FFFFFF"/>
                 </a:solidFill>
                 <a:latin typeface="Arial"/>
                 <a:cs typeface="Arial"/>
               </a:rPr>
-              <a:t>Elite</a:t>
+              <a:t>엘리트</a:t>
             </a:r>
             <a:endParaRPr sz="1100" dirty="0">
               <a:latin typeface="Arial"/>
@@ -2493,13 +2398,13 @@
               </a:spcBef>
             </a:pPr>
             <a:r>
-              <a:rPr lang="en-US" sz="900" dirty="0">
+              <a:rPr lang="de-de" sz="900" dirty="0">
                 <a:solidFill>
                   <a:schemeClr val="bg1"/>
                 </a:solidFill>
                 <a:latin typeface="Adobe Clean SemiLight" panose="020B0403020404020204" pitchFamily="34" charset="0"/>
               </a:rPr>
-              <a:t>Adobe provides a comprehensive range of technical resources to help support your business included as part of your Experience Cloud license subscription and further enhanced in the ELITE support package. ELITE support includes access to personalized learning paths and monitored community forums via the Adobe Experience League. You can also take advantage of our detailed and in-depth technical product documentation and current release notes. ELITE customers will also have access to a Named Support Engineer as well as a Technical Account Manager who combine and work in partnership with you to provide best in class proactive and reactive support while acting as your designated technical contacts in the Adobe Support Team. With deep experience in your designated Experience Cloud solutions, your support team work to ensure that no matter how complex your support needs are, the Adobe Support team will be there side by side with you throughout, to ensure you maximize your investment in the Adobe Experience Cloud solutions and to help you avoid problems before they happen.</a:t>
+              <a:t>Adobe는 비즈니스를 지원하는 데 도움이 되는 포괄적인 기술 리소스를 제공합니다. Experience Cloud 라이선스 구독의 일부로 포함되며 엘리트 지원 패키지에서 더욱 향상되었습니다. 엘리트 지원에는 Adobe Experience League를 통한 개인 맞춤형 학습 경로 및 모니터링되는 커뮤니티 포럼 액세스가 포함됩니다. 또한 상세한 심층적 기술 제품 설명서 및 최신 릴리스 정보를 활용할 수도 있습니다. 엘리트 고객은 Adobe 지원 팀에서 지정 기술 담당자 역할을 하는 동시에 최고 수준의 사전 대응 및 사후 지원을 제공하기 위해 단합하고 고객과 협력하는 기술 계정 관리자 및 지정 지원 엔지니어의 서비스도 이용할 수 있습니다. 지정된 Experience Cloud 솔루션에 대한 풍부한 경험을 바탕으로, 지원 요구 사항이 아무리 복잡하더라도 Adobe 지원 팀은 처음부터 끝까지 고객과 함께하며 Adobe Experience Cloud 솔루션에 대한 투자를 극대화하고 문제가 발생하기 전에 예방하기 위해 노력합니다.</a:t>
             </a:r>
             <a:endParaRPr sz="900" dirty="0">
               <a:solidFill>
@@ -2519,8 +2424,8 @@
         </p:nvSpPr>
         <p:spPr>
           <a:xfrm>
-            <a:off x="168564" y="7162800"/>
-            <a:ext cx="2780665" cy="238760"/>
+            <a:off x="168564" y="7024370"/>
+            <a:ext cx="5394036" cy="228268"/>
           </a:xfrm>
           <a:prstGeom prst="rect">
             <a:avLst/>
@@ -2541,7 +2446,7 @@
               </a:spcBef>
             </a:pPr>
             <a:r>
-              <a:rPr sz="1400" b="1" u="heavy" spc="20">
+              <a:rPr lang="de-de" sz="1400" b="1" u="heavy" spc="20" dirty="0">
                 <a:solidFill>
                   <a:srgbClr val="020302"/>
                 </a:solidFill>
@@ -2553,10 +2458,10 @@
                 <a:latin typeface="Adobe Clean"/>
                 <a:cs typeface="Adobe Clean"/>
               </a:rPr>
-              <a:t>S</a:t>
-            </a:r>
-            <a:r>
-              <a:rPr sz="1400" b="1" u="heavy">
+              <a:t>서비스 </a:t>
+            </a:r>
+            <a:r>
+              <a:rPr lang="de-de" sz="1400" b="1" u="heavy" spc="-20" dirty="0">
                 <a:solidFill>
                   <a:srgbClr val="020302"/>
                 </a:solidFill>
@@ -2568,10 +2473,10 @@
                 <a:latin typeface="Adobe Clean"/>
                 <a:cs typeface="Adobe Clean"/>
               </a:rPr>
-              <a:t>er</a:t>
-            </a:r>
-            <a:r>
-              <a:rPr sz="1400" b="1" u="heavy" spc="10">
+              <a:t>수준</a:t>
+            </a:r>
+            <a:r>
+              <a:rPr lang="de-de" sz="1400" b="1" u="heavy" spc="-10" dirty="0">
                 <a:solidFill>
                   <a:srgbClr val="020302"/>
                 </a:solidFill>
@@ -2583,10 +2488,10 @@
                 <a:latin typeface="Adobe Clean"/>
                 <a:cs typeface="Adobe Clean"/>
               </a:rPr>
-              <a:t>vi</a:t>
-            </a:r>
-            <a:r>
-              <a:rPr sz="1400" b="1" u="heavy">
+              <a:t> </a:t>
+            </a:r>
+            <a:r>
+              <a:rPr lang="de-de" sz="1400" b="1" u="heavy" spc="-65" dirty="0">
                 <a:solidFill>
                   <a:srgbClr val="020302"/>
                 </a:solidFill>
@@ -2598,10 +2503,10 @@
                 <a:latin typeface="Adobe Clean"/>
                 <a:cs typeface="Adobe Clean"/>
               </a:rPr>
-              <a:t>ce</a:t>
-            </a:r>
-            <a:r>
-              <a:rPr sz="1400" b="1" u="heavy" spc="20">
+              <a:t>목표</a:t>
+            </a:r>
+            <a:r>
+              <a:rPr lang="de-de" sz="1400" b="1" u="heavy" dirty="0">
                 <a:solidFill>
                   <a:srgbClr val="020302"/>
                 </a:solidFill>
@@ -2613,10 +2518,10 @@
                 <a:latin typeface="Adobe Clean"/>
                 <a:cs typeface="Adobe Clean"/>
               </a:rPr>
-              <a:t> </a:t>
-            </a:r>
-            <a:r>
-              <a:rPr sz="1400" b="1" u="heavy" spc="-20">
+              <a:t>:</a:t>
+            </a:r>
+            <a:r>
+              <a:rPr lang="de-de" sz="1400" b="1" u="heavy" spc="-80" dirty="0">
                 <a:solidFill>
                   <a:srgbClr val="020302"/>
                 </a:solidFill>
@@ -2628,10 +2533,10 @@
                 <a:latin typeface="Adobe Clean"/>
                 <a:cs typeface="Adobe Clean"/>
               </a:rPr>
-              <a:t>Le</a:t>
-            </a:r>
-            <a:r>
-              <a:rPr sz="1400" b="1" u="heavy" spc="-10">
+              <a:t> </a:t>
+            </a:r>
+            <a:r>
+              <a:rPr lang="de-de" sz="1400" b="1" u="heavy" spc="-20" dirty="0">
                 <a:solidFill>
                   <a:srgbClr val="020302"/>
                 </a:solidFill>
@@ -2643,10 +2548,10 @@
                 <a:latin typeface="Adobe Clean"/>
                 <a:cs typeface="Adobe Clean"/>
               </a:rPr>
-              <a:t>v</a:t>
-            </a:r>
-            <a:r>
-              <a:rPr sz="1400" b="1" u="heavy" spc="-20">
+              <a:t>초기</a:t>
+            </a:r>
+            <a:r>
+              <a:rPr lang="de-de" sz="1400" b="1" u="heavy" spc="-140" dirty="0">
                 <a:solidFill>
                   <a:srgbClr val="020302"/>
                 </a:solidFill>
@@ -2658,10 +2563,10 @@
                 <a:latin typeface="Adobe Clean"/>
                 <a:cs typeface="Adobe Clean"/>
               </a:rPr>
-              <a:t>e</a:t>
-            </a:r>
-            <a:r>
-              <a:rPr sz="1400" b="1" u="heavy">
+              <a:t> </a:t>
+            </a:r>
+            <a:r>
+              <a:rPr lang="de-de" sz="1400" b="1" u="heavy" spc="-15" dirty="0">
                 <a:solidFill>
                   <a:srgbClr val="020302"/>
                 </a:solidFill>
@@ -2673,324 +2578,9 @@
                 <a:latin typeface="Adobe Clean"/>
                 <a:cs typeface="Adobe Clean"/>
               </a:rPr>
-              <a:t>l</a:t>
-            </a:r>
-            <a:r>
-              <a:rPr sz="1400" b="1" u="heavy" spc="-10">
-                <a:solidFill>
-                  <a:srgbClr val="020302"/>
-                </a:solidFill>
-                <a:uFill>
-                  <a:solidFill>
-                    <a:srgbClr val="020302"/>
-                  </a:solidFill>
-                </a:uFill>
-                <a:latin typeface="Adobe Clean"/>
-                <a:cs typeface="Adobe Clean"/>
-              </a:rPr>
-              <a:t> </a:t>
-            </a:r>
-            <a:r>
-              <a:rPr sz="1400" b="1" u="heavy" spc="-65">
-                <a:solidFill>
-                  <a:srgbClr val="020302"/>
-                </a:solidFill>
-                <a:uFill>
-                  <a:solidFill>
-                    <a:srgbClr val="020302"/>
-                  </a:solidFill>
-                </a:uFill>
-                <a:latin typeface="Adobe Clean"/>
-                <a:cs typeface="Adobe Clean"/>
-              </a:rPr>
-              <a:t>T</a:t>
-            </a:r>
-            <a:r>
-              <a:rPr sz="1400" b="1" u="heavy" spc="-35">
-                <a:solidFill>
-                  <a:srgbClr val="020302"/>
-                </a:solidFill>
-                <a:uFill>
-                  <a:solidFill>
-                    <a:srgbClr val="020302"/>
-                  </a:solidFill>
-                </a:uFill>
-                <a:latin typeface="Adobe Clean"/>
-                <a:cs typeface="Adobe Clean"/>
-              </a:rPr>
-              <a:t>a</a:t>
-            </a:r>
-            <a:r>
-              <a:rPr sz="1400" b="1" u="heavy" spc="-45">
-                <a:solidFill>
-                  <a:srgbClr val="020302"/>
-                </a:solidFill>
-                <a:uFill>
-                  <a:solidFill>
-                    <a:srgbClr val="020302"/>
-                  </a:solidFill>
-                </a:uFill>
-                <a:latin typeface="Adobe Clean"/>
-                <a:cs typeface="Adobe Clean"/>
-              </a:rPr>
-              <a:t>r</a:t>
-            </a:r>
-            <a:r>
-              <a:rPr sz="1400" b="1" u="heavy" spc="-35">
-                <a:solidFill>
-                  <a:srgbClr val="020302"/>
-                </a:solidFill>
-                <a:uFill>
-                  <a:solidFill>
-                    <a:srgbClr val="020302"/>
-                  </a:solidFill>
-                </a:uFill>
-                <a:latin typeface="Adobe Clean"/>
-                <a:cs typeface="Adobe Clean"/>
-              </a:rPr>
-              <a:t>g</a:t>
-            </a:r>
-            <a:r>
-              <a:rPr sz="1400" b="1" u="heavy" spc="-55">
-                <a:solidFill>
-                  <a:srgbClr val="020302"/>
-                </a:solidFill>
-                <a:uFill>
-                  <a:solidFill>
-                    <a:srgbClr val="020302"/>
-                  </a:solidFill>
-                </a:uFill>
-                <a:latin typeface="Adobe Clean"/>
-                <a:cs typeface="Adobe Clean"/>
-              </a:rPr>
-              <a:t>et</a:t>
-            </a:r>
-            <a:r>
-              <a:rPr sz="1400" b="1" u="heavy" spc="-45">
-                <a:solidFill>
-                  <a:srgbClr val="020302"/>
-                </a:solidFill>
-                <a:uFill>
-                  <a:solidFill>
-                    <a:srgbClr val="020302"/>
-                  </a:solidFill>
-                </a:uFill>
-                <a:latin typeface="Adobe Clean"/>
-                <a:cs typeface="Adobe Clean"/>
-              </a:rPr>
-              <a:t>s</a:t>
-            </a:r>
-            <a:r>
-              <a:rPr sz="1400" b="1" u="heavy">
-                <a:solidFill>
-                  <a:srgbClr val="020302"/>
-                </a:solidFill>
-                <a:uFill>
-                  <a:solidFill>
-                    <a:srgbClr val="020302"/>
-                  </a:solidFill>
-                </a:uFill>
-                <a:latin typeface="Adobe Clean"/>
-                <a:cs typeface="Adobe Clean"/>
-              </a:rPr>
-              <a:t>:</a:t>
-            </a:r>
-            <a:r>
-              <a:rPr sz="1400" b="1" u="heavy" spc="-80">
-                <a:solidFill>
-                  <a:srgbClr val="020302"/>
-                </a:solidFill>
-                <a:uFill>
-                  <a:solidFill>
-                    <a:srgbClr val="020302"/>
-                  </a:solidFill>
-                </a:uFill>
-                <a:latin typeface="Adobe Clean"/>
-                <a:cs typeface="Adobe Clean"/>
-              </a:rPr>
-              <a:t> </a:t>
-            </a:r>
-            <a:r>
-              <a:rPr sz="1400" b="1" u="heavy" spc="-20">
-                <a:solidFill>
-                  <a:srgbClr val="020302"/>
-                </a:solidFill>
-                <a:uFill>
-                  <a:solidFill>
-                    <a:srgbClr val="020302"/>
-                  </a:solidFill>
-                </a:uFill>
-                <a:latin typeface="Adobe Clean"/>
-                <a:cs typeface="Adobe Clean"/>
-              </a:rPr>
-              <a:t>I</a:t>
-            </a:r>
-            <a:r>
-              <a:rPr sz="1400" b="1" u="heavy" spc="-10">
-                <a:solidFill>
-                  <a:srgbClr val="020302"/>
-                </a:solidFill>
-                <a:uFill>
-                  <a:solidFill>
-                    <a:srgbClr val="020302"/>
-                  </a:solidFill>
-                </a:uFill>
-                <a:latin typeface="Adobe Clean"/>
-                <a:cs typeface="Adobe Clean"/>
-              </a:rPr>
-              <a:t>ni</a:t>
-            </a:r>
-            <a:r>
-              <a:rPr sz="1400" b="1" u="heavy" spc="-20">
-                <a:solidFill>
-                  <a:srgbClr val="020302"/>
-                </a:solidFill>
-                <a:uFill>
-                  <a:solidFill>
-                    <a:srgbClr val="020302"/>
-                  </a:solidFill>
-                </a:uFill>
-                <a:latin typeface="Adobe Clean"/>
-                <a:cs typeface="Adobe Clean"/>
-              </a:rPr>
-              <a:t>t</a:t>
-            </a:r>
-            <a:r>
-              <a:rPr sz="1400" b="1" u="heavy" spc="-10">
-                <a:solidFill>
-                  <a:srgbClr val="020302"/>
-                </a:solidFill>
-                <a:uFill>
-                  <a:solidFill>
-                    <a:srgbClr val="020302"/>
-                  </a:solidFill>
-                </a:uFill>
-                <a:latin typeface="Adobe Clean"/>
-                <a:cs typeface="Adobe Clean"/>
-              </a:rPr>
-              <a:t>i</a:t>
-            </a:r>
-            <a:r>
-              <a:rPr sz="1400" b="1" u="heavy">
-                <a:solidFill>
-                  <a:srgbClr val="020302"/>
-                </a:solidFill>
-                <a:uFill>
-                  <a:solidFill>
-                    <a:srgbClr val="020302"/>
-                  </a:solidFill>
-                </a:uFill>
-                <a:latin typeface="Adobe Clean"/>
-                <a:cs typeface="Adobe Clean"/>
-              </a:rPr>
-              <a:t>al</a:t>
-            </a:r>
-            <a:r>
-              <a:rPr sz="1400" b="1" u="heavy" spc="-140">
-                <a:solidFill>
-                  <a:srgbClr val="020302"/>
-                </a:solidFill>
-                <a:uFill>
-                  <a:solidFill>
-                    <a:srgbClr val="020302"/>
-                  </a:solidFill>
-                </a:uFill>
-                <a:latin typeface="Adobe Clean"/>
-                <a:cs typeface="Adobe Clean"/>
-              </a:rPr>
-              <a:t> </a:t>
-            </a:r>
-            <a:r>
-              <a:rPr sz="1400" b="1" u="heavy" spc="-15">
-                <a:solidFill>
-                  <a:srgbClr val="020302"/>
-                </a:solidFill>
-                <a:uFill>
-                  <a:solidFill>
-                    <a:srgbClr val="020302"/>
-                  </a:solidFill>
-                </a:uFill>
-                <a:latin typeface="Adobe Clean"/>
-                <a:cs typeface="Adobe Clean"/>
-              </a:rPr>
-              <a:t>R</a:t>
-            </a:r>
-            <a:r>
-              <a:rPr sz="1400" b="1" u="heavy" spc="-25">
-                <a:solidFill>
-                  <a:srgbClr val="020302"/>
-                </a:solidFill>
-                <a:uFill>
-                  <a:solidFill>
-                    <a:srgbClr val="020302"/>
-                  </a:solidFill>
-                </a:uFill>
-                <a:latin typeface="Adobe Clean"/>
-                <a:cs typeface="Adobe Clean"/>
-              </a:rPr>
-              <a:t>e</a:t>
-            </a:r>
-            <a:r>
-              <a:rPr sz="1400" b="1" u="heavy" spc="-15">
-                <a:solidFill>
-                  <a:srgbClr val="020302"/>
-                </a:solidFill>
-                <a:uFill>
-                  <a:solidFill>
-                    <a:srgbClr val="020302"/>
-                  </a:solidFill>
-                </a:uFill>
-                <a:latin typeface="Adobe Clean"/>
-                <a:cs typeface="Adobe Clean"/>
-              </a:rPr>
-              <a:t>s</a:t>
-            </a:r>
-            <a:r>
-              <a:rPr sz="1400" b="1" u="heavy" spc="-25">
-                <a:solidFill>
-                  <a:srgbClr val="020302"/>
-                </a:solidFill>
-                <a:uFill>
-                  <a:solidFill>
-                    <a:srgbClr val="020302"/>
-                  </a:solidFill>
-                </a:uFill>
-                <a:latin typeface="Adobe Clean"/>
-                <a:cs typeface="Adobe Clean"/>
-              </a:rPr>
-              <a:t>p</a:t>
-            </a:r>
-            <a:r>
-              <a:rPr sz="1400" b="1" u="heavy" spc="-15">
-                <a:solidFill>
-                  <a:srgbClr val="020302"/>
-                </a:solidFill>
-                <a:uFill>
-                  <a:solidFill>
-                    <a:srgbClr val="020302"/>
-                  </a:solidFill>
-                </a:uFill>
-                <a:latin typeface="Adobe Clean"/>
-                <a:cs typeface="Adobe Clean"/>
-              </a:rPr>
-              <a:t>ons</a:t>
-            </a:r>
-            <a:r>
-              <a:rPr sz="1400" b="1" u="heavy">
-                <a:solidFill>
-                  <a:srgbClr val="020302"/>
-                </a:solidFill>
-                <a:uFill>
-                  <a:solidFill>
-                    <a:srgbClr val="020302"/>
-                  </a:solidFill>
-                </a:uFill>
-                <a:latin typeface="Adobe Clean"/>
-                <a:cs typeface="Adobe Clean"/>
-              </a:rPr>
-              <a:t>e</a:t>
-            </a:r>
-            <a:endParaRPr sz="1400">
+              <a:t>대응</a:t>
+            </a:r>
+            <a:endParaRPr sz="1400" dirty="0">
               <a:latin typeface="Adobe Clean"/>
               <a:cs typeface="Adobe Clean"/>
             </a:endParaRPr>
@@ -3006,14 +2596,14 @@
           <p:nvPr>
             <p:extLst>
               <p:ext uri="{D42A27DB-BD31-4B8C-83A1-F6EECF244321}">
-                <p14:modId xmlns:p14="http://schemas.microsoft.com/office/powerpoint/2010/main" val="3940642931"/>
+                <p14:modId xmlns:p14="http://schemas.microsoft.com/office/powerpoint/2010/main" val="3282712734"/>
               </p:ext>
             </p:extLst>
           </p:nvPr>
         </p:nvGraphicFramePr>
         <p:xfrm>
           <a:off x="145668" y="7473158"/>
-          <a:ext cx="7409815" cy="2259721"/>
+          <a:ext cx="7409815" cy="2386721"/>
         </p:xfrm>
         <a:graphic>
           <a:graphicData uri="http://schemas.openxmlformats.org/drawingml/2006/table">
@@ -3022,21 +2612,21 @@
                 <a:tableStyleId>{2D5ABB26-0587-4C30-8999-92F81FD0307C}</a:tableStyleId>
               </a:tblPr>
               <a:tblGrid>
-                <a:gridCol w="4654932">
+                <a:gridCol w="4045332">
                   <a:extLst>
                     <a:ext uri="{9D8B030D-6E8A-4147-A177-3AD203B41FA5}">
                       <a16:colId xmlns:a16="http://schemas.microsoft.com/office/drawing/2014/main" val="20000"/>
                     </a:ext>
                   </a:extLst>
                 </a:gridCol>
-                <a:gridCol w="1371600">
+                <a:gridCol w="1676400">
                   <a:extLst>
                     <a:ext uri="{9D8B030D-6E8A-4147-A177-3AD203B41FA5}">
                       <a16:colId xmlns:a16="http://schemas.microsoft.com/office/drawing/2014/main" val="20001"/>
                     </a:ext>
                   </a:extLst>
                 </a:gridCol>
-                <a:gridCol w="1383283">
+                <a:gridCol w="1688083">
                   <a:extLst>
                     <a:ext uri="{9D8B030D-6E8A-4147-A177-3AD203B41FA5}">
                       <a16:colId xmlns:a16="http://schemas.microsoft.com/office/drawing/2014/main" val="20002"/>
@@ -3059,22 +2649,22 @@
                         </a:spcBef>
                       </a:pPr>
                       <a:r>
-                        <a:rPr sz="900" spc="0">
+                        <a:rPr lang="de-de" sz="900" spc="0" dirty="0">
                           <a:solidFill>
                             <a:srgbClr val="020302"/>
                           </a:solidFill>
                           <a:latin typeface="Adobe Clean"/>
                           <a:cs typeface="Adobe Clean"/>
                         </a:rPr>
-                        <a:t>Priority</a:t>
+                        <a:t>우선 순위</a:t>
                       </a:r>
-                      <a:endParaRPr sz="900" spc="0">
+                      <a:endParaRPr sz="900" spc="0" dirty="0">
                         <a:latin typeface="Adobe Clean"/>
                         <a:cs typeface="Adobe Clean"/>
                       </a:endParaRPr>
                     </a:p>
                   </a:txBody>
-                  <a:tcPr marL="0" marR="0" marT="5715" marB="0" anchor="ctr">
+                  <a:tcPr marL="0" marR="0" marT="0" marB="0" anchor="ctr">
                     <a:lnL w="6350">
                       <a:solidFill>
                         <a:srgbClr val="B7B8B8"/>
@@ -3109,33 +2699,24 @@
                     <a:bodyPr/>
                     <a:lstStyle/>
                     <a:p>
-                      <a:pPr marL="382905" algn="l">
+                      <a:pPr marL="15875" indent="0" algn="ctr">
                         <a:lnSpc>
                           <a:spcPct val="100000"/>
                         </a:lnSpc>
                         <a:spcBef>
                           <a:spcPts val="45"/>
                         </a:spcBef>
+                        <a:tabLst/>
                       </a:pPr>
                       <a:r>
-                        <a:rPr lang="en-US" sz="900" spc="0" dirty="0">
+                        <a:rPr lang="ko-KR" altLang="en-US" sz="900" spc="0" dirty="0">
                           <a:solidFill>
                             <a:srgbClr val="020302"/>
                           </a:solidFill>
                           <a:latin typeface="Adobe Clean"/>
                           <a:cs typeface="Adobe Clean"/>
                         </a:rPr>
-                        <a:t>Standard </a:t>
-                      </a:r>
-                      <a:r>
-                        <a:rPr sz="900" spc="0" dirty="0">
-                          <a:solidFill>
-                            <a:srgbClr val="020302"/>
-                          </a:solidFill>
-                          <a:latin typeface="Adobe Clean"/>
-                          <a:cs typeface="Adobe Clean"/>
-                        </a:rPr>
-                        <a:t> Support</a:t>
+                        <a:t>표준 지원</a:t>
                       </a:r>
                       <a:endParaRPr sz="900" spc="0" dirty="0">
                         <a:latin typeface="Adobe Clean"/>
@@ -3143,7 +2724,7 @@
                       </a:endParaRPr>
                     </a:p>
                   </a:txBody>
-                  <a:tcPr marL="0" marR="0" marT="5715" marB="0" anchor="ctr">
+                  <a:tcPr marL="0" marR="0" marT="0" marB="0" anchor="ctr">
                     <a:lnL w="6350">
                       <a:solidFill>
                         <a:srgbClr val="B7B8B8"/>
@@ -3181,51 +2762,32 @@
                     <a:bodyPr/>
                     <a:lstStyle/>
                     <a:p>
-                      <a:pPr marL="263525" algn="l">
+                      <a:pPr marL="15875" indent="0" algn="ctr">
                         <a:lnSpc>
                           <a:spcPct val="100000"/>
                         </a:lnSpc>
                         <a:spcBef>
                           <a:spcPts val="65"/>
                         </a:spcBef>
+                        <a:tabLst/>
                       </a:pPr>
                       <a:r>
-                        <a:rPr sz="900" spc="0">
+                        <a:rPr lang="de-de" sz="900" spc="0" dirty="0">
                           <a:solidFill>
                             <a:srgbClr val="FFFFFF"/>
                           </a:solidFill>
                           <a:latin typeface="Adobe Clean"/>
                           <a:cs typeface="Adobe Clean"/>
                         </a:rPr>
-                        <a:t>Elite</a:t>
+                        <a:t>엘리트  지원</a:t>
                       </a:r>
-                      <a:r>
-                        <a:rPr lang="en-US" sz="900" spc="0">
-                          <a:solidFill>
-                            <a:srgbClr val="FFFFFF"/>
-                          </a:solidFill>
-                          <a:latin typeface="Adobe Clean"/>
-                          <a:cs typeface="Adobe Clean"/>
-                        </a:rPr>
-                        <a:t>  </a:t>
-                      </a:r>
-                      <a:r>
-                        <a:rPr sz="900" spc="0">
-                          <a:solidFill>
-                            <a:srgbClr val="FFFFFF"/>
-                          </a:solidFill>
-                          <a:latin typeface="Adobe Clean"/>
-                          <a:cs typeface="Adobe Clean"/>
-                        </a:rPr>
-                        <a:t>Support</a:t>
-                      </a:r>
-                      <a:endParaRPr sz="900" spc="0">
+                      <a:endParaRPr sz="900" spc="0" dirty="0">
                         <a:latin typeface="Adobe Clean"/>
                         <a:cs typeface="Adobe Clean"/>
                       </a:endParaRPr>
                     </a:p>
                   </a:txBody>
-                  <a:tcPr marL="0" marR="0" marT="8255" marB="0" anchor="ctr">
+                  <a:tcPr marL="0" marR="0" marT="0" marB="0" anchor="ctr">
                     <a:lnL w="6350">
                       <a:solidFill>
                         <a:srgbClr val="B7B8B8"/>
@@ -3279,22 +2841,22 @@
                         </a:spcBef>
                       </a:pPr>
                       <a:r>
-                        <a:rPr sz="900" b="1" spc="0">
+                        <a:rPr lang="de-de" sz="900" b="1" spc="0" dirty="0">
                           <a:solidFill>
                             <a:srgbClr val="020302"/>
                           </a:solidFill>
                           <a:latin typeface="Adobe Clean"/>
                           <a:cs typeface="Adobe Clean"/>
                         </a:rPr>
-                        <a:t>PRIORITY 1</a:t>
+                        <a:t>우선 순위 1</a:t>
                       </a:r>
-                      <a:endParaRPr sz="900" spc="0">
+                      <a:endParaRPr sz="900" spc="0" dirty="0">
                         <a:latin typeface="Adobe Clean"/>
                         <a:cs typeface="Adobe Clean"/>
                       </a:endParaRPr>
                     </a:p>
                     <a:p>
-                      <a:pPr marL="50165" marR="495300" algn="l">
+                      <a:pPr marL="50165" marR="495934" algn="l">
                         <a:lnSpc>
                           <a:spcPts val="1010"/>
                         </a:lnSpc>
@@ -3303,17 +2865,17 @@
                         </a:spcBef>
                       </a:pPr>
                       <a:r>
-                        <a:rPr lang="en-US" sz="900" b="0" i="0" u="none" strike="noStrike" spc="0">
+                        <a:rPr lang="de-de" sz="900" b="0" i="0" u="none" strike="noStrike" spc="0" dirty="0">
                           <a:solidFill>
                             <a:srgbClr val="000000"/>
                           </a:solidFill>
                           <a:effectLst/>
-                          <a:latin typeface="Adobe Clean Light"/>
+                          <a:latin typeface="Adobe Clean Light" panose="020B0303020404020204" pitchFamily="34" charset="0"/>
                         </a:rPr>
-                        <a:t>Customer's production business functions are down or have significant data loss or service degradation and immediate attention is required to restore functionality and usability</a:t>
+                        <a:t>고객의 생산 비즈니스 기능이 다운되었거나 심각한 데이터 손실 또는 서비스 저하가 발생했으며 기능 및 사용성을 복원하기 위해 즉각적인 주의가 필요합니다.</a:t>
                       </a:r>
-                      <a:endParaRPr sz="900" spc="0">
-                        <a:latin typeface="Adobe Clean Light"/>
+                      <a:endParaRPr sz="900" spc="0" dirty="0">
+                        <a:latin typeface="AdobeClean-Light"/>
                         <a:cs typeface="AdobeClean-Light"/>
                       </a:endParaRPr>
                     </a:p>
@@ -3359,37 +2921,17 @@
                         </a:lnSpc>
                       </a:pPr>
                       <a:r>
-                        <a:rPr sz="900" spc="0">
+                        <a:rPr lang="de-de" sz="900" spc="0" dirty="0">
                           <a:solidFill>
                             <a:srgbClr val="020302"/>
                           </a:solidFill>
                           <a:latin typeface="AdobeClean-Light"/>
                           <a:cs typeface="AdobeClean-Light"/>
                         </a:rPr>
-                        <a:t>24x7/</a:t>
+                        <a:t>24x7 /</a:t>
                       </a:r>
                       <a:r>
-                        <a:rPr lang="en-US" sz="900" spc="0">
-                          <a:solidFill>
-                            <a:srgbClr val="020302"/>
-                          </a:solidFill>
-                          <a:latin typeface="AdobeClean-Light"/>
-                          <a:cs typeface="AdobeClean-Light"/>
-                        </a:rPr>
-                        <a:t>          </a:t>
-                      </a:r>
-                      <a:r>
-                        <a:rPr sz="900" spc="0">
-                          <a:solidFill>
-                            <a:srgbClr val="020302"/>
-                          </a:solidFill>
-                          <a:latin typeface="AdobeClean-Light"/>
-                          <a:cs typeface="AdobeClean-Light"/>
-                        </a:rPr>
-                        <a:t> 1</a:t>
-                      </a:r>
-                      <a:r>
-                        <a:rPr lang="en-US" sz="900" spc="0">
+                        <a:rPr lang="de-DE" sz="900" spc="0" dirty="0">
                           <a:solidFill>
                             <a:srgbClr val="020302"/>
                           </a:solidFill>
@@ -3399,16 +2941,16 @@
                         <a:t> </a:t>
                       </a:r>
                       <a:r>
-                        <a:rPr sz="900" spc="0">
+                        <a:rPr lang="de-de" sz="900" spc="0" dirty="0">
                           <a:solidFill>
                             <a:srgbClr val="020302"/>
                           </a:solidFill>
                           <a:latin typeface="AdobeClean-Light"/>
                           <a:cs typeface="AdobeClean-Light"/>
                         </a:rPr>
-                        <a:t>hour</a:t>
+                        <a:t>1시간</a:t>
                       </a:r>
-                      <a:endParaRPr sz="900" spc="0">
+                      <a:endParaRPr sz="900" spc="0" dirty="0">
                         <a:latin typeface="AdobeClean-Light"/>
                         <a:cs typeface="AdobeClean-Light"/>
                       </a:endParaRPr>
@@ -3449,53 +2991,23 @@
                     <a:bodyPr/>
                     <a:lstStyle/>
                     <a:p>
-                      <a:pPr marL="405130" marR="459740" indent="92710" algn="l">
+                      <a:pPr marL="405130" marR="459740" indent="92710" algn="ctr">
                         <a:lnSpc>
                           <a:spcPct val="100000"/>
                         </a:lnSpc>
                       </a:pPr>
                       <a:r>
-                        <a:rPr lang="en-US" sz="900" spc="0">
+                        <a:rPr lang="de-de" sz="900" spc="0" dirty="0">
                           <a:solidFill>
                             <a:srgbClr val="020302"/>
                           </a:solidFill>
                           <a:latin typeface="AdobeClean-Light"/>
                           <a:cs typeface="AdobeClean-Light"/>
                         </a:rPr>
-                        <a:t>2</a:t>
+                        <a:t>24x7 /</a:t>
                       </a:r>
                       <a:r>
-                        <a:rPr sz="900" spc="0">
-                          <a:solidFill>
-                            <a:srgbClr val="020302"/>
-                          </a:solidFill>
-                          <a:latin typeface="AdobeClean-Light"/>
-                          <a:cs typeface="AdobeClean-Light"/>
-                        </a:rPr>
-                        <a:t>4x7 /</a:t>
-                      </a:r>
-                      <a:r>
-                        <a:rPr lang="en-US" sz="900" spc="0">
-                          <a:solidFill>
-                            <a:srgbClr val="020302"/>
-                          </a:solidFill>
-                          <a:latin typeface="AdobeClean-Light"/>
-                          <a:cs typeface="AdobeClean-Light"/>
-                        </a:rPr>
-                        <a:t>  </a:t>
-                      </a:r>
-                      <a:r>
-                        <a:rPr sz="900" spc="0">
-                          <a:solidFill>
-                            <a:srgbClr val="020302"/>
-                          </a:solidFill>
-                          <a:latin typeface="AdobeClean-Light"/>
-                          <a:cs typeface="AdobeClean-Light"/>
-                        </a:rPr>
-                        <a:t> 15</a:t>
-                      </a:r>
-                      <a:r>
-                        <a:rPr lang="en-US" sz="900" spc="0">
+                        <a:rPr lang="de-DE" sz="900" spc="0" dirty="0">
                           <a:solidFill>
                             <a:srgbClr val="020302"/>
                           </a:solidFill>
@@ -3505,22 +3017,22 @@
                         <a:t> </a:t>
                       </a:r>
                       <a:r>
-                        <a:rPr sz="900" spc="0">
+                        <a:rPr lang="de-de" sz="900" spc="0" dirty="0">
                           <a:solidFill>
                             <a:srgbClr val="020302"/>
                           </a:solidFill>
                           <a:latin typeface="AdobeClean-Light"/>
                           <a:cs typeface="AdobeClean-Light"/>
                         </a:rPr>
-                        <a:t>minutes</a:t>
+                        <a:t>15분</a:t>
                       </a:r>
-                      <a:endParaRPr sz="900" spc="0">
+                      <a:endParaRPr sz="900" spc="0" dirty="0">
                         <a:latin typeface="AdobeClean-Light"/>
                         <a:cs typeface="AdobeClean-Light"/>
                       </a:endParaRPr>
                     </a:p>
                   </a:txBody>
-                  <a:tcPr marL="0" marR="0" marT="2540" marB="0" anchor="ctr">
+                  <a:tcPr marL="0" marR="0" marT="0" marB="0" anchor="ctr">
                     <a:lnL w="6350" cap="flat" cmpd="sng" algn="ctr">
                       <a:solidFill>
                         <a:srgbClr val="B7B8B8"/>
@@ -3579,16 +3091,16 @@
                         </a:spcBef>
                       </a:pPr>
                       <a:r>
-                        <a:rPr sz="900" b="1" spc="0">
+                        <a:rPr lang="de-de" sz="900" b="1" spc="0" dirty="0">
                           <a:solidFill>
                             <a:srgbClr val="020302"/>
                           </a:solidFill>
                           <a:latin typeface="Adobe Clean"/>
                           <a:cs typeface="Adobe Clean"/>
                         </a:rPr>
-                        <a:t>PRIORITY 2</a:t>
+                        <a:t>우선 순위 2</a:t>
                       </a:r>
-                      <a:endParaRPr sz="900" spc="0">
+                      <a:endParaRPr sz="900" spc="0" dirty="0">
                         <a:latin typeface="Adobe Clean"/>
                         <a:cs typeface="Adobe Clean"/>
                       </a:endParaRPr>
@@ -3603,17 +3115,17 @@
                         </a:spcBef>
                       </a:pPr>
                       <a:r>
-                        <a:rPr lang="en-US" sz="900" b="0" i="0" u="none" strike="noStrike" spc="0">
+                        <a:rPr lang="de-de" sz="900" b="0" i="0" u="none" strike="noStrike" spc="0" dirty="0">
                           <a:solidFill>
                             <a:srgbClr val="000000"/>
                           </a:solidFill>
                           <a:effectLst/>
-                          <a:latin typeface="Adobe Clean Light"/>
+                          <a:latin typeface="Adobe Clean Light" panose="020B0303020404020204" pitchFamily="34" charset="0"/>
                         </a:rPr>
-                        <a:t>Customer's business functions have major service degradation or potential data loss, or a major feature is impacted</a:t>
+                        <a:t>고객의 비즈니스 기능에 심각한 서비스 저하 또는 잠재적인 데이터 손실이 있거나 주요 기능이 영향을 받습니다.</a:t>
                       </a:r>
-                      <a:endParaRPr sz="900" spc="0">
-                        <a:latin typeface="Adobe Clean Light"/>
+                      <a:endParaRPr sz="900" spc="0" dirty="0">
+                        <a:latin typeface="AdobeClean-Light"/>
                         <a:cs typeface="AdobeClean-Light"/>
                       </a:endParaRPr>
                     </a:p>
@@ -3653,23 +3165,43 @@
                     <a:bodyPr/>
                     <a:lstStyle/>
                     <a:p>
-                      <a:pPr marL="473075" marR="343535" indent="-175895" algn="l">
+                      <a:pPr marL="473709" marR="343535" indent="-175895" algn="ctr">
                         <a:lnSpc>
                           <a:spcPct val="102200"/>
                         </a:lnSpc>
                       </a:pPr>
                       <a:r>
-                        <a:rPr sz="900" spc="0">
+                        <a:rPr lang="de-de" sz="900" spc="0" dirty="0">
                           <a:solidFill>
                             <a:srgbClr val="020302"/>
                           </a:solidFill>
                           <a:latin typeface="AdobeClean-Light"/>
                           <a:cs typeface="AdobeClean-Light"/>
                         </a:rPr>
-                        <a:t>Business hours</a:t>
+                        <a:t>업무 </a:t>
                       </a:r>
                       <a:r>
-                        <a:rPr lang="en-US" sz="900" spc="0">
+                        <a:rPr lang="de-de" sz="900" spc="0" dirty="0" err="1">
+                          <a:solidFill>
+                            <a:srgbClr val="020302"/>
+                          </a:solidFill>
+                          <a:latin typeface="AdobeClean-Light"/>
+                          <a:cs typeface="AdobeClean-Light"/>
+                        </a:rPr>
+                        <a:t>시간</a:t>
+                      </a:r>
+                      <a:r>
+                        <a:rPr lang="de-de" sz="900" spc="0" dirty="0">
+                          <a:solidFill>
+                            <a:srgbClr val="020302"/>
+                          </a:solidFill>
+                          <a:latin typeface="AdobeClean-Light"/>
+                          <a:cs typeface="AdobeClean-Light"/>
+                        </a:rPr>
+                        <a:t> /</a:t>
+                      </a:r>
+                      <a:r>
+                        <a:rPr lang="de-DE" sz="900" spc="0" dirty="0">
                           <a:solidFill>
                             <a:srgbClr val="020302"/>
                           </a:solidFill>
@@ -3679,36 +3211,16 @@
                         <a:t> </a:t>
                       </a:r>
                       <a:r>
-                        <a:rPr sz="900" spc="0">
+                        <a:rPr lang="de-de" sz="900" spc="0" dirty="0">
                           <a:solidFill>
                             <a:srgbClr val="020302"/>
                           </a:solidFill>
                           <a:latin typeface="AdobeClean-Light"/>
                           <a:cs typeface="AdobeClean-Light"/>
                         </a:rPr>
-                        <a:t>/</a:t>
+                        <a:t>4시간</a:t>
                       </a:r>
-                      <a:r>
-                        <a:rPr lang="en-US" sz="900" spc="0">
-                          <a:solidFill>
-                            <a:srgbClr val="020302"/>
-                          </a:solidFill>
-                          <a:latin typeface="AdobeClean-Light"/>
-                          <a:cs typeface="AdobeClean-Light"/>
-                        </a:rPr>
-                        <a:t>       </a:t>
-                      </a:r>
-                      <a:r>
-                        <a:rPr sz="900" spc="0">
-                          <a:solidFill>
-                            <a:srgbClr val="020302"/>
-                          </a:solidFill>
-                          <a:latin typeface="AdobeClean-Light"/>
-                          <a:cs typeface="AdobeClean-Light"/>
-                        </a:rPr>
-                        <a:t>4 hours</a:t>
-                      </a:r>
-                      <a:endParaRPr sz="900" spc="0">
+                      <a:endParaRPr sz="900" spc="0" dirty="0">
                         <a:latin typeface="AdobeClean-Light"/>
                         <a:cs typeface="AdobeClean-Light"/>
                       </a:endParaRPr>
@@ -3746,13 +3258,13 @@
                     <a:bodyPr/>
                     <a:lstStyle/>
                     <a:p>
-                      <a:pPr marL="351790" marR="481330" indent="144145" algn="l">
+                      <a:pPr marL="351790" marR="481330" indent="144145" algn="ctr">
                         <a:lnSpc>
                           <a:spcPct val="102299"/>
                         </a:lnSpc>
                       </a:pPr>
                       <a:r>
-                        <a:rPr sz="900" spc="0">
+                        <a:rPr lang="de-de" sz="900" spc="0" dirty="0">
                           <a:solidFill>
                             <a:srgbClr val="020302"/>
                           </a:solidFill>
@@ -3762,52 +3274,32 @@
                         <a:t>24x5 /</a:t>
                       </a:r>
                       <a:r>
-                        <a:rPr lang="en-US" sz="900" spc="0">
+                        <a:rPr lang="de-DE" sz="900" spc="0" dirty="0">
                           <a:solidFill>
                             <a:srgbClr val="020302"/>
                           </a:solidFill>
                           <a:latin typeface="AdobeClean-Light"/>
                           <a:cs typeface="AdobeClean-Light"/>
                         </a:rPr>
-                        <a:t> </a:t>
+                        <a:t> </a:t>
                       </a:r>
                       <a:r>
-                        <a:rPr sz="900" spc="0">
+                        <a:rPr lang="de-de" sz="900" spc="0" dirty="0">
                           <a:solidFill>
                             <a:srgbClr val="020302"/>
                           </a:solidFill>
                           <a:latin typeface="AdobeClean-Light"/>
                           <a:cs typeface="AdobeClean-Light"/>
                         </a:rPr>
-                        <a:t> 30</a:t>
+                        <a:t>30분</a:t>
                       </a:r>
-                      <a:r>
-                        <a:rPr lang="en-US" sz="900" spc="0">
-                          <a:solidFill>
-                            <a:srgbClr val="020302"/>
-                          </a:solidFill>
-                          <a:latin typeface="AdobeClean-Light"/>
-                          <a:cs typeface="AdobeClean-Light"/>
-                        </a:rPr>
-                        <a:t> m</a:t>
-                      </a:r>
-                      <a:r>
-                        <a:rPr sz="900" spc="0">
-                          <a:solidFill>
-                            <a:srgbClr val="020302"/>
-                          </a:solidFill>
-                          <a:latin typeface="AdobeClean-Light"/>
-                          <a:cs typeface="AdobeClean-Light"/>
-                        </a:rPr>
-                        <a:t>inutes</a:t>
-                      </a:r>
-                      <a:endParaRPr sz="900" spc="0">
+                      <a:endParaRPr sz="900" spc="0" dirty="0">
                         <a:latin typeface="AdobeClean-Light"/>
                         <a:cs typeface="AdobeClean-Light"/>
                       </a:endParaRPr>
                     </a:p>
                   </a:txBody>
-                  <a:tcPr marL="0" marR="0" marT="5080" marB="0" anchor="ctr">
+                  <a:tcPr marL="0" marR="0" marT="0" marB="0" anchor="ctr">
                     <a:lnL w="6350" cap="flat" cmpd="sng" algn="ctr">
                       <a:solidFill>
                         <a:srgbClr val="B7B8B8"/>
@@ -3863,16 +3355,16 @@
                         </a:spcBef>
                       </a:pPr>
                       <a:r>
-                        <a:rPr sz="900" b="1" spc="0">
+                        <a:rPr lang="de-de" sz="900" b="1" spc="0" dirty="0">
                           <a:solidFill>
                             <a:srgbClr val="020302"/>
                           </a:solidFill>
                           <a:latin typeface="Adobe Clean"/>
                           <a:cs typeface="Adobe Clean"/>
                         </a:rPr>
-                        <a:t>PRIORITY 3</a:t>
+                        <a:t>우선 순위 3</a:t>
                       </a:r>
-                      <a:endParaRPr sz="900" spc="0">
+                      <a:endParaRPr sz="900" spc="0" dirty="0">
                         <a:latin typeface="Adobe Clean"/>
                         <a:cs typeface="Adobe Clean"/>
                       </a:endParaRPr>
@@ -3887,16 +3379,16 @@
                         </a:spcBef>
                       </a:pPr>
                       <a:r>
-                        <a:rPr lang="en-US" sz="900" b="0" i="0" u="none" strike="noStrike" spc="0">
+                        <a:rPr lang="de-de" sz="900" b="0" i="0" u="none" strike="noStrike" spc="0" dirty="0">
                           <a:solidFill>
                             <a:srgbClr val="000000"/>
                           </a:solidFill>
                           <a:effectLst/>
-                          <a:latin typeface="Adobe Clean Light"/>
+                          <a:latin typeface="Adobe Clean Light" panose="020B0303020404020204" pitchFamily="34" charset="0"/>
                         </a:rPr>
-                        <a:t>Customer’s business functions have minor to no service degradation but there exists a solution/workaround allowing business functions to continue normally</a:t>
+                        <a:t>고객의 비즈니스 기능에 서비스 저하가 경미하거나 전혀 없지만 비즈니스 기능을 정상적으로 계속할 수 있게 하는 솔루션/해결 방법이 있습니다.</a:t>
                       </a:r>
-                      <a:endParaRPr sz="900" spc="0">
+                      <a:endParaRPr sz="900" spc="0" dirty="0">
                         <a:latin typeface="AdobeClean-Light"/>
                         <a:cs typeface="AdobeClean-Light"/>
                       </a:endParaRPr>
@@ -3937,22 +3429,62 @@
                     <a:bodyPr/>
                     <a:lstStyle/>
                     <a:p>
-                      <a:pPr marL="473075" marR="343535" indent="-175895" algn="l">
+                      <a:pPr marL="473709" marR="343535" indent="-175895" algn="ctr">
                         <a:lnSpc>
                           <a:spcPct val="102200"/>
                         </a:lnSpc>
                       </a:pPr>
                       <a:r>
-                        <a:rPr lang="en-US" sz="900" spc="0">
+                        <a:rPr lang="de-de" sz="900" spc="0" dirty="0">
                           <a:solidFill>
                             <a:srgbClr val="020302"/>
                           </a:solidFill>
                           <a:latin typeface="AdobeClean-Light"/>
                           <a:cs typeface="AdobeClean-Light"/>
                         </a:rPr>
-                        <a:t>Business hours /       6 hours</a:t>
+                        <a:t>업무 </a:t>
                       </a:r>
-                      <a:endParaRPr lang="en-US" sz="900" spc="0">
+                      <a:r>
+                        <a:rPr lang="de-de" sz="900" spc="0" dirty="0" err="1">
+                          <a:solidFill>
+                            <a:srgbClr val="020302"/>
+                          </a:solidFill>
+                          <a:latin typeface="AdobeClean-Light"/>
+                          <a:cs typeface="AdobeClean-Light"/>
+                        </a:rPr>
+                        <a:t>시간</a:t>
+                      </a:r>
+                      <a:r>
+                        <a:rPr lang="de-de" sz="900" spc="0" dirty="0">
+                          <a:solidFill>
+                            <a:srgbClr val="020302"/>
+                          </a:solidFill>
+                          <a:latin typeface="AdobeClean-Light"/>
+                          <a:cs typeface="AdobeClean-Light"/>
+                        </a:rPr>
+                        <a:t> /</a:t>
+                      </a:r>
+                      <a:r>
+                        <a:rPr lang="de-DE" sz="900" spc="0" dirty="0">
+                          <a:solidFill>
+                            <a:srgbClr val="020302"/>
+                          </a:solidFill>
+                          <a:latin typeface="AdobeClean-Light"/>
+                          <a:cs typeface="AdobeClean-Light"/>
+                        </a:rPr>
+                        <a:t> </a:t>
+                      </a:r>
+                      <a:r>
+                        <a:rPr lang="de-de" sz="900" spc="0" dirty="0">
+                          <a:solidFill>
+                            <a:srgbClr val="020302"/>
+                          </a:solidFill>
+                          <a:latin typeface="AdobeClean-Light"/>
+                          <a:cs typeface="AdobeClean-Light"/>
+                        </a:rPr>
+                        <a:t>6시간</a:t>
+                      </a:r>
+                      <a:endParaRPr lang="en-US" sz="900" spc="0" dirty="0">
                         <a:latin typeface="AdobeClean-Light"/>
                         <a:cs typeface="AdobeClean-Light"/>
                       </a:endParaRPr>
@@ -3990,13 +3522,13 @@
                     <a:bodyPr/>
                     <a:lstStyle/>
                     <a:p>
-                      <a:pPr marL="508000" marR="531495" indent="1270" algn="l">
+                      <a:pPr marL="508000" marR="531495" indent="1270" algn="ctr">
                         <a:lnSpc>
                           <a:spcPct val="102200"/>
                         </a:lnSpc>
                       </a:pPr>
                       <a:r>
-                        <a:rPr lang="en-US" sz="900" spc="0">
+                        <a:rPr lang="de-de" sz="900" spc="0" dirty="0">
                           <a:solidFill>
                             <a:srgbClr val="020302"/>
                           </a:solidFill>
@@ -4007,7 +3539,7 @@
                         <a:t>2</a:t>
                       </a:r>
                       <a:r>
-                        <a:rPr sz="900" spc="0">
+                        <a:rPr lang="de-de" sz="900" spc="0" dirty="0">
                           <a:solidFill>
                             <a:srgbClr val="020302"/>
                           </a:solidFill>
@@ -4018,7 +3550,7 @@
                         <a:t>4x5/</a:t>
                       </a:r>
                       <a:r>
-                        <a:rPr lang="en-US" sz="900" spc="0">
+                        <a:rPr lang="de-DE" sz="900" spc="0" dirty="0">
                           <a:solidFill>
                             <a:srgbClr val="020302"/>
                           </a:solidFill>
@@ -4026,10 +3558,10 @@
                           <a:ea typeface="+mn-ea"/>
                           <a:cs typeface="AdobeClean-Light"/>
                         </a:rPr>
-                        <a:t>   </a:t>
+                        <a:t> </a:t>
                       </a:r>
                       <a:r>
-                        <a:rPr sz="900" spc="0">
+                        <a:rPr lang="de-de" sz="900" spc="0" dirty="0">
                           <a:solidFill>
                             <a:srgbClr val="020302"/>
                           </a:solidFill>
@@ -4037,11 +3569,11 @@
                           <a:ea typeface="+mn-ea"/>
                           <a:cs typeface="AdobeClean-Light"/>
                         </a:rPr>
-                        <a:t>1 hour</a:t>
+                        <a:t>1시간</a:t>
                       </a:r>
                     </a:p>
                   </a:txBody>
-                  <a:tcPr marL="0" marR="0" marT="6985" marB="0" anchor="ctr">
+                  <a:tcPr marL="0" marR="0" marT="0" marB="0" anchor="ctr">
                     <a:lnL w="6350" cap="flat" cmpd="sng" algn="ctr">
                       <a:solidFill>
                         <a:srgbClr val="B7B8B8"/>
@@ -4097,16 +3629,16 @@
                         </a:spcBef>
                       </a:pPr>
                       <a:r>
-                        <a:rPr sz="900" b="1" spc="0">
+                        <a:rPr lang="de-de" sz="900" b="1" spc="0" dirty="0">
                           <a:solidFill>
                             <a:srgbClr val="020302"/>
                           </a:solidFill>
                           <a:latin typeface="Adobe Clean"/>
                           <a:cs typeface="Adobe Clean"/>
                         </a:rPr>
-                        <a:t>PRIORITY 4</a:t>
+                        <a:t>우선 순위 4</a:t>
                       </a:r>
-                      <a:endParaRPr sz="900" spc="0">
+                      <a:endParaRPr sz="900" spc="0" dirty="0">
                         <a:latin typeface="Adobe Clean"/>
                         <a:cs typeface="Adobe Clean"/>
                       </a:endParaRPr>
@@ -4121,17 +3653,17 @@
                         </a:spcBef>
                       </a:pPr>
                       <a:r>
-                        <a:rPr lang="en-US" sz="900" b="0" i="0" u="none" strike="noStrike" spc="0">
+                        <a:rPr lang="de-de" sz="900" b="0" i="0" u="none" strike="noStrike" spc="0" dirty="0">
                           <a:solidFill>
                             <a:srgbClr val="000000"/>
                           </a:solidFill>
                           <a:effectLst/>
-                          <a:latin typeface="Adobe Clean Light"/>
+                          <a:latin typeface="Adobe Clean Light" panose="020B0303020404020204" pitchFamily="34" charset="0"/>
                         </a:rPr>
-                        <a:t>General question regarding current product functionality or an enhancement request</a:t>
+                        <a:t>현재 제품 기능에 관한 일반적인 질문 또는 개선 요청입니다.</a:t>
                       </a:r>
-                      <a:endParaRPr sz="900" spc="0">
-                        <a:latin typeface="Adobe Clean Light"/>
+                      <a:endParaRPr sz="900" spc="0" dirty="0">
+                        <a:latin typeface="AdobeClean-Light"/>
                         <a:cs typeface="AdobeClean-Light"/>
                       </a:endParaRPr>
                     </a:p>
@@ -4171,22 +3703,52 @@
                     <a:bodyPr/>
                     <a:lstStyle/>
                     <a:p>
-                      <a:pPr marL="473075" marR="343535" indent="-175895" algn="l">
+                      <a:pPr marL="473709" marR="343535" indent="-175895" algn="ctr">
                         <a:lnSpc>
                           <a:spcPct val="102200"/>
                         </a:lnSpc>
                       </a:pPr>
                       <a:r>
-                        <a:rPr lang="en-US" sz="900" spc="0">
+                        <a:rPr lang="de-de" sz="900" spc="0" dirty="0" err="1">
                           <a:solidFill>
                             <a:srgbClr val="020302"/>
                           </a:solidFill>
                           <a:latin typeface="AdobeClean-Light"/>
                           <a:cs typeface="AdobeClean-Light"/>
                         </a:rPr>
-                        <a:t>Business days /       3 days</a:t>
+                        <a:t>업무일</a:t>
                       </a:r>
-                      <a:endParaRPr lang="en-US" sz="900" spc="0">
+                      <a:r>
+                        <a:rPr lang="de-de" sz="900" spc="0" dirty="0">
+                          <a:solidFill>
+                            <a:srgbClr val="020302"/>
+                          </a:solidFill>
+                          <a:latin typeface="AdobeClean-Light"/>
+                          <a:cs typeface="AdobeClean-Light"/>
+                        </a:rPr>
+                        <a:t> /</a:t>
+                      </a:r>
+                      <a:r>
+                        <a:rPr lang="de-DE" sz="900" spc="0" dirty="0">
+                          <a:solidFill>
+                            <a:srgbClr val="020302"/>
+                          </a:solidFill>
+                          <a:latin typeface="AdobeClean-Light"/>
+                          <a:cs typeface="AdobeClean-Light"/>
+                        </a:rPr>
+                        <a:t> </a:t>
+                      </a:r>
+                      <a:r>
+                        <a:rPr lang="de-de" sz="900" spc="0" dirty="0">
+                          <a:solidFill>
+                            <a:srgbClr val="020302"/>
+                          </a:solidFill>
+                          <a:latin typeface="AdobeClean-Light"/>
+                          <a:cs typeface="AdobeClean-Light"/>
+                        </a:rPr>
+                        <a:t>3일</a:t>
+                      </a:r>
+                      <a:endParaRPr lang="en-US" sz="900" spc="0" dirty="0">
                         <a:latin typeface="AdobeClean-Light"/>
                         <a:cs typeface="AdobeClean-Light"/>
                       </a:endParaRPr>
@@ -4224,20 +3786,50 @@
                     <a:bodyPr/>
                     <a:lstStyle/>
                     <a:p>
-                      <a:pPr marL="473075" marR="343535" indent="-175895" algn="l">
+                      <a:pPr marL="473709" marR="343535" indent="-175895" algn="ctr">
                         <a:lnSpc>
                           <a:spcPct val="102200"/>
                         </a:lnSpc>
                       </a:pPr>
                       <a:r>
-                        <a:rPr lang="en-US" sz="900" spc="0" dirty="0">
+                        <a:rPr lang="de-de" sz="900" spc="0" dirty="0" err="1">
                           <a:solidFill>
                             <a:srgbClr val="020302"/>
                           </a:solidFill>
                           <a:latin typeface="AdobeClean-Light"/>
                           <a:cs typeface="AdobeClean-Light"/>
                         </a:rPr>
-                        <a:t>Business days /       1 day</a:t>
+                        <a:t>업무일</a:t>
+                      </a:r>
+                      <a:r>
+                        <a:rPr lang="de-de" sz="900" spc="0" dirty="0">
+                          <a:solidFill>
+                            <a:srgbClr val="020302"/>
+                          </a:solidFill>
+                          <a:latin typeface="AdobeClean-Light"/>
+                          <a:cs typeface="AdobeClean-Light"/>
+                        </a:rPr>
+                        <a:t> /</a:t>
+                      </a:r>
+                      <a:r>
+                        <a:rPr lang="de-DE" sz="900" spc="0" dirty="0">
+                          <a:solidFill>
+                            <a:srgbClr val="020302"/>
+                          </a:solidFill>
+                          <a:latin typeface="AdobeClean-Light"/>
+                          <a:cs typeface="AdobeClean-Light"/>
+                        </a:rPr>
+                        <a:t> </a:t>
+                      </a:r>
+                      <a:r>
+                        <a:rPr lang="de-de" sz="900" spc="0" dirty="0">
+                          <a:solidFill>
+                            <a:srgbClr val="020302"/>
+                          </a:solidFill>
+                          <a:latin typeface="AdobeClean-Light"/>
+                          <a:cs typeface="AdobeClean-Light"/>
+                        </a:rPr>
+                        <a:t>1일</a:t>
                       </a:r>
                       <a:endParaRPr lang="en-US" sz="900" spc="0" dirty="0">
                         <a:latin typeface="AdobeClean-Light"/>
@@ -4245,7 +3837,7 @@
                       </a:endParaRPr>
                     </a:p>
                   </a:txBody>
-                  <a:tcPr marL="0" marR="0" marT="27940" marB="0" anchor="ctr">
+                  <a:tcPr marL="0" marR="0" marT="0" marB="0" anchor="ctr">
                     <a:lnL w="6350" cap="flat" cmpd="sng" algn="ctr">
                       <a:solidFill>
                         <a:srgbClr val="B7B8B8"/>
@@ -4342,7 +3934,7 @@
               </a:spcBef>
             </a:pPr>
             <a:r>
-              <a:rPr sz="800" spc="-15">
+              <a:rPr lang="de-de" sz="800" spc="-15" dirty="0">
                 <a:solidFill>
                   <a:srgbClr val="6D6D6D"/>
                 </a:solidFill>
@@ -4352,7 +3944,7 @@
               <a:t>©2021 </a:t>
             </a:r>
             <a:r>
-              <a:rPr sz="800" spc="-5">
+              <a:rPr lang="de-de" sz="800" spc="-5" dirty="0">
                 <a:solidFill>
                   <a:srgbClr val="6D6D6D"/>
                 </a:solidFill>
@@ -4362,7 +3954,7 @@
               <a:t>Adobe. All</a:t>
             </a:r>
             <a:r>
-              <a:rPr sz="800" spc="-15">
+              <a:rPr lang="de-de" sz="800" spc="-15" dirty="0">
                 <a:solidFill>
                   <a:srgbClr val="6D6D6D"/>
                 </a:solidFill>
@@ -4372,7 +3964,7 @@
               <a:t> Rights</a:t>
             </a:r>
             <a:r>
-              <a:rPr sz="800" spc="-5">
+              <a:rPr lang="de-de" sz="800" spc="-5" dirty="0">
                 <a:solidFill>
                   <a:srgbClr val="6D6D6D"/>
                 </a:solidFill>
@@ -4382,7 +3974,7 @@
               <a:t> </a:t>
             </a:r>
             <a:r>
-              <a:rPr sz="800" spc="-15">
+              <a:rPr lang="de-de" sz="800" spc="-15" dirty="0">
                 <a:solidFill>
                   <a:srgbClr val="6D6D6D"/>
                 </a:solidFill>
@@ -4392,7 +3984,7 @@
               <a:t>Reserved.</a:t>
             </a:r>
             <a:r>
-              <a:rPr sz="800" spc="-10">
+              <a:rPr lang="de-de" sz="800" spc="-10" dirty="0">
                 <a:solidFill>
                   <a:srgbClr val="6D6D6D"/>
                 </a:solidFill>
@@ -4402,7 +3994,7 @@
               <a:t> </a:t>
             </a:r>
             <a:r>
-              <a:rPr sz="800" spc="-5">
+              <a:rPr lang="de-de" sz="800" spc="-5" dirty="0">
                 <a:solidFill>
                   <a:srgbClr val="6D6D6D"/>
                 </a:solidFill>
@@ -4412,7 +4004,7 @@
               <a:t>Adobe</a:t>
             </a:r>
             <a:r>
-              <a:rPr sz="800" spc="65">
+              <a:rPr lang="de-de" sz="800" spc="65" dirty="0">
                 <a:solidFill>
                   <a:srgbClr val="6D6D6D"/>
                 </a:solidFill>
@@ -4422,14 +4014,14 @@
               <a:t> </a:t>
             </a:r>
             <a:r>
-              <a:rPr sz="800" spc="-15">
+              <a:rPr lang="de-de" sz="800" spc="-15" dirty="0">
                 <a:solidFill>
                   <a:srgbClr val="6D6D6D"/>
                 </a:solidFill>
                 <a:latin typeface="Adobe Clean"/>
                 <a:cs typeface="Adobe Clean"/>
               </a:rPr>
-              <a:t>Confidential.</a:t>
+              <a:t>기밀.</a:t>
             </a:r>
             <a:endParaRPr sz="800">
               <a:latin typeface="Adobe Clean"/>
@@ -4467,7 +4059,7 @@
           <a:lstStyle/>
           <a:p>
             <a:r>
-              <a:rPr lang="en-US" sz="700" i="1">
+              <a:rPr lang="de-de" sz="700" i="1" dirty="0">
                 <a:solidFill>
                   <a:schemeClr val="bg1"/>
                 </a:solidFill>
@@ -4492,7 +4084,7 @@
           <p:nvPr>
             <p:extLst>
               <p:ext uri="{D42A27DB-BD31-4B8C-83A1-F6EECF244321}">
-                <p14:modId xmlns:p14="http://schemas.microsoft.com/office/powerpoint/2010/main" val="2453616751"/>
+                <p14:modId xmlns:p14="http://schemas.microsoft.com/office/powerpoint/2010/main" val="1050964675"/>
               </p:ext>
             </p:extLst>
           </p:nvPr>
@@ -4543,7 +4135,7 @@
                     <a:bodyPr/>
                     <a:lstStyle/>
                     <a:p>
-                      <a:endParaRPr lang="en-US"/>
+                      <a:endParaRPr lang="en-US" dirty="0"/>
                     </a:p>
                   </a:txBody>
                   <a:tcPr/>
@@ -4581,34 +4173,14 @@
                         <a:defRPr/>
                       </a:pPr>
                       <a:r>
-                        <a:rPr lang="en-US" sz="900" spc="-20" dirty="0">
+                        <a:rPr lang="ko-KR" altLang="en-US" sz="900" spc="-20" dirty="0">
                           <a:solidFill>
                             <a:srgbClr val="404040"/>
                           </a:solidFill>
                           <a:latin typeface="Adobe Clean"/>
                           <a:cs typeface="Adobe Clean"/>
                         </a:rPr>
-                        <a:t>Standard </a:t>
-                      </a:r>
-                      <a:r>
-                        <a:rPr lang="en-US" sz="900" spc="-135" dirty="0">
-                          <a:solidFill>
-                            <a:srgbClr val="404040"/>
-                          </a:solidFill>
-                          <a:latin typeface="Adobe Clean"/>
-                          <a:cs typeface="Adobe Clean"/>
-                        </a:rPr>
-                        <a:t> </a:t>
-                      </a:r>
-                      <a:r>
-                        <a:rPr lang="en-US" sz="900" spc="-20" dirty="0">
-                          <a:solidFill>
-                            <a:srgbClr val="404040"/>
-                          </a:solidFill>
-                          <a:latin typeface="Adobe Clean"/>
-                          <a:cs typeface="Adobe Clean"/>
-                        </a:rPr>
-                        <a:t>Support</a:t>
+                        <a:t>표준 지원</a:t>
                       </a:r>
                       <a:endParaRPr lang="en-US" sz="900" dirty="0">
                         <a:latin typeface="Adobe Clean"/>
@@ -4654,26 +4226,16 @@
                         </a:spcBef>
                       </a:pPr>
                       <a:r>
-                        <a:rPr lang="en-US" sz="900" spc="-20">
+                        <a:rPr lang="de-de" sz="900" spc="-20" dirty="0">
                           <a:solidFill>
                             <a:srgbClr val="FFFFFF"/>
                           </a:solidFill>
                           <a:latin typeface="Adobe Clean"/>
                           <a:cs typeface="Adobe Clean"/>
                         </a:rPr>
-                        <a:t>Elite </a:t>
+                        <a:t>엘리트 지원</a:t>
                       </a:r>
-                      <a:r>
-                        <a:rPr sz="900" spc="-20">
-                          <a:solidFill>
-                            <a:srgbClr val="FFFFFF"/>
-                          </a:solidFill>
-                          <a:latin typeface="Adobe Clean"/>
-                          <a:cs typeface="Adobe Clean"/>
-                        </a:rPr>
-                        <a:t>Support</a:t>
-                      </a:r>
-                      <a:endParaRPr sz="900">
+                      <a:endParaRPr sz="900" dirty="0">
                         <a:latin typeface="Adobe Clean"/>
                         <a:cs typeface="Adobe Clean"/>
                       </a:endParaRPr>
@@ -4721,7 +4283,7 @@
                     <a:bodyPr/>
                     <a:lstStyle/>
                     <a:p>
-                      <a:endParaRPr lang="en-US"/>
+                      <a:endParaRPr lang="en-US" dirty="0"/>
                     </a:p>
                   </a:txBody>
                   <a:tcPr/>
@@ -4758,7 +4320,7 @@
                         <a:tabLst/>
                         <a:defRPr/>
                       </a:pPr>
-                      <a:endParaRPr lang="en-US" sz="800" i="1">
+                      <a:endParaRPr lang="en-US" sz="800" i="1" dirty="0">
                         <a:solidFill>
                           <a:sysClr val="windowText" lastClr="000000"/>
                         </a:solidFill>
@@ -4822,13 +4384,13 @@
                         <a:defRPr/>
                       </a:pPr>
                       <a:r>
-                        <a:rPr lang="en-US" sz="800" i="1">
+                        <a:rPr lang="de-de" sz="800" i="1" dirty="0">
                           <a:solidFill>
                             <a:schemeClr val="bg1"/>
                           </a:solidFill>
                           <a:latin typeface="Adobe Clean Light" panose="020B0303020404020204" pitchFamily="34" charset="0"/>
                         </a:rPr>
-                        <a:t>Paid Support ($)</a:t>
+                        <a:t>유료 지원($)</a:t>
                       </a:r>
                     </a:p>
                   </a:txBody>
@@ -4892,16 +4454,16 @@
                         </a:spcBef>
                       </a:pPr>
                       <a:r>
-                        <a:rPr lang="en-US" sz="1000" b="1" i="0" spc="0">
+                        <a:rPr lang="de-de" sz="1000" b="1" i="0" spc="0" dirty="0">
                           <a:solidFill>
                             <a:schemeClr val="bg1"/>
                           </a:solidFill>
                           <a:latin typeface="Adobe Clean" panose="020B0503020404020204" pitchFamily="34" charset="0"/>
                           <a:cs typeface="AdobeClean-Light"/>
                         </a:rPr>
-                        <a:t>Assigned Experts</a:t>
+                        <a:t>할당된 전문가</a:t>
                       </a:r>
-                      <a:endParaRPr sz="1000" b="1" i="0" spc="0">
+                      <a:endParaRPr sz="1000" b="1" i="0" spc="0" dirty="0">
                         <a:solidFill>
                           <a:schemeClr val="bg1"/>
                         </a:solidFill>
@@ -4954,16 +4516,16 @@
                         </a:spcBef>
                       </a:pPr>
                       <a:r>
-                        <a:rPr sz="900" spc="0">
+                        <a:rPr lang="de-de" sz="900" spc="0" dirty="0">
                           <a:solidFill>
                             <a:srgbClr val="020302"/>
                           </a:solidFill>
                           <a:latin typeface="AdobeClean-Light"/>
                           <a:cs typeface="AdobeClean-Light"/>
                         </a:rPr>
-                        <a:t>Account Support Lead</a:t>
+                        <a:t>계정 지원 리드</a:t>
                       </a:r>
-                      <a:endParaRPr sz="900" spc="0">
+                      <a:endParaRPr sz="900" spc="0" dirty="0">
                         <a:latin typeface="AdobeClean-Light"/>
                         <a:cs typeface="AdobeClean-Light"/>
                       </a:endParaRPr>
@@ -5009,7 +4571,7 @@
                           <a:spcPts val="470"/>
                         </a:spcBef>
                       </a:pPr>
-                      <a:endParaRPr sz="900">
+                      <a:endParaRPr sz="900" dirty="0">
                         <a:latin typeface="Wingdings"/>
                         <a:cs typeface="Wingdings"/>
                       </a:endParaRPr>
@@ -5050,7 +4612,7 @@
                           <a:spcPts val="470"/>
                         </a:spcBef>
                       </a:pPr>
-                      <a:endParaRPr sz="900">
+                      <a:endParaRPr sz="900" dirty="0">
                         <a:latin typeface="Wingdings"/>
                         <a:cs typeface="Wingdings"/>
                       </a:endParaRPr>
@@ -5093,7 +4655,7 @@
                           <a:spcPts val="459"/>
                         </a:spcBef>
                       </a:pPr>
-                      <a:endParaRPr sz="900">
+                      <a:endParaRPr sz="900" dirty="0">
                         <a:latin typeface="AdobeClean-Light"/>
                         <a:cs typeface="AdobeClean-Light"/>
                       </a:endParaRPr>
@@ -5131,16 +4693,16 @@
                         </a:spcBef>
                       </a:pPr>
                       <a:r>
-                        <a:rPr sz="900" spc="0">
+                        <a:rPr lang="de-de" sz="900" spc="0" dirty="0">
                           <a:solidFill>
                             <a:srgbClr val="020302"/>
                           </a:solidFill>
                           <a:latin typeface="AdobeClean-Light"/>
                           <a:cs typeface="AdobeClean-Light"/>
                         </a:rPr>
-                        <a:t>Named Support Engineer</a:t>
+                        <a:t>지정 지원 엔지니어</a:t>
                       </a:r>
-                      <a:endParaRPr sz="900" spc="0">
+                      <a:endParaRPr sz="900" spc="0" dirty="0">
                         <a:latin typeface="AdobeClean-Light"/>
                         <a:cs typeface="AdobeClean-Light"/>
                       </a:endParaRPr>
@@ -5171,7 +4733,7 @@
                           <a:spcPct val="100000"/>
                         </a:lnSpc>
                       </a:pPr>
-                      <a:endParaRPr sz="900">
+                      <a:endParaRPr sz="900" dirty="0">
                         <a:latin typeface="Times New Roman"/>
                         <a:cs typeface="Times New Roman"/>
                       </a:endParaRPr>
@@ -5213,7 +4775,7 @@
                         <a:defRPr/>
                       </a:pPr>
                       <a:r>
-                        <a:rPr lang="en-US" sz="900">
+                        <a:rPr lang="de-de" sz="900" dirty="0">
                           <a:solidFill>
                             <a:srgbClr val="020302"/>
                           </a:solidFill>
@@ -5222,7 +4784,7 @@
                         </a:rPr>
                         <a:t></a:t>
                       </a:r>
-                      <a:endParaRPr lang="en-US" sz="900">
+                      <a:endParaRPr lang="en-US" sz="900" dirty="0">
                         <a:latin typeface="Wingdings"/>
                         <a:cs typeface="Wingdings"/>
                       </a:endParaRPr>
@@ -5256,7 +4818,7 @@
                           <a:spcPts val="500"/>
                         </a:spcBef>
                       </a:pPr>
-                      <a:endParaRPr sz="900">
+                      <a:endParaRPr sz="900" dirty="0">
                         <a:latin typeface="AdobeClean-Light"/>
                         <a:cs typeface="AdobeClean-Light"/>
                       </a:endParaRPr>
@@ -5306,16 +4868,16 @@
                         </a:spcBef>
                       </a:pPr>
                       <a:r>
-                        <a:rPr sz="900" spc="0">
+                        <a:rPr lang="de-de" sz="900" spc="0" dirty="0">
                           <a:solidFill>
                             <a:srgbClr val="020302"/>
                           </a:solidFill>
                           <a:latin typeface="AdobeClean-Light"/>
                           <a:cs typeface="AdobeClean-Light"/>
                         </a:rPr>
-                        <a:t>Technical Account Manager</a:t>
+                        <a:t>기술 계정 관리자</a:t>
                       </a:r>
-                      <a:endParaRPr sz="900" spc="0">
+                      <a:endParaRPr sz="900" spc="0" dirty="0">
                         <a:latin typeface="AdobeClean-Light"/>
                         <a:cs typeface="AdobeClean-Light"/>
                       </a:endParaRPr>
@@ -5352,7 +4914,7 @@
                           <a:spcPct val="100000"/>
                         </a:lnSpc>
                       </a:pPr>
-                      <a:endParaRPr sz="900">
+                      <a:endParaRPr sz="900" dirty="0">
                         <a:latin typeface="Times New Roman"/>
                         <a:cs typeface="Times New Roman"/>
                       </a:endParaRPr>
@@ -5403,7 +4965,7 @@
                         <a:defRPr/>
                       </a:pPr>
                       <a:r>
-                        <a:rPr lang="en-US" sz="900">
+                        <a:rPr lang="de-de" sz="900" dirty="0">
                           <a:solidFill>
                             <a:srgbClr val="020302"/>
                           </a:solidFill>
@@ -5412,7 +4974,7 @@
                         </a:rPr>
                         <a:t></a:t>
                       </a:r>
-                      <a:endParaRPr lang="en-US" sz="900">
+                      <a:endParaRPr lang="en-US" sz="900" dirty="0">
                         <a:latin typeface="Wingdings"/>
                         <a:cs typeface="Wingdings"/>
                       </a:endParaRPr>
@@ -5456,16 +5018,16 @@
                         </a:spcBef>
                       </a:pPr>
                       <a:r>
-                        <a:rPr lang="en-US" sz="1000" b="1" i="0" spc="0">
+                        <a:rPr lang="de-de" sz="1000" b="1" i="0" spc="0" dirty="0">
                           <a:solidFill>
                             <a:schemeClr val="bg1"/>
                           </a:solidFill>
                           <a:latin typeface="Adobe Clean" panose="020B0503020404020204" pitchFamily="34" charset="0"/>
                           <a:cs typeface="AdobeClean-Light"/>
                         </a:rPr>
-                        <a:t>Support Services</a:t>
+                        <a:t>지원 서비스</a:t>
                       </a:r>
-                      <a:endParaRPr sz="1000" b="1" i="0" spc="0">
+                      <a:endParaRPr sz="1000" b="1" i="0" spc="0" dirty="0">
                         <a:solidFill>
                           <a:schemeClr val="bg1"/>
                         </a:solidFill>
@@ -5527,26 +5089,16 @@
                         </a:spcBef>
                       </a:pPr>
                       <a:r>
-                        <a:rPr lang="en-US" sz="900" spc="0">
+                        <a:rPr lang="de-de" sz="900" spc="0" dirty="0">
                           <a:solidFill>
                             <a:srgbClr val="020302"/>
                           </a:solidFill>
                           <a:latin typeface="AdobeClean-Light"/>
                           <a:cs typeface="AdobeClean-Light"/>
                         </a:rPr>
-                        <a:t>Online</a:t>
+                        <a:t>온라인 지원</a:t>
                       </a:r>
-                      <a:r>
-                        <a:rPr sz="900" spc="0">
-                          <a:solidFill>
-                            <a:srgbClr val="020302"/>
-                          </a:solidFill>
-                          <a:latin typeface="AdobeClean-Light"/>
-                          <a:cs typeface="AdobeClean-Light"/>
-                        </a:rPr>
-                        <a:t> Support</a:t>
-                      </a:r>
-                      <a:endParaRPr sz="900" spc="0">
+                      <a:endParaRPr sz="900" spc="0" dirty="0">
                         <a:latin typeface="AdobeClean-Light"/>
                         <a:cs typeface="AdobeClean-Light"/>
                       </a:endParaRPr>
@@ -5587,17 +5139,17 @@
                         </a:spcBef>
                       </a:pPr>
                       <a:r>
-                        <a:rPr sz="900" spc="-25">
+                        <a:rPr lang="de-de" sz="900" spc="-25" dirty="0">
                           <a:solidFill>
                             <a:srgbClr val="020302"/>
                           </a:solidFill>
                           <a:latin typeface="AdobeClean-Light"/>
                           <a:cs typeface="AdobeClean-Light"/>
                         </a:rPr>
-                        <a:t>Business</a:t>
+                        <a:t>업무</a:t>
                       </a:r>
                       <a:r>
-                        <a:rPr sz="900" spc="-15">
+                        <a:rPr lang="de-de" sz="900" spc="-15" dirty="0">
                           <a:solidFill>
                             <a:srgbClr val="020302"/>
                           </a:solidFill>
@@ -5607,16 +5159,16 @@
                         <a:t> </a:t>
                       </a:r>
                       <a:r>
-                        <a:rPr sz="900" spc="-30">
+                        <a:rPr lang="de-de" sz="900" spc="-30" dirty="0">
                           <a:solidFill>
                             <a:srgbClr val="020302"/>
                           </a:solidFill>
                           <a:latin typeface="AdobeClean-Light"/>
                           <a:cs typeface="AdobeClean-Light"/>
                         </a:rPr>
-                        <a:t>hours</a:t>
+                        <a:t>시간</a:t>
                       </a:r>
-                      <a:endParaRPr sz="900">
+                      <a:endParaRPr sz="900" dirty="0">
                         <a:latin typeface="AdobeClean-Light"/>
                         <a:cs typeface="AdobeClean-Light"/>
                       </a:endParaRPr>
@@ -5658,7 +5210,7 @@
                         </a:spcBef>
                       </a:pPr>
                       <a:r>
-                        <a:rPr lang="en-US" sz="900" spc="-25">
+                        <a:rPr lang="de-de" sz="900" spc="-25" dirty="0">
                           <a:solidFill>
                             <a:srgbClr val="020302"/>
                           </a:solidFill>
@@ -5667,7 +5219,7 @@
                         </a:rPr>
                         <a:t>24x5</a:t>
                       </a:r>
-                      <a:endParaRPr sz="900">
+                      <a:endParaRPr sz="900" dirty="0">
                         <a:latin typeface="AdobeClean-Light"/>
                         <a:cs typeface="AdobeClean-Light"/>
                       </a:endParaRPr>
@@ -5710,7 +5262,7 @@
                           <a:spcPts val="455"/>
                         </a:spcBef>
                       </a:pPr>
-                      <a:endParaRPr sz="900">
+                      <a:endParaRPr sz="900" dirty="0">
                         <a:latin typeface="AdobeClean-Light"/>
                         <a:cs typeface="AdobeClean-Light"/>
                       </a:endParaRPr>
@@ -5751,36 +5303,16 @@
                         </a:spcBef>
                       </a:pPr>
                       <a:r>
-                        <a:rPr sz="900" spc="0">
+                        <a:rPr lang="de-de" sz="900" spc="0" dirty="0">
                           <a:solidFill>
                             <a:srgbClr val="020302"/>
                           </a:solidFill>
                           <a:latin typeface="AdobeClean-Light"/>
                           <a:cs typeface="AdobeClean-Light"/>
                         </a:rPr>
-                        <a:t>24x7</a:t>
+                        <a:t>24x7x365 P1 문제 지원</a:t>
                       </a:r>
-                      <a:r>
-                        <a:rPr lang="en-US" sz="900" spc="0">
-                          <a:solidFill>
-                            <a:srgbClr val="020302"/>
-                          </a:solidFill>
-                          <a:latin typeface="AdobeClean-Light"/>
-                          <a:cs typeface="AdobeClean-Light"/>
-                        </a:rPr>
-                        <a:t>x365</a:t>
-                      </a:r>
-                      <a:r>
-                        <a:rPr sz="900" spc="0">
-                          <a:solidFill>
-                            <a:srgbClr val="020302"/>
-                          </a:solidFill>
-                          <a:latin typeface="AdobeClean-Light"/>
-                          <a:cs typeface="AdobeClean-Light"/>
-                        </a:rPr>
-                        <a:t> P1 Issue Support</a:t>
-                      </a:r>
-                      <a:endParaRPr sz="900" spc="0">
+                      <a:endParaRPr sz="900" spc="0" dirty="0">
                         <a:latin typeface="AdobeClean-Light"/>
                         <a:cs typeface="AdobeClean-Light"/>
                       </a:endParaRPr>
@@ -5815,7 +5347,7 @@
                         </a:spcBef>
                       </a:pPr>
                       <a:r>
-                        <a:rPr sz="900">
+                        <a:rPr lang="de-de" sz="900" dirty="0">
                           <a:solidFill>
                             <a:srgbClr val="020302"/>
                           </a:solidFill>
@@ -5824,7 +5356,7 @@
                         </a:rPr>
                         <a:t></a:t>
                       </a:r>
-                      <a:endParaRPr sz="900">
+                      <a:endParaRPr sz="900" dirty="0">
                         <a:latin typeface="Wingdings"/>
                         <a:cs typeface="Wingdings"/>
                       </a:endParaRPr>
@@ -5857,7 +5389,7 @@
                         </a:spcBef>
                       </a:pPr>
                       <a:r>
-                        <a:rPr sz="900">
+                        <a:rPr lang="de-de" sz="900" dirty="0">
                           <a:solidFill>
                             <a:srgbClr val="020302"/>
                           </a:solidFill>
@@ -5866,7 +5398,7 @@
                         </a:rPr>
                         <a:t></a:t>
                       </a:r>
-                      <a:endParaRPr sz="900">
+                      <a:endParaRPr sz="900" dirty="0">
                         <a:latin typeface="Wingdings"/>
                         <a:cs typeface="Wingdings"/>
                       </a:endParaRPr>
@@ -5900,7 +5432,7 @@
                           <a:spcPts val="455"/>
                         </a:spcBef>
                       </a:pPr>
-                      <a:endParaRPr sz="900">
+                      <a:endParaRPr sz="900" dirty="0">
                         <a:latin typeface="AdobeClean-Light"/>
                         <a:cs typeface="AdobeClean-Light"/>
                       </a:endParaRPr>
@@ -5950,16 +5482,16 @@
                         </a:spcBef>
                       </a:pPr>
                       <a:r>
-                        <a:rPr lang="en-US" sz="900" spc="0">
+                        <a:rPr lang="de-de" sz="900" spc="0" dirty="0">
                           <a:solidFill>
                             <a:srgbClr val="020302"/>
                           </a:solidFill>
                           <a:latin typeface="AdobeClean-Light"/>
                           <a:cs typeface="AdobeClean-Light"/>
                         </a:rPr>
-                        <a:t>Named Support Contacts (per product)</a:t>
+                        <a:t>지정된 지원 담당자(제품당)</a:t>
                       </a:r>
-                      <a:endParaRPr sz="900" spc="0">
+                      <a:endParaRPr sz="900" spc="0" dirty="0">
                         <a:latin typeface="AdobeClean-Light"/>
                         <a:cs typeface="AdobeClean-Light"/>
                       </a:endParaRPr>
@@ -6000,7 +5532,7 @@
                         </a:spcBef>
                       </a:pPr>
                       <a:r>
-                        <a:rPr sz="900">
+                        <a:rPr lang="de-de" sz="900" dirty="0">
                           <a:solidFill>
                             <a:srgbClr val="020302"/>
                           </a:solidFill>
@@ -6009,7 +5541,7 @@
                         </a:rPr>
                         <a:t>4</a:t>
                       </a:r>
-                      <a:endParaRPr sz="900">
+                      <a:endParaRPr sz="900" dirty="0">
                         <a:latin typeface="AdobeClean-Light"/>
                         <a:cs typeface="AdobeClean-Light"/>
                       </a:endParaRPr>
@@ -6042,7 +5574,7 @@
                         </a:spcBef>
                       </a:pPr>
                       <a:r>
-                        <a:rPr lang="en-US" sz="900">
+                        <a:rPr lang="de-de" sz="900" dirty="0">
                           <a:solidFill>
                             <a:srgbClr val="020302"/>
                           </a:solidFill>
@@ -6051,7 +5583,7 @@
                         </a:rPr>
                         <a:t>15</a:t>
                       </a:r>
-                      <a:endParaRPr sz="900">
+                      <a:endParaRPr sz="900" dirty="0">
                         <a:latin typeface="AdobeClean-Light"/>
                         <a:cs typeface="AdobeClean-Light"/>
                       </a:endParaRPr>
@@ -6085,7 +5617,7 @@
                           <a:spcPts val="455"/>
                         </a:spcBef>
                       </a:pPr>
-                      <a:endParaRPr sz="900">
+                      <a:endParaRPr sz="900" dirty="0">
                         <a:latin typeface="AdobeClean-Light"/>
                         <a:cs typeface="AdobeClean-Light"/>
                       </a:endParaRPr>
@@ -6126,16 +5658,16 @@
                         </a:spcBef>
                       </a:pPr>
                       <a:r>
-                        <a:rPr lang="en-US" sz="900" spc="0">
+                        <a:rPr lang="de-de" sz="900" spc="0" dirty="0">
                           <a:solidFill>
                             <a:srgbClr val="020302"/>
                           </a:solidFill>
                           <a:latin typeface="AdobeClean-Light"/>
                           <a:cs typeface="AdobeClean-Light"/>
                         </a:rPr>
-                        <a:t>Live Telephone Support</a:t>
+                        <a:t>실시간 전화 지원</a:t>
                       </a:r>
-                      <a:endParaRPr sz="900" spc="0">
+                      <a:endParaRPr sz="900" spc="0" dirty="0">
                         <a:latin typeface="AdobeClean-Light"/>
                         <a:cs typeface="AdobeClean-Light"/>
                       </a:endParaRPr>
@@ -6169,7 +5701,7 @@
                           <a:spcPts val="464"/>
                         </a:spcBef>
                       </a:pPr>
-                      <a:endParaRPr sz="900">
+                      <a:endParaRPr sz="900" dirty="0">
                         <a:latin typeface="Wingdings"/>
                         <a:cs typeface="Wingdings"/>
                       </a:endParaRPr>
@@ -6202,7 +5734,7 @@
                         </a:spcBef>
                       </a:pPr>
                       <a:r>
-                        <a:rPr sz="900">
+                        <a:rPr lang="de-de" sz="900" dirty="0">
                           <a:solidFill>
                             <a:srgbClr val="020302"/>
                           </a:solidFill>
@@ -6211,7 +5743,7 @@
                         </a:rPr>
                         <a:t></a:t>
                       </a:r>
-                      <a:endParaRPr sz="900">
+                      <a:endParaRPr sz="900" dirty="0">
                         <a:latin typeface="Wingdings"/>
                         <a:cs typeface="Wingdings"/>
                       </a:endParaRPr>
@@ -6245,7 +5777,7 @@
                           <a:spcPts val="459"/>
                         </a:spcBef>
                       </a:pPr>
-                      <a:endParaRPr sz="900">
+                      <a:endParaRPr sz="900" dirty="0">
                         <a:latin typeface="AdobeClean-Light"/>
                         <a:cs typeface="AdobeClean-Light"/>
                       </a:endParaRPr>
@@ -6286,16 +5818,16 @@
                         </a:spcBef>
                       </a:pPr>
                       <a:r>
-                        <a:rPr sz="900" spc="0">
+                        <a:rPr lang="de-de" sz="900" spc="0" dirty="0">
                           <a:solidFill>
                             <a:srgbClr val="020302"/>
                           </a:solidFill>
                           <a:latin typeface="AdobeClean-Light"/>
                           <a:cs typeface="AdobeClean-Light"/>
                         </a:rPr>
-                        <a:t>Escalation Management</a:t>
+                        <a:t>에스컬레이션 관리</a:t>
                       </a:r>
-                      <a:endParaRPr sz="900" spc="0">
+                      <a:endParaRPr sz="900" spc="0" dirty="0">
                         <a:latin typeface="AdobeClean-Light"/>
                         <a:cs typeface="AdobeClean-Light"/>
                       </a:endParaRPr>
@@ -6329,7 +5861,7 @@
                           <a:spcPts val="470"/>
                         </a:spcBef>
                       </a:pPr>
-                      <a:endParaRPr sz="900">
+                      <a:endParaRPr sz="900" dirty="0">
                         <a:latin typeface="Wingdings"/>
                         <a:cs typeface="Wingdings"/>
                       </a:endParaRPr>
@@ -6362,7 +5894,7 @@
                         </a:spcBef>
                       </a:pPr>
                       <a:r>
-                        <a:rPr sz="900">
+                        <a:rPr lang="de-de" sz="900" dirty="0">
                           <a:solidFill>
                             <a:srgbClr val="020302"/>
                           </a:solidFill>
@@ -6371,7 +5903,7 @@
                         </a:rPr>
                         <a:t></a:t>
                       </a:r>
-                      <a:endParaRPr sz="900">
+                      <a:endParaRPr sz="900" dirty="0">
                         <a:latin typeface="Wingdings"/>
                         <a:cs typeface="Wingdings"/>
                       </a:endParaRPr>
@@ -6405,7 +5937,7 @@
                           <a:spcPts val="450"/>
                         </a:spcBef>
                       </a:pPr>
-                      <a:endParaRPr sz="900">
+                      <a:endParaRPr sz="900" dirty="0">
                         <a:latin typeface="AdobeClean-Light"/>
                         <a:cs typeface="AdobeClean-Light"/>
                       </a:endParaRPr>
@@ -6446,26 +5978,16 @@
                         </a:spcBef>
                       </a:pPr>
                       <a:r>
-                        <a:rPr sz="900" spc="0">
+                        <a:rPr lang="de-de" sz="900" spc="0" dirty="0">
                           <a:solidFill>
                             <a:srgbClr val="020302"/>
                           </a:solidFill>
                           <a:latin typeface="AdobeClean-Light"/>
                           <a:cs typeface="AdobeClean-Light"/>
                         </a:rPr>
-                        <a:t>Service Reviews </a:t>
+                        <a:t>연간 서비스 리뷰</a:t>
                       </a:r>
-                      <a:r>
-                        <a:rPr lang="en-US" sz="900" spc="0">
-                          <a:solidFill>
-                            <a:srgbClr val="020302"/>
-                          </a:solidFill>
-                          <a:latin typeface="AdobeClean-Light"/>
-                          <a:cs typeface="AdobeClean-Light"/>
-                        </a:rPr>
-                        <a:t>per Year</a:t>
-                      </a:r>
-                      <a:endParaRPr sz="900" spc="0">
+                      <a:endParaRPr sz="900" spc="0" dirty="0">
                         <a:latin typeface="AdobeClean-Light"/>
                         <a:cs typeface="AdobeClean-Light"/>
                       </a:endParaRPr>
@@ -6496,7 +6018,7 @@
                           <a:spcPct val="100000"/>
                         </a:lnSpc>
                       </a:pPr>
-                      <a:endParaRPr sz="900">
+                      <a:endParaRPr sz="900" dirty="0">
                         <a:latin typeface="Times New Roman"/>
                         <a:cs typeface="Times New Roman"/>
                       </a:endParaRPr>
@@ -6526,13 +6048,13 @@
                         </a:lnSpc>
                       </a:pPr>
                       <a:r>
-                        <a:rPr lang="en-US" sz="900">
+                        <a:rPr lang="de-de" sz="900" dirty="0">
                           <a:latin typeface="Times New Roman"/>
                           <a:cs typeface="Times New Roman"/>
                         </a:rPr>
                         <a:t>4</a:t>
                       </a:r>
-                      <a:endParaRPr sz="900">
+                      <a:endParaRPr sz="900" dirty="0">
                         <a:latin typeface="Times New Roman"/>
                         <a:cs typeface="Times New Roman"/>
                       </a:endParaRPr>
@@ -6577,13 +6099,13 @@
                         </a:spcBef>
                       </a:pPr>
                       <a:r>
-                        <a:rPr lang="en-US" sz="900" spc="0">
+                        <a:rPr lang="de-de" sz="900" spc="0" dirty="0">
                           <a:latin typeface="AdobeClean-Light"/>
                           <a:cs typeface="AdobeClean-Light"/>
                         </a:rPr>
-                        <a:t>Expert Sessions per Year</a:t>
+                        <a:t>연간 전문가 세션</a:t>
                       </a:r>
-                      <a:endParaRPr sz="900" spc="0">
+                      <a:endParaRPr sz="900" spc="0" dirty="0">
                         <a:latin typeface="AdobeClean-Light"/>
                         <a:cs typeface="AdobeClean-Light"/>
                       </a:endParaRPr>
@@ -6620,7 +6142,7 @@
                           <a:spcPct val="100000"/>
                         </a:lnSpc>
                       </a:pPr>
-                      <a:endParaRPr sz="900">
+                      <a:endParaRPr sz="900" dirty="0">
                         <a:latin typeface="Times New Roman"/>
                         <a:cs typeface="Times New Roman"/>
                       </a:endParaRPr>
@@ -6650,13 +6172,13 @@
                         </a:lnSpc>
                       </a:pPr>
                       <a:r>
-                        <a:rPr lang="en-US" sz="900">
+                        <a:rPr lang="de-de" sz="900" dirty="0">
                           <a:latin typeface="Times New Roman"/>
                           <a:cs typeface="Times New Roman"/>
                         </a:rPr>
                         <a:t>4</a:t>
                       </a:r>
-                      <a:endParaRPr sz="900">
+                      <a:endParaRPr sz="900" dirty="0">
                         <a:latin typeface="Times New Roman"/>
                         <a:cs typeface="Times New Roman"/>
                       </a:endParaRPr>
@@ -6701,13 +6223,13 @@
                         </a:spcBef>
                       </a:pPr>
                       <a:r>
-                        <a:rPr lang="en-US" sz="900" spc="0">
+                        <a:rPr lang="de-de" sz="900" spc="0" dirty="0">
                           <a:latin typeface="AdobeClean-Light"/>
                           <a:cs typeface="AdobeClean-Light"/>
                         </a:rPr>
-                        <a:t>Case Reviews</a:t>
+                        <a:t>사례 검토</a:t>
                       </a:r>
-                      <a:endParaRPr sz="900" spc="0">
+                      <a:endParaRPr sz="900" spc="0" dirty="0">
                         <a:latin typeface="AdobeClean-Light"/>
                         <a:cs typeface="AdobeClean-Light"/>
                       </a:endParaRPr>
@@ -6744,7 +6266,7 @@
                           <a:spcPct val="100000"/>
                         </a:lnSpc>
                       </a:pPr>
-                      <a:endParaRPr sz="900">
+                      <a:endParaRPr sz="900" dirty="0">
                         <a:latin typeface="Times New Roman"/>
                         <a:cs typeface="Times New Roman"/>
                       </a:endParaRPr>
@@ -6786,7 +6308,7 @@
                         <a:defRPr/>
                       </a:pPr>
                       <a:r>
-                        <a:rPr lang="en-US" sz="900">
+                        <a:rPr lang="de-de" sz="900" dirty="0">
                           <a:solidFill>
                             <a:srgbClr val="020302"/>
                           </a:solidFill>
@@ -6795,7 +6317,7 @@
                         </a:rPr>
                         <a:t></a:t>
                       </a:r>
-                      <a:endParaRPr lang="en-US" sz="900">
+                      <a:endParaRPr lang="en-US" sz="900" dirty="0">
                         <a:latin typeface="Wingdings"/>
                         <a:cs typeface="Wingdings"/>
                       </a:endParaRPr>
@@ -6829,7 +6351,7 @@
                           <a:spcPts val="459"/>
                         </a:spcBef>
                       </a:pPr>
-                      <a:endParaRPr sz="900">
+                      <a:endParaRPr sz="900" dirty="0">
                         <a:latin typeface="AdobeClean-Light"/>
                         <a:cs typeface="AdobeClean-Light"/>
                       </a:endParaRPr>
@@ -6879,26 +6401,16 @@
                         </a:spcBef>
                       </a:pPr>
                       <a:r>
-                        <a:rPr sz="900" spc="0">
+                        <a:rPr lang="de-de" sz="900" spc="0" dirty="0">
                           <a:solidFill>
                             <a:srgbClr val="020302"/>
                           </a:solidFill>
                           <a:latin typeface="AdobeClean-Light"/>
                           <a:cs typeface="AdobeClean-Light"/>
                         </a:rPr>
-                        <a:t>Event </a:t>
+                        <a:t>이벤트 관리</a:t>
                       </a:r>
-                      <a:r>
-                        <a:rPr lang="en-US" sz="900" spc="0">
-                          <a:solidFill>
-                            <a:srgbClr val="020302"/>
-                          </a:solidFill>
-                          <a:latin typeface="AdobeClean-Light"/>
-                          <a:cs typeface="AdobeClean-Light"/>
-                        </a:rPr>
-                        <a:t>Management</a:t>
-                      </a:r>
-                      <a:endParaRPr sz="900" spc="0">
+                      <a:endParaRPr sz="900" spc="0" dirty="0">
                         <a:latin typeface="AdobeClean-Light"/>
                         <a:cs typeface="AdobeClean-Light"/>
                       </a:endParaRPr>
@@ -6935,7 +6447,7 @@
                           <a:spcPct val="100000"/>
                         </a:lnSpc>
                       </a:pPr>
-                      <a:endParaRPr sz="900">
+                      <a:endParaRPr sz="900" dirty="0">
                         <a:latin typeface="Times New Roman"/>
                         <a:cs typeface="Times New Roman"/>
                       </a:endParaRPr>
@@ -6977,7 +6489,7 @@
                         <a:defRPr/>
                       </a:pPr>
                       <a:r>
-                        <a:rPr lang="en-US" sz="900">
+                        <a:rPr lang="de-de" sz="900" dirty="0">
                           <a:solidFill>
                             <a:srgbClr val="020302"/>
                           </a:solidFill>
@@ -6986,7 +6498,7 @@
                         </a:rPr>
                         <a:t></a:t>
                       </a:r>
-                      <a:endParaRPr lang="en-US" sz="900">
+                      <a:endParaRPr lang="en-US" sz="900" dirty="0">
                         <a:latin typeface="Wingdings"/>
                         <a:cs typeface="Wingdings"/>
                       </a:endParaRPr>
@@ -7020,7 +6532,7 @@
                           <a:spcPts val="465"/>
                         </a:spcBef>
                       </a:pPr>
-                      <a:endParaRPr sz="900">
+                      <a:endParaRPr sz="900" dirty="0">
                         <a:latin typeface="AdobeClean-Light"/>
                         <a:cs typeface="AdobeClean-Light"/>
                       </a:endParaRPr>
@@ -7061,36 +6573,16 @@
                         </a:spcBef>
                       </a:pPr>
                       <a:r>
-                        <a:rPr sz="900" spc="0">
+                        <a:rPr lang="de-de" sz="900" spc="0" dirty="0">
                           <a:solidFill>
                             <a:srgbClr val="020302"/>
                           </a:solidFill>
                           <a:latin typeface="AdobeClean-Light"/>
                           <a:cs typeface="AdobeClean-Light"/>
                         </a:rPr>
-                        <a:t>Environment</a:t>
+                        <a:t>환경 검토, 유지 관리 및 모니터링</a:t>
                       </a:r>
-                      <a:r>
-                        <a:rPr lang="en-US" sz="900" spc="0">
-                          <a:solidFill>
-                            <a:srgbClr val="020302"/>
-                          </a:solidFill>
-                          <a:latin typeface="AdobeClean-Light"/>
-                          <a:cs typeface="AdobeClean-Light"/>
-                        </a:rPr>
-                        <a:t> </a:t>
-                      </a:r>
-                      <a:r>
-                        <a:rPr sz="900" spc="0">
-                          <a:solidFill>
-                            <a:srgbClr val="020302"/>
-                          </a:solidFill>
-                          <a:latin typeface="AdobeClean-Light"/>
-                          <a:cs typeface="AdobeClean-Light"/>
-                        </a:rPr>
-                        <a:t>Review, Maintenance &amp; Monitoring</a:t>
-                      </a:r>
-                      <a:endParaRPr sz="900" spc="0">
+                      <a:endParaRPr sz="900" spc="0" dirty="0">
                         <a:latin typeface="AdobeClean-Light"/>
                         <a:cs typeface="AdobeClean-Light"/>
                       </a:endParaRPr>
@@ -7121,7 +6613,7 @@
                           <a:spcPct val="100000"/>
                         </a:lnSpc>
                       </a:pPr>
-                      <a:endParaRPr sz="900">
+                      <a:endParaRPr sz="900" dirty="0">
                         <a:latin typeface="Times New Roman"/>
                         <a:cs typeface="Times New Roman"/>
                       </a:endParaRPr>
@@ -7163,7 +6655,7 @@
                         <a:defRPr/>
                       </a:pPr>
                       <a:r>
-                        <a:rPr lang="en-US" sz="900">
+                        <a:rPr lang="de-de" sz="900" dirty="0">
                           <a:solidFill>
                             <a:srgbClr val="020302"/>
                           </a:solidFill>
@@ -7172,7 +6664,7 @@
                         </a:rPr>
                         <a:t></a:t>
                       </a:r>
-                      <a:endParaRPr lang="en-US" sz="900">
+                      <a:endParaRPr lang="en-US" sz="900" dirty="0">
                         <a:latin typeface="Wingdings"/>
                         <a:cs typeface="Wingdings"/>
                       </a:endParaRPr>
@@ -7206,7 +6698,7 @@
                           <a:spcPts val="500"/>
                         </a:spcBef>
                       </a:pPr>
-                      <a:endParaRPr sz="900">
+                      <a:endParaRPr sz="900" dirty="0">
                         <a:latin typeface="AdobeClean-Light"/>
                         <a:cs typeface="AdobeClean-Light"/>
                       </a:endParaRPr>
@@ -7247,16 +6739,16 @@
                         </a:spcBef>
                       </a:pPr>
                       <a:r>
-                        <a:rPr sz="900" spc="0">
+                        <a:rPr lang="de-de" sz="900" spc="0" dirty="0">
                           <a:solidFill>
                             <a:srgbClr val="020302"/>
                           </a:solidFill>
                           <a:latin typeface="AdobeClean-Light"/>
                           <a:cs typeface="AdobeClean-Light"/>
                         </a:rPr>
-                        <a:t>Release, Migration, Upgrade &amp; Product Roadmap Review</a:t>
+                        <a:t>릴리스, 마이그레이션, 업그레이드 및 제품 로드맵 검토</a:t>
                       </a:r>
-                      <a:endParaRPr sz="900" spc="0">
+                      <a:endParaRPr sz="900" spc="0" dirty="0">
                         <a:latin typeface="AdobeClean-Light"/>
                         <a:cs typeface="AdobeClean-Light"/>
                       </a:endParaRPr>
@@ -7287,7 +6779,7 @@
                           <a:spcPct val="100000"/>
                         </a:lnSpc>
                       </a:pPr>
-                      <a:endParaRPr sz="900">
+                      <a:endParaRPr sz="900" dirty="0">
                         <a:latin typeface="Times New Roman"/>
                         <a:cs typeface="Times New Roman"/>
                       </a:endParaRPr>
@@ -7329,7 +6821,7 @@
                         <a:defRPr/>
                       </a:pPr>
                       <a:r>
-                        <a:rPr lang="en-US" sz="900">
+                        <a:rPr lang="de-de" sz="900" dirty="0">
                           <a:solidFill>
                             <a:srgbClr val="020302"/>
                           </a:solidFill>
@@ -7338,7 +6830,7 @@
                         </a:rPr>
                         <a:t></a:t>
                       </a:r>
-                      <a:endParaRPr lang="en-US" sz="900">
+                      <a:endParaRPr lang="en-US" sz="900" dirty="0">
                         <a:latin typeface="Wingdings"/>
                         <a:cs typeface="Wingdings"/>
                       </a:endParaRPr>
@@ -7372,7 +6864,7 @@
                           <a:spcPts val="530"/>
                         </a:spcBef>
                       </a:pPr>
-                      <a:endParaRPr sz="900">
+                      <a:endParaRPr sz="900" dirty="0">
                         <a:latin typeface="AdobeClean-Light"/>
                         <a:cs typeface="AdobeClean-Light"/>
                       </a:endParaRPr>
@@ -7422,11 +6914,11 @@
                         </a:spcBef>
                       </a:pPr>
                       <a:r>
-                        <a:rPr sz="900" spc="0">
+                        <a:rPr lang="de-de" sz="900" spc="0" dirty="0">
                           <a:latin typeface="AdobeClean-Light"/>
                           <a:cs typeface="AdobeClean-Light"/>
                         </a:rPr>
-                        <a:t>Cloud Support Activities – Experience Manager as Cloud</a:t>
+                        <a:t>클라우드 지원 활동 – Experience Manager as Cloud</a:t>
                       </a:r>
                     </a:p>
                   </a:txBody>
@@ -7461,7 +6953,7 @@
                           <a:spcPct val="100000"/>
                         </a:lnSpc>
                       </a:pPr>
-                      <a:endParaRPr sz="900">
+                      <a:endParaRPr sz="900" dirty="0">
                         <a:latin typeface="Times New Roman"/>
                         <a:cs typeface="Times New Roman"/>
                       </a:endParaRPr>
@@ -7512,7 +7004,7 @@
                         <a:defRPr/>
                       </a:pPr>
                       <a:r>
-                        <a:rPr lang="en-US" sz="900">
+                        <a:rPr lang="de-de" sz="900" dirty="0">
                           <a:solidFill>
                             <a:srgbClr val="020302"/>
                           </a:solidFill>
@@ -7521,7 +7013,7 @@
                         </a:rPr>
                         <a:t></a:t>
                       </a:r>
-                      <a:endParaRPr lang="en-US" sz="900">
+                      <a:endParaRPr lang="en-US" sz="900" dirty="0">
                         <a:latin typeface="Wingdings"/>
                         <a:cs typeface="Wingdings"/>
                       </a:endParaRPr>
@@ -7565,16 +7057,16 @@
                         </a:spcBef>
                       </a:pPr>
                       <a:r>
-                        <a:rPr lang="en-US" sz="1000" b="1" i="0" spc="0">
+                        <a:rPr lang="de-de" sz="1000" b="1" i="0" spc="0" dirty="0">
                           <a:solidFill>
                             <a:schemeClr val="bg1"/>
                           </a:solidFill>
                           <a:latin typeface="Adobe Clean" panose="020B0503020404020204" pitchFamily="34" charset="0"/>
                           <a:cs typeface="AdobeClean-Light"/>
                         </a:rPr>
-                        <a:t>Field Services</a:t>
+                        <a:t>현장 서비스</a:t>
                       </a:r>
-                      <a:endParaRPr sz="1000" b="1" i="0" spc="0">
+                      <a:endParaRPr sz="1000" b="1" i="0" spc="0" dirty="0">
                         <a:solidFill>
                           <a:schemeClr val="bg1"/>
                         </a:solidFill>
@@ -7633,14 +7125,14 @@
                         </a:spcBef>
                       </a:pPr>
                       <a:r>
-                        <a:rPr sz="900" spc="0">
+                        <a:rPr lang="de-de" sz="900" spc="0" dirty="0">
                           <a:solidFill>
                             <a:srgbClr val="020302"/>
                           </a:solidFill>
                           <a:latin typeface="AdobeClean-Light"/>
                           <a:cs typeface="AdobeClean-Light"/>
                         </a:rPr>
-                        <a:t>Launch Advisory Services – First Year of new solution</a:t>
+                        <a:t>출시 자문 서비스 – 새로운 솔루션의 첫 해</a:t>
                       </a:r>
                     </a:p>
                   </a:txBody>
@@ -7685,7 +7177,7 @@
                           <a:spcPct val="100000"/>
                         </a:lnSpc>
                       </a:pPr>
-                      <a:endParaRPr sz="900">
+                      <a:endParaRPr sz="900" dirty="0">
                         <a:latin typeface="Times New Roman"/>
                         <a:cs typeface="Times New Roman"/>
                       </a:endParaRPr>
@@ -7752,7 +7244,7 @@
                         <a:defRPr/>
                       </a:pPr>
                       <a:r>
-                        <a:rPr lang="en-US" sz="900">
+                        <a:rPr lang="de-de" sz="900" dirty="0">
                           <a:solidFill>
                             <a:srgbClr val="020302"/>
                           </a:solidFill>
@@ -7761,7 +7253,7 @@
                         </a:rPr>
                         <a:t></a:t>
                       </a:r>
-                      <a:endParaRPr lang="en-US" sz="900">
+                      <a:endParaRPr lang="en-US" sz="900" dirty="0">
                         <a:latin typeface="Wingdings"/>
                         <a:cs typeface="Wingdings"/>
                       </a:endParaRPr>
@@ -7843,11 +7335,11 @@
                         <a:defRPr/>
                       </a:pPr>
                       <a:r>
-                        <a:rPr lang="en-US" sz="900" spc="0">
+                        <a:rPr lang="de-de" sz="900" spc="0" dirty="0">
                           <a:latin typeface="AdobeClean-Light"/>
                           <a:cs typeface="AdobeClean-Light"/>
                         </a:rPr>
-                        <a:t>Field Service Activities </a:t>
+                        <a:t>현장 서비스 활동 </a:t>
                       </a:r>
                     </a:p>
                   </a:txBody>
@@ -7882,7 +7374,7 @@
                     <a:lstStyle/>
                     <a:p>
                       <a:pPr algn="ctr"/>
-                      <a:endParaRPr lang="en-US"/>
+                      <a:endParaRPr lang="en-US" dirty="0"/>
                     </a:p>
                   </a:txBody>
                   <a:tcPr marL="0" marR="0" marT="0" marB="0">
@@ -7930,7 +7422,7 @@
                     <a:p>
                       <a:pPr algn="ctr"/>
                       <a:r>
-                        <a:rPr lang="en-US" sz="900" dirty="0">
+                        <a:rPr lang="de-de" sz="900" dirty="0">
                           <a:latin typeface="Times New Roman"/>
                           <a:cs typeface="Times New Roman"/>
                         </a:rPr>
@@ -8070,7 +7562,7 @@
         <p:spPr>
           <a:xfrm>
             <a:off x="357339" y="608961"/>
-            <a:ext cx="1647825" cy="238760"/>
+            <a:ext cx="4214661" cy="229239"/>
           </a:xfrm>
           <a:prstGeom prst="rect">
             <a:avLst/>
@@ -8091,17 +7583,17 @@
               </a:spcBef>
             </a:pPr>
             <a:r>
-              <a:rPr sz="1400" b="1" spc="-10">
+              <a:rPr lang="de-de" sz="1400" b="1" spc="-10" dirty="0">
                 <a:solidFill>
                   <a:srgbClr val="020302"/>
                 </a:solidFill>
                 <a:latin typeface="Adobe Clean"/>
                 <a:cs typeface="Adobe Clean"/>
               </a:rPr>
-              <a:t>Elite</a:t>
-            </a:r>
-            <a:r>
-              <a:rPr sz="1400" b="1" spc="-50">
+              <a:t>엘리트</a:t>
+            </a:r>
+            <a:r>
+              <a:rPr lang="de-de" sz="1400" b="1" spc="-50" dirty="0">
                 <a:solidFill>
                   <a:srgbClr val="020302"/>
                 </a:solidFill>
@@ -8111,17 +7603,17 @@
               <a:t> </a:t>
             </a:r>
             <a:r>
-              <a:rPr sz="1400" b="1" spc="-10">
+              <a:rPr lang="de-de" sz="1400" b="1" spc="-10" dirty="0">
                 <a:solidFill>
                   <a:srgbClr val="020302"/>
                 </a:solidFill>
                 <a:latin typeface="Adobe Clean"/>
                 <a:cs typeface="Adobe Clean"/>
               </a:rPr>
-              <a:t>Support</a:t>
-            </a:r>
-            <a:r>
-              <a:rPr sz="1400" b="1" spc="-45">
+              <a:t>지원</a:t>
+            </a:r>
+            <a:r>
+              <a:rPr lang="de-de" sz="1400" b="1" spc="-45" dirty="0">
                 <a:solidFill>
                   <a:srgbClr val="020302"/>
                 </a:solidFill>
@@ -8131,16 +7623,16 @@
               <a:t> </a:t>
             </a:r>
             <a:r>
-              <a:rPr sz="1400" b="1" spc="-15">
+              <a:rPr lang="de-de" sz="1400" b="1" spc="-15" dirty="0">
                 <a:solidFill>
                   <a:srgbClr val="020302"/>
                 </a:solidFill>
                 <a:latin typeface="Adobe Clean"/>
                 <a:cs typeface="Adobe Clean"/>
               </a:rPr>
-              <a:t>Features</a:t>
-            </a:r>
-            <a:endParaRPr sz="1400">
+              <a:t>기능</a:t>
+            </a:r>
+            <a:endParaRPr sz="1400" dirty="0">
               <a:latin typeface="Adobe Clean"/>
               <a:cs typeface="Adobe Clean"/>
             </a:endParaRPr>
@@ -8177,16 +7669,16 @@
               </a:spcBef>
             </a:pPr>
             <a:r>
-              <a:rPr sz="1000">
+              <a:rPr lang="de-de" sz="1000" dirty="0">
                 <a:solidFill>
                   <a:srgbClr val="4B4B4B"/>
                 </a:solidFill>
                 <a:latin typeface="AdobeClean-Light"/>
                 <a:cs typeface="AdobeClean-Light"/>
               </a:rPr>
-              <a:t>A designated support engineer who  becomes familiar with your solution  environment and business goals. The NSE  is an experienced support engineer that  helps coordinate your Enterprise Support  experience.</a:t>
-            </a:r>
-            <a:endParaRPr sz="1000">
+              <a:t>고객의 솔루션 환경과 비즈니스 목표에 정통하게 될 지정 지원 엔지니어입니다. 엔터프라이즈 지원 경험을 조정할 수 있게 숙련된 지원 엔지니어입니다.</a:t>
+            </a:r>
+            <a:endParaRPr sz="1000" dirty="0">
               <a:latin typeface="AdobeClean-Light"/>
               <a:cs typeface="AdobeClean-Light"/>
             </a:endParaRPr>
@@ -8271,16 +7763,16 @@
               </a:spcBef>
             </a:pPr>
             <a:r>
-              <a:rPr sz="1000">
+              <a:rPr lang="de-de" sz="1000" dirty="0">
                 <a:solidFill>
                   <a:srgbClr val="4B4B4B"/>
                 </a:solidFill>
                 <a:latin typeface="AdobeClean-Light"/>
                 <a:cs typeface="AdobeClean-Light"/>
               </a:rPr>
-              <a:t>Regular scheduled review of open  support requests, ensuring customer  alignment on case description, business  impact, status, priority and agreement on  next steps required to ensure an  expedient resolution.</a:t>
-            </a:r>
-            <a:endParaRPr sz="1000">
+              <a:t>진행 중인 지원 요청을 정기적으로 검토하여 사례 설명, 비즈니스 영향, 상태, 우선 순위, 필요한 다음 단계에 대한 고객의 동의에 맞춰 조정함으로써 신속한 해결을 보장합니다.</a:t>
+            </a:r>
+            <a:endParaRPr sz="1000" dirty="0">
               <a:latin typeface="AdobeClean-Light"/>
               <a:cs typeface="AdobeClean-Light"/>
             </a:endParaRPr>
@@ -8341,24 +7833,14 @@
               </a:spcBef>
             </a:pPr>
             <a:r>
-              <a:rPr sz="1000">
+              <a:rPr lang="de-de" sz="1000" dirty="0">
                 <a:solidFill>
                   <a:srgbClr val="020302"/>
                 </a:solidFill>
                 <a:latin typeface="AdobeClean-Light"/>
                 <a:cs typeface="AdobeClean-Light"/>
               </a:rPr>
-              <a:t>A designated Technical Account Manager to  oversee your Elite experience, coordinate  the support and field services  engagements, and provide proactive services  to maximize your business valu</a:t>
-            </a:r>
-            <a:r>
-              <a:rPr lang="en-US" sz="1000">
-                <a:solidFill>
-                  <a:srgbClr val="020302"/>
-                </a:solidFill>
-                <a:latin typeface="AdobeClean-Light"/>
-                <a:cs typeface="AdobeClean-Light"/>
-              </a:rPr>
-              <a:t>e.</a:t>
+              <a:t>귀사의 엘리트 경험을 감독하고, 지원 및 현장 서비스 계약을 조정하고, 사전 예방적 서비스를 제공하여 귀사의 비즈니스 가치를 극대화하는 지정된 기술 계정 관리자입니다.</a:t>
             </a:r>
           </a:p>
         </p:txBody>
@@ -8393,16 +7875,16 @@
               </a:spcBef>
             </a:pPr>
             <a:r>
-              <a:rPr sz="1100" b="1">
+              <a:rPr lang="de-de" sz="1100" b="1" dirty="0">
                 <a:solidFill>
                   <a:srgbClr val="020302"/>
                 </a:solidFill>
                 <a:latin typeface="Adobe Clean" panose="020B0503020404020204" pitchFamily="34" charset="0"/>
                 <a:cs typeface="Arial"/>
               </a:rPr>
-              <a:t>Technical Account Manager</a:t>
-            </a:r>
-            <a:endParaRPr sz="1100">
+              <a:t>기술 계정 관리자</a:t>
+            </a:r>
+            <a:endParaRPr sz="1100" dirty="0">
               <a:latin typeface="Adobe Clean" panose="020B0503020404020204" pitchFamily="34" charset="0"/>
               <a:cs typeface="Arial"/>
             </a:endParaRPr>
@@ -8487,46 +7969,16 @@
               </a:spcBef>
             </a:pPr>
             <a:r>
-              <a:rPr sz="1000">
+              <a:rPr lang="de-de" sz="1000" dirty="0">
                 <a:solidFill>
                   <a:srgbClr val="020302"/>
                 </a:solidFill>
                 <a:latin typeface="AdobeClean-Light"/>
                 <a:cs typeface="AdobeClean-Light"/>
               </a:rPr>
-              <a:t>Ongoing knowledge transfer from Adobe  </a:t>
-            </a:r>
-            <a:r>
-              <a:rPr lang="en-US" sz="1000">
-                <a:solidFill>
-                  <a:srgbClr val="020302"/>
-                </a:solidFill>
-                <a:latin typeface="AdobeClean-Light"/>
-                <a:cs typeface="AdobeClean-Light"/>
-              </a:rPr>
-              <a:t>Support team</a:t>
-            </a:r>
-            <a:r>
-              <a:rPr sz="1000">
-                <a:solidFill>
-                  <a:srgbClr val="020302"/>
-                </a:solidFill>
-                <a:latin typeface="AdobeClean-Light"/>
-                <a:cs typeface="AdobeClean-Light"/>
-              </a:rPr>
-              <a:t> to provide </a:t>
-            </a:r>
-            <a:r>
-              <a:rPr lang="en-US" sz="1000">
-                <a:solidFill>
-                  <a:srgbClr val="020302"/>
-                </a:solidFill>
-                <a:latin typeface="AdobeClean-Light"/>
-                <a:cs typeface="AdobeClean-Light"/>
-              </a:rPr>
-              <a:t>best practices around solution usage.</a:t>
-            </a:r>
-            <a:endParaRPr sz="1000">
+              <a:t>솔루션 사용에 대한 모범 사례를 제공하기 위한 Adobe 지원 팀의 지속적인 지식 이전입니다.</a:t>
+            </a:r>
+            <a:endParaRPr sz="1000" dirty="0">
               <a:latin typeface="AdobeClean-Light"/>
               <a:cs typeface="AdobeClean-Light"/>
             </a:endParaRPr>
@@ -8563,16 +8015,16 @@
               </a:spcBef>
             </a:pPr>
             <a:r>
-              <a:rPr sz="1000">
+              <a:rPr lang="de-de" sz="1000" dirty="0">
                 <a:solidFill>
                   <a:srgbClr val="020302"/>
                 </a:solidFill>
                 <a:latin typeface="AdobeClean-Light"/>
                 <a:cs typeface="AdobeClean-Light"/>
               </a:rPr>
-              <a:t>Manage key events to ensure you have the  right level of support, coverage, and  mitigation plan in place during those key  business and project milestones.</a:t>
-            </a:r>
-            <a:endParaRPr sz="1000">
+              <a:t>해당 주요 비즈니스 및 프로젝트 주요 시점 동안에 적절한 수준의 지원, 적용 범위 및 완화 계획을 수립할 수 있도록 주요 이벤트를 관리합니다.</a:t>
+            </a:r>
+            <a:endParaRPr sz="1000" dirty="0">
               <a:latin typeface="AdobeClean-Light"/>
               <a:cs typeface="AdobeClean-Light"/>
             </a:endParaRPr>
@@ -8609,16 +8061,16 @@
               </a:spcBef>
             </a:pPr>
             <a:r>
-              <a:rPr sz="1000">
+              <a:rPr lang="de-de" sz="1000" dirty="0">
                 <a:solidFill>
                   <a:srgbClr val="020302"/>
                 </a:solidFill>
                 <a:latin typeface="AdobeClean-Light"/>
                 <a:cs typeface="AdobeClean-Light"/>
               </a:rPr>
-              <a:t>Receive personalized guidance on new  product features to take advantage of  latest innovations, and have Adobe  experts review release and upgrade plan.</a:t>
-            </a:r>
-            <a:endParaRPr sz="1000">
+              <a:t>최신 혁신 기술을 활용하고 Adobe 전문가가 릴리스 및 업그레이드 계획을 검토할 수 있도록 새로운 제품 기능에 대한 맞춤형 지침을 받습니다.</a:t>
+            </a:r>
+            <a:endParaRPr sz="1000" dirty="0">
               <a:latin typeface="AdobeClean-Light"/>
               <a:cs typeface="AdobeClean-Light"/>
             </a:endParaRPr>
@@ -8633,8 +8085,8 @@
         </p:nvSpPr>
         <p:spPr>
           <a:xfrm>
-            <a:off x="97787" y="9888626"/>
-            <a:ext cx="2202180" cy="149860"/>
+            <a:off x="97786" y="9888626"/>
+            <a:ext cx="4474213" cy="133370"/>
           </a:xfrm>
           <a:prstGeom prst="rect">
             <a:avLst/>
@@ -8655,7 +8107,7 @@
               </a:spcBef>
             </a:pPr>
             <a:r>
-              <a:rPr sz="800" spc="-15">
+              <a:rPr lang="de-de" sz="800" spc="-15" dirty="0">
                 <a:solidFill>
                   <a:srgbClr val="6D6D6D"/>
                 </a:solidFill>
@@ -8665,7 +8117,7 @@
               <a:t>©2021 </a:t>
             </a:r>
             <a:r>
-              <a:rPr sz="800" spc="-5">
+              <a:rPr lang="de-de" sz="800" spc="-5" dirty="0">
                 <a:solidFill>
                   <a:srgbClr val="6D6D6D"/>
                 </a:solidFill>
@@ -8675,7 +8127,7 @@
               <a:t>Adobe. All</a:t>
             </a:r>
             <a:r>
-              <a:rPr sz="800" spc="-15">
+              <a:rPr lang="de-de" sz="800" spc="-15" dirty="0">
                 <a:solidFill>
                   <a:srgbClr val="6D6D6D"/>
                 </a:solidFill>
@@ -8685,7 +8137,7 @@
               <a:t> Rights</a:t>
             </a:r>
             <a:r>
-              <a:rPr sz="800" spc="-5">
+              <a:rPr lang="de-de" sz="800" spc="-5" dirty="0">
                 <a:solidFill>
                   <a:srgbClr val="6D6D6D"/>
                 </a:solidFill>
@@ -8695,7 +8147,7 @@
               <a:t> </a:t>
             </a:r>
             <a:r>
-              <a:rPr sz="800" spc="-15">
+              <a:rPr lang="de-de" sz="800" spc="-15" dirty="0">
                 <a:solidFill>
                   <a:srgbClr val="6D6D6D"/>
                 </a:solidFill>
@@ -8705,7 +8157,7 @@
               <a:t>Reserved.</a:t>
             </a:r>
             <a:r>
-              <a:rPr sz="800" spc="-10">
+              <a:rPr lang="de-de" sz="800" spc="-10" dirty="0">
                 <a:solidFill>
                   <a:srgbClr val="6D6D6D"/>
                 </a:solidFill>
@@ -8715,7 +8167,7 @@
               <a:t> </a:t>
             </a:r>
             <a:r>
-              <a:rPr sz="800" spc="-5">
+              <a:rPr lang="de-de" sz="800" spc="-5" dirty="0">
                 <a:solidFill>
                   <a:srgbClr val="6D6D6D"/>
                 </a:solidFill>
@@ -8725,7 +8177,7 @@
               <a:t>Adobe</a:t>
             </a:r>
             <a:r>
-              <a:rPr sz="800" spc="65">
+              <a:rPr lang="de-de" sz="800" spc="65" dirty="0">
                 <a:solidFill>
                   <a:srgbClr val="6D6D6D"/>
                 </a:solidFill>
@@ -8735,16 +8187,16 @@
               <a:t> </a:t>
             </a:r>
             <a:r>
-              <a:rPr sz="800" spc="-15">
+              <a:rPr lang="de-de" sz="800" spc="-15" dirty="0">
                 <a:solidFill>
                   <a:srgbClr val="6D6D6D"/>
                 </a:solidFill>
                 <a:latin typeface="Adobe Clean"/>
                 <a:cs typeface="Adobe Clean"/>
               </a:rPr>
-              <a:t>Confidential.</a:t>
-            </a:r>
-            <a:endParaRPr sz="800">
+              <a:t>기밀.</a:t>
+            </a:r>
+            <a:endParaRPr sz="800" dirty="0">
               <a:latin typeface="Adobe Clean"/>
               <a:cs typeface="Adobe Clean"/>
             </a:endParaRPr>
@@ -8753,7 +8205,7 @@
       </p:sp>
       <p:pic>
         <p:nvPicPr>
-          <p:cNvPr id="43" name="Graphic 42" descr="Playbook outline">
+          <p:cNvPr id="43" name="Graphic 42" descr="플레이북 개요">
             <a:extLst>
               <a:ext uri="{FF2B5EF4-FFF2-40B4-BE49-F238E27FC236}">
                 <a16:creationId xmlns:a16="http://schemas.microsoft.com/office/drawing/2014/main" id="{C99690B9-BFB7-6F4A-BF19-81D32249562E}"/>
@@ -8804,7 +8256,7 @@
         </p:nvSpPr>
         <p:spPr>
           <a:xfrm>
-            <a:off x="2791726" y="9060487"/>
+            <a:off x="2791726" y="8915400"/>
             <a:ext cx="2194560" cy="487313"/>
           </a:xfrm>
           <a:prstGeom prst="rect">
@@ -8829,77 +8281,77 @@
               </a:tabLst>
             </a:pPr>
             <a:r>
-              <a:rPr sz="1000" spc="-20">
+              <a:rPr lang="de-de" sz="1000" spc="-20" dirty="0">
                 <a:solidFill>
                   <a:srgbClr val="020302"/>
                 </a:solidFill>
                 <a:latin typeface="AdobeClean-Light"/>
                 <a:cs typeface="AdobeClean-Light"/>
               </a:rPr>
-              <a:t>Start </a:t>
-            </a:r>
-            <a:r>
-              <a:rPr sz="1000">
+              <a:t>답변을 </a:t>
+            </a:r>
+            <a:r>
+              <a:rPr lang="de-de" sz="1000" dirty="0">
                 <a:solidFill>
                   <a:srgbClr val="020302"/>
                 </a:solidFill>
                 <a:latin typeface="AdobeClean-Light"/>
                 <a:cs typeface="AdobeClean-Light"/>
               </a:rPr>
-              <a:t>a </a:t>
-            </a:r>
-            <a:r>
-              <a:rPr sz="1000" spc="-15">
+              <a:t>얻고 </a:t>
+            </a:r>
+            <a:r>
+              <a:rPr lang="de-de" sz="1000" spc="-15" dirty="0">
                 <a:solidFill>
                   <a:srgbClr val="020302"/>
                 </a:solidFill>
                 <a:latin typeface="AdobeClean-Light"/>
                 <a:cs typeface="AdobeClean-Light"/>
               </a:rPr>
-              <a:t>chat </a:t>
-            </a:r>
-            <a:r>
-              <a:rPr sz="1000" spc="-10">
+              <a:t>사례 </a:t>
+            </a:r>
+            <a:r>
+              <a:rPr lang="de-de" sz="1000" spc="-10" dirty="0">
                 <a:solidFill>
                   <a:srgbClr val="020302"/>
                 </a:solidFill>
                 <a:latin typeface="AdobeClean-Light"/>
                 <a:cs typeface="AdobeClean-Light"/>
               </a:rPr>
-              <a:t>session </a:t>
-            </a:r>
-            <a:r>
-              <a:rPr sz="1000" spc="-5">
+              <a:t>제출 </a:t>
+            </a:r>
+            <a:r>
+              <a:rPr lang="de-de" sz="1000" spc="-5" dirty="0">
                 <a:solidFill>
                   <a:srgbClr val="020302"/>
                 </a:solidFill>
                 <a:latin typeface="AdobeClean-Light"/>
                 <a:cs typeface="AdobeClean-Light"/>
               </a:rPr>
-              <a:t>to </a:t>
-            </a:r>
-            <a:r>
-              <a:rPr sz="1000" spc="-10">
+              <a:t>관련 </a:t>
+            </a:r>
+            <a:r>
+              <a:rPr lang="de-de" sz="1000" spc="-10" dirty="0">
                 <a:solidFill>
                   <a:srgbClr val="020302"/>
                 </a:solidFill>
                 <a:latin typeface="AdobeClean-Light"/>
                 <a:cs typeface="AdobeClean-Light"/>
               </a:rPr>
-              <a:t>get </a:t>
-            </a:r>
-            <a:r>
-              <a:rPr sz="1000" spc="-20">
+              <a:t>도움을 </a:t>
+            </a:r>
+            <a:r>
+              <a:rPr lang="de-de" sz="1000" spc="-20" dirty="0">
                 <a:solidFill>
                   <a:srgbClr val="020302"/>
                 </a:solidFill>
                 <a:latin typeface="AdobeClean-Light"/>
                 <a:cs typeface="AdobeClean-Light"/>
               </a:rPr>
-              <a:t>answers</a:t>
-            </a:r>
-            <a:r>
-              <a:rPr lang="en-US" sz="1000" spc="-45">
+              <a:t>받을</a:t>
+            </a:r>
+            <a:r>
+              <a:rPr lang="de-de" sz="1000" spc="-45" dirty="0">
                 <a:solidFill>
                   <a:srgbClr val="020302"/>
                 </a:solidFill>
@@ -8909,37 +8361,37 @@
               <a:t> </a:t>
             </a:r>
             <a:r>
-              <a:rPr lang="en-US" sz="1000">
+              <a:rPr lang="de-de" sz="1000" dirty="0">
                 <a:solidFill>
                   <a:srgbClr val="020302"/>
                 </a:solidFill>
                 <a:latin typeface="AdobeClean-Light"/>
                 <a:cs typeface="AdobeClean-Light"/>
               </a:rPr>
-              <a:t>&amp; </a:t>
-            </a:r>
-            <a:r>
-              <a:rPr sz="1000" spc="-15">
+              <a:t>수 </a:t>
+            </a:r>
+            <a:r>
+              <a:rPr lang="de-de" sz="1000" spc="-15" dirty="0">
                 <a:solidFill>
                   <a:srgbClr val="020302"/>
                 </a:solidFill>
                 <a:latin typeface="AdobeClean-Light"/>
                 <a:cs typeface="AdobeClean-Light"/>
               </a:rPr>
-              <a:t>help </a:t>
-            </a:r>
-            <a:r>
-              <a:rPr sz="1000" spc="-10">
+              <a:t>있는 </a:t>
+            </a:r>
+            <a:r>
+              <a:rPr lang="de-de" sz="1000" spc="-10" dirty="0">
                 <a:solidFill>
                   <a:srgbClr val="020302"/>
                 </a:solidFill>
                 <a:latin typeface="AdobeClean-Light"/>
                 <a:cs typeface="AdobeClean-Light"/>
               </a:rPr>
-              <a:t>with</a:t>
-            </a:r>
-            <a:r>
-              <a:rPr sz="1000" spc="85">
+              <a:t>채팅</a:t>
+            </a:r>
+            <a:r>
+              <a:rPr lang="de-de" sz="1000" spc="85" dirty="0">
                 <a:solidFill>
                   <a:srgbClr val="020302"/>
                 </a:solidFill>
@@ -8949,35 +8401,32 @@
               <a:t> </a:t>
             </a:r>
             <a:r>
-              <a:rPr sz="1000" spc="-10">
+              <a:rPr lang="de-de" sz="1000" spc="-10" dirty="0">
                 <a:solidFill>
                   <a:srgbClr val="020302"/>
                 </a:solidFill>
                 <a:latin typeface="AdobeClean-Light"/>
                 <a:cs typeface="AdobeClean-Light"/>
               </a:rPr>
-              <a:t>case </a:t>
-            </a:r>
-            <a:r>
-              <a:rPr sz="1000" spc="-20">
+              <a:t>세션을 </a:t>
+            </a:r>
+            <a:r>
+              <a:rPr lang="de-de" sz="1000" spc="-20" dirty="0">
                 <a:solidFill>
                   <a:srgbClr val="020302"/>
                 </a:solidFill>
                 <a:latin typeface="AdobeClean-Light"/>
                 <a:cs typeface="AdobeClean-Light"/>
               </a:rPr>
-              <a:t>submission</a:t>
-            </a:r>
-            <a:r>
-              <a:rPr lang="en-US" sz="1000" spc="-20">
-                <a:solidFill>
-                  <a:srgbClr val="020302"/>
-                </a:solidFill>
-                <a:latin typeface="AdobeClean-Light"/>
-                <a:cs typeface="AdobeClean-Light"/>
-              </a:rPr>
-              <a:t>.</a:t>
-            </a:r>
+              <a:t>시작합니다</a:t>
+            </a:r>
+            <a:endParaRPr lang="en-US" sz="1000" spc="-20" dirty="0">
+              <a:solidFill>
+                <a:srgbClr val="020302"/>
+              </a:solidFill>
+              <a:latin typeface="AdobeClean-Light"/>
+              <a:cs typeface="AdobeClean-Light"/>
+            </a:endParaRPr>
           </a:p>
           <a:p>
             <a:pPr marL="33020" marR="159385">
@@ -8992,27 +8441,27 @@
               </a:tabLst>
             </a:pPr>
             <a:r>
-              <a:rPr sz="1000" i="1" spc="-10">
+              <a:rPr lang="de-de" sz="1000" i="1" spc="-10" dirty="0">
                 <a:solidFill>
                   <a:srgbClr val="7A7A7A"/>
                 </a:solidFill>
                 <a:latin typeface="AdobeClean-LightIt"/>
                 <a:cs typeface="AdobeClean-LightIt"/>
               </a:rPr>
-              <a:t>*Not all </a:t>
-            </a:r>
-            <a:r>
-              <a:rPr sz="1000" i="1" spc="-20">
+              <a:t>*모든 </a:t>
+            </a:r>
+            <a:r>
+              <a:rPr lang="de-de" sz="1000" i="1" spc="-20" dirty="0">
                 <a:solidFill>
                   <a:srgbClr val="7A7A7A"/>
                 </a:solidFill>
                 <a:latin typeface="AdobeClean-LightIt"/>
                 <a:cs typeface="AdobeClean-LightIt"/>
               </a:rPr>
-              <a:t>products have live chat support</a:t>
-            </a:r>
-            <a:r>
-              <a:rPr sz="900" i="1" spc="-20">
+              <a:t>제품에 라이브 채팅이 지원되는 것은 아닙니다</a:t>
+            </a:r>
+            <a:r>
+              <a:rPr lang="de-de" sz="900" i="1" spc="-20" dirty="0">
                 <a:solidFill>
                   <a:srgbClr val="7A7A7A"/>
                 </a:solidFill>
@@ -9021,7 +8470,7 @@
               </a:rPr>
               <a:t>.  </a:t>
             </a:r>
-            <a:endParaRPr sz="900">
+            <a:endParaRPr sz="900" dirty="0">
               <a:latin typeface="AdobeClean-Light"/>
               <a:cs typeface="AdobeClean-Light"/>
             </a:endParaRPr>
@@ -9071,12 +8520,12 @@
               <a:defRPr/>
             </a:pPr>
             <a:r>
-              <a:rPr lang="en-US" sz="1200">
+              <a:rPr lang="de-de" sz="1200" dirty="0">
                 <a:solidFill>
                   <a:srgbClr val="000000"/>
                 </a:solidFill>
               </a:rPr>
-              <a:t>Community Forums</a:t>
+              <a:t>커뮤니티 포럼</a:t>
             </a:r>
           </a:p>
         </p:txBody>
@@ -9119,12 +8568,12 @@
               </a:spcAft>
             </a:pPr>
             <a:r>
-              <a:rPr lang="en-US" sz="1200" b="1">
+              <a:rPr lang="de-de" sz="1200" b="1" dirty="0">
                 <a:latin typeface="+mj-lt"/>
                 <a:ea typeface="Open Sans" pitchFamily="34" charset="0"/>
                 <a:cs typeface="Open Sans" pitchFamily="34" charset="0"/>
               </a:rPr>
-              <a:t>Online Forums</a:t>
+              <a:t>온라인 포럼</a:t>
             </a:r>
           </a:p>
         </p:txBody>
@@ -9157,13 +8606,13 @@
           <a:lstStyle/>
           <a:p>
             <a:r>
-              <a:rPr lang="en-US" sz="1000">
+              <a:rPr lang="de-de" sz="1000" dirty="0">
                 <a:solidFill>
                   <a:srgbClr val="4B4B4B"/>
                 </a:solidFill>
                 <a:latin typeface="Adobe Clean Light" panose="020B0303020404020204" pitchFamily="34" charset="0"/>
               </a:rPr>
-              <a:t>Continuous online access to a growing database of technical solutions, product documentation, FAQs and more. Connect with practitioners and other customers on Adobe Community to share best practices and lessons learned.</a:t>
+              <a:t>기술 솔루션, 제품 문서, FAQ 등 증가하는 데이터베이스에 대한 지속적인 온라인 액세스. Adobe 커뮤니티에서 실무자 및 다른 고객과 소통하여 모범 사례 및 진행 중 얻은 개선 사항을 공유합니다.</a:t>
             </a:r>
           </a:p>
         </p:txBody>
@@ -9211,7 +8660,7 @@
               <a:defRPr/>
             </a:pPr>
             <a:r>
-              <a:rPr lang="en-US" sz="1200">
+              <a:rPr lang="de-de" sz="1200" dirty="0">
                 <a:solidFill>
                   <a:srgbClr val="000000"/>
                 </a:solidFill>
@@ -9259,12 +8708,12 @@
               </a:spcAft>
             </a:pPr>
             <a:r>
-              <a:rPr lang="en-US" sz="1200" b="1">
+              <a:rPr lang="de-de" sz="1200" b="1" dirty="0">
                 <a:latin typeface="+mj-lt"/>
                 <a:ea typeface="Open Sans" pitchFamily="34" charset="0"/>
                 <a:cs typeface="Open Sans" pitchFamily="34" charset="0"/>
               </a:rPr>
-              <a:t>Self-guided Journeys</a:t>
+              <a:t>셀프 가이드 여정</a:t>
             </a:r>
           </a:p>
         </p:txBody>
@@ -9297,13 +8746,13 @@
           <a:lstStyle/>
           <a:p>
             <a:r>
-              <a:rPr lang="en-US" sz="1000">
+              <a:rPr lang="de-de" sz="1000" dirty="0">
                 <a:solidFill>
                   <a:srgbClr val="4B4B4B"/>
                 </a:solidFill>
                 <a:latin typeface="Adobe Clean Light" panose="020B0303020404020204" pitchFamily="34" charset="0"/>
               </a:rPr>
-              <a:t>Experience Makers are made with Experience League. Customers can kickstart their Customer Experience Management abilities with personalized learning to develop skills, engage with a global community of peers, and earn career advancing recognition.</a:t>
+              <a:t>Experience 업체는 Experience League로 만들어집니다. 고객은 개인 맞춤형 학습을 통해 고객 경험 관리 능력에 시동을 걸어 기술을 개발하고 글로벌 동료 커뮤니티와 교류하며 경력 발전에 도움이 되는 인정을 얻을 수 있습니다.</a:t>
             </a:r>
           </a:p>
         </p:txBody>
@@ -9324,7 +8773,7 @@
         </p:nvSpPr>
         <p:spPr>
           <a:xfrm>
-            <a:off x="3201544" y="8560230"/>
+            <a:off x="3201544" y="8458200"/>
             <a:ext cx="1543003" cy="184666"/>
           </a:xfrm>
           <a:prstGeom prst="rect">
@@ -9351,12 +8800,12 @@
               <a:defRPr/>
             </a:pPr>
             <a:r>
-              <a:rPr lang="en-US" sz="1200">
+              <a:rPr lang="de-de" sz="1200" dirty="0">
                 <a:solidFill>
                   <a:srgbClr val="000000"/>
                 </a:solidFill>
               </a:rPr>
-              <a:t>Live Chat  Support*</a:t>
+              <a:t>라이브 채팅 지원*</a:t>
             </a:r>
           </a:p>
         </p:txBody>
@@ -9377,7 +8826,7 @@
         </p:nvSpPr>
         <p:spPr>
           <a:xfrm>
-            <a:off x="3201544" y="8741449"/>
+            <a:off x="3201544" y="8610600"/>
             <a:ext cx="840166" cy="184666"/>
           </a:xfrm>
           <a:prstGeom prst="rect">
@@ -9399,12 +8848,12 @@
               </a:spcAft>
             </a:pPr>
             <a:r>
-              <a:rPr lang="en-US" sz="1200" b="1">
+              <a:rPr lang="de-de" sz="1200" b="1" dirty="0">
                 <a:latin typeface="+mj-lt"/>
                 <a:ea typeface="Open Sans" pitchFamily="34" charset="0"/>
                 <a:cs typeface="Open Sans" pitchFamily="34" charset="0"/>
               </a:rPr>
-              <a:t>Chat Support</a:t>
+              <a:t>채팅 지원</a:t>
             </a:r>
           </a:p>
         </p:txBody>
@@ -9452,7 +8901,7 @@
               <a:defRPr/>
             </a:pPr>
             <a:r>
-              <a:rPr lang="en-US" sz="1200">
+              <a:rPr lang="de-de" sz="1200" dirty="0">
                 <a:solidFill>
                   <a:srgbClr val="000000"/>
                 </a:solidFill>
@@ -9500,12 +8949,12 @@
               </a:spcAft>
             </a:pPr>
             <a:r>
-              <a:rPr lang="en-US" sz="1200" b="1">
+              <a:rPr lang="de-de" sz="1200" b="1" dirty="0">
                 <a:latin typeface="+mj-lt"/>
                 <a:ea typeface="Open Sans" pitchFamily="34" charset="0"/>
                 <a:cs typeface="Open Sans" pitchFamily="34" charset="0"/>
               </a:rPr>
-              <a:t>Phone  Support</a:t>
+              <a:t>전화 지원</a:t>
             </a:r>
           </a:p>
         </p:txBody>
@@ -9538,30 +8987,30 @@
           <a:lstStyle/>
           <a:p>
             <a:r>
-              <a:rPr lang="en-US" sz="1000">
+              <a:rPr lang="de-de" sz="1000" dirty="0">
                 <a:solidFill>
                   <a:srgbClr val="020302"/>
                 </a:solidFill>
                 <a:latin typeface="AdobeClean-Light"/>
               </a:rPr>
-              <a:t>Authorized users or </a:t>
-            </a:r>
-            <a:r>
-              <a:rPr lang="en-US" sz="1000" b="1">
+              <a:t>승인된 사용자 또는 </a:t>
+            </a:r>
+            <a:r>
+              <a:rPr lang="de-de" sz="1000" b="1" dirty="0">
                 <a:solidFill>
                   <a:srgbClr val="020302"/>
                 </a:solidFill>
                 <a:latin typeface="AdobeClean-Light"/>
               </a:rPr>
-              <a:t>Named Support Contacts </a:t>
-            </a:r>
-            <a:r>
-              <a:rPr lang="en-US" sz="1000">
+              <a:t>지정 지원 담당자</a:t>
+            </a:r>
+            <a:r>
+              <a:rPr lang="de-de" sz="1000" dirty="0">
                 <a:latin typeface="Adobe Clean Light" panose="020B0303020404020204" pitchFamily="34" charset="0"/>
               </a:rPr>
-              <a:t>can submit issues through all available  channels (including phone for P1) and interact with our technical support team on behalf of your company. </a:t>
-            </a:r>
-            <a:endParaRPr lang="en-US" sz="1000">
+              <a:t>는 사용 가능한 모든 채널(P1용 전화 포함)을 통해 문제를 제출하고 귀사를 대신하여 기술 지원 팀과 상호 작용할 수 있습니다. </a:t>
+            </a:r>
+            <a:endParaRPr lang="en-US" sz="1000" dirty="0">
               <a:solidFill>
                 <a:srgbClr val="000000"/>
               </a:solidFill>
@@ -9634,7 +9083,7 @@
         </p:nvSpPr>
         <p:spPr>
           <a:xfrm>
-            <a:off x="689237" y="8560230"/>
+            <a:off x="689237" y="8458200"/>
             <a:ext cx="991521" cy="184666"/>
           </a:xfrm>
           <a:prstGeom prst="rect">
@@ -9661,12 +9110,12 @@
               <a:defRPr/>
             </a:pPr>
             <a:r>
-              <a:rPr lang="en-US" sz="1200">
+              <a:rPr lang="de-de" sz="1200" dirty="0">
                 <a:solidFill>
                   <a:srgbClr val="000000"/>
                 </a:solidFill>
               </a:rPr>
-              <a:t>Office Hours</a:t>
+              <a:t>오피스 아워</a:t>
             </a:r>
           </a:p>
         </p:txBody>
@@ -9687,7 +9136,7 @@
         </p:nvSpPr>
         <p:spPr>
           <a:xfrm>
-            <a:off x="689237" y="8741449"/>
+            <a:off x="689237" y="8610600"/>
             <a:ext cx="604974" cy="184666"/>
           </a:xfrm>
           <a:prstGeom prst="rect">
@@ -9709,12 +9158,12 @@
               </a:spcAft>
             </a:pPr>
             <a:r>
-              <a:rPr lang="en-US" sz="1200" b="1">
+              <a:rPr lang="de-de" sz="1200" b="1" dirty="0">
                 <a:latin typeface="+mj-lt"/>
                 <a:ea typeface="Open Sans" pitchFamily="34" charset="0"/>
                 <a:cs typeface="Open Sans" pitchFamily="34" charset="0"/>
               </a:rPr>
-              <a:t>Webinars</a:t>
+              <a:t>웨비나</a:t>
             </a:r>
           </a:p>
         </p:txBody>
@@ -9733,8 +9182,8 @@
         </p:nvSpPr>
         <p:spPr>
           <a:xfrm>
-            <a:off x="355868" y="9026059"/>
-            <a:ext cx="2194560" cy="805349"/>
+            <a:off x="355868" y="8915400"/>
+            <a:ext cx="2194560" cy="959237"/>
           </a:xfrm>
           <a:prstGeom prst="rect">
             <a:avLst/>
@@ -9747,13 +9196,13 @@
           <a:lstStyle/>
           <a:p>
             <a:r>
-              <a:rPr lang="en-US" sz="1000">
+              <a:rPr lang="de-de" sz="1000" dirty="0">
                 <a:solidFill>
                   <a:srgbClr val="4B4B4B"/>
                 </a:solidFill>
                 <a:latin typeface="Adobe Clean Light" panose="020B0303020404020204" pitchFamily="34" charset="0"/>
               </a:rPr>
-              <a:t>Office Hours led by the Adobe Customer Support team includes sessions designed to inform as well as help participants troubleshoot problems and provide tips and tricks for success with Adobe solutions. </a:t>
+              <a:t>Adobe 고객 지원 팀에서 진행하는 오피스 아워(Office Hours)에는 참가자가 문제를 해결하도록 관련 정보를 제공하여 도움을 주고 Adobe 솔루션을 성공적으로 사용할 수 있는 팁과 요령을 제공하기 위해 설계된 세션들이 포함됩니다. </a:t>
             </a:r>
           </a:p>
         </p:txBody>
@@ -9774,7 +9223,7 @@
         </p:nvSpPr>
         <p:spPr>
           <a:xfrm>
-            <a:off x="5723508" y="8560230"/>
+            <a:off x="5723508" y="8458200"/>
             <a:ext cx="1303746" cy="184666"/>
           </a:xfrm>
           <a:prstGeom prst="rect">
@@ -9801,12 +9250,12 @@
               <a:defRPr/>
             </a:pPr>
             <a:r>
-              <a:rPr lang="en-US" sz="1200">
+              <a:rPr lang="de-de" sz="1200" dirty="0">
                 <a:solidFill>
                   <a:srgbClr val="000000"/>
                 </a:solidFill>
               </a:rPr>
-              <a:t>Self-help Portals</a:t>
+              <a:t>자가 진단 포털</a:t>
             </a:r>
           </a:p>
         </p:txBody>
@@ -9827,7 +9276,7 @@
         </p:nvSpPr>
         <p:spPr>
           <a:xfrm>
-            <a:off x="5723508" y="8741449"/>
+            <a:off x="5723508" y="8610600"/>
             <a:ext cx="1267206" cy="184666"/>
           </a:xfrm>
           <a:prstGeom prst="rect">
@@ -9849,12 +9298,12 @@
               </a:spcAft>
             </a:pPr>
             <a:r>
-              <a:rPr lang="en-US" sz="1200" b="1">
+              <a:rPr lang="de-de" sz="1200" b="1" dirty="0">
                 <a:latin typeface="+mj-lt"/>
                 <a:ea typeface="Open Sans" pitchFamily="34" charset="0"/>
                 <a:cs typeface="Open Sans" pitchFamily="34" charset="0"/>
               </a:rPr>
-              <a:t>24/7 Support Portal</a:t>
+              <a:t>24/7 지원 포털</a:t>
             </a:r>
           </a:p>
         </p:txBody>
@@ -9873,7 +9322,7 @@
         </p:nvSpPr>
         <p:spPr>
           <a:xfrm>
-            <a:off x="5265661" y="8987081"/>
+            <a:off x="5265661" y="8839200"/>
             <a:ext cx="2194560" cy="805349"/>
           </a:xfrm>
           <a:prstGeom prst="rect">
@@ -9887,37 +9336,32 @@
           <a:lstStyle/>
           <a:p>
             <a:r>
-              <a:rPr lang="en-US" sz="1000">
+              <a:rPr lang="de-de" sz="1000" dirty="0">
                 <a:solidFill>
                   <a:srgbClr val="4B4B4B"/>
                 </a:solidFill>
                 <a:latin typeface="Adobe Clean Light" panose="020B0303020404020204" pitchFamily="34" charset="0"/>
               </a:rPr>
-              <a:t>On-demand access to the online </a:t>
+              <a:t>지원 요청을 제출하고 사례 상태를 검토하고 기술 자료, 뉴스 및 알림, 추천 팁 등과 같은 기타 리소스를 검색할 수 있는 온라인 </a:t>
             </a:r>
             <a:br>
-              <a:rPr lang="en-US" sz="1000">
+              <a:rPr dirty="0"/>
+            </a:br>
+            <a:r>
+              <a:rPr lang="de-de" sz="1000" dirty="0">
                 <a:solidFill>
                   <a:srgbClr val="4B4B4B"/>
                 </a:solidFill>
                 <a:latin typeface="Adobe Clean Light" panose="020B0303020404020204" pitchFamily="34" charset="0"/>
               </a:rPr>
-            </a:br>
-            <a:r>
-              <a:rPr lang="en-US" sz="1000">
-                <a:solidFill>
-                  <a:srgbClr val="4B4B4B"/>
-                </a:solidFill>
-                <a:latin typeface="Adobe Clean Light" panose="020B0303020404020204" pitchFamily="34" charset="0"/>
-              </a:rPr>
-              <a:t>Self-help Support Portal to submit support requests, review case status, and browse other resources, like our knowledgebase, news and alerts, featured tips, and more.</a:t>
+              <a:t>자가 진단 지원 포털에 대한 온디맨드 액세스입니다.</a:t>
             </a:r>
           </a:p>
         </p:txBody>
       </p:sp>
       <p:pic>
         <p:nvPicPr>
-          <p:cNvPr id="74" name="Graphic 73" descr="Speaker phone outline">
+          <p:cNvPr id="74" name="Graphic 73" descr="스피커폰 개요">
             <a:extLst>
               <a:ext uri="{FF2B5EF4-FFF2-40B4-BE49-F238E27FC236}">
                 <a16:creationId xmlns:a16="http://schemas.microsoft.com/office/drawing/2014/main" id="{A1370005-6890-424C-884D-9064E283C1A4}"/>
@@ -9956,7 +9400,7 @@
       </p:pic>
       <p:pic>
         <p:nvPicPr>
-          <p:cNvPr id="75" name="Graphic 74" descr="Remote learning language outline">
+          <p:cNvPr id="75" name="Graphic 74" descr="원격 학습 언어 개요">
             <a:extLst>
               <a:ext uri="{FF2B5EF4-FFF2-40B4-BE49-F238E27FC236}">
                 <a16:creationId xmlns:a16="http://schemas.microsoft.com/office/drawing/2014/main" id="{FA70E684-2FB6-544A-9B16-BEB9080AC85B}"/>
@@ -9985,7 +9429,7 @@
         </p:blipFill>
         <p:spPr>
           <a:xfrm>
-            <a:off x="228600" y="8560230"/>
+            <a:off x="228600" y="8458200"/>
             <a:ext cx="411480" cy="411480"/>
           </a:xfrm>
           <a:prstGeom prst="rect">
@@ -9995,7 +9439,7 @@
       </p:pic>
       <p:pic>
         <p:nvPicPr>
-          <p:cNvPr id="76" name="Graphic 75" descr="Customer review outline">
+          <p:cNvPr id="76" name="Graphic 75" descr="고객 리뷰 개요">
             <a:extLst>
               <a:ext uri="{FF2B5EF4-FFF2-40B4-BE49-F238E27FC236}">
                 <a16:creationId xmlns:a16="http://schemas.microsoft.com/office/drawing/2014/main" id="{1B0E4E00-41D9-6440-83E3-60369886CE3A}"/>
@@ -10034,7 +9478,7 @@
       </p:pic>
       <p:pic>
         <p:nvPicPr>
-          <p:cNvPr id="77" name="Graphic 76" descr="Signpost outline">
+          <p:cNvPr id="77" name="Graphic 76" descr="길잡이 개요">
             <a:extLst>
               <a:ext uri="{FF2B5EF4-FFF2-40B4-BE49-F238E27FC236}">
                 <a16:creationId xmlns:a16="http://schemas.microsoft.com/office/drawing/2014/main" id="{001A9B31-4F82-A14D-B2BC-39DC337108A9}"/>
@@ -10073,7 +9517,7 @@
       </p:pic>
       <p:pic>
         <p:nvPicPr>
-          <p:cNvPr id="78" name="Graphic 77" descr="Internet outline">
+          <p:cNvPr id="78" name="Graphic 77" descr="인터넷 개요">
             <a:extLst>
               <a:ext uri="{FF2B5EF4-FFF2-40B4-BE49-F238E27FC236}">
                 <a16:creationId xmlns:a16="http://schemas.microsoft.com/office/drawing/2014/main" id="{20978656-E5F5-434D-BA66-491F99EF63FD}"/>
@@ -10102,7 +9546,7 @@
         </p:blipFill>
         <p:spPr>
           <a:xfrm>
-            <a:off x="5257800" y="8560230"/>
+            <a:off x="5257800" y="8458200"/>
             <a:ext cx="411480" cy="411480"/>
           </a:xfrm>
           <a:prstGeom prst="rect">
@@ -10112,7 +9556,7 @@
       </p:pic>
       <p:pic>
         <p:nvPicPr>
-          <p:cNvPr id="79" name="Graphic 78" descr="Chat bubble outline">
+          <p:cNvPr id="79" name="Graphic 78" descr="말풍선 개요">
             <a:extLst>
               <a:ext uri="{FF2B5EF4-FFF2-40B4-BE49-F238E27FC236}">
                 <a16:creationId xmlns:a16="http://schemas.microsoft.com/office/drawing/2014/main" id="{0C77255B-D338-2543-98E5-4434DF47D195}"/>
@@ -10141,7 +9585,7 @@
         </p:blipFill>
         <p:spPr>
           <a:xfrm>
-            <a:off x="2776853" y="8560230"/>
+            <a:off x="2776853" y="8458200"/>
             <a:ext cx="411480" cy="411480"/>
           </a:xfrm>
           <a:prstGeom prst="rect">
@@ -10163,7 +9607,7 @@
         </p:nvSpPr>
         <p:spPr>
           <a:xfrm rot="5400000" flipH="1">
-            <a:off x="3863341" y="5600443"/>
+            <a:off x="3863341" y="5463540"/>
             <a:ext cx="45719" cy="5577840"/>
           </a:xfrm>
           <a:custGeom>
@@ -10219,7 +9663,7 @@
         <p:spPr>
           <a:xfrm>
             <a:off x="214971" y="6124178"/>
-            <a:ext cx="2107308" cy="307777"/>
+            <a:ext cx="1252907" cy="307777"/>
           </a:xfrm>
           <a:prstGeom prst="rect">
             <a:avLst/>
@@ -10240,14 +9684,14 @@
               </a:spcBef>
             </a:pPr>
             <a:r>
-              <a:rPr lang="en-US" sz="1400" b="1" dirty="0">
+              <a:rPr lang="ko-KR" altLang="en-US" sz="1400" b="1">
                 <a:solidFill>
                   <a:srgbClr val="020302"/>
                 </a:solidFill>
                 <a:latin typeface="Adobe Clean"/>
                 <a:cs typeface="Adobe Clean"/>
               </a:rPr>
-              <a:t>Standard Support Features</a:t>
+              <a:t>표준 지원 기능</a:t>
             </a:r>
             <a:endParaRPr lang="en-US" sz="1400" dirty="0">
               <a:latin typeface="Adobe Clean"/>
@@ -10474,16 +9918,16 @@
               </a:spcBef>
             </a:pPr>
             <a:r>
-              <a:rPr lang="en-US" sz="1000">
+              <a:rPr lang="de-de" sz="1000" dirty="0">
                 <a:solidFill>
                   <a:srgbClr val="020302"/>
                 </a:solidFill>
                 <a:latin typeface="AdobeClean-Light"/>
                 <a:cs typeface="AdobeClean-Light"/>
               </a:rPr>
-              <a:t>Proactive review of your solution  deployment, configuration, and overall  architecture, including integrations.</a:t>
-            </a:r>
-            <a:endParaRPr lang="en-US" sz="1000">
+              <a:t>솔루션 배포, 구성 및 전체 아키텍처(통합 포함)에 대한 사전 예방적 검토입니다.</a:t>
+            </a:r>
+            <a:endParaRPr lang="en-US" sz="1000" dirty="0">
               <a:solidFill>
                 <a:prstClr val="black"/>
               </a:solidFill>
@@ -10529,16 +9973,16 @@
               </a:spcBef>
             </a:pPr>
             <a:r>
-              <a:rPr lang="en-US" sz="1000">
+              <a:rPr lang="de-de" sz="1000" dirty="0">
                 <a:solidFill>
                   <a:srgbClr val="020302"/>
                 </a:solidFill>
                 <a:latin typeface="AdobeClean-Light"/>
                 <a:cs typeface="AdobeClean-Light"/>
               </a:rPr>
-              <a:t>Receive maintenance best practices and latest  fixes (SPs, MR, patches, FPs) to remain up-to-  date on all maintenance checks.</a:t>
-            </a:r>
-            <a:endParaRPr lang="en-US" sz="1000">
+              <a:t>유지 관리 모범 사례 및 최신 수정 사항(SP, MR, 패치, FP)을 수신하여 모든 유지 관리 검사에서 최신 상태를 유지합니다.</a:t>
+            </a:r>
+            <a:endParaRPr lang="en-US" sz="1000" dirty="0">
               <a:solidFill>
                 <a:prstClr val="black"/>
               </a:solidFill>
@@ -10581,16 +10025,16 @@
               </a:spcBef>
             </a:pPr>
             <a:r>
-              <a:rPr lang="en-US" sz="1000">
+              <a:rPr lang="de-de" sz="1000" dirty="0">
                 <a:solidFill>
                   <a:srgbClr val="4B4B4B"/>
                 </a:solidFill>
                 <a:latin typeface="AdobeClean-Light"/>
                 <a:cs typeface="AdobeClean-Light"/>
               </a:rPr>
-              <a:t>A regular review of Elite program services, support metrics, and deliverables, including a forward-looking plan</a:t>
-            </a:r>
-            <a:endParaRPr lang="en-US" sz="1000">
+              <a:t>미래 지향적인 계획이 포함된, 엘리트 프로그램 서비스, 지원 지표 및 결과물에 대한 정기적 리뷰 입니다.</a:t>
+            </a:r>
+            <a:endParaRPr lang="en-US" sz="1000" dirty="0">
               <a:solidFill>
                 <a:prstClr val="black"/>
               </a:solidFill>
@@ -10633,16 +10077,16 @@
               </a:spcBef>
             </a:pPr>
             <a:r>
-              <a:rPr lang="en-US" sz="1000">
+              <a:rPr lang="de-de" sz="1000" dirty="0">
                 <a:solidFill>
                   <a:srgbClr val="4B4B4B"/>
                 </a:solidFill>
                 <a:latin typeface="AdobeClean-Light"/>
                 <a:cs typeface="AdobeClean-Light"/>
               </a:rPr>
-              <a:t>A 60-minute session focusing on a  specific product feature and how it can  be utilized to solve common business  problems.</a:t>
-            </a:r>
-            <a:endParaRPr lang="en-US" sz="1000">
+              <a:t>특정 제품 기능과 일반적인 비즈니스 문제를 해결하는 데 사용할 수 있는 방법에 중점을 둔 60분 세션입니다.</a:t>
+            </a:r>
+            <a:endParaRPr lang="en-US" sz="1000" dirty="0">
               <a:solidFill>
                 <a:prstClr val="black"/>
               </a:solidFill>
@@ -10685,16 +10129,16 @@
               </a:spcBef>
             </a:pPr>
             <a:r>
-              <a:rPr lang="en-US" sz="1000">
+              <a:rPr lang="de-de" sz="1000" dirty="0">
                 <a:solidFill>
                   <a:srgbClr val="4B4B4B"/>
                 </a:solidFill>
                 <a:latin typeface="AdobeClean-Light"/>
                 <a:cs typeface="AdobeClean-Light"/>
               </a:rPr>
-              <a:t>A designated point of contact within Adobe  who can provide escalation assistance,  regular updates and ensure priority is given  to your most critical open support requests.</a:t>
-            </a:r>
-            <a:endParaRPr lang="en-US"/>
+              <a:t>에스컬레이션 지원 및 정기 업데이트를 제공하고 진행 중인 지원 요청에서 가장 중요한 것에 우선 순위를 부여할 수 있는 Adobe 내의 지정된 담당자입니다.</a:t>
+            </a:r>
+            <a:endParaRPr lang="en-US" dirty="0"/>
           </a:p>
         </p:txBody>
       </p:sp>
@@ -10731,16 +10175,16 @@
               </a:spcBef>
             </a:pPr>
             <a:r>
-              <a:rPr lang="en-US" sz="1100" b="1">
+              <a:rPr lang="de-de" sz="1100" b="1" dirty="0">
                 <a:solidFill>
                   <a:srgbClr val="020302"/>
                 </a:solidFill>
                 <a:latin typeface="Adobe Clean" panose="020B0503020404020204" pitchFamily="34" charset="0"/>
                 <a:cs typeface="Arial"/>
               </a:rPr>
-              <a:t>Named Support Engineer</a:t>
-            </a:r>
-            <a:endParaRPr lang="en-US" sz="1100">
+              <a:t>지정 지원 엔지니어</a:t>
+            </a:r>
+            <a:endParaRPr lang="en-US" sz="1100" dirty="0">
               <a:solidFill>
                 <a:prstClr val="black"/>
               </a:solidFill>
@@ -10783,16 +10227,16 @@
               </a:spcBef>
             </a:pPr>
             <a:r>
-              <a:rPr lang="en-US" sz="1100" b="1">
+              <a:rPr lang="de-de" sz="1100" b="1" dirty="0">
                 <a:solidFill>
                   <a:srgbClr val="020302"/>
                 </a:solidFill>
                 <a:latin typeface="Adobe Clean" panose="020B0503020404020204" pitchFamily="34" charset="0"/>
                 <a:cs typeface="Arial"/>
               </a:rPr>
-              <a:t>Case Reviews</a:t>
-            </a:r>
-            <a:endParaRPr lang="en-US" sz="1100">
+              <a:t>사례 검토</a:t>
+            </a:r>
+            <a:endParaRPr lang="en-US" sz="1100" dirty="0">
               <a:solidFill>
                 <a:prstClr val="black"/>
               </a:solidFill>
@@ -10835,16 +10279,16 @@
               </a:spcBef>
             </a:pPr>
             <a:r>
-              <a:rPr lang="en-US" sz="1100" b="1">
+              <a:rPr lang="de-de" sz="1100" b="1" dirty="0">
                 <a:solidFill>
                   <a:srgbClr val="020302"/>
                 </a:solidFill>
                 <a:latin typeface="Adobe Clean" panose="020B0503020404020204" pitchFamily="34" charset="0"/>
                 <a:cs typeface="Adobe Clean"/>
               </a:rPr>
-              <a:t>Maintenance &amp; Monitoring</a:t>
-            </a:r>
-            <a:endParaRPr lang="en-US" sz="1100">
+              <a:t>유지 관리 및 모니터링</a:t>
+            </a:r>
+            <a:endParaRPr lang="en-US" sz="1100" dirty="0">
               <a:solidFill>
                 <a:prstClr val="black"/>
               </a:solidFill>
@@ -10887,16 +10331,16 @@
               </a:spcBef>
             </a:pPr>
             <a:r>
-              <a:rPr lang="en-US" sz="1100" b="1">
+              <a:rPr lang="de-de" sz="1100" b="1" dirty="0">
                 <a:solidFill>
                   <a:srgbClr val="020302"/>
                 </a:solidFill>
                 <a:latin typeface="Adobe Clean" panose="020B0503020404020204" pitchFamily="34" charset="0"/>
                 <a:cs typeface="Adobe Clean"/>
               </a:rPr>
-              <a:t>Solution Roadmap Review</a:t>
-            </a:r>
-            <a:endParaRPr lang="en-US" sz="1100">
+              <a:t>솔루션 로드맵 검토</a:t>
+            </a:r>
+            <a:endParaRPr lang="en-US" sz="1100" dirty="0">
               <a:solidFill>
                 <a:prstClr val="black"/>
               </a:solidFill>
@@ -10939,16 +10383,16 @@
               </a:spcBef>
             </a:pPr>
             <a:r>
-              <a:rPr lang="en-US" sz="1100" b="1">
+              <a:rPr lang="de-de" sz="1100" b="1" dirty="0">
                 <a:solidFill>
                   <a:srgbClr val="020302"/>
                 </a:solidFill>
                 <a:latin typeface="Adobe Clean" panose="020B0503020404020204" pitchFamily="34" charset="0"/>
                 <a:cs typeface="Adobe Clean"/>
               </a:rPr>
-              <a:t>Environment Review</a:t>
-            </a:r>
-            <a:endParaRPr lang="en-US" sz="1100">
+              <a:t>환경 검토</a:t>
+            </a:r>
+            <a:endParaRPr lang="en-US" sz="1100" dirty="0">
               <a:solidFill>
                 <a:prstClr val="black"/>
               </a:solidFill>
@@ -10991,16 +10435,16 @@
               </a:spcBef>
             </a:pPr>
             <a:r>
-              <a:rPr lang="en-US" sz="1100" b="1">
+              <a:rPr lang="de-de" sz="1100" b="1" dirty="0">
                 <a:solidFill>
                   <a:srgbClr val="020302"/>
                 </a:solidFill>
                 <a:latin typeface="Adobe Clean" panose="020B0503020404020204" pitchFamily="34" charset="0"/>
                 <a:cs typeface="Adobe Clean"/>
               </a:rPr>
-              <a:t>Escalation Management</a:t>
-            </a:r>
-            <a:endParaRPr lang="en-US" sz="1100">
+              <a:t>에스컬레이션 관리</a:t>
+            </a:r>
+            <a:endParaRPr lang="en-US" sz="1100" dirty="0">
               <a:solidFill>
                 <a:prstClr val="black"/>
               </a:solidFill>
@@ -11043,16 +10487,16 @@
               </a:spcBef>
             </a:pPr>
             <a:r>
-              <a:rPr lang="en-US" sz="1100" b="1">
+              <a:rPr lang="de-de" sz="1100" b="1" dirty="0">
                 <a:solidFill>
                   <a:srgbClr val="020302"/>
                 </a:solidFill>
                 <a:latin typeface="Adobe Clean" panose="020B0503020404020204" pitchFamily="34" charset="0"/>
                 <a:cs typeface="Adobe Clean"/>
               </a:rPr>
-              <a:t>Service Reviews</a:t>
-            </a:r>
-            <a:endParaRPr lang="en-US" sz="1100">
+              <a:t>서비스 리뷰</a:t>
+            </a:r>
+            <a:endParaRPr lang="en-US" sz="1100" dirty="0">
               <a:solidFill>
                 <a:prstClr val="black"/>
               </a:solidFill>
@@ -11095,16 +10539,16 @@
               </a:spcBef>
             </a:pPr>
             <a:r>
-              <a:rPr lang="en-US" sz="1100" b="1">
+              <a:rPr lang="de-de" sz="1100" b="1" dirty="0">
                 <a:solidFill>
                   <a:srgbClr val="020302"/>
                 </a:solidFill>
                 <a:latin typeface="Adobe Clean" panose="020B0503020404020204" pitchFamily="34" charset="0"/>
                 <a:cs typeface="Adobe Clean"/>
               </a:rPr>
-              <a:t>Expert Sessions</a:t>
-            </a:r>
-            <a:endParaRPr lang="en-US" sz="1100">
+              <a:t>전문가 세션</a:t>
+            </a:r>
+            <a:endParaRPr lang="en-US" sz="1100" dirty="0">
               <a:solidFill>
                 <a:prstClr val="black"/>
               </a:solidFill>
@@ -11147,16 +10591,16 @@
               </a:spcBef>
             </a:pPr>
             <a:r>
-              <a:rPr lang="en-US" sz="1100" b="1">
+              <a:rPr lang="de-de" sz="1100" b="1" dirty="0">
                 <a:solidFill>
                   <a:srgbClr val="020302"/>
                 </a:solidFill>
                 <a:latin typeface="Adobe Clean" panose="020B0503020404020204" pitchFamily="34" charset="0"/>
                 <a:cs typeface="Adobe Clean"/>
               </a:rPr>
-              <a:t>Release Preparation &amp; Review</a:t>
-            </a:r>
-            <a:endParaRPr lang="en-US" sz="1100">
+              <a:t>릴리스 준비 및 검토</a:t>
+            </a:r>
+            <a:endParaRPr lang="en-US" sz="1100" dirty="0">
               <a:solidFill>
                 <a:prstClr val="black"/>
               </a:solidFill>
@@ -11202,16 +10646,16 @@
               </a:spcBef>
             </a:pPr>
             <a:r>
-              <a:rPr lang="en-US" sz="1100" b="1">
+              <a:rPr lang="de-de" sz="1100" b="1" dirty="0">
                 <a:solidFill>
                   <a:srgbClr val="020302"/>
                 </a:solidFill>
                 <a:latin typeface="Adobe Clean" panose="020B0503020404020204" pitchFamily="34" charset="0"/>
                 <a:cs typeface="Adobe Clean"/>
               </a:rPr>
-              <a:t>Knowledge Transfer</a:t>
-            </a:r>
-            <a:endParaRPr lang="en-US" sz="1100">
+              <a:t>지식 이전</a:t>
+            </a:r>
+            <a:endParaRPr lang="en-US" sz="1100" dirty="0">
               <a:latin typeface="Adobe Clean" panose="020B0503020404020204" pitchFamily="34" charset="0"/>
               <a:cs typeface="Adobe Clean"/>
             </a:endParaRPr>
@@ -11254,16 +10698,16 @@
               </a:spcBef>
             </a:pPr>
             <a:r>
-              <a:rPr lang="en-US" sz="1100" b="1">
+              <a:rPr lang="de-de" sz="1100" b="1" dirty="0">
                 <a:solidFill>
                   <a:srgbClr val="020302"/>
                 </a:solidFill>
                 <a:latin typeface="Adobe Clean" panose="020B0503020404020204" pitchFamily="34" charset="0"/>
                 <a:cs typeface="Adobe Clean"/>
               </a:rPr>
-              <a:t>Event Management</a:t>
-            </a:r>
-            <a:endParaRPr lang="en-US" sz="1100">
+              <a:t>이벤트 관리</a:t>
+            </a:r>
+            <a:endParaRPr lang="en-US" sz="1100" dirty="0">
               <a:latin typeface="Adobe Clean" panose="020B0503020404020204" pitchFamily="34" charset="0"/>
               <a:cs typeface="Adobe Clean"/>
             </a:endParaRPr>
@@ -11382,7 +10826,7 @@
       </p:sp>
       <p:pic>
         <p:nvPicPr>
-          <p:cNvPr id="25" name="Graphic 24" descr="Continuous Improvement outline">
+          <p:cNvPr id="25" name="Graphic 24" descr="지속적인 개선 개요">
             <a:extLst>
               <a:ext uri="{FF2B5EF4-FFF2-40B4-BE49-F238E27FC236}">
                 <a16:creationId xmlns:a16="http://schemas.microsoft.com/office/drawing/2014/main" id="{A2F6F854-90CC-FC48-9379-F18D8FBF395B}"/>
@@ -11541,7 +10985,7 @@
       </p:pic>
       <p:pic>
         <p:nvPicPr>
-          <p:cNvPr id="29" name="Graphic 28" descr="Storytelling outline">
+          <p:cNvPr id="29" name="Graphic 28" descr="스토리텔링 개요">
             <a:extLst>
               <a:ext uri="{FF2B5EF4-FFF2-40B4-BE49-F238E27FC236}">
                 <a16:creationId xmlns:a16="http://schemas.microsoft.com/office/drawing/2014/main" id="{AD9F15BE-1A73-9C4D-B0AF-F35EF2ED6649}"/>
@@ -11614,16 +11058,16 @@
               </a:spcBef>
             </a:pPr>
             <a:r>
-              <a:rPr lang="en-US" sz="1000">
+              <a:rPr lang="de-de" sz="1000" dirty="0">
                 <a:solidFill>
                   <a:srgbClr val="020302"/>
                 </a:solidFill>
                 <a:latin typeface="AdobeClean-Light"/>
                 <a:cs typeface="AdobeClean-Light"/>
               </a:rPr>
-              <a:t>Compare and align Adobe solution  roadmap with your project roadmap to  mitigate risk and prepare for the future.</a:t>
-            </a:r>
-            <a:endParaRPr lang="en-US" sz="1000">
+              <a:t>Adobe 솔루션 로드맵을 프로젝트 로드맵과 비교하고 조정하여 위험을 완화하고 미래에 대비합니다.</a:t>
+            </a:r>
+            <a:endParaRPr lang="en-US" sz="1000" dirty="0">
               <a:latin typeface="AdobeClean-Light"/>
               <a:cs typeface="AdobeClean-Light"/>
             </a:endParaRPr>
@@ -11638,7 +11082,7 @@
               </a:spcBef>
             </a:pPr>
             <a:r>
-              <a:rPr lang="en-US" sz="1000">
+              <a:rPr lang="de-de" sz="1000" dirty="0">
                 <a:solidFill>
                   <a:srgbClr val="020302"/>
                 </a:solidFill>
@@ -11647,7 +11091,7 @@
               </a:rPr>
               <a:t>.</a:t>
             </a:r>
-            <a:endParaRPr lang="en-US" sz="1000">
+            <a:endParaRPr lang="en-US" sz="1000" dirty="0">
               <a:solidFill>
                 <a:prstClr val="black"/>
               </a:solidFill>
@@ -11983,7 +11427,7 @@
         <p:spPr>
           <a:xfrm>
             <a:off x="4843269" y="2329688"/>
-            <a:ext cx="1656080" cy="238760"/>
+            <a:ext cx="1656080" cy="228268"/>
           </a:xfrm>
           <a:prstGeom prst="rect">
             <a:avLst/>
@@ -11995,7 +11439,7 @@
           </a:bodyPr>
           <a:lstStyle/>
           <a:p>
-            <a:pPr marL="12700">
+            <a:pPr marL="12700" algn="ctr">
               <a:lnSpc>
                 <a:spcPct val="100000"/>
               </a:lnSpc>
@@ -12004,176 +11448,56 @@
               </a:spcBef>
             </a:pPr>
             <a:r>
-              <a:rPr sz="1400" b="1" spc="-25">
+              <a:rPr lang="de-de" sz="1400" b="1" spc="-25" dirty="0">
                 <a:solidFill>
                   <a:srgbClr val="020302"/>
                 </a:solidFill>
                 <a:latin typeface="Adobe Clean"/>
                 <a:cs typeface="Adobe Clean"/>
               </a:rPr>
-              <a:t>Fi</a:t>
-            </a:r>
-            <a:r>
-              <a:rPr sz="1400" b="1" spc="-35">
+              <a:t>현장</a:t>
+            </a:r>
+            <a:r>
+              <a:rPr lang="de-de" sz="1400" b="1" spc="-40" dirty="0">
                 <a:solidFill>
                   <a:srgbClr val="020302"/>
                 </a:solidFill>
                 <a:latin typeface="Adobe Clean"/>
                 <a:cs typeface="Adobe Clean"/>
               </a:rPr>
-              <a:t>e</a:t>
-            </a:r>
-            <a:r>
-              <a:rPr sz="1400" b="1" spc="-25">
+              <a:t> </a:t>
+            </a:r>
+            <a:r>
+              <a:rPr lang="de-de" sz="1400" b="1" spc="25" dirty="0">
                 <a:solidFill>
                   <a:srgbClr val="020302"/>
                 </a:solidFill>
                 <a:latin typeface="Adobe Clean"/>
                 <a:cs typeface="Adobe Clean"/>
               </a:rPr>
-              <a:t>l</a:t>
-            </a:r>
-            <a:r>
-              <a:rPr sz="1400" b="1">
+              <a:t>서비스</a:t>
+            </a:r>
+            <a:r>
+              <a:rPr lang="de-de" sz="1400" b="1" spc="-190" dirty="0">
                 <a:solidFill>
                   <a:srgbClr val="020302"/>
                 </a:solidFill>
                 <a:latin typeface="Adobe Clean"/>
                 <a:cs typeface="Adobe Clean"/>
               </a:rPr>
-              <a:t>d</a:t>
-            </a:r>
-            <a:r>
-              <a:rPr sz="1400" b="1" spc="-40">
+              <a:t> </a:t>
+            </a:r>
+            <a:r>
+              <a:rPr lang="de-de" sz="1400" b="1" spc="5" dirty="0">
                 <a:solidFill>
                   <a:srgbClr val="020302"/>
                 </a:solidFill>
                 <a:latin typeface="Adobe Clean"/>
                 <a:cs typeface="Adobe Clean"/>
               </a:rPr>
-              <a:t> </a:t>
-            </a:r>
-            <a:r>
-              <a:rPr sz="1400" b="1" spc="25">
-                <a:solidFill>
-                  <a:srgbClr val="020302"/>
-                </a:solidFill>
-                <a:latin typeface="Adobe Clean"/>
-                <a:cs typeface="Adobe Clean"/>
-              </a:rPr>
-              <a:t>S</a:t>
-            </a:r>
-            <a:r>
-              <a:rPr sz="1400" b="1" spc="5">
-                <a:solidFill>
-                  <a:srgbClr val="020302"/>
-                </a:solidFill>
-                <a:latin typeface="Adobe Clean"/>
-                <a:cs typeface="Adobe Clean"/>
-              </a:rPr>
-              <a:t>e</a:t>
-            </a:r>
-            <a:r>
-              <a:rPr sz="1400" b="1" spc="15">
-                <a:solidFill>
-                  <a:srgbClr val="020302"/>
-                </a:solidFill>
-                <a:latin typeface="Adobe Clean"/>
-                <a:cs typeface="Adobe Clean"/>
-              </a:rPr>
-              <a:t>rvi</a:t>
-            </a:r>
-            <a:r>
-              <a:rPr sz="1400" b="1" spc="5">
-                <a:solidFill>
-                  <a:srgbClr val="020302"/>
-                </a:solidFill>
-                <a:latin typeface="Adobe Clean"/>
-                <a:cs typeface="Adobe Clean"/>
-              </a:rPr>
-              <a:t>c</a:t>
-            </a:r>
-            <a:r>
-              <a:rPr sz="1400" b="1">
-                <a:solidFill>
-                  <a:srgbClr val="020302"/>
-                </a:solidFill>
-                <a:latin typeface="Adobe Clean"/>
-                <a:cs typeface="Adobe Clean"/>
-              </a:rPr>
-              <a:t>e</a:t>
-            </a:r>
-            <a:r>
-              <a:rPr sz="1400" b="1" spc="-190">
-                <a:solidFill>
-                  <a:srgbClr val="020302"/>
-                </a:solidFill>
-                <a:latin typeface="Adobe Clean"/>
-                <a:cs typeface="Adobe Clean"/>
-              </a:rPr>
-              <a:t> </a:t>
-            </a:r>
-            <a:r>
-              <a:rPr sz="1400" b="1" spc="5">
-                <a:solidFill>
-                  <a:srgbClr val="020302"/>
-                </a:solidFill>
-                <a:latin typeface="Adobe Clean"/>
-                <a:cs typeface="Adobe Clean"/>
-              </a:rPr>
-              <a:t>A</a:t>
-            </a:r>
-            <a:r>
-              <a:rPr sz="1400" b="1" spc="-5">
-                <a:solidFill>
-                  <a:srgbClr val="020302"/>
-                </a:solidFill>
-                <a:latin typeface="Adobe Clean"/>
-                <a:cs typeface="Adobe Clean"/>
-              </a:rPr>
-              <a:t>ct</a:t>
-            </a:r>
-            <a:r>
-              <a:rPr sz="1400" b="1" spc="5">
-                <a:solidFill>
-                  <a:srgbClr val="020302"/>
-                </a:solidFill>
-                <a:latin typeface="Adobe Clean"/>
-                <a:cs typeface="Adobe Clean"/>
-              </a:rPr>
-              <a:t>ivi</a:t>
-            </a:r>
-            <a:r>
-              <a:rPr sz="1400" b="1" spc="-5">
-                <a:solidFill>
-                  <a:srgbClr val="020302"/>
-                </a:solidFill>
-                <a:latin typeface="Adobe Clean"/>
-                <a:cs typeface="Adobe Clean"/>
-              </a:rPr>
-              <a:t>t</a:t>
-            </a:r>
-            <a:r>
-              <a:rPr sz="1400" b="1" spc="5">
-                <a:solidFill>
-                  <a:srgbClr val="020302"/>
-                </a:solidFill>
-                <a:latin typeface="Adobe Clean"/>
-                <a:cs typeface="Adobe Clean"/>
-              </a:rPr>
-              <a:t>i</a:t>
-            </a:r>
-            <a:r>
-              <a:rPr sz="1400" b="1" spc="-5">
-                <a:solidFill>
-                  <a:srgbClr val="020302"/>
-                </a:solidFill>
-                <a:latin typeface="Adobe Clean"/>
-                <a:cs typeface="Adobe Clean"/>
-              </a:rPr>
-              <a:t>es</a:t>
-            </a:r>
-            <a:endParaRPr sz="1400">
+              <a:t>활동</a:t>
+            </a:r>
+            <a:endParaRPr sz="1400" dirty="0">
               <a:latin typeface="Adobe Clean"/>
               <a:cs typeface="Adobe Clean"/>
             </a:endParaRPr>
@@ -12189,7 +11513,7 @@
         <p:spPr>
           <a:xfrm>
             <a:off x="914422" y="2342312"/>
-            <a:ext cx="1242060" cy="238760"/>
+            <a:ext cx="1242060" cy="228268"/>
           </a:xfrm>
           <a:prstGeom prst="rect">
             <a:avLst/>
@@ -12201,7 +11525,7 @@
           </a:bodyPr>
           <a:lstStyle/>
           <a:p>
-            <a:pPr marL="12700">
+            <a:pPr marL="12700" algn="ctr">
               <a:lnSpc>
                 <a:spcPct val="100000"/>
               </a:lnSpc>
@@ -12210,96 +11534,26 @@
               </a:spcBef>
             </a:pPr>
             <a:r>
-              <a:rPr sz="1400" b="1" spc="-25">
+              <a:rPr lang="de-de" sz="1400" b="1" spc="-25" dirty="0">
                 <a:solidFill>
                   <a:srgbClr val="020302"/>
                 </a:solidFill>
                 <a:latin typeface="Adobe Clean"/>
                 <a:cs typeface="Adobe Clean"/>
               </a:rPr>
-              <a:t>L</a:t>
-            </a:r>
-            <a:r>
-              <a:rPr sz="1400" b="1" spc="-5">
+              <a:t>출시 </a:t>
+            </a:r>
+            <a:r>
+              <a:rPr lang="de-de" sz="1400" b="1" spc="-10" dirty="0">
                 <a:solidFill>
                   <a:srgbClr val="020302"/>
                 </a:solidFill>
                 <a:latin typeface="Adobe Clean"/>
                 <a:cs typeface="Adobe Clean"/>
               </a:rPr>
-              <a:t>a</a:t>
-            </a:r>
-            <a:r>
-              <a:rPr sz="1400" b="1" spc="-20">
-                <a:solidFill>
-                  <a:srgbClr val="020302"/>
-                </a:solidFill>
-                <a:latin typeface="Adobe Clean"/>
-                <a:cs typeface="Adobe Clean"/>
-              </a:rPr>
-              <a:t>u</a:t>
-            </a:r>
-            <a:r>
-              <a:rPr sz="1400" b="1" spc="-15">
-                <a:solidFill>
-                  <a:srgbClr val="020302"/>
-                </a:solidFill>
-                <a:latin typeface="Adobe Clean"/>
-                <a:cs typeface="Adobe Clean"/>
-              </a:rPr>
-              <a:t>n</a:t>
-            </a:r>
-            <a:r>
-              <a:rPr sz="1400" b="1" spc="-25">
-                <a:solidFill>
-                  <a:srgbClr val="020302"/>
-                </a:solidFill>
-                <a:latin typeface="Adobe Clean"/>
-                <a:cs typeface="Adobe Clean"/>
-              </a:rPr>
-              <a:t>c</a:t>
-            </a:r>
-            <a:r>
-              <a:rPr sz="1400" b="1">
-                <a:solidFill>
-                  <a:srgbClr val="020302"/>
-                </a:solidFill>
-                <a:latin typeface="Adobe Clean"/>
-                <a:cs typeface="Adobe Clean"/>
-              </a:rPr>
-              <a:t>h</a:t>
-            </a:r>
-            <a:r>
-              <a:rPr sz="1400" b="1" spc="-25">
-                <a:solidFill>
-                  <a:srgbClr val="020302"/>
-                </a:solidFill>
-                <a:latin typeface="Adobe Clean"/>
-                <a:cs typeface="Adobe Clean"/>
-              </a:rPr>
-              <a:t> </a:t>
-            </a:r>
-            <a:r>
-              <a:rPr sz="1400" b="1" spc="-10">
-                <a:solidFill>
-                  <a:srgbClr val="020302"/>
-                </a:solidFill>
-                <a:latin typeface="Adobe Clean"/>
-                <a:cs typeface="Adobe Clean"/>
-              </a:rPr>
-              <a:t>Advisor</a:t>
-            </a:r>
-            <a:r>
-              <a:rPr sz="1400" b="1">
-                <a:solidFill>
-                  <a:srgbClr val="020302"/>
-                </a:solidFill>
-                <a:latin typeface="Adobe Clean"/>
-                <a:cs typeface="Adobe Clean"/>
-              </a:rPr>
-              <a:t>y</a:t>
-            </a:r>
-            <a:endParaRPr sz="1400">
+              <a:t>자문</a:t>
+            </a:r>
+            <a:endParaRPr sz="1400" dirty="0">
               <a:latin typeface="Adobe Clean"/>
               <a:cs typeface="Adobe Clean"/>
             </a:endParaRPr>
@@ -12336,46 +11590,33 @@
               </a:spcBef>
             </a:pPr>
             <a:r>
-              <a:rPr sz="1000">
+              <a:rPr lang="de-de" sz="1000" b="1" dirty="0">
                 <a:solidFill>
                   <a:srgbClr val="1F1F1F"/>
                 </a:solidFill>
+                <a:latin typeface="Adobe Clean"/>
+                <a:cs typeface="Adobe Clean"/>
+              </a:rPr>
+              <a:t>새로운 Adobe Experience Cloud 솔루션을 구현하는 고객을 위한 </a:t>
+            </a:r>
+            <a:r>
+              <a:rPr lang="de-de" sz="1000" dirty="0">
                 <a:latin typeface="AdobeClean-Light"/>
                 <a:cs typeface="AdobeClean-Light"/>
               </a:rPr>
-              <a:t>For customers implementing a </a:t>
-            </a:r>
-            <a:r>
-              <a:rPr sz="1000" b="1">
-                <a:solidFill>
-                  <a:srgbClr val="1F1F1F"/>
-                </a:solidFill>
-                <a:latin typeface="Adobe Clean"/>
-                <a:cs typeface="Adobe Clean"/>
-              </a:rPr>
-              <a:t>new Adobe Experience Cloud  solution, </a:t>
-            </a:r>
-            <a:r>
-              <a:rPr sz="1000">
-                <a:latin typeface="AdobeClean-Light"/>
-                <a:cs typeface="AdobeClean-Light"/>
-              </a:rPr>
-              <a:t>Launch Advisory </a:t>
-            </a:r>
-            <a:r>
-              <a:rPr sz="1000">
+              <a:t>출시 자문은</a:t>
+            </a:r>
+            <a:r>
+              <a:rPr lang="de-de" sz="950" dirty="0">
                 <a:latin typeface="AdobeClean-SemiLight"/>
                 <a:cs typeface="AdobeClean-SemiLight"/>
               </a:rPr>
-              <a:t>is a </a:t>
-            </a:r>
-            <a:r>
-              <a:rPr sz="950">
-                <a:latin typeface="AdobeClean-SemiLight"/>
-                <a:cs typeface="AdobeClean-SemiLight"/>
-              </a:rPr>
-              <a:t>core set of advisory</a:t>
-            </a:r>
+              <a:t>핵심 자문</a:t>
+            </a:r>
+            <a:endParaRPr sz="950">
+              <a:latin typeface="AdobeClean-SemiLight"/>
+              <a:cs typeface="AdobeClean-SemiLight"/>
+            </a:endParaRPr>
           </a:p>
           <a:p>
             <a:pPr marL="12700" marR="86995" indent="-635">
@@ -12384,46 +11625,48 @@
               </a:lnSpc>
             </a:pPr>
             <a:r>
-              <a:rPr sz="950">
+              <a:rPr lang="de-de" sz="950" dirty="0">
                 <a:latin typeface="AdobeClean-SemiLight"/>
                 <a:cs typeface="AdobeClean-SemiLight"/>
               </a:rPr>
-              <a:t>services </a:t>
-            </a:r>
-            <a:r>
-              <a:rPr sz="1000">
+              <a:t>서비스이자 </a:t>
+            </a:r>
+            <a:r>
+              <a:rPr lang="de-de" sz="1000" dirty="0">
                 <a:latin typeface="AdobeClean-Light"/>
                 <a:cs typeface="AdobeClean-Light"/>
               </a:rPr>
-              <a:t>and recommendations that are proven to </a:t>
-            </a:r>
-            <a:r>
-              <a:rPr sz="950">
+              <a:t>권장 사항으로, </a:t>
+            </a:r>
+            <a:r>
+              <a:rPr lang="de-de" sz="950" dirty="0">
                 <a:latin typeface="AdobeClean-Light"/>
                 <a:cs typeface="AdobeClean-Light"/>
               </a:rPr>
-              <a:t>support  successful deployments </a:t>
-            </a:r>
-            <a:r>
-              <a:rPr sz="1000">
+              <a:t>성공적인 배포를 지원하고 가치 실현 시간</a:t>
+            </a:r>
+            <a:r>
+              <a:rPr lang="de-de" sz="1000" dirty="0">
                 <a:latin typeface="AdobeClean-Light"/>
                 <a:cs typeface="AdobeClean-Light"/>
               </a:rPr>
-              <a:t>and </a:t>
-            </a:r>
-            <a:r>
-              <a:rPr sz="950">
+              <a:t>.</a:t>
+            </a:r>
+            <a:endParaRPr sz="1000">
+              <a:latin typeface="AdobeClean-Light"/>
+              <a:cs typeface="AdobeClean-Light"/>
+            </a:endParaRPr>
+          </a:p>
+          <a:p>
+            <a:r>
+              <a:rPr lang="de-de" sz="1000" dirty="0">
+                <a:solidFill>
+                  <a:srgbClr val="1F1F1F"/>
+                </a:solidFill>
                 <a:latin typeface="AdobeClean-Light"/>
                 <a:cs typeface="AdobeClean-Light"/>
               </a:rPr>
-              <a:t>accelerate time-to-value</a:t>
-            </a:r>
-            <a:r>
-              <a:rPr sz="1000">
-                <a:latin typeface="AdobeClean-Light"/>
-                <a:cs typeface="AdobeClean-Light"/>
-              </a:rPr>
-              <a:t>.</a:t>
+              <a:t>을 단축하는 것으로 입증되었습니다.</a:t>
             </a:r>
           </a:p>
         </p:txBody>
@@ -12537,76 +11780,76 @@
               </a:spcBef>
             </a:pPr>
             <a:r>
-              <a:rPr sz="1000">
+              <a:rPr lang="de-de" sz="1000" dirty="0">
                 <a:solidFill>
                   <a:srgbClr val="4B4B4B"/>
                 </a:solidFill>
                 <a:latin typeface="AdobeClean-Light"/>
                 <a:cs typeface="AdobeClean-Light"/>
               </a:rPr>
-              <a:t>Field Services are used for </a:t>
-            </a:r>
-            <a:r>
-              <a:rPr sz="1000" b="1">
+              <a:t>현장 서비스는 </a:t>
+            </a:r>
+            <a:r>
+              <a:rPr lang="de-de" sz="1000" b="1" dirty="0">
                 <a:solidFill>
                   <a:srgbClr val="4B4B4B"/>
                 </a:solidFill>
                 <a:latin typeface="Adobe Clean"/>
                 <a:cs typeface="Adobe Clean"/>
               </a:rPr>
-              <a:t>quick resolution</a:t>
-            </a:r>
-            <a:r>
-              <a:rPr sz="1000">
+              <a:t>신속한 해결</a:t>
+            </a:r>
+            <a:r>
+              <a:rPr lang="de-de" sz="1000" dirty="0">
                 <a:solidFill>
                   <a:srgbClr val="4B4B4B"/>
                 </a:solidFill>
                 <a:latin typeface="AdobeClean-Light"/>
                 <a:cs typeface="AdobeClean-Light"/>
               </a:rPr>
-              <a:t>, focused customer success  and accelerated </a:t>
-            </a:r>
-            <a:r>
-              <a:rPr sz="1000" b="1">
+              <a:t>, 집중적인 고객 성공, </a:t>
+            </a:r>
+            <a:r>
+              <a:rPr lang="de-de" sz="1000" b="1" dirty="0">
                 <a:solidFill>
                   <a:srgbClr val="4B4B4B"/>
                 </a:solidFill>
                 <a:latin typeface="Adobe Clean"/>
                 <a:cs typeface="Adobe Clean"/>
               </a:rPr>
-              <a:t>time-to-value</a:t>
-            </a:r>
-            <a:r>
-              <a:rPr sz="1000">
+              <a:t>가치 실현 시간</a:t>
+            </a:r>
+            <a:r>
+              <a:rPr lang="de-de" sz="1000" dirty="0">
                 <a:solidFill>
                   <a:srgbClr val="4B4B4B"/>
                 </a:solidFill>
                 <a:latin typeface="AdobeClean-Light"/>
                 <a:cs typeface="AdobeClean-Light"/>
               </a:rPr>
-              <a:t>. If Launch advisory is active there will be  </a:t>
-            </a:r>
-            <a:r>
-              <a:rPr sz="1000" b="1">
+              <a:t> 단축을 위해 사용됩니다. 출시 자문이 활성화된 경우 지원 계약이 적용되는 솔루션 제품에 대해 </a:t>
+            </a:r>
+            <a:r>
+              <a:rPr lang="de-de" sz="1000" b="1" dirty="0">
                 <a:solidFill>
                   <a:srgbClr val="4B4B4B"/>
                 </a:solidFill>
                 <a:latin typeface="Adobe Clean"/>
                 <a:cs typeface="Adobe Clean"/>
               </a:rPr>
-              <a:t>no Field Services in year 1 </a:t>
-            </a:r>
-            <a:r>
-              <a:rPr sz="1000">
+              <a:t>1년차에는 현장 서비스가 제공되지 않습니다</a:t>
+            </a:r>
+            <a:r>
+              <a:rPr lang="de-de" sz="1000" dirty="0">
                 <a:solidFill>
                   <a:srgbClr val="4B4B4B"/>
                 </a:solidFill>
                 <a:latin typeface="AdobeClean-Light"/>
                 <a:cs typeface="AdobeClean-Light"/>
               </a:rPr>
-              <a:t>for any solution product covered by a  Support contract.</a:t>
-            </a:r>
-            <a:endParaRPr sz="1000">
+              <a:t>.</a:t>
+            </a:r>
+            <a:endParaRPr sz="1000" dirty="0">
               <a:latin typeface="AdobeClean-Light"/>
               <a:cs typeface="AdobeClean-Light"/>
             </a:endParaRPr>
@@ -12727,11 +11970,11 @@
               </a:spcBef>
             </a:pPr>
             <a:r>
-              <a:rPr sz="1000">
+              <a:rPr lang="de-de" sz="1000" dirty="0">
                 <a:latin typeface="AdobeClean-Light"/>
                 <a:cs typeface="AdobeClean-Light"/>
               </a:rPr>
-              <a:t>Launch Advisory will align with your project schedule through  common milestones (Kickoff, Define, Design, Go-live and Post  Launch) to guide, validate, assess and make recommendations.</a:t>
+              <a:t>출시 자문은 일반적인 중요 시점(개시, 정의, 설계, 실행 및 출시 후) 전반에서 프로젝트 일정에 맞춰 안내하고 검증하고 평가하며 권장 사항을 제시합니다. </a:t>
             </a:r>
           </a:p>
         </p:txBody>
@@ -12766,12 +12009,16 @@
               </a:spcBef>
             </a:pPr>
             <a:r>
-              <a:rPr sz="1000">
+              <a:rPr lang="de-de" sz="1000" dirty="0">
                 <a:latin typeface="AdobeClean-Light"/>
                 <a:cs typeface="AdobeClean-Light"/>
               </a:rPr>
-              <a:t>Key Deliverables include:</a:t>
-            </a:r>
+              <a:t>주요 결과물에는 다음이 포함됩니다.</a:t>
+            </a:r>
+            <a:endParaRPr sz="1000">
+              <a:latin typeface="AdobeClean-Light"/>
+              <a:cs typeface="AdobeClean-Light"/>
+            </a:endParaRPr>
           </a:p>
         </p:txBody>
       </p:sp>
@@ -12804,12 +12051,12 @@
               <a:buChar char="•"/>
             </a:pPr>
             <a:r>
-              <a:rPr lang="en-US" sz="1000">
+              <a:rPr lang="de-de" sz="1000" dirty="0">
                 <a:solidFill>
                   <a:prstClr val="black"/>
                 </a:solidFill>
               </a:rPr>
-              <a:t>Kickoff (including project collaboration plan) deck</a:t>
+              <a:t>개시(프로젝트 공동 작업 계획 포함) 데크</a:t>
             </a:r>
           </a:p>
           <a:p>
@@ -12821,12 +12068,12 @@
               <a:buChar char="•"/>
             </a:pPr>
             <a:r>
-              <a:rPr lang="en-US" sz="1000">
+              <a:rPr lang="de-de" sz="1000" dirty="0">
                 <a:solidFill>
                   <a:prstClr val="black"/>
                 </a:solidFill>
               </a:rPr>
-              <a:t>Assessment &amp; recommendations document(s)</a:t>
+              <a:t>평가 및 권장 사항 문서</a:t>
             </a:r>
           </a:p>
           <a:p>
@@ -12838,12 +12085,12 @@
               <a:buChar char="•"/>
             </a:pPr>
             <a:r>
-              <a:rPr lang="en-US" sz="1000">
+              <a:rPr lang="de-de" sz="1000" dirty="0">
                 <a:solidFill>
                   <a:prstClr val="black"/>
                 </a:solidFill>
               </a:rPr>
-              <a:t>Engagement summary</a:t>
+              <a:t>참여 요약</a:t>
             </a:r>
           </a:p>
         </p:txBody>
@@ -12878,16 +12125,16 @@
               </a:spcBef>
             </a:pPr>
             <a:r>
-              <a:rPr sz="1600">
+              <a:rPr lang="de-de" sz="1600" dirty="0">
                 <a:solidFill>
                   <a:srgbClr val="FFFFFF"/>
                 </a:solidFill>
                 <a:latin typeface="Arial"/>
                 <a:cs typeface="Arial"/>
               </a:rPr>
-              <a:t>Implementation</a:t>
-            </a:r>
-            <a:endParaRPr sz="1600">
+              <a:t>구현</a:t>
+            </a:r>
+            <a:endParaRPr sz="1600" dirty="0">
               <a:latin typeface="Arial"/>
               <a:cs typeface="Arial"/>
             </a:endParaRPr>
@@ -12902,32 +12149,25 @@
               </a:spcBef>
             </a:pPr>
             <a:r>
-              <a:rPr sz="1000">
+              <a:rPr lang="de-de" sz="1000" dirty="0">
                 <a:latin typeface="AdobeClean-Light"/>
                 <a:cs typeface="AdobeClean-Light"/>
               </a:rPr>
-              <a:t>Adobe solution experts help validate requirements, architecture,  development process, and launch readiness reviews </a:t>
-            </a:r>
-            <a:r>
-              <a:rPr sz="1000">
+              <a:t>Adobe 솔루션 전문가는 고객과 구현 파트너에 대한 </a:t>
+            </a:r>
+            <a:r>
+              <a:rPr lang="de-de" sz="950" dirty="0">
                 <a:latin typeface="AdobeClean-SemiLight"/>
                 <a:cs typeface="AdobeClean-SemiLight"/>
               </a:rPr>
-              <a:t>with </a:t>
-            </a:r>
-            <a:r>
-              <a:rPr sz="950">
+              <a:t>모범 사례 기반 지침을 통해 </a:t>
+            </a:r>
+            <a:r>
+              <a:rPr lang="de-de" sz="1000" dirty="0">
                 <a:latin typeface="AdobeClean-SemiLight"/>
                 <a:cs typeface="AdobeClean-SemiLight"/>
               </a:rPr>
-              <a:t>best  practice-based guidance </a:t>
-            </a:r>
-            <a:r>
-              <a:rPr sz="1000">
-                <a:latin typeface="AdobeClean-SemiLight"/>
-                <a:cs typeface="AdobeClean-SemiLight"/>
-              </a:rPr>
-              <a:t>to customers and implementation  partners.</a:t>
+              <a:t>요구 사항, 아키텍처, 개발 프로세스 및 출시 준비 상태 검토를 검증하는 데 도움을 줍니다.</a:t>
             </a:r>
           </a:p>
         </p:txBody>
@@ -12984,30 +12224,19 @@
               </a:spcBef>
             </a:pPr>
             <a:r>
-              <a:rPr sz="1000" b="1">
+              <a:rPr lang="de-de" sz="1000" b="1" dirty="0">
                 <a:latin typeface="Arial"/>
                 <a:cs typeface="Arial"/>
               </a:rPr>
-              <a:t>Technical Track Activities </a:t>
-            </a:r>
-            <a:r>
-              <a:rPr sz="1000">
+              <a:t>기술 트랙 활동</a:t>
+            </a:r>
+            <a:r>
+              <a:rPr lang="de-de" sz="1000" dirty="0">
                 <a:latin typeface="AdobeClean-Light"/>
                 <a:cs typeface="AdobeClean-Light"/>
               </a:rPr>
-              <a:t>ensure customers are technically sound  and maximizing their tool adoption. Specifically, these types of  activities include support and recommendations related to platform  configurations, integrations and troubleshooting</a:t>
-            </a:r>
-            <a:r>
-              <a:rPr lang="en-US" sz="1000">
-                <a:latin typeface="AdobeClean-Light"/>
-                <a:cs typeface="AdobeClean-Light"/>
-              </a:rPr>
-              <a:t>.</a:t>
-            </a:r>
-            <a:endParaRPr sz="1000">
-              <a:latin typeface="AdobeClean-Light"/>
-              <a:cs typeface="AdobeClean-Light"/>
-            </a:endParaRPr>
+              <a:t>은 고객이 기술적으로 건전하도록 보장하고 도구 채택을 극대화할 수 있도록 합니다. 특히 이러한 유형의 활동에는 플랫폼 구성, 통합 및 문제 해결과 관련된 지원 및 권장 사항이 포함됩니다.</a:t>
+            </a:r>
           </a:p>
         </p:txBody>
       </p:sp>
@@ -13041,11 +12270,11 @@
               </a:spcBef>
             </a:pPr>
             <a:r>
-              <a:rPr sz="1000">
+              <a:rPr lang="de-de" sz="1000" dirty="0">
                 <a:latin typeface="AdobeClean-Light"/>
                 <a:cs typeface="AdobeClean-Light"/>
               </a:rPr>
-              <a:t>Types of technical activities available::</a:t>
+              <a:t>사용 가능한 기술 활동 유형:</a:t>
             </a:r>
           </a:p>
           <a:p>
@@ -13060,12 +12289,12 @@
               <a:buChar char="ü"/>
             </a:pPr>
             <a:r>
-              <a:rPr lang="en-US" sz="1000">
+              <a:rPr lang="de-de" sz="1000" dirty="0">
                 <a:solidFill>
                   <a:prstClr val="black"/>
                 </a:solidFill>
               </a:rPr>
-              <a:t>Health audit</a:t>
+              <a:t>상태 감사</a:t>
             </a:r>
           </a:p>
           <a:p>
@@ -13080,12 +12309,12 @@
               <a:buChar char="ü"/>
             </a:pPr>
             <a:r>
-              <a:rPr lang="en-US" sz="1000">
+              <a:rPr lang="de-de" sz="1000" dirty="0">
                 <a:solidFill>
                   <a:prstClr val="black"/>
                 </a:solidFill>
               </a:rPr>
-              <a:t>Platform audit</a:t>
+              <a:t>플랫폼 감사</a:t>
             </a:r>
           </a:p>
           <a:p>
@@ -13100,12 +12329,12 @@
               <a:buChar char="ü"/>
             </a:pPr>
             <a:r>
-              <a:rPr lang="en-US" sz="1000">
+              <a:rPr lang="de-de" sz="1000" dirty="0">
                 <a:solidFill>
                   <a:prstClr val="black"/>
                 </a:solidFill>
               </a:rPr>
-              <a:t>Feature set enablement</a:t>
+              <a:t>기능 세트 활성화</a:t>
             </a:r>
           </a:p>
           <a:p>
@@ -13120,12 +12349,12 @@
               <a:buChar char="ü"/>
             </a:pPr>
             <a:r>
-              <a:rPr lang="en-US" sz="1000">
+              <a:rPr lang="de-de" sz="1000" dirty="0">
                 <a:solidFill>
                   <a:prstClr val="black"/>
                 </a:solidFill>
               </a:rPr>
-              <a:t>Basic integrations and configurations</a:t>
+              <a:t>기본적 통합 및 구성</a:t>
             </a:r>
           </a:p>
           <a:p>
@@ -13140,12 +12369,12 @@
               <a:buChar char="ü"/>
             </a:pPr>
             <a:r>
-              <a:rPr lang="en-US" sz="1000">
+              <a:rPr lang="de-de" sz="1000" dirty="0">
                 <a:solidFill>
                   <a:prstClr val="black"/>
                 </a:solidFill>
               </a:rPr>
-              <a:t>Customer solution troubleshooting</a:t>
+              <a:t>고객 솔루션 문제 해결</a:t>
             </a:r>
           </a:p>
           <a:p>
@@ -13160,12 +12389,12 @@
               <a:buChar char="ü"/>
             </a:pPr>
             <a:r>
-              <a:rPr lang="en-US" sz="1000">
+              <a:rPr lang="de-de" sz="1000" dirty="0">
                 <a:solidFill>
                   <a:prstClr val="black"/>
                 </a:solidFill>
               </a:rPr>
-              <a:t>Cloud service support</a:t>
+              <a:t>클라우드 서비스 지원</a:t>
             </a:r>
           </a:p>
         </p:txBody>
@@ -13200,18 +12429,18 @@
               </a:spcBef>
             </a:pPr>
             <a:r>
-              <a:rPr sz="1000" b="1">
+              <a:rPr lang="de-de" sz="1000" b="1" dirty="0">
                 <a:latin typeface="Arial"/>
                 <a:cs typeface="Arial"/>
               </a:rPr>
-              <a:t>Strategic Track Activities </a:t>
-            </a:r>
-            <a:r>
-              <a:rPr sz="1000">
+              <a:t>전략 트랙 활동</a:t>
+            </a:r>
+            <a:r>
+              <a:rPr lang="de-de" sz="1000" dirty="0">
                 <a:latin typeface="AdobeClean-Light"/>
                 <a:cs typeface="AdobeClean-Light"/>
               </a:rPr>
-              <a:t>locate opportunities to ensure value is  being realized from a customer’s Adobe solutions. They include  support recommendations related to strategy, measurement and  maturity to drive value realization across one or more Adobe  solutions.</a:t>
+              <a:t>은 고객의 Adobe 솔루션에서 가치를 실현할 수 있는 기회를 찾습니다. 여기에는 하나 이상의 Adobe 솔루션에서 가치 실현을 위한 전략, 측정 및 완성도와 관련된 지원 권장 사항이 포함됩니다.</a:t>
             </a:r>
           </a:p>
           <a:p>
@@ -13223,7 +12452,7 @@
                 <a:spcPts val="40"/>
               </a:spcBef>
             </a:pPr>
-            <a:endParaRPr sz="1100">
+            <a:endParaRPr sz="1100" dirty="0">
               <a:latin typeface="AdobeClean-Light"/>
               <a:cs typeface="AdobeClean-Light"/>
             </a:endParaRPr>
@@ -13235,11 +12464,11 @@
               </a:lnSpc>
             </a:pPr>
             <a:r>
-              <a:rPr sz="1000">
+              <a:rPr lang="de-de" sz="1000" dirty="0">
                 <a:latin typeface="AdobeClean-Light"/>
                 <a:cs typeface="AdobeClean-Light"/>
               </a:rPr>
-              <a:t>Types of strategic activities available::</a:t>
+              <a:t>사용 가능한 전략 활동 유형:</a:t>
             </a:r>
           </a:p>
           <a:p>
@@ -13254,12 +12483,12 @@
               <a:buChar char="ü"/>
             </a:pPr>
             <a:r>
-              <a:rPr lang="en-US" sz="1000">
+              <a:rPr lang="de-de" sz="1000" dirty="0">
                 <a:solidFill>
                   <a:prstClr val="black"/>
                 </a:solidFill>
               </a:rPr>
-              <a:t>Maturity Roadmap</a:t>
+              <a:t>완성 로드맵</a:t>
             </a:r>
           </a:p>
           <a:p>
@@ -13274,12 +12503,12 @@
               <a:buChar char="ü"/>
             </a:pPr>
             <a:r>
-              <a:rPr lang="en-US" sz="1000">
+              <a:rPr lang="de-de" sz="1000" dirty="0">
                 <a:solidFill>
                   <a:prstClr val="black"/>
                 </a:solidFill>
               </a:rPr>
-              <a:t>Use case development/measurement</a:t>
+              <a:t>사용 사례 개발/측정</a:t>
             </a:r>
           </a:p>
           <a:p>
@@ -13294,12 +12523,12 @@
               <a:buChar char="ü"/>
             </a:pPr>
             <a:r>
-              <a:rPr lang="en-US" sz="1000">
+              <a:rPr lang="de-de" sz="1000" dirty="0">
                 <a:solidFill>
                   <a:prstClr val="black"/>
                 </a:solidFill>
               </a:rPr>
-              <a:t>Reporting &amp; analysis</a:t>
+              <a:t>보고 및 분석</a:t>
             </a:r>
           </a:p>
           <a:p>
@@ -13314,12 +12543,12 @@
               <a:buChar char="ü"/>
             </a:pPr>
             <a:r>
-              <a:rPr lang="en-US" sz="1000">
+              <a:rPr lang="de-de" sz="1000" dirty="0">
                 <a:solidFill>
                   <a:prstClr val="black"/>
                 </a:solidFill>
               </a:rPr>
-              <a:t>Best practices enablement</a:t>
+              <a:t>모범 사례 지원</a:t>
             </a:r>
           </a:p>
         </p:txBody>
@@ -13340,7 +12569,7 @@
           </a:prstGeom>
         </p:spPr>
         <p:txBody>
-          <a:bodyPr vert="horz" wrap="square" lIns="0" tIns="12700" rIns="0" bIns="0" rtlCol="0" anchor="t">
+          <a:bodyPr vert="horz" wrap="square" lIns="0" tIns="12700" rIns="0" bIns="0" rtlCol="0">
             <a:spAutoFit/>
           </a:bodyPr>
           <a:lstStyle/>
@@ -13354,78 +12583,41 @@
               </a:spcBef>
             </a:pPr>
             <a:r>
-              <a:rPr sz="1600">
+              <a:rPr lang="de-de" sz="1600" dirty="0">
                 <a:solidFill>
                   <a:srgbClr val="FFFFFF"/>
                 </a:solidFill>
                 <a:latin typeface="Arial"/>
                 <a:cs typeface="Arial"/>
               </a:rPr>
-              <a:t>Run &amp; Operate</a:t>
-            </a:r>
-            <a:endParaRPr sz="1600">
+              <a:t>실행 및 운영</a:t>
+            </a:r>
+            <a:endParaRPr sz="1600" dirty="0">
               <a:latin typeface="Arial"/>
               <a:cs typeface="Arial"/>
             </a:endParaRPr>
           </a:p>
           <a:p>
             <a:pPr marL="12700">
+              <a:lnSpc>
+                <a:spcPct val="100000"/>
+              </a:lnSpc>
               <a:spcBef>
                 <a:spcPts val="1595"/>
               </a:spcBef>
             </a:pPr>
             <a:r>
-              <a:rPr sz="1000">
+              <a:rPr lang="de-de" sz="1000" dirty="0">
                 <a:solidFill>
                   <a:srgbClr val="1F1F1F"/>
                 </a:solidFill>
                 <a:latin typeface="Adobe Clean"/>
                 <a:cs typeface="Adobe Clean"/>
               </a:rPr>
-              <a:t>As an </a:t>
-            </a:r>
-            <a:r>
-              <a:rPr lang="en-US" sz="1000">
-                <a:solidFill>
-                  <a:srgbClr val="1F1F1F"/>
-                </a:solidFill>
-                <a:latin typeface="Adobe Clean"/>
-                <a:cs typeface="Adobe Clean"/>
-              </a:rPr>
-              <a:t>Elite</a:t>
-            </a:r>
-            <a:r>
-              <a:rPr sz="1000">
-                <a:solidFill>
-                  <a:srgbClr val="1F1F1F"/>
-                </a:solidFill>
-                <a:latin typeface="Adobe Clean"/>
-                <a:cs typeface="Adobe Clean"/>
-              </a:rPr>
-              <a:t> customer, you are</a:t>
-            </a:r>
-            <a:r>
-              <a:rPr lang="en-US" sz="1000">
-                <a:solidFill>
-                  <a:srgbClr val="1F1F1F"/>
-                </a:solidFill>
-                <a:latin typeface="Adobe Clean"/>
-                <a:cs typeface="Adobe Clean"/>
-              </a:rPr>
-              <a:t> </a:t>
-            </a:r>
-            <a:r>
-              <a:rPr sz="1000">
-                <a:solidFill>
-                  <a:srgbClr val="1F1F1F"/>
-                </a:solidFill>
-                <a:latin typeface="Adobe Clean"/>
-                <a:cs typeface="Adobe Clean"/>
-              </a:rPr>
-              <a:t> eligible for</a:t>
-            </a:r>
-            <a:r>
-              <a:rPr lang="en-US" sz="1200">
+              <a:t>엘리트 고객은</a:t>
+            </a:r>
+            <a:r>
+              <a:rPr lang="de-de" sz="1200" dirty="0">
                 <a:solidFill>
                   <a:srgbClr val="1F1F1F"/>
                 </a:solidFill>
@@ -13440,22 +12632,7 @@
               <a:t> </a:t>
             </a:r>
             <a:r>
-              <a:rPr lang="en-US" sz="1200" u="sng">
-                <a:solidFill>
-                  <a:srgbClr val="1F1F1F"/>
-                </a:solidFill>
-                <a:uFill>
-                  <a:solidFill>
-                    <a:srgbClr val="1F1F1F"/>
-                  </a:solidFill>
-                </a:uFill>
-                <a:latin typeface="Times New Roman"/>
-                <a:cs typeface="Times New Roman"/>
-              </a:rPr>
-              <a:t>4</a:t>
-            </a:r>
-            <a:r>
-              <a:rPr sz="1200" b="1">
+              <a:rPr lang="de-de" sz="1200" b="1" dirty="0">
                 <a:solidFill>
                   <a:srgbClr val="1F1F1F"/>
                 </a:solidFill>
@@ -13465,86 +12642,80 @@
               <a:t> </a:t>
             </a:r>
             <a:r>
-              <a:rPr sz="1000" b="1">
+              <a:rPr lang="de-de" sz="1000" b="1" dirty="0">
                 <a:solidFill>
                   <a:srgbClr val="1F1F1F"/>
                 </a:solidFill>
                 <a:latin typeface="Arial"/>
                 <a:cs typeface="Arial"/>
               </a:rPr>
-              <a:t>activities per </a:t>
-            </a:r>
-            <a:r>
-              <a:rPr lang="en-US" sz="1000" b="1">
+              <a:t>기술</a:t>
+            </a:r>
+            <a:endParaRPr sz="1000" dirty="0">
+              <a:latin typeface="Arial"/>
+              <a:cs typeface="Arial"/>
+            </a:endParaRPr>
+          </a:p>
+          <a:p>
+            <a:pPr marL="12700">
+              <a:lnSpc>
+                <a:spcPct val="100000"/>
+              </a:lnSpc>
+              <a:spcBef>
+                <a:spcPts val="55"/>
+              </a:spcBef>
+            </a:pPr>
+            <a:r>
+              <a:rPr lang="de-de" sz="1000" dirty="0">
+                <a:solidFill>
+                  <a:srgbClr val="1F1F1F"/>
+                </a:solidFill>
+                <a:latin typeface="Adobe Clean"/>
+                <a:cs typeface="Adobe Clean"/>
+              </a:rPr>
+              <a:t>및/또는 </a:t>
+            </a:r>
+            <a:r>
+              <a:rPr lang="de-de" sz="1000" b="1" dirty="0">
                 <a:solidFill>
                   <a:srgbClr val="1F1F1F"/>
                 </a:solidFill>
                 <a:latin typeface="Arial"/>
                 <a:cs typeface="Arial"/>
               </a:rPr>
-              <a:t>year </a:t>
-            </a:r>
-            <a:r>
-              <a:rPr lang="en-US" sz="1000">
-                <a:solidFill>
-                  <a:srgbClr val="1F1F1F"/>
-                </a:solidFill>
-                <a:latin typeface="Adobe Clean"/>
-                <a:cs typeface="Arial"/>
-              </a:rPr>
-              <a:t>from</a:t>
-            </a:r>
-            <a:r>
-              <a:rPr sz="1000">
+              <a:t>전략 </a:t>
+            </a:r>
+            <a:r>
+              <a:rPr lang="de-de" sz="1000" dirty="0">
                 <a:solidFill>
                   <a:srgbClr val="1F1F1F"/>
                 </a:solidFill>
                 <a:latin typeface="Adobe Clean"/>
                 <a:cs typeface="Adobe Clean"/>
               </a:rPr>
-              <a:t> the following two tracks: </a:t>
-            </a:r>
-            <a:r>
-              <a:rPr sz="1000" b="1">
+              <a:t>의 두 트랙에서 </a:t>
+            </a:r>
+            <a:r>
+              <a:rPr lang="de-de" sz="1000" b="1" dirty="0">
                 <a:solidFill>
                   <a:srgbClr val="1F1F1F"/>
                 </a:solidFill>
                 <a:latin typeface="Arial"/>
                 <a:cs typeface="Arial"/>
               </a:rPr>
-              <a:t>Technical </a:t>
-            </a:r>
-            <a:r>
-              <a:rPr sz="1000">
+              <a:t>연간 4개의 활동</a:t>
+            </a:r>
+            <a:r>
+              <a:rPr lang="de-de" sz="1000" dirty="0">
                 <a:solidFill>
                   <a:srgbClr val="1F1F1F"/>
                 </a:solidFill>
-                <a:latin typeface="Adobe Clean"/>
-                <a:cs typeface="Adobe Clean"/>
-              </a:rPr>
-              <a:t>and/or </a:t>
-            </a:r>
-            <a:r>
-              <a:rPr sz="1000" b="1">
-                <a:solidFill>
-                  <a:srgbClr val="1F1F1F"/>
-                </a:solidFill>
-                <a:latin typeface="Arial"/>
-                <a:cs typeface="Arial"/>
-              </a:rPr>
-              <a:t>Strategic</a:t>
-            </a:r>
-            <a:r>
-              <a:rPr lang="en-US" sz="1000" b="1">
-                <a:solidFill>
-                  <a:srgbClr val="1F1F1F"/>
-                </a:solidFill>
                 <a:latin typeface="AdobeClean-Light"/>
-                <a:cs typeface="Arial"/>
-              </a:rPr>
-              <a:t>.</a:t>
-            </a:r>
-            <a:endParaRPr sz="1000">
+                <a:cs typeface="AdobeClean-Light"/>
+              </a:rPr>
+              <a:t>을 제공받을 수 있습니다.</a:t>
+            </a:r>
+            <a:endParaRPr sz="1000" dirty="0">
               <a:latin typeface="AdobeClean-Light"/>
               <a:cs typeface="AdobeClean-Light"/>
             </a:endParaRPr>
@@ -13581,17 +12752,17 @@
               </a:spcBef>
             </a:pPr>
             <a:r>
-              <a:rPr sz="1400" b="1" spc="-15">
+              <a:rPr lang="de-de" sz="1400" b="1" spc="-15" dirty="0">
                 <a:solidFill>
                   <a:srgbClr val="020302"/>
                 </a:solidFill>
                 <a:latin typeface="Adobe Clean"/>
                 <a:cs typeface="Adobe Clean"/>
               </a:rPr>
-              <a:t>Cloud</a:t>
-            </a:r>
-            <a:r>
-              <a:rPr sz="1400" b="1" spc="-45">
+              <a:t>클라우드</a:t>
+            </a:r>
+            <a:r>
+              <a:rPr lang="de-de" sz="1400" b="1" spc="-45" dirty="0">
                 <a:solidFill>
                   <a:srgbClr val="020302"/>
                 </a:solidFill>
@@ -13601,17 +12772,17 @@
               <a:t> </a:t>
             </a:r>
             <a:r>
-              <a:rPr sz="1400" b="1" spc="-15">
+              <a:rPr lang="de-de" sz="1400" b="1" spc="-15" dirty="0">
                 <a:solidFill>
                   <a:srgbClr val="020302"/>
                 </a:solidFill>
                 <a:latin typeface="Adobe Clean"/>
                 <a:cs typeface="Adobe Clean"/>
               </a:rPr>
-              <a:t>Support</a:t>
-            </a:r>
-            <a:r>
-              <a:rPr sz="1400" b="1" spc="-50">
+              <a:t>지원</a:t>
+            </a:r>
+            <a:r>
+              <a:rPr lang="de-de" sz="1400" b="1" spc="-50" dirty="0">
                 <a:solidFill>
                   <a:srgbClr val="020302"/>
                 </a:solidFill>
@@ -13621,26 +12792,16 @@
               <a:t> </a:t>
             </a:r>
             <a:r>
-              <a:rPr sz="1400" b="1" spc="-15">
+              <a:rPr lang="de-de" sz="1400" b="1" spc="-15" dirty="0">
                 <a:solidFill>
                   <a:srgbClr val="020302"/>
                 </a:solidFill>
                 <a:latin typeface="Adobe Clean"/>
                 <a:cs typeface="Adobe Clean"/>
               </a:rPr>
-              <a:t>Activities</a:t>
-            </a:r>
-            <a:r>
-              <a:rPr lang="en-US" sz="1400" b="1" spc="-15">
-                <a:solidFill>
-                  <a:srgbClr val="020302"/>
-                </a:solidFill>
-                <a:latin typeface="Adobe Clean"/>
-                <a:cs typeface="Adobe Clean"/>
-              </a:rPr>
-              <a:t> - AEM</a:t>
-            </a:r>
-            <a:endParaRPr sz="1400">
+              <a:t>활동 - AEM</a:t>
+            </a:r>
+            <a:endParaRPr sz="1400" dirty="0">
               <a:latin typeface="Adobe Clean"/>
               <a:cs typeface="Adobe Clean"/>
             </a:endParaRPr>
@@ -13778,36 +12939,36 @@
               </a:spcBef>
             </a:pPr>
             <a:r>
-              <a:rPr spc="-5"/>
-              <a:t>©2021 Adobe. All</a:t>
-            </a:r>
-            <a:r>
-              <a:rPr spc="-15"/>
+              <a:rPr lang="de-de" spc="-5" dirty="0"/>
+              <a:t>© 2021 Adobe.  All</a:t>
+            </a:r>
+            <a:r>
+              <a:rPr lang="de-de" spc="-15" dirty="0"/>
               <a:t> Rights</a:t>
             </a:r>
             <a:r>
-              <a:rPr spc="-10"/>
+              <a:rPr lang="de-de" spc="-10" dirty="0"/>
               <a:t> </a:t>
             </a:r>
             <a:r>
-              <a:rPr spc="-15"/>
+              <a:rPr lang="de-de" spc="-15" dirty="0"/>
               <a:t>Reserved.</a:t>
             </a:r>
             <a:r>
-              <a:rPr spc="-10"/>
+              <a:rPr lang="de-de" spc="-10" dirty="0"/>
               <a:t> </a:t>
             </a:r>
             <a:r>
-              <a:rPr spc="-5"/>
+              <a:rPr lang="de-de" spc="-5" dirty="0"/>
               <a:t>Adobe</a:t>
             </a:r>
             <a:r>
-              <a:rPr spc="60"/>
+              <a:rPr lang="de-de" spc="60" dirty="0"/>
               <a:t> </a:t>
             </a:r>
             <a:r>
-              <a:rPr spc="-15"/>
-              <a:t>Confidential.</a:t>
+              <a:rPr lang="de-de" spc="-15" dirty="0"/>
+              <a:t>기밀.</a:t>
             </a:r>
           </a:p>
         </p:txBody>
@@ -13863,8 +13024,8 @@
           <a:p>
             <a:pPr algn="ctr"/>
             <a:r>
-              <a:rPr lang="en-US" sz="1600"/>
-              <a:t>Run &amp; Operate</a:t>
+              <a:rPr lang="de-de" sz="1600" dirty="0"/>
+              <a:t>실행 및 운영</a:t>
             </a:r>
           </a:p>
         </p:txBody>
@@ -13920,8 +13081,8 @@
           <a:p>
             <a:pPr algn="ctr"/>
             <a:r>
-              <a:rPr lang="en-US" sz="1600"/>
-              <a:t>Implementation</a:t>
+              <a:rPr lang="de-de" sz="1600" dirty="0"/>
+              <a:t>구현</a:t>
             </a:r>
           </a:p>
         </p:txBody>
@@ -13956,8 +13117,8 @@
           <a:p>
             <a:pPr algn="ctr"/>
             <a:r>
-              <a:rPr lang="en-US" sz="1100"/>
-              <a:t>Post Launch</a:t>
+              <a:rPr lang="de-de" sz="1100" dirty="0"/>
+              <a:t>출시 후</a:t>
             </a:r>
           </a:p>
         </p:txBody>
@@ -13992,8 +13153,8 @@
           <a:p>
             <a:pPr algn="ctr"/>
             <a:r>
-              <a:rPr lang="en-US" sz="1100"/>
-              <a:t>Go-Live</a:t>
+              <a:rPr lang="de-de" sz="1100" dirty="0"/>
+              <a:t>실행</a:t>
             </a:r>
           </a:p>
         </p:txBody>
@@ -14028,8 +13189,8 @@
           <a:p>
             <a:pPr algn="ctr"/>
             <a:r>
-              <a:rPr lang="en-US" sz="1100"/>
-              <a:t>Define</a:t>
+              <a:rPr lang="de-de" sz="1100" dirty="0"/>
+              <a:t>정의</a:t>
             </a:r>
           </a:p>
         </p:txBody>
@@ -14064,8 +13225,8 @@
           <a:p>
             <a:pPr algn="ctr"/>
             <a:r>
-              <a:rPr lang="en-US" sz="1100"/>
-              <a:t>Kickoff</a:t>
+              <a:rPr lang="de-de" sz="1100" dirty="0"/>
+              <a:t>개시</a:t>
             </a:r>
           </a:p>
         </p:txBody>
@@ -14100,8 +13261,8 @@
           <a:p>
             <a:pPr algn="ctr"/>
             <a:r>
-              <a:rPr lang="en-US" sz="1100"/>
-              <a:t>Design</a:t>
+              <a:rPr lang="de-de" sz="1100" dirty="0"/>
+              <a:t>디자인</a:t>
             </a:r>
           </a:p>
         </p:txBody>
@@ -14158,14 +13319,14 @@
           <a:p>
             <a:pPr algn="ctr"/>
             <a:r>
-              <a:rPr lang="en-US" sz="1400">
+              <a:rPr lang="de-de" sz="1400" dirty="0">
                 <a:solidFill>
                   <a:schemeClr val="accent1">
                     <a:lumMod val="50000"/>
                   </a:schemeClr>
                 </a:solidFill>
               </a:rPr>
-              <a:t>4 Activities per Year</a:t>
+              <a:t>연간 4개 활동</a:t>
             </a:r>
           </a:p>
         </p:txBody>
@@ -14206,15 +13367,15 @@
               </a:spcBef>
             </a:pPr>
             <a:r>
-              <a:rPr lang="en-US" sz="1000">
+              <a:rPr lang="de-de" sz="1000" dirty="0">
                 <a:solidFill>
                   <a:srgbClr val="4B4B4B"/>
                 </a:solidFill>
                 <a:latin typeface="Adobe Clean Light" panose="020B0303020404020204" pitchFamily="34" charset="0"/>
               </a:rPr>
-              <a:t>Drive adoption of customization best practices and core components in AEM as a Cloud Service.</a:t>
-            </a:r>
-            <a:endParaRPr sz="1000">
+              <a:t>AEM as a Cloud Service의 사용자 지정 모범 사례 및 핵심 구성 요소의 채택을 촉진합니다.</a:t>
+            </a:r>
+            <a:endParaRPr sz="1000" dirty="0">
               <a:solidFill>
                 <a:srgbClr val="4B4B4B"/>
               </a:solidFill>
@@ -14259,15 +13420,15 @@
               </a:spcBef>
             </a:pPr>
             <a:r>
-              <a:rPr lang="en-US" sz="1000">
+              <a:rPr lang="de-de" sz="1000" dirty="0">
                 <a:solidFill>
                   <a:srgbClr val="4B4B4B"/>
                 </a:solidFill>
                 <a:latin typeface="Adobe Clean Light" panose="020B0303020404020204" pitchFamily="34" charset="0"/>
               </a:rPr>
-              <a:t>Identify, review and provide recommendations on customized solution adoption areas that have opportunities for optimization.</a:t>
-            </a:r>
-            <a:endParaRPr sz="1000">
+              <a:t>최적화할 수 있는 기회가 있는 맞춤형 솔루션 채택 영역을 식별하고 검토하고 권장합니다.</a:t>
+            </a:r>
+            <a:endParaRPr sz="1000" dirty="0">
               <a:solidFill>
                 <a:srgbClr val="4B4B4B"/>
               </a:solidFill>
@@ -14312,15 +13473,15 @@
               </a:spcBef>
             </a:pPr>
             <a:r>
-              <a:rPr lang="en-US" sz="1000">
+              <a:rPr lang="de-de" sz="1000" dirty="0">
                 <a:solidFill>
                   <a:srgbClr val="4B4B4B"/>
                 </a:solidFill>
                 <a:latin typeface="Adobe Clean Light" panose="020B0303020404020204" pitchFamily="34" charset="0"/>
               </a:rPr>
-              <a:t>Technical &amp; operational governance to assist AEM as a Cloud Service Customers in adhering to industry standards and best practices for AEM as a Cloud Service.</a:t>
-            </a:r>
-            <a:endParaRPr sz="1000">
+              <a:t>AEM as a Cloud Service 고객이 AEM as a Cloud Service에 대한 업계 표준 및 모범 사례를 준수하도록 지원하는 기술 및 운영 거버넌스입니다.</a:t>
+            </a:r>
+            <a:endParaRPr sz="1000" dirty="0">
               <a:solidFill>
                 <a:srgbClr val="4B4B4B"/>
               </a:solidFill>
@@ -14344,7 +13505,7 @@
         <p:spPr>
           <a:xfrm>
             <a:off x="5181600" y="936612"/>
-            <a:ext cx="1972258" cy="461665"/>
+            <a:ext cx="2209800" cy="461665"/>
           </a:xfrm>
           <a:prstGeom prst="rect">
             <a:avLst/>
@@ -14365,486 +13526,116 @@
               </a:spcBef>
             </a:pPr>
             <a:r>
-              <a:rPr lang="en-US" sz="1200" b="1" spc="-15">
+              <a:rPr lang="de-de" sz="1200" b="1" spc="-15" dirty="0">
                 <a:solidFill>
                   <a:srgbClr val="020302"/>
                 </a:solidFill>
                 <a:latin typeface="Adobe Clean"/>
                 <a:cs typeface="Adobe Clean"/>
               </a:rPr>
-              <a:t>C</a:t>
-            </a:r>
-            <a:r>
-              <a:rPr lang="en-US" sz="1200" b="1" spc="-20">
+              <a:t>AEM</a:t>
+            </a:r>
+            <a:r>
+              <a:rPr lang="de-de" sz="1200" b="1" spc="-50" dirty="0">
                 <a:solidFill>
                   <a:srgbClr val="020302"/>
                 </a:solidFill>
                 <a:latin typeface="Adobe Clean"/>
                 <a:cs typeface="Adobe Clean"/>
               </a:rPr>
-              <a:t>u</a:t>
-            </a:r>
-            <a:r>
-              <a:rPr lang="en-US" sz="1200" b="1" spc="-25">
+              <a:t> </a:t>
+            </a:r>
+            <a:r>
+              <a:rPr lang="de-de" sz="1200" b="1" spc="-20" dirty="0">
                 <a:solidFill>
                   <a:srgbClr val="020302"/>
                 </a:solidFill>
                 <a:latin typeface="Adobe Clean"/>
                 <a:cs typeface="Adobe Clean"/>
               </a:rPr>
-              <a:t>st</a:t>
-            </a:r>
-            <a:r>
-              <a:rPr lang="en-US" sz="1200" b="1" spc="-15">
+              <a:t>as a Cloud Service를 위한</a:t>
+            </a:r>
+            <a:r>
+              <a:rPr lang="de-de" sz="1200" b="1" spc="-50" dirty="0">
                 <a:solidFill>
                   <a:srgbClr val="020302"/>
                 </a:solidFill>
                 <a:latin typeface="Adobe Clean"/>
                 <a:cs typeface="Adobe Clean"/>
               </a:rPr>
-              <a:t>o</a:t>
-            </a:r>
-            <a:r>
-              <a:rPr lang="en-US" sz="1200" b="1" spc="-20">
+              <a:t> </a:t>
+            </a:r>
+            <a:r>
+              <a:rPr lang="de-de" sz="1200" b="1" spc="-45" dirty="0">
                 <a:solidFill>
                   <a:srgbClr val="020302"/>
                 </a:solidFill>
                 <a:latin typeface="Adobe Clean"/>
                 <a:cs typeface="Adobe Clean"/>
               </a:rPr>
-              <a:t>miza</a:t>
-            </a:r>
-            <a:r>
-              <a:rPr lang="en-US" sz="1200" b="1" spc="-25">
+              <a:t> </a:t>
+            </a:r>
+            <a:r>
+              <a:rPr lang="de-de" sz="1200" b="1" spc="-25" dirty="0">
                 <a:solidFill>
                   <a:srgbClr val="020302"/>
                 </a:solidFill>
                 <a:latin typeface="Adobe Clean"/>
                 <a:cs typeface="Adobe Clean"/>
               </a:rPr>
-              <a:t>t</a:t>
-            </a:r>
-            <a:r>
-              <a:rPr lang="en-US" sz="1200" b="1" spc="-20">
+              <a:t>사용자 지정</a:t>
+            </a:r>
+            <a:r>
+              <a:rPr lang="de-de" sz="1200" b="1" spc="-45" dirty="0">
                 <a:solidFill>
                   <a:srgbClr val="020302"/>
                 </a:solidFill>
                 <a:latin typeface="Adobe Clean"/>
                 <a:cs typeface="Adobe Clean"/>
               </a:rPr>
-              <a:t>i</a:t>
-            </a:r>
-            <a:r>
-              <a:rPr lang="en-US" sz="1200" b="1" spc="-15">
+              <a:t> </a:t>
+            </a:r>
+            <a:r>
+              <a:rPr lang="de-de" sz="1200" b="1" spc="-55" dirty="0">
                 <a:solidFill>
                   <a:srgbClr val="020302"/>
                 </a:solidFill>
                 <a:latin typeface="Adobe Clean"/>
                 <a:cs typeface="Adobe Clean"/>
               </a:rPr>
-              <a:t>o</a:t>
-            </a:r>
-            <a:r>
-              <a:rPr lang="en-US" sz="1200" b="1">
+              <a:t> </a:t>
+            </a:r>
+            <a:r>
+              <a:rPr lang="de-de" sz="1200" b="1" spc="-20" dirty="0">
                 <a:solidFill>
                   <a:srgbClr val="020302"/>
                 </a:solidFill>
                 <a:latin typeface="Adobe Clean"/>
                 <a:cs typeface="Adobe Clean"/>
               </a:rPr>
-              <a:t>n</a:t>
-            </a:r>
-            <a:r>
-              <a:rPr lang="en-US" sz="1200" b="1" spc="-50">
+              <a:t>모범 사례</a:t>
+            </a:r>
+            <a:r>
+              <a:rPr lang="de-de" sz="1200" b="1" spc="-45" dirty="0">
                 <a:solidFill>
                   <a:srgbClr val="020302"/>
                 </a:solidFill>
                 <a:latin typeface="Adobe Clean"/>
                 <a:cs typeface="Adobe Clean"/>
               </a:rPr>
-              <a:t> </a:t>
-            </a:r>
-            <a:r>
-              <a:rPr lang="en-US" sz="1200" b="1" spc="-20">
+              <a:t>  </a:t>
+            </a:r>
+            <a:r>
+              <a:rPr lang="de-de" sz="1200" b="1" spc="-50" dirty="0">
                 <a:solidFill>
                   <a:srgbClr val="020302"/>
                 </a:solidFill>
                 <a:latin typeface="Adobe Clean"/>
                 <a:cs typeface="Adobe Clean"/>
               </a:rPr>
-              <a:t>B</a:t>
-            </a:r>
-            <a:r>
-              <a:rPr lang="en-US" sz="1200" b="1" spc="-25">
-                <a:solidFill>
-                  <a:srgbClr val="020302"/>
-                </a:solidFill>
-                <a:latin typeface="Adobe Clean"/>
-                <a:cs typeface="Adobe Clean"/>
-              </a:rPr>
-              <a:t>es</a:t>
-            </a:r>
-            <a:r>
-              <a:rPr lang="en-US" sz="1200" b="1">
-                <a:solidFill>
-                  <a:srgbClr val="020302"/>
-                </a:solidFill>
-                <a:latin typeface="Adobe Clean"/>
-                <a:cs typeface="Adobe Clean"/>
-              </a:rPr>
-              <a:t>t</a:t>
-            </a:r>
-            <a:r>
-              <a:rPr lang="en-US" sz="1200" b="1" spc="-50">
-                <a:solidFill>
-                  <a:srgbClr val="020302"/>
-                </a:solidFill>
-                <a:latin typeface="Adobe Clean"/>
-                <a:cs typeface="Adobe Clean"/>
-              </a:rPr>
               <a:t> </a:t>
             </a:r>
-            <a:r>
-              <a:rPr lang="en-US" sz="1200" b="1" spc="-25">
-                <a:solidFill>
-                  <a:srgbClr val="020302"/>
-                </a:solidFill>
-                <a:latin typeface="Adobe Clean"/>
-                <a:cs typeface="Adobe Clean"/>
-              </a:rPr>
-              <a:t>P</a:t>
-            </a:r>
-            <a:r>
-              <a:rPr lang="en-US" sz="1200" b="1" spc="-20">
-                <a:solidFill>
-                  <a:srgbClr val="020302"/>
-                </a:solidFill>
-                <a:latin typeface="Adobe Clean"/>
-                <a:cs typeface="Adobe Clean"/>
-              </a:rPr>
-              <a:t>ra</a:t>
-            </a:r>
-            <a:r>
-              <a:rPr lang="en-US" sz="1200" b="1" spc="-30">
-                <a:solidFill>
-                  <a:srgbClr val="020302"/>
-                </a:solidFill>
-                <a:latin typeface="Adobe Clean"/>
-                <a:cs typeface="Adobe Clean"/>
-              </a:rPr>
-              <a:t>c</a:t>
-            </a:r>
-            <a:r>
-              <a:rPr lang="en-US" sz="1200" b="1" spc="-25">
-                <a:solidFill>
-                  <a:srgbClr val="020302"/>
-                </a:solidFill>
-                <a:latin typeface="Adobe Clean"/>
-                <a:cs typeface="Adobe Clean"/>
-              </a:rPr>
-              <a:t>t</a:t>
-            </a:r>
-            <a:r>
-              <a:rPr lang="en-US" sz="1200" b="1" spc="-20">
-                <a:solidFill>
-                  <a:srgbClr val="020302"/>
-                </a:solidFill>
-                <a:latin typeface="Adobe Clean"/>
-                <a:cs typeface="Adobe Clean"/>
-              </a:rPr>
-              <a:t>i</a:t>
-            </a:r>
-            <a:r>
-              <a:rPr lang="en-US" sz="1200" b="1" spc="-30">
-                <a:solidFill>
-                  <a:srgbClr val="020302"/>
-                </a:solidFill>
-                <a:latin typeface="Adobe Clean"/>
-                <a:cs typeface="Adobe Clean"/>
-              </a:rPr>
-              <a:t>c</a:t>
-            </a:r>
-            <a:r>
-              <a:rPr lang="en-US" sz="1200" b="1" spc="-25">
-                <a:solidFill>
-                  <a:srgbClr val="020302"/>
-                </a:solidFill>
-                <a:latin typeface="Adobe Clean"/>
-                <a:cs typeface="Adobe Clean"/>
-              </a:rPr>
-              <a:t>e</a:t>
-            </a:r>
-            <a:r>
-              <a:rPr lang="en-US" sz="1200" b="1">
-                <a:solidFill>
-                  <a:srgbClr val="020302"/>
-                </a:solidFill>
-                <a:latin typeface="Adobe Clean"/>
-                <a:cs typeface="Adobe Clean"/>
-              </a:rPr>
-              <a:t>s</a:t>
-            </a:r>
-            <a:r>
-              <a:rPr lang="en-US" sz="1200" b="1" spc="-45">
-                <a:solidFill>
-                  <a:srgbClr val="020302"/>
-                </a:solidFill>
-                <a:latin typeface="Adobe Clean"/>
-                <a:cs typeface="Adobe Clean"/>
-              </a:rPr>
-              <a:t> </a:t>
-            </a:r>
-            <a:r>
-              <a:rPr lang="en-US" sz="1200" b="1" spc="-25">
-                <a:solidFill>
-                  <a:srgbClr val="020302"/>
-                </a:solidFill>
-                <a:latin typeface="Adobe Clean"/>
-                <a:cs typeface="Adobe Clean"/>
-              </a:rPr>
-              <a:t>f</a:t>
-            </a:r>
-            <a:r>
-              <a:rPr lang="en-US" sz="1200" b="1" spc="-15">
-                <a:solidFill>
-                  <a:srgbClr val="020302"/>
-                </a:solidFill>
-                <a:latin typeface="Adobe Clean"/>
-                <a:cs typeface="Adobe Clean"/>
-              </a:rPr>
-              <a:t>o</a:t>
-            </a:r>
-            <a:r>
-              <a:rPr lang="en-US" sz="1200" b="1">
-                <a:solidFill>
-                  <a:srgbClr val="020302"/>
-                </a:solidFill>
-                <a:latin typeface="Adobe Clean"/>
-                <a:cs typeface="Adobe Clean"/>
-              </a:rPr>
-              <a:t>r</a:t>
-            </a:r>
-            <a:r>
-              <a:rPr lang="en-US" sz="1200" b="1" spc="-45">
-                <a:solidFill>
-                  <a:srgbClr val="020302"/>
-                </a:solidFill>
-                <a:latin typeface="Adobe Clean"/>
-                <a:cs typeface="Adobe Clean"/>
-              </a:rPr>
-              <a:t> </a:t>
-            </a:r>
-            <a:r>
-              <a:rPr lang="en-US" sz="1200" b="1" spc="-30">
-                <a:solidFill>
-                  <a:srgbClr val="020302"/>
-                </a:solidFill>
-                <a:latin typeface="Adobe Clean"/>
-                <a:cs typeface="Adobe Clean"/>
-              </a:rPr>
-              <a:t>AE</a:t>
-            </a:r>
-            <a:r>
-              <a:rPr lang="en-US" sz="1200" b="1">
-                <a:solidFill>
-                  <a:srgbClr val="020302"/>
-                </a:solidFill>
-                <a:latin typeface="Adobe Clean"/>
-                <a:cs typeface="Adobe Clean"/>
-              </a:rPr>
-              <a:t>M</a:t>
-            </a:r>
-            <a:r>
-              <a:rPr lang="en-US" sz="1200" b="1" spc="-55">
-                <a:solidFill>
-                  <a:srgbClr val="020302"/>
-                </a:solidFill>
-                <a:latin typeface="Adobe Clean"/>
-                <a:cs typeface="Adobe Clean"/>
-              </a:rPr>
-              <a:t> </a:t>
-            </a:r>
-            <a:r>
-              <a:rPr lang="en-US" sz="1200" b="1" spc="-20">
-                <a:solidFill>
-                  <a:srgbClr val="020302"/>
-                </a:solidFill>
-                <a:latin typeface="Adobe Clean"/>
-                <a:cs typeface="Adobe Clean"/>
-              </a:rPr>
-              <a:t>a</a:t>
-            </a:r>
-            <a:r>
-              <a:rPr lang="en-US" sz="1200" b="1">
-                <a:solidFill>
-                  <a:srgbClr val="020302"/>
-                </a:solidFill>
-                <a:latin typeface="Adobe Clean"/>
-                <a:cs typeface="Adobe Clean"/>
-              </a:rPr>
-              <a:t>s</a:t>
-            </a:r>
-            <a:r>
-              <a:rPr lang="en-US" sz="1200" b="1" spc="-45">
-                <a:solidFill>
-                  <a:srgbClr val="020302"/>
-                </a:solidFill>
-                <a:latin typeface="Adobe Clean"/>
-                <a:cs typeface="Adobe Clean"/>
-              </a:rPr>
-              <a:t> </a:t>
-            </a:r>
-            <a:r>
-              <a:rPr lang="en-US" sz="1200" b="1">
-                <a:solidFill>
-                  <a:srgbClr val="020302"/>
-                </a:solidFill>
-                <a:latin typeface="Adobe Clean"/>
-                <a:cs typeface="Adobe Clean"/>
-              </a:rPr>
-              <a:t>a</a:t>
-            </a:r>
-            <a:r>
-              <a:rPr lang="en-US" sz="1200" b="1" spc="-45">
-                <a:solidFill>
-                  <a:srgbClr val="020302"/>
-                </a:solidFill>
-                <a:latin typeface="Adobe Clean"/>
-                <a:cs typeface="Adobe Clean"/>
-              </a:rPr>
-              <a:t> </a:t>
-            </a:r>
-            <a:r>
-              <a:rPr lang="en-US" sz="1200" b="1" spc="-15">
-                <a:solidFill>
-                  <a:srgbClr val="020302"/>
-                </a:solidFill>
-                <a:latin typeface="Adobe Clean"/>
-                <a:cs typeface="Adobe Clean"/>
-              </a:rPr>
-              <a:t>C</a:t>
-            </a:r>
-            <a:r>
-              <a:rPr lang="en-US" sz="1200" b="1" spc="-25">
-                <a:solidFill>
-                  <a:srgbClr val="020302"/>
-                </a:solidFill>
-                <a:latin typeface="Adobe Clean"/>
-                <a:cs typeface="Adobe Clean"/>
-              </a:rPr>
-              <a:t>l</a:t>
-            </a:r>
-            <a:r>
-              <a:rPr lang="en-US" sz="1200" b="1" spc="-15">
-                <a:solidFill>
-                  <a:srgbClr val="020302"/>
-                </a:solidFill>
-                <a:latin typeface="Adobe Clean"/>
-                <a:cs typeface="Adobe Clean"/>
-              </a:rPr>
-              <a:t>o</a:t>
-            </a:r>
-            <a:r>
-              <a:rPr lang="en-US" sz="1200" b="1" spc="-20">
-                <a:solidFill>
-                  <a:srgbClr val="020302"/>
-                </a:solidFill>
-                <a:latin typeface="Adobe Clean"/>
-                <a:cs typeface="Adobe Clean"/>
-              </a:rPr>
-              <a:t>u</a:t>
-            </a:r>
-            <a:r>
-              <a:rPr lang="en-US" sz="1200" b="1">
-                <a:solidFill>
-                  <a:srgbClr val="020302"/>
-                </a:solidFill>
-                <a:latin typeface="Adobe Clean"/>
-                <a:cs typeface="Adobe Clean"/>
-              </a:rPr>
-              <a:t>d</a:t>
-            </a:r>
-            <a:r>
-              <a:rPr lang="en-US" sz="1200" b="1" spc="-50">
-                <a:solidFill>
-                  <a:srgbClr val="020302"/>
-                </a:solidFill>
-                <a:latin typeface="Adobe Clean"/>
-                <a:cs typeface="Adobe Clean"/>
-              </a:rPr>
-              <a:t> </a:t>
-            </a:r>
-            <a:r>
-              <a:rPr lang="en-US" sz="1200" b="1" spc="-20">
-                <a:solidFill>
-                  <a:srgbClr val="020302"/>
-                </a:solidFill>
-                <a:latin typeface="Adobe Clean"/>
-                <a:cs typeface="Adobe Clean"/>
-              </a:rPr>
-              <a:t>S</a:t>
-            </a:r>
-            <a:r>
-              <a:rPr lang="en-US" sz="1200" b="1" spc="-25">
-                <a:solidFill>
-                  <a:srgbClr val="020302"/>
-                </a:solidFill>
-                <a:latin typeface="Adobe Clean"/>
-                <a:cs typeface="Adobe Clean"/>
-              </a:rPr>
-              <a:t>e</a:t>
-            </a:r>
-            <a:r>
-              <a:rPr lang="en-US" sz="1200" b="1" spc="-20">
-                <a:solidFill>
-                  <a:srgbClr val="020302"/>
-                </a:solidFill>
-                <a:latin typeface="Adobe Clean"/>
-                <a:cs typeface="Adobe Clean"/>
-              </a:rPr>
-              <a:t>r</a:t>
-            </a:r>
-            <a:r>
-              <a:rPr lang="en-US" sz="1200" b="1" spc="-30">
-                <a:solidFill>
-                  <a:srgbClr val="020302"/>
-                </a:solidFill>
-                <a:latin typeface="Adobe Clean"/>
-                <a:cs typeface="Adobe Clean"/>
-              </a:rPr>
-              <a:t>v</a:t>
-            </a:r>
-            <a:r>
-              <a:rPr lang="en-US" sz="1200" b="1" spc="-20">
-                <a:solidFill>
-                  <a:srgbClr val="020302"/>
-                </a:solidFill>
-                <a:latin typeface="Adobe Clean"/>
-                <a:cs typeface="Adobe Clean"/>
-              </a:rPr>
-              <a:t>i</a:t>
-            </a:r>
-            <a:r>
-              <a:rPr lang="en-US" sz="1200" b="1" spc="-30">
-                <a:solidFill>
-                  <a:srgbClr val="020302"/>
-                </a:solidFill>
-                <a:latin typeface="Adobe Clean"/>
-                <a:cs typeface="Adobe Clean"/>
-              </a:rPr>
-              <a:t>c</a:t>
-            </a:r>
-            <a:r>
-              <a:rPr lang="en-US" sz="1200" b="1">
-                <a:solidFill>
-                  <a:srgbClr val="020302"/>
-                </a:solidFill>
-                <a:latin typeface="Adobe Clean"/>
-                <a:cs typeface="Adobe Clean"/>
-              </a:rPr>
-              <a:t>e</a:t>
-            </a:r>
-            <a:endParaRPr lang="en-US" sz="1200">
+            <a:endParaRPr lang="en-US" sz="1200" dirty="0">
               <a:latin typeface="Adobe Clean"/>
               <a:cs typeface="Adobe Clean"/>
             </a:endParaRPr>
@@ -14866,7 +13657,7 @@
         <p:spPr>
           <a:xfrm>
             <a:off x="2752588" y="908302"/>
-            <a:ext cx="1708650" cy="461665"/>
+            <a:ext cx="1895612" cy="461665"/>
           </a:xfrm>
           <a:prstGeom prst="rect">
             <a:avLst/>
@@ -14887,16 +13678,16 @@
               </a:spcBef>
             </a:pPr>
             <a:r>
-              <a:rPr lang="en-US" sz="1200" b="1" spc="-25">
+              <a:rPr lang="de-de" sz="1200" b="1" spc="-25" dirty="0">
                 <a:solidFill>
                   <a:srgbClr val="020302"/>
                 </a:solidFill>
                 <a:latin typeface="Adobe Clean"/>
                 <a:cs typeface="Adobe Clean"/>
               </a:rPr>
-              <a:t>Value-added Services for AEM as a Cloud Service</a:t>
-            </a:r>
-            <a:endParaRPr lang="en-US" sz="1200">
+              <a:t>AEM as a Cloud Service를 위한 부가 가치 서비스</a:t>
+            </a:r>
+            <a:endParaRPr lang="en-US" sz="1200" dirty="0">
               <a:latin typeface="Adobe Clean"/>
               <a:cs typeface="Adobe Clean"/>
             </a:endParaRPr>
@@ -14939,362 +13730,786 @@
               </a:spcBef>
             </a:pPr>
             <a:r>
-              <a:rPr lang="en-US" sz="1200" b="1" spc="-20">
+              <a:rPr lang="de-de" sz="1200" b="1" spc="-20" dirty="0">
                 <a:solidFill>
                   <a:srgbClr val="020302"/>
                 </a:solidFill>
                 <a:latin typeface="Adobe Clean"/>
                 <a:cs typeface="Adobe Clean"/>
               </a:rPr>
-              <a:t>G</a:t>
-            </a:r>
-            <a:r>
-              <a:rPr lang="en-US" sz="1200" b="1" spc="-15">
+              <a:t>AEM</a:t>
+            </a:r>
+            <a:r>
+              <a:rPr lang="de-de" sz="1200" b="1" spc="-50" dirty="0">
                 <a:solidFill>
                   <a:srgbClr val="020302"/>
                 </a:solidFill>
                 <a:latin typeface="Adobe Clean"/>
                 <a:cs typeface="Adobe Clean"/>
               </a:rPr>
-              <a:t>o</a:t>
-            </a:r>
-            <a:r>
-              <a:rPr lang="en-US" sz="1200" b="1" spc="-25">
+              <a:t>  </a:t>
+            </a:r>
+            <a:r>
+              <a:rPr lang="de-de" sz="1200" b="1" spc="-20" dirty="0">
                 <a:solidFill>
                   <a:srgbClr val="020302"/>
                 </a:solidFill>
                 <a:latin typeface="Adobe Clean"/>
                 <a:cs typeface="Adobe Clean"/>
               </a:rPr>
-              <a:t>ve</a:t>
-            </a:r>
-            <a:r>
-              <a:rPr lang="en-US" sz="1200" b="1" spc="-20">
+              <a:t>as a Cloud Service를 위한</a:t>
+            </a:r>
+            <a:r>
+              <a:rPr lang="de-de" sz="1200" b="1" spc="-45" dirty="0">
                 <a:solidFill>
                   <a:srgbClr val="020302"/>
                 </a:solidFill>
                 <a:latin typeface="Adobe Clean"/>
                 <a:cs typeface="Adobe Clean"/>
               </a:rPr>
-              <a:t>r</a:t>
-            </a:r>
-            <a:r>
-              <a:rPr lang="en-US" sz="1200" b="1" spc="-25">
+              <a:t> </a:t>
+            </a:r>
+            <a:r>
+              <a:rPr lang="de-de" sz="1200" b="1" spc="-15" dirty="0">
                 <a:solidFill>
                   <a:srgbClr val="020302"/>
                 </a:solidFill>
                 <a:latin typeface="Adobe Clean"/>
                 <a:cs typeface="Adobe Clean"/>
               </a:rPr>
-              <a:t>n</a:t>
-            </a:r>
-            <a:r>
-              <a:rPr lang="en-US" sz="1200" b="1" spc="-20">
+              <a:t>거버넌스</a:t>
+            </a:r>
+            <a:r>
+              <a:rPr lang="de-de" sz="1200" b="1" spc="-50" dirty="0">
                 <a:solidFill>
                   <a:srgbClr val="020302"/>
                 </a:solidFill>
                 <a:latin typeface="Adobe Clean"/>
                 <a:cs typeface="Adobe Clean"/>
               </a:rPr>
-              <a:t>a</a:t>
-            </a:r>
-            <a:r>
-              <a:rPr lang="en-US" sz="1200" b="1" spc="-25">
-                <a:solidFill>
-                  <a:srgbClr val="020302"/>
-                </a:solidFill>
-                <a:latin typeface="Adobe Clean"/>
-                <a:cs typeface="Adobe Clean"/>
-              </a:rPr>
-              <a:t>n</a:t>
-            </a:r>
-            <a:r>
-              <a:rPr lang="en-US" sz="1200" b="1" spc="-30">
-                <a:solidFill>
-                  <a:srgbClr val="020302"/>
-                </a:solidFill>
-                <a:latin typeface="Adobe Clean"/>
-                <a:cs typeface="Adobe Clean"/>
-              </a:rPr>
-              <a:t>c</a:t>
-            </a:r>
-            <a:r>
-              <a:rPr lang="en-US" sz="1200" b="1">
-                <a:solidFill>
-                  <a:srgbClr val="020302"/>
-                </a:solidFill>
-                <a:latin typeface="Adobe Clean"/>
-                <a:cs typeface="Adobe Clean"/>
-              </a:rPr>
-              <a:t>e</a:t>
-            </a:r>
-            <a:r>
-              <a:rPr lang="en-US" sz="1200" b="1" spc="-50">
-                <a:solidFill>
-                  <a:srgbClr val="020302"/>
-                </a:solidFill>
-                <a:latin typeface="Adobe Clean"/>
-                <a:cs typeface="Adobe Clean"/>
-              </a:rPr>
               <a:t> </a:t>
             </a:r>
-            <a:r>
-              <a:rPr lang="en-US" sz="1200" b="1" spc="-25">
-                <a:solidFill>
-                  <a:srgbClr val="020302"/>
-                </a:solidFill>
-                <a:latin typeface="Adobe Clean"/>
-                <a:cs typeface="Adobe Clean"/>
-              </a:rPr>
-              <a:t>f</a:t>
-            </a:r>
-            <a:r>
-              <a:rPr lang="en-US" sz="1200" b="1" spc="-15">
-                <a:solidFill>
-                  <a:srgbClr val="020302"/>
-                </a:solidFill>
-                <a:latin typeface="Adobe Clean"/>
-                <a:cs typeface="Adobe Clean"/>
-              </a:rPr>
-              <a:t>o</a:t>
-            </a:r>
-            <a:r>
-              <a:rPr lang="en-US" sz="1200" b="1">
-                <a:solidFill>
-                  <a:srgbClr val="020302"/>
-                </a:solidFill>
-                <a:latin typeface="Adobe Clean"/>
-                <a:cs typeface="Adobe Clean"/>
-              </a:rPr>
-              <a:t>r</a:t>
-            </a:r>
-            <a:r>
-              <a:rPr lang="en-US" sz="1200" b="1" spc="-45">
-                <a:solidFill>
-                  <a:srgbClr val="020302"/>
-                </a:solidFill>
-                <a:latin typeface="Adobe Clean"/>
-                <a:cs typeface="Adobe Clean"/>
-              </a:rPr>
-              <a:t> </a:t>
-            </a:r>
-            <a:r>
-              <a:rPr lang="en-US" sz="1200" b="1" spc="-30">
-                <a:solidFill>
-                  <a:srgbClr val="020302"/>
-                </a:solidFill>
-                <a:latin typeface="Adobe Clean"/>
-                <a:cs typeface="Adobe Clean"/>
-              </a:rPr>
-              <a:t>A</a:t>
-            </a:r>
-            <a:r>
-              <a:rPr lang="en-US" sz="1200" b="1" spc="-25">
-                <a:solidFill>
-                  <a:srgbClr val="020302"/>
-                </a:solidFill>
-                <a:latin typeface="Adobe Clean"/>
-                <a:cs typeface="Adobe Clean"/>
-              </a:rPr>
-              <a:t>E</a:t>
-            </a:r>
-            <a:r>
-              <a:rPr lang="en-US" sz="1200" b="1">
-                <a:solidFill>
-                  <a:srgbClr val="020302"/>
-                </a:solidFill>
-                <a:latin typeface="Adobe Clean"/>
-                <a:cs typeface="Adobe Clean"/>
-              </a:rPr>
-              <a:t>M</a:t>
-            </a:r>
-            <a:r>
-              <a:rPr lang="en-US" sz="1200" b="1" spc="-50">
-                <a:solidFill>
-                  <a:srgbClr val="020302"/>
-                </a:solidFill>
-                <a:latin typeface="Adobe Clean"/>
-                <a:cs typeface="Adobe Clean"/>
-              </a:rPr>
-              <a:t> </a:t>
-            </a:r>
-            <a:r>
-              <a:rPr lang="en-US" sz="1200" b="1" spc="-20">
-                <a:solidFill>
-                  <a:srgbClr val="020302"/>
-                </a:solidFill>
-                <a:latin typeface="Adobe Clean"/>
-                <a:cs typeface="Adobe Clean"/>
-              </a:rPr>
-              <a:t>a</a:t>
-            </a:r>
-            <a:r>
-              <a:rPr lang="en-US" sz="1200" b="1">
-                <a:solidFill>
-                  <a:srgbClr val="020302"/>
-                </a:solidFill>
-                <a:latin typeface="Adobe Clean"/>
-                <a:cs typeface="Adobe Clean"/>
-              </a:rPr>
-              <a:t>s</a:t>
-            </a:r>
-            <a:r>
-              <a:rPr lang="en-US" sz="1200" b="1" spc="-45">
-                <a:solidFill>
-                  <a:srgbClr val="020302"/>
-                </a:solidFill>
-                <a:latin typeface="Adobe Clean"/>
-                <a:cs typeface="Adobe Clean"/>
-              </a:rPr>
-              <a:t> </a:t>
-            </a:r>
-            <a:r>
-              <a:rPr lang="en-US" sz="1200" b="1">
-                <a:solidFill>
-                  <a:srgbClr val="020302"/>
-                </a:solidFill>
-                <a:latin typeface="Adobe Clean"/>
-                <a:cs typeface="Adobe Clean"/>
-              </a:rPr>
-              <a:t>a</a:t>
-            </a:r>
-            <a:r>
-              <a:rPr lang="en-US" sz="1200" b="1" spc="-40">
-                <a:solidFill>
-                  <a:srgbClr val="020302"/>
-                </a:solidFill>
-                <a:latin typeface="Adobe Clean"/>
-                <a:cs typeface="Adobe Clean"/>
-              </a:rPr>
-              <a:t> </a:t>
-            </a:r>
-            <a:r>
-              <a:rPr lang="en-US" sz="1200" b="1" spc="-15">
-                <a:solidFill>
-                  <a:srgbClr val="020302"/>
-                </a:solidFill>
-                <a:latin typeface="Adobe Clean"/>
-                <a:cs typeface="Adobe Clean"/>
-              </a:rPr>
-              <a:t>C</a:t>
-            </a:r>
-            <a:r>
-              <a:rPr lang="en-US" sz="1200" b="1" spc="-25">
-                <a:solidFill>
-                  <a:srgbClr val="020302"/>
-                </a:solidFill>
-                <a:latin typeface="Adobe Clean"/>
-                <a:cs typeface="Adobe Clean"/>
-              </a:rPr>
-              <a:t>l</a:t>
-            </a:r>
-            <a:r>
-              <a:rPr lang="en-US" sz="1200" b="1" spc="-15">
-                <a:solidFill>
-                  <a:srgbClr val="020302"/>
-                </a:solidFill>
-                <a:latin typeface="Adobe Clean"/>
-                <a:cs typeface="Adobe Clean"/>
-              </a:rPr>
-              <a:t>ou</a:t>
-            </a:r>
-            <a:r>
-              <a:rPr lang="en-US" sz="1200" b="1">
-                <a:solidFill>
-                  <a:srgbClr val="020302"/>
-                </a:solidFill>
-                <a:latin typeface="Adobe Clean"/>
-                <a:cs typeface="Adobe Clean"/>
-              </a:rPr>
-              <a:t>d</a:t>
-            </a:r>
-            <a:r>
-              <a:rPr lang="en-US" sz="1200" b="1" spc="-50">
-                <a:solidFill>
-                  <a:srgbClr val="020302"/>
-                </a:solidFill>
-                <a:latin typeface="Adobe Clean"/>
-                <a:cs typeface="Adobe Clean"/>
-              </a:rPr>
-              <a:t> </a:t>
-            </a:r>
-            <a:r>
-              <a:rPr lang="en-US" sz="1200" b="1" spc="-20">
-                <a:solidFill>
-                  <a:srgbClr val="020302"/>
-                </a:solidFill>
-                <a:latin typeface="Adobe Clean"/>
-                <a:cs typeface="Adobe Clean"/>
-              </a:rPr>
-              <a:t>S</a:t>
-            </a:r>
-            <a:r>
-              <a:rPr lang="en-US" sz="1200" b="1" spc="-25">
-                <a:solidFill>
-                  <a:srgbClr val="020302"/>
-                </a:solidFill>
-                <a:latin typeface="Adobe Clean"/>
-                <a:cs typeface="Adobe Clean"/>
-              </a:rPr>
-              <a:t>e</a:t>
-            </a:r>
-            <a:r>
-              <a:rPr lang="en-US" sz="1200" b="1" spc="-20">
-                <a:solidFill>
-                  <a:srgbClr val="020302"/>
-                </a:solidFill>
-                <a:latin typeface="Adobe Clean"/>
-                <a:cs typeface="Adobe Clean"/>
-              </a:rPr>
-              <a:t>r</a:t>
-            </a:r>
-            <a:r>
-              <a:rPr lang="en-US" sz="1200" b="1" spc="-25">
-                <a:solidFill>
-                  <a:srgbClr val="020302"/>
-                </a:solidFill>
-                <a:latin typeface="Adobe Clean"/>
-                <a:cs typeface="Adobe Clean"/>
-              </a:rPr>
-              <a:t>v</a:t>
-            </a:r>
-            <a:r>
-              <a:rPr lang="en-US" sz="1200" b="1" spc="-20">
-                <a:solidFill>
-                  <a:srgbClr val="020302"/>
-                </a:solidFill>
-                <a:latin typeface="Adobe Clean"/>
-                <a:cs typeface="Adobe Clean"/>
-              </a:rPr>
-              <a:t>i</a:t>
-            </a:r>
-            <a:r>
-              <a:rPr lang="en-US" sz="1200" b="1" spc="-30">
-                <a:solidFill>
-                  <a:srgbClr val="020302"/>
-                </a:solidFill>
-                <a:latin typeface="Adobe Clean"/>
-                <a:cs typeface="Adobe Clean"/>
-              </a:rPr>
-              <a:t>c</a:t>
-            </a:r>
-            <a:r>
-              <a:rPr lang="en-US" sz="1200" b="1">
-                <a:solidFill>
-                  <a:srgbClr val="020302"/>
-                </a:solidFill>
-                <a:latin typeface="Adobe Clean"/>
-                <a:cs typeface="Adobe Clean"/>
-              </a:rPr>
-              <a:t>e</a:t>
-            </a:r>
-            <a:endParaRPr lang="en-US" sz="1200">
+            <a:endParaRPr lang="en-US" sz="1200" dirty="0">
               <a:latin typeface="Adobe Clean"/>
               <a:cs typeface="Adobe Clean"/>
             </a:endParaRPr>
           </a:p>
         </p:txBody>
       </p:sp>
+      <p:graphicFrame>
+        <p:nvGraphicFramePr>
+          <p:cNvPr id="2" name="Table 1">
+            <a:extLst>
+              <a:ext uri="{FF2B5EF4-FFF2-40B4-BE49-F238E27FC236}">
+                <a16:creationId xmlns:a16="http://schemas.microsoft.com/office/drawing/2014/main" id="{CED3F2A6-B5D8-A54C-9E6C-1FE4D54768E0}"/>
+              </a:ext>
+            </a:extLst>
+          </p:cNvPr>
+          <p:cNvGraphicFramePr>
+            <a:graphicFrameLocks noGrp="1"/>
+          </p:cNvGraphicFramePr>
+          <p:nvPr>
+            <p:extLst>
+              <p:ext uri="{D42A27DB-BD31-4B8C-83A1-F6EECF244321}">
+                <p14:modId xmlns:p14="http://schemas.microsoft.com/office/powerpoint/2010/main" val="3115527674"/>
+              </p:ext>
+            </p:extLst>
+          </p:nvPr>
+        </p:nvGraphicFramePr>
+        <p:xfrm>
+          <a:off x="1524000" y="8153400"/>
+          <a:ext cx="609600" cy="457200"/>
+        </p:xfrm>
+        <a:graphic>
+          <a:graphicData uri="http://schemas.openxmlformats.org/drawingml/2006/table">
+            <a:tbl>
+              <a:tblPr>
+                <a:tableStyleId>{5C22544A-7EE6-4342-B048-85BDC9FD1C3A}</a:tableStyleId>
+              </a:tblPr>
+              <a:tblGrid>
+                <a:gridCol w="609600">
+                  <a:extLst>
+                    <a:ext uri="{9D8B030D-6E8A-4147-A177-3AD203B41FA5}">
+                      <a16:colId xmlns:a16="http://schemas.microsoft.com/office/drawing/2014/main" val="1835503658"/>
+                    </a:ext>
+                  </a:extLst>
+                </a:gridCol>
+              </a:tblGrid>
+              <a:tr h="457200">
+                <a:tc>
+                  <a:txBody>
+                    <a:bodyPr/>
+                    <a:lstStyle/>
+                    <a:p>
+                      <a:pPr algn="ctr" fontAlgn="b"/>
+                      <a:r>
+                        <a:rPr lang="ko-KR" altLang="en-US" sz="1100" u="none" strike="noStrike" dirty="0">
+                          <a:effectLst/>
+                        </a:rPr>
+                        <a:t>권장 사항 실행</a:t>
+                      </a:r>
+                      <a:endParaRPr lang="ko-KR" altLang="en-US" sz="1100" b="0" i="0" u="none" strike="noStrike" dirty="0">
+                        <a:solidFill>
+                          <a:srgbClr val="000000"/>
+                        </a:solidFill>
+                        <a:effectLst/>
+                        <a:latin typeface="Calibri" panose="020F0502020204030204" pitchFamily="34" charset="0"/>
+                      </a:endParaRPr>
+                    </a:p>
+                  </a:txBody>
+                  <a:tcPr marL="9525" marR="9525" marT="9525" marB="0">
+                    <a:solidFill>
+                      <a:schemeClr val="bg1"/>
+                    </a:solidFill>
+                  </a:tcPr>
+                </a:tc>
+                <a:extLst>
+                  <a:ext uri="{0D108BD9-81ED-4DB2-BD59-A6C34878D82A}">
+                    <a16:rowId xmlns:a16="http://schemas.microsoft.com/office/drawing/2014/main" val="2771767287"/>
+                  </a:ext>
+                </a:extLst>
+              </a:tr>
+            </a:tbl>
+          </a:graphicData>
+        </a:graphic>
+      </p:graphicFrame>
+      <p:graphicFrame>
+        <p:nvGraphicFramePr>
+          <p:cNvPr id="57" name="Table 56">
+            <a:extLst>
+              <a:ext uri="{FF2B5EF4-FFF2-40B4-BE49-F238E27FC236}">
+                <a16:creationId xmlns:a16="http://schemas.microsoft.com/office/drawing/2014/main" id="{5FC81947-5734-1847-9B58-C7D00D9B2111}"/>
+              </a:ext>
+            </a:extLst>
+          </p:cNvPr>
+          <p:cNvGraphicFramePr>
+            <a:graphicFrameLocks noGrp="1"/>
+          </p:cNvGraphicFramePr>
+          <p:nvPr>
+            <p:extLst>
+              <p:ext uri="{D42A27DB-BD31-4B8C-83A1-F6EECF244321}">
+                <p14:modId xmlns:p14="http://schemas.microsoft.com/office/powerpoint/2010/main" val="3013111724"/>
+              </p:ext>
+            </p:extLst>
+          </p:nvPr>
+        </p:nvGraphicFramePr>
+        <p:xfrm>
+          <a:off x="1524000" y="6934200"/>
+          <a:ext cx="609600" cy="457200"/>
+        </p:xfrm>
+        <a:graphic>
+          <a:graphicData uri="http://schemas.openxmlformats.org/drawingml/2006/table">
+            <a:tbl>
+              <a:tblPr>
+                <a:tableStyleId>{5C22544A-7EE6-4342-B048-85BDC9FD1C3A}</a:tableStyleId>
+              </a:tblPr>
+              <a:tblGrid>
+                <a:gridCol w="609600">
+                  <a:extLst>
+                    <a:ext uri="{9D8B030D-6E8A-4147-A177-3AD203B41FA5}">
+                      <a16:colId xmlns:a16="http://schemas.microsoft.com/office/drawing/2014/main" val="1835503658"/>
+                    </a:ext>
+                  </a:extLst>
+                </a:gridCol>
+              </a:tblGrid>
+              <a:tr h="457200">
+                <a:tc>
+                  <a:txBody>
+                    <a:bodyPr/>
+                    <a:lstStyle/>
+                    <a:p>
+                      <a:pPr algn="ctr" fontAlgn="b"/>
+                      <a:r>
+                        <a:rPr lang="ko-KR" altLang="en-US" sz="800" u="none" strike="noStrike" dirty="0">
+                          <a:effectLst/>
+                          <a:latin typeface="Adobe Clean" panose="020B0503020404020204" pitchFamily="34" charset="0"/>
+                        </a:rPr>
+                        <a:t>선임 </a:t>
+                      </a:r>
+                      <a:r>
+                        <a:rPr lang="en-US" altLang="ko-KR" sz="800" u="none" strike="noStrike" dirty="0">
+                          <a:effectLst/>
+                          <a:latin typeface="Adobe Clean" panose="020B0503020404020204" pitchFamily="34" charset="0"/>
+                        </a:rPr>
+                        <a:t>Adobe </a:t>
+                      </a:r>
+                      <a:r>
+                        <a:rPr lang="ko-KR" altLang="en-US" sz="800" u="none" strike="noStrike" dirty="0">
+                          <a:effectLst/>
+                          <a:latin typeface="Adobe Clean" panose="020B0503020404020204" pitchFamily="34" charset="0"/>
+                        </a:rPr>
+                        <a:t>전문가</a:t>
+                      </a:r>
+                      <a:endParaRPr lang="ko-KR" altLang="en-US" sz="800" b="0" i="0" u="none" strike="noStrike" dirty="0">
+                        <a:solidFill>
+                          <a:srgbClr val="000000"/>
+                        </a:solidFill>
+                        <a:effectLst/>
+                        <a:latin typeface="Adobe Clean" panose="020B0503020404020204" pitchFamily="34" charset="0"/>
+                      </a:endParaRPr>
+                    </a:p>
+                  </a:txBody>
+                  <a:tcPr marL="9525" marR="9525" marT="9525" marB="0">
+                    <a:solidFill>
+                      <a:schemeClr val="bg1"/>
+                    </a:solidFill>
+                  </a:tcPr>
+                </a:tc>
+                <a:extLst>
+                  <a:ext uri="{0D108BD9-81ED-4DB2-BD59-A6C34878D82A}">
+                    <a16:rowId xmlns:a16="http://schemas.microsoft.com/office/drawing/2014/main" val="2771767287"/>
+                  </a:ext>
+                </a:extLst>
+              </a:tr>
+            </a:tbl>
+          </a:graphicData>
+        </a:graphic>
+      </p:graphicFrame>
+      <p:graphicFrame>
+        <p:nvGraphicFramePr>
+          <p:cNvPr id="58" name="Table 57">
+            <a:extLst>
+              <a:ext uri="{FF2B5EF4-FFF2-40B4-BE49-F238E27FC236}">
+                <a16:creationId xmlns:a16="http://schemas.microsoft.com/office/drawing/2014/main" id="{5C3EF744-0ECF-0840-BB8C-30D33F82AD23}"/>
+              </a:ext>
+            </a:extLst>
+          </p:cNvPr>
+          <p:cNvGraphicFramePr>
+            <a:graphicFrameLocks noGrp="1"/>
+          </p:cNvGraphicFramePr>
+          <p:nvPr>
+            <p:extLst>
+              <p:ext uri="{D42A27DB-BD31-4B8C-83A1-F6EECF244321}">
+                <p14:modId xmlns:p14="http://schemas.microsoft.com/office/powerpoint/2010/main" val="3482834869"/>
+              </p:ext>
+            </p:extLst>
+          </p:nvPr>
+        </p:nvGraphicFramePr>
+        <p:xfrm>
+          <a:off x="2514600" y="7239000"/>
+          <a:ext cx="609600" cy="497205"/>
+        </p:xfrm>
+        <a:graphic>
+          <a:graphicData uri="http://schemas.openxmlformats.org/drawingml/2006/table">
+            <a:tbl>
+              <a:tblPr>
+                <a:tableStyleId>{5C22544A-7EE6-4342-B048-85BDC9FD1C3A}</a:tableStyleId>
+              </a:tblPr>
+              <a:tblGrid>
+                <a:gridCol w="609600">
+                  <a:extLst>
+                    <a:ext uri="{9D8B030D-6E8A-4147-A177-3AD203B41FA5}">
+                      <a16:colId xmlns:a16="http://schemas.microsoft.com/office/drawing/2014/main" val="1835503658"/>
+                    </a:ext>
+                  </a:extLst>
+                </a:gridCol>
+              </a:tblGrid>
+              <a:tr h="457200">
+                <a:tc>
+                  <a:txBody>
+                    <a:bodyPr/>
+                    <a:lstStyle/>
+                    <a:p>
+                      <a:pPr algn="ctr" fontAlgn="b"/>
+                      <a:r>
+                        <a:rPr lang="en-US" altLang="ko-KR" sz="800" u="none" strike="noStrike" dirty="0">
+                          <a:effectLst/>
+                          <a:latin typeface="Adobe Clean" panose="020B0503020404020204" pitchFamily="34" charset="0"/>
+                        </a:rPr>
+                        <a:t>Adobe </a:t>
+                      </a:r>
+                      <a:r>
+                        <a:rPr lang="ko-KR" altLang="en-US" sz="800" u="none" strike="noStrike" dirty="0">
+                          <a:effectLst/>
+                          <a:latin typeface="Adobe Clean" panose="020B0503020404020204" pitchFamily="34" charset="0"/>
+                        </a:rPr>
+                        <a:t>엔지니어링으로의 직접 링크</a:t>
+                      </a:r>
+                      <a:endParaRPr lang="ko-KR" altLang="en-US" sz="800" b="0" i="0" u="none" strike="noStrike" dirty="0">
+                        <a:solidFill>
+                          <a:srgbClr val="000000"/>
+                        </a:solidFill>
+                        <a:effectLst/>
+                        <a:latin typeface="Adobe Clean" panose="020B0503020404020204" pitchFamily="34" charset="0"/>
+                      </a:endParaRPr>
+                    </a:p>
+                  </a:txBody>
+                  <a:tcPr marL="9525" marR="9525" marT="9525" marB="0">
+                    <a:solidFill>
+                      <a:schemeClr val="bg1"/>
+                    </a:solidFill>
+                  </a:tcPr>
+                </a:tc>
+                <a:extLst>
+                  <a:ext uri="{0D108BD9-81ED-4DB2-BD59-A6C34878D82A}">
+                    <a16:rowId xmlns:a16="http://schemas.microsoft.com/office/drawing/2014/main" val="2771767287"/>
+                  </a:ext>
+                </a:extLst>
+              </a:tr>
+            </a:tbl>
+          </a:graphicData>
+        </a:graphic>
+      </p:graphicFrame>
+      <p:graphicFrame>
+        <p:nvGraphicFramePr>
+          <p:cNvPr id="59" name="Table 58">
+            <a:extLst>
+              <a:ext uri="{FF2B5EF4-FFF2-40B4-BE49-F238E27FC236}">
+                <a16:creationId xmlns:a16="http://schemas.microsoft.com/office/drawing/2014/main" id="{50430D1B-F3F6-AA46-8703-3A9C68EB58F0}"/>
+              </a:ext>
+            </a:extLst>
+          </p:cNvPr>
+          <p:cNvGraphicFramePr>
+            <a:graphicFrameLocks noGrp="1"/>
+          </p:cNvGraphicFramePr>
+          <p:nvPr>
+            <p:extLst>
+              <p:ext uri="{D42A27DB-BD31-4B8C-83A1-F6EECF244321}">
+                <p14:modId xmlns:p14="http://schemas.microsoft.com/office/powerpoint/2010/main" val="1518929836"/>
+              </p:ext>
+            </p:extLst>
+          </p:nvPr>
+        </p:nvGraphicFramePr>
+        <p:xfrm>
+          <a:off x="2819400" y="8382000"/>
+          <a:ext cx="609600" cy="497205"/>
+        </p:xfrm>
+        <a:graphic>
+          <a:graphicData uri="http://schemas.openxmlformats.org/drawingml/2006/table">
+            <a:tbl>
+              <a:tblPr>
+                <a:tableStyleId>{5C22544A-7EE6-4342-B048-85BDC9FD1C3A}</a:tableStyleId>
+              </a:tblPr>
+              <a:tblGrid>
+                <a:gridCol w="609600">
+                  <a:extLst>
+                    <a:ext uri="{9D8B030D-6E8A-4147-A177-3AD203B41FA5}">
+                      <a16:colId xmlns:a16="http://schemas.microsoft.com/office/drawing/2014/main" val="1835503658"/>
+                    </a:ext>
+                  </a:extLst>
+                </a:gridCol>
+              </a:tblGrid>
+              <a:tr h="457200">
+                <a:tc>
+                  <a:txBody>
+                    <a:bodyPr/>
+                    <a:lstStyle/>
+                    <a:p>
+                      <a:pPr algn="ctr" fontAlgn="b"/>
+                      <a:r>
+                        <a:rPr lang="ko-KR" altLang="en-US" sz="800" u="none" strike="noStrike" dirty="0">
+                          <a:effectLst/>
+                          <a:latin typeface="Adobe Clean" panose="020B0503020404020204" pitchFamily="34" charset="0"/>
+                        </a:rPr>
+                        <a:t>실행 후 요약과 권장되는 다음 단계</a:t>
+                      </a:r>
+                      <a:endParaRPr lang="ko-KR" altLang="en-US" sz="800" b="0" i="0" u="none" strike="noStrike" dirty="0">
+                        <a:solidFill>
+                          <a:srgbClr val="000000"/>
+                        </a:solidFill>
+                        <a:effectLst/>
+                        <a:latin typeface="Adobe Clean" panose="020B0503020404020204" pitchFamily="34" charset="0"/>
+                      </a:endParaRPr>
+                    </a:p>
+                  </a:txBody>
+                  <a:tcPr marL="9525" marR="9525" marT="9525" marB="0">
+                    <a:solidFill>
+                      <a:schemeClr val="bg1"/>
+                    </a:solidFill>
+                  </a:tcPr>
+                </a:tc>
+                <a:extLst>
+                  <a:ext uri="{0D108BD9-81ED-4DB2-BD59-A6C34878D82A}">
+                    <a16:rowId xmlns:a16="http://schemas.microsoft.com/office/drawing/2014/main" val="2771767287"/>
+                  </a:ext>
+                </a:extLst>
+              </a:tr>
+            </a:tbl>
+          </a:graphicData>
+        </a:graphic>
+      </p:graphicFrame>
+      <p:graphicFrame>
+        <p:nvGraphicFramePr>
+          <p:cNvPr id="60" name="Table 59">
+            <a:extLst>
+              <a:ext uri="{FF2B5EF4-FFF2-40B4-BE49-F238E27FC236}">
+                <a16:creationId xmlns:a16="http://schemas.microsoft.com/office/drawing/2014/main" id="{BC821DB5-15FE-F747-ACA8-DA12BC5726D9}"/>
+              </a:ext>
+            </a:extLst>
+          </p:cNvPr>
+          <p:cNvGraphicFramePr>
+            <a:graphicFrameLocks noGrp="1"/>
+          </p:cNvGraphicFramePr>
+          <p:nvPr>
+            <p:extLst>
+              <p:ext uri="{D42A27DB-BD31-4B8C-83A1-F6EECF244321}">
+                <p14:modId xmlns:p14="http://schemas.microsoft.com/office/powerpoint/2010/main" val="2544329521"/>
+              </p:ext>
+            </p:extLst>
+          </p:nvPr>
+        </p:nvGraphicFramePr>
+        <p:xfrm>
+          <a:off x="2057400" y="9296400"/>
+          <a:ext cx="609600" cy="457200"/>
+        </p:xfrm>
+        <a:graphic>
+          <a:graphicData uri="http://schemas.openxmlformats.org/drawingml/2006/table">
+            <a:tbl>
+              <a:tblPr>
+                <a:tableStyleId>{5C22544A-7EE6-4342-B048-85BDC9FD1C3A}</a:tableStyleId>
+              </a:tblPr>
+              <a:tblGrid>
+                <a:gridCol w="609600">
+                  <a:extLst>
+                    <a:ext uri="{9D8B030D-6E8A-4147-A177-3AD203B41FA5}">
+                      <a16:colId xmlns:a16="http://schemas.microsoft.com/office/drawing/2014/main" val="1835503658"/>
+                    </a:ext>
+                  </a:extLst>
+                </a:gridCol>
+              </a:tblGrid>
+              <a:tr h="457200">
+                <a:tc>
+                  <a:txBody>
+                    <a:bodyPr/>
+                    <a:lstStyle/>
+                    <a:p>
+                      <a:pPr algn="ctr" fontAlgn="b"/>
+                      <a:r>
+                        <a:rPr lang="ko-KR" altLang="en-US" sz="800" u="none" strike="noStrike" dirty="0">
+                          <a:effectLst/>
+                          <a:latin typeface="Adobe Clean" panose="020B0503020404020204" pitchFamily="34" charset="0"/>
+                        </a:rPr>
+                        <a:t>실제 운영 준비 </a:t>
+                      </a:r>
+                      <a:r>
+                        <a:rPr lang="en-US" altLang="ko-KR" sz="800" u="none" strike="noStrike" dirty="0">
+                          <a:effectLst/>
+                          <a:latin typeface="Adobe Clean" panose="020B0503020404020204" pitchFamily="34" charset="0"/>
+                        </a:rPr>
+                        <a:t>+ </a:t>
+                      </a:r>
+                      <a:r>
+                        <a:rPr lang="ko-KR" altLang="en-US" sz="800" u="none" strike="noStrike" dirty="0">
+                          <a:effectLst/>
+                          <a:latin typeface="Adobe Clean" panose="020B0503020404020204" pitchFamily="34" charset="0"/>
+                        </a:rPr>
+                        <a:t>성능 최적화</a:t>
+                      </a:r>
+                      <a:endParaRPr lang="ko-KR" altLang="en-US" sz="800" b="0" i="0" u="none" strike="noStrike" dirty="0">
+                        <a:solidFill>
+                          <a:srgbClr val="000000"/>
+                        </a:solidFill>
+                        <a:effectLst/>
+                        <a:latin typeface="Adobe Clean" panose="020B0503020404020204" pitchFamily="34" charset="0"/>
+                      </a:endParaRPr>
+                    </a:p>
+                  </a:txBody>
+                  <a:tcPr marL="9525" marR="9525" marT="9525" marB="0">
+                    <a:solidFill>
+                      <a:schemeClr val="bg1"/>
+                    </a:solidFill>
+                  </a:tcPr>
+                </a:tc>
+                <a:extLst>
+                  <a:ext uri="{0D108BD9-81ED-4DB2-BD59-A6C34878D82A}">
+                    <a16:rowId xmlns:a16="http://schemas.microsoft.com/office/drawing/2014/main" val="2771767287"/>
+                  </a:ext>
+                </a:extLst>
+              </a:tr>
+            </a:tbl>
+          </a:graphicData>
+        </a:graphic>
+      </p:graphicFrame>
+      <p:graphicFrame>
+        <p:nvGraphicFramePr>
+          <p:cNvPr id="61" name="Table 60">
+            <a:extLst>
+              <a:ext uri="{FF2B5EF4-FFF2-40B4-BE49-F238E27FC236}">
+                <a16:creationId xmlns:a16="http://schemas.microsoft.com/office/drawing/2014/main" id="{DAB123D1-F3CE-6740-A875-8F89D28FD36B}"/>
+              </a:ext>
+            </a:extLst>
+          </p:cNvPr>
+          <p:cNvGraphicFramePr>
+            <a:graphicFrameLocks noGrp="1"/>
+          </p:cNvGraphicFramePr>
+          <p:nvPr>
+            <p:extLst>
+              <p:ext uri="{D42A27DB-BD31-4B8C-83A1-F6EECF244321}">
+                <p14:modId xmlns:p14="http://schemas.microsoft.com/office/powerpoint/2010/main" val="3235221357"/>
+              </p:ext>
+            </p:extLst>
+          </p:nvPr>
+        </p:nvGraphicFramePr>
+        <p:xfrm>
+          <a:off x="990600" y="9296400"/>
+          <a:ext cx="609600" cy="457200"/>
+        </p:xfrm>
+        <a:graphic>
+          <a:graphicData uri="http://schemas.openxmlformats.org/drawingml/2006/table">
+            <a:tbl>
+              <a:tblPr>
+                <a:tableStyleId>{5C22544A-7EE6-4342-B048-85BDC9FD1C3A}</a:tableStyleId>
+              </a:tblPr>
+              <a:tblGrid>
+                <a:gridCol w="609600">
+                  <a:extLst>
+                    <a:ext uri="{9D8B030D-6E8A-4147-A177-3AD203B41FA5}">
+                      <a16:colId xmlns:a16="http://schemas.microsoft.com/office/drawing/2014/main" val="1835503658"/>
+                    </a:ext>
+                  </a:extLst>
+                </a:gridCol>
+              </a:tblGrid>
+              <a:tr h="457200">
+                <a:tc>
+                  <a:txBody>
+                    <a:bodyPr/>
+                    <a:lstStyle/>
+                    <a:p>
+                      <a:pPr algn="ctr" fontAlgn="b"/>
+                      <a:r>
+                        <a:rPr lang="ko-KR" altLang="en-US" sz="800" u="none" strike="noStrike" dirty="0">
+                          <a:effectLst/>
+                          <a:latin typeface="Adobe Clean" panose="020B0503020404020204" pitchFamily="34" charset="0"/>
+                        </a:rPr>
+                        <a:t>아키텍처 검토 </a:t>
+                      </a:r>
+                      <a:r>
+                        <a:rPr lang="en-US" altLang="ko-KR" sz="800" u="none" strike="noStrike" dirty="0">
+                          <a:effectLst/>
+                          <a:latin typeface="Adobe Clean" panose="020B0503020404020204" pitchFamily="34" charset="0"/>
+                        </a:rPr>
+                        <a:t>+ </a:t>
+                      </a:r>
+                      <a:r>
+                        <a:rPr lang="ko-KR" altLang="en-US" sz="800" u="none" strike="noStrike" dirty="0">
+                          <a:effectLst/>
+                          <a:latin typeface="Adobe Clean" panose="020B0503020404020204" pitchFamily="34" charset="0"/>
+                        </a:rPr>
+                        <a:t>가이드</a:t>
+                      </a:r>
+                      <a:endParaRPr lang="ko-KR" altLang="en-US" sz="800" b="0" i="0" u="none" strike="noStrike" dirty="0">
+                        <a:solidFill>
+                          <a:srgbClr val="000000"/>
+                        </a:solidFill>
+                        <a:effectLst/>
+                        <a:latin typeface="Adobe Clean" panose="020B0503020404020204" pitchFamily="34" charset="0"/>
+                      </a:endParaRPr>
+                    </a:p>
+                  </a:txBody>
+                  <a:tcPr marL="9525" marR="9525" marT="9525" marB="0">
+                    <a:solidFill>
+                      <a:schemeClr val="bg1"/>
+                    </a:solidFill>
+                  </a:tcPr>
+                </a:tc>
+                <a:extLst>
+                  <a:ext uri="{0D108BD9-81ED-4DB2-BD59-A6C34878D82A}">
+                    <a16:rowId xmlns:a16="http://schemas.microsoft.com/office/drawing/2014/main" val="2771767287"/>
+                  </a:ext>
+                </a:extLst>
+              </a:tr>
+            </a:tbl>
+          </a:graphicData>
+        </a:graphic>
+      </p:graphicFrame>
+      <p:graphicFrame>
+        <p:nvGraphicFramePr>
+          <p:cNvPr id="62" name="Table 61">
+            <a:extLst>
+              <a:ext uri="{FF2B5EF4-FFF2-40B4-BE49-F238E27FC236}">
+                <a16:creationId xmlns:a16="http://schemas.microsoft.com/office/drawing/2014/main" id="{008AB672-85A3-BA4C-84B5-23804D5F4380}"/>
+              </a:ext>
+            </a:extLst>
+          </p:cNvPr>
+          <p:cNvGraphicFramePr>
+            <a:graphicFrameLocks noGrp="1"/>
+          </p:cNvGraphicFramePr>
+          <p:nvPr>
+            <p:extLst>
+              <p:ext uri="{D42A27DB-BD31-4B8C-83A1-F6EECF244321}">
+                <p14:modId xmlns:p14="http://schemas.microsoft.com/office/powerpoint/2010/main" val="1948434926"/>
+              </p:ext>
+            </p:extLst>
+          </p:nvPr>
+        </p:nvGraphicFramePr>
+        <p:xfrm>
+          <a:off x="304800" y="8382000"/>
+          <a:ext cx="609600" cy="457200"/>
+        </p:xfrm>
+        <a:graphic>
+          <a:graphicData uri="http://schemas.openxmlformats.org/drawingml/2006/table">
+            <a:tbl>
+              <a:tblPr>
+                <a:tableStyleId>{5C22544A-7EE6-4342-B048-85BDC9FD1C3A}</a:tableStyleId>
+              </a:tblPr>
+              <a:tblGrid>
+                <a:gridCol w="609600">
+                  <a:extLst>
+                    <a:ext uri="{9D8B030D-6E8A-4147-A177-3AD203B41FA5}">
+                      <a16:colId xmlns:a16="http://schemas.microsoft.com/office/drawing/2014/main" val="1835503658"/>
+                    </a:ext>
+                  </a:extLst>
+                </a:gridCol>
+              </a:tblGrid>
+              <a:tr h="457200">
+                <a:tc>
+                  <a:txBody>
+                    <a:bodyPr/>
+                    <a:lstStyle/>
+                    <a:p>
+                      <a:pPr algn="ctr" fontAlgn="b"/>
+                      <a:r>
+                        <a:rPr lang="ko-KR" altLang="en-US" sz="800" u="none" strike="noStrike" dirty="0">
+                          <a:effectLst/>
+                          <a:latin typeface="Adobe Clean" panose="020B0503020404020204" pitchFamily="34" charset="0"/>
+                        </a:rPr>
+                        <a:t>프로젝트 </a:t>
+                      </a:r>
+                      <a:r>
+                        <a:rPr lang="ko-KR" altLang="en-US" sz="800" u="none" strike="noStrike" dirty="0" err="1">
+                          <a:effectLst/>
+                          <a:latin typeface="Adobe Clean" panose="020B0503020404020204" pitchFamily="34" charset="0"/>
+                        </a:rPr>
+                        <a:t>로드맵</a:t>
+                      </a:r>
+                      <a:r>
+                        <a:rPr lang="ko-KR" altLang="en-US" sz="800" u="none" strike="noStrike" dirty="0">
+                          <a:effectLst/>
+                          <a:latin typeface="Adobe Clean" panose="020B0503020404020204" pitchFamily="34" charset="0"/>
+                        </a:rPr>
+                        <a:t> </a:t>
+                      </a:r>
+                      <a:r>
+                        <a:rPr lang="en-US" altLang="ko-KR" sz="800" u="none" strike="noStrike" dirty="0">
+                          <a:effectLst/>
+                          <a:latin typeface="Adobe Clean" panose="020B0503020404020204" pitchFamily="34" charset="0"/>
+                        </a:rPr>
+                        <a:t>+ </a:t>
+                      </a:r>
+                      <a:r>
+                        <a:rPr lang="ko-KR" altLang="en-US" sz="800" u="none" strike="noStrike" dirty="0">
+                          <a:effectLst/>
+                          <a:latin typeface="Adobe Clean" panose="020B0503020404020204" pitchFamily="34" charset="0"/>
+                        </a:rPr>
+                        <a:t>계획 수립</a:t>
+                      </a:r>
+                      <a:endParaRPr lang="ko-KR" altLang="en-US" sz="800" b="0" i="0" u="none" strike="noStrike" dirty="0">
+                        <a:solidFill>
+                          <a:srgbClr val="000000"/>
+                        </a:solidFill>
+                        <a:effectLst/>
+                        <a:latin typeface="Adobe Clean" panose="020B0503020404020204" pitchFamily="34" charset="0"/>
+                      </a:endParaRPr>
+                    </a:p>
+                  </a:txBody>
+                  <a:tcPr marL="9525" marR="9525" marT="9525" marB="0">
+                    <a:solidFill>
+                      <a:schemeClr val="bg1"/>
+                    </a:solidFill>
+                  </a:tcPr>
+                </a:tc>
+                <a:extLst>
+                  <a:ext uri="{0D108BD9-81ED-4DB2-BD59-A6C34878D82A}">
+                    <a16:rowId xmlns:a16="http://schemas.microsoft.com/office/drawing/2014/main" val="2771767287"/>
+                  </a:ext>
+                </a:extLst>
+              </a:tr>
+            </a:tbl>
+          </a:graphicData>
+        </a:graphic>
+      </p:graphicFrame>
+      <p:graphicFrame>
+        <p:nvGraphicFramePr>
+          <p:cNvPr id="69" name="Table 68">
+            <a:extLst>
+              <a:ext uri="{FF2B5EF4-FFF2-40B4-BE49-F238E27FC236}">
+                <a16:creationId xmlns:a16="http://schemas.microsoft.com/office/drawing/2014/main" id="{6870FE33-279D-CC49-BD44-B255BAC35152}"/>
+              </a:ext>
+            </a:extLst>
+          </p:cNvPr>
+          <p:cNvGraphicFramePr>
+            <a:graphicFrameLocks noGrp="1"/>
+          </p:cNvGraphicFramePr>
+          <p:nvPr>
+            <p:extLst>
+              <p:ext uri="{D42A27DB-BD31-4B8C-83A1-F6EECF244321}">
+                <p14:modId xmlns:p14="http://schemas.microsoft.com/office/powerpoint/2010/main" val="2416758960"/>
+              </p:ext>
+            </p:extLst>
+          </p:nvPr>
+        </p:nvGraphicFramePr>
+        <p:xfrm>
+          <a:off x="609600" y="7239000"/>
+          <a:ext cx="609600" cy="457200"/>
+        </p:xfrm>
+        <a:graphic>
+          <a:graphicData uri="http://schemas.openxmlformats.org/drawingml/2006/table">
+            <a:tbl>
+              <a:tblPr>
+                <a:tableStyleId>{5C22544A-7EE6-4342-B048-85BDC9FD1C3A}</a:tableStyleId>
+              </a:tblPr>
+              <a:tblGrid>
+                <a:gridCol w="609600">
+                  <a:extLst>
+                    <a:ext uri="{9D8B030D-6E8A-4147-A177-3AD203B41FA5}">
+                      <a16:colId xmlns:a16="http://schemas.microsoft.com/office/drawing/2014/main" val="1835503658"/>
+                    </a:ext>
+                  </a:extLst>
+                </a:gridCol>
+              </a:tblGrid>
+              <a:tr h="457200">
+                <a:tc>
+                  <a:txBody>
+                    <a:bodyPr/>
+                    <a:lstStyle/>
+                    <a:p>
+                      <a:pPr algn="ctr" fontAlgn="b"/>
+                      <a:r>
+                        <a:rPr lang="ko-KR" altLang="en-US" sz="800" u="none" strike="noStrike" dirty="0">
+                          <a:effectLst/>
+                          <a:latin typeface="Adobe Clean" panose="020B0503020404020204" pitchFamily="34" charset="0"/>
+                        </a:rPr>
+                        <a:t>수천 번의 배포를 통한 경험 </a:t>
+                      </a:r>
+                      <a:r>
+                        <a:rPr lang="en-US" altLang="ko-KR" sz="800" u="none" strike="noStrike" dirty="0">
+                          <a:effectLst/>
+                          <a:latin typeface="Adobe Clean" panose="020B0503020404020204" pitchFamily="34" charset="0"/>
+                        </a:rPr>
+                        <a:t>+ </a:t>
+                      </a:r>
+                      <a:r>
+                        <a:rPr lang="ko-KR" altLang="en-US" sz="800" u="none" strike="noStrike" dirty="0">
+                          <a:effectLst/>
+                          <a:latin typeface="Adobe Clean" panose="020B0503020404020204" pitchFamily="34" charset="0"/>
+                        </a:rPr>
+                        <a:t>통합</a:t>
+                      </a:r>
+                      <a:endParaRPr lang="ko-KR" altLang="en-US" sz="800" b="0" i="0" u="none" strike="noStrike" dirty="0">
+                        <a:solidFill>
+                          <a:srgbClr val="000000"/>
+                        </a:solidFill>
+                        <a:effectLst/>
+                        <a:latin typeface="Adobe Clean" panose="020B0503020404020204" pitchFamily="34" charset="0"/>
+                      </a:endParaRPr>
+                    </a:p>
+                  </a:txBody>
+                  <a:tcPr marL="9525" marR="9525" marT="9525" marB="0">
+                    <a:solidFill>
+                      <a:schemeClr val="bg1"/>
+                    </a:solidFill>
+                  </a:tcPr>
+                </a:tc>
+                <a:extLst>
+                  <a:ext uri="{0D108BD9-81ED-4DB2-BD59-A6C34878D82A}">
+                    <a16:rowId xmlns:a16="http://schemas.microsoft.com/office/drawing/2014/main" val="2771767287"/>
+                  </a:ext>
+                </a:extLst>
+              </a:tr>
+            </a:tbl>
+          </a:graphicData>
+        </a:graphic>
+      </p:graphicFrame>
     </p:spTree>
     <p:extLst>
       <p:ext uri="{BB962C8B-B14F-4D97-AF65-F5344CB8AC3E}">
@@ -15352,17 +14567,17 @@
               </a:lnSpc>
             </a:pPr>
             <a:r>
-              <a:rPr sz="500" spc="-5">
+              <a:rPr lang="de-de" sz="500" spc="-5" dirty="0">
                 <a:solidFill>
                   <a:srgbClr val="6C6C6C"/>
                 </a:solidFill>
                 <a:latin typeface="Adobe Clean"/>
                 <a:cs typeface="Adobe Clean"/>
               </a:rPr>
-              <a:t>©2020 Adobe. All Rights Reserved. </a:t>
-            </a:r>
-            <a:r>
-              <a:rPr sz="500">
+              <a:t>© 2020 Adobe.  All Rights Reserved. </a:t>
+            </a:r>
+            <a:r>
+              <a:rPr lang="de-de" sz="500" dirty="0">
                 <a:solidFill>
                   <a:srgbClr val="6C6C6C"/>
                 </a:solidFill>
@@ -15372,7 +14587,7 @@
               <a:t>Adobe</a:t>
             </a:r>
             <a:r>
-              <a:rPr sz="500" spc="5">
+              <a:rPr lang="de-de" sz="500" spc="5" dirty="0">
                 <a:solidFill>
                   <a:srgbClr val="6C6C6C"/>
                 </a:solidFill>
@@ -15382,14 +14597,14 @@
               <a:t> </a:t>
             </a:r>
             <a:r>
-              <a:rPr sz="500" spc="-5">
+              <a:rPr lang="de-de" sz="500" spc="-5" dirty="0">
                 <a:solidFill>
                   <a:srgbClr val="6C6C6C"/>
                 </a:solidFill>
                 <a:latin typeface="Adobe Clean"/>
                 <a:cs typeface="Adobe Clean"/>
               </a:rPr>
-              <a:t>Confidential.</a:t>
+              <a:t>기밀.</a:t>
             </a:r>
             <a:endParaRPr sz="500">
               <a:latin typeface="Adobe Clean"/>
@@ -15420,17 +14635,17 @@
               </a:spcBef>
             </a:pPr>
             <a:r>
-              <a:rPr sz="800" spc="-5">
+              <a:rPr lang="de-de" sz="800" spc="-5" dirty="0">
                 <a:solidFill>
                   <a:srgbClr val="6D6D6D"/>
                 </a:solidFill>
                 <a:latin typeface="Adobe Clean"/>
                 <a:cs typeface="Adobe Clean"/>
               </a:rPr>
-              <a:t>©2020 Adobe. All Rights Reserved. Adobe</a:t>
-            </a:r>
-            <a:r>
-              <a:rPr sz="800" spc="75">
+              <a:t>© 2020 Adobe.  All Rights Reserved. Adobe</a:t>
+            </a:r>
+            <a:r>
+              <a:rPr lang="de-de" sz="800" spc="75" dirty="0">
                 <a:solidFill>
                   <a:srgbClr val="6D6D6D"/>
                 </a:solidFill>
@@ -15440,14 +14655,14 @@
               <a:t> </a:t>
             </a:r>
             <a:r>
-              <a:rPr sz="800" spc="-5">
+              <a:rPr lang="de-de" sz="800" spc="-5" dirty="0">
                 <a:solidFill>
                   <a:srgbClr val="6D6D6D"/>
                 </a:solidFill>
                 <a:latin typeface="Adobe Clean"/>
                 <a:cs typeface="Adobe Clean"/>
               </a:rPr>
-              <a:t>Confidential.</a:t>
+              <a:t>기밀.</a:t>
             </a:r>
             <a:endParaRPr sz="800">
               <a:latin typeface="Adobe Clean"/>
@@ -15536,16 +14751,16 @@
               </a:spcBef>
             </a:pPr>
             <a:r>
-              <a:rPr lang="en-US" sz="1400" b="1" spc="-15">
+              <a:rPr lang="de-de" sz="1400" b="1" spc="-15" dirty="0">
                 <a:solidFill>
                   <a:srgbClr val="020302"/>
                 </a:solidFill>
                 <a:latin typeface="Adobe Clean"/>
                 <a:cs typeface="Adobe Clean"/>
               </a:rPr>
-              <a:t>Resources</a:t>
-            </a:r>
-            <a:endParaRPr sz="1400">
+              <a:t>리소스</a:t>
+            </a:r>
+            <a:endParaRPr sz="1400" dirty="0">
               <a:latin typeface="Adobe Clean"/>
               <a:cs typeface="Adobe Clean"/>
             </a:endParaRPr>
@@ -15582,7 +14797,7 @@
               </a:spcBef>
             </a:pPr>
             <a:r>
-              <a:rPr sz="800" spc="-15">
+              <a:rPr lang="de-de" sz="800" spc="-15" dirty="0">
                 <a:solidFill>
                   <a:srgbClr val="777879"/>
                 </a:solidFill>
@@ -15603,7 +14818,7 @@
               </a:lnSpc>
             </a:pPr>
             <a:r>
-              <a:rPr sz="800" spc="-15">
+              <a:rPr lang="de-de" sz="800" spc="-15" dirty="0">
                 <a:solidFill>
                   <a:srgbClr val="777879"/>
                 </a:solidFill>
@@ -15613,7 +14828,7 @@
               <a:t>345 Park</a:t>
             </a:r>
             <a:r>
-              <a:rPr sz="800" spc="-100">
+              <a:rPr lang="de-de" sz="800" spc="-100" dirty="0">
                 <a:solidFill>
                   <a:srgbClr val="777879"/>
                 </a:solidFill>
@@ -15623,7 +14838,7 @@
               <a:t> </a:t>
             </a:r>
             <a:r>
-              <a:rPr sz="800" spc="-15">
+              <a:rPr lang="de-de" sz="800" spc="-15" dirty="0">
                 <a:solidFill>
                   <a:srgbClr val="777879"/>
                 </a:solidFill>
@@ -15644,7 +14859,7 @@
               </a:lnSpc>
             </a:pPr>
             <a:r>
-              <a:rPr sz="800" spc="-10">
+              <a:rPr lang="de-de" sz="800" spc="-10" dirty="0">
                 <a:solidFill>
                   <a:srgbClr val="777879"/>
                 </a:solidFill>
@@ -15654,7 +14869,7 @@
               <a:t>San </a:t>
             </a:r>
             <a:r>
-              <a:rPr sz="800" spc="-15">
+              <a:rPr lang="de-de" sz="800" spc="-15" dirty="0">
                 <a:solidFill>
                   <a:srgbClr val="777879"/>
                 </a:solidFill>
@@ -15664,7 +14879,7 @@
               <a:t>Jose,</a:t>
             </a:r>
             <a:r>
-              <a:rPr sz="800" spc="-140">
+              <a:rPr lang="de-de" sz="800" spc="-140" dirty="0">
                 <a:solidFill>
                   <a:srgbClr val="777879"/>
                 </a:solidFill>
@@ -15674,7 +14889,7 @@
               <a:t> </a:t>
             </a:r>
             <a:r>
-              <a:rPr sz="800" spc="-20">
+              <a:rPr lang="de-de" sz="800" spc="-20" dirty="0">
                 <a:solidFill>
                   <a:srgbClr val="777879"/>
                 </a:solidFill>
@@ -15698,7 +14913,7 @@
               </a:spcBef>
             </a:pPr>
             <a:r>
-              <a:rPr sz="800" spc="-10">
+              <a:rPr lang="de-de" sz="800" spc="-10" dirty="0">
                 <a:solidFill>
                   <a:srgbClr val="777879"/>
                 </a:solidFill>
@@ -15722,7 +14937,7 @@
               </a:spcBef>
             </a:pPr>
             <a:r>
-              <a:rPr sz="800" u="sng" spc="-25">
+              <a:rPr lang="de-de" sz="800" u="sng" spc="-25" dirty="0">
                 <a:solidFill>
                   <a:srgbClr val="5F5F5F"/>
                 </a:solidFill>
@@ -15735,7 +14950,7 @@
                 <a:cs typeface="Adobe Clean"/>
                 <a:hlinkClick r:id="rId3"/>
               </a:rPr>
-              <a:t>www.adobe.com</a:t>
+              <a:t>www.adobe.com/kr/</a:t>
             </a:r>
             <a:endParaRPr sz="800">
               <a:latin typeface="Adobe Clean"/>
@@ -15915,17 +15130,17 @@
               </a:spcBef>
             </a:pPr>
             <a:r>
-              <a:rPr sz="1100" i="1" spc="-10">
+              <a:rPr lang="de-de" sz="1100" i="1" spc="-10" dirty="0">
                 <a:solidFill>
                   <a:srgbClr val="777879"/>
                 </a:solidFill>
                 <a:latin typeface="AdobeClean-LightIt"/>
                 <a:cs typeface="AdobeClean-LightIt"/>
               </a:rPr>
-              <a:t>To</a:t>
-            </a:r>
-            <a:r>
-              <a:rPr sz="1100" i="1" spc="-50">
+              <a:t>Adobe</a:t>
+            </a:r>
+            <a:r>
+              <a:rPr lang="de-de" sz="1100" i="1" spc="-50" dirty="0">
                 <a:solidFill>
                   <a:srgbClr val="777879"/>
                 </a:solidFill>
@@ -15935,17 +15150,17 @@
               <a:t> </a:t>
             </a:r>
             <a:r>
-              <a:rPr sz="1100" i="1" spc="-15">
+              <a:rPr lang="de-de" sz="1100" i="1" spc="-15" dirty="0">
                 <a:solidFill>
                   <a:srgbClr val="777879"/>
                 </a:solidFill>
                 <a:latin typeface="AdobeClean-LightIt"/>
                 <a:cs typeface="AdobeClean-LightIt"/>
               </a:rPr>
-              <a:t>learn</a:t>
-            </a:r>
-            <a:r>
-              <a:rPr sz="1100" i="1" spc="-40">
+              <a:t>지원</a:t>
+            </a:r>
+            <a:r>
+              <a:rPr lang="de-de" sz="1100" i="1" spc="-40" dirty="0">
                 <a:solidFill>
                   <a:srgbClr val="777879"/>
                 </a:solidFill>
@@ -15955,17 +15170,17 @@
               <a:t> </a:t>
             </a:r>
             <a:r>
-              <a:rPr sz="1100" i="1" spc="-15">
+              <a:rPr lang="de-de" sz="1100" i="1" spc="-15" dirty="0">
                 <a:solidFill>
                   <a:srgbClr val="777879"/>
                 </a:solidFill>
                 <a:latin typeface="AdobeClean-LightIt"/>
                 <a:cs typeface="AdobeClean-LightIt"/>
               </a:rPr>
-              <a:t>more</a:t>
-            </a:r>
-            <a:r>
-              <a:rPr sz="1100" i="1" spc="-45">
+              <a:t>서비스</a:t>
+            </a:r>
+            <a:r>
+              <a:rPr lang="de-de" sz="1100" i="1" spc="-45" dirty="0">
                 <a:solidFill>
                   <a:srgbClr val="777879"/>
                 </a:solidFill>
@@ -15975,17 +15190,17 @@
               <a:t> </a:t>
             </a:r>
             <a:r>
-              <a:rPr sz="1100" i="1" spc="-15">
+              <a:rPr lang="de-de" sz="1100" i="1" spc="-15" dirty="0">
                 <a:solidFill>
                   <a:srgbClr val="777879"/>
                 </a:solidFill>
                 <a:latin typeface="AdobeClean-LightIt"/>
                 <a:cs typeface="AdobeClean-LightIt"/>
               </a:rPr>
-              <a:t>about</a:t>
-            </a:r>
-            <a:r>
-              <a:rPr sz="1100" i="1" spc="-45">
+              <a:t>제공</a:t>
+            </a:r>
+            <a:r>
+              <a:rPr lang="de-de" sz="1100" i="1" spc="-45" dirty="0">
                 <a:solidFill>
                   <a:srgbClr val="777879"/>
                 </a:solidFill>
@@ -15995,17 +15210,17 @@
               <a:t> </a:t>
             </a:r>
             <a:r>
-              <a:rPr sz="1100" i="1" spc="-15">
+              <a:rPr lang="de-de" sz="1100" i="1" spc="-15" dirty="0">
                 <a:solidFill>
                   <a:srgbClr val="777879"/>
                 </a:solidFill>
                 <a:latin typeface="AdobeClean-LightIt"/>
                 <a:cs typeface="AdobeClean-LightIt"/>
               </a:rPr>
-              <a:t>Adobe</a:t>
-            </a:r>
-            <a:r>
-              <a:rPr sz="1100" i="1" spc="-60">
+              <a:t>사항</a:t>
+            </a:r>
+            <a:r>
+              <a:rPr lang="de-de" sz="1100" i="1" spc="-60" dirty="0">
                 <a:solidFill>
                   <a:srgbClr val="777879"/>
                 </a:solidFill>
@@ -16015,27 +15230,27 @@
               <a:t> </a:t>
             </a:r>
             <a:r>
-              <a:rPr sz="1100" i="1" spc="-15">
+              <a:rPr lang="de-de" sz="1100" i="1" spc="-15" dirty="0">
                 <a:solidFill>
                   <a:srgbClr val="777879"/>
                 </a:solidFill>
                 <a:latin typeface="AdobeClean-LightIt"/>
                 <a:cs typeface="AdobeClean-LightIt"/>
               </a:rPr>
-              <a:t>Support</a:t>
-            </a:r>
-            <a:r>
-              <a:rPr lang="en-US" sz="1100" i="1" spc="-15">
+              <a:t>및 </a:t>
+            </a:r>
+            <a:r>
+              <a:rPr lang="de-de" sz="1100" i="1" spc="-75" dirty="0">
                 <a:solidFill>
                   <a:srgbClr val="777879"/>
                 </a:solidFill>
                 <a:latin typeface="AdobeClean-LightIt"/>
                 <a:cs typeface="AdobeClean-LightIt"/>
               </a:rPr>
-              <a:t> Offerings</a:t>
-            </a:r>
-            <a:r>
-              <a:rPr sz="1100" i="1" spc="-75">
+              <a:t>적합한</a:t>
+            </a:r>
+            <a:r>
+              <a:rPr lang="de-de" sz="1100" i="1" spc="-15" dirty="0">
                 <a:solidFill>
                   <a:srgbClr val="777879"/>
                 </a:solidFill>
@@ -16045,17 +15260,17 @@
               <a:t> </a:t>
             </a:r>
             <a:r>
-              <a:rPr sz="1100" i="1" spc="-15">
+              <a:rPr lang="de-de" sz="1100" i="1" spc="-50" dirty="0">
                 <a:solidFill>
                   <a:srgbClr val="777879"/>
                 </a:solidFill>
                 <a:latin typeface="AdobeClean-LightIt"/>
                 <a:cs typeface="AdobeClean-LightIt"/>
               </a:rPr>
-              <a:t>and</a:t>
-            </a:r>
-            <a:r>
-              <a:rPr sz="1100" i="1" spc="-50">
+              <a:t>지원</a:t>
+            </a:r>
+            <a:r>
+              <a:rPr lang="de-de" sz="1100" i="1" spc="-15" dirty="0">
                 <a:solidFill>
                   <a:srgbClr val="777879"/>
                 </a:solidFill>
@@ -16065,17 +15280,17 @@
               <a:t> </a:t>
             </a:r>
             <a:r>
-              <a:rPr sz="1100" i="1" spc="-15">
+              <a:rPr lang="de-de" sz="1100" i="1" spc="-55" dirty="0">
                 <a:solidFill>
                   <a:srgbClr val="777879"/>
                 </a:solidFill>
                 <a:latin typeface="AdobeClean-LightIt"/>
                 <a:cs typeface="AdobeClean-LightIt"/>
               </a:rPr>
-              <a:t>the</a:t>
-            </a:r>
-            <a:r>
-              <a:rPr sz="1100" i="1" spc="-55">
+              <a:t>수준에</a:t>
+            </a:r>
+            <a:r>
+              <a:rPr lang="de-de" sz="1100" i="1" spc="-15" dirty="0">
                 <a:solidFill>
                   <a:srgbClr val="777879"/>
                 </a:solidFill>
@@ -16085,17 +15300,17 @@
               <a:t> </a:t>
             </a:r>
             <a:r>
-              <a:rPr sz="1100" i="1" spc="-15">
+              <a:rPr lang="de-de" sz="1100" i="1" spc="-95" dirty="0">
                 <a:solidFill>
                   <a:srgbClr val="777879"/>
                 </a:solidFill>
                 <a:latin typeface="AdobeClean-LightIt"/>
                 <a:cs typeface="AdobeClean-LightIt"/>
               </a:rPr>
-              <a:t>right</a:t>
-            </a:r>
-            <a:r>
-              <a:rPr sz="1100" i="1" spc="-95">
+              <a:t>대해</a:t>
+            </a:r>
+            <a:r>
+              <a:rPr lang="de-de" sz="1100" i="1" spc="-15" dirty="0">
                 <a:solidFill>
                   <a:srgbClr val="777879"/>
                 </a:solidFill>
@@ -16105,17 +15320,17 @@
               <a:t> </a:t>
             </a:r>
             <a:r>
-              <a:rPr sz="1100" i="1" spc="-15">
+              <a:rPr lang="de-de" sz="1100" i="1" spc="-55" dirty="0">
                 <a:solidFill>
                   <a:srgbClr val="777879"/>
                 </a:solidFill>
                 <a:latin typeface="AdobeClean-LightIt"/>
                 <a:cs typeface="AdobeClean-LightIt"/>
               </a:rPr>
-              <a:t>level</a:t>
-            </a:r>
-            <a:r>
-              <a:rPr sz="1100" i="1" spc="-55">
+              <a:t>자세히</a:t>
+            </a:r>
+            <a:r>
+              <a:rPr lang="de-de" sz="1100" i="1" spc="-15" dirty="0">
                 <a:solidFill>
                   <a:srgbClr val="777879"/>
                 </a:solidFill>
@@ -16125,17 +15340,17 @@
               <a:t> </a:t>
             </a:r>
             <a:r>
-              <a:rPr sz="1100" i="1" spc="-15">
+              <a:rPr lang="de-de" sz="1100" i="1" spc="-85" dirty="0">
                 <a:solidFill>
                   <a:srgbClr val="777879"/>
                 </a:solidFill>
                 <a:latin typeface="AdobeClean-LightIt"/>
                 <a:cs typeface="AdobeClean-LightIt"/>
               </a:rPr>
-              <a:t>for</a:t>
-            </a:r>
-            <a:r>
-              <a:rPr sz="1100" i="1" spc="-85">
+              <a:t>알아보려면</a:t>
+            </a:r>
+            <a:r>
+              <a:rPr lang="de-de" sz="1100" i="1" spc="-15" dirty="0">
                 <a:solidFill>
                   <a:srgbClr val="777879"/>
                 </a:solidFill>
@@ -16145,17 +15360,17 @@
               <a:t> </a:t>
             </a:r>
             <a:r>
-              <a:rPr sz="1100" i="1" spc="-15">
+              <a:rPr lang="de-de" sz="1100" i="1" spc="-65" dirty="0">
                 <a:solidFill>
                   <a:srgbClr val="777879"/>
                 </a:solidFill>
                 <a:latin typeface="AdobeClean-LightIt"/>
                 <a:cs typeface="AdobeClean-LightIt"/>
               </a:rPr>
-              <a:t>you,</a:t>
-            </a:r>
-            <a:r>
-              <a:rPr sz="1100" i="1" spc="-65">
+              <a:t>지정</a:t>
+            </a:r>
+            <a:r>
+              <a:rPr lang="de-de" sz="1100" i="1" spc="-15" dirty="0">
                 <a:solidFill>
                   <a:srgbClr val="777879"/>
                 </a:solidFill>
@@ -16165,17 +15380,17 @@
               <a:t> </a:t>
             </a:r>
             <a:r>
-              <a:rPr sz="1100" i="1" spc="-15">
+              <a:rPr lang="de-de" sz="1100" i="1" spc="-85" dirty="0">
                 <a:solidFill>
                   <a:srgbClr val="777879"/>
                 </a:solidFill>
                 <a:latin typeface="AdobeClean-LightIt"/>
                 <a:cs typeface="AdobeClean-LightIt"/>
               </a:rPr>
-              <a:t>contact</a:t>
-            </a:r>
-            <a:r>
-              <a:rPr sz="1100" i="1" spc="-85">
+              <a:t>계정</a:t>
+            </a:r>
+            <a:r>
+              <a:rPr lang="de-de" sz="1100" i="1" spc="-15" dirty="0">
                 <a:solidFill>
                   <a:srgbClr val="777879"/>
                 </a:solidFill>
@@ -16185,17 +15400,17 @@
               <a:t> </a:t>
             </a:r>
             <a:r>
-              <a:rPr sz="1100" i="1" spc="-15">
+              <a:rPr lang="de-de" sz="1100" i="1" spc="-70" dirty="0">
                 <a:solidFill>
                   <a:srgbClr val="777879"/>
                 </a:solidFill>
                 <a:latin typeface="AdobeClean-LightIt"/>
                 <a:cs typeface="AdobeClean-LightIt"/>
               </a:rPr>
-              <a:t>your</a:t>
-            </a:r>
-            <a:r>
-              <a:rPr sz="1100" i="1" spc="-70">
+              <a:t>관리자(NAM)</a:t>
+            </a:r>
+            <a:r>
+              <a:rPr lang="de-de" sz="1100" i="1" spc="-15" dirty="0">
                 <a:solidFill>
                   <a:srgbClr val="777879"/>
                 </a:solidFill>
@@ -16205,17 +15420,17 @@
               <a:t> </a:t>
             </a:r>
             <a:r>
-              <a:rPr sz="1100" i="1" spc="-15">
+              <a:rPr lang="de-de" sz="1100" i="1" spc="-55" dirty="0">
                 <a:solidFill>
                   <a:srgbClr val="777879"/>
                 </a:solidFill>
                 <a:latin typeface="AdobeClean-LightIt"/>
                 <a:cs typeface="AdobeClean-LightIt"/>
               </a:rPr>
-              <a:t>Named</a:t>
-            </a:r>
-            <a:r>
-              <a:rPr sz="1100" i="1" spc="-55">
+              <a:t>또는</a:t>
+            </a:r>
+            <a:r>
+              <a:rPr lang="de-de" sz="1100" i="1" spc="-25" dirty="0">
                 <a:solidFill>
                   <a:srgbClr val="777879"/>
                 </a:solidFill>
@@ -16225,17 +15440,17 @@
               <a:t> </a:t>
             </a:r>
             <a:r>
-              <a:rPr sz="1100" i="1" spc="-25">
+              <a:rPr lang="de-de" sz="1100" i="1" spc="-120" dirty="0">
                 <a:solidFill>
                   <a:srgbClr val="777879"/>
                 </a:solidFill>
                 <a:latin typeface="AdobeClean-LightIt"/>
                 <a:cs typeface="AdobeClean-LightIt"/>
               </a:rPr>
-              <a:t>Account</a:t>
-            </a:r>
-            <a:r>
-              <a:rPr sz="1100" i="1" spc="-120">
+              <a:t>고객</a:t>
+            </a:r>
+            <a:r>
+              <a:rPr lang="de-de" sz="1100" i="1" spc="-20" dirty="0">
                 <a:solidFill>
                   <a:srgbClr val="777879"/>
                 </a:solidFill>
@@ -16245,96 +15460,56 @@
               <a:t> </a:t>
             </a:r>
             <a:r>
-              <a:rPr sz="1100" i="1" spc="-20">
+              <a:rPr lang="de-de" sz="1100" i="1" spc="-15" dirty="0">
                 <a:solidFill>
                   <a:srgbClr val="777879"/>
                 </a:solidFill>
                 <a:latin typeface="AdobeClean-LightIt"/>
                 <a:cs typeface="AdobeClean-LightIt"/>
               </a:rPr>
-              <a:t>Manager  </a:t>
-            </a:r>
-            <a:r>
-              <a:rPr sz="1100" i="1" spc="-15">
+              <a:t>성공</a:t>
+            </a:r>
+            <a:r>
+              <a:rPr lang="de-de" sz="1100" i="1" spc="-10" dirty="0">
                 <a:solidFill>
                   <a:srgbClr val="777879"/>
                 </a:solidFill>
                 <a:latin typeface="AdobeClean-LightIt"/>
                 <a:cs typeface="AdobeClean-LightIt"/>
               </a:rPr>
-              <a:t>(NAM) </a:t>
-            </a:r>
-            <a:r>
-              <a:rPr sz="1100" i="1" spc="-10">
+              <a:t> </a:t>
+            </a:r>
+            <a:r>
+              <a:rPr lang="de-de" sz="1100" i="1" spc="-15" dirty="0">
                 <a:solidFill>
                   <a:srgbClr val="777879"/>
                 </a:solidFill>
                 <a:latin typeface="AdobeClean-LightIt"/>
                 <a:cs typeface="AdobeClean-LightIt"/>
               </a:rPr>
-              <a:t>or </a:t>
-            </a:r>
-            <a:r>
-              <a:rPr sz="1100" i="1" spc="-15">
+              <a:t>관리자(CSM)에게</a:t>
+            </a:r>
+            <a:r>
+              <a:rPr lang="de-de" sz="1100" i="1" spc="-20" dirty="0">
                 <a:solidFill>
                   <a:srgbClr val="777879"/>
                 </a:solidFill>
                 <a:latin typeface="AdobeClean-LightIt"/>
                 <a:cs typeface="AdobeClean-LightIt"/>
               </a:rPr>
-              <a:t>Customer </a:t>
-            </a:r>
-            <a:r>
-              <a:rPr sz="1100" i="1" spc="-20">
+              <a:t> </a:t>
+            </a:r>
+            <a:r>
+              <a:rPr lang="de-de" sz="1100" i="1" spc="-180" dirty="0">
                 <a:solidFill>
                   <a:srgbClr val="777879"/>
                 </a:solidFill>
                 <a:latin typeface="AdobeClean-LightIt"/>
                 <a:cs typeface="AdobeClean-LightIt"/>
               </a:rPr>
-              <a:t>Success</a:t>
-            </a:r>
-            <a:r>
-              <a:rPr sz="1100" i="1" spc="-180">
-                <a:solidFill>
-                  <a:srgbClr val="777879"/>
-                </a:solidFill>
-                <a:latin typeface="AdobeClean-LightIt"/>
-                <a:cs typeface="AdobeClean-LightIt"/>
-              </a:rPr>
-              <a:t> </a:t>
-            </a:r>
-            <a:r>
-              <a:rPr sz="1100" i="1" spc="-15">
-                <a:solidFill>
-                  <a:srgbClr val="777879"/>
-                </a:solidFill>
-                <a:latin typeface="AdobeClean-LightIt"/>
-                <a:cs typeface="AdobeClean-LightIt"/>
-              </a:rPr>
-              <a:t>Manager</a:t>
-            </a:r>
-            <a:r>
-              <a:rPr lang="en-US" sz="1100" i="1" spc="-15">
-                <a:solidFill>
-                  <a:srgbClr val="777879"/>
-                </a:solidFill>
-                <a:latin typeface="AdobeClean-LightIt"/>
-                <a:cs typeface="AdobeClean-LightIt"/>
-              </a:rPr>
-              <a:t> </a:t>
-            </a:r>
-            <a:r>
-              <a:rPr sz="1100" i="1" spc="-15">
-                <a:solidFill>
-                  <a:srgbClr val="777879"/>
-                </a:solidFill>
-                <a:latin typeface="AdobeClean-LightIt"/>
-                <a:cs typeface="AdobeClean-LightIt"/>
-              </a:rPr>
-              <a:t>(CSM)</a:t>
-            </a:r>
-            <a:endParaRPr sz="1100">
+              <a:t>문의하십시오.</a:t>
+            </a:r>
+            <a:endParaRPr sz="1100" dirty="0">
               <a:latin typeface="AdobeClean-LightIt"/>
               <a:cs typeface="AdobeClean-LightIt"/>
             </a:endParaRPr>
@@ -16349,56 +15524,36 @@
               </a:spcBef>
             </a:pPr>
             <a:r>
-              <a:rPr sz="800" spc="-5">
+              <a:rPr lang="de-de" sz="800" spc="-5" dirty="0">
                 <a:solidFill>
                   <a:srgbClr val="6D6D6D"/>
                 </a:solidFill>
                 <a:latin typeface="Adobe Clean"/>
                 <a:cs typeface="Adobe Clean"/>
               </a:rPr>
-              <a:t>©202</a:t>
-            </a:r>
-            <a:r>
-              <a:rPr lang="en-US" sz="800" spc="-5">
+              <a:t>©2021 Adobe. All Rights Reserved. Adobe</a:t>
+            </a:r>
+            <a:r>
+              <a:rPr lang="de-de" sz="800" spc="75" dirty="0">
                 <a:solidFill>
                   <a:srgbClr val="6D6D6D"/>
                 </a:solidFill>
                 <a:latin typeface="Adobe Clean"/>
                 <a:cs typeface="Adobe Clean"/>
               </a:rPr>
-              <a:t>1</a:t>
-            </a:r>
-            <a:r>
-              <a:rPr sz="800" spc="-5">
+              <a:t> </a:t>
+            </a:r>
+            <a:r>
+              <a:rPr lang="de-de" sz="800" spc="-5" dirty="0">
                 <a:solidFill>
                   <a:srgbClr val="6D6D6D"/>
                 </a:solidFill>
                 <a:latin typeface="Adobe Clean"/>
                 <a:cs typeface="Adobe Clean"/>
               </a:rPr>
-              <a:t> Adobe. All Rights Reserved. Adobe</a:t>
-            </a:r>
-            <a:r>
-              <a:rPr sz="800" spc="75">
-                <a:solidFill>
-                  <a:srgbClr val="6D6D6D"/>
-                </a:solidFill>
-                <a:latin typeface="Adobe Clean"/>
-                <a:cs typeface="Adobe Clean"/>
-              </a:rPr>
-              <a:t> </a:t>
-            </a:r>
-            <a:r>
-              <a:rPr sz="800" spc="-5">
-                <a:solidFill>
-                  <a:srgbClr val="6D6D6D"/>
-                </a:solidFill>
-                <a:latin typeface="Adobe Clean"/>
-                <a:cs typeface="Adobe Clean"/>
-              </a:rPr>
-              <a:t>Confidential.</a:t>
-            </a:r>
-            <a:endParaRPr sz="800">
+              <a:t>기밀.</a:t>
+            </a:r>
+            <a:endParaRPr sz="800" dirty="0">
               <a:latin typeface="Adobe Clean"/>
               <a:cs typeface="Adobe Clean"/>
             </a:endParaRPr>
@@ -16419,55 +15574,163 @@
         </p:nvSpPr>
         <p:spPr>
           <a:xfrm>
-            <a:off x="184181" y="4900727"/>
-            <a:ext cx="7396804" cy="769030"/>
+            <a:off x="171129" y="5057379"/>
+            <a:ext cx="6476646" cy="755976"/>
           </a:xfrm>
           <a:prstGeom prst="rect">
             <a:avLst/>
           </a:prstGeom>
         </p:spPr>
         <p:txBody>
-          <a:bodyPr vert="horz" wrap="square" lIns="0" tIns="116205" rIns="0" bIns="0" rtlCol="0" anchor="t">
+          <a:bodyPr vert="horz" wrap="square" lIns="0" tIns="116205" rIns="0" bIns="0" rtlCol="0">
             <a:spAutoFit/>
           </a:bodyPr>
           <a:lstStyle/>
           <a:p>
-            <a:pPr>
+            <a:pPr lvl="0">
               <a:spcBef>
                 <a:spcPts val="915"/>
               </a:spcBef>
             </a:pPr>
             <a:r>
-              <a:rPr lang="en-US" sz="1400" b="1" spc="-15">
+              <a:rPr lang="en-US" altLang="ko-KR" sz="1400" b="1" spc="-15" dirty="0">
                 <a:solidFill>
                   <a:srgbClr val="020302"/>
                 </a:solidFill>
                 <a:latin typeface="Adobe Clean"/>
                 <a:cs typeface="Adobe Clean"/>
               </a:rPr>
-              <a:t>Regional scope of Adobe Support, Local Hours Of Operation And Language Support</a:t>
-            </a:r>
-            <a:endParaRPr lang="en-US" sz="1400" spc="-15">
-              <a:ea typeface="+mn-lt"/>
-              <a:cs typeface="+mn-lt"/>
+              <a:t>Adobe </a:t>
+            </a:r>
+            <a:r>
+              <a:rPr lang="ko-KR" altLang="en-US" sz="1400" b="1" spc="-15" dirty="0">
+                <a:solidFill>
+                  <a:srgbClr val="020302"/>
+                </a:solidFill>
+                <a:latin typeface="Adobe Clean"/>
+                <a:cs typeface="Adobe Clean"/>
+              </a:rPr>
+              <a:t>지원의 지역적 범위</a:t>
+            </a:r>
+            <a:r>
+              <a:rPr lang="en-US" altLang="ko-KR" sz="1400" b="1" spc="-15" dirty="0">
+                <a:solidFill>
+                  <a:srgbClr val="020302"/>
+                </a:solidFill>
+                <a:latin typeface="Adobe Clean"/>
+                <a:cs typeface="Adobe Clean"/>
+              </a:rPr>
+              <a:t>, </a:t>
+            </a:r>
+            <a:r>
+              <a:rPr lang="ko-KR" altLang="en-US" sz="1400" b="1" spc="-15" dirty="0">
+                <a:solidFill>
+                  <a:srgbClr val="020302"/>
+                </a:solidFill>
+                <a:latin typeface="Adobe Clean"/>
+                <a:cs typeface="Adobe Clean"/>
+              </a:rPr>
+              <a:t>로컬 운영 시간 및 언어 지원</a:t>
+            </a:r>
+            <a:endParaRPr lang="pl-PL" altLang="ko-KR" sz="1400" b="1" spc="-15" dirty="0">
+              <a:solidFill>
+                <a:srgbClr val="020302"/>
+              </a:solidFill>
+              <a:latin typeface="Adobe Clean"/>
+              <a:cs typeface="Adobe Clean"/>
             </a:endParaRPr>
           </a:p>
           <a:p>
-            <a:pPr>
+            <a:pPr lvl="0">
               <a:spcBef>
                 <a:spcPts val="915"/>
               </a:spcBef>
             </a:pPr>
             <a:r>
-              <a:rPr lang="en-US" sz="1000" spc="-15">
+              <a:rPr lang="en-US" altLang="ko-KR" sz="1000" spc="-15" dirty="0">
                 <a:solidFill>
                   <a:srgbClr val="1F1F1F"/>
                 </a:solidFill>
                 <a:latin typeface="AdobeClean-Light"/>
               </a:rPr>
-              <a:t>The regional scope of Adobe Support is established by aligning the customer's billing address (via the Sales Order or other Adobe Support purchasing document) to one of the following regions:</a:t>
-            </a:r>
-            <a:endParaRPr lang="en-US" sz="1000">
+              <a:t>Adobe </a:t>
+            </a:r>
+            <a:r>
+              <a:rPr lang="ko-KR" altLang="en-US" sz="1000" spc="-15" dirty="0">
+                <a:solidFill>
+                  <a:srgbClr val="1F1F1F"/>
+                </a:solidFill>
+                <a:latin typeface="AdobeClean-Light"/>
+              </a:rPr>
+              <a:t>지원의 지역적 범위는 </a:t>
+            </a:r>
+            <a:r>
+              <a:rPr lang="en-US" altLang="ko-KR" sz="1000" spc="-15" dirty="0">
+                <a:solidFill>
+                  <a:srgbClr val="1F1F1F"/>
+                </a:solidFill>
+                <a:latin typeface="AdobeClean-Light"/>
+              </a:rPr>
+              <a:t>(</a:t>
+            </a:r>
+            <a:r>
+              <a:rPr lang="ko-KR" altLang="en-US" sz="1000" spc="-15" dirty="0">
+                <a:solidFill>
+                  <a:srgbClr val="1F1F1F"/>
+                </a:solidFill>
+                <a:latin typeface="AdobeClean-Light"/>
+              </a:rPr>
+              <a:t>판매 주문서 또는 기타 </a:t>
+            </a:r>
+            <a:r>
+              <a:rPr lang="en-US" altLang="ko-KR" sz="1000" spc="-15" dirty="0">
+                <a:solidFill>
+                  <a:srgbClr val="1F1F1F"/>
+                </a:solidFill>
+                <a:latin typeface="AdobeClean-Light"/>
+              </a:rPr>
+              <a:t>Adobe </a:t>
+            </a:r>
+            <a:r>
+              <a:rPr lang="ko-KR" altLang="en-US" sz="1000" spc="-15" dirty="0">
+                <a:solidFill>
+                  <a:srgbClr val="1F1F1F"/>
+                </a:solidFill>
+                <a:latin typeface="AdobeClean-Light"/>
+              </a:rPr>
+              <a:t>지원 구매 문서를 통해</a:t>
+            </a:r>
+            <a:r>
+              <a:rPr lang="en-US" altLang="ko-KR" sz="1000" spc="-15" dirty="0">
+                <a:solidFill>
+                  <a:srgbClr val="1F1F1F"/>
+                </a:solidFill>
+                <a:latin typeface="AdobeClean-Light"/>
+              </a:rPr>
+              <a:t>) </a:t>
+            </a:r>
+            <a:r>
+              <a:rPr lang="ko-KR" altLang="en-US" sz="1000" spc="-15" dirty="0">
+                <a:solidFill>
+                  <a:srgbClr val="1F1F1F"/>
+                </a:solidFill>
+                <a:latin typeface="AdobeClean-Light"/>
+              </a:rPr>
+              <a:t>고객의 청구 주소를 다음 지역 중 하나에 맞춤으로써 설정됩니다</a:t>
+            </a:r>
+            <a:r>
+              <a:rPr lang="en-US" altLang="ko-KR" sz="1000" spc="-15" dirty="0">
+                <a:solidFill>
+                  <a:srgbClr val="1F1F1F"/>
+                </a:solidFill>
+                <a:latin typeface="AdobeClean-Light"/>
+              </a:rPr>
+              <a:t>.</a:t>
+            </a:r>
+            <a:endParaRPr lang="de-de" sz="1000" spc="-15" dirty="0">
+              <a:solidFill>
+                <a:srgbClr val="1F1F1F"/>
+              </a:solidFill>
               <a:latin typeface="AdobeClean-Light"/>
             </a:endParaRPr>
           </a:p>
@@ -16488,14 +15751,14 @@
           <p:nvPr>
             <p:extLst>
               <p:ext uri="{D42A27DB-BD31-4B8C-83A1-F6EECF244321}">
-                <p14:modId xmlns:p14="http://schemas.microsoft.com/office/powerpoint/2010/main" val="3975465108"/>
+                <p14:modId xmlns:p14="http://schemas.microsoft.com/office/powerpoint/2010/main" val="131420723"/>
               </p:ext>
             </p:extLst>
           </p:nvPr>
         </p:nvGraphicFramePr>
         <p:xfrm>
           <a:off x="171128" y="5907213"/>
-          <a:ext cx="7391400" cy="1336040"/>
+          <a:ext cx="7391400" cy="1280160"/>
         </p:xfrm>
         <a:graphic>
           <a:graphicData uri="http://schemas.openxmlformats.org/drawingml/2006/table">
@@ -16541,13 +15804,13 @@
                     <a:p>
                       <a:pPr algn="ctr"/>
                       <a:r>
-                        <a:rPr lang="en-US" sz="1100">
+                        <a:rPr lang="de-de" sz="1100" dirty="0">
                           <a:solidFill>
                             <a:schemeClr val="tx1"/>
                           </a:solidFill>
                           <a:latin typeface="Adobe Clean" panose="020B0503020404020204" pitchFamily="34" charset="0"/>
                         </a:rPr>
-                        <a:t>Americas</a:t>
+                        <a:t>미주</a:t>
                       </a:r>
                     </a:p>
                   </a:txBody>
@@ -16606,13 +15869,13 @@
                     <a:p>
                       <a:pPr algn="ctr"/>
                       <a:r>
-                        <a:rPr lang="en-US" sz="1100">
+                        <a:rPr lang="de-de" sz="1100" dirty="0">
                           <a:solidFill>
                             <a:schemeClr val="tx1"/>
                           </a:solidFill>
                           <a:latin typeface="Adobe Clean" panose="020B0503020404020204" pitchFamily="34" charset="0"/>
                         </a:rPr>
-                        <a:t>Europe, Middle East &amp; Africa</a:t>
+                        <a:t>유럽, 중동 및 아프리카</a:t>
                       </a:r>
                     </a:p>
                   </a:txBody>
@@ -16671,13 +15934,13 @@
                     <a:p>
                       <a:pPr algn="ctr"/>
                       <a:r>
-                        <a:rPr lang="en-US" sz="1100">
+                        <a:rPr lang="de-de" sz="1100" dirty="0">
                           <a:solidFill>
                             <a:schemeClr val="tx1"/>
                           </a:solidFill>
                           <a:latin typeface="Adobe Clean" panose="020B0503020404020204" pitchFamily="34" charset="0"/>
                         </a:rPr>
-                        <a:t>Asia Pacific</a:t>
+                        <a:t>아시아 태평양</a:t>
                       </a:r>
                     </a:p>
                   </a:txBody>
@@ -16736,16 +15999,16 @@
                     <a:p>
                       <a:pPr algn="ctr"/>
                       <a:r>
-                        <a:rPr lang="en-US" sz="1100">
+                        <a:rPr lang="de-de" sz="1100" dirty="0">
                           <a:solidFill>
                             <a:schemeClr val="tx1"/>
                           </a:solidFill>
                           <a:latin typeface="Adobe Clean" panose="020B0503020404020204" pitchFamily="34" charset="0"/>
                         </a:rPr>
-                        <a:t>Japan </a:t>
+                        <a:t>일본 </a:t>
                       </a:r>
                       <a:r>
-                        <a:rPr lang="en-US" sz="1100" baseline="30000">
+                        <a:rPr lang="de-de" sz="1100" baseline="30000" dirty="0">
                           <a:solidFill>
                             <a:schemeClr val="tx1"/>
                           </a:solidFill>
@@ -16753,7 +16016,7 @@
                         </a:rPr>
                         <a:t>1 </a:t>
                       </a:r>
-                      <a:endParaRPr lang="en-US" sz="1100">
+                      <a:endParaRPr lang="en-US" sz="1100" dirty="0">
                         <a:solidFill>
                           <a:schemeClr val="tx1"/>
                         </a:solidFill>
@@ -16823,13 +16086,13 @@
                     <a:p>
                       <a:pPr algn="ctr"/>
                       <a:r>
-                        <a:rPr lang="en-US" sz="1100">
+                        <a:rPr lang="de-de" sz="1100" dirty="0">
                           <a:solidFill>
                             <a:schemeClr val="tx1"/>
                           </a:solidFill>
                           <a:latin typeface="Adobe Clean" panose="020B0503020404020204" pitchFamily="34" charset="0"/>
                         </a:rPr>
-                        <a:t>6 am – 5:30 pm</a:t>
+                        <a:t>오전 6시~오후 5시 30분</a:t>
                       </a:r>
                     </a:p>
                   </a:txBody>
@@ -16888,13 +16151,13 @@
                     <a:p>
                       <a:pPr algn="ctr"/>
                       <a:r>
-                        <a:rPr lang="en-US" sz="1100">
+                        <a:rPr lang="de-de" sz="1100" dirty="0">
                           <a:solidFill>
                             <a:schemeClr val="tx1"/>
                           </a:solidFill>
                           <a:latin typeface="Adobe Clean" panose="020B0503020404020204" pitchFamily="34" charset="0"/>
                         </a:rPr>
-                        <a:t>9 am – 5 pm</a:t>
+                        <a:t>오전 9시~오후 5시</a:t>
                       </a:r>
                     </a:p>
                   </a:txBody>
@@ -16953,13 +16216,13 @@
                     <a:p>
                       <a:pPr algn="ctr"/>
                       <a:r>
-                        <a:rPr lang="en-US" sz="1100">
+                        <a:rPr lang="de-de" sz="1100" dirty="0">
                           <a:solidFill>
                             <a:schemeClr val="tx1"/>
                           </a:solidFill>
                           <a:latin typeface="Adobe Clean" panose="020B0503020404020204" pitchFamily="34" charset="0"/>
                         </a:rPr>
-                        <a:t>9 am – 5 pm</a:t>
+                        <a:t>오전 9시~오후 5시</a:t>
                       </a:r>
                     </a:p>
                   </a:txBody>
@@ -17018,13 +16281,13 @@
                     <a:p>
                       <a:pPr algn="ctr"/>
                       <a:r>
-                        <a:rPr lang="en-US" sz="1100">
+                        <a:rPr lang="de-de" sz="1100" dirty="0">
                           <a:solidFill>
                             <a:schemeClr val="tx1"/>
                           </a:solidFill>
                           <a:latin typeface="Adobe Clean" panose="020B0503020404020204" pitchFamily="34" charset="0"/>
                         </a:rPr>
-                        <a:t>9 am – 5:30 pm</a:t>
+                        <a:t>오전 9시~오후 5시 30분</a:t>
                       </a:r>
                     </a:p>
                   </a:txBody>
@@ -17088,7 +16351,7 @@
                     <a:bodyPr/>
                     <a:lstStyle/>
                     <a:p>
-                      <a:pPr marL="0" marR="0" lvl="0" indent="0" algn="ctr" eaLnBrk="1" fontAlgn="auto" latinLnBrk="0" hangingPunct="1">
+                      <a:pPr marL="0" marR="0" lvl="0" indent="0" algn="ctr" defTabSz="914400" eaLnBrk="1" fontAlgn="auto" latinLnBrk="0" hangingPunct="1">
                         <a:lnSpc>
                           <a:spcPct val="100000"/>
                         </a:lnSpc>
@@ -17102,22 +16365,18 @@
                         <a:buSzTx/>
                         <a:buFontTx/>
                         <a:buNone/>
+                        <a:tabLst/>
+                        <a:defRPr/>
                       </a:pPr>
                       <a:r>
-                        <a:rPr lang="en-US" sz="1100">
+                        <a:rPr lang="de-de" sz="1100" dirty="0">
                           <a:solidFill>
                             <a:schemeClr val="tx1"/>
                           </a:solidFill>
-                          <a:latin typeface="Adobe Clean"/>
+                          <a:latin typeface="Adobe Clean" panose="020B0503020404020204" pitchFamily="34" charset="0"/>
                         </a:rPr>
-                        <a:t>Language support is only available in English and Japanese. </a:t>
+                        <a:t>언어 지원은 영어와 일본어로만 제공됩니다. </a:t>
                       </a:r>
-                      <a:endParaRPr lang="en-US" sz="1100">
-                        <a:solidFill>
-                          <a:schemeClr val="tx1"/>
-                        </a:solidFill>
-                        <a:latin typeface="Adobe Clean" panose="020B0503020404020204" pitchFamily="34" charset="0"/>
-                      </a:endParaRPr>
                     </a:p>
                     <a:p>
                       <a:pPr marL="0" marR="0" lvl="0" indent="0" algn="ctr" defTabSz="914400" eaLnBrk="1" fontAlgn="auto" latinLnBrk="0" hangingPunct="1">
@@ -17137,7 +16396,7 @@
                         <a:tabLst/>
                         <a:defRPr/>
                       </a:pPr>
-                      <a:endParaRPr kumimoji="0" lang="en-US" sz="1100" b="1" i="0" u="none" strike="noStrike" kern="0" cap="none" spc="0" normalizeH="0" baseline="30000" noProof="0">
+                      <a:endParaRPr kumimoji="0" lang="en-US" sz="1100" b="1" i="0" u="none" strike="noStrike" kern="0" cap="none" spc="0" normalizeH="0" baseline="30000" noProof="0" dirty="0">
                         <a:ln>
                           <a:noFill/>
                         </a:ln>
@@ -17155,38 +16414,68 @@
                     <a:p>
                       <a:pPr algn="ctr"/>
                       <a:r>
-                        <a:rPr lang="en-US" sz="1100" i="0">
+                        <a:rPr lang="de-de" sz="1100" i="0" dirty="0">
                           <a:solidFill>
                             <a:schemeClr val="tx1"/>
                           </a:solidFill>
-                          <a:latin typeface="Adobe Clean"/>
+                          <a:latin typeface="Adobe Clean" panose="020B0503020404020204" pitchFamily="34" charset="0"/>
                         </a:rPr>
-                        <a:t> </a:t>
+                        <a:t> </a:t>
                       </a:r>
                       <a:r>
-                        <a:rPr lang="en-US" sz="1100" i="0" baseline="30000">
+                        <a:rPr lang="de-de" sz="1100" i="0" baseline="30000" dirty="0">
                           <a:solidFill>
                             <a:schemeClr val="tx1"/>
                           </a:solidFill>
-                          <a:latin typeface="Adobe Clean"/>
+                          <a:latin typeface="Adobe Clean" panose="020B0503020404020204" pitchFamily="34" charset="0"/>
                         </a:rPr>
-                        <a:t>1 </a:t>
+                        <a:t>1</a:t>
                       </a:r>
                       <a:r>
-                        <a:rPr lang="en-US" sz="1100" i="0">
+                        <a:rPr lang="ko-KR" altLang="en-US" sz="1100" i="0" baseline="30000" dirty="0">
                           <a:solidFill>
                             <a:schemeClr val="tx1"/>
                           </a:solidFill>
-                          <a:latin typeface="Adobe Clean"/>
+                          <a:latin typeface="Adobe Clean" panose="020B0503020404020204" pitchFamily="34" charset="0"/>
                         </a:rPr>
-                        <a:t>P2, P3, P4 cases are limited to business hours only in Japan.</a:t>
+                        <a:t>일본에서 </a:t>
                       </a:r>
-                      <a:endParaRPr lang="en-US" sz="1100" b="1" i="0">
-                        <a:solidFill>
-                          <a:schemeClr val="tx1"/>
-                        </a:solidFill>
-                        <a:latin typeface="Adobe Clean"/>
-                      </a:endParaRPr>
+                      <a:r>
+                        <a:rPr lang="en-US" altLang="ko-KR" sz="1100" i="0" baseline="30000" dirty="0">
+                          <a:solidFill>
+                            <a:schemeClr val="tx1"/>
+                          </a:solidFill>
+                          <a:latin typeface="Adobe Clean" panose="020B0503020404020204" pitchFamily="34" charset="0"/>
+                        </a:rPr>
+                        <a:t>P2, P3, P4 </a:t>
+                      </a:r>
+                      <a:r>
+                        <a:rPr lang="ko-KR" altLang="en-US" sz="1100" i="0" baseline="30000" dirty="0">
+                          <a:solidFill>
+                            <a:schemeClr val="tx1"/>
+                          </a:solidFill>
+                          <a:latin typeface="Adobe Clean" panose="020B0503020404020204" pitchFamily="34" charset="0"/>
+                        </a:rPr>
+                        <a:t>사례는 업무 시간으로만 제한됩니다</a:t>
+                      </a:r>
+                      <a:r>
+                        <a:rPr lang="en-US" altLang="ko-KR" sz="1100" i="0" baseline="30000" dirty="0">
+                          <a:solidFill>
+                            <a:schemeClr val="tx1"/>
+                          </a:solidFill>
+                          <a:latin typeface="Adobe Clean" panose="020B0503020404020204" pitchFamily="34" charset="0"/>
+                        </a:rPr>
+                        <a:t>.</a:t>
+                      </a:r>
+                      <a:r>
+                        <a:rPr lang="de-de" sz="1100" dirty="0">
+                          <a:solidFill>
+                            <a:schemeClr val="tx1"/>
+                          </a:solidFill>
+                          <a:latin typeface="Adobe Clean" panose="020B0503020404020204" pitchFamily="34" charset="0"/>
+                        </a:rPr>
+                        <a:t>.</a:t>
+                      </a:r>
                     </a:p>
                   </a:txBody>
                   <a:tcPr anchor="ctr">
@@ -17242,7 +16531,7 @@
                     <a:bodyPr/>
                     <a:lstStyle/>
                     <a:p>
-                      <a:endParaRPr lang="en-US" sz="1100">
+                      <a:endParaRPr lang="en-US" sz="1100" dirty="0">
                         <a:solidFill>
                           <a:schemeClr val="tx1"/>
                         </a:solidFill>
@@ -17303,7 +16592,7 @@
                     <a:bodyPr/>
                     <a:lstStyle/>
                     <a:p>
-                      <a:endParaRPr lang="en-US" sz="1100">
+                      <a:endParaRPr lang="en-US" sz="1100" dirty="0">
                         <a:solidFill>
                           <a:schemeClr val="tx1"/>
                         </a:solidFill>
@@ -17364,7 +16653,7 @@
                     <a:bodyPr/>
                     <a:lstStyle/>
                     <a:p>
-                      <a:endParaRPr lang="en-US" sz="1100">
+                      <a:endParaRPr lang="en-US" sz="1100" dirty="0">
                         <a:solidFill>
                           <a:schemeClr val="tx1"/>
                         </a:solidFill>
@@ -17550,126 +16839,36 @@
               </a:spcBef>
             </a:pPr>
             <a:r>
-              <a:rPr sz="1200" b="1" spc="-15">
+              <a:rPr lang="de-de" sz="1200" b="1" spc="-15" dirty="0">
                 <a:solidFill>
                   <a:srgbClr val="FFFFFF"/>
                 </a:solidFill>
                 <a:latin typeface="Adobe Clean"/>
                 <a:cs typeface="Adobe Clean"/>
               </a:rPr>
-              <a:t>U</a:t>
-            </a:r>
-            <a:r>
-              <a:rPr sz="1200" b="1" spc="-20">
+              <a:t>탁월한</a:t>
+            </a:r>
+            <a:r>
+              <a:rPr lang="de-de" sz="1200" b="1" dirty="0">
                 <a:solidFill>
                   <a:srgbClr val="FFFFFF"/>
                 </a:solidFill>
                 <a:latin typeface="Adobe Clean"/>
                 <a:cs typeface="Adobe Clean"/>
               </a:rPr>
-              <a:t>n</a:t>
-            </a:r>
-            <a:r>
-              <a:rPr sz="1200" b="1" spc="-25">
+              <a:t> </a:t>
+            </a:r>
+            <a:r>
+              <a:rPr lang="de-de" sz="1200" b="1" spc="-25" dirty="0">
                 <a:solidFill>
                   <a:srgbClr val="FFFFFF"/>
                 </a:solidFill>
                 <a:latin typeface="Adobe Clean"/>
                 <a:cs typeface="Adobe Clean"/>
               </a:rPr>
-              <a:t>p</a:t>
-            </a:r>
-            <a:r>
-              <a:rPr sz="1200" b="1" spc="-15">
-                <a:solidFill>
-                  <a:srgbClr val="FFFFFF"/>
-                </a:solidFill>
-                <a:latin typeface="Adobe Clean"/>
-                <a:cs typeface="Adobe Clean"/>
-              </a:rPr>
-              <a:t>a</a:t>
-            </a:r>
-            <a:r>
-              <a:rPr sz="1200" b="1" spc="-25">
-                <a:solidFill>
-                  <a:srgbClr val="FFFFFF"/>
-                </a:solidFill>
-                <a:latin typeface="Adobe Clean"/>
-                <a:cs typeface="Adobe Clean"/>
-              </a:rPr>
-              <a:t>r</a:t>
-            </a:r>
-            <a:r>
-              <a:rPr sz="1200" b="1" spc="-15">
-                <a:solidFill>
-                  <a:srgbClr val="FFFFFF"/>
-                </a:solidFill>
-                <a:latin typeface="Adobe Clean"/>
-                <a:cs typeface="Adobe Clean"/>
-              </a:rPr>
-              <a:t>a</a:t>
-            </a:r>
-            <a:r>
-              <a:rPr sz="1200" b="1" spc="-30">
-                <a:solidFill>
-                  <a:srgbClr val="FFFFFF"/>
-                </a:solidFill>
-                <a:latin typeface="Adobe Clean"/>
-                <a:cs typeface="Adobe Clean"/>
-              </a:rPr>
-              <a:t>ll</a:t>
-            </a:r>
-            <a:r>
-              <a:rPr sz="1200" b="1" spc="-25">
-                <a:solidFill>
-                  <a:srgbClr val="FFFFFF"/>
-                </a:solidFill>
-                <a:latin typeface="Adobe Clean"/>
-                <a:cs typeface="Adobe Clean"/>
-              </a:rPr>
-              <a:t>e</a:t>
-            </a:r>
-            <a:r>
-              <a:rPr sz="1200" b="1" spc="-30">
-                <a:solidFill>
-                  <a:srgbClr val="FFFFFF"/>
-                </a:solidFill>
-                <a:latin typeface="Adobe Clean"/>
-                <a:cs typeface="Adobe Clean"/>
-              </a:rPr>
-              <a:t>l</a:t>
-            </a:r>
-            <a:r>
-              <a:rPr sz="1200" b="1" spc="-25">
-                <a:solidFill>
-                  <a:srgbClr val="FFFFFF"/>
-                </a:solidFill>
-                <a:latin typeface="Adobe Clean"/>
-                <a:cs typeface="Adobe Clean"/>
-              </a:rPr>
-              <a:t>e</a:t>
-            </a:r>
-            <a:r>
-              <a:rPr sz="1200" b="1">
-                <a:solidFill>
-                  <a:srgbClr val="FFFFFF"/>
-                </a:solidFill>
-                <a:latin typeface="Adobe Clean"/>
-                <a:cs typeface="Adobe Clean"/>
-              </a:rPr>
-              <a:t>d  </a:t>
-            </a:r>
-            <a:r>
-              <a:rPr sz="1200" b="1" spc="-25">
-                <a:solidFill>
-                  <a:srgbClr val="FFFFFF"/>
-                </a:solidFill>
-                <a:latin typeface="Adobe Clean"/>
-                <a:cs typeface="Adobe Clean"/>
-              </a:rPr>
-              <a:t>Expertise</a:t>
-            </a:r>
-            <a:endParaRPr sz="1200">
+              <a:t>전문성</a:t>
+            </a:r>
+            <a:endParaRPr sz="1200" dirty="0">
               <a:latin typeface="Adobe Clean"/>
               <a:cs typeface="Adobe Clean"/>
             </a:endParaRPr>
@@ -17712,16 +16911,16 @@
               </a:spcBef>
             </a:pPr>
             <a:r>
-              <a:rPr lang="en-US" sz="1200" b="1" spc="-15">
+              <a:rPr lang="de-de" sz="1200" b="1" spc="-15" dirty="0">
                 <a:solidFill>
                   <a:srgbClr val="FFFFFF"/>
                 </a:solidFill>
                 <a:latin typeface="Adobe Clean"/>
                 <a:cs typeface="Adobe Clean"/>
               </a:rPr>
-              <a:t>Accelerated Support</a:t>
-            </a:r>
-            <a:endParaRPr sz="1200">
+              <a:t>신속한 지원</a:t>
+            </a:r>
+            <a:endParaRPr sz="1200" dirty="0">
               <a:latin typeface="Adobe Clean"/>
               <a:cs typeface="Adobe Clean"/>
             </a:endParaRPr>
@@ -17764,106 +16963,36 @@
               </a:spcBef>
             </a:pPr>
             <a:r>
-              <a:rPr sz="1200" b="1" spc="-50">
+              <a:rPr lang="de-de" sz="1200" b="1" spc="-50" dirty="0">
                 <a:solidFill>
                   <a:srgbClr val="FFFFFF"/>
                 </a:solidFill>
                 <a:latin typeface="Adobe Clean"/>
                 <a:cs typeface="Adobe Clean"/>
               </a:rPr>
-              <a:t>S</a:t>
-            </a:r>
-            <a:r>
-              <a:rPr sz="1200" b="1" spc="-20">
+              <a:t>전략적</a:t>
+            </a:r>
+            <a:r>
+              <a:rPr lang="de-de" sz="1200" b="1" dirty="0">
                 <a:solidFill>
                   <a:srgbClr val="FFFFFF"/>
                 </a:solidFill>
                 <a:latin typeface="Adobe Clean"/>
                 <a:cs typeface="Adobe Clean"/>
               </a:rPr>
-              <a:t>t</a:t>
-            </a:r>
-            <a:r>
-              <a:rPr sz="1200" b="1" spc="-75">
+              <a:t> </a:t>
+            </a:r>
+            <a:r>
+              <a:rPr lang="de-de" sz="1200" b="1" spc="-45" dirty="0">
                 <a:solidFill>
                   <a:srgbClr val="FFFFFF"/>
                 </a:solidFill>
                 <a:latin typeface="Adobe Clean"/>
                 <a:cs typeface="Adobe Clean"/>
               </a:rPr>
-              <a:t>r</a:t>
-            </a:r>
-            <a:r>
-              <a:rPr sz="1200" b="1" spc="-90">
-                <a:solidFill>
-                  <a:srgbClr val="FFFFFF"/>
-                </a:solidFill>
-                <a:latin typeface="Adobe Clean"/>
-                <a:cs typeface="Adobe Clean"/>
-              </a:rPr>
-              <a:t>a</a:t>
-            </a:r>
-            <a:r>
-              <a:rPr sz="1200" b="1" spc="-55">
-                <a:solidFill>
-                  <a:srgbClr val="FFFFFF"/>
-                </a:solidFill>
-                <a:latin typeface="Adobe Clean"/>
-                <a:cs typeface="Adobe Clean"/>
-              </a:rPr>
-              <a:t>t</a:t>
-            </a:r>
-            <a:r>
-              <a:rPr sz="1200" b="1" spc="-100">
-                <a:solidFill>
-                  <a:srgbClr val="FFFFFF"/>
-                </a:solidFill>
-                <a:latin typeface="Adobe Clean"/>
-                <a:cs typeface="Adobe Clean"/>
-              </a:rPr>
-              <a:t>e</a:t>
-            </a:r>
-            <a:r>
-              <a:rPr sz="1200" b="1" spc="-80">
-                <a:solidFill>
-                  <a:srgbClr val="FFFFFF"/>
-                </a:solidFill>
-                <a:latin typeface="Adobe Clean"/>
-                <a:cs typeface="Adobe Clean"/>
-              </a:rPr>
-              <a:t>g</a:t>
-            </a:r>
-            <a:r>
-              <a:rPr sz="1200" b="1" spc="-35">
-                <a:solidFill>
-                  <a:srgbClr val="FFFFFF"/>
-                </a:solidFill>
-                <a:latin typeface="Adobe Clean"/>
-                <a:cs typeface="Adobe Clean"/>
-              </a:rPr>
-              <a:t>i</a:t>
-            </a:r>
-            <a:r>
-              <a:rPr sz="1200" b="1">
-                <a:solidFill>
-                  <a:srgbClr val="FFFFFF"/>
-                </a:solidFill>
-                <a:latin typeface="Adobe Clean"/>
-                <a:cs typeface="Adobe Clean"/>
-              </a:rPr>
-              <a:t>c  </a:t>
-            </a:r>
-            <a:r>
-              <a:rPr sz="1200" b="1" spc="-45">
-                <a:solidFill>
-                  <a:srgbClr val="FFFFFF"/>
-                </a:solidFill>
-                <a:latin typeface="Adobe Clean"/>
-                <a:cs typeface="Adobe Clean"/>
-              </a:rPr>
-              <a:t>Advice</a:t>
-            </a:r>
-            <a:endParaRPr sz="1200">
+              <a:t>조언</a:t>
+            </a:r>
+            <a:endParaRPr sz="1200" dirty="0">
               <a:latin typeface="Adobe Clean"/>
               <a:cs typeface="Adobe Clean"/>
             </a:endParaRPr>
@@ -17923,7 +17052,7 @@
                     <a:lstStyle/>
                     <a:p>
                       <a:r>
-                        <a:rPr lang="en-US" sz="1100" b="0">
+                        <a:rPr lang="de-de" sz="1100" b="0" dirty="0">
                           <a:solidFill>
                             <a:schemeClr val="tx1"/>
                           </a:solidFill>
@@ -17934,7 +17063,7 @@
                         </a:rPr>
                         <a:t>Experience League</a:t>
                       </a:r>
-                      <a:endParaRPr lang="en-US" sz="1100" b="0">
+                      <a:endParaRPr lang="en-US" sz="1100" b="0" dirty="0">
                         <a:solidFill>
                           <a:schemeClr val="tx1"/>
                         </a:solidFill>
@@ -18015,7 +17144,7 @@
                         <a:defRPr/>
                       </a:pPr>
                       <a:r>
-                        <a:rPr lang="en-US" sz="1000" b="0" kern="1200">
+                        <a:rPr lang="de-de" sz="1000" b="0" kern="1200" dirty="0">
                           <a:solidFill>
                             <a:srgbClr val="000000"/>
                           </a:solidFill>
@@ -18023,7 +17152,7 @@
                           <a:ea typeface="+mn-ea"/>
                           <a:cs typeface="+mn-cs"/>
                         </a:rPr>
-                        <a:t>Experience League is how Adobe helps businesses achieve the value they expect from their Adobe investment. It’s the unified place where customers can learn, connect, and grow along a personalized path to success that includes self-help tutorials, product documentation, instructor-led training, community and technical support. </a:t>
+                        <a:t>Experience League를 통해 Adobe는 기업이 Adobe 투자에서 기대하는 가치를 달성하도록 지원합니다. 고객이 자기 주도 튜토리얼, 제품 설명서, 강의식 교육, 커뮤니티 및 기술 지원을 포함하는 개인 맞춤형 성공 경로를 따라가며 배우고, 교류하고, 성장할 수 있는 통합된 공간입니다. </a:t>
                       </a:r>
                     </a:p>
                   </a:txBody>
@@ -18105,7 +17234,7 @@
                         <a:defRPr/>
                       </a:pPr>
                       <a:r>
-                        <a:rPr lang="en-US" sz="1100">
+                        <a:rPr lang="de-de" sz="1100" dirty="0">
                           <a:solidFill>
                             <a:schemeClr val="dk1"/>
                           </a:solidFill>
@@ -18115,10 +17244,10 @@
                           <a:cs typeface="+mn-cs"/>
                           <a:hlinkClick r:id="rId8"/>
                         </a:rPr>
-                        <a:t>Training</a:t>
+                        <a:t>교육</a:t>
                       </a:r>
                       <a:r>
-                        <a:rPr lang="en-US" sz="1100">
+                        <a:rPr lang="de-de" sz="1100" dirty="0">
                           <a:solidFill>
                             <a:schemeClr val="dk1"/>
                           </a:solidFill>
@@ -18129,7 +17258,7 @@
                         </a:rPr>
                         <a:t> </a:t>
                       </a:r>
-                      <a:endParaRPr lang="en-US" sz="1100">
+                      <a:endParaRPr lang="en-US" sz="1100" dirty="0">
                         <a:solidFill>
                           <a:schemeClr val="tx1"/>
                         </a:solidFill>
@@ -18211,7 +17340,7 @@
                         <a:defRPr/>
                       </a:pPr>
                       <a:r>
-                        <a:rPr lang="en-US" sz="1000" kern="1200">
+                        <a:rPr lang="de-de" sz="1000" kern="1200" dirty="0">
                           <a:solidFill>
                             <a:srgbClr val="000000"/>
                           </a:solidFill>
@@ -18219,7 +17348,7 @@
                           <a:ea typeface="+mn-ea"/>
                           <a:cs typeface="+mn-cs"/>
                         </a:rPr>
-                        <a:t>Adobe Digital Learning Services courses are accessible from Experience League. Learning courses integrate both on-demand and instructor-led lessons.  Here you can accrue skills that have recognized market value and position them to drive success in your organizations.</a:t>
+                        <a:t>Adobe 디지털 학습 서비스 과정은 Experience League에서 액세스할 수 있습니다. 학습 과정은 주문형 수업과 강의식 수업을 모두 통합합니다. 여기에서 시장 가치를 인정받은 기술을 습득하고 조직에 포지셔닝하여 성공으로 이끌 수 있습니다.</a:t>
                       </a:r>
                     </a:p>
                   </a:txBody>
@@ -18301,7 +17430,7 @@
                         <a:defRPr/>
                       </a:pPr>
                       <a:r>
-                        <a:rPr lang="en-US" sz="1100">
+                        <a:rPr lang="de-de" sz="1100" dirty="0">
                           <a:solidFill>
                             <a:schemeClr val="tx1"/>
                           </a:solidFill>
@@ -18311,9 +17440,9 @@
                           <a:cs typeface="+mn-cs"/>
                           <a:hlinkClick r:id="rId9"/>
                         </a:rPr>
-                        <a:t>Production Issues &amp; System Outages</a:t>
+                        <a:t>생산 문제 및 시스템 중단</a:t>
                       </a:r>
-                      <a:endParaRPr lang="en-US" sz="1100">
+                      <a:endParaRPr lang="en-US" sz="1100" dirty="0">
                         <a:solidFill>
                           <a:schemeClr val="tx1"/>
                         </a:solidFill>
@@ -18395,7 +17524,7 @@
                         <a:defRPr/>
                       </a:pPr>
                       <a:r>
-                        <a:rPr lang="en-US" sz="1000" kern="1200">
+                        <a:rPr lang="de-de" sz="1000" kern="1200" dirty="0">
                           <a:solidFill>
                             <a:srgbClr val="000000"/>
                           </a:solidFill>
@@ -18403,7 +17532,7 @@
                           <a:ea typeface="+mn-ea"/>
                           <a:cs typeface="+mn-cs"/>
                         </a:rPr>
-                        <a:t>Status.adobe.com conveys the health information of all Adobe products and services that are deployed in multi-tenant environments. Customers can choose their subscription preferences to get email notifications whenever Adobe creates, updates or resolves a product event. This can include scheduled maintenance or service issues of varying levels of severity. </a:t>
+                        <a:t>Status.adobe.com은 다중 테넌트 환경에 배포된 모든 Adobe 제품 및 서비스의 상태 정보를 전달합니다. 고객은 구독 기본 설정을 선택하여 Adobe가 제품 이벤트를 생성 업데이트 또는 해결할 때마다 이메일 알림을 받을 수 있습니다. 여기에는 예정된 유지 관리 또는 다양한 심각도 수준의 서비스 문제가 포함될 수 있습니다. </a:t>
                       </a:r>
                     </a:p>
                   </a:txBody>
@@ -18485,7 +17614,7 @@
                         <a:defRPr/>
                       </a:pPr>
                       <a:r>
-                        <a:rPr lang="en-US" sz="1100">
+                        <a:rPr lang="de-de" sz="1100" dirty="0">
                           <a:solidFill>
                             <a:schemeClr val="tx1"/>
                           </a:solidFill>
@@ -18495,9 +17624,9 @@
                           <a:cs typeface="+mn-cs"/>
                           <a:hlinkClick r:id="rId10"/>
                         </a:rPr>
-                        <a:t>Terms and Conditions</a:t>
+                        <a:t>약관</a:t>
                       </a:r>
-                      <a:endParaRPr lang="en-US" sz="1100">
+                      <a:endParaRPr lang="en-US" sz="1100" dirty="0">
                         <a:solidFill>
                           <a:schemeClr val="tx1"/>
                         </a:solidFill>
@@ -18562,7 +17691,7 @@
                     <a:lstStyle/>
                     <a:p>
                       <a:r>
-                        <a:rPr lang="en-US" sz="1000" kern="1200">
+                        <a:rPr lang="de-de" sz="1000" kern="1200" dirty="0">
                           <a:solidFill>
                             <a:srgbClr val="000000"/>
                           </a:solidFill>
@@ -18570,7 +17699,7 @@
                           <a:ea typeface="+mn-ea"/>
                           <a:cs typeface="+mn-cs"/>
                         </a:rPr>
-                        <a:t>Terms and conditions detailing Support Services offerings</a:t>
+                        <a:t>지원 서비스 제공 사항을 자세히 설명하는 약관입니다.</a:t>
                       </a:r>
                     </a:p>
                   </a:txBody>
@@ -18634,7 +17763,7 @@
       </p:graphicFrame>
       <p:pic>
         <p:nvPicPr>
-          <p:cNvPr id="8" name="Graphic 7" descr="Target outline">
+          <p:cNvPr id="8" name="Graphic 7" descr="타겟 개요">
             <a:extLst>
               <a:ext uri="{FF2B5EF4-FFF2-40B4-BE49-F238E27FC236}">
                 <a16:creationId xmlns:a16="http://schemas.microsoft.com/office/drawing/2014/main" id="{1EAA263E-04A7-0D46-952E-EA3033B45116}"/>
@@ -18673,7 +17802,7 @@
       </p:pic>
       <p:pic>
         <p:nvPicPr>
-          <p:cNvPr id="10" name="Graphic 9" descr="Rocket outline">
+          <p:cNvPr id="10" name="Graphic 9" descr="로켓 개요">
             <a:extLst>
               <a:ext uri="{FF2B5EF4-FFF2-40B4-BE49-F238E27FC236}">
                 <a16:creationId xmlns:a16="http://schemas.microsoft.com/office/drawing/2014/main" id="{A068EBC3-B418-4E4A-A520-101CA4B39F23}"/>
@@ -18712,7 +17841,7 @@
       </p:pic>
       <p:pic>
         <p:nvPicPr>
-          <p:cNvPr id="12" name="Graphic 11" descr="Medal outline">
+          <p:cNvPr id="12" name="Graphic 11" descr="메달 개요">
             <a:extLst>
               <a:ext uri="{FF2B5EF4-FFF2-40B4-BE49-F238E27FC236}">
                 <a16:creationId xmlns:a16="http://schemas.microsoft.com/office/drawing/2014/main" id="{C7BEFC2D-0CA6-0448-B9FA-6E1581CA6D36}"/>
@@ -19571,18 +18700,18 @@
 <file path=customXml/itemProps2.xml><?xml version="1.0" encoding="utf-8"?>
 <ds:datastoreItem xmlns:ds="http://schemas.openxmlformats.org/officeDocument/2006/customXml" ds:itemID="{75C1A8FD-3884-41A0-BE37-D15776C885D1}">
   <ds:schemaRefs>
+    <ds:schemaRef ds:uri="http://schemas.microsoft.com/office/2006/metadata/contentType"/>
+    <ds:schemaRef ds:uri="http://schemas.microsoft.com/office/2006/metadata/properties/metaAttributes"/>
+    <ds:schemaRef ds:uri="http://www.w3.org/2001/XMLSchema"/>
+    <ds:schemaRef ds:uri="http://schemas.microsoft.com/office/2006/metadata/properties"/>
+    <ds:schemaRef ds:uri="8a053bff-88be-49e4-9a87-e748e18b8b62"/>
     <ds:schemaRef ds:uri="6c8368ec-3776-49b5-a5bb-90648cf9530f"/>
-    <ds:schemaRef ds:uri="8a053bff-88be-49e4-9a87-e748e18b8b62"/>
+    <ds:schemaRef ds:uri="http://schemas.microsoft.com/office/2006/documentManagement/types"/>
+    <ds:schemaRef ds:uri="http://schemas.microsoft.com/office/infopath/2007/PartnerControls"/>
+    <ds:schemaRef ds:uri="http://schemas.openxmlformats.org/package/2006/metadata/core-properties"/>
     <ds:schemaRef ds:uri="http://purl.org/dc/elements/1.1/"/>
     <ds:schemaRef ds:uri="http://purl.org/dc/terms/"/>
     <ds:schemaRef ds:uri="http://schemas.microsoft.com/internal/obd"/>
-    <ds:schemaRef ds:uri="http://schemas.microsoft.com/office/2006/documentManagement/types"/>
-    <ds:schemaRef ds:uri="http://schemas.microsoft.com/office/2006/metadata/contentType"/>
-    <ds:schemaRef ds:uri="http://schemas.microsoft.com/office/2006/metadata/properties"/>
-    <ds:schemaRef ds:uri="http://schemas.microsoft.com/office/2006/metadata/properties/metaAttributes"/>
-    <ds:schemaRef ds:uri="http://schemas.microsoft.com/office/infopath/2007/PartnerControls"/>
-    <ds:schemaRef ds:uri="http://schemas.openxmlformats.org/package/2006/metadata/core-properties"/>
-    <ds:schemaRef ds:uri="http://www.w3.org/2001/XMLSchema"/>
   </ds:schemaRefs>
 </ds:datastoreItem>
 </file>
